--- a/requirejs/doc/requirejs.pptx
+++ b/requirejs/doc/requirejs.pptx
@@ -7,7 +7,9 @@
   <p:sldIdLst>
     <p:sldId id="258" r:id="rId2"/>
     <p:sldId id="256" r:id="rId3"/>
-    <p:sldId id="257" r:id="rId4"/>
+    <p:sldId id="260" r:id="rId4"/>
+    <p:sldId id="259" r:id="rId5"/>
+    <p:sldId id="257" r:id="rId6"/>
   </p:sldIdLst>
   <p:sldSz cx="9144000" cy="6858000" type="screen4x3"/>
   <p:notesSz cx="6858000" cy="9144000"/>
@@ -291,7 +293,7 @@
             <a:fld id="{530820CF-B880-4189-942D-D702A7CBA730}" type="datetimeFigureOut">
               <a:rPr lang="zh-CN" altLang="en-US" smtClean="0"/>
               <a:pPr/>
-              <a:t>2016/5/4</a:t>
+              <a:t>2016/5/5</a:t>
             </a:fld>
             <a:endParaRPr lang="zh-CN" altLang="en-US"/>
           </a:p>
@@ -458,7 +460,7 @@
             <a:fld id="{530820CF-B880-4189-942D-D702A7CBA730}" type="datetimeFigureOut">
               <a:rPr lang="zh-CN" altLang="en-US" smtClean="0"/>
               <a:pPr/>
-              <a:t>2016/5/4</a:t>
+              <a:t>2016/5/5</a:t>
             </a:fld>
             <a:endParaRPr lang="zh-CN" altLang="en-US"/>
           </a:p>
@@ -635,7 +637,7 @@
             <a:fld id="{530820CF-B880-4189-942D-D702A7CBA730}" type="datetimeFigureOut">
               <a:rPr lang="zh-CN" altLang="en-US" smtClean="0"/>
               <a:pPr/>
-              <a:t>2016/5/4</a:t>
+              <a:t>2016/5/5</a:t>
             </a:fld>
             <a:endParaRPr lang="zh-CN" altLang="en-US"/>
           </a:p>
@@ -802,7 +804,7 @@
             <a:fld id="{530820CF-B880-4189-942D-D702A7CBA730}" type="datetimeFigureOut">
               <a:rPr lang="zh-CN" altLang="en-US" smtClean="0"/>
               <a:pPr/>
-              <a:t>2016/5/4</a:t>
+              <a:t>2016/5/5</a:t>
             </a:fld>
             <a:endParaRPr lang="zh-CN" altLang="en-US"/>
           </a:p>
@@ -1045,7 +1047,7 @@
             <a:fld id="{530820CF-B880-4189-942D-D702A7CBA730}" type="datetimeFigureOut">
               <a:rPr lang="zh-CN" altLang="en-US" smtClean="0"/>
               <a:pPr/>
-              <a:t>2016/5/4</a:t>
+              <a:t>2016/5/5</a:t>
             </a:fld>
             <a:endParaRPr lang="zh-CN" altLang="en-US"/>
           </a:p>
@@ -1330,7 +1332,7 @@
             <a:fld id="{530820CF-B880-4189-942D-D702A7CBA730}" type="datetimeFigureOut">
               <a:rPr lang="zh-CN" altLang="en-US" smtClean="0"/>
               <a:pPr/>
-              <a:t>2016/5/4</a:t>
+              <a:t>2016/5/5</a:t>
             </a:fld>
             <a:endParaRPr lang="zh-CN" altLang="en-US"/>
           </a:p>
@@ -1749,7 +1751,7 @@
             <a:fld id="{530820CF-B880-4189-942D-D702A7CBA730}" type="datetimeFigureOut">
               <a:rPr lang="zh-CN" altLang="en-US" smtClean="0"/>
               <a:pPr/>
-              <a:t>2016/5/4</a:t>
+              <a:t>2016/5/5</a:t>
             </a:fld>
             <a:endParaRPr lang="zh-CN" altLang="en-US"/>
           </a:p>
@@ -1864,7 +1866,7 @@
             <a:fld id="{530820CF-B880-4189-942D-D702A7CBA730}" type="datetimeFigureOut">
               <a:rPr lang="zh-CN" altLang="en-US" smtClean="0"/>
               <a:pPr/>
-              <a:t>2016/5/4</a:t>
+              <a:t>2016/5/5</a:t>
             </a:fld>
             <a:endParaRPr lang="zh-CN" altLang="en-US"/>
           </a:p>
@@ -1956,7 +1958,7 @@
             <a:fld id="{530820CF-B880-4189-942D-D702A7CBA730}" type="datetimeFigureOut">
               <a:rPr lang="zh-CN" altLang="en-US" smtClean="0"/>
               <a:pPr/>
-              <a:t>2016/5/4</a:t>
+              <a:t>2016/5/5</a:t>
             </a:fld>
             <a:endParaRPr lang="zh-CN" altLang="en-US"/>
           </a:p>
@@ -2230,7 +2232,7 @@
             <a:fld id="{530820CF-B880-4189-942D-D702A7CBA730}" type="datetimeFigureOut">
               <a:rPr lang="zh-CN" altLang="en-US" smtClean="0"/>
               <a:pPr/>
-              <a:t>2016/5/4</a:t>
+              <a:t>2016/5/5</a:t>
             </a:fld>
             <a:endParaRPr lang="zh-CN" altLang="en-US"/>
           </a:p>
@@ -2480,7 +2482,7 @@
             <a:fld id="{530820CF-B880-4189-942D-D702A7CBA730}" type="datetimeFigureOut">
               <a:rPr lang="zh-CN" altLang="en-US" smtClean="0"/>
               <a:pPr/>
-              <a:t>2016/5/4</a:t>
+              <a:t>2016/5/5</a:t>
             </a:fld>
             <a:endParaRPr lang="zh-CN" altLang="en-US"/>
           </a:p>
@@ -2690,7 +2692,7 @@
             <a:fld id="{530820CF-B880-4189-942D-D702A7CBA730}" type="datetimeFigureOut">
               <a:rPr lang="zh-CN" altLang="en-US" smtClean="0"/>
               <a:pPr/>
-              <a:t>2016/5/4</a:t>
+              <a:t>2016/5/5</a:t>
             </a:fld>
             <a:endParaRPr lang="zh-CN" altLang="en-US"/>
           </a:p>
@@ -3277,6 +3279,1740 @@
             <p:ph type="title"/>
           </p:nvPr>
         </p:nvSpPr>
+        <p:spPr>
+          <a:xfrm>
+            <a:off x="467544" y="2708920"/>
+            <a:ext cx="8229600" cy="1143000"/>
+          </a:xfrm>
+        </p:spPr>
+        <p:txBody>
+          <a:bodyPr>
+            <a:normAutofit fontScale="90000"/>
+          </a:bodyPr>
+          <a:lstStyle/>
+          <a:p>
+            <a:r>
+              <a:rPr lang="en-US" altLang="zh-CN" dirty="0" smtClean="0"/>
+              <a:t/>
+            </a:r>
+            <a:br>
+              <a:rPr lang="en-US" altLang="zh-CN" dirty="0" smtClean="0"/>
+            </a:br>
+            <a:r>
+              <a:rPr lang="en-US" altLang="zh-CN" dirty="0" err="1" smtClean="0">
+                <a:solidFill>
+                  <a:srgbClr val="212121"/>
+                </a:solidFill>
+              </a:rPr>
+              <a:t>Requirejs</a:t>
+            </a:r>
+            <a:r>
+              <a:rPr lang="zh-CN" altLang="en-US" dirty="0" smtClean="0">
+                <a:solidFill>
+                  <a:srgbClr val="212121"/>
+                </a:solidFill>
+              </a:rPr>
+              <a:t>模块化开发</a:t>
+            </a:r>
+            <a:r>
+              <a:rPr lang="zh-CN" altLang="en-US" dirty="0" smtClean="0"/>
+              <a:t/>
+            </a:r>
+            <a:br>
+              <a:rPr lang="zh-CN" altLang="en-US" dirty="0" smtClean="0"/>
+            </a:br>
+            <a:endParaRPr lang="zh-CN" altLang="en-US" dirty="0"/>
+          </a:p>
+        </p:txBody>
+      </p:sp>
+      <p:sp>
+        <p:nvSpPr>
+          <p:cNvPr id="3" name="内容占位符 2"/>
+          <p:cNvSpPr>
+            <a:spLocks noGrp="1"/>
+          </p:cNvSpPr>
+          <p:nvPr>
+            <p:ph idx="1"/>
+          </p:nvPr>
+        </p:nvSpPr>
+        <p:spPr/>
+        <p:txBody>
+          <a:bodyPr/>
+          <a:lstStyle/>
+          <a:p>
+            <a:endParaRPr lang="zh-CN" altLang="en-US" dirty="0"/>
+          </a:p>
+        </p:txBody>
+      </p:sp>
+    </p:spTree>
+  </p:cSld>
+  <p:clrMapOvr>
+    <a:masterClrMapping/>
+  </p:clrMapOvr>
+</p:sld>
+</file>
+
+<file path=ppt/slides/slide4.xml><?xml version="1.0" encoding="utf-8"?>
+<p:sld xmlns:a="http://schemas.openxmlformats.org/drawingml/2006/main" xmlns:r="http://schemas.openxmlformats.org/officeDocument/2006/relationships" xmlns:p="http://schemas.openxmlformats.org/presentationml/2006/main">
+  <p:cSld>
+    <p:spTree>
+      <p:nvGrpSpPr>
+        <p:cNvPr id="1" name=""/>
+        <p:cNvGrpSpPr/>
+        <p:nvPr/>
+      </p:nvGrpSpPr>
+      <p:grpSpPr>
+        <a:xfrm>
+          <a:off x="0" y="0"/>
+          <a:ext cx="0" cy="0"/>
+          <a:chOff x="0" y="0"/>
+          <a:chExt cx="0" cy="0"/>
+        </a:xfrm>
+      </p:grpSpPr>
+      <p:sp>
+        <p:nvSpPr>
+          <p:cNvPr id="2" name="标题 1"/>
+          <p:cNvSpPr>
+            <a:spLocks noGrp="1"/>
+          </p:cNvSpPr>
+          <p:nvPr>
+            <p:ph type="title"/>
+          </p:nvPr>
+        </p:nvSpPr>
+        <p:spPr/>
+        <p:txBody>
+          <a:bodyPr/>
+          <a:lstStyle/>
+          <a:p>
+            <a:endParaRPr lang="zh-CN" altLang="en-US" dirty="0"/>
+          </a:p>
+        </p:txBody>
+      </p:sp>
+      <p:sp>
+        <p:nvSpPr>
+          <p:cNvPr id="3" name="内容占位符 2"/>
+          <p:cNvSpPr>
+            <a:spLocks noGrp="1"/>
+          </p:cNvSpPr>
+          <p:nvPr>
+            <p:ph idx="1"/>
+          </p:nvPr>
+        </p:nvSpPr>
+        <p:spPr/>
+        <p:txBody>
+          <a:bodyPr/>
+          <a:lstStyle/>
+          <a:p>
+            <a:endParaRPr lang="zh-CN" altLang="en-US" dirty="0"/>
+          </a:p>
+        </p:txBody>
+      </p:sp>
+      <p:sp>
+        <p:nvSpPr>
+          <p:cNvPr id="4" name="椭圆 3"/>
+          <p:cNvSpPr/>
+          <p:nvPr/>
+        </p:nvSpPr>
+        <p:spPr>
+          <a:xfrm>
+            <a:off x="3419872" y="332656"/>
+            <a:ext cx="2016224" cy="914400"/>
+          </a:xfrm>
+          <a:prstGeom prst="ellipse">
+            <a:avLst/>
+          </a:prstGeom>
+        </p:spPr>
+        <p:style>
+          <a:lnRef idx="2">
+            <a:schemeClr val="accent1">
+              <a:shade val="50000"/>
+            </a:schemeClr>
+          </a:lnRef>
+          <a:fillRef idx="1">
+            <a:schemeClr val="accent1"/>
+          </a:fillRef>
+          <a:effectRef idx="0">
+            <a:schemeClr val="accent1"/>
+          </a:effectRef>
+          <a:fontRef idx="minor">
+            <a:schemeClr val="lt1"/>
+          </a:fontRef>
+        </p:style>
+        <p:txBody>
+          <a:bodyPr rtlCol="0" anchor="ctr"/>
+          <a:lstStyle/>
+          <a:p>
+            <a:pPr algn="ctr"/>
+            <a:r>
+              <a:rPr lang="en-US" altLang="zh-CN" sz="2400" dirty="0" err="1" smtClean="0"/>
+              <a:t>a</a:t>
+            </a:r>
+            <a:r>
+              <a:rPr lang="en-US" altLang="zh-CN" sz="2400" dirty="0" err="1" smtClean="0"/>
+              <a:t>pp.js</a:t>
+            </a:r>
+            <a:endParaRPr lang="zh-CN" altLang="en-US" sz="2400" dirty="0"/>
+          </a:p>
+        </p:txBody>
+      </p:sp>
+      <p:sp>
+        <p:nvSpPr>
+          <p:cNvPr id="5" name="椭圆 4"/>
+          <p:cNvSpPr/>
+          <p:nvPr/>
+        </p:nvSpPr>
+        <p:spPr>
+          <a:xfrm>
+            <a:off x="827584" y="2348880"/>
+            <a:ext cx="1512168" cy="864096"/>
+          </a:xfrm>
+          <a:prstGeom prst="ellipse">
+            <a:avLst/>
+          </a:prstGeom>
+        </p:spPr>
+        <p:style>
+          <a:lnRef idx="2">
+            <a:schemeClr val="accent1">
+              <a:shade val="50000"/>
+            </a:schemeClr>
+          </a:lnRef>
+          <a:fillRef idx="1">
+            <a:schemeClr val="accent1"/>
+          </a:fillRef>
+          <a:effectRef idx="0">
+            <a:schemeClr val="accent1"/>
+          </a:effectRef>
+          <a:fontRef idx="minor">
+            <a:schemeClr val="lt1"/>
+          </a:fontRef>
+        </p:style>
+        <p:txBody>
+          <a:bodyPr rtlCol="0" anchor="ctr"/>
+          <a:lstStyle/>
+          <a:p>
+            <a:pPr algn="ctr"/>
+            <a:r>
+              <a:rPr lang="en-US" altLang="zh-CN" dirty="0" err="1" smtClean="0"/>
+              <a:t>Jquery</a:t>
+            </a:r>
+            <a:endParaRPr lang="zh-CN" altLang="en-US" dirty="0"/>
+          </a:p>
+        </p:txBody>
+      </p:sp>
+      <p:sp>
+        <p:nvSpPr>
+          <p:cNvPr id="7" name="椭圆 6"/>
+          <p:cNvSpPr/>
+          <p:nvPr/>
+        </p:nvSpPr>
+        <p:spPr>
+          <a:xfrm>
+            <a:off x="2555776" y="2276872"/>
+            <a:ext cx="1800200" cy="936104"/>
+          </a:xfrm>
+          <a:prstGeom prst="ellipse">
+            <a:avLst/>
+          </a:prstGeom>
+        </p:spPr>
+        <p:style>
+          <a:lnRef idx="2">
+            <a:schemeClr val="accent1">
+              <a:shade val="50000"/>
+            </a:schemeClr>
+          </a:lnRef>
+          <a:fillRef idx="1">
+            <a:schemeClr val="accent1"/>
+          </a:fillRef>
+          <a:effectRef idx="0">
+            <a:schemeClr val="accent1"/>
+          </a:effectRef>
+          <a:fontRef idx="minor">
+            <a:schemeClr val="lt1"/>
+          </a:fontRef>
+        </p:style>
+        <p:txBody>
+          <a:bodyPr rtlCol="0" anchor="ctr"/>
+          <a:lstStyle/>
+          <a:p>
+            <a:pPr algn="ctr"/>
+            <a:r>
+              <a:rPr lang="en-US" altLang="zh-CN" dirty="0" smtClean="0"/>
+              <a:t>Backbone</a:t>
+            </a:r>
+            <a:endParaRPr lang="zh-CN" altLang="en-US" b="1" dirty="0"/>
+          </a:p>
+        </p:txBody>
+      </p:sp>
+      <p:sp>
+        <p:nvSpPr>
+          <p:cNvPr id="8" name="椭圆 7"/>
+          <p:cNvSpPr/>
+          <p:nvPr/>
+        </p:nvSpPr>
+        <p:spPr>
+          <a:xfrm>
+            <a:off x="4644008" y="2276872"/>
+            <a:ext cx="1728192" cy="1008112"/>
+          </a:xfrm>
+          <a:prstGeom prst="ellipse">
+            <a:avLst/>
+          </a:prstGeom>
+        </p:spPr>
+        <p:style>
+          <a:lnRef idx="2">
+            <a:schemeClr val="accent1">
+              <a:shade val="50000"/>
+            </a:schemeClr>
+          </a:lnRef>
+          <a:fillRef idx="1">
+            <a:schemeClr val="accent1"/>
+          </a:fillRef>
+          <a:effectRef idx="0">
+            <a:schemeClr val="accent1"/>
+          </a:effectRef>
+          <a:fontRef idx="minor">
+            <a:schemeClr val="lt1"/>
+          </a:fontRef>
+        </p:style>
+        <p:txBody>
+          <a:bodyPr rtlCol="0" anchor="ctr"/>
+          <a:lstStyle/>
+          <a:p>
+            <a:pPr algn="ctr"/>
+            <a:r>
+              <a:rPr lang="en-US" altLang="zh-CN" dirty="0" smtClean="0"/>
+              <a:t>bootstrap</a:t>
+            </a:r>
+            <a:endParaRPr lang="zh-CN" altLang="en-US" dirty="0"/>
+          </a:p>
+        </p:txBody>
+      </p:sp>
+      <p:sp>
+        <p:nvSpPr>
+          <p:cNvPr id="9" name="椭圆 8"/>
+          <p:cNvSpPr/>
+          <p:nvPr/>
+        </p:nvSpPr>
+        <p:spPr>
+          <a:xfrm>
+            <a:off x="6732240" y="2204864"/>
+            <a:ext cx="1872208" cy="1008112"/>
+          </a:xfrm>
+          <a:prstGeom prst="ellipse">
+            <a:avLst/>
+          </a:prstGeom>
+        </p:spPr>
+        <p:style>
+          <a:lnRef idx="2">
+            <a:schemeClr val="accent1">
+              <a:shade val="50000"/>
+            </a:schemeClr>
+          </a:lnRef>
+          <a:fillRef idx="1">
+            <a:schemeClr val="accent1"/>
+          </a:fillRef>
+          <a:effectRef idx="0">
+            <a:schemeClr val="accent1"/>
+          </a:effectRef>
+          <a:fontRef idx="minor">
+            <a:schemeClr val="lt1"/>
+          </a:fontRef>
+        </p:style>
+        <p:txBody>
+          <a:bodyPr rtlCol="0" anchor="ctr"/>
+          <a:lstStyle/>
+          <a:p>
+            <a:pPr algn="ctr"/>
+            <a:r>
+              <a:rPr lang="en-US" altLang="zh-CN" dirty="0" err="1" smtClean="0"/>
+              <a:t>Helper.js</a:t>
+            </a:r>
+            <a:endParaRPr lang="zh-CN" altLang="en-US" dirty="0"/>
+          </a:p>
+        </p:txBody>
+      </p:sp>
+      <p:cxnSp>
+        <p:nvCxnSpPr>
+          <p:cNvPr id="11" name="直接箭头连接符 10"/>
+          <p:cNvCxnSpPr/>
+          <p:nvPr/>
+        </p:nvCxnSpPr>
+        <p:spPr>
+          <a:xfrm flipH="1">
+            <a:off x="1907704" y="1124744"/>
+            <a:ext cx="1800200" cy="1224136"/>
+          </a:xfrm>
+          <a:prstGeom prst="straightConnector1">
+            <a:avLst/>
+          </a:prstGeom>
+          <a:ln>
+            <a:tailEnd type="arrow"/>
+          </a:ln>
+        </p:spPr>
+        <p:style>
+          <a:lnRef idx="1">
+            <a:schemeClr val="accent1"/>
+          </a:lnRef>
+          <a:fillRef idx="0">
+            <a:schemeClr val="accent1"/>
+          </a:fillRef>
+          <a:effectRef idx="0">
+            <a:schemeClr val="accent1"/>
+          </a:effectRef>
+          <a:fontRef idx="minor">
+            <a:schemeClr val="tx1"/>
+          </a:fontRef>
+        </p:style>
+      </p:cxnSp>
+      <p:cxnSp>
+        <p:nvCxnSpPr>
+          <p:cNvPr id="13" name="直接箭头连接符 12"/>
+          <p:cNvCxnSpPr>
+            <a:endCxn id="7" idx="0"/>
+          </p:cNvCxnSpPr>
+          <p:nvPr/>
+        </p:nvCxnSpPr>
+        <p:spPr>
+          <a:xfrm flipH="1">
+            <a:off x="3455876" y="1268760"/>
+            <a:ext cx="756084" cy="1008112"/>
+          </a:xfrm>
+          <a:prstGeom prst="straightConnector1">
+            <a:avLst/>
+          </a:prstGeom>
+          <a:ln>
+            <a:tailEnd type="arrow"/>
+          </a:ln>
+        </p:spPr>
+        <p:style>
+          <a:lnRef idx="1">
+            <a:schemeClr val="accent1"/>
+          </a:lnRef>
+          <a:fillRef idx="0">
+            <a:schemeClr val="accent1"/>
+          </a:fillRef>
+          <a:effectRef idx="0">
+            <a:schemeClr val="accent1"/>
+          </a:effectRef>
+          <a:fontRef idx="minor">
+            <a:schemeClr val="tx1"/>
+          </a:fontRef>
+        </p:style>
+      </p:cxnSp>
+      <p:cxnSp>
+        <p:nvCxnSpPr>
+          <p:cNvPr id="15" name="直接箭头连接符 14"/>
+          <p:cNvCxnSpPr>
+            <a:endCxn id="8" idx="0"/>
+          </p:cNvCxnSpPr>
+          <p:nvPr/>
+        </p:nvCxnSpPr>
+        <p:spPr>
+          <a:xfrm>
+            <a:off x="4788024" y="1268760"/>
+            <a:ext cx="720080" cy="1008112"/>
+          </a:xfrm>
+          <a:prstGeom prst="straightConnector1">
+            <a:avLst/>
+          </a:prstGeom>
+          <a:ln>
+            <a:tailEnd type="arrow"/>
+          </a:ln>
+        </p:spPr>
+        <p:style>
+          <a:lnRef idx="1">
+            <a:schemeClr val="accent1"/>
+          </a:lnRef>
+          <a:fillRef idx="0">
+            <a:schemeClr val="accent1"/>
+          </a:fillRef>
+          <a:effectRef idx="0">
+            <a:schemeClr val="accent1"/>
+          </a:effectRef>
+          <a:fontRef idx="minor">
+            <a:schemeClr val="tx1"/>
+          </a:fontRef>
+        </p:style>
+      </p:cxnSp>
+      <p:cxnSp>
+        <p:nvCxnSpPr>
+          <p:cNvPr id="17" name="直接箭头连接符 16"/>
+          <p:cNvCxnSpPr>
+            <a:stCxn id="4" idx="5"/>
+          </p:cNvCxnSpPr>
+          <p:nvPr/>
+        </p:nvCxnSpPr>
+        <p:spPr>
+          <a:xfrm>
+            <a:off x="5140827" y="1113145"/>
+            <a:ext cx="2239485" cy="1091719"/>
+          </a:xfrm>
+          <a:prstGeom prst="straightConnector1">
+            <a:avLst/>
+          </a:prstGeom>
+          <a:ln>
+            <a:tailEnd type="arrow"/>
+          </a:ln>
+        </p:spPr>
+        <p:style>
+          <a:lnRef idx="1">
+            <a:schemeClr val="accent1"/>
+          </a:lnRef>
+          <a:fillRef idx="0">
+            <a:schemeClr val="accent1"/>
+          </a:fillRef>
+          <a:effectRef idx="0">
+            <a:schemeClr val="accent1"/>
+          </a:effectRef>
+          <a:fontRef idx="minor">
+            <a:schemeClr val="tx1"/>
+          </a:fontRef>
+        </p:style>
+      </p:cxnSp>
+      <p:sp>
+        <p:nvSpPr>
+          <p:cNvPr id="24" name="椭圆 23"/>
+          <p:cNvSpPr/>
+          <p:nvPr/>
+        </p:nvSpPr>
+        <p:spPr>
+          <a:xfrm>
+            <a:off x="3347864" y="4149080"/>
+            <a:ext cx="2304256" cy="1152128"/>
+          </a:xfrm>
+          <a:prstGeom prst="ellipse">
+            <a:avLst/>
+          </a:prstGeom>
+        </p:spPr>
+        <p:style>
+          <a:lnRef idx="2">
+            <a:schemeClr val="accent1">
+              <a:shade val="50000"/>
+            </a:schemeClr>
+          </a:lnRef>
+          <a:fillRef idx="1">
+            <a:schemeClr val="accent1"/>
+          </a:fillRef>
+          <a:effectRef idx="0">
+            <a:schemeClr val="accent1"/>
+          </a:effectRef>
+          <a:fontRef idx="minor">
+            <a:schemeClr val="lt1"/>
+          </a:fontRef>
+        </p:style>
+        <p:txBody>
+          <a:bodyPr rtlCol="0" anchor="ctr"/>
+          <a:lstStyle/>
+          <a:p>
+            <a:pPr algn="ctr"/>
+            <a:r>
+              <a:rPr lang="en-US" altLang="zh-CN" sz="2400" dirty="0" err="1" smtClean="0"/>
+              <a:t>a</a:t>
+            </a:r>
+            <a:r>
+              <a:rPr lang="en-US" altLang="zh-CN" sz="2400" dirty="0" err="1" smtClean="0"/>
+              <a:t>pp.js</a:t>
+            </a:r>
+            <a:endParaRPr lang="zh-CN" altLang="en-US" sz="2400" dirty="0"/>
+          </a:p>
+        </p:txBody>
+      </p:sp>
+      <p:cxnSp>
+        <p:nvCxnSpPr>
+          <p:cNvPr id="26" name="直接箭头连接符 25"/>
+          <p:cNvCxnSpPr/>
+          <p:nvPr/>
+        </p:nvCxnSpPr>
+        <p:spPr>
+          <a:xfrm>
+            <a:off x="1763688" y="3284984"/>
+            <a:ext cx="1872208" cy="1008112"/>
+          </a:xfrm>
+          <a:prstGeom prst="straightConnector1">
+            <a:avLst/>
+          </a:prstGeom>
+          <a:ln>
+            <a:tailEnd type="arrow"/>
+          </a:ln>
+        </p:spPr>
+        <p:style>
+          <a:lnRef idx="1">
+            <a:schemeClr val="accent1"/>
+          </a:lnRef>
+          <a:fillRef idx="0">
+            <a:schemeClr val="accent1"/>
+          </a:fillRef>
+          <a:effectRef idx="0">
+            <a:schemeClr val="accent1"/>
+          </a:effectRef>
+          <a:fontRef idx="minor">
+            <a:schemeClr val="tx1"/>
+          </a:fontRef>
+        </p:style>
+      </p:cxnSp>
+      <p:cxnSp>
+        <p:nvCxnSpPr>
+          <p:cNvPr id="28" name="直接箭头连接符 27"/>
+          <p:cNvCxnSpPr/>
+          <p:nvPr/>
+        </p:nvCxnSpPr>
+        <p:spPr>
+          <a:xfrm>
+            <a:off x="3635896" y="3212976"/>
+            <a:ext cx="504056" cy="936104"/>
+          </a:xfrm>
+          <a:prstGeom prst="straightConnector1">
+            <a:avLst/>
+          </a:prstGeom>
+          <a:ln>
+            <a:tailEnd type="arrow"/>
+          </a:ln>
+        </p:spPr>
+        <p:style>
+          <a:lnRef idx="1">
+            <a:schemeClr val="accent1"/>
+          </a:lnRef>
+          <a:fillRef idx="0">
+            <a:schemeClr val="accent1"/>
+          </a:fillRef>
+          <a:effectRef idx="0">
+            <a:schemeClr val="accent1"/>
+          </a:effectRef>
+          <a:fontRef idx="minor">
+            <a:schemeClr val="tx1"/>
+          </a:fontRef>
+        </p:style>
+      </p:cxnSp>
+      <p:cxnSp>
+        <p:nvCxnSpPr>
+          <p:cNvPr id="30" name="直接箭头连接符 29"/>
+          <p:cNvCxnSpPr>
+            <a:stCxn id="8" idx="4"/>
+          </p:cNvCxnSpPr>
+          <p:nvPr/>
+        </p:nvCxnSpPr>
+        <p:spPr>
+          <a:xfrm flipH="1">
+            <a:off x="4932040" y="3284984"/>
+            <a:ext cx="576064" cy="864096"/>
+          </a:xfrm>
+          <a:prstGeom prst="straightConnector1">
+            <a:avLst/>
+          </a:prstGeom>
+          <a:ln>
+            <a:tailEnd type="arrow"/>
+          </a:ln>
+        </p:spPr>
+        <p:style>
+          <a:lnRef idx="1">
+            <a:schemeClr val="accent1"/>
+          </a:lnRef>
+          <a:fillRef idx="0">
+            <a:schemeClr val="accent1"/>
+          </a:fillRef>
+          <a:effectRef idx="0">
+            <a:schemeClr val="accent1"/>
+          </a:effectRef>
+          <a:fontRef idx="minor">
+            <a:schemeClr val="tx1"/>
+          </a:fontRef>
+        </p:style>
+      </p:cxnSp>
+      <p:cxnSp>
+        <p:nvCxnSpPr>
+          <p:cNvPr id="32" name="直接箭头连接符 31"/>
+          <p:cNvCxnSpPr>
+            <a:stCxn id="9" idx="4"/>
+          </p:cNvCxnSpPr>
+          <p:nvPr/>
+        </p:nvCxnSpPr>
+        <p:spPr>
+          <a:xfrm flipH="1">
+            <a:off x="5364088" y="3212976"/>
+            <a:ext cx="2304256" cy="1080120"/>
+          </a:xfrm>
+          <a:prstGeom prst="straightConnector1">
+            <a:avLst/>
+          </a:prstGeom>
+          <a:ln>
+            <a:tailEnd type="arrow"/>
+          </a:ln>
+        </p:spPr>
+        <p:style>
+          <a:lnRef idx="1">
+            <a:schemeClr val="accent1"/>
+          </a:lnRef>
+          <a:fillRef idx="0">
+            <a:schemeClr val="accent1"/>
+          </a:fillRef>
+          <a:effectRef idx="0">
+            <a:schemeClr val="accent1"/>
+          </a:effectRef>
+          <a:fontRef idx="minor">
+            <a:schemeClr val="tx1"/>
+          </a:fontRef>
+        </p:style>
+      </p:cxnSp>
+    </p:spTree>
+  </p:cSld>
+  <p:clrMapOvr>
+    <a:masterClrMapping/>
+  </p:clrMapOvr>
+  <p:transition>
+    <p:fade/>
+  </p:transition>
+  <p:timing>
+    <p:tnLst>
+      <p:par>
+        <p:cTn id="1" dur="indefinite" restart="never" nodeType="tmRoot">
+          <p:childTnLst>
+            <p:seq concurrent="1" nextAc="seek">
+              <p:cTn id="2" dur="indefinite" nodeType="mainSeq">
+                <p:childTnLst>
+                  <p:par>
+                    <p:cTn id="3" fill="hold">
+                      <p:stCondLst>
+                        <p:cond delay="indefinite"/>
+                      </p:stCondLst>
+                      <p:childTnLst>
+                        <p:par>
+                          <p:cTn id="4" fill="hold">
+                            <p:stCondLst>
+                              <p:cond delay="0"/>
+                            </p:stCondLst>
+                            <p:childTnLst>
+                              <p:par>
+                                <p:cTn id="5" presetID="2" presetClass="entr" presetSubtype="4" fill="hold" nodeType="clickEffect">
+                                  <p:stCondLst>
+                                    <p:cond delay="0"/>
+                                  </p:stCondLst>
+                                  <p:childTnLst>
+                                    <p:set>
+                                      <p:cBhvr>
+                                        <p:cTn id="6" dur="1" fill="hold">
+                                          <p:stCondLst>
+                                            <p:cond delay="0"/>
+                                          </p:stCondLst>
+                                        </p:cTn>
+                                        <p:tgtEl>
+                                          <p:spTgt spid="11"/>
+                                        </p:tgtEl>
+                                        <p:attrNameLst>
+                                          <p:attrName>style.visibility</p:attrName>
+                                        </p:attrNameLst>
+                                      </p:cBhvr>
+                                      <p:to>
+                                        <p:strVal val="visible"/>
+                                      </p:to>
+                                    </p:set>
+                                    <p:anim calcmode="lin" valueType="num">
+                                      <p:cBhvr additive="base">
+                                        <p:cTn id="7" dur="500" fill="hold"/>
+                                        <p:tgtEl>
+                                          <p:spTgt spid="11"/>
+                                        </p:tgtEl>
+                                        <p:attrNameLst>
+                                          <p:attrName>ppt_x</p:attrName>
+                                        </p:attrNameLst>
+                                      </p:cBhvr>
+                                      <p:tavLst>
+                                        <p:tav tm="0">
+                                          <p:val>
+                                            <p:strVal val="#ppt_x"/>
+                                          </p:val>
+                                        </p:tav>
+                                        <p:tav tm="100000">
+                                          <p:val>
+                                            <p:strVal val="#ppt_x"/>
+                                          </p:val>
+                                        </p:tav>
+                                      </p:tavLst>
+                                    </p:anim>
+                                    <p:anim calcmode="lin" valueType="num">
+                                      <p:cBhvr additive="base">
+                                        <p:cTn id="8" dur="500" fill="hold"/>
+                                        <p:tgtEl>
+                                          <p:spTgt spid="11"/>
+                                        </p:tgtEl>
+                                        <p:attrNameLst>
+                                          <p:attrName>ppt_y</p:attrName>
+                                        </p:attrNameLst>
+                                      </p:cBhvr>
+                                      <p:tavLst>
+                                        <p:tav tm="0">
+                                          <p:val>
+                                            <p:strVal val="1+#ppt_h/2"/>
+                                          </p:val>
+                                        </p:tav>
+                                        <p:tav tm="100000">
+                                          <p:val>
+                                            <p:strVal val="#ppt_y"/>
+                                          </p:val>
+                                        </p:tav>
+                                      </p:tavLst>
+                                    </p:anim>
+                                  </p:childTnLst>
+                                </p:cTn>
+                              </p:par>
+                              <p:par>
+                                <p:cTn id="9" presetID="2" presetClass="entr" presetSubtype="4" fill="hold" grpId="0" nodeType="withEffect">
+                                  <p:stCondLst>
+                                    <p:cond delay="0"/>
+                                  </p:stCondLst>
+                                  <p:childTnLst>
+                                    <p:set>
+                                      <p:cBhvr>
+                                        <p:cTn id="10" dur="1" fill="hold">
+                                          <p:stCondLst>
+                                            <p:cond delay="0"/>
+                                          </p:stCondLst>
+                                        </p:cTn>
+                                        <p:tgtEl>
+                                          <p:spTgt spid="5"/>
+                                        </p:tgtEl>
+                                        <p:attrNameLst>
+                                          <p:attrName>style.visibility</p:attrName>
+                                        </p:attrNameLst>
+                                      </p:cBhvr>
+                                      <p:to>
+                                        <p:strVal val="visible"/>
+                                      </p:to>
+                                    </p:set>
+                                    <p:anim calcmode="lin" valueType="num">
+                                      <p:cBhvr additive="base">
+                                        <p:cTn id="11" dur="500" fill="hold"/>
+                                        <p:tgtEl>
+                                          <p:spTgt spid="5"/>
+                                        </p:tgtEl>
+                                        <p:attrNameLst>
+                                          <p:attrName>ppt_x</p:attrName>
+                                        </p:attrNameLst>
+                                      </p:cBhvr>
+                                      <p:tavLst>
+                                        <p:tav tm="0">
+                                          <p:val>
+                                            <p:strVal val="#ppt_x"/>
+                                          </p:val>
+                                        </p:tav>
+                                        <p:tav tm="100000">
+                                          <p:val>
+                                            <p:strVal val="#ppt_x"/>
+                                          </p:val>
+                                        </p:tav>
+                                      </p:tavLst>
+                                    </p:anim>
+                                    <p:anim calcmode="lin" valueType="num">
+                                      <p:cBhvr additive="base">
+                                        <p:cTn id="12" dur="500" fill="hold"/>
+                                        <p:tgtEl>
+                                          <p:spTgt spid="5"/>
+                                        </p:tgtEl>
+                                        <p:attrNameLst>
+                                          <p:attrName>ppt_y</p:attrName>
+                                        </p:attrNameLst>
+                                      </p:cBhvr>
+                                      <p:tavLst>
+                                        <p:tav tm="0">
+                                          <p:val>
+                                            <p:strVal val="1+#ppt_h/2"/>
+                                          </p:val>
+                                        </p:tav>
+                                        <p:tav tm="100000">
+                                          <p:val>
+                                            <p:strVal val="#ppt_y"/>
+                                          </p:val>
+                                        </p:tav>
+                                      </p:tavLst>
+                                    </p:anim>
+                                  </p:childTnLst>
+                                </p:cTn>
+                              </p:par>
+                              <p:par>
+                                <p:cTn id="13" presetID="2" presetClass="entr" presetSubtype="4" fill="hold" nodeType="withEffect">
+                                  <p:stCondLst>
+                                    <p:cond delay="0"/>
+                                  </p:stCondLst>
+                                  <p:childTnLst>
+                                    <p:set>
+                                      <p:cBhvr>
+                                        <p:cTn id="14" dur="1" fill="hold">
+                                          <p:stCondLst>
+                                            <p:cond delay="0"/>
+                                          </p:stCondLst>
+                                        </p:cTn>
+                                        <p:tgtEl>
+                                          <p:spTgt spid="13"/>
+                                        </p:tgtEl>
+                                        <p:attrNameLst>
+                                          <p:attrName>style.visibility</p:attrName>
+                                        </p:attrNameLst>
+                                      </p:cBhvr>
+                                      <p:to>
+                                        <p:strVal val="visible"/>
+                                      </p:to>
+                                    </p:set>
+                                    <p:anim calcmode="lin" valueType="num">
+                                      <p:cBhvr additive="base">
+                                        <p:cTn id="15" dur="500" fill="hold"/>
+                                        <p:tgtEl>
+                                          <p:spTgt spid="13"/>
+                                        </p:tgtEl>
+                                        <p:attrNameLst>
+                                          <p:attrName>ppt_x</p:attrName>
+                                        </p:attrNameLst>
+                                      </p:cBhvr>
+                                      <p:tavLst>
+                                        <p:tav tm="0">
+                                          <p:val>
+                                            <p:strVal val="#ppt_x"/>
+                                          </p:val>
+                                        </p:tav>
+                                        <p:tav tm="100000">
+                                          <p:val>
+                                            <p:strVal val="#ppt_x"/>
+                                          </p:val>
+                                        </p:tav>
+                                      </p:tavLst>
+                                    </p:anim>
+                                    <p:anim calcmode="lin" valueType="num">
+                                      <p:cBhvr additive="base">
+                                        <p:cTn id="16" dur="500" fill="hold"/>
+                                        <p:tgtEl>
+                                          <p:spTgt spid="13"/>
+                                        </p:tgtEl>
+                                        <p:attrNameLst>
+                                          <p:attrName>ppt_y</p:attrName>
+                                        </p:attrNameLst>
+                                      </p:cBhvr>
+                                      <p:tavLst>
+                                        <p:tav tm="0">
+                                          <p:val>
+                                            <p:strVal val="1+#ppt_h/2"/>
+                                          </p:val>
+                                        </p:tav>
+                                        <p:tav tm="100000">
+                                          <p:val>
+                                            <p:strVal val="#ppt_y"/>
+                                          </p:val>
+                                        </p:tav>
+                                      </p:tavLst>
+                                    </p:anim>
+                                  </p:childTnLst>
+                                </p:cTn>
+                              </p:par>
+                              <p:par>
+                                <p:cTn id="17" presetID="2" presetClass="entr" presetSubtype="4" fill="hold" grpId="0" nodeType="withEffect">
+                                  <p:stCondLst>
+                                    <p:cond delay="0"/>
+                                  </p:stCondLst>
+                                  <p:childTnLst>
+                                    <p:set>
+                                      <p:cBhvr>
+                                        <p:cTn id="18" dur="1" fill="hold">
+                                          <p:stCondLst>
+                                            <p:cond delay="0"/>
+                                          </p:stCondLst>
+                                        </p:cTn>
+                                        <p:tgtEl>
+                                          <p:spTgt spid="7"/>
+                                        </p:tgtEl>
+                                        <p:attrNameLst>
+                                          <p:attrName>style.visibility</p:attrName>
+                                        </p:attrNameLst>
+                                      </p:cBhvr>
+                                      <p:to>
+                                        <p:strVal val="visible"/>
+                                      </p:to>
+                                    </p:set>
+                                    <p:anim calcmode="lin" valueType="num">
+                                      <p:cBhvr additive="base">
+                                        <p:cTn id="19" dur="500" fill="hold"/>
+                                        <p:tgtEl>
+                                          <p:spTgt spid="7"/>
+                                        </p:tgtEl>
+                                        <p:attrNameLst>
+                                          <p:attrName>ppt_x</p:attrName>
+                                        </p:attrNameLst>
+                                      </p:cBhvr>
+                                      <p:tavLst>
+                                        <p:tav tm="0">
+                                          <p:val>
+                                            <p:strVal val="#ppt_x"/>
+                                          </p:val>
+                                        </p:tav>
+                                        <p:tav tm="100000">
+                                          <p:val>
+                                            <p:strVal val="#ppt_x"/>
+                                          </p:val>
+                                        </p:tav>
+                                      </p:tavLst>
+                                    </p:anim>
+                                    <p:anim calcmode="lin" valueType="num">
+                                      <p:cBhvr additive="base">
+                                        <p:cTn id="20" dur="500" fill="hold"/>
+                                        <p:tgtEl>
+                                          <p:spTgt spid="7"/>
+                                        </p:tgtEl>
+                                        <p:attrNameLst>
+                                          <p:attrName>ppt_y</p:attrName>
+                                        </p:attrNameLst>
+                                      </p:cBhvr>
+                                      <p:tavLst>
+                                        <p:tav tm="0">
+                                          <p:val>
+                                            <p:strVal val="1+#ppt_h/2"/>
+                                          </p:val>
+                                        </p:tav>
+                                        <p:tav tm="100000">
+                                          <p:val>
+                                            <p:strVal val="#ppt_y"/>
+                                          </p:val>
+                                        </p:tav>
+                                      </p:tavLst>
+                                    </p:anim>
+                                  </p:childTnLst>
+                                </p:cTn>
+                              </p:par>
+                              <p:par>
+                                <p:cTn id="21" presetID="2" presetClass="entr" presetSubtype="4" fill="hold" nodeType="withEffect">
+                                  <p:stCondLst>
+                                    <p:cond delay="0"/>
+                                  </p:stCondLst>
+                                  <p:childTnLst>
+                                    <p:set>
+                                      <p:cBhvr>
+                                        <p:cTn id="22" dur="1" fill="hold">
+                                          <p:stCondLst>
+                                            <p:cond delay="0"/>
+                                          </p:stCondLst>
+                                        </p:cTn>
+                                        <p:tgtEl>
+                                          <p:spTgt spid="15"/>
+                                        </p:tgtEl>
+                                        <p:attrNameLst>
+                                          <p:attrName>style.visibility</p:attrName>
+                                        </p:attrNameLst>
+                                      </p:cBhvr>
+                                      <p:to>
+                                        <p:strVal val="visible"/>
+                                      </p:to>
+                                    </p:set>
+                                    <p:anim calcmode="lin" valueType="num">
+                                      <p:cBhvr additive="base">
+                                        <p:cTn id="23" dur="500" fill="hold"/>
+                                        <p:tgtEl>
+                                          <p:spTgt spid="15"/>
+                                        </p:tgtEl>
+                                        <p:attrNameLst>
+                                          <p:attrName>ppt_x</p:attrName>
+                                        </p:attrNameLst>
+                                      </p:cBhvr>
+                                      <p:tavLst>
+                                        <p:tav tm="0">
+                                          <p:val>
+                                            <p:strVal val="#ppt_x"/>
+                                          </p:val>
+                                        </p:tav>
+                                        <p:tav tm="100000">
+                                          <p:val>
+                                            <p:strVal val="#ppt_x"/>
+                                          </p:val>
+                                        </p:tav>
+                                      </p:tavLst>
+                                    </p:anim>
+                                    <p:anim calcmode="lin" valueType="num">
+                                      <p:cBhvr additive="base">
+                                        <p:cTn id="24" dur="500" fill="hold"/>
+                                        <p:tgtEl>
+                                          <p:spTgt spid="15"/>
+                                        </p:tgtEl>
+                                        <p:attrNameLst>
+                                          <p:attrName>ppt_y</p:attrName>
+                                        </p:attrNameLst>
+                                      </p:cBhvr>
+                                      <p:tavLst>
+                                        <p:tav tm="0">
+                                          <p:val>
+                                            <p:strVal val="1+#ppt_h/2"/>
+                                          </p:val>
+                                        </p:tav>
+                                        <p:tav tm="100000">
+                                          <p:val>
+                                            <p:strVal val="#ppt_y"/>
+                                          </p:val>
+                                        </p:tav>
+                                      </p:tavLst>
+                                    </p:anim>
+                                  </p:childTnLst>
+                                </p:cTn>
+                              </p:par>
+                              <p:par>
+                                <p:cTn id="25" presetID="2" presetClass="entr" presetSubtype="4" fill="hold" grpId="0" nodeType="withEffect">
+                                  <p:stCondLst>
+                                    <p:cond delay="0"/>
+                                  </p:stCondLst>
+                                  <p:childTnLst>
+                                    <p:set>
+                                      <p:cBhvr>
+                                        <p:cTn id="26" dur="1" fill="hold">
+                                          <p:stCondLst>
+                                            <p:cond delay="0"/>
+                                          </p:stCondLst>
+                                        </p:cTn>
+                                        <p:tgtEl>
+                                          <p:spTgt spid="8"/>
+                                        </p:tgtEl>
+                                        <p:attrNameLst>
+                                          <p:attrName>style.visibility</p:attrName>
+                                        </p:attrNameLst>
+                                      </p:cBhvr>
+                                      <p:to>
+                                        <p:strVal val="visible"/>
+                                      </p:to>
+                                    </p:set>
+                                    <p:anim calcmode="lin" valueType="num">
+                                      <p:cBhvr additive="base">
+                                        <p:cTn id="27" dur="500" fill="hold"/>
+                                        <p:tgtEl>
+                                          <p:spTgt spid="8"/>
+                                        </p:tgtEl>
+                                        <p:attrNameLst>
+                                          <p:attrName>ppt_x</p:attrName>
+                                        </p:attrNameLst>
+                                      </p:cBhvr>
+                                      <p:tavLst>
+                                        <p:tav tm="0">
+                                          <p:val>
+                                            <p:strVal val="#ppt_x"/>
+                                          </p:val>
+                                        </p:tav>
+                                        <p:tav tm="100000">
+                                          <p:val>
+                                            <p:strVal val="#ppt_x"/>
+                                          </p:val>
+                                        </p:tav>
+                                      </p:tavLst>
+                                    </p:anim>
+                                    <p:anim calcmode="lin" valueType="num">
+                                      <p:cBhvr additive="base">
+                                        <p:cTn id="28" dur="500" fill="hold"/>
+                                        <p:tgtEl>
+                                          <p:spTgt spid="8"/>
+                                        </p:tgtEl>
+                                        <p:attrNameLst>
+                                          <p:attrName>ppt_y</p:attrName>
+                                        </p:attrNameLst>
+                                      </p:cBhvr>
+                                      <p:tavLst>
+                                        <p:tav tm="0">
+                                          <p:val>
+                                            <p:strVal val="1+#ppt_h/2"/>
+                                          </p:val>
+                                        </p:tav>
+                                        <p:tav tm="100000">
+                                          <p:val>
+                                            <p:strVal val="#ppt_y"/>
+                                          </p:val>
+                                        </p:tav>
+                                      </p:tavLst>
+                                    </p:anim>
+                                  </p:childTnLst>
+                                </p:cTn>
+                              </p:par>
+                              <p:par>
+                                <p:cTn id="29" presetID="2" presetClass="entr" presetSubtype="4" fill="hold" nodeType="withEffect">
+                                  <p:stCondLst>
+                                    <p:cond delay="0"/>
+                                  </p:stCondLst>
+                                  <p:childTnLst>
+                                    <p:set>
+                                      <p:cBhvr>
+                                        <p:cTn id="30" dur="1" fill="hold">
+                                          <p:stCondLst>
+                                            <p:cond delay="0"/>
+                                          </p:stCondLst>
+                                        </p:cTn>
+                                        <p:tgtEl>
+                                          <p:spTgt spid="17"/>
+                                        </p:tgtEl>
+                                        <p:attrNameLst>
+                                          <p:attrName>style.visibility</p:attrName>
+                                        </p:attrNameLst>
+                                      </p:cBhvr>
+                                      <p:to>
+                                        <p:strVal val="visible"/>
+                                      </p:to>
+                                    </p:set>
+                                    <p:anim calcmode="lin" valueType="num">
+                                      <p:cBhvr additive="base">
+                                        <p:cTn id="31" dur="500" fill="hold"/>
+                                        <p:tgtEl>
+                                          <p:spTgt spid="17"/>
+                                        </p:tgtEl>
+                                        <p:attrNameLst>
+                                          <p:attrName>ppt_x</p:attrName>
+                                        </p:attrNameLst>
+                                      </p:cBhvr>
+                                      <p:tavLst>
+                                        <p:tav tm="0">
+                                          <p:val>
+                                            <p:strVal val="#ppt_x"/>
+                                          </p:val>
+                                        </p:tav>
+                                        <p:tav tm="100000">
+                                          <p:val>
+                                            <p:strVal val="#ppt_x"/>
+                                          </p:val>
+                                        </p:tav>
+                                      </p:tavLst>
+                                    </p:anim>
+                                    <p:anim calcmode="lin" valueType="num">
+                                      <p:cBhvr additive="base">
+                                        <p:cTn id="32" dur="500" fill="hold"/>
+                                        <p:tgtEl>
+                                          <p:spTgt spid="17"/>
+                                        </p:tgtEl>
+                                        <p:attrNameLst>
+                                          <p:attrName>ppt_y</p:attrName>
+                                        </p:attrNameLst>
+                                      </p:cBhvr>
+                                      <p:tavLst>
+                                        <p:tav tm="0">
+                                          <p:val>
+                                            <p:strVal val="1+#ppt_h/2"/>
+                                          </p:val>
+                                        </p:tav>
+                                        <p:tav tm="100000">
+                                          <p:val>
+                                            <p:strVal val="#ppt_y"/>
+                                          </p:val>
+                                        </p:tav>
+                                      </p:tavLst>
+                                    </p:anim>
+                                  </p:childTnLst>
+                                </p:cTn>
+                              </p:par>
+                              <p:par>
+                                <p:cTn id="33" presetID="2" presetClass="entr" presetSubtype="4" fill="hold" grpId="0" nodeType="withEffect">
+                                  <p:stCondLst>
+                                    <p:cond delay="0"/>
+                                  </p:stCondLst>
+                                  <p:childTnLst>
+                                    <p:set>
+                                      <p:cBhvr>
+                                        <p:cTn id="34" dur="1" fill="hold">
+                                          <p:stCondLst>
+                                            <p:cond delay="0"/>
+                                          </p:stCondLst>
+                                        </p:cTn>
+                                        <p:tgtEl>
+                                          <p:spTgt spid="9"/>
+                                        </p:tgtEl>
+                                        <p:attrNameLst>
+                                          <p:attrName>style.visibility</p:attrName>
+                                        </p:attrNameLst>
+                                      </p:cBhvr>
+                                      <p:to>
+                                        <p:strVal val="visible"/>
+                                      </p:to>
+                                    </p:set>
+                                    <p:anim calcmode="lin" valueType="num">
+                                      <p:cBhvr additive="base">
+                                        <p:cTn id="35" dur="500" fill="hold"/>
+                                        <p:tgtEl>
+                                          <p:spTgt spid="9"/>
+                                        </p:tgtEl>
+                                        <p:attrNameLst>
+                                          <p:attrName>ppt_x</p:attrName>
+                                        </p:attrNameLst>
+                                      </p:cBhvr>
+                                      <p:tavLst>
+                                        <p:tav tm="0">
+                                          <p:val>
+                                            <p:strVal val="#ppt_x"/>
+                                          </p:val>
+                                        </p:tav>
+                                        <p:tav tm="100000">
+                                          <p:val>
+                                            <p:strVal val="#ppt_x"/>
+                                          </p:val>
+                                        </p:tav>
+                                      </p:tavLst>
+                                    </p:anim>
+                                    <p:anim calcmode="lin" valueType="num">
+                                      <p:cBhvr additive="base">
+                                        <p:cTn id="36" dur="500" fill="hold"/>
+                                        <p:tgtEl>
+                                          <p:spTgt spid="9"/>
+                                        </p:tgtEl>
+                                        <p:attrNameLst>
+                                          <p:attrName>ppt_y</p:attrName>
+                                        </p:attrNameLst>
+                                      </p:cBhvr>
+                                      <p:tavLst>
+                                        <p:tav tm="0">
+                                          <p:val>
+                                            <p:strVal val="1+#ppt_h/2"/>
+                                          </p:val>
+                                        </p:tav>
+                                        <p:tav tm="100000">
+                                          <p:val>
+                                            <p:strVal val="#ppt_y"/>
+                                          </p:val>
+                                        </p:tav>
+                                      </p:tavLst>
+                                    </p:anim>
+                                  </p:childTnLst>
+                                </p:cTn>
+                              </p:par>
+                            </p:childTnLst>
+                          </p:cTn>
+                        </p:par>
+                      </p:childTnLst>
+                    </p:cTn>
+                  </p:par>
+                  <p:par>
+                    <p:cTn id="37" fill="hold">
+                      <p:stCondLst>
+                        <p:cond delay="indefinite"/>
+                      </p:stCondLst>
+                      <p:childTnLst>
+                        <p:par>
+                          <p:cTn id="38" fill="hold">
+                            <p:stCondLst>
+                              <p:cond delay="0"/>
+                            </p:stCondLst>
+                            <p:childTnLst>
+                              <p:par>
+                                <p:cTn id="39" presetID="2" presetClass="entr" presetSubtype="4" fill="hold" nodeType="clickEffect">
+                                  <p:stCondLst>
+                                    <p:cond delay="0"/>
+                                  </p:stCondLst>
+                                  <p:childTnLst>
+                                    <p:set>
+                                      <p:cBhvr>
+                                        <p:cTn id="40" dur="1" fill="hold">
+                                          <p:stCondLst>
+                                            <p:cond delay="0"/>
+                                          </p:stCondLst>
+                                        </p:cTn>
+                                        <p:tgtEl>
+                                          <p:spTgt spid="28"/>
+                                        </p:tgtEl>
+                                        <p:attrNameLst>
+                                          <p:attrName>style.visibility</p:attrName>
+                                        </p:attrNameLst>
+                                      </p:cBhvr>
+                                      <p:to>
+                                        <p:strVal val="visible"/>
+                                      </p:to>
+                                    </p:set>
+                                    <p:anim calcmode="lin" valueType="num">
+                                      <p:cBhvr additive="base">
+                                        <p:cTn id="41" dur="500" fill="hold"/>
+                                        <p:tgtEl>
+                                          <p:spTgt spid="28"/>
+                                        </p:tgtEl>
+                                        <p:attrNameLst>
+                                          <p:attrName>ppt_x</p:attrName>
+                                        </p:attrNameLst>
+                                      </p:cBhvr>
+                                      <p:tavLst>
+                                        <p:tav tm="0">
+                                          <p:val>
+                                            <p:strVal val="#ppt_x"/>
+                                          </p:val>
+                                        </p:tav>
+                                        <p:tav tm="100000">
+                                          <p:val>
+                                            <p:strVal val="#ppt_x"/>
+                                          </p:val>
+                                        </p:tav>
+                                      </p:tavLst>
+                                    </p:anim>
+                                    <p:anim calcmode="lin" valueType="num">
+                                      <p:cBhvr additive="base">
+                                        <p:cTn id="42" dur="500" fill="hold"/>
+                                        <p:tgtEl>
+                                          <p:spTgt spid="28"/>
+                                        </p:tgtEl>
+                                        <p:attrNameLst>
+                                          <p:attrName>ppt_y</p:attrName>
+                                        </p:attrNameLst>
+                                      </p:cBhvr>
+                                      <p:tavLst>
+                                        <p:tav tm="0">
+                                          <p:val>
+                                            <p:strVal val="1+#ppt_h/2"/>
+                                          </p:val>
+                                        </p:tav>
+                                        <p:tav tm="100000">
+                                          <p:val>
+                                            <p:strVal val="#ppt_y"/>
+                                          </p:val>
+                                        </p:tav>
+                                      </p:tavLst>
+                                    </p:anim>
+                                  </p:childTnLst>
+                                </p:cTn>
+                              </p:par>
+                              <p:par>
+                                <p:cTn id="43" presetID="2" presetClass="entr" presetSubtype="4" fill="hold" nodeType="withEffect">
+                                  <p:stCondLst>
+                                    <p:cond delay="0"/>
+                                  </p:stCondLst>
+                                  <p:childTnLst>
+                                    <p:set>
+                                      <p:cBhvr>
+                                        <p:cTn id="44" dur="1" fill="hold">
+                                          <p:stCondLst>
+                                            <p:cond delay="0"/>
+                                          </p:stCondLst>
+                                        </p:cTn>
+                                        <p:tgtEl>
+                                          <p:spTgt spid="26"/>
+                                        </p:tgtEl>
+                                        <p:attrNameLst>
+                                          <p:attrName>style.visibility</p:attrName>
+                                        </p:attrNameLst>
+                                      </p:cBhvr>
+                                      <p:to>
+                                        <p:strVal val="visible"/>
+                                      </p:to>
+                                    </p:set>
+                                    <p:anim calcmode="lin" valueType="num">
+                                      <p:cBhvr additive="base">
+                                        <p:cTn id="45" dur="500" fill="hold"/>
+                                        <p:tgtEl>
+                                          <p:spTgt spid="26"/>
+                                        </p:tgtEl>
+                                        <p:attrNameLst>
+                                          <p:attrName>ppt_x</p:attrName>
+                                        </p:attrNameLst>
+                                      </p:cBhvr>
+                                      <p:tavLst>
+                                        <p:tav tm="0">
+                                          <p:val>
+                                            <p:strVal val="#ppt_x"/>
+                                          </p:val>
+                                        </p:tav>
+                                        <p:tav tm="100000">
+                                          <p:val>
+                                            <p:strVal val="#ppt_x"/>
+                                          </p:val>
+                                        </p:tav>
+                                      </p:tavLst>
+                                    </p:anim>
+                                    <p:anim calcmode="lin" valueType="num">
+                                      <p:cBhvr additive="base">
+                                        <p:cTn id="46" dur="500" fill="hold"/>
+                                        <p:tgtEl>
+                                          <p:spTgt spid="26"/>
+                                        </p:tgtEl>
+                                        <p:attrNameLst>
+                                          <p:attrName>ppt_y</p:attrName>
+                                        </p:attrNameLst>
+                                      </p:cBhvr>
+                                      <p:tavLst>
+                                        <p:tav tm="0">
+                                          <p:val>
+                                            <p:strVal val="1+#ppt_h/2"/>
+                                          </p:val>
+                                        </p:tav>
+                                        <p:tav tm="100000">
+                                          <p:val>
+                                            <p:strVal val="#ppt_y"/>
+                                          </p:val>
+                                        </p:tav>
+                                      </p:tavLst>
+                                    </p:anim>
+                                  </p:childTnLst>
+                                </p:cTn>
+                              </p:par>
+                              <p:par>
+                                <p:cTn id="47" presetID="2" presetClass="entr" presetSubtype="4" fill="hold" nodeType="withEffect">
+                                  <p:stCondLst>
+                                    <p:cond delay="0"/>
+                                  </p:stCondLst>
+                                  <p:childTnLst>
+                                    <p:set>
+                                      <p:cBhvr>
+                                        <p:cTn id="48" dur="1" fill="hold">
+                                          <p:stCondLst>
+                                            <p:cond delay="0"/>
+                                          </p:stCondLst>
+                                        </p:cTn>
+                                        <p:tgtEl>
+                                          <p:spTgt spid="30"/>
+                                        </p:tgtEl>
+                                        <p:attrNameLst>
+                                          <p:attrName>style.visibility</p:attrName>
+                                        </p:attrNameLst>
+                                      </p:cBhvr>
+                                      <p:to>
+                                        <p:strVal val="visible"/>
+                                      </p:to>
+                                    </p:set>
+                                    <p:anim calcmode="lin" valueType="num">
+                                      <p:cBhvr additive="base">
+                                        <p:cTn id="49" dur="500" fill="hold"/>
+                                        <p:tgtEl>
+                                          <p:spTgt spid="30"/>
+                                        </p:tgtEl>
+                                        <p:attrNameLst>
+                                          <p:attrName>ppt_x</p:attrName>
+                                        </p:attrNameLst>
+                                      </p:cBhvr>
+                                      <p:tavLst>
+                                        <p:tav tm="0">
+                                          <p:val>
+                                            <p:strVal val="#ppt_x"/>
+                                          </p:val>
+                                        </p:tav>
+                                        <p:tav tm="100000">
+                                          <p:val>
+                                            <p:strVal val="#ppt_x"/>
+                                          </p:val>
+                                        </p:tav>
+                                      </p:tavLst>
+                                    </p:anim>
+                                    <p:anim calcmode="lin" valueType="num">
+                                      <p:cBhvr additive="base">
+                                        <p:cTn id="50" dur="500" fill="hold"/>
+                                        <p:tgtEl>
+                                          <p:spTgt spid="30"/>
+                                        </p:tgtEl>
+                                        <p:attrNameLst>
+                                          <p:attrName>ppt_y</p:attrName>
+                                        </p:attrNameLst>
+                                      </p:cBhvr>
+                                      <p:tavLst>
+                                        <p:tav tm="0">
+                                          <p:val>
+                                            <p:strVal val="1+#ppt_h/2"/>
+                                          </p:val>
+                                        </p:tav>
+                                        <p:tav tm="100000">
+                                          <p:val>
+                                            <p:strVal val="#ppt_y"/>
+                                          </p:val>
+                                        </p:tav>
+                                      </p:tavLst>
+                                    </p:anim>
+                                  </p:childTnLst>
+                                </p:cTn>
+                              </p:par>
+                              <p:par>
+                                <p:cTn id="51" presetID="2" presetClass="entr" presetSubtype="4" fill="hold" nodeType="withEffect">
+                                  <p:stCondLst>
+                                    <p:cond delay="0"/>
+                                  </p:stCondLst>
+                                  <p:childTnLst>
+                                    <p:set>
+                                      <p:cBhvr>
+                                        <p:cTn id="52" dur="1" fill="hold">
+                                          <p:stCondLst>
+                                            <p:cond delay="0"/>
+                                          </p:stCondLst>
+                                        </p:cTn>
+                                        <p:tgtEl>
+                                          <p:spTgt spid="32"/>
+                                        </p:tgtEl>
+                                        <p:attrNameLst>
+                                          <p:attrName>style.visibility</p:attrName>
+                                        </p:attrNameLst>
+                                      </p:cBhvr>
+                                      <p:to>
+                                        <p:strVal val="visible"/>
+                                      </p:to>
+                                    </p:set>
+                                    <p:anim calcmode="lin" valueType="num">
+                                      <p:cBhvr additive="base">
+                                        <p:cTn id="53" dur="500" fill="hold"/>
+                                        <p:tgtEl>
+                                          <p:spTgt spid="32"/>
+                                        </p:tgtEl>
+                                        <p:attrNameLst>
+                                          <p:attrName>ppt_x</p:attrName>
+                                        </p:attrNameLst>
+                                      </p:cBhvr>
+                                      <p:tavLst>
+                                        <p:tav tm="0">
+                                          <p:val>
+                                            <p:strVal val="#ppt_x"/>
+                                          </p:val>
+                                        </p:tav>
+                                        <p:tav tm="100000">
+                                          <p:val>
+                                            <p:strVal val="#ppt_x"/>
+                                          </p:val>
+                                        </p:tav>
+                                      </p:tavLst>
+                                    </p:anim>
+                                    <p:anim calcmode="lin" valueType="num">
+                                      <p:cBhvr additive="base">
+                                        <p:cTn id="54" dur="500" fill="hold"/>
+                                        <p:tgtEl>
+                                          <p:spTgt spid="32"/>
+                                        </p:tgtEl>
+                                        <p:attrNameLst>
+                                          <p:attrName>ppt_y</p:attrName>
+                                        </p:attrNameLst>
+                                      </p:cBhvr>
+                                      <p:tavLst>
+                                        <p:tav tm="0">
+                                          <p:val>
+                                            <p:strVal val="1+#ppt_h/2"/>
+                                          </p:val>
+                                        </p:tav>
+                                        <p:tav tm="100000">
+                                          <p:val>
+                                            <p:strVal val="#ppt_y"/>
+                                          </p:val>
+                                        </p:tav>
+                                      </p:tavLst>
+                                    </p:anim>
+                                  </p:childTnLst>
+                                </p:cTn>
+                              </p:par>
+                              <p:par>
+                                <p:cTn id="55" presetID="2" presetClass="entr" presetSubtype="4" fill="hold" grpId="0" nodeType="withEffect">
+                                  <p:stCondLst>
+                                    <p:cond delay="0"/>
+                                  </p:stCondLst>
+                                  <p:childTnLst>
+                                    <p:set>
+                                      <p:cBhvr>
+                                        <p:cTn id="56" dur="1" fill="hold">
+                                          <p:stCondLst>
+                                            <p:cond delay="0"/>
+                                          </p:stCondLst>
+                                        </p:cTn>
+                                        <p:tgtEl>
+                                          <p:spTgt spid="24"/>
+                                        </p:tgtEl>
+                                        <p:attrNameLst>
+                                          <p:attrName>style.visibility</p:attrName>
+                                        </p:attrNameLst>
+                                      </p:cBhvr>
+                                      <p:to>
+                                        <p:strVal val="visible"/>
+                                      </p:to>
+                                    </p:set>
+                                    <p:anim calcmode="lin" valueType="num">
+                                      <p:cBhvr additive="base">
+                                        <p:cTn id="57" dur="500" fill="hold"/>
+                                        <p:tgtEl>
+                                          <p:spTgt spid="24"/>
+                                        </p:tgtEl>
+                                        <p:attrNameLst>
+                                          <p:attrName>ppt_x</p:attrName>
+                                        </p:attrNameLst>
+                                      </p:cBhvr>
+                                      <p:tavLst>
+                                        <p:tav tm="0">
+                                          <p:val>
+                                            <p:strVal val="#ppt_x"/>
+                                          </p:val>
+                                        </p:tav>
+                                        <p:tav tm="100000">
+                                          <p:val>
+                                            <p:strVal val="#ppt_x"/>
+                                          </p:val>
+                                        </p:tav>
+                                      </p:tavLst>
+                                    </p:anim>
+                                    <p:anim calcmode="lin" valueType="num">
+                                      <p:cBhvr additive="base">
+                                        <p:cTn id="58" dur="500" fill="hold"/>
+                                        <p:tgtEl>
+                                          <p:spTgt spid="24"/>
+                                        </p:tgtEl>
+                                        <p:attrNameLst>
+                                          <p:attrName>ppt_y</p:attrName>
+                                        </p:attrNameLst>
+                                      </p:cBhvr>
+                                      <p:tavLst>
+                                        <p:tav tm="0">
+                                          <p:val>
+                                            <p:strVal val="1+#ppt_h/2"/>
+                                          </p:val>
+                                        </p:tav>
+                                        <p:tav tm="100000">
+                                          <p:val>
+                                            <p:strVal val="#ppt_y"/>
+                                          </p:val>
+                                        </p:tav>
+                                      </p:tavLst>
+                                    </p:anim>
+                                  </p:childTnLst>
+                                </p:cTn>
+                              </p:par>
+                            </p:childTnLst>
+                          </p:cTn>
+                        </p:par>
+                      </p:childTnLst>
+                    </p:cTn>
+                  </p:par>
+                </p:childTnLst>
+              </p:cTn>
+              <p:prevCondLst>
+                <p:cond evt="onPrev" delay="0">
+                  <p:tgtEl>
+                    <p:sldTgt/>
+                  </p:tgtEl>
+                </p:cond>
+              </p:prevCondLst>
+              <p:nextCondLst>
+                <p:cond evt="onNext" delay="0">
+                  <p:tgtEl>
+                    <p:sldTgt/>
+                  </p:tgtEl>
+                </p:cond>
+              </p:nextCondLst>
+            </p:seq>
+          </p:childTnLst>
+        </p:cTn>
+      </p:par>
+    </p:tnLst>
+    <p:bldLst>
+      <p:bldP spid="5" grpId="0" animBg="1"/>
+      <p:bldP spid="7" grpId="0" animBg="1"/>
+      <p:bldP spid="8" grpId="0" animBg="1"/>
+      <p:bldP spid="9" grpId="0" animBg="1"/>
+      <p:bldP spid="24" grpId="0" animBg="1"/>
+    </p:bldLst>
+  </p:timing>
+</p:sld>
+</file>
+
+<file path=ppt/slides/slide5.xml><?xml version="1.0" encoding="utf-8"?>
+<p:sld xmlns:a="http://schemas.openxmlformats.org/drawingml/2006/main" xmlns:r="http://schemas.openxmlformats.org/officeDocument/2006/relationships" xmlns:p="http://schemas.openxmlformats.org/presentationml/2006/main">
+  <p:cSld>
+    <p:spTree>
+      <p:nvGrpSpPr>
+        <p:cNvPr id="1" name=""/>
+        <p:cNvGrpSpPr/>
+        <p:nvPr/>
+      </p:nvGrpSpPr>
+      <p:grpSpPr>
+        <a:xfrm>
+          <a:off x="0" y="0"/>
+          <a:ext cx="0" cy="0"/>
+          <a:chOff x="0" y="0"/>
+          <a:chExt cx="0" cy="0"/>
+        </a:xfrm>
+      </p:grpSpPr>
+      <p:sp>
+        <p:nvSpPr>
+          <p:cNvPr id="2" name="标题 1"/>
+          <p:cNvSpPr>
+            <a:spLocks noGrp="1"/>
+          </p:cNvSpPr>
+          <p:nvPr>
+            <p:ph type="title"/>
+          </p:nvPr>
+        </p:nvSpPr>
         <p:spPr/>
         <p:txBody>
           <a:bodyPr/>
@@ -3360,15 +5096,7 @@
                   <a:srgbClr val="C9394A"/>
                 </a:solidFill>
               </a:rPr>
-              <a:t>部</a:t>
-            </a:r>
-            <a:r>
-              <a:rPr lang="zh-CN" altLang="en-US" dirty="0" smtClean="0">
-                <a:solidFill>
-                  <a:srgbClr val="C9394A"/>
-                </a:solidFill>
-              </a:rPr>
-              <a:t>署阶段</a:t>
+              <a:t>部署阶段</a:t>
             </a:r>
             <a:endParaRPr lang="en-US" altLang="zh-CN" dirty="0" smtClean="0">
               <a:solidFill>

--- a/requirejs/doc/requirejs.pptx
+++ b/requirejs/doc/requirejs.pptx
@@ -10,6 +10,12 @@
     <p:sldId id="260" r:id="rId4"/>
     <p:sldId id="259" r:id="rId5"/>
     <p:sldId id="257" r:id="rId6"/>
+    <p:sldId id="261" r:id="rId7"/>
+    <p:sldId id="262" r:id="rId8"/>
+    <p:sldId id="266" r:id="rId9"/>
+    <p:sldId id="263" r:id="rId10"/>
+    <p:sldId id="264" r:id="rId11"/>
+    <p:sldId id="265" r:id="rId12"/>
   </p:sldIdLst>
   <p:sldSz cx="9144000" cy="6858000" type="screen4x3"/>
   <p:notesSz cx="6858000" cy="9144000"/>
@@ -293,7 +299,7 @@
             <a:fld id="{530820CF-B880-4189-942D-D702A7CBA730}" type="datetimeFigureOut">
               <a:rPr lang="zh-CN" altLang="en-US" smtClean="0"/>
               <a:pPr/>
-              <a:t>2016/5/5</a:t>
+              <a:t>2016/5/7</a:t>
             </a:fld>
             <a:endParaRPr lang="zh-CN" altLang="en-US"/>
           </a:p>
@@ -460,7 +466,7 @@
             <a:fld id="{530820CF-B880-4189-942D-D702A7CBA730}" type="datetimeFigureOut">
               <a:rPr lang="zh-CN" altLang="en-US" smtClean="0"/>
               <a:pPr/>
-              <a:t>2016/5/5</a:t>
+              <a:t>2016/5/7</a:t>
             </a:fld>
             <a:endParaRPr lang="zh-CN" altLang="en-US"/>
           </a:p>
@@ -637,7 +643,7 @@
             <a:fld id="{530820CF-B880-4189-942D-D702A7CBA730}" type="datetimeFigureOut">
               <a:rPr lang="zh-CN" altLang="en-US" smtClean="0"/>
               <a:pPr/>
-              <a:t>2016/5/5</a:t>
+              <a:t>2016/5/7</a:t>
             </a:fld>
             <a:endParaRPr lang="zh-CN" altLang="en-US"/>
           </a:p>
@@ -804,7 +810,7 @@
             <a:fld id="{530820CF-B880-4189-942D-D702A7CBA730}" type="datetimeFigureOut">
               <a:rPr lang="zh-CN" altLang="en-US" smtClean="0"/>
               <a:pPr/>
-              <a:t>2016/5/5</a:t>
+              <a:t>2016/5/7</a:t>
             </a:fld>
             <a:endParaRPr lang="zh-CN" altLang="en-US"/>
           </a:p>
@@ -1047,7 +1053,7 @@
             <a:fld id="{530820CF-B880-4189-942D-D702A7CBA730}" type="datetimeFigureOut">
               <a:rPr lang="zh-CN" altLang="en-US" smtClean="0"/>
               <a:pPr/>
-              <a:t>2016/5/5</a:t>
+              <a:t>2016/5/7</a:t>
             </a:fld>
             <a:endParaRPr lang="zh-CN" altLang="en-US"/>
           </a:p>
@@ -1332,7 +1338,7 @@
             <a:fld id="{530820CF-B880-4189-942D-D702A7CBA730}" type="datetimeFigureOut">
               <a:rPr lang="zh-CN" altLang="en-US" smtClean="0"/>
               <a:pPr/>
-              <a:t>2016/5/5</a:t>
+              <a:t>2016/5/7</a:t>
             </a:fld>
             <a:endParaRPr lang="zh-CN" altLang="en-US"/>
           </a:p>
@@ -1751,7 +1757,7 @@
             <a:fld id="{530820CF-B880-4189-942D-D702A7CBA730}" type="datetimeFigureOut">
               <a:rPr lang="zh-CN" altLang="en-US" smtClean="0"/>
               <a:pPr/>
-              <a:t>2016/5/5</a:t>
+              <a:t>2016/5/7</a:t>
             </a:fld>
             <a:endParaRPr lang="zh-CN" altLang="en-US"/>
           </a:p>
@@ -1866,7 +1872,7 @@
             <a:fld id="{530820CF-B880-4189-942D-D702A7CBA730}" type="datetimeFigureOut">
               <a:rPr lang="zh-CN" altLang="en-US" smtClean="0"/>
               <a:pPr/>
-              <a:t>2016/5/5</a:t>
+              <a:t>2016/5/7</a:t>
             </a:fld>
             <a:endParaRPr lang="zh-CN" altLang="en-US"/>
           </a:p>
@@ -1958,7 +1964,7 @@
             <a:fld id="{530820CF-B880-4189-942D-D702A7CBA730}" type="datetimeFigureOut">
               <a:rPr lang="zh-CN" altLang="en-US" smtClean="0"/>
               <a:pPr/>
-              <a:t>2016/5/5</a:t>
+              <a:t>2016/5/7</a:t>
             </a:fld>
             <a:endParaRPr lang="zh-CN" altLang="en-US"/>
           </a:p>
@@ -2232,7 +2238,7 @@
             <a:fld id="{530820CF-B880-4189-942D-D702A7CBA730}" type="datetimeFigureOut">
               <a:rPr lang="zh-CN" altLang="en-US" smtClean="0"/>
               <a:pPr/>
-              <a:t>2016/5/5</a:t>
+              <a:t>2016/5/7</a:t>
             </a:fld>
             <a:endParaRPr lang="zh-CN" altLang="en-US"/>
           </a:p>
@@ -2482,7 +2488,7 @@
             <a:fld id="{530820CF-B880-4189-942D-D702A7CBA730}" type="datetimeFigureOut">
               <a:rPr lang="zh-CN" altLang="en-US" smtClean="0"/>
               <a:pPr/>
-              <a:t>2016/5/5</a:t>
+              <a:t>2016/5/7</a:t>
             </a:fld>
             <a:endParaRPr lang="zh-CN" altLang="en-US"/>
           </a:p>
@@ -2692,7 +2698,7 @@
             <a:fld id="{530820CF-B880-4189-942D-D702A7CBA730}" type="datetimeFigureOut">
               <a:rPr lang="zh-CN" altLang="en-US" smtClean="0"/>
               <a:pPr/>
-              <a:t>2016/5/5</a:t>
+              <a:t>2016/5/7</a:t>
             </a:fld>
             <a:endParaRPr lang="zh-CN" altLang="en-US"/>
           </a:p>
@@ -3142,6 +3148,2057 @@
 </p:sld>
 </file>
 
+<file path=ppt/slides/slide10.xml><?xml version="1.0" encoding="utf-8"?>
+<p:sld xmlns:a="http://schemas.openxmlformats.org/drawingml/2006/main" xmlns:r="http://schemas.openxmlformats.org/officeDocument/2006/relationships" xmlns:p="http://schemas.openxmlformats.org/presentationml/2006/main">
+  <p:cSld>
+    <p:spTree>
+      <p:nvGrpSpPr>
+        <p:cNvPr id="1" name=""/>
+        <p:cNvGrpSpPr/>
+        <p:nvPr/>
+      </p:nvGrpSpPr>
+      <p:grpSpPr>
+        <a:xfrm>
+          <a:off x="0" y="0"/>
+          <a:ext cx="0" cy="0"/>
+          <a:chOff x="0" y="0"/>
+          <a:chExt cx="0" cy="0"/>
+        </a:xfrm>
+      </p:grpSpPr>
+      <p:sp>
+        <p:nvSpPr>
+          <p:cNvPr id="2" name="标题 1"/>
+          <p:cNvSpPr>
+            <a:spLocks noGrp="1"/>
+          </p:cNvSpPr>
+          <p:nvPr>
+            <p:ph type="title"/>
+          </p:nvPr>
+        </p:nvSpPr>
+        <p:spPr/>
+        <p:txBody>
+          <a:bodyPr/>
+          <a:lstStyle/>
+          <a:p>
+            <a:r>
+              <a:rPr lang="zh-CN" altLang="en-US" dirty="0" smtClean="0">
+                <a:solidFill>
+                  <a:srgbClr val="C9394A"/>
+                </a:solidFill>
+              </a:rPr>
+              <a:t>什么是</a:t>
+            </a:r>
+            <a:r>
+              <a:rPr lang="en-US" altLang="zh-CN" dirty="0" smtClean="0">
+                <a:solidFill>
+                  <a:srgbClr val="C9394A"/>
+                </a:solidFill>
+              </a:rPr>
+              <a:t>AMD</a:t>
+            </a:r>
+            <a:endParaRPr lang="zh-CN" altLang="en-US" dirty="0">
+              <a:solidFill>
+                <a:srgbClr val="C9394A"/>
+              </a:solidFill>
+            </a:endParaRPr>
+          </a:p>
+        </p:txBody>
+      </p:sp>
+      <p:sp>
+        <p:nvSpPr>
+          <p:cNvPr id="3" name="内容占位符 2"/>
+          <p:cNvSpPr>
+            <a:spLocks noGrp="1"/>
+          </p:cNvSpPr>
+          <p:nvPr>
+            <p:ph idx="1"/>
+          </p:nvPr>
+        </p:nvSpPr>
+        <p:spPr/>
+        <p:txBody>
+          <a:bodyPr/>
+          <a:lstStyle/>
+          <a:p>
+            <a:r>
+              <a:rPr lang="en-US" altLang="zh-CN" dirty="0" smtClean="0">
+                <a:solidFill>
+                  <a:srgbClr val="212121"/>
+                </a:solidFill>
+              </a:rPr>
+              <a:t>define(id?, dependencies?, factory);</a:t>
+            </a:r>
+          </a:p>
+          <a:p>
+            <a:pPr lvl="1"/>
+            <a:endParaRPr lang="en-US" altLang="zh-CN" dirty="0" smtClean="0">
+              <a:solidFill>
+                <a:srgbClr val="212121"/>
+              </a:solidFill>
+            </a:endParaRPr>
+          </a:p>
+          <a:p>
+            <a:pPr lvl="1"/>
+            <a:r>
+              <a:rPr lang="en-US" altLang="zh-CN" dirty="0" smtClean="0">
+                <a:solidFill>
+                  <a:srgbClr val="474747"/>
+                </a:solidFill>
+              </a:rPr>
+              <a:t>Id</a:t>
+            </a:r>
+            <a:r>
+              <a:rPr lang="zh-CN" altLang="en-US" dirty="0" smtClean="0">
+                <a:solidFill>
+                  <a:srgbClr val="474747"/>
+                </a:solidFill>
+              </a:rPr>
+              <a:t>：模块名，可以省略</a:t>
+            </a:r>
+            <a:endParaRPr lang="en-US" altLang="zh-CN" dirty="0" smtClean="0">
+              <a:solidFill>
+                <a:srgbClr val="474747"/>
+              </a:solidFill>
+            </a:endParaRPr>
+          </a:p>
+          <a:p>
+            <a:pPr lvl="1"/>
+            <a:r>
+              <a:rPr lang="en-US" altLang="zh-CN" dirty="0" smtClean="0">
+                <a:solidFill>
+                  <a:srgbClr val="474747"/>
+                </a:solidFill>
+              </a:rPr>
+              <a:t>Dependencies</a:t>
+            </a:r>
+            <a:r>
+              <a:rPr lang="zh-CN" altLang="en-US" dirty="0" smtClean="0">
+                <a:solidFill>
+                  <a:srgbClr val="474747"/>
+                </a:solidFill>
+              </a:rPr>
+              <a:t>：所依赖模块的数组，可以省略</a:t>
+            </a:r>
+            <a:endParaRPr lang="en-US" altLang="zh-CN" dirty="0" smtClean="0">
+              <a:solidFill>
+                <a:srgbClr val="474747"/>
+              </a:solidFill>
+            </a:endParaRPr>
+          </a:p>
+          <a:p>
+            <a:pPr lvl="1"/>
+            <a:r>
+              <a:rPr lang="en-US" altLang="zh-CN" dirty="0" smtClean="0">
+                <a:solidFill>
+                  <a:srgbClr val="474747"/>
+                </a:solidFill>
+              </a:rPr>
+              <a:t>Factory</a:t>
+            </a:r>
+            <a:r>
+              <a:rPr lang="zh-CN" altLang="en-US" dirty="0" smtClean="0">
+                <a:solidFill>
+                  <a:srgbClr val="474747"/>
+                </a:solidFill>
+              </a:rPr>
+              <a:t>：模块的实现，可以是函数或对象</a:t>
+            </a:r>
+            <a:endParaRPr lang="zh-CN" altLang="en-US" dirty="0">
+              <a:solidFill>
+                <a:srgbClr val="474747"/>
+              </a:solidFill>
+            </a:endParaRPr>
+          </a:p>
+        </p:txBody>
+      </p:sp>
+    </p:spTree>
+  </p:cSld>
+  <p:clrMapOvr>
+    <a:masterClrMapping/>
+  </p:clrMapOvr>
+  <p:timing>
+    <p:tnLst>
+      <p:par>
+        <p:cTn id="1" dur="indefinite" restart="never" nodeType="tmRoot">
+          <p:childTnLst>
+            <p:seq concurrent="1" nextAc="seek">
+              <p:cTn id="2" dur="indefinite" nodeType="mainSeq">
+                <p:childTnLst>
+                  <p:par>
+                    <p:cTn id="3" fill="hold">
+                      <p:stCondLst>
+                        <p:cond delay="indefinite"/>
+                      </p:stCondLst>
+                      <p:childTnLst>
+                        <p:par>
+                          <p:cTn id="4" fill="hold">
+                            <p:stCondLst>
+                              <p:cond delay="0"/>
+                            </p:stCondLst>
+                            <p:childTnLst>
+                              <p:par>
+                                <p:cTn id="5" presetID="5" presetClass="entr" presetSubtype="10" fill="hold" nodeType="clickEffect">
+                                  <p:stCondLst>
+                                    <p:cond delay="0"/>
+                                  </p:stCondLst>
+                                  <p:childTnLst>
+                                    <p:set>
+                                      <p:cBhvr>
+                                        <p:cTn id="6" dur="1" fill="hold">
+                                          <p:stCondLst>
+                                            <p:cond delay="0"/>
+                                          </p:stCondLst>
+                                        </p:cTn>
+                                        <p:tgtEl>
+                                          <p:spTgt spid="3">
+                                            <p:txEl>
+                                              <p:pRg st="0" end="0"/>
+                                            </p:txEl>
+                                          </p:spTgt>
+                                        </p:tgtEl>
+                                        <p:attrNameLst>
+                                          <p:attrName>style.visibility</p:attrName>
+                                        </p:attrNameLst>
+                                      </p:cBhvr>
+                                      <p:to>
+                                        <p:strVal val="visible"/>
+                                      </p:to>
+                                    </p:set>
+                                    <p:animEffect transition="in" filter="checkerboard(across)">
+                                      <p:cBhvr>
+                                        <p:cTn id="7" dur="500"/>
+                                        <p:tgtEl>
+                                          <p:spTgt spid="3">
+                                            <p:txEl>
+                                              <p:pRg st="0" end="0"/>
+                                            </p:txEl>
+                                          </p:spTgt>
+                                        </p:tgtEl>
+                                      </p:cBhvr>
+                                    </p:animEffect>
+                                  </p:childTnLst>
+                                </p:cTn>
+                              </p:par>
+                            </p:childTnLst>
+                          </p:cTn>
+                        </p:par>
+                      </p:childTnLst>
+                    </p:cTn>
+                  </p:par>
+                  <p:par>
+                    <p:cTn id="8" fill="hold">
+                      <p:stCondLst>
+                        <p:cond delay="indefinite"/>
+                      </p:stCondLst>
+                      <p:childTnLst>
+                        <p:par>
+                          <p:cTn id="9" fill="hold">
+                            <p:stCondLst>
+                              <p:cond delay="0"/>
+                            </p:stCondLst>
+                            <p:childTnLst>
+                              <p:par>
+                                <p:cTn id="10" presetID="2" presetClass="entr" presetSubtype="4" fill="hold" nodeType="clickEffect">
+                                  <p:stCondLst>
+                                    <p:cond delay="0"/>
+                                  </p:stCondLst>
+                                  <p:childTnLst>
+                                    <p:set>
+                                      <p:cBhvr>
+                                        <p:cTn id="11" dur="1" fill="hold">
+                                          <p:stCondLst>
+                                            <p:cond delay="0"/>
+                                          </p:stCondLst>
+                                        </p:cTn>
+                                        <p:tgtEl>
+                                          <p:spTgt spid="3">
+                                            <p:txEl>
+                                              <p:pRg st="2" end="2"/>
+                                            </p:txEl>
+                                          </p:spTgt>
+                                        </p:tgtEl>
+                                        <p:attrNameLst>
+                                          <p:attrName>style.visibility</p:attrName>
+                                        </p:attrNameLst>
+                                      </p:cBhvr>
+                                      <p:to>
+                                        <p:strVal val="visible"/>
+                                      </p:to>
+                                    </p:set>
+                                    <p:anim calcmode="lin" valueType="num">
+                                      <p:cBhvr additive="base">
+                                        <p:cTn id="12" dur="500" fill="hold"/>
+                                        <p:tgtEl>
+                                          <p:spTgt spid="3">
+                                            <p:txEl>
+                                              <p:pRg st="2" end="2"/>
+                                            </p:txEl>
+                                          </p:spTgt>
+                                        </p:tgtEl>
+                                        <p:attrNameLst>
+                                          <p:attrName>ppt_x</p:attrName>
+                                        </p:attrNameLst>
+                                      </p:cBhvr>
+                                      <p:tavLst>
+                                        <p:tav tm="0">
+                                          <p:val>
+                                            <p:strVal val="#ppt_x"/>
+                                          </p:val>
+                                        </p:tav>
+                                        <p:tav tm="100000">
+                                          <p:val>
+                                            <p:strVal val="#ppt_x"/>
+                                          </p:val>
+                                        </p:tav>
+                                      </p:tavLst>
+                                    </p:anim>
+                                    <p:anim calcmode="lin" valueType="num">
+                                      <p:cBhvr additive="base">
+                                        <p:cTn id="13" dur="500" fill="hold"/>
+                                        <p:tgtEl>
+                                          <p:spTgt spid="3">
+                                            <p:txEl>
+                                              <p:pRg st="2" end="2"/>
+                                            </p:txEl>
+                                          </p:spTgt>
+                                        </p:tgtEl>
+                                        <p:attrNameLst>
+                                          <p:attrName>ppt_y</p:attrName>
+                                        </p:attrNameLst>
+                                      </p:cBhvr>
+                                      <p:tavLst>
+                                        <p:tav tm="0">
+                                          <p:val>
+                                            <p:strVal val="1+#ppt_h/2"/>
+                                          </p:val>
+                                        </p:tav>
+                                        <p:tav tm="100000">
+                                          <p:val>
+                                            <p:strVal val="#ppt_y"/>
+                                          </p:val>
+                                        </p:tav>
+                                      </p:tavLst>
+                                    </p:anim>
+                                  </p:childTnLst>
+                                </p:cTn>
+                              </p:par>
+                            </p:childTnLst>
+                          </p:cTn>
+                        </p:par>
+                      </p:childTnLst>
+                    </p:cTn>
+                  </p:par>
+                  <p:par>
+                    <p:cTn id="14" fill="hold">
+                      <p:stCondLst>
+                        <p:cond delay="indefinite"/>
+                      </p:stCondLst>
+                      <p:childTnLst>
+                        <p:par>
+                          <p:cTn id="15" fill="hold">
+                            <p:stCondLst>
+                              <p:cond delay="0"/>
+                            </p:stCondLst>
+                            <p:childTnLst>
+                              <p:par>
+                                <p:cTn id="16" presetID="2" presetClass="entr" presetSubtype="4" fill="hold" nodeType="clickEffect">
+                                  <p:stCondLst>
+                                    <p:cond delay="0"/>
+                                  </p:stCondLst>
+                                  <p:childTnLst>
+                                    <p:set>
+                                      <p:cBhvr>
+                                        <p:cTn id="17" dur="1" fill="hold">
+                                          <p:stCondLst>
+                                            <p:cond delay="0"/>
+                                          </p:stCondLst>
+                                        </p:cTn>
+                                        <p:tgtEl>
+                                          <p:spTgt spid="3">
+                                            <p:txEl>
+                                              <p:pRg st="3" end="3"/>
+                                            </p:txEl>
+                                          </p:spTgt>
+                                        </p:tgtEl>
+                                        <p:attrNameLst>
+                                          <p:attrName>style.visibility</p:attrName>
+                                        </p:attrNameLst>
+                                      </p:cBhvr>
+                                      <p:to>
+                                        <p:strVal val="visible"/>
+                                      </p:to>
+                                    </p:set>
+                                    <p:anim calcmode="lin" valueType="num">
+                                      <p:cBhvr additive="base">
+                                        <p:cTn id="18" dur="500" fill="hold"/>
+                                        <p:tgtEl>
+                                          <p:spTgt spid="3">
+                                            <p:txEl>
+                                              <p:pRg st="3" end="3"/>
+                                            </p:txEl>
+                                          </p:spTgt>
+                                        </p:tgtEl>
+                                        <p:attrNameLst>
+                                          <p:attrName>ppt_x</p:attrName>
+                                        </p:attrNameLst>
+                                      </p:cBhvr>
+                                      <p:tavLst>
+                                        <p:tav tm="0">
+                                          <p:val>
+                                            <p:strVal val="#ppt_x"/>
+                                          </p:val>
+                                        </p:tav>
+                                        <p:tav tm="100000">
+                                          <p:val>
+                                            <p:strVal val="#ppt_x"/>
+                                          </p:val>
+                                        </p:tav>
+                                      </p:tavLst>
+                                    </p:anim>
+                                    <p:anim calcmode="lin" valueType="num">
+                                      <p:cBhvr additive="base">
+                                        <p:cTn id="19" dur="500" fill="hold"/>
+                                        <p:tgtEl>
+                                          <p:spTgt spid="3">
+                                            <p:txEl>
+                                              <p:pRg st="3" end="3"/>
+                                            </p:txEl>
+                                          </p:spTgt>
+                                        </p:tgtEl>
+                                        <p:attrNameLst>
+                                          <p:attrName>ppt_y</p:attrName>
+                                        </p:attrNameLst>
+                                      </p:cBhvr>
+                                      <p:tavLst>
+                                        <p:tav tm="0">
+                                          <p:val>
+                                            <p:strVal val="1+#ppt_h/2"/>
+                                          </p:val>
+                                        </p:tav>
+                                        <p:tav tm="100000">
+                                          <p:val>
+                                            <p:strVal val="#ppt_y"/>
+                                          </p:val>
+                                        </p:tav>
+                                      </p:tavLst>
+                                    </p:anim>
+                                  </p:childTnLst>
+                                </p:cTn>
+                              </p:par>
+                            </p:childTnLst>
+                          </p:cTn>
+                        </p:par>
+                      </p:childTnLst>
+                    </p:cTn>
+                  </p:par>
+                  <p:par>
+                    <p:cTn id="20" fill="hold">
+                      <p:stCondLst>
+                        <p:cond delay="indefinite"/>
+                      </p:stCondLst>
+                      <p:childTnLst>
+                        <p:par>
+                          <p:cTn id="21" fill="hold">
+                            <p:stCondLst>
+                              <p:cond delay="0"/>
+                            </p:stCondLst>
+                            <p:childTnLst>
+                              <p:par>
+                                <p:cTn id="22" presetID="2" presetClass="entr" presetSubtype="4" fill="hold" nodeType="clickEffect">
+                                  <p:stCondLst>
+                                    <p:cond delay="0"/>
+                                  </p:stCondLst>
+                                  <p:childTnLst>
+                                    <p:set>
+                                      <p:cBhvr>
+                                        <p:cTn id="23" dur="1" fill="hold">
+                                          <p:stCondLst>
+                                            <p:cond delay="0"/>
+                                          </p:stCondLst>
+                                        </p:cTn>
+                                        <p:tgtEl>
+                                          <p:spTgt spid="3">
+                                            <p:txEl>
+                                              <p:pRg st="4" end="4"/>
+                                            </p:txEl>
+                                          </p:spTgt>
+                                        </p:tgtEl>
+                                        <p:attrNameLst>
+                                          <p:attrName>style.visibility</p:attrName>
+                                        </p:attrNameLst>
+                                      </p:cBhvr>
+                                      <p:to>
+                                        <p:strVal val="visible"/>
+                                      </p:to>
+                                    </p:set>
+                                    <p:anim calcmode="lin" valueType="num">
+                                      <p:cBhvr additive="base">
+                                        <p:cTn id="24" dur="500" fill="hold"/>
+                                        <p:tgtEl>
+                                          <p:spTgt spid="3">
+                                            <p:txEl>
+                                              <p:pRg st="4" end="4"/>
+                                            </p:txEl>
+                                          </p:spTgt>
+                                        </p:tgtEl>
+                                        <p:attrNameLst>
+                                          <p:attrName>ppt_x</p:attrName>
+                                        </p:attrNameLst>
+                                      </p:cBhvr>
+                                      <p:tavLst>
+                                        <p:tav tm="0">
+                                          <p:val>
+                                            <p:strVal val="#ppt_x"/>
+                                          </p:val>
+                                        </p:tav>
+                                        <p:tav tm="100000">
+                                          <p:val>
+                                            <p:strVal val="#ppt_x"/>
+                                          </p:val>
+                                        </p:tav>
+                                      </p:tavLst>
+                                    </p:anim>
+                                    <p:anim calcmode="lin" valueType="num">
+                                      <p:cBhvr additive="base">
+                                        <p:cTn id="25" dur="500" fill="hold"/>
+                                        <p:tgtEl>
+                                          <p:spTgt spid="3">
+                                            <p:txEl>
+                                              <p:pRg st="4" end="4"/>
+                                            </p:txEl>
+                                          </p:spTgt>
+                                        </p:tgtEl>
+                                        <p:attrNameLst>
+                                          <p:attrName>ppt_y</p:attrName>
+                                        </p:attrNameLst>
+                                      </p:cBhvr>
+                                      <p:tavLst>
+                                        <p:tav tm="0">
+                                          <p:val>
+                                            <p:strVal val="1+#ppt_h/2"/>
+                                          </p:val>
+                                        </p:tav>
+                                        <p:tav tm="100000">
+                                          <p:val>
+                                            <p:strVal val="#ppt_y"/>
+                                          </p:val>
+                                        </p:tav>
+                                      </p:tavLst>
+                                    </p:anim>
+                                  </p:childTnLst>
+                                </p:cTn>
+                              </p:par>
+                            </p:childTnLst>
+                          </p:cTn>
+                        </p:par>
+                      </p:childTnLst>
+                    </p:cTn>
+                  </p:par>
+                </p:childTnLst>
+              </p:cTn>
+              <p:prevCondLst>
+                <p:cond evt="onPrev" delay="0">
+                  <p:tgtEl>
+                    <p:sldTgt/>
+                  </p:tgtEl>
+                </p:cond>
+              </p:prevCondLst>
+              <p:nextCondLst>
+                <p:cond evt="onNext" delay="0">
+                  <p:tgtEl>
+                    <p:sldTgt/>
+                  </p:tgtEl>
+                </p:cond>
+              </p:nextCondLst>
+            </p:seq>
+          </p:childTnLst>
+        </p:cTn>
+      </p:par>
+    </p:tnLst>
+  </p:timing>
+</p:sld>
+</file>
+
+<file path=ppt/slides/slide11.xml><?xml version="1.0" encoding="utf-8"?>
+<p:sld xmlns:a="http://schemas.openxmlformats.org/drawingml/2006/main" xmlns:r="http://schemas.openxmlformats.org/officeDocument/2006/relationships" xmlns:p="http://schemas.openxmlformats.org/presentationml/2006/main">
+  <p:cSld>
+    <p:spTree>
+      <p:nvGrpSpPr>
+        <p:cNvPr id="1" name=""/>
+        <p:cNvGrpSpPr/>
+        <p:nvPr/>
+      </p:nvGrpSpPr>
+      <p:grpSpPr>
+        <a:xfrm>
+          <a:off x="0" y="0"/>
+          <a:ext cx="0" cy="0"/>
+          <a:chOff x="0" y="0"/>
+          <a:chExt cx="0" cy="0"/>
+        </a:xfrm>
+      </p:grpSpPr>
+      <p:sp>
+        <p:nvSpPr>
+          <p:cNvPr id="2" name="标题 1"/>
+          <p:cNvSpPr>
+            <a:spLocks noGrp="1"/>
+          </p:cNvSpPr>
+          <p:nvPr>
+            <p:ph type="title"/>
+          </p:nvPr>
+        </p:nvSpPr>
+        <p:spPr/>
+        <p:txBody>
+          <a:bodyPr/>
+          <a:lstStyle/>
+          <a:p>
+            <a:endParaRPr lang="zh-CN" altLang="en-US"/>
+          </a:p>
+        </p:txBody>
+      </p:sp>
+      <p:sp>
+        <p:nvSpPr>
+          <p:cNvPr id="3" name="内容占位符 2"/>
+          <p:cNvSpPr>
+            <a:spLocks noGrp="1"/>
+          </p:cNvSpPr>
+          <p:nvPr>
+            <p:ph idx="1"/>
+          </p:nvPr>
+        </p:nvSpPr>
+        <p:spPr/>
+        <p:txBody>
+          <a:bodyPr/>
+          <a:lstStyle/>
+          <a:p>
+            <a:endParaRPr lang="zh-CN" altLang="en-US" dirty="0"/>
+          </a:p>
+        </p:txBody>
+      </p:sp>
+      <p:pic>
+        <p:nvPicPr>
+          <p:cNvPr id="1026" name="Picture 2"/>
+          <p:cNvPicPr>
+            <a:picLocks noChangeAspect="1" noChangeArrowheads="1"/>
+          </p:cNvPicPr>
+          <p:nvPr/>
+        </p:nvPicPr>
+        <p:blipFill>
+          <a:blip r:embed="rId2" cstate="print"/>
+          <a:srcRect/>
+          <a:stretch>
+            <a:fillRect/>
+          </a:stretch>
+        </p:blipFill>
+        <p:spPr bwMode="auto">
+          <a:xfrm>
+            <a:off x="1187624" y="2924944"/>
+            <a:ext cx="6772275" cy="2333625"/>
+          </a:xfrm>
+          <a:prstGeom prst="rect">
+            <a:avLst/>
+          </a:prstGeom>
+          <a:noFill/>
+          <a:ln w="9525">
+            <a:noFill/>
+            <a:miter lim="800000"/>
+            <a:headEnd/>
+            <a:tailEnd/>
+          </a:ln>
+        </p:spPr>
+      </p:pic>
+      <p:sp>
+        <p:nvSpPr>
+          <p:cNvPr id="5" name="圆角矩形 4"/>
+          <p:cNvSpPr/>
+          <p:nvPr/>
+        </p:nvSpPr>
+        <p:spPr>
+          <a:xfrm>
+            <a:off x="611560" y="1556792"/>
+            <a:ext cx="2016125" cy="886296"/>
+          </a:xfrm>
+          <a:prstGeom prst="roundRect">
+            <a:avLst/>
+          </a:prstGeom>
+          <a:solidFill>
+            <a:srgbClr val="C9394A"/>
+          </a:solidFill>
+          <a:ln/>
+        </p:spPr>
+        <p:style>
+          <a:lnRef idx="3">
+            <a:schemeClr val="lt1"/>
+          </a:lnRef>
+          <a:fillRef idx="1">
+            <a:schemeClr val="accent4"/>
+          </a:fillRef>
+          <a:effectRef idx="1">
+            <a:schemeClr val="accent4"/>
+          </a:effectRef>
+          <a:fontRef idx="minor">
+            <a:schemeClr val="lt1"/>
+          </a:fontRef>
+        </p:style>
+        <p:txBody>
+          <a:bodyPr anchor="ctr"/>
+          <a:lstStyle/>
+          <a:p>
+            <a:pPr algn="ctr">
+              <a:buFont typeface="Arial" charset="0"/>
+              <a:buNone/>
+              <a:defRPr/>
+            </a:pPr>
+            <a:r>
+              <a:rPr lang="zh-CN" altLang="en-US" sz="2000" b="1" dirty="0" smtClean="0">
+                <a:solidFill>
+                  <a:schemeClr val="bg1"/>
+                </a:solidFill>
+              </a:rPr>
+              <a:t>模块</a:t>
+            </a:r>
+            <a:r>
+              <a:rPr lang="en-US" altLang="zh-CN" sz="2000" b="1" dirty="0" smtClean="0">
+                <a:solidFill>
+                  <a:schemeClr val="bg1"/>
+                </a:solidFill>
+              </a:rPr>
+              <a:t>ID</a:t>
+            </a:r>
+          </a:p>
+        </p:txBody>
+      </p:sp>
+      <p:sp>
+        <p:nvSpPr>
+          <p:cNvPr id="6" name="圆角矩形 5"/>
+          <p:cNvSpPr/>
+          <p:nvPr/>
+        </p:nvSpPr>
+        <p:spPr>
+          <a:xfrm>
+            <a:off x="3419872" y="1556792"/>
+            <a:ext cx="2016125" cy="886296"/>
+          </a:xfrm>
+          <a:prstGeom prst="roundRect">
+            <a:avLst/>
+          </a:prstGeom>
+          <a:solidFill>
+            <a:srgbClr val="C9394A"/>
+          </a:solidFill>
+          <a:ln/>
+        </p:spPr>
+        <p:style>
+          <a:lnRef idx="3">
+            <a:schemeClr val="lt1"/>
+          </a:lnRef>
+          <a:fillRef idx="1">
+            <a:schemeClr val="accent4"/>
+          </a:fillRef>
+          <a:effectRef idx="1">
+            <a:schemeClr val="accent4"/>
+          </a:effectRef>
+          <a:fontRef idx="minor">
+            <a:schemeClr val="lt1"/>
+          </a:fontRef>
+        </p:style>
+        <p:txBody>
+          <a:bodyPr anchor="ctr"/>
+          <a:lstStyle/>
+          <a:p>
+            <a:pPr algn="ctr">
+              <a:buFont typeface="Arial" charset="0"/>
+              <a:buNone/>
+              <a:defRPr/>
+            </a:pPr>
+            <a:r>
+              <a:rPr lang="zh-CN" altLang="en-US" sz="2000" b="1" dirty="0" smtClean="0">
+                <a:solidFill>
+                  <a:schemeClr val="bg1"/>
+                </a:solidFill>
+              </a:rPr>
+              <a:t>模块依赖</a:t>
+            </a:r>
+            <a:endParaRPr lang="en-US" altLang="zh-CN" sz="2000" b="1" dirty="0" smtClean="0">
+              <a:solidFill>
+                <a:schemeClr val="bg1"/>
+              </a:solidFill>
+            </a:endParaRPr>
+          </a:p>
+        </p:txBody>
+      </p:sp>
+      <p:sp>
+        <p:nvSpPr>
+          <p:cNvPr id="7" name="圆角矩形 6"/>
+          <p:cNvSpPr/>
+          <p:nvPr/>
+        </p:nvSpPr>
+        <p:spPr>
+          <a:xfrm>
+            <a:off x="6300192" y="1556792"/>
+            <a:ext cx="2016125" cy="886296"/>
+          </a:xfrm>
+          <a:prstGeom prst="roundRect">
+            <a:avLst/>
+          </a:prstGeom>
+          <a:solidFill>
+            <a:srgbClr val="C9394A"/>
+          </a:solidFill>
+          <a:ln/>
+        </p:spPr>
+        <p:style>
+          <a:lnRef idx="3">
+            <a:schemeClr val="lt1"/>
+          </a:lnRef>
+          <a:fillRef idx="1">
+            <a:schemeClr val="accent4"/>
+          </a:fillRef>
+          <a:effectRef idx="1">
+            <a:schemeClr val="accent4"/>
+          </a:effectRef>
+          <a:fontRef idx="minor">
+            <a:schemeClr val="lt1"/>
+          </a:fontRef>
+        </p:style>
+        <p:txBody>
+          <a:bodyPr anchor="ctr"/>
+          <a:lstStyle/>
+          <a:p>
+            <a:pPr algn="ctr">
+              <a:buFont typeface="Arial" charset="0"/>
+              <a:buNone/>
+              <a:defRPr/>
+            </a:pPr>
+            <a:r>
+              <a:rPr lang="zh-CN" altLang="en-US" sz="2000" b="1" dirty="0" smtClean="0">
+                <a:solidFill>
+                  <a:schemeClr val="bg1"/>
+                </a:solidFill>
+              </a:rPr>
+              <a:t>模块的实现</a:t>
+            </a:r>
+            <a:endParaRPr lang="en-US" altLang="zh-CN" sz="2000" b="1" dirty="0" smtClean="0">
+              <a:solidFill>
+                <a:schemeClr val="bg1"/>
+              </a:solidFill>
+            </a:endParaRPr>
+          </a:p>
+          <a:p>
+            <a:pPr algn="ctr">
+              <a:buFont typeface="Arial" charset="0"/>
+              <a:buNone/>
+              <a:defRPr/>
+            </a:pPr>
+            <a:r>
+              <a:rPr lang="en-US" altLang="zh-CN" sz="2000" b="1" dirty="0" smtClean="0">
+                <a:solidFill>
+                  <a:schemeClr val="bg1"/>
+                </a:solidFill>
+              </a:rPr>
+              <a:t>function</a:t>
+            </a:r>
+          </a:p>
+        </p:txBody>
+      </p:sp>
+      <p:cxnSp>
+        <p:nvCxnSpPr>
+          <p:cNvPr id="9" name="直接箭头连接符 8"/>
+          <p:cNvCxnSpPr/>
+          <p:nvPr/>
+        </p:nvCxnSpPr>
+        <p:spPr>
+          <a:xfrm flipH="1" flipV="1">
+            <a:off x="1979712" y="2492896"/>
+            <a:ext cx="864096" cy="720080"/>
+          </a:xfrm>
+          <a:prstGeom prst="straightConnector1">
+            <a:avLst/>
+          </a:prstGeom>
+          <a:ln w="38100">
+            <a:solidFill>
+              <a:srgbClr val="C9394A"/>
+            </a:solidFill>
+            <a:tailEnd type="arrow"/>
+          </a:ln>
+        </p:spPr>
+        <p:style>
+          <a:lnRef idx="1">
+            <a:schemeClr val="accent1"/>
+          </a:lnRef>
+          <a:fillRef idx="0">
+            <a:schemeClr val="accent1"/>
+          </a:fillRef>
+          <a:effectRef idx="0">
+            <a:schemeClr val="accent1"/>
+          </a:effectRef>
+          <a:fontRef idx="minor">
+            <a:schemeClr val="tx1"/>
+          </a:fontRef>
+        </p:style>
+      </p:cxnSp>
+      <p:cxnSp>
+        <p:nvCxnSpPr>
+          <p:cNvPr id="11" name="直接箭头连接符 10"/>
+          <p:cNvCxnSpPr/>
+          <p:nvPr/>
+        </p:nvCxnSpPr>
+        <p:spPr>
+          <a:xfrm flipV="1">
+            <a:off x="4499992" y="2492896"/>
+            <a:ext cx="0" cy="720080"/>
+          </a:xfrm>
+          <a:prstGeom prst="straightConnector1">
+            <a:avLst/>
+          </a:prstGeom>
+          <a:ln w="38100">
+            <a:solidFill>
+              <a:srgbClr val="C9394A"/>
+            </a:solidFill>
+            <a:tailEnd type="arrow"/>
+          </a:ln>
+        </p:spPr>
+        <p:style>
+          <a:lnRef idx="1">
+            <a:schemeClr val="accent1"/>
+          </a:lnRef>
+          <a:fillRef idx="0">
+            <a:schemeClr val="accent1"/>
+          </a:fillRef>
+          <a:effectRef idx="0">
+            <a:schemeClr val="accent1"/>
+          </a:effectRef>
+          <a:fontRef idx="minor">
+            <a:schemeClr val="tx1"/>
+          </a:fontRef>
+        </p:style>
+      </p:cxnSp>
+      <p:cxnSp>
+        <p:nvCxnSpPr>
+          <p:cNvPr id="13" name="直接箭头连接符 12"/>
+          <p:cNvCxnSpPr>
+            <a:endCxn id="7" idx="2"/>
+          </p:cNvCxnSpPr>
+          <p:nvPr/>
+        </p:nvCxnSpPr>
+        <p:spPr>
+          <a:xfrm flipV="1">
+            <a:off x="6444208" y="2443088"/>
+            <a:ext cx="864047" cy="769888"/>
+          </a:xfrm>
+          <a:prstGeom prst="straightConnector1">
+            <a:avLst/>
+          </a:prstGeom>
+          <a:ln w="38100">
+            <a:solidFill>
+              <a:srgbClr val="C9394A"/>
+            </a:solidFill>
+            <a:tailEnd type="arrow"/>
+          </a:ln>
+        </p:spPr>
+        <p:style>
+          <a:lnRef idx="1">
+            <a:schemeClr val="accent1"/>
+          </a:lnRef>
+          <a:fillRef idx="0">
+            <a:schemeClr val="accent1"/>
+          </a:fillRef>
+          <a:effectRef idx="0">
+            <a:schemeClr val="accent1"/>
+          </a:effectRef>
+          <a:fontRef idx="minor">
+            <a:schemeClr val="tx1"/>
+          </a:fontRef>
+        </p:style>
+      </p:cxnSp>
+      <p:sp>
+        <p:nvSpPr>
+          <p:cNvPr id="15" name="圆角矩形 14"/>
+          <p:cNvSpPr/>
+          <p:nvPr/>
+        </p:nvSpPr>
+        <p:spPr>
+          <a:xfrm>
+            <a:off x="3203848" y="5157192"/>
+            <a:ext cx="2016125" cy="886296"/>
+          </a:xfrm>
+          <a:prstGeom prst="roundRect">
+            <a:avLst/>
+          </a:prstGeom>
+          <a:solidFill>
+            <a:srgbClr val="C9394A"/>
+          </a:solidFill>
+          <a:ln/>
+        </p:spPr>
+        <p:style>
+          <a:lnRef idx="3">
+            <a:schemeClr val="lt1"/>
+          </a:lnRef>
+          <a:fillRef idx="1">
+            <a:schemeClr val="accent4"/>
+          </a:fillRef>
+          <a:effectRef idx="1">
+            <a:schemeClr val="accent4"/>
+          </a:effectRef>
+          <a:fontRef idx="minor">
+            <a:schemeClr val="lt1"/>
+          </a:fontRef>
+        </p:style>
+        <p:txBody>
+          <a:bodyPr anchor="ctr"/>
+          <a:lstStyle/>
+          <a:p>
+            <a:pPr algn="ctr">
+              <a:buFont typeface="Arial" charset="0"/>
+              <a:buNone/>
+              <a:defRPr/>
+            </a:pPr>
+            <a:r>
+              <a:rPr lang="zh-CN" altLang="en-US" sz="2000" b="1" dirty="0" smtClean="0">
+                <a:solidFill>
+                  <a:schemeClr val="bg1"/>
+                </a:solidFill>
+              </a:rPr>
+              <a:t>返回结果</a:t>
+            </a:r>
+            <a:endParaRPr lang="en-US" altLang="zh-CN" sz="2000" b="1" dirty="0" smtClean="0">
+              <a:solidFill>
+                <a:schemeClr val="bg1"/>
+              </a:solidFill>
+            </a:endParaRPr>
+          </a:p>
+        </p:txBody>
+      </p:sp>
+      <p:cxnSp>
+        <p:nvCxnSpPr>
+          <p:cNvPr id="16" name="直接箭头连接符 15"/>
+          <p:cNvCxnSpPr>
+            <a:endCxn id="15" idx="0"/>
+          </p:cNvCxnSpPr>
+          <p:nvPr/>
+        </p:nvCxnSpPr>
+        <p:spPr>
+          <a:xfrm>
+            <a:off x="3347864" y="4365104"/>
+            <a:ext cx="864047" cy="792088"/>
+          </a:xfrm>
+          <a:prstGeom prst="straightConnector1">
+            <a:avLst/>
+          </a:prstGeom>
+          <a:ln w="38100">
+            <a:solidFill>
+              <a:srgbClr val="C9394A"/>
+            </a:solidFill>
+            <a:tailEnd type="arrow"/>
+          </a:ln>
+        </p:spPr>
+        <p:style>
+          <a:lnRef idx="1">
+            <a:schemeClr val="accent1"/>
+          </a:lnRef>
+          <a:fillRef idx="0">
+            <a:schemeClr val="accent1"/>
+          </a:fillRef>
+          <a:effectRef idx="0">
+            <a:schemeClr val="accent1"/>
+          </a:effectRef>
+          <a:fontRef idx="minor">
+            <a:schemeClr val="tx1"/>
+          </a:fontRef>
+        </p:style>
+      </p:cxnSp>
+    </p:spTree>
+  </p:cSld>
+  <p:clrMapOvr>
+    <a:masterClrMapping/>
+  </p:clrMapOvr>
+  <p:timing>
+    <p:tnLst>
+      <p:par>
+        <p:cTn id="1" dur="indefinite" restart="never" nodeType="tmRoot">
+          <p:childTnLst>
+            <p:seq concurrent="1" nextAc="seek">
+              <p:cTn id="2" dur="indefinite" nodeType="mainSeq">
+                <p:childTnLst>
+                  <p:par>
+                    <p:cTn id="3" fill="hold">
+                      <p:stCondLst>
+                        <p:cond delay="indefinite"/>
+                      </p:stCondLst>
+                      <p:childTnLst>
+                        <p:par>
+                          <p:cTn id="4" fill="hold">
+                            <p:stCondLst>
+                              <p:cond delay="0"/>
+                            </p:stCondLst>
+                            <p:childTnLst>
+                              <p:par>
+                                <p:cTn id="5" presetID="26" presetClass="entr" presetSubtype="0" fill="hold" nodeType="clickEffect">
+                                  <p:stCondLst>
+                                    <p:cond delay="0"/>
+                                  </p:stCondLst>
+                                  <p:childTnLst>
+                                    <p:set>
+                                      <p:cBhvr>
+                                        <p:cTn id="6" dur="1" fill="hold">
+                                          <p:stCondLst>
+                                            <p:cond delay="0"/>
+                                          </p:stCondLst>
+                                        </p:cTn>
+                                        <p:tgtEl>
+                                          <p:spTgt spid="1026"/>
+                                        </p:tgtEl>
+                                        <p:attrNameLst>
+                                          <p:attrName>style.visibility</p:attrName>
+                                        </p:attrNameLst>
+                                      </p:cBhvr>
+                                      <p:to>
+                                        <p:strVal val="visible"/>
+                                      </p:to>
+                                    </p:set>
+                                    <p:animEffect transition="in" filter="wipe(down)">
+                                      <p:cBhvr>
+                                        <p:cTn id="7" dur="145">
+                                          <p:stCondLst>
+                                            <p:cond delay="0"/>
+                                          </p:stCondLst>
+                                        </p:cTn>
+                                        <p:tgtEl>
+                                          <p:spTgt spid="1026"/>
+                                        </p:tgtEl>
+                                      </p:cBhvr>
+                                    </p:animEffect>
+                                    <p:anim calcmode="lin" valueType="num">
+                                      <p:cBhvr>
+                                        <p:cTn id="8" dur="456" tmFilter="0,0; 0.14,0.36; 0.43,0.73; 0.71,0.91; 1.0,1.0">
+                                          <p:stCondLst>
+                                            <p:cond delay="0"/>
+                                          </p:stCondLst>
+                                        </p:cTn>
+                                        <p:tgtEl>
+                                          <p:spTgt spid="1026"/>
+                                        </p:tgtEl>
+                                        <p:attrNameLst>
+                                          <p:attrName>ppt_x</p:attrName>
+                                        </p:attrNameLst>
+                                      </p:cBhvr>
+                                      <p:tavLst>
+                                        <p:tav tm="0">
+                                          <p:val>
+                                            <p:strVal val="#ppt_x-0.25"/>
+                                          </p:val>
+                                        </p:tav>
+                                        <p:tav tm="100000">
+                                          <p:val>
+                                            <p:strVal val="#ppt_x"/>
+                                          </p:val>
+                                        </p:tav>
+                                      </p:tavLst>
+                                    </p:anim>
+                                    <p:anim calcmode="lin" valueType="num">
+                                      <p:cBhvr>
+                                        <p:cTn id="9" dur="166" tmFilter="0.0,0.0; 0.25,0.07; 0.50,0.2; 0.75,0.467; 1.0,1.0">
+                                          <p:stCondLst>
+                                            <p:cond delay="0"/>
+                                          </p:stCondLst>
+                                        </p:cTn>
+                                        <p:tgtEl>
+                                          <p:spTgt spid="1026"/>
+                                        </p:tgtEl>
+                                        <p:attrNameLst>
+                                          <p:attrName>ppt_y</p:attrName>
+                                        </p:attrNameLst>
+                                      </p:cBhvr>
+                                      <p:tavLst>
+                                        <p:tav tm="0" fmla="#ppt_y-sin(pi*$)/3">
+                                          <p:val>
+                                            <p:fltVal val="0.5"/>
+                                          </p:val>
+                                        </p:tav>
+                                        <p:tav tm="100000">
+                                          <p:val>
+                                            <p:fltVal val="1"/>
+                                          </p:val>
+                                        </p:tav>
+                                      </p:tavLst>
+                                    </p:anim>
+                                    <p:anim calcmode="lin" valueType="num">
+                                      <p:cBhvr>
+                                        <p:cTn id="10" dur="166" tmFilter="0, 0; 0.125,0.2665; 0.25,0.4; 0.375,0.465; 0.5,0.5;  0.625,0.535; 0.75,0.6; 0.875,0.7335; 1,1">
+                                          <p:stCondLst>
+                                            <p:cond delay="166"/>
+                                          </p:stCondLst>
+                                        </p:cTn>
+                                        <p:tgtEl>
+                                          <p:spTgt spid="1026"/>
+                                        </p:tgtEl>
+                                        <p:attrNameLst>
+                                          <p:attrName>ppt_y</p:attrName>
+                                        </p:attrNameLst>
+                                      </p:cBhvr>
+                                      <p:tavLst>
+                                        <p:tav tm="0" fmla="#ppt_y-sin(pi*$)/9">
+                                          <p:val>
+                                            <p:fltVal val="0"/>
+                                          </p:val>
+                                        </p:tav>
+                                        <p:tav tm="100000">
+                                          <p:val>
+                                            <p:fltVal val="1"/>
+                                          </p:val>
+                                        </p:tav>
+                                      </p:tavLst>
+                                    </p:anim>
+                                    <p:anim calcmode="lin" valueType="num">
+                                      <p:cBhvr>
+                                        <p:cTn id="11" dur="83" tmFilter="0, 0; 0.125,0.2665; 0.25,0.4; 0.375,0.465; 0.5,0.5;  0.625,0.535; 0.75,0.6; 0.875,0.7335; 1,1">
+                                          <p:stCondLst>
+                                            <p:cond delay="331"/>
+                                          </p:stCondLst>
+                                        </p:cTn>
+                                        <p:tgtEl>
+                                          <p:spTgt spid="1026"/>
+                                        </p:tgtEl>
+                                        <p:attrNameLst>
+                                          <p:attrName>ppt_y</p:attrName>
+                                        </p:attrNameLst>
+                                      </p:cBhvr>
+                                      <p:tavLst>
+                                        <p:tav tm="0" fmla="#ppt_y-sin(pi*$)/27">
+                                          <p:val>
+                                            <p:fltVal val="0"/>
+                                          </p:val>
+                                        </p:tav>
+                                        <p:tav tm="100000">
+                                          <p:val>
+                                            <p:fltVal val="1"/>
+                                          </p:val>
+                                        </p:tav>
+                                      </p:tavLst>
+                                    </p:anim>
+                                    <p:anim calcmode="lin" valueType="num">
+                                      <p:cBhvr>
+                                        <p:cTn id="12" dur="41" tmFilter="0, 0; 0.125,0.2665; 0.25,0.4; 0.375,0.465; 0.5,0.5;  0.625,0.535; 0.75,0.6; 0.875,0.7335; 1,1">
+                                          <p:stCondLst>
+                                            <p:cond delay="414"/>
+                                          </p:stCondLst>
+                                        </p:cTn>
+                                        <p:tgtEl>
+                                          <p:spTgt spid="1026"/>
+                                        </p:tgtEl>
+                                        <p:attrNameLst>
+                                          <p:attrName>ppt_y</p:attrName>
+                                        </p:attrNameLst>
+                                      </p:cBhvr>
+                                      <p:tavLst>
+                                        <p:tav tm="0" fmla="#ppt_y-sin(pi*$)/81">
+                                          <p:val>
+                                            <p:fltVal val="0"/>
+                                          </p:val>
+                                        </p:tav>
+                                        <p:tav tm="100000">
+                                          <p:val>
+                                            <p:fltVal val="1"/>
+                                          </p:val>
+                                        </p:tav>
+                                      </p:tavLst>
+                                    </p:anim>
+                                    <p:animScale>
+                                      <p:cBhvr>
+                                        <p:cTn id="13" dur="7">
+                                          <p:stCondLst>
+                                            <p:cond delay="163"/>
+                                          </p:stCondLst>
+                                        </p:cTn>
+                                        <p:tgtEl>
+                                          <p:spTgt spid="1026"/>
+                                        </p:tgtEl>
+                                      </p:cBhvr>
+                                      <p:to x="100000" y="60000"/>
+                                    </p:animScale>
+                                    <p:animScale>
+                                      <p:cBhvr>
+                                        <p:cTn id="14" dur="42" decel="50000">
+                                          <p:stCondLst>
+                                            <p:cond delay="169"/>
+                                          </p:stCondLst>
+                                        </p:cTn>
+                                        <p:tgtEl>
+                                          <p:spTgt spid="1026"/>
+                                        </p:tgtEl>
+                                      </p:cBhvr>
+                                      <p:to x="100000" y="100000"/>
+                                    </p:animScale>
+                                    <p:animScale>
+                                      <p:cBhvr>
+                                        <p:cTn id="15" dur="7">
+                                          <p:stCondLst>
+                                            <p:cond delay="328"/>
+                                          </p:stCondLst>
+                                        </p:cTn>
+                                        <p:tgtEl>
+                                          <p:spTgt spid="1026"/>
+                                        </p:tgtEl>
+                                      </p:cBhvr>
+                                      <p:to x="100000" y="80000"/>
+                                    </p:animScale>
+                                    <p:animScale>
+                                      <p:cBhvr>
+                                        <p:cTn id="16" dur="42" decel="50000">
+                                          <p:stCondLst>
+                                            <p:cond delay="335"/>
+                                          </p:stCondLst>
+                                        </p:cTn>
+                                        <p:tgtEl>
+                                          <p:spTgt spid="1026"/>
+                                        </p:tgtEl>
+                                      </p:cBhvr>
+                                      <p:to x="100000" y="100000"/>
+                                    </p:animScale>
+                                    <p:animScale>
+                                      <p:cBhvr>
+                                        <p:cTn id="17" dur="7">
+                                          <p:stCondLst>
+                                            <p:cond delay="411"/>
+                                          </p:stCondLst>
+                                        </p:cTn>
+                                        <p:tgtEl>
+                                          <p:spTgt spid="1026"/>
+                                        </p:tgtEl>
+                                      </p:cBhvr>
+                                      <p:to x="100000" y="90000"/>
+                                    </p:animScale>
+                                    <p:animScale>
+                                      <p:cBhvr>
+                                        <p:cTn id="18" dur="42" decel="50000">
+                                          <p:stCondLst>
+                                            <p:cond delay="417"/>
+                                          </p:stCondLst>
+                                        </p:cTn>
+                                        <p:tgtEl>
+                                          <p:spTgt spid="1026"/>
+                                        </p:tgtEl>
+                                      </p:cBhvr>
+                                      <p:to x="100000" y="100000"/>
+                                    </p:animScale>
+                                    <p:animScale>
+                                      <p:cBhvr>
+                                        <p:cTn id="19" dur="7">
+                                          <p:stCondLst>
+                                            <p:cond delay="452"/>
+                                          </p:stCondLst>
+                                        </p:cTn>
+                                        <p:tgtEl>
+                                          <p:spTgt spid="1026"/>
+                                        </p:tgtEl>
+                                      </p:cBhvr>
+                                      <p:to x="100000" y="95000"/>
+                                    </p:animScale>
+                                    <p:animScale>
+                                      <p:cBhvr>
+                                        <p:cTn id="20" dur="42" decel="50000">
+                                          <p:stCondLst>
+                                            <p:cond delay="459"/>
+                                          </p:stCondLst>
+                                        </p:cTn>
+                                        <p:tgtEl>
+                                          <p:spTgt spid="1026"/>
+                                        </p:tgtEl>
+                                      </p:cBhvr>
+                                      <p:to x="100000" y="100000"/>
+                                    </p:animScale>
+                                  </p:childTnLst>
+                                </p:cTn>
+                              </p:par>
+                            </p:childTnLst>
+                          </p:cTn>
+                        </p:par>
+                      </p:childTnLst>
+                    </p:cTn>
+                  </p:par>
+                  <p:par>
+                    <p:cTn id="21" fill="hold">
+                      <p:stCondLst>
+                        <p:cond delay="indefinite"/>
+                      </p:stCondLst>
+                      <p:childTnLst>
+                        <p:par>
+                          <p:cTn id="22" fill="hold">
+                            <p:stCondLst>
+                              <p:cond delay="0"/>
+                            </p:stCondLst>
+                            <p:childTnLst>
+                              <p:par>
+                                <p:cTn id="23" presetID="2" presetClass="entr" presetSubtype="4" fill="hold" grpId="0" nodeType="clickEffect">
+                                  <p:stCondLst>
+                                    <p:cond delay="0"/>
+                                  </p:stCondLst>
+                                  <p:childTnLst>
+                                    <p:set>
+                                      <p:cBhvr>
+                                        <p:cTn id="24" dur="1" fill="hold">
+                                          <p:stCondLst>
+                                            <p:cond delay="0"/>
+                                          </p:stCondLst>
+                                        </p:cTn>
+                                        <p:tgtEl>
+                                          <p:spTgt spid="5"/>
+                                        </p:tgtEl>
+                                        <p:attrNameLst>
+                                          <p:attrName>style.visibility</p:attrName>
+                                        </p:attrNameLst>
+                                      </p:cBhvr>
+                                      <p:to>
+                                        <p:strVal val="visible"/>
+                                      </p:to>
+                                    </p:set>
+                                    <p:anim calcmode="lin" valueType="num">
+                                      <p:cBhvr additive="base">
+                                        <p:cTn id="25" dur="500" fill="hold"/>
+                                        <p:tgtEl>
+                                          <p:spTgt spid="5"/>
+                                        </p:tgtEl>
+                                        <p:attrNameLst>
+                                          <p:attrName>ppt_x</p:attrName>
+                                        </p:attrNameLst>
+                                      </p:cBhvr>
+                                      <p:tavLst>
+                                        <p:tav tm="0">
+                                          <p:val>
+                                            <p:strVal val="#ppt_x"/>
+                                          </p:val>
+                                        </p:tav>
+                                        <p:tav tm="100000">
+                                          <p:val>
+                                            <p:strVal val="#ppt_x"/>
+                                          </p:val>
+                                        </p:tav>
+                                      </p:tavLst>
+                                    </p:anim>
+                                    <p:anim calcmode="lin" valueType="num">
+                                      <p:cBhvr additive="base">
+                                        <p:cTn id="26" dur="500" fill="hold"/>
+                                        <p:tgtEl>
+                                          <p:spTgt spid="5"/>
+                                        </p:tgtEl>
+                                        <p:attrNameLst>
+                                          <p:attrName>ppt_y</p:attrName>
+                                        </p:attrNameLst>
+                                      </p:cBhvr>
+                                      <p:tavLst>
+                                        <p:tav tm="0">
+                                          <p:val>
+                                            <p:strVal val="1+#ppt_h/2"/>
+                                          </p:val>
+                                        </p:tav>
+                                        <p:tav tm="100000">
+                                          <p:val>
+                                            <p:strVal val="#ppt_y"/>
+                                          </p:val>
+                                        </p:tav>
+                                      </p:tavLst>
+                                    </p:anim>
+                                  </p:childTnLst>
+                                </p:cTn>
+                              </p:par>
+                              <p:par>
+                                <p:cTn id="27" presetID="2" presetClass="entr" presetSubtype="4" fill="hold" nodeType="withEffect">
+                                  <p:stCondLst>
+                                    <p:cond delay="0"/>
+                                  </p:stCondLst>
+                                  <p:childTnLst>
+                                    <p:set>
+                                      <p:cBhvr>
+                                        <p:cTn id="28" dur="1" fill="hold">
+                                          <p:stCondLst>
+                                            <p:cond delay="0"/>
+                                          </p:stCondLst>
+                                        </p:cTn>
+                                        <p:tgtEl>
+                                          <p:spTgt spid="9"/>
+                                        </p:tgtEl>
+                                        <p:attrNameLst>
+                                          <p:attrName>style.visibility</p:attrName>
+                                        </p:attrNameLst>
+                                      </p:cBhvr>
+                                      <p:to>
+                                        <p:strVal val="visible"/>
+                                      </p:to>
+                                    </p:set>
+                                    <p:anim calcmode="lin" valueType="num">
+                                      <p:cBhvr additive="base">
+                                        <p:cTn id="29" dur="500" fill="hold"/>
+                                        <p:tgtEl>
+                                          <p:spTgt spid="9"/>
+                                        </p:tgtEl>
+                                        <p:attrNameLst>
+                                          <p:attrName>ppt_x</p:attrName>
+                                        </p:attrNameLst>
+                                      </p:cBhvr>
+                                      <p:tavLst>
+                                        <p:tav tm="0">
+                                          <p:val>
+                                            <p:strVal val="#ppt_x"/>
+                                          </p:val>
+                                        </p:tav>
+                                        <p:tav tm="100000">
+                                          <p:val>
+                                            <p:strVal val="#ppt_x"/>
+                                          </p:val>
+                                        </p:tav>
+                                      </p:tavLst>
+                                    </p:anim>
+                                    <p:anim calcmode="lin" valueType="num">
+                                      <p:cBhvr additive="base">
+                                        <p:cTn id="30" dur="500" fill="hold"/>
+                                        <p:tgtEl>
+                                          <p:spTgt spid="9"/>
+                                        </p:tgtEl>
+                                        <p:attrNameLst>
+                                          <p:attrName>ppt_y</p:attrName>
+                                        </p:attrNameLst>
+                                      </p:cBhvr>
+                                      <p:tavLst>
+                                        <p:tav tm="0">
+                                          <p:val>
+                                            <p:strVal val="1+#ppt_h/2"/>
+                                          </p:val>
+                                        </p:tav>
+                                        <p:tav tm="100000">
+                                          <p:val>
+                                            <p:strVal val="#ppt_y"/>
+                                          </p:val>
+                                        </p:tav>
+                                      </p:tavLst>
+                                    </p:anim>
+                                  </p:childTnLst>
+                                </p:cTn>
+                              </p:par>
+                            </p:childTnLst>
+                          </p:cTn>
+                        </p:par>
+                      </p:childTnLst>
+                    </p:cTn>
+                  </p:par>
+                  <p:par>
+                    <p:cTn id="31" fill="hold">
+                      <p:stCondLst>
+                        <p:cond delay="indefinite"/>
+                      </p:stCondLst>
+                      <p:childTnLst>
+                        <p:par>
+                          <p:cTn id="32" fill="hold">
+                            <p:stCondLst>
+                              <p:cond delay="0"/>
+                            </p:stCondLst>
+                            <p:childTnLst>
+                              <p:par>
+                                <p:cTn id="33" presetID="2" presetClass="entr" presetSubtype="4" fill="hold" grpId="0" nodeType="clickEffect">
+                                  <p:stCondLst>
+                                    <p:cond delay="0"/>
+                                  </p:stCondLst>
+                                  <p:childTnLst>
+                                    <p:set>
+                                      <p:cBhvr>
+                                        <p:cTn id="34" dur="1" fill="hold">
+                                          <p:stCondLst>
+                                            <p:cond delay="0"/>
+                                          </p:stCondLst>
+                                        </p:cTn>
+                                        <p:tgtEl>
+                                          <p:spTgt spid="6"/>
+                                        </p:tgtEl>
+                                        <p:attrNameLst>
+                                          <p:attrName>style.visibility</p:attrName>
+                                        </p:attrNameLst>
+                                      </p:cBhvr>
+                                      <p:to>
+                                        <p:strVal val="visible"/>
+                                      </p:to>
+                                    </p:set>
+                                    <p:anim calcmode="lin" valueType="num">
+                                      <p:cBhvr additive="base">
+                                        <p:cTn id="35" dur="500" fill="hold"/>
+                                        <p:tgtEl>
+                                          <p:spTgt spid="6"/>
+                                        </p:tgtEl>
+                                        <p:attrNameLst>
+                                          <p:attrName>ppt_x</p:attrName>
+                                        </p:attrNameLst>
+                                      </p:cBhvr>
+                                      <p:tavLst>
+                                        <p:tav tm="0">
+                                          <p:val>
+                                            <p:strVal val="#ppt_x"/>
+                                          </p:val>
+                                        </p:tav>
+                                        <p:tav tm="100000">
+                                          <p:val>
+                                            <p:strVal val="#ppt_x"/>
+                                          </p:val>
+                                        </p:tav>
+                                      </p:tavLst>
+                                    </p:anim>
+                                    <p:anim calcmode="lin" valueType="num">
+                                      <p:cBhvr additive="base">
+                                        <p:cTn id="36" dur="500" fill="hold"/>
+                                        <p:tgtEl>
+                                          <p:spTgt spid="6"/>
+                                        </p:tgtEl>
+                                        <p:attrNameLst>
+                                          <p:attrName>ppt_y</p:attrName>
+                                        </p:attrNameLst>
+                                      </p:cBhvr>
+                                      <p:tavLst>
+                                        <p:tav tm="0">
+                                          <p:val>
+                                            <p:strVal val="1+#ppt_h/2"/>
+                                          </p:val>
+                                        </p:tav>
+                                        <p:tav tm="100000">
+                                          <p:val>
+                                            <p:strVal val="#ppt_y"/>
+                                          </p:val>
+                                        </p:tav>
+                                      </p:tavLst>
+                                    </p:anim>
+                                  </p:childTnLst>
+                                </p:cTn>
+                              </p:par>
+                              <p:par>
+                                <p:cTn id="37" presetID="2" presetClass="entr" presetSubtype="4" fill="hold" nodeType="withEffect">
+                                  <p:stCondLst>
+                                    <p:cond delay="0"/>
+                                  </p:stCondLst>
+                                  <p:childTnLst>
+                                    <p:set>
+                                      <p:cBhvr>
+                                        <p:cTn id="38" dur="1" fill="hold">
+                                          <p:stCondLst>
+                                            <p:cond delay="0"/>
+                                          </p:stCondLst>
+                                        </p:cTn>
+                                        <p:tgtEl>
+                                          <p:spTgt spid="11"/>
+                                        </p:tgtEl>
+                                        <p:attrNameLst>
+                                          <p:attrName>style.visibility</p:attrName>
+                                        </p:attrNameLst>
+                                      </p:cBhvr>
+                                      <p:to>
+                                        <p:strVal val="visible"/>
+                                      </p:to>
+                                    </p:set>
+                                    <p:anim calcmode="lin" valueType="num">
+                                      <p:cBhvr additive="base">
+                                        <p:cTn id="39" dur="500" fill="hold"/>
+                                        <p:tgtEl>
+                                          <p:spTgt spid="11"/>
+                                        </p:tgtEl>
+                                        <p:attrNameLst>
+                                          <p:attrName>ppt_x</p:attrName>
+                                        </p:attrNameLst>
+                                      </p:cBhvr>
+                                      <p:tavLst>
+                                        <p:tav tm="0">
+                                          <p:val>
+                                            <p:strVal val="#ppt_x"/>
+                                          </p:val>
+                                        </p:tav>
+                                        <p:tav tm="100000">
+                                          <p:val>
+                                            <p:strVal val="#ppt_x"/>
+                                          </p:val>
+                                        </p:tav>
+                                      </p:tavLst>
+                                    </p:anim>
+                                    <p:anim calcmode="lin" valueType="num">
+                                      <p:cBhvr additive="base">
+                                        <p:cTn id="40" dur="500" fill="hold"/>
+                                        <p:tgtEl>
+                                          <p:spTgt spid="11"/>
+                                        </p:tgtEl>
+                                        <p:attrNameLst>
+                                          <p:attrName>ppt_y</p:attrName>
+                                        </p:attrNameLst>
+                                      </p:cBhvr>
+                                      <p:tavLst>
+                                        <p:tav tm="0">
+                                          <p:val>
+                                            <p:strVal val="1+#ppt_h/2"/>
+                                          </p:val>
+                                        </p:tav>
+                                        <p:tav tm="100000">
+                                          <p:val>
+                                            <p:strVal val="#ppt_y"/>
+                                          </p:val>
+                                        </p:tav>
+                                      </p:tavLst>
+                                    </p:anim>
+                                  </p:childTnLst>
+                                </p:cTn>
+                              </p:par>
+                            </p:childTnLst>
+                          </p:cTn>
+                        </p:par>
+                      </p:childTnLst>
+                    </p:cTn>
+                  </p:par>
+                  <p:par>
+                    <p:cTn id="41" fill="hold">
+                      <p:stCondLst>
+                        <p:cond delay="indefinite"/>
+                      </p:stCondLst>
+                      <p:childTnLst>
+                        <p:par>
+                          <p:cTn id="42" fill="hold">
+                            <p:stCondLst>
+                              <p:cond delay="0"/>
+                            </p:stCondLst>
+                            <p:childTnLst>
+                              <p:par>
+                                <p:cTn id="43" presetID="2" presetClass="entr" presetSubtype="4" fill="hold" grpId="0" nodeType="clickEffect">
+                                  <p:stCondLst>
+                                    <p:cond delay="0"/>
+                                  </p:stCondLst>
+                                  <p:childTnLst>
+                                    <p:set>
+                                      <p:cBhvr>
+                                        <p:cTn id="44" dur="1" fill="hold">
+                                          <p:stCondLst>
+                                            <p:cond delay="0"/>
+                                          </p:stCondLst>
+                                        </p:cTn>
+                                        <p:tgtEl>
+                                          <p:spTgt spid="7"/>
+                                        </p:tgtEl>
+                                        <p:attrNameLst>
+                                          <p:attrName>style.visibility</p:attrName>
+                                        </p:attrNameLst>
+                                      </p:cBhvr>
+                                      <p:to>
+                                        <p:strVal val="visible"/>
+                                      </p:to>
+                                    </p:set>
+                                    <p:anim calcmode="lin" valueType="num">
+                                      <p:cBhvr additive="base">
+                                        <p:cTn id="45" dur="500" fill="hold"/>
+                                        <p:tgtEl>
+                                          <p:spTgt spid="7"/>
+                                        </p:tgtEl>
+                                        <p:attrNameLst>
+                                          <p:attrName>ppt_x</p:attrName>
+                                        </p:attrNameLst>
+                                      </p:cBhvr>
+                                      <p:tavLst>
+                                        <p:tav tm="0">
+                                          <p:val>
+                                            <p:strVal val="#ppt_x"/>
+                                          </p:val>
+                                        </p:tav>
+                                        <p:tav tm="100000">
+                                          <p:val>
+                                            <p:strVal val="#ppt_x"/>
+                                          </p:val>
+                                        </p:tav>
+                                      </p:tavLst>
+                                    </p:anim>
+                                    <p:anim calcmode="lin" valueType="num">
+                                      <p:cBhvr additive="base">
+                                        <p:cTn id="46" dur="500" fill="hold"/>
+                                        <p:tgtEl>
+                                          <p:spTgt spid="7"/>
+                                        </p:tgtEl>
+                                        <p:attrNameLst>
+                                          <p:attrName>ppt_y</p:attrName>
+                                        </p:attrNameLst>
+                                      </p:cBhvr>
+                                      <p:tavLst>
+                                        <p:tav tm="0">
+                                          <p:val>
+                                            <p:strVal val="1+#ppt_h/2"/>
+                                          </p:val>
+                                        </p:tav>
+                                        <p:tav tm="100000">
+                                          <p:val>
+                                            <p:strVal val="#ppt_y"/>
+                                          </p:val>
+                                        </p:tav>
+                                      </p:tavLst>
+                                    </p:anim>
+                                  </p:childTnLst>
+                                </p:cTn>
+                              </p:par>
+                              <p:par>
+                                <p:cTn id="47" presetID="2" presetClass="entr" presetSubtype="4" fill="hold" nodeType="withEffect">
+                                  <p:stCondLst>
+                                    <p:cond delay="0"/>
+                                  </p:stCondLst>
+                                  <p:childTnLst>
+                                    <p:set>
+                                      <p:cBhvr>
+                                        <p:cTn id="48" dur="1" fill="hold">
+                                          <p:stCondLst>
+                                            <p:cond delay="0"/>
+                                          </p:stCondLst>
+                                        </p:cTn>
+                                        <p:tgtEl>
+                                          <p:spTgt spid="13"/>
+                                        </p:tgtEl>
+                                        <p:attrNameLst>
+                                          <p:attrName>style.visibility</p:attrName>
+                                        </p:attrNameLst>
+                                      </p:cBhvr>
+                                      <p:to>
+                                        <p:strVal val="visible"/>
+                                      </p:to>
+                                    </p:set>
+                                    <p:anim calcmode="lin" valueType="num">
+                                      <p:cBhvr additive="base">
+                                        <p:cTn id="49" dur="500" fill="hold"/>
+                                        <p:tgtEl>
+                                          <p:spTgt spid="13"/>
+                                        </p:tgtEl>
+                                        <p:attrNameLst>
+                                          <p:attrName>ppt_x</p:attrName>
+                                        </p:attrNameLst>
+                                      </p:cBhvr>
+                                      <p:tavLst>
+                                        <p:tav tm="0">
+                                          <p:val>
+                                            <p:strVal val="#ppt_x"/>
+                                          </p:val>
+                                        </p:tav>
+                                        <p:tav tm="100000">
+                                          <p:val>
+                                            <p:strVal val="#ppt_x"/>
+                                          </p:val>
+                                        </p:tav>
+                                      </p:tavLst>
+                                    </p:anim>
+                                    <p:anim calcmode="lin" valueType="num">
+                                      <p:cBhvr additive="base">
+                                        <p:cTn id="50" dur="500" fill="hold"/>
+                                        <p:tgtEl>
+                                          <p:spTgt spid="13"/>
+                                        </p:tgtEl>
+                                        <p:attrNameLst>
+                                          <p:attrName>ppt_y</p:attrName>
+                                        </p:attrNameLst>
+                                      </p:cBhvr>
+                                      <p:tavLst>
+                                        <p:tav tm="0">
+                                          <p:val>
+                                            <p:strVal val="1+#ppt_h/2"/>
+                                          </p:val>
+                                        </p:tav>
+                                        <p:tav tm="100000">
+                                          <p:val>
+                                            <p:strVal val="#ppt_y"/>
+                                          </p:val>
+                                        </p:tav>
+                                      </p:tavLst>
+                                    </p:anim>
+                                  </p:childTnLst>
+                                </p:cTn>
+                              </p:par>
+                            </p:childTnLst>
+                          </p:cTn>
+                        </p:par>
+                      </p:childTnLst>
+                    </p:cTn>
+                  </p:par>
+                  <p:par>
+                    <p:cTn id="51" fill="hold">
+                      <p:stCondLst>
+                        <p:cond delay="indefinite"/>
+                      </p:stCondLst>
+                      <p:childTnLst>
+                        <p:par>
+                          <p:cTn id="52" fill="hold">
+                            <p:stCondLst>
+                              <p:cond delay="0"/>
+                            </p:stCondLst>
+                            <p:childTnLst>
+                              <p:par>
+                                <p:cTn id="53" presetID="2" presetClass="entr" presetSubtype="4" fill="hold" grpId="0" nodeType="clickEffect">
+                                  <p:stCondLst>
+                                    <p:cond delay="0"/>
+                                  </p:stCondLst>
+                                  <p:childTnLst>
+                                    <p:set>
+                                      <p:cBhvr>
+                                        <p:cTn id="54" dur="1" fill="hold">
+                                          <p:stCondLst>
+                                            <p:cond delay="0"/>
+                                          </p:stCondLst>
+                                        </p:cTn>
+                                        <p:tgtEl>
+                                          <p:spTgt spid="15"/>
+                                        </p:tgtEl>
+                                        <p:attrNameLst>
+                                          <p:attrName>style.visibility</p:attrName>
+                                        </p:attrNameLst>
+                                      </p:cBhvr>
+                                      <p:to>
+                                        <p:strVal val="visible"/>
+                                      </p:to>
+                                    </p:set>
+                                    <p:anim calcmode="lin" valueType="num">
+                                      <p:cBhvr additive="base">
+                                        <p:cTn id="55" dur="500" fill="hold"/>
+                                        <p:tgtEl>
+                                          <p:spTgt spid="15"/>
+                                        </p:tgtEl>
+                                        <p:attrNameLst>
+                                          <p:attrName>ppt_x</p:attrName>
+                                        </p:attrNameLst>
+                                      </p:cBhvr>
+                                      <p:tavLst>
+                                        <p:tav tm="0">
+                                          <p:val>
+                                            <p:strVal val="#ppt_x"/>
+                                          </p:val>
+                                        </p:tav>
+                                        <p:tav tm="100000">
+                                          <p:val>
+                                            <p:strVal val="#ppt_x"/>
+                                          </p:val>
+                                        </p:tav>
+                                      </p:tavLst>
+                                    </p:anim>
+                                    <p:anim calcmode="lin" valueType="num">
+                                      <p:cBhvr additive="base">
+                                        <p:cTn id="56" dur="500" fill="hold"/>
+                                        <p:tgtEl>
+                                          <p:spTgt spid="15"/>
+                                        </p:tgtEl>
+                                        <p:attrNameLst>
+                                          <p:attrName>ppt_y</p:attrName>
+                                        </p:attrNameLst>
+                                      </p:cBhvr>
+                                      <p:tavLst>
+                                        <p:tav tm="0">
+                                          <p:val>
+                                            <p:strVal val="1+#ppt_h/2"/>
+                                          </p:val>
+                                        </p:tav>
+                                        <p:tav tm="100000">
+                                          <p:val>
+                                            <p:strVal val="#ppt_y"/>
+                                          </p:val>
+                                        </p:tav>
+                                      </p:tavLst>
+                                    </p:anim>
+                                  </p:childTnLst>
+                                </p:cTn>
+                              </p:par>
+                              <p:par>
+                                <p:cTn id="57" presetID="2" presetClass="entr" presetSubtype="4" fill="hold" nodeType="withEffect">
+                                  <p:stCondLst>
+                                    <p:cond delay="0"/>
+                                  </p:stCondLst>
+                                  <p:childTnLst>
+                                    <p:set>
+                                      <p:cBhvr>
+                                        <p:cTn id="58" dur="1" fill="hold">
+                                          <p:stCondLst>
+                                            <p:cond delay="0"/>
+                                          </p:stCondLst>
+                                        </p:cTn>
+                                        <p:tgtEl>
+                                          <p:spTgt spid="16"/>
+                                        </p:tgtEl>
+                                        <p:attrNameLst>
+                                          <p:attrName>style.visibility</p:attrName>
+                                        </p:attrNameLst>
+                                      </p:cBhvr>
+                                      <p:to>
+                                        <p:strVal val="visible"/>
+                                      </p:to>
+                                    </p:set>
+                                    <p:anim calcmode="lin" valueType="num">
+                                      <p:cBhvr additive="base">
+                                        <p:cTn id="59" dur="500" fill="hold"/>
+                                        <p:tgtEl>
+                                          <p:spTgt spid="16"/>
+                                        </p:tgtEl>
+                                        <p:attrNameLst>
+                                          <p:attrName>ppt_x</p:attrName>
+                                        </p:attrNameLst>
+                                      </p:cBhvr>
+                                      <p:tavLst>
+                                        <p:tav tm="0">
+                                          <p:val>
+                                            <p:strVal val="#ppt_x"/>
+                                          </p:val>
+                                        </p:tav>
+                                        <p:tav tm="100000">
+                                          <p:val>
+                                            <p:strVal val="#ppt_x"/>
+                                          </p:val>
+                                        </p:tav>
+                                      </p:tavLst>
+                                    </p:anim>
+                                    <p:anim calcmode="lin" valueType="num">
+                                      <p:cBhvr additive="base">
+                                        <p:cTn id="60" dur="500" fill="hold"/>
+                                        <p:tgtEl>
+                                          <p:spTgt spid="16"/>
+                                        </p:tgtEl>
+                                        <p:attrNameLst>
+                                          <p:attrName>ppt_y</p:attrName>
+                                        </p:attrNameLst>
+                                      </p:cBhvr>
+                                      <p:tavLst>
+                                        <p:tav tm="0">
+                                          <p:val>
+                                            <p:strVal val="1+#ppt_h/2"/>
+                                          </p:val>
+                                        </p:tav>
+                                        <p:tav tm="100000">
+                                          <p:val>
+                                            <p:strVal val="#ppt_y"/>
+                                          </p:val>
+                                        </p:tav>
+                                      </p:tavLst>
+                                    </p:anim>
+                                  </p:childTnLst>
+                                </p:cTn>
+                              </p:par>
+                            </p:childTnLst>
+                          </p:cTn>
+                        </p:par>
+                      </p:childTnLst>
+                    </p:cTn>
+                  </p:par>
+                </p:childTnLst>
+              </p:cTn>
+              <p:prevCondLst>
+                <p:cond evt="onPrev" delay="0">
+                  <p:tgtEl>
+                    <p:sldTgt/>
+                  </p:tgtEl>
+                </p:cond>
+              </p:prevCondLst>
+              <p:nextCondLst>
+                <p:cond evt="onNext" delay="0">
+                  <p:tgtEl>
+                    <p:sldTgt/>
+                  </p:tgtEl>
+                </p:cond>
+              </p:nextCondLst>
+            </p:seq>
+          </p:childTnLst>
+        </p:cTn>
+      </p:par>
+    </p:tnLst>
+    <p:bldLst>
+      <p:bldP spid="5" grpId="0" animBg="1"/>
+      <p:bldP spid="6" grpId="0" animBg="1"/>
+      <p:bldP spid="7" grpId="0" animBg="1"/>
+      <p:bldP spid="15" grpId="0" animBg="1"/>
+    </p:bldLst>
+  </p:timing>
+</p:sld>
+</file>
+
 <file path=ppt/slides/slide2.xml><?xml version="1.0" encoding="utf-8"?>
 <p:sld xmlns:a="http://schemas.openxmlformats.org/drawingml/2006/main" xmlns:r="http://schemas.openxmlformats.org/officeDocument/2006/relationships" xmlns:p="http://schemas.openxmlformats.org/presentationml/2006/main">
   <p:cSld>
@@ -3445,11 +5502,7 @@
             <a:pPr algn="ctr"/>
             <a:r>
               <a:rPr lang="en-US" altLang="zh-CN" sz="2400" dirty="0" err="1" smtClean="0"/>
-              <a:t>a</a:t>
-            </a:r>
-            <a:r>
-              <a:rPr lang="en-US" altLang="zh-CN" sz="2400" dirty="0" err="1" smtClean="0"/>
-              <a:t>pp.js</a:t>
+              <a:t>app.js</a:t>
             </a:r>
             <a:endParaRPr lang="zh-CN" altLang="en-US" sz="2400" dirty="0"/>
           </a:p>
@@ -3807,11 +5860,7 @@
             <a:pPr algn="ctr"/>
             <a:r>
               <a:rPr lang="en-US" altLang="zh-CN" sz="2400" dirty="0" err="1" smtClean="0"/>
-              <a:t>a</a:t>
-            </a:r>
-            <a:r>
-              <a:rPr lang="en-US" altLang="zh-CN" sz="2400" dirty="0" err="1" smtClean="0"/>
-              <a:t>pp.js</a:t>
+              <a:t>app.js</a:t>
             </a:r>
             <a:endParaRPr lang="zh-CN" altLang="en-US" sz="2400" dirty="0"/>
           </a:p>
@@ -5141,6 +7190,1961 @@
         <p:cTn id="1" dur="indefinite" restart="never" nodeType="tmRoot"/>
       </p:par>
     </p:tnLst>
+  </p:timing>
+</p:sld>
+</file>
+
+<file path=ppt/slides/slide6.xml><?xml version="1.0" encoding="utf-8"?>
+<p:sld xmlns:a="http://schemas.openxmlformats.org/drawingml/2006/main" xmlns:r="http://schemas.openxmlformats.org/officeDocument/2006/relationships" xmlns:p="http://schemas.openxmlformats.org/presentationml/2006/main">
+  <p:cSld>
+    <p:spTree>
+      <p:nvGrpSpPr>
+        <p:cNvPr id="1" name=""/>
+        <p:cNvGrpSpPr/>
+        <p:nvPr/>
+      </p:nvGrpSpPr>
+      <p:grpSpPr>
+        <a:xfrm>
+          <a:off x="0" y="0"/>
+          <a:ext cx="0" cy="0"/>
+          <a:chOff x="0" y="0"/>
+          <a:chExt cx="0" cy="0"/>
+        </a:xfrm>
+      </p:grpSpPr>
+      <p:sp>
+        <p:nvSpPr>
+          <p:cNvPr id="2" name="标题 1"/>
+          <p:cNvSpPr>
+            <a:spLocks noGrp="1"/>
+          </p:cNvSpPr>
+          <p:nvPr>
+            <p:ph type="title"/>
+          </p:nvPr>
+        </p:nvSpPr>
+        <p:spPr>
+          <a:xfrm>
+            <a:off x="467544" y="2564904"/>
+            <a:ext cx="8229600" cy="1143000"/>
+          </a:xfrm>
+        </p:spPr>
+        <p:txBody>
+          <a:bodyPr>
+            <a:normAutofit fontScale="90000"/>
+          </a:bodyPr>
+          <a:lstStyle/>
+          <a:p>
+            <a:r>
+              <a:rPr lang="en-US" altLang="zh-CN" dirty="0" smtClean="0">
+                <a:solidFill>
+                  <a:srgbClr val="C9394A"/>
+                </a:solidFill>
+              </a:rPr>
+              <a:t>AMD</a:t>
+            </a:r>
+            <a:r>
+              <a:rPr lang="zh-CN" altLang="en-US" dirty="0" smtClean="0">
+                <a:solidFill>
+                  <a:srgbClr val="C9394A"/>
+                </a:solidFill>
+              </a:rPr>
+              <a:t>规</a:t>
+            </a:r>
+            <a:r>
+              <a:rPr lang="zh-CN" altLang="en-US" dirty="0" smtClean="0">
+                <a:solidFill>
+                  <a:srgbClr val="C9394A"/>
+                </a:solidFill>
+              </a:rPr>
+              <a:t>范</a:t>
+            </a:r>
+            <a:r>
+              <a:rPr lang="en-US" altLang="zh-CN" dirty="0" smtClean="0">
+                <a:solidFill>
+                  <a:srgbClr val="C9394A"/>
+                </a:solidFill>
+              </a:rPr>
+              <a:t/>
+            </a:r>
+            <a:br>
+              <a:rPr lang="en-US" altLang="zh-CN" dirty="0" smtClean="0">
+                <a:solidFill>
+                  <a:srgbClr val="C9394A"/>
+                </a:solidFill>
+              </a:rPr>
+            </a:br>
+            <a:r>
+              <a:rPr lang="en-US" altLang="zh-CN" dirty="0" smtClean="0">
+                <a:solidFill>
+                  <a:srgbClr val="C9394A"/>
+                </a:solidFill>
+              </a:rPr>
+              <a:t/>
+            </a:r>
+            <a:br>
+              <a:rPr lang="en-US" altLang="zh-CN" dirty="0" smtClean="0">
+                <a:solidFill>
+                  <a:srgbClr val="C9394A"/>
+                </a:solidFill>
+              </a:rPr>
+            </a:br>
+            <a:r>
+              <a:rPr lang="en-US" altLang="zh-CN" dirty="0" smtClean="0">
+                <a:solidFill>
+                  <a:srgbClr val="C9394A"/>
+                </a:solidFill>
+              </a:rPr>
+              <a:t/>
+            </a:r>
+            <a:br>
+              <a:rPr lang="en-US" altLang="zh-CN" dirty="0" smtClean="0">
+                <a:solidFill>
+                  <a:srgbClr val="C9394A"/>
+                </a:solidFill>
+              </a:rPr>
+            </a:br>
+            <a:r>
+              <a:rPr lang="zh-CN" altLang="en-US" dirty="0" smtClean="0">
+                <a:solidFill>
+                  <a:srgbClr val="212121"/>
+                </a:solidFill>
+              </a:rPr>
+              <a:t>异步模块加载机制</a:t>
+            </a:r>
+            <a:endParaRPr lang="zh-CN" altLang="en-US" dirty="0">
+              <a:solidFill>
+                <a:srgbClr val="212121"/>
+              </a:solidFill>
+            </a:endParaRPr>
+          </a:p>
+        </p:txBody>
+      </p:sp>
+    </p:spTree>
+  </p:cSld>
+  <p:clrMapOvr>
+    <a:masterClrMapping/>
+  </p:clrMapOvr>
+  <p:timing>
+    <p:tnLst>
+      <p:par>
+        <p:cTn id="1" dur="indefinite" restart="never" nodeType="tmRoot"/>
+      </p:par>
+    </p:tnLst>
+  </p:timing>
+</p:sld>
+</file>
+
+<file path=ppt/slides/slide7.xml><?xml version="1.0" encoding="utf-8"?>
+<p:sld xmlns:a="http://schemas.openxmlformats.org/drawingml/2006/main" xmlns:r="http://schemas.openxmlformats.org/officeDocument/2006/relationships" xmlns:p="http://schemas.openxmlformats.org/presentationml/2006/main">
+  <p:cSld>
+    <p:spTree>
+      <p:nvGrpSpPr>
+        <p:cNvPr id="1" name=""/>
+        <p:cNvGrpSpPr/>
+        <p:nvPr/>
+      </p:nvGrpSpPr>
+      <p:grpSpPr>
+        <a:xfrm>
+          <a:off x="0" y="0"/>
+          <a:ext cx="0" cy="0"/>
+          <a:chOff x="0" y="0"/>
+          <a:chExt cx="0" cy="0"/>
+        </a:xfrm>
+      </p:grpSpPr>
+      <p:sp>
+        <p:nvSpPr>
+          <p:cNvPr id="2" name="标题 1"/>
+          <p:cNvSpPr>
+            <a:spLocks noGrp="1"/>
+          </p:cNvSpPr>
+          <p:nvPr>
+            <p:ph type="title"/>
+          </p:nvPr>
+        </p:nvSpPr>
+        <p:spPr/>
+        <p:txBody>
+          <a:bodyPr/>
+          <a:lstStyle/>
+          <a:p>
+            <a:endParaRPr lang="zh-CN" altLang="en-US"/>
+          </a:p>
+        </p:txBody>
+      </p:sp>
+      <p:sp>
+        <p:nvSpPr>
+          <p:cNvPr id="3" name="内容占位符 2"/>
+          <p:cNvSpPr>
+            <a:spLocks noGrp="1"/>
+          </p:cNvSpPr>
+          <p:nvPr>
+            <p:ph idx="1"/>
+          </p:nvPr>
+        </p:nvSpPr>
+        <p:spPr/>
+        <p:txBody>
+          <a:bodyPr/>
+          <a:lstStyle/>
+          <a:p>
+            <a:r>
+              <a:rPr lang="zh-CN" altLang="en-US" dirty="0" smtClean="0">
+                <a:solidFill>
+                  <a:srgbClr val="C9394A"/>
+                </a:solidFill>
+              </a:rPr>
+              <a:t>为什么使用</a:t>
+            </a:r>
+            <a:r>
+              <a:rPr lang="en-US" altLang="zh-CN" dirty="0" smtClean="0">
+                <a:solidFill>
+                  <a:srgbClr val="C9394A"/>
+                </a:solidFill>
+              </a:rPr>
+              <a:t>AMD</a:t>
+            </a:r>
+          </a:p>
+          <a:p>
+            <a:endParaRPr lang="en-US" altLang="zh-CN" dirty="0" smtClean="0">
+              <a:solidFill>
+                <a:srgbClr val="C9394A"/>
+              </a:solidFill>
+            </a:endParaRPr>
+          </a:p>
+          <a:p>
+            <a:r>
+              <a:rPr lang="zh-CN" altLang="en-US" dirty="0" smtClean="0">
+                <a:solidFill>
+                  <a:srgbClr val="C9394A"/>
+                </a:solidFill>
+              </a:rPr>
+              <a:t>什么是</a:t>
+            </a:r>
+            <a:r>
+              <a:rPr lang="en-US" altLang="zh-CN" dirty="0" smtClean="0">
+                <a:solidFill>
+                  <a:srgbClr val="C9394A"/>
+                </a:solidFill>
+              </a:rPr>
+              <a:t>AMD</a:t>
+            </a:r>
+          </a:p>
+          <a:p>
+            <a:endParaRPr lang="en-US" altLang="zh-CN" dirty="0" smtClean="0">
+              <a:solidFill>
+                <a:srgbClr val="C9394A"/>
+              </a:solidFill>
+            </a:endParaRPr>
+          </a:p>
+          <a:p>
+            <a:r>
+              <a:rPr lang="zh-CN" altLang="en-US" dirty="0" smtClean="0">
+                <a:solidFill>
+                  <a:srgbClr val="C9394A"/>
+                </a:solidFill>
+              </a:rPr>
+              <a:t>怎么用</a:t>
+            </a:r>
+            <a:r>
+              <a:rPr lang="en-US" altLang="zh-CN" dirty="0" smtClean="0">
+                <a:solidFill>
+                  <a:srgbClr val="C9394A"/>
+                </a:solidFill>
+              </a:rPr>
+              <a:t>AMD</a:t>
+            </a:r>
+            <a:endParaRPr lang="zh-CN" altLang="en-US" dirty="0">
+              <a:solidFill>
+                <a:srgbClr val="C9394A"/>
+              </a:solidFill>
+            </a:endParaRPr>
+          </a:p>
+        </p:txBody>
+      </p:sp>
+    </p:spTree>
+  </p:cSld>
+  <p:clrMapOvr>
+    <a:masterClrMapping/>
+  </p:clrMapOvr>
+  <p:timing>
+    <p:tnLst>
+      <p:par>
+        <p:cTn id="1" dur="indefinite" restart="never" nodeType="tmRoot">
+          <p:childTnLst>
+            <p:seq concurrent="1" nextAc="seek">
+              <p:cTn id="2" dur="indefinite" nodeType="mainSeq">
+                <p:childTnLst>
+                  <p:par>
+                    <p:cTn id="3" fill="hold">
+                      <p:stCondLst>
+                        <p:cond delay="indefinite"/>
+                      </p:stCondLst>
+                      <p:childTnLst>
+                        <p:par>
+                          <p:cTn id="4" fill="hold">
+                            <p:stCondLst>
+                              <p:cond delay="0"/>
+                            </p:stCondLst>
+                            <p:childTnLst>
+                              <p:par>
+                                <p:cTn id="5" presetID="2" presetClass="entr" presetSubtype="4" fill="hold" nodeType="clickEffect">
+                                  <p:stCondLst>
+                                    <p:cond delay="0"/>
+                                  </p:stCondLst>
+                                  <p:childTnLst>
+                                    <p:set>
+                                      <p:cBhvr>
+                                        <p:cTn id="6" dur="1" fill="hold">
+                                          <p:stCondLst>
+                                            <p:cond delay="0"/>
+                                          </p:stCondLst>
+                                        </p:cTn>
+                                        <p:tgtEl>
+                                          <p:spTgt spid="3">
+                                            <p:txEl>
+                                              <p:pRg st="0" end="0"/>
+                                            </p:txEl>
+                                          </p:spTgt>
+                                        </p:tgtEl>
+                                        <p:attrNameLst>
+                                          <p:attrName>style.visibility</p:attrName>
+                                        </p:attrNameLst>
+                                      </p:cBhvr>
+                                      <p:to>
+                                        <p:strVal val="visible"/>
+                                      </p:to>
+                                    </p:set>
+                                    <p:anim calcmode="lin" valueType="num">
+                                      <p:cBhvr additive="base">
+                                        <p:cTn id="7" dur="500" fill="hold"/>
+                                        <p:tgtEl>
+                                          <p:spTgt spid="3">
+                                            <p:txEl>
+                                              <p:pRg st="0" end="0"/>
+                                            </p:txEl>
+                                          </p:spTgt>
+                                        </p:tgtEl>
+                                        <p:attrNameLst>
+                                          <p:attrName>ppt_x</p:attrName>
+                                        </p:attrNameLst>
+                                      </p:cBhvr>
+                                      <p:tavLst>
+                                        <p:tav tm="0">
+                                          <p:val>
+                                            <p:strVal val="#ppt_x"/>
+                                          </p:val>
+                                        </p:tav>
+                                        <p:tav tm="100000">
+                                          <p:val>
+                                            <p:strVal val="#ppt_x"/>
+                                          </p:val>
+                                        </p:tav>
+                                      </p:tavLst>
+                                    </p:anim>
+                                    <p:anim calcmode="lin" valueType="num">
+                                      <p:cBhvr additive="base">
+                                        <p:cTn id="8" dur="500" fill="hold"/>
+                                        <p:tgtEl>
+                                          <p:spTgt spid="3">
+                                            <p:txEl>
+                                              <p:pRg st="0" end="0"/>
+                                            </p:txEl>
+                                          </p:spTgt>
+                                        </p:tgtEl>
+                                        <p:attrNameLst>
+                                          <p:attrName>ppt_y</p:attrName>
+                                        </p:attrNameLst>
+                                      </p:cBhvr>
+                                      <p:tavLst>
+                                        <p:tav tm="0">
+                                          <p:val>
+                                            <p:strVal val="1+#ppt_h/2"/>
+                                          </p:val>
+                                        </p:tav>
+                                        <p:tav tm="100000">
+                                          <p:val>
+                                            <p:strVal val="#ppt_y"/>
+                                          </p:val>
+                                        </p:tav>
+                                      </p:tavLst>
+                                    </p:anim>
+                                  </p:childTnLst>
+                                </p:cTn>
+                              </p:par>
+                            </p:childTnLst>
+                          </p:cTn>
+                        </p:par>
+                      </p:childTnLst>
+                    </p:cTn>
+                  </p:par>
+                  <p:par>
+                    <p:cTn id="9" fill="hold">
+                      <p:stCondLst>
+                        <p:cond delay="indefinite"/>
+                      </p:stCondLst>
+                      <p:childTnLst>
+                        <p:par>
+                          <p:cTn id="10" fill="hold">
+                            <p:stCondLst>
+                              <p:cond delay="0"/>
+                            </p:stCondLst>
+                            <p:childTnLst>
+                              <p:par>
+                                <p:cTn id="11" presetID="2" presetClass="entr" presetSubtype="4" fill="hold" nodeType="clickEffect">
+                                  <p:stCondLst>
+                                    <p:cond delay="0"/>
+                                  </p:stCondLst>
+                                  <p:childTnLst>
+                                    <p:set>
+                                      <p:cBhvr>
+                                        <p:cTn id="12" dur="1" fill="hold">
+                                          <p:stCondLst>
+                                            <p:cond delay="0"/>
+                                          </p:stCondLst>
+                                        </p:cTn>
+                                        <p:tgtEl>
+                                          <p:spTgt spid="3">
+                                            <p:txEl>
+                                              <p:pRg st="2" end="2"/>
+                                            </p:txEl>
+                                          </p:spTgt>
+                                        </p:tgtEl>
+                                        <p:attrNameLst>
+                                          <p:attrName>style.visibility</p:attrName>
+                                        </p:attrNameLst>
+                                      </p:cBhvr>
+                                      <p:to>
+                                        <p:strVal val="visible"/>
+                                      </p:to>
+                                    </p:set>
+                                    <p:anim calcmode="lin" valueType="num">
+                                      <p:cBhvr additive="base">
+                                        <p:cTn id="13" dur="500" fill="hold"/>
+                                        <p:tgtEl>
+                                          <p:spTgt spid="3">
+                                            <p:txEl>
+                                              <p:pRg st="2" end="2"/>
+                                            </p:txEl>
+                                          </p:spTgt>
+                                        </p:tgtEl>
+                                        <p:attrNameLst>
+                                          <p:attrName>ppt_x</p:attrName>
+                                        </p:attrNameLst>
+                                      </p:cBhvr>
+                                      <p:tavLst>
+                                        <p:tav tm="0">
+                                          <p:val>
+                                            <p:strVal val="#ppt_x"/>
+                                          </p:val>
+                                        </p:tav>
+                                        <p:tav tm="100000">
+                                          <p:val>
+                                            <p:strVal val="#ppt_x"/>
+                                          </p:val>
+                                        </p:tav>
+                                      </p:tavLst>
+                                    </p:anim>
+                                    <p:anim calcmode="lin" valueType="num">
+                                      <p:cBhvr additive="base">
+                                        <p:cTn id="14" dur="500" fill="hold"/>
+                                        <p:tgtEl>
+                                          <p:spTgt spid="3">
+                                            <p:txEl>
+                                              <p:pRg st="2" end="2"/>
+                                            </p:txEl>
+                                          </p:spTgt>
+                                        </p:tgtEl>
+                                        <p:attrNameLst>
+                                          <p:attrName>ppt_y</p:attrName>
+                                        </p:attrNameLst>
+                                      </p:cBhvr>
+                                      <p:tavLst>
+                                        <p:tav tm="0">
+                                          <p:val>
+                                            <p:strVal val="1+#ppt_h/2"/>
+                                          </p:val>
+                                        </p:tav>
+                                        <p:tav tm="100000">
+                                          <p:val>
+                                            <p:strVal val="#ppt_y"/>
+                                          </p:val>
+                                        </p:tav>
+                                      </p:tavLst>
+                                    </p:anim>
+                                  </p:childTnLst>
+                                </p:cTn>
+                              </p:par>
+                            </p:childTnLst>
+                          </p:cTn>
+                        </p:par>
+                      </p:childTnLst>
+                    </p:cTn>
+                  </p:par>
+                  <p:par>
+                    <p:cTn id="15" fill="hold">
+                      <p:stCondLst>
+                        <p:cond delay="indefinite"/>
+                      </p:stCondLst>
+                      <p:childTnLst>
+                        <p:par>
+                          <p:cTn id="16" fill="hold">
+                            <p:stCondLst>
+                              <p:cond delay="0"/>
+                            </p:stCondLst>
+                            <p:childTnLst>
+                              <p:par>
+                                <p:cTn id="17" presetID="2" presetClass="entr" presetSubtype="4" fill="hold" nodeType="clickEffect">
+                                  <p:stCondLst>
+                                    <p:cond delay="0"/>
+                                  </p:stCondLst>
+                                  <p:childTnLst>
+                                    <p:set>
+                                      <p:cBhvr>
+                                        <p:cTn id="18" dur="1" fill="hold">
+                                          <p:stCondLst>
+                                            <p:cond delay="0"/>
+                                          </p:stCondLst>
+                                        </p:cTn>
+                                        <p:tgtEl>
+                                          <p:spTgt spid="3">
+                                            <p:txEl>
+                                              <p:pRg st="4" end="4"/>
+                                            </p:txEl>
+                                          </p:spTgt>
+                                        </p:tgtEl>
+                                        <p:attrNameLst>
+                                          <p:attrName>style.visibility</p:attrName>
+                                        </p:attrNameLst>
+                                      </p:cBhvr>
+                                      <p:to>
+                                        <p:strVal val="visible"/>
+                                      </p:to>
+                                    </p:set>
+                                    <p:anim calcmode="lin" valueType="num">
+                                      <p:cBhvr additive="base">
+                                        <p:cTn id="19" dur="500" fill="hold"/>
+                                        <p:tgtEl>
+                                          <p:spTgt spid="3">
+                                            <p:txEl>
+                                              <p:pRg st="4" end="4"/>
+                                            </p:txEl>
+                                          </p:spTgt>
+                                        </p:tgtEl>
+                                        <p:attrNameLst>
+                                          <p:attrName>ppt_x</p:attrName>
+                                        </p:attrNameLst>
+                                      </p:cBhvr>
+                                      <p:tavLst>
+                                        <p:tav tm="0">
+                                          <p:val>
+                                            <p:strVal val="#ppt_x"/>
+                                          </p:val>
+                                        </p:tav>
+                                        <p:tav tm="100000">
+                                          <p:val>
+                                            <p:strVal val="#ppt_x"/>
+                                          </p:val>
+                                        </p:tav>
+                                      </p:tavLst>
+                                    </p:anim>
+                                    <p:anim calcmode="lin" valueType="num">
+                                      <p:cBhvr additive="base">
+                                        <p:cTn id="20" dur="500" fill="hold"/>
+                                        <p:tgtEl>
+                                          <p:spTgt spid="3">
+                                            <p:txEl>
+                                              <p:pRg st="4" end="4"/>
+                                            </p:txEl>
+                                          </p:spTgt>
+                                        </p:tgtEl>
+                                        <p:attrNameLst>
+                                          <p:attrName>ppt_y</p:attrName>
+                                        </p:attrNameLst>
+                                      </p:cBhvr>
+                                      <p:tavLst>
+                                        <p:tav tm="0">
+                                          <p:val>
+                                            <p:strVal val="1+#ppt_h/2"/>
+                                          </p:val>
+                                        </p:tav>
+                                        <p:tav tm="100000">
+                                          <p:val>
+                                            <p:strVal val="#ppt_y"/>
+                                          </p:val>
+                                        </p:tav>
+                                      </p:tavLst>
+                                    </p:anim>
+                                  </p:childTnLst>
+                                </p:cTn>
+                              </p:par>
+                            </p:childTnLst>
+                          </p:cTn>
+                        </p:par>
+                      </p:childTnLst>
+                    </p:cTn>
+                  </p:par>
+                </p:childTnLst>
+              </p:cTn>
+              <p:prevCondLst>
+                <p:cond evt="onPrev" delay="0">
+                  <p:tgtEl>
+                    <p:sldTgt/>
+                  </p:tgtEl>
+                </p:cond>
+              </p:prevCondLst>
+              <p:nextCondLst>
+                <p:cond evt="onNext" delay="0">
+                  <p:tgtEl>
+                    <p:sldTgt/>
+                  </p:tgtEl>
+                </p:cond>
+              </p:nextCondLst>
+            </p:seq>
+          </p:childTnLst>
+        </p:cTn>
+      </p:par>
+    </p:tnLst>
+  </p:timing>
+</p:sld>
+</file>
+
+<file path=ppt/slides/slide8.xml><?xml version="1.0" encoding="utf-8"?>
+<p:sld xmlns:a="http://schemas.openxmlformats.org/drawingml/2006/main" xmlns:r="http://schemas.openxmlformats.org/officeDocument/2006/relationships" xmlns:p="http://schemas.openxmlformats.org/presentationml/2006/main">
+  <p:cSld>
+    <p:spTree>
+      <p:nvGrpSpPr>
+        <p:cNvPr id="1" name=""/>
+        <p:cNvGrpSpPr/>
+        <p:nvPr/>
+      </p:nvGrpSpPr>
+      <p:grpSpPr>
+        <a:xfrm>
+          <a:off x="0" y="0"/>
+          <a:ext cx="0" cy="0"/>
+          <a:chOff x="0" y="0"/>
+          <a:chExt cx="0" cy="0"/>
+        </a:xfrm>
+      </p:grpSpPr>
+      <p:sp>
+        <p:nvSpPr>
+          <p:cNvPr id="2" name="标题 1"/>
+          <p:cNvSpPr>
+            <a:spLocks noGrp="1"/>
+          </p:cNvSpPr>
+          <p:nvPr>
+            <p:ph type="title"/>
+          </p:nvPr>
+        </p:nvSpPr>
+        <p:spPr/>
+        <p:txBody>
+          <a:bodyPr/>
+          <a:lstStyle/>
+          <a:p>
+            <a:r>
+              <a:rPr lang="zh-CN" altLang="en-US" dirty="0" smtClean="0">
+                <a:solidFill>
+                  <a:srgbClr val="C9394A"/>
+                </a:solidFill>
+              </a:rPr>
+              <a:t>为什么使用</a:t>
+            </a:r>
+            <a:r>
+              <a:rPr lang="en-US" altLang="zh-CN" dirty="0" smtClean="0">
+                <a:solidFill>
+                  <a:srgbClr val="C9394A"/>
+                </a:solidFill>
+              </a:rPr>
+              <a:t>AMD</a:t>
+            </a:r>
+            <a:endParaRPr lang="zh-CN" altLang="en-US" dirty="0"/>
+          </a:p>
+        </p:txBody>
+      </p:sp>
+      <p:sp>
+        <p:nvSpPr>
+          <p:cNvPr id="3" name="内容占位符 2"/>
+          <p:cNvSpPr>
+            <a:spLocks noGrp="1"/>
+          </p:cNvSpPr>
+          <p:nvPr>
+            <p:ph idx="1"/>
+          </p:nvPr>
+        </p:nvSpPr>
+        <p:spPr/>
+        <p:txBody>
+          <a:bodyPr/>
+          <a:lstStyle/>
+          <a:p>
+            <a:endParaRPr lang="zh-CN" altLang="en-US" dirty="0"/>
+          </a:p>
+        </p:txBody>
+      </p:sp>
+      <p:pic>
+        <p:nvPicPr>
+          <p:cNvPr id="1026" name="Picture 2"/>
+          <p:cNvPicPr>
+            <a:picLocks noChangeAspect="1" noChangeArrowheads="1"/>
+          </p:cNvPicPr>
+          <p:nvPr/>
+        </p:nvPicPr>
+        <p:blipFill>
+          <a:blip r:embed="rId2" cstate="print"/>
+          <a:srcRect/>
+          <a:stretch>
+            <a:fillRect/>
+          </a:stretch>
+        </p:blipFill>
+        <p:spPr bwMode="auto">
+          <a:xfrm>
+            <a:off x="1259632" y="2564904"/>
+            <a:ext cx="6172200" cy="1704975"/>
+          </a:xfrm>
+          <a:prstGeom prst="rect">
+            <a:avLst/>
+          </a:prstGeom>
+          <a:noFill/>
+          <a:ln w="9525">
+            <a:noFill/>
+            <a:miter lim="800000"/>
+            <a:headEnd/>
+            <a:tailEnd/>
+          </a:ln>
+        </p:spPr>
+      </p:pic>
+      <p:sp>
+        <p:nvSpPr>
+          <p:cNvPr id="5" name="矩形 4"/>
+          <p:cNvSpPr/>
+          <p:nvPr/>
+        </p:nvSpPr>
+        <p:spPr>
+          <a:xfrm>
+            <a:off x="1691680" y="3212976"/>
+            <a:ext cx="5328592" cy="360040"/>
+          </a:xfrm>
+          <a:prstGeom prst="rect">
+            <a:avLst/>
+          </a:prstGeom>
+          <a:noFill/>
+          <a:ln>
+            <a:solidFill>
+              <a:srgbClr val="C9394A"/>
+            </a:solidFill>
+          </a:ln>
+        </p:spPr>
+        <p:style>
+          <a:lnRef idx="2">
+            <a:schemeClr val="accent1">
+              <a:shade val="50000"/>
+            </a:schemeClr>
+          </a:lnRef>
+          <a:fillRef idx="1">
+            <a:schemeClr val="accent1"/>
+          </a:fillRef>
+          <a:effectRef idx="0">
+            <a:schemeClr val="accent1"/>
+          </a:effectRef>
+          <a:fontRef idx="minor">
+            <a:schemeClr val="lt1"/>
+          </a:fontRef>
+        </p:style>
+        <p:txBody>
+          <a:bodyPr rtlCol="0" anchor="ctr"/>
+          <a:lstStyle/>
+          <a:p>
+            <a:pPr algn="ctr"/>
+            <a:endParaRPr lang="zh-CN" altLang="en-US"/>
+          </a:p>
+        </p:txBody>
+      </p:sp>
+    </p:spTree>
+  </p:cSld>
+  <p:clrMapOvr>
+    <a:masterClrMapping/>
+  </p:clrMapOvr>
+  <p:timing>
+    <p:tnLst>
+      <p:par>
+        <p:cTn id="1" dur="indefinite" restart="never" nodeType="tmRoot">
+          <p:childTnLst>
+            <p:seq concurrent="1" nextAc="seek">
+              <p:cTn id="2" dur="indefinite" nodeType="mainSeq">
+                <p:childTnLst>
+                  <p:par>
+                    <p:cTn id="3" fill="hold">
+                      <p:stCondLst>
+                        <p:cond delay="indefinite"/>
+                      </p:stCondLst>
+                      <p:childTnLst>
+                        <p:par>
+                          <p:cTn id="4" fill="hold">
+                            <p:stCondLst>
+                              <p:cond delay="0"/>
+                            </p:stCondLst>
+                            <p:childTnLst>
+                              <p:par>
+                                <p:cTn id="5" presetID="2" presetClass="entr" presetSubtype="4" fill="hold" grpId="0" nodeType="clickEffect">
+                                  <p:stCondLst>
+                                    <p:cond delay="0"/>
+                                  </p:stCondLst>
+                                  <p:childTnLst>
+                                    <p:set>
+                                      <p:cBhvr>
+                                        <p:cTn id="6" dur="1" fill="hold">
+                                          <p:stCondLst>
+                                            <p:cond delay="0"/>
+                                          </p:stCondLst>
+                                        </p:cTn>
+                                        <p:tgtEl>
+                                          <p:spTgt spid="5"/>
+                                        </p:tgtEl>
+                                        <p:attrNameLst>
+                                          <p:attrName>style.visibility</p:attrName>
+                                        </p:attrNameLst>
+                                      </p:cBhvr>
+                                      <p:to>
+                                        <p:strVal val="visible"/>
+                                      </p:to>
+                                    </p:set>
+                                    <p:anim calcmode="lin" valueType="num">
+                                      <p:cBhvr additive="base">
+                                        <p:cTn id="7" dur="500" fill="hold"/>
+                                        <p:tgtEl>
+                                          <p:spTgt spid="5"/>
+                                        </p:tgtEl>
+                                        <p:attrNameLst>
+                                          <p:attrName>ppt_x</p:attrName>
+                                        </p:attrNameLst>
+                                      </p:cBhvr>
+                                      <p:tavLst>
+                                        <p:tav tm="0">
+                                          <p:val>
+                                            <p:strVal val="#ppt_x"/>
+                                          </p:val>
+                                        </p:tav>
+                                        <p:tav tm="100000">
+                                          <p:val>
+                                            <p:strVal val="#ppt_x"/>
+                                          </p:val>
+                                        </p:tav>
+                                      </p:tavLst>
+                                    </p:anim>
+                                    <p:anim calcmode="lin" valueType="num">
+                                      <p:cBhvr additive="base">
+                                        <p:cTn id="8" dur="500" fill="hold"/>
+                                        <p:tgtEl>
+                                          <p:spTgt spid="5"/>
+                                        </p:tgtEl>
+                                        <p:attrNameLst>
+                                          <p:attrName>ppt_y</p:attrName>
+                                        </p:attrNameLst>
+                                      </p:cBhvr>
+                                      <p:tavLst>
+                                        <p:tav tm="0">
+                                          <p:val>
+                                            <p:strVal val="1+#ppt_h/2"/>
+                                          </p:val>
+                                        </p:tav>
+                                        <p:tav tm="100000">
+                                          <p:val>
+                                            <p:strVal val="#ppt_y"/>
+                                          </p:val>
+                                        </p:tav>
+                                      </p:tavLst>
+                                    </p:anim>
+                                  </p:childTnLst>
+                                </p:cTn>
+                              </p:par>
+                            </p:childTnLst>
+                          </p:cTn>
+                        </p:par>
+                      </p:childTnLst>
+                    </p:cTn>
+                  </p:par>
+                </p:childTnLst>
+              </p:cTn>
+              <p:prevCondLst>
+                <p:cond evt="onPrev" delay="0">
+                  <p:tgtEl>
+                    <p:sldTgt/>
+                  </p:tgtEl>
+                </p:cond>
+              </p:prevCondLst>
+              <p:nextCondLst>
+                <p:cond evt="onNext" delay="0">
+                  <p:tgtEl>
+                    <p:sldTgt/>
+                  </p:tgtEl>
+                </p:cond>
+              </p:nextCondLst>
+            </p:seq>
+          </p:childTnLst>
+        </p:cTn>
+      </p:par>
+    </p:tnLst>
+    <p:bldLst>
+      <p:bldP spid="5" grpId="0" animBg="1"/>
+    </p:bldLst>
+  </p:timing>
+</p:sld>
+</file>
+
+<file path=ppt/slides/slide9.xml><?xml version="1.0" encoding="utf-8"?>
+<p:sld xmlns:a="http://schemas.openxmlformats.org/drawingml/2006/main" xmlns:r="http://schemas.openxmlformats.org/officeDocument/2006/relationships" xmlns:p="http://schemas.openxmlformats.org/presentationml/2006/main">
+  <p:cSld>
+    <p:spTree>
+      <p:nvGrpSpPr>
+        <p:cNvPr id="1" name=""/>
+        <p:cNvGrpSpPr/>
+        <p:nvPr/>
+      </p:nvGrpSpPr>
+      <p:grpSpPr>
+        <a:xfrm>
+          <a:off x="0" y="0"/>
+          <a:ext cx="0" cy="0"/>
+          <a:chOff x="0" y="0"/>
+          <a:chExt cx="0" cy="0"/>
+        </a:xfrm>
+      </p:grpSpPr>
+      <p:sp>
+        <p:nvSpPr>
+          <p:cNvPr id="2" name="标题 1"/>
+          <p:cNvSpPr>
+            <a:spLocks noGrp="1"/>
+          </p:cNvSpPr>
+          <p:nvPr>
+            <p:ph type="title"/>
+          </p:nvPr>
+        </p:nvSpPr>
+        <p:spPr/>
+        <p:txBody>
+          <a:bodyPr/>
+          <a:lstStyle/>
+          <a:p>
+            <a:endParaRPr lang="zh-CN" altLang="en-US" dirty="0">
+              <a:solidFill>
+                <a:srgbClr val="C9394A"/>
+              </a:solidFill>
+            </a:endParaRPr>
+          </a:p>
+        </p:txBody>
+      </p:sp>
+      <p:sp>
+        <p:nvSpPr>
+          <p:cNvPr id="3" name="内容占位符 2"/>
+          <p:cNvSpPr>
+            <a:spLocks noGrp="1"/>
+          </p:cNvSpPr>
+          <p:nvPr>
+            <p:ph idx="1"/>
+          </p:nvPr>
+        </p:nvSpPr>
+        <p:spPr/>
+        <p:txBody>
+          <a:bodyPr/>
+          <a:lstStyle/>
+          <a:p>
+            <a:endParaRPr lang="zh-CN" altLang="en-US" dirty="0"/>
+          </a:p>
+        </p:txBody>
+      </p:sp>
+      <p:sp>
+        <p:nvSpPr>
+          <p:cNvPr id="5" name="圆角矩形 4"/>
+          <p:cNvSpPr/>
+          <p:nvPr/>
+        </p:nvSpPr>
+        <p:spPr>
+          <a:xfrm>
+            <a:off x="3203848" y="1916832"/>
+            <a:ext cx="2016125" cy="886296"/>
+          </a:xfrm>
+          <a:prstGeom prst="roundRect">
+            <a:avLst/>
+          </a:prstGeom>
+          <a:solidFill>
+            <a:srgbClr val="C9394A"/>
+          </a:solidFill>
+          <a:ln/>
+        </p:spPr>
+        <p:style>
+          <a:lnRef idx="3">
+            <a:schemeClr val="lt1"/>
+          </a:lnRef>
+          <a:fillRef idx="1">
+            <a:schemeClr val="accent4"/>
+          </a:fillRef>
+          <a:effectRef idx="1">
+            <a:schemeClr val="accent4"/>
+          </a:effectRef>
+          <a:fontRef idx="minor">
+            <a:schemeClr val="lt1"/>
+          </a:fontRef>
+        </p:style>
+        <p:txBody>
+          <a:bodyPr anchor="ctr"/>
+          <a:lstStyle/>
+          <a:p>
+            <a:pPr algn="ctr">
+              <a:buFont typeface="Arial" charset="0"/>
+              <a:buNone/>
+              <a:defRPr/>
+            </a:pPr>
+            <a:r>
+              <a:rPr lang="en-US" altLang="zh-CN" sz="2000" b="1" dirty="0" smtClean="0">
+                <a:solidFill>
+                  <a:schemeClr val="bg1"/>
+                </a:solidFill>
+              </a:rPr>
+              <a:t>Dojo</a:t>
+            </a:r>
+          </a:p>
+          <a:p>
+            <a:pPr algn="ctr">
+              <a:buFont typeface="Arial" charset="0"/>
+              <a:buNone/>
+              <a:defRPr/>
+            </a:pPr>
+            <a:r>
+              <a:rPr lang="en-US" altLang="zh-CN" sz="2000" b="1" dirty="0" err="1" smtClean="0">
+                <a:solidFill>
+                  <a:schemeClr val="bg1"/>
+                </a:solidFill>
+              </a:rPr>
+              <a:t>Extjs</a:t>
+            </a:r>
+            <a:endParaRPr lang="zh-CN" altLang="en-US" sz="2000" b="1" dirty="0">
+              <a:solidFill>
+                <a:schemeClr val="bg1"/>
+              </a:solidFill>
+            </a:endParaRPr>
+          </a:p>
+        </p:txBody>
+      </p:sp>
+      <p:sp>
+        <p:nvSpPr>
+          <p:cNvPr id="8" name="圆角矩形 7"/>
+          <p:cNvSpPr/>
+          <p:nvPr/>
+        </p:nvSpPr>
+        <p:spPr>
+          <a:xfrm>
+            <a:off x="1259632" y="4365104"/>
+            <a:ext cx="2016125" cy="886296"/>
+          </a:xfrm>
+          <a:prstGeom prst="roundRect">
+            <a:avLst/>
+          </a:prstGeom>
+          <a:solidFill>
+            <a:srgbClr val="C9394A"/>
+          </a:solidFill>
+          <a:ln/>
+        </p:spPr>
+        <p:style>
+          <a:lnRef idx="3">
+            <a:schemeClr val="lt1"/>
+          </a:lnRef>
+          <a:fillRef idx="1">
+            <a:schemeClr val="accent4"/>
+          </a:fillRef>
+          <a:effectRef idx="1">
+            <a:schemeClr val="accent4"/>
+          </a:effectRef>
+          <a:fontRef idx="minor">
+            <a:schemeClr val="lt1"/>
+          </a:fontRef>
+        </p:style>
+        <p:txBody>
+          <a:bodyPr anchor="ctr"/>
+          <a:lstStyle/>
+          <a:p>
+            <a:pPr algn="ctr">
+              <a:buFont typeface="Arial" charset="0"/>
+              <a:buNone/>
+              <a:defRPr/>
+            </a:pPr>
+            <a:r>
+              <a:rPr lang="zh-CN" altLang="en-US" sz="2000" b="1" dirty="0" smtClean="0">
+                <a:solidFill>
+                  <a:schemeClr val="bg1"/>
+                </a:solidFill>
+              </a:rPr>
+              <a:t>模块定义</a:t>
+            </a:r>
+            <a:endParaRPr lang="en-US" altLang="zh-CN" sz="2000" b="1" dirty="0" smtClean="0">
+              <a:solidFill>
+                <a:schemeClr val="bg1"/>
+              </a:solidFill>
+            </a:endParaRPr>
+          </a:p>
+        </p:txBody>
+      </p:sp>
+      <p:sp>
+        <p:nvSpPr>
+          <p:cNvPr id="9" name="圆角矩形 8"/>
+          <p:cNvSpPr/>
+          <p:nvPr/>
+        </p:nvSpPr>
+        <p:spPr>
+          <a:xfrm>
+            <a:off x="5076056" y="4365104"/>
+            <a:ext cx="2016125" cy="886296"/>
+          </a:xfrm>
+          <a:prstGeom prst="roundRect">
+            <a:avLst/>
+          </a:prstGeom>
+          <a:solidFill>
+            <a:srgbClr val="C9394A"/>
+          </a:solidFill>
+          <a:ln/>
+        </p:spPr>
+        <p:style>
+          <a:lnRef idx="3">
+            <a:schemeClr val="lt1"/>
+          </a:lnRef>
+          <a:fillRef idx="1">
+            <a:schemeClr val="accent4"/>
+          </a:fillRef>
+          <a:effectRef idx="1">
+            <a:schemeClr val="accent4"/>
+          </a:effectRef>
+          <a:fontRef idx="minor">
+            <a:schemeClr val="lt1"/>
+          </a:fontRef>
+        </p:style>
+        <p:txBody>
+          <a:bodyPr anchor="ctr"/>
+          <a:lstStyle/>
+          <a:p>
+            <a:pPr algn="ctr">
+              <a:buFont typeface="Arial" charset="0"/>
+              <a:buNone/>
+              <a:defRPr/>
+            </a:pPr>
+            <a:r>
+              <a:rPr lang="zh-CN" altLang="en-US" sz="2000" b="1" dirty="0" smtClean="0">
+                <a:solidFill>
+                  <a:schemeClr val="bg1"/>
+                </a:solidFill>
+              </a:rPr>
+              <a:t>加载机制</a:t>
+            </a:r>
+            <a:endParaRPr lang="en-US" altLang="zh-CN" sz="2000" b="1" dirty="0" smtClean="0">
+              <a:solidFill>
+                <a:schemeClr val="bg1"/>
+              </a:solidFill>
+            </a:endParaRPr>
+          </a:p>
+        </p:txBody>
+      </p:sp>
+      <p:cxnSp>
+        <p:nvCxnSpPr>
+          <p:cNvPr id="13" name="直接箭头连接符 12"/>
+          <p:cNvCxnSpPr/>
+          <p:nvPr/>
+        </p:nvCxnSpPr>
+        <p:spPr>
+          <a:xfrm flipH="1">
+            <a:off x="2123728" y="2852936"/>
+            <a:ext cx="1656184" cy="1512168"/>
+          </a:xfrm>
+          <a:prstGeom prst="straightConnector1">
+            <a:avLst/>
+          </a:prstGeom>
+          <a:ln w="28575">
+            <a:solidFill>
+              <a:srgbClr val="C9394A"/>
+            </a:solidFill>
+            <a:tailEnd type="arrow"/>
+          </a:ln>
+        </p:spPr>
+        <p:style>
+          <a:lnRef idx="1">
+            <a:schemeClr val="accent1"/>
+          </a:lnRef>
+          <a:fillRef idx="0">
+            <a:schemeClr val="accent1"/>
+          </a:fillRef>
+          <a:effectRef idx="0">
+            <a:schemeClr val="accent1"/>
+          </a:effectRef>
+          <a:fontRef idx="minor">
+            <a:schemeClr val="tx1"/>
+          </a:fontRef>
+        </p:style>
+      </p:cxnSp>
+      <p:cxnSp>
+        <p:nvCxnSpPr>
+          <p:cNvPr id="18" name="直接箭头连接符 17"/>
+          <p:cNvCxnSpPr>
+            <a:endCxn id="9" idx="0"/>
+          </p:cNvCxnSpPr>
+          <p:nvPr/>
+        </p:nvCxnSpPr>
+        <p:spPr>
+          <a:xfrm>
+            <a:off x="4427984" y="2852936"/>
+            <a:ext cx="1656135" cy="1512168"/>
+          </a:xfrm>
+          <a:prstGeom prst="straightConnector1">
+            <a:avLst/>
+          </a:prstGeom>
+          <a:ln w="28575">
+            <a:solidFill>
+              <a:srgbClr val="C9394A"/>
+            </a:solidFill>
+            <a:tailEnd type="arrow"/>
+          </a:ln>
+        </p:spPr>
+        <p:style>
+          <a:lnRef idx="1">
+            <a:schemeClr val="accent1"/>
+          </a:lnRef>
+          <a:fillRef idx="0">
+            <a:schemeClr val="accent1"/>
+          </a:fillRef>
+          <a:effectRef idx="0">
+            <a:schemeClr val="accent1"/>
+          </a:effectRef>
+          <a:fontRef idx="minor">
+            <a:schemeClr val="tx1"/>
+          </a:fontRef>
+        </p:style>
+      </p:cxnSp>
+      <p:sp>
+        <p:nvSpPr>
+          <p:cNvPr id="22" name="椭圆 21"/>
+          <p:cNvSpPr/>
+          <p:nvPr/>
+        </p:nvSpPr>
+        <p:spPr>
+          <a:xfrm>
+            <a:off x="3275856" y="3068960"/>
+            <a:ext cx="1728787" cy="1008062"/>
+          </a:xfrm>
+          <a:prstGeom prst="ellipse">
+            <a:avLst/>
+          </a:prstGeom>
+          <a:solidFill>
+            <a:srgbClr val="C9394A"/>
+          </a:solidFill>
+          <a:ln/>
+        </p:spPr>
+        <p:style>
+          <a:lnRef idx="3">
+            <a:schemeClr val="lt1"/>
+          </a:lnRef>
+          <a:fillRef idx="1">
+            <a:schemeClr val="accent4"/>
+          </a:fillRef>
+          <a:effectRef idx="1">
+            <a:schemeClr val="accent4"/>
+          </a:effectRef>
+          <a:fontRef idx="minor">
+            <a:schemeClr val="lt1"/>
+          </a:fontRef>
+        </p:style>
+        <p:txBody>
+          <a:bodyPr anchor="ctr"/>
+          <a:lstStyle/>
+          <a:p>
+            <a:pPr algn="ctr">
+              <a:buFont typeface="Arial" charset="0"/>
+              <a:buNone/>
+              <a:defRPr/>
+            </a:pPr>
+            <a:r>
+              <a:rPr lang="en-US" altLang="zh-CN" sz="2000" b="1" dirty="0" smtClean="0">
+                <a:solidFill>
+                  <a:schemeClr val="bg1"/>
+                </a:solidFill>
+              </a:rPr>
+              <a:t>AMD</a:t>
+            </a:r>
+            <a:endParaRPr lang="zh-CN" altLang="en-US" sz="2000" b="1" dirty="0">
+              <a:solidFill>
+                <a:schemeClr val="bg1"/>
+              </a:solidFill>
+            </a:endParaRPr>
+          </a:p>
+        </p:txBody>
+      </p:sp>
+    </p:spTree>
+  </p:cSld>
+  <p:clrMapOvr>
+    <a:masterClrMapping/>
+  </p:clrMapOvr>
+  <p:timing>
+    <p:tnLst>
+      <p:par>
+        <p:cTn id="1" dur="indefinite" restart="never" nodeType="tmRoot">
+          <p:childTnLst>
+            <p:seq concurrent="1" nextAc="seek">
+              <p:cTn id="2" dur="indefinite" nodeType="mainSeq">
+                <p:childTnLst>
+                  <p:par>
+                    <p:cTn id="3" fill="hold">
+                      <p:stCondLst>
+                        <p:cond delay="indefinite"/>
+                      </p:stCondLst>
+                      <p:childTnLst>
+                        <p:par>
+                          <p:cTn id="4" fill="hold">
+                            <p:stCondLst>
+                              <p:cond delay="0"/>
+                            </p:stCondLst>
+                            <p:childTnLst>
+                              <p:par>
+                                <p:cTn id="5" presetID="2" presetClass="entr" presetSubtype="4" fill="hold" grpId="0" nodeType="clickEffect">
+                                  <p:stCondLst>
+                                    <p:cond delay="0"/>
+                                  </p:stCondLst>
+                                  <p:childTnLst>
+                                    <p:set>
+                                      <p:cBhvr>
+                                        <p:cTn id="6" dur="1" fill="hold">
+                                          <p:stCondLst>
+                                            <p:cond delay="0"/>
+                                          </p:stCondLst>
+                                        </p:cTn>
+                                        <p:tgtEl>
+                                          <p:spTgt spid="8"/>
+                                        </p:tgtEl>
+                                        <p:attrNameLst>
+                                          <p:attrName>style.visibility</p:attrName>
+                                        </p:attrNameLst>
+                                      </p:cBhvr>
+                                      <p:to>
+                                        <p:strVal val="visible"/>
+                                      </p:to>
+                                    </p:set>
+                                    <p:anim calcmode="lin" valueType="num">
+                                      <p:cBhvr additive="base">
+                                        <p:cTn id="7" dur="500" fill="hold"/>
+                                        <p:tgtEl>
+                                          <p:spTgt spid="8"/>
+                                        </p:tgtEl>
+                                        <p:attrNameLst>
+                                          <p:attrName>ppt_x</p:attrName>
+                                        </p:attrNameLst>
+                                      </p:cBhvr>
+                                      <p:tavLst>
+                                        <p:tav tm="0">
+                                          <p:val>
+                                            <p:strVal val="#ppt_x"/>
+                                          </p:val>
+                                        </p:tav>
+                                        <p:tav tm="100000">
+                                          <p:val>
+                                            <p:strVal val="#ppt_x"/>
+                                          </p:val>
+                                        </p:tav>
+                                      </p:tavLst>
+                                    </p:anim>
+                                    <p:anim calcmode="lin" valueType="num">
+                                      <p:cBhvr additive="base">
+                                        <p:cTn id="8" dur="500" fill="hold"/>
+                                        <p:tgtEl>
+                                          <p:spTgt spid="8"/>
+                                        </p:tgtEl>
+                                        <p:attrNameLst>
+                                          <p:attrName>ppt_y</p:attrName>
+                                        </p:attrNameLst>
+                                      </p:cBhvr>
+                                      <p:tavLst>
+                                        <p:tav tm="0">
+                                          <p:val>
+                                            <p:strVal val="1+#ppt_h/2"/>
+                                          </p:val>
+                                        </p:tav>
+                                        <p:tav tm="100000">
+                                          <p:val>
+                                            <p:strVal val="#ppt_y"/>
+                                          </p:val>
+                                        </p:tav>
+                                      </p:tavLst>
+                                    </p:anim>
+                                  </p:childTnLst>
+                                </p:cTn>
+                              </p:par>
+                              <p:par>
+                                <p:cTn id="9" presetID="2" presetClass="entr" presetSubtype="4" fill="hold" grpId="0" nodeType="withEffect">
+                                  <p:stCondLst>
+                                    <p:cond delay="0"/>
+                                  </p:stCondLst>
+                                  <p:childTnLst>
+                                    <p:set>
+                                      <p:cBhvr>
+                                        <p:cTn id="10" dur="1" fill="hold">
+                                          <p:stCondLst>
+                                            <p:cond delay="0"/>
+                                          </p:stCondLst>
+                                        </p:cTn>
+                                        <p:tgtEl>
+                                          <p:spTgt spid="9"/>
+                                        </p:tgtEl>
+                                        <p:attrNameLst>
+                                          <p:attrName>style.visibility</p:attrName>
+                                        </p:attrNameLst>
+                                      </p:cBhvr>
+                                      <p:to>
+                                        <p:strVal val="visible"/>
+                                      </p:to>
+                                    </p:set>
+                                    <p:anim calcmode="lin" valueType="num">
+                                      <p:cBhvr additive="base">
+                                        <p:cTn id="11" dur="500" fill="hold"/>
+                                        <p:tgtEl>
+                                          <p:spTgt spid="9"/>
+                                        </p:tgtEl>
+                                        <p:attrNameLst>
+                                          <p:attrName>ppt_x</p:attrName>
+                                        </p:attrNameLst>
+                                      </p:cBhvr>
+                                      <p:tavLst>
+                                        <p:tav tm="0">
+                                          <p:val>
+                                            <p:strVal val="#ppt_x"/>
+                                          </p:val>
+                                        </p:tav>
+                                        <p:tav tm="100000">
+                                          <p:val>
+                                            <p:strVal val="#ppt_x"/>
+                                          </p:val>
+                                        </p:tav>
+                                      </p:tavLst>
+                                    </p:anim>
+                                    <p:anim calcmode="lin" valueType="num">
+                                      <p:cBhvr additive="base">
+                                        <p:cTn id="12" dur="500" fill="hold"/>
+                                        <p:tgtEl>
+                                          <p:spTgt spid="9"/>
+                                        </p:tgtEl>
+                                        <p:attrNameLst>
+                                          <p:attrName>ppt_y</p:attrName>
+                                        </p:attrNameLst>
+                                      </p:cBhvr>
+                                      <p:tavLst>
+                                        <p:tav tm="0">
+                                          <p:val>
+                                            <p:strVal val="1+#ppt_h/2"/>
+                                          </p:val>
+                                        </p:tav>
+                                        <p:tav tm="100000">
+                                          <p:val>
+                                            <p:strVal val="#ppt_y"/>
+                                          </p:val>
+                                        </p:tav>
+                                      </p:tavLst>
+                                    </p:anim>
+                                  </p:childTnLst>
+                                </p:cTn>
+                              </p:par>
+                            </p:childTnLst>
+                          </p:cTn>
+                        </p:par>
+                      </p:childTnLst>
+                    </p:cTn>
+                  </p:par>
+                  <p:par>
+                    <p:cTn id="13" fill="hold">
+                      <p:stCondLst>
+                        <p:cond delay="indefinite"/>
+                      </p:stCondLst>
+                      <p:childTnLst>
+                        <p:par>
+                          <p:cTn id="14" fill="hold">
+                            <p:stCondLst>
+                              <p:cond delay="0"/>
+                            </p:stCondLst>
+                            <p:childTnLst>
+                              <p:par>
+                                <p:cTn id="15" presetID="26" presetClass="entr" presetSubtype="0" fill="hold" grpId="0" nodeType="clickEffect">
+                                  <p:stCondLst>
+                                    <p:cond delay="0"/>
+                                  </p:stCondLst>
+                                  <p:childTnLst>
+                                    <p:set>
+                                      <p:cBhvr>
+                                        <p:cTn id="16" dur="1" fill="hold">
+                                          <p:stCondLst>
+                                            <p:cond delay="0"/>
+                                          </p:stCondLst>
+                                        </p:cTn>
+                                        <p:tgtEl>
+                                          <p:spTgt spid="22"/>
+                                        </p:tgtEl>
+                                        <p:attrNameLst>
+                                          <p:attrName>style.visibility</p:attrName>
+                                        </p:attrNameLst>
+                                      </p:cBhvr>
+                                      <p:to>
+                                        <p:strVal val="visible"/>
+                                      </p:to>
+                                    </p:set>
+                                    <p:animEffect transition="in" filter="wipe(down)">
+                                      <p:cBhvr>
+                                        <p:cTn id="17" dur="145">
+                                          <p:stCondLst>
+                                            <p:cond delay="0"/>
+                                          </p:stCondLst>
+                                        </p:cTn>
+                                        <p:tgtEl>
+                                          <p:spTgt spid="22"/>
+                                        </p:tgtEl>
+                                      </p:cBhvr>
+                                    </p:animEffect>
+                                    <p:anim calcmode="lin" valueType="num">
+                                      <p:cBhvr>
+                                        <p:cTn id="18" dur="456" tmFilter="0,0; 0.14,0.36; 0.43,0.73; 0.71,0.91; 1.0,1.0">
+                                          <p:stCondLst>
+                                            <p:cond delay="0"/>
+                                          </p:stCondLst>
+                                        </p:cTn>
+                                        <p:tgtEl>
+                                          <p:spTgt spid="22"/>
+                                        </p:tgtEl>
+                                        <p:attrNameLst>
+                                          <p:attrName>ppt_x</p:attrName>
+                                        </p:attrNameLst>
+                                      </p:cBhvr>
+                                      <p:tavLst>
+                                        <p:tav tm="0">
+                                          <p:val>
+                                            <p:strVal val="#ppt_x-0.25"/>
+                                          </p:val>
+                                        </p:tav>
+                                        <p:tav tm="100000">
+                                          <p:val>
+                                            <p:strVal val="#ppt_x"/>
+                                          </p:val>
+                                        </p:tav>
+                                      </p:tavLst>
+                                    </p:anim>
+                                    <p:anim calcmode="lin" valueType="num">
+                                      <p:cBhvr>
+                                        <p:cTn id="19" dur="166" tmFilter="0.0,0.0; 0.25,0.07; 0.50,0.2; 0.75,0.467; 1.0,1.0">
+                                          <p:stCondLst>
+                                            <p:cond delay="0"/>
+                                          </p:stCondLst>
+                                        </p:cTn>
+                                        <p:tgtEl>
+                                          <p:spTgt spid="22"/>
+                                        </p:tgtEl>
+                                        <p:attrNameLst>
+                                          <p:attrName>ppt_y</p:attrName>
+                                        </p:attrNameLst>
+                                      </p:cBhvr>
+                                      <p:tavLst>
+                                        <p:tav tm="0" fmla="#ppt_y-sin(pi*$)/3">
+                                          <p:val>
+                                            <p:fltVal val="0.5"/>
+                                          </p:val>
+                                        </p:tav>
+                                        <p:tav tm="100000">
+                                          <p:val>
+                                            <p:fltVal val="1"/>
+                                          </p:val>
+                                        </p:tav>
+                                      </p:tavLst>
+                                    </p:anim>
+                                    <p:anim calcmode="lin" valueType="num">
+                                      <p:cBhvr>
+                                        <p:cTn id="20" dur="166" tmFilter="0, 0; 0.125,0.2665; 0.25,0.4; 0.375,0.465; 0.5,0.5;  0.625,0.535; 0.75,0.6; 0.875,0.7335; 1,1">
+                                          <p:stCondLst>
+                                            <p:cond delay="166"/>
+                                          </p:stCondLst>
+                                        </p:cTn>
+                                        <p:tgtEl>
+                                          <p:spTgt spid="22"/>
+                                        </p:tgtEl>
+                                        <p:attrNameLst>
+                                          <p:attrName>ppt_y</p:attrName>
+                                        </p:attrNameLst>
+                                      </p:cBhvr>
+                                      <p:tavLst>
+                                        <p:tav tm="0" fmla="#ppt_y-sin(pi*$)/9">
+                                          <p:val>
+                                            <p:fltVal val="0"/>
+                                          </p:val>
+                                        </p:tav>
+                                        <p:tav tm="100000">
+                                          <p:val>
+                                            <p:fltVal val="1"/>
+                                          </p:val>
+                                        </p:tav>
+                                      </p:tavLst>
+                                    </p:anim>
+                                    <p:anim calcmode="lin" valueType="num">
+                                      <p:cBhvr>
+                                        <p:cTn id="21" dur="83" tmFilter="0, 0; 0.125,0.2665; 0.25,0.4; 0.375,0.465; 0.5,0.5;  0.625,0.535; 0.75,0.6; 0.875,0.7335; 1,1">
+                                          <p:stCondLst>
+                                            <p:cond delay="331"/>
+                                          </p:stCondLst>
+                                        </p:cTn>
+                                        <p:tgtEl>
+                                          <p:spTgt spid="22"/>
+                                        </p:tgtEl>
+                                        <p:attrNameLst>
+                                          <p:attrName>ppt_y</p:attrName>
+                                        </p:attrNameLst>
+                                      </p:cBhvr>
+                                      <p:tavLst>
+                                        <p:tav tm="0" fmla="#ppt_y-sin(pi*$)/27">
+                                          <p:val>
+                                            <p:fltVal val="0"/>
+                                          </p:val>
+                                        </p:tav>
+                                        <p:tav tm="100000">
+                                          <p:val>
+                                            <p:fltVal val="1"/>
+                                          </p:val>
+                                        </p:tav>
+                                      </p:tavLst>
+                                    </p:anim>
+                                    <p:anim calcmode="lin" valueType="num">
+                                      <p:cBhvr>
+                                        <p:cTn id="22" dur="41" tmFilter="0, 0; 0.125,0.2665; 0.25,0.4; 0.375,0.465; 0.5,0.5;  0.625,0.535; 0.75,0.6; 0.875,0.7335; 1,1">
+                                          <p:stCondLst>
+                                            <p:cond delay="414"/>
+                                          </p:stCondLst>
+                                        </p:cTn>
+                                        <p:tgtEl>
+                                          <p:spTgt spid="22"/>
+                                        </p:tgtEl>
+                                        <p:attrNameLst>
+                                          <p:attrName>ppt_y</p:attrName>
+                                        </p:attrNameLst>
+                                      </p:cBhvr>
+                                      <p:tavLst>
+                                        <p:tav tm="0" fmla="#ppt_y-sin(pi*$)/81">
+                                          <p:val>
+                                            <p:fltVal val="0"/>
+                                          </p:val>
+                                        </p:tav>
+                                        <p:tav tm="100000">
+                                          <p:val>
+                                            <p:fltVal val="1"/>
+                                          </p:val>
+                                        </p:tav>
+                                      </p:tavLst>
+                                    </p:anim>
+                                    <p:animScale>
+                                      <p:cBhvr>
+                                        <p:cTn id="23" dur="7">
+                                          <p:stCondLst>
+                                            <p:cond delay="163"/>
+                                          </p:stCondLst>
+                                        </p:cTn>
+                                        <p:tgtEl>
+                                          <p:spTgt spid="22"/>
+                                        </p:tgtEl>
+                                      </p:cBhvr>
+                                      <p:to x="100000" y="60000"/>
+                                    </p:animScale>
+                                    <p:animScale>
+                                      <p:cBhvr>
+                                        <p:cTn id="24" dur="42" decel="50000">
+                                          <p:stCondLst>
+                                            <p:cond delay="169"/>
+                                          </p:stCondLst>
+                                        </p:cTn>
+                                        <p:tgtEl>
+                                          <p:spTgt spid="22"/>
+                                        </p:tgtEl>
+                                      </p:cBhvr>
+                                      <p:to x="100000" y="100000"/>
+                                    </p:animScale>
+                                    <p:animScale>
+                                      <p:cBhvr>
+                                        <p:cTn id="25" dur="7">
+                                          <p:stCondLst>
+                                            <p:cond delay="328"/>
+                                          </p:stCondLst>
+                                        </p:cTn>
+                                        <p:tgtEl>
+                                          <p:spTgt spid="22"/>
+                                        </p:tgtEl>
+                                      </p:cBhvr>
+                                      <p:to x="100000" y="80000"/>
+                                    </p:animScale>
+                                    <p:animScale>
+                                      <p:cBhvr>
+                                        <p:cTn id="26" dur="42" decel="50000">
+                                          <p:stCondLst>
+                                            <p:cond delay="335"/>
+                                          </p:stCondLst>
+                                        </p:cTn>
+                                        <p:tgtEl>
+                                          <p:spTgt spid="22"/>
+                                        </p:tgtEl>
+                                      </p:cBhvr>
+                                      <p:to x="100000" y="100000"/>
+                                    </p:animScale>
+                                    <p:animScale>
+                                      <p:cBhvr>
+                                        <p:cTn id="27" dur="7">
+                                          <p:stCondLst>
+                                            <p:cond delay="411"/>
+                                          </p:stCondLst>
+                                        </p:cTn>
+                                        <p:tgtEl>
+                                          <p:spTgt spid="22"/>
+                                        </p:tgtEl>
+                                      </p:cBhvr>
+                                      <p:to x="100000" y="90000"/>
+                                    </p:animScale>
+                                    <p:animScale>
+                                      <p:cBhvr>
+                                        <p:cTn id="28" dur="42" decel="50000">
+                                          <p:stCondLst>
+                                            <p:cond delay="417"/>
+                                          </p:stCondLst>
+                                        </p:cTn>
+                                        <p:tgtEl>
+                                          <p:spTgt spid="22"/>
+                                        </p:tgtEl>
+                                      </p:cBhvr>
+                                      <p:to x="100000" y="100000"/>
+                                    </p:animScale>
+                                    <p:animScale>
+                                      <p:cBhvr>
+                                        <p:cTn id="29" dur="7">
+                                          <p:stCondLst>
+                                            <p:cond delay="452"/>
+                                          </p:stCondLst>
+                                        </p:cTn>
+                                        <p:tgtEl>
+                                          <p:spTgt spid="22"/>
+                                        </p:tgtEl>
+                                      </p:cBhvr>
+                                      <p:to x="100000" y="95000"/>
+                                    </p:animScale>
+                                    <p:animScale>
+                                      <p:cBhvr>
+                                        <p:cTn id="30" dur="42" decel="50000">
+                                          <p:stCondLst>
+                                            <p:cond delay="459"/>
+                                          </p:stCondLst>
+                                        </p:cTn>
+                                        <p:tgtEl>
+                                          <p:spTgt spid="22"/>
+                                        </p:tgtEl>
+                                      </p:cBhvr>
+                                      <p:to x="100000" y="100000"/>
+                                    </p:animScale>
+                                  </p:childTnLst>
+                                </p:cTn>
+                              </p:par>
+                            </p:childTnLst>
+                          </p:cTn>
+                        </p:par>
+                      </p:childTnLst>
+                    </p:cTn>
+                  </p:par>
+                  <p:par>
+                    <p:cTn id="31" fill="hold">
+                      <p:stCondLst>
+                        <p:cond delay="indefinite"/>
+                      </p:stCondLst>
+                      <p:childTnLst>
+                        <p:par>
+                          <p:cTn id="32" fill="hold">
+                            <p:stCondLst>
+                              <p:cond delay="0"/>
+                            </p:stCondLst>
+                            <p:childTnLst>
+                              <p:par>
+                                <p:cTn id="33" presetID="29" presetClass="entr" presetSubtype="0" fill="hold" nodeType="clickEffect">
+                                  <p:stCondLst>
+                                    <p:cond delay="0"/>
+                                  </p:stCondLst>
+                                  <p:childTnLst>
+                                    <p:set>
+                                      <p:cBhvr>
+                                        <p:cTn id="34" dur="1" fill="hold">
+                                          <p:stCondLst>
+                                            <p:cond delay="0"/>
+                                          </p:stCondLst>
+                                        </p:cTn>
+                                        <p:tgtEl>
+                                          <p:spTgt spid="18"/>
+                                        </p:tgtEl>
+                                        <p:attrNameLst>
+                                          <p:attrName>style.visibility</p:attrName>
+                                        </p:attrNameLst>
+                                      </p:cBhvr>
+                                      <p:to>
+                                        <p:strVal val="visible"/>
+                                      </p:to>
+                                    </p:set>
+                                    <p:anim calcmode="lin" valueType="num">
+                                      <p:cBhvr>
+                                        <p:cTn id="35" dur="500" fill="hold"/>
+                                        <p:tgtEl>
+                                          <p:spTgt spid="18"/>
+                                        </p:tgtEl>
+                                        <p:attrNameLst>
+                                          <p:attrName>ppt_x</p:attrName>
+                                        </p:attrNameLst>
+                                      </p:cBhvr>
+                                      <p:tavLst>
+                                        <p:tav tm="0">
+                                          <p:val>
+                                            <p:strVal val="#ppt_x-.2"/>
+                                          </p:val>
+                                        </p:tav>
+                                        <p:tav tm="100000">
+                                          <p:val>
+                                            <p:strVal val="#ppt_x"/>
+                                          </p:val>
+                                        </p:tav>
+                                      </p:tavLst>
+                                    </p:anim>
+                                    <p:anim calcmode="lin" valueType="num">
+                                      <p:cBhvr>
+                                        <p:cTn id="36" dur="500" fill="hold"/>
+                                        <p:tgtEl>
+                                          <p:spTgt spid="18"/>
+                                        </p:tgtEl>
+                                        <p:attrNameLst>
+                                          <p:attrName>ppt_y</p:attrName>
+                                        </p:attrNameLst>
+                                      </p:cBhvr>
+                                      <p:tavLst>
+                                        <p:tav tm="0">
+                                          <p:val>
+                                            <p:strVal val="#ppt_y"/>
+                                          </p:val>
+                                        </p:tav>
+                                        <p:tav tm="100000">
+                                          <p:val>
+                                            <p:strVal val="#ppt_y"/>
+                                          </p:val>
+                                        </p:tav>
+                                      </p:tavLst>
+                                    </p:anim>
+                                    <p:animEffect transition="in" filter="wipe(right)" prLst="gradientSize: 0.1">
+                                      <p:cBhvr>
+                                        <p:cTn id="37" dur="500"/>
+                                        <p:tgtEl>
+                                          <p:spTgt spid="18"/>
+                                        </p:tgtEl>
+                                      </p:cBhvr>
+                                    </p:animEffect>
+                                  </p:childTnLst>
+                                </p:cTn>
+                              </p:par>
+                              <p:par>
+                                <p:cTn id="38" presetID="29" presetClass="entr" presetSubtype="0" fill="hold" nodeType="withEffect">
+                                  <p:stCondLst>
+                                    <p:cond delay="0"/>
+                                  </p:stCondLst>
+                                  <p:childTnLst>
+                                    <p:set>
+                                      <p:cBhvr>
+                                        <p:cTn id="39" dur="1" fill="hold">
+                                          <p:stCondLst>
+                                            <p:cond delay="0"/>
+                                          </p:stCondLst>
+                                        </p:cTn>
+                                        <p:tgtEl>
+                                          <p:spTgt spid="13"/>
+                                        </p:tgtEl>
+                                        <p:attrNameLst>
+                                          <p:attrName>style.visibility</p:attrName>
+                                        </p:attrNameLst>
+                                      </p:cBhvr>
+                                      <p:to>
+                                        <p:strVal val="visible"/>
+                                      </p:to>
+                                    </p:set>
+                                    <p:anim calcmode="lin" valueType="num">
+                                      <p:cBhvr>
+                                        <p:cTn id="40" dur="500" fill="hold"/>
+                                        <p:tgtEl>
+                                          <p:spTgt spid="13"/>
+                                        </p:tgtEl>
+                                        <p:attrNameLst>
+                                          <p:attrName>ppt_x</p:attrName>
+                                        </p:attrNameLst>
+                                      </p:cBhvr>
+                                      <p:tavLst>
+                                        <p:tav tm="0">
+                                          <p:val>
+                                            <p:strVal val="#ppt_x-.2"/>
+                                          </p:val>
+                                        </p:tav>
+                                        <p:tav tm="100000">
+                                          <p:val>
+                                            <p:strVal val="#ppt_x"/>
+                                          </p:val>
+                                        </p:tav>
+                                      </p:tavLst>
+                                    </p:anim>
+                                    <p:anim calcmode="lin" valueType="num">
+                                      <p:cBhvr>
+                                        <p:cTn id="41" dur="500" fill="hold"/>
+                                        <p:tgtEl>
+                                          <p:spTgt spid="13"/>
+                                        </p:tgtEl>
+                                        <p:attrNameLst>
+                                          <p:attrName>ppt_y</p:attrName>
+                                        </p:attrNameLst>
+                                      </p:cBhvr>
+                                      <p:tavLst>
+                                        <p:tav tm="0">
+                                          <p:val>
+                                            <p:strVal val="#ppt_y"/>
+                                          </p:val>
+                                        </p:tav>
+                                        <p:tav tm="100000">
+                                          <p:val>
+                                            <p:strVal val="#ppt_y"/>
+                                          </p:val>
+                                        </p:tav>
+                                      </p:tavLst>
+                                    </p:anim>
+                                    <p:animEffect transition="in" filter="wipe(right)" prLst="gradientSize: 0.1">
+                                      <p:cBhvr>
+                                        <p:cTn id="42" dur="500"/>
+                                        <p:tgtEl>
+                                          <p:spTgt spid="13"/>
+                                        </p:tgtEl>
+                                      </p:cBhvr>
+                                    </p:animEffect>
+                                  </p:childTnLst>
+                                </p:cTn>
+                              </p:par>
+                            </p:childTnLst>
+                          </p:cTn>
+                        </p:par>
+                      </p:childTnLst>
+                    </p:cTn>
+                  </p:par>
+                </p:childTnLst>
+              </p:cTn>
+              <p:prevCondLst>
+                <p:cond evt="onPrev" delay="0">
+                  <p:tgtEl>
+                    <p:sldTgt/>
+                  </p:tgtEl>
+                </p:cond>
+              </p:prevCondLst>
+              <p:nextCondLst>
+                <p:cond evt="onNext" delay="0">
+                  <p:tgtEl>
+                    <p:sldTgt/>
+                  </p:tgtEl>
+                </p:cond>
+              </p:nextCondLst>
+            </p:seq>
+          </p:childTnLst>
+        </p:cTn>
+      </p:par>
+    </p:tnLst>
+    <p:bldLst>
+      <p:bldP spid="8" grpId="0" animBg="1"/>
+      <p:bldP spid="9" grpId="0" animBg="1"/>
+      <p:bldP spid="22" grpId="0" animBg="1"/>
+    </p:bldLst>
   </p:timing>
 </p:sld>
 </file>

--- a/requirejs/doc/requirejs.pptx
+++ b/requirejs/doc/requirejs.pptx
@@ -16,6 +16,11 @@
     <p:sldId id="263" r:id="rId10"/>
     <p:sldId id="264" r:id="rId11"/>
     <p:sldId id="265" r:id="rId12"/>
+    <p:sldId id="271" r:id="rId13"/>
+    <p:sldId id="267" r:id="rId14"/>
+    <p:sldId id="273" r:id="rId15"/>
+    <p:sldId id="268" r:id="rId16"/>
+    <p:sldId id="269" r:id="rId17"/>
   </p:sldIdLst>
   <p:sldSz cx="9144000" cy="6858000" type="screen4x3"/>
   <p:notesSz cx="6858000" cy="9144000"/>
@@ -5199,6 +5204,1984 @@
 </p:sld>
 </file>
 
+<file path=ppt/slides/slide12.xml><?xml version="1.0" encoding="utf-8"?>
+<p:sld xmlns:a="http://schemas.openxmlformats.org/drawingml/2006/main" xmlns:r="http://schemas.openxmlformats.org/officeDocument/2006/relationships" xmlns:p="http://schemas.openxmlformats.org/presentationml/2006/main">
+  <p:cSld>
+    <p:spTree>
+      <p:nvGrpSpPr>
+        <p:cNvPr id="1" name=""/>
+        <p:cNvGrpSpPr/>
+        <p:nvPr/>
+      </p:nvGrpSpPr>
+      <p:grpSpPr>
+        <a:xfrm>
+          <a:off x="0" y="0"/>
+          <a:ext cx="0" cy="0"/>
+          <a:chOff x="0" y="0"/>
+          <a:chExt cx="0" cy="0"/>
+        </a:xfrm>
+      </p:grpSpPr>
+      <p:sp>
+        <p:nvSpPr>
+          <p:cNvPr id="2" name="标题 1"/>
+          <p:cNvSpPr>
+            <a:spLocks noGrp="1"/>
+          </p:cNvSpPr>
+          <p:nvPr>
+            <p:ph type="title"/>
+          </p:nvPr>
+        </p:nvSpPr>
+        <p:spPr/>
+        <p:txBody>
+          <a:bodyPr/>
+          <a:lstStyle/>
+          <a:p>
+            <a:endParaRPr lang="zh-CN" altLang="en-US"/>
+          </a:p>
+        </p:txBody>
+      </p:sp>
+      <p:sp>
+        <p:nvSpPr>
+          <p:cNvPr id="3" name="内容占位符 2"/>
+          <p:cNvSpPr>
+            <a:spLocks noGrp="1"/>
+          </p:cNvSpPr>
+          <p:nvPr>
+            <p:ph idx="1"/>
+          </p:nvPr>
+        </p:nvSpPr>
+        <p:spPr/>
+        <p:txBody>
+          <a:bodyPr/>
+          <a:lstStyle/>
+          <a:p>
+            <a:endParaRPr lang="zh-CN" altLang="en-US"/>
+          </a:p>
+        </p:txBody>
+      </p:sp>
+      <p:pic>
+        <p:nvPicPr>
+          <p:cNvPr id="1026" name="Picture 2" descr="E:\慕课网\录制相关文件\小慕表情\GIF\51鍠囧彮鍠婅瘽.gif"/>
+          <p:cNvPicPr>
+            <a:picLocks noChangeAspect="1" noChangeArrowheads="1" noCrop="1"/>
+          </p:cNvPicPr>
+          <p:nvPr/>
+        </p:nvPicPr>
+        <p:blipFill>
+          <a:blip r:embed="rId2" cstate="print"/>
+          <a:srcRect/>
+          <a:stretch>
+            <a:fillRect/>
+          </a:stretch>
+        </p:blipFill>
+        <p:spPr bwMode="auto">
+          <a:xfrm>
+            <a:off x="1907704" y="836712"/>
+            <a:ext cx="4762500" cy="4762500"/>
+          </a:xfrm>
+          <a:prstGeom prst="rect">
+            <a:avLst/>
+          </a:prstGeom>
+          <a:noFill/>
+        </p:spPr>
+      </p:pic>
+    </p:spTree>
+  </p:cSld>
+  <p:clrMapOvr>
+    <a:masterClrMapping/>
+  </p:clrMapOvr>
+  <p:timing>
+    <p:tnLst>
+      <p:par>
+        <p:cTn id="1" dur="indefinite" restart="never" nodeType="tmRoot"/>
+      </p:par>
+    </p:tnLst>
+  </p:timing>
+</p:sld>
+</file>
+
+<file path=ppt/slides/slide13.xml><?xml version="1.0" encoding="utf-8"?>
+<p:sld xmlns:a="http://schemas.openxmlformats.org/drawingml/2006/main" xmlns:r="http://schemas.openxmlformats.org/officeDocument/2006/relationships" xmlns:p="http://schemas.openxmlformats.org/presentationml/2006/main">
+  <p:cSld>
+    <p:spTree>
+      <p:nvGrpSpPr>
+        <p:cNvPr id="1" name=""/>
+        <p:cNvGrpSpPr/>
+        <p:nvPr/>
+      </p:nvGrpSpPr>
+      <p:grpSpPr>
+        <a:xfrm>
+          <a:off x="0" y="0"/>
+          <a:ext cx="0" cy="0"/>
+          <a:chOff x="0" y="0"/>
+          <a:chExt cx="0" cy="0"/>
+        </a:xfrm>
+      </p:grpSpPr>
+      <p:sp>
+        <p:nvSpPr>
+          <p:cNvPr id="2" name="标题 1"/>
+          <p:cNvSpPr>
+            <a:spLocks noGrp="1"/>
+          </p:cNvSpPr>
+          <p:nvPr>
+            <p:ph type="title"/>
+          </p:nvPr>
+        </p:nvSpPr>
+        <p:spPr/>
+        <p:txBody>
+          <a:bodyPr/>
+          <a:lstStyle/>
+          <a:p>
+            <a:r>
+              <a:rPr lang="en-US" altLang="zh-CN" dirty="0" err="1" smtClean="0">
+                <a:solidFill>
+                  <a:srgbClr val="C9394A"/>
+                </a:solidFill>
+              </a:rPr>
+              <a:t>requirejs</a:t>
+            </a:r>
+            <a:endParaRPr lang="zh-CN" altLang="en-US" dirty="0">
+              <a:solidFill>
+                <a:srgbClr val="C9394A"/>
+              </a:solidFill>
+            </a:endParaRPr>
+          </a:p>
+        </p:txBody>
+      </p:sp>
+      <p:sp>
+        <p:nvSpPr>
+          <p:cNvPr id="3" name="内容占位符 2"/>
+          <p:cNvSpPr>
+            <a:spLocks noGrp="1"/>
+          </p:cNvSpPr>
+          <p:nvPr>
+            <p:ph idx="1"/>
+          </p:nvPr>
+        </p:nvSpPr>
+        <p:spPr/>
+        <p:txBody>
+          <a:bodyPr/>
+          <a:lstStyle/>
+          <a:p>
+            <a:r>
+              <a:rPr lang="en-US" altLang="zh-CN" dirty="0" smtClean="0">
+                <a:hlinkClick r:id="rId2"/>
+              </a:rPr>
+              <a:t>https://github.com/requirejs/requirejs</a:t>
+            </a:r>
+            <a:endParaRPr lang="en-US" altLang="zh-CN" dirty="0" smtClean="0"/>
+          </a:p>
+          <a:p>
+            <a:endParaRPr lang="en-US" altLang="zh-CN" dirty="0" smtClean="0"/>
+          </a:p>
+          <a:p>
+            <a:r>
+              <a:rPr lang="zh-CN" altLang="en-US" dirty="0" smtClean="0">
+                <a:solidFill>
+                  <a:srgbClr val="212121"/>
+                </a:solidFill>
+              </a:rPr>
+              <a:t>主要目的还是为了代码的模块化</a:t>
+            </a:r>
+            <a:endParaRPr lang="zh-CN" altLang="en-US" dirty="0">
+              <a:solidFill>
+                <a:srgbClr val="212121"/>
+              </a:solidFill>
+            </a:endParaRPr>
+          </a:p>
+        </p:txBody>
+      </p:sp>
+    </p:spTree>
+  </p:cSld>
+  <p:clrMapOvr>
+    <a:masterClrMapping/>
+  </p:clrMapOvr>
+  <p:timing>
+    <p:tnLst>
+      <p:par>
+        <p:cTn id="1" dur="indefinite" restart="never" nodeType="tmRoot">
+          <p:childTnLst>
+            <p:seq concurrent="1" nextAc="seek">
+              <p:cTn id="2" dur="indefinite" nodeType="mainSeq">
+                <p:childTnLst>
+                  <p:par>
+                    <p:cTn id="3" fill="hold">
+                      <p:stCondLst>
+                        <p:cond delay="indefinite"/>
+                      </p:stCondLst>
+                      <p:childTnLst>
+                        <p:par>
+                          <p:cTn id="4" fill="hold">
+                            <p:stCondLst>
+                              <p:cond delay="0"/>
+                            </p:stCondLst>
+                            <p:childTnLst>
+                              <p:par>
+                                <p:cTn id="5" presetID="2" presetClass="entr" presetSubtype="4" fill="hold" nodeType="clickEffect">
+                                  <p:stCondLst>
+                                    <p:cond delay="0"/>
+                                  </p:stCondLst>
+                                  <p:childTnLst>
+                                    <p:set>
+                                      <p:cBhvr>
+                                        <p:cTn id="6" dur="1" fill="hold">
+                                          <p:stCondLst>
+                                            <p:cond delay="0"/>
+                                          </p:stCondLst>
+                                        </p:cTn>
+                                        <p:tgtEl>
+                                          <p:spTgt spid="3">
+                                            <p:txEl>
+                                              <p:pRg st="2" end="2"/>
+                                            </p:txEl>
+                                          </p:spTgt>
+                                        </p:tgtEl>
+                                        <p:attrNameLst>
+                                          <p:attrName>style.visibility</p:attrName>
+                                        </p:attrNameLst>
+                                      </p:cBhvr>
+                                      <p:to>
+                                        <p:strVal val="visible"/>
+                                      </p:to>
+                                    </p:set>
+                                    <p:anim calcmode="lin" valueType="num">
+                                      <p:cBhvr additive="base">
+                                        <p:cTn id="7" dur="500" fill="hold"/>
+                                        <p:tgtEl>
+                                          <p:spTgt spid="3">
+                                            <p:txEl>
+                                              <p:pRg st="2" end="2"/>
+                                            </p:txEl>
+                                          </p:spTgt>
+                                        </p:tgtEl>
+                                        <p:attrNameLst>
+                                          <p:attrName>ppt_x</p:attrName>
+                                        </p:attrNameLst>
+                                      </p:cBhvr>
+                                      <p:tavLst>
+                                        <p:tav tm="0">
+                                          <p:val>
+                                            <p:strVal val="#ppt_x"/>
+                                          </p:val>
+                                        </p:tav>
+                                        <p:tav tm="100000">
+                                          <p:val>
+                                            <p:strVal val="#ppt_x"/>
+                                          </p:val>
+                                        </p:tav>
+                                      </p:tavLst>
+                                    </p:anim>
+                                    <p:anim calcmode="lin" valueType="num">
+                                      <p:cBhvr additive="base">
+                                        <p:cTn id="8" dur="500" fill="hold"/>
+                                        <p:tgtEl>
+                                          <p:spTgt spid="3">
+                                            <p:txEl>
+                                              <p:pRg st="2" end="2"/>
+                                            </p:txEl>
+                                          </p:spTgt>
+                                        </p:tgtEl>
+                                        <p:attrNameLst>
+                                          <p:attrName>ppt_y</p:attrName>
+                                        </p:attrNameLst>
+                                      </p:cBhvr>
+                                      <p:tavLst>
+                                        <p:tav tm="0">
+                                          <p:val>
+                                            <p:strVal val="1+#ppt_h/2"/>
+                                          </p:val>
+                                        </p:tav>
+                                        <p:tav tm="100000">
+                                          <p:val>
+                                            <p:strVal val="#ppt_y"/>
+                                          </p:val>
+                                        </p:tav>
+                                      </p:tavLst>
+                                    </p:anim>
+                                  </p:childTnLst>
+                                </p:cTn>
+                              </p:par>
+                            </p:childTnLst>
+                          </p:cTn>
+                        </p:par>
+                      </p:childTnLst>
+                    </p:cTn>
+                  </p:par>
+                </p:childTnLst>
+              </p:cTn>
+              <p:prevCondLst>
+                <p:cond evt="onPrev" delay="0">
+                  <p:tgtEl>
+                    <p:sldTgt/>
+                  </p:tgtEl>
+                </p:cond>
+              </p:prevCondLst>
+              <p:nextCondLst>
+                <p:cond evt="onNext" delay="0">
+                  <p:tgtEl>
+                    <p:sldTgt/>
+                  </p:tgtEl>
+                </p:cond>
+              </p:nextCondLst>
+            </p:seq>
+          </p:childTnLst>
+        </p:cTn>
+      </p:par>
+    </p:tnLst>
+  </p:timing>
+</p:sld>
+</file>
+
+<file path=ppt/slides/slide14.xml><?xml version="1.0" encoding="utf-8"?>
+<p:sld xmlns:a="http://schemas.openxmlformats.org/drawingml/2006/main" xmlns:r="http://schemas.openxmlformats.org/officeDocument/2006/relationships" xmlns:p="http://schemas.openxmlformats.org/presentationml/2006/main">
+  <p:cSld>
+    <p:spTree>
+      <p:nvGrpSpPr>
+        <p:cNvPr id="1" name=""/>
+        <p:cNvGrpSpPr/>
+        <p:nvPr/>
+      </p:nvGrpSpPr>
+      <p:grpSpPr>
+        <a:xfrm>
+          <a:off x="0" y="0"/>
+          <a:ext cx="0" cy="0"/>
+          <a:chOff x="0" y="0"/>
+          <a:chExt cx="0" cy="0"/>
+        </a:xfrm>
+      </p:grpSpPr>
+      <p:sp>
+        <p:nvSpPr>
+          <p:cNvPr id="2" name="标题 1"/>
+          <p:cNvSpPr>
+            <a:spLocks noGrp="1"/>
+          </p:cNvSpPr>
+          <p:nvPr>
+            <p:ph type="title"/>
+          </p:nvPr>
+        </p:nvSpPr>
+        <p:spPr/>
+        <p:txBody>
+          <a:bodyPr/>
+          <a:lstStyle/>
+          <a:p>
+            <a:endParaRPr lang="zh-CN" altLang="en-US"/>
+          </a:p>
+        </p:txBody>
+      </p:sp>
+      <p:sp>
+        <p:nvSpPr>
+          <p:cNvPr id="3" name="内容占位符 2"/>
+          <p:cNvSpPr>
+            <a:spLocks noGrp="1"/>
+          </p:cNvSpPr>
+          <p:nvPr>
+            <p:ph idx="1"/>
+          </p:nvPr>
+        </p:nvSpPr>
+        <p:spPr/>
+        <p:txBody>
+          <a:bodyPr/>
+          <a:lstStyle/>
+          <a:p>
+            <a:r>
+              <a:rPr lang="en-US" altLang="zh-CN" dirty="0" smtClean="0"/>
+              <a:t>define</a:t>
+            </a:r>
+          </a:p>
+          <a:p>
+            <a:pPr lvl="1"/>
+            <a:r>
+              <a:rPr lang="zh-CN" altLang="en-US" dirty="0" smtClean="0"/>
+              <a:t>定</a:t>
+            </a:r>
+            <a:r>
+              <a:rPr lang="zh-CN" altLang="en-US" dirty="0" smtClean="0"/>
+              <a:t>义模块</a:t>
+            </a:r>
+            <a:endParaRPr lang="en-US" altLang="zh-CN" dirty="0" smtClean="0"/>
+          </a:p>
+          <a:p>
+            <a:endParaRPr lang="en-US" altLang="zh-CN" dirty="0" smtClean="0"/>
+          </a:p>
+          <a:p>
+            <a:r>
+              <a:rPr lang="en-US" altLang="zh-CN" dirty="0" smtClean="0"/>
+              <a:t>r</a:t>
+            </a:r>
+            <a:r>
+              <a:rPr lang="en-US" altLang="zh-CN" dirty="0" smtClean="0"/>
+              <a:t>equire</a:t>
+            </a:r>
+          </a:p>
+          <a:p>
+            <a:pPr lvl="1"/>
+            <a:r>
+              <a:rPr lang="zh-CN" altLang="en-US" dirty="0" smtClean="0"/>
+              <a:t>加</a:t>
+            </a:r>
+            <a:r>
+              <a:rPr lang="zh-CN" altLang="en-US" dirty="0" smtClean="0"/>
+              <a:t>载模块</a:t>
+            </a:r>
+            <a:endParaRPr lang="zh-CN" altLang="en-US" dirty="0"/>
+          </a:p>
+        </p:txBody>
+      </p:sp>
+    </p:spTree>
+  </p:cSld>
+  <p:clrMapOvr>
+    <a:masterClrMapping/>
+  </p:clrMapOvr>
+  <p:timing>
+    <p:tnLst>
+      <p:par>
+        <p:cTn id="1" dur="indefinite" restart="never" nodeType="tmRoot">
+          <p:childTnLst>
+            <p:seq concurrent="1" nextAc="seek">
+              <p:cTn id="2" dur="indefinite" nodeType="mainSeq">
+                <p:childTnLst>
+                  <p:par>
+                    <p:cTn id="3" fill="hold">
+                      <p:stCondLst>
+                        <p:cond delay="indefinite"/>
+                      </p:stCondLst>
+                      <p:childTnLst>
+                        <p:par>
+                          <p:cTn id="4" fill="hold">
+                            <p:stCondLst>
+                              <p:cond delay="0"/>
+                            </p:stCondLst>
+                            <p:childTnLst>
+                              <p:par>
+                                <p:cTn id="5" presetID="2" presetClass="entr" presetSubtype="4" fill="hold" nodeType="clickEffect">
+                                  <p:stCondLst>
+                                    <p:cond delay="0"/>
+                                  </p:stCondLst>
+                                  <p:childTnLst>
+                                    <p:set>
+                                      <p:cBhvr>
+                                        <p:cTn id="6" dur="1" fill="hold">
+                                          <p:stCondLst>
+                                            <p:cond delay="0"/>
+                                          </p:stCondLst>
+                                        </p:cTn>
+                                        <p:tgtEl>
+                                          <p:spTgt spid="3">
+                                            <p:txEl>
+                                              <p:pRg st="0" end="0"/>
+                                            </p:txEl>
+                                          </p:spTgt>
+                                        </p:tgtEl>
+                                        <p:attrNameLst>
+                                          <p:attrName>style.visibility</p:attrName>
+                                        </p:attrNameLst>
+                                      </p:cBhvr>
+                                      <p:to>
+                                        <p:strVal val="visible"/>
+                                      </p:to>
+                                    </p:set>
+                                    <p:anim calcmode="lin" valueType="num">
+                                      <p:cBhvr additive="base">
+                                        <p:cTn id="7" dur="500" fill="hold"/>
+                                        <p:tgtEl>
+                                          <p:spTgt spid="3">
+                                            <p:txEl>
+                                              <p:pRg st="0" end="0"/>
+                                            </p:txEl>
+                                          </p:spTgt>
+                                        </p:tgtEl>
+                                        <p:attrNameLst>
+                                          <p:attrName>ppt_x</p:attrName>
+                                        </p:attrNameLst>
+                                      </p:cBhvr>
+                                      <p:tavLst>
+                                        <p:tav tm="0">
+                                          <p:val>
+                                            <p:strVal val="#ppt_x"/>
+                                          </p:val>
+                                        </p:tav>
+                                        <p:tav tm="100000">
+                                          <p:val>
+                                            <p:strVal val="#ppt_x"/>
+                                          </p:val>
+                                        </p:tav>
+                                      </p:tavLst>
+                                    </p:anim>
+                                    <p:anim calcmode="lin" valueType="num">
+                                      <p:cBhvr additive="base">
+                                        <p:cTn id="8" dur="500" fill="hold"/>
+                                        <p:tgtEl>
+                                          <p:spTgt spid="3">
+                                            <p:txEl>
+                                              <p:pRg st="0" end="0"/>
+                                            </p:txEl>
+                                          </p:spTgt>
+                                        </p:tgtEl>
+                                        <p:attrNameLst>
+                                          <p:attrName>ppt_y</p:attrName>
+                                        </p:attrNameLst>
+                                      </p:cBhvr>
+                                      <p:tavLst>
+                                        <p:tav tm="0">
+                                          <p:val>
+                                            <p:strVal val="1+#ppt_h/2"/>
+                                          </p:val>
+                                        </p:tav>
+                                        <p:tav tm="100000">
+                                          <p:val>
+                                            <p:strVal val="#ppt_y"/>
+                                          </p:val>
+                                        </p:tav>
+                                      </p:tavLst>
+                                    </p:anim>
+                                  </p:childTnLst>
+                                </p:cTn>
+                              </p:par>
+                              <p:par>
+                                <p:cTn id="9" presetID="2" presetClass="entr" presetSubtype="4" fill="hold" nodeType="withEffect">
+                                  <p:stCondLst>
+                                    <p:cond delay="0"/>
+                                  </p:stCondLst>
+                                  <p:childTnLst>
+                                    <p:set>
+                                      <p:cBhvr>
+                                        <p:cTn id="10" dur="1" fill="hold">
+                                          <p:stCondLst>
+                                            <p:cond delay="0"/>
+                                          </p:stCondLst>
+                                        </p:cTn>
+                                        <p:tgtEl>
+                                          <p:spTgt spid="3">
+                                            <p:txEl>
+                                              <p:pRg st="1" end="1"/>
+                                            </p:txEl>
+                                          </p:spTgt>
+                                        </p:tgtEl>
+                                        <p:attrNameLst>
+                                          <p:attrName>style.visibility</p:attrName>
+                                        </p:attrNameLst>
+                                      </p:cBhvr>
+                                      <p:to>
+                                        <p:strVal val="visible"/>
+                                      </p:to>
+                                    </p:set>
+                                    <p:anim calcmode="lin" valueType="num">
+                                      <p:cBhvr additive="base">
+                                        <p:cTn id="11" dur="500" fill="hold"/>
+                                        <p:tgtEl>
+                                          <p:spTgt spid="3">
+                                            <p:txEl>
+                                              <p:pRg st="1" end="1"/>
+                                            </p:txEl>
+                                          </p:spTgt>
+                                        </p:tgtEl>
+                                        <p:attrNameLst>
+                                          <p:attrName>ppt_x</p:attrName>
+                                        </p:attrNameLst>
+                                      </p:cBhvr>
+                                      <p:tavLst>
+                                        <p:tav tm="0">
+                                          <p:val>
+                                            <p:strVal val="#ppt_x"/>
+                                          </p:val>
+                                        </p:tav>
+                                        <p:tav tm="100000">
+                                          <p:val>
+                                            <p:strVal val="#ppt_x"/>
+                                          </p:val>
+                                        </p:tav>
+                                      </p:tavLst>
+                                    </p:anim>
+                                    <p:anim calcmode="lin" valueType="num">
+                                      <p:cBhvr additive="base">
+                                        <p:cTn id="12" dur="500" fill="hold"/>
+                                        <p:tgtEl>
+                                          <p:spTgt spid="3">
+                                            <p:txEl>
+                                              <p:pRg st="1" end="1"/>
+                                            </p:txEl>
+                                          </p:spTgt>
+                                        </p:tgtEl>
+                                        <p:attrNameLst>
+                                          <p:attrName>ppt_y</p:attrName>
+                                        </p:attrNameLst>
+                                      </p:cBhvr>
+                                      <p:tavLst>
+                                        <p:tav tm="0">
+                                          <p:val>
+                                            <p:strVal val="1+#ppt_h/2"/>
+                                          </p:val>
+                                        </p:tav>
+                                        <p:tav tm="100000">
+                                          <p:val>
+                                            <p:strVal val="#ppt_y"/>
+                                          </p:val>
+                                        </p:tav>
+                                      </p:tavLst>
+                                    </p:anim>
+                                  </p:childTnLst>
+                                </p:cTn>
+                              </p:par>
+                            </p:childTnLst>
+                          </p:cTn>
+                        </p:par>
+                      </p:childTnLst>
+                    </p:cTn>
+                  </p:par>
+                  <p:par>
+                    <p:cTn id="13" fill="hold">
+                      <p:stCondLst>
+                        <p:cond delay="indefinite"/>
+                      </p:stCondLst>
+                      <p:childTnLst>
+                        <p:par>
+                          <p:cTn id="14" fill="hold">
+                            <p:stCondLst>
+                              <p:cond delay="0"/>
+                            </p:stCondLst>
+                            <p:childTnLst>
+                              <p:par>
+                                <p:cTn id="15" presetID="2" presetClass="entr" presetSubtype="4" fill="hold" nodeType="clickEffect">
+                                  <p:stCondLst>
+                                    <p:cond delay="0"/>
+                                  </p:stCondLst>
+                                  <p:childTnLst>
+                                    <p:set>
+                                      <p:cBhvr>
+                                        <p:cTn id="16" dur="1" fill="hold">
+                                          <p:stCondLst>
+                                            <p:cond delay="0"/>
+                                          </p:stCondLst>
+                                        </p:cTn>
+                                        <p:tgtEl>
+                                          <p:spTgt spid="3">
+                                            <p:txEl>
+                                              <p:pRg st="3" end="3"/>
+                                            </p:txEl>
+                                          </p:spTgt>
+                                        </p:tgtEl>
+                                        <p:attrNameLst>
+                                          <p:attrName>style.visibility</p:attrName>
+                                        </p:attrNameLst>
+                                      </p:cBhvr>
+                                      <p:to>
+                                        <p:strVal val="visible"/>
+                                      </p:to>
+                                    </p:set>
+                                    <p:anim calcmode="lin" valueType="num">
+                                      <p:cBhvr additive="base">
+                                        <p:cTn id="17" dur="500" fill="hold"/>
+                                        <p:tgtEl>
+                                          <p:spTgt spid="3">
+                                            <p:txEl>
+                                              <p:pRg st="3" end="3"/>
+                                            </p:txEl>
+                                          </p:spTgt>
+                                        </p:tgtEl>
+                                        <p:attrNameLst>
+                                          <p:attrName>ppt_x</p:attrName>
+                                        </p:attrNameLst>
+                                      </p:cBhvr>
+                                      <p:tavLst>
+                                        <p:tav tm="0">
+                                          <p:val>
+                                            <p:strVal val="#ppt_x"/>
+                                          </p:val>
+                                        </p:tav>
+                                        <p:tav tm="100000">
+                                          <p:val>
+                                            <p:strVal val="#ppt_x"/>
+                                          </p:val>
+                                        </p:tav>
+                                      </p:tavLst>
+                                    </p:anim>
+                                    <p:anim calcmode="lin" valueType="num">
+                                      <p:cBhvr additive="base">
+                                        <p:cTn id="18" dur="500" fill="hold"/>
+                                        <p:tgtEl>
+                                          <p:spTgt spid="3">
+                                            <p:txEl>
+                                              <p:pRg st="3" end="3"/>
+                                            </p:txEl>
+                                          </p:spTgt>
+                                        </p:tgtEl>
+                                        <p:attrNameLst>
+                                          <p:attrName>ppt_y</p:attrName>
+                                        </p:attrNameLst>
+                                      </p:cBhvr>
+                                      <p:tavLst>
+                                        <p:tav tm="0">
+                                          <p:val>
+                                            <p:strVal val="1+#ppt_h/2"/>
+                                          </p:val>
+                                        </p:tav>
+                                        <p:tav tm="100000">
+                                          <p:val>
+                                            <p:strVal val="#ppt_y"/>
+                                          </p:val>
+                                        </p:tav>
+                                      </p:tavLst>
+                                    </p:anim>
+                                  </p:childTnLst>
+                                </p:cTn>
+                              </p:par>
+                              <p:par>
+                                <p:cTn id="19" presetID="2" presetClass="entr" presetSubtype="4" fill="hold" nodeType="withEffect">
+                                  <p:stCondLst>
+                                    <p:cond delay="0"/>
+                                  </p:stCondLst>
+                                  <p:childTnLst>
+                                    <p:set>
+                                      <p:cBhvr>
+                                        <p:cTn id="20" dur="1" fill="hold">
+                                          <p:stCondLst>
+                                            <p:cond delay="0"/>
+                                          </p:stCondLst>
+                                        </p:cTn>
+                                        <p:tgtEl>
+                                          <p:spTgt spid="3">
+                                            <p:txEl>
+                                              <p:pRg st="4" end="4"/>
+                                            </p:txEl>
+                                          </p:spTgt>
+                                        </p:tgtEl>
+                                        <p:attrNameLst>
+                                          <p:attrName>style.visibility</p:attrName>
+                                        </p:attrNameLst>
+                                      </p:cBhvr>
+                                      <p:to>
+                                        <p:strVal val="visible"/>
+                                      </p:to>
+                                    </p:set>
+                                    <p:anim calcmode="lin" valueType="num">
+                                      <p:cBhvr additive="base">
+                                        <p:cTn id="21" dur="500" fill="hold"/>
+                                        <p:tgtEl>
+                                          <p:spTgt spid="3">
+                                            <p:txEl>
+                                              <p:pRg st="4" end="4"/>
+                                            </p:txEl>
+                                          </p:spTgt>
+                                        </p:tgtEl>
+                                        <p:attrNameLst>
+                                          <p:attrName>ppt_x</p:attrName>
+                                        </p:attrNameLst>
+                                      </p:cBhvr>
+                                      <p:tavLst>
+                                        <p:tav tm="0">
+                                          <p:val>
+                                            <p:strVal val="#ppt_x"/>
+                                          </p:val>
+                                        </p:tav>
+                                        <p:tav tm="100000">
+                                          <p:val>
+                                            <p:strVal val="#ppt_x"/>
+                                          </p:val>
+                                        </p:tav>
+                                      </p:tavLst>
+                                    </p:anim>
+                                    <p:anim calcmode="lin" valueType="num">
+                                      <p:cBhvr additive="base">
+                                        <p:cTn id="22" dur="500" fill="hold"/>
+                                        <p:tgtEl>
+                                          <p:spTgt spid="3">
+                                            <p:txEl>
+                                              <p:pRg st="4" end="4"/>
+                                            </p:txEl>
+                                          </p:spTgt>
+                                        </p:tgtEl>
+                                        <p:attrNameLst>
+                                          <p:attrName>ppt_y</p:attrName>
+                                        </p:attrNameLst>
+                                      </p:cBhvr>
+                                      <p:tavLst>
+                                        <p:tav tm="0">
+                                          <p:val>
+                                            <p:strVal val="1+#ppt_h/2"/>
+                                          </p:val>
+                                        </p:tav>
+                                        <p:tav tm="100000">
+                                          <p:val>
+                                            <p:strVal val="#ppt_y"/>
+                                          </p:val>
+                                        </p:tav>
+                                      </p:tavLst>
+                                    </p:anim>
+                                  </p:childTnLst>
+                                </p:cTn>
+                              </p:par>
+                            </p:childTnLst>
+                          </p:cTn>
+                        </p:par>
+                      </p:childTnLst>
+                    </p:cTn>
+                  </p:par>
+                </p:childTnLst>
+              </p:cTn>
+              <p:prevCondLst>
+                <p:cond evt="onPrev" delay="0">
+                  <p:tgtEl>
+                    <p:sldTgt/>
+                  </p:tgtEl>
+                </p:cond>
+              </p:prevCondLst>
+              <p:nextCondLst>
+                <p:cond evt="onNext" delay="0">
+                  <p:tgtEl>
+                    <p:sldTgt/>
+                  </p:tgtEl>
+                </p:cond>
+              </p:nextCondLst>
+            </p:seq>
+          </p:childTnLst>
+        </p:cTn>
+      </p:par>
+    </p:tnLst>
+  </p:timing>
+</p:sld>
+</file>
+
+<file path=ppt/slides/slide15.xml><?xml version="1.0" encoding="utf-8"?>
+<p:sld xmlns:a="http://schemas.openxmlformats.org/drawingml/2006/main" xmlns:r="http://schemas.openxmlformats.org/officeDocument/2006/relationships" xmlns:p="http://schemas.openxmlformats.org/presentationml/2006/main">
+  <p:cSld>
+    <p:spTree>
+      <p:nvGrpSpPr>
+        <p:cNvPr id="1" name=""/>
+        <p:cNvGrpSpPr/>
+        <p:nvPr/>
+      </p:nvGrpSpPr>
+      <p:grpSpPr>
+        <a:xfrm>
+          <a:off x="0" y="0"/>
+          <a:ext cx="0" cy="0"/>
+          <a:chOff x="0" y="0"/>
+          <a:chExt cx="0" cy="0"/>
+        </a:xfrm>
+      </p:grpSpPr>
+      <p:sp>
+        <p:nvSpPr>
+          <p:cNvPr id="2" name="标题 1"/>
+          <p:cNvSpPr>
+            <a:spLocks noGrp="1"/>
+          </p:cNvSpPr>
+          <p:nvPr>
+            <p:ph type="title"/>
+          </p:nvPr>
+        </p:nvSpPr>
+        <p:spPr/>
+        <p:txBody>
+          <a:bodyPr/>
+          <a:lstStyle/>
+          <a:p>
+            <a:r>
+              <a:rPr lang="zh-CN" altLang="en-US" dirty="0" smtClean="0">
+                <a:solidFill>
+                  <a:srgbClr val="C9394A"/>
+                </a:solidFill>
+              </a:rPr>
+              <a:t>加载文件</a:t>
+            </a:r>
+            <a:endParaRPr lang="zh-CN" altLang="en-US" dirty="0">
+              <a:solidFill>
+                <a:srgbClr val="C9394A"/>
+              </a:solidFill>
+            </a:endParaRPr>
+          </a:p>
+        </p:txBody>
+      </p:sp>
+      <p:sp>
+        <p:nvSpPr>
+          <p:cNvPr id="3" name="内容占位符 2"/>
+          <p:cNvSpPr>
+            <a:spLocks noGrp="1"/>
+          </p:cNvSpPr>
+          <p:nvPr>
+            <p:ph idx="1"/>
+          </p:nvPr>
+        </p:nvSpPr>
+        <p:spPr/>
+        <p:txBody>
+          <a:bodyPr/>
+          <a:lstStyle/>
+          <a:p>
+            <a:r>
+              <a:rPr lang="en-US" altLang="zh-CN" dirty="0" err="1" smtClean="0">
+                <a:solidFill>
+                  <a:srgbClr val="212121"/>
+                </a:solidFill>
+              </a:rPr>
+              <a:t>RequireJS</a:t>
+            </a:r>
+            <a:r>
+              <a:rPr lang="zh-CN" altLang="en-US" dirty="0" smtClean="0">
+                <a:solidFill>
+                  <a:srgbClr val="212121"/>
+                </a:solidFill>
+              </a:rPr>
+              <a:t>以一个相对</a:t>
+            </a:r>
+            <a:r>
+              <a:rPr lang="zh-CN" altLang="en-US" dirty="0" smtClean="0">
+                <a:solidFill>
+                  <a:srgbClr val="212121"/>
+                </a:solidFill>
+              </a:rPr>
+              <a:t>于</a:t>
+            </a:r>
+            <a:r>
+              <a:rPr lang="en-US" altLang="zh-CN" dirty="0" err="1" smtClean="0">
+                <a:solidFill>
+                  <a:srgbClr val="C9394A"/>
+                </a:solidFill>
+              </a:rPr>
+              <a:t>baseUrl</a:t>
+            </a:r>
+            <a:r>
+              <a:rPr lang="zh-CN" altLang="en-US" dirty="0" smtClean="0">
+                <a:solidFill>
+                  <a:srgbClr val="212121"/>
+                </a:solidFill>
+              </a:rPr>
+              <a:t>的</a:t>
+            </a:r>
+            <a:r>
+              <a:rPr lang="zh-CN" altLang="en-US" dirty="0" smtClean="0">
+                <a:solidFill>
+                  <a:srgbClr val="212121"/>
+                </a:solidFill>
+              </a:rPr>
+              <a:t>地址来加载所有的代码</a:t>
+            </a:r>
+            <a:endParaRPr lang="zh-CN" altLang="en-US" dirty="0">
+              <a:solidFill>
+                <a:srgbClr val="212121"/>
+              </a:solidFill>
+            </a:endParaRPr>
+          </a:p>
+        </p:txBody>
+      </p:sp>
+      <p:sp>
+        <p:nvSpPr>
+          <p:cNvPr id="4" name="圆角矩形 3"/>
+          <p:cNvSpPr/>
+          <p:nvPr/>
+        </p:nvSpPr>
+        <p:spPr>
+          <a:xfrm>
+            <a:off x="611560" y="4077072"/>
+            <a:ext cx="2016125" cy="886296"/>
+          </a:xfrm>
+          <a:prstGeom prst="roundRect">
+            <a:avLst/>
+          </a:prstGeom>
+          <a:solidFill>
+            <a:srgbClr val="C9394A"/>
+          </a:solidFill>
+          <a:ln/>
+        </p:spPr>
+        <p:style>
+          <a:lnRef idx="3">
+            <a:schemeClr val="lt1"/>
+          </a:lnRef>
+          <a:fillRef idx="1">
+            <a:schemeClr val="accent4"/>
+          </a:fillRef>
+          <a:effectRef idx="1">
+            <a:schemeClr val="accent4"/>
+          </a:effectRef>
+          <a:fontRef idx="minor">
+            <a:schemeClr val="lt1"/>
+          </a:fontRef>
+        </p:style>
+        <p:txBody>
+          <a:bodyPr anchor="ctr"/>
+          <a:lstStyle/>
+          <a:p>
+            <a:pPr algn="ctr">
+              <a:buFont typeface="Arial" charset="0"/>
+              <a:buNone/>
+              <a:defRPr/>
+            </a:pPr>
+            <a:r>
+              <a:rPr lang="en-US" altLang="zh-CN" sz="2000" b="1" dirty="0" smtClean="0">
+                <a:solidFill>
+                  <a:schemeClr val="bg1"/>
+                </a:solidFill>
+              </a:rPr>
+              <a:t>html</a:t>
+            </a:r>
+            <a:endParaRPr lang="en-US" altLang="zh-CN" sz="2000" b="1" dirty="0" smtClean="0">
+              <a:solidFill>
+                <a:schemeClr val="bg1"/>
+              </a:solidFill>
+            </a:endParaRPr>
+          </a:p>
+        </p:txBody>
+      </p:sp>
+      <p:sp>
+        <p:nvSpPr>
+          <p:cNvPr id="5" name="圆角矩形 4"/>
+          <p:cNvSpPr/>
+          <p:nvPr/>
+        </p:nvSpPr>
+        <p:spPr>
+          <a:xfrm>
+            <a:off x="3347864" y="4077072"/>
+            <a:ext cx="2016125" cy="886296"/>
+          </a:xfrm>
+          <a:prstGeom prst="roundRect">
+            <a:avLst/>
+          </a:prstGeom>
+          <a:solidFill>
+            <a:srgbClr val="C9394A"/>
+          </a:solidFill>
+          <a:ln/>
+        </p:spPr>
+        <p:style>
+          <a:lnRef idx="3">
+            <a:schemeClr val="lt1"/>
+          </a:lnRef>
+          <a:fillRef idx="1">
+            <a:schemeClr val="accent4"/>
+          </a:fillRef>
+          <a:effectRef idx="1">
+            <a:schemeClr val="accent4"/>
+          </a:effectRef>
+          <a:fontRef idx="minor">
+            <a:schemeClr val="lt1"/>
+          </a:fontRef>
+        </p:style>
+        <p:txBody>
+          <a:bodyPr anchor="ctr"/>
+          <a:lstStyle/>
+          <a:p>
+            <a:pPr algn="ctr">
+              <a:buFont typeface="Arial" charset="0"/>
+              <a:buNone/>
+              <a:defRPr/>
+            </a:pPr>
+            <a:r>
+              <a:rPr lang="en-US" altLang="zh-CN" sz="2000" b="1" dirty="0" smtClean="0">
+                <a:solidFill>
+                  <a:schemeClr val="bg1"/>
+                </a:solidFill>
+              </a:rPr>
+              <a:t>d</a:t>
+            </a:r>
+            <a:r>
+              <a:rPr lang="en-US" altLang="zh-CN" sz="2000" b="1" dirty="0" smtClean="0">
+                <a:solidFill>
+                  <a:schemeClr val="bg1"/>
+                </a:solidFill>
+              </a:rPr>
+              <a:t>ata-main</a:t>
+            </a:r>
+            <a:endParaRPr lang="en-US" altLang="zh-CN" sz="2000" b="1" dirty="0" smtClean="0">
+              <a:solidFill>
+                <a:schemeClr val="bg1"/>
+              </a:solidFill>
+            </a:endParaRPr>
+          </a:p>
+        </p:txBody>
+      </p:sp>
+      <p:sp>
+        <p:nvSpPr>
+          <p:cNvPr id="6" name="圆角矩形 5"/>
+          <p:cNvSpPr/>
+          <p:nvPr/>
+        </p:nvSpPr>
+        <p:spPr>
+          <a:xfrm>
+            <a:off x="6300192" y="4054872"/>
+            <a:ext cx="2016125" cy="886296"/>
+          </a:xfrm>
+          <a:prstGeom prst="roundRect">
+            <a:avLst/>
+          </a:prstGeom>
+          <a:solidFill>
+            <a:srgbClr val="C9394A"/>
+          </a:solidFill>
+          <a:ln/>
+        </p:spPr>
+        <p:style>
+          <a:lnRef idx="3">
+            <a:schemeClr val="lt1"/>
+          </a:lnRef>
+          <a:fillRef idx="1">
+            <a:schemeClr val="accent4"/>
+          </a:fillRef>
+          <a:effectRef idx="1">
+            <a:schemeClr val="accent4"/>
+          </a:effectRef>
+          <a:fontRef idx="minor">
+            <a:schemeClr val="lt1"/>
+          </a:fontRef>
+        </p:style>
+        <p:txBody>
+          <a:bodyPr anchor="ctr"/>
+          <a:lstStyle/>
+          <a:p>
+            <a:pPr algn="ctr">
+              <a:buFont typeface="Arial" charset="0"/>
+              <a:buNone/>
+              <a:defRPr/>
+            </a:pPr>
+            <a:r>
+              <a:rPr lang="en-US" altLang="zh-CN" sz="2000" b="1" dirty="0" err="1" smtClean="0">
+                <a:solidFill>
+                  <a:schemeClr val="bg1"/>
+                </a:solidFill>
+              </a:rPr>
+              <a:t>baseUrl</a:t>
+            </a:r>
+            <a:endParaRPr lang="en-US" altLang="zh-CN" sz="2000" b="1" dirty="0" smtClean="0">
+              <a:solidFill>
+                <a:schemeClr val="bg1"/>
+              </a:solidFill>
+            </a:endParaRPr>
+          </a:p>
+        </p:txBody>
+      </p:sp>
+    </p:spTree>
+  </p:cSld>
+  <p:clrMapOvr>
+    <a:masterClrMapping/>
+  </p:clrMapOvr>
+  <p:timing>
+    <p:tnLst>
+      <p:par>
+        <p:cTn id="1" dur="indefinite" restart="never" nodeType="tmRoot">
+          <p:childTnLst>
+            <p:seq concurrent="1" nextAc="seek">
+              <p:cTn id="2" dur="indefinite" nodeType="mainSeq">
+                <p:childTnLst>
+                  <p:par>
+                    <p:cTn id="3" fill="hold">
+                      <p:stCondLst>
+                        <p:cond delay="indefinite"/>
+                      </p:stCondLst>
+                      <p:childTnLst>
+                        <p:par>
+                          <p:cTn id="4" fill="hold">
+                            <p:stCondLst>
+                              <p:cond delay="0"/>
+                            </p:stCondLst>
+                            <p:childTnLst>
+                              <p:par>
+                                <p:cTn id="5" presetID="29" presetClass="entr" presetSubtype="0" fill="hold" nodeType="clickEffect">
+                                  <p:stCondLst>
+                                    <p:cond delay="0"/>
+                                  </p:stCondLst>
+                                  <p:childTnLst>
+                                    <p:set>
+                                      <p:cBhvr>
+                                        <p:cTn id="6" dur="1" fill="hold">
+                                          <p:stCondLst>
+                                            <p:cond delay="0"/>
+                                          </p:stCondLst>
+                                        </p:cTn>
+                                        <p:tgtEl>
+                                          <p:spTgt spid="3">
+                                            <p:txEl>
+                                              <p:pRg st="0" end="0"/>
+                                            </p:txEl>
+                                          </p:spTgt>
+                                        </p:tgtEl>
+                                        <p:attrNameLst>
+                                          <p:attrName>style.visibility</p:attrName>
+                                        </p:attrNameLst>
+                                      </p:cBhvr>
+                                      <p:to>
+                                        <p:strVal val="visible"/>
+                                      </p:to>
+                                    </p:set>
+                                    <p:anim calcmode="lin" valueType="num">
+                                      <p:cBhvr>
+                                        <p:cTn id="7" dur="500" fill="hold"/>
+                                        <p:tgtEl>
+                                          <p:spTgt spid="3">
+                                            <p:txEl>
+                                              <p:pRg st="0" end="0"/>
+                                            </p:txEl>
+                                          </p:spTgt>
+                                        </p:tgtEl>
+                                        <p:attrNameLst>
+                                          <p:attrName>ppt_x</p:attrName>
+                                        </p:attrNameLst>
+                                      </p:cBhvr>
+                                      <p:tavLst>
+                                        <p:tav tm="0">
+                                          <p:val>
+                                            <p:strVal val="#ppt_x-.2"/>
+                                          </p:val>
+                                        </p:tav>
+                                        <p:tav tm="100000">
+                                          <p:val>
+                                            <p:strVal val="#ppt_x"/>
+                                          </p:val>
+                                        </p:tav>
+                                      </p:tavLst>
+                                    </p:anim>
+                                    <p:anim calcmode="lin" valueType="num">
+                                      <p:cBhvr>
+                                        <p:cTn id="8" dur="500" fill="hold"/>
+                                        <p:tgtEl>
+                                          <p:spTgt spid="3">
+                                            <p:txEl>
+                                              <p:pRg st="0" end="0"/>
+                                            </p:txEl>
+                                          </p:spTgt>
+                                        </p:tgtEl>
+                                        <p:attrNameLst>
+                                          <p:attrName>ppt_y</p:attrName>
+                                        </p:attrNameLst>
+                                      </p:cBhvr>
+                                      <p:tavLst>
+                                        <p:tav tm="0">
+                                          <p:val>
+                                            <p:strVal val="#ppt_y"/>
+                                          </p:val>
+                                        </p:tav>
+                                        <p:tav tm="100000">
+                                          <p:val>
+                                            <p:strVal val="#ppt_y"/>
+                                          </p:val>
+                                        </p:tav>
+                                      </p:tavLst>
+                                    </p:anim>
+                                    <p:animEffect transition="in" filter="wipe(right)" prLst="gradientSize: 0.1">
+                                      <p:cBhvr>
+                                        <p:cTn id="9" dur="500"/>
+                                        <p:tgtEl>
+                                          <p:spTgt spid="3">
+                                            <p:txEl>
+                                              <p:pRg st="0" end="0"/>
+                                            </p:txEl>
+                                          </p:spTgt>
+                                        </p:tgtEl>
+                                      </p:cBhvr>
+                                    </p:animEffect>
+                                  </p:childTnLst>
+                                </p:cTn>
+                              </p:par>
+                            </p:childTnLst>
+                          </p:cTn>
+                        </p:par>
+                      </p:childTnLst>
+                    </p:cTn>
+                  </p:par>
+                  <p:par>
+                    <p:cTn id="10" fill="hold">
+                      <p:stCondLst>
+                        <p:cond delay="indefinite"/>
+                      </p:stCondLst>
+                      <p:childTnLst>
+                        <p:par>
+                          <p:cTn id="11" fill="hold">
+                            <p:stCondLst>
+                              <p:cond delay="0"/>
+                            </p:stCondLst>
+                            <p:childTnLst>
+                              <p:par>
+                                <p:cTn id="12" presetID="2" presetClass="entr" presetSubtype="4" fill="hold" grpId="0" nodeType="clickEffect">
+                                  <p:stCondLst>
+                                    <p:cond delay="0"/>
+                                  </p:stCondLst>
+                                  <p:childTnLst>
+                                    <p:set>
+                                      <p:cBhvr>
+                                        <p:cTn id="13" dur="1" fill="hold">
+                                          <p:stCondLst>
+                                            <p:cond delay="0"/>
+                                          </p:stCondLst>
+                                        </p:cTn>
+                                        <p:tgtEl>
+                                          <p:spTgt spid="4"/>
+                                        </p:tgtEl>
+                                        <p:attrNameLst>
+                                          <p:attrName>style.visibility</p:attrName>
+                                        </p:attrNameLst>
+                                      </p:cBhvr>
+                                      <p:to>
+                                        <p:strVal val="visible"/>
+                                      </p:to>
+                                    </p:set>
+                                    <p:anim calcmode="lin" valueType="num">
+                                      <p:cBhvr additive="base">
+                                        <p:cTn id="14" dur="500" fill="hold"/>
+                                        <p:tgtEl>
+                                          <p:spTgt spid="4"/>
+                                        </p:tgtEl>
+                                        <p:attrNameLst>
+                                          <p:attrName>ppt_x</p:attrName>
+                                        </p:attrNameLst>
+                                      </p:cBhvr>
+                                      <p:tavLst>
+                                        <p:tav tm="0">
+                                          <p:val>
+                                            <p:strVal val="#ppt_x"/>
+                                          </p:val>
+                                        </p:tav>
+                                        <p:tav tm="100000">
+                                          <p:val>
+                                            <p:strVal val="#ppt_x"/>
+                                          </p:val>
+                                        </p:tav>
+                                      </p:tavLst>
+                                    </p:anim>
+                                    <p:anim calcmode="lin" valueType="num">
+                                      <p:cBhvr additive="base">
+                                        <p:cTn id="15" dur="500" fill="hold"/>
+                                        <p:tgtEl>
+                                          <p:spTgt spid="4"/>
+                                        </p:tgtEl>
+                                        <p:attrNameLst>
+                                          <p:attrName>ppt_y</p:attrName>
+                                        </p:attrNameLst>
+                                      </p:cBhvr>
+                                      <p:tavLst>
+                                        <p:tav tm="0">
+                                          <p:val>
+                                            <p:strVal val="1+#ppt_h/2"/>
+                                          </p:val>
+                                        </p:tav>
+                                        <p:tav tm="100000">
+                                          <p:val>
+                                            <p:strVal val="#ppt_y"/>
+                                          </p:val>
+                                        </p:tav>
+                                      </p:tavLst>
+                                    </p:anim>
+                                  </p:childTnLst>
+                                </p:cTn>
+                              </p:par>
+                            </p:childTnLst>
+                          </p:cTn>
+                        </p:par>
+                      </p:childTnLst>
+                    </p:cTn>
+                  </p:par>
+                  <p:par>
+                    <p:cTn id="16" fill="hold">
+                      <p:stCondLst>
+                        <p:cond delay="indefinite"/>
+                      </p:stCondLst>
+                      <p:childTnLst>
+                        <p:par>
+                          <p:cTn id="17" fill="hold">
+                            <p:stCondLst>
+                              <p:cond delay="0"/>
+                            </p:stCondLst>
+                            <p:childTnLst>
+                              <p:par>
+                                <p:cTn id="18" presetID="2" presetClass="entr" presetSubtype="4" fill="hold" grpId="0" nodeType="clickEffect">
+                                  <p:stCondLst>
+                                    <p:cond delay="0"/>
+                                  </p:stCondLst>
+                                  <p:childTnLst>
+                                    <p:set>
+                                      <p:cBhvr>
+                                        <p:cTn id="19" dur="1" fill="hold">
+                                          <p:stCondLst>
+                                            <p:cond delay="0"/>
+                                          </p:stCondLst>
+                                        </p:cTn>
+                                        <p:tgtEl>
+                                          <p:spTgt spid="5"/>
+                                        </p:tgtEl>
+                                        <p:attrNameLst>
+                                          <p:attrName>style.visibility</p:attrName>
+                                        </p:attrNameLst>
+                                      </p:cBhvr>
+                                      <p:to>
+                                        <p:strVal val="visible"/>
+                                      </p:to>
+                                    </p:set>
+                                    <p:anim calcmode="lin" valueType="num">
+                                      <p:cBhvr additive="base">
+                                        <p:cTn id="20" dur="500" fill="hold"/>
+                                        <p:tgtEl>
+                                          <p:spTgt spid="5"/>
+                                        </p:tgtEl>
+                                        <p:attrNameLst>
+                                          <p:attrName>ppt_x</p:attrName>
+                                        </p:attrNameLst>
+                                      </p:cBhvr>
+                                      <p:tavLst>
+                                        <p:tav tm="0">
+                                          <p:val>
+                                            <p:strVal val="#ppt_x"/>
+                                          </p:val>
+                                        </p:tav>
+                                        <p:tav tm="100000">
+                                          <p:val>
+                                            <p:strVal val="#ppt_x"/>
+                                          </p:val>
+                                        </p:tav>
+                                      </p:tavLst>
+                                    </p:anim>
+                                    <p:anim calcmode="lin" valueType="num">
+                                      <p:cBhvr additive="base">
+                                        <p:cTn id="21" dur="500" fill="hold"/>
+                                        <p:tgtEl>
+                                          <p:spTgt spid="5"/>
+                                        </p:tgtEl>
+                                        <p:attrNameLst>
+                                          <p:attrName>ppt_y</p:attrName>
+                                        </p:attrNameLst>
+                                      </p:cBhvr>
+                                      <p:tavLst>
+                                        <p:tav tm="0">
+                                          <p:val>
+                                            <p:strVal val="1+#ppt_h/2"/>
+                                          </p:val>
+                                        </p:tav>
+                                        <p:tav tm="100000">
+                                          <p:val>
+                                            <p:strVal val="#ppt_y"/>
+                                          </p:val>
+                                        </p:tav>
+                                      </p:tavLst>
+                                    </p:anim>
+                                  </p:childTnLst>
+                                </p:cTn>
+                              </p:par>
+                            </p:childTnLst>
+                          </p:cTn>
+                        </p:par>
+                      </p:childTnLst>
+                    </p:cTn>
+                  </p:par>
+                  <p:par>
+                    <p:cTn id="22" fill="hold">
+                      <p:stCondLst>
+                        <p:cond delay="indefinite"/>
+                      </p:stCondLst>
+                      <p:childTnLst>
+                        <p:par>
+                          <p:cTn id="23" fill="hold">
+                            <p:stCondLst>
+                              <p:cond delay="0"/>
+                            </p:stCondLst>
+                            <p:childTnLst>
+                              <p:par>
+                                <p:cTn id="24" presetID="2" presetClass="entr" presetSubtype="4" fill="hold" grpId="0" nodeType="clickEffect">
+                                  <p:stCondLst>
+                                    <p:cond delay="0"/>
+                                  </p:stCondLst>
+                                  <p:childTnLst>
+                                    <p:set>
+                                      <p:cBhvr>
+                                        <p:cTn id="25" dur="1" fill="hold">
+                                          <p:stCondLst>
+                                            <p:cond delay="0"/>
+                                          </p:stCondLst>
+                                        </p:cTn>
+                                        <p:tgtEl>
+                                          <p:spTgt spid="6"/>
+                                        </p:tgtEl>
+                                        <p:attrNameLst>
+                                          <p:attrName>style.visibility</p:attrName>
+                                        </p:attrNameLst>
+                                      </p:cBhvr>
+                                      <p:to>
+                                        <p:strVal val="visible"/>
+                                      </p:to>
+                                    </p:set>
+                                    <p:anim calcmode="lin" valueType="num">
+                                      <p:cBhvr additive="base">
+                                        <p:cTn id="26" dur="500" fill="hold"/>
+                                        <p:tgtEl>
+                                          <p:spTgt spid="6"/>
+                                        </p:tgtEl>
+                                        <p:attrNameLst>
+                                          <p:attrName>ppt_x</p:attrName>
+                                        </p:attrNameLst>
+                                      </p:cBhvr>
+                                      <p:tavLst>
+                                        <p:tav tm="0">
+                                          <p:val>
+                                            <p:strVal val="#ppt_x"/>
+                                          </p:val>
+                                        </p:tav>
+                                        <p:tav tm="100000">
+                                          <p:val>
+                                            <p:strVal val="#ppt_x"/>
+                                          </p:val>
+                                        </p:tav>
+                                      </p:tavLst>
+                                    </p:anim>
+                                    <p:anim calcmode="lin" valueType="num">
+                                      <p:cBhvr additive="base">
+                                        <p:cTn id="27" dur="500" fill="hold"/>
+                                        <p:tgtEl>
+                                          <p:spTgt spid="6"/>
+                                        </p:tgtEl>
+                                        <p:attrNameLst>
+                                          <p:attrName>ppt_y</p:attrName>
+                                        </p:attrNameLst>
+                                      </p:cBhvr>
+                                      <p:tavLst>
+                                        <p:tav tm="0">
+                                          <p:val>
+                                            <p:strVal val="1+#ppt_h/2"/>
+                                          </p:val>
+                                        </p:tav>
+                                        <p:tav tm="100000">
+                                          <p:val>
+                                            <p:strVal val="#ppt_y"/>
+                                          </p:val>
+                                        </p:tav>
+                                      </p:tavLst>
+                                    </p:anim>
+                                  </p:childTnLst>
+                                </p:cTn>
+                              </p:par>
+                            </p:childTnLst>
+                          </p:cTn>
+                        </p:par>
+                      </p:childTnLst>
+                    </p:cTn>
+                  </p:par>
+                </p:childTnLst>
+              </p:cTn>
+              <p:prevCondLst>
+                <p:cond evt="onPrev" delay="0">
+                  <p:tgtEl>
+                    <p:sldTgt/>
+                  </p:tgtEl>
+                </p:cond>
+              </p:prevCondLst>
+              <p:nextCondLst>
+                <p:cond evt="onNext" delay="0">
+                  <p:tgtEl>
+                    <p:sldTgt/>
+                  </p:tgtEl>
+                </p:cond>
+              </p:nextCondLst>
+            </p:seq>
+          </p:childTnLst>
+        </p:cTn>
+      </p:par>
+    </p:tnLst>
+    <p:bldLst>
+      <p:bldP spid="4" grpId="0" animBg="1"/>
+      <p:bldP spid="5" grpId="0" animBg="1"/>
+      <p:bldP spid="6" grpId="0" animBg="1"/>
+    </p:bldLst>
+  </p:timing>
+</p:sld>
+</file>
+
+<file path=ppt/slides/slide16.xml><?xml version="1.0" encoding="utf-8"?>
+<p:sld xmlns:a="http://schemas.openxmlformats.org/drawingml/2006/main" xmlns:r="http://schemas.openxmlformats.org/officeDocument/2006/relationships" xmlns:p="http://schemas.openxmlformats.org/presentationml/2006/main">
+  <p:cSld>
+    <p:spTree>
+      <p:nvGrpSpPr>
+        <p:cNvPr id="1" name=""/>
+        <p:cNvGrpSpPr/>
+        <p:nvPr/>
+      </p:nvGrpSpPr>
+      <p:grpSpPr>
+        <a:xfrm>
+          <a:off x="0" y="0"/>
+          <a:ext cx="0" cy="0"/>
+          <a:chOff x="0" y="0"/>
+          <a:chExt cx="0" cy="0"/>
+        </a:xfrm>
+      </p:grpSpPr>
+      <p:sp>
+        <p:nvSpPr>
+          <p:cNvPr id="2" name="标题 1"/>
+          <p:cNvSpPr>
+            <a:spLocks noGrp="1"/>
+          </p:cNvSpPr>
+          <p:nvPr>
+            <p:ph type="title"/>
+          </p:nvPr>
+        </p:nvSpPr>
+        <p:spPr/>
+        <p:txBody>
+          <a:bodyPr/>
+          <a:lstStyle/>
+          <a:p>
+            <a:r>
+              <a:rPr lang="zh-CN" altLang="en-US" dirty="0" smtClean="0">
+                <a:solidFill>
+                  <a:srgbClr val="C9394A"/>
+                </a:solidFill>
+              </a:rPr>
+              <a:t>加</a:t>
+            </a:r>
+            <a:r>
+              <a:rPr lang="zh-CN" altLang="en-US" dirty="0" smtClean="0">
+                <a:solidFill>
+                  <a:srgbClr val="C9394A"/>
+                </a:solidFill>
+              </a:rPr>
+              <a:t>载机制</a:t>
+            </a:r>
+            <a:endParaRPr lang="zh-CN" altLang="en-US" dirty="0">
+              <a:solidFill>
+                <a:srgbClr val="C9394A"/>
+              </a:solidFill>
+            </a:endParaRPr>
+          </a:p>
+        </p:txBody>
+      </p:sp>
+      <p:sp>
+        <p:nvSpPr>
+          <p:cNvPr id="3" name="内容占位符 2"/>
+          <p:cNvSpPr>
+            <a:spLocks noGrp="1"/>
+          </p:cNvSpPr>
+          <p:nvPr>
+            <p:ph idx="1"/>
+          </p:nvPr>
+        </p:nvSpPr>
+        <p:spPr/>
+        <p:txBody>
+          <a:bodyPr/>
+          <a:lstStyle/>
+          <a:p>
+            <a:r>
+              <a:rPr lang="en-US" altLang="zh-CN" dirty="0" err="1" smtClean="0">
+                <a:solidFill>
+                  <a:srgbClr val="212121"/>
+                </a:solidFill>
+              </a:rPr>
+              <a:t>RequireJS</a:t>
+            </a:r>
+            <a:r>
+              <a:rPr lang="zh-CN" altLang="en-US" dirty="0" smtClean="0">
+                <a:solidFill>
+                  <a:srgbClr val="212121"/>
+                </a:solidFill>
+              </a:rPr>
+              <a:t>使用</a:t>
+            </a:r>
+            <a:r>
+              <a:rPr lang="en-US" altLang="zh-CN" dirty="0" err="1" smtClean="0">
+                <a:solidFill>
+                  <a:srgbClr val="212121"/>
+                </a:solidFill>
+              </a:rPr>
+              <a:t>head.appendChild</a:t>
+            </a:r>
+            <a:r>
+              <a:rPr lang="en-US" altLang="zh-CN" dirty="0" smtClean="0">
+                <a:solidFill>
+                  <a:srgbClr val="212121"/>
+                </a:solidFill>
+              </a:rPr>
+              <a:t>()</a:t>
+            </a:r>
+            <a:r>
+              <a:rPr lang="zh-CN" altLang="en-US" dirty="0" smtClean="0">
+                <a:solidFill>
+                  <a:srgbClr val="212121"/>
+                </a:solidFill>
+              </a:rPr>
+              <a:t>将每一个依赖加载为一个</a:t>
+            </a:r>
+            <a:r>
+              <a:rPr lang="en-US" altLang="zh-CN" dirty="0" smtClean="0">
+                <a:solidFill>
+                  <a:srgbClr val="212121"/>
+                </a:solidFill>
+              </a:rPr>
+              <a:t>script</a:t>
+            </a:r>
+            <a:r>
+              <a:rPr lang="zh-CN" altLang="en-US" dirty="0" smtClean="0">
+                <a:solidFill>
+                  <a:srgbClr val="212121"/>
+                </a:solidFill>
+              </a:rPr>
+              <a:t>标签</a:t>
+            </a:r>
+            <a:r>
+              <a:rPr lang="zh-CN" altLang="en-US" dirty="0" smtClean="0">
+                <a:solidFill>
+                  <a:srgbClr val="212121"/>
+                </a:solidFill>
+              </a:rPr>
+              <a:t>。</a:t>
+            </a:r>
+            <a:endParaRPr lang="en-US" altLang="zh-CN" dirty="0" smtClean="0">
+              <a:solidFill>
+                <a:srgbClr val="212121"/>
+              </a:solidFill>
+            </a:endParaRPr>
+          </a:p>
+          <a:p>
+            <a:endParaRPr lang="en-US" altLang="zh-CN" dirty="0" smtClean="0">
+              <a:solidFill>
+                <a:srgbClr val="212121"/>
+              </a:solidFill>
+            </a:endParaRPr>
+          </a:p>
+          <a:p>
+            <a:r>
+              <a:rPr lang="zh-CN" altLang="en-US" dirty="0" smtClean="0">
+                <a:solidFill>
+                  <a:srgbClr val="212121"/>
+                </a:solidFill>
+              </a:rPr>
+              <a:t>加载即执行</a:t>
+            </a:r>
+            <a:endParaRPr lang="zh-CN" altLang="en-US" dirty="0">
+              <a:solidFill>
+                <a:srgbClr val="212121"/>
+              </a:solidFill>
+            </a:endParaRPr>
+          </a:p>
+        </p:txBody>
+      </p:sp>
+    </p:spTree>
+  </p:cSld>
+  <p:clrMapOvr>
+    <a:masterClrMapping/>
+  </p:clrMapOvr>
+  <p:timing>
+    <p:tnLst>
+      <p:par>
+        <p:cTn id="1" dur="indefinite" restart="never" nodeType="tmRoot">
+          <p:childTnLst>
+            <p:seq concurrent="1" nextAc="seek">
+              <p:cTn id="2" dur="indefinite" nodeType="mainSeq">
+                <p:childTnLst>
+                  <p:par>
+                    <p:cTn id="3" fill="hold">
+                      <p:stCondLst>
+                        <p:cond delay="indefinite"/>
+                      </p:stCondLst>
+                      <p:childTnLst>
+                        <p:par>
+                          <p:cTn id="4" fill="hold">
+                            <p:stCondLst>
+                              <p:cond delay="0"/>
+                            </p:stCondLst>
+                            <p:childTnLst>
+                              <p:par>
+                                <p:cTn id="5" presetID="2" presetClass="entr" presetSubtype="4" fill="hold" nodeType="clickEffect">
+                                  <p:stCondLst>
+                                    <p:cond delay="0"/>
+                                  </p:stCondLst>
+                                  <p:childTnLst>
+                                    <p:set>
+                                      <p:cBhvr>
+                                        <p:cTn id="6" dur="1" fill="hold">
+                                          <p:stCondLst>
+                                            <p:cond delay="0"/>
+                                          </p:stCondLst>
+                                        </p:cTn>
+                                        <p:tgtEl>
+                                          <p:spTgt spid="3">
+                                            <p:txEl>
+                                              <p:pRg st="0" end="0"/>
+                                            </p:txEl>
+                                          </p:spTgt>
+                                        </p:tgtEl>
+                                        <p:attrNameLst>
+                                          <p:attrName>style.visibility</p:attrName>
+                                        </p:attrNameLst>
+                                      </p:cBhvr>
+                                      <p:to>
+                                        <p:strVal val="visible"/>
+                                      </p:to>
+                                    </p:set>
+                                    <p:anim calcmode="lin" valueType="num">
+                                      <p:cBhvr additive="base">
+                                        <p:cTn id="7" dur="500" fill="hold"/>
+                                        <p:tgtEl>
+                                          <p:spTgt spid="3">
+                                            <p:txEl>
+                                              <p:pRg st="0" end="0"/>
+                                            </p:txEl>
+                                          </p:spTgt>
+                                        </p:tgtEl>
+                                        <p:attrNameLst>
+                                          <p:attrName>ppt_x</p:attrName>
+                                        </p:attrNameLst>
+                                      </p:cBhvr>
+                                      <p:tavLst>
+                                        <p:tav tm="0">
+                                          <p:val>
+                                            <p:strVal val="#ppt_x"/>
+                                          </p:val>
+                                        </p:tav>
+                                        <p:tav tm="100000">
+                                          <p:val>
+                                            <p:strVal val="#ppt_x"/>
+                                          </p:val>
+                                        </p:tav>
+                                      </p:tavLst>
+                                    </p:anim>
+                                    <p:anim calcmode="lin" valueType="num">
+                                      <p:cBhvr additive="base">
+                                        <p:cTn id="8" dur="500" fill="hold"/>
+                                        <p:tgtEl>
+                                          <p:spTgt spid="3">
+                                            <p:txEl>
+                                              <p:pRg st="0" end="0"/>
+                                            </p:txEl>
+                                          </p:spTgt>
+                                        </p:tgtEl>
+                                        <p:attrNameLst>
+                                          <p:attrName>ppt_y</p:attrName>
+                                        </p:attrNameLst>
+                                      </p:cBhvr>
+                                      <p:tavLst>
+                                        <p:tav tm="0">
+                                          <p:val>
+                                            <p:strVal val="1+#ppt_h/2"/>
+                                          </p:val>
+                                        </p:tav>
+                                        <p:tav tm="100000">
+                                          <p:val>
+                                            <p:strVal val="#ppt_y"/>
+                                          </p:val>
+                                        </p:tav>
+                                      </p:tavLst>
+                                    </p:anim>
+                                  </p:childTnLst>
+                                </p:cTn>
+                              </p:par>
+                            </p:childTnLst>
+                          </p:cTn>
+                        </p:par>
+                      </p:childTnLst>
+                    </p:cTn>
+                  </p:par>
+                  <p:par>
+                    <p:cTn id="9" fill="hold">
+                      <p:stCondLst>
+                        <p:cond delay="indefinite"/>
+                      </p:stCondLst>
+                      <p:childTnLst>
+                        <p:par>
+                          <p:cTn id="10" fill="hold">
+                            <p:stCondLst>
+                              <p:cond delay="0"/>
+                            </p:stCondLst>
+                            <p:childTnLst>
+                              <p:par>
+                                <p:cTn id="11" presetID="2" presetClass="entr" presetSubtype="4" fill="hold" nodeType="clickEffect">
+                                  <p:stCondLst>
+                                    <p:cond delay="0"/>
+                                  </p:stCondLst>
+                                  <p:childTnLst>
+                                    <p:set>
+                                      <p:cBhvr>
+                                        <p:cTn id="12" dur="1" fill="hold">
+                                          <p:stCondLst>
+                                            <p:cond delay="0"/>
+                                          </p:stCondLst>
+                                        </p:cTn>
+                                        <p:tgtEl>
+                                          <p:spTgt spid="3">
+                                            <p:txEl>
+                                              <p:pRg st="2" end="2"/>
+                                            </p:txEl>
+                                          </p:spTgt>
+                                        </p:tgtEl>
+                                        <p:attrNameLst>
+                                          <p:attrName>style.visibility</p:attrName>
+                                        </p:attrNameLst>
+                                      </p:cBhvr>
+                                      <p:to>
+                                        <p:strVal val="visible"/>
+                                      </p:to>
+                                    </p:set>
+                                    <p:anim calcmode="lin" valueType="num">
+                                      <p:cBhvr additive="base">
+                                        <p:cTn id="13" dur="500" fill="hold"/>
+                                        <p:tgtEl>
+                                          <p:spTgt spid="3">
+                                            <p:txEl>
+                                              <p:pRg st="2" end="2"/>
+                                            </p:txEl>
+                                          </p:spTgt>
+                                        </p:tgtEl>
+                                        <p:attrNameLst>
+                                          <p:attrName>ppt_x</p:attrName>
+                                        </p:attrNameLst>
+                                      </p:cBhvr>
+                                      <p:tavLst>
+                                        <p:tav tm="0">
+                                          <p:val>
+                                            <p:strVal val="#ppt_x"/>
+                                          </p:val>
+                                        </p:tav>
+                                        <p:tav tm="100000">
+                                          <p:val>
+                                            <p:strVal val="#ppt_x"/>
+                                          </p:val>
+                                        </p:tav>
+                                      </p:tavLst>
+                                    </p:anim>
+                                    <p:anim calcmode="lin" valueType="num">
+                                      <p:cBhvr additive="base">
+                                        <p:cTn id="14" dur="500" fill="hold"/>
+                                        <p:tgtEl>
+                                          <p:spTgt spid="3">
+                                            <p:txEl>
+                                              <p:pRg st="2" end="2"/>
+                                            </p:txEl>
+                                          </p:spTgt>
+                                        </p:tgtEl>
+                                        <p:attrNameLst>
+                                          <p:attrName>ppt_y</p:attrName>
+                                        </p:attrNameLst>
+                                      </p:cBhvr>
+                                      <p:tavLst>
+                                        <p:tav tm="0">
+                                          <p:val>
+                                            <p:strVal val="1+#ppt_h/2"/>
+                                          </p:val>
+                                        </p:tav>
+                                        <p:tav tm="100000">
+                                          <p:val>
+                                            <p:strVal val="#ppt_y"/>
+                                          </p:val>
+                                        </p:tav>
+                                      </p:tavLst>
+                                    </p:anim>
+                                  </p:childTnLst>
+                                </p:cTn>
+                              </p:par>
+                            </p:childTnLst>
+                          </p:cTn>
+                        </p:par>
+                      </p:childTnLst>
+                    </p:cTn>
+                  </p:par>
+                </p:childTnLst>
+              </p:cTn>
+              <p:prevCondLst>
+                <p:cond evt="onPrev" delay="0">
+                  <p:tgtEl>
+                    <p:sldTgt/>
+                  </p:tgtEl>
+                </p:cond>
+              </p:prevCondLst>
+              <p:nextCondLst>
+                <p:cond evt="onNext" delay="0">
+                  <p:tgtEl>
+                    <p:sldTgt/>
+                  </p:tgtEl>
+                </p:cond>
+              </p:nextCondLst>
+            </p:seq>
+          </p:childTnLst>
+        </p:cTn>
+      </p:par>
+    </p:tnLst>
+  </p:timing>
+</p:sld>
+</file>
+
 <file path=ppt/slides/slide2.xml><?xml version="1.0" encoding="utf-8"?>
 <p:sld xmlns:a="http://schemas.openxmlformats.org/drawingml/2006/main" xmlns:r="http://schemas.openxmlformats.org/officeDocument/2006/relationships" xmlns:p="http://schemas.openxmlformats.org/presentationml/2006/main">
   <p:cSld>
@@ -7247,15 +9230,7 @@
                   <a:srgbClr val="C9394A"/>
                 </a:solidFill>
               </a:rPr>
-              <a:t>规</a:t>
-            </a:r>
-            <a:r>
-              <a:rPr lang="zh-CN" altLang="en-US" dirty="0" smtClean="0">
-                <a:solidFill>
-                  <a:srgbClr val="C9394A"/>
-                </a:solidFill>
-              </a:rPr>
-              <a:t>范</a:t>
+              <a:t>规范</a:t>
             </a:r>
             <a:r>
               <a:rPr lang="en-US" altLang="zh-CN" dirty="0" smtClean="0">

--- a/requirejs/doc/requirejs.pptx
+++ b/requirejs/doc/requirejs.pptx
@@ -12,15 +12,17 @@
     <p:sldId id="257" r:id="rId6"/>
     <p:sldId id="261" r:id="rId7"/>
     <p:sldId id="262" r:id="rId8"/>
-    <p:sldId id="266" r:id="rId9"/>
-    <p:sldId id="263" r:id="rId10"/>
-    <p:sldId id="264" r:id="rId11"/>
-    <p:sldId id="265" r:id="rId12"/>
-    <p:sldId id="271" r:id="rId13"/>
-    <p:sldId id="267" r:id="rId14"/>
-    <p:sldId id="273" r:id="rId15"/>
-    <p:sldId id="268" r:id="rId16"/>
-    <p:sldId id="269" r:id="rId17"/>
+    <p:sldId id="263" r:id="rId9"/>
+    <p:sldId id="264" r:id="rId10"/>
+    <p:sldId id="271" r:id="rId11"/>
+    <p:sldId id="267" r:id="rId12"/>
+    <p:sldId id="266" r:id="rId13"/>
+    <p:sldId id="275" r:id="rId14"/>
+    <p:sldId id="274" r:id="rId15"/>
+    <p:sldId id="265" r:id="rId16"/>
+    <p:sldId id="273" r:id="rId17"/>
+    <p:sldId id="268" r:id="rId18"/>
+    <p:sldId id="269" r:id="rId19"/>
   </p:sldIdLst>
   <p:sldSz cx="9144000" cy="6858000" type="screen4x3"/>
   <p:notesSz cx="6858000" cy="9144000"/>
@@ -304,7 +306,7 @@
             <a:fld id="{530820CF-B880-4189-942D-D702A7CBA730}" type="datetimeFigureOut">
               <a:rPr lang="zh-CN" altLang="en-US" smtClean="0"/>
               <a:pPr/>
-              <a:t>2016/5/7</a:t>
+              <a:t>2016/5/10</a:t>
             </a:fld>
             <a:endParaRPr lang="zh-CN" altLang="en-US"/>
           </a:p>
@@ -471,7 +473,7 @@
             <a:fld id="{530820CF-B880-4189-942D-D702A7CBA730}" type="datetimeFigureOut">
               <a:rPr lang="zh-CN" altLang="en-US" smtClean="0"/>
               <a:pPr/>
-              <a:t>2016/5/7</a:t>
+              <a:t>2016/5/10</a:t>
             </a:fld>
             <a:endParaRPr lang="zh-CN" altLang="en-US"/>
           </a:p>
@@ -648,7 +650,7 @@
             <a:fld id="{530820CF-B880-4189-942D-D702A7CBA730}" type="datetimeFigureOut">
               <a:rPr lang="zh-CN" altLang="en-US" smtClean="0"/>
               <a:pPr/>
-              <a:t>2016/5/7</a:t>
+              <a:t>2016/5/10</a:t>
             </a:fld>
             <a:endParaRPr lang="zh-CN" altLang="en-US"/>
           </a:p>
@@ -815,7 +817,7 @@
             <a:fld id="{530820CF-B880-4189-942D-D702A7CBA730}" type="datetimeFigureOut">
               <a:rPr lang="zh-CN" altLang="en-US" smtClean="0"/>
               <a:pPr/>
-              <a:t>2016/5/7</a:t>
+              <a:t>2016/5/10</a:t>
             </a:fld>
             <a:endParaRPr lang="zh-CN" altLang="en-US"/>
           </a:p>
@@ -1058,7 +1060,7 @@
             <a:fld id="{530820CF-B880-4189-942D-D702A7CBA730}" type="datetimeFigureOut">
               <a:rPr lang="zh-CN" altLang="en-US" smtClean="0"/>
               <a:pPr/>
-              <a:t>2016/5/7</a:t>
+              <a:t>2016/5/10</a:t>
             </a:fld>
             <a:endParaRPr lang="zh-CN" altLang="en-US"/>
           </a:p>
@@ -1343,7 +1345,7 @@
             <a:fld id="{530820CF-B880-4189-942D-D702A7CBA730}" type="datetimeFigureOut">
               <a:rPr lang="zh-CN" altLang="en-US" smtClean="0"/>
               <a:pPr/>
-              <a:t>2016/5/7</a:t>
+              <a:t>2016/5/10</a:t>
             </a:fld>
             <a:endParaRPr lang="zh-CN" altLang="en-US"/>
           </a:p>
@@ -1762,7 +1764,7 @@
             <a:fld id="{530820CF-B880-4189-942D-D702A7CBA730}" type="datetimeFigureOut">
               <a:rPr lang="zh-CN" altLang="en-US" smtClean="0"/>
               <a:pPr/>
-              <a:t>2016/5/7</a:t>
+              <a:t>2016/5/10</a:t>
             </a:fld>
             <a:endParaRPr lang="zh-CN" altLang="en-US"/>
           </a:p>
@@ -1877,7 +1879,7 @@
             <a:fld id="{530820CF-B880-4189-942D-D702A7CBA730}" type="datetimeFigureOut">
               <a:rPr lang="zh-CN" altLang="en-US" smtClean="0"/>
               <a:pPr/>
-              <a:t>2016/5/7</a:t>
+              <a:t>2016/5/10</a:t>
             </a:fld>
             <a:endParaRPr lang="zh-CN" altLang="en-US"/>
           </a:p>
@@ -1969,7 +1971,7 @@
             <a:fld id="{530820CF-B880-4189-942D-D702A7CBA730}" type="datetimeFigureOut">
               <a:rPr lang="zh-CN" altLang="en-US" smtClean="0"/>
               <a:pPr/>
-              <a:t>2016/5/7</a:t>
+              <a:t>2016/5/10</a:t>
             </a:fld>
             <a:endParaRPr lang="zh-CN" altLang="en-US"/>
           </a:p>
@@ -2243,7 +2245,7 @@
             <a:fld id="{530820CF-B880-4189-942D-D702A7CBA730}" type="datetimeFigureOut">
               <a:rPr lang="zh-CN" altLang="en-US" smtClean="0"/>
               <a:pPr/>
-              <a:t>2016/5/7</a:t>
+              <a:t>2016/5/10</a:t>
             </a:fld>
             <a:endParaRPr lang="zh-CN" altLang="en-US"/>
           </a:p>
@@ -2493,7 +2495,7 @@
             <a:fld id="{530820CF-B880-4189-942D-D702A7CBA730}" type="datetimeFigureOut">
               <a:rPr lang="zh-CN" altLang="en-US" smtClean="0"/>
               <a:pPr/>
-              <a:t>2016/5/7</a:t>
+              <a:t>2016/5/10</a:t>
             </a:fld>
             <a:endParaRPr lang="zh-CN" altLang="en-US"/>
           </a:p>
@@ -2703,7 +2705,7 @@
             <a:fld id="{530820CF-B880-4189-942D-D702A7CBA730}" type="datetimeFigureOut">
               <a:rPr lang="zh-CN" altLang="en-US" smtClean="0"/>
               <a:pPr/>
-              <a:t>2016/5/7</a:t>
+              <a:t>2016/5/10</a:t>
             </a:fld>
             <a:endParaRPr lang="zh-CN" altLang="en-US"/>
           </a:p>
@@ -3185,27 +3187,7 @@
           <a:bodyPr/>
           <a:lstStyle/>
           <a:p>
-            <a:r>
-              <a:rPr lang="zh-CN" altLang="en-US" dirty="0" smtClean="0">
-                <a:solidFill>
-                  <a:srgbClr val="C9394A"/>
-                </a:solidFill>
-              </a:rPr>
-              <a:t>什么是</a:t>
-            </a:r>
-            <a:r>
-              <a:rPr lang="en-US" altLang="zh-CN" dirty="0" smtClean="0">
-                <a:solidFill>
-                  <a:srgbClr val="C9394A"/>
-                </a:solidFill>
-              </a:rPr>
-              <a:t>AMD</a:t>
-            </a:r>
-            <a:endParaRPr lang="zh-CN" altLang="en-US" dirty="0">
-              <a:solidFill>
-                <a:srgbClr val="C9394A"/>
-              </a:solidFill>
-            </a:endParaRPr>
+            <a:endParaRPr lang="zh-CN" altLang="en-US"/>
           </a:p>
         </p:txBody>
       </p:sp>
@@ -3224,97 +3206,36 @@
           <a:bodyPr/>
           <a:lstStyle/>
           <a:p>
-            <a:r>
-              <a:rPr lang="en-US" altLang="zh-CN" dirty="0" smtClean="0">
-                <a:solidFill>
-                  <a:srgbClr val="212121"/>
-                </a:solidFill>
-              </a:rPr>
-              <a:t>define(id?, dependencies?, factory);</a:t>
-            </a:r>
-          </a:p>
-          <a:p>
-            <a:pPr lvl="1"/>
-            <a:endParaRPr lang="en-US" altLang="zh-CN" dirty="0" smtClean="0">
-              <a:solidFill>
-                <a:srgbClr val="212121"/>
-              </a:solidFill>
-            </a:endParaRPr>
-          </a:p>
-          <a:p>
-            <a:pPr lvl="1"/>
-            <a:r>
-              <a:rPr lang="en-US" altLang="zh-CN" dirty="0" smtClean="0">
-                <a:solidFill>
-                  <a:srgbClr val="474747"/>
-                </a:solidFill>
-              </a:rPr>
-              <a:t>Id</a:t>
-            </a:r>
-            <a:r>
-              <a:rPr lang="zh-CN" altLang="en-US" dirty="0" smtClean="0">
-                <a:solidFill>
-                  <a:srgbClr val="474747"/>
-                </a:solidFill>
-              </a:rPr>
-              <a:t>：模块名，可以省略</a:t>
-            </a:r>
-            <a:endParaRPr lang="en-US" altLang="zh-CN" dirty="0" smtClean="0">
-              <a:solidFill>
-                <a:srgbClr val="474747"/>
-              </a:solidFill>
-            </a:endParaRPr>
-          </a:p>
-          <a:p>
-            <a:pPr lvl="1"/>
-            <a:r>
-              <a:rPr lang="en-US" altLang="zh-CN" dirty="0" smtClean="0">
-                <a:solidFill>
-                  <a:srgbClr val="474747"/>
-                </a:solidFill>
-              </a:rPr>
-              <a:t>Dependencies</a:t>
-            </a:r>
-            <a:r>
-              <a:rPr lang="zh-CN" altLang="en-US" dirty="0" smtClean="0">
-                <a:solidFill>
-                  <a:srgbClr val="474747"/>
-                </a:solidFill>
-              </a:rPr>
-              <a:t>：所依赖模块的数组，可以省略</a:t>
-            </a:r>
-            <a:endParaRPr lang="en-US" altLang="zh-CN" dirty="0" smtClean="0">
-              <a:solidFill>
-                <a:srgbClr val="474747"/>
-              </a:solidFill>
-            </a:endParaRPr>
-          </a:p>
-          <a:p>
-            <a:pPr lvl="1"/>
-            <a:r>
-              <a:rPr lang="en-US" altLang="zh-CN" dirty="0" smtClean="0">
-                <a:solidFill>
-                  <a:srgbClr val="474747"/>
-                </a:solidFill>
-              </a:rPr>
-              <a:t>Factory</a:t>
-            </a:r>
-            <a:r>
-              <a:rPr lang="zh-CN" altLang="en-US" dirty="0" smtClean="0">
-                <a:solidFill>
-                  <a:srgbClr val="474747"/>
-                </a:solidFill>
-              </a:rPr>
-              <a:t>：模块的实现，可以是函数或对象</a:t>
-            </a:r>
-            <a:endParaRPr lang="zh-CN" altLang="en-US" dirty="0">
-              <a:solidFill>
-                <a:srgbClr val="474747"/>
-              </a:solidFill>
-            </a:endParaRPr>
+            <a:endParaRPr lang="zh-CN" altLang="en-US"/>
           </a:p>
         </p:txBody>
       </p:sp>
+      <p:pic>
+        <p:nvPicPr>
+          <p:cNvPr id="1026" name="Picture 2" descr="E:\慕课网\录制相关文件\小慕表情\GIF\51鍠囧彮鍠婅瘽.gif"/>
+          <p:cNvPicPr>
+            <a:picLocks noChangeAspect="1" noChangeArrowheads="1" noCrop="1"/>
+          </p:cNvPicPr>
+          <p:nvPr/>
+        </p:nvPicPr>
+        <p:blipFill>
+          <a:blip r:embed="rId2" cstate="print"/>
+          <a:srcRect/>
+          <a:stretch>
+            <a:fillRect/>
+          </a:stretch>
+        </p:blipFill>
+        <p:spPr bwMode="auto">
+          <a:xfrm>
+            <a:off x="1907704" y="836712"/>
+            <a:ext cx="4762500" cy="4762500"/>
+          </a:xfrm>
+          <a:prstGeom prst="rect">
+            <a:avLst/>
+          </a:prstGeom>
+          <a:noFill/>
+        </p:spPr>
+      </p:pic>
     </p:spTree>
   </p:cSld>
   <p:clrMapOvr>
@@ -3323,400 +3244,7 @@
   <p:timing>
     <p:tnLst>
       <p:par>
-        <p:cTn id="1" dur="indefinite" restart="never" nodeType="tmRoot">
-          <p:childTnLst>
-            <p:seq concurrent="1" nextAc="seek">
-              <p:cTn id="2" dur="indefinite" nodeType="mainSeq">
-                <p:childTnLst>
-                  <p:par>
-                    <p:cTn id="3" fill="hold">
-                      <p:stCondLst>
-                        <p:cond delay="indefinite"/>
-                      </p:stCondLst>
-                      <p:childTnLst>
-                        <p:par>
-                          <p:cTn id="4" fill="hold">
-                            <p:stCondLst>
-                              <p:cond delay="0"/>
-                            </p:stCondLst>
-                            <p:childTnLst>
-                              <p:par>
-                                <p:cTn id="5" presetID="5" presetClass="entr" presetSubtype="10" fill="hold" nodeType="clickEffect">
-                                  <p:stCondLst>
-                                    <p:cond delay="0"/>
-                                  </p:stCondLst>
-                                  <p:childTnLst>
-                                    <p:set>
-                                      <p:cBhvr>
-                                        <p:cTn id="6" dur="1" fill="hold">
-                                          <p:stCondLst>
-                                            <p:cond delay="0"/>
-                                          </p:stCondLst>
-                                        </p:cTn>
-                                        <p:tgtEl>
-                                          <p:spTgt spid="3">
-                                            <p:txEl>
-                                              <p:pRg st="0" end="0"/>
-                                            </p:txEl>
-                                          </p:spTgt>
-                                        </p:tgtEl>
-                                        <p:attrNameLst>
-                                          <p:attrName>style.visibility</p:attrName>
-                                        </p:attrNameLst>
-                                      </p:cBhvr>
-                                      <p:to>
-                                        <p:strVal val="visible"/>
-                                      </p:to>
-                                    </p:set>
-                                    <p:animEffect transition="in" filter="checkerboard(across)">
-                                      <p:cBhvr>
-                                        <p:cTn id="7" dur="500"/>
-                                        <p:tgtEl>
-                                          <p:spTgt spid="3">
-                                            <p:txEl>
-                                              <p:pRg st="0" end="0"/>
-                                            </p:txEl>
-                                          </p:spTgt>
-                                        </p:tgtEl>
-                                      </p:cBhvr>
-                                    </p:animEffect>
-                                  </p:childTnLst>
-                                </p:cTn>
-                              </p:par>
-                            </p:childTnLst>
-                          </p:cTn>
-                        </p:par>
-                      </p:childTnLst>
-                    </p:cTn>
-                  </p:par>
-                  <p:par>
-                    <p:cTn id="8" fill="hold">
-                      <p:stCondLst>
-                        <p:cond delay="indefinite"/>
-                      </p:stCondLst>
-                      <p:childTnLst>
-                        <p:par>
-                          <p:cTn id="9" fill="hold">
-                            <p:stCondLst>
-                              <p:cond delay="0"/>
-                            </p:stCondLst>
-                            <p:childTnLst>
-                              <p:par>
-                                <p:cTn id="10" presetID="2" presetClass="entr" presetSubtype="4" fill="hold" nodeType="clickEffect">
-                                  <p:stCondLst>
-                                    <p:cond delay="0"/>
-                                  </p:stCondLst>
-                                  <p:childTnLst>
-                                    <p:set>
-                                      <p:cBhvr>
-                                        <p:cTn id="11" dur="1" fill="hold">
-                                          <p:stCondLst>
-                                            <p:cond delay="0"/>
-                                          </p:stCondLst>
-                                        </p:cTn>
-                                        <p:tgtEl>
-                                          <p:spTgt spid="3">
-                                            <p:txEl>
-                                              <p:pRg st="2" end="2"/>
-                                            </p:txEl>
-                                          </p:spTgt>
-                                        </p:tgtEl>
-                                        <p:attrNameLst>
-                                          <p:attrName>style.visibility</p:attrName>
-                                        </p:attrNameLst>
-                                      </p:cBhvr>
-                                      <p:to>
-                                        <p:strVal val="visible"/>
-                                      </p:to>
-                                    </p:set>
-                                    <p:anim calcmode="lin" valueType="num">
-                                      <p:cBhvr additive="base">
-                                        <p:cTn id="12" dur="500" fill="hold"/>
-                                        <p:tgtEl>
-                                          <p:spTgt spid="3">
-                                            <p:txEl>
-                                              <p:pRg st="2" end="2"/>
-                                            </p:txEl>
-                                          </p:spTgt>
-                                        </p:tgtEl>
-                                        <p:attrNameLst>
-                                          <p:attrName>ppt_x</p:attrName>
-                                        </p:attrNameLst>
-                                      </p:cBhvr>
-                                      <p:tavLst>
-                                        <p:tav tm="0">
-                                          <p:val>
-                                            <p:strVal val="#ppt_x"/>
-                                          </p:val>
-                                        </p:tav>
-                                        <p:tav tm="100000">
-                                          <p:val>
-                                            <p:strVal val="#ppt_x"/>
-                                          </p:val>
-                                        </p:tav>
-                                      </p:tavLst>
-                                    </p:anim>
-                                    <p:anim calcmode="lin" valueType="num">
-                                      <p:cBhvr additive="base">
-                                        <p:cTn id="13" dur="500" fill="hold"/>
-                                        <p:tgtEl>
-                                          <p:spTgt spid="3">
-                                            <p:txEl>
-                                              <p:pRg st="2" end="2"/>
-                                            </p:txEl>
-                                          </p:spTgt>
-                                        </p:tgtEl>
-                                        <p:attrNameLst>
-                                          <p:attrName>ppt_y</p:attrName>
-                                        </p:attrNameLst>
-                                      </p:cBhvr>
-                                      <p:tavLst>
-                                        <p:tav tm="0">
-                                          <p:val>
-                                            <p:strVal val="1+#ppt_h/2"/>
-                                          </p:val>
-                                        </p:tav>
-                                        <p:tav tm="100000">
-                                          <p:val>
-                                            <p:strVal val="#ppt_y"/>
-                                          </p:val>
-                                        </p:tav>
-                                      </p:tavLst>
-                                    </p:anim>
-                                  </p:childTnLst>
-                                </p:cTn>
-                              </p:par>
-                            </p:childTnLst>
-                          </p:cTn>
-                        </p:par>
-                      </p:childTnLst>
-                    </p:cTn>
-                  </p:par>
-                  <p:par>
-                    <p:cTn id="14" fill="hold">
-                      <p:stCondLst>
-                        <p:cond delay="indefinite"/>
-                      </p:stCondLst>
-                      <p:childTnLst>
-                        <p:par>
-                          <p:cTn id="15" fill="hold">
-                            <p:stCondLst>
-                              <p:cond delay="0"/>
-                            </p:stCondLst>
-                            <p:childTnLst>
-                              <p:par>
-                                <p:cTn id="16" presetID="2" presetClass="entr" presetSubtype="4" fill="hold" nodeType="clickEffect">
-                                  <p:stCondLst>
-                                    <p:cond delay="0"/>
-                                  </p:stCondLst>
-                                  <p:childTnLst>
-                                    <p:set>
-                                      <p:cBhvr>
-                                        <p:cTn id="17" dur="1" fill="hold">
-                                          <p:stCondLst>
-                                            <p:cond delay="0"/>
-                                          </p:stCondLst>
-                                        </p:cTn>
-                                        <p:tgtEl>
-                                          <p:spTgt spid="3">
-                                            <p:txEl>
-                                              <p:pRg st="3" end="3"/>
-                                            </p:txEl>
-                                          </p:spTgt>
-                                        </p:tgtEl>
-                                        <p:attrNameLst>
-                                          <p:attrName>style.visibility</p:attrName>
-                                        </p:attrNameLst>
-                                      </p:cBhvr>
-                                      <p:to>
-                                        <p:strVal val="visible"/>
-                                      </p:to>
-                                    </p:set>
-                                    <p:anim calcmode="lin" valueType="num">
-                                      <p:cBhvr additive="base">
-                                        <p:cTn id="18" dur="500" fill="hold"/>
-                                        <p:tgtEl>
-                                          <p:spTgt spid="3">
-                                            <p:txEl>
-                                              <p:pRg st="3" end="3"/>
-                                            </p:txEl>
-                                          </p:spTgt>
-                                        </p:tgtEl>
-                                        <p:attrNameLst>
-                                          <p:attrName>ppt_x</p:attrName>
-                                        </p:attrNameLst>
-                                      </p:cBhvr>
-                                      <p:tavLst>
-                                        <p:tav tm="0">
-                                          <p:val>
-                                            <p:strVal val="#ppt_x"/>
-                                          </p:val>
-                                        </p:tav>
-                                        <p:tav tm="100000">
-                                          <p:val>
-                                            <p:strVal val="#ppt_x"/>
-                                          </p:val>
-                                        </p:tav>
-                                      </p:tavLst>
-                                    </p:anim>
-                                    <p:anim calcmode="lin" valueType="num">
-                                      <p:cBhvr additive="base">
-                                        <p:cTn id="19" dur="500" fill="hold"/>
-                                        <p:tgtEl>
-                                          <p:spTgt spid="3">
-                                            <p:txEl>
-                                              <p:pRg st="3" end="3"/>
-                                            </p:txEl>
-                                          </p:spTgt>
-                                        </p:tgtEl>
-                                        <p:attrNameLst>
-                                          <p:attrName>ppt_y</p:attrName>
-                                        </p:attrNameLst>
-                                      </p:cBhvr>
-                                      <p:tavLst>
-                                        <p:tav tm="0">
-                                          <p:val>
-                                            <p:strVal val="1+#ppt_h/2"/>
-                                          </p:val>
-                                        </p:tav>
-                                        <p:tav tm="100000">
-                                          <p:val>
-                                            <p:strVal val="#ppt_y"/>
-                                          </p:val>
-                                        </p:tav>
-                                      </p:tavLst>
-                                    </p:anim>
-                                  </p:childTnLst>
-                                </p:cTn>
-                              </p:par>
-                            </p:childTnLst>
-                          </p:cTn>
-                        </p:par>
-                      </p:childTnLst>
-                    </p:cTn>
-                  </p:par>
-                  <p:par>
-                    <p:cTn id="20" fill="hold">
-                      <p:stCondLst>
-                        <p:cond delay="indefinite"/>
-                      </p:stCondLst>
-                      <p:childTnLst>
-                        <p:par>
-                          <p:cTn id="21" fill="hold">
-                            <p:stCondLst>
-                              <p:cond delay="0"/>
-                            </p:stCondLst>
-                            <p:childTnLst>
-                              <p:par>
-                                <p:cTn id="22" presetID="2" presetClass="entr" presetSubtype="4" fill="hold" nodeType="clickEffect">
-                                  <p:stCondLst>
-                                    <p:cond delay="0"/>
-                                  </p:stCondLst>
-                                  <p:childTnLst>
-                                    <p:set>
-                                      <p:cBhvr>
-                                        <p:cTn id="23" dur="1" fill="hold">
-                                          <p:stCondLst>
-                                            <p:cond delay="0"/>
-                                          </p:stCondLst>
-                                        </p:cTn>
-                                        <p:tgtEl>
-                                          <p:spTgt spid="3">
-                                            <p:txEl>
-                                              <p:pRg st="4" end="4"/>
-                                            </p:txEl>
-                                          </p:spTgt>
-                                        </p:tgtEl>
-                                        <p:attrNameLst>
-                                          <p:attrName>style.visibility</p:attrName>
-                                        </p:attrNameLst>
-                                      </p:cBhvr>
-                                      <p:to>
-                                        <p:strVal val="visible"/>
-                                      </p:to>
-                                    </p:set>
-                                    <p:anim calcmode="lin" valueType="num">
-                                      <p:cBhvr additive="base">
-                                        <p:cTn id="24" dur="500" fill="hold"/>
-                                        <p:tgtEl>
-                                          <p:spTgt spid="3">
-                                            <p:txEl>
-                                              <p:pRg st="4" end="4"/>
-                                            </p:txEl>
-                                          </p:spTgt>
-                                        </p:tgtEl>
-                                        <p:attrNameLst>
-                                          <p:attrName>ppt_x</p:attrName>
-                                        </p:attrNameLst>
-                                      </p:cBhvr>
-                                      <p:tavLst>
-                                        <p:tav tm="0">
-                                          <p:val>
-                                            <p:strVal val="#ppt_x"/>
-                                          </p:val>
-                                        </p:tav>
-                                        <p:tav tm="100000">
-                                          <p:val>
-                                            <p:strVal val="#ppt_x"/>
-                                          </p:val>
-                                        </p:tav>
-                                      </p:tavLst>
-                                    </p:anim>
-                                    <p:anim calcmode="lin" valueType="num">
-                                      <p:cBhvr additive="base">
-                                        <p:cTn id="25" dur="500" fill="hold"/>
-                                        <p:tgtEl>
-                                          <p:spTgt spid="3">
-                                            <p:txEl>
-                                              <p:pRg st="4" end="4"/>
-                                            </p:txEl>
-                                          </p:spTgt>
-                                        </p:tgtEl>
-                                        <p:attrNameLst>
-                                          <p:attrName>ppt_y</p:attrName>
-                                        </p:attrNameLst>
-                                      </p:cBhvr>
-                                      <p:tavLst>
-                                        <p:tav tm="0">
-                                          <p:val>
-                                            <p:strVal val="1+#ppt_h/2"/>
-                                          </p:val>
-                                        </p:tav>
-                                        <p:tav tm="100000">
-                                          <p:val>
-                                            <p:strVal val="#ppt_y"/>
-                                          </p:val>
-                                        </p:tav>
-                                      </p:tavLst>
-                                    </p:anim>
-                                  </p:childTnLst>
-                                </p:cTn>
-                              </p:par>
-                            </p:childTnLst>
-                          </p:cTn>
-                        </p:par>
-                      </p:childTnLst>
-                    </p:cTn>
-                  </p:par>
-                </p:childTnLst>
-              </p:cTn>
-              <p:prevCondLst>
-                <p:cond evt="onPrev" delay="0">
-                  <p:tgtEl>
-                    <p:sldTgt/>
-                  </p:tgtEl>
-                </p:cond>
-              </p:prevCondLst>
-              <p:nextCondLst>
-                <p:cond evt="onNext" delay="0">
-                  <p:tgtEl>
-                    <p:sldTgt/>
-                  </p:tgtEl>
-                </p:cond>
-              </p:nextCondLst>
-            </p:seq>
-          </p:childTnLst>
-        </p:cTn>
+        <p:cTn id="1" dur="indefinite" restart="never" nodeType="tmRoot"/>
       </p:par>
     </p:tnLst>
   </p:timing>
@@ -3755,7 +3283,1208 @@
           <a:bodyPr/>
           <a:lstStyle/>
           <a:p>
+            <a:r>
+              <a:rPr lang="en-US" altLang="zh-CN" dirty="0" err="1" smtClean="0">
+                <a:solidFill>
+                  <a:srgbClr val="C9394A"/>
+                </a:solidFill>
+              </a:rPr>
+              <a:t>requirejs</a:t>
+            </a:r>
+            <a:endParaRPr lang="zh-CN" altLang="en-US" dirty="0">
+              <a:solidFill>
+                <a:srgbClr val="C9394A"/>
+              </a:solidFill>
+            </a:endParaRPr>
+          </a:p>
+        </p:txBody>
+      </p:sp>
+      <p:sp>
+        <p:nvSpPr>
+          <p:cNvPr id="3" name="内容占位符 2"/>
+          <p:cNvSpPr>
+            <a:spLocks noGrp="1"/>
+          </p:cNvSpPr>
+          <p:nvPr>
+            <p:ph idx="1"/>
+          </p:nvPr>
+        </p:nvSpPr>
+        <p:spPr/>
+        <p:txBody>
+          <a:bodyPr/>
+          <a:lstStyle/>
+          <a:p>
+            <a:r>
+              <a:rPr lang="en-US" altLang="zh-CN" dirty="0" smtClean="0">
+                <a:hlinkClick r:id="rId2"/>
+              </a:rPr>
+              <a:t>https://github.com/requirejs/requirejs</a:t>
+            </a:r>
+            <a:endParaRPr lang="en-US" altLang="zh-CN" dirty="0" smtClean="0"/>
+          </a:p>
+          <a:p>
+            <a:endParaRPr lang="en-US" altLang="zh-CN" dirty="0" smtClean="0"/>
+          </a:p>
+        </p:txBody>
+      </p:sp>
+    </p:spTree>
+  </p:cSld>
+  <p:clrMapOvr>
+    <a:masterClrMapping/>
+  </p:clrMapOvr>
+  <p:timing>
+    <p:tnLst>
+      <p:par>
+        <p:cTn id="1" dur="indefinite" restart="never" nodeType="tmRoot"/>
+      </p:par>
+    </p:tnLst>
+  </p:timing>
+</p:sld>
+</file>
+
+<file path=ppt/slides/slide12.xml><?xml version="1.0" encoding="utf-8"?>
+<p:sld xmlns:a="http://schemas.openxmlformats.org/drawingml/2006/main" xmlns:r="http://schemas.openxmlformats.org/officeDocument/2006/relationships" xmlns:p="http://schemas.openxmlformats.org/presentationml/2006/main">
+  <p:cSld>
+    <p:spTree>
+      <p:nvGrpSpPr>
+        <p:cNvPr id="1" name=""/>
+        <p:cNvGrpSpPr/>
+        <p:nvPr/>
+      </p:nvGrpSpPr>
+      <p:grpSpPr>
+        <a:xfrm>
+          <a:off x="0" y="0"/>
+          <a:ext cx="0" cy="0"/>
+          <a:chOff x="0" y="0"/>
+          <a:chExt cx="0" cy="0"/>
+        </a:xfrm>
+      </p:grpSpPr>
+      <p:sp>
+        <p:nvSpPr>
+          <p:cNvPr id="2" name="标题 1"/>
+          <p:cNvSpPr>
+            <a:spLocks noGrp="1"/>
+          </p:cNvSpPr>
+          <p:nvPr>
+            <p:ph type="title"/>
+          </p:nvPr>
+        </p:nvSpPr>
+        <p:spPr/>
+        <p:txBody>
+          <a:bodyPr/>
+          <a:lstStyle/>
+          <a:p>
+            <a:r>
+              <a:rPr lang="zh-CN" altLang="en-US" dirty="0" smtClean="0">
+                <a:solidFill>
+                  <a:srgbClr val="C9394A"/>
+                </a:solidFill>
+              </a:rPr>
+              <a:t>为什么使</a:t>
+            </a:r>
+            <a:r>
+              <a:rPr lang="zh-CN" altLang="en-US" dirty="0" smtClean="0">
+                <a:solidFill>
+                  <a:srgbClr val="C9394A"/>
+                </a:solidFill>
+              </a:rPr>
+              <a:t>用</a:t>
+            </a:r>
+            <a:r>
+              <a:rPr lang="en-US" altLang="zh-CN" dirty="0" err="1" smtClean="0">
+                <a:solidFill>
+                  <a:srgbClr val="C9394A"/>
+                </a:solidFill>
+              </a:rPr>
+              <a:t>requirejs</a:t>
+            </a:r>
+            <a:endParaRPr lang="zh-CN" altLang="en-US" dirty="0"/>
+          </a:p>
+        </p:txBody>
+      </p:sp>
+      <p:sp>
+        <p:nvSpPr>
+          <p:cNvPr id="3" name="内容占位符 2"/>
+          <p:cNvSpPr>
+            <a:spLocks noGrp="1"/>
+          </p:cNvSpPr>
+          <p:nvPr>
+            <p:ph idx="1"/>
+          </p:nvPr>
+        </p:nvSpPr>
+        <p:spPr/>
+        <p:txBody>
+          <a:bodyPr/>
+          <a:lstStyle/>
+          <a:p>
+            <a:r>
+              <a:rPr lang="zh-CN" altLang="en-US" dirty="0" smtClean="0">
+                <a:solidFill>
+                  <a:srgbClr val="212121"/>
+                </a:solidFill>
+              </a:rPr>
+              <a:t>异步加载文件</a:t>
+            </a:r>
+            <a:endParaRPr lang="zh-CN" altLang="en-US" dirty="0">
+              <a:solidFill>
+                <a:srgbClr val="212121"/>
+              </a:solidFill>
+            </a:endParaRPr>
+          </a:p>
+        </p:txBody>
+      </p:sp>
+      <p:pic>
+        <p:nvPicPr>
+          <p:cNvPr id="1026" name="Picture 2"/>
+          <p:cNvPicPr>
+            <a:picLocks noChangeAspect="1" noChangeArrowheads="1"/>
+          </p:cNvPicPr>
+          <p:nvPr/>
+        </p:nvPicPr>
+        <p:blipFill>
+          <a:blip r:embed="rId2" cstate="print"/>
+          <a:srcRect/>
+          <a:stretch>
+            <a:fillRect/>
+          </a:stretch>
+        </p:blipFill>
+        <p:spPr bwMode="auto">
+          <a:xfrm>
+            <a:off x="1259632" y="2780928"/>
+            <a:ext cx="6172200" cy="1704975"/>
+          </a:xfrm>
+          <a:prstGeom prst="rect">
+            <a:avLst/>
+          </a:prstGeom>
+          <a:noFill/>
+          <a:ln w="9525">
+            <a:noFill/>
+            <a:miter lim="800000"/>
+            <a:headEnd/>
+            <a:tailEnd/>
+          </a:ln>
+        </p:spPr>
+      </p:pic>
+      <p:sp>
+        <p:nvSpPr>
+          <p:cNvPr id="5" name="矩形 4"/>
+          <p:cNvSpPr/>
+          <p:nvPr/>
+        </p:nvSpPr>
+        <p:spPr>
+          <a:xfrm>
+            <a:off x="1691680" y="3429000"/>
+            <a:ext cx="5328592" cy="360040"/>
+          </a:xfrm>
+          <a:prstGeom prst="rect">
+            <a:avLst/>
+          </a:prstGeom>
+          <a:noFill/>
+          <a:ln>
+            <a:solidFill>
+              <a:srgbClr val="C9394A"/>
+            </a:solidFill>
+          </a:ln>
+        </p:spPr>
+        <p:style>
+          <a:lnRef idx="2">
+            <a:schemeClr val="accent1">
+              <a:shade val="50000"/>
+            </a:schemeClr>
+          </a:lnRef>
+          <a:fillRef idx="1">
+            <a:schemeClr val="accent1"/>
+          </a:fillRef>
+          <a:effectRef idx="0">
+            <a:schemeClr val="accent1"/>
+          </a:effectRef>
+          <a:fontRef idx="minor">
+            <a:schemeClr val="lt1"/>
+          </a:fontRef>
+        </p:style>
+        <p:txBody>
+          <a:bodyPr rtlCol="0" anchor="ctr"/>
+          <a:lstStyle/>
+          <a:p>
+            <a:pPr algn="ctr"/>
             <a:endParaRPr lang="zh-CN" altLang="en-US"/>
+          </a:p>
+        </p:txBody>
+      </p:sp>
+    </p:spTree>
+  </p:cSld>
+  <p:clrMapOvr>
+    <a:masterClrMapping/>
+  </p:clrMapOvr>
+  <p:timing>
+    <p:tnLst>
+      <p:par>
+        <p:cTn id="1" dur="indefinite" restart="never" nodeType="tmRoot">
+          <p:childTnLst>
+            <p:seq concurrent="1" nextAc="seek">
+              <p:cTn id="2" dur="indefinite" nodeType="mainSeq">
+                <p:childTnLst>
+                  <p:par>
+                    <p:cTn id="3" fill="hold">
+                      <p:stCondLst>
+                        <p:cond delay="indefinite"/>
+                      </p:stCondLst>
+                      <p:childTnLst>
+                        <p:par>
+                          <p:cTn id="4" fill="hold">
+                            <p:stCondLst>
+                              <p:cond delay="0"/>
+                            </p:stCondLst>
+                            <p:childTnLst>
+                              <p:par>
+                                <p:cTn id="5" presetID="2" presetClass="entr" presetSubtype="4" fill="hold" nodeType="clickEffect">
+                                  <p:stCondLst>
+                                    <p:cond delay="0"/>
+                                  </p:stCondLst>
+                                  <p:childTnLst>
+                                    <p:set>
+                                      <p:cBhvr>
+                                        <p:cTn id="6" dur="1" fill="hold">
+                                          <p:stCondLst>
+                                            <p:cond delay="0"/>
+                                          </p:stCondLst>
+                                        </p:cTn>
+                                        <p:tgtEl>
+                                          <p:spTgt spid="3">
+                                            <p:txEl>
+                                              <p:pRg st="0" end="0"/>
+                                            </p:txEl>
+                                          </p:spTgt>
+                                        </p:tgtEl>
+                                        <p:attrNameLst>
+                                          <p:attrName>style.visibility</p:attrName>
+                                        </p:attrNameLst>
+                                      </p:cBhvr>
+                                      <p:to>
+                                        <p:strVal val="visible"/>
+                                      </p:to>
+                                    </p:set>
+                                    <p:anim calcmode="lin" valueType="num">
+                                      <p:cBhvr additive="base">
+                                        <p:cTn id="7" dur="500" fill="hold"/>
+                                        <p:tgtEl>
+                                          <p:spTgt spid="3">
+                                            <p:txEl>
+                                              <p:pRg st="0" end="0"/>
+                                            </p:txEl>
+                                          </p:spTgt>
+                                        </p:tgtEl>
+                                        <p:attrNameLst>
+                                          <p:attrName>ppt_x</p:attrName>
+                                        </p:attrNameLst>
+                                      </p:cBhvr>
+                                      <p:tavLst>
+                                        <p:tav tm="0">
+                                          <p:val>
+                                            <p:strVal val="#ppt_x"/>
+                                          </p:val>
+                                        </p:tav>
+                                        <p:tav tm="100000">
+                                          <p:val>
+                                            <p:strVal val="#ppt_x"/>
+                                          </p:val>
+                                        </p:tav>
+                                      </p:tavLst>
+                                    </p:anim>
+                                    <p:anim calcmode="lin" valueType="num">
+                                      <p:cBhvr additive="base">
+                                        <p:cTn id="8" dur="500" fill="hold"/>
+                                        <p:tgtEl>
+                                          <p:spTgt spid="3">
+                                            <p:txEl>
+                                              <p:pRg st="0" end="0"/>
+                                            </p:txEl>
+                                          </p:spTgt>
+                                        </p:tgtEl>
+                                        <p:attrNameLst>
+                                          <p:attrName>ppt_y</p:attrName>
+                                        </p:attrNameLst>
+                                      </p:cBhvr>
+                                      <p:tavLst>
+                                        <p:tav tm="0">
+                                          <p:val>
+                                            <p:strVal val="1+#ppt_h/2"/>
+                                          </p:val>
+                                        </p:tav>
+                                        <p:tav tm="100000">
+                                          <p:val>
+                                            <p:strVal val="#ppt_y"/>
+                                          </p:val>
+                                        </p:tav>
+                                      </p:tavLst>
+                                    </p:anim>
+                                  </p:childTnLst>
+                                </p:cTn>
+                              </p:par>
+                            </p:childTnLst>
+                          </p:cTn>
+                        </p:par>
+                      </p:childTnLst>
+                    </p:cTn>
+                  </p:par>
+                  <p:par>
+                    <p:cTn id="9" fill="hold">
+                      <p:stCondLst>
+                        <p:cond delay="indefinite"/>
+                      </p:stCondLst>
+                      <p:childTnLst>
+                        <p:par>
+                          <p:cTn id="10" fill="hold">
+                            <p:stCondLst>
+                              <p:cond delay="0"/>
+                            </p:stCondLst>
+                            <p:childTnLst>
+                              <p:par>
+                                <p:cTn id="11" presetID="2" presetClass="entr" presetSubtype="4" fill="hold" nodeType="clickEffect">
+                                  <p:stCondLst>
+                                    <p:cond delay="0"/>
+                                  </p:stCondLst>
+                                  <p:childTnLst>
+                                    <p:set>
+                                      <p:cBhvr>
+                                        <p:cTn id="12" dur="1" fill="hold">
+                                          <p:stCondLst>
+                                            <p:cond delay="0"/>
+                                          </p:stCondLst>
+                                        </p:cTn>
+                                        <p:tgtEl>
+                                          <p:spTgt spid="1026"/>
+                                        </p:tgtEl>
+                                        <p:attrNameLst>
+                                          <p:attrName>style.visibility</p:attrName>
+                                        </p:attrNameLst>
+                                      </p:cBhvr>
+                                      <p:to>
+                                        <p:strVal val="visible"/>
+                                      </p:to>
+                                    </p:set>
+                                    <p:anim calcmode="lin" valueType="num">
+                                      <p:cBhvr additive="base">
+                                        <p:cTn id="13" dur="500" fill="hold"/>
+                                        <p:tgtEl>
+                                          <p:spTgt spid="1026"/>
+                                        </p:tgtEl>
+                                        <p:attrNameLst>
+                                          <p:attrName>ppt_x</p:attrName>
+                                        </p:attrNameLst>
+                                      </p:cBhvr>
+                                      <p:tavLst>
+                                        <p:tav tm="0">
+                                          <p:val>
+                                            <p:strVal val="#ppt_x"/>
+                                          </p:val>
+                                        </p:tav>
+                                        <p:tav tm="100000">
+                                          <p:val>
+                                            <p:strVal val="#ppt_x"/>
+                                          </p:val>
+                                        </p:tav>
+                                      </p:tavLst>
+                                    </p:anim>
+                                    <p:anim calcmode="lin" valueType="num">
+                                      <p:cBhvr additive="base">
+                                        <p:cTn id="14" dur="500" fill="hold"/>
+                                        <p:tgtEl>
+                                          <p:spTgt spid="1026"/>
+                                        </p:tgtEl>
+                                        <p:attrNameLst>
+                                          <p:attrName>ppt_y</p:attrName>
+                                        </p:attrNameLst>
+                                      </p:cBhvr>
+                                      <p:tavLst>
+                                        <p:tav tm="0">
+                                          <p:val>
+                                            <p:strVal val="1+#ppt_h/2"/>
+                                          </p:val>
+                                        </p:tav>
+                                        <p:tav tm="100000">
+                                          <p:val>
+                                            <p:strVal val="#ppt_y"/>
+                                          </p:val>
+                                        </p:tav>
+                                      </p:tavLst>
+                                    </p:anim>
+                                  </p:childTnLst>
+                                </p:cTn>
+                              </p:par>
+                            </p:childTnLst>
+                          </p:cTn>
+                        </p:par>
+                      </p:childTnLst>
+                    </p:cTn>
+                  </p:par>
+                  <p:par>
+                    <p:cTn id="15" fill="hold">
+                      <p:stCondLst>
+                        <p:cond delay="indefinite"/>
+                      </p:stCondLst>
+                      <p:childTnLst>
+                        <p:par>
+                          <p:cTn id="16" fill="hold">
+                            <p:stCondLst>
+                              <p:cond delay="0"/>
+                            </p:stCondLst>
+                            <p:childTnLst>
+                              <p:par>
+                                <p:cTn id="17" presetID="2" presetClass="entr" presetSubtype="4" fill="hold" grpId="0" nodeType="clickEffect">
+                                  <p:stCondLst>
+                                    <p:cond delay="0"/>
+                                  </p:stCondLst>
+                                  <p:childTnLst>
+                                    <p:set>
+                                      <p:cBhvr>
+                                        <p:cTn id="18" dur="1" fill="hold">
+                                          <p:stCondLst>
+                                            <p:cond delay="0"/>
+                                          </p:stCondLst>
+                                        </p:cTn>
+                                        <p:tgtEl>
+                                          <p:spTgt spid="5"/>
+                                        </p:tgtEl>
+                                        <p:attrNameLst>
+                                          <p:attrName>style.visibility</p:attrName>
+                                        </p:attrNameLst>
+                                      </p:cBhvr>
+                                      <p:to>
+                                        <p:strVal val="visible"/>
+                                      </p:to>
+                                    </p:set>
+                                    <p:anim calcmode="lin" valueType="num">
+                                      <p:cBhvr additive="base">
+                                        <p:cTn id="19" dur="500" fill="hold"/>
+                                        <p:tgtEl>
+                                          <p:spTgt spid="5"/>
+                                        </p:tgtEl>
+                                        <p:attrNameLst>
+                                          <p:attrName>ppt_x</p:attrName>
+                                        </p:attrNameLst>
+                                      </p:cBhvr>
+                                      <p:tavLst>
+                                        <p:tav tm="0">
+                                          <p:val>
+                                            <p:strVal val="#ppt_x"/>
+                                          </p:val>
+                                        </p:tav>
+                                        <p:tav tm="100000">
+                                          <p:val>
+                                            <p:strVal val="#ppt_x"/>
+                                          </p:val>
+                                        </p:tav>
+                                      </p:tavLst>
+                                    </p:anim>
+                                    <p:anim calcmode="lin" valueType="num">
+                                      <p:cBhvr additive="base">
+                                        <p:cTn id="20" dur="500" fill="hold"/>
+                                        <p:tgtEl>
+                                          <p:spTgt spid="5"/>
+                                        </p:tgtEl>
+                                        <p:attrNameLst>
+                                          <p:attrName>ppt_y</p:attrName>
+                                        </p:attrNameLst>
+                                      </p:cBhvr>
+                                      <p:tavLst>
+                                        <p:tav tm="0">
+                                          <p:val>
+                                            <p:strVal val="1+#ppt_h/2"/>
+                                          </p:val>
+                                        </p:tav>
+                                        <p:tav tm="100000">
+                                          <p:val>
+                                            <p:strVal val="#ppt_y"/>
+                                          </p:val>
+                                        </p:tav>
+                                      </p:tavLst>
+                                    </p:anim>
+                                  </p:childTnLst>
+                                </p:cTn>
+                              </p:par>
+                            </p:childTnLst>
+                          </p:cTn>
+                        </p:par>
+                      </p:childTnLst>
+                    </p:cTn>
+                  </p:par>
+                </p:childTnLst>
+              </p:cTn>
+              <p:prevCondLst>
+                <p:cond evt="onPrev" delay="0">
+                  <p:tgtEl>
+                    <p:sldTgt/>
+                  </p:tgtEl>
+                </p:cond>
+              </p:prevCondLst>
+              <p:nextCondLst>
+                <p:cond evt="onNext" delay="0">
+                  <p:tgtEl>
+                    <p:sldTgt/>
+                  </p:tgtEl>
+                </p:cond>
+              </p:nextCondLst>
+            </p:seq>
+          </p:childTnLst>
+        </p:cTn>
+      </p:par>
+    </p:tnLst>
+    <p:bldLst>
+      <p:bldP spid="5" grpId="0" animBg="1"/>
+    </p:bldLst>
+  </p:timing>
+</p:sld>
+</file>
+
+<file path=ppt/slides/slide13.xml><?xml version="1.0" encoding="utf-8"?>
+<p:sld xmlns:a="http://schemas.openxmlformats.org/drawingml/2006/main" xmlns:r="http://schemas.openxmlformats.org/officeDocument/2006/relationships" xmlns:p="http://schemas.openxmlformats.org/presentationml/2006/main">
+  <p:cSld>
+    <p:spTree>
+      <p:nvGrpSpPr>
+        <p:cNvPr id="1" name=""/>
+        <p:cNvGrpSpPr/>
+        <p:nvPr/>
+      </p:nvGrpSpPr>
+      <p:grpSpPr>
+        <a:xfrm>
+          <a:off x="0" y="0"/>
+          <a:ext cx="0" cy="0"/>
+          <a:chOff x="0" y="0"/>
+          <a:chExt cx="0" cy="0"/>
+        </a:xfrm>
+      </p:grpSpPr>
+      <p:sp>
+        <p:nvSpPr>
+          <p:cNvPr id="2" name="标题 1"/>
+          <p:cNvSpPr>
+            <a:spLocks noGrp="1"/>
+          </p:cNvSpPr>
+          <p:nvPr>
+            <p:ph type="title"/>
+          </p:nvPr>
+        </p:nvSpPr>
+        <p:spPr/>
+        <p:txBody>
+          <a:bodyPr/>
+          <a:lstStyle/>
+          <a:p>
+            <a:r>
+              <a:rPr lang="zh-CN" altLang="en-US" dirty="0" smtClean="0">
+                <a:solidFill>
+                  <a:srgbClr val="C9394A"/>
+                </a:solidFill>
+              </a:rPr>
+              <a:t>模块</a:t>
+            </a:r>
+            <a:r>
+              <a:rPr lang="zh-CN" altLang="en-US" dirty="0" smtClean="0">
+                <a:solidFill>
+                  <a:srgbClr val="C9394A"/>
+                </a:solidFill>
+              </a:rPr>
+              <a:t>化</a:t>
+            </a:r>
+            <a:r>
+              <a:rPr lang="zh-CN" altLang="en-US" dirty="0" smtClean="0">
+                <a:solidFill>
+                  <a:srgbClr val="C9394A"/>
+                </a:solidFill>
+              </a:rPr>
+              <a:t>开发</a:t>
+            </a:r>
+            <a:endParaRPr lang="zh-CN" altLang="en-US" dirty="0">
+              <a:solidFill>
+                <a:srgbClr val="C9394A"/>
+              </a:solidFill>
+            </a:endParaRPr>
+          </a:p>
+        </p:txBody>
+      </p:sp>
+      <p:sp>
+        <p:nvSpPr>
+          <p:cNvPr id="3" name="内容占位符 2"/>
+          <p:cNvSpPr>
+            <a:spLocks noGrp="1"/>
+          </p:cNvSpPr>
+          <p:nvPr>
+            <p:ph idx="1"/>
+          </p:nvPr>
+        </p:nvSpPr>
+        <p:spPr/>
+        <p:txBody>
+          <a:bodyPr/>
+          <a:lstStyle/>
+          <a:p>
+            <a:r>
+              <a:rPr lang="zh-CN" altLang="en-US" dirty="0" smtClean="0">
+                <a:solidFill>
+                  <a:srgbClr val="212121"/>
+                </a:solidFill>
+              </a:rPr>
+              <a:t>一个文件一个模块</a:t>
+            </a:r>
+            <a:endParaRPr lang="en-US" altLang="zh-CN" dirty="0" smtClean="0">
+              <a:solidFill>
+                <a:srgbClr val="212121"/>
+              </a:solidFill>
+            </a:endParaRPr>
+          </a:p>
+          <a:p>
+            <a:endParaRPr lang="en-US" altLang="zh-CN" dirty="0" smtClean="0">
+              <a:solidFill>
+                <a:srgbClr val="212121"/>
+              </a:solidFill>
+            </a:endParaRPr>
+          </a:p>
+          <a:p>
+            <a:r>
+              <a:rPr lang="zh-CN" altLang="en-US" dirty="0" smtClean="0">
+                <a:solidFill>
+                  <a:srgbClr val="212121"/>
+                </a:solidFill>
+              </a:rPr>
+              <a:t>减少全局变量</a:t>
+            </a:r>
+            <a:endParaRPr lang="zh-CN" altLang="en-US" dirty="0">
+              <a:solidFill>
+                <a:srgbClr val="212121"/>
+              </a:solidFill>
+            </a:endParaRPr>
+          </a:p>
+        </p:txBody>
+      </p:sp>
+    </p:spTree>
+  </p:cSld>
+  <p:clrMapOvr>
+    <a:masterClrMapping/>
+  </p:clrMapOvr>
+  <p:timing>
+    <p:tnLst>
+      <p:par>
+        <p:cTn id="1" dur="indefinite" restart="never" nodeType="tmRoot">
+          <p:childTnLst>
+            <p:seq concurrent="1" nextAc="seek">
+              <p:cTn id="2" dur="indefinite" nodeType="mainSeq">
+                <p:childTnLst>
+                  <p:par>
+                    <p:cTn id="3" fill="hold">
+                      <p:stCondLst>
+                        <p:cond delay="indefinite"/>
+                      </p:stCondLst>
+                      <p:childTnLst>
+                        <p:par>
+                          <p:cTn id="4" fill="hold">
+                            <p:stCondLst>
+                              <p:cond delay="0"/>
+                            </p:stCondLst>
+                            <p:childTnLst>
+                              <p:par>
+                                <p:cTn id="5" presetID="2" presetClass="entr" presetSubtype="4" fill="hold" nodeType="clickEffect">
+                                  <p:stCondLst>
+                                    <p:cond delay="0"/>
+                                  </p:stCondLst>
+                                  <p:childTnLst>
+                                    <p:set>
+                                      <p:cBhvr>
+                                        <p:cTn id="6" dur="1" fill="hold">
+                                          <p:stCondLst>
+                                            <p:cond delay="0"/>
+                                          </p:stCondLst>
+                                        </p:cTn>
+                                        <p:tgtEl>
+                                          <p:spTgt spid="3">
+                                            <p:txEl>
+                                              <p:pRg st="0" end="0"/>
+                                            </p:txEl>
+                                          </p:spTgt>
+                                        </p:tgtEl>
+                                        <p:attrNameLst>
+                                          <p:attrName>style.visibility</p:attrName>
+                                        </p:attrNameLst>
+                                      </p:cBhvr>
+                                      <p:to>
+                                        <p:strVal val="visible"/>
+                                      </p:to>
+                                    </p:set>
+                                    <p:anim calcmode="lin" valueType="num">
+                                      <p:cBhvr additive="base">
+                                        <p:cTn id="7" dur="500" fill="hold"/>
+                                        <p:tgtEl>
+                                          <p:spTgt spid="3">
+                                            <p:txEl>
+                                              <p:pRg st="0" end="0"/>
+                                            </p:txEl>
+                                          </p:spTgt>
+                                        </p:tgtEl>
+                                        <p:attrNameLst>
+                                          <p:attrName>ppt_x</p:attrName>
+                                        </p:attrNameLst>
+                                      </p:cBhvr>
+                                      <p:tavLst>
+                                        <p:tav tm="0">
+                                          <p:val>
+                                            <p:strVal val="#ppt_x"/>
+                                          </p:val>
+                                        </p:tav>
+                                        <p:tav tm="100000">
+                                          <p:val>
+                                            <p:strVal val="#ppt_x"/>
+                                          </p:val>
+                                        </p:tav>
+                                      </p:tavLst>
+                                    </p:anim>
+                                    <p:anim calcmode="lin" valueType="num">
+                                      <p:cBhvr additive="base">
+                                        <p:cTn id="8" dur="500" fill="hold"/>
+                                        <p:tgtEl>
+                                          <p:spTgt spid="3">
+                                            <p:txEl>
+                                              <p:pRg st="0" end="0"/>
+                                            </p:txEl>
+                                          </p:spTgt>
+                                        </p:tgtEl>
+                                        <p:attrNameLst>
+                                          <p:attrName>ppt_y</p:attrName>
+                                        </p:attrNameLst>
+                                      </p:cBhvr>
+                                      <p:tavLst>
+                                        <p:tav tm="0">
+                                          <p:val>
+                                            <p:strVal val="1+#ppt_h/2"/>
+                                          </p:val>
+                                        </p:tav>
+                                        <p:tav tm="100000">
+                                          <p:val>
+                                            <p:strVal val="#ppt_y"/>
+                                          </p:val>
+                                        </p:tav>
+                                      </p:tavLst>
+                                    </p:anim>
+                                  </p:childTnLst>
+                                </p:cTn>
+                              </p:par>
+                            </p:childTnLst>
+                          </p:cTn>
+                        </p:par>
+                      </p:childTnLst>
+                    </p:cTn>
+                  </p:par>
+                  <p:par>
+                    <p:cTn id="9" fill="hold">
+                      <p:stCondLst>
+                        <p:cond delay="indefinite"/>
+                      </p:stCondLst>
+                      <p:childTnLst>
+                        <p:par>
+                          <p:cTn id="10" fill="hold">
+                            <p:stCondLst>
+                              <p:cond delay="0"/>
+                            </p:stCondLst>
+                            <p:childTnLst>
+                              <p:par>
+                                <p:cTn id="11" presetID="2" presetClass="entr" presetSubtype="4" fill="hold" nodeType="clickEffect">
+                                  <p:stCondLst>
+                                    <p:cond delay="0"/>
+                                  </p:stCondLst>
+                                  <p:childTnLst>
+                                    <p:set>
+                                      <p:cBhvr>
+                                        <p:cTn id="12" dur="1" fill="hold">
+                                          <p:stCondLst>
+                                            <p:cond delay="0"/>
+                                          </p:stCondLst>
+                                        </p:cTn>
+                                        <p:tgtEl>
+                                          <p:spTgt spid="3">
+                                            <p:txEl>
+                                              <p:pRg st="2" end="2"/>
+                                            </p:txEl>
+                                          </p:spTgt>
+                                        </p:tgtEl>
+                                        <p:attrNameLst>
+                                          <p:attrName>style.visibility</p:attrName>
+                                        </p:attrNameLst>
+                                      </p:cBhvr>
+                                      <p:to>
+                                        <p:strVal val="visible"/>
+                                      </p:to>
+                                    </p:set>
+                                    <p:anim calcmode="lin" valueType="num">
+                                      <p:cBhvr additive="base">
+                                        <p:cTn id="13" dur="500" fill="hold"/>
+                                        <p:tgtEl>
+                                          <p:spTgt spid="3">
+                                            <p:txEl>
+                                              <p:pRg st="2" end="2"/>
+                                            </p:txEl>
+                                          </p:spTgt>
+                                        </p:tgtEl>
+                                        <p:attrNameLst>
+                                          <p:attrName>ppt_x</p:attrName>
+                                        </p:attrNameLst>
+                                      </p:cBhvr>
+                                      <p:tavLst>
+                                        <p:tav tm="0">
+                                          <p:val>
+                                            <p:strVal val="#ppt_x"/>
+                                          </p:val>
+                                        </p:tav>
+                                        <p:tav tm="100000">
+                                          <p:val>
+                                            <p:strVal val="#ppt_x"/>
+                                          </p:val>
+                                        </p:tav>
+                                      </p:tavLst>
+                                    </p:anim>
+                                    <p:anim calcmode="lin" valueType="num">
+                                      <p:cBhvr additive="base">
+                                        <p:cTn id="14" dur="500" fill="hold"/>
+                                        <p:tgtEl>
+                                          <p:spTgt spid="3">
+                                            <p:txEl>
+                                              <p:pRg st="2" end="2"/>
+                                            </p:txEl>
+                                          </p:spTgt>
+                                        </p:tgtEl>
+                                        <p:attrNameLst>
+                                          <p:attrName>ppt_y</p:attrName>
+                                        </p:attrNameLst>
+                                      </p:cBhvr>
+                                      <p:tavLst>
+                                        <p:tav tm="0">
+                                          <p:val>
+                                            <p:strVal val="1+#ppt_h/2"/>
+                                          </p:val>
+                                        </p:tav>
+                                        <p:tav tm="100000">
+                                          <p:val>
+                                            <p:strVal val="#ppt_y"/>
+                                          </p:val>
+                                        </p:tav>
+                                      </p:tavLst>
+                                    </p:anim>
+                                  </p:childTnLst>
+                                </p:cTn>
+                              </p:par>
+                            </p:childTnLst>
+                          </p:cTn>
+                        </p:par>
+                      </p:childTnLst>
+                    </p:cTn>
+                  </p:par>
+                </p:childTnLst>
+              </p:cTn>
+              <p:prevCondLst>
+                <p:cond evt="onPrev" delay="0">
+                  <p:tgtEl>
+                    <p:sldTgt/>
+                  </p:tgtEl>
+                </p:cond>
+              </p:prevCondLst>
+              <p:nextCondLst>
+                <p:cond evt="onNext" delay="0">
+                  <p:tgtEl>
+                    <p:sldTgt/>
+                  </p:tgtEl>
+                </p:cond>
+              </p:nextCondLst>
+            </p:seq>
+          </p:childTnLst>
+        </p:cTn>
+      </p:par>
+    </p:tnLst>
+  </p:timing>
+</p:sld>
+</file>
+
+<file path=ppt/slides/slide14.xml><?xml version="1.0" encoding="utf-8"?>
+<p:sld xmlns:a="http://schemas.openxmlformats.org/drawingml/2006/main" xmlns:r="http://schemas.openxmlformats.org/officeDocument/2006/relationships" xmlns:p="http://schemas.openxmlformats.org/presentationml/2006/main">
+  <p:cSld>
+    <p:spTree>
+      <p:nvGrpSpPr>
+        <p:cNvPr id="1" name=""/>
+        <p:cNvGrpSpPr/>
+        <p:nvPr/>
+      </p:nvGrpSpPr>
+      <p:grpSpPr>
+        <a:xfrm>
+          <a:off x="0" y="0"/>
+          <a:ext cx="0" cy="0"/>
+          <a:chOff x="0" y="0"/>
+          <a:chExt cx="0" cy="0"/>
+        </a:xfrm>
+      </p:grpSpPr>
+      <p:sp>
+        <p:nvSpPr>
+          <p:cNvPr id="2" name="标题 1"/>
+          <p:cNvSpPr>
+            <a:spLocks noGrp="1"/>
+          </p:cNvSpPr>
+          <p:nvPr>
+            <p:ph type="title"/>
+          </p:nvPr>
+        </p:nvSpPr>
+        <p:spPr/>
+        <p:txBody>
+          <a:bodyPr/>
+          <a:lstStyle/>
+          <a:p>
+            <a:endParaRPr lang="zh-CN" altLang="en-US"/>
+          </a:p>
+        </p:txBody>
+      </p:sp>
+      <p:sp>
+        <p:nvSpPr>
+          <p:cNvPr id="3" name="内容占位符 2"/>
+          <p:cNvSpPr>
+            <a:spLocks noGrp="1"/>
+          </p:cNvSpPr>
+          <p:nvPr>
+            <p:ph idx="1"/>
+          </p:nvPr>
+        </p:nvSpPr>
+        <p:spPr/>
+        <p:txBody>
+          <a:bodyPr/>
+          <a:lstStyle/>
+          <a:p>
+            <a:r>
+              <a:rPr lang="en-US" altLang="zh-CN" dirty="0" smtClean="0">
+                <a:solidFill>
+                  <a:srgbClr val="C9394A"/>
+                </a:solidFill>
+              </a:rPr>
+              <a:t>define</a:t>
+            </a:r>
+            <a:r>
+              <a:rPr lang="zh-CN" altLang="en-US" dirty="0" smtClean="0">
+                <a:solidFill>
+                  <a:srgbClr val="212121"/>
+                </a:solidFill>
+              </a:rPr>
+              <a:t>：定义模块</a:t>
+            </a:r>
+            <a:endParaRPr lang="en-US" altLang="zh-CN" dirty="0" smtClean="0">
+              <a:solidFill>
+                <a:srgbClr val="212121"/>
+              </a:solidFill>
+            </a:endParaRPr>
+          </a:p>
+          <a:p>
+            <a:endParaRPr lang="en-US" altLang="zh-CN" dirty="0" smtClean="0">
+              <a:solidFill>
+                <a:srgbClr val="212121"/>
+              </a:solidFill>
+            </a:endParaRPr>
+          </a:p>
+          <a:p>
+            <a:r>
+              <a:rPr lang="en-US" altLang="zh-CN" dirty="0" smtClean="0">
+                <a:solidFill>
+                  <a:srgbClr val="C9394A"/>
+                </a:solidFill>
+              </a:rPr>
+              <a:t>require</a:t>
+            </a:r>
+            <a:r>
+              <a:rPr lang="zh-CN" altLang="en-US" dirty="0" smtClean="0">
+                <a:solidFill>
+                  <a:srgbClr val="212121"/>
+                </a:solidFill>
+              </a:rPr>
+              <a:t>：加载模块</a:t>
+            </a:r>
+            <a:endParaRPr lang="zh-CN" altLang="en-US" dirty="0">
+              <a:solidFill>
+                <a:srgbClr val="212121"/>
+              </a:solidFill>
+            </a:endParaRPr>
+          </a:p>
+        </p:txBody>
+      </p:sp>
+    </p:spTree>
+  </p:cSld>
+  <p:clrMapOvr>
+    <a:masterClrMapping/>
+  </p:clrMapOvr>
+  <p:timing>
+    <p:tnLst>
+      <p:par>
+        <p:cTn id="1" dur="indefinite" restart="never" nodeType="tmRoot">
+          <p:childTnLst>
+            <p:seq concurrent="1" nextAc="seek">
+              <p:cTn id="2" dur="indefinite" nodeType="mainSeq">
+                <p:childTnLst>
+                  <p:par>
+                    <p:cTn id="3" fill="hold">
+                      <p:stCondLst>
+                        <p:cond delay="indefinite"/>
+                      </p:stCondLst>
+                      <p:childTnLst>
+                        <p:par>
+                          <p:cTn id="4" fill="hold">
+                            <p:stCondLst>
+                              <p:cond delay="0"/>
+                            </p:stCondLst>
+                            <p:childTnLst>
+                              <p:par>
+                                <p:cTn id="5" presetID="2" presetClass="entr" presetSubtype="4" fill="hold" nodeType="clickEffect">
+                                  <p:stCondLst>
+                                    <p:cond delay="0"/>
+                                  </p:stCondLst>
+                                  <p:childTnLst>
+                                    <p:set>
+                                      <p:cBhvr>
+                                        <p:cTn id="6" dur="1" fill="hold">
+                                          <p:stCondLst>
+                                            <p:cond delay="0"/>
+                                          </p:stCondLst>
+                                        </p:cTn>
+                                        <p:tgtEl>
+                                          <p:spTgt spid="3">
+                                            <p:txEl>
+                                              <p:pRg st="2" end="2"/>
+                                            </p:txEl>
+                                          </p:spTgt>
+                                        </p:tgtEl>
+                                        <p:attrNameLst>
+                                          <p:attrName>style.visibility</p:attrName>
+                                        </p:attrNameLst>
+                                      </p:cBhvr>
+                                      <p:to>
+                                        <p:strVal val="visible"/>
+                                      </p:to>
+                                    </p:set>
+                                    <p:anim calcmode="lin" valueType="num">
+                                      <p:cBhvr additive="base">
+                                        <p:cTn id="7" dur="500" fill="hold"/>
+                                        <p:tgtEl>
+                                          <p:spTgt spid="3">
+                                            <p:txEl>
+                                              <p:pRg st="2" end="2"/>
+                                            </p:txEl>
+                                          </p:spTgt>
+                                        </p:tgtEl>
+                                        <p:attrNameLst>
+                                          <p:attrName>ppt_x</p:attrName>
+                                        </p:attrNameLst>
+                                      </p:cBhvr>
+                                      <p:tavLst>
+                                        <p:tav tm="0">
+                                          <p:val>
+                                            <p:strVal val="#ppt_x"/>
+                                          </p:val>
+                                        </p:tav>
+                                        <p:tav tm="100000">
+                                          <p:val>
+                                            <p:strVal val="#ppt_x"/>
+                                          </p:val>
+                                        </p:tav>
+                                      </p:tavLst>
+                                    </p:anim>
+                                    <p:anim calcmode="lin" valueType="num">
+                                      <p:cBhvr additive="base">
+                                        <p:cTn id="8" dur="500" fill="hold"/>
+                                        <p:tgtEl>
+                                          <p:spTgt spid="3">
+                                            <p:txEl>
+                                              <p:pRg st="2" end="2"/>
+                                            </p:txEl>
+                                          </p:spTgt>
+                                        </p:tgtEl>
+                                        <p:attrNameLst>
+                                          <p:attrName>ppt_y</p:attrName>
+                                        </p:attrNameLst>
+                                      </p:cBhvr>
+                                      <p:tavLst>
+                                        <p:tav tm="0">
+                                          <p:val>
+                                            <p:strVal val="1+#ppt_h/2"/>
+                                          </p:val>
+                                        </p:tav>
+                                        <p:tav tm="100000">
+                                          <p:val>
+                                            <p:strVal val="#ppt_y"/>
+                                          </p:val>
+                                        </p:tav>
+                                      </p:tavLst>
+                                    </p:anim>
+                                  </p:childTnLst>
+                                </p:cTn>
+                              </p:par>
+                            </p:childTnLst>
+                          </p:cTn>
+                        </p:par>
+                      </p:childTnLst>
+                    </p:cTn>
+                  </p:par>
+                </p:childTnLst>
+              </p:cTn>
+              <p:prevCondLst>
+                <p:cond evt="onPrev" delay="0">
+                  <p:tgtEl>
+                    <p:sldTgt/>
+                  </p:tgtEl>
+                </p:cond>
+              </p:prevCondLst>
+              <p:nextCondLst>
+                <p:cond evt="onNext" delay="0">
+                  <p:tgtEl>
+                    <p:sldTgt/>
+                  </p:tgtEl>
+                </p:cond>
+              </p:nextCondLst>
+            </p:seq>
+          </p:childTnLst>
+        </p:cTn>
+      </p:par>
+    </p:tnLst>
+  </p:timing>
+</p:sld>
+</file>
+
+<file path=ppt/slides/slide15.xml><?xml version="1.0" encoding="utf-8"?>
+<p:sld xmlns:a="http://schemas.openxmlformats.org/drawingml/2006/main" xmlns:r="http://schemas.openxmlformats.org/officeDocument/2006/relationships" xmlns:p="http://schemas.openxmlformats.org/presentationml/2006/main">
+  <p:cSld>
+    <p:spTree>
+      <p:nvGrpSpPr>
+        <p:cNvPr id="1" name=""/>
+        <p:cNvGrpSpPr/>
+        <p:nvPr/>
+      </p:nvGrpSpPr>
+      <p:grpSpPr>
+        <a:xfrm>
+          <a:off x="0" y="0"/>
+          <a:ext cx="0" cy="0"/>
+          <a:chOff x="0" y="0"/>
+          <a:chExt cx="0" cy="0"/>
+        </a:xfrm>
+      </p:grpSpPr>
+      <p:sp>
+        <p:nvSpPr>
+          <p:cNvPr id="2" name="标题 1"/>
+          <p:cNvSpPr>
+            <a:spLocks noGrp="1"/>
+          </p:cNvSpPr>
+          <p:nvPr>
+            <p:ph type="title"/>
+          </p:nvPr>
+        </p:nvSpPr>
+        <p:spPr/>
+        <p:txBody>
+          <a:bodyPr/>
+          <a:lstStyle/>
+          <a:p>
+            <a:r>
+              <a:rPr lang="en-US" altLang="zh-CN" dirty="0" smtClean="0"/>
+              <a:t>Define</a:t>
+            </a:r>
+            <a:r>
+              <a:rPr lang="zh-CN" altLang="en-US" dirty="0" smtClean="0"/>
+              <a:t>定义模块</a:t>
+            </a:r>
+            <a:endParaRPr lang="zh-CN" altLang="en-US" dirty="0"/>
           </a:p>
         </p:txBody>
       </p:sp>
@@ -3858,16 +4587,29 @@
                   <a:schemeClr val="bg1"/>
                 </a:solidFill>
               </a:rPr>
-              <a:t>模块</a:t>
-            </a:r>
-            <a:r>
-              <a:rPr lang="en-US" altLang="zh-CN" sz="2000" b="1" dirty="0" smtClean="0">
+              <a:t>模</a:t>
+            </a:r>
+            <a:r>
+              <a:rPr lang="zh-CN" altLang="en-US" sz="2000" b="1" dirty="0" smtClean="0">
                 <a:solidFill>
                   <a:schemeClr val="bg1"/>
                 </a:solidFill>
               </a:rPr>
-              <a:t>ID</a:t>
-            </a:r>
+              <a:t>块</a:t>
+            </a:r>
+            <a:r>
+              <a:rPr lang="zh-CN" altLang="en-US" sz="2000" b="1" dirty="0" smtClean="0">
+                <a:solidFill>
+                  <a:schemeClr val="bg1"/>
+                </a:solidFill>
+              </a:rPr>
+              <a:t>名</a:t>
+            </a:r>
+            <a:endParaRPr lang="en-US" altLang="zh-CN" sz="2000" b="1" dirty="0" smtClean="0">
+              <a:solidFill>
+                <a:schemeClr val="bg1"/>
+              </a:solidFill>
+            </a:endParaRPr>
           </a:p>
         </p:txBody>
       </p:sp>
@@ -5204,7 +5946,7 @@
 </p:sld>
 </file>
 
-<file path=ppt/slides/slide12.xml><?xml version="1.0" encoding="utf-8"?>
+<file path=ppt/slides/slide16.xml><?xml version="1.0" encoding="utf-8"?>
 <p:sld xmlns:a="http://schemas.openxmlformats.org/drawingml/2006/main" xmlns:r="http://schemas.openxmlformats.org/officeDocument/2006/relationships" xmlns:p="http://schemas.openxmlformats.org/presentationml/2006/main">
   <p:cSld>
     <p:spTree>
@@ -5236,7 +5978,15 @@
           <a:bodyPr/>
           <a:lstStyle/>
           <a:p>
-            <a:endParaRPr lang="zh-CN" altLang="en-US"/>
+            <a:r>
+              <a:rPr lang="en-US" altLang="zh-CN" dirty="0" smtClean="0"/>
+              <a:t>Require</a:t>
+            </a:r>
+            <a:r>
+              <a:rPr lang="zh-CN" altLang="en-US" dirty="0" smtClean="0"/>
+              <a:t>加载模块</a:t>
+            </a:r>
+            <a:endParaRPr lang="zh-CN" altLang="en-US" dirty="0"/>
           </a:p>
         </p:txBody>
       </p:sp>
@@ -5255,15 +6005,15 @@
           <a:bodyPr/>
           <a:lstStyle/>
           <a:p>
-            <a:endParaRPr lang="zh-CN" altLang="en-US"/>
+            <a:endParaRPr lang="zh-CN" altLang="en-US" dirty="0"/>
           </a:p>
         </p:txBody>
       </p:sp>
       <p:pic>
         <p:nvPicPr>
-          <p:cNvPr id="1026" name="Picture 2" descr="E:\慕课网\录制相关文件\小慕表情\GIF\51鍠囧彮鍠婅瘽.gif"/>
+          <p:cNvPr id="1026" name="Picture 2"/>
           <p:cNvPicPr>
-            <a:picLocks noChangeAspect="1" noChangeArrowheads="1" noCrop="1"/>
+            <a:picLocks noChangeAspect="1" noChangeArrowheads="1"/>
           </p:cNvPicPr>
           <p:nvPr/>
         </p:nvPicPr>
@@ -5276,121 +6026,240 @@
         </p:blipFill>
         <p:spPr bwMode="auto">
           <a:xfrm>
-            <a:off x="1907704" y="836712"/>
-            <a:ext cx="4762500" cy="4762500"/>
+            <a:off x="1547664" y="3068960"/>
+            <a:ext cx="5800725" cy="1352550"/>
           </a:xfrm>
           <a:prstGeom prst="rect">
             <a:avLst/>
           </a:prstGeom>
           <a:noFill/>
+          <a:ln w="9525">
+            <a:noFill/>
+            <a:miter lim="800000"/>
+            <a:headEnd/>
+            <a:tailEnd/>
+          </a:ln>
         </p:spPr>
       </p:pic>
-    </p:spTree>
-  </p:cSld>
-  <p:clrMapOvr>
-    <a:masterClrMapping/>
-  </p:clrMapOvr>
-  <p:timing>
-    <p:tnLst>
-      <p:par>
-        <p:cTn id="1" dur="indefinite" restart="never" nodeType="tmRoot"/>
-      </p:par>
-    </p:tnLst>
-  </p:timing>
-</p:sld>
-</file>
-
-<file path=ppt/slides/slide13.xml><?xml version="1.0" encoding="utf-8"?>
-<p:sld xmlns:a="http://schemas.openxmlformats.org/drawingml/2006/main" xmlns:r="http://schemas.openxmlformats.org/officeDocument/2006/relationships" xmlns:p="http://schemas.openxmlformats.org/presentationml/2006/main">
-  <p:cSld>
-    <p:spTree>
-      <p:nvGrpSpPr>
-        <p:cNvPr id="1" name=""/>
-        <p:cNvGrpSpPr/>
-        <p:nvPr/>
-      </p:nvGrpSpPr>
-      <p:grpSpPr>
-        <a:xfrm>
-          <a:off x="0" y="0"/>
-          <a:ext cx="0" cy="0"/>
-          <a:chOff x="0" y="0"/>
-          <a:chExt cx="0" cy="0"/>
-        </a:xfrm>
-      </p:grpSpPr>
       <p:sp>
         <p:nvSpPr>
-          <p:cNvPr id="2" name="标题 1"/>
-          <p:cNvSpPr>
-            <a:spLocks noGrp="1"/>
-          </p:cNvSpPr>
-          <p:nvPr>
-            <p:ph type="title"/>
-          </p:nvPr>
+          <p:cNvPr id="5" name="圆角矩形 4"/>
+          <p:cNvSpPr/>
+          <p:nvPr/>
         </p:nvSpPr>
-        <p:spPr/>
+        <p:spPr>
+          <a:xfrm>
+            <a:off x="1259632" y="1556792"/>
+            <a:ext cx="2016125" cy="886296"/>
+          </a:xfrm>
+          <a:prstGeom prst="roundRect">
+            <a:avLst/>
+          </a:prstGeom>
+          <a:solidFill>
+            <a:srgbClr val="C9394A"/>
+          </a:solidFill>
+          <a:ln/>
+        </p:spPr>
+        <p:style>
+          <a:lnRef idx="3">
+            <a:schemeClr val="lt1"/>
+          </a:lnRef>
+          <a:fillRef idx="1">
+            <a:schemeClr val="accent4"/>
+          </a:fillRef>
+          <a:effectRef idx="1">
+            <a:schemeClr val="accent4"/>
+          </a:effectRef>
+          <a:fontRef idx="minor">
+            <a:schemeClr val="lt1"/>
+          </a:fontRef>
+        </p:style>
         <p:txBody>
-          <a:bodyPr/>
+          <a:bodyPr anchor="ctr"/>
           <a:lstStyle/>
           <a:p>
-            <a:r>
-              <a:rPr lang="en-US" altLang="zh-CN" dirty="0" err="1" smtClean="0">
+            <a:pPr algn="ctr">
+              <a:buFont typeface="Arial" charset="0"/>
+              <a:buNone/>
+              <a:defRPr/>
+            </a:pPr>
+            <a:r>
+              <a:rPr lang="zh-CN" altLang="en-US" sz="2000" b="1" dirty="0" smtClean="0">
                 <a:solidFill>
-                  <a:srgbClr val="C9394A"/>
+                  <a:schemeClr val="bg1"/>
                 </a:solidFill>
               </a:rPr>
-              <a:t>requirejs</a:t>
-            </a:r>
-            <a:endParaRPr lang="zh-CN" altLang="en-US" dirty="0">
+              <a:t>模</a:t>
+            </a:r>
+            <a:r>
+              <a:rPr lang="zh-CN" altLang="en-US" sz="2000" b="1" dirty="0" smtClean="0">
+                <a:solidFill>
+                  <a:schemeClr val="bg1"/>
+                </a:solidFill>
+              </a:rPr>
+              <a:t>块</a:t>
+            </a:r>
+            <a:r>
+              <a:rPr lang="zh-CN" altLang="en-US" sz="2000" b="1" dirty="0" smtClean="0">
+                <a:solidFill>
+                  <a:schemeClr val="bg1"/>
+                </a:solidFill>
+              </a:rPr>
+              <a:t>名</a:t>
+            </a:r>
+            <a:endParaRPr lang="en-US" altLang="zh-CN" sz="2000" b="1" dirty="0" smtClean="0">
               <a:solidFill>
-                <a:srgbClr val="C9394A"/>
+                <a:schemeClr val="bg1"/>
               </a:solidFill>
             </a:endParaRPr>
           </a:p>
         </p:txBody>
       </p:sp>
+      <p:cxnSp>
+        <p:nvCxnSpPr>
+          <p:cNvPr id="6" name="直接箭头连接符 5"/>
+          <p:cNvCxnSpPr/>
+          <p:nvPr/>
+        </p:nvCxnSpPr>
+        <p:spPr>
+          <a:xfrm flipH="1" flipV="1">
+            <a:off x="2339752" y="2492896"/>
+            <a:ext cx="864096" cy="720080"/>
+          </a:xfrm>
+          <a:prstGeom prst="straightConnector1">
+            <a:avLst/>
+          </a:prstGeom>
+          <a:ln w="38100">
+            <a:solidFill>
+              <a:srgbClr val="C9394A"/>
+            </a:solidFill>
+            <a:tailEnd type="arrow"/>
+          </a:ln>
+        </p:spPr>
+        <p:style>
+          <a:lnRef idx="1">
+            <a:schemeClr val="accent1"/>
+          </a:lnRef>
+          <a:fillRef idx="0">
+            <a:schemeClr val="accent1"/>
+          </a:fillRef>
+          <a:effectRef idx="0">
+            <a:schemeClr val="accent1"/>
+          </a:effectRef>
+          <a:fontRef idx="minor">
+            <a:schemeClr val="tx1"/>
+          </a:fontRef>
+        </p:style>
+      </p:cxnSp>
       <p:sp>
         <p:nvSpPr>
-          <p:cNvPr id="3" name="内容占位符 2"/>
-          <p:cNvSpPr>
-            <a:spLocks noGrp="1"/>
-          </p:cNvSpPr>
-          <p:nvPr>
-            <p:ph idx="1"/>
-          </p:nvPr>
+          <p:cNvPr id="7" name="圆角矩形 6"/>
+          <p:cNvSpPr/>
+          <p:nvPr/>
         </p:nvSpPr>
-        <p:spPr/>
+        <p:spPr>
+          <a:xfrm>
+            <a:off x="5652120" y="1484784"/>
+            <a:ext cx="2016125" cy="886296"/>
+          </a:xfrm>
+          <a:prstGeom prst="roundRect">
+            <a:avLst/>
+          </a:prstGeom>
+          <a:solidFill>
+            <a:srgbClr val="C9394A"/>
+          </a:solidFill>
+          <a:ln/>
+        </p:spPr>
+        <p:style>
+          <a:lnRef idx="3">
+            <a:schemeClr val="lt1"/>
+          </a:lnRef>
+          <a:fillRef idx="1">
+            <a:schemeClr val="accent4"/>
+          </a:fillRef>
+          <a:effectRef idx="1">
+            <a:schemeClr val="accent4"/>
+          </a:effectRef>
+          <a:fontRef idx="minor">
+            <a:schemeClr val="lt1"/>
+          </a:fontRef>
+        </p:style>
         <p:txBody>
-          <a:bodyPr/>
+          <a:bodyPr anchor="ctr"/>
           <a:lstStyle/>
           <a:p>
-            <a:r>
-              <a:rPr lang="en-US" altLang="zh-CN" dirty="0" smtClean="0">
-                <a:hlinkClick r:id="rId2"/>
-              </a:rPr>
-              <a:t>https://github.com/requirejs/requirejs</a:t>
-            </a:r>
-            <a:endParaRPr lang="en-US" altLang="zh-CN" dirty="0" smtClean="0"/>
-          </a:p>
-          <a:p>
-            <a:endParaRPr lang="en-US" altLang="zh-CN" dirty="0" smtClean="0"/>
-          </a:p>
-          <a:p>
-            <a:r>
-              <a:rPr lang="zh-CN" altLang="en-US" dirty="0" smtClean="0">
+            <a:pPr algn="ctr">
+              <a:buFont typeface="Arial" charset="0"/>
+              <a:buNone/>
+              <a:defRPr/>
+            </a:pPr>
+            <a:r>
+              <a:rPr lang="zh-CN" altLang="en-US" sz="2000" b="1" dirty="0" smtClean="0">
                 <a:solidFill>
-                  <a:srgbClr val="212121"/>
+                  <a:schemeClr val="bg1"/>
                 </a:solidFill>
               </a:rPr>
-              <a:t>主要目的还是为了代码的模块化</a:t>
-            </a:r>
-            <a:endParaRPr lang="zh-CN" altLang="en-US" dirty="0">
+              <a:t>模块的实现</a:t>
+            </a:r>
+            <a:endParaRPr lang="en-US" altLang="zh-CN" sz="2000" b="1" dirty="0" smtClean="0">
               <a:solidFill>
-                <a:srgbClr val="212121"/>
+                <a:schemeClr val="bg1"/>
               </a:solidFill>
             </a:endParaRPr>
           </a:p>
+          <a:p>
+            <a:pPr algn="ctr">
+              <a:buFont typeface="Arial" charset="0"/>
+              <a:buNone/>
+              <a:defRPr/>
+            </a:pPr>
+            <a:r>
+              <a:rPr lang="en-US" altLang="zh-CN" sz="2000" b="1" dirty="0" smtClean="0">
+                <a:solidFill>
+                  <a:schemeClr val="bg1"/>
+                </a:solidFill>
+              </a:rPr>
+              <a:t>function</a:t>
+            </a:r>
+          </a:p>
         </p:txBody>
       </p:sp>
+      <p:cxnSp>
+        <p:nvCxnSpPr>
+          <p:cNvPr id="8" name="直接箭头连接符 7"/>
+          <p:cNvCxnSpPr/>
+          <p:nvPr/>
+        </p:nvCxnSpPr>
+        <p:spPr>
+          <a:xfrm flipV="1">
+            <a:off x="5796136" y="2420888"/>
+            <a:ext cx="864047" cy="769888"/>
+          </a:xfrm>
+          <a:prstGeom prst="straightConnector1">
+            <a:avLst/>
+          </a:prstGeom>
+          <a:ln w="38100">
+            <a:solidFill>
+              <a:srgbClr val="C9394A"/>
+            </a:solidFill>
+            <a:tailEnd type="arrow"/>
+          </a:ln>
+        </p:spPr>
+        <p:style>
+          <a:lnRef idx="1">
+            <a:schemeClr val="accent1"/>
+          </a:lnRef>
+          <a:fillRef idx="0">
+            <a:schemeClr val="accent1"/>
+          </a:fillRef>
+          <a:effectRef idx="0">
+            <a:schemeClr val="accent1"/>
+          </a:effectRef>
+          <a:fontRef idx="minor">
+            <a:schemeClr val="tx1"/>
+          </a:fontRef>
+        </p:style>
+      </p:cxnSp>
     </p:spTree>
   </p:cSld>
   <p:clrMapOvr>
@@ -5417,10 +6286,15 @@
                             </p:stCondLst>
                             <p:childTnLst>
                               <p:par>
-                                <p:cTn id="5" presetID="2" presetClass="entr" presetSubtype="4" fill="hold" nodeType="clickEffect">
+                                <p:cTn id="5" presetID="2" presetClass="entr" presetSubtype="4" fill="hold" nodeType="clickEffect" nodePh="1">
                                   <p:stCondLst>
                                     <p:cond delay="0"/>
                                   </p:stCondLst>
+                                  <p:endCondLst>
+                                    <p:cond evt="begin" delay="0">
+                                      <p:tn val="5"/>
+                                    </p:cond>
+                                  </p:endCondLst>
                                   <p:childTnLst>
                                     <p:set>
                                       <p:cBhvr>
@@ -5432,7 +6306,7 @@
                                         <p:tgtEl>
                                           <p:spTgt spid="3">
                                             <p:txEl>
-                                              <p:pRg st="2" end="2"/>
+                                              <p:pRg st="0" end="0"/>
                                             </p:txEl>
                                           </p:spTgt>
                                         </p:tgtEl>
@@ -5450,7 +6324,7 @@
                                         <p:tgtEl>
                                           <p:spTgt spid="3">
                                             <p:txEl>
-                                              <p:pRg st="2" end="2"/>
+                                              <p:pRg st="0" end="0"/>
                                             </p:txEl>
                                           </p:spTgt>
                                         </p:tgtEl>
@@ -5477,9 +6351,337 @@
                                         <p:tgtEl>
                                           <p:spTgt spid="3">
                                             <p:txEl>
-                                              <p:pRg st="2" end="2"/>
+                                              <p:pRg st="0" end="0"/>
                                             </p:txEl>
                                           </p:spTgt>
+                                        </p:tgtEl>
+                                        <p:attrNameLst>
+                                          <p:attrName>ppt_y</p:attrName>
+                                        </p:attrNameLst>
+                                      </p:cBhvr>
+                                      <p:tavLst>
+                                        <p:tav tm="0">
+                                          <p:val>
+                                            <p:strVal val="1+#ppt_h/2"/>
+                                          </p:val>
+                                        </p:tav>
+                                        <p:tav tm="100000">
+                                          <p:val>
+                                            <p:strVal val="#ppt_y"/>
+                                          </p:val>
+                                        </p:tav>
+                                      </p:tavLst>
+                                    </p:anim>
+                                  </p:childTnLst>
+                                </p:cTn>
+                              </p:par>
+                            </p:childTnLst>
+                          </p:cTn>
+                        </p:par>
+                      </p:childTnLst>
+                    </p:cTn>
+                  </p:par>
+                  <p:par>
+                    <p:cTn id="9" fill="hold">
+                      <p:stCondLst>
+                        <p:cond delay="indefinite"/>
+                      </p:stCondLst>
+                      <p:childTnLst>
+                        <p:par>
+                          <p:cTn id="10" fill="hold">
+                            <p:stCondLst>
+                              <p:cond delay="0"/>
+                            </p:stCondLst>
+                            <p:childTnLst>
+                              <p:par>
+                                <p:cTn id="11" presetID="2" presetClass="entr" presetSubtype="4" fill="hold" grpId="0" nodeType="clickEffect">
+                                  <p:stCondLst>
+                                    <p:cond delay="0"/>
+                                  </p:stCondLst>
+                                  <p:childTnLst>
+                                    <p:set>
+                                      <p:cBhvr>
+                                        <p:cTn id="12" dur="1" fill="hold">
+                                          <p:stCondLst>
+                                            <p:cond delay="0"/>
+                                          </p:stCondLst>
+                                        </p:cTn>
+                                        <p:tgtEl>
+                                          <p:spTgt spid="5"/>
+                                        </p:tgtEl>
+                                        <p:attrNameLst>
+                                          <p:attrName>style.visibility</p:attrName>
+                                        </p:attrNameLst>
+                                      </p:cBhvr>
+                                      <p:to>
+                                        <p:strVal val="visible"/>
+                                      </p:to>
+                                    </p:set>
+                                    <p:anim calcmode="lin" valueType="num">
+                                      <p:cBhvr additive="base">
+                                        <p:cTn id="13" dur="500" fill="hold"/>
+                                        <p:tgtEl>
+                                          <p:spTgt spid="5"/>
+                                        </p:tgtEl>
+                                        <p:attrNameLst>
+                                          <p:attrName>ppt_x</p:attrName>
+                                        </p:attrNameLst>
+                                      </p:cBhvr>
+                                      <p:tavLst>
+                                        <p:tav tm="0">
+                                          <p:val>
+                                            <p:strVal val="#ppt_x"/>
+                                          </p:val>
+                                        </p:tav>
+                                        <p:tav tm="100000">
+                                          <p:val>
+                                            <p:strVal val="#ppt_x"/>
+                                          </p:val>
+                                        </p:tav>
+                                      </p:tavLst>
+                                    </p:anim>
+                                    <p:anim calcmode="lin" valueType="num">
+                                      <p:cBhvr additive="base">
+                                        <p:cTn id="14" dur="500" fill="hold"/>
+                                        <p:tgtEl>
+                                          <p:spTgt spid="5"/>
+                                        </p:tgtEl>
+                                        <p:attrNameLst>
+                                          <p:attrName>ppt_y</p:attrName>
+                                        </p:attrNameLst>
+                                      </p:cBhvr>
+                                      <p:tavLst>
+                                        <p:tav tm="0">
+                                          <p:val>
+                                            <p:strVal val="1+#ppt_h/2"/>
+                                          </p:val>
+                                        </p:tav>
+                                        <p:tav tm="100000">
+                                          <p:val>
+                                            <p:strVal val="#ppt_y"/>
+                                          </p:val>
+                                        </p:tav>
+                                      </p:tavLst>
+                                    </p:anim>
+                                  </p:childTnLst>
+                                </p:cTn>
+                              </p:par>
+                              <p:par>
+                                <p:cTn id="15" presetID="2" presetClass="entr" presetSubtype="4" fill="hold" nodeType="withEffect">
+                                  <p:stCondLst>
+                                    <p:cond delay="0"/>
+                                  </p:stCondLst>
+                                  <p:childTnLst>
+                                    <p:set>
+                                      <p:cBhvr>
+                                        <p:cTn id="16" dur="1" fill="hold">
+                                          <p:stCondLst>
+                                            <p:cond delay="0"/>
+                                          </p:stCondLst>
+                                        </p:cTn>
+                                        <p:tgtEl>
+                                          <p:spTgt spid="6"/>
+                                        </p:tgtEl>
+                                        <p:attrNameLst>
+                                          <p:attrName>style.visibility</p:attrName>
+                                        </p:attrNameLst>
+                                      </p:cBhvr>
+                                      <p:to>
+                                        <p:strVal val="visible"/>
+                                      </p:to>
+                                    </p:set>
+                                    <p:anim calcmode="lin" valueType="num">
+                                      <p:cBhvr additive="base">
+                                        <p:cTn id="17" dur="500" fill="hold"/>
+                                        <p:tgtEl>
+                                          <p:spTgt spid="6"/>
+                                        </p:tgtEl>
+                                        <p:attrNameLst>
+                                          <p:attrName>ppt_x</p:attrName>
+                                        </p:attrNameLst>
+                                      </p:cBhvr>
+                                      <p:tavLst>
+                                        <p:tav tm="0">
+                                          <p:val>
+                                            <p:strVal val="#ppt_x"/>
+                                          </p:val>
+                                        </p:tav>
+                                        <p:tav tm="100000">
+                                          <p:val>
+                                            <p:strVal val="#ppt_x"/>
+                                          </p:val>
+                                        </p:tav>
+                                      </p:tavLst>
+                                    </p:anim>
+                                    <p:anim calcmode="lin" valueType="num">
+                                      <p:cBhvr additive="base">
+                                        <p:cTn id="18" dur="500" fill="hold"/>
+                                        <p:tgtEl>
+                                          <p:spTgt spid="6"/>
+                                        </p:tgtEl>
+                                        <p:attrNameLst>
+                                          <p:attrName>ppt_y</p:attrName>
+                                        </p:attrNameLst>
+                                      </p:cBhvr>
+                                      <p:tavLst>
+                                        <p:tav tm="0">
+                                          <p:val>
+                                            <p:strVal val="1+#ppt_h/2"/>
+                                          </p:val>
+                                        </p:tav>
+                                        <p:tav tm="100000">
+                                          <p:val>
+                                            <p:strVal val="#ppt_y"/>
+                                          </p:val>
+                                        </p:tav>
+                                      </p:tavLst>
+                                    </p:anim>
+                                  </p:childTnLst>
+                                </p:cTn>
+                              </p:par>
+                            </p:childTnLst>
+                          </p:cTn>
+                        </p:par>
+                      </p:childTnLst>
+                    </p:cTn>
+                  </p:par>
+                  <p:par>
+                    <p:cTn id="19" fill="hold">
+                      <p:stCondLst>
+                        <p:cond delay="indefinite"/>
+                      </p:stCondLst>
+                      <p:childTnLst>
+                        <p:par>
+                          <p:cTn id="20" fill="hold">
+                            <p:stCondLst>
+                              <p:cond delay="0"/>
+                            </p:stCondLst>
+                            <p:childTnLst>
+                              <p:par>
+                                <p:cTn id="21" presetID="2" presetClass="entr" presetSubtype="4" fill="hold" grpId="0" nodeType="clickEffect">
+                                  <p:stCondLst>
+                                    <p:cond delay="0"/>
+                                  </p:stCondLst>
+                                  <p:childTnLst>
+                                    <p:set>
+                                      <p:cBhvr>
+                                        <p:cTn id="22" dur="1" fill="hold">
+                                          <p:stCondLst>
+                                            <p:cond delay="0"/>
+                                          </p:stCondLst>
+                                        </p:cTn>
+                                        <p:tgtEl>
+                                          <p:spTgt spid="7"/>
+                                        </p:tgtEl>
+                                        <p:attrNameLst>
+                                          <p:attrName>style.visibility</p:attrName>
+                                        </p:attrNameLst>
+                                      </p:cBhvr>
+                                      <p:to>
+                                        <p:strVal val="visible"/>
+                                      </p:to>
+                                    </p:set>
+                                    <p:anim calcmode="lin" valueType="num">
+                                      <p:cBhvr additive="base">
+                                        <p:cTn id="23" dur="500" fill="hold"/>
+                                        <p:tgtEl>
+                                          <p:spTgt spid="7"/>
+                                        </p:tgtEl>
+                                        <p:attrNameLst>
+                                          <p:attrName>ppt_x</p:attrName>
+                                        </p:attrNameLst>
+                                      </p:cBhvr>
+                                      <p:tavLst>
+                                        <p:tav tm="0">
+                                          <p:val>
+                                            <p:strVal val="#ppt_x"/>
+                                          </p:val>
+                                        </p:tav>
+                                        <p:tav tm="100000">
+                                          <p:val>
+                                            <p:strVal val="#ppt_x"/>
+                                          </p:val>
+                                        </p:tav>
+                                      </p:tavLst>
+                                    </p:anim>
+                                    <p:anim calcmode="lin" valueType="num">
+                                      <p:cBhvr additive="base">
+                                        <p:cTn id="24" dur="500" fill="hold"/>
+                                        <p:tgtEl>
+                                          <p:spTgt spid="7"/>
+                                        </p:tgtEl>
+                                        <p:attrNameLst>
+                                          <p:attrName>ppt_y</p:attrName>
+                                        </p:attrNameLst>
+                                      </p:cBhvr>
+                                      <p:tavLst>
+                                        <p:tav tm="0">
+                                          <p:val>
+                                            <p:strVal val="1+#ppt_h/2"/>
+                                          </p:val>
+                                        </p:tav>
+                                        <p:tav tm="100000">
+                                          <p:val>
+                                            <p:strVal val="#ppt_y"/>
+                                          </p:val>
+                                        </p:tav>
+                                      </p:tavLst>
+                                    </p:anim>
+                                  </p:childTnLst>
+                                </p:cTn>
+                              </p:par>
+                              <p:par>
+                                <p:cTn id="25" presetID="2" presetClass="entr" presetSubtype="4" fill="hold" nodeType="withEffect">
+                                  <p:stCondLst>
+                                    <p:cond delay="0"/>
+                                  </p:stCondLst>
+                                  <p:childTnLst>
+                                    <p:set>
+                                      <p:cBhvr>
+                                        <p:cTn id="26" dur="1" fill="hold">
+                                          <p:stCondLst>
+                                            <p:cond delay="0"/>
+                                          </p:stCondLst>
+                                        </p:cTn>
+                                        <p:tgtEl>
+                                          <p:spTgt spid="8"/>
+                                        </p:tgtEl>
+                                        <p:attrNameLst>
+                                          <p:attrName>style.visibility</p:attrName>
+                                        </p:attrNameLst>
+                                      </p:cBhvr>
+                                      <p:to>
+                                        <p:strVal val="visible"/>
+                                      </p:to>
+                                    </p:set>
+                                    <p:anim calcmode="lin" valueType="num">
+                                      <p:cBhvr additive="base">
+                                        <p:cTn id="27" dur="500" fill="hold"/>
+                                        <p:tgtEl>
+                                          <p:spTgt spid="8"/>
+                                        </p:tgtEl>
+                                        <p:attrNameLst>
+                                          <p:attrName>ppt_x</p:attrName>
+                                        </p:attrNameLst>
+                                      </p:cBhvr>
+                                      <p:tavLst>
+                                        <p:tav tm="0">
+                                          <p:val>
+                                            <p:strVal val="#ppt_x"/>
+                                          </p:val>
+                                        </p:tav>
+                                        <p:tav tm="100000">
+                                          <p:val>
+                                            <p:strVal val="#ppt_x"/>
+                                          </p:val>
+                                        </p:tav>
+                                      </p:tavLst>
+                                    </p:anim>
+                                    <p:anim calcmode="lin" valueType="num">
+                                      <p:cBhvr additive="base">
+                                        <p:cTn id="28" dur="500" fill="hold"/>
+                                        <p:tgtEl>
+                                          <p:spTgt spid="8"/>
                                         </p:tgtEl>
                                         <p:attrNameLst>
                                           <p:attrName>ppt_y</p:attrName>
@@ -5528,11 +6730,15 @@
         </p:cTn>
       </p:par>
     </p:tnLst>
+    <p:bldLst>
+      <p:bldP spid="5" grpId="0" animBg="1"/>
+      <p:bldP spid="7" grpId="0" animBg="1"/>
+    </p:bldLst>
   </p:timing>
 </p:sld>
 </file>
 
-<file path=ppt/slides/slide14.xml><?xml version="1.0" encoding="utf-8"?>
+<file path=ppt/slides/slide17.xml><?xml version="1.0" encoding="utf-8"?>
 <p:sld xmlns:a="http://schemas.openxmlformats.org/drawingml/2006/main" xmlns:r="http://schemas.openxmlformats.org/officeDocument/2006/relationships" xmlns:p="http://schemas.openxmlformats.org/presentationml/2006/main">
   <p:cSld>
     <p:spTree>
@@ -5564,7 +6770,19 @@
           <a:bodyPr/>
           <a:lstStyle/>
           <a:p>
-            <a:endParaRPr lang="zh-CN" altLang="en-US"/>
+            <a:r>
+              <a:rPr lang="zh-CN" altLang="en-US" dirty="0" smtClean="0">
+                <a:solidFill>
+                  <a:srgbClr val="C9394A"/>
+                </a:solidFill>
+              </a:rPr>
+              <a:t>加载文件</a:t>
+            </a:r>
+            <a:endParaRPr lang="zh-CN" altLang="en-US" dirty="0">
+              <a:solidFill>
+                <a:srgbClr val="C9394A"/>
+              </a:solidFill>
+            </a:endParaRPr>
           </a:p>
         </p:txBody>
       </p:sp>
@@ -5584,527 +6802,6 @@
           <a:lstStyle/>
           <a:p>
             <a:r>
-              <a:rPr lang="en-US" altLang="zh-CN" dirty="0" smtClean="0"/>
-              <a:t>define</a:t>
-            </a:r>
-          </a:p>
-          <a:p>
-            <a:pPr lvl="1"/>
-            <a:r>
-              <a:rPr lang="zh-CN" altLang="en-US" dirty="0" smtClean="0"/>
-              <a:t>定</a:t>
-            </a:r>
-            <a:r>
-              <a:rPr lang="zh-CN" altLang="en-US" dirty="0" smtClean="0"/>
-              <a:t>义模块</a:t>
-            </a:r>
-            <a:endParaRPr lang="en-US" altLang="zh-CN" dirty="0" smtClean="0"/>
-          </a:p>
-          <a:p>
-            <a:endParaRPr lang="en-US" altLang="zh-CN" dirty="0" smtClean="0"/>
-          </a:p>
-          <a:p>
-            <a:r>
-              <a:rPr lang="en-US" altLang="zh-CN" dirty="0" smtClean="0"/>
-              <a:t>r</a:t>
-            </a:r>
-            <a:r>
-              <a:rPr lang="en-US" altLang="zh-CN" dirty="0" smtClean="0"/>
-              <a:t>equire</a:t>
-            </a:r>
-          </a:p>
-          <a:p>
-            <a:pPr lvl="1"/>
-            <a:r>
-              <a:rPr lang="zh-CN" altLang="en-US" dirty="0" smtClean="0"/>
-              <a:t>加</a:t>
-            </a:r>
-            <a:r>
-              <a:rPr lang="zh-CN" altLang="en-US" dirty="0" smtClean="0"/>
-              <a:t>载模块</a:t>
-            </a:r>
-            <a:endParaRPr lang="zh-CN" altLang="en-US" dirty="0"/>
-          </a:p>
-        </p:txBody>
-      </p:sp>
-    </p:spTree>
-  </p:cSld>
-  <p:clrMapOvr>
-    <a:masterClrMapping/>
-  </p:clrMapOvr>
-  <p:timing>
-    <p:tnLst>
-      <p:par>
-        <p:cTn id="1" dur="indefinite" restart="never" nodeType="tmRoot">
-          <p:childTnLst>
-            <p:seq concurrent="1" nextAc="seek">
-              <p:cTn id="2" dur="indefinite" nodeType="mainSeq">
-                <p:childTnLst>
-                  <p:par>
-                    <p:cTn id="3" fill="hold">
-                      <p:stCondLst>
-                        <p:cond delay="indefinite"/>
-                      </p:stCondLst>
-                      <p:childTnLst>
-                        <p:par>
-                          <p:cTn id="4" fill="hold">
-                            <p:stCondLst>
-                              <p:cond delay="0"/>
-                            </p:stCondLst>
-                            <p:childTnLst>
-                              <p:par>
-                                <p:cTn id="5" presetID="2" presetClass="entr" presetSubtype="4" fill="hold" nodeType="clickEffect">
-                                  <p:stCondLst>
-                                    <p:cond delay="0"/>
-                                  </p:stCondLst>
-                                  <p:childTnLst>
-                                    <p:set>
-                                      <p:cBhvr>
-                                        <p:cTn id="6" dur="1" fill="hold">
-                                          <p:stCondLst>
-                                            <p:cond delay="0"/>
-                                          </p:stCondLst>
-                                        </p:cTn>
-                                        <p:tgtEl>
-                                          <p:spTgt spid="3">
-                                            <p:txEl>
-                                              <p:pRg st="0" end="0"/>
-                                            </p:txEl>
-                                          </p:spTgt>
-                                        </p:tgtEl>
-                                        <p:attrNameLst>
-                                          <p:attrName>style.visibility</p:attrName>
-                                        </p:attrNameLst>
-                                      </p:cBhvr>
-                                      <p:to>
-                                        <p:strVal val="visible"/>
-                                      </p:to>
-                                    </p:set>
-                                    <p:anim calcmode="lin" valueType="num">
-                                      <p:cBhvr additive="base">
-                                        <p:cTn id="7" dur="500" fill="hold"/>
-                                        <p:tgtEl>
-                                          <p:spTgt spid="3">
-                                            <p:txEl>
-                                              <p:pRg st="0" end="0"/>
-                                            </p:txEl>
-                                          </p:spTgt>
-                                        </p:tgtEl>
-                                        <p:attrNameLst>
-                                          <p:attrName>ppt_x</p:attrName>
-                                        </p:attrNameLst>
-                                      </p:cBhvr>
-                                      <p:tavLst>
-                                        <p:tav tm="0">
-                                          <p:val>
-                                            <p:strVal val="#ppt_x"/>
-                                          </p:val>
-                                        </p:tav>
-                                        <p:tav tm="100000">
-                                          <p:val>
-                                            <p:strVal val="#ppt_x"/>
-                                          </p:val>
-                                        </p:tav>
-                                      </p:tavLst>
-                                    </p:anim>
-                                    <p:anim calcmode="lin" valueType="num">
-                                      <p:cBhvr additive="base">
-                                        <p:cTn id="8" dur="500" fill="hold"/>
-                                        <p:tgtEl>
-                                          <p:spTgt spid="3">
-                                            <p:txEl>
-                                              <p:pRg st="0" end="0"/>
-                                            </p:txEl>
-                                          </p:spTgt>
-                                        </p:tgtEl>
-                                        <p:attrNameLst>
-                                          <p:attrName>ppt_y</p:attrName>
-                                        </p:attrNameLst>
-                                      </p:cBhvr>
-                                      <p:tavLst>
-                                        <p:tav tm="0">
-                                          <p:val>
-                                            <p:strVal val="1+#ppt_h/2"/>
-                                          </p:val>
-                                        </p:tav>
-                                        <p:tav tm="100000">
-                                          <p:val>
-                                            <p:strVal val="#ppt_y"/>
-                                          </p:val>
-                                        </p:tav>
-                                      </p:tavLst>
-                                    </p:anim>
-                                  </p:childTnLst>
-                                </p:cTn>
-                              </p:par>
-                              <p:par>
-                                <p:cTn id="9" presetID="2" presetClass="entr" presetSubtype="4" fill="hold" nodeType="withEffect">
-                                  <p:stCondLst>
-                                    <p:cond delay="0"/>
-                                  </p:stCondLst>
-                                  <p:childTnLst>
-                                    <p:set>
-                                      <p:cBhvr>
-                                        <p:cTn id="10" dur="1" fill="hold">
-                                          <p:stCondLst>
-                                            <p:cond delay="0"/>
-                                          </p:stCondLst>
-                                        </p:cTn>
-                                        <p:tgtEl>
-                                          <p:spTgt spid="3">
-                                            <p:txEl>
-                                              <p:pRg st="1" end="1"/>
-                                            </p:txEl>
-                                          </p:spTgt>
-                                        </p:tgtEl>
-                                        <p:attrNameLst>
-                                          <p:attrName>style.visibility</p:attrName>
-                                        </p:attrNameLst>
-                                      </p:cBhvr>
-                                      <p:to>
-                                        <p:strVal val="visible"/>
-                                      </p:to>
-                                    </p:set>
-                                    <p:anim calcmode="lin" valueType="num">
-                                      <p:cBhvr additive="base">
-                                        <p:cTn id="11" dur="500" fill="hold"/>
-                                        <p:tgtEl>
-                                          <p:spTgt spid="3">
-                                            <p:txEl>
-                                              <p:pRg st="1" end="1"/>
-                                            </p:txEl>
-                                          </p:spTgt>
-                                        </p:tgtEl>
-                                        <p:attrNameLst>
-                                          <p:attrName>ppt_x</p:attrName>
-                                        </p:attrNameLst>
-                                      </p:cBhvr>
-                                      <p:tavLst>
-                                        <p:tav tm="0">
-                                          <p:val>
-                                            <p:strVal val="#ppt_x"/>
-                                          </p:val>
-                                        </p:tav>
-                                        <p:tav tm="100000">
-                                          <p:val>
-                                            <p:strVal val="#ppt_x"/>
-                                          </p:val>
-                                        </p:tav>
-                                      </p:tavLst>
-                                    </p:anim>
-                                    <p:anim calcmode="lin" valueType="num">
-                                      <p:cBhvr additive="base">
-                                        <p:cTn id="12" dur="500" fill="hold"/>
-                                        <p:tgtEl>
-                                          <p:spTgt spid="3">
-                                            <p:txEl>
-                                              <p:pRg st="1" end="1"/>
-                                            </p:txEl>
-                                          </p:spTgt>
-                                        </p:tgtEl>
-                                        <p:attrNameLst>
-                                          <p:attrName>ppt_y</p:attrName>
-                                        </p:attrNameLst>
-                                      </p:cBhvr>
-                                      <p:tavLst>
-                                        <p:tav tm="0">
-                                          <p:val>
-                                            <p:strVal val="1+#ppt_h/2"/>
-                                          </p:val>
-                                        </p:tav>
-                                        <p:tav tm="100000">
-                                          <p:val>
-                                            <p:strVal val="#ppt_y"/>
-                                          </p:val>
-                                        </p:tav>
-                                      </p:tavLst>
-                                    </p:anim>
-                                  </p:childTnLst>
-                                </p:cTn>
-                              </p:par>
-                            </p:childTnLst>
-                          </p:cTn>
-                        </p:par>
-                      </p:childTnLst>
-                    </p:cTn>
-                  </p:par>
-                  <p:par>
-                    <p:cTn id="13" fill="hold">
-                      <p:stCondLst>
-                        <p:cond delay="indefinite"/>
-                      </p:stCondLst>
-                      <p:childTnLst>
-                        <p:par>
-                          <p:cTn id="14" fill="hold">
-                            <p:stCondLst>
-                              <p:cond delay="0"/>
-                            </p:stCondLst>
-                            <p:childTnLst>
-                              <p:par>
-                                <p:cTn id="15" presetID="2" presetClass="entr" presetSubtype="4" fill="hold" nodeType="clickEffect">
-                                  <p:stCondLst>
-                                    <p:cond delay="0"/>
-                                  </p:stCondLst>
-                                  <p:childTnLst>
-                                    <p:set>
-                                      <p:cBhvr>
-                                        <p:cTn id="16" dur="1" fill="hold">
-                                          <p:stCondLst>
-                                            <p:cond delay="0"/>
-                                          </p:stCondLst>
-                                        </p:cTn>
-                                        <p:tgtEl>
-                                          <p:spTgt spid="3">
-                                            <p:txEl>
-                                              <p:pRg st="3" end="3"/>
-                                            </p:txEl>
-                                          </p:spTgt>
-                                        </p:tgtEl>
-                                        <p:attrNameLst>
-                                          <p:attrName>style.visibility</p:attrName>
-                                        </p:attrNameLst>
-                                      </p:cBhvr>
-                                      <p:to>
-                                        <p:strVal val="visible"/>
-                                      </p:to>
-                                    </p:set>
-                                    <p:anim calcmode="lin" valueType="num">
-                                      <p:cBhvr additive="base">
-                                        <p:cTn id="17" dur="500" fill="hold"/>
-                                        <p:tgtEl>
-                                          <p:spTgt spid="3">
-                                            <p:txEl>
-                                              <p:pRg st="3" end="3"/>
-                                            </p:txEl>
-                                          </p:spTgt>
-                                        </p:tgtEl>
-                                        <p:attrNameLst>
-                                          <p:attrName>ppt_x</p:attrName>
-                                        </p:attrNameLst>
-                                      </p:cBhvr>
-                                      <p:tavLst>
-                                        <p:tav tm="0">
-                                          <p:val>
-                                            <p:strVal val="#ppt_x"/>
-                                          </p:val>
-                                        </p:tav>
-                                        <p:tav tm="100000">
-                                          <p:val>
-                                            <p:strVal val="#ppt_x"/>
-                                          </p:val>
-                                        </p:tav>
-                                      </p:tavLst>
-                                    </p:anim>
-                                    <p:anim calcmode="lin" valueType="num">
-                                      <p:cBhvr additive="base">
-                                        <p:cTn id="18" dur="500" fill="hold"/>
-                                        <p:tgtEl>
-                                          <p:spTgt spid="3">
-                                            <p:txEl>
-                                              <p:pRg st="3" end="3"/>
-                                            </p:txEl>
-                                          </p:spTgt>
-                                        </p:tgtEl>
-                                        <p:attrNameLst>
-                                          <p:attrName>ppt_y</p:attrName>
-                                        </p:attrNameLst>
-                                      </p:cBhvr>
-                                      <p:tavLst>
-                                        <p:tav tm="0">
-                                          <p:val>
-                                            <p:strVal val="1+#ppt_h/2"/>
-                                          </p:val>
-                                        </p:tav>
-                                        <p:tav tm="100000">
-                                          <p:val>
-                                            <p:strVal val="#ppt_y"/>
-                                          </p:val>
-                                        </p:tav>
-                                      </p:tavLst>
-                                    </p:anim>
-                                  </p:childTnLst>
-                                </p:cTn>
-                              </p:par>
-                              <p:par>
-                                <p:cTn id="19" presetID="2" presetClass="entr" presetSubtype="4" fill="hold" nodeType="withEffect">
-                                  <p:stCondLst>
-                                    <p:cond delay="0"/>
-                                  </p:stCondLst>
-                                  <p:childTnLst>
-                                    <p:set>
-                                      <p:cBhvr>
-                                        <p:cTn id="20" dur="1" fill="hold">
-                                          <p:stCondLst>
-                                            <p:cond delay="0"/>
-                                          </p:stCondLst>
-                                        </p:cTn>
-                                        <p:tgtEl>
-                                          <p:spTgt spid="3">
-                                            <p:txEl>
-                                              <p:pRg st="4" end="4"/>
-                                            </p:txEl>
-                                          </p:spTgt>
-                                        </p:tgtEl>
-                                        <p:attrNameLst>
-                                          <p:attrName>style.visibility</p:attrName>
-                                        </p:attrNameLst>
-                                      </p:cBhvr>
-                                      <p:to>
-                                        <p:strVal val="visible"/>
-                                      </p:to>
-                                    </p:set>
-                                    <p:anim calcmode="lin" valueType="num">
-                                      <p:cBhvr additive="base">
-                                        <p:cTn id="21" dur="500" fill="hold"/>
-                                        <p:tgtEl>
-                                          <p:spTgt spid="3">
-                                            <p:txEl>
-                                              <p:pRg st="4" end="4"/>
-                                            </p:txEl>
-                                          </p:spTgt>
-                                        </p:tgtEl>
-                                        <p:attrNameLst>
-                                          <p:attrName>ppt_x</p:attrName>
-                                        </p:attrNameLst>
-                                      </p:cBhvr>
-                                      <p:tavLst>
-                                        <p:tav tm="0">
-                                          <p:val>
-                                            <p:strVal val="#ppt_x"/>
-                                          </p:val>
-                                        </p:tav>
-                                        <p:tav tm="100000">
-                                          <p:val>
-                                            <p:strVal val="#ppt_x"/>
-                                          </p:val>
-                                        </p:tav>
-                                      </p:tavLst>
-                                    </p:anim>
-                                    <p:anim calcmode="lin" valueType="num">
-                                      <p:cBhvr additive="base">
-                                        <p:cTn id="22" dur="500" fill="hold"/>
-                                        <p:tgtEl>
-                                          <p:spTgt spid="3">
-                                            <p:txEl>
-                                              <p:pRg st="4" end="4"/>
-                                            </p:txEl>
-                                          </p:spTgt>
-                                        </p:tgtEl>
-                                        <p:attrNameLst>
-                                          <p:attrName>ppt_y</p:attrName>
-                                        </p:attrNameLst>
-                                      </p:cBhvr>
-                                      <p:tavLst>
-                                        <p:tav tm="0">
-                                          <p:val>
-                                            <p:strVal val="1+#ppt_h/2"/>
-                                          </p:val>
-                                        </p:tav>
-                                        <p:tav tm="100000">
-                                          <p:val>
-                                            <p:strVal val="#ppt_y"/>
-                                          </p:val>
-                                        </p:tav>
-                                      </p:tavLst>
-                                    </p:anim>
-                                  </p:childTnLst>
-                                </p:cTn>
-                              </p:par>
-                            </p:childTnLst>
-                          </p:cTn>
-                        </p:par>
-                      </p:childTnLst>
-                    </p:cTn>
-                  </p:par>
-                </p:childTnLst>
-              </p:cTn>
-              <p:prevCondLst>
-                <p:cond evt="onPrev" delay="0">
-                  <p:tgtEl>
-                    <p:sldTgt/>
-                  </p:tgtEl>
-                </p:cond>
-              </p:prevCondLst>
-              <p:nextCondLst>
-                <p:cond evt="onNext" delay="0">
-                  <p:tgtEl>
-                    <p:sldTgt/>
-                  </p:tgtEl>
-                </p:cond>
-              </p:nextCondLst>
-            </p:seq>
-          </p:childTnLst>
-        </p:cTn>
-      </p:par>
-    </p:tnLst>
-  </p:timing>
-</p:sld>
-</file>
-
-<file path=ppt/slides/slide15.xml><?xml version="1.0" encoding="utf-8"?>
-<p:sld xmlns:a="http://schemas.openxmlformats.org/drawingml/2006/main" xmlns:r="http://schemas.openxmlformats.org/officeDocument/2006/relationships" xmlns:p="http://schemas.openxmlformats.org/presentationml/2006/main">
-  <p:cSld>
-    <p:spTree>
-      <p:nvGrpSpPr>
-        <p:cNvPr id="1" name=""/>
-        <p:cNvGrpSpPr/>
-        <p:nvPr/>
-      </p:nvGrpSpPr>
-      <p:grpSpPr>
-        <a:xfrm>
-          <a:off x="0" y="0"/>
-          <a:ext cx="0" cy="0"/>
-          <a:chOff x="0" y="0"/>
-          <a:chExt cx="0" cy="0"/>
-        </a:xfrm>
-      </p:grpSpPr>
-      <p:sp>
-        <p:nvSpPr>
-          <p:cNvPr id="2" name="标题 1"/>
-          <p:cNvSpPr>
-            <a:spLocks noGrp="1"/>
-          </p:cNvSpPr>
-          <p:nvPr>
-            <p:ph type="title"/>
-          </p:nvPr>
-        </p:nvSpPr>
-        <p:spPr/>
-        <p:txBody>
-          <a:bodyPr/>
-          <a:lstStyle/>
-          <a:p>
-            <a:r>
-              <a:rPr lang="zh-CN" altLang="en-US" dirty="0" smtClean="0">
-                <a:solidFill>
-                  <a:srgbClr val="C9394A"/>
-                </a:solidFill>
-              </a:rPr>
-              <a:t>加载文件</a:t>
-            </a:r>
-            <a:endParaRPr lang="zh-CN" altLang="en-US" dirty="0">
-              <a:solidFill>
-                <a:srgbClr val="C9394A"/>
-              </a:solidFill>
-            </a:endParaRPr>
-          </a:p>
-        </p:txBody>
-      </p:sp>
-      <p:sp>
-        <p:nvSpPr>
-          <p:cNvPr id="3" name="内容占位符 2"/>
-          <p:cNvSpPr>
-            <a:spLocks noGrp="1"/>
-          </p:cNvSpPr>
-          <p:nvPr>
-            <p:ph idx="1"/>
-          </p:nvPr>
-        </p:nvSpPr>
-        <p:spPr/>
-        <p:txBody>
-          <a:bodyPr/>
-          <a:lstStyle/>
-          <a:p>
-            <a:r>
               <a:rPr lang="en-US" altLang="zh-CN" dirty="0" err="1" smtClean="0">
                 <a:solidFill>
                   <a:srgbClr val="212121"/>
@@ -6118,15 +6815,7 @@
                   <a:srgbClr val="212121"/>
                 </a:solidFill>
               </a:rPr>
-              <a:t>以一个相对</a:t>
-            </a:r>
-            <a:r>
-              <a:rPr lang="zh-CN" altLang="en-US" dirty="0" smtClean="0">
-                <a:solidFill>
-                  <a:srgbClr val="212121"/>
-                </a:solidFill>
-              </a:rPr>
-              <a:t>于</a:t>
+              <a:t>以一个相对于</a:t>
             </a:r>
             <a:r>
               <a:rPr lang="en-US" altLang="zh-CN" dirty="0" err="1" smtClean="0">
@@ -6142,15 +6831,7 @@
                   <a:srgbClr val="212121"/>
                 </a:solidFill>
               </a:rPr>
-              <a:t>的</a:t>
-            </a:r>
-            <a:r>
-              <a:rPr lang="zh-CN" altLang="en-US" dirty="0" smtClean="0">
-                <a:solidFill>
-                  <a:srgbClr val="212121"/>
-                </a:solidFill>
-              </a:rPr>
-              <a:t>地址来加载所有的代码</a:t>
+              <a:t>的地址来加载所有的代码</a:t>
             </a:r>
             <a:endParaRPr lang="zh-CN" altLang="en-US" dirty="0">
               <a:solidFill>
@@ -6210,11 +6891,6 @@
               </a:rPr>
               <a:t>html</a:t>
             </a:r>
-            <a:endParaRPr lang="en-US" altLang="zh-CN" sz="2000" b="1" dirty="0" smtClean="0">
-              <a:solidFill>
-                <a:schemeClr val="bg1"/>
-              </a:solidFill>
-            </a:endParaRPr>
           </a:p>
         </p:txBody>
       </p:sp>
@@ -6266,21 +6942,8 @@
                   <a:schemeClr val="bg1"/>
                 </a:solidFill>
               </a:rPr>
-              <a:t>d</a:t>
-            </a:r>
-            <a:r>
-              <a:rPr lang="en-US" altLang="zh-CN" sz="2000" b="1" dirty="0" smtClean="0">
-                <a:solidFill>
-                  <a:schemeClr val="bg1"/>
-                </a:solidFill>
-              </a:rPr>
-              <a:t>ata-main</a:t>
-            </a:r>
-            <a:endParaRPr lang="en-US" altLang="zh-CN" sz="2000" b="1" dirty="0" smtClean="0">
-              <a:solidFill>
-                <a:schemeClr val="bg1"/>
-              </a:solidFill>
-            </a:endParaRPr>
+              <a:t>data-main</a:t>
+            </a:r>
           </a:p>
         </p:txBody>
       </p:sp>
@@ -6773,7 +7436,7 @@
 </p:sld>
 </file>
 
-<file path=ppt/slides/slide16.xml><?xml version="1.0" encoding="utf-8"?>
+<file path=ppt/slides/slide18.xml><?xml version="1.0" encoding="utf-8"?>
 <p:sld xmlns:a="http://schemas.openxmlformats.org/drawingml/2006/main" xmlns:r="http://schemas.openxmlformats.org/officeDocument/2006/relationships" xmlns:p="http://schemas.openxmlformats.org/presentationml/2006/main">
   <p:cSld>
     <p:spTree>
@@ -6811,15 +7474,7 @@
                   <a:srgbClr val="C9394A"/>
                 </a:solidFill>
               </a:rPr>
-              <a:t>加</a:t>
-            </a:r>
-            <a:r>
-              <a:rPr lang="zh-CN" altLang="en-US" dirty="0" smtClean="0">
-                <a:solidFill>
-                  <a:srgbClr val="C9394A"/>
-                </a:solidFill>
-              </a:rPr>
-              <a:t>载机制</a:t>
+              <a:t>加载机制</a:t>
             </a:r>
             <a:endParaRPr lang="zh-CN" altLang="en-US" dirty="0">
               <a:solidFill>
@@ -6898,15 +7553,7 @@
                   <a:srgbClr val="212121"/>
                 </a:solidFill>
               </a:rPr>
-              <a:t>标签</a:t>
-            </a:r>
-            <a:r>
-              <a:rPr lang="zh-CN" altLang="en-US" dirty="0" smtClean="0">
-                <a:solidFill>
-                  <a:srgbClr val="212121"/>
-                </a:solidFill>
-              </a:rPr>
-              <a:t>。</a:t>
+              <a:t>标签。</a:t>
             </a:r>
             <a:endParaRPr lang="en-US" altLang="zh-CN" dirty="0" smtClean="0">
               <a:solidFill>
@@ -9812,287 +10459,6 @@
           <a:bodyPr/>
           <a:lstStyle/>
           <a:p>
-            <a:r>
-              <a:rPr lang="zh-CN" altLang="en-US" dirty="0" smtClean="0">
-                <a:solidFill>
-                  <a:srgbClr val="C9394A"/>
-                </a:solidFill>
-              </a:rPr>
-              <a:t>为什么使用</a:t>
-            </a:r>
-            <a:r>
-              <a:rPr lang="en-US" altLang="zh-CN" dirty="0" smtClean="0">
-                <a:solidFill>
-                  <a:srgbClr val="C9394A"/>
-                </a:solidFill>
-              </a:rPr>
-              <a:t>AMD</a:t>
-            </a:r>
-            <a:endParaRPr lang="zh-CN" altLang="en-US" dirty="0"/>
-          </a:p>
-        </p:txBody>
-      </p:sp>
-      <p:sp>
-        <p:nvSpPr>
-          <p:cNvPr id="3" name="内容占位符 2"/>
-          <p:cNvSpPr>
-            <a:spLocks noGrp="1"/>
-          </p:cNvSpPr>
-          <p:nvPr>
-            <p:ph idx="1"/>
-          </p:nvPr>
-        </p:nvSpPr>
-        <p:spPr/>
-        <p:txBody>
-          <a:bodyPr/>
-          <a:lstStyle/>
-          <a:p>
-            <a:endParaRPr lang="zh-CN" altLang="en-US" dirty="0"/>
-          </a:p>
-        </p:txBody>
-      </p:sp>
-      <p:pic>
-        <p:nvPicPr>
-          <p:cNvPr id="1026" name="Picture 2"/>
-          <p:cNvPicPr>
-            <a:picLocks noChangeAspect="1" noChangeArrowheads="1"/>
-          </p:cNvPicPr>
-          <p:nvPr/>
-        </p:nvPicPr>
-        <p:blipFill>
-          <a:blip r:embed="rId2" cstate="print"/>
-          <a:srcRect/>
-          <a:stretch>
-            <a:fillRect/>
-          </a:stretch>
-        </p:blipFill>
-        <p:spPr bwMode="auto">
-          <a:xfrm>
-            <a:off x="1259632" y="2564904"/>
-            <a:ext cx="6172200" cy="1704975"/>
-          </a:xfrm>
-          <a:prstGeom prst="rect">
-            <a:avLst/>
-          </a:prstGeom>
-          <a:noFill/>
-          <a:ln w="9525">
-            <a:noFill/>
-            <a:miter lim="800000"/>
-            <a:headEnd/>
-            <a:tailEnd/>
-          </a:ln>
-        </p:spPr>
-      </p:pic>
-      <p:sp>
-        <p:nvSpPr>
-          <p:cNvPr id="5" name="矩形 4"/>
-          <p:cNvSpPr/>
-          <p:nvPr/>
-        </p:nvSpPr>
-        <p:spPr>
-          <a:xfrm>
-            <a:off x="1691680" y="3212976"/>
-            <a:ext cx="5328592" cy="360040"/>
-          </a:xfrm>
-          <a:prstGeom prst="rect">
-            <a:avLst/>
-          </a:prstGeom>
-          <a:noFill/>
-          <a:ln>
-            <a:solidFill>
-              <a:srgbClr val="C9394A"/>
-            </a:solidFill>
-          </a:ln>
-        </p:spPr>
-        <p:style>
-          <a:lnRef idx="2">
-            <a:schemeClr val="accent1">
-              <a:shade val="50000"/>
-            </a:schemeClr>
-          </a:lnRef>
-          <a:fillRef idx="1">
-            <a:schemeClr val="accent1"/>
-          </a:fillRef>
-          <a:effectRef idx="0">
-            <a:schemeClr val="accent1"/>
-          </a:effectRef>
-          <a:fontRef idx="minor">
-            <a:schemeClr val="lt1"/>
-          </a:fontRef>
-        </p:style>
-        <p:txBody>
-          <a:bodyPr rtlCol="0" anchor="ctr"/>
-          <a:lstStyle/>
-          <a:p>
-            <a:pPr algn="ctr"/>
-            <a:endParaRPr lang="zh-CN" altLang="en-US"/>
-          </a:p>
-        </p:txBody>
-      </p:sp>
-    </p:spTree>
-  </p:cSld>
-  <p:clrMapOvr>
-    <a:masterClrMapping/>
-  </p:clrMapOvr>
-  <p:timing>
-    <p:tnLst>
-      <p:par>
-        <p:cTn id="1" dur="indefinite" restart="never" nodeType="tmRoot">
-          <p:childTnLst>
-            <p:seq concurrent="1" nextAc="seek">
-              <p:cTn id="2" dur="indefinite" nodeType="mainSeq">
-                <p:childTnLst>
-                  <p:par>
-                    <p:cTn id="3" fill="hold">
-                      <p:stCondLst>
-                        <p:cond delay="indefinite"/>
-                      </p:stCondLst>
-                      <p:childTnLst>
-                        <p:par>
-                          <p:cTn id="4" fill="hold">
-                            <p:stCondLst>
-                              <p:cond delay="0"/>
-                            </p:stCondLst>
-                            <p:childTnLst>
-                              <p:par>
-                                <p:cTn id="5" presetID="2" presetClass="entr" presetSubtype="4" fill="hold" grpId="0" nodeType="clickEffect">
-                                  <p:stCondLst>
-                                    <p:cond delay="0"/>
-                                  </p:stCondLst>
-                                  <p:childTnLst>
-                                    <p:set>
-                                      <p:cBhvr>
-                                        <p:cTn id="6" dur="1" fill="hold">
-                                          <p:stCondLst>
-                                            <p:cond delay="0"/>
-                                          </p:stCondLst>
-                                        </p:cTn>
-                                        <p:tgtEl>
-                                          <p:spTgt spid="5"/>
-                                        </p:tgtEl>
-                                        <p:attrNameLst>
-                                          <p:attrName>style.visibility</p:attrName>
-                                        </p:attrNameLst>
-                                      </p:cBhvr>
-                                      <p:to>
-                                        <p:strVal val="visible"/>
-                                      </p:to>
-                                    </p:set>
-                                    <p:anim calcmode="lin" valueType="num">
-                                      <p:cBhvr additive="base">
-                                        <p:cTn id="7" dur="500" fill="hold"/>
-                                        <p:tgtEl>
-                                          <p:spTgt spid="5"/>
-                                        </p:tgtEl>
-                                        <p:attrNameLst>
-                                          <p:attrName>ppt_x</p:attrName>
-                                        </p:attrNameLst>
-                                      </p:cBhvr>
-                                      <p:tavLst>
-                                        <p:tav tm="0">
-                                          <p:val>
-                                            <p:strVal val="#ppt_x"/>
-                                          </p:val>
-                                        </p:tav>
-                                        <p:tav tm="100000">
-                                          <p:val>
-                                            <p:strVal val="#ppt_x"/>
-                                          </p:val>
-                                        </p:tav>
-                                      </p:tavLst>
-                                    </p:anim>
-                                    <p:anim calcmode="lin" valueType="num">
-                                      <p:cBhvr additive="base">
-                                        <p:cTn id="8" dur="500" fill="hold"/>
-                                        <p:tgtEl>
-                                          <p:spTgt spid="5"/>
-                                        </p:tgtEl>
-                                        <p:attrNameLst>
-                                          <p:attrName>ppt_y</p:attrName>
-                                        </p:attrNameLst>
-                                      </p:cBhvr>
-                                      <p:tavLst>
-                                        <p:tav tm="0">
-                                          <p:val>
-                                            <p:strVal val="1+#ppt_h/2"/>
-                                          </p:val>
-                                        </p:tav>
-                                        <p:tav tm="100000">
-                                          <p:val>
-                                            <p:strVal val="#ppt_y"/>
-                                          </p:val>
-                                        </p:tav>
-                                      </p:tavLst>
-                                    </p:anim>
-                                  </p:childTnLst>
-                                </p:cTn>
-                              </p:par>
-                            </p:childTnLst>
-                          </p:cTn>
-                        </p:par>
-                      </p:childTnLst>
-                    </p:cTn>
-                  </p:par>
-                </p:childTnLst>
-              </p:cTn>
-              <p:prevCondLst>
-                <p:cond evt="onPrev" delay="0">
-                  <p:tgtEl>
-                    <p:sldTgt/>
-                  </p:tgtEl>
-                </p:cond>
-              </p:prevCondLst>
-              <p:nextCondLst>
-                <p:cond evt="onNext" delay="0">
-                  <p:tgtEl>
-                    <p:sldTgt/>
-                  </p:tgtEl>
-                </p:cond>
-              </p:nextCondLst>
-            </p:seq>
-          </p:childTnLst>
-        </p:cTn>
-      </p:par>
-    </p:tnLst>
-    <p:bldLst>
-      <p:bldP spid="5" grpId="0" animBg="1"/>
-    </p:bldLst>
-  </p:timing>
-</p:sld>
-</file>
-
-<file path=ppt/slides/slide9.xml><?xml version="1.0" encoding="utf-8"?>
-<p:sld xmlns:a="http://schemas.openxmlformats.org/drawingml/2006/main" xmlns:r="http://schemas.openxmlformats.org/officeDocument/2006/relationships" xmlns:p="http://schemas.openxmlformats.org/presentationml/2006/main">
-  <p:cSld>
-    <p:spTree>
-      <p:nvGrpSpPr>
-        <p:cNvPr id="1" name=""/>
-        <p:cNvGrpSpPr/>
-        <p:nvPr/>
-      </p:nvGrpSpPr>
-      <p:grpSpPr>
-        <a:xfrm>
-          <a:off x="0" y="0"/>
-          <a:ext cx="0" cy="0"/>
-          <a:chOff x="0" y="0"/>
-          <a:chExt cx="0" cy="0"/>
-        </a:xfrm>
-      </p:grpSpPr>
-      <p:sp>
-        <p:nvSpPr>
-          <p:cNvPr id="2" name="标题 1"/>
-          <p:cNvSpPr>
-            <a:spLocks noGrp="1"/>
-          </p:cNvSpPr>
-          <p:nvPr>
-            <p:ph type="title"/>
-          </p:nvPr>
-        </p:nvSpPr>
-        <p:spPr/>
-        <p:txBody>
-          <a:bodyPr/>
-          <a:lstStyle/>
-          <a:p>
             <a:endParaRPr lang="zh-CN" altLang="en-US" dirty="0">
               <a:solidFill>
                 <a:srgbClr val="C9394A"/>
@@ -11120,6 +11486,576 @@
       <p:bldP spid="9" grpId="0" animBg="1"/>
       <p:bldP spid="22" grpId="0" animBg="1"/>
     </p:bldLst>
+  </p:timing>
+</p:sld>
+</file>
+
+<file path=ppt/slides/slide9.xml><?xml version="1.0" encoding="utf-8"?>
+<p:sld xmlns:a="http://schemas.openxmlformats.org/drawingml/2006/main" xmlns:r="http://schemas.openxmlformats.org/officeDocument/2006/relationships" xmlns:p="http://schemas.openxmlformats.org/presentationml/2006/main">
+  <p:cSld>
+    <p:spTree>
+      <p:nvGrpSpPr>
+        <p:cNvPr id="1" name=""/>
+        <p:cNvGrpSpPr/>
+        <p:nvPr/>
+      </p:nvGrpSpPr>
+      <p:grpSpPr>
+        <a:xfrm>
+          <a:off x="0" y="0"/>
+          <a:ext cx="0" cy="0"/>
+          <a:chOff x="0" y="0"/>
+          <a:chExt cx="0" cy="0"/>
+        </a:xfrm>
+      </p:grpSpPr>
+      <p:sp>
+        <p:nvSpPr>
+          <p:cNvPr id="2" name="标题 1"/>
+          <p:cNvSpPr>
+            <a:spLocks noGrp="1"/>
+          </p:cNvSpPr>
+          <p:nvPr>
+            <p:ph type="title"/>
+          </p:nvPr>
+        </p:nvSpPr>
+        <p:spPr/>
+        <p:txBody>
+          <a:bodyPr/>
+          <a:lstStyle/>
+          <a:p>
+            <a:r>
+              <a:rPr lang="zh-CN" altLang="en-US" dirty="0" smtClean="0">
+                <a:solidFill>
+                  <a:srgbClr val="C9394A"/>
+                </a:solidFill>
+              </a:rPr>
+              <a:t>什么是</a:t>
+            </a:r>
+            <a:r>
+              <a:rPr lang="en-US" altLang="zh-CN" dirty="0" smtClean="0">
+                <a:solidFill>
+                  <a:srgbClr val="C9394A"/>
+                </a:solidFill>
+              </a:rPr>
+              <a:t>AMD</a:t>
+            </a:r>
+            <a:endParaRPr lang="zh-CN" altLang="en-US" dirty="0">
+              <a:solidFill>
+                <a:srgbClr val="C9394A"/>
+              </a:solidFill>
+            </a:endParaRPr>
+          </a:p>
+        </p:txBody>
+      </p:sp>
+      <p:sp>
+        <p:nvSpPr>
+          <p:cNvPr id="3" name="内容占位符 2"/>
+          <p:cNvSpPr>
+            <a:spLocks noGrp="1"/>
+          </p:cNvSpPr>
+          <p:nvPr>
+            <p:ph idx="1"/>
+          </p:nvPr>
+        </p:nvSpPr>
+        <p:spPr/>
+        <p:txBody>
+          <a:bodyPr/>
+          <a:lstStyle/>
+          <a:p>
+            <a:r>
+              <a:rPr lang="en-US" altLang="zh-CN" dirty="0" smtClean="0">
+                <a:solidFill>
+                  <a:srgbClr val="212121"/>
+                </a:solidFill>
+              </a:rPr>
+              <a:t>define(id?, dependencies?, factory);</a:t>
+            </a:r>
+          </a:p>
+          <a:p>
+            <a:pPr lvl="1"/>
+            <a:endParaRPr lang="en-US" altLang="zh-CN" dirty="0" smtClean="0">
+              <a:solidFill>
+                <a:srgbClr val="212121"/>
+              </a:solidFill>
+            </a:endParaRPr>
+          </a:p>
+          <a:p>
+            <a:pPr lvl="1"/>
+            <a:r>
+              <a:rPr lang="en-US" altLang="zh-CN" dirty="0" smtClean="0">
+                <a:solidFill>
+                  <a:srgbClr val="474747"/>
+                </a:solidFill>
+              </a:rPr>
+              <a:t>Id</a:t>
+            </a:r>
+            <a:r>
+              <a:rPr lang="zh-CN" altLang="en-US" dirty="0" smtClean="0">
+                <a:solidFill>
+                  <a:srgbClr val="474747"/>
+                </a:solidFill>
+              </a:rPr>
+              <a:t>：模块名，可以省略</a:t>
+            </a:r>
+            <a:endParaRPr lang="en-US" altLang="zh-CN" dirty="0" smtClean="0">
+              <a:solidFill>
+                <a:srgbClr val="474747"/>
+              </a:solidFill>
+            </a:endParaRPr>
+          </a:p>
+          <a:p>
+            <a:pPr lvl="1"/>
+            <a:r>
+              <a:rPr lang="en-US" altLang="zh-CN" dirty="0" smtClean="0">
+                <a:solidFill>
+                  <a:srgbClr val="474747"/>
+                </a:solidFill>
+              </a:rPr>
+              <a:t>Dependencies</a:t>
+            </a:r>
+            <a:r>
+              <a:rPr lang="zh-CN" altLang="en-US" dirty="0" smtClean="0">
+                <a:solidFill>
+                  <a:srgbClr val="474747"/>
+                </a:solidFill>
+              </a:rPr>
+              <a:t>：所依赖模块的数组，可以省略</a:t>
+            </a:r>
+            <a:endParaRPr lang="en-US" altLang="zh-CN" dirty="0" smtClean="0">
+              <a:solidFill>
+                <a:srgbClr val="474747"/>
+              </a:solidFill>
+            </a:endParaRPr>
+          </a:p>
+          <a:p>
+            <a:pPr lvl="1"/>
+            <a:r>
+              <a:rPr lang="en-US" altLang="zh-CN" dirty="0" smtClean="0">
+                <a:solidFill>
+                  <a:srgbClr val="474747"/>
+                </a:solidFill>
+              </a:rPr>
+              <a:t>Factory</a:t>
+            </a:r>
+            <a:r>
+              <a:rPr lang="zh-CN" altLang="en-US" dirty="0" smtClean="0">
+                <a:solidFill>
+                  <a:srgbClr val="474747"/>
+                </a:solidFill>
+              </a:rPr>
+              <a:t>：模块的实现，可以是函数或对象</a:t>
+            </a:r>
+            <a:endParaRPr lang="zh-CN" altLang="en-US" dirty="0">
+              <a:solidFill>
+                <a:srgbClr val="474747"/>
+              </a:solidFill>
+            </a:endParaRPr>
+          </a:p>
+        </p:txBody>
+      </p:sp>
+    </p:spTree>
+  </p:cSld>
+  <p:clrMapOvr>
+    <a:masterClrMapping/>
+  </p:clrMapOvr>
+  <p:timing>
+    <p:tnLst>
+      <p:par>
+        <p:cTn id="1" dur="indefinite" restart="never" nodeType="tmRoot">
+          <p:childTnLst>
+            <p:seq concurrent="1" nextAc="seek">
+              <p:cTn id="2" dur="indefinite" nodeType="mainSeq">
+                <p:childTnLst>
+                  <p:par>
+                    <p:cTn id="3" fill="hold">
+                      <p:stCondLst>
+                        <p:cond delay="indefinite"/>
+                      </p:stCondLst>
+                      <p:childTnLst>
+                        <p:par>
+                          <p:cTn id="4" fill="hold">
+                            <p:stCondLst>
+                              <p:cond delay="0"/>
+                            </p:stCondLst>
+                            <p:childTnLst>
+                              <p:par>
+                                <p:cTn id="5" presetID="5" presetClass="entr" presetSubtype="10" fill="hold" nodeType="clickEffect">
+                                  <p:stCondLst>
+                                    <p:cond delay="0"/>
+                                  </p:stCondLst>
+                                  <p:childTnLst>
+                                    <p:set>
+                                      <p:cBhvr>
+                                        <p:cTn id="6" dur="1" fill="hold">
+                                          <p:stCondLst>
+                                            <p:cond delay="0"/>
+                                          </p:stCondLst>
+                                        </p:cTn>
+                                        <p:tgtEl>
+                                          <p:spTgt spid="3">
+                                            <p:txEl>
+                                              <p:pRg st="0" end="0"/>
+                                            </p:txEl>
+                                          </p:spTgt>
+                                        </p:tgtEl>
+                                        <p:attrNameLst>
+                                          <p:attrName>style.visibility</p:attrName>
+                                        </p:attrNameLst>
+                                      </p:cBhvr>
+                                      <p:to>
+                                        <p:strVal val="visible"/>
+                                      </p:to>
+                                    </p:set>
+                                    <p:animEffect transition="in" filter="checkerboard(across)">
+                                      <p:cBhvr>
+                                        <p:cTn id="7" dur="500"/>
+                                        <p:tgtEl>
+                                          <p:spTgt spid="3">
+                                            <p:txEl>
+                                              <p:pRg st="0" end="0"/>
+                                            </p:txEl>
+                                          </p:spTgt>
+                                        </p:tgtEl>
+                                      </p:cBhvr>
+                                    </p:animEffect>
+                                  </p:childTnLst>
+                                </p:cTn>
+                              </p:par>
+                            </p:childTnLst>
+                          </p:cTn>
+                        </p:par>
+                      </p:childTnLst>
+                    </p:cTn>
+                  </p:par>
+                  <p:par>
+                    <p:cTn id="8" fill="hold">
+                      <p:stCondLst>
+                        <p:cond delay="indefinite"/>
+                      </p:stCondLst>
+                      <p:childTnLst>
+                        <p:par>
+                          <p:cTn id="9" fill="hold">
+                            <p:stCondLst>
+                              <p:cond delay="0"/>
+                            </p:stCondLst>
+                            <p:childTnLst>
+                              <p:par>
+                                <p:cTn id="10" presetID="2" presetClass="entr" presetSubtype="4" fill="hold" nodeType="clickEffect">
+                                  <p:stCondLst>
+                                    <p:cond delay="0"/>
+                                  </p:stCondLst>
+                                  <p:childTnLst>
+                                    <p:set>
+                                      <p:cBhvr>
+                                        <p:cTn id="11" dur="1" fill="hold">
+                                          <p:stCondLst>
+                                            <p:cond delay="0"/>
+                                          </p:stCondLst>
+                                        </p:cTn>
+                                        <p:tgtEl>
+                                          <p:spTgt spid="3">
+                                            <p:txEl>
+                                              <p:pRg st="2" end="2"/>
+                                            </p:txEl>
+                                          </p:spTgt>
+                                        </p:tgtEl>
+                                        <p:attrNameLst>
+                                          <p:attrName>style.visibility</p:attrName>
+                                        </p:attrNameLst>
+                                      </p:cBhvr>
+                                      <p:to>
+                                        <p:strVal val="visible"/>
+                                      </p:to>
+                                    </p:set>
+                                    <p:anim calcmode="lin" valueType="num">
+                                      <p:cBhvr additive="base">
+                                        <p:cTn id="12" dur="500" fill="hold"/>
+                                        <p:tgtEl>
+                                          <p:spTgt spid="3">
+                                            <p:txEl>
+                                              <p:pRg st="2" end="2"/>
+                                            </p:txEl>
+                                          </p:spTgt>
+                                        </p:tgtEl>
+                                        <p:attrNameLst>
+                                          <p:attrName>ppt_x</p:attrName>
+                                        </p:attrNameLst>
+                                      </p:cBhvr>
+                                      <p:tavLst>
+                                        <p:tav tm="0">
+                                          <p:val>
+                                            <p:strVal val="#ppt_x"/>
+                                          </p:val>
+                                        </p:tav>
+                                        <p:tav tm="100000">
+                                          <p:val>
+                                            <p:strVal val="#ppt_x"/>
+                                          </p:val>
+                                        </p:tav>
+                                      </p:tavLst>
+                                    </p:anim>
+                                    <p:anim calcmode="lin" valueType="num">
+                                      <p:cBhvr additive="base">
+                                        <p:cTn id="13" dur="500" fill="hold"/>
+                                        <p:tgtEl>
+                                          <p:spTgt spid="3">
+                                            <p:txEl>
+                                              <p:pRg st="2" end="2"/>
+                                            </p:txEl>
+                                          </p:spTgt>
+                                        </p:tgtEl>
+                                        <p:attrNameLst>
+                                          <p:attrName>ppt_y</p:attrName>
+                                        </p:attrNameLst>
+                                      </p:cBhvr>
+                                      <p:tavLst>
+                                        <p:tav tm="0">
+                                          <p:val>
+                                            <p:strVal val="1+#ppt_h/2"/>
+                                          </p:val>
+                                        </p:tav>
+                                        <p:tav tm="100000">
+                                          <p:val>
+                                            <p:strVal val="#ppt_y"/>
+                                          </p:val>
+                                        </p:tav>
+                                      </p:tavLst>
+                                    </p:anim>
+                                  </p:childTnLst>
+                                </p:cTn>
+                              </p:par>
+                            </p:childTnLst>
+                          </p:cTn>
+                        </p:par>
+                      </p:childTnLst>
+                    </p:cTn>
+                  </p:par>
+                  <p:par>
+                    <p:cTn id="14" fill="hold">
+                      <p:stCondLst>
+                        <p:cond delay="indefinite"/>
+                      </p:stCondLst>
+                      <p:childTnLst>
+                        <p:par>
+                          <p:cTn id="15" fill="hold">
+                            <p:stCondLst>
+                              <p:cond delay="0"/>
+                            </p:stCondLst>
+                            <p:childTnLst>
+                              <p:par>
+                                <p:cTn id="16" presetID="2" presetClass="entr" presetSubtype="4" fill="hold" nodeType="clickEffect">
+                                  <p:stCondLst>
+                                    <p:cond delay="0"/>
+                                  </p:stCondLst>
+                                  <p:childTnLst>
+                                    <p:set>
+                                      <p:cBhvr>
+                                        <p:cTn id="17" dur="1" fill="hold">
+                                          <p:stCondLst>
+                                            <p:cond delay="0"/>
+                                          </p:stCondLst>
+                                        </p:cTn>
+                                        <p:tgtEl>
+                                          <p:spTgt spid="3">
+                                            <p:txEl>
+                                              <p:pRg st="3" end="3"/>
+                                            </p:txEl>
+                                          </p:spTgt>
+                                        </p:tgtEl>
+                                        <p:attrNameLst>
+                                          <p:attrName>style.visibility</p:attrName>
+                                        </p:attrNameLst>
+                                      </p:cBhvr>
+                                      <p:to>
+                                        <p:strVal val="visible"/>
+                                      </p:to>
+                                    </p:set>
+                                    <p:anim calcmode="lin" valueType="num">
+                                      <p:cBhvr additive="base">
+                                        <p:cTn id="18" dur="500" fill="hold"/>
+                                        <p:tgtEl>
+                                          <p:spTgt spid="3">
+                                            <p:txEl>
+                                              <p:pRg st="3" end="3"/>
+                                            </p:txEl>
+                                          </p:spTgt>
+                                        </p:tgtEl>
+                                        <p:attrNameLst>
+                                          <p:attrName>ppt_x</p:attrName>
+                                        </p:attrNameLst>
+                                      </p:cBhvr>
+                                      <p:tavLst>
+                                        <p:tav tm="0">
+                                          <p:val>
+                                            <p:strVal val="#ppt_x"/>
+                                          </p:val>
+                                        </p:tav>
+                                        <p:tav tm="100000">
+                                          <p:val>
+                                            <p:strVal val="#ppt_x"/>
+                                          </p:val>
+                                        </p:tav>
+                                      </p:tavLst>
+                                    </p:anim>
+                                    <p:anim calcmode="lin" valueType="num">
+                                      <p:cBhvr additive="base">
+                                        <p:cTn id="19" dur="500" fill="hold"/>
+                                        <p:tgtEl>
+                                          <p:spTgt spid="3">
+                                            <p:txEl>
+                                              <p:pRg st="3" end="3"/>
+                                            </p:txEl>
+                                          </p:spTgt>
+                                        </p:tgtEl>
+                                        <p:attrNameLst>
+                                          <p:attrName>ppt_y</p:attrName>
+                                        </p:attrNameLst>
+                                      </p:cBhvr>
+                                      <p:tavLst>
+                                        <p:tav tm="0">
+                                          <p:val>
+                                            <p:strVal val="1+#ppt_h/2"/>
+                                          </p:val>
+                                        </p:tav>
+                                        <p:tav tm="100000">
+                                          <p:val>
+                                            <p:strVal val="#ppt_y"/>
+                                          </p:val>
+                                        </p:tav>
+                                      </p:tavLst>
+                                    </p:anim>
+                                  </p:childTnLst>
+                                </p:cTn>
+                              </p:par>
+                            </p:childTnLst>
+                          </p:cTn>
+                        </p:par>
+                      </p:childTnLst>
+                    </p:cTn>
+                  </p:par>
+                  <p:par>
+                    <p:cTn id="20" fill="hold">
+                      <p:stCondLst>
+                        <p:cond delay="indefinite"/>
+                      </p:stCondLst>
+                      <p:childTnLst>
+                        <p:par>
+                          <p:cTn id="21" fill="hold">
+                            <p:stCondLst>
+                              <p:cond delay="0"/>
+                            </p:stCondLst>
+                            <p:childTnLst>
+                              <p:par>
+                                <p:cTn id="22" presetID="2" presetClass="entr" presetSubtype="4" fill="hold" nodeType="clickEffect">
+                                  <p:stCondLst>
+                                    <p:cond delay="0"/>
+                                  </p:stCondLst>
+                                  <p:childTnLst>
+                                    <p:set>
+                                      <p:cBhvr>
+                                        <p:cTn id="23" dur="1" fill="hold">
+                                          <p:stCondLst>
+                                            <p:cond delay="0"/>
+                                          </p:stCondLst>
+                                        </p:cTn>
+                                        <p:tgtEl>
+                                          <p:spTgt spid="3">
+                                            <p:txEl>
+                                              <p:pRg st="4" end="4"/>
+                                            </p:txEl>
+                                          </p:spTgt>
+                                        </p:tgtEl>
+                                        <p:attrNameLst>
+                                          <p:attrName>style.visibility</p:attrName>
+                                        </p:attrNameLst>
+                                      </p:cBhvr>
+                                      <p:to>
+                                        <p:strVal val="visible"/>
+                                      </p:to>
+                                    </p:set>
+                                    <p:anim calcmode="lin" valueType="num">
+                                      <p:cBhvr additive="base">
+                                        <p:cTn id="24" dur="500" fill="hold"/>
+                                        <p:tgtEl>
+                                          <p:spTgt spid="3">
+                                            <p:txEl>
+                                              <p:pRg st="4" end="4"/>
+                                            </p:txEl>
+                                          </p:spTgt>
+                                        </p:tgtEl>
+                                        <p:attrNameLst>
+                                          <p:attrName>ppt_x</p:attrName>
+                                        </p:attrNameLst>
+                                      </p:cBhvr>
+                                      <p:tavLst>
+                                        <p:tav tm="0">
+                                          <p:val>
+                                            <p:strVal val="#ppt_x"/>
+                                          </p:val>
+                                        </p:tav>
+                                        <p:tav tm="100000">
+                                          <p:val>
+                                            <p:strVal val="#ppt_x"/>
+                                          </p:val>
+                                        </p:tav>
+                                      </p:tavLst>
+                                    </p:anim>
+                                    <p:anim calcmode="lin" valueType="num">
+                                      <p:cBhvr additive="base">
+                                        <p:cTn id="25" dur="500" fill="hold"/>
+                                        <p:tgtEl>
+                                          <p:spTgt spid="3">
+                                            <p:txEl>
+                                              <p:pRg st="4" end="4"/>
+                                            </p:txEl>
+                                          </p:spTgt>
+                                        </p:tgtEl>
+                                        <p:attrNameLst>
+                                          <p:attrName>ppt_y</p:attrName>
+                                        </p:attrNameLst>
+                                      </p:cBhvr>
+                                      <p:tavLst>
+                                        <p:tav tm="0">
+                                          <p:val>
+                                            <p:strVal val="1+#ppt_h/2"/>
+                                          </p:val>
+                                        </p:tav>
+                                        <p:tav tm="100000">
+                                          <p:val>
+                                            <p:strVal val="#ppt_y"/>
+                                          </p:val>
+                                        </p:tav>
+                                      </p:tavLst>
+                                    </p:anim>
+                                  </p:childTnLst>
+                                </p:cTn>
+                              </p:par>
+                            </p:childTnLst>
+                          </p:cTn>
+                        </p:par>
+                      </p:childTnLst>
+                    </p:cTn>
+                  </p:par>
+                </p:childTnLst>
+              </p:cTn>
+              <p:prevCondLst>
+                <p:cond evt="onPrev" delay="0">
+                  <p:tgtEl>
+                    <p:sldTgt/>
+                  </p:tgtEl>
+                </p:cond>
+              </p:prevCondLst>
+              <p:nextCondLst>
+                <p:cond evt="onNext" delay="0">
+                  <p:tgtEl>
+                    <p:sldTgt/>
+                  </p:tgtEl>
+                </p:cond>
+              </p:nextCondLst>
+            </p:seq>
+          </p:childTnLst>
+        </p:cTn>
+      </p:par>
+    </p:tnLst>
   </p:timing>
 </p:sld>
 </file>

--- a/requirejs/doc/requirejs.pptx
+++ b/requirejs/doc/requirejs.pptx
@@ -4,6 +4,9 @@
   <p:sldMasterIdLst>
     <p:sldMasterId id="2147483648" r:id="rId1"/>
   </p:sldMasterIdLst>
+  <p:notesMasterIdLst>
+    <p:notesMasterId r:id="rId21"/>
+  </p:notesMasterIdLst>
   <p:sldIdLst>
     <p:sldId id="258" r:id="rId2"/>
     <p:sldId id="256" r:id="rId3"/>
@@ -23,6 +26,7 @@
     <p:sldId id="273" r:id="rId17"/>
     <p:sldId id="268" r:id="rId18"/>
     <p:sldId id="269" r:id="rId19"/>
+    <p:sldId id="276" r:id="rId20"/>
   </p:sldIdLst>
   <p:sldSz cx="9144000" cy="6858000" type="screen4x3"/>
   <p:notesSz cx="6858000" cy="9144000"/>
@@ -122,6 +126,437 @@
     </a:lvl9pPr>
   </p:defaultTextStyle>
 </p:presentation>
+</file>
+
+<file path=ppt/notesMasters/notesMaster1.xml><?xml version="1.0" encoding="utf-8"?>
+<p:notesMaster xmlns:a="http://schemas.openxmlformats.org/drawingml/2006/main" xmlns:r="http://schemas.openxmlformats.org/officeDocument/2006/relationships" xmlns:p="http://schemas.openxmlformats.org/presentationml/2006/main">
+  <p:cSld>
+    <p:bg>
+      <p:bgRef idx="1001">
+        <a:schemeClr val="bg1"/>
+      </p:bgRef>
+    </p:bg>
+    <p:spTree>
+      <p:nvGrpSpPr>
+        <p:cNvPr id="1" name=""/>
+        <p:cNvGrpSpPr/>
+        <p:nvPr/>
+      </p:nvGrpSpPr>
+      <p:grpSpPr>
+        <a:xfrm>
+          <a:off x="0" y="0"/>
+          <a:ext cx="0" cy="0"/>
+          <a:chOff x="0" y="0"/>
+          <a:chExt cx="0" cy="0"/>
+        </a:xfrm>
+      </p:grpSpPr>
+      <p:sp>
+        <p:nvSpPr>
+          <p:cNvPr id="2" name="页眉占位符 1"/>
+          <p:cNvSpPr>
+            <a:spLocks noGrp="1"/>
+          </p:cNvSpPr>
+          <p:nvPr>
+            <p:ph type="hdr" sz="quarter"/>
+          </p:nvPr>
+        </p:nvSpPr>
+        <p:spPr>
+          <a:xfrm>
+            <a:off x="0" y="0"/>
+            <a:ext cx="2971800" cy="457200"/>
+          </a:xfrm>
+          <a:prstGeom prst="rect">
+            <a:avLst/>
+          </a:prstGeom>
+        </p:spPr>
+        <p:txBody>
+          <a:bodyPr vert="horz" lIns="91440" tIns="45720" rIns="91440" bIns="45720" rtlCol="0"/>
+          <a:lstStyle>
+            <a:lvl1pPr algn="l">
+              <a:defRPr sz="1200"/>
+            </a:lvl1pPr>
+          </a:lstStyle>
+          <a:p>
+            <a:endParaRPr lang="zh-CN" altLang="en-US"/>
+          </a:p>
+        </p:txBody>
+      </p:sp>
+      <p:sp>
+        <p:nvSpPr>
+          <p:cNvPr id="3" name="日期占位符 2"/>
+          <p:cNvSpPr>
+            <a:spLocks noGrp="1"/>
+          </p:cNvSpPr>
+          <p:nvPr>
+            <p:ph type="dt" idx="1"/>
+          </p:nvPr>
+        </p:nvSpPr>
+        <p:spPr>
+          <a:xfrm>
+            <a:off x="3884613" y="0"/>
+            <a:ext cx="2971800" cy="457200"/>
+          </a:xfrm>
+          <a:prstGeom prst="rect">
+            <a:avLst/>
+          </a:prstGeom>
+        </p:spPr>
+        <p:txBody>
+          <a:bodyPr vert="horz" lIns="91440" tIns="45720" rIns="91440" bIns="45720" rtlCol="0"/>
+          <a:lstStyle>
+            <a:lvl1pPr algn="r">
+              <a:defRPr sz="1200"/>
+            </a:lvl1pPr>
+          </a:lstStyle>
+          <a:p>
+            <a:fld id="{B2C916C8-812D-4B64-92A8-238699F8A54D}" type="datetimeFigureOut">
+              <a:rPr lang="zh-CN" altLang="en-US" smtClean="0"/>
+              <a:pPr/>
+              <a:t>2016/5/11</a:t>
+            </a:fld>
+            <a:endParaRPr lang="zh-CN" altLang="en-US"/>
+          </a:p>
+        </p:txBody>
+      </p:sp>
+      <p:sp>
+        <p:nvSpPr>
+          <p:cNvPr id="4" name="幻灯片图像占位符 3"/>
+          <p:cNvSpPr>
+            <a:spLocks noGrp="1" noRot="1" noChangeAspect="1"/>
+          </p:cNvSpPr>
+          <p:nvPr>
+            <p:ph type="sldImg" idx="2"/>
+          </p:nvPr>
+        </p:nvSpPr>
+        <p:spPr>
+          <a:xfrm>
+            <a:off x="1143000" y="685800"/>
+            <a:ext cx="4572000" cy="3429000"/>
+          </a:xfrm>
+          <a:prstGeom prst="rect">
+            <a:avLst/>
+          </a:prstGeom>
+          <a:noFill/>
+          <a:ln w="12700">
+            <a:solidFill>
+              <a:prstClr val="black"/>
+            </a:solidFill>
+          </a:ln>
+        </p:spPr>
+        <p:txBody>
+          <a:bodyPr vert="horz" lIns="91440" tIns="45720" rIns="91440" bIns="45720" rtlCol="0" anchor="ctr"/>
+          <a:lstStyle/>
+          <a:p>
+            <a:endParaRPr lang="zh-CN" altLang="en-US"/>
+          </a:p>
+        </p:txBody>
+      </p:sp>
+      <p:sp>
+        <p:nvSpPr>
+          <p:cNvPr id="5" name="备注占位符 4"/>
+          <p:cNvSpPr>
+            <a:spLocks noGrp="1"/>
+          </p:cNvSpPr>
+          <p:nvPr>
+            <p:ph type="body" sz="quarter" idx="3"/>
+          </p:nvPr>
+        </p:nvSpPr>
+        <p:spPr>
+          <a:xfrm>
+            <a:off x="685800" y="4343400"/>
+            <a:ext cx="5486400" cy="4114800"/>
+          </a:xfrm>
+          <a:prstGeom prst="rect">
+            <a:avLst/>
+          </a:prstGeom>
+        </p:spPr>
+        <p:txBody>
+          <a:bodyPr vert="horz" lIns="91440" tIns="45720" rIns="91440" bIns="45720" rtlCol="0">
+            <a:normAutofit/>
+          </a:bodyPr>
+          <a:lstStyle/>
+          <a:p>
+            <a:pPr lvl="0"/>
+            <a:r>
+              <a:rPr lang="zh-CN" altLang="en-US" smtClean="0"/>
+              <a:t>单击此处编辑母版文本样式</a:t>
+            </a:r>
+          </a:p>
+          <a:p>
+            <a:pPr lvl="1"/>
+            <a:r>
+              <a:rPr lang="zh-CN" altLang="en-US" smtClean="0"/>
+              <a:t>第二级</a:t>
+            </a:r>
+          </a:p>
+          <a:p>
+            <a:pPr lvl="2"/>
+            <a:r>
+              <a:rPr lang="zh-CN" altLang="en-US" smtClean="0"/>
+              <a:t>第三级</a:t>
+            </a:r>
+          </a:p>
+          <a:p>
+            <a:pPr lvl="3"/>
+            <a:r>
+              <a:rPr lang="zh-CN" altLang="en-US" smtClean="0"/>
+              <a:t>第四级</a:t>
+            </a:r>
+          </a:p>
+          <a:p>
+            <a:pPr lvl="4"/>
+            <a:r>
+              <a:rPr lang="zh-CN" altLang="en-US" smtClean="0"/>
+              <a:t>第五级</a:t>
+            </a:r>
+            <a:endParaRPr lang="zh-CN" altLang="en-US"/>
+          </a:p>
+        </p:txBody>
+      </p:sp>
+      <p:sp>
+        <p:nvSpPr>
+          <p:cNvPr id="6" name="页脚占位符 5"/>
+          <p:cNvSpPr>
+            <a:spLocks noGrp="1"/>
+          </p:cNvSpPr>
+          <p:nvPr>
+            <p:ph type="ftr" sz="quarter" idx="4"/>
+          </p:nvPr>
+        </p:nvSpPr>
+        <p:spPr>
+          <a:xfrm>
+            <a:off x="0" y="8685213"/>
+            <a:ext cx="2971800" cy="457200"/>
+          </a:xfrm>
+          <a:prstGeom prst="rect">
+            <a:avLst/>
+          </a:prstGeom>
+        </p:spPr>
+        <p:txBody>
+          <a:bodyPr vert="horz" lIns="91440" tIns="45720" rIns="91440" bIns="45720" rtlCol="0" anchor="b"/>
+          <a:lstStyle>
+            <a:lvl1pPr algn="l">
+              <a:defRPr sz="1200"/>
+            </a:lvl1pPr>
+          </a:lstStyle>
+          <a:p>
+            <a:endParaRPr lang="zh-CN" altLang="en-US"/>
+          </a:p>
+        </p:txBody>
+      </p:sp>
+      <p:sp>
+        <p:nvSpPr>
+          <p:cNvPr id="7" name="灯片编号占位符 6"/>
+          <p:cNvSpPr>
+            <a:spLocks noGrp="1"/>
+          </p:cNvSpPr>
+          <p:nvPr>
+            <p:ph type="sldNum" sz="quarter" idx="5"/>
+          </p:nvPr>
+        </p:nvSpPr>
+        <p:spPr>
+          <a:xfrm>
+            <a:off x="3884613" y="8685213"/>
+            <a:ext cx="2971800" cy="457200"/>
+          </a:xfrm>
+          <a:prstGeom prst="rect">
+            <a:avLst/>
+          </a:prstGeom>
+        </p:spPr>
+        <p:txBody>
+          <a:bodyPr vert="horz" lIns="91440" tIns="45720" rIns="91440" bIns="45720" rtlCol="0" anchor="b"/>
+          <a:lstStyle>
+            <a:lvl1pPr algn="r">
+              <a:defRPr sz="1200"/>
+            </a:lvl1pPr>
+          </a:lstStyle>
+          <a:p>
+            <a:fld id="{9D530353-FD25-4FDB-B960-DDAE0D8D2B85}" type="slidenum">
+              <a:rPr lang="zh-CN" altLang="en-US" smtClean="0"/>
+              <a:pPr/>
+              <a:t>‹#›</a:t>
+            </a:fld>
+            <a:endParaRPr lang="zh-CN" altLang="en-US"/>
+          </a:p>
+        </p:txBody>
+      </p:sp>
+    </p:spTree>
+  </p:cSld>
+  <p:clrMap bg1="lt1" tx1="dk1" bg2="lt2" tx2="dk2" accent1="accent1" accent2="accent2" accent3="accent3" accent4="accent4" accent5="accent5" accent6="accent6" hlink="hlink" folHlink="folHlink"/>
+  <p:notesStyle>
+    <a:lvl1pPr marL="0" algn="l" defTabSz="914400" rtl="0" eaLnBrk="1" latinLnBrk="0" hangingPunct="1">
+      <a:defRPr sz="1200" kern="1200">
+        <a:solidFill>
+          <a:schemeClr val="tx1"/>
+        </a:solidFill>
+        <a:latin typeface="+mn-lt"/>
+        <a:ea typeface="+mn-ea"/>
+        <a:cs typeface="+mn-cs"/>
+      </a:defRPr>
+    </a:lvl1pPr>
+    <a:lvl2pPr marL="457200" algn="l" defTabSz="914400" rtl="0" eaLnBrk="1" latinLnBrk="0" hangingPunct="1">
+      <a:defRPr sz="1200" kern="1200">
+        <a:solidFill>
+          <a:schemeClr val="tx1"/>
+        </a:solidFill>
+        <a:latin typeface="+mn-lt"/>
+        <a:ea typeface="+mn-ea"/>
+        <a:cs typeface="+mn-cs"/>
+      </a:defRPr>
+    </a:lvl2pPr>
+    <a:lvl3pPr marL="914400" algn="l" defTabSz="914400" rtl="0" eaLnBrk="1" latinLnBrk="0" hangingPunct="1">
+      <a:defRPr sz="1200" kern="1200">
+        <a:solidFill>
+          <a:schemeClr val="tx1"/>
+        </a:solidFill>
+        <a:latin typeface="+mn-lt"/>
+        <a:ea typeface="+mn-ea"/>
+        <a:cs typeface="+mn-cs"/>
+      </a:defRPr>
+    </a:lvl3pPr>
+    <a:lvl4pPr marL="1371600" algn="l" defTabSz="914400" rtl="0" eaLnBrk="1" latinLnBrk="0" hangingPunct="1">
+      <a:defRPr sz="1200" kern="1200">
+        <a:solidFill>
+          <a:schemeClr val="tx1"/>
+        </a:solidFill>
+        <a:latin typeface="+mn-lt"/>
+        <a:ea typeface="+mn-ea"/>
+        <a:cs typeface="+mn-cs"/>
+      </a:defRPr>
+    </a:lvl4pPr>
+    <a:lvl5pPr marL="1828800" algn="l" defTabSz="914400" rtl="0" eaLnBrk="1" latinLnBrk="0" hangingPunct="1">
+      <a:defRPr sz="1200" kern="1200">
+        <a:solidFill>
+          <a:schemeClr val="tx1"/>
+        </a:solidFill>
+        <a:latin typeface="+mn-lt"/>
+        <a:ea typeface="+mn-ea"/>
+        <a:cs typeface="+mn-cs"/>
+      </a:defRPr>
+    </a:lvl5pPr>
+    <a:lvl6pPr marL="2286000" algn="l" defTabSz="914400" rtl="0" eaLnBrk="1" latinLnBrk="0" hangingPunct="1">
+      <a:defRPr sz="1200" kern="1200">
+        <a:solidFill>
+          <a:schemeClr val="tx1"/>
+        </a:solidFill>
+        <a:latin typeface="+mn-lt"/>
+        <a:ea typeface="+mn-ea"/>
+        <a:cs typeface="+mn-cs"/>
+      </a:defRPr>
+    </a:lvl6pPr>
+    <a:lvl7pPr marL="2743200" algn="l" defTabSz="914400" rtl="0" eaLnBrk="1" latinLnBrk="0" hangingPunct="1">
+      <a:defRPr sz="1200" kern="1200">
+        <a:solidFill>
+          <a:schemeClr val="tx1"/>
+        </a:solidFill>
+        <a:latin typeface="+mn-lt"/>
+        <a:ea typeface="+mn-ea"/>
+        <a:cs typeface="+mn-cs"/>
+      </a:defRPr>
+    </a:lvl7pPr>
+    <a:lvl8pPr marL="3200400" algn="l" defTabSz="914400" rtl="0" eaLnBrk="1" latinLnBrk="0" hangingPunct="1">
+      <a:defRPr sz="1200" kern="1200">
+        <a:solidFill>
+          <a:schemeClr val="tx1"/>
+        </a:solidFill>
+        <a:latin typeface="+mn-lt"/>
+        <a:ea typeface="+mn-ea"/>
+        <a:cs typeface="+mn-cs"/>
+      </a:defRPr>
+    </a:lvl8pPr>
+    <a:lvl9pPr marL="3657600" algn="l" defTabSz="914400" rtl="0" eaLnBrk="1" latinLnBrk="0" hangingPunct="1">
+      <a:defRPr sz="1200" kern="1200">
+        <a:solidFill>
+          <a:schemeClr val="tx1"/>
+        </a:solidFill>
+        <a:latin typeface="+mn-lt"/>
+        <a:ea typeface="+mn-ea"/>
+        <a:cs typeface="+mn-cs"/>
+      </a:defRPr>
+    </a:lvl9pPr>
+  </p:notesStyle>
+</p:notesMaster>
+</file>
+
+<file path=ppt/notesSlides/notesSlide1.xml><?xml version="1.0" encoding="utf-8"?>
+<p:notes xmlns:a="http://schemas.openxmlformats.org/drawingml/2006/main" xmlns:r="http://schemas.openxmlformats.org/officeDocument/2006/relationships" xmlns:p="http://schemas.openxmlformats.org/presentationml/2006/main">
+  <p:cSld>
+    <p:spTree>
+      <p:nvGrpSpPr>
+        <p:cNvPr id="1" name=""/>
+        <p:cNvGrpSpPr/>
+        <p:nvPr/>
+      </p:nvGrpSpPr>
+      <p:grpSpPr>
+        <a:xfrm>
+          <a:off x="0" y="0"/>
+          <a:ext cx="0" cy="0"/>
+          <a:chOff x="0" y="0"/>
+          <a:chExt cx="0" cy="0"/>
+        </a:xfrm>
+      </p:grpSpPr>
+      <p:sp>
+        <p:nvSpPr>
+          <p:cNvPr id="2" name="幻灯片图像占位符 1"/>
+          <p:cNvSpPr>
+            <a:spLocks noGrp="1" noRot="1" noChangeAspect="1"/>
+          </p:cNvSpPr>
+          <p:nvPr>
+            <p:ph type="sldImg"/>
+          </p:nvPr>
+        </p:nvSpPr>
+        <p:spPr/>
+      </p:sp>
+      <p:sp>
+        <p:nvSpPr>
+          <p:cNvPr id="3" name="备注占位符 2"/>
+          <p:cNvSpPr>
+            <a:spLocks noGrp="1"/>
+          </p:cNvSpPr>
+          <p:nvPr>
+            <p:ph type="body" idx="1"/>
+          </p:nvPr>
+        </p:nvSpPr>
+        <p:spPr/>
+        <p:txBody>
+          <a:bodyPr>
+            <a:normAutofit/>
+          </a:bodyPr>
+          <a:lstStyle/>
+          <a:p>
+            <a:endParaRPr lang="zh-CN" altLang="en-US" dirty="0"/>
+          </a:p>
+        </p:txBody>
+      </p:sp>
+      <p:sp>
+        <p:nvSpPr>
+          <p:cNvPr id="4" name="灯片编号占位符 3"/>
+          <p:cNvSpPr>
+            <a:spLocks noGrp="1"/>
+          </p:cNvSpPr>
+          <p:nvPr>
+            <p:ph type="sldNum" sz="quarter" idx="10"/>
+          </p:nvPr>
+        </p:nvSpPr>
+        <p:spPr/>
+        <p:txBody>
+          <a:bodyPr/>
+          <a:lstStyle/>
+          <a:p>
+            <a:fld id="{9D530353-FD25-4FDB-B960-DDAE0D8D2B85}" type="slidenum">
+              <a:rPr lang="zh-CN" altLang="en-US" smtClean="0"/>
+              <a:pPr/>
+              <a:t>10</a:t>
+            </a:fld>
+            <a:endParaRPr lang="zh-CN" altLang="en-US"/>
+          </a:p>
+        </p:txBody>
+      </p:sp>
+    </p:spTree>
+  </p:cSld>
+  <p:clrMapOvr>
+    <a:masterClrMapping/>
+  </p:clrMapOvr>
+</p:notes>
 </file>
 
 <file path=ppt/slideLayouts/slideLayout1.xml><?xml version="1.0" encoding="utf-8"?>
@@ -306,7 +741,7 @@
             <a:fld id="{530820CF-B880-4189-942D-D702A7CBA730}" type="datetimeFigureOut">
               <a:rPr lang="zh-CN" altLang="en-US" smtClean="0"/>
               <a:pPr/>
-              <a:t>2016/5/10</a:t>
+              <a:t>2016/5/11</a:t>
             </a:fld>
             <a:endParaRPr lang="zh-CN" altLang="en-US"/>
           </a:p>
@@ -473,7 +908,7 @@
             <a:fld id="{530820CF-B880-4189-942D-D702A7CBA730}" type="datetimeFigureOut">
               <a:rPr lang="zh-CN" altLang="en-US" smtClean="0"/>
               <a:pPr/>
-              <a:t>2016/5/10</a:t>
+              <a:t>2016/5/11</a:t>
             </a:fld>
             <a:endParaRPr lang="zh-CN" altLang="en-US"/>
           </a:p>
@@ -650,7 +1085,7 @@
             <a:fld id="{530820CF-B880-4189-942D-D702A7CBA730}" type="datetimeFigureOut">
               <a:rPr lang="zh-CN" altLang="en-US" smtClean="0"/>
               <a:pPr/>
-              <a:t>2016/5/10</a:t>
+              <a:t>2016/5/11</a:t>
             </a:fld>
             <a:endParaRPr lang="zh-CN" altLang="en-US"/>
           </a:p>
@@ -817,7 +1252,7 @@
             <a:fld id="{530820CF-B880-4189-942D-D702A7CBA730}" type="datetimeFigureOut">
               <a:rPr lang="zh-CN" altLang="en-US" smtClean="0"/>
               <a:pPr/>
-              <a:t>2016/5/10</a:t>
+              <a:t>2016/5/11</a:t>
             </a:fld>
             <a:endParaRPr lang="zh-CN" altLang="en-US"/>
           </a:p>
@@ -1060,7 +1495,7 @@
             <a:fld id="{530820CF-B880-4189-942D-D702A7CBA730}" type="datetimeFigureOut">
               <a:rPr lang="zh-CN" altLang="en-US" smtClean="0"/>
               <a:pPr/>
-              <a:t>2016/5/10</a:t>
+              <a:t>2016/5/11</a:t>
             </a:fld>
             <a:endParaRPr lang="zh-CN" altLang="en-US"/>
           </a:p>
@@ -1345,7 +1780,7 @@
             <a:fld id="{530820CF-B880-4189-942D-D702A7CBA730}" type="datetimeFigureOut">
               <a:rPr lang="zh-CN" altLang="en-US" smtClean="0"/>
               <a:pPr/>
-              <a:t>2016/5/10</a:t>
+              <a:t>2016/5/11</a:t>
             </a:fld>
             <a:endParaRPr lang="zh-CN" altLang="en-US"/>
           </a:p>
@@ -1764,7 +2199,7 @@
             <a:fld id="{530820CF-B880-4189-942D-D702A7CBA730}" type="datetimeFigureOut">
               <a:rPr lang="zh-CN" altLang="en-US" smtClean="0"/>
               <a:pPr/>
-              <a:t>2016/5/10</a:t>
+              <a:t>2016/5/11</a:t>
             </a:fld>
             <a:endParaRPr lang="zh-CN" altLang="en-US"/>
           </a:p>
@@ -1879,7 +2314,7 @@
             <a:fld id="{530820CF-B880-4189-942D-D702A7CBA730}" type="datetimeFigureOut">
               <a:rPr lang="zh-CN" altLang="en-US" smtClean="0"/>
               <a:pPr/>
-              <a:t>2016/5/10</a:t>
+              <a:t>2016/5/11</a:t>
             </a:fld>
             <a:endParaRPr lang="zh-CN" altLang="en-US"/>
           </a:p>
@@ -1971,7 +2406,7 @@
             <a:fld id="{530820CF-B880-4189-942D-D702A7CBA730}" type="datetimeFigureOut">
               <a:rPr lang="zh-CN" altLang="en-US" smtClean="0"/>
               <a:pPr/>
-              <a:t>2016/5/10</a:t>
+              <a:t>2016/5/11</a:t>
             </a:fld>
             <a:endParaRPr lang="zh-CN" altLang="en-US"/>
           </a:p>
@@ -2245,7 +2680,7 @@
             <a:fld id="{530820CF-B880-4189-942D-D702A7CBA730}" type="datetimeFigureOut">
               <a:rPr lang="zh-CN" altLang="en-US" smtClean="0"/>
               <a:pPr/>
-              <a:t>2016/5/10</a:t>
+              <a:t>2016/5/11</a:t>
             </a:fld>
             <a:endParaRPr lang="zh-CN" altLang="en-US"/>
           </a:p>
@@ -2495,7 +2930,7 @@
             <a:fld id="{530820CF-B880-4189-942D-D702A7CBA730}" type="datetimeFigureOut">
               <a:rPr lang="zh-CN" altLang="en-US" smtClean="0"/>
               <a:pPr/>
-              <a:t>2016/5/10</a:t>
+              <a:t>2016/5/11</a:t>
             </a:fld>
             <a:endParaRPr lang="zh-CN" altLang="en-US"/>
           </a:p>
@@ -2705,7 +3140,7 @@
             <a:fld id="{530820CF-B880-4189-942D-D702A7CBA730}" type="datetimeFigureOut">
               <a:rPr lang="zh-CN" altLang="en-US" smtClean="0"/>
               <a:pPr/>
-              <a:t>2016/5/10</a:t>
+              <a:t>2016/5/11</a:t>
             </a:fld>
             <a:endParaRPr lang="zh-CN" altLang="en-US"/>
           </a:p>
@@ -3219,7 +3654,7 @@
           <p:nvPr/>
         </p:nvPicPr>
         <p:blipFill>
-          <a:blip r:embed="rId2" cstate="print"/>
+          <a:blip r:embed="rId3" cstate="print"/>
           <a:srcRect/>
           <a:stretch>
             <a:fillRect/>
@@ -3380,15 +3815,7 @@
                   <a:srgbClr val="C9394A"/>
                 </a:solidFill>
               </a:rPr>
-              <a:t>为什么使</a:t>
-            </a:r>
-            <a:r>
-              <a:rPr lang="zh-CN" altLang="en-US" dirty="0" smtClean="0">
-                <a:solidFill>
-                  <a:srgbClr val="C9394A"/>
-                </a:solidFill>
-              </a:rPr>
-              <a:t>用</a:t>
+              <a:t>为什么使用</a:t>
             </a:r>
             <a:r>
               <a:rPr lang="en-US" altLang="zh-CN" dirty="0" err="1" smtClean="0">
@@ -3875,23 +4302,7 @@
                   <a:srgbClr val="C9394A"/>
                 </a:solidFill>
               </a:rPr>
-              <a:t>模块</a:t>
-            </a:r>
-            <a:r>
-              <a:rPr lang="zh-CN" altLang="en-US" dirty="0" smtClean="0">
-                <a:solidFill>
-                  <a:srgbClr val="C9394A"/>
-                </a:solidFill>
-              </a:rPr>
-              <a:t>化</a:t>
-            </a:r>
-            <a:r>
-              <a:rPr lang="zh-CN" altLang="en-US" dirty="0" smtClean="0">
-                <a:solidFill>
-                  <a:srgbClr val="C9394A"/>
-                </a:solidFill>
-              </a:rPr>
-              <a:t>开发</a:t>
+              <a:t>模块化开发</a:t>
             </a:r>
             <a:endParaRPr lang="zh-CN" altLang="en-US" dirty="0">
               <a:solidFill>
@@ -4587,23 +4998,7 @@
                   <a:schemeClr val="bg1"/>
                 </a:solidFill>
               </a:rPr>
-              <a:t>模</a:t>
-            </a:r>
-            <a:r>
-              <a:rPr lang="zh-CN" altLang="en-US" sz="2000" b="1" dirty="0" smtClean="0">
-                <a:solidFill>
-                  <a:schemeClr val="bg1"/>
-                </a:solidFill>
-              </a:rPr>
-              <a:t>块</a:t>
-            </a:r>
-            <a:r>
-              <a:rPr lang="zh-CN" altLang="en-US" sz="2000" b="1" dirty="0" smtClean="0">
-                <a:solidFill>
-                  <a:schemeClr val="bg1"/>
-                </a:solidFill>
-              </a:rPr>
-              <a:t>名</a:t>
+              <a:t>模块名</a:t>
             </a:r>
             <a:endParaRPr lang="en-US" altLang="zh-CN" sz="2000" b="1" dirty="0" smtClean="0">
               <a:solidFill>
@@ -6089,23 +6484,7 @@
                   <a:schemeClr val="bg1"/>
                 </a:solidFill>
               </a:rPr>
-              <a:t>模</a:t>
-            </a:r>
-            <a:r>
-              <a:rPr lang="zh-CN" altLang="en-US" sz="2000" b="1" dirty="0" smtClean="0">
-                <a:solidFill>
-                  <a:schemeClr val="bg1"/>
-                </a:solidFill>
-              </a:rPr>
-              <a:t>块</a:t>
-            </a:r>
-            <a:r>
-              <a:rPr lang="zh-CN" altLang="en-US" sz="2000" b="1" dirty="0" smtClean="0">
-                <a:solidFill>
-                  <a:schemeClr val="bg1"/>
-                </a:solidFill>
-              </a:rPr>
-              <a:t>名</a:t>
+              <a:t>模块名</a:t>
             </a:r>
             <a:endParaRPr lang="en-US" altLang="zh-CN" sz="2000" b="1" dirty="0" smtClean="0">
               <a:solidFill>
@@ -7825,6 +8204,775 @@
         </p:cTn>
       </p:par>
     </p:tnLst>
+  </p:timing>
+</p:sld>
+</file>
+
+<file path=ppt/slides/slide19.xml><?xml version="1.0" encoding="utf-8"?>
+<p:sld xmlns:a="http://schemas.openxmlformats.org/drawingml/2006/main" xmlns:r="http://schemas.openxmlformats.org/officeDocument/2006/relationships" xmlns:p="http://schemas.openxmlformats.org/presentationml/2006/main">
+  <p:cSld>
+    <p:spTree>
+      <p:nvGrpSpPr>
+        <p:cNvPr id="1" name=""/>
+        <p:cNvGrpSpPr/>
+        <p:nvPr/>
+      </p:nvGrpSpPr>
+      <p:grpSpPr>
+        <a:xfrm>
+          <a:off x="0" y="0"/>
+          <a:ext cx="0" cy="0"/>
+          <a:chOff x="0" y="0"/>
+          <a:chExt cx="0" cy="0"/>
+        </a:xfrm>
+      </p:grpSpPr>
+      <p:sp>
+        <p:nvSpPr>
+          <p:cNvPr id="2051" name="内容占位符 2"/>
+          <p:cNvSpPr>
+            <a:spLocks noGrp="1"/>
+          </p:cNvSpPr>
+          <p:nvPr>
+            <p:ph idx="1"/>
+          </p:nvPr>
+        </p:nvSpPr>
+        <p:spPr>
+          <a:xfrm>
+            <a:off x="457200" y="1600200"/>
+            <a:ext cx="8229600" cy="677333"/>
+          </a:xfrm>
+        </p:spPr>
+        <p:txBody>
+          <a:bodyPr/>
+          <a:lstStyle/>
+          <a:p>
+            <a:pPr marL="0" indent="0">
+              <a:buFont typeface="Arial" panose="020B0604020202020204" pitchFamily="34" charset="0"/>
+              <a:buNone/>
+            </a:pPr>
+            <a:r>
+              <a:rPr lang="zh-CN" altLang="en-US" dirty="0" smtClean="0"/>
+              <a:t> 一级标题（</a:t>
+            </a:r>
+            <a:r>
+              <a:rPr lang="en-US" altLang="zh-CN" dirty="0" smtClean="0"/>
+              <a:t>22</a:t>
+            </a:r>
+            <a:r>
+              <a:rPr lang="zh-CN" altLang="en-US" dirty="0" smtClean="0"/>
+              <a:t>号）</a:t>
+            </a:r>
+            <a:r>
+              <a:rPr lang="en-US" altLang="zh-CN" dirty="0" smtClean="0"/>
+              <a:t>	</a:t>
+            </a:r>
+          </a:p>
+        </p:txBody>
+      </p:sp>
+      <p:sp>
+        <p:nvSpPr>
+          <p:cNvPr id="2" name="文本框 1"/>
+          <p:cNvSpPr txBox="1"/>
+          <p:nvPr/>
+        </p:nvSpPr>
+        <p:spPr>
+          <a:xfrm>
+            <a:off x="457200" y="3045884"/>
+            <a:ext cx="8229600" cy="400110"/>
+          </a:xfrm>
+          <a:prstGeom prst="rect">
+            <a:avLst/>
+          </a:prstGeom>
+          <a:noFill/>
+        </p:spPr>
+        <p:txBody>
+          <a:bodyPr>
+            <a:spAutoFit/>
+          </a:bodyPr>
+          <a:lstStyle/>
+          <a:p>
+            <a:pPr lvl="1">
+              <a:buFont typeface="Arial" panose="020B0604020202020204" pitchFamily="34" charset="0"/>
+              <a:buNone/>
+              <a:defRPr/>
+            </a:pPr>
+            <a:r>
+              <a:rPr lang="zh-CN" altLang="en-US" sz="2000" b="1" dirty="0">
+                <a:solidFill>
+                  <a:srgbClr val="474747"/>
+                </a:solidFill>
+                <a:latin typeface="+mn-lt"/>
+                <a:ea typeface="+mn-ea"/>
+                <a:sym typeface="Calibri" panose="020F0502020204030204" pitchFamily="34" charset="0"/>
+              </a:rPr>
+              <a:t>第二行正文（</a:t>
+            </a:r>
+            <a:r>
+              <a:rPr lang="en-US" altLang="zh-CN" sz="2000" b="1" dirty="0">
+                <a:solidFill>
+                  <a:srgbClr val="474747"/>
+                </a:solidFill>
+                <a:latin typeface="+mn-lt"/>
+                <a:ea typeface="+mn-ea"/>
+                <a:sym typeface="Calibri" panose="020F0502020204030204" pitchFamily="34" charset="0"/>
+              </a:rPr>
+              <a:t>15</a:t>
+            </a:r>
+            <a:r>
+              <a:rPr lang="zh-CN" altLang="en-US" sz="2000" b="1" dirty="0">
+                <a:solidFill>
+                  <a:srgbClr val="474747"/>
+                </a:solidFill>
+                <a:latin typeface="+mn-lt"/>
+                <a:ea typeface="+mn-ea"/>
+                <a:sym typeface="Calibri" panose="020F0502020204030204" pitchFamily="34" charset="0"/>
+              </a:rPr>
+              <a:t>号），</a:t>
+            </a:r>
+            <a:r>
+              <a:rPr lang="zh-CN" altLang="en-US" sz="2000" b="1" dirty="0">
+                <a:solidFill>
+                  <a:srgbClr val="C9394A"/>
+                </a:solidFill>
+                <a:latin typeface="+mn-lt"/>
+                <a:ea typeface="+mn-ea"/>
+                <a:sym typeface="Calibri" panose="020F0502020204030204" pitchFamily="34" charset="0"/>
+              </a:rPr>
+              <a:t>请给每一行文字做进入动画。</a:t>
+            </a:r>
+            <a:endParaRPr lang="en-US" altLang="zh-CN" sz="2000" b="1" dirty="0">
+              <a:solidFill>
+                <a:srgbClr val="C9394A"/>
+              </a:solidFill>
+              <a:latin typeface="+mn-lt"/>
+              <a:ea typeface="+mn-ea"/>
+              <a:sym typeface="Calibri" panose="020F0502020204030204" pitchFamily="34" charset="0"/>
+            </a:endParaRPr>
+          </a:p>
+        </p:txBody>
+      </p:sp>
+      <p:sp>
+        <p:nvSpPr>
+          <p:cNvPr id="3" name="文本框 2"/>
+          <p:cNvSpPr txBox="1"/>
+          <p:nvPr/>
+        </p:nvSpPr>
+        <p:spPr>
+          <a:xfrm>
+            <a:off x="457200" y="2372784"/>
+            <a:ext cx="8229600" cy="400110"/>
+          </a:xfrm>
+          <a:prstGeom prst="rect">
+            <a:avLst/>
+          </a:prstGeom>
+          <a:noFill/>
+        </p:spPr>
+        <p:txBody>
+          <a:bodyPr>
+            <a:spAutoFit/>
+          </a:bodyPr>
+          <a:lstStyle/>
+          <a:p>
+            <a:pPr lvl="1">
+              <a:buFont typeface="Arial" panose="020B0604020202020204" pitchFamily="34" charset="0"/>
+              <a:buNone/>
+              <a:defRPr/>
+            </a:pPr>
+            <a:r>
+              <a:rPr lang="zh-CN" altLang="en-US" sz="2000" b="1" dirty="0">
+                <a:solidFill>
+                  <a:srgbClr val="474747"/>
+                </a:solidFill>
+                <a:latin typeface="+mn-lt"/>
+                <a:ea typeface="+mn-ea"/>
+              </a:rPr>
+              <a:t>第一行正文（</a:t>
+            </a:r>
+            <a:r>
+              <a:rPr lang="en-US" altLang="zh-CN" sz="2000" b="1" dirty="0">
+                <a:solidFill>
+                  <a:srgbClr val="474747"/>
+                </a:solidFill>
+                <a:latin typeface="+mn-lt"/>
+                <a:ea typeface="+mn-ea"/>
+              </a:rPr>
+              <a:t>15</a:t>
+            </a:r>
+            <a:r>
+              <a:rPr lang="zh-CN" altLang="en-US" sz="2000" b="1" dirty="0">
+                <a:solidFill>
+                  <a:srgbClr val="474747"/>
+                </a:solidFill>
+                <a:latin typeface="+mn-lt"/>
+                <a:ea typeface="+mn-ea"/>
+              </a:rPr>
+              <a:t>号）</a:t>
+            </a:r>
+            <a:r>
+              <a:rPr lang="zh-CN" altLang="en-US" sz="2000" b="1" dirty="0" smtClean="0">
+                <a:solidFill>
+                  <a:srgbClr val="C9394A"/>
+                </a:solidFill>
+                <a:latin typeface="+mn-lt"/>
+                <a:ea typeface="+mn-ea"/>
+              </a:rPr>
+              <a:t>重点内容</a:t>
+            </a:r>
+            <a:r>
+              <a:rPr lang="zh-CN" altLang="en-US" sz="2000" b="1" dirty="0">
+                <a:solidFill>
+                  <a:srgbClr val="C9394A"/>
+                </a:solidFill>
+                <a:latin typeface="+mn-lt"/>
+                <a:ea typeface="+mn-ea"/>
+              </a:rPr>
+              <a:t>（标记红色，可选择放大到</a:t>
+            </a:r>
+            <a:r>
+              <a:rPr lang="en-US" altLang="zh-CN" sz="2000" b="1" dirty="0">
+                <a:solidFill>
+                  <a:srgbClr val="C9394A"/>
+                </a:solidFill>
+                <a:latin typeface="+mn-lt"/>
+                <a:ea typeface="+mn-ea"/>
+              </a:rPr>
+              <a:t>18</a:t>
+            </a:r>
+            <a:r>
+              <a:rPr lang="zh-CN" altLang="en-US" sz="2000" b="1" dirty="0">
+                <a:solidFill>
+                  <a:srgbClr val="C9394A"/>
+                </a:solidFill>
+                <a:latin typeface="+mn-lt"/>
+                <a:ea typeface="+mn-ea"/>
+              </a:rPr>
+              <a:t>号）</a:t>
+            </a:r>
+            <a:r>
+              <a:rPr lang="zh-CN" altLang="en-US" sz="2000" b="1" dirty="0">
+                <a:solidFill>
+                  <a:srgbClr val="474747"/>
+                </a:solidFill>
+                <a:latin typeface="+mn-lt"/>
+                <a:ea typeface="+mn-ea"/>
+              </a:rPr>
+              <a:t>。</a:t>
+            </a:r>
+            <a:endParaRPr lang="en-US" altLang="zh-CN" sz="2000" b="1" dirty="0">
+              <a:solidFill>
+                <a:srgbClr val="474747"/>
+              </a:solidFill>
+              <a:latin typeface="+mn-lt"/>
+              <a:ea typeface="+mn-ea"/>
+            </a:endParaRPr>
+          </a:p>
+        </p:txBody>
+      </p:sp>
+      <p:sp>
+        <p:nvSpPr>
+          <p:cNvPr id="6" name="文本框 5"/>
+          <p:cNvSpPr txBox="1"/>
+          <p:nvPr/>
+        </p:nvSpPr>
+        <p:spPr>
+          <a:xfrm>
+            <a:off x="457200" y="3716867"/>
+            <a:ext cx="8229600" cy="400110"/>
+          </a:xfrm>
+          <a:prstGeom prst="rect">
+            <a:avLst/>
+          </a:prstGeom>
+          <a:noFill/>
+        </p:spPr>
+        <p:txBody>
+          <a:bodyPr>
+            <a:spAutoFit/>
+          </a:bodyPr>
+          <a:lstStyle/>
+          <a:p>
+            <a:pPr lvl="1">
+              <a:buFont typeface="Arial" panose="020B0604020202020204" pitchFamily="34" charset="0"/>
+              <a:buNone/>
+              <a:defRPr/>
+            </a:pPr>
+            <a:r>
+              <a:rPr lang="zh-CN" altLang="en-US" sz="2000" b="1" dirty="0">
+                <a:solidFill>
+                  <a:srgbClr val="474747"/>
+                </a:solidFill>
+                <a:latin typeface="+mn-lt"/>
+                <a:ea typeface="+mn-ea"/>
+                <a:sym typeface="Calibri" panose="020F0502020204030204" pitchFamily="34" charset="0"/>
+              </a:rPr>
+              <a:t>每页最多三行正文，</a:t>
+            </a:r>
+            <a:r>
+              <a:rPr lang="zh-CN" altLang="en-US" sz="2000" b="1" dirty="0">
+                <a:solidFill>
+                  <a:srgbClr val="C9394A"/>
+                </a:solidFill>
+                <a:latin typeface="+mn-lt"/>
+                <a:ea typeface="+mn-ea"/>
+                <a:sym typeface="Calibri" panose="020F0502020204030204" pitchFamily="34" charset="0"/>
+              </a:rPr>
+              <a:t>多于三行的请分页</a:t>
+            </a:r>
+            <a:r>
+              <a:rPr lang="zh-CN" altLang="en-US" sz="2000" b="1" dirty="0">
+                <a:solidFill>
+                  <a:srgbClr val="474747"/>
+                </a:solidFill>
+                <a:latin typeface="+mn-lt"/>
+                <a:ea typeface="+mn-ea"/>
+                <a:sym typeface="Calibri" panose="020F0502020204030204" pitchFamily="34" charset="0"/>
+              </a:rPr>
+              <a:t>。</a:t>
+            </a:r>
+            <a:endParaRPr lang="en-US" altLang="zh-CN" sz="2000" b="1" dirty="0">
+              <a:solidFill>
+                <a:srgbClr val="474747"/>
+              </a:solidFill>
+              <a:latin typeface="+mn-lt"/>
+              <a:ea typeface="+mn-ea"/>
+              <a:sym typeface="Calibri" panose="020F0502020204030204" pitchFamily="34" charset="0"/>
+            </a:endParaRPr>
+          </a:p>
+        </p:txBody>
+      </p:sp>
+      <p:sp>
+        <p:nvSpPr>
+          <p:cNvPr id="7" name="标题 6"/>
+          <p:cNvSpPr>
+            <a:spLocks noGrp="1"/>
+          </p:cNvSpPr>
+          <p:nvPr>
+            <p:ph type="title"/>
+          </p:nvPr>
+        </p:nvSpPr>
+        <p:spPr/>
+        <p:txBody>
+          <a:bodyPr/>
+          <a:lstStyle/>
+          <a:p>
+            <a:endParaRPr lang="zh-CN" altLang="en-US"/>
+          </a:p>
+        </p:txBody>
+      </p:sp>
+    </p:spTree>
+  </p:cSld>
+  <p:clrMapOvr>
+    <a:masterClrMapping/>
+  </p:clrMapOvr>
+  <p:timing>
+    <p:tnLst>
+      <p:par>
+        <p:cTn id="1" dur="indefinite" restart="never" nodeType="tmRoot">
+          <p:childTnLst>
+            <p:seq concurrent="1" nextAc="seek">
+              <p:cTn id="2" dur="indefinite" nodeType="mainSeq">
+                <p:childTnLst>
+                  <p:par>
+                    <p:cTn id="3" fill="hold" nodeType="clickPar">
+                      <p:stCondLst>
+                        <p:cond delay="indefinite"/>
+                      </p:stCondLst>
+                      <p:childTnLst>
+                        <p:par>
+                          <p:cTn id="4" fill="hold" nodeType="withGroup">
+                            <p:stCondLst>
+                              <p:cond delay="0"/>
+                            </p:stCondLst>
+                            <p:childTnLst>
+                              <p:par>
+                                <p:cTn id="5" presetID="2" presetClass="entr" presetSubtype="4" fill="hold" grpId="0" nodeType="clickEffect">
+                                  <p:stCondLst>
+                                    <p:cond delay="0"/>
+                                  </p:stCondLst>
+                                  <p:childTnLst>
+                                    <p:set>
+                                      <p:cBhvr>
+                                        <p:cTn id="6" dur="1" fill="hold">
+                                          <p:stCondLst>
+                                            <p:cond delay="0"/>
+                                          </p:stCondLst>
+                                        </p:cTn>
+                                        <p:tgtEl>
+                                          <p:spTgt spid="2051">
+                                            <p:txEl>
+                                              <p:pRg st="0" end="0"/>
+                                            </p:txEl>
+                                          </p:spTgt>
+                                        </p:tgtEl>
+                                        <p:attrNameLst>
+                                          <p:attrName>style.visibility</p:attrName>
+                                        </p:attrNameLst>
+                                      </p:cBhvr>
+                                      <p:to>
+                                        <p:strVal val="visible"/>
+                                      </p:to>
+                                    </p:set>
+                                    <p:anim calcmode="lin" valueType="num">
+                                      <p:cBhvr additive="base">
+                                        <p:cTn id="7" dur="500" fill="hold"/>
+                                        <p:tgtEl>
+                                          <p:spTgt spid="2051">
+                                            <p:txEl>
+                                              <p:pRg st="0" end="0"/>
+                                            </p:txEl>
+                                          </p:spTgt>
+                                        </p:tgtEl>
+                                        <p:attrNameLst>
+                                          <p:attrName>ppt_x</p:attrName>
+                                        </p:attrNameLst>
+                                      </p:cBhvr>
+                                      <p:tavLst>
+                                        <p:tav tm="0">
+                                          <p:val>
+                                            <p:strVal val="#ppt_x"/>
+                                          </p:val>
+                                        </p:tav>
+                                        <p:tav tm="100000">
+                                          <p:val>
+                                            <p:strVal val="#ppt_x"/>
+                                          </p:val>
+                                        </p:tav>
+                                      </p:tavLst>
+                                    </p:anim>
+                                    <p:anim calcmode="lin" valueType="num">
+                                      <p:cBhvr additive="base">
+                                        <p:cTn id="8" dur="500" fill="hold"/>
+                                        <p:tgtEl>
+                                          <p:spTgt spid="2051">
+                                            <p:txEl>
+                                              <p:pRg st="0" end="0"/>
+                                            </p:txEl>
+                                          </p:spTgt>
+                                        </p:tgtEl>
+                                        <p:attrNameLst>
+                                          <p:attrName>ppt_y</p:attrName>
+                                        </p:attrNameLst>
+                                      </p:cBhvr>
+                                      <p:tavLst>
+                                        <p:tav tm="0">
+                                          <p:val>
+                                            <p:strVal val="1+#ppt_h/2"/>
+                                          </p:val>
+                                        </p:tav>
+                                        <p:tav tm="100000">
+                                          <p:val>
+                                            <p:strVal val="#ppt_y"/>
+                                          </p:val>
+                                        </p:tav>
+                                      </p:tavLst>
+                                    </p:anim>
+                                  </p:childTnLst>
+                                </p:cTn>
+                              </p:par>
+                            </p:childTnLst>
+                          </p:cTn>
+                        </p:par>
+                      </p:childTnLst>
+                    </p:cTn>
+                  </p:par>
+                  <p:par>
+                    <p:cTn id="9" fill="hold" nodeType="clickPar">
+                      <p:stCondLst>
+                        <p:cond delay="indefinite"/>
+                      </p:stCondLst>
+                      <p:childTnLst>
+                        <p:par>
+                          <p:cTn id="10" fill="hold" nodeType="withGroup">
+                            <p:stCondLst>
+                              <p:cond delay="0"/>
+                            </p:stCondLst>
+                            <p:childTnLst>
+                              <p:par>
+                                <p:cTn id="11" presetID="2" presetClass="entr" presetSubtype="4" fill="hold" grpId="0" nodeType="clickEffect">
+                                  <p:stCondLst>
+                                    <p:cond delay="0"/>
+                                  </p:stCondLst>
+                                  <p:childTnLst>
+                                    <p:set>
+                                      <p:cBhvr>
+                                        <p:cTn id="12" dur="1" fill="hold">
+                                          <p:stCondLst>
+                                            <p:cond delay="0"/>
+                                          </p:stCondLst>
+                                        </p:cTn>
+                                        <p:tgtEl>
+                                          <p:spTgt spid="3"/>
+                                        </p:tgtEl>
+                                        <p:attrNameLst>
+                                          <p:attrName>style.visibility</p:attrName>
+                                        </p:attrNameLst>
+                                      </p:cBhvr>
+                                      <p:to>
+                                        <p:strVal val="visible"/>
+                                      </p:to>
+                                    </p:set>
+                                    <p:anim calcmode="lin" valueType="num">
+                                      <p:cBhvr additive="base">
+                                        <p:cTn id="13" dur="300" fill="hold"/>
+                                        <p:tgtEl>
+                                          <p:spTgt spid="3"/>
+                                        </p:tgtEl>
+                                        <p:attrNameLst>
+                                          <p:attrName>ppt_x</p:attrName>
+                                        </p:attrNameLst>
+                                      </p:cBhvr>
+                                      <p:tavLst>
+                                        <p:tav tm="0">
+                                          <p:val>
+                                            <p:strVal val="#ppt_x"/>
+                                          </p:val>
+                                        </p:tav>
+                                        <p:tav tm="100000">
+                                          <p:val>
+                                            <p:strVal val="#ppt_x"/>
+                                          </p:val>
+                                        </p:tav>
+                                      </p:tavLst>
+                                    </p:anim>
+                                    <p:anim calcmode="lin" valueType="num">
+                                      <p:cBhvr additive="base">
+                                        <p:cTn id="14" dur="300" fill="hold"/>
+                                        <p:tgtEl>
+                                          <p:spTgt spid="3"/>
+                                        </p:tgtEl>
+                                        <p:attrNameLst>
+                                          <p:attrName>ppt_y</p:attrName>
+                                        </p:attrNameLst>
+                                      </p:cBhvr>
+                                      <p:tavLst>
+                                        <p:tav tm="0">
+                                          <p:val>
+                                            <p:strVal val="1+#ppt_h/2"/>
+                                          </p:val>
+                                        </p:tav>
+                                        <p:tav tm="100000">
+                                          <p:val>
+                                            <p:strVal val="#ppt_y"/>
+                                          </p:val>
+                                        </p:tav>
+                                      </p:tavLst>
+                                    </p:anim>
+                                  </p:childTnLst>
+                                </p:cTn>
+                              </p:par>
+                            </p:childTnLst>
+                          </p:cTn>
+                        </p:par>
+                      </p:childTnLst>
+                    </p:cTn>
+                  </p:par>
+                  <p:par>
+                    <p:cTn id="15" fill="hold" nodeType="clickPar">
+                      <p:stCondLst>
+                        <p:cond delay="indefinite"/>
+                      </p:stCondLst>
+                      <p:childTnLst>
+                        <p:par>
+                          <p:cTn id="16" fill="hold" nodeType="withGroup">
+                            <p:stCondLst>
+                              <p:cond delay="0"/>
+                            </p:stCondLst>
+                            <p:childTnLst>
+                              <p:par>
+                                <p:cTn id="17" presetID="2" presetClass="entr" presetSubtype="4" fill="hold" grpId="0" nodeType="clickEffect">
+                                  <p:stCondLst>
+                                    <p:cond delay="0"/>
+                                  </p:stCondLst>
+                                  <p:childTnLst>
+                                    <p:set>
+                                      <p:cBhvr>
+                                        <p:cTn id="18" dur="1" fill="hold">
+                                          <p:stCondLst>
+                                            <p:cond delay="0"/>
+                                          </p:stCondLst>
+                                        </p:cTn>
+                                        <p:tgtEl>
+                                          <p:spTgt spid="2"/>
+                                        </p:tgtEl>
+                                        <p:attrNameLst>
+                                          <p:attrName>style.visibility</p:attrName>
+                                        </p:attrNameLst>
+                                      </p:cBhvr>
+                                      <p:to>
+                                        <p:strVal val="visible"/>
+                                      </p:to>
+                                    </p:set>
+                                    <p:anim calcmode="lin" valueType="num">
+                                      <p:cBhvr additive="base">
+                                        <p:cTn id="19" dur="500" fill="hold"/>
+                                        <p:tgtEl>
+                                          <p:spTgt spid="2"/>
+                                        </p:tgtEl>
+                                        <p:attrNameLst>
+                                          <p:attrName>ppt_x</p:attrName>
+                                        </p:attrNameLst>
+                                      </p:cBhvr>
+                                      <p:tavLst>
+                                        <p:tav tm="0">
+                                          <p:val>
+                                            <p:strVal val="#ppt_x"/>
+                                          </p:val>
+                                        </p:tav>
+                                        <p:tav tm="100000">
+                                          <p:val>
+                                            <p:strVal val="#ppt_x"/>
+                                          </p:val>
+                                        </p:tav>
+                                      </p:tavLst>
+                                    </p:anim>
+                                    <p:anim calcmode="lin" valueType="num">
+                                      <p:cBhvr additive="base">
+                                        <p:cTn id="20" dur="500" fill="hold"/>
+                                        <p:tgtEl>
+                                          <p:spTgt spid="2"/>
+                                        </p:tgtEl>
+                                        <p:attrNameLst>
+                                          <p:attrName>ppt_y</p:attrName>
+                                        </p:attrNameLst>
+                                      </p:cBhvr>
+                                      <p:tavLst>
+                                        <p:tav tm="0">
+                                          <p:val>
+                                            <p:strVal val="1+#ppt_h/2"/>
+                                          </p:val>
+                                        </p:tav>
+                                        <p:tav tm="100000">
+                                          <p:val>
+                                            <p:strVal val="#ppt_y"/>
+                                          </p:val>
+                                        </p:tav>
+                                      </p:tavLst>
+                                    </p:anim>
+                                  </p:childTnLst>
+                                </p:cTn>
+                              </p:par>
+                            </p:childTnLst>
+                          </p:cTn>
+                        </p:par>
+                      </p:childTnLst>
+                    </p:cTn>
+                  </p:par>
+                  <p:par>
+                    <p:cTn id="21" fill="hold" nodeType="clickPar">
+                      <p:stCondLst>
+                        <p:cond delay="indefinite"/>
+                      </p:stCondLst>
+                      <p:childTnLst>
+                        <p:par>
+                          <p:cTn id="22" fill="hold" nodeType="withGroup">
+                            <p:stCondLst>
+                              <p:cond delay="0"/>
+                            </p:stCondLst>
+                            <p:childTnLst>
+                              <p:par>
+                                <p:cTn id="23" presetID="2" presetClass="entr" presetSubtype="4" fill="hold" grpId="0" nodeType="clickEffect">
+                                  <p:stCondLst>
+                                    <p:cond delay="0"/>
+                                  </p:stCondLst>
+                                  <p:childTnLst>
+                                    <p:set>
+                                      <p:cBhvr>
+                                        <p:cTn id="24" dur="1" fill="hold">
+                                          <p:stCondLst>
+                                            <p:cond delay="0"/>
+                                          </p:stCondLst>
+                                        </p:cTn>
+                                        <p:tgtEl>
+                                          <p:spTgt spid="6"/>
+                                        </p:tgtEl>
+                                        <p:attrNameLst>
+                                          <p:attrName>style.visibility</p:attrName>
+                                        </p:attrNameLst>
+                                      </p:cBhvr>
+                                      <p:to>
+                                        <p:strVal val="visible"/>
+                                      </p:to>
+                                    </p:set>
+                                    <p:anim calcmode="lin" valueType="num">
+                                      <p:cBhvr additive="base">
+                                        <p:cTn id="25" dur="500" fill="hold"/>
+                                        <p:tgtEl>
+                                          <p:spTgt spid="6"/>
+                                        </p:tgtEl>
+                                        <p:attrNameLst>
+                                          <p:attrName>ppt_x</p:attrName>
+                                        </p:attrNameLst>
+                                      </p:cBhvr>
+                                      <p:tavLst>
+                                        <p:tav tm="0">
+                                          <p:val>
+                                            <p:strVal val="#ppt_x"/>
+                                          </p:val>
+                                        </p:tav>
+                                        <p:tav tm="100000">
+                                          <p:val>
+                                            <p:strVal val="#ppt_x"/>
+                                          </p:val>
+                                        </p:tav>
+                                      </p:tavLst>
+                                    </p:anim>
+                                    <p:anim calcmode="lin" valueType="num">
+                                      <p:cBhvr additive="base">
+                                        <p:cTn id="26" dur="500" fill="hold"/>
+                                        <p:tgtEl>
+                                          <p:spTgt spid="6"/>
+                                        </p:tgtEl>
+                                        <p:attrNameLst>
+                                          <p:attrName>ppt_y</p:attrName>
+                                        </p:attrNameLst>
+                                      </p:cBhvr>
+                                      <p:tavLst>
+                                        <p:tav tm="0">
+                                          <p:val>
+                                            <p:strVal val="1+#ppt_h/2"/>
+                                          </p:val>
+                                        </p:tav>
+                                        <p:tav tm="100000">
+                                          <p:val>
+                                            <p:strVal val="#ppt_y"/>
+                                          </p:val>
+                                        </p:tav>
+                                      </p:tavLst>
+                                    </p:anim>
+                                  </p:childTnLst>
+                                </p:cTn>
+                              </p:par>
+                            </p:childTnLst>
+                          </p:cTn>
+                        </p:par>
+                      </p:childTnLst>
+                    </p:cTn>
+                  </p:par>
+                </p:childTnLst>
+              </p:cTn>
+              <p:prevCondLst>
+                <p:cond evt="onPrev" delay="0">
+                  <p:tgtEl>
+                    <p:sldTgt/>
+                  </p:tgtEl>
+                </p:cond>
+              </p:prevCondLst>
+              <p:nextCondLst>
+                <p:cond evt="onNext" delay="0">
+                  <p:tgtEl>
+                    <p:sldTgt/>
+                  </p:tgtEl>
+                </p:cond>
+              </p:nextCondLst>
+            </p:seq>
+          </p:childTnLst>
+        </p:cTn>
+      </p:par>
+    </p:tnLst>
+    <p:bldLst>
+      <p:bldP spid="2051" grpId="0" build="p"/>
+      <p:bldP spid="2" grpId="0"/>
+      <p:bldP spid="3" grpId="0"/>
+      <p:bldP spid="6" grpId="0"/>
+    </p:bldLst>
   </p:timing>
 </p:sld>
 </file>
@@ -12341,4 +13489,287 @@
   <a:objectDefaults/>
   <a:extraClrSchemeLst/>
 </a:theme>
+</file>
+
+<file path=ppt/theme/theme2.xml><?xml version="1.0" encoding="utf-8"?>
+<a:theme xmlns:a="http://schemas.openxmlformats.org/drawingml/2006/main" name="Office 主题">
+  <a:themeElements>
+    <a:clrScheme name="Office">
+      <a:dk1>
+        <a:sysClr val="windowText" lastClr="000000"/>
+      </a:dk1>
+      <a:lt1>
+        <a:sysClr val="window" lastClr="FFFFFF"/>
+      </a:lt1>
+      <a:dk2>
+        <a:srgbClr val="1F497D"/>
+      </a:dk2>
+      <a:lt2>
+        <a:srgbClr val="EEECE1"/>
+      </a:lt2>
+      <a:accent1>
+        <a:srgbClr val="4F81BD"/>
+      </a:accent1>
+      <a:accent2>
+        <a:srgbClr val="C0504D"/>
+      </a:accent2>
+      <a:accent3>
+        <a:srgbClr val="9BBB59"/>
+      </a:accent3>
+      <a:accent4>
+        <a:srgbClr val="8064A2"/>
+      </a:accent4>
+      <a:accent5>
+        <a:srgbClr val="4BACC6"/>
+      </a:accent5>
+      <a:accent6>
+        <a:srgbClr val="F79646"/>
+      </a:accent6>
+      <a:hlink>
+        <a:srgbClr val="0000FF"/>
+      </a:hlink>
+      <a:folHlink>
+        <a:srgbClr val="800080"/>
+      </a:folHlink>
+    </a:clrScheme>
+    <a:fontScheme name="Office">
+      <a:majorFont>
+        <a:latin typeface="Calibri"/>
+        <a:ea typeface=""/>
+        <a:cs typeface=""/>
+        <a:font script="Jpan" typeface="ＭＳ Ｐゴシック"/>
+        <a:font script="Hang" typeface="맑은 고딕"/>
+        <a:font script="Hans" typeface="宋体"/>
+        <a:font script="Hant" typeface="新細明體"/>
+        <a:font script="Arab" typeface="Times New Roman"/>
+        <a:font script="Hebr" typeface="Times New Roman"/>
+        <a:font script="Thai" typeface="Angsana New"/>
+        <a:font script="Ethi" typeface="Nyala"/>
+        <a:font script="Beng" typeface="Vrinda"/>
+        <a:font script="Gujr" typeface="Shruti"/>
+        <a:font script="Khmr" typeface="MoolBoran"/>
+        <a:font script="Knda" typeface="Tunga"/>
+        <a:font script="Guru" typeface="Raavi"/>
+        <a:font script="Cans" typeface="Euphemia"/>
+        <a:font script="Cher" typeface="Plantagenet Cherokee"/>
+        <a:font script="Yiii" typeface="Microsoft Yi Baiti"/>
+        <a:font script="Tibt" typeface="Microsoft Himalaya"/>
+        <a:font script="Thaa" typeface="MV Boli"/>
+        <a:font script="Deva" typeface="Mangal"/>
+        <a:font script="Telu" typeface="Gautami"/>
+        <a:font script="Taml" typeface="Latha"/>
+        <a:font script="Syrc" typeface="Estrangelo Edessa"/>
+        <a:font script="Orya" typeface="Kalinga"/>
+        <a:font script="Mlym" typeface="Kartika"/>
+        <a:font script="Laoo" typeface="DokChampa"/>
+        <a:font script="Sinh" typeface="Iskoola Pota"/>
+        <a:font script="Mong" typeface="Mongolian Baiti"/>
+        <a:font script="Viet" typeface="Times New Roman"/>
+        <a:font script="Uigh" typeface="Microsoft Uighur"/>
+      </a:majorFont>
+      <a:minorFont>
+        <a:latin typeface="Calibri"/>
+        <a:ea typeface=""/>
+        <a:cs typeface=""/>
+        <a:font script="Jpan" typeface="ＭＳ Ｐゴシック"/>
+        <a:font script="Hang" typeface="맑은 고딕"/>
+        <a:font script="Hans" typeface="宋体"/>
+        <a:font script="Hant" typeface="新細明體"/>
+        <a:font script="Arab" typeface="Arial"/>
+        <a:font script="Hebr" typeface="Arial"/>
+        <a:font script="Thai" typeface="Cordia New"/>
+        <a:font script="Ethi" typeface="Nyala"/>
+        <a:font script="Beng" typeface="Vrinda"/>
+        <a:font script="Gujr" typeface="Shruti"/>
+        <a:font script="Khmr" typeface="DaunPenh"/>
+        <a:font script="Knda" typeface="Tunga"/>
+        <a:font script="Guru" typeface="Raavi"/>
+        <a:font script="Cans" typeface="Euphemia"/>
+        <a:font script="Cher" typeface="Plantagenet Cherokee"/>
+        <a:font script="Yiii" typeface="Microsoft Yi Baiti"/>
+        <a:font script="Tibt" typeface="Microsoft Himalaya"/>
+        <a:font script="Thaa" typeface="MV Boli"/>
+        <a:font script="Deva" typeface="Mangal"/>
+        <a:font script="Telu" typeface="Gautami"/>
+        <a:font script="Taml" typeface="Latha"/>
+        <a:font script="Syrc" typeface="Estrangelo Edessa"/>
+        <a:font script="Orya" typeface="Kalinga"/>
+        <a:font script="Mlym" typeface="Kartika"/>
+        <a:font script="Laoo" typeface="DokChampa"/>
+        <a:font script="Sinh" typeface="Iskoola Pota"/>
+        <a:font script="Mong" typeface="Mongolian Baiti"/>
+        <a:font script="Viet" typeface="Arial"/>
+        <a:font script="Uigh" typeface="Microsoft Uighur"/>
+      </a:minorFont>
+    </a:fontScheme>
+    <a:fmtScheme name="Office">
+      <a:fillStyleLst>
+        <a:solidFill>
+          <a:schemeClr val="phClr"/>
+        </a:solidFill>
+        <a:gradFill rotWithShape="1">
+          <a:gsLst>
+            <a:gs pos="0">
+              <a:schemeClr val="phClr">
+                <a:tint val="50000"/>
+                <a:satMod val="300000"/>
+              </a:schemeClr>
+            </a:gs>
+            <a:gs pos="35000">
+              <a:schemeClr val="phClr">
+                <a:tint val="37000"/>
+                <a:satMod val="300000"/>
+              </a:schemeClr>
+            </a:gs>
+            <a:gs pos="100000">
+              <a:schemeClr val="phClr">
+                <a:tint val="15000"/>
+                <a:satMod val="350000"/>
+              </a:schemeClr>
+            </a:gs>
+          </a:gsLst>
+          <a:lin ang="16200000" scaled="1"/>
+        </a:gradFill>
+        <a:gradFill rotWithShape="1">
+          <a:gsLst>
+            <a:gs pos="0">
+              <a:schemeClr val="phClr">
+                <a:shade val="51000"/>
+                <a:satMod val="130000"/>
+              </a:schemeClr>
+            </a:gs>
+            <a:gs pos="80000">
+              <a:schemeClr val="phClr">
+                <a:shade val="93000"/>
+                <a:satMod val="130000"/>
+              </a:schemeClr>
+            </a:gs>
+            <a:gs pos="100000">
+              <a:schemeClr val="phClr">
+                <a:shade val="94000"/>
+                <a:satMod val="135000"/>
+              </a:schemeClr>
+            </a:gs>
+          </a:gsLst>
+          <a:lin ang="16200000" scaled="0"/>
+        </a:gradFill>
+      </a:fillStyleLst>
+      <a:lnStyleLst>
+        <a:ln w="9525" cap="flat" cmpd="sng" algn="ctr">
+          <a:solidFill>
+            <a:schemeClr val="phClr">
+              <a:shade val="95000"/>
+              <a:satMod val="105000"/>
+            </a:schemeClr>
+          </a:solidFill>
+          <a:prstDash val="solid"/>
+        </a:ln>
+        <a:ln w="25400" cap="flat" cmpd="sng" algn="ctr">
+          <a:solidFill>
+            <a:schemeClr val="phClr"/>
+          </a:solidFill>
+          <a:prstDash val="solid"/>
+        </a:ln>
+        <a:ln w="38100" cap="flat" cmpd="sng" algn="ctr">
+          <a:solidFill>
+            <a:schemeClr val="phClr"/>
+          </a:solidFill>
+          <a:prstDash val="solid"/>
+        </a:ln>
+      </a:lnStyleLst>
+      <a:effectStyleLst>
+        <a:effectStyle>
+          <a:effectLst>
+            <a:outerShdw blurRad="40000" dist="20000" dir="5400000" rotWithShape="0">
+              <a:srgbClr val="000000">
+                <a:alpha val="38000"/>
+              </a:srgbClr>
+            </a:outerShdw>
+          </a:effectLst>
+        </a:effectStyle>
+        <a:effectStyle>
+          <a:effectLst>
+            <a:outerShdw blurRad="40000" dist="23000" dir="5400000" rotWithShape="0">
+              <a:srgbClr val="000000">
+                <a:alpha val="35000"/>
+              </a:srgbClr>
+            </a:outerShdw>
+          </a:effectLst>
+        </a:effectStyle>
+        <a:effectStyle>
+          <a:effectLst>
+            <a:outerShdw blurRad="40000" dist="23000" dir="5400000" rotWithShape="0">
+              <a:srgbClr val="000000">
+                <a:alpha val="35000"/>
+              </a:srgbClr>
+            </a:outerShdw>
+          </a:effectLst>
+          <a:scene3d>
+            <a:camera prst="orthographicFront">
+              <a:rot lat="0" lon="0" rev="0"/>
+            </a:camera>
+            <a:lightRig rig="threePt" dir="t">
+              <a:rot lat="0" lon="0" rev="1200000"/>
+            </a:lightRig>
+          </a:scene3d>
+          <a:sp3d>
+            <a:bevelT w="63500" h="25400"/>
+          </a:sp3d>
+        </a:effectStyle>
+      </a:effectStyleLst>
+      <a:bgFillStyleLst>
+        <a:solidFill>
+          <a:schemeClr val="phClr"/>
+        </a:solidFill>
+        <a:gradFill rotWithShape="1">
+          <a:gsLst>
+            <a:gs pos="0">
+              <a:schemeClr val="phClr">
+                <a:tint val="40000"/>
+                <a:satMod val="350000"/>
+              </a:schemeClr>
+            </a:gs>
+            <a:gs pos="40000">
+              <a:schemeClr val="phClr">
+                <a:tint val="45000"/>
+                <a:shade val="99000"/>
+                <a:satMod val="350000"/>
+              </a:schemeClr>
+            </a:gs>
+            <a:gs pos="100000">
+              <a:schemeClr val="phClr">
+                <a:shade val="20000"/>
+                <a:satMod val="255000"/>
+              </a:schemeClr>
+            </a:gs>
+          </a:gsLst>
+          <a:path path="circle">
+            <a:fillToRect l="50000" t="-80000" r="50000" b="180000"/>
+          </a:path>
+        </a:gradFill>
+        <a:gradFill rotWithShape="1">
+          <a:gsLst>
+            <a:gs pos="0">
+              <a:schemeClr val="phClr">
+                <a:tint val="80000"/>
+                <a:satMod val="300000"/>
+              </a:schemeClr>
+            </a:gs>
+            <a:gs pos="100000">
+              <a:schemeClr val="phClr">
+                <a:shade val="30000"/>
+                <a:satMod val="200000"/>
+              </a:schemeClr>
+            </a:gs>
+          </a:gsLst>
+          <a:path path="circle">
+            <a:fillToRect l="50000" t="50000" r="50000" b="50000"/>
+          </a:path>
+        </a:gradFill>
+      </a:bgFillStyleLst>
+    </a:fmtScheme>
+  </a:themeElements>
+  <a:objectDefaults/>
+  <a:extraClrSchemeLst/>
+</a:theme>
 </file>
--- a/requirejs/doc/requirejs.pptx
+++ b/requirejs/doc/requirejs.pptx
@@ -5,7 +5,7 @@
     <p:sldMasterId id="2147483648" r:id="rId1"/>
   </p:sldMasterIdLst>
   <p:notesMasterIdLst>
-    <p:notesMasterId r:id="rId21"/>
+    <p:notesMasterId r:id="rId24"/>
   </p:notesMasterIdLst>
   <p:sldIdLst>
     <p:sldId id="258" r:id="rId2"/>
@@ -26,7 +26,10 @@
     <p:sldId id="273" r:id="rId17"/>
     <p:sldId id="268" r:id="rId18"/>
     <p:sldId id="269" r:id="rId19"/>
-    <p:sldId id="276" r:id="rId20"/>
+    <p:sldId id="277" r:id="rId20"/>
+    <p:sldId id="278" r:id="rId21"/>
+    <p:sldId id="276" r:id="rId22"/>
+    <p:sldId id="279" r:id="rId23"/>
   </p:sldIdLst>
   <p:sldSz cx="9144000" cy="6858000" type="screen4x3"/>
   <p:notesSz cx="6858000" cy="9144000"/>
@@ -8227,6 +8230,1884 @@
       </p:grpSpPr>
       <p:sp>
         <p:nvSpPr>
+          <p:cNvPr id="4" name="标题 1"/>
+          <p:cNvSpPr txBox="1">
+            <a:spLocks/>
+          </p:cNvSpPr>
+          <p:nvPr/>
+        </p:nvSpPr>
+        <p:spPr>
+          <a:xfrm>
+            <a:off x="479425" y="1550988"/>
+            <a:ext cx="8229600" cy="857250"/>
+          </a:xfrm>
+          <a:prstGeom prst="rect">
+            <a:avLst/>
+          </a:prstGeom>
+        </p:spPr>
+        <p:txBody>
+          <a:bodyPr vert="horz" lIns="91440" tIns="45720" rIns="91440" bIns="45720" rtlCol="0" anchor="ctr">
+            <a:normAutofit/>
+          </a:bodyPr>
+          <a:lstStyle/>
+          <a:p>
+            <a:pPr marL="0" marR="0" lvl="0" indent="0" algn="ctr" defTabSz="914400" rtl="0" eaLnBrk="1" fontAlgn="auto" latinLnBrk="0" hangingPunct="1">
+              <a:lnSpc>
+                <a:spcPct val="100000"/>
+              </a:lnSpc>
+              <a:spcBef>
+                <a:spcPct val="0"/>
+              </a:spcBef>
+              <a:spcAft>
+                <a:spcPts val="0"/>
+              </a:spcAft>
+              <a:buClrTx/>
+              <a:buSzTx/>
+              <a:buFontTx/>
+              <a:buNone/>
+              <a:tabLst/>
+              <a:defRPr/>
+            </a:pPr>
+            <a:r>
+              <a:rPr kumimoji="0" lang="zh-CN" altLang="en-US" sz="4400" b="0" i="0" u="none" strike="noStrike" kern="1200" cap="none" spc="0" normalizeH="0" baseline="0" noProof="0" dirty="0" smtClean="0">
+                <a:ln>
+                  <a:noFill/>
+                </a:ln>
+                <a:solidFill>
+                  <a:srgbClr val="C9394A"/>
+                </a:solidFill>
+                <a:effectLst/>
+                <a:uLnTx/>
+                <a:uFillTx/>
+                <a:latin typeface="微软雅黑" pitchFamily="34" charset="-122"/>
+                <a:ea typeface="微软雅黑" pitchFamily="34" charset="-122"/>
+                <a:cs typeface="+mj-cs"/>
+              </a:rPr>
+              <a:t>配置模块路径</a:t>
+            </a:r>
+          </a:p>
+        </p:txBody>
+      </p:sp>
+      <p:sp>
+        <p:nvSpPr>
+          <p:cNvPr id="5" name="文本框 2"/>
+          <p:cNvSpPr txBox="1"/>
+          <p:nvPr/>
+        </p:nvSpPr>
+        <p:spPr>
+          <a:xfrm>
+            <a:off x="611560" y="3140968"/>
+            <a:ext cx="7200800" cy="400110"/>
+          </a:xfrm>
+          <a:prstGeom prst="rect">
+            <a:avLst/>
+          </a:prstGeom>
+          <a:noFill/>
+        </p:spPr>
+        <p:txBody>
+          <a:bodyPr wrap="square">
+            <a:spAutoFit/>
+          </a:bodyPr>
+          <a:lstStyle/>
+          <a:p>
+            <a:pPr lvl="1" algn="ctr">
+              <a:buFont typeface="Arial" panose="020B0604020202020204" pitchFamily="34" charset="0"/>
+              <a:buNone/>
+              <a:defRPr/>
+            </a:pPr>
+            <a:r>
+              <a:rPr lang="en-US" altLang="zh-CN" sz="2000" b="1" dirty="0" err="1" smtClean="0">
+                <a:solidFill>
+                  <a:srgbClr val="474747"/>
+                </a:solidFill>
+                <a:latin typeface="微软雅黑" pitchFamily="34" charset="-122"/>
+                <a:ea typeface="微软雅黑" pitchFamily="34" charset="-122"/>
+              </a:rPr>
+              <a:t>baseUrl</a:t>
+            </a:r>
+            <a:endParaRPr lang="en-US" altLang="zh-CN" sz="2000" b="1" dirty="0">
+              <a:solidFill>
+                <a:srgbClr val="474747"/>
+              </a:solidFill>
+              <a:latin typeface="微软雅黑" pitchFamily="34" charset="-122"/>
+              <a:ea typeface="微软雅黑" pitchFamily="34" charset="-122"/>
+            </a:endParaRPr>
+          </a:p>
+        </p:txBody>
+      </p:sp>
+    </p:spTree>
+  </p:cSld>
+  <p:clrMapOvr>
+    <a:masterClrMapping/>
+  </p:clrMapOvr>
+  <p:timing>
+    <p:tnLst>
+      <p:par>
+        <p:cTn id="1" dur="indefinite" restart="never" nodeType="tmRoot">
+          <p:childTnLst>
+            <p:seq concurrent="1" nextAc="seek">
+              <p:cTn id="2" dur="indefinite" nodeType="mainSeq">
+                <p:childTnLst>
+                  <p:par>
+                    <p:cTn id="3" fill="hold">
+                      <p:stCondLst>
+                        <p:cond delay="indefinite"/>
+                      </p:stCondLst>
+                      <p:childTnLst>
+                        <p:par>
+                          <p:cTn id="4" fill="hold">
+                            <p:stCondLst>
+                              <p:cond delay="0"/>
+                            </p:stCondLst>
+                            <p:childTnLst>
+                              <p:par>
+                                <p:cTn id="5" presetID="2" presetClass="entr" presetSubtype="4" fill="hold" grpId="0" nodeType="clickEffect">
+                                  <p:stCondLst>
+                                    <p:cond delay="0"/>
+                                  </p:stCondLst>
+                                  <p:childTnLst>
+                                    <p:set>
+                                      <p:cBhvr>
+                                        <p:cTn id="6" dur="1" fill="hold">
+                                          <p:stCondLst>
+                                            <p:cond delay="0"/>
+                                          </p:stCondLst>
+                                        </p:cTn>
+                                        <p:tgtEl>
+                                          <p:spTgt spid="5"/>
+                                        </p:tgtEl>
+                                        <p:attrNameLst>
+                                          <p:attrName>style.visibility</p:attrName>
+                                        </p:attrNameLst>
+                                      </p:cBhvr>
+                                      <p:to>
+                                        <p:strVal val="visible"/>
+                                      </p:to>
+                                    </p:set>
+                                    <p:anim calcmode="lin" valueType="num">
+                                      <p:cBhvr additive="base">
+                                        <p:cTn id="7" dur="300" fill="hold"/>
+                                        <p:tgtEl>
+                                          <p:spTgt spid="5"/>
+                                        </p:tgtEl>
+                                        <p:attrNameLst>
+                                          <p:attrName>ppt_x</p:attrName>
+                                        </p:attrNameLst>
+                                      </p:cBhvr>
+                                      <p:tavLst>
+                                        <p:tav tm="0">
+                                          <p:val>
+                                            <p:strVal val="#ppt_x"/>
+                                          </p:val>
+                                        </p:tav>
+                                        <p:tav tm="100000">
+                                          <p:val>
+                                            <p:strVal val="#ppt_x"/>
+                                          </p:val>
+                                        </p:tav>
+                                      </p:tavLst>
+                                    </p:anim>
+                                    <p:anim calcmode="lin" valueType="num">
+                                      <p:cBhvr additive="base">
+                                        <p:cTn id="8" dur="300" fill="hold"/>
+                                        <p:tgtEl>
+                                          <p:spTgt spid="5"/>
+                                        </p:tgtEl>
+                                        <p:attrNameLst>
+                                          <p:attrName>ppt_y</p:attrName>
+                                        </p:attrNameLst>
+                                      </p:cBhvr>
+                                      <p:tavLst>
+                                        <p:tav tm="0">
+                                          <p:val>
+                                            <p:strVal val="1+#ppt_h/2"/>
+                                          </p:val>
+                                        </p:tav>
+                                        <p:tav tm="100000">
+                                          <p:val>
+                                            <p:strVal val="#ppt_y"/>
+                                          </p:val>
+                                        </p:tav>
+                                      </p:tavLst>
+                                    </p:anim>
+                                  </p:childTnLst>
+                                </p:cTn>
+                              </p:par>
+                            </p:childTnLst>
+                          </p:cTn>
+                        </p:par>
+                      </p:childTnLst>
+                    </p:cTn>
+                  </p:par>
+                </p:childTnLst>
+              </p:cTn>
+              <p:prevCondLst>
+                <p:cond evt="onPrev" delay="0">
+                  <p:tgtEl>
+                    <p:sldTgt/>
+                  </p:tgtEl>
+                </p:cond>
+              </p:prevCondLst>
+              <p:nextCondLst>
+                <p:cond evt="onNext" delay="0">
+                  <p:tgtEl>
+                    <p:sldTgt/>
+                  </p:tgtEl>
+                </p:cond>
+              </p:nextCondLst>
+            </p:seq>
+          </p:childTnLst>
+        </p:cTn>
+      </p:par>
+    </p:tnLst>
+    <p:bldLst>
+      <p:bldP spid="5" grpId="0"/>
+    </p:bldLst>
+  </p:timing>
+</p:sld>
+</file>
+
+<file path=ppt/slides/slide2.xml><?xml version="1.0" encoding="utf-8"?>
+<p:sld xmlns:a="http://schemas.openxmlformats.org/drawingml/2006/main" xmlns:r="http://schemas.openxmlformats.org/officeDocument/2006/relationships" xmlns:p="http://schemas.openxmlformats.org/presentationml/2006/main">
+  <p:cSld>
+    <p:spTree>
+      <p:nvGrpSpPr>
+        <p:cNvPr id="1" name=""/>
+        <p:cNvGrpSpPr/>
+        <p:nvPr/>
+      </p:nvGrpSpPr>
+      <p:grpSpPr>
+        <a:xfrm>
+          <a:off x="0" y="0"/>
+          <a:ext cx="0" cy="0"/>
+          <a:chOff x="0" y="0"/>
+          <a:chExt cx="0" cy="0"/>
+        </a:xfrm>
+      </p:grpSpPr>
+      <p:sp>
+        <p:nvSpPr>
+          <p:cNvPr id="2" name="标题 1"/>
+          <p:cNvSpPr>
+            <a:spLocks noGrp="1"/>
+          </p:cNvSpPr>
+          <p:nvPr>
+            <p:ph type="ctrTitle"/>
+          </p:nvPr>
+        </p:nvSpPr>
+        <p:spPr/>
+        <p:txBody>
+          <a:bodyPr/>
+          <a:lstStyle/>
+          <a:p>
+            <a:r>
+              <a:rPr lang="en-US" altLang="zh-CN" dirty="0" err="1" smtClean="0">
+                <a:solidFill>
+                  <a:srgbClr val="C9394A"/>
+                </a:solidFill>
+              </a:rPr>
+              <a:t>Requirejs</a:t>
+            </a:r>
+            <a:r>
+              <a:rPr lang="zh-CN" altLang="en-US" dirty="0" smtClean="0">
+                <a:solidFill>
+                  <a:srgbClr val="C9394A"/>
+                </a:solidFill>
+              </a:rPr>
+              <a:t>和自动打包</a:t>
+            </a:r>
+            <a:endParaRPr lang="zh-CN" altLang="en-US" dirty="0">
+              <a:solidFill>
+                <a:srgbClr val="C9394A"/>
+              </a:solidFill>
+            </a:endParaRPr>
+          </a:p>
+        </p:txBody>
+      </p:sp>
+      <p:sp>
+        <p:nvSpPr>
+          <p:cNvPr id="3" name="副标题 2"/>
+          <p:cNvSpPr>
+            <a:spLocks noGrp="1"/>
+          </p:cNvSpPr>
+          <p:nvPr>
+            <p:ph type="subTitle" idx="1"/>
+          </p:nvPr>
+        </p:nvSpPr>
+        <p:spPr/>
+        <p:txBody>
+          <a:bodyPr/>
+          <a:lstStyle/>
+          <a:p>
+            <a:r>
+              <a:rPr lang="zh-CN" altLang="en-US" dirty="0" smtClean="0">
+                <a:solidFill>
+                  <a:srgbClr val="474747"/>
+                </a:solidFill>
+              </a:rPr>
+              <a:t>讲师：</a:t>
+            </a:r>
+            <a:r>
+              <a:rPr lang="en-US" altLang="zh-CN" dirty="0" smtClean="0">
+                <a:solidFill>
+                  <a:srgbClr val="474747"/>
+                </a:solidFill>
+              </a:rPr>
+              <a:t>Silva</a:t>
+            </a:r>
+            <a:endParaRPr lang="zh-CN" altLang="en-US" dirty="0">
+              <a:solidFill>
+                <a:srgbClr val="474747"/>
+              </a:solidFill>
+            </a:endParaRPr>
+          </a:p>
+        </p:txBody>
+      </p:sp>
+    </p:spTree>
+  </p:cSld>
+  <p:clrMapOvr>
+    <a:masterClrMapping/>
+  </p:clrMapOvr>
+  <p:timing>
+    <p:tnLst>
+      <p:par>
+        <p:cTn id="1" dur="indefinite" restart="never" nodeType="tmRoot"/>
+      </p:par>
+    </p:tnLst>
+  </p:timing>
+</p:sld>
+</file>
+
+<file path=ppt/slides/slide20.xml><?xml version="1.0" encoding="utf-8"?>
+<p:sld xmlns:a="http://schemas.openxmlformats.org/drawingml/2006/main" xmlns:r="http://schemas.openxmlformats.org/officeDocument/2006/relationships" xmlns:p="http://schemas.openxmlformats.org/presentationml/2006/main">
+  <p:cSld>
+    <p:spTree>
+      <p:nvGrpSpPr>
+        <p:cNvPr id="1" name=""/>
+        <p:cNvGrpSpPr/>
+        <p:nvPr/>
+      </p:nvGrpSpPr>
+      <p:grpSpPr>
+        <a:xfrm>
+          <a:off x="0" y="0"/>
+          <a:ext cx="0" cy="0"/>
+          <a:chOff x="0" y="0"/>
+          <a:chExt cx="0" cy="0"/>
+        </a:xfrm>
+      </p:grpSpPr>
+      <p:pic>
+        <p:nvPicPr>
+          <p:cNvPr id="2050" name="Picture 2"/>
+          <p:cNvPicPr>
+            <a:picLocks noChangeAspect="1" noChangeArrowheads="1"/>
+          </p:cNvPicPr>
+          <p:nvPr/>
+        </p:nvPicPr>
+        <p:blipFill>
+          <a:blip r:embed="rId2" cstate="print"/>
+          <a:srcRect/>
+          <a:stretch>
+            <a:fillRect/>
+          </a:stretch>
+        </p:blipFill>
+        <p:spPr bwMode="auto">
+          <a:xfrm>
+            <a:off x="971600" y="1556792"/>
+            <a:ext cx="7210425" cy="2085975"/>
+          </a:xfrm>
+          <a:prstGeom prst="rect">
+            <a:avLst/>
+          </a:prstGeom>
+          <a:noFill/>
+          <a:ln w="9525">
+            <a:noFill/>
+            <a:miter lim="800000"/>
+            <a:headEnd/>
+            <a:tailEnd/>
+          </a:ln>
+        </p:spPr>
+      </p:pic>
+      <p:pic>
+        <p:nvPicPr>
+          <p:cNvPr id="2051" name="Picture 3"/>
+          <p:cNvPicPr>
+            <a:picLocks noChangeAspect="1" noChangeArrowheads="1"/>
+          </p:cNvPicPr>
+          <p:nvPr/>
+        </p:nvPicPr>
+        <p:blipFill>
+          <a:blip r:embed="rId3" cstate="print"/>
+          <a:srcRect/>
+          <a:stretch>
+            <a:fillRect/>
+          </a:stretch>
+        </p:blipFill>
+        <p:spPr bwMode="auto">
+          <a:xfrm>
+            <a:off x="971600" y="4077072"/>
+            <a:ext cx="7181850" cy="1771650"/>
+          </a:xfrm>
+          <a:prstGeom prst="rect">
+            <a:avLst/>
+          </a:prstGeom>
+          <a:noFill/>
+          <a:ln w="9525">
+            <a:noFill/>
+            <a:miter lim="800000"/>
+            <a:headEnd/>
+            <a:tailEnd/>
+          </a:ln>
+        </p:spPr>
+      </p:pic>
+      <p:sp>
+        <p:nvSpPr>
+          <p:cNvPr id="6" name="矩形 5"/>
+          <p:cNvSpPr/>
+          <p:nvPr/>
+        </p:nvSpPr>
+        <p:spPr>
+          <a:xfrm>
+            <a:off x="3347864" y="1556792"/>
+            <a:ext cx="2160240" cy="432048"/>
+          </a:xfrm>
+          <a:prstGeom prst="rect">
+            <a:avLst/>
+          </a:prstGeom>
+          <a:noFill/>
+          <a:ln w="28575">
+            <a:solidFill>
+              <a:srgbClr val="C9394A"/>
+            </a:solidFill>
+          </a:ln>
+        </p:spPr>
+        <p:style>
+          <a:lnRef idx="2">
+            <a:schemeClr val="accent1">
+              <a:shade val="50000"/>
+            </a:schemeClr>
+          </a:lnRef>
+          <a:fillRef idx="1">
+            <a:schemeClr val="accent1"/>
+          </a:fillRef>
+          <a:effectRef idx="0">
+            <a:schemeClr val="accent1"/>
+          </a:effectRef>
+          <a:fontRef idx="minor">
+            <a:schemeClr val="lt1"/>
+          </a:fontRef>
+        </p:style>
+        <p:txBody>
+          <a:bodyPr rtlCol="0" anchor="ctr"/>
+          <a:lstStyle/>
+          <a:p>
+            <a:pPr algn="ctr"/>
+            <a:endParaRPr lang="zh-CN" altLang="en-US"/>
+          </a:p>
+        </p:txBody>
+      </p:sp>
+      <p:sp>
+        <p:nvSpPr>
+          <p:cNvPr id="7" name="圆角矩形 6"/>
+          <p:cNvSpPr/>
+          <p:nvPr/>
+        </p:nvSpPr>
+        <p:spPr>
+          <a:xfrm>
+            <a:off x="1259632" y="332656"/>
+            <a:ext cx="2016125" cy="886296"/>
+          </a:xfrm>
+          <a:prstGeom prst="roundRect">
+            <a:avLst/>
+          </a:prstGeom>
+          <a:solidFill>
+            <a:srgbClr val="C9394A"/>
+          </a:solidFill>
+          <a:ln/>
+        </p:spPr>
+        <p:style>
+          <a:lnRef idx="3">
+            <a:schemeClr val="lt1"/>
+          </a:lnRef>
+          <a:fillRef idx="1">
+            <a:schemeClr val="accent4"/>
+          </a:fillRef>
+          <a:effectRef idx="1">
+            <a:schemeClr val="accent4"/>
+          </a:effectRef>
+          <a:fontRef idx="minor">
+            <a:schemeClr val="lt1"/>
+          </a:fontRef>
+        </p:style>
+        <p:txBody>
+          <a:bodyPr anchor="ctr"/>
+          <a:lstStyle/>
+          <a:p>
+            <a:pPr algn="ctr">
+              <a:buFont typeface="Arial" charset="0"/>
+              <a:buNone/>
+              <a:defRPr/>
+            </a:pPr>
+            <a:r>
+              <a:rPr lang="en-US" altLang="zh-CN" sz="2000" b="1" dirty="0" smtClean="0">
+                <a:solidFill>
+                  <a:schemeClr val="bg1"/>
+                </a:solidFill>
+              </a:rPr>
+              <a:t>lib/</a:t>
+            </a:r>
+            <a:r>
+              <a:rPr lang="en-US" altLang="zh-CN" sz="2000" b="1" dirty="0" err="1" smtClean="0">
+                <a:solidFill>
+                  <a:schemeClr val="bg1"/>
+                </a:solidFill>
+              </a:rPr>
+              <a:t>jquery</a:t>
+            </a:r>
+            <a:endParaRPr lang="en-US" altLang="zh-CN" sz="2000" b="1" dirty="0" smtClean="0">
+              <a:solidFill>
+                <a:schemeClr val="bg1"/>
+              </a:solidFill>
+            </a:endParaRPr>
+          </a:p>
+        </p:txBody>
+      </p:sp>
+      <p:cxnSp>
+        <p:nvCxnSpPr>
+          <p:cNvPr id="8" name="直接箭头连接符 7"/>
+          <p:cNvCxnSpPr/>
+          <p:nvPr/>
+        </p:nvCxnSpPr>
+        <p:spPr>
+          <a:xfrm flipH="1" flipV="1">
+            <a:off x="3347864" y="980728"/>
+            <a:ext cx="1008112" cy="576064"/>
+          </a:xfrm>
+          <a:prstGeom prst="straightConnector1">
+            <a:avLst/>
+          </a:prstGeom>
+          <a:ln w="38100">
+            <a:solidFill>
+              <a:srgbClr val="C9394A"/>
+            </a:solidFill>
+            <a:tailEnd type="arrow"/>
+          </a:ln>
+        </p:spPr>
+        <p:style>
+          <a:lnRef idx="1">
+            <a:schemeClr val="accent1"/>
+          </a:lnRef>
+          <a:fillRef idx="0">
+            <a:schemeClr val="accent1"/>
+          </a:fillRef>
+          <a:effectRef idx="0">
+            <a:schemeClr val="accent1"/>
+          </a:effectRef>
+          <a:fontRef idx="minor">
+            <a:schemeClr val="tx1"/>
+          </a:fontRef>
+        </p:style>
+      </p:cxnSp>
+      <p:sp>
+        <p:nvSpPr>
+          <p:cNvPr id="10" name="圆角矩形 9"/>
+          <p:cNvSpPr/>
+          <p:nvPr/>
+        </p:nvSpPr>
+        <p:spPr>
+          <a:xfrm>
+            <a:off x="1187624" y="2780928"/>
+            <a:ext cx="2016125" cy="886296"/>
+          </a:xfrm>
+          <a:prstGeom prst="roundRect">
+            <a:avLst/>
+          </a:prstGeom>
+          <a:solidFill>
+            <a:srgbClr val="C9394A"/>
+          </a:solidFill>
+          <a:ln/>
+        </p:spPr>
+        <p:style>
+          <a:lnRef idx="3">
+            <a:schemeClr val="lt1"/>
+          </a:lnRef>
+          <a:fillRef idx="1">
+            <a:schemeClr val="accent4"/>
+          </a:fillRef>
+          <a:effectRef idx="1">
+            <a:schemeClr val="accent4"/>
+          </a:effectRef>
+          <a:fontRef idx="minor">
+            <a:schemeClr val="lt1"/>
+          </a:fontRef>
+        </p:style>
+        <p:txBody>
+          <a:bodyPr anchor="ctr"/>
+          <a:lstStyle/>
+          <a:p>
+            <a:pPr algn="ctr">
+              <a:buFont typeface="Arial" charset="0"/>
+              <a:buNone/>
+              <a:defRPr/>
+            </a:pPr>
+            <a:r>
+              <a:rPr lang="en-US" altLang="zh-CN" sz="2000" b="1" dirty="0" err="1" smtClean="0">
+                <a:solidFill>
+                  <a:schemeClr val="bg1"/>
+                </a:solidFill>
+              </a:rPr>
+              <a:t>jquery</a:t>
+            </a:r>
+            <a:endParaRPr lang="en-US" altLang="zh-CN" sz="2000" b="1" dirty="0" smtClean="0">
+              <a:solidFill>
+                <a:schemeClr val="bg1"/>
+              </a:solidFill>
+            </a:endParaRPr>
+          </a:p>
+        </p:txBody>
+      </p:sp>
+      <p:cxnSp>
+        <p:nvCxnSpPr>
+          <p:cNvPr id="11" name="直接箭头连接符 10"/>
+          <p:cNvCxnSpPr/>
+          <p:nvPr/>
+        </p:nvCxnSpPr>
+        <p:spPr>
+          <a:xfrm flipH="1" flipV="1">
+            <a:off x="2555776" y="3717032"/>
+            <a:ext cx="576064" cy="792088"/>
+          </a:xfrm>
+          <a:prstGeom prst="straightConnector1">
+            <a:avLst/>
+          </a:prstGeom>
+          <a:ln w="38100">
+            <a:solidFill>
+              <a:srgbClr val="C9394A"/>
+            </a:solidFill>
+            <a:tailEnd type="arrow"/>
+          </a:ln>
+        </p:spPr>
+        <p:style>
+          <a:lnRef idx="1">
+            <a:schemeClr val="accent1"/>
+          </a:lnRef>
+          <a:fillRef idx="0">
+            <a:schemeClr val="accent1"/>
+          </a:fillRef>
+          <a:effectRef idx="0">
+            <a:schemeClr val="accent1"/>
+          </a:effectRef>
+          <a:fontRef idx="minor">
+            <a:schemeClr val="tx1"/>
+          </a:fontRef>
+        </p:style>
+      </p:cxnSp>
+      <p:sp>
+        <p:nvSpPr>
+          <p:cNvPr id="13" name="矩形 12"/>
+          <p:cNvSpPr/>
+          <p:nvPr/>
+        </p:nvSpPr>
+        <p:spPr>
+          <a:xfrm>
+            <a:off x="2555776" y="4509120"/>
+            <a:ext cx="1440160" cy="360040"/>
+          </a:xfrm>
+          <a:prstGeom prst="rect">
+            <a:avLst/>
+          </a:prstGeom>
+          <a:noFill/>
+          <a:ln w="28575">
+            <a:solidFill>
+              <a:srgbClr val="C9394A"/>
+            </a:solidFill>
+          </a:ln>
+        </p:spPr>
+        <p:style>
+          <a:lnRef idx="2">
+            <a:schemeClr val="accent1">
+              <a:shade val="50000"/>
+            </a:schemeClr>
+          </a:lnRef>
+          <a:fillRef idx="1">
+            <a:schemeClr val="accent1"/>
+          </a:fillRef>
+          <a:effectRef idx="0">
+            <a:schemeClr val="accent1"/>
+          </a:effectRef>
+          <a:fontRef idx="minor">
+            <a:schemeClr val="lt1"/>
+          </a:fontRef>
+        </p:style>
+        <p:txBody>
+          <a:bodyPr rtlCol="0" anchor="ctr"/>
+          <a:lstStyle/>
+          <a:p>
+            <a:pPr algn="ctr"/>
+            <a:endParaRPr lang="zh-CN" altLang="en-US"/>
+          </a:p>
+        </p:txBody>
+      </p:sp>
+      <p:sp>
+        <p:nvSpPr>
+          <p:cNvPr id="14" name="矩形 13"/>
+          <p:cNvSpPr/>
+          <p:nvPr/>
+        </p:nvSpPr>
+        <p:spPr>
+          <a:xfrm>
+            <a:off x="6588224" y="1556792"/>
+            <a:ext cx="792088" cy="432048"/>
+          </a:xfrm>
+          <a:prstGeom prst="rect">
+            <a:avLst/>
+          </a:prstGeom>
+          <a:noFill/>
+          <a:ln w="28575">
+            <a:solidFill>
+              <a:srgbClr val="C9394A"/>
+            </a:solidFill>
+          </a:ln>
+        </p:spPr>
+        <p:style>
+          <a:lnRef idx="2">
+            <a:schemeClr val="accent1">
+              <a:shade val="50000"/>
+            </a:schemeClr>
+          </a:lnRef>
+          <a:fillRef idx="1">
+            <a:schemeClr val="accent1"/>
+          </a:fillRef>
+          <a:effectRef idx="0">
+            <a:schemeClr val="accent1"/>
+          </a:effectRef>
+          <a:fontRef idx="minor">
+            <a:schemeClr val="lt1"/>
+          </a:fontRef>
+        </p:style>
+        <p:txBody>
+          <a:bodyPr rtlCol="0" anchor="ctr"/>
+          <a:lstStyle/>
+          <a:p>
+            <a:pPr algn="ctr"/>
+            <a:endParaRPr lang="zh-CN" altLang="en-US"/>
+          </a:p>
+        </p:txBody>
+      </p:sp>
+      <p:sp>
+        <p:nvSpPr>
+          <p:cNvPr id="16" name="圆角矩形 15"/>
+          <p:cNvSpPr/>
+          <p:nvPr/>
+        </p:nvSpPr>
+        <p:spPr>
+          <a:xfrm>
+            <a:off x="5364088" y="260648"/>
+            <a:ext cx="2016125" cy="886296"/>
+          </a:xfrm>
+          <a:prstGeom prst="roundRect">
+            <a:avLst/>
+          </a:prstGeom>
+          <a:solidFill>
+            <a:srgbClr val="C9394A"/>
+          </a:solidFill>
+          <a:ln/>
+        </p:spPr>
+        <p:style>
+          <a:lnRef idx="3">
+            <a:schemeClr val="lt1"/>
+          </a:lnRef>
+          <a:fillRef idx="1">
+            <a:schemeClr val="accent4"/>
+          </a:fillRef>
+          <a:effectRef idx="1">
+            <a:schemeClr val="accent4"/>
+          </a:effectRef>
+          <a:fontRef idx="minor">
+            <a:schemeClr val="lt1"/>
+          </a:fontRef>
+        </p:style>
+        <p:txBody>
+          <a:bodyPr anchor="ctr"/>
+          <a:lstStyle/>
+          <a:p>
+            <a:pPr algn="ctr">
+              <a:buFont typeface="Arial" charset="0"/>
+              <a:buNone/>
+              <a:defRPr/>
+            </a:pPr>
+            <a:r>
+              <a:rPr lang="en-US" altLang="zh-CN" sz="2000" b="1" dirty="0" smtClean="0">
+                <a:solidFill>
+                  <a:schemeClr val="bg1"/>
+                </a:solidFill>
+              </a:rPr>
+              <a:t>lib/</a:t>
+            </a:r>
+            <a:r>
+              <a:rPr lang="en-US" altLang="zh-CN" sz="2000" b="1" dirty="0" err="1" smtClean="0">
+                <a:solidFill>
+                  <a:schemeClr val="bg1"/>
+                </a:solidFill>
+              </a:rPr>
+              <a:t>jquery</a:t>
+            </a:r>
+            <a:endParaRPr lang="en-US" altLang="zh-CN" sz="2000" b="1" dirty="0" smtClean="0">
+              <a:solidFill>
+                <a:schemeClr val="bg1"/>
+              </a:solidFill>
+            </a:endParaRPr>
+          </a:p>
+        </p:txBody>
+      </p:sp>
+      <p:cxnSp>
+        <p:nvCxnSpPr>
+          <p:cNvPr id="17" name="直接箭头连接符 16"/>
+          <p:cNvCxnSpPr>
+            <a:stCxn id="14" idx="0"/>
+          </p:cNvCxnSpPr>
+          <p:nvPr/>
+        </p:nvCxnSpPr>
+        <p:spPr>
+          <a:xfrm flipH="1" flipV="1">
+            <a:off x="6516216" y="1124744"/>
+            <a:ext cx="468052" cy="432048"/>
+          </a:xfrm>
+          <a:prstGeom prst="straightConnector1">
+            <a:avLst/>
+          </a:prstGeom>
+          <a:ln w="38100">
+            <a:solidFill>
+              <a:srgbClr val="C9394A"/>
+            </a:solidFill>
+            <a:tailEnd type="arrow"/>
+          </a:ln>
+        </p:spPr>
+        <p:style>
+          <a:lnRef idx="1">
+            <a:schemeClr val="accent1"/>
+          </a:lnRef>
+          <a:fillRef idx="0">
+            <a:schemeClr val="accent1"/>
+          </a:fillRef>
+          <a:effectRef idx="0">
+            <a:schemeClr val="accent1"/>
+          </a:effectRef>
+          <a:fontRef idx="minor">
+            <a:schemeClr val="tx1"/>
+          </a:fontRef>
+        </p:style>
+      </p:cxnSp>
+    </p:spTree>
+  </p:cSld>
+  <p:clrMapOvr>
+    <a:masterClrMapping/>
+  </p:clrMapOvr>
+  <p:timing>
+    <p:tnLst>
+      <p:par>
+        <p:cTn id="1" dur="indefinite" restart="never" nodeType="tmRoot">
+          <p:childTnLst>
+            <p:seq concurrent="1" nextAc="seek">
+              <p:cTn id="2" dur="indefinite" nodeType="mainSeq">
+                <p:childTnLst>
+                  <p:par>
+                    <p:cTn id="3" fill="hold">
+                      <p:stCondLst>
+                        <p:cond delay="indefinite"/>
+                      </p:stCondLst>
+                      <p:childTnLst>
+                        <p:par>
+                          <p:cTn id="4" fill="hold">
+                            <p:stCondLst>
+                              <p:cond delay="0"/>
+                            </p:stCondLst>
+                            <p:childTnLst>
+                              <p:par>
+                                <p:cTn id="5" presetID="2" presetClass="entr" presetSubtype="4" fill="hold" nodeType="clickEffect">
+                                  <p:stCondLst>
+                                    <p:cond delay="0"/>
+                                  </p:stCondLst>
+                                  <p:childTnLst>
+                                    <p:set>
+                                      <p:cBhvr>
+                                        <p:cTn id="6" dur="1" fill="hold">
+                                          <p:stCondLst>
+                                            <p:cond delay="0"/>
+                                          </p:stCondLst>
+                                        </p:cTn>
+                                        <p:tgtEl>
+                                          <p:spTgt spid="2050"/>
+                                        </p:tgtEl>
+                                        <p:attrNameLst>
+                                          <p:attrName>style.visibility</p:attrName>
+                                        </p:attrNameLst>
+                                      </p:cBhvr>
+                                      <p:to>
+                                        <p:strVal val="visible"/>
+                                      </p:to>
+                                    </p:set>
+                                    <p:anim calcmode="lin" valueType="num">
+                                      <p:cBhvr additive="base">
+                                        <p:cTn id="7" dur="300" fill="hold"/>
+                                        <p:tgtEl>
+                                          <p:spTgt spid="2050"/>
+                                        </p:tgtEl>
+                                        <p:attrNameLst>
+                                          <p:attrName>ppt_x</p:attrName>
+                                        </p:attrNameLst>
+                                      </p:cBhvr>
+                                      <p:tavLst>
+                                        <p:tav tm="0">
+                                          <p:val>
+                                            <p:strVal val="#ppt_x"/>
+                                          </p:val>
+                                        </p:tav>
+                                        <p:tav tm="100000">
+                                          <p:val>
+                                            <p:strVal val="#ppt_x"/>
+                                          </p:val>
+                                        </p:tav>
+                                      </p:tavLst>
+                                    </p:anim>
+                                    <p:anim calcmode="lin" valueType="num">
+                                      <p:cBhvr additive="base">
+                                        <p:cTn id="8" dur="300" fill="hold"/>
+                                        <p:tgtEl>
+                                          <p:spTgt spid="2050"/>
+                                        </p:tgtEl>
+                                        <p:attrNameLst>
+                                          <p:attrName>ppt_y</p:attrName>
+                                        </p:attrNameLst>
+                                      </p:cBhvr>
+                                      <p:tavLst>
+                                        <p:tav tm="0">
+                                          <p:val>
+                                            <p:strVal val="1+#ppt_h/2"/>
+                                          </p:val>
+                                        </p:tav>
+                                        <p:tav tm="100000">
+                                          <p:val>
+                                            <p:strVal val="#ppt_y"/>
+                                          </p:val>
+                                        </p:tav>
+                                      </p:tavLst>
+                                    </p:anim>
+                                  </p:childTnLst>
+                                </p:cTn>
+                              </p:par>
+                            </p:childTnLst>
+                          </p:cTn>
+                        </p:par>
+                      </p:childTnLst>
+                    </p:cTn>
+                  </p:par>
+                  <p:par>
+                    <p:cTn id="9" fill="hold">
+                      <p:stCondLst>
+                        <p:cond delay="indefinite"/>
+                      </p:stCondLst>
+                      <p:childTnLst>
+                        <p:par>
+                          <p:cTn id="10" fill="hold">
+                            <p:stCondLst>
+                              <p:cond delay="0"/>
+                            </p:stCondLst>
+                            <p:childTnLst>
+                              <p:par>
+                                <p:cTn id="11" presetID="2" presetClass="entr" presetSubtype="4" fill="hold" grpId="0" nodeType="clickEffect">
+                                  <p:stCondLst>
+                                    <p:cond delay="0"/>
+                                  </p:stCondLst>
+                                  <p:childTnLst>
+                                    <p:set>
+                                      <p:cBhvr>
+                                        <p:cTn id="12" dur="1" fill="hold">
+                                          <p:stCondLst>
+                                            <p:cond delay="0"/>
+                                          </p:stCondLst>
+                                        </p:cTn>
+                                        <p:tgtEl>
+                                          <p:spTgt spid="6"/>
+                                        </p:tgtEl>
+                                        <p:attrNameLst>
+                                          <p:attrName>style.visibility</p:attrName>
+                                        </p:attrNameLst>
+                                      </p:cBhvr>
+                                      <p:to>
+                                        <p:strVal val="visible"/>
+                                      </p:to>
+                                    </p:set>
+                                    <p:anim calcmode="lin" valueType="num">
+                                      <p:cBhvr additive="base">
+                                        <p:cTn id="13" dur="300" fill="hold"/>
+                                        <p:tgtEl>
+                                          <p:spTgt spid="6"/>
+                                        </p:tgtEl>
+                                        <p:attrNameLst>
+                                          <p:attrName>ppt_x</p:attrName>
+                                        </p:attrNameLst>
+                                      </p:cBhvr>
+                                      <p:tavLst>
+                                        <p:tav tm="0">
+                                          <p:val>
+                                            <p:strVal val="#ppt_x"/>
+                                          </p:val>
+                                        </p:tav>
+                                        <p:tav tm="100000">
+                                          <p:val>
+                                            <p:strVal val="#ppt_x"/>
+                                          </p:val>
+                                        </p:tav>
+                                      </p:tavLst>
+                                    </p:anim>
+                                    <p:anim calcmode="lin" valueType="num">
+                                      <p:cBhvr additive="base">
+                                        <p:cTn id="14" dur="300" fill="hold"/>
+                                        <p:tgtEl>
+                                          <p:spTgt spid="6"/>
+                                        </p:tgtEl>
+                                        <p:attrNameLst>
+                                          <p:attrName>ppt_y</p:attrName>
+                                        </p:attrNameLst>
+                                      </p:cBhvr>
+                                      <p:tavLst>
+                                        <p:tav tm="0">
+                                          <p:val>
+                                            <p:strVal val="1+#ppt_h/2"/>
+                                          </p:val>
+                                        </p:tav>
+                                        <p:tav tm="100000">
+                                          <p:val>
+                                            <p:strVal val="#ppt_y"/>
+                                          </p:val>
+                                        </p:tav>
+                                      </p:tavLst>
+                                    </p:anim>
+                                  </p:childTnLst>
+                                </p:cTn>
+                              </p:par>
+                            </p:childTnLst>
+                          </p:cTn>
+                        </p:par>
+                      </p:childTnLst>
+                    </p:cTn>
+                  </p:par>
+                  <p:par>
+                    <p:cTn id="15" fill="hold">
+                      <p:stCondLst>
+                        <p:cond delay="indefinite"/>
+                      </p:stCondLst>
+                      <p:childTnLst>
+                        <p:par>
+                          <p:cTn id="16" fill="hold">
+                            <p:stCondLst>
+                              <p:cond delay="0"/>
+                            </p:stCondLst>
+                            <p:childTnLst>
+                              <p:par>
+                                <p:cTn id="17" presetID="2" presetClass="entr" presetSubtype="4" fill="hold" grpId="0" nodeType="clickEffect">
+                                  <p:stCondLst>
+                                    <p:cond delay="0"/>
+                                  </p:stCondLst>
+                                  <p:childTnLst>
+                                    <p:set>
+                                      <p:cBhvr>
+                                        <p:cTn id="18" dur="1" fill="hold">
+                                          <p:stCondLst>
+                                            <p:cond delay="0"/>
+                                          </p:stCondLst>
+                                        </p:cTn>
+                                        <p:tgtEl>
+                                          <p:spTgt spid="7"/>
+                                        </p:tgtEl>
+                                        <p:attrNameLst>
+                                          <p:attrName>style.visibility</p:attrName>
+                                        </p:attrNameLst>
+                                      </p:cBhvr>
+                                      <p:to>
+                                        <p:strVal val="visible"/>
+                                      </p:to>
+                                    </p:set>
+                                    <p:anim calcmode="lin" valueType="num">
+                                      <p:cBhvr additive="base">
+                                        <p:cTn id="19" dur="300" fill="hold"/>
+                                        <p:tgtEl>
+                                          <p:spTgt spid="7"/>
+                                        </p:tgtEl>
+                                        <p:attrNameLst>
+                                          <p:attrName>ppt_x</p:attrName>
+                                        </p:attrNameLst>
+                                      </p:cBhvr>
+                                      <p:tavLst>
+                                        <p:tav tm="0">
+                                          <p:val>
+                                            <p:strVal val="#ppt_x"/>
+                                          </p:val>
+                                        </p:tav>
+                                        <p:tav tm="100000">
+                                          <p:val>
+                                            <p:strVal val="#ppt_x"/>
+                                          </p:val>
+                                        </p:tav>
+                                      </p:tavLst>
+                                    </p:anim>
+                                    <p:anim calcmode="lin" valueType="num">
+                                      <p:cBhvr additive="base">
+                                        <p:cTn id="20" dur="300" fill="hold"/>
+                                        <p:tgtEl>
+                                          <p:spTgt spid="7"/>
+                                        </p:tgtEl>
+                                        <p:attrNameLst>
+                                          <p:attrName>ppt_y</p:attrName>
+                                        </p:attrNameLst>
+                                      </p:cBhvr>
+                                      <p:tavLst>
+                                        <p:tav tm="0">
+                                          <p:val>
+                                            <p:strVal val="1+#ppt_h/2"/>
+                                          </p:val>
+                                        </p:tav>
+                                        <p:tav tm="100000">
+                                          <p:val>
+                                            <p:strVal val="#ppt_y"/>
+                                          </p:val>
+                                        </p:tav>
+                                      </p:tavLst>
+                                    </p:anim>
+                                  </p:childTnLst>
+                                </p:cTn>
+                              </p:par>
+                              <p:par>
+                                <p:cTn id="21" presetID="2" presetClass="entr" presetSubtype="4" fill="hold" nodeType="withEffect">
+                                  <p:stCondLst>
+                                    <p:cond delay="0"/>
+                                  </p:stCondLst>
+                                  <p:childTnLst>
+                                    <p:set>
+                                      <p:cBhvr>
+                                        <p:cTn id="22" dur="1" fill="hold">
+                                          <p:stCondLst>
+                                            <p:cond delay="0"/>
+                                          </p:stCondLst>
+                                        </p:cTn>
+                                        <p:tgtEl>
+                                          <p:spTgt spid="8"/>
+                                        </p:tgtEl>
+                                        <p:attrNameLst>
+                                          <p:attrName>style.visibility</p:attrName>
+                                        </p:attrNameLst>
+                                      </p:cBhvr>
+                                      <p:to>
+                                        <p:strVal val="visible"/>
+                                      </p:to>
+                                    </p:set>
+                                    <p:anim calcmode="lin" valueType="num">
+                                      <p:cBhvr additive="base">
+                                        <p:cTn id="23" dur="300" fill="hold"/>
+                                        <p:tgtEl>
+                                          <p:spTgt spid="8"/>
+                                        </p:tgtEl>
+                                        <p:attrNameLst>
+                                          <p:attrName>ppt_x</p:attrName>
+                                        </p:attrNameLst>
+                                      </p:cBhvr>
+                                      <p:tavLst>
+                                        <p:tav tm="0">
+                                          <p:val>
+                                            <p:strVal val="#ppt_x"/>
+                                          </p:val>
+                                        </p:tav>
+                                        <p:tav tm="100000">
+                                          <p:val>
+                                            <p:strVal val="#ppt_x"/>
+                                          </p:val>
+                                        </p:tav>
+                                      </p:tavLst>
+                                    </p:anim>
+                                    <p:anim calcmode="lin" valueType="num">
+                                      <p:cBhvr additive="base">
+                                        <p:cTn id="24" dur="300" fill="hold"/>
+                                        <p:tgtEl>
+                                          <p:spTgt spid="8"/>
+                                        </p:tgtEl>
+                                        <p:attrNameLst>
+                                          <p:attrName>ppt_y</p:attrName>
+                                        </p:attrNameLst>
+                                      </p:cBhvr>
+                                      <p:tavLst>
+                                        <p:tav tm="0">
+                                          <p:val>
+                                            <p:strVal val="1+#ppt_h/2"/>
+                                          </p:val>
+                                        </p:tav>
+                                        <p:tav tm="100000">
+                                          <p:val>
+                                            <p:strVal val="#ppt_y"/>
+                                          </p:val>
+                                        </p:tav>
+                                      </p:tavLst>
+                                    </p:anim>
+                                  </p:childTnLst>
+                                </p:cTn>
+                              </p:par>
+                            </p:childTnLst>
+                          </p:cTn>
+                        </p:par>
+                      </p:childTnLst>
+                    </p:cTn>
+                  </p:par>
+                  <p:par>
+                    <p:cTn id="25" fill="hold">
+                      <p:stCondLst>
+                        <p:cond delay="indefinite"/>
+                      </p:stCondLst>
+                      <p:childTnLst>
+                        <p:par>
+                          <p:cTn id="26" fill="hold">
+                            <p:stCondLst>
+                              <p:cond delay="0"/>
+                            </p:stCondLst>
+                            <p:childTnLst>
+                              <p:par>
+                                <p:cTn id="27" presetID="2" presetClass="entr" presetSubtype="4" fill="hold" nodeType="clickEffect">
+                                  <p:stCondLst>
+                                    <p:cond delay="0"/>
+                                  </p:stCondLst>
+                                  <p:childTnLst>
+                                    <p:set>
+                                      <p:cBhvr>
+                                        <p:cTn id="28" dur="1" fill="hold">
+                                          <p:stCondLst>
+                                            <p:cond delay="0"/>
+                                          </p:stCondLst>
+                                        </p:cTn>
+                                        <p:tgtEl>
+                                          <p:spTgt spid="2051"/>
+                                        </p:tgtEl>
+                                        <p:attrNameLst>
+                                          <p:attrName>style.visibility</p:attrName>
+                                        </p:attrNameLst>
+                                      </p:cBhvr>
+                                      <p:to>
+                                        <p:strVal val="visible"/>
+                                      </p:to>
+                                    </p:set>
+                                    <p:anim calcmode="lin" valueType="num">
+                                      <p:cBhvr additive="base">
+                                        <p:cTn id="29" dur="300" fill="hold"/>
+                                        <p:tgtEl>
+                                          <p:spTgt spid="2051"/>
+                                        </p:tgtEl>
+                                        <p:attrNameLst>
+                                          <p:attrName>ppt_x</p:attrName>
+                                        </p:attrNameLst>
+                                      </p:cBhvr>
+                                      <p:tavLst>
+                                        <p:tav tm="0">
+                                          <p:val>
+                                            <p:strVal val="#ppt_x"/>
+                                          </p:val>
+                                        </p:tav>
+                                        <p:tav tm="100000">
+                                          <p:val>
+                                            <p:strVal val="#ppt_x"/>
+                                          </p:val>
+                                        </p:tav>
+                                      </p:tavLst>
+                                    </p:anim>
+                                    <p:anim calcmode="lin" valueType="num">
+                                      <p:cBhvr additive="base">
+                                        <p:cTn id="30" dur="300" fill="hold"/>
+                                        <p:tgtEl>
+                                          <p:spTgt spid="2051"/>
+                                        </p:tgtEl>
+                                        <p:attrNameLst>
+                                          <p:attrName>ppt_y</p:attrName>
+                                        </p:attrNameLst>
+                                      </p:cBhvr>
+                                      <p:tavLst>
+                                        <p:tav tm="0">
+                                          <p:val>
+                                            <p:strVal val="1+#ppt_h/2"/>
+                                          </p:val>
+                                        </p:tav>
+                                        <p:tav tm="100000">
+                                          <p:val>
+                                            <p:strVal val="#ppt_y"/>
+                                          </p:val>
+                                        </p:tav>
+                                      </p:tavLst>
+                                    </p:anim>
+                                  </p:childTnLst>
+                                </p:cTn>
+                              </p:par>
+                            </p:childTnLst>
+                          </p:cTn>
+                        </p:par>
+                      </p:childTnLst>
+                    </p:cTn>
+                  </p:par>
+                  <p:par>
+                    <p:cTn id="31" fill="hold">
+                      <p:stCondLst>
+                        <p:cond delay="indefinite"/>
+                      </p:stCondLst>
+                      <p:childTnLst>
+                        <p:par>
+                          <p:cTn id="32" fill="hold">
+                            <p:stCondLst>
+                              <p:cond delay="0"/>
+                            </p:stCondLst>
+                            <p:childTnLst>
+                              <p:par>
+                                <p:cTn id="33" presetID="2" presetClass="entr" presetSubtype="4" fill="hold" grpId="0" nodeType="clickEffect">
+                                  <p:stCondLst>
+                                    <p:cond delay="0"/>
+                                  </p:stCondLst>
+                                  <p:childTnLst>
+                                    <p:set>
+                                      <p:cBhvr>
+                                        <p:cTn id="34" dur="1" fill="hold">
+                                          <p:stCondLst>
+                                            <p:cond delay="0"/>
+                                          </p:stCondLst>
+                                        </p:cTn>
+                                        <p:tgtEl>
+                                          <p:spTgt spid="13"/>
+                                        </p:tgtEl>
+                                        <p:attrNameLst>
+                                          <p:attrName>style.visibility</p:attrName>
+                                        </p:attrNameLst>
+                                      </p:cBhvr>
+                                      <p:to>
+                                        <p:strVal val="visible"/>
+                                      </p:to>
+                                    </p:set>
+                                    <p:anim calcmode="lin" valueType="num">
+                                      <p:cBhvr additive="base">
+                                        <p:cTn id="35" dur="300" fill="hold"/>
+                                        <p:tgtEl>
+                                          <p:spTgt spid="13"/>
+                                        </p:tgtEl>
+                                        <p:attrNameLst>
+                                          <p:attrName>ppt_x</p:attrName>
+                                        </p:attrNameLst>
+                                      </p:cBhvr>
+                                      <p:tavLst>
+                                        <p:tav tm="0">
+                                          <p:val>
+                                            <p:strVal val="#ppt_x"/>
+                                          </p:val>
+                                        </p:tav>
+                                        <p:tav tm="100000">
+                                          <p:val>
+                                            <p:strVal val="#ppt_x"/>
+                                          </p:val>
+                                        </p:tav>
+                                      </p:tavLst>
+                                    </p:anim>
+                                    <p:anim calcmode="lin" valueType="num">
+                                      <p:cBhvr additive="base">
+                                        <p:cTn id="36" dur="300" fill="hold"/>
+                                        <p:tgtEl>
+                                          <p:spTgt spid="13"/>
+                                        </p:tgtEl>
+                                        <p:attrNameLst>
+                                          <p:attrName>ppt_y</p:attrName>
+                                        </p:attrNameLst>
+                                      </p:cBhvr>
+                                      <p:tavLst>
+                                        <p:tav tm="0">
+                                          <p:val>
+                                            <p:strVal val="1+#ppt_h/2"/>
+                                          </p:val>
+                                        </p:tav>
+                                        <p:tav tm="100000">
+                                          <p:val>
+                                            <p:strVal val="#ppt_y"/>
+                                          </p:val>
+                                        </p:tav>
+                                      </p:tavLst>
+                                    </p:anim>
+                                  </p:childTnLst>
+                                </p:cTn>
+                              </p:par>
+                            </p:childTnLst>
+                          </p:cTn>
+                        </p:par>
+                      </p:childTnLst>
+                    </p:cTn>
+                  </p:par>
+                  <p:par>
+                    <p:cTn id="37" fill="hold">
+                      <p:stCondLst>
+                        <p:cond delay="indefinite"/>
+                      </p:stCondLst>
+                      <p:childTnLst>
+                        <p:par>
+                          <p:cTn id="38" fill="hold">
+                            <p:stCondLst>
+                              <p:cond delay="0"/>
+                            </p:stCondLst>
+                            <p:childTnLst>
+                              <p:par>
+                                <p:cTn id="39" presetID="2" presetClass="entr" presetSubtype="4" fill="hold" grpId="0" nodeType="clickEffect">
+                                  <p:stCondLst>
+                                    <p:cond delay="0"/>
+                                  </p:stCondLst>
+                                  <p:childTnLst>
+                                    <p:set>
+                                      <p:cBhvr>
+                                        <p:cTn id="40" dur="1" fill="hold">
+                                          <p:stCondLst>
+                                            <p:cond delay="0"/>
+                                          </p:stCondLst>
+                                        </p:cTn>
+                                        <p:tgtEl>
+                                          <p:spTgt spid="10"/>
+                                        </p:tgtEl>
+                                        <p:attrNameLst>
+                                          <p:attrName>style.visibility</p:attrName>
+                                        </p:attrNameLst>
+                                      </p:cBhvr>
+                                      <p:to>
+                                        <p:strVal val="visible"/>
+                                      </p:to>
+                                    </p:set>
+                                    <p:anim calcmode="lin" valueType="num">
+                                      <p:cBhvr additive="base">
+                                        <p:cTn id="41" dur="300" fill="hold"/>
+                                        <p:tgtEl>
+                                          <p:spTgt spid="10"/>
+                                        </p:tgtEl>
+                                        <p:attrNameLst>
+                                          <p:attrName>ppt_x</p:attrName>
+                                        </p:attrNameLst>
+                                      </p:cBhvr>
+                                      <p:tavLst>
+                                        <p:tav tm="0">
+                                          <p:val>
+                                            <p:strVal val="#ppt_x"/>
+                                          </p:val>
+                                        </p:tav>
+                                        <p:tav tm="100000">
+                                          <p:val>
+                                            <p:strVal val="#ppt_x"/>
+                                          </p:val>
+                                        </p:tav>
+                                      </p:tavLst>
+                                    </p:anim>
+                                    <p:anim calcmode="lin" valueType="num">
+                                      <p:cBhvr additive="base">
+                                        <p:cTn id="42" dur="300" fill="hold"/>
+                                        <p:tgtEl>
+                                          <p:spTgt spid="10"/>
+                                        </p:tgtEl>
+                                        <p:attrNameLst>
+                                          <p:attrName>ppt_y</p:attrName>
+                                        </p:attrNameLst>
+                                      </p:cBhvr>
+                                      <p:tavLst>
+                                        <p:tav tm="0">
+                                          <p:val>
+                                            <p:strVal val="1+#ppt_h/2"/>
+                                          </p:val>
+                                        </p:tav>
+                                        <p:tav tm="100000">
+                                          <p:val>
+                                            <p:strVal val="#ppt_y"/>
+                                          </p:val>
+                                        </p:tav>
+                                      </p:tavLst>
+                                    </p:anim>
+                                  </p:childTnLst>
+                                </p:cTn>
+                              </p:par>
+                              <p:par>
+                                <p:cTn id="43" presetID="2" presetClass="entr" presetSubtype="4" fill="hold" nodeType="withEffect">
+                                  <p:stCondLst>
+                                    <p:cond delay="0"/>
+                                  </p:stCondLst>
+                                  <p:childTnLst>
+                                    <p:set>
+                                      <p:cBhvr>
+                                        <p:cTn id="44" dur="1" fill="hold">
+                                          <p:stCondLst>
+                                            <p:cond delay="0"/>
+                                          </p:stCondLst>
+                                        </p:cTn>
+                                        <p:tgtEl>
+                                          <p:spTgt spid="11"/>
+                                        </p:tgtEl>
+                                        <p:attrNameLst>
+                                          <p:attrName>style.visibility</p:attrName>
+                                        </p:attrNameLst>
+                                      </p:cBhvr>
+                                      <p:to>
+                                        <p:strVal val="visible"/>
+                                      </p:to>
+                                    </p:set>
+                                    <p:anim calcmode="lin" valueType="num">
+                                      <p:cBhvr additive="base">
+                                        <p:cTn id="45" dur="300" fill="hold"/>
+                                        <p:tgtEl>
+                                          <p:spTgt spid="11"/>
+                                        </p:tgtEl>
+                                        <p:attrNameLst>
+                                          <p:attrName>ppt_x</p:attrName>
+                                        </p:attrNameLst>
+                                      </p:cBhvr>
+                                      <p:tavLst>
+                                        <p:tav tm="0">
+                                          <p:val>
+                                            <p:strVal val="#ppt_x"/>
+                                          </p:val>
+                                        </p:tav>
+                                        <p:tav tm="100000">
+                                          <p:val>
+                                            <p:strVal val="#ppt_x"/>
+                                          </p:val>
+                                        </p:tav>
+                                      </p:tavLst>
+                                    </p:anim>
+                                    <p:anim calcmode="lin" valueType="num">
+                                      <p:cBhvr additive="base">
+                                        <p:cTn id="46" dur="300" fill="hold"/>
+                                        <p:tgtEl>
+                                          <p:spTgt spid="11"/>
+                                        </p:tgtEl>
+                                        <p:attrNameLst>
+                                          <p:attrName>ppt_y</p:attrName>
+                                        </p:attrNameLst>
+                                      </p:cBhvr>
+                                      <p:tavLst>
+                                        <p:tav tm="0">
+                                          <p:val>
+                                            <p:strVal val="1+#ppt_h/2"/>
+                                          </p:val>
+                                        </p:tav>
+                                        <p:tav tm="100000">
+                                          <p:val>
+                                            <p:strVal val="#ppt_y"/>
+                                          </p:val>
+                                        </p:tav>
+                                      </p:tavLst>
+                                    </p:anim>
+                                  </p:childTnLst>
+                                </p:cTn>
+                              </p:par>
+                            </p:childTnLst>
+                          </p:cTn>
+                        </p:par>
+                      </p:childTnLst>
+                    </p:cTn>
+                  </p:par>
+                  <p:par>
+                    <p:cTn id="47" fill="hold">
+                      <p:stCondLst>
+                        <p:cond delay="indefinite"/>
+                      </p:stCondLst>
+                      <p:childTnLst>
+                        <p:par>
+                          <p:cTn id="48" fill="hold">
+                            <p:stCondLst>
+                              <p:cond delay="0"/>
+                            </p:stCondLst>
+                            <p:childTnLst>
+                              <p:par>
+                                <p:cTn id="49" presetID="2" presetClass="entr" presetSubtype="4" fill="hold" grpId="0" nodeType="clickEffect">
+                                  <p:stCondLst>
+                                    <p:cond delay="0"/>
+                                  </p:stCondLst>
+                                  <p:childTnLst>
+                                    <p:set>
+                                      <p:cBhvr>
+                                        <p:cTn id="50" dur="1" fill="hold">
+                                          <p:stCondLst>
+                                            <p:cond delay="0"/>
+                                          </p:stCondLst>
+                                        </p:cTn>
+                                        <p:tgtEl>
+                                          <p:spTgt spid="14"/>
+                                        </p:tgtEl>
+                                        <p:attrNameLst>
+                                          <p:attrName>style.visibility</p:attrName>
+                                        </p:attrNameLst>
+                                      </p:cBhvr>
+                                      <p:to>
+                                        <p:strVal val="visible"/>
+                                      </p:to>
+                                    </p:set>
+                                    <p:anim calcmode="lin" valueType="num">
+                                      <p:cBhvr additive="base">
+                                        <p:cTn id="51" dur="300" fill="hold"/>
+                                        <p:tgtEl>
+                                          <p:spTgt spid="14"/>
+                                        </p:tgtEl>
+                                        <p:attrNameLst>
+                                          <p:attrName>ppt_x</p:attrName>
+                                        </p:attrNameLst>
+                                      </p:cBhvr>
+                                      <p:tavLst>
+                                        <p:tav tm="0">
+                                          <p:val>
+                                            <p:strVal val="#ppt_x"/>
+                                          </p:val>
+                                        </p:tav>
+                                        <p:tav tm="100000">
+                                          <p:val>
+                                            <p:strVal val="#ppt_x"/>
+                                          </p:val>
+                                        </p:tav>
+                                      </p:tavLst>
+                                    </p:anim>
+                                    <p:anim calcmode="lin" valueType="num">
+                                      <p:cBhvr additive="base">
+                                        <p:cTn id="52" dur="300" fill="hold"/>
+                                        <p:tgtEl>
+                                          <p:spTgt spid="14"/>
+                                        </p:tgtEl>
+                                        <p:attrNameLst>
+                                          <p:attrName>ppt_y</p:attrName>
+                                        </p:attrNameLst>
+                                      </p:cBhvr>
+                                      <p:tavLst>
+                                        <p:tav tm="0">
+                                          <p:val>
+                                            <p:strVal val="1+#ppt_h/2"/>
+                                          </p:val>
+                                        </p:tav>
+                                        <p:tav tm="100000">
+                                          <p:val>
+                                            <p:strVal val="#ppt_y"/>
+                                          </p:val>
+                                        </p:tav>
+                                      </p:tavLst>
+                                    </p:anim>
+                                  </p:childTnLst>
+                                </p:cTn>
+                              </p:par>
+                            </p:childTnLst>
+                          </p:cTn>
+                        </p:par>
+                      </p:childTnLst>
+                    </p:cTn>
+                  </p:par>
+                  <p:par>
+                    <p:cTn id="53" fill="hold">
+                      <p:stCondLst>
+                        <p:cond delay="indefinite"/>
+                      </p:stCondLst>
+                      <p:childTnLst>
+                        <p:par>
+                          <p:cTn id="54" fill="hold">
+                            <p:stCondLst>
+                              <p:cond delay="0"/>
+                            </p:stCondLst>
+                            <p:childTnLst>
+                              <p:par>
+                                <p:cTn id="55" presetID="2" presetClass="entr" presetSubtype="4" fill="hold" grpId="0" nodeType="clickEffect">
+                                  <p:stCondLst>
+                                    <p:cond delay="0"/>
+                                  </p:stCondLst>
+                                  <p:childTnLst>
+                                    <p:set>
+                                      <p:cBhvr>
+                                        <p:cTn id="56" dur="1" fill="hold">
+                                          <p:stCondLst>
+                                            <p:cond delay="0"/>
+                                          </p:stCondLst>
+                                        </p:cTn>
+                                        <p:tgtEl>
+                                          <p:spTgt spid="16"/>
+                                        </p:tgtEl>
+                                        <p:attrNameLst>
+                                          <p:attrName>style.visibility</p:attrName>
+                                        </p:attrNameLst>
+                                      </p:cBhvr>
+                                      <p:to>
+                                        <p:strVal val="visible"/>
+                                      </p:to>
+                                    </p:set>
+                                    <p:anim calcmode="lin" valueType="num">
+                                      <p:cBhvr additive="base">
+                                        <p:cTn id="57" dur="300" fill="hold"/>
+                                        <p:tgtEl>
+                                          <p:spTgt spid="16"/>
+                                        </p:tgtEl>
+                                        <p:attrNameLst>
+                                          <p:attrName>ppt_x</p:attrName>
+                                        </p:attrNameLst>
+                                      </p:cBhvr>
+                                      <p:tavLst>
+                                        <p:tav tm="0">
+                                          <p:val>
+                                            <p:strVal val="#ppt_x"/>
+                                          </p:val>
+                                        </p:tav>
+                                        <p:tav tm="100000">
+                                          <p:val>
+                                            <p:strVal val="#ppt_x"/>
+                                          </p:val>
+                                        </p:tav>
+                                      </p:tavLst>
+                                    </p:anim>
+                                    <p:anim calcmode="lin" valueType="num">
+                                      <p:cBhvr additive="base">
+                                        <p:cTn id="58" dur="300" fill="hold"/>
+                                        <p:tgtEl>
+                                          <p:spTgt spid="16"/>
+                                        </p:tgtEl>
+                                        <p:attrNameLst>
+                                          <p:attrName>ppt_y</p:attrName>
+                                        </p:attrNameLst>
+                                      </p:cBhvr>
+                                      <p:tavLst>
+                                        <p:tav tm="0">
+                                          <p:val>
+                                            <p:strVal val="1+#ppt_h/2"/>
+                                          </p:val>
+                                        </p:tav>
+                                        <p:tav tm="100000">
+                                          <p:val>
+                                            <p:strVal val="#ppt_y"/>
+                                          </p:val>
+                                        </p:tav>
+                                      </p:tavLst>
+                                    </p:anim>
+                                  </p:childTnLst>
+                                </p:cTn>
+                              </p:par>
+                              <p:par>
+                                <p:cTn id="59" presetID="2" presetClass="entr" presetSubtype="4" fill="hold" nodeType="withEffect">
+                                  <p:stCondLst>
+                                    <p:cond delay="0"/>
+                                  </p:stCondLst>
+                                  <p:childTnLst>
+                                    <p:set>
+                                      <p:cBhvr>
+                                        <p:cTn id="60" dur="1" fill="hold">
+                                          <p:stCondLst>
+                                            <p:cond delay="0"/>
+                                          </p:stCondLst>
+                                        </p:cTn>
+                                        <p:tgtEl>
+                                          <p:spTgt spid="17"/>
+                                        </p:tgtEl>
+                                        <p:attrNameLst>
+                                          <p:attrName>style.visibility</p:attrName>
+                                        </p:attrNameLst>
+                                      </p:cBhvr>
+                                      <p:to>
+                                        <p:strVal val="visible"/>
+                                      </p:to>
+                                    </p:set>
+                                    <p:anim calcmode="lin" valueType="num">
+                                      <p:cBhvr additive="base">
+                                        <p:cTn id="61" dur="300" fill="hold"/>
+                                        <p:tgtEl>
+                                          <p:spTgt spid="17"/>
+                                        </p:tgtEl>
+                                        <p:attrNameLst>
+                                          <p:attrName>ppt_x</p:attrName>
+                                        </p:attrNameLst>
+                                      </p:cBhvr>
+                                      <p:tavLst>
+                                        <p:tav tm="0">
+                                          <p:val>
+                                            <p:strVal val="#ppt_x"/>
+                                          </p:val>
+                                        </p:tav>
+                                        <p:tav tm="100000">
+                                          <p:val>
+                                            <p:strVal val="#ppt_x"/>
+                                          </p:val>
+                                        </p:tav>
+                                      </p:tavLst>
+                                    </p:anim>
+                                    <p:anim calcmode="lin" valueType="num">
+                                      <p:cBhvr additive="base">
+                                        <p:cTn id="62" dur="300" fill="hold"/>
+                                        <p:tgtEl>
+                                          <p:spTgt spid="17"/>
+                                        </p:tgtEl>
+                                        <p:attrNameLst>
+                                          <p:attrName>ppt_y</p:attrName>
+                                        </p:attrNameLst>
+                                      </p:cBhvr>
+                                      <p:tavLst>
+                                        <p:tav tm="0">
+                                          <p:val>
+                                            <p:strVal val="1+#ppt_h/2"/>
+                                          </p:val>
+                                        </p:tav>
+                                        <p:tav tm="100000">
+                                          <p:val>
+                                            <p:strVal val="#ppt_y"/>
+                                          </p:val>
+                                        </p:tav>
+                                      </p:tavLst>
+                                    </p:anim>
+                                  </p:childTnLst>
+                                </p:cTn>
+                              </p:par>
+                            </p:childTnLst>
+                          </p:cTn>
+                        </p:par>
+                      </p:childTnLst>
+                    </p:cTn>
+                  </p:par>
+                </p:childTnLst>
+              </p:cTn>
+              <p:prevCondLst>
+                <p:cond evt="onPrev" delay="0">
+                  <p:tgtEl>
+                    <p:sldTgt/>
+                  </p:tgtEl>
+                </p:cond>
+              </p:prevCondLst>
+              <p:nextCondLst>
+                <p:cond evt="onNext" delay="0">
+                  <p:tgtEl>
+                    <p:sldTgt/>
+                  </p:tgtEl>
+                </p:cond>
+              </p:nextCondLst>
+            </p:seq>
+          </p:childTnLst>
+        </p:cTn>
+      </p:par>
+    </p:tnLst>
+    <p:bldLst>
+      <p:bldP spid="6" grpId="0" animBg="1"/>
+      <p:bldP spid="7" grpId="0" animBg="1"/>
+      <p:bldP spid="10" grpId="0" animBg="1"/>
+      <p:bldP spid="13" grpId="0" animBg="1"/>
+      <p:bldP spid="14" grpId="0" animBg="1"/>
+      <p:bldP spid="16" grpId="0" animBg="1"/>
+    </p:bldLst>
+  </p:timing>
+</p:sld>
+</file>
+
+<file path=ppt/slides/slide21.xml><?xml version="1.0" encoding="utf-8"?>
+<p:sld xmlns:a="http://schemas.openxmlformats.org/drawingml/2006/main" xmlns:r="http://schemas.openxmlformats.org/officeDocument/2006/relationships" xmlns:p="http://schemas.openxmlformats.org/presentationml/2006/main">
+  <p:cSld>
+    <p:spTree>
+      <p:nvGrpSpPr>
+        <p:cNvPr id="1" name=""/>
+        <p:cNvGrpSpPr/>
+        <p:nvPr/>
+      </p:nvGrpSpPr>
+      <p:grpSpPr>
+        <a:xfrm>
+          <a:off x="0" y="0"/>
+          <a:ext cx="0" cy="0"/>
+          <a:chOff x="0" y="0"/>
+          <a:chExt cx="0" cy="0"/>
+        </a:xfrm>
+      </p:grpSpPr>
+      <p:sp>
+        <p:nvSpPr>
           <p:cNvPr id="2051" name="内容占位符 2"/>
           <p:cNvSpPr>
             <a:spLocks noGrp="1"/>
@@ -8250,103 +10131,35 @@
               <a:buNone/>
             </a:pPr>
             <a:r>
-              <a:rPr lang="zh-CN" altLang="en-US" dirty="0" smtClean="0"/>
-              <a:t> 一级标题（</a:t>
-            </a:r>
-            <a:r>
-              <a:rPr lang="en-US" altLang="zh-CN" dirty="0" smtClean="0"/>
-              <a:t>22</a:t>
-            </a:r>
-            <a:r>
-              <a:rPr lang="zh-CN" altLang="en-US" dirty="0" smtClean="0"/>
-              <a:t>号）</a:t>
-            </a:r>
-            <a:r>
-              <a:rPr lang="en-US" altLang="zh-CN" dirty="0" smtClean="0"/>
-              <a:t>	</a:t>
-            </a:r>
-          </a:p>
-        </p:txBody>
-      </p:sp>
-      <p:sp>
-        <p:nvSpPr>
-          <p:cNvPr id="2" name="文本框 1"/>
-          <p:cNvSpPr txBox="1"/>
-          <p:nvPr/>
-        </p:nvSpPr>
-        <p:spPr>
-          <a:xfrm>
-            <a:off x="457200" y="3045884"/>
-            <a:ext cx="8229600" cy="400110"/>
-          </a:xfrm>
-          <a:prstGeom prst="rect">
-            <a:avLst/>
-          </a:prstGeom>
-          <a:noFill/>
-        </p:spPr>
-        <p:txBody>
-          <a:bodyPr>
-            <a:spAutoFit/>
-          </a:bodyPr>
-          <a:lstStyle/>
-          <a:p>
-            <a:pPr lvl="1">
-              <a:buFont typeface="Arial" panose="020B0604020202020204" pitchFamily="34" charset="0"/>
-              <a:buNone/>
-              <a:defRPr/>
-            </a:pPr>
-            <a:r>
-              <a:rPr lang="zh-CN" altLang="en-US" sz="2000" b="1" dirty="0">
-                <a:solidFill>
-                  <a:srgbClr val="474747"/>
-                </a:solidFill>
-                <a:latin typeface="+mn-lt"/>
-                <a:ea typeface="+mn-ea"/>
-                <a:sym typeface="Calibri" panose="020F0502020204030204" pitchFamily="34" charset="0"/>
-              </a:rPr>
-              <a:t>第二行正文（</a:t>
-            </a:r>
-            <a:r>
-              <a:rPr lang="en-US" altLang="zh-CN" sz="2000" b="1" dirty="0">
-                <a:solidFill>
-                  <a:srgbClr val="474747"/>
-                </a:solidFill>
-                <a:latin typeface="+mn-lt"/>
-                <a:ea typeface="+mn-ea"/>
-                <a:sym typeface="Calibri" panose="020F0502020204030204" pitchFamily="34" charset="0"/>
-              </a:rPr>
-              <a:t>15</a:t>
-            </a:r>
-            <a:r>
-              <a:rPr lang="zh-CN" altLang="en-US" sz="2000" b="1" dirty="0">
-                <a:solidFill>
-                  <a:srgbClr val="474747"/>
-                </a:solidFill>
-                <a:latin typeface="+mn-lt"/>
-                <a:ea typeface="+mn-ea"/>
-                <a:sym typeface="Calibri" panose="020F0502020204030204" pitchFamily="34" charset="0"/>
-              </a:rPr>
-              <a:t>号），</a:t>
-            </a:r>
-            <a:r>
-              <a:rPr lang="zh-CN" altLang="en-US" sz="2000" b="1" dirty="0">
+              <a:rPr lang="zh-CN" altLang="en-US" dirty="0" smtClean="0">
                 <a:solidFill>
                   <a:srgbClr val="C9394A"/>
                 </a:solidFill>
-                <a:latin typeface="+mn-lt"/>
-                <a:ea typeface="+mn-ea"/>
-                <a:sym typeface="Calibri" panose="020F0502020204030204" pitchFamily="34" charset="0"/>
+                <a:latin typeface="微软雅黑" pitchFamily="34" charset="-122"/>
+                <a:ea typeface="微软雅黑" pitchFamily="34" charset="-122"/>
               </a:rPr>
-              <a:t>请给每一行文字做进入动画。</a:t>
-            </a:r>
-            <a:endParaRPr lang="en-US" altLang="zh-CN" sz="2000" b="1" dirty="0">
-              <a:solidFill>
-                <a:srgbClr val="C9394A"/>
-              </a:solidFill>
-              <a:latin typeface="+mn-lt"/>
-              <a:ea typeface="+mn-ea"/>
-              <a:sym typeface="Calibri" panose="020F0502020204030204" pitchFamily="34" charset="0"/>
-            </a:endParaRPr>
+              <a:t> </a:t>
+            </a:r>
+            <a:r>
+              <a:rPr lang="en-US" altLang="zh-CN" dirty="0" smtClean="0">
+                <a:solidFill>
+                  <a:srgbClr val="C9394A"/>
+                </a:solidFill>
+                <a:latin typeface="微软雅黑" pitchFamily="34" charset="-122"/>
+                <a:ea typeface="微软雅黑" pitchFamily="34" charset="-122"/>
+              </a:rPr>
+              <a:t>paths</a:t>
+            </a:r>
+            <a:r>
+              <a:rPr lang="en-US" altLang="zh-CN" dirty="0" smtClean="0">
+                <a:solidFill>
+                  <a:srgbClr val="C9394A"/>
+                </a:solidFill>
+                <a:latin typeface="微软雅黑" pitchFamily="34" charset="-122"/>
+                <a:ea typeface="微软雅黑" pitchFamily="34" charset="-122"/>
+              </a:rPr>
+              <a:t>	</a:t>
+            </a:r>
           </a:p>
         </p:txBody>
       </p:sp>
@@ -8378,162 +10191,41 @@
               <a:defRPr/>
             </a:pPr>
             <a:r>
-              <a:rPr lang="zh-CN" altLang="en-US" sz="2000" b="1" dirty="0">
+              <a:rPr lang="zh-CN" altLang="en-US" sz="2000" b="1" dirty="0" smtClean="0">
                 <a:solidFill>
                   <a:srgbClr val="474747"/>
                 </a:solidFill>
-                <a:latin typeface="+mn-lt"/>
-                <a:ea typeface="+mn-ea"/>
+                <a:latin typeface="微软雅黑" pitchFamily="34" charset="-122"/>
+                <a:ea typeface="微软雅黑" pitchFamily="34" charset="-122"/>
               </a:rPr>
-              <a:t>第一行正文（</a:t>
-            </a:r>
-            <a:r>
-              <a:rPr lang="en-US" altLang="zh-CN" sz="2000" b="1" dirty="0">
+              <a:t>映射不放于</a:t>
+            </a:r>
+            <a:r>
+              <a:rPr lang="en-US" altLang="zh-CN" sz="2000" b="1" dirty="0" err="1" smtClean="0">
                 <a:solidFill>
                   <a:srgbClr val="474747"/>
                 </a:solidFill>
-                <a:latin typeface="+mn-lt"/>
-                <a:ea typeface="+mn-ea"/>
+                <a:latin typeface="微软雅黑" pitchFamily="34" charset="-122"/>
+                <a:ea typeface="微软雅黑" pitchFamily="34" charset="-122"/>
               </a:rPr>
-              <a:t>15</a:t>
-            </a:r>
-            <a:r>
-              <a:rPr lang="zh-CN" altLang="en-US" sz="2000" b="1" dirty="0">
+              <a:t>baseUrl</a:t>
+            </a:r>
+            <a:r>
+              <a:rPr lang="zh-CN" altLang="en-US" sz="2000" b="1" dirty="0" smtClean="0">
                 <a:solidFill>
                   <a:srgbClr val="474747"/>
                 </a:solidFill>
-                <a:latin typeface="+mn-lt"/>
-                <a:ea typeface="+mn-ea"/>
+                <a:latin typeface="微软雅黑" pitchFamily="34" charset="-122"/>
+                <a:ea typeface="微软雅黑" pitchFamily="34" charset="-122"/>
               </a:rPr>
-              <a:t>号）</a:t>
-            </a:r>
-            <a:r>
-              <a:rPr lang="zh-CN" altLang="en-US" sz="2000" b="1" dirty="0" smtClean="0">
-                <a:solidFill>
-                  <a:srgbClr val="C9394A"/>
-                </a:solidFill>
-                <a:latin typeface="+mn-lt"/>
-                <a:ea typeface="+mn-ea"/>
-              </a:rPr>
-              <a:t>重点内容</a:t>
-            </a:r>
-            <a:r>
-              <a:rPr lang="zh-CN" altLang="en-US" sz="2000" b="1" dirty="0">
-                <a:solidFill>
-                  <a:srgbClr val="C9394A"/>
-                </a:solidFill>
-                <a:latin typeface="+mn-lt"/>
-                <a:ea typeface="+mn-ea"/>
-              </a:rPr>
-              <a:t>（标记红色，可选择放大到</a:t>
-            </a:r>
-            <a:r>
-              <a:rPr lang="en-US" altLang="zh-CN" sz="2000" b="1" dirty="0">
-                <a:solidFill>
-                  <a:srgbClr val="C9394A"/>
-                </a:solidFill>
-                <a:latin typeface="+mn-lt"/>
-                <a:ea typeface="+mn-ea"/>
-              </a:rPr>
-              <a:t>18</a:t>
-            </a:r>
-            <a:r>
-              <a:rPr lang="zh-CN" altLang="en-US" sz="2000" b="1" dirty="0">
-                <a:solidFill>
-                  <a:srgbClr val="C9394A"/>
-                </a:solidFill>
-                <a:latin typeface="+mn-lt"/>
-                <a:ea typeface="+mn-ea"/>
-              </a:rPr>
-              <a:t>号）</a:t>
-            </a:r>
-            <a:r>
-              <a:rPr lang="zh-CN" altLang="en-US" sz="2000" b="1" dirty="0">
-                <a:solidFill>
-                  <a:srgbClr val="474747"/>
-                </a:solidFill>
-                <a:latin typeface="+mn-lt"/>
-                <a:ea typeface="+mn-ea"/>
-              </a:rPr>
-              <a:t>。</a:t>
+              <a:t>下的模块名</a:t>
             </a:r>
             <a:endParaRPr lang="en-US" altLang="zh-CN" sz="2000" b="1" dirty="0">
               <a:solidFill>
                 <a:srgbClr val="474747"/>
               </a:solidFill>
-              <a:latin typeface="+mn-lt"/>
-              <a:ea typeface="+mn-ea"/>
-            </a:endParaRPr>
-          </a:p>
-        </p:txBody>
-      </p:sp>
-      <p:sp>
-        <p:nvSpPr>
-          <p:cNvPr id="6" name="文本框 5"/>
-          <p:cNvSpPr txBox="1"/>
-          <p:nvPr/>
-        </p:nvSpPr>
-        <p:spPr>
-          <a:xfrm>
-            <a:off x="457200" y="3716867"/>
-            <a:ext cx="8229600" cy="400110"/>
-          </a:xfrm>
-          <a:prstGeom prst="rect">
-            <a:avLst/>
-          </a:prstGeom>
-          <a:noFill/>
-        </p:spPr>
-        <p:txBody>
-          <a:bodyPr>
-            <a:spAutoFit/>
-          </a:bodyPr>
-          <a:lstStyle/>
-          <a:p>
-            <a:pPr lvl="1">
-              <a:buFont typeface="Arial" panose="020B0604020202020204" pitchFamily="34" charset="0"/>
-              <a:buNone/>
-              <a:defRPr/>
-            </a:pPr>
-            <a:r>
-              <a:rPr lang="zh-CN" altLang="en-US" sz="2000" b="1" dirty="0">
-                <a:solidFill>
-                  <a:srgbClr val="474747"/>
-                </a:solidFill>
-                <a:latin typeface="+mn-lt"/>
-                <a:ea typeface="+mn-ea"/>
-                <a:sym typeface="Calibri" panose="020F0502020204030204" pitchFamily="34" charset="0"/>
-              </a:rPr>
-              <a:t>每页最多三行正文，</a:t>
-            </a:r>
-            <a:r>
-              <a:rPr lang="zh-CN" altLang="en-US" sz="2000" b="1" dirty="0">
-                <a:solidFill>
-                  <a:srgbClr val="C9394A"/>
-                </a:solidFill>
-                <a:latin typeface="+mn-lt"/>
-                <a:ea typeface="+mn-ea"/>
-                <a:sym typeface="Calibri" panose="020F0502020204030204" pitchFamily="34" charset="0"/>
-              </a:rPr>
-              <a:t>多于三行的请分页</a:t>
-            </a:r>
-            <a:r>
-              <a:rPr lang="zh-CN" altLang="en-US" sz="2000" b="1" dirty="0">
-                <a:solidFill>
-                  <a:srgbClr val="474747"/>
-                </a:solidFill>
-                <a:latin typeface="+mn-lt"/>
-                <a:ea typeface="+mn-ea"/>
-                <a:sym typeface="Calibri" panose="020F0502020204030204" pitchFamily="34" charset="0"/>
-              </a:rPr>
-              <a:t>。</a:t>
-            </a:r>
-            <a:endParaRPr lang="en-US" altLang="zh-CN" sz="2000" b="1" dirty="0">
-              <a:solidFill>
-                <a:srgbClr val="474747"/>
-              </a:solidFill>
-              <a:latin typeface="+mn-lt"/>
-              <a:ea typeface="+mn-ea"/>
-              <a:sym typeface="Calibri" panose="020F0502020204030204" pitchFamily="34" charset="0"/>
+              <a:latin typeface="微软雅黑" pitchFamily="34" charset="-122"/>
+              <a:ea typeface="微软雅黑" pitchFamily="34" charset="-122"/>
             </a:endParaRPr>
           </a:p>
         </p:txBody>
@@ -8553,10 +10245,337 @@
           <a:bodyPr/>
           <a:lstStyle/>
           <a:p>
-            <a:endParaRPr lang="zh-CN" altLang="en-US"/>
+            <a:endParaRPr lang="zh-CN" altLang="en-US">
+              <a:latin typeface="微软雅黑" pitchFamily="34" charset="-122"/>
+              <a:ea typeface="微软雅黑" pitchFamily="34" charset="-122"/>
+            </a:endParaRPr>
           </a:p>
         </p:txBody>
       </p:sp>
+      <p:pic>
+        <p:nvPicPr>
+          <p:cNvPr id="1027" name="Picture 3"/>
+          <p:cNvPicPr>
+            <a:picLocks noChangeAspect="1" noChangeArrowheads="1"/>
+          </p:cNvPicPr>
+          <p:nvPr/>
+        </p:nvPicPr>
+        <p:blipFill>
+          <a:blip r:embed="rId2" cstate="print"/>
+          <a:srcRect/>
+          <a:stretch>
+            <a:fillRect/>
+          </a:stretch>
+        </p:blipFill>
+        <p:spPr bwMode="auto">
+          <a:xfrm>
+            <a:off x="1043608" y="3212976"/>
+            <a:ext cx="4467225" cy="1743075"/>
+          </a:xfrm>
+          <a:prstGeom prst="rect">
+            <a:avLst/>
+          </a:prstGeom>
+          <a:noFill/>
+          <a:ln w="9525">
+            <a:noFill/>
+            <a:miter lim="800000"/>
+            <a:headEnd/>
+            <a:tailEnd/>
+          </a:ln>
+        </p:spPr>
+      </p:pic>
+      <p:sp>
+        <p:nvSpPr>
+          <p:cNvPr id="10" name="矩形 9"/>
+          <p:cNvSpPr/>
+          <p:nvPr/>
+        </p:nvSpPr>
+        <p:spPr>
+          <a:xfrm>
+            <a:off x="2267744" y="4005064"/>
+            <a:ext cx="1080120" cy="432048"/>
+          </a:xfrm>
+          <a:prstGeom prst="rect">
+            <a:avLst/>
+          </a:prstGeom>
+          <a:noFill/>
+          <a:ln w="28575">
+            <a:solidFill>
+              <a:srgbClr val="C9394A"/>
+            </a:solidFill>
+          </a:ln>
+        </p:spPr>
+        <p:style>
+          <a:lnRef idx="2">
+            <a:schemeClr val="accent1">
+              <a:shade val="50000"/>
+            </a:schemeClr>
+          </a:lnRef>
+          <a:fillRef idx="1">
+            <a:schemeClr val="accent1"/>
+          </a:fillRef>
+          <a:effectRef idx="0">
+            <a:schemeClr val="accent1"/>
+          </a:effectRef>
+          <a:fontRef idx="minor">
+            <a:schemeClr val="lt1"/>
+          </a:fontRef>
+        </p:style>
+        <p:txBody>
+          <a:bodyPr rtlCol="0" anchor="ctr"/>
+          <a:lstStyle/>
+          <a:p>
+            <a:pPr algn="ctr"/>
+            <a:endParaRPr lang="zh-CN" altLang="en-US"/>
+          </a:p>
+        </p:txBody>
+      </p:sp>
+      <p:sp>
+        <p:nvSpPr>
+          <p:cNvPr id="11" name="矩形 10"/>
+          <p:cNvSpPr/>
+          <p:nvPr/>
+        </p:nvSpPr>
+        <p:spPr>
+          <a:xfrm>
+            <a:off x="3635896" y="4005064"/>
+            <a:ext cx="1656184" cy="432048"/>
+          </a:xfrm>
+          <a:prstGeom prst="rect">
+            <a:avLst/>
+          </a:prstGeom>
+          <a:noFill/>
+          <a:ln w="28575">
+            <a:solidFill>
+              <a:srgbClr val="C9394A"/>
+            </a:solidFill>
+          </a:ln>
+        </p:spPr>
+        <p:style>
+          <a:lnRef idx="2">
+            <a:schemeClr val="accent1">
+              <a:shade val="50000"/>
+            </a:schemeClr>
+          </a:lnRef>
+          <a:fillRef idx="1">
+            <a:schemeClr val="accent1"/>
+          </a:fillRef>
+          <a:effectRef idx="0">
+            <a:schemeClr val="accent1"/>
+          </a:effectRef>
+          <a:fontRef idx="minor">
+            <a:schemeClr val="lt1"/>
+          </a:fontRef>
+        </p:style>
+        <p:txBody>
+          <a:bodyPr rtlCol="0" anchor="ctr"/>
+          <a:lstStyle/>
+          <a:p>
+            <a:pPr algn="ctr"/>
+            <a:endParaRPr lang="zh-CN" altLang="en-US"/>
+          </a:p>
+        </p:txBody>
+      </p:sp>
+      <p:sp>
+        <p:nvSpPr>
+          <p:cNvPr id="12" name="圆角矩形 11"/>
+          <p:cNvSpPr/>
+          <p:nvPr/>
+        </p:nvSpPr>
+        <p:spPr>
+          <a:xfrm>
+            <a:off x="1475656" y="5085184"/>
+            <a:ext cx="2016125" cy="886296"/>
+          </a:xfrm>
+          <a:prstGeom prst="roundRect">
+            <a:avLst/>
+          </a:prstGeom>
+          <a:solidFill>
+            <a:srgbClr val="C9394A"/>
+          </a:solidFill>
+          <a:ln/>
+        </p:spPr>
+        <p:style>
+          <a:lnRef idx="3">
+            <a:schemeClr val="lt1"/>
+          </a:lnRef>
+          <a:fillRef idx="1">
+            <a:schemeClr val="accent4"/>
+          </a:fillRef>
+          <a:effectRef idx="1">
+            <a:schemeClr val="accent4"/>
+          </a:effectRef>
+          <a:fontRef idx="minor">
+            <a:schemeClr val="lt1"/>
+          </a:fontRef>
+        </p:style>
+        <p:txBody>
+          <a:bodyPr anchor="ctr"/>
+          <a:lstStyle/>
+          <a:p>
+            <a:pPr algn="ctr">
+              <a:buFont typeface="Arial" charset="0"/>
+              <a:buNone/>
+              <a:defRPr/>
+            </a:pPr>
+            <a:r>
+              <a:rPr lang="zh-CN" altLang="en-US" sz="2000" b="1" dirty="0" smtClean="0">
+                <a:solidFill>
+                  <a:schemeClr val="bg1"/>
+                </a:solidFill>
+              </a:rPr>
+              <a:t>模块名</a:t>
+            </a:r>
+            <a:endParaRPr lang="en-US" altLang="zh-CN" sz="2000" b="1" dirty="0" smtClean="0">
+              <a:solidFill>
+                <a:schemeClr val="bg1"/>
+              </a:solidFill>
+            </a:endParaRPr>
+          </a:p>
+        </p:txBody>
+      </p:sp>
+      <p:cxnSp>
+        <p:nvCxnSpPr>
+          <p:cNvPr id="13" name="直接箭头连接符 12"/>
+          <p:cNvCxnSpPr>
+            <a:endCxn id="12" idx="0"/>
+          </p:cNvCxnSpPr>
+          <p:nvPr/>
+        </p:nvCxnSpPr>
+        <p:spPr>
+          <a:xfrm flipH="1">
+            <a:off x="2483719" y="4437112"/>
+            <a:ext cx="288081" cy="648072"/>
+          </a:xfrm>
+          <a:prstGeom prst="straightConnector1">
+            <a:avLst/>
+          </a:prstGeom>
+          <a:ln w="38100">
+            <a:solidFill>
+              <a:srgbClr val="C9394A"/>
+            </a:solidFill>
+            <a:tailEnd type="arrow"/>
+          </a:ln>
+        </p:spPr>
+        <p:style>
+          <a:lnRef idx="1">
+            <a:schemeClr val="accent1"/>
+          </a:lnRef>
+          <a:fillRef idx="0">
+            <a:schemeClr val="accent1"/>
+          </a:fillRef>
+          <a:effectRef idx="0">
+            <a:schemeClr val="accent1"/>
+          </a:effectRef>
+          <a:fontRef idx="minor">
+            <a:schemeClr val="tx1"/>
+          </a:fontRef>
+        </p:style>
+      </p:cxnSp>
+      <p:sp>
+        <p:nvSpPr>
+          <p:cNvPr id="15" name="圆角矩形 14"/>
+          <p:cNvSpPr/>
+          <p:nvPr/>
+        </p:nvSpPr>
+        <p:spPr>
+          <a:xfrm>
+            <a:off x="3779912" y="5085184"/>
+            <a:ext cx="2016125" cy="886296"/>
+          </a:xfrm>
+          <a:prstGeom prst="roundRect">
+            <a:avLst/>
+          </a:prstGeom>
+          <a:solidFill>
+            <a:srgbClr val="C9394A"/>
+          </a:solidFill>
+          <a:ln/>
+        </p:spPr>
+        <p:style>
+          <a:lnRef idx="3">
+            <a:schemeClr val="lt1"/>
+          </a:lnRef>
+          <a:fillRef idx="1">
+            <a:schemeClr val="accent4"/>
+          </a:fillRef>
+          <a:effectRef idx="1">
+            <a:schemeClr val="accent4"/>
+          </a:effectRef>
+          <a:fontRef idx="minor">
+            <a:schemeClr val="lt1"/>
+          </a:fontRef>
+        </p:style>
+        <p:txBody>
+          <a:bodyPr anchor="ctr"/>
+          <a:lstStyle/>
+          <a:p>
+            <a:pPr algn="ctr">
+              <a:buFont typeface="Arial" charset="0"/>
+              <a:buNone/>
+              <a:defRPr/>
+            </a:pPr>
+            <a:r>
+              <a:rPr lang="zh-CN" altLang="en-US" sz="2000" b="1" dirty="0" smtClean="0">
+                <a:solidFill>
+                  <a:schemeClr val="bg1"/>
+                </a:solidFill>
+              </a:rPr>
+              <a:t>模</a:t>
+            </a:r>
+            <a:r>
+              <a:rPr lang="zh-CN" altLang="en-US" sz="2000" b="1" dirty="0" smtClean="0">
+                <a:solidFill>
+                  <a:schemeClr val="bg1"/>
+                </a:solidFill>
+              </a:rPr>
+              <a:t>块路径</a:t>
+            </a:r>
+            <a:endParaRPr lang="en-US" altLang="zh-CN" sz="2000" b="1" dirty="0" smtClean="0">
+              <a:solidFill>
+                <a:schemeClr val="bg1"/>
+              </a:solidFill>
+            </a:endParaRPr>
+          </a:p>
+        </p:txBody>
+      </p:sp>
+      <p:cxnSp>
+        <p:nvCxnSpPr>
+          <p:cNvPr id="16" name="直接箭头连接符 15"/>
+          <p:cNvCxnSpPr>
+            <a:endCxn id="15" idx="0"/>
+          </p:cNvCxnSpPr>
+          <p:nvPr/>
+        </p:nvCxnSpPr>
+        <p:spPr>
+          <a:xfrm>
+            <a:off x="4500042" y="4437112"/>
+            <a:ext cx="287933" cy="648072"/>
+          </a:xfrm>
+          <a:prstGeom prst="straightConnector1">
+            <a:avLst/>
+          </a:prstGeom>
+          <a:ln w="38100">
+            <a:solidFill>
+              <a:srgbClr val="C9394A"/>
+            </a:solidFill>
+            <a:tailEnd type="arrow"/>
+          </a:ln>
+        </p:spPr>
+        <p:style>
+          <a:lnRef idx="1">
+            <a:schemeClr val="accent1"/>
+          </a:lnRef>
+          <a:fillRef idx="0">
+            <a:schemeClr val="accent1"/>
+          </a:fillRef>
+          <a:effectRef idx="0">
+            <a:schemeClr val="accent1"/>
+          </a:effectRef>
+          <a:fontRef idx="minor">
+            <a:schemeClr val="tx1"/>
+          </a:fontRef>
+        </p:style>
+      </p:cxnSp>
     </p:spTree>
   </p:cSld>
   <p:clrMapOvr>
@@ -8596,11 +10615,7 @@
                                           </p:stCondLst>
                                         </p:cTn>
                                         <p:tgtEl>
-                                          <p:spTgt spid="2051">
-                                            <p:txEl>
-                                              <p:pRg st="0" end="0"/>
-                                            </p:txEl>
-                                          </p:spTgt>
+                                          <p:spTgt spid="3"/>
                                         </p:tgtEl>
                                         <p:attrNameLst>
                                           <p:attrName>style.visibility</p:attrName>
@@ -8612,13 +10627,9 @@
                                     </p:set>
                                     <p:anim calcmode="lin" valueType="num">
                                       <p:cBhvr additive="base">
-                                        <p:cTn id="7" dur="500" fill="hold"/>
-                                        <p:tgtEl>
-                                          <p:spTgt spid="2051">
-                                            <p:txEl>
-                                              <p:pRg st="0" end="0"/>
-                                            </p:txEl>
-                                          </p:spTgt>
+                                        <p:cTn id="7" dur="300" fill="hold"/>
+                                        <p:tgtEl>
+                                          <p:spTgt spid="3"/>
                                         </p:tgtEl>
                                         <p:attrNameLst>
                                           <p:attrName>ppt_x</p:attrName>
@@ -8639,13 +10650,9 @@
                                     </p:anim>
                                     <p:anim calcmode="lin" valueType="num">
                                       <p:cBhvr additive="base">
-                                        <p:cTn id="8" dur="500" fill="hold"/>
-                                        <p:tgtEl>
-                                          <p:spTgt spid="2051">
-                                            <p:txEl>
-                                              <p:pRg st="0" end="0"/>
-                                            </p:txEl>
-                                          </p:spTgt>
+                                        <p:cTn id="8" dur="300" fill="hold"/>
+                                        <p:tgtEl>
+                                          <p:spTgt spid="3"/>
                                         </p:tgtEl>
                                         <p:attrNameLst>
                                           <p:attrName>ppt_y</p:attrName>
@@ -8674,19 +10681,19 @@
                     </p:cTn>
                   </p:par>
                   <p:par>
-                    <p:cTn id="9" fill="hold" nodeType="clickPar">
+                    <p:cTn id="9" fill="hold">
                       <p:stCondLst>
                         <p:cond delay="indefinite"/>
                       </p:stCondLst>
                       <p:childTnLst>
                         <p:par>
-                          <p:cTn id="10" fill="hold" nodeType="withGroup">
+                          <p:cTn id="10" fill="hold">
                             <p:stCondLst>
                               <p:cond delay="0"/>
                             </p:stCondLst>
                             <p:childTnLst>
                               <p:par>
-                                <p:cTn id="11" presetID="2" presetClass="entr" presetSubtype="4" fill="hold" grpId="0" nodeType="clickEffect">
+                                <p:cTn id="11" presetID="2" presetClass="entr" presetSubtype="4" fill="hold" nodeType="clickEffect">
                                   <p:stCondLst>
                                     <p:cond delay="0"/>
                                   </p:stCondLst>
@@ -8699,7 +10706,7 @@
                                           </p:stCondLst>
                                         </p:cTn>
                                         <p:tgtEl>
-                                          <p:spTgt spid="3"/>
+                                          <p:spTgt spid="1027"/>
                                         </p:tgtEl>
                                         <p:attrNameLst>
                                           <p:attrName>style.visibility</p:attrName>
@@ -8713,7 +10720,7 @@
                                       <p:cBhvr additive="base">
                                         <p:cTn id="13" dur="300" fill="hold"/>
                                         <p:tgtEl>
-                                          <p:spTgt spid="3"/>
+                                          <p:spTgt spid="1027"/>
                                         </p:tgtEl>
                                         <p:attrNameLst>
                                           <p:attrName>ppt_x</p:attrName>
@@ -8736,7 +10743,7 @@
                                       <p:cBhvr additive="base">
                                         <p:cTn id="14" dur="300" fill="hold"/>
                                         <p:tgtEl>
-                                          <p:spTgt spid="3"/>
+                                          <p:spTgt spid="1027"/>
                                         </p:tgtEl>
                                         <p:attrNameLst>
                                           <p:attrName>ppt_y</p:attrName>
@@ -8765,13 +10772,13 @@
                     </p:cTn>
                   </p:par>
                   <p:par>
-                    <p:cTn id="15" fill="hold" nodeType="clickPar">
+                    <p:cTn id="15" fill="hold">
                       <p:stCondLst>
                         <p:cond delay="indefinite"/>
                       </p:stCondLst>
                       <p:childTnLst>
                         <p:par>
-                          <p:cTn id="16" fill="hold" nodeType="withGroup">
+                          <p:cTn id="16" fill="hold">
                             <p:stCondLst>
                               <p:cond delay="0"/>
                             </p:stCondLst>
@@ -8790,7 +10797,7 @@
                                           </p:stCondLst>
                                         </p:cTn>
                                         <p:tgtEl>
-                                          <p:spTgt spid="2"/>
+                                          <p:spTgt spid="10"/>
                                         </p:tgtEl>
                                         <p:attrNameLst>
                                           <p:attrName>style.visibility</p:attrName>
@@ -8802,9 +10809,9 @@
                                     </p:set>
                                     <p:anim calcmode="lin" valueType="num">
                                       <p:cBhvr additive="base">
-                                        <p:cTn id="19" dur="500" fill="hold"/>
-                                        <p:tgtEl>
-                                          <p:spTgt spid="2"/>
+                                        <p:cTn id="19" dur="300" fill="hold"/>
+                                        <p:tgtEl>
+                                          <p:spTgt spid="10"/>
                                         </p:tgtEl>
                                         <p:attrNameLst>
                                           <p:attrName>ppt_x</p:attrName>
@@ -8825,9 +10832,9 @@
                                     </p:anim>
                                     <p:anim calcmode="lin" valueType="num">
                                       <p:cBhvr additive="base">
-                                        <p:cTn id="20" dur="500" fill="hold"/>
-                                        <p:tgtEl>
-                                          <p:spTgt spid="2"/>
+                                        <p:cTn id="20" dur="300" fill="hold"/>
+                                        <p:tgtEl>
+                                          <p:spTgt spid="10"/>
                                         </p:tgtEl>
                                         <p:attrNameLst>
                                           <p:attrName>ppt_y</p:attrName>
@@ -8856,13 +10863,13 @@
                     </p:cTn>
                   </p:par>
                   <p:par>
-                    <p:cTn id="21" fill="hold" nodeType="clickPar">
+                    <p:cTn id="21" fill="hold">
                       <p:stCondLst>
                         <p:cond delay="indefinite"/>
                       </p:stCondLst>
                       <p:childTnLst>
                         <p:par>
-                          <p:cTn id="22" fill="hold" nodeType="withGroup">
+                          <p:cTn id="22" fill="hold">
                             <p:stCondLst>
                               <p:cond delay="0"/>
                             </p:stCondLst>
@@ -8881,7 +10888,7 @@
                                           </p:stCondLst>
                                         </p:cTn>
                                         <p:tgtEl>
-                                          <p:spTgt spid="6"/>
+                                          <p:spTgt spid="12"/>
                                         </p:tgtEl>
                                         <p:attrNameLst>
                                           <p:attrName>style.visibility</p:attrName>
@@ -8893,9 +10900,9 @@
                                     </p:set>
                                     <p:anim calcmode="lin" valueType="num">
                                       <p:cBhvr additive="base">
-                                        <p:cTn id="25" dur="500" fill="hold"/>
-                                        <p:tgtEl>
-                                          <p:spTgt spid="6"/>
+                                        <p:cTn id="25" dur="300" fill="hold"/>
+                                        <p:tgtEl>
+                                          <p:spTgt spid="12"/>
                                         </p:tgtEl>
                                         <p:attrNameLst>
                                           <p:attrName>ppt_x</p:attrName>
@@ -8916,9 +10923,337 @@
                                     </p:anim>
                                     <p:anim calcmode="lin" valueType="num">
                                       <p:cBhvr additive="base">
-                                        <p:cTn id="26" dur="500" fill="hold"/>
-                                        <p:tgtEl>
-                                          <p:spTgt spid="6"/>
+                                        <p:cTn id="26" dur="300" fill="hold"/>
+                                        <p:tgtEl>
+                                          <p:spTgt spid="12"/>
+                                        </p:tgtEl>
+                                        <p:attrNameLst>
+                                          <p:attrName>ppt_y</p:attrName>
+                                        </p:attrNameLst>
+                                      </p:cBhvr>
+                                      <p:tavLst>
+                                        <p:tav tm="0">
+                                          <p:val>
+                                            <p:strVal val="1+#ppt_h/2"/>
+                                          </p:val>
+                                        </p:tav>
+                                        <p:tav tm="100000">
+                                          <p:val>
+                                            <p:strVal val="#ppt_y"/>
+                                          </p:val>
+                                        </p:tav>
+                                      </p:tavLst>
+                                    </p:anim>
+                                  </p:childTnLst>
+                                </p:cTn>
+                              </p:par>
+                              <p:par>
+                                <p:cTn id="27" presetID="2" presetClass="entr" presetSubtype="4" fill="hold" nodeType="withEffect">
+                                  <p:stCondLst>
+                                    <p:cond delay="0"/>
+                                  </p:stCondLst>
+                                  <p:childTnLst>
+                                    <p:set>
+                                      <p:cBhvr>
+                                        <p:cTn id="28" dur="1" fill="hold">
+                                          <p:stCondLst>
+                                            <p:cond delay="0"/>
+                                          </p:stCondLst>
+                                        </p:cTn>
+                                        <p:tgtEl>
+                                          <p:spTgt spid="13"/>
+                                        </p:tgtEl>
+                                        <p:attrNameLst>
+                                          <p:attrName>style.visibility</p:attrName>
+                                        </p:attrNameLst>
+                                      </p:cBhvr>
+                                      <p:to>
+                                        <p:strVal val="visible"/>
+                                      </p:to>
+                                    </p:set>
+                                    <p:anim calcmode="lin" valueType="num">
+                                      <p:cBhvr additive="base">
+                                        <p:cTn id="29" dur="300" fill="hold"/>
+                                        <p:tgtEl>
+                                          <p:spTgt spid="13"/>
+                                        </p:tgtEl>
+                                        <p:attrNameLst>
+                                          <p:attrName>ppt_x</p:attrName>
+                                        </p:attrNameLst>
+                                      </p:cBhvr>
+                                      <p:tavLst>
+                                        <p:tav tm="0">
+                                          <p:val>
+                                            <p:strVal val="#ppt_x"/>
+                                          </p:val>
+                                        </p:tav>
+                                        <p:tav tm="100000">
+                                          <p:val>
+                                            <p:strVal val="#ppt_x"/>
+                                          </p:val>
+                                        </p:tav>
+                                      </p:tavLst>
+                                    </p:anim>
+                                    <p:anim calcmode="lin" valueType="num">
+                                      <p:cBhvr additive="base">
+                                        <p:cTn id="30" dur="300" fill="hold"/>
+                                        <p:tgtEl>
+                                          <p:spTgt spid="13"/>
+                                        </p:tgtEl>
+                                        <p:attrNameLst>
+                                          <p:attrName>ppt_y</p:attrName>
+                                        </p:attrNameLst>
+                                      </p:cBhvr>
+                                      <p:tavLst>
+                                        <p:tav tm="0">
+                                          <p:val>
+                                            <p:strVal val="1+#ppt_h/2"/>
+                                          </p:val>
+                                        </p:tav>
+                                        <p:tav tm="100000">
+                                          <p:val>
+                                            <p:strVal val="#ppt_y"/>
+                                          </p:val>
+                                        </p:tav>
+                                      </p:tavLst>
+                                    </p:anim>
+                                  </p:childTnLst>
+                                </p:cTn>
+                              </p:par>
+                            </p:childTnLst>
+                          </p:cTn>
+                        </p:par>
+                      </p:childTnLst>
+                    </p:cTn>
+                  </p:par>
+                  <p:par>
+                    <p:cTn id="31" fill="hold">
+                      <p:stCondLst>
+                        <p:cond delay="indefinite"/>
+                      </p:stCondLst>
+                      <p:childTnLst>
+                        <p:par>
+                          <p:cTn id="32" fill="hold">
+                            <p:stCondLst>
+                              <p:cond delay="0"/>
+                            </p:stCondLst>
+                            <p:childTnLst>
+                              <p:par>
+                                <p:cTn id="33" presetID="2" presetClass="entr" presetSubtype="4" fill="hold" grpId="0" nodeType="clickEffect">
+                                  <p:stCondLst>
+                                    <p:cond delay="0"/>
+                                  </p:stCondLst>
+                                  <p:childTnLst>
+                                    <p:set>
+                                      <p:cBhvr>
+                                        <p:cTn id="34" dur="1" fill="hold">
+                                          <p:stCondLst>
+                                            <p:cond delay="0"/>
+                                          </p:stCondLst>
+                                        </p:cTn>
+                                        <p:tgtEl>
+                                          <p:spTgt spid="11"/>
+                                        </p:tgtEl>
+                                        <p:attrNameLst>
+                                          <p:attrName>style.visibility</p:attrName>
+                                        </p:attrNameLst>
+                                      </p:cBhvr>
+                                      <p:to>
+                                        <p:strVal val="visible"/>
+                                      </p:to>
+                                    </p:set>
+                                    <p:anim calcmode="lin" valueType="num">
+                                      <p:cBhvr additive="base">
+                                        <p:cTn id="35" dur="300" fill="hold"/>
+                                        <p:tgtEl>
+                                          <p:spTgt spid="11"/>
+                                        </p:tgtEl>
+                                        <p:attrNameLst>
+                                          <p:attrName>ppt_x</p:attrName>
+                                        </p:attrNameLst>
+                                      </p:cBhvr>
+                                      <p:tavLst>
+                                        <p:tav tm="0">
+                                          <p:val>
+                                            <p:strVal val="#ppt_x"/>
+                                          </p:val>
+                                        </p:tav>
+                                        <p:tav tm="100000">
+                                          <p:val>
+                                            <p:strVal val="#ppt_x"/>
+                                          </p:val>
+                                        </p:tav>
+                                      </p:tavLst>
+                                    </p:anim>
+                                    <p:anim calcmode="lin" valueType="num">
+                                      <p:cBhvr additive="base">
+                                        <p:cTn id="36" dur="300" fill="hold"/>
+                                        <p:tgtEl>
+                                          <p:spTgt spid="11"/>
+                                        </p:tgtEl>
+                                        <p:attrNameLst>
+                                          <p:attrName>ppt_y</p:attrName>
+                                        </p:attrNameLst>
+                                      </p:cBhvr>
+                                      <p:tavLst>
+                                        <p:tav tm="0">
+                                          <p:val>
+                                            <p:strVal val="1+#ppt_h/2"/>
+                                          </p:val>
+                                        </p:tav>
+                                        <p:tav tm="100000">
+                                          <p:val>
+                                            <p:strVal val="#ppt_y"/>
+                                          </p:val>
+                                        </p:tav>
+                                      </p:tavLst>
+                                    </p:anim>
+                                  </p:childTnLst>
+                                </p:cTn>
+                              </p:par>
+                            </p:childTnLst>
+                          </p:cTn>
+                        </p:par>
+                      </p:childTnLst>
+                    </p:cTn>
+                  </p:par>
+                  <p:par>
+                    <p:cTn id="37" fill="hold">
+                      <p:stCondLst>
+                        <p:cond delay="indefinite"/>
+                      </p:stCondLst>
+                      <p:childTnLst>
+                        <p:par>
+                          <p:cTn id="38" fill="hold">
+                            <p:stCondLst>
+                              <p:cond delay="0"/>
+                            </p:stCondLst>
+                            <p:childTnLst>
+                              <p:par>
+                                <p:cTn id="39" presetID="2" presetClass="entr" presetSubtype="4" fill="hold" grpId="0" nodeType="clickEffect">
+                                  <p:stCondLst>
+                                    <p:cond delay="0"/>
+                                  </p:stCondLst>
+                                  <p:childTnLst>
+                                    <p:set>
+                                      <p:cBhvr>
+                                        <p:cTn id="40" dur="1" fill="hold">
+                                          <p:stCondLst>
+                                            <p:cond delay="0"/>
+                                          </p:stCondLst>
+                                        </p:cTn>
+                                        <p:tgtEl>
+                                          <p:spTgt spid="15"/>
+                                        </p:tgtEl>
+                                        <p:attrNameLst>
+                                          <p:attrName>style.visibility</p:attrName>
+                                        </p:attrNameLst>
+                                      </p:cBhvr>
+                                      <p:to>
+                                        <p:strVal val="visible"/>
+                                      </p:to>
+                                    </p:set>
+                                    <p:anim calcmode="lin" valueType="num">
+                                      <p:cBhvr additive="base">
+                                        <p:cTn id="41" dur="300" fill="hold"/>
+                                        <p:tgtEl>
+                                          <p:spTgt spid="15"/>
+                                        </p:tgtEl>
+                                        <p:attrNameLst>
+                                          <p:attrName>ppt_x</p:attrName>
+                                        </p:attrNameLst>
+                                      </p:cBhvr>
+                                      <p:tavLst>
+                                        <p:tav tm="0">
+                                          <p:val>
+                                            <p:strVal val="#ppt_x"/>
+                                          </p:val>
+                                        </p:tav>
+                                        <p:tav tm="100000">
+                                          <p:val>
+                                            <p:strVal val="#ppt_x"/>
+                                          </p:val>
+                                        </p:tav>
+                                      </p:tavLst>
+                                    </p:anim>
+                                    <p:anim calcmode="lin" valueType="num">
+                                      <p:cBhvr additive="base">
+                                        <p:cTn id="42" dur="300" fill="hold"/>
+                                        <p:tgtEl>
+                                          <p:spTgt spid="15"/>
+                                        </p:tgtEl>
+                                        <p:attrNameLst>
+                                          <p:attrName>ppt_y</p:attrName>
+                                        </p:attrNameLst>
+                                      </p:cBhvr>
+                                      <p:tavLst>
+                                        <p:tav tm="0">
+                                          <p:val>
+                                            <p:strVal val="1+#ppt_h/2"/>
+                                          </p:val>
+                                        </p:tav>
+                                        <p:tav tm="100000">
+                                          <p:val>
+                                            <p:strVal val="#ppt_y"/>
+                                          </p:val>
+                                        </p:tav>
+                                      </p:tavLst>
+                                    </p:anim>
+                                  </p:childTnLst>
+                                </p:cTn>
+                              </p:par>
+                              <p:par>
+                                <p:cTn id="43" presetID="2" presetClass="entr" presetSubtype="4" fill="hold" nodeType="withEffect">
+                                  <p:stCondLst>
+                                    <p:cond delay="0"/>
+                                  </p:stCondLst>
+                                  <p:childTnLst>
+                                    <p:set>
+                                      <p:cBhvr>
+                                        <p:cTn id="44" dur="1" fill="hold">
+                                          <p:stCondLst>
+                                            <p:cond delay="0"/>
+                                          </p:stCondLst>
+                                        </p:cTn>
+                                        <p:tgtEl>
+                                          <p:spTgt spid="16"/>
+                                        </p:tgtEl>
+                                        <p:attrNameLst>
+                                          <p:attrName>style.visibility</p:attrName>
+                                        </p:attrNameLst>
+                                      </p:cBhvr>
+                                      <p:to>
+                                        <p:strVal val="visible"/>
+                                      </p:to>
+                                    </p:set>
+                                    <p:anim calcmode="lin" valueType="num">
+                                      <p:cBhvr additive="base">
+                                        <p:cTn id="45" dur="300" fill="hold"/>
+                                        <p:tgtEl>
+                                          <p:spTgt spid="16"/>
+                                        </p:tgtEl>
+                                        <p:attrNameLst>
+                                          <p:attrName>ppt_x</p:attrName>
+                                        </p:attrNameLst>
+                                      </p:cBhvr>
+                                      <p:tavLst>
+                                        <p:tav tm="0">
+                                          <p:val>
+                                            <p:strVal val="#ppt_x"/>
+                                          </p:val>
+                                        </p:tav>
+                                        <p:tav tm="100000">
+                                          <p:val>
+                                            <p:strVal val="#ppt_x"/>
+                                          </p:val>
+                                        </p:tav>
+                                      </p:tavLst>
+                                    </p:anim>
+                                    <p:anim calcmode="lin" valueType="num">
+                                      <p:cBhvr additive="base">
+                                        <p:cTn id="46" dur="300" fill="hold"/>
+                                        <p:tgtEl>
+                                          <p:spTgt spid="16"/>
                                         </p:tgtEl>
                                         <p:attrNameLst>
                                           <p:attrName>ppt_y</p:attrName>
@@ -8968,16 +11303,17 @@
       </p:par>
     </p:tnLst>
     <p:bldLst>
-      <p:bldP spid="2051" grpId="0" build="p"/>
-      <p:bldP spid="2" grpId="0"/>
       <p:bldP spid="3" grpId="0"/>
-      <p:bldP spid="6" grpId="0"/>
+      <p:bldP spid="10" grpId="0" animBg="1"/>
+      <p:bldP spid="11" grpId="0" animBg="1"/>
+      <p:bldP spid="12" grpId="0" animBg="1"/>
+      <p:bldP spid="15" grpId="0" animBg="1"/>
     </p:bldLst>
   </p:timing>
 </p:sld>
 </file>
 
-<file path=ppt/slides/slide2.xml><?xml version="1.0" encoding="utf-8"?>
+<file path=ppt/slides/slide22.xml><?xml version="1.0" encoding="utf-8"?>
 <p:sld xmlns:a="http://schemas.openxmlformats.org/drawingml/2006/main" xmlns:r="http://schemas.openxmlformats.org/officeDocument/2006/relationships" xmlns:p="http://schemas.openxmlformats.org/presentationml/2006/main">
   <p:cSld>
     <p:spTree>
@@ -9001,7 +11337,7 @@
             <a:spLocks noGrp="1"/>
           </p:cNvSpPr>
           <p:nvPr>
-            <p:ph type="ctrTitle"/>
+            <p:ph type="title"/>
           </p:nvPr>
         </p:nvSpPr>
         <p:spPr/>
@@ -9009,38 +11345,18 @@
           <a:bodyPr/>
           <a:lstStyle/>
           <a:p>
-            <a:r>
-              <a:rPr lang="en-US" altLang="zh-CN" dirty="0" err="1" smtClean="0">
-                <a:solidFill>
-                  <a:srgbClr val="C9394A"/>
-                </a:solidFill>
-              </a:rPr>
-              <a:t>Requirejs</a:t>
-            </a:r>
-            <a:r>
-              <a:rPr lang="zh-CN" altLang="en-US" dirty="0" smtClean="0">
-                <a:solidFill>
-                  <a:srgbClr val="C9394A"/>
-                </a:solidFill>
-              </a:rPr>
-              <a:t>和自动打包</a:t>
-            </a:r>
-            <a:endParaRPr lang="zh-CN" altLang="en-US" dirty="0">
-              <a:solidFill>
-                <a:srgbClr val="C9394A"/>
-              </a:solidFill>
-            </a:endParaRPr>
+            <a:endParaRPr lang="zh-CN" altLang="en-US"/>
           </a:p>
         </p:txBody>
       </p:sp>
       <p:sp>
         <p:nvSpPr>
-          <p:cNvPr id="3" name="副标题 2"/>
+          <p:cNvPr id="3" name="内容占位符 2"/>
           <p:cNvSpPr>
             <a:spLocks noGrp="1"/>
           </p:cNvSpPr>
           <p:nvPr>
-            <p:ph type="subTitle" idx="1"/>
+            <p:ph idx="1"/>
           </p:nvPr>
         </p:nvSpPr>
         <p:spPr/>
@@ -9048,25 +11364,325 @@
           <a:bodyPr/>
           <a:lstStyle/>
           <a:p>
-            <a:r>
-              <a:rPr lang="zh-CN" altLang="en-US" dirty="0" smtClean="0">
+            <a:endParaRPr lang="zh-CN" altLang="en-US" dirty="0"/>
+          </a:p>
+        </p:txBody>
+      </p:sp>
+      <p:pic>
+        <p:nvPicPr>
+          <p:cNvPr id="3074" name="Picture 2"/>
+          <p:cNvPicPr>
+            <a:picLocks noChangeAspect="1" noChangeArrowheads="1"/>
+          </p:cNvPicPr>
+          <p:nvPr/>
+        </p:nvPicPr>
+        <p:blipFill>
+          <a:blip r:embed="rId2" cstate="print"/>
+          <a:srcRect/>
+          <a:stretch>
+            <a:fillRect/>
+          </a:stretch>
+        </p:blipFill>
+        <p:spPr bwMode="auto">
+          <a:xfrm>
+            <a:off x="928688" y="2133600"/>
+            <a:ext cx="7286625" cy="2590800"/>
+          </a:xfrm>
+          <a:prstGeom prst="rect">
+            <a:avLst/>
+          </a:prstGeom>
+          <a:noFill/>
+          <a:ln w="9525">
+            <a:noFill/>
+            <a:miter lim="800000"/>
+            <a:headEnd/>
+            <a:tailEnd/>
+          </a:ln>
+        </p:spPr>
+      </p:pic>
+      <p:sp>
+        <p:nvSpPr>
+          <p:cNvPr id="6" name="矩形 5"/>
+          <p:cNvSpPr/>
+          <p:nvPr/>
+        </p:nvSpPr>
+        <p:spPr>
+          <a:xfrm>
+            <a:off x="2627784" y="3140968"/>
+            <a:ext cx="5544616" cy="360040"/>
+          </a:xfrm>
+          <a:prstGeom prst="rect">
+            <a:avLst/>
+          </a:prstGeom>
+          <a:noFill/>
+          <a:ln w="28575">
+            <a:solidFill>
+              <a:srgbClr val="C9394A"/>
+            </a:solidFill>
+          </a:ln>
+        </p:spPr>
+        <p:style>
+          <a:lnRef idx="2">
+            <a:schemeClr val="accent1">
+              <a:shade val="50000"/>
+            </a:schemeClr>
+          </a:lnRef>
+          <a:fillRef idx="1">
+            <a:schemeClr val="accent1"/>
+          </a:fillRef>
+          <a:effectRef idx="0">
+            <a:schemeClr val="accent1"/>
+          </a:effectRef>
+          <a:fontRef idx="minor">
+            <a:schemeClr val="lt1"/>
+          </a:fontRef>
+        </p:style>
+        <p:txBody>
+          <a:bodyPr rtlCol="0" anchor="ctr"/>
+          <a:lstStyle/>
+          <a:p>
+            <a:pPr algn="ctr"/>
+            <a:endParaRPr lang="zh-CN" altLang="en-US"/>
+          </a:p>
+        </p:txBody>
+      </p:sp>
+      <p:sp>
+        <p:nvSpPr>
+          <p:cNvPr id="7" name="圆角矩形 6"/>
+          <p:cNvSpPr/>
+          <p:nvPr/>
+        </p:nvSpPr>
+        <p:spPr>
+          <a:xfrm>
+            <a:off x="3995936" y="1196752"/>
+            <a:ext cx="2520280" cy="886296"/>
+          </a:xfrm>
+          <a:prstGeom prst="roundRect">
+            <a:avLst/>
+          </a:prstGeom>
+          <a:solidFill>
+            <a:srgbClr val="C9394A"/>
+          </a:solidFill>
+          <a:ln/>
+        </p:spPr>
+        <p:style>
+          <a:lnRef idx="3">
+            <a:schemeClr val="lt1"/>
+          </a:lnRef>
+          <a:fillRef idx="1">
+            <a:schemeClr val="accent4"/>
+          </a:fillRef>
+          <a:effectRef idx="1">
+            <a:schemeClr val="accent4"/>
+          </a:effectRef>
+          <a:fontRef idx="minor">
+            <a:schemeClr val="lt1"/>
+          </a:fontRef>
+        </p:style>
+        <p:txBody>
+          <a:bodyPr anchor="ctr"/>
+          <a:lstStyle/>
+          <a:p>
+            <a:pPr algn="ctr">
+              <a:buFont typeface="Arial" charset="0"/>
+              <a:buNone/>
+              <a:defRPr/>
+            </a:pPr>
+            <a:r>
+              <a:rPr lang="zh-CN" altLang="en-US" sz="2000" b="1" dirty="0" smtClean="0">
                 <a:solidFill>
-                  <a:srgbClr val="474747"/>
+                  <a:schemeClr val="bg1"/>
                 </a:solidFill>
               </a:rPr>
-              <a:t>讲师：</a:t>
-            </a:r>
-            <a:r>
-              <a:rPr lang="en-US" altLang="zh-CN" dirty="0" smtClean="0">
+              <a:t>首</a:t>
+            </a:r>
+            <a:r>
+              <a:rPr lang="zh-CN" altLang="en-US" sz="2000" b="1" dirty="0" smtClean="0">
                 <a:solidFill>
-                  <a:srgbClr val="474747"/>
+                  <a:schemeClr val="bg1"/>
                 </a:solidFill>
               </a:rPr>
-              <a:t>Silva</a:t>
-            </a:r>
-            <a:endParaRPr lang="zh-CN" altLang="en-US" dirty="0">
+              <a:t>先加载的模块</a:t>
+            </a:r>
+            <a:endParaRPr lang="en-US" altLang="zh-CN" sz="2000" b="1" dirty="0" smtClean="0">
               <a:solidFill>
-                <a:srgbClr val="474747"/>
+                <a:schemeClr val="bg1"/>
+              </a:solidFill>
+            </a:endParaRPr>
+          </a:p>
+        </p:txBody>
+      </p:sp>
+      <p:cxnSp>
+        <p:nvCxnSpPr>
+          <p:cNvPr id="8" name="直接箭头连接符 7"/>
+          <p:cNvCxnSpPr/>
+          <p:nvPr/>
+        </p:nvCxnSpPr>
+        <p:spPr>
+          <a:xfrm flipH="1" flipV="1">
+            <a:off x="5292080" y="2060848"/>
+            <a:ext cx="50" cy="1080120"/>
+          </a:xfrm>
+          <a:prstGeom prst="straightConnector1">
+            <a:avLst/>
+          </a:prstGeom>
+          <a:ln w="38100">
+            <a:solidFill>
+              <a:srgbClr val="C9394A"/>
+            </a:solidFill>
+            <a:tailEnd type="arrow"/>
+          </a:ln>
+        </p:spPr>
+        <p:style>
+          <a:lnRef idx="1">
+            <a:schemeClr val="accent1"/>
+          </a:lnRef>
+          <a:fillRef idx="0">
+            <a:schemeClr val="accent1"/>
+          </a:fillRef>
+          <a:effectRef idx="0">
+            <a:schemeClr val="accent1"/>
+          </a:effectRef>
+          <a:fontRef idx="minor">
+            <a:schemeClr val="tx1"/>
+          </a:fontRef>
+        </p:style>
+      </p:cxnSp>
+      <p:sp>
+        <p:nvSpPr>
+          <p:cNvPr id="10" name="矩形 9"/>
+          <p:cNvSpPr/>
+          <p:nvPr/>
+        </p:nvSpPr>
+        <p:spPr>
+          <a:xfrm>
+            <a:off x="2627784" y="3501008"/>
+            <a:ext cx="1728192" cy="360040"/>
+          </a:xfrm>
+          <a:prstGeom prst="rect">
+            <a:avLst/>
+          </a:prstGeom>
+          <a:noFill/>
+          <a:ln w="28575">
+            <a:solidFill>
+              <a:srgbClr val="C9394A"/>
+            </a:solidFill>
+          </a:ln>
+        </p:spPr>
+        <p:style>
+          <a:lnRef idx="2">
+            <a:schemeClr val="accent1">
+              <a:shade val="50000"/>
+            </a:schemeClr>
+          </a:lnRef>
+          <a:fillRef idx="1">
+            <a:schemeClr val="accent1"/>
+          </a:fillRef>
+          <a:effectRef idx="0">
+            <a:schemeClr val="accent1"/>
+          </a:effectRef>
+          <a:fontRef idx="minor">
+            <a:schemeClr val="lt1"/>
+          </a:fontRef>
+        </p:style>
+        <p:txBody>
+          <a:bodyPr rtlCol="0" anchor="ctr"/>
+          <a:lstStyle/>
+          <a:p>
+            <a:pPr algn="ctr"/>
+            <a:endParaRPr lang="zh-CN" altLang="en-US"/>
+          </a:p>
+        </p:txBody>
+      </p:sp>
+      <p:cxnSp>
+        <p:nvCxnSpPr>
+          <p:cNvPr id="11" name="直接箭头连接符 10"/>
+          <p:cNvCxnSpPr/>
+          <p:nvPr/>
+        </p:nvCxnSpPr>
+        <p:spPr>
+          <a:xfrm flipH="1">
+            <a:off x="3491880" y="3861048"/>
+            <a:ext cx="50" cy="864096"/>
+          </a:xfrm>
+          <a:prstGeom prst="straightConnector1">
+            <a:avLst/>
+          </a:prstGeom>
+          <a:ln w="38100">
+            <a:solidFill>
+              <a:srgbClr val="C9394A"/>
+            </a:solidFill>
+            <a:tailEnd type="arrow"/>
+          </a:ln>
+        </p:spPr>
+        <p:style>
+          <a:lnRef idx="1">
+            <a:schemeClr val="accent1"/>
+          </a:lnRef>
+          <a:fillRef idx="0">
+            <a:schemeClr val="accent1"/>
+          </a:fillRef>
+          <a:effectRef idx="0">
+            <a:schemeClr val="accent1"/>
+          </a:effectRef>
+          <a:fontRef idx="minor">
+            <a:schemeClr val="tx1"/>
+          </a:fontRef>
+        </p:style>
+      </p:cxnSp>
+      <p:sp>
+        <p:nvSpPr>
+          <p:cNvPr id="12" name="圆角矩形 11"/>
+          <p:cNvSpPr/>
+          <p:nvPr/>
+        </p:nvSpPr>
+        <p:spPr>
+          <a:xfrm>
+            <a:off x="2267744" y="4725144"/>
+            <a:ext cx="2520280" cy="886296"/>
+          </a:xfrm>
+          <a:prstGeom prst="roundRect">
+            <a:avLst/>
+          </a:prstGeom>
+          <a:solidFill>
+            <a:srgbClr val="C9394A"/>
+          </a:solidFill>
+          <a:ln/>
+        </p:spPr>
+        <p:style>
+          <a:lnRef idx="3">
+            <a:schemeClr val="lt1"/>
+          </a:lnRef>
+          <a:fillRef idx="1">
+            <a:schemeClr val="accent4"/>
+          </a:fillRef>
+          <a:effectRef idx="1">
+            <a:schemeClr val="accent4"/>
+          </a:effectRef>
+          <a:fontRef idx="minor">
+            <a:schemeClr val="lt1"/>
+          </a:fontRef>
+        </p:style>
+        <p:txBody>
+          <a:bodyPr anchor="ctr"/>
+          <a:lstStyle/>
+          <a:p>
+            <a:pPr algn="ctr">
+              <a:buFont typeface="Arial" charset="0"/>
+              <a:buNone/>
+              <a:defRPr/>
+            </a:pPr>
+            <a:r>
+              <a:rPr lang="zh-CN" altLang="en-US" sz="2000" b="1" dirty="0" smtClean="0">
+                <a:solidFill>
+                  <a:schemeClr val="bg1"/>
+                </a:solidFill>
+              </a:rPr>
+              <a:t>第一个加载失败后的备用文件</a:t>
+            </a:r>
+            <a:endParaRPr lang="en-US" altLang="zh-CN" sz="2000" b="1" dirty="0" smtClean="0">
+              <a:solidFill>
+                <a:schemeClr val="bg1"/>
               </a:solidFill>
             </a:endParaRPr>
           </a:p>
@@ -9080,9 +11696,548 @@
   <p:timing>
     <p:tnLst>
       <p:par>
-        <p:cTn id="1" dur="indefinite" restart="never" nodeType="tmRoot"/>
+        <p:cTn id="1" dur="indefinite" restart="never" nodeType="tmRoot">
+          <p:childTnLst>
+            <p:seq concurrent="1" nextAc="seek">
+              <p:cTn id="2" dur="indefinite" nodeType="mainSeq">
+                <p:childTnLst>
+                  <p:par>
+                    <p:cTn id="3" fill="hold">
+                      <p:stCondLst>
+                        <p:cond delay="indefinite"/>
+                      </p:stCondLst>
+                      <p:childTnLst>
+                        <p:par>
+                          <p:cTn id="4" fill="hold">
+                            <p:stCondLst>
+                              <p:cond delay="0"/>
+                            </p:stCondLst>
+                            <p:childTnLst>
+                              <p:par>
+                                <p:cTn id="5" presetID="2" presetClass="entr" presetSubtype="4" fill="hold" grpId="0" nodeType="clickEffect">
+                                  <p:stCondLst>
+                                    <p:cond delay="0"/>
+                                  </p:stCondLst>
+                                  <p:childTnLst>
+                                    <p:set>
+                                      <p:cBhvr>
+                                        <p:cTn id="6" dur="1" fill="hold">
+                                          <p:stCondLst>
+                                            <p:cond delay="0"/>
+                                          </p:stCondLst>
+                                        </p:cTn>
+                                        <p:tgtEl>
+                                          <p:spTgt spid="6"/>
+                                        </p:tgtEl>
+                                        <p:attrNameLst>
+                                          <p:attrName>style.visibility</p:attrName>
+                                        </p:attrNameLst>
+                                      </p:cBhvr>
+                                      <p:to>
+                                        <p:strVal val="visible"/>
+                                      </p:to>
+                                    </p:set>
+                                    <p:anim calcmode="lin" valueType="num">
+                                      <p:cBhvr additive="base">
+                                        <p:cTn id="7" dur="300" fill="hold"/>
+                                        <p:tgtEl>
+                                          <p:spTgt spid="6"/>
+                                        </p:tgtEl>
+                                        <p:attrNameLst>
+                                          <p:attrName>ppt_x</p:attrName>
+                                        </p:attrNameLst>
+                                      </p:cBhvr>
+                                      <p:tavLst>
+                                        <p:tav tm="0">
+                                          <p:val>
+                                            <p:strVal val="#ppt_x"/>
+                                          </p:val>
+                                        </p:tav>
+                                        <p:tav tm="100000">
+                                          <p:val>
+                                            <p:strVal val="#ppt_x"/>
+                                          </p:val>
+                                        </p:tav>
+                                      </p:tavLst>
+                                    </p:anim>
+                                    <p:anim calcmode="lin" valueType="num">
+                                      <p:cBhvr additive="base">
+                                        <p:cTn id="8" dur="300" fill="hold"/>
+                                        <p:tgtEl>
+                                          <p:spTgt spid="6"/>
+                                        </p:tgtEl>
+                                        <p:attrNameLst>
+                                          <p:attrName>ppt_y</p:attrName>
+                                        </p:attrNameLst>
+                                      </p:cBhvr>
+                                      <p:tavLst>
+                                        <p:tav tm="0">
+                                          <p:val>
+                                            <p:strVal val="1+#ppt_h/2"/>
+                                          </p:val>
+                                        </p:tav>
+                                        <p:tav tm="100000">
+                                          <p:val>
+                                            <p:strVal val="#ppt_y"/>
+                                          </p:val>
+                                        </p:tav>
+                                      </p:tavLst>
+                                    </p:anim>
+                                  </p:childTnLst>
+                                </p:cTn>
+                              </p:par>
+                            </p:childTnLst>
+                          </p:cTn>
+                        </p:par>
+                      </p:childTnLst>
+                    </p:cTn>
+                  </p:par>
+                  <p:par>
+                    <p:cTn id="9" fill="hold">
+                      <p:stCondLst>
+                        <p:cond delay="indefinite"/>
+                      </p:stCondLst>
+                      <p:childTnLst>
+                        <p:par>
+                          <p:cTn id="10" fill="hold">
+                            <p:stCondLst>
+                              <p:cond delay="0"/>
+                            </p:stCondLst>
+                            <p:childTnLst>
+                              <p:par>
+                                <p:cTn id="11" presetID="2" presetClass="entr" presetSubtype="4" fill="hold" grpId="0" nodeType="clickEffect">
+                                  <p:stCondLst>
+                                    <p:cond delay="0"/>
+                                  </p:stCondLst>
+                                  <p:childTnLst>
+                                    <p:set>
+                                      <p:cBhvr>
+                                        <p:cTn id="12" dur="1" fill="hold">
+                                          <p:stCondLst>
+                                            <p:cond delay="0"/>
+                                          </p:stCondLst>
+                                        </p:cTn>
+                                        <p:tgtEl>
+                                          <p:spTgt spid="7"/>
+                                        </p:tgtEl>
+                                        <p:attrNameLst>
+                                          <p:attrName>style.visibility</p:attrName>
+                                        </p:attrNameLst>
+                                      </p:cBhvr>
+                                      <p:to>
+                                        <p:strVal val="visible"/>
+                                      </p:to>
+                                    </p:set>
+                                    <p:anim calcmode="lin" valueType="num">
+                                      <p:cBhvr additive="base">
+                                        <p:cTn id="13" dur="300" fill="hold"/>
+                                        <p:tgtEl>
+                                          <p:spTgt spid="7"/>
+                                        </p:tgtEl>
+                                        <p:attrNameLst>
+                                          <p:attrName>ppt_x</p:attrName>
+                                        </p:attrNameLst>
+                                      </p:cBhvr>
+                                      <p:tavLst>
+                                        <p:tav tm="0">
+                                          <p:val>
+                                            <p:strVal val="#ppt_x"/>
+                                          </p:val>
+                                        </p:tav>
+                                        <p:tav tm="100000">
+                                          <p:val>
+                                            <p:strVal val="#ppt_x"/>
+                                          </p:val>
+                                        </p:tav>
+                                      </p:tavLst>
+                                    </p:anim>
+                                    <p:anim calcmode="lin" valueType="num">
+                                      <p:cBhvr additive="base">
+                                        <p:cTn id="14" dur="300" fill="hold"/>
+                                        <p:tgtEl>
+                                          <p:spTgt spid="7"/>
+                                        </p:tgtEl>
+                                        <p:attrNameLst>
+                                          <p:attrName>ppt_y</p:attrName>
+                                        </p:attrNameLst>
+                                      </p:cBhvr>
+                                      <p:tavLst>
+                                        <p:tav tm="0">
+                                          <p:val>
+                                            <p:strVal val="1+#ppt_h/2"/>
+                                          </p:val>
+                                        </p:tav>
+                                        <p:tav tm="100000">
+                                          <p:val>
+                                            <p:strVal val="#ppt_y"/>
+                                          </p:val>
+                                        </p:tav>
+                                      </p:tavLst>
+                                    </p:anim>
+                                  </p:childTnLst>
+                                </p:cTn>
+                              </p:par>
+                              <p:par>
+                                <p:cTn id="15" presetID="2" presetClass="entr" presetSubtype="4" fill="hold" nodeType="withEffect">
+                                  <p:stCondLst>
+                                    <p:cond delay="0"/>
+                                  </p:stCondLst>
+                                  <p:childTnLst>
+                                    <p:set>
+                                      <p:cBhvr>
+                                        <p:cTn id="16" dur="1" fill="hold">
+                                          <p:stCondLst>
+                                            <p:cond delay="0"/>
+                                          </p:stCondLst>
+                                        </p:cTn>
+                                        <p:tgtEl>
+                                          <p:spTgt spid="8"/>
+                                        </p:tgtEl>
+                                        <p:attrNameLst>
+                                          <p:attrName>style.visibility</p:attrName>
+                                        </p:attrNameLst>
+                                      </p:cBhvr>
+                                      <p:to>
+                                        <p:strVal val="visible"/>
+                                      </p:to>
+                                    </p:set>
+                                    <p:anim calcmode="lin" valueType="num">
+                                      <p:cBhvr additive="base">
+                                        <p:cTn id="17" dur="300" fill="hold"/>
+                                        <p:tgtEl>
+                                          <p:spTgt spid="8"/>
+                                        </p:tgtEl>
+                                        <p:attrNameLst>
+                                          <p:attrName>ppt_x</p:attrName>
+                                        </p:attrNameLst>
+                                      </p:cBhvr>
+                                      <p:tavLst>
+                                        <p:tav tm="0">
+                                          <p:val>
+                                            <p:strVal val="#ppt_x"/>
+                                          </p:val>
+                                        </p:tav>
+                                        <p:tav tm="100000">
+                                          <p:val>
+                                            <p:strVal val="#ppt_x"/>
+                                          </p:val>
+                                        </p:tav>
+                                      </p:tavLst>
+                                    </p:anim>
+                                    <p:anim calcmode="lin" valueType="num">
+                                      <p:cBhvr additive="base">
+                                        <p:cTn id="18" dur="300" fill="hold"/>
+                                        <p:tgtEl>
+                                          <p:spTgt spid="8"/>
+                                        </p:tgtEl>
+                                        <p:attrNameLst>
+                                          <p:attrName>ppt_y</p:attrName>
+                                        </p:attrNameLst>
+                                      </p:cBhvr>
+                                      <p:tavLst>
+                                        <p:tav tm="0">
+                                          <p:val>
+                                            <p:strVal val="1+#ppt_h/2"/>
+                                          </p:val>
+                                        </p:tav>
+                                        <p:tav tm="100000">
+                                          <p:val>
+                                            <p:strVal val="#ppt_y"/>
+                                          </p:val>
+                                        </p:tav>
+                                      </p:tavLst>
+                                    </p:anim>
+                                  </p:childTnLst>
+                                </p:cTn>
+                              </p:par>
+                            </p:childTnLst>
+                          </p:cTn>
+                        </p:par>
+                      </p:childTnLst>
+                    </p:cTn>
+                  </p:par>
+                  <p:par>
+                    <p:cTn id="19" fill="hold">
+                      <p:stCondLst>
+                        <p:cond delay="indefinite"/>
+                      </p:stCondLst>
+                      <p:childTnLst>
+                        <p:par>
+                          <p:cTn id="20" fill="hold">
+                            <p:stCondLst>
+                              <p:cond delay="0"/>
+                            </p:stCondLst>
+                            <p:childTnLst>
+                              <p:par>
+                                <p:cTn id="21" presetID="2" presetClass="entr" presetSubtype="4" fill="hold" grpId="0" nodeType="clickEffect">
+                                  <p:stCondLst>
+                                    <p:cond delay="0"/>
+                                  </p:stCondLst>
+                                  <p:childTnLst>
+                                    <p:set>
+                                      <p:cBhvr>
+                                        <p:cTn id="22" dur="1" fill="hold">
+                                          <p:stCondLst>
+                                            <p:cond delay="0"/>
+                                          </p:stCondLst>
+                                        </p:cTn>
+                                        <p:tgtEl>
+                                          <p:spTgt spid="10"/>
+                                        </p:tgtEl>
+                                        <p:attrNameLst>
+                                          <p:attrName>style.visibility</p:attrName>
+                                        </p:attrNameLst>
+                                      </p:cBhvr>
+                                      <p:to>
+                                        <p:strVal val="visible"/>
+                                      </p:to>
+                                    </p:set>
+                                    <p:anim calcmode="lin" valueType="num">
+                                      <p:cBhvr additive="base">
+                                        <p:cTn id="23" dur="300" fill="hold"/>
+                                        <p:tgtEl>
+                                          <p:spTgt spid="10"/>
+                                        </p:tgtEl>
+                                        <p:attrNameLst>
+                                          <p:attrName>ppt_x</p:attrName>
+                                        </p:attrNameLst>
+                                      </p:cBhvr>
+                                      <p:tavLst>
+                                        <p:tav tm="0">
+                                          <p:val>
+                                            <p:strVal val="#ppt_x"/>
+                                          </p:val>
+                                        </p:tav>
+                                        <p:tav tm="100000">
+                                          <p:val>
+                                            <p:strVal val="#ppt_x"/>
+                                          </p:val>
+                                        </p:tav>
+                                      </p:tavLst>
+                                    </p:anim>
+                                    <p:anim calcmode="lin" valueType="num">
+                                      <p:cBhvr additive="base">
+                                        <p:cTn id="24" dur="300" fill="hold"/>
+                                        <p:tgtEl>
+                                          <p:spTgt spid="10"/>
+                                        </p:tgtEl>
+                                        <p:attrNameLst>
+                                          <p:attrName>ppt_y</p:attrName>
+                                        </p:attrNameLst>
+                                      </p:cBhvr>
+                                      <p:tavLst>
+                                        <p:tav tm="0">
+                                          <p:val>
+                                            <p:strVal val="1+#ppt_h/2"/>
+                                          </p:val>
+                                        </p:tav>
+                                        <p:tav tm="100000">
+                                          <p:val>
+                                            <p:strVal val="#ppt_y"/>
+                                          </p:val>
+                                        </p:tav>
+                                      </p:tavLst>
+                                    </p:anim>
+                                  </p:childTnLst>
+                                </p:cTn>
+                              </p:par>
+                            </p:childTnLst>
+                          </p:cTn>
+                        </p:par>
+                      </p:childTnLst>
+                    </p:cTn>
+                  </p:par>
+                  <p:par>
+                    <p:cTn id="25" fill="hold">
+                      <p:stCondLst>
+                        <p:cond delay="indefinite"/>
+                      </p:stCondLst>
+                      <p:childTnLst>
+                        <p:par>
+                          <p:cTn id="26" fill="hold">
+                            <p:stCondLst>
+                              <p:cond delay="0"/>
+                            </p:stCondLst>
+                            <p:childTnLst>
+                              <p:par>
+                                <p:cTn id="27" presetID="2" presetClass="entr" presetSubtype="4" fill="hold" grpId="0" nodeType="clickEffect">
+                                  <p:stCondLst>
+                                    <p:cond delay="0"/>
+                                  </p:stCondLst>
+                                  <p:childTnLst>
+                                    <p:set>
+                                      <p:cBhvr>
+                                        <p:cTn id="28" dur="1" fill="hold">
+                                          <p:stCondLst>
+                                            <p:cond delay="0"/>
+                                          </p:stCondLst>
+                                        </p:cTn>
+                                        <p:tgtEl>
+                                          <p:spTgt spid="12"/>
+                                        </p:tgtEl>
+                                        <p:attrNameLst>
+                                          <p:attrName>style.visibility</p:attrName>
+                                        </p:attrNameLst>
+                                      </p:cBhvr>
+                                      <p:to>
+                                        <p:strVal val="visible"/>
+                                      </p:to>
+                                    </p:set>
+                                    <p:anim calcmode="lin" valueType="num">
+                                      <p:cBhvr additive="base">
+                                        <p:cTn id="29" dur="300" fill="hold"/>
+                                        <p:tgtEl>
+                                          <p:spTgt spid="12"/>
+                                        </p:tgtEl>
+                                        <p:attrNameLst>
+                                          <p:attrName>ppt_x</p:attrName>
+                                        </p:attrNameLst>
+                                      </p:cBhvr>
+                                      <p:tavLst>
+                                        <p:tav tm="0">
+                                          <p:val>
+                                            <p:strVal val="#ppt_x"/>
+                                          </p:val>
+                                        </p:tav>
+                                        <p:tav tm="100000">
+                                          <p:val>
+                                            <p:strVal val="#ppt_x"/>
+                                          </p:val>
+                                        </p:tav>
+                                      </p:tavLst>
+                                    </p:anim>
+                                    <p:anim calcmode="lin" valueType="num">
+                                      <p:cBhvr additive="base">
+                                        <p:cTn id="30" dur="300" fill="hold"/>
+                                        <p:tgtEl>
+                                          <p:spTgt spid="12"/>
+                                        </p:tgtEl>
+                                        <p:attrNameLst>
+                                          <p:attrName>ppt_y</p:attrName>
+                                        </p:attrNameLst>
+                                      </p:cBhvr>
+                                      <p:tavLst>
+                                        <p:tav tm="0">
+                                          <p:val>
+                                            <p:strVal val="1+#ppt_h/2"/>
+                                          </p:val>
+                                        </p:tav>
+                                        <p:tav tm="100000">
+                                          <p:val>
+                                            <p:strVal val="#ppt_y"/>
+                                          </p:val>
+                                        </p:tav>
+                                      </p:tavLst>
+                                    </p:anim>
+                                  </p:childTnLst>
+                                </p:cTn>
+                              </p:par>
+                              <p:par>
+                                <p:cTn id="31" presetID="2" presetClass="entr" presetSubtype="4" fill="hold" nodeType="withEffect">
+                                  <p:stCondLst>
+                                    <p:cond delay="0"/>
+                                  </p:stCondLst>
+                                  <p:childTnLst>
+                                    <p:set>
+                                      <p:cBhvr>
+                                        <p:cTn id="32" dur="1" fill="hold">
+                                          <p:stCondLst>
+                                            <p:cond delay="0"/>
+                                          </p:stCondLst>
+                                        </p:cTn>
+                                        <p:tgtEl>
+                                          <p:spTgt spid="11"/>
+                                        </p:tgtEl>
+                                        <p:attrNameLst>
+                                          <p:attrName>style.visibility</p:attrName>
+                                        </p:attrNameLst>
+                                      </p:cBhvr>
+                                      <p:to>
+                                        <p:strVal val="visible"/>
+                                      </p:to>
+                                    </p:set>
+                                    <p:anim calcmode="lin" valueType="num">
+                                      <p:cBhvr additive="base">
+                                        <p:cTn id="33" dur="300" fill="hold"/>
+                                        <p:tgtEl>
+                                          <p:spTgt spid="11"/>
+                                        </p:tgtEl>
+                                        <p:attrNameLst>
+                                          <p:attrName>ppt_x</p:attrName>
+                                        </p:attrNameLst>
+                                      </p:cBhvr>
+                                      <p:tavLst>
+                                        <p:tav tm="0">
+                                          <p:val>
+                                            <p:strVal val="#ppt_x"/>
+                                          </p:val>
+                                        </p:tav>
+                                        <p:tav tm="100000">
+                                          <p:val>
+                                            <p:strVal val="#ppt_x"/>
+                                          </p:val>
+                                        </p:tav>
+                                      </p:tavLst>
+                                    </p:anim>
+                                    <p:anim calcmode="lin" valueType="num">
+                                      <p:cBhvr additive="base">
+                                        <p:cTn id="34" dur="300" fill="hold"/>
+                                        <p:tgtEl>
+                                          <p:spTgt spid="11"/>
+                                        </p:tgtEl>
+                                        <p:attrNameLst>
+                                          <p:attrName>ppt_y</p:attrName>
+                                        </p:attrNameLst>
+                                      </p:cBhvr>
+                                      <p:tavLst>
+                                        <p:tav tm="0">
+                                          <p:val>
+                                            <p:strVal val="1+#ppt_h/2"/>
+                                          </p:val>
+                                        </p:tav>
+                                        <p:tav tm="100000">
+                                          <p:val>
+                                            <p:strVal val="#ppt_y"/>
+                                          </p:val>
+                                        </p:tav>
+                                      </p:tavLst>
+                                    </p:anim>
+                                  </p:childTnLst>
+                                </p:cTn>
+                              </p:par>
+                            </p:childTnLst>
+                          </p:cTn>
+                        </p:par>
+                      </p:childTnLst>
+                    </p:cTn>
+                  </p:par>
+                </p:childTnLst>
+              </p:cTn>
+              <p:prevCondLst>
+                <p:cond evt="onPrev" delay="0">
+                  <p:tgtEl>
+                    <p:sldTgt/>
+                  </p:tgtEl>
+                </p:cond>
+              </p:prevCondLst>
+              <p:nextCondLst>
+                <p:cond evt="onNext" delay="0">
+                  <p:tgtEl>
+                    <p:sldTgt/>
+                  </p:tgtEl>
+                </p:cond>
+              </p:nextCondLst>
+            </p:seq>
+          </p:childTnLst>
+        </p:cTn>
       </p:par>
     </p:tnLst>
+    <p:bldLst>
+      <p:bldP spid="6" grpId="0" animBg="1"/>
+      <p:bldP spid="7" grpId="0" animBg="1"/>
+      <p:bldP spid="10" grpId="0" animBg="1"/>
+      <p:bldP spid="12" grpId="0" animBg="1"/>
+    </p:bldLst>
   </p:timing>
 </p:sld>
 </file>

--- a/requirejs/doc/requirejs.pptx
+++ b/requirejs/doc/requirejs.pptx
@@ -5,7 +5,7 @@
     <p:sldMasterId id="2147483648" r:id="rId1"/>
   </p:sldMasterIdLst>
   <p:notesMasterIdLst>
-    <p:notesMasterId r:id="rId24"/>
+    <p:notesMasterId r:id="rId29"/>
   </p:notesMasterIdLst>
   <p:sldIdLst>
     <p:sldId id="258" r:id="rId2"/>
@@ -30,6 +30,11 @@
     <p:sldId id="278" r:id="rId21"/>
     <p:sldId id="276" r:id="rId22"/>
     <p:sldId id="279" r:id="rId23"/>
+    <p:sldId id="280" r:id="rId24"/>
+    <p:sldId id="284" r:id="rId25"/>
+    <p:sldId id="282" r:id="rId26"/>
+    <p:sldId id="281" r:id="rId27"/>
+    <p:sldId id="283" r:id="rId28"/>
   </p:sldIdLst>
   <p:sldSz cx="9144000" cy="6858000" type="screen4x3"/>
   <p:notesSz cx="6858000" cy="9144000"/>
@@ -214,7 +219,7 @@
             <a:fld id="{B2C916C8-812D-4B64-92A8-238699F8A54D}" type="datetimeFigureOut">
               <a:rPr lang="zh-CN" altLang="en-US" smtClean="0"/>
               <a:pPr/>
-              <a:t>2016/5/11</a:t>
+              <a:t>2016/5/12</a:t>
             </a:fld>
             <a:endParaRPr lang="zh-CN" altLang="en-US"/>
           </a:p>
@@ -744,7 +749,7 @@
             <a:fld id="{530820CF-B880-4189-942D-D702A7CBA730}" type="datetimeFigureOut">
               <a:rPr lang="zh-CN" altLang="en-US" smtClean="0"/>
               <a:pPr/>
-              <a:t>2016/5/11</a:t>
+              <a:t>2016/5/12</a:t>
             </a:fld>
             <a:endParaRPr lang="zh-CN" altLang="en-US"/>
           </a:p>
@@ -911,7 +916,7 @@
             <a:fld id="{530820CF-B880-4189-942D-D702A7CBA730}" type="datetimeFigureOut">
               <a:rPr lang="zh-CN" altLang="en-US" smtClean="0"/>
               <a:pPr/>
-              <a:t>2016/5/11</a:t>
+              <a:t>2016/5/12</a:t>
             </a:fld>
             <a:endParaRPr lang="zh-CN" altLang="en-US"/>
           </a:p>
@@ -1088,7 +1093,7 @@
             <a:fld id="{530820CF-B880-4189-942D-D702A7CBA730}" type="datetimeFigureOut">
               <a:rPr lang="zh-CN" altLang="en-US" smtClean="0"/>
               <a:pPr/>
-              <a:t>2016/5/11</a:t>
+              <a:t>2016/5/12</a:t>
             </a:fld>
             <a:endParaRPr lang="zh-CN" altLang="en-US"/>
           </a:p>
@@ -1255,7 +1260,7 @@
             <a:fld id="{530820CF-B880-4189-942D-D702A7CBA730}" type="datetimeFigureOut">
               <a:rPr lang="zh-CN" altLang="en-US" smtClean="0"/>
               <a:pPr/>
-              <a:t>2016/5/11</a:t>
+              <a:t>2016/5/12</a:t>
             </a:fld>
             <a:endParaRPr lang="zh-CN" altLang="en-US"/>
           </a:p>
@@ -1498,7 +1503,7 @@
             <a:fld id="{530820CF-B880-4189-942D-D702A7CBA730}" type="datetimeFigureOut">
               <a:rPr lang="zh-CN" altLang="en-US" smtClean="0"/>
               <a:pPr/>
-              <a:t>2016/5/11</a:t>
+              <a:t>2016/5/12</a:t>
             </a:fld>
             <a:endParaRPr lang="zh-CN" altLang="en-US"/>
           </a:p>
@@ -1783,7 +1788,7 @@
             <a:fld id="{530820CF-B880-4189-942D-D702A7CBA730}" type="datetimeFigureOut">
               <a:rPr lang="zh-CN" altLang="en-US" smtClean="0"/>
               <a:pPr/>
-              <a:t>2016/5/11</a:t>
+              <a:t>2016/5/12</a:t>
             </a:fld>
             <a:endParaRPr lang="zh-CN" altLang="en-US"/>
           </a:p>
@@ -2202,7 +2207,7 @@
             <a:fld id="{530820CF-B880-4189-942D-D702A7CBA730}" type="datetimeFigureOut">
               <a:rPr lang="zh-CN" altLang="en-US" smtClean="0"/>
               <a:pPr/>
-              <a:t>2016/5/11</a:t>
+              <a:t>2016/5/12</a:t>
             </a:fld>
             <a:endParaRPr lang="zh-CN" altLang="en-US"/>
           </a:p>
@@ -2317,7 +2322,7 @@
             <a:fld id="{530820CF-B880-4189-942D-D702A7CBA730}" type="datetimeFigureOut">
               <a:rPr lang="zh-CN" altLang="en-US" smtClean="0"/>
               <a:pPr/>
-              <a:t>2016/5/11</a:t>
+              <a:t>2016/5/12</a:t>
             </a:fld>
             <a:endParaRPr lang="zh-CN" altLang="en-US"/>
           </a:p>
@@ -2409,7 +2414,7 @@
             <a:fld id="{530820CF-B880-4189-942D-D702A7CBA730}" type="datetimeFigureOut">
               <a:rPr lang="zh-CN" altLang="en-US" smtClean="0"/>
               <a:pPr/>
-              <a:t>2016/5/11</a:t>
+              <a:t>2016/5/12</a:t>
             </a:fld>
             <a:endParaRPr lang="zh-CN" altLang="en-US"/>
           </a:p>
@@ -2683,7 +2688,7 @@
             <a:fld id="{530820CF-B880-4189-942D-D702A7CBA730}" type="datetimeFigureOut">
               <a:rPr lang="zh-CN" altLang="en-US" smtClean="0"/>
               <a:pPr/>
-              <a:t>2016/5/11</a:t>
+              <a:t>2016/5/12</a:t>
             </a:fld>
             <a:endParaRPr lang="zh-CN" altLang="en-US"/>
           </a:p>
@@ -2933,7 +2938,7 @@
             <a:fld id="{530820CF-B880-4189-942D-D702A7CBA730}" type="datetimeFigureOut">
               <a:rPr lang="zh-CN" altLang="en-US" smtClean="0"/>
               <a:pPr/>
-              <a:t>2016/5/11</a:t>
+              <a:t>2016/5/12</a:t>
             </a:fld>
             <a:endParaRPr lang="zh-CN" altLang="en-US"/>
           </a:p>
@@ -3143,7 +3148,7 @@
             <a:fld id="{530820CF-B880-4189-942D-D702A7CBA730}" type="datetimeFigureOut">
               <a:rPr lang="zh-CN" altLang="en-US" smtClean="0"/>
               <a:pPr/>
-              <a:t>2016/5/11</a:t>
+              <a:t>2016/5/12</a:t>
             </a:fld>
             <a:endParaRPr lang="zh-CN" altLang="en-US"/>
           </a:p>
@@ -10148,17 +10153,7 @@
                 <a:latin typeface="微软雅黑" pitchFamily="34" charset="-122"/>
                 <a:ea typeface="微软雅黑" pitchFamily="34" charset="-122"/>
               </a:rPr>
-              <a:t>paths</a:t>
-            </a:r>
-            <a:r>
-              <a:rPr lang="en-US" altLang="zh-CN" dirty="0" smtClean="0">
-                <a:solidFill>
-                  <a:srgbClr val="C9394A"/>
-                </a:solidFill>
-                <a:latin typeface="微软雅黑" pitchFamily="34" charset="-122"/>
-                <a:ea typeface="微软雅黑" pitchFamily="34" charset="-122"/>
-              </a:rPr>
-              <a:t>	</a:t>
+              <a:t>paths	</a:t>
             </a:r>
           </a:p>
         </p:txBody>
@@ -10520,15 +10515,7 @@
                   <a:schemeClr val="bg1"/>
                 </a:solidFill>
               </a:rPr>
-              <a:t>模</a:t>
-            </a:r>
-            <a:r>
-              <a:rPr lang="zh-CN" altLang="en-US" sz="2000" b="1" dirty="0" smtClean="0">
-                <a:solidFill>
-                  <a:schemeClr val="bg1"/>
-                </a:solidFill>
-              </a:rPr>
-              <a:t>块路径</a:t>
+              <a:t>模块路径</a:t>
             </a:r>
             <a:endParaRPr lang="en-US" altLang="zh-CN" sz="2000" b="1" dirty="0" smtClean="0">
               <a:solidFill>
@@ -11494,15 +11481,7 @@
                   <a:schemeClr val="bg1"/>
                 </a:solidFill>
               </a:rPr>
-              <a:t>首</a:t>
-            </a:r>
-            <a:r>
-              <a:rPr lang="zh-CN" altLang="en-US" sz="2000" b="1" dirty="0" smtClean="0">
-                <a:solidFill>
-                  <a:schemeClr val="bg1"/>
-                </a:solidFill>
-              </a:rPr>
-              <a:t>先加载的模块</a:t>
+              <a:t>首先加载的模块</a:t>
             </a:r>
             <a:endParaRPr lang="en-US" altLang="zh-CN" sz="2000" b="1" dirty="0" smtClean="0">
               <a:solidFill>
@@ -12237,6 +12216,2207 @@
       <p:bldP spid="7" grpId="0" animBg="1"/>
       <p:bldP spid="10" grpId="0" animBg="1"/>
       <p:bldP spid="12" grpId="0" animBg="1"/>
+    </p:bldLst>
+  </p:timing>
+</p:sld>
+</file>
+
+<file path=ppt/slides/slide23.xml><?xml version="1.0" encoding="utf-8"?>
+<p:sld xmlns:a="http://schemas.openxmlformats.org/drawingml/2006/main" xmlns:r="http://schemas.openxmlformats.org/officeDocument/2006/relationships" xmlns:p="http://schemas.openxmlformats.org/presentationml/2006/main">
+  <p:cSld>
+    <p:spTree>
+      <p:nvGrpSpPr>
+        <p:cNvPr id="1" name=""/>
+        <p:cNvGrpSpPr/>
+        <p:nvPr/>
+      </p:nvGrpSpPr>
+      <p:grpSpPr>
+        <a:xfrm>
+          <a:off x="0" y="0"/>
+          <a:ext cx="0" cy="0"/>
+          <a:chOff x="0" y="0"/>
+          <a:chExt cx="0" cy="0"/>
+        </a:xfrm>
+      </p:grpSpPr>
+      <p:sp>
+        <p:nvSpPr>
+          <p:cNvPr id="2" name="标题 1"/>
+          <p:cNvSpPr>
+            <a:spLocks noGrp="1"/>
+          </p:cNvSpPr>
+          <p:nvPr>
+            <p:ph type="title"/>
+          </p:nvPr>
+        </p:nvSpPr>
+        <p:spPr>
+          <a:xfrm>
+            <a:off x="467544" y="1268760"/>
+            <a:ext cx="8229600" cy="1143000"/>
+          </a:xfrm>
+        </p:spPr>
+        <p:txBody>
+          <a:bodyPr>
+            <a:normAutofit/>
+          </a:bodyPr>
+          <a:lstStyle/>
+          <a:p>
+            <a:r>
+              <a:rPr lang="en-US" altLang="zh-CN" sz="3000" dirty="0" err="1" smtClean="0">
+                <a:solidFill>
+                  <a:srgbClr val="C9394A"/>
+                </a:solidFill>
+                <a:latin typeface="微软雅黑" pitchFamily="34" charset="-122"/>
+                <a:ea typeface="微软雅黑" pitchFamily="34" charset="-122"/>
+              </a:rPr>
+              <a:t>Requirejs</a:t>
+            </a:r>
+            <a:r>
+              <a:rPr lang="zh-CN" altLang="en-US" sz="3000" dirty="0" smtClean="0">
+                <a:solidFill>
+                  <a:srgbClr val="C9394A"/>
+                </a:solidFill>
+                <a:latin typeface="微软雅黑" pitchFamily="34" charset="-122"/>
+                <a:ea typeface="微软雅黑" pitchFamily="34" charset="-122"/>
+              </a:rPr>
+              <a:t>和自动打包</a:t>
+            </a:r>
+            <a:endParaRPr lang="zh-CN" altLang="en-US" sz="3000" dirty="0">
+              <a:solidFill>
+                <a:srgbClr val="C9394A"/>
+              </a:solidFill>
+              <a:latin typeface="微软雅黑" pitchFamily="34" charset="-122"/>
+              <a:ea typeface="微软雅黑" pitchFamily="34" charset="-122"/>
+            </a:endParaRPr>
+          </a:p>
+        </p:txBody>
+      </p:sp>
+      <p:sp>
+        <p:nvSpPr>
+          <p:cNvPr id="3" name="内容占位符 2"/>
+          <p:cNvSpPr>
+            <a:spLocks noGrp="1"/>
+          </p:cNvSpPr>
+          <p:nvPr>
+            <p:ph idx="1"/>
+          </p:nvPr>
+        </p:nvSpPr>
+        <p:spPr>
+          <a:xfrm>
+            <a:off x="467544" y="2852936"/>
+            <a:ext cx="8229600" cy="2697163"/>
+          </a:xfrm>
+        </p:spPr>
+        <p:txBody>
+          <a:bodyPr>
+            <a:normAutofit/>
+          </a:bodyPr>
+          <a:lstStyle/>
+          <a:p>
+            <a:pPr algn="ctr">
+              <a:buNone/>
+            </a:pPr>
+            <a:r>
+              <a:rPr lang="zh-CN" altLang="en-US" sz="2200" b="1" dirty="0" smtClean="0">
+                <a:solidFill>
+                  <a:srgbClr val="474747"/>
+                </a:solidFill>
+                <a:latin typeface="微软雅黑" pitchFamily="34" charset="-122"/>
+                <a:ea typeface="微软雅黑" pitchFamily="34" charset="-122"/>
+              </a:rPr>
+              <a:t>定义模块</a:t>
+            </a:r>
+            <a:endParaRPr lang="zh-CN" altLang="en-US" sz="2200" b="1" dirty="0">
+              <a:solidFill>
+                <a:srgbClr val="474747"/>
+              </a:solidFill>
+              <a:latin typeface="微软雅黑" pitchFamily="34" charset="-122"/>
+              <a:ea typeface="微软雅黑" pitchFamily="34" charset="-122"/>
+            </a:endParaRPr>
+          </a:p>
+        </p:txBody>
+      </p:sp>
+    </p:spTree>
+  </p:cSld>
+  <p:clrMapOvr>
+    <a:masterClrMapping/>
+  </p:clrMapOvr>
+  <p:timing>
+    <p:tnLst>
+      <p:par>
+        <p:cTn id="1" dur="indefinite" restart="never" nodeType="tmRoot"/>
+      </p:par>
+    </p:tnLst>
+  </p:timing>
+</p:sld>
+</file>
+
+<file path=ppt/slides/slide24.xml><?xml version="1.0" encoding="utf-8"?>
+<p:sld xmlns:a="http://schemas.openxmlformats.org/drawingml/2006/main" xmlns:r="http://schemas.openxmlformats.org/officeDocument/2006/relationships" xmlns:p="http://schemas.openxmlformats.org/presentationml/2006/main">
+  <p:cSld>
+    <p:spTree>
+      <p:nvGrpSpPr>
+        <p:cNvPr id="1" name=""/>
+        <p:cNvGrpSpPr/>
+        <p:nvPr/>
+      </p:nvGrpSpPr>
+      <p:grpSpPr>
+        <a:xfrm>
+          <a:off x="0" y="0"/>
+          <a:ext cx="0" cy="0"/>
+          <a:chOff x="0" y="0"/>
+          <a:chExt cx="0" cy="0"/>
+        </a:xfrm>
+      </p:grpSpPr>
+      <p:sp>
+        <p:nvSpPr>
+          <p:cNvPr id="2" name="内容占位符 2"/>
+          <p:cNvSpPr txBox="1">
+            <a:spLocks/>
+          </p:cNvSpPr>
+          <p:nvPr/>
+        </p:nvSpPr>
+        <p:spPr>
+          <a:xfrm>
+            <a:off x="611560" y="1196752"/>
+            <a:ext cx="8229600" cy="508000"/>
+          </a:xfrm>
+          <a:prstGeom prst="rect">
+            <a:avLst/>
+          </a:prstGeom>
+        </p:spPr>
+        <p:txBody>
+          <a:bodyPr/>
+          <a:lstStyle/>
+          <a:p>
+            <a:pPr marL="0" marR="0" lvl="0" indent="0" algn="l" defTabSz="914400" rtl="0" eaLnBrk="1" fontAlgn="auto" latinLnBrk="0" hangingPunct="1">
+              <a:lnSpc>
+                <a:spcPct val="100000"/>
+              </a:lnSpc>
+              <a:spcBef>
+                <a:spcPct val="20000"/>
+              </a:spcBef>
+              <a:spcAft>
+                <a:spcPts val="0"/>
+              </a:spcAft>
+              <a:buClrTx/>
+              <a:buSzTx/>
+              <a:buFont typeface="Arial" panose="020B0604020202020204" pitchFamily="34" charset="0"/>
+              <a:buNone/>
+              <a:tabLst/>
+              <a:defRPr/>
+            </a:pPr>
+            <a:r>
+              <a:rPr lang="zh-CN" altLang="en-US" sz="3200" dirty="0" smtClean="0"/>
+              <a:t>定</a:t>
+            </a:r>
+            <a:r>
+              <a:rPr lang="zh-CN" altLang="en-US" sz="3200" dirty="0" smtClean="0"/>
+              <a:t>义模块的方式</a:t>
+            </a:r>
+            <a:endParaRPr kumimoji="0" lang="en-US" altLang="zh-CN" sz="3200" b="0" i="0" u="none" strike="noStrike" kern="1200" cap="none" spc="0" normalizeH="0" baseline="0" noProof="0" dirty="0" smtClean="0">
+              <a:ln>
+                <a:noFill/>
+              </a:ln>
+              <a:solidFill>
+                <a:schemeClr val="tx1"/>
+              </a:solidFill>
+              <a:effectLst/>
+              <a:uLnTx/>
+              <a:uFillTx/>
+              <a:latin typeface="+mn-lt"/>
+              <a:ea typeface="+mn-ea"/>
+              <a:cs typeface="+mn-cs"/>
+            </a:endParaRPr>
+          </a:p>
+        </p:txBody>
+      </p:sp>
+      <p:sp>
+        <p:nvSpPr>
+          <p:cNvPr id="3" name="内容占位符 2"/>
+          <p:cNvSpPr txBox="1">
+            <a:spLocks/>
+          </p:cNvSpPr>
+          <p:nvPr/>
+        </p:nvSpPr>
+        <p:spPr>
+          <a:xfrm>
+            <a:off x="609600" y="2776984"/>
+            <a:ext cx="8229600" cy="508000"/>
+          </a:xfrm>
+          <a:prstGeom prst="rect">
+            <a:avLst/>
+          </a:prstGeom>
+        </p:spPr>
+        <p:txBody>
+          <a:bodyPr/>
+          <a:lstStyle/>
+          <a:p>
+            <a:pPr marL="0" marR="0" lvl="0" indent="0" algn="l" defTabSz="914400" rtl="0" eaLnBrk="1" fontAlgn="auto" latinLnBrk="0" hangingPunct="1">
+              <a:lnSpc>
+                <a:spcPct val="100000"/>
+              </a:lnSpc>
+              <a:spcBef>
+                <a:spcPct val="20000"/>
+              </a:spcBef>
+              <a:spcAft>
+                <a:spcPts val="0"/>
+              </a:spcAft>
+              <a:buClrTx/>
+              <a:buSzTx/>
+              <a:buFont typeface="Arial" panose="020B0604020202020204" pitchFamily="34" charset="0"/>
+              <a:buNone/>
+              <a:tabLst/>
+              <a:defRPr/>
+            </a:pPr>
+            <a:r>
+              <a:rPr kumimoji="0" lang="zh-CN" altLang="en-US" sz="3200" b="0" i="0" u="none" strike="noStrike" kern="1200" cap="none" spc="0" normalizeH="0" baseline="0" noProof="0" dirty="0" smtClean="0">
+                <a:ln>
+                  <a:noFill/>
+                </a:ln>
+                <a:solidFill>
+                  <a:schemeClr val="tx1"/>
+                </a:solidFill>
+                <a:effectLst/>
+                <a:uLnTx/>
+                <a:uFillTx/>
+                <a:latin typeface="+mn-lt"/>
+                <a:ea typeface="+mn-ea"/>
+                <a:cs typeface="+mn-cs"/>
+              </a:rPr>
+              <a:t>通过一个例子来熟悉模块化开发</a:t>
+            </a:r>
+            <a:endParaRPr kumimoji="0" lang="en-US" altLang="zh-CN" sz="3200" b="0" i="0" u="none" strike="noStrike" kern="1200" cap="none" spc="0" normalizeH="0" baseline="0" noProof="0" dirty="0" smtClean="0">
+              <a:ln>
+                <a:noFill/>
+              </a:ln>
+              <a:solidFill>
+                <a:schemeClr val="tx1"/>
+              </a:solidFill>
+              <a:effectLst/>
+              <a:uLnTx/>
+              <a:uFillTx/>
+              <a:latin typeface="+mn-lt"/>
+              <a:ea typeface="+mn-ea"/>
+              <a:cs typeface="+mn-cs"/>
+            </a:endParaRPr>
+          </a:p>
+        </p:txBody>
+      </p:sp>
+    </p:spTree>
+  </p:cSld>
+  <p:clrMapOvr>
+    <a:masterClrMapping/>
+  </p:clrMapOvr>
+  <p:timing>
+    <p:tnLst>
+      <p:par>
+        <p:cTn id="1" dur="indefinite" restart="never" nodeType="tmRoot">
+          <p:childTnLst>
+            <p:seq concurrent="1" nextAc="seek">
+              <p:cTn id="2" dur="indefinite" nodeType="mainSeq">
+                <p:childTnLst>
+                  <p:par>
+                    <p:cTn id="3" fill="hold">
+                      <p:stCondLst>
+                        <p:cond delay="indefinite"/>
+                      </p:stCondLst>
+                      <p:childTnLst>
+                        <p:par>
+                          <p:cTn id="4" fill="hold">
+                            <p:stCondLst>
+                              <p:cond delay="0"/>
+                            </p:stCondLst>
+                            <p:childTnLst>
+                              <p:par>
+                                <p:cTn id="5" presetID="2" presetClass="entr" presetSubtype="4" fill="hold" grpId="0" nodeType="clickEffect">
+                                  <p:stCondLst>
+                                    <p:cond delay="0"/>
+                                  </p:stCondLst>
+                                  <p:childTnLst>
+                                    <p:set>
+                                      <p:cBhvr>
+                                        <p:cTn id="6" dur="1" fill="hold">
+                                          <p:stCondLst>
+                                            <p:cond delay="0"/>
+                                          </p:stCondLst>
+                                        </p:cTn>
+                                        <p:tgtEl>
+                                          <p:spTgt spid="2">
+                                            <p:txEl>
+                                              <p:pRg st="0" end="0"/>
+                                            </p:txEl>
+                                          </p:spTgt>
+                                        </p:tgtEl>
+                                        <p:attrNameLst>
+                                          <p:attrName>style.visibility</p:attrName>
+                                        </p:attrNameLst>
+                                      </p:cBhvr>
+                                      <p:to>
+                                        <p:strVal val="visible"/>
+                                      </p:to>
+                                    </p:set>
+                                    <p:anim calcmode="lin" valueType="num">
+                                      <p:cBhvr additive="base">
+                                        <p:cTn id="7" dur="300" fill="hold"/>
+                                        <p:tgtEl>
+                                          <p:spTgt spid="2">
+                                            <p:txEl>
+                                              <p:pRg st="0" end="0"/>
+                                            </p:txEl>
+                                          </p:spTgt>
+                                        </p:tgtEl>
+                                        <p:attrNameLst>
+                                          <p:attrName>ppt_x</p:attrName>
+                                        </p:attrNameLst>
+                                      </p:cBhvr>
+                                      <p:tavLst>
+                                        <p:tav tm="0">
+                                          <p:val>
+                                            <p:strVal val="#ppt_x"/>
+                                          </p:val>
+                                        </p:tav>
+                                        <p:tav tm="100000">
+                                          <p:val>
+                                            <p:strVal val="#ppt_x"/>
+                                          </p:val>
+                                        </p:tav>
+                                      </p:tavLst>
+                                    </p:anim>
+                                    <p:anim calcmode="lin" valueType="num">
+                                      <p:cBhvr additive="base">
+                                        <p:cTn id="8" dur="300" fill="hold"/>
+                                        <p:tgtEl>
+                                          <p:spTgt spid="2">
+                                            <p:txEl>
+                                              <p:pRg st="0" end="0"/>
+                                            </p:txEl>
+                                          </p:spTgt>
+                                        </p:tgtEl>
+                                        <p:attrNameLst>
+                                          <p:attrName>ppt_y</p:attrName>
+                                        </p:attrNameLst>
+                                      </p:cBhvr>
+                                      <p:tavLst>
+                                        <p:tav tm="0">
+                                          <p:val>
+                                            <p:strVal val="1+#ppt_h/2"/>
+                                          </p:val>
+                                        </p:tav>
+                                        <p:tav tm="100000">
+                                          <p:val>
+                                            <p:strVal val="#ppt_y"/>
+                                          </p:val>
+                                        </p:tav>
+                                      </p:tavLst>
+                                    </p:anim>
+                                  </p:childTnLst>
+                                </p:cTn>
+                              </p:par>
+                            </p:childTnLst>
+                          </p:cTn>
+                        </p:par>
+                      </p:childTnLst>
+                    </p:cTn>
+                  </p:par>
+                  <p:par>
+                    <p:cTn id="9" fill="hold">
+                      <p:stCondLst>
+                        <p:cond delay="indefinite"/>
+                      </p:stCondLst>
+                      <p:childTnLst>
+                        <p:par>
+                          <p:cTn id="10" fill="hold">
+                            <p:stCondLst>
+                              <p:cond delay="0"/>
+                            </p:stCondLst>
+                            <p:childTnLst>
+                              <p:par>
+                                <p:cTn id="11" presetID="2" presetClass="entr" presetSubtype="4" fill="hold" grpId="0" nodeType="clickEffect">
+                                  <p:stCondLst>
+                                    <p:cond delay="0"/>
+                                  </p:stCondLst>
+                                  <p:childTnLst>
+                                    <p:set>
+                                      <p:cBhvr>
+                                        <p:cTn id="12" dur="1" fill="hold">
+                                          <p:stCondLst>
+                                            <p:cond delay="0"/>
+                                          </p:stCondLst>
+                                        </p:cTn>
+                                        <p:tgtEl>
+                                          <p:spTgt spid="3">
+                                            <p:txEl>
+                                              <p:pRg st="0" end="0"/>
+                                            </p:txEl>
+                                          </p:spTgt>
+                                        </p:tgtEl>
+                                        <p:attrNameLst>
+                                          <p:attrName>style.visibility</p:attrName>
+                                        </p:attrNameLst>
+                                      </p:cBhvr>
+                                      <p:to>
+                                        <p:strVal val="visible"/>
+                                      </p:to>
+                                    </p:set>
+                                    <p:anim calcmode="lin" valueType="num">
+                                      <p:cBhvr additive="base">
+                                        <p:cTn id="13" dur="300" fill="hold"/>
+                                        <p:tgtEl>
+                                          <p:spTgt spid="3">
+                                            <p:txEl>
+                                              <p:pRg st="0" end="0"/>
+                                            </p:txEl>
+                                          </p:spTgt>
+                                        </p:tgtEl>
+                                        <p:attrNameLst>
+                                          <p:attrName>ppt_x</p:attrName>
+                                        </p:attrNameLst>
+                                      </p:cBhvr>
+                                      <p:tavLst>
+                                        <p:tav tm="0">
+                                          <p:val>
+                                            <p:strVal val="#ppt_x"/>
+                                          </p:val>
+                                        </p:tav>
+                                        <p:tav tm="100000">
+                                          <p:val>
+                                            <p:strVal val="#ppt_x"/>
+                                          </p:val>
+                                        </p:tav>
+                                      </p:tavLst>
+                                    </p:anim>
+                                    <p:anim calcmode="lin" valueType="num">
+                                      <p:cBhvr additive="base">
+                                        <p:cTn id="14" dur="300" fill="hold"/>
+                                        <p:tgtEl>
+                                          <p:spTgt spid="3">
+                                            <p:txEl>
+                                              <p:pRg st="0" end="0"/>
+                                            </p:txEl>
+                                          </p:spTgt>
+                                        </p:tgtEl>
+                                        <p:attrNameLst>
+                                          <p:attrName>ppt_y</p:attrName>
+                                        </p:attrNameLst>
+                                      </p:cBhvr>
+                                      <p:tavLst>
+                                        <p:tav tm="0">
+                                          <p:val>
+                                            <p:strVal val="1+#ppt_h/2"/>
+                                          </p:val>
+                                        </p:tav>
+                                        <p:tav tm="100000">
+                                          <p:val>
+                                            <p:strVal val="#ppt_y"/>
+                                          </p:val>
+                                        </p:tav>
+                                      </p:tavLst>
+                                    </p:anim>
+                                  </p:childTnLst>
+                                </p:cTn>
+                              </p:par>
+                            </p:childTnLst>
+                          </p:cTn>
+                        </p:par>
+                      </p:childTnLst>
+                    </p:cTn>
+                  </p:par>
+                </p:childTnLst>
+              </p:cTn>
+              <p:prevCondLst>
+                <p:cond evt="onPrev" delay="0">
+                  <p:tgtEl>
+                    <p:sldTgt/>
+                  </p:tgtEl>
+                </p:cond>
+              </p:prevCondLst>
+              <p:nextCondLst>
+                <p:cond evt="onNext" delay="0">
+                  <p:tgtEl>
+                    <p:sldTgt/>
+                  </p:tgtEl>
+                </p:cond>
+              </p:nextCondLst>
+            </p:seq>
+          </p:childTnLst>
+        </p:cTn>
+      </p:par>
+    </p:tnLst>
+    <p:bldLst>
+      <p:bldP spid="2" grpId="0" build="p"/>
+      <p:bldP spid="3" grpId="0" build="p"/>
+    </p:bldLst>
+  </p:timing>
+</p:sld>
+</file>
+
+<file path=ppt/slides/slide25.xml><?xml version="1.0" encoding="utf-8"?>
+<p:sld xmlns:a="http://schemas.openxmlformats.org/drawingml/2006/main" xmlns:r="http://schemas.openxmlformats.org/officeDocument/2006/relationships" xmlns:p="http://schemas.openxmlformats.org/presentationml/2006/main">
+  <p:cSld>
+    <p:spTree>
+      <p:nvGrpSpPr>
+        <p:cNvPr id="1" name=""/>
+        <p:cNvGrpSpPr/>
+        <p:nvPr/>
+      </p:nvGrpSpPr>
+      <p:grpSpPr>
+        <a:xfrm>
+          <a:off x="0" y="0"/>
+          <a:ext cx="0" cy="0"/>
+          <a:chOff x="0" y="0"/>
+          <a:chExt cx="0" cy="0"/>
+        </a:xfrm>
+      </p:grpSpPr>
+      <p:sp>
+        <p:nvSpPr>
+          <p:cNvPr id="2" name="内容占位符 2"/>
+          <p:cNvSpPr txBox="1">
+            <a:spLocks/>
+          </p:cNvSpPr>
+          <p:nvPr/>
+        </p:nvSpPr>
+        <p:spPr>
+          <a:xfrm>
+            <a:off x="457200" y="1200150"/>
+            <a:ext cx="8229600" cy="508000"/>
+          </a:xfrm>
+          <a:prstGeom prst="rect">
+            <a:avLst/>
+          </a:prstGeom>
+        </p:spPr>
+        <p:txBody>
+          <a:bodyPr/>
+          <a:lstStyle/>
+          <a:p>
+            <a:pPr marL="0" marR="0" lvl="0" indent="0" algn="l" defTabSz="914400" rtl="0" eaLnBrk="1" fontAlgn="auto" latinLnBrk="0" hangingPunct="1">
+              <a:lnSpc>
+                <a:spcPct val="100000"/>
+              </a:lnSpc>
+              <a:spcBef>
+                <a:spcPct val="20000"/>
+              </a:spcBef>
+              <a:spcAft>
+                <a:spcPts val="0"/>
+              </a:spcAft>
+              <a:buClrTx/>
+              <a:buSzTx/>
+              <a:buFont typeface="Arial" panose="020B0604020202020204" pitchFamily="34" charset="0"/>
+              <a:buNone/>
+              <a:tabLst/>
+              <a:defRPr/>
+            </a:pPr>
+            <a:r>
+              <a:rPr kumimoji="0" lang="zh-CN" altLang="en-US" sz="3200" b="0" i="0" u="none" strike="noStrike" kern="1200" cap="none" spc="0" normalizeH="0" baseline="0" noProof="0" dirty="0" smtClean="0">
+                <a:ln>
+                  <a:noFill/>
+                </a:ln>
+                <a:solidFill>
+                  <a:schemeClr val="tx1"/>
+                </a:solidFill>
+                <a:effectLst/>
+                <a:uLnTx/>
+                <a:uFillTx/>
+                <a:latin typeface="+mn-lt"/>
+                <a:ea typeface="+mn-ea"/>
+                <a:cs typeface="+mn-cs"/>
+              </a:rPr>
+              <a:t>函数式定义</a:t>
+            </a:r>
+            <a:endParaRPr kumimoji="0" lang="en-US" altLang="zh-CN" sz="3200" b="0" i="0" u="none" strike="noStrike" kern="1200" cap="none" spc="0" normalizeH="0" baseline="0" noProof="0" dirty="0" smtClean="0">
+              <a:ln>
+                <a:noFill/>
+              </a:ln>
+              <a:solidFill>
+                <a:schemeClr val="tx1"/>
+              </a:solidFill>
+              <a:effectLst/>
+              <a:uLnTx/>
+              <a:uFillTx/>
+              <a:latin typeface="+mn-lt"/>
+              <a:ea typeface="+mn-ea"/>
+              <a:cs typeface="+mn-cs"/>
+            </a:endParaRPr>
+          </a:p>
+        </p:txBody>
+      </p:sp>
+      <p:pic>
+        <p:nvPicPr>
+          <p:cNvPr id="3" name="Picture 2"/>
+          <p:cNvPicPr>
+            <a:picLocks noChangeAspect="1" noChangeArrowheads="1"/>
+          </p:cNvPicPr>
+          <p:nvPr/>
+        </p:nvPicPr>
+        <p:blipFill>
+          <a:blip r:embed="rId2" cstate="print"/>
+          <a:srcRect/>
+          <a:stretch>
+            <a:fillRect/>
+          </a:stretch>
+        </p:blipFill>
+        <p:spPr bwMode="auto">
+          <a:xfrm>
+            <a:off x="827584" y="2204864"/>
+            <a:ext cx="6772275" cy="2333625"/>
+          </a:xfrm>
+          <a:prstGeom prst="rect">
+            <a:avLst/>
+          </a:prstGeom>
+          <a:noFill/>
+          <a:ln w="9525">
+            <a:noFill/>
+            <a:miter lim="800000"/>
+            <a:headEnd/>
+            <a:tailEnd/>
+          </a:ln>
+        </p:spPr>
+      </p:pic>
+      <p:sp>
+        <p:nvSpPr>
+          <p:cNvPr id="4" name="圆角矩形 3"/>
+          <p:cNvSpPr/>
+          <p:nvPr/>
+        </p:nvSpPr>
+        <p:spPr>
+          <a:xfrm>
+            <a:off x="3491880" y="908720"/>
+            <a:ext cx="3384376" cy="886296"/>
+          </a:xfrm>
+          <a:prstGeom prst="roundRect">
+            <a:avLst/>
+          </a:prstGeom>
+          <a:solidFill>
+            <a:srgbClr val="C9394A"/>
+          </a:solidFill>
+          <a:ln/>
+        </p:spPr>
+        <p:style>
+          <a:lnRef idx="3">
+            <a:schemeClr val="lt1"/>
+          </a:lnRef>
+          <a:fillRef idx="1">
+            <a:schemeClr val="accent4"/>
+          </a:fillRef>
+          <a:effectRef idx="1">
+            <a:schemeClr val="accent4"/>
+          </a:effectRef>
+          <a:fontRef idx="minor">
+            <a:schemeClr val="lt1"/>
+          </a:fontRef>
+        </p:style>
+        <p:txBody>
+          <a:bodyPr anchor="ctr"/>
+          <a:lstStyle/>
+          <a:p>
+            <a:pPr algn="ctr">
+              <a:buFont typeface="Arial" charset="0"/>
+              <a:buNone/>
+              <a:defRPr/>
+            </a:pPr>
+            <a:r>
+              <a:rPr lang="zh-CN" altLang="en-US" sz="2000" b="1" dirty="0" smtClean="0">
+                <a:solidFill>
+                  <a:schemeClr val="bg1"/>
+                </a:solidFill>
+              </a:rPr>
+              <a:t>最佳实践：不写死模</a:t>
+            </a:r>
+            <a:r>
+              <a:rPr lang="zh-CN" altLang="en-US" sz="2000" b="1" dirty="0" smtClean="0">
+                <a:solidFill>
+                  <a:schemeClr val="bg1"/>
+                </a:solidFill>
+              </a:rPr>
+              <a:t>块名</a:t>
+            </a:r>
+            <a:endParaRPr lang="en-US" altLang="zh-CN" sz="2000" b="1" dirty="0" smtClean="0">
+              <a:solidFill>
+                <a:schemeClr val="bg1"/>
+              </a:solidFill>
+            </a:endParaRPr>
+          </a:p>
+        </p:txBody>
+      </p:sp>
+      <p:cxnSp>
+        <p:nvCxnSpPr>
+          <p:cNvPr id="5" name="直接箭头连接符 4"/>
+          <p:cNvCxnSpPr/>
+          <p:nvPr/>
+        </p:nvCxnSpPr>
+        <p:spPr>
+          <a:xfrm flipV="1">
+            <a:off x="2627784" y="1844824"/>
+            <a:ext cx="2304256" cy="648072"/>
+          </a:xfrm>
+          <a:prstGeom prst="straightConnector1">
+            <a:avLst/>
+          </a:prstGeom>
+          <a:ln w="38100">
+            <a:solidFill>
+              <a:srgbClr val="C9394A"/>
+            </a:solidFill>
+            <a:tailEnd type="arrow"/>
+          </a:ln>
+        </p:spPr>
+        <p:style>
+          <a:lnRef idx="1">
+            <a:schemeClr val="accent1"/>
+          </a:lnRef>
+          <a:fillRef idx="0">
+            <a:schemeClr val="accent1"/>
+          </a:fillRef>
+          <a:effectRef idx="0">
+            <a:schemeClr val="accent1"/>
+          </a:effectRef>
+          <a:fontRef idx="minor">
+            <a:schemeClr val="tx1"/>
+          </a:fontRef>
+        </p:style>
+      </p:cxnSp>
+      <p:sp>
+        <p:nvSpPr>
+          <p:cNvPr id="7" name="圆角矩形 6"/>
+          <p:cNvSpPr/>
+          <p:nvPr/>
+        </p:nvSpPr>
+        <p:spPr>
+          <a:xfrm>
+            <a:off x="2915816" y="4797152"/>
+            <a:ext cx="2952328" cy="886296"/>
+          </a:xfrm>
+          <a:prstGeom prst="roundRect">
+            <a:avLst/>
+          </a:prstGeom>
+          <a:solidFill>
+            <a:srgbClr val="C9394A"/>
+          </a:solidFill>
+          <a:ln/>
+        </p:spPr>
+        <p:style>
+          <a:lnRef idx="3">
+            <a:schemeClr val="lt1"/>
+          </a:lnRef>
+          <a:fillRef idx="1">
+            <a:schemeClr val="accent4"/>
+          </a:fillRef>
+          <a:effectRef idx="1">
+            <a:schemeClr val="accent4"/>
+          </a:effectRef>
+          <a:fontRef idx="minor">
+            <a:schemeClr val="lt1"/>
+          </a:fontRef>
+        </p:style>
+        <p:txBody>
+          <a:bodyPr anchor="ctr"/>
+          <a:lstStyle/>
+          <a:p>
+            <a:pPr algn="ctr">
+              <a:buFont typeface="Arial" charset="0"/>
+              <a:buNone/>
+              <a:defRPr/>
+            </a:pPr>
+            <a:r>
+              <a:rPr lang="zh-CN" altLang="en-US" sz="2000" b="1" dirty="0" smtClean="0">
+                <a:solidFill>
+                  <a:schemeClr val="bg1"/>
+                </a:solidFill>
+              </a:rPr>
+              <a:t>依赖的模块可有可无</a:t>
+            </a:r>
+            <a:endParaRPr lang="en-US" altLang="zh-CN" sz="2000" b="1" dirty="0" smtClean="0">
+              <a:solidFill>
+                <a:schemeClr val="bg1"/>
+              </a:solidFill>
+            </a:endParaRPr>
+          </a:p>
+        </p:txBody>
+      </p:sp>
+      <p:cxnSp>
+        <p:nvCxnSpPr>
+          <p:cNvPr id="8" name="直接箭头连接符 7"/>
+          <p:cNvCxnSpPr>
+            <a:endCxn id="7" idx="0"/>
+          </p:cNvCxnSpPr>
+          <p:nvPr/>
+        </p:nvCxnSpPr>
+        <p:spPr>
+          <a:xfrm>
+            <a:off x="4355976" y="2780928"/>
+            <a:ext cx="36004" cy="2016224"/>
+          </a:xfrm>
+          <a:prstGeom prst="straightConnector1">
+            <a:avLst/>
+          </a:prstGeom>
+          <a:ln w="38100">
+            <a:solidFill>
+              <a:srgbClr val="C9394A"/>
+            </a:solidFill>
+            <a:tailEnd type="arrow"/>
+          </a:ln>
+        </p:spPr>
+        <p:style>
+          <a:lnRef idx="1">
+            <a:schemeClr val="accent1"/>
+          </a:lnRef>
+          <a:fillRef idx="0">
+            <a:schemeClr val="accent1"/>
+          </a:fillRef>
+          <a:effectRef idx="0">
+            <a:schemeClr val="accent1"/>
+          </a:effectRef>
+          <a:fontRef idx="minor">
+            <a:schemeClr val="tx1"/>
+          </a:fontRef>
+        </p:style>
+      </p:cxnSp>
+    </p:spTree>
+  </p:cSld>
+  <p:clrMapOvr>
+    <a:masterClrMapping/>
+  </p:clrMapOvr>
+  <p:timing>
+    <p:tnLst>
+      <p:par>
+        <p:cTn id="1" dur="indefinite" restart="never" nodeType="tmRoot">
+          <p:childTnLst>
+            <p:seq concurrent="1" nextAc="seek">
+              <p:cTn id="2" dur="indefinite" nodeType="mainSeq">
+                <p:childTnLst>
+                  <p:par>
+                    <p:cTn id="3" fill="hold">
+                      <p:stCondLst>
+                        <p:cond delay="indefinite"/>
+                      </p:stCondLst>
+                      <p:childTnLst>
+                        <p:par>
+                          <p:cTn id="4" fill="hold">
+                            <p:stCondLst>
+                              <p:cond delay="0"/>
+                            </p:stCondLst>
+                            <p:childTnLst>
+                              <p:par>
+                                <p:cTn id="5" presetID="2" presetClass="entr" presetSubtype="4" fill="hold" grpId="0" nodeType="clickEffect">
+                                  <p:stCondLst>
+                                    <p:cond delay="0"/>
+                                  </p:stCondLst>
+                                  <p:childTnLst>
+                                    <p:set>
+                                      <p:cBhvr>
+                                        <p:cTn id="6" dur="1" fill="hold">
+                                          <p:stCondLst>
+                                            <p:cond delay="0"/>
+                                          </p:stCondLst>
+                                        </p:cTn>
+                                        <p:tgtEl>
+                                          <p:spTgt spid="2">
+                                            <p:txEl>
+                                              <p:pRg st="0" end="0"/>
+                                            </p:txEl>
+                                          </p:spTgt>
+                                        </p:tgtEl>
+                                        <p:attrNameLst>
+                                          <p:attrName>style.visibility</p:attrName>
+                                        </p:attrNameLst>
+                                      </p:cBhvr>
+                                      <p:to>
+                                        <p:strVal val="visible"/>
+                                      </p:to>
+                                    </p:set>
+                                    <p:anim calcmode="lin" valueType="num">
+                                      <p:cBhvr additive="base">
+                                        <p:cTn id="7" dur="500" fill="hold"/>
+                                        <p:tgtEl>
+                                          <p:spTgt spid="2">
+                                            <p:txEl>
+                                              <p:pRg st="0" end="0"/>
+                                            </p:txEl>
+                                          </p:spTgt>
+                                        </p:tgtEl>
+                                        <p:attrNameLst>
+                                          <p:attrName>ppt_x</p:attrName>
+                                        </p:attrNameLst>
+                                      </p:cBhvr>
+                                      <p:tavLst>
+                                        <p:tav tm="0">
+                                          <p:val>
+                                            <p:strVal val="#ppt_x"/>
+                                          </p:val>
+                                        </p:tav>
+                                        <p:tav tm="100000">
+                                          <p:val>
+                                            <p:strVal val="#ppt_x"/>
+                                          </p:val>
+                                        </p:tav>
+                                      </p:tavLst>
+                                    </p:anim>
+                                    <p:anim calcmode="lin" valueType="num">
+                                      <p:cBhvr additive="base">
+                                        <p:cTn id="8" dur="500" fill="hold"/>
+                                        <p:tgtEl>
+                                          <p:spTgt spid="2">
+                                            <p:txEl>
+                                              <p:pRg st="0" end="0"/>
+                                            </p:txEl>
+                                          </p:spTgt>
+                                        </p:tgtEl>
+                                        <p:attrNameLst>
+                                          <p:attrName>ppt_y</p:attrName>
+                                        </p:attrNameLst>
+                                      </p:cBhvr>
+                                      <p:tavLst>
+                                        <p:tav tm="0">
+                                          <p:val>
+                                            <p:strVal val="1+#ppt_h/2"/>
+                                          </p:val>
+                                        </p:tav>
+                                        <p:tav tm="100000">
+                                          <p:val>
+                                            <p:strVal val="#ppt_y"/>
+                                          </p:val>
+                                        </p:tav>
+                                      </p:tavLst>
+                                    </p:anim>
+                                  </p:childTnLst>
+                                </p:cTn>
+                              </p:par>
+                            </p:childTnLst>
+                          </p:cTn>
+                        </p:par>
+                      </p:childTnLst>
+                    </p:cTn>
+                  </p:par>
+                  <p:par>
+                    <p:cTn id="9" fill="hold">
+                      <p:stCondLst>
+                        <p:cond delay="indefinite"/>
+                      </p:stCondLst>
+                      <p:childTnLst>
+                        <p:par>
+                          <p:cTn id="10" fill="hold">
+                            <p:stCondLst>
+                              <p:cond delay="0"/>
+                            </p:stCondLst>
+                            <p:childTnLst>
+                              <p:par>
+                                <p:cTn id="11" presetID="26" presetClass="entr" presetSubtype="0" fill="hold" nodeType="clickEffect">
+                                  <p:stCondLst>
+                                    <p:cond delay="0"/>
+                                  </p:stCondLst>
+                                  <p:childTnLst>
+                                    <p:set>
+                                      <p:cBhvr>
+                                        <p:cTn id="12" dur="1" fill="hold">
+                                          <p:stCondLst>
+                                            <p:cond delay="0"/>
+                                          </p:stCondLst>
+                                        </p:cTn>
+                                        <p:tgtEl>
+                                          <p:spTgt spid="3"/>
+                                        </p:tgtEl>
+                                        <p:attrNameLst>
+                                          <p:attrName>style.visibility</p:attrName>
+                                        </p:attrNameLst>
+                                      </p:cBhvr>
+                                      <p:to>
+                                        <p:strVal val="visible"/>
+                                      </p:to>
+                                    </p:set>
+                                    <p:animEffect transition="in" filter="wipe(down)">
+                                      <p:cBhvr>
+                                        <p:cTn id="13" dur="145">
+                                          <p:stCondLst>
+                                            <p:cond delay="0"/>
+                                          </p:stCondLst>
+                                        </p:cTn>
+                                        <p:tgtEl>
+                                          <p:spTgt spid="3"/>
+                                        </p:tgtEl>
+                                      </p:cBhvr>
+                                    </p:animEffect>
+                                    <p:anim calcmode="lin" valueType="num">
+                                      <p:cBhvr>
+                                        <p:cTn id="14" dur="456" tmFilter="0,0; 0.14,0.36; 0.43,0.73; 0.71,0.91; 1.0,1.0">
+                                          <p:stCondLst>
+                                            <p:cond delay="0"/>
+                                          </p:stCondLst>
+                                        </p:cTn>
+                                        <p:tgtEl>
+                                          <p:spTgt spid="3"/>
+                                        </p:tgtEl>
+                                        <p:attrNameLst>
+                                          <p:attrName>ppt_x</p:attrName>
+                                        </p:attrNameLst>
+                                      </p:cBhvr>
+                                      <p:tavLst>
+                                        <p:tav tm="0">
+                                          <p:val>
+                                            <p:strVal val="#ppt_x-0.25"/>
+                                          </p:val>
+                                        </p:tav>
+                                        <p:tav tm="100000">
+                                          <p:val>
+                                            <p:strVal val="#ppt_x"/>
+                                          </p:val>
+                                        </p:tav>
+                                      </p:tavLst>
+                                    </p:anim>
+                                    <p:anim calcmode="lin" valueType="num">
+                                      <p:cBhvr>
+                                        <p:cTn id="15" dur="166" tmFilter="0.0,0.0; 0.25,0.07; 0.50,0.2; 0.75,0.467; 1.0,1.0">
+                                          <p:stCondLst>
+                                            <p:cond delay="0"/>
+                                          </p:stCondLst>
+                                        </p:cTn>
+                                        <p:tgtEl>
+                                          <p:spTgt spid="3"/>
+                                        </p:tgtEl>
+                                        <p:attrNameLst>
+                                          <p:attrName>ppt_y</p:attrName>
+                                        </p:attrNameLst>
+                                      </p:cBhvr>
+                                      <p:tavLst>
+                                        <p:tav tm="0" fmla="#ppt_y-sin(pi*$)/3">
+                                          <p:val>
+                                            <p:fltVal val="0.5"/>
+                                          </p:val>
+                                        </p:tav>
+                                        <p:tav tm="100000">
+                                          <p:val>
+                                            <p:fltVal val="1"/>
+                                          </p:val>
+                                        </p:tav>
+                                      </p:tavLst>
+                                    </p:anim>
+                                    <p:anim calcmode="lin" valueType="num">
+                                      <p:cBhvr>
+                                        <p:cTn id="16" dur="166" tmFilter="0, 0; 0.125,0.2665; 0.25,0.4; 0.375,0.465; 0.5,0.5;  0.625,0.535; 0.75,0.6; 0.875,0.7335; 1,1">
+                                          <p:stCondLst>
+                                            <p:cond delay="166"/>
+                                          </p:stCondLst>
+                                        </p:cTn>
+                                        <p:tgtEl>
+                                          <p:spTgt spid="3"/>
+                                        </p:tgtEl>
+                                        <p:attrNameLst>
+                                          <p:attrName>ppt_y</p:attrName>
+                                        </p:attrNameLst>
+                                      </p:cBhvr>
+                                      <p:tavLst>
+                                        <p:tav tm="0" fmla="#ppt_y-sin(pi*$)/9">
+                                          <p:val>
+                                            <p:fltVal val="0"/>
+                                          </p:val>
+                                        </p:tav>
+                                        <p:tav tm="100000">
+                                          <p:val>
+                                            <p:fltVal val="1"/>
+                                          </p:val>
+                                        </p:tav>
+                                      </p:tavLst>
+                                    </p:anim>
+                                    <p:anim calcmode="lin" valueType="num">
+                                      <p:cBhvr>
+                                        <p:cTn id="17" dur="83" tmFilter="0, 0; 0.125,0.2665; 0.25,0.4; 0.375,0.465; 0.5,0.5;  0.625,0.535; 0.75,0.6; 0.875,0.7335; 1,1">
+                                          <p:stCondLst>
+                                            <p:cond delay="331"/>
+                                          </p:stCondLst>
+                                        </p:cTn>
+                                        <p:tgtEl>
+                                          <p:spTgt spid="3"/>
+                                        </p:tgtEl>
+                                        <p:attrNameLst>
+                                          <p:attrName>ppt_y</p:attrName>
+                                        </p:attrNameLst>
+                                      </p:cBhvr>
+                                      <p:tavLst>
+                                        <p:tav tm="0" fmla="#ppt_y-sin(pi*$)/27">
+                                          <p:val>
+                                            <p:fltVal val="0"/>
+                                          </p:val>
+                                        </p:tav>
+                                        <p:tav tm="100000">
+                                          <p:val>
+                                            <p:fltVal val="1"/>
+                                          </p:val>
+                                        </p:tav>
+                                      </p:tavLst>
+                                    </p:anim>
+                                    <p:anim calcmode="lin" valueType="num">
+                                      <p:cBhvr>
+                                        <p:cTn id="18" dur="41" tmFilter="0, 0; 0.125,0.2665; 0.25,0.4; 0.375,0.465; 0.5,0.5;  0.625,0.535; 0.75,0.6; 0.875,0.7335; 1,1">
+                                          <p:stCondLst>
+                                            <p:cond delay="414"/>
+                                          </p:stCondLst>
+                                        </p:cTn>
+                                        <p:tgtEl>
+                                          <p:spTgt spid="3"/>
+                                        </p:tgtEl>
+                                        <p:attrNameLst>
+                                          <p:attrName>ppt_y</p:attrName>
+                                        </p:attrNameLst>
+                                      </p:cBhvr>
+                                      <p:tavLst>
+                                        <p:tav tm="0" fmla="#ppt_y-sin(pi*$)/81">
+                                          <p:val>
+                                            <p:fltVal val="0"/>
+                                          </p:val>
+                                        </p:tav>
+                                        <p:tav tm="100000">
+                                          <p:val>
+                                            <p:fltVal val="1"/>
+                                          </p:val>
+                                        </p:tav>
+                                      </p:tavLst>
+                                    </p:anim>
+                                    <p:animScale>
+                                      <p:cBhvr>
+                                        <p:cTn id="19" dur="7">
+                                          <p:stCondLst>
+                                            <p:cond delay="163"/>
+                                          </p:stCondLst>
+                                        </p:cTn>
+                                        <p:tgtEl>
+                                          <p:spTgt spid="3"/>
+                                        </p:tgtEl>
+                                      </p:cBhvr>
+                                      <p:to x="100000" y="60000"/>
+                                    </p:animScale>
+                                    <p:animScale>
+                                      <p:cBhvr>
+                                        <p:cTn id="20" dur="42" decel="50000">
+                                          <p:stCondLst>
+                                            <p:cond delay="169"/>
+                                          </p:stCondLst>
+                                        </p:cTn>
+                                        <p:tgtEl>
+                                          <p:spTgt spid="3"/>
+                                        </p:tgtEl>
+                                      </p:cBhvr>
+                                      <p:to x="100000" y="100000"/>
+                                    </p:animScale>
+                                    <p:animScale>
+                                      <p:cBhvr>
+                                        <p:cTn id="21" dur="7">
+                                          <p:stCondLst>
+                                            <p:cond delay="328"/>
+                                          </p:stCondLst>
+                                        </p:cTn>
+                                        <p:tgtEl>
+                                          <p:spTgt spid="3"/>
+                                        </p:tgtEl>
+                                      </p:cBhvr>
+                                      <p:to x="100000" y="80000"/>
+                                    </p:animScale>
+                                    <p:animScale>
+                                      <p:cBhvr>
+                                        <p:cTn id="22" dur="42" decel="50000">
+                                          <p:stCondLst>
+                                            <p:cond delay="335"/>
+                                          </p:stCondLst>
+                                        </p:cTn>
+                                        <p:tgtEl>
+                                          <p:spTgt spid="3"/>
+                                        </p:tgtEl>
+                                      </p:cBhvr>
+                                      <p:to x="100000" y="100000"/>
+                                    </p:animScale>
+                                    <p:animScale>
+                                      <p:cBhvr>
+                                        <p:cTn id="23" dur="7">
+                                          <p:stCondLst>
+                                            <p:cond delay="411"/>
+                                          </p:stCondLst>
+                                        </p:cTn>
+                                        <p:tgtEl>
+                                          <p:spTgt spid="3"/>
+                                        </p:tgtEl>
+                                      </p:cBhvr>
+                                      <p:to x="100000" y="90000"/>
+                                    </p:animScale>
+                                    <p:animScale>
+                                      <p:cBhvr>
+                                        <p:cTn id="24" dur="42" decel="50000">
+                                          <p:stCondLst>
+                                            <p:cond delay="417"/>
+                                          </p:stCondLst>
+                                        </p:cTn>
+                                        <p:tgtEl>
+                                          <p:spTgt spid="3"/>
+                                        </p:tgtEl>
+                                      </p:cBhvr>
+                                      <p:to x="100000" y="100000"/>
+                                    </p:animScale>
+                                    <p:animScale>
+                                      <p:cBhvr>
+                                        <p:cTn id="25" dur="7">
+                                          <p:stCondLst>
+                                            <p:cond delay="452"/>
+                                          </p:stCondLst>
+                                        </p:cTn>
+                                        <p:tgtEl>
+                                          <p:spTgt spid="3"/>
+                                        </p:tgtEl>
+                                      </p:cBhvr>
+                                      <p:to x="100000" y="95000"/>
+                                    </p:animScale>
+                                    <p:animScale>
+                                      <p:cBhvr>
+                                        <p:cTn id="26" dur="42" decel="50000">
+                                          <p:stCondLst>
+                                            <p:cond delay="459"/>
+                                          </p:stCondLst>
+                                        </p:cTn>
+                                        <p:tgtEl>
+                                          <p:spTgt spid="3"/>
+                                        </p:tgtEl>
+                                      </p:cBhvr>
+                                      <p:to x="100000" y="100000"/>
+                                    </p:animScale>
+                                  </p:childTnLst>
+                                </p:cTn>
+                              </p:par>
+                            </p:childTnLst>
+                          </p:cTn>
+                        </p:par>
+                      </p:childTnLst>
+                    </p:cTn>
+                  </p:par>
+                  <p:par>
+                    <p:cTn id="27" fill="hold">
+                      <p:stCondLst>
+                        <p:cond delay="indefinite"/>
+                      </p:stCondLst>
+                      <p:childTnLst>
+                        <p:par>
+                          <p:cTn id="28" fill="hold">
+                            <p:stCondLst>
+                              <p:cond delay="0"/>
+                            </p:stCondLst>
+                            <p:childTnLst>
+                              <p:par>
+                                <p:cTn id="29" presetID="2" presetClass="entr" presetSubtype="4" fill="hold" grpId="0" nodeType="clickEffect">
+                                  <p:stCondLst>
+                                    <p:cond delay="0"/>
+                                  </p:stCondLst>
+                                  <p:childTnLst>
+                                    <p:set>
+                                      <p:cBhvr>
+                                        <p:cTn id="30" dur="1" fill="hold">
+                                          <p:stCondLst>
+                                            <p:cond delay="0"/>
+                                          </p:stCondLst>
+                                        </p:cTn>
+                                        <p:tgtEl>
+                                          <p:spTgt spid="4"/>
+                                        </p:tgtEl>
+                                        <p:attrNameLst>
+                                          <p:attrName>style.visibility</p:attrName>
+                                        </p:attrNameLst>
+                                      </p:cBhvr>
+                                      <p:to>
+                                        <p:strVal val="visible"/>
+                                      </p:to>
+                                    </p:set>
+                                    <p:anim calcmode="lin" valueType="num">
+                                      <p:cBhvr additive="base">
+                                        <p:cTn id="31" dur="300" fill="hold"/>
+                                        <p:tgtEl>
+                                          <p:spTgt spid="4"/>
+                                        </p:tgtEl>
+                                        <p:attrNameLst>
+                                          <p:attrName>ppt_x</p:attrName>
+                                        </p:attrNameLst>
+                                      </p:cBhvr>
+                                      <p:tavLst>
+                                        <p:tav tm="0">
+                                          <p:val>
+                                            <p:strVal val="#ppt_x"/>
+                                          </p:val>
+                                        </p:tav>
+                                        <p:tav tm="100000">
+                                          <p:val>
+                                            <p:strVal val="#ppt_x"/>
+                                          </p:val>
+                                        </p:tav>
+                                      </p:tavLst>
+                                    </p:anim>
+                                    <p:anim calcmode="lin" valueType="num">
+                                      <p:cBhvr additive="base">
+                                        <p:cTn id="32" dur="300" fill="hold"/>
+                                        <p:tgtEl>
+                                          <p:spTgt spid="4"/>
+                                        </p:tgtEl>
+                                        <p:attrNameLst>
+                                          <p:attrName>ppt_y</p:attrName>
+                                        </p:attrNameLst>
+                                      </p:cBhvr>
+                                      <p:tavLst>
+                                        <p:tav tm="0">
+                                          <p:val>
+                                            <p:strVal val="1+#ppt_h/2"/>
+                                          </p:val>
+                                        </p:tav>
+                                        <p:tav tm="100000">
+                                          <p:val>
+                                            <p:strVal val="#ppt_y"/>
+                                          </p:val>
+                                        </p:tav>
+                                      </p:tavLst>
+                                    </p:anim>
+                                  </p:childTnLst>
+                                </p:cTn>
+                              </p:par>
+                              <p:par>
+                                <p:cTn id="33" presetID="2" presetClass="entr" presetSubtype="4" fill="hold" nodeType="withEffect">
+                                  <p:stCondLst>
+                                    <p:cond delay="0"/>
+                                  </p:stCondLst>
+                                  <p:childTnLst>
+                                    <p:set>
+                                      <p:cBhvr>
+                                        <p:cTn id="34" dur="1" fill="hold">
+                                          <p:stCondLst>
+                                            <p:cond delay="0"/>
+                                          </p:stCondLst>
+                                        </p:cTn>
+                                        <p:tgtEl>
+                                          <p:spTgt spid="5"/>
+                                        </p:tgtEl>
+                                        <p:attrNameLst>
+                                          <p:attrName>style.visibility</p:attrName>
+                                        </p:attrNameLst>
+                                      </p:cBhvr>
+                                      <p:to>
+                                        <p:strVal val="visible"/>
+                                      </p:to>
+                                    </p:set>
+                                    <p:anim calcmode="lin" valueType="num">
+                                      <p:cBhvr additive="base">
+                                        <p:cTn id="35" dur="300" fill="hold"/>
+                                        <p:tgtEl>
+                                          <p:spTgt spid="5"/>
+                                        </p:tgtEl>
+                                        <p:attrNameLst>
+                                          <p:attrName>ppt_x</p:attrName>
+                                        </p:attrNameLst>
+                                      </p:cBhvr>
+                                      <p:tavLst>
+                                        <p:tav tm="0">
+                                          <p:val>
+                                            <p:strVal val="#ppt_x"/>
+                                          </p:val>
+                                        </p:tav>
+                                        <p:tav tm="100000">
+                                          <p:val>
+                                            <p:strVal val="#ppt_x"/>
+                                          </p:val>
+                                        </p:tav>
+                                      </p:tavLst>
+                                    </p:anim>
+                                    <p:anim calcmode="lin" valueType="num">
+                                      <p:cBhvr additive="base">
+                                        <p:cTn id="36" dur="300" fill="hold"/>
+                                        <p:tgtEl>
+                                          <p:spTgt spid="5"/>
+                                        </p:tgtEl>
+                                        <p:attrNameLst>
+                                          <p:attrName>ppt_y</p:attrName>
+                                        </p:attrNameLst>
+                                      </p:cBhvr>
+                                      <p:tavLst>
+                                        <p:tav tm="0">
+                                          <p:val>
+                                            <p:strVal val="1+#ppt_h/2"/>
+                                          </p:val>
+                                        </p:tav>
+                                        <p:tav tm="100000">
+                                          <p:val>
+                                            <p:strVal val="#ppt_y"/>
+                                          </p:val>
+                                        </p:tav>
+                                      </p:tavLst>
+                                    </p:anim>
+                                  </p:childTnLst>
+                                </p:cTn>
+                              </p:par>
+                            </p:childTnLst>
+                          </p:cTn>
+                        </p:par>
+                      </p:childTnLst>
+                    </p:cTn>
+                  </p:par>
+                  <p:par>
+                    <p:cTn id="37" fill="hold">
+                      <p:stCondLst>
+                        <p:cond delay="indefinite"/>
+                      </p:stCondLst>
+                      <p:childTnLst>
+                        <p:par>
+                          <p:cTn id="38" fill="hold">
+                            <p:stCondLst>
+                              <p:cond delay="0"/>
+                            </p:stCondLst>
+                            <p:childTnLst>
+                              <p:par>
+                                <p:cTn id="39" presetID="2" presetClass="entr" presetSubtype="4" fill="hold" grpId="0" nodeType="clickEffect">
+                                  <p:stCondLst>
+                                    <p:cond delay="0"/>
+                                  </p:stCondLst>
+                                  <p:childTnLst>
+                                    <p:set>
+                                      <p:cBhvr>
+                                        <p:cTn id="40" dur="1" fill="hold">
+                                          <p:stCondLst>
+                                            <p:cond delay="0"/>
+                                          </p:stCondLst>
+                                        </p:cTn>
+                                        <p:tgtEl>
+                                          <p:spTgt spid="7"/>
+                                        </p:tgtEl>
+                                        <p:attrNameLst>
+                                          <p:attrName>style.visibility</p:attrName>
+                                        </p:attrNameLst>
+                                      </p:cBhvr>
+                                      <p:to>
+                                        <p:strVal val="visible"/>
+                                      </p:to>
+                                    </p:set>
+                                    <p:anim calcmode="lin" valueType="num">
+                                      <p:cBhvr additive="base">
+                                        <p:cTn id="41" dur="300" fill="hold"/>
+                                        <p:tgtEl>
+                                          <p:spTgt spid="7"/>
+                                        </p:tgtEl>
+                                        <p:attrNameLst>
+                                          <p:attrName>ppt_x</p:attrName>
+                                        </p:attrNameLst>
+                                      </p:cBhvr>
+                                      <p:tavLst>
+                                        <p:tav tm="0">
+                                          <p:val>
+                                            <p:strVal val="#ppt_x"/>
+                                          </p:val>
+                                        </p:tav>
+                                        <p:tav tm="100000">
+                                          <p:val>
+                                            <p:strVal val="#ppt_x"/>
+                                          </p:val>
+                                        </p:tav>
+                                      </p:tavLst>
+                                    </p:anim>
+                                    <p:anim calcmode="lin" valueType="num">
+                                      <p:cBhvr additive="base">
+                                        <p:cTn id="42" dur="300" fill="hold"/>
+                                        <p:tgtEl>
+                                          <p:spTgt spid="7"/>
+                                        </p:tgtEl>
+                                        <p:attrNameLst>
+                                          <p:attrName>ppt_y</p:attrName>
+                                        </p:attrNameLst>
+                                      </p:cBhvr>
+                                      <p:tavLst>
+                                        <p:tav tm="0">
+                                          <p:val>
+                                            <p:strVal val="1+#ppt_h/2"/>
+                                          </p:val>
+                                        </p:tav>
+                                        <p:tav tm="100000">
+                                          <p:val>
+                                            <p:strVal val="#ppt_y"/>
+                                          </p:val>
+                                        </p:tav>
+                                      </p:tavLst>
+                                    </p:anim>
+                                  </p:childTnLst>
+                                </p:cTn>
+                              </p:par>
+                              <p:par>
+                                <p:cTn id="43" presetID="2" presetClass="entr" presetSubtype="4" fill="hold" nodeType="withEffect">
+                                  <p:stCondLst>
+                                    <p:cond delay="0"/>
+                                  </p:stCondLst>
+                                  <p:childTnLst>
+                                    <p:set>
+                                      <p:cBhvr>
+                                        <p:cTn id="44" dur="1" fill="hold">
+                                          <p:stCondLst>
+                                            <p:cond delay="0"/>
+                                          </p:stCondLst>
+                                        </p:cTn>
+                                        <p:tgtEl>
+                                          <p:spTgt spid="8"/>
+                                        </p:tgtEl>
+                                        <p:attrNameLst>
+                                          <p:attrName>style.visibility</p:attrName>
+                                        </p:attrNameLst>
+                                      </p:cBhvr>
+                                      <p:to>
+                                        <p:strVal val="visible"/>
+                                      </p:to>
+                                    </p:set>
+                                    <p:anim calcmode="lin" valueType="num">
+                                      <p:cBhvr additive="base">
+                                        <p:cTn id="45" dur="300" fill="hold"/>
+                                        <p:tgtEl>
+                                          <p:spTgt spid="8"/>
+                                        </p:tgtEl>
+                                        <p:attrNameLst>
+                                          <p:attrName>ppt_x</p:attrName>
+                                        </p:attrNameLst>
+                                      </p:cBhvr>
+                                      <p:tavLst>
+                                        <p:tav tm="0">
+                                          <p:val>
+                                            <p:strVal val="#ppt_x"/>
+                                          </p:val>
+                                        </p:tav>
+                                        <p:tav tm="100000">
+                                          <p:val>
+                                            <p:strVal val="#ppt_x"/>
+                                          </p:val>
+                                        </p:tav>
+                                      </p:tavLst>
+                                    </p:anim>
+                                    <p:anim calcmode="lin" valueType="num">
+                                      <p:cBhvr additive="base">
+                                        <p:cTn id="46" dur="300" fill="hold"/>
+                                        <p:tgtEl>
+                                          <p:spTgt spid="8"/>
+                                        </p:tgtEl>
+                                        <p:attrNameLst>
+                                          <p:attrName>ppt_y</p:attrName>
+                                        </p:attrNameLst>
+                                      </p:cBhvr>
+                                      <p:tavLst>
+                                        <p:tav tm="0">
+                                          <p:val>
+                                            <p:strVal val="1+#ppt_h/2"/>
+                                          </p:val>
+                                        </p:tav>
+                                        <p:tav tm="100000">
+                                          <p:val>
+                                            <p:strVal val="#ppt_y"/>
+                                          </p:val>
+                                        </p:tav>
+                                      </p:tavLst>
+                                    </p:anim>
+                                  </p:childTnLst>
+                                </p:cTn>
+                              </p:par>
+                            </p:childTnLst>
+                          </p:cTn>
+                        </p:par>
+                      </p:childTnLst>
+                    </p:cTn>
+                  </p:par>
+                </p:childTnLst>
+              </p:cTn>
+              <p:prevCondLst>
+                <p:cond evt="onPrev" delay="0">
+                  <p:tgtEl>
+                    <p:sldTgt/>
+                  </p:tgtEl>
+                </p:cond>
+              </p:prevCondLst>
+              <p:nextCondLst>
+                <p:cond evt="onNext" delay="0">
+                  <p:tgtEl>
+                    <p:sldTgt/>
+                  </p:tgtEl>
+                </p:cond>
+              </p:nextCondLst>
+            </p:seq>
+          </p:childTnLst>
+        </p:cTn>
+      </p:par>
+    </p:tnLst>
+    <p:bldLst>
+      <p:bldP spid="2" grpId="0" build="p"/>
+      <p:bldP spid="4" grpId="0" animBg="1"/>
+      <p:bldP spid="7" grpId="0" animBg="1"/>
+    </p:bldLst>
+  </p:timing>
+</p:sld>
+</file>
+
+<file path=ppt/slides/slide26.xml><?xml version="1.0" encoding="utf-8"?>
+<p:sld xmlns:a="http://schemas.openxmlformats.org/drawingml/2006/main" xmlns:r="http://schemas.openxmlformats.org/officeDocument/2006/relationships" xmlns:p="http://schemas.openxmlformats.org/presentationml/2006/main">
+  <p:cSld>
+    <p:spTree>
+      <p:nvGrpSpPr>
+        <p:cNvPr id="1" name=""/>
+        <p:cNvGrpSpPr/>
+        <p:nvPr/>
+      </p:nvGrpSpPr>
+      <p:grpSpPr>
+        <a:xfrm>
+          <a:off x="0" y="0"/>
+          <a:ext cx="0" cy="0"/>
+          <a:chOff x="0" y="0"/>
+          <a:chExt cx="0" cy="0"/>
+        </a:xfrm>
+      </p:grpSpPr>
+      <p:sp>
+        <p:nvSpPr>
+          <p:cNvPr id="2" name="内容占位符 2"/>
+          <p:cNvSpPr txBox="1">
+            <a:spLocks/>
+          </p:cNvSpPr>
+          <p:nvPr/>
+        </p:nvSpPr>
+        <p:spPr>
+          <a:xfrm>
+            <a:off x="457200" y="1200150"/>
+            <a:ext cx="8229600" cy="508000"/>
+          </a:xfrm>
+          <a:prstGeom prst="rect">
+            <a:avLst/>
+          </a:prstGeom>
+        </p:spPr>
+        <p:txBody>
+          <a:bodyPr/>
+          <a:lstStyle/>
+          <a:p>
+            <a:pPr marL="0" marR="0" lvl="0" indent="0" algn="l" defTabSz="914400" rtl="0" eaLnBrk="1" fontAlgn="auto" latinLnBrk="0" hangingPunct="1">
+              <a:lnSpc>
+                <a:spcPct val="100000"/>
+              </a:lnSpc>
+              <a:spcBef>
+                <a:spcPct val="20000"/>
+              </a:spcBef>
+              <a:spcAft>
+                <a:spcPts val="0"/>
+              </a:spcAft>
+              <a:buClrTx/>
+              <a:buSzTx/>
+              <a:buFont typeface="Arial" panose="020B0604020202020204" pitchFamily="34" charset="0"/>
+              <a:buNone/>
+              <a:tabLst/>
+              <a:defRPr/>
+            </a:pPr>
+            <a:r>
+              <a:rPr kumimoji="0" lang="zh-CN" altLang="en-US" sz="3200" b="0" i="0" u="none" strike="noStrike" kern="1200" cap="none" spc="0" normalizeH="0" baseline="0" noProof="0" dirty="0" smtClean="0">
+                <a:ln>
+                  <a:noFill/>
+                </a:ln>
+                <a:solidFill>
+                  <a:schemeClr val="tx1"/>
+                </a:solidFill>
+                <a:effectLst/>
+                <a:uLnTx/>
+                <a:uFillTx/>
+                <a:latin typeface="+mn-lt"/>
+                <a:ea typeface="+mn-ea"/>
+                <a:cs typeface="+mn-cs"/>
+              </a:rPr>
+              <a:t>定义简单的对象</a:t>
+            </a:r>
+            <a:endParaRPr kumimoji="0" lang="en-US" altLang="zh-CN" sz="3200" b="0" i="0" u="none" strike="noStrike" kern="1200" cap="none" spc="0" normalizeH="0" baseline="0" noProof="0" dirty="0" smtClean="0">
+              <a:ln>
+                <a:noFill/>
+              </a:ln>
+              <a:solidFill>
+                <a:schemeClr val="tx1"/>
+              </a:solidFill>
+              <a:effectLst/>
+              <a:uLnTx/>
+              <a:uFillTx/>
+              <a:latin typeface="+mn-lt"/>
+              <a:ea typeface="+mn-ea"/>
+              <a:cs typeface="+mn-cs"/>
+            </a:endParaRPr>
+          </a:p>
+        </p:txBody>
+      </p:sp>
+      <p:pic>
+        <p:nvPicPr>
+          <p:cNvPr id="1026" name="Picture 2"/>
+          <p:cNvPicPr>
+            <a:picLocks noChangeAspect="1" noChangeArrowheads="1"/>
+          </p:cNvPicPr>
+          <p:nvPr/>
+        </p:nvPicPr>
+        <p:blipFill>
+          <a:blip r:embed="rId2" cstate="print"/>
+          <a:srcRect/>
+          <a:stretch>
+            <a:fillRect/>
+          </a:stretch>
+        </p:blipFill>
+        <p:spPr bwMode="auto">
+          <a:xfrm>
+            <a:off x="1043608" y="2348880"/>
+            <a:ext cx="5181600" cy="1885950"/>
+          </a:xfrm>
+          <a:prstGeom prst="rect">
+            <a:avLst/>
+          </a:prstGeom>
+          <a:noFill/>
+          <a:ln w="9525">
+            <a:noFill/>
+            <a:miter lim="800000"/>
+            <a:headEnd/>
+            <a:tailEnd/>
+          </a:ln>
+        </p:spPr>
+      </p:pic>
+    </p:spTree>
+  </p:cSld>
+  <p:clrMapOvr>
+    <a:masterClrMapping/>
+  </p:clrMapOvr>
+  <p:timing>
+    <p:tnLst>
+      <p:par>
+        <p:cTn id="1" dur="indefinite" restart="never" nodeType="tmRoot">
+          <p:childTnLst>
+            <p:seq concurrent="1" nextAc="seek">
+              <p:cTn id="2" dur="indefinite" nodeType="mainSeq">
+                <p:childTnLst>
+                  <p:par>
+                    <p:cTn id="3" fill="hold">
+                      <p:stCondLst>
+                        <p:cond delay="indefinite"/>
+                      </p:stCondLst>
+                      <p:childTnLst>
+                        <p:par>
+                          <p:cTn id="4" fill="hold">
+                            <p:stCondLst>
+                              <p:cond delay="0"/>
+                            </p:stCondLst>
+                            <p:childTnLst>
+                              <p:par>
+                                <p:cTn id="5" presetID="2" presetClass="entr" presetSubtype="4" fill="hold" grpId="0" nodeType="clickEffect">
+                                  <p:stCondLst>
+                                    <p:cond delay="0"/>
+                                  </p:stCondLst>
+                                  <p:childTnLst>
+                                    <p:set>
+                                      <p:cBhvr>
+                                        <p:cTn id="6" dur="1" fill="hold">
+                                          <p:stCondLst>
+                                            <p:cond delay="0"/>
+                                          </p:stCondLst>
+                                        </p:cTn>
+                                        <p:tgtEl>
+                                          <p:spTgt spid="2">
+                                            <p:txEl>
+                                              <p:pRg st="0" end="0"/>
+                                            </p:txEl>
+                                          </p:spTgt>
+                                        </p:tgtEl>
+                                        <p:attrNameLst>
+                                          <p:attrName>style.visibility</p:attrName>
+                                        </p:attrNameLst>
+                                      </p:cBhvr>
+                                      <p:to>
+                                        <p:strVal val="visible"/>
+                                      </p:to>
+                                    </p:set>
+                                    <p:anim calcmode="lin" valueType="num">
+                                      <p:cBhvr additive="base">
+                                        <p:cTn id="7" dur="300" fill="hold"/>
+                                        <p:tgtEl>
+                                          <p:spTgt spid="2">
+                                            <p:txEl>
+                                              <p:pRg st="0" end="0"/>
+                                            </p:txEl>
+                                          </p:spTgt>
+                                        </p:tgtEl>
+                                        <p:attrNameLst>
+                                          <p:attrName>ppt_x</p:attrName>
+                                        </p:attrNameLst>
+                                      </p:cBhvr>
+                                      <p:tavLst>
+                                        <p:tav tm="0">
+                                          <p:val>
+                                            <p:strVal val="#ppt_x"/>
+                                          </p:val>
+                                        </p:tav>
+                                        <p:tav tm="100000">
+                                          <p:val>
+                                            <p:strVal val="#ppt_x"/>
+                                          </p:val>
+                                        </p:tav>
+                                      </p:tavLst>
+                                    </p:anim>
+                                    <p:anim calcmode="lin" valueType="num">
+                                      <p:cBhvr additive="base">
+                                        <p:cTn id="8" dur="300" fill="hold"/>
+                                        <p:tgtEl>
+                                          <p:spTgt spid="2">
+                                            <p:txEl>
+                                              <p:pRg st="0" end="0"/>
+                                            </p:txEl>
+                                          </p:spTgt>
+                                        </p:tgtEl>
+                                        <p:attrNameLst>
+                                          <p:attrName>ppt_y</p:attrName>
+                                        </p:attrNameLst>
+                                      </p:cBhvr>
+                                      <p:tavLst>
+                                        <p:tav tm="0">
+                                          <p:val>
+                                            <p:strVal val="1+#ppt_h/2"/>
+                                          </p:val>
+                                        </p:tav>
+                                        <p:tav tm="100000">
+                                          <p:val>
+                                            <p:strVal val="#ppt_y"/>
+                                          </p:val>
+                                        </p:tav>
+                                      </p:tavLst>
+                                    </p:anim>
+                                  </p:childTnLst>
+                                </p:cTn>
+                              </p:par>
+                            </p:childTnLst>
+                          </p:cTn>
+                        </p:par>
+                      </p:childTnLst>
+                    </p:cTn>
+                  </p:par>
+                  <p:par>
+                    <p:cTn id="9" fill="hold">
+                      <p:stCondLst>
+                        <p:cond delay="indefinite"/>
+                      </p:stCondLst>
+                      <p:childTnLst>
+                        <p:par>
+                          <p:cTn id="10" fill="hold">
+                            <p:stCondLst>
+                              <p:cond delay="0"/>
+                            </p:stCondLst>
+                            <p:childTnLst>
+                              <p:par>
+                                <p:cTn id="11" presetID="2" presetClass="entr" presetSubtype="4" fill="hold" nodeType="clickEffect">
+                                  <p:stCondLst>
+                                    <p:cond delay="0"/>
+                                  </p:stCondLst>
+                                  <p:childTnLst>
+                                    <p:set>
+                                      <p:cBhvr>
+                                        <p:cTn id="12" dur="1" fill="hold">
+                                          <p:stCondLst>
+                                            <p:cond delay="0"/>
+                                          </p:stCondLst>
+                                        </p:cTn>
+                                        <p:tgtEl>
+                                          <p:spTgt spid="1026"/>
+                                        </p:tgtEl>
+                                        <p:attrNameLst>
+                                          <p:attrName>style.visibility</p:attrName>
+                                        </p:attrNameLst>
+                                      </p:cBhvr>
+                                      <p:to>
+                                        <p:strVal val="visible"/>
+                                      </p:to>
+                                    </p:set>
+                                    <p:anim calcmode="lin" valueType="num">
+                                      <p:cBhvr additive="base">
+                                        <p:cTn id="13" dur="300" fill="hold"/>
+                                        <p:tgtEl>
+                                          <p:spTgt spid="1026"/>
+                                        </p:tgtEl>
+                                        <p:attrNameLst>
+                                          <p:attrName>ppt_x</p:attrName>
+                                        </p:attrNameLst>
+                                      </p:cBhvr>
+                                      <p:tavLst>
+                                        <p:tav tm="0">
+                                          <p:val>
+                                            <p:strVal val="#ppt_x"/>
+                                          </p:val>
+                                        </p:tav>
+                                        <p:tav tm="100000">
+                                          <p:val>
+                                            <p:strVal val="#ppt_x"/>
+                                          </p:val>
+                                        </p:tav>
+                                      </p:tavLst>
+                                    </p:anim>
+                                    <p:anim calcmode="lin" valueType="num">
+                                      <p:cBhvr additive="base">
+                                        <p:cTn id="14" dur="300" fill="hold"/>
+                                        <p:tgtEl>
+                                          <p:spTgt spid="1026"/>
+                                        </p:tgtEl>
+                                        <p:attrNameLst>
+                                          <p:attrName>ppt_y</p:attrName>
+                                        </p:attrNameLst>
+                                      </p:cBhvr>
+                                      <p:tavLst>
+                                        <p:tav tm="0">
+                                          <p:val>
+                                            <p:strVal val="1+#ppt_h/2"/>
+                                          </p:val>
+                                        </p:tav>
+                                        <p:tav tm="100000">
+                                          <p:val>
+                                            <p:strVal val="#ppt_y"/>
+                                          </p:val>
+                                        </p:tav>
+                                      </p:tavLst>
+                                    </p:anim>
+                                  </p:childTnLst>
+                                </p:cTn>
+                              </p:par>
+                            </p:childTnLst>
+                          </p:cTn>
+                        </p:par>
+                      </p:childTnLst>
+                    </p:cTn>
+                  </p:par>
+                </p:childTnLst>
+              </p:cTn>
+              <p:prevCondLst>
+                <p:cond evt="onPrev" delay="0">
+                  <p:tgtEl>
+                    <p:sldTgt/>
+                  </p:tgtEl>
+                </p:cond>
+              </p:prevCondLst>
+              <p:nextCondLst>
+                <p:cond evt="onNext" delay="0">
+                  <p:tgtEl>
+                    <p:sldTgt/>
+                  </p:tgtEl>
+                </p:cond>
+              </p:nextCondLst>
+            </p:seq>
+          </p:childTnLst>
+        </p:cTn>
+      </p:par>
+    </p:tnLst>
+    <p:bldLst>
+      <p:bldP spid="2" grpId="0" build="p"/>
+    </p:bldLst>
+  </p:timing>
+</p:sld>
+</file>
+
+<file path=ppt/slides/slide27.xml><?xml version="1.0" encoding="utf-8"?>
+<p:sld xmlns:a="http://schemas.openxmlformats.org/drawingml/2006/main" xmlns:r="http://schemas.openxmlformats.org/officeDocument/2006/relationships" xmlns:p="http://schemas.openxmlformats.org/presentationml/2006/main">
+  <p:cSld>
+    <p:spTree>
+      <p:nvGrpSpPr>
+        <p:cNvPr id="1" name=""/>
+        <p:cNvGrpSpPr/>
+        <p:nvPr/>
+      </p:nvGrpSpPr>
+      <p:grpSpPr>
+        <a:xfrm>
+          <a:off x="0" y="0"/>
+          <a:ext cx="0" cy="0"/>
+          <a:chOff x="0" y="0"/>
+          <a:chExt cx="0" cy="0"/>
+        </a:xfrm>
+      </p:grpSpPr>
+      <p:pic>
+        <p:nvPicPr>
+          <p:cNvPr id="2050" name="Picture 2"/>
+          <p:cNvPicPr>
+            <a:picLocks noChangeAspect="1" noChangeArrowheads="1"/>
+          </p:cNvPicPr>
+          <p:nvPr/>
+        </p:nvPicPr>
+        <p:blipFill>
+          <a:blip r:embed="rId2" cstate="print"/>
+          <a:srcRect/>
+          <a:stretch>
+            <a:fillRect/>
+          </a:stretch>
+        </p:blipFill>
+        <p:spPr bwMode="auto">
+          <a:xfrm>
+            <a:off x="2339752" y="968499"/>
+            <a:ext cx="4200525" cy="2676525"/>
+          </a:xfrm>
+          <a:prstGeom prst="rect">
+            <a:avLst/>
+          </a:prstGeom>
+          <a:noFill/>
+          <a:ln w="9525">
+            <a:noFill/>
+            <a:miter lim="800000"/>
+            <a:headEnd/>
+            <a:tailEnd/>
+          </a:ln>
+        </p:spPr>
+      </p:pic>
+      <p:sp>
+        <p:nvSpPr>
+          <p:cNvPr id="3" name="矩形 2"/>
+          <p:cNvSpPr/>
+          <p:nvPr/>
+        </p:nvSpPr>
+        <p:spPr>
+          <a:xfrm>
+            <a:off x="3419872" y="2852936"/>
+            <a:ext cx="2160240" cy="432048"/>
+          </a:xfrm>
+          <a:prstGeom prst="rect">
+            <a:avLst/>
+          </a:prstGeom>
+          <a:noFill/>
+          <a:ln w="28575">
+            <a:solidFill>
+              <a:srgbClr val="C9394A"/>
+            </a:solidFill>
+          </a:ln>
+        </p:spPr>
+        <p:style>
+          <a:lnRef idx="2">
+            <a:schemeClr val="accent1">
+              <a:shade val="50000"/>
+            </a:schemeClr>
+          </a:lnRef>
+          <a:fillRef idx="1">
+            <a:schemeClr val="accent1"/>
+          </a:fillRef>
+          <a:effectRef idx="0">
+            <a:schemeClr val="accent1"/>
+          </a:effectRef>
+          <a:fontRef idx="minor">
+            <a:schemeClr val="lt1"/>
+          </a:fontRef>
+        </p:style>
+        <p:txBody>
+          <a:bodyPr rtlCol="0" anchor="ctr"/>
+          <a:lstStyle/>
+          <a:p>
+            <a:pPr algn="ctr"/>
+            <a:endParaRPr lang="zh-CN" altLang="en-US"/>
+          </a:p>
+        </p:txBody>
+      </p:sp>
+    </p:spTree>
+  </p:cSld>
+  <p:clrMapOvr>
+    <a:masterClrMapping/>
+  </p:clrMapOvr>
+  <p:timing>
+    <p:tnLst>
+      <p:par>
+        <p:cTn id="1" dur="indefinite" restart="never" nodeType="tmRoot">
+          <p:childTnLst>
+            <p:seq concurrent="1" nextAc="seek">
+              <p:cTn id="2" dur="indefinite" nodeType="mainSeq">
+                <p:childTnLst>
+                  <p:par>
+                    <p:cTn id="3" fill="hold">
+                      <p:stCondLst>
+                        <p:cond delay="indefinite"/>
+                      </p:stCondLst>
+                      <p:childTnLst>
+                        <p:par>
+                          <p:cTn id="4" fill="hold">
+                            <p:stCondLst>
+                              <p:cond delay="0"/>
+                            </p:stCondLst>
+                            <p:childTnLst>
+                              <p:par>
+                                <p:cTn id="5" presetID="2" presetClass="entr" presetSubtype="4" fill="hold" grpId="0" nodeType="clickEffect">
+                                  <p:stCondLst>
+                                    <p:cond delay="0"/>
+                                  </p:stCondLst>
+                                  <p:childTnLst>
+                                    <p:set>
+                                      <p:cBhvr>
+                                        <p:cTn id="6" dur="1" fill="hold">
+                                          <p:stCondLst>
+                                            <p:cond delay="0"/>
+                                          </p:stCondLst>
+                                        </p:cTn>
+                                        <p:tgtEl>
+                                          <p:spTgt spid="3"/>
+                                        </p:tgtEl>
+                                        <p:attrNameLst>
+                                          <p:attrName>style.visibility</p:attrName>
+                                        </p:attrNameLst>
+                                      </p:cBhvr>
+                                      <p:to>
+                                        <p:strVal val="visible"/>
+                                      </p:to>
+                                    </p:set>
+                                    <p:anim calcmode="lin" valueType="num">
+                                      <p:cBhvr additive="base">
+                                        <p:cTn id="7" dur="300" fill="hold"/>
+                                        <p:tgtEl>
+                                          <p:spTgt spid="3"/>
+                                        </p:tgtEl>
+                                        <p:attrNameLst>
+                                          <p:attrName>ppt_x</p:attrName>
+                                        </p:attrNameLst>
+                                      </p:cBhvr>
+                                      <p:tavLst>
+                                        <p:tav tm="0">
+                                          <p:val>
+                                            <p:strVal val="#ppt_x"/>
+                                          </p:val>
+                                        </p:tav>
+                                        <p:tav tm="100000">
+                                          <p:val>
+                                            <p:strVal val="#ppt_x"/>
+                                          </p:val>
+                                        </p:tav>
+                                      </p:tavLst>
+                                    </p:anim>
+                                    <p:anim calcmode="lin" valueType="num">
+                                      <p:cBhvr additive="base">
+                                        <p:cTn id="8" dur="300" fill="hold"/>
+                                        <p:tgtEl>
+                                          <p:spTgt spid="3"/>
+                                        </p:tgtEl>
+                                        <p:attrNameLst>
+                                          <p:attrName>ppt_y</p:attrName>
+                                        </p:attrNameLst>
+                                      </p:cBhvr>
+                                      <p:tavLst>
+                                        <p:tav tm="0">
+                                          <p:val>
+                                            <p:strVal val="1+#ppt_h/2"/>
+                                          </p:val>
+                                        </p:tav>
+                                        <p:tav tm="100000">
+                                          <p:val>
+                                            <p:strVal val="#ppt_y"/>
+                                          </p:val>
+                                        </p:tav>
+                                      </p:tavLst>
+                                    </p:anim>
+                                  </p:childTnLst>
+                                </p:cTn>
+                              </p:par>
+                            </p:childTnLst>
+                          </p:cTn>
+                        </p:par>
+                      </p:childTnLst>
+                    </p:cTn>
+                  </p:par>
+                </p:childTnLst>
+              </p:cTn>
+              <p:prevCondLst>
+                <p:cond evt="onPrev" delay="0">
+                  <p:tgtEl>
+                    <p:sldTgt/>
+                  </p:tgtEl>
+                </p:cond>
+              </p:prevCondLst>
+              <p:nextCondLst>
+                <p:cond evt="onNext" delay="0">
+                  <p:tgtEl>
+                    <p:sldTgt/>
+                  </p:tgtEl>
+                </p:cond>
+              </p:nextCondLst>
+            </p:seq>
+          </p:childTnLst>
+        </p:cTn>
+      </p:par>
+    </p:tnLst>
+    <p:bldLst>
+      <p:bldP spid="3" grpId="0" animBg="1"/>
     </p:bldLst>
   </p:timing>
 </p:sld>

--- a/requirejs/doc/requirejs.pptx
+++ b/requirejs/doc/requirejs.pptx
@@ -5,7 +5,7 @@
     <p:sldMasterId id="2147483648" r:id="rId1"/>
   </p:sldMasterIdLst>
   <p:notesMasterIdLst>
-    <p:notesMasterId r:id="rId29"/>
+    <p:notesMasterId r:id="rId34"/>
   </p:notesMasterIdLst>
   <p:sldIdLst>
     <p:sldId id="258" r:id="rId2"/>
@@ -35,6 +35,11 @@
     <p:sldId id="282" r:id="rId26"/>
     <p:sldId id="281" r:id="rId27"/>
     <p:sldId id="283" r:id="rId28"/>
+    <p:sldId id="285" r:id="rId29"/>
+    <p:sldId id="286" r:id="rId30"/>
+    <p:sldId id="290" r:id="rId31"/>
+    <p:sldId id="287" r:id="rId32"/>
+    <p:sldId id="288" r:id="rId33"/>
   </p:sldIdLst>
   <p:sldSz cx="9144000" cy="6858000" type="screen4x3"/>
   <p:notesSz cx="6858000" cy="9144000"/>
@@ -219,7 +224,7 @@
             <a:fld id="{B2C916C8-812D-4B64-92A8-238699F8A54D}" type="datetimeFigureOut">
               <a:rPr lang="zh-CN" altLang="en-US" smtClean="0"/>
               <a:pPr/>
-              <a:t>2016/5/12</a:t>
+              <a:t>2016/5/17</a:t>
             </a:fld>
             <a:endParaRPr lang="zh-CN" altLang="en-US"/>
           </a:p>
@@ -749,7 +754,7 @@
             <a:fld id="{530820CF-B880-4189-942D-D702A7CBA730}" type="datetimeFigureOut">
               <a:rPr lang="zh-CN" altLang="en-US" smtClean="0"/>
               <a:pPr/>
-              <a:t>2016/5/12</a:t>
+              <a:t>2016/5/17</a:t>
             </a:fld>
             <a:endParaRPr lang="zh-CN" altLang="en-US"/>
           </a:p>
@@ -916,7 +921,7 @@
             <a:fld id="{530820CF-B880-4189-942D-D702A7CBA730}" type="datetimeFigureOut">
               <a:rPr lang="zh-CN" altLang="en-US" smtClean="0"/>
               <a:pPr/>
-              <a:t>2016/5/12</a:t>
+              <a:t>2016/5/17</a:t>
             </a:fld>
             <a:endParaRPr lang="zh-CN" altLang="en-US"/>
           </a:p>
@@ -1093,7 +1098,7 @@
             <a:fld id="{530820CF-B880-4189-942D-D702A7CBA730}" type="datetimeFigureOut">
               <a:rPr lang="zh-CN" altLang="en-US" smtClean="0"/>
               <a:pPr/>
-              <a:t>2016/5/12</a:t>
+              <a:t>2016/5/17</a:t>
             </a:fld>
             <a:endParaRPr lang="zh-CN" altLang="en-US"/>
           </a:p>
@@ -1260,7 +1265,7 @@
             <a:fld id="{530820CF-B880-4189-942D-D702A7CBA730}" type="datetimeFigureOut">
               <a:rPr lang="zh-CN" altLang="en-US" smtClean="0"/>
               <a:pPr/>
-              <a:t>2016/5/12</a:t>
+              <a:t>2016/5/17</a:t>
             </a:fld>
             <a:endParaRPr lang="zh-CN" altLang="en-US"/>
           </a:p>
@@ -1503,7 +1508,7 @@
             <a:fld id="{530820CF-B880-4189-942D-D702A7CBA730}" type="datetimeFigureOut">
               <a:rPr lang="zh-CN" altLang="en-US" smtClean="0"/>
               <a:pPr/>
-              <a:t>2016/5/12</a:t>
+              <a:t>2016/5/17</a:t>
             </a:fld>
             <a:endParaRPr lang="zh-CN" altLang="en-US"/>
           </a:p>
@@ -1788,7 +1793,7 @@
             <a:fld id="{530820CF-B880-4189-942D-D702A7CBA730}" type="datetimeFigureOut">
               <a:rPr lang="zh-CN" altLang="en-US" smtClean="0"/>
               <a:pPr/>
-              <a:t>2016/5/12</a:t>
+              <a:t>2016/5/17</a:t>
             </a:fld>
             <a:endParaRPr lang="zh-CN" altLang="en-US"/>
           </a:p>
@@ -2207,7 +2212,7 @@
             <a:fld id="{530820CF-B880-4189-942D-D702A7CBA730}" type="datetimeFigureOut">
               <a:rPr lang="zh-CN" altLang="en-US" smtClean="0"/>
               <a:pPr/>
-              <a:t>2016/5/12</a:t>
+              <a:t>2016/5/17</a:t>
             </a:fld>
             <a:endParaRPr lang="zh-CN" altLang="en-US"/>
           </a:p>
@@ -2322,7 +2327,7 @@
             <a:fld id="{530820CF-B880-4189-942D-D702A7CBA730}" type="datetimeFigureOut">
               <a:rPr lang="zh-CN" altLang="en-US" smtClean="0"/>
               <a:pPr/>
-              <a:t>2016/5/12</a:t>
+              <a:t>2016/5/17</a:t>
             </a:fld>
             <a:endParaRPr lang="zh-CN" altLang="en-US"/>
           </a:p>
@@ -2414,7 +2419,7 @@
             <a:fld id="{530820CF-B880-4189-942D-D702A7CBA730}" type="datetimeFigureOut">
               <a:rPr lang="zh-CN" altLang="en-US" smtClean="0"/>
               <a:pPr/>
-              <a:t>2016/5/12</a:t>
+              <a:t>2016/5/17</a:t>
             </a:fld>
             <a:endParaRPr lang="zh-CN" altLang="en-US"/>
           </a:p>
@@ -2688,7 +2693,7 @@
             <a:fld id="{530820CF-B880-4189-942D-D702A7CBA730}" type="datetimeFigureOut">
               <a:rPr lang="zh-CN" altLang="en-US" smtClean="0"/>
               <a:pPr/>
-              <a:t>2016/5/12</a:t>
+              <a:t>2016/5/17</a:t>
             </a:fld>
             <a:endParaRPr lang="zh-CN" altLang="en-US"/>
           </a:p>
@@ -2938,7 +2943,7 @@
             <a:fld id="{530820CF-B880-4189-942D-D702A7CBA730}" type="datetimeFigureOut">
               <a:rPr lang="zh-CN" altLang="en-US" smtClean="0"/>
               <a:pPr/>
-              <a:t>2016/5/12</a:t>
+              <a:t>2016/5/17</a:t>
             </a:fld>
             <a:endParaRPr lang="zh-CN" altLang="en-US"/>
           </a:p>
@@ -3148,7 +3153,7 @@
             <a:fld id="{530820CF-B880-4189-942D-D702A7CBA730}" type="datetimeFigureOut">
               <a:rPr lang="zh-CN" altLang="en-US" smtClean="0"/>
               <a:pPr/>
-              <a:t>2016/5/12</a:t>
+              <a:t>2016/5/17</a:t>
             </a:fld>
             <a:endParaRPr lang="zh-CN" altLang="en-US"/>
           </a:p>
@@ -12407,11 +12412,7 @@
             </a:pPr>
             <a:r>
               <a:rPr lang="zh-CN" altLang="en-US" sz="3200" dirty="0" smtClean="0"/>
-              <a:t>定</a:t>
-            </a:r>
-            <a:r>
-              <a:rPr lang="zh-CN" altLang="en-US" sz="3200" dirty="0" smtClean="0"/>
-              <a:t>义模块的方式</a:t>
+              <a:t>定义模块的方式</a:t>
             </a:r>
             <a:endParaRPr kumimoji="0" lang="en-US" altLang="zh-CN" sz="3200" b="0" i="0" u="none" strike="noStrike" kern="1200" cap="none" spc="0" normalizeH="0" baseline="0" noProof="0" dirty="0" smtClean="0">
               <a:ln>
@@ -12919,15 +12920,7 @@
                   <a:schemeClr val="bg1"/>
                 </a:solidFill>
               </a:rPr>
-              <a:t>最佳实践：不写死模</a:t>
-            </a:r>
-            <a:r>
-              <a:rPr lang="zh-CN" altLang="en-US" sz="2000" b="1" dirty="0" smtClean="0">
-                <a:solidFill>
-                  <a:schemeClr val="bg1"/>
-                </a:solidFill>
-              </a:rPr>
-              <a:t>块名</a:t>
+              <a:t>最佳实践：不写死模块名</a:t>
             </a:r>
             <a:endParaRPr lang="en-US" altLang="zh-CN" sz="2000" b="1" dirty="0" smtClean="0">
               <a:solidFill>
@@ -14422,6 +14415,838 @@
 </p:sld>
 </file>
 
+<file path=ppt/slides/slide28.xml><?xml version="1.0" encoding="utf-8"?>
+<p:sld xmlns:a="http://schemas.openxmlformats.org/drawingml/2006/main" xmlns:r="http://schemas.openxmlformats.org/officeDocument/2006/relationships" xmlns:p="http://schemas.openxmlformats.org/presentationml/2006/main">
+  <p:cSld>
+    <p:spTree>
+      <p:nvGrpSpPr>
+        <p:cNvPr id="1" name=""/>
+        <p:cNvGrpSpPr/>
+        <p:nvPr/>
+      </p:nvGrpSpPr>
+      <p:grpSpPr>
+        <a:xfrm>
+          <a:off x="0" y="0"/>
+          <a:ext cx="0" cy="0"/>
+          <a:chOff x="0" y="0"/>
+          <a:chExt cx="0" cy="0"/>
+        </a:xfrm>
+      </p:grpSpPr>
+      <p:sp>
+        <p:nvSpPr>
+          <p:cNvPr id="2" name="标题 1"/>
+          <p:cNvSpPr>
+            <a:spLocks noGrp="1"/>
+          </p:cNvSpPr>
+          <p:nvPr>
+            <p:ph type="title"/>
+          </p:nvPr>
+        </p:nvSpPr>
+        <p:spPr>
+          <a:xfrm>
+            <a:off x="467544" y="1268760"/>
+            <a:ext cx="8229600" cy="1143000"/>
+          </a:xfrm>
+        </p:spPr>
+        <p:txBody>
+          <a:bodyPr>
+            <a:normAutofit/>
+          </a:bodyPr>
+          <a:lstStyle/>
+          <a:p>
+            <a:r>
+              <a:rPr lang="en-US" altLang="zh-CN" sz="3000" b="1" dirty="0" err="1" smtClean="0">
+                <a:solidFill>
+                  <a:srgbClr val="C9394A"/>
+                </a:solidFill>
+                <a:latin typeface="微软雅黑" pitchFamily="34" charset="-122"/>
+                <a:ea typeface="微软雅黑" pitchFamily="34" charset="-122"/>
+              </a:rPr>
+              <a:t>Requirejs</a:t>
+            </a:r>
+            <a:r>
+              <a:rPr lang="zh-CN" altLang="en-US" sz="3000" b="1" dirty="0" smtClean="0">
+                <a:solidFill>
+                  <a:srgbClr val="C9394A"/>
+                </a:solidFill>
+                <a:latin typeface="微软雅黑" pitchFamily="34" charset="-122"/>
+                <a:ea typeface="微软雅黑" pitchFamily="34" charset="-122"/>
+              </a:rPr>
+              <a:t>和自动打包</a:t>
+            </a:r>
+            <a:endParaRPr lang="zh-CN" altLang="en-US" sz="3000" b="1" dirty="0">
+              <a:solidFill>
+                <a:srgbClr val="C9394A"/>
+              </a:solidFill>
+              <a:latin typeface="微软雅黑" pitchFamily="34" charset="-122"/>
+              <a:ea typeface="微软雅黑" pitchFamily="34" charset="-122"/>
+            </a:endParaRPr>
+          </a:p>
+        </p:txBody>
+      </p:sp>
+      <p:sp>
+        <p:nvSpPr>
+          <p:cNvPr id="3" name="内容占位符 2"/>
+          <p:cNvSpPr>
+            <a:spLocks noGrp="1"/>
+          </p:cNvSpPr>
+          <p:nvPr>
+            <p:ph idx="1"/>
+          </p:nvPr>
+        </p:nvSpPr>
+        <p:spPr>
+          <a:xfrm>
+            <a:off x="467544" y="2852936"/>
+            <a:ext cx="8229600" cy="2697163"/>
+          </a:xfrm>
+        </p:spPr>
+        <p:txBody>
+          <a:bodyPr>
+            <a:normAutofit/>
+          </a:bodyPr>
+          <a:lstStyle/>
+          <a:p>
+            <a:pPr algn="ctr">
+              <a:buNone/>
+            </a:pPr>
+            <a:r>
+              <a:rPr lang="zh-CN" altLang="en-US" sz="2200" b="1" dirty="0" smtClean="0">
+                <a:solidFill>
+                  <a:srgbClr val="474747"/>
+                </a:solidFill>
+                <a:latin typeface="微软雅黑" pitchFamily="34" charset="-122"/>
+                <a:ea typeface="微软雅黑" pitchFamily="34" charset="-122"/>
+              </a:rPr>
+              <a:t>配置不支持</a:t>
+            </a:r>
+            <a:r>
+              <a:rPr lang="en-US" altLang="zh-CN" sz="2200" b="1" dirty="0" smtClean="0">
+                <a:solidFill>
+                  <a:srgbClr val="C9394A"/>
+                </a:solidFill>
+                <a:latin typeface="微软雅黑" pitchFamily="34" charset="-122"/>
+                <a:ea typeface="微软雅黑" pitchFamily="34" charset="-122"/>
+              </a:rPr>
+              <a:t>AMD</a:t>
+            </a:r>
+            <a:r>
+              <a:rPr lang="zh-CN" altLang="en-US" sz="2200" b="1" dirty="0" smtClean="0">
+                <a:solidFill>
+                  <a:srgbClr val="474747"/>
+                </a:solidFill>
+                <a:latin typeface="微软雅黑" pitchFamily="34" charset="-122"/>
+                <a:ea typeface="微软雅黑" pitchFamily="34" charset="-122"/>
+              </a:rPr>
+              <a:t>的库和插件</a:t>
+            </a:r>
+            <a:endParaRPr lang="zh-CN" altLang="en-US" sz="2200" b="1" dirty="0">
+              <a:solidFill>
+                <a:srgbClr val="474747"/>
+              </a:solidFill>
+              <a:latin typeface="微软雅黑" pitchFamily="34" charset="-122"/>
+              <a:ea typeface="微软雅黑" pitchFamily="34" charset="-122"/>
+            </a:endParaRPr>
+          </a:p>
+        </p:txBody>
+      </p:sp>
+      <p:sp>
+        <p:nvSpPr>
+          <p:cNvPr id="4" name="圆角矩形 3"/>
+          <p:cNvSpPr/>
+          <p:nvPr/>
+        </p:nvSpPr>
+        <p:spPr>
+          <a:xfrm>
+            <a:off x="2843808" y="4293096"/>
+            <a:ext cx="3528392" cy="864096"/>
+          </a:xfrm>
+          <a:prstGeom prst="roundRect">
+            <a:avLst/>
+          </a:prstGeom>
+          <a:solidFill>
+            <a:srgbClr val="C9394A"/>
+          </a:solidFill>
+          <a:ln/>
+        </p:spPr>
+        <p:style>
+          <a:lnRef idx="3">
+            <a:schemeClr val="lt1"/>
+          </a:lnRef>
+          <a:fillRef idx="1">
+            <a:schemeClr val="accent4"/>
+          </a:fillRef>
+          <a:effectRef idx="1">
+            <a:schemeClr val="accent4"/>
+          </a:effectRef>
+          <a:fontRef idx="minor">
+            <a:schemeClr val="lt1"/>
+          </a:fontRef>
+        </p:style>
+        <p:txBody>
+          <a:bodyPr anchor="ctr"/>
+          <a:lstStyle/>
+          <a:p>
+            <a:pPr algn="ctr">
+              <a:buFont typeface="Arial" charset="0"/>
+              <a:buNone/>
+              <a:defRPr/>
+            </a:pPr>
+            <a:r>
+              <a:rPr lang="en-US" altLang="zh-CN" sz="2000" b="1" dirty="0" smtClean="0">
+                <a:solidFill>
+                  <a:schemeClr val="bg1"/>
+                </a:solidFill>
+                <a:latin typeface="微软雅黑" pitchFamily="34" charset="-122"/>
+                <a:ea typeface="微软雅黑" pitchFamily="34" charset="-122"/>
+              </a:rPr>
+              <a:t>require/define</a:t>
+            </a:r>
+            <a:endParaRPr lang="en-US" altLang="zh-CN" sz="2000" b="1" dirty="0" smtClean="0">
+              <a:solidFill>
+                <a:schemeClr val="bg1"/>
+              </a:solidFill>
+              <a:latin typeface="微软雅黑" pitchFamily="34" charset="-122"/>
+              <a:ea typeface="微软雅黑" pitchFamily="34" charset="-122"/>
+            </a:endParaRPr>
+          </a:p>
+        </p:txBody>
+      </p:sp>
+      <p:cxnSp>
+        <p:nvCxnSpPr>
+          <p:cNvPr id="5" name="直接箭头连接符 4"/>
+          <p:cNvCxnSpPr/>
+          <p:nvPr/>
+        </p:nvCxnSpPr>
+        <p:spPr>
+          <a:xfrm flipH="1">
+            <a:off x="4572000" y="3212976"/>
+            <a:ext cx="1" cy="1080120"/>
+          </a:xfrm>
+          <a:prstGeom prst="straightConnector1">
+            <a:avLst/>
+          </a:prstGeom>
+          <a:ln w="38100">
+            <a:solidFill>
+              <a:srgbClr val="C9394A"/>
+            </a:solidFill>
+            <a:tailEnd type="arrow"/>
+          </a:ln>
+        </p:spPr>
+        <p:style>
+          <a:lnRef idx="1">
+            <a:schemeClr val="accent1"/>
+          </a:lnRef>
+          <a:fillRef idx="0">
+            <a:schemeClr val="accent1"/>
+          </a:fillRef>
+          <a:effectRef idx="0">
+            <a:schemeClr val="accent1"/>
+          </a:effectRef>
+          <a:fontRef idx="minor">
+            <a:schemeClr val="tx1"/>
+          </a:fontRef>
+        </p:style>
+      </p:cxnSp>
+    </p:spTree>
+  </p:cSld>
+  <p:clrMapOvr>
+    <a:masterClrMapping/>
+  </p:clrMapOvr>
+  <p:timing>
+    <p:tnLst>
+      <p:par>
+        <p:cTn id="1" dur="indefinite" restart="never" nodeType="tmRoot">
+          <p:childTnLst>
+            <p:seq concurrent="1" nextAc="seek">
+              <p:cTn id="2" dur="indefinite" nodeType="mainSeq">
+                <p:childTnLst>
+                  <p:par>
+                    <p:cTn id="3" fill="hold">
+                      <p:stCondLst>
+                        <p:cond delay="indefinite"/>
+                      </p:stCondLst>
+                      <p:childTnLst>
+                        <p:par>
+                          <p:cTn id="4" fill="hold">
+                            <p:stCondLst>
+                              <p:cond delay="0"/>
+                            </p:stCondLst>
+                            <p:childTnLst>
+                              <p:par>
+                                <p:cTn id="5" presetID="2" presetClass="entr" presetSubtype="4" fill="hold" grpId="0" nodeType="clickEffect">
+                                  <p:stCondLst>
+                                    <p:cond delay="0"/>
+                                  </p:stCondLst>
+                                  <p:childTnLst>
+                                    <p:set>
+                                      <p:cBhvr>
+                                        <p:cTn id="6" dur="1" fill="hold">
+                                          <p:stCondLst>
+                                            <p:cond delay="0"/>
+                                          </p:stCondLst>
+                                        </p:cTn>
+                                        <p:tgtEl>
+                                          <p:spTgt spid="4"/>
+                                        </p:tgtEl>
+                                        <p:attrNameLst>
+                                          <p:attrName>style.visibility</p:attrName>
+                                        </p:attrNameLst>
+                                      </p:cBhvr>
+                                      <p:to>
+                                        <p:strVal val="visible"/>
+                                      </p:to>
+                                    </p:set>
+                                    <p:anim calcmode="lin" valueType="num">
+                                      <p:cBhvr additive="base">
+                                        <p:cTn id="7" dur="300" fill="hold"/>
+                                        <p:tgtEl>
+                                          <p:spTgt spid="4"/>
+                                        </p:tgtEl>
+                                        <p:attrNameLst>
+                                          <p:attrName>ppt_x</p:attrName>
+                                        </p:attrNameLst>
+                                      </p:cBhvr>
+                                      <p:tavLst>
+                                        <p:tav tm="0">
+                                          <p:val>
+                                            <p:strVal val="#ppt_x"/>
+                                          </p:val>
+                                        </p:tav>
+                                        <p:tav tm="100000">
+                                          <p:val>
+                                            <p:strVal val="#ppt_x"/>
+                                          </p:val>
+                                        </p:tav>
+                                      </p:tavLst>
+                                    </p:anim>
+                                    <p:anim calcmode="lin" valueType="num">
+                                      <p:cBhvr additive="base">
+                                        <p:cTn id="8" dur="300" fill="hold"/>
+                                        <p:tgtEl>
+                                          <p:spTgt spid="4"/>
+                                        </p:tgtEl>
+                                        <p:attrNameLst>
+                                          <p:attrName>ppt_y</p:attrName>
+                                        </p:attrNameLst>
+                                      </p:cBhvr>
+                                      <p:tavLst>
+                                        <p:tav tm="0">
+                                          <p:val>
+                                            <p:strVal val="1+#ppt_h/2"/>
+                                          </p:val>
+                                        </p:tav>
+                                        <p:tav tm="100000">
+                                          <p:val>
+                                            <p:strVal val="#ppt_y"/>
+                                          </p:val>
+                                        </p:tav>
+                                      </p:tavLst>
+                                    </p:anim>
+                                  </p:childTnLst>
+                                </p:cTn>
+                              </p:par>
+                              <p:par>
+                                <p:cTn id="9" presetID="2" presetClass="entr" presetSubtype="4" fill="hold" nodeType="withEffect">
+                                  <p:stCondLst>
+                                    <p:cond delay="0"/>
+                                  </p:stCondLst>
+                                  <p:childTnLst>
+                                    <p:set>
+                                      <p:cBhvr>
+                                        <p:cTn id="10" dur="1" fill="hold">
+                                          <p:stCondLst>
+                                            <p:cond delay="0"/>
+                                          </p:stCondLst>
+                                        </p:cTn>
+                                        <p:tgtEl>
+                                          <p:spTgt spid="5"/>
+                                        </p:tgtEl>
+                                        <p:attrNameLst>
+                                          <p:attrName>style.visibility</p:attrName>
+                                        </p:attrNameLst>
+                                      </p:cBhvr>
+                                      <p:to>
+                                        <p:strVal val="visible"/>
+                                      </p:to>
+                                    </p:set>
+                                    <p:anim calcmode="lin" valueType="num">
+                                      <p:cBhvr additive="base">
+                                        <p:cTn id="11" dur="300" fill="hold"/>
+                                        <p:tgtEl>
+                                          <p:spTgt spid="5"/>
+                                        </p:tgtEl>
+                                        <p:attrNameLst>
+                                          <p:attrName>ppt_x</p:attrName>
+                                        </p:attrNameLst>
+                                      </p:cBhvr>
+                                      <p:tavLst>
+                                        <p:tav tm="0">
+                                          <p:val>
+                                            <p:strVal val="#ppt_x"/>
+                                          </p:val>
+                                        </p:tav>
+                                        <p:tav tm="100000">
+                                          <p:val>
+                                            <p:strVal val="#ppt_x"/>
+                                          </p:val>
+                                        </p:tav>
+                                      </p:tavLst>
+                                    </p:anim>
+                                    <p:anim calcmode="lin" valueType="num">
+                                      <p:cBhvr additive="base">
+                                        <p:cTn id="12" dur="300" fill="hold"/>
+                                        <p:tgtEl>
+                                          <p:spTgt spid="5"/>
+                                        </p:tgtEl>
+                                        <p:attrNameLst>
+                                          <p:attrName>ppt_y</p:attrName>
+                                        </p:attrNameLst>
+                                      </p:cBhvr>
+                                      <p:tavLst>
+                                        <p:tav tm="0">
+                                          <p:val>
+                                            <p:strVal val="1+#ppt_h/2"/>
+                                          </p:val>
+                                        </p:tav>
+                                        <p:tav tm="100000">
+                                          <p:val>
+                                            <p:strVal val="#ppt_y"/>
+                                          </p:val>
+                                        </p:tav>
+                                      </p:tavLst>
+                                    </p:anim>
+                                  </p:childTnLst>
+                                </p:cTn>
+                              </p:par>
+                            </p:childTnLst>
+                          </p:cTn>
+                        </p:par>
+                      </p:childTnLst>
+                    </p:cTn>
+                  </p:par>
+                </p:childTnLst>
+              </p:cTn>
+              <p:prevCondLst>
+                <p:cond evt="onPrev" delay="0">
+                  <p:tgtEl>
+                    <p:sldTgt/>
+                  </p:tgtEl>
+                </p:cond>
+              </p:prevCondLst>
+              <p:nextCondLst>
+                <p:cond evt="onNext" delay="0">
+                  <p:tgtEl>
+                    <p:sldTgt/>
+                  </p:tgtEl>
+                </p:cond>
+              </p:nextCondLst>
+            </p:seq>
+          </p:childTnLst>
+        </p:cTn>
+      </p:par>
+    </p:tnLst>
+    <p:bldLst>
+      <p:bldP spid="4" grpId="0" animBg="1"/>
+    </p:bldLst>
+  </p:timing>
+</p:sld>
+</file>
+
+<file path=ppt/slides/slide29.xml><?xml version="1.0" encoding="utf-8"?>
+<p:sld xmlns:a="http://schemas.openxmlformats.org/drawingml/2006/main" xmlns:r="http://schemas.openxmlformats.org/officeDocument/2006/relationships" xmlns:p="http://schemas.openxmlformats.org/presentationml/2006/main">
+  <p:cSld>
+    <p:spTree>
+      <p:nvGrpSpPr>
+        <p:cNvPr id="1" name=""/>
+        <p:cNvGrpSpPr/>
+        <p:nvPr/>
+      </p:nvGrpSpPr>
+      <p:grpSpPr>
+        <a:xfrm>
+          <a:off x="0" y="0"/>
+          <a:ext cx="0" cy="0"/>
+          <a:chOff x="0" y="0"/>
+          <a:chExt cx="0" cy="0"/>
+        </a:xfrm>
+      </p:grpSpPr>
+      <p:sp>
+        <p:nvSpPr>
+          <p:cNvPr id="3" name="文本框 2"/>
+          <p:cNvSpPr txBox="1"/>
+          <p:nvPr/>
+        </p:nvSpPr>
+        <p:spPr>
+          <a:xfrm>
+            <a:off x="611560" y="2060848"/>
+            <a:ext cx="8229600" cy="400050"/>
+          </a:xfrm>
+          <a:prstGeom prst="rect">
+            <a:avLst/>
+          </a:prstGeom>
+          <a:noFill/>
+        </p:spPr>
+        <p:txBody>
+          <a:bodyPr>
+            <a:spAutoFit/>
+          </a:bodyPr>
+          <a:lstStyle/>
+          <a:p>
+            <a:pPr lvl="1">
+              <a:buFont typeface="Arial" panose="020B0604020202020204" pitchFamily="34" charset="0"/>
+              <a:buNone/>
+              <a:defRPr/>
+            </a:pPr>
+            <a:r>
+              <a:rPr lang="zh-CN" altLang="en-US" sz="2000" b="1" dirty="0" smtClean="0">
+                <a:solidFill>
+                  <a:srgbClr val="474747"/>
+                </a:solidFill>
+                <a:latin typeface="微软雅黑" pitchFamily="34" charset="-122"/>
+                <a:ea typeface="微软雅黑" pitchFamily="34" charset="-122"/>
+              </a:rPr>
+              <a:t>加载不支持</a:t>
+            </a:r>
+            <a:r>
+              <a:rPr lang="en-US" altLang="zh-CN" sz="2000" b="1" dirty="0" smtClean="0">
+                <a:solidFill>
+                  <a:srgbClr val="474747"/>
+                </a:solidFill>
+                <a:latin typeface="微软雅黑" pitchFamily="34" charset="-122"/>
+                <a:ea typeface="微软雅黑" pitchFamily="34" charset="-122"/>
+              </a:rPr>
+              <a:t>AMD</a:t>
+            </a:r>
+            <a:r>
+              <a:rPr lang="zh-CN" altLang="en-US" sz="2000" b="1" dirty="0" smtClean="0">
+                <a:solidFill>
+                  <a:srgbClr val="474747"/>
+                </a:solidFill>
+                <a:latin typeface="微软雅黑" pitchFamily="34" charset="-122"/>
+                <a:ea typeface="微软雅黑" pitchFamily="34" charset="-122"/>
+              </a:rPr>
+              <a:t>的库，如</a:t>
+            </a:r>
+            <a:r>
+              <a:rPr lang="en-US" altLang="zh-CN" sz="2000" b="1" dirty="0" err="1" smtClean="0">
+                <a:solidFill>
+                  <a:srgbClr val="C9394A"/>
+                </a:solidFill>
+                <a:latin typeface="微软雅黑" pitchFamily="34" charset="-122"/>
+                <a:ea typeface="微软雅黑" pitchFamily="34" charset="-122"/>
+              </a:rPr>
+              <a:t>Modernizr.js</a:t>
+            </a:r>
+            <a:endParaRPr lang="en-US" altLang="zh-CN" sz="2000" b="1" dirty="0">
+              <a:solidFill>
+                <a:srgbClr val="C9394A"/>
+              </a:solidFill>
+              <a:latin typeface="微软雅黑" pitchFamily="34" charset="-122"/>
+              <a:ea typeface="微软雅黑" pitchFamily="34" charset="-122"/>
+            </a:endParaRPr>
+          </a:p>
+        </p:txBody>
+      </p:sp>
+      <p:sp>
+        <p:nvSpPr>
+          <p:cNvPr id="6" name="文本框 2"/>
+          <p:cNvSpPr txBox="1"/>
+          <p:nvPr/>
+        </p:nvSpPr>
+        <p:spPr>
+          <a:xfrm>
+            <a:off x="611560" y="3573016"/>
+            <a:ext cx="8229600" cy="400050"/>
+          </a:xfrm>
+          <a:prstGeom prst="rect">
+            <a:avLst/>
+          </a:prstGeom>
+          <a:noFill/>
+        </p:spPr>
+        <p:txBody>
+          <a:bodyPr>
+            <a:spAutoFit/>
+          </a:bodyPr>
+          <a:lstStyle/>
+          <a:p>
+            <a:pPr lvl="1">
+              <a:buFont typeface="Arial" panose="020B0604020202020204" pitchFamily="34" charset="0"/>
+              <a:buNone/>
+              <a:defRPr/>
+            </a:pPr>
+            <a:r>
+              <a:rPr lang="zh-CN" altLang="en-US" sz="2000" b="1" dirty="0" smtClean="0">
+                <a:solidFill>
+                  <a:srgbClr val="474747"/>
+                </a:solidFill>
+                <a:latin typeface="微软雅黑" pitchFamily="34" charset="-122"/>
+                <a:ea typeface="微软雅黑" pitchFamily="34" charset="-122"/>
+              </a:rPr>
+              <a:t>加载不支持</a:t>
+            </a:r>
+            <a:r>
+              <a:rPr lang="en-US" altLang="zh-CN" sz="2000" b="1" dirty="0" smtClean="0">
+                <a:solidFill>
+                  <a:srgbClr val="474747"/>
+                </a:solidFill>
+                <a:latin typeface="微软雅黑" pitchFamily="34" charset="-122"/>
+                <a:ea typeface="微软雅黑" pitchFamily="34" charset="-122"/>
+              </a:rPr>
+              <a:t>AMD</a:t>
+            </a:r>
+            <a:r>
+              <a:rPr lang="zh-CN" altLang="en-US" sz="2000" b="1" dirty="0" smtClean="0">
+                <a:solidFill>
+                  <a:srgbClr val="474747"/>
+                </a:solidFill>
+                <a:latin typeface="微软雅黑" pitchFamily="34" charset="-122"/>
+                <a:ea typeface="微软雅黑" pitchFamily="34" charset="-122"/>
+              </a:rPr>
+              <a:t>的框架，如</a:t>
+            </a:r>
+            <a:r>
+              <a:rPr lang="en-US" altLang="zh-CN" sz="2000" b="1" dirty="0" smtClean="0">
+                <a:solidFill>
+                  <a:srgbClr val="C9394A"/>
+                </a:solidFill>
+                <a:latin typeface="微软雅黑" pitchFamily="34" charset="-122"/>
+                <a:ea typeface="微软雅黑" pitchFamily="34" charset="-122"/>
+              </a:rPr>
+              <a:t>bootstrap</a:t>
+            </a:r>
+            <a:endParaRPr lang="en-US" altLang="zh-CN" sz="2000" b="1" dirty="0">
+              <a:solidFill>
+                <a:srgbClr val="C9394A"/>
+              </a:solidFill>
+              <a:latin typeface="微软雅黑" pitchFamily="34" charset="-122"/>
+              <a:ea typeface="微软雅黑" pitchFamily="34" charset="-122"/>
+            </a:endParaRPr>
+          </a:p>
+        </p:txBody>
+      </p:sp>
+    </p:spTree>
+  </p:cSld>
+  <p:clrMapOvr>
+    <a:masterClrMapping/>
+  </p:clrMapOvr>
+  <p:timing>
+    <p:tnLst>
+      <p:par>
+        <p:cTn id="1" dur="indefinite" restart="never" nodeType="tmRoot">
+          <p:childTnLst>
+            <p:seq concurrent="1" nextAc="seek">
+              <p:cTn id="2" dur="indefinite" nodeType="mainSeq">
+                <p:childTnLst>
+                  <p:par>
+                    <p:cTn id="3" fill="hold">
+                      <p:stCondLst>
+                        <p:cond delay="indefinite"/>
+                      </p:stCondLst>
+                      <p:childTnLst>
+                        <p:par>
+                          <p:cTn id="4" fill="hold">
+                            <p:stCondLst>
+                              <p:cond delay="0"/>
+                            </p:stCondLst>
+                            <p:childTnLst>
+                              <p:par>
+                                <p:cTn id="5" presetID="2" presetClass="entr" presetSubtype="4" fill="hold" grpId="0" nodeType="clickEffect">
+                                  <p:stCondLst>
+                                    <p:cond delay="0"/>
+                                  </p:stCondLst>
+                                  <p:childTnLst>
+                                    <p:set>
+                                      <p:cBhvr>
+                                        <p:cTn id="6" dur="1" fill="hold">
+                                          <p:stCondLst>
+                                            <p:cond delay="0"/>
+                                          </p:stCondLst>
+                                        </p:cTn>
+                                        <p:tgtEl>
+                                          <p:spTgt spid="3"/>
+                                        </p:tgtEl>
+                                        <p:attrNameLst>
+                                          <p:attrName>style.visibility</p:attrName>
+                                        </p:attrNameLst>
+                                      </p:cBhvr>
+                                      <p:to>
+                                        <p:strVal val="visible"/>
+                                      </p:to>
+                                    </p:set>
+                                    <p:anim calcmode="lin" valueType="num">
+                                      <p:cBhvr additive="base">
+                                        <p:cTn id="7" dur="300" fill="hold"/>
+                                        <p:tgtEl>
+                                          <p:spTgt spid="3"/>
+                                        </p:tgtEl>
+                                        <p:attrNameLst>
+                                          <p:attrName>ppt_x</p:attrName>
+                                        </p:attrNameLst>
+                                      </p:cBhvr>
+                                      <p:tavLst>
+                                        <p:tav tm="0">
+                                          <p:val>
+                                            <p:strVal val="#ppt_x"/>
+                                          </p:val>
+                                        </p:tav>
+                                        <p:tav tm="100000">
+                                          <p:val>
+                                            <p:strVal val="#ppt_x"/>
+                                          </p:val>
+                                        </p:tav>
+                                      </p:tavLst>
+                                    </p:anim>
+                                    <p:anim calcmode="lin" valueType="num">
+                                      <p:cBhvr additive="base">
+                                        <p:cTn id="8" dur="300" fill="hold"/>
+                                        <p:tgtEl>
+                                          <p:spTgt spid="3"/>
+                                        </p:tgtEl>
+                                        <p:attrNameLst>
+                                          <p:attrName>ppt_y</p:attrName>
+                                        </p:attrNameLst>
+                                      </p:cBhvr>
+                                      <p:tavLst>
+                                        <p:tav tm="0">
+                                          <p:val>
+                                            <p:strVal val="1+#ppt_h/2"/>
+                                          </p:val>
+                                        </p:tav>
+                                        <p:tav tm="100000">
+                                          <p:val>
+                                            <p:strVal val="#ppt_y"/>
+                                          </p:val>
+                                        </p:tav>
+                                      </p:tavLst>
+                                    </p:anim>
+                                  </p:childTnLst>
+                                </p:cTn>
+                              </p:par>
+                            </p:childTnLst>
+                          </p:cTn>
+                        </p:par>
+                      </p:childTnLst>
+                    </p:cTn>
+                  </p:par>
+                  <p:par>
+                    <p:cTn id="9" fill="hold">
+                      <p:stCondLst>
+                        <p:cond delay="indefinite"/>
+                      </p:stCondLst>
+                      <p:childTnLst>
+                        <p:par>
+                          <p:cTn id="10" fill="hold">
+                            <p:stCondLst>
+                              <p:cond delay="0"/>
+                            </p:stCondLst>
+                            <p:childTnLst>
+                              <p:par>
+                                <p:cTn id="11" presetID="2" presetClass="entr" presetSubtype="4" fill="hold" grpId="0" nodeType="clickEffect">
+                                  <p:stCondLst>
+                                    <p:cond delay="0"/>
+                                  </p:stCondLst>
+                                  <p:childTnLst>
+                                    <p:set>
+                                      <p:cBhvr>
+                                        <p:cTn id="12" dur="1" fill="hold">
+                                          <p:stCondLst>
+                                            <p:cond delay="0"/>
+                                          </p:stCondLst>
+                                        </p:cTn>
+                                        <p:tgtEl>
+                                          <p:spTgt spid="6"/>
+                                        </p:tgtEl>
+                                        <p:attrNameLst>
+                                          <p:attrName>style.visibility</p:attrName>
+                                        </p:attrNameLst>
+                                      </p:cBhvr>
+                                      <p:to>
+                                        <p:strVal val="visible"/>
+                                      </p:to>
+                                    </p:set>
+                                    <p:anim calcmode="lin" valueType="num">
+                                      <p:cBhvr additive="base">
+                                        <p:cTn id="13" dur="300" fill="hold"/>
+                                        <p:tgtEl>
+                                          <p:spTgt spid="6"/>
+                                        </p:tgtEl>
+                                        <p:attrNameLst>
+                                          <p:attrName>ppt_x</p:attrName>
+                                        </p:attrNameLst>
+                                      </p:cBhvr>
+                                      <p:tavLst>
+                                        <p:tav tm="0">
+                                          <p:val>
+                                            <p:strVal val="#ppt_x"/>
+                                          </p:val>
+                                        </p:tav>
+                                        <p:tav tm="100000">
+                                          <p:val>
+                                            <p:strVal val="#ppt_x"/>
+                                          </p:val>
+                                        </p:tav>
+                                      </p:tavLst>
+                                    </p:anim>
+                                    <p:anim calcmode="lin" valueType="num">
+                                      <p:cBhvr additive="base">
+                                        <p:cTn id="14" dur="300" fill="hold"/>
+                                        <p:tgtEl>
+                                          <p:spTgt spid="6"/>
+                                        </p:tgtEl>
+                                        <p:attrNameLst>
+                                          <p:attrName>ppt_y</p:attrName>
+                                        </p:attrNameLst>
+                                      </p:cBhvr>
+                                      <p:tavLst>
+                                        <p:tav tm="0">
+                                          <p:val>
+                                            <p:strVal val="1+#ppt_h/2"/>
+                                          </p:val>
+                                        </p:tav>
+                                        <p:tav tm="100000">
+                                          <p:val>
+                                            <p:strVal val="#ppt_y"/>
+                                          </p:val>
+                                        </p:tav>
+                                      </p:tavLst>
+                                    </p:anim>
+                                  </p:childTnLst>
+                                </p:cTn>
+                              </p:par>
+                            </p:childTnLst>
+                          </p:cTn>
+                        </p:par>
+                      </p:childTnLst>
+                    </p:cTn>
+                  </p:par>
+                </p:childTnLst>
+              </p:cTn>
+              <p:prevCondLst>
+                <p:cond evt="onPrev" delay="0">
+                  <p:tgtEl>
+                    <p:sldTgt/>
+                  </p:tgtEl>
+                </p:cond>
+              </p:prevCondLst>
+              <p:nextCondLst>
+                <p:cond evt="onNext" delay="0">
+                  <p:tgtEl>
+                    <p:sldTgt/>
+                  </p:tgtEl>
+                </p:cond>
+              </p:nextCondLst>
+            </p:seq>
+          </p:childTnLst>
+        </p:cTn>
+      </p:par>
+    </p:tnLst>
+    <p:bldLst>
+      <p:bldP spid="3" grpId="0"/>
+      <p:bldP spid="6" grpId="0"/>
+    </p:bldLst>
+  </p:timing>
+</p:sld>
+</file>
+
 <file path=ppt/slides/slide3.xml><?xml version="1.0" encoding="utf-8"?>
 <p:sld xmlns:a="http://schemas.openxmlformats.org/drawingml/2006/main" xmlns:r="http://schemas.openxmlformats.org/officeDocument/2006/relationships" xmlns:p="http://schemas.openxmlformats.org/presentationml/2006/main">
   <p:cSld>
@@ -14519,6 +15344,2818 @@
   <p:clrMapOvr>
     <a:masterClrMapping/>
   </p:clrMapOvr>
+</p:sld>
+</file>
+
+<file path=ppt/slides/slide30.xml><?xml version="1.0" encoding="utf-8"?>
+<p:sld xmlns:a="http://schemas.openxmlformats.org/drawingml/2006/main" xmlns:r="http://schemas.openxmlformats.org/officeDocument/2006/relationships" xmlns:p="http://schemas.openxmlformats.org/presentationml/2006/main">
+  <p:cSld>
+    <p:spTree>
+      <p:nvGrpSpPr>
+        <p:cNvPr id="1" name=""/>
+        <p:cNvGrpSpPr/>
+        <p:nvPr/>
+      </p:nvGrpSpPr>
+      <p:grpSpPr>
+        <a:xfrm>
+          <a:off x="0" y="0"/>
+          <a:ext cx="0" cy="0"/>
+          <a:chOff x="0" y="0"/>
+          <a:chExt cx="0" cy="0"/>
+        </a:xfrm>
+      </p:grpSpPr>
+      <p:pic>
+        <p:nvPicPr>
+          <p:cNvPr id="2050" name="Picture 2"/>
+          <p:cNvPicPr>
+            <a:picLocks noChangeAspect="1" noChangeArrowheads="1"/>
+          </p:cNvPicPr>
+          <p:nvPr/>
+        </p:nvPicPr>
+        <p:blipFill>
+          <a:blip r:embed="rId2" cstate="print"/>
+          <a:srcRect/>
+          <a:stretch>
+            <a:fillRect/>
+          </a:stretch>
+        </p:blipFill>
+        <p:spPr bwMode="auto">
+          <a:xfrm>
+            <a:off x="1187624" y="1700808"/>
+            <a:ext cx="5495925" cy="2562225"/>
+          </a:xfrm>
+          <a:prstGeom prst="rect">
+            <a:avLst/>
+          </a:prstGeom>
+          <a:noFill/>
+          <a:ln w="9525">
+            <a:noFill/>
+            <a:miter lim="800000"/>
+            <a:headEnd/>
+            <a:tailEnd/>
+          </a:ln>
+        </p:spPr>
+      </p:pic>
+      <p:sp>
+        <p:nvSpPr>
+          <p:cNvPr id="3" name="文本框 2"/>
+          <p:cNvSpPr txBox="1"/>
+          <p:nvPr/>
+        </p:nvSpPr>
+        <p:spPr>
+          <a:xfrm>
+            <a:off x="611560" y="908720"/>
+            <a:ext cx="8229600" cy="400050"/>
+          </a:xfrm>
+          <a:prstGeom prst="rect">
+            <a:avLst/>
+          </a:prstGeom>
+          <a:noFill/>
+        </p:spPr>
+        <p:txBody>
+          <a:bodyPr>
+            <a:spAutoFit/>
+          </a:bodyPr>
+          <a:lstStyle/>
+          <a:p>
+            <a:pPr lvl="1">
+              <a:buFont typeface="Arial" panose="020B0604020202020204" pitchFamily="34" charset="0"/>
+              <a:buNone/>
+              <a:defRPr/>
+            </a:pPr>
+            <a:r>
+              <a:rPr lang="en-US" altLang="zh-CN" sz="2000" b="1" dirty="0" smtClean="0">
+                <a:solidFill>
+                  <a:srgbClr val="C9394A"/>
+                </a:solidFill>
+                <a:latin typeface="微软雅黑" pitchFamily="34" charset="-122"/>
+                <a:ea typeface="微软雅黑" pitchFamily="34" charset="-122"/>
+              </a:rPr>
+              <a:t>shim</a:t>
+            </a:r>
+            <a:endParaRPr lang="en-US" altLang="zh-CN" sz="2000" b="1" dirty="0">
+              <a:solidFill>
+                <a:srgbClr val="C9394A"/>
+              </a:solidFill>
+              <a:latin typeface="微软雅黑" pitchFamily="34" charset="-122"/>
+              <a:ea typeface="微软雅黑" pitchFamily="34" charset="-122"/>
+            </a:endParaRPr>
+          </a:p>
+        </p:txBody>
+      </p:sp>
+      <p:sp>
+        <p:nvSpPr>
+          <p:cNvPr id="4" name="圆角矩形 3"/>
+          <p:cNvSpPr/>
+          <p:nvPr/>
+        </p:nvSpPr>
+        <p:spPr>
+          <a:xfrm>
+            <a:off x="971600" y="4437112"/>
+            <a:ext cx="3600400" cy="1008112"/>
+          </a:xfrm>
+          <a:prstGeom prst="roundRect">
+            <a:avLst/>
+          </a:prstGeom>
+          <a:solidFill>
+            <a:srgbClr val="C9394A"/>
+          </a:solidFill>
+          <a:ln/>
+        </p:spPr>
+        <p:style>
+          <a:lnRef idx="3">
+            <a:schemeClr val="lt1"/>
+          </a:lnRef>
+          <a:fillRef idx="1">
+            <a:schemeClr val="accent4"/>
+          </a:fillRef>
+          <a:effectRef idx="1">
+            <a:schemeClr val="accent4"/>
+          </a:effectRef>
+          <a:fontRef idx="minor">
+            <a:schemeClr val="lt1"/>
+          </a:fontRef>
+        </p:style>
+        <p:txBody>
+          <a:bodyPr anchor="ctr"/>
+          <a:lstStyle/>
+          <a:p>
+            <a:pPr algn="ctr">
+              <a:buFont typeface="Arial" charset="0"/>
+              <a:buNone/>
+              <a:defRPr/>
+            </a:pPr>
+            <a:r>
+              <a:rPr lang="zh-CN" altLang="en-US" sz="2000" b="1" dirty="0" smtClean="0">
+                <a:solidFill>
+                  <a:schemeClr val="bg1"/>
+                </a:solidFill>
+                <a:latin typeface="微软雅黑" pitchFamily="34" charset="-122"/>
+                <a:ea typeface="微软雅黑" pitchFamily="34" charset="-122"/>
+              </a:rPr>
+              <a:t>初始化函数，返回的对象代替</a:t>
+            </a:r>
+            <a:r>
+              <a:rPr lang="en-US" altLang="zh-CN" sz="2000" b="1" dirty="0" smtClean="0">
+                <a:solidFill>
+                  <a:schemeClr val="bg1"/>
+                </a:solidFill>
+                <a:latin typeface="微软雅黑" pitchFamily="34" charset="-122"/>
+                <a:ea typeface="微软雅黑" pitchFamily="34" charset="-122"/>
+              </a:rPr>
+              <a:t>exports</a:t>
+            </a:r>
+            <a:r>
+              <a:rPr lang="zh-CN" altLang="en-US" sz="2000" b="1" dirty="0" smtClean="0">
+                <a:solidFill>
+                  <a:schemeClr val="bg1"/>
+                </a:solidFill>
+                <a:latin typeface="微软雅黑" pitchFamily="34" charset="-122"/>
+                <a:ea typeface="微软雅黑" pitchFamily="34" charset="-122"/>
+              </a:rPr>
+              <a:t>作</a:t>
+            </a:r>
+            <a:r>
+              <a:rPr lang="zh-CN" altLang="en-US" sz="2000" b="1" dirty="0" smtClean="0">
+                <a:solidFill>
+                  <a:schemeClr val="bg1"/>
+                </a:solidFill>
+                <a:latin typeface="微软雅黑" pitchFamily="34" charset="-122"/>
+                <a:ea typeface="微软雅黑" pitchFamily="34" charset="-122"/>
+              </a:rPr>
+              <a:t>为模块对象</a:t>
+            </a:r>
+            <a:endParaRPr lang="en-US" altLang="zh-CN" sz="2000" b="1" dirty="0" smtClean="0">
+              <a:solidFill>
+                <a:schemeClr val="bg1"/>
+              </a:solidFill>
+              <a:latin typeface="微软雅黑" pitchFamily="34" charset="-122"/>
+              <a:ea typeface="微软雅黑" pitchFamily="34" charset="-122"/>
+            </a:endParaRPr>
+          </a:p>
+        </p:txBody>
+      </p:sp>
+      <p:cxnSp>
+        <p:nvCxnSpPr>
+          <p:cNvPr id="5" name="直接箭头连接符 4"/>
+          <p:cNvCxnSpPr>
+            <a:endCxn id="6" idx="0"/>
+          </p:cNvCxnSpPr>
+          <p:nvPr/>
+        </p:nvCxnSpPr>
+        <p:spPr>
+          <a:xfrm>
+            <a:off x="3491880" y="2780928"/>
+            <a:ext cx="3492388" cy="1656184"/>
+          </a:xfrm>
+          <a:prstGeom prst="straightConnector1">
+            <a:avLst/>
+          </a:prstGeom>
+          <a:ln w="38100">
+            <a:solidFill>
+              <a:srgbClr val="C9394A"/>
+            </a:solidFill>
+            <a:tailEnd type="arrow"/>
+          </a:ln>
+        </p:spPr>
+        <p:style>
+          <a:lnRef idx="1">
+            <a:schemeClr val="accent1"/>
+          </a:lnRef>
+          <a:fillRef idx="0">
+            <a:schemeClr val="accent1"/>
+          </a:fillRef>
+          <a:effectRef idx="0">
+            <a:schemeClr val="accent1"/>
+          </a:effectRef>
+          <a:fontRef idx="minor">
+            <a:schemeClr val="tx1"/>
+          </a:fontRef>
+        </p:style>
+      </p:cxnSp>
+      <p:sp>
+        <p:nvSpPr>
+          <p:cNvPr id="6" name="圆角矩形 5"/>
+          <p:cNvSpPr/>
+          <p:nvPr/>
+        </p:nvSpPr>
+        <p:spPr>
+          <a:xfrm>
+            <a:off x="5220072" y="4437112"/>
+            <a:ext cx="3528392" cy="864096"/>
+          </a:xfrm>
+          <a:prstGeom prst="roundRect">
+            <a:avLst/>
+          </a:prstGeom>
+          <a:solidFill>
+            <a:srgbClr val="C9394A"/>
+          </a:solidFill>
+          <a:ln/>
+        </p:spPr>
+        <p:style>
+          <a:lnRef idx="3">
+            <a:schemeClr val="lt1"/>
+          </a:lnRef>
+          <a:fillRef idx="1">
+            <a:schemeClr val="accent4"/>
+          </a:fillRef>
+          <a:effectRef idx="1">
+            <a:schemeClr val="accent4"/>
+          </a:effectRef>
+          <a:fontRef idx="minor">
+            <a:schemeClr val="lt1"/>
+          </a:fontRef>
+        </p:style>
+        <p:txBody>
+          <a:bodyPr anchor="ctr"/>
+          <a:lstStyle/>
+          <a:p>
+            <a:pPr algn="ctr">
+              <a:buFont typeface="Arial" charset="0"/>
+              <a:buNone/>
+              <a:defRPr/>
+            </a:pPr>
+            <a:r>
+              <a:rPr lang="zh-CN" altLang="en-US" sz="2000" b="1" dirty="0" smtClean="0">
+                <a:solidFill>
+                  <a:schemeClr val="bg1"/>
+                </a:solidFill>
+                <a:latin typeface="微软雅黑" pitchFamily="34" charset="-122"/>
+                <a:ea typeface="微软雅黑" pitchFamily="34" charset="-122"/>
+              </a:rPr>
+              <a:t>全局变量作为模块对象</a:t>
+            </a:r>
+            <a:endParaRPr lang="en-US" altLang="zh-CN" sz="2000" b="1" dirty="0" smtClean="0">
+              <a:solidFill>
+                <a:schemeClr val="bg1"/>
+              </a:solidFill>
+              <a:latin typeface="微软雅黑" pitchFamily="34" charset="-122"/>
+              <a:ea typeface="微软雅黑" pitchFamily="34" charset="-122"/>
+            </a:endParaRPr>
+          </a:p>
+        </p:txBody>
+      </p:sp>
+      <p:cxnSp>
+        <p:nvCxnSpPr>
+          <p:cNvPr id="7" name="直接箭头连接符 6"/>
+          <p:cNvCxnSpPr>
+            <a:endCxn id="4" idx="0"/>
+          </p:cNvCxnSpPr>
+          <p:nvPr/>
+        </p:nvCxnSpPr>
+        <p:spPr>
+          <a:xfrm flipH="1">
+            <a:off x="2771800" y="3068960"/>
+            <a:ext cx="360040" cy="1368152"/>
+          </a:xfrm>
+          <a:prstGeom prst="straightConnector1">
+            <a:avLst/>
+          </a:prstGeom>
+          <a:ln w="38100">
+            <a:solidFill>
+              <a:srgbClr val="C9394A"/>
+            </a:solidFill>
+            <a:tailEnd type="arrow"/>
+          </a:ln>
+        </p:spPr>
+        <p:style>
+          <a:lnRef idx="1">
+            <a:schemeClr val="accent1"/>
+          </a:lnRef>
+          <a:fillRef idx="0">
+            <a:schemeClr val="accent1"/>
+          </a:fillRef>
+          <a:effectRef idx="0">
+            <a:schemeClr val="accent1"/>
+          </a:effectRef>
+          <a:fontRef idx="minor">
+            <a:schemeClr val="tx1"/>
+          </a:fontRef>
+        </p:style>
+      </p:cxnSp>
+      <p:sp>
+        <p:nvSpPr>
+          <p:cNvPr id="8" name="圆角矩形 7"/>
+          <p:cNvSpPr/>
+          <p:nvPr/>
+        </p:nvSpPr>
+        <p:spPr>
+          <a:xfrm>
+            <a:off x="5615608" y="2780928"/>
+            <a:ext cx="3528392" cy="864096"/>
+          </a:xfrm>
+          <a:prstGeom prst="roundRect">
+            <a:avLst/>
+          </a:prstGeom>
+          <a:solidFill>
+            <a:srgbClr val="C9394A"/>
+          </a:solidFill>
+          <a:ln/>
+        </p:spPr>
+        <p:style>
+          <a:lnRef idx="3">
+            <a:schemeClr val="lt1"/>
+          </a:lnRef>
+          <a:fillRef idx="1">
+            <a:schemeClr val="accent4"/>
+          </a:fillRef>
+          <a:effectRef idx="1">
+            <a:schemeClr val="accent4"/>
+          </a:effectRef>
+          <a:fontRef idx="minor">
+            <a:schemeClr val="lt1"/>
+          </a:fontRef>
+        </p:style>
+        <p:txBody>
+          <a:bodyPr anchor="ctr"/>
+          <a:lstStyle/>
+          <a:p>
+            <a:pPr algn="ctr">
+              <a:buFont typeface="Arial" charset="0"/>
+              <a:buNone/>
+              <a:defRPr/>
+            </a:pPr>
+            <a:r>
+              <a:rPr lang="zh-CN" altLang="en-US" sz="2000" b="1" dirty="0" smtClean="0">
+                <a:solidFill>
+                  <a:schemeClr val="bg1"/>
+                </a:solidFill>
+                <a:latin typeface="微软雅黑" pitchFamily="34" charset="-122"/>
+                <a:ea typeface="微软雅黑" pitchFamily="34" charset="-122"/>
+              </a:rPr>
+              <a:t>依</a:t>
+            </a:r>
+            <a:r>
+              <a:rPr lang="zh-CN" altLang="en-US" sz="2000" b="1" dirty="0" smtClean="0">
+                <a:solidFill>
+                  <a:schemeClr val="bg1"/>
+                </a:solidFill>
+                <a:latin typeface="微软雅黑" pitchFamily="34" charset="-122"/>
+                <a:ea typeface="微软雅黑" pitchFamily="34" charset="-122"/>
+              </a:rPr>
+              <a:t>赖的模块</a:t>
+            </a:r>
+            <a:endParaRPr lang="en-US" altLang="zh-CN" sz="2000" b="1" dirty="0" smtClean="0">
+              <a:solidFill>
+                <a:schemeClr val="bg1"/>
+              </a:solidFill>
+              <a:latin typeface="微软雅黑" pitchFamily="34" charset="-122"/>
+              <a:ea typeface="微软雅黑" pitchFamily="34" charset="-122"/>
+            </a:endParaRPr>
+          </a:p>
+        </p:txBody>
+      </p:sp>
+      <p:cxnSp>
+        <p:nvCxnSpPr>
+          <p:cNvPr id="9" name="直接箭头连接符 8"/>
+          <p:cNvCxnSpPr>
+            <a:endCxn id="8" idx="1"/>
+          </p:cNvCxnSpPr>
+          <p:nvPr/>
+        </p:nvCxnSpPr>
+        <p:spPr>
+          <a:xfrm>
+            <a:off x="3347864" y="2564904"/>
+            <a:ext cx="2267744" cy="648072"/>
+          </a:xfrm>
+          <a:prstGeom prst="straightConnector1">
+            <a:avLst/>
+          </a:prstGeom>
+          <a:ln w="38100">
+            <a:solidFill>
+              <a:srgbClr val="C9394A"/>
+            </a:solidFill>
+            <a:tailEnd type="arrow"/>
+          </a:ln>
+        </p:spPr>
+        <p:style>
+          <a:lnRef idx="1">
+            <a:schemeClr val="accent1"/>
+          </a:lnRef>
+          <a:fillRef idx="0">
+            <a:schemeClr val="accent1"/>
+          </a:fillRef>
+          <a:effectRef idx="0">
+            <a:schemeClr val="accent1"/>
+          </a:effectRef>
+          <a:fontRef idx="minor">
+            <a:schemeClr val="tx1"/>
+          </a:fontRef>
+        </p:style>
+      </p:cxnSp>
+      <p:sp>
+        <p:nvSpPr>
+          <p:cNvPr id="21" name="矩形 20"/>
+          <p:cNvSpPr/>
+          <p:nvPr/>
+        </p:nvSpPr>
+        <p:spPr>
+          <a:xfrm>
+            <a:off x="2339752" y="1916832"/>
+            <a:ext cx="1368152" cy="432048"/>
+          </a:xfrm>
+          <a:prstGeom prst="rect">
+            <a:avLst/>
+          </a:prstGeom>
+          <a:noFill/>
+          <a:ln w="28575">
+            <a:solidFill>
+              <a:srgbClr val="C9394A"/>
+            </a:solidFill>
+          </a:ln>
+        </p:spPr>
+        <p:style>
+          <a:lnRef idx="2">
+            <a:schemeClr val="accent1">
+              <a:shade val="50000"/>
+            </a:schemeClr>
+          </a:lnRef>
+          <a:fillRef idx="1">
+            <a:schemeClr val="accent1"/>
+          </a:fillRef>
+          <a:effectRef idx="0">
+            <a:schemeClr val="accent1"/>
+          </a:effectRef>
+          <a:fontRef idx="minor">
+            <a:schemeClr val="lt1"/>
+          </a:fontRef>
+        </p:style>
+        <p:txBody>
+          <a:bodyPr rtlCol="0" anchor="ctr"/>
+          <a:lstStyle/>
+          <a:p>
+            <a:pPr algn="ctr"/>
+            <a:endParaRPr lang="zh-CN" altLang="en-US"/>
+          </a:p>
+        </p:txBody>
+      </p:sp>
+      <p:sp>
+        <p:nvSpPr>
+          <p:cNvPr id="22" name="圆角矩形 21"/>
+          <p:cNvSpPr/>
+          <p:nvPr/>
+        </p:nvSpPr>
+        <p:spPr>
+          <a:xfrm>
+            <a:off x="3491880" y="548680"/>
+            <a:ext cx="2520280" cy="886296"/>
+          </a:xfrm>
+          <a:prstGeom prst="roundRect">
+            <a:avLst/>
+          </a:prstGeom>
+          <a:solidFill>
+            <a:srgbClr val="C9394A"/>
+          </a:solidFill>
+          <a:ln/>
+        </p:spPr>
+        <p:style>
+          <a:lnRef idx="3">
+            <a:schemeClr val="lt1"/>
+          </a:lnRef>
+          <a:fillRef idx="1">
+            <a:schemeClr val="accent4"/>
+          </a:fillRef>
+          <a:effectRef idx="1">
+            <a:schemeClr val="accent4"/>
+          </a:effectRef>
+          <a:fontRef idx="minor">
+            <a:schemeClr val="lt1"/>
+          </a:fontRef>
+        </p:style>
+        <p:txBody>
+          <a:bodyPr anchor="ctr"/>
+          <a:lstStyle/>
+          <a:p>
+            <a:pPr algn="ctr">
+              <a:buFont typeface="Arial" charset="0"/>
+              <a:buNone/>
+              <a:defRPr/>
+            </a:pPr>
+            <a:r>
+              <a:rPr lang="zh-CN" altLang="en-US" sz="2000" b="1" dirty="0" smtClean="0">
+                <a:solidFill>
+                  <a:schemeClr val="bg1"/>
+                </a:solidFill>
+              </a:rPr>
+              <a:t>不支持</a:t>
+            </a:r>
+            <a:r>
+              <a:rPr lang="en-US" altLang="zh-CN" sz="2000" b="1" dirty="0" smtClean="0">
+                <a:solidFill>
+                  <a:schemeClr val="bg1"/>
+                </a:solidFill>
+              </a:rPr>
+              <a:t>AMD</a:t>
+            </a:r>
+            <a:r>
+              <a:rPr lang="zh-CN" altLang="en-US" sz="2000" b="1" dirty="0" smtClean="0">
+                <a:solidFill>
+                  <a:schemeClr val="bg1"/>
+                </a:solidFill>
+              </a:rPr>
+              <a:t>的模块</a:t>
+            </a:r>
+            <a:endParaRPr lang="en-US" altLang="zh-CN" sz="2000" b="1" dirty="0" smtClean="0">
+              <a:solidFill>
+                <a:schemeClr val="bg1"/>
+              </a:solidFill>
+            </a:endParaRPr>
+          </a:p>
+        </p:txBody>
+      </p:sp>
+      <p:cxnSp>
+        <p:nvCxnSpPr>
+          <p:cNvPr id="23" name="直接箭头连接符 22"/>
+          <p:cNvCxnSpPr>
+            <a:stCxn id="22" idx="2"/>
+          </p:cNvCxnSpPr>
+          <p:nvPr/>
+        </p:nvCxnSpPr>
+        <p:spPr>
+          <a:xfrm flipH="1">
+            <a:off x="3275858" y="1434976"/>
+            <a:ext cx="1476162" cy="409848"/>
+          </a:xfrm>
+          <a:prstGeom prst="straightConnector1">
+            <a:avLst/>
+          </a:prstGeom>
+          <a:ln w="38100">
+            <a:solidFill>
+              <a:srgbClr val="C9394A"/>
+            </a:solidFill>
+            <a:tailEnd type="arrow"/>
+          </a:ln>
+        </p:spPr>
+        <p:style>
+          <a:lnRef idx="1">
+            <a:schemeClr val="accent1"/>
+          </a:lnRef>
+          <a:fillRef idx="0">
+            <a:schemeClr val="accent1"/>
+          </a:fillRef>
+          <a:effectRef idx="0">
+            <a:schemeClr val="accent1"/>
+          </a:effectRef>
+          <a:fontRef idx="minor">
+            <a:schemeClr val="tx1"/>
+          </a:fontRef>
+        </p:style>
+      </p:cxnSp>
+    </p:spTree>
+  </p:cSld>
+  <p:clrMapOvr>
+    <a:masterClrMapping/>
+  </p:clrMapOvr>
+  <p:timing>
+    <p:tnLst>
+      <p:par>
+        <p:cTn id="1" dur="indefinite" restart="never" nodeType="tmRoot">
+          <p:childTnLst>
+            <p:seq concurrent="1" nextAc="seek">
+              <p:cTn id="2" dur="indefinite" nodeType="mainSeq">
+                <p:childTnLst>
+                  <p:par>
+                    <p:cTn id="3" fill="hold">
+                      <p:stCondLst>
+                        <p:cond delay="indefinite"/>
+                      </p:stCondLst>
+                      <p:childTnLst>
+                        <p:par>
+                          <p:cTn id="4" fill="hold">
+                            <p:stCondLst>
+                              <p:cond delay="0"/>
+                            </p:stCondLst>
+                            <p:childTnLst>
+                              <p:par>
+                                <p:cTn id="5" presetID="2" presetClass="entr" presetSubtype="4" fill="hold" grpId="0" nodeType="clickEffect">
+                                  <p:stCondLst>
+                                    <p:cond delay="0"/>
+                                  </p:stCondLst>
+                                  <p:childTnLst>
+                                    <p:set>
+                                      <p:cBhvr>
+                                        <p:cTn id="6" dur="1" fill="hold">
+                                          <p:stCondLst>
+                                            <p:cond delay="0"/>
+                                          </p:stCondLst>
+                                        </p:cTn>
+                                        <p:tgtEl>
+                                          <p:spTgt spid="3"/>
+                                        </p:tgtEl>
+                                        <p:attrNameLst>
+                                          <p:attrName>style.visibility</p:attrName>
+                                        </p:attrNameLst>
+                                      </p:cBhvr>
+                                      <p:to>
+                                        <p:strVal val="visible"/>
+                                      </p:to>
+                                    </p:set>
+                                    <p:anim calcmode="lin" valueType="num">
+                                      <p:cBhvr additive="base">
+                                        <p:cTn id="7" dur="300" fill="hold"/>
+                                        <p:tgtEl>
+                                          <p:spTgt spid="3"/>
+                                        </p:tgtEl>
+                                        <p:attrNameLst>
+                                          <p:attrName>ppt_x</p:attrName>
+                                        </p:attrNameLst>
+                                      </p:cBhvr>
+                                      <p:tavLst>
+                                        <p:tav tm="0">
+                                          <p:val>
+                                            <p:strVal val="#ppt_x"/>
+                                          </p:val>
+                                        </p:tav>
+                                        <p:tav tm="100000">
+                                          <p:val>
+                                            <p:strVal val="#ppt_x"/>
+                                          </p:val>
+                                        </p:tav>
+                                      </p:tavLst>
+                                    </p:anim>
+                                    <p:anim calcmode="lin" valueType="num">
+                                      <p:cBhvr additive="base">
+                                        <p:cTn id="8" dur="300" fill="hold"/>
+                                        <p:tgtEl>
+                                          <p:spTgt spid="3"/>
+                                        </p:tgtEl>
+                                        <p:attrNameLst>
+                                          <p:attrName>ppt_y</p:attrName>
+                                        </p:attrNameLst>
+                                      </p:cBhvr>
+                                      <p:tavLst>
+                                        <p:tav tm="0">
+                                          <p:val>
+                                            <p:strVal val="1+#ppt_h/2"/>
+                                          </p:val>
+                                        </p:tav>
+                                        <p:tav tm="100000">
+                                          <p:val>
+                                            <p:strVal val="#ppt_y"/>
+                                          </p:val>
+                                        </p:tav>
+                                      </p:tavLst>
+                                    </p:anim>
+                                  </p:childTnLst>
+                                </p:cTn>
+                              </p:par>
+                            </p:childTnLst>
+                          </p:cTn>
+                        </p:par>
+                      </p:childTnLst>
+                    </p:cTn>
+                  </p:par>
+                  <p:par>
+                    <p:cTn id="9" fill="hold">
+                      <p:stCondLst>
+                        <p:cond delay="indefinite"/>
+                      </p:stCondLst>
+                      <p:childTnLst>
+                        <p:par>
+                          <p:cTn id="10" fill="hold">
+                            <p:stCondLst>
+                              <p:cond delay="0"/>
+                            </p:stCondLst>
+                            <p:childTnLst>
+                              <p:par>
+                                <p:cTn id="11" presetID="2" presetClass="entr" presetSubtype="4" fill="hold" nodeType="clickEffect">
+                                  <p:stCondLst>
+                                    <p:cond delay="0"/>
+                                  </p:stCondLst>
+                                  <p:childTnLst>
+                                    <p:set>
+                                      <p:cBhvr>
+                                        <p:cTn id="12" dur="1" fill="hold">
+                                          <p:stCondLst>
+                                            <p:cond delay="0"/>
+                                          </p:stCondLst>
+                                        </p:cTn>
+                                        <p:tgtEl>
+                                          <p:spTgt spid="2050"/>
+                                        </p:tgtEl>
+                                        <p:attrNameLst>
+                                          <p:attrName>style.visibility</p:attrName>
+                                        </p:attrNameLst>
+                                      </p:cBhvr>
+                                      <p:to>
+                                        <p:strVal val="visible"/>
+                                      </p:to>
+                                    </p:set>
+                                    <p:anim calcmode="lin" valueType="num">
+                                      <p:cBhvr additive="base">
+                                        <p:cTn id="13" dur="300" fill="hold"/>
+                                        <p:tgtEl>
+                                          <p:spTgt spid="2050"/>
+                                        </p:tgtEl>
+                                        <p:attrNameLst>
+                                          <p:attrName>ppt_x</p:attrName>
+                                        </p:attrNameLst>
+                                      </p:cBhvr>
+                                      <p:tavLst>
+                                        <p:tav tm="0">
+                                          <p:val>
+                                            <p:strVal val="#ppt_x"/>
+                                          </p:val>
+                                        </p:tav>
+                                        <p:tav tm="100000">
+                                          <p:val>
+                                            <p:strVal val="#ppt_x"/>
+                                          </p:val>
+                                        </p:tav>
+                                      </p:tavLst>
+                                    </p:anim>
+                                    <p:anim calcmode="lin" valueType="num">
+                                      <p:cBhvr additive="base">
+                                        <p:cTn id="14" dur="300" fill="hold"/>
+                                        <p:tgtEl>
+                                          <p:spTgt spid="2050"/>
+                                        </p:tgtEl>
+                                        <p:attrNameLst>
+                                          <p:attrName>ppt_y</p:attrName>
+                                        </p:attrNameLst>
+                                      </p:cBhvr>
+                                      <p:tavLst>
+                                        <p:tav tm="0">
+                                          <p:val>
+                                            <p:strVal val="1+#ppt_h/2"/>
+                                          </p:val>
+                                        </p:tav>
+                                        <p:tav tm="100000">
+                                          <p:val>
+                                            <p:strVal val="#ppt_y"/>
+                                          </p:val>
+                                        </p:tav>
+                                      </p:tavLst>
+                                    </p:anim>
+                                  </p:childTnLst>
+                                </p:cTn>
+                              </p:par>
+                            </p:childTnLst>
+                          </p:cTn>
+                        </p:par>
+                      </p:childTnLst>
+                    </p:cTn>
+                  </p:par>
+                  <p:par>
+                    <p:cTn id="15" fill="hold">
+                      <p:stCondLst>
+                        <p:cond delay="indefinite"/>
+                      </p:stCondLst>
+                      <p:childTnLst>
+                        <p:par>
+                          <p:cTn id="16" fill="hold">
+                            <p:stCondLst>
+                              <p:cond delay="0"/>
+                            </p:stCondLst>
+                            <p:childTnLst>
+                              <p:par>
+                                <p:cTn id="17" presetID="2" presetClass="entr" presetSubtype="4" fill="hold" grpId="0" nodeType="clickEffect">
+                                  <p:stCondLst>
+                                    <p:cond delay="0"/>
+                                  </p:stCondLst>
+                                  <p:childTnLst>
+                                    <p:set>
+                                      <p:cBhvr>
+                                        <p:cTn id="18" dur="1" fill="hold">
+                                          <p:stCondLst>
+                                            <p:cond delay="0"/>
+                                          </p:stCondLst>
+                                        </p:cTn>
+                                        <p:tgtEl>
+                                          <p:spTgt spid="22"/>
+                                        </p:tgtEl>
+                                        <p:attrNameLst>
+                                          <p:attrName>style.visibility</p:attrName>
+                                        </p:attrNameLst>
+                                      </p:cBhvr>
+                                      <p:to>
+                                        <p:strVal val="visible"/>
+                                      </p:to>
+                                    </p:set>
+                                    <p:anim calcmode="lin" valueType="num">
+                                      <p:cBhvr additive="base">
+                                        <p:cTn id="19" dur="300" fill="hold"/>
+                                        <p:tgtEl>
+                                          <p:spTgt spid="22"/>
+                                        </p:tgtEl>
+                                        <p:attrNameLst>
+                                          <p:attrName>ppt_x</p:attrName>
+                                        </p:attrNameLst>
+                                      </p:cBhvr>
+                                      <p:tavLst>
+                                        <p:tav tm="0">
+                                          <p:val>
+                                            <p:strVal val="#ppt_x"/>
+                                          </p:val>
+                                        </p:tav>
+                                        <p:tav tm="100000">
+                                          <p:val>
+                                            <p:strVal val="#ppt_x"/>
+                                          </p:val>
+                                        </p:tav>
+                                      </p:tavLst>
+                                    </p:anim>
+                                    <p:anim calcmode="lin" valueType="num">
+                                      <p:cBhvr additive="base">
+                                        <p:cTn id="20" dur="300" fill="hold"/>
+                                        <p:tgtEl>
+                                          <p:spTgt spid="22"/>
+                                        </p:tgtEl>
+                                        <p:attrNameLst>
+                                          <p:attrName>ppt_y</p:attrName>
+                                        </p:attrNameLst>
+                                      </p:cBhvr>
+                                      <p:tavLst>
+                                        <p:tav tm="0">
+                                          <p:val>
+                                            <p:strVal val="1+#ppt_h/2"/>
+                                          </p:val>
+                                        </p:tav>
+                                        <p:tav tm="100000">
+                                          <p:val>
+                                            <p:strVal val="#ppt_y"/>
+                                          </p:val>
+                                        </p:tav>
+                                      </p:tavLst>
+                                    </p:anim>
+                                  </p:childTnLst>
+                                </p:cTn>
+                              </p:par>
+                              <p:par>
+                                <p:cTn id="21" presetID="2" presetClass="entr" presetSubtype="4" fill="hold" nodeType="withEffect">
+                                  <p:stCondLst>
+                                    <p:cond delay="0"/>
+                                  </p:stCondLst>
+                                  <p:childTnLst>
+                                    <p:set>
+                                      <p:cBhvr>
+                                        <p:cTn id="22" dur="1" fill="hold">
+                                          <p:stCondLst>
+                                            <p:cond delay="0"/>
+                                          </p:stCondLst>
+                                        </p:cTn>
+                                        <p:tgtEl>
+                                          <p:spTgt spid="23"/>
+                                        </p:tgtEl>
+                                        <p:attrNameLst>
+                                          <p:attrName>style.visibility</p:attrName>
+                                        </p:attrNameLst>
+                                      </p:cBhvr>
+                                      <p:to>
+                                        <p:strVal val="visible"/>
+                                      </p:to>
+                                    </p:set>
+                                    <p:anim calcmode="lin" valueType="num">
+                                      <p:cBhvr additive="base">
+                                        <p:cTn id="23" dur="300" fill="hold"/>
+                                        <p:tgtEl>
+                                          <p:spTgt spid="23"/>
+                                        </p:tgtEl>
+                                        <p:attrNameLst>
+                                          <p:attrName>ppt_x</p:attrName>
+                                        </p:attrNameLst>
+                                      </p:cBhvr>
+                                      <p:tavLst>
+                                        <p:tav tm="0">
+                                          <p:val>
+                                            <p:strVal val="#ppt_x"/>
+                                          </p:val>
+                                        </p:tav>
+                                        <p:tav tm="100000">
+                                          <p:val>
+                                            <p:strVal val="#ppt_x"/>
+                                          </p:val>
+                                        </p:tav>
+                                      </p:tavLst>
+                                    </p:anim>
+                                    <p:anim calcmode="lin" valueType="num">
+                                      <p:cBhvr additive="base">
+                                        <p:cTn id="24" dur="300" fill="hold"/>
+                                        <p:tgtEl>
+                                          <p:spTgt spid="23"/>
+                                        </p:tgtEl>
+                                        <p:attrNameLst>
+                                          <p:attrName>ppt_y</p:attrName>
+                                        </p:attrNameLst>
+                                      </p:cBhvr>
+                                      <p:tavLst>
+                                        <p:tav tm="0">
+                                          <p:val>
+                                            <p:strVal val="1+#ppt_h/2"/>
+                                          </p:val>
+                                        </p:tav>
+                                        <p:tav tm="100000">
+                                          <p:val>
+                                            <p:strVal val="#ppt_y"/>
+                                          </p:val>
+                                        </p:tav>
+                                      </p:tavLst>
+                                    </p:anim>
+                                  </p:childTnLst>
+                                </p:cTn>
+                              </p:par>
+                              <p:par>
+                                <p:cTn id="25" presetID="2" presetClass="entr" presetSubtype="4" fill="hold" grpId="0" nodeType="withEffect">
+                                  <p:stCondLst>
+                                    <p:cond delay="0"/>
+                                  </p:stCondLst>
+                                  <p:childTnLst>
+                                    <p:set>
+                                      <p:cBhvr>
+                                        <p:cTn id="26" dur="1" fill="hold">
+                                          <p:stCondLst>
+                                            <p:cond delay="0"/>
+                                          </p:stCondLst>
+                                        </p:cTn>
+                                        <p:tgtEl>
+                                          <p:spTgt spid="21"/>
+                                        </p:tgtEl>
+                                        <p:attrNameLst>
+                                          <p:attrName>style.visibility</p:attrName>
+                                        </p:attrNameLst>
+                                      </p:cBhvr>
+                                      <p:to>
+                                        <p:strVal val="visible"/>
+                                      </p:to>
+                                    </p:set>
+                                    <p:anim calcmode="lin" valueType="num">
+                                      <p:cBhvr additive="base">
+                                        <p:cTn id="27" dur="300" fill="hold"/>
+                                        <p:tgtEl>
+                                          <p:spTgt spid="21"/>
+                                        </p:tgtEl>
+                                        <p:attrNameLst>
+                                          <p:attrName>ppt_x</p:attrName>
+                                        </p:attrNameLst>
+                                      </p:cBhvr>
+                                      <p:tavLst>
+                                        <p:tav tm="0">
+                                          <p:val>
+                                            <p:strVal val="#ppt_x"/>
+                                          </p:val>
+                                        </p:tav>
+                                        <p:tav tm="100000">
+                                          <p:val>
+                                            <p:strVal val="#ppt_x"/>
+                                          </p:val>
+                                        </p:tav>
+                                      </p:tavLst>
+                                    </p:anim>
+                                    <p:anim calcmode="lin" valueType="num">
+                                      <p:cBhvr additive="base">
+                                        <p:cTn id="28" dur="300" fill="hold"/>
+                                        <p:tgtEl>
+                                          <p:spTgt spid="21"/>
+                                        </p:tgtEl>
+                                        <p:attrNameLst>
+                                          <p:attrName>ppt_y</p:attrName>
+                                        </p:attrNameLst>
+                                      </p:cBhvr>
+                                      <p:tavLst>
+                                        <p:tav tm="0">
+                                          <p:val>
+                                            <p:strVal val="1+#ppt_h/2"/>
+                                          </p:val>
+                                        </p:tav>
+                                        <p:tav tm="100000">
+                                          <p:val>
+                                            <p:strVal val="#ppt_y"/>
+                                          </p:val>
+                                        </p:tav>
+                                      </p:tavLst>
+                                    </p:anim>
+                                  </p:childTnLst>
+                                </p:cTn>
+                              </p:par>
+                            </p:childTnLst>
+                          </p:cTn>
+                        </p:par>
+                      </p:childTnLst>
+                    </p:cTn>
+                  </p:par>
+                  <p:par>
+                    <p:cTn id="29" fill="hold">
+                      <p:stCondLst>
+                        <p:cond delay="indefinite"/>
+                      </p:stCondLst>
+                      <p:childTnLst>
+                        <p:par>
+                          <p:cTn id="30" fill="hold">
+                            <p:stCondLst>
+                              <p:cond delay="0"/>
+                            </p:stCondLst>
+                            <p:childTnLst>
+                              <p:par>
+                                <p:cTn id="31" presetID="2" presetClass="entr" presetSubtype="4" fill="hold" nodeType="clickEffect">
+                                  <p:stCondLst>
+                                    <p:cond delay="0"/>
+                                  </p:stCondLst>
+                                  <p:childTnLst>
+                                    <p:set>
+                                      <p:cBhvr>
+                                        <p:cTn id="32" dur="1" fill="hold">
+                                          <p:stCondLst>
+                                            <p:cond delay="0"/>
+                                          </p:stCondLst>
+                                        </p:cTn>
+                                        <p:tgtEl>
+                                          <p:spTgt spid="9"/>
+                                        </p:tgtEl>
+                                        <p:attrNameLst>
+                                          <p:attrName>style.visibility</p:attrName>
+                                        </p:attrNameLst>
+                                      </p:cBhvr>
+                                      <p:to>
+                                        <p:strVal val="visible"/>
+                                      </p:to>
+                                    </p:set>
+                                    <p:anim calcmode="lin" valueType="num">
+                                      <p:cBhvr additive="base">
+                                        <p:cTn id="33" dur="300" fill="hold"/>
+                                        <p:tgtEl>
+                                          <p:spTgt spid="9"/>
+                                        </p:tgtEl>
+                                        <p:attrNameLst>
+                                          <p:attrName>ppt_x</p:attrName>
+                                        </p:attrNameLst>
+                                      </p:cBhvr>
+                                      <p:tavLst>
+                                        <p:tav tm="0">
+                                          <p:val>
+                                            <p:strVal val="#ppt_x"/>
+                                          </p:val>
+                                        </p:tav>
+                                        <p:tav tm="100000">
+                                          <p:val>
+                                            <p:strVal val="#ppt_x"/>
+                                          </p:val>
+                                        </p:tav>
+                                      </p:tavLst>
+                                    </p:anim>
+                                    <p:anim calcmode="lin" valueType="num">
+                                      <p:cBhvr additive="base">
+                                        <p:cTn id="34" dur="300" fill="hold"/>
+                                        <p:tgtEl>
+                                          <p:spTgt spid="9"/>
+                                        </p:tgtEl>
+                                        <p:attrNameLst>
+                                          <p:attrName>ppt_y</p:attrName>
+                                        </p:attrNameLst>
+                                      </p:cBhvr>
+                                      <p:tavLst>
+                                        <p:tav tm="0">
+                                          <p:val>
+                                            <p:strVal val="1+#ppt_h/2"/>
+                                          </p:val>
+                                        </p:tav>
+                                        <p:tav tm="100000">
+                                          <p:val>
+                                            <p:strVal val="#ppt_y"/>
+                                          </p:val>
+                                        </p:tav>
+                                      </p:tavLst>
+                                    </p:anim>
+                                  </p:childTnLst>
+                                </p:cTn>
+                              </p:par>
+                              <p:par>
+                                <p:cTn id="35" presetID="2" presetClass="entr" presetSubtype="4" fill="hold" grpId="1" nodeType="withEffect">
+                                  <p:stCondLst>
+                                    <p:cond delay="0"/>
+                                  </p:stCondLst>
+                                  <p:childTnLst>
+                                    <p:set>
+                                      <p:cBhvr>
+                                        <p:cTn id="36" dur="1" fill="hold">
+                                          <p:stCondLst>
+                                            <p:cond delay="0"/>
+                                          </p:stCondLst>
+                                        </p:cTn>
+                                        <p:tgtEl>
+                                          <p:spTgt spid="8"/>
+                                        </p:tgtEl>
+                                        <p:attrNameLst>
+                                          <p:attrName>style.visibility</p:attrName>
+                                        </p:attrNameLst>
+                                      </p:cBhvr>
+                                      <p:to>
+                                        <p:strVal val="visible"/>
+                                      </p:to>
+                                    </p:set>
+                                    <p:anim calcmode="lin" valueType="num">
+                                      <p:cBhvr additive="base">
+                                        <p:cTn id="37" dur="300" fill="hold"/>
+                                        <p:tgtEl>
+                                          <p:spTgt spid="8"/>
+                                        </p:tgtEl>
+                                        <p:attrNameLst>
+                                          <p:attrName>ppt_x</p:attrName>
+                                        </p:attrNameLst>
+                                      </p:cBhvr>
+                                      <p:tavLst>
+                                        <p:tav tm="0">
+                                          <p:val>
+                                            <p:strVal val="#ppt_x"/>
+                                          </p:val>
+                                        </p:tav>
+                                        <p:tav tm="100000">
+                                          <p:val>
+                                            <p:strVal val="#ppt_x"/>
+                                          </p:val>
+                                        </p:tav>
+                                      </p:tavLst>
+                                    </p:anim>
+                                    <p:anim calcmode="lin" valueType="num">
+                                      <p:cBhvr additive="base">
+                                        <p:cTn id="38" dur="300" fill="hold"/>
+                                        <p:tgtEl>
+                                          <p:spTgt spid="8"/>
+                                        </p:tgtEl>
+                                        <p:attrNameLst>
+                                          <p:attrName>ppt_y</p:attrName>
+                                        </p:attrNameLst>
+                                      </p:cBhvr>
+                                      <p:tavLst>
+                                        <p:tav tm="0">
+                                          <p:val>
+                                            <p:strVal val="1+#ppt_h/2"/>
+                                          </p:val>
+                                        </p:tav>
+                                        <p:tav tm="100000">
+                                          <p:val>
+                                            <p:strVal val="#ppt_y"/>
+                                          </p:val>
+                                        </p:tav>
+                                      </p:tavLst>
+                                    </p:anim>
+                                  </p:childTnLst>
+                                </p:cTn>
+                              </p:par>
+                            </p:childTnLst>
+                          </p:cTn>
+                        </p:par>
+                      </p:childTnLst>
+                    </p:cTn>
+                  </p:par>
+                  <p:par>
+                    <p:cTn id="39" fill="hold">
+                      <p:stCondLst>
+                        <p:cond delay="indefinite"/>
+                      </p:stCondLst>
+                      <p:childTnLst>
+                        <p:par>
+                          <p:cTn id="40" fill="hold">
+                            <p:stCondLst>
+                              <p:cond delay="0"/>
+                            </p:stCondLst>
+                            <p:childTnLst>
+                              <p:par>
+                                <p:cTn id="41" presetID="2" presetClass="entr" presetSubtype="4" fill="hold" nodeType="clickEffect">
+                                  <p:stCondLst>
+                                    <p:cond delay="0"/>
+                                  </p:stCondLst>
+                                  <p:childTnLst>
+                                    <p:set>
+                                      <p:cBhvr>
+                                        <p:cTn id="42" dur="1" fill="hold">
+                                          <p:stCondLst>
+                                            <p:cond delay="0"/>
+                                          </p:stCondLst>
+                                        </p:cTn>
+                                        <p:tgtEl>
+                                          <p:spTgt spid="5"/>
+                                        </p:tgtEl>
+                                        <p:attrNameLst>
+                                          <p:attrName>style.visibility</p:attrName>
+                                        </p:attrNameLst>
+                                      </p:cBhvr>
+                                      <p:to>
+                                        <p:strVal val="visible"/>
+                                      </p:to>
+                                    </p:set>
+                                    <p:anim calcmode="lin" valueType="num">
+                                      <p:cBhvr additive="base">
+                                        <p:cTn id="43" dur="300" fill="hold"/>
+                                        <p:tgtEl>
+                                          <p:spTgt spid="5"/>
+                                        </p:tgtEl>
+                                        <p:attrNameLst>
+                                          <p:attrName>ppt_x</p:attrName>
+                                        </p:attrNameLst>
+                                      </p:cBhvr>
+                                      <p:tavLst>
+                                        <p:tav tm="0">
+                                          <p:val>
+                                            <p:strVal val="#ppt_x"/>
+                                          </p:val>
+                                        </p:tav>
+                                        <p:tav tm="100000">
+                                          <p:val>
+                                            <p:strVal val="#ppt_x"/>
+                                          </p:val>
+                                        </p:tav>
+                                      </p:tavLst>
+                                    </p:anim>
+                                    <p:anim calcmode="lin" valueType="num">
+                                      <p:cBhvr additive="base">
+                                        <p:cTn id="44" dur="300" fill="hold"/>
+                                        <p:tgtEl>
+                                          <p:spTgt spid="5"/>
+                                        </p:tgtEl>
+                                        <p:attrNameLst>
+                                          <p:attrName>ppt_y</p:attrName>
+                                        </p:attrNameLst>
+                                      </p:cBhvr>
+                                      <p:tavLst>
+                                        <p:tav tm="0">
+                                          <p:val>
+                                            <p:strVal val="1+#ppt_h/2"/>
+                                          </p:val>
+                                        </p:tav>
+                                        <p:tav tm="100000">
+                                          <p:val>
+                                            <p:strVal val="#ppt_y"/>
+                                          </p:val>
+                                        </p:tav>
+                                      </p:tavLst>
+                                    </p:anim>
+                                  </p:childTnLst>
+                                </p:cTn>
+                              </p:par>
+                              <p:par>
+                                <p:cTn id="45" presetID="2" presetClass="entr" presetSubtype="4" fill="hold" grpId="0" nodeType="withEffect">
+                                  <p:stCondLst>
+                                    <p:cond delay="0"/>
+                                  </p:stCondLst>
+                                  <p:childTnLst>
+                                    <p:set>
+                                      <p:cBhvr>
+                                        <p:cTn id="46" dur="1" fill="hold">
+                                          <p:stCondLst>
+                                            <p:cond delay="0"/>
+                                          </p:stCondLst>
+                                        </p:cTn>
+                                        <p:tgtEl>
+                                          <p:spTgt spid="6"/>
+                                        </p:tgtEl>
+                                        <p:attrNameLst>
+                                          <p:attrName>style.visibility</p:attrName>
+                                        </p:attrNameLst>
+                                      </p:cBhvr>
+                                      <p:to>
+                                        <p:strVal val="visible"/>
+                                      </p:to>
+                                    </p:set>
+                                    <p:anim calcmode="lin" valueType="num">
+                                      <p:cBhvr additive="base">
+                                        <p:cTn id="47" dur="300" fill="hold"/>
+                                        <p:tgtEl>
+                                          <p:spTgt spid="6"/>
+                                        </p:tgtEl>
+                                        <p:attrNameLst>
+                                          <p:attrName>ppt_x</p:attrName>
+                                        </p:attrNameLst>
+                                      </p:cBhvr>
+                                      <p:tavLst>
+                                        <p:tav tm="0">
+                                          <p:val>
+                                            <p:strVal val="#ppt_x"/>
+                                          </p:val>
+                                        </p:tav>
+                                        <p:tav tm="100000">
+                                          <p:val>
+                                            <p:strVal val="#ppt_x"/>
+                                          </p:val>
+                                        </p:tav>
+                                      </p:tavLst>
+                                    </p:anim>
+                                    <p:anim calcmode="lin" valueType="num">
+                                      <p:cBhvr additive="base">
+                                        <p:cTn id="48" dur="300" fill="hold"/>
+                                        <p:tgtEl>
+                                          <p:spTgt spid="6"/>
+                                        </p:tgtEl>
+                                        <p:attrNameLst>
+                                          <p:attrName>ppt_y</p:attrName>
+                                        </p:attrNameLst>
+                                      </p:cBhvr>
+                                      <p:tavLst>
+                                        <p:tav tm="0">
+                                          <p:val>
+                                            <p:strVal val="1+#ppt_h/2"/>
+                                          </p:val>
+                                        </p:tav>
+                                        <p:tav tm="100000">
+                                          <p:val>
+                                            <p:strVal val="#ppt_y"/>
+                                          </p:val>
+                                        </p:tav>
+                                      </p:tavLst>
+                                    </p:anim>
+                                  </p:childTnLst>
+                                </p:cTn>
+                              </p:par>
+                            </p:childTnLst>
+                          </p:cTn>
+                        </p:par>
+                      </p:childTnLst>
+                    </p:cTn>
+                  </p:par>
+                  <p:par>
+                    <p:cTn id="49" fill="hold">
+                      <p:stCondLst>
+                        <p:cond delay="indefinite"/>
+                      </p:stCondLst>
+                      <p:childTnLst>
+                        <p:par>
+                          <p:cTn id="50" fill="hold">
+                            <p:stCondLst>
+                              <p:cond delay="0"/>
+                            </p:stCondLst>
+                            <p:childTnLst>
+                              <p:par>
+                                <p:cTn id="51" presetID="2" presetClass="entr" presetSubtype="4" fill="hold" grpId="1" nodeType="clickEffect">
+                                  <p:stCondLst>
+                                    <p:cond delay="0"/>
+                                  </p:stCondLst>
+                                  <p:childTnLst>
+                                    <p:set>
+                                      <p:cBhvr>
+                                        <p:cTn id="52" dur="1" fill="hold">
+                                          <p:stCondLst>
+                                            <p:cond delay="0"/>
+                                          </p:stCondLst>
+                                        </p:cTn>
+                                        <p:tgtEl>
+                                          <p:spTgt spid="4"/>
+                                        </p:tgtEl>
+                                        <p:attrNameLst>
+                                          <p:attrName>style.visibility</p:attrName>
+                                        </p:attrNameLst>
+                                      </p:cBhvr>
+                                      <p:to>
+                                        <p:strVal val="visible"/>
+                                      </p:to>
+                                    </p:set>
+                                    <p:anim calcmode="lin" valueType="num">
+                                      <p:cBhvr additive="base">
+                                        <p:cTn id="53" dur="300" fill="hold"/>
+                                        <p:tgtEl>
+                                          <p:spTgt spid="4"/>
+                                        </p:tgtEl>
+                                        <p:attrNameLst>
+                                          <p:attrName>ppt_x</p:attrName>
+                                        </p:attrNameLst>
+                                      </p:cBhvr>
+                                      <p:tavLst>
+                                        <p:tav tm="0">
+                                          <p:val>
+                                            <p:strVal val="#ppt_x"/>
+                                          </p:val>
+                                        </p:tav>
+                                        <p:tav tm="100000">
+                                          <p:val>
+                                            <p:strVal val="#ppt_x"/>
+                                          </p:val>
+                                        </p:tav>
+                                      </p:tavLst>
+                                    </p:anim>
+                                    <p:anim calcmode="lin" valueType="num">
+                                      <p:cBhvr additive="base">
+                                        <p:cTn id="54" dur="300" fill="hold"/>
+                                        <p:tgtEl>
+                                          <p:spTgt spid="4"/>
+                                        </p:tgtEl>
+                                        <p:attrNameLst>
+                                          <p:attrName>ppt_y</p:attrName>
+                                        </p:attrNameLst>
+                                      </p:cBhvr>
+                                      <p:tavLst>
+                                        <p:tav tm="0">
+                                          <p:val>
+                                            <p:strVal val="1+#ppt_h/2"/>
+                                          </p:val>
+                                        </p:tav>
+                                        <p:tav tm="100000">
+                                          <p:val>
+                                            <p:strVal val="#ppt_y"/>
+                                          </p:val>
+                                        </p:tav>
+                                      </p:tavLst>
+                                    </p:anim>
+                                  </p:childTnLst>
+                                </p:cTn>
+                              </p:par>
+                              <p:par>
+                                <p:cTn id="55" presetID="2" presetClass="entr" presetSubtype="4" fill="hold" nodeType="withEffect">
+                                  <p:stCondLst>
+                                    <p:cond delay="0"/>
+                                  </p:stCondLst>
+                                  <p:childTnLst>
+                                    <p:set>
+                                      <p:cBhvr>
+                                        <p:cTn id="56" dur="1" fill="hold">
+                                          <p:stCondLst>
+                                            <p:cond delay="0"/>
+                                          </p:stCondLst>
+                                        </p:cTn>
+                                        <p:tgtEl>
+                                          <p:spTgt spid="7"/>
+                                        </p:tgtEl>
+                                        <p:attrNameLst>
+                                          <p:attrName>style.visibility</p:attrName>
+                                        </p:attrNameLst>
+                                      </p:cBhvr>
+                                      <p:to>
+                                        <p:strVal val="visible"/>
+                                      </p:to>
+                                    </p:set>
+                                    <p:anim calcmode="lin" valueType="num">
+                                      <p:cBhvr additive="base">
+                                        <p:cTn id="57" dur="300" fill="hold"/>
+                                        <p:tgtEl>
+                                          <p:spTgt spid="7"/>
+                                        </p:tgtEl>
+                                        <p:attrNameLst>
+                                          <p:attrName>ppt_x</p:attrName>
+                                        </p:attrNameLst>
+                                      </p:cBhvr>
+                                      <p:tavLst>
+                                        <p:tav tm="0">
+                                          <p:val>
+                                            <p:strVal val="#ppt_x"/>
+                                          </p:val>
+                                        </p:tav>
+                                        <p:tav tm="100000">
+                                          <p:val>
+                                            <p:strVal val="#ppt_x"/>
+                                          </p:val>
+                                        </p:tav>
+                                      </p:tavLst>
+                                    </p:anim>
+                                    <p:anim calcmode="lin" valueType="num">
+                                      <p:cBhvr additive="base">
+                                        <p:cTn id="58" dur="300" fill="hold"/>
+                                        <p:tgtEl>
+                                          <p:spTgt spid="7"/>
+                                        </p:tgtEl>
+                                        <p:attrNameLst>
+                                          <p:attrName>ppt_y</p:attrName>
+                                        </p:attrNameLst>
+                                      </p:cBhvr>
+                                      <p:tavLst>
+                                        <p:tav tm="0">
+                                          <p:val>
+                                            <p:strVal val="1+#ppt_h/2"/>
+                                          </p:val>
+                                        </p:tav>
+                                        <p:tav tm="100000">
+                                          <p:val>
+                                            <p:strVal val="#ppt_y"/>
+                                          </p:val>
+                                        </p:tav>
+                                      </p:tavLst>
+                                    </p:anim>
+                                  </p:childTnLst>
+                                </p:cTn>
+                              </p:par>
+                            </p:childTnLst>
+                          </p:cTn>
+                        </p:par>
+                      </p:childTnLst>
+                    </p:cTn>
+                  </p:par>
+                </p:childTnLst>
+              </p:cTn>
+              <p:prevCondLst>
+                <p:cond evt="onPrev" delay="0">
+                  <p:tgtEl>
+                    <p:sldTgt/>
+                  </p:tgtEl>
+                </p:cond>
+              </p:prevCondLst>
+              <p:nextCondLst>
+                <p:cond evt="onNext" delay="0">
+                  <p:tgtEl>
+                    <p:sldTgt/>
+                  </p:tgtEl>
+                </p:cond>
+              </p:nextCondLst>
+            </p:seq>
+          </p:childTnLst>
+        </p:cTn>
+      </p:par>
+    </p:tnLst>
+    <p:bldLst>
+      <p:bldP spid="3" grpId="0"/>
+      <p:bldP spid="4" grpId="1" animBg="1"/>
+      <p:bldP spid="6" grpId="0" animBg="1"/>
+    </p:bldLst>
+  </p:timing>
+</p:sld>
+</file>
+
+<file path=ppt/slides/slide31.xml><?xml version="1.0" encoding="utf-8"?>
+<p:sld xmlns:a="http://schemas.openxmlformats.org/drawingml/2006/main" xmlns:r="http://schemas.openxmlformats.org/officeDocument/2006/relationships" xmlns:p="http://schemas.openxmlformats.org/presentationml/2006/main">
+  <p:cSld>
+    <p:spTree>
+      <p:nvGrpSpPr>
+        <p:cNvPr id="1" name=""/>
+        <p:cNvGrpSpPr/>
+        <p:nvPr/>
+      </p:nvGrpSpPr>
+      <p:grpSpPr>
+        <a:xfrm>
+          <a:off x="0" y="0"/>
+          <a:ext cx="0" cy="0"/>
+          <a:chOff x="0" y="0"/>
+          <a:chExt cx="0" cy="0"/>
+        </a:xfrm>
+      </p:grpSpPr>
+      <p:pic>
+        <p:nvPicPr>
+          <p:cNvPr id="1026" name="Picture 2"/>
+          <p:cNvPicPr>
+            <a:picLocks noChangeAspect="1" noChangeArrowheads="1"/>
+          </p:cNvPicPr>
+          <p:nvPr/>
+        </p:nvPicPr>
+        <p:blipFill>
+          <a:blip r:embed="rId2" cstate="print"/>
+          <a:srcRect/>
+          <a:stretch>
+            <a:fillRect/>
+          </a:stretch>
+        </p:blipFill>
+        <p:spPr bwMode="auto">
+          <a:xfrm>
+            <a:off x="1475656" y="2492896"/>
+            <a:ext cx="4791075" cy="1676400"/>
+          </a:xfrm>
+          <a:prstGeom prst="rect">
+            <a:avLst/>
+          </a:prstGeom>
+          <a:noFill/>
+          <a:ln w="9525">
+            <a:noFill/>
+            <a:miter lim="800000"/>
+            <a:headEnd/>
+            <a:tailEnd/>
+          </a:ln>
+        </p:spPr>
+      </p:pic>
+      <p:sp>
+        <p:nvSpPr>
+          <p:cNvPr id="4" name="文本框 2"/>
+          <p:cNvSpPr txBox="1"/>
+          <p:nvPr/>
+        </p:nvSpPr>
+        <p:spPr>
+          <a:xfrm>
+            <a:off x="611560" y="1268760"/>
+            <a:ext cx="8229600" cy="400050"/>
+          </a:xfrm>
+          <a:prstGeom prst="rect">
+            <a:avLst/>
+          </a:prstGeom>
+          <a:noFill/>
+        </p:spPr>
+        <p:txBody>
+          <a:bodyPr>
+            <a:spAutoFit/>
+          </a:bodyPr>
+          <a:lstStyle/>
+          <a:p>
+            <a:pPr lvl="1">
+              <a:buFont typeface="Arial" panose="020B0604020202020204" pitchFamily="34" charset="0"/>
+              <a:buNone/>
+              <a:defRPr/>
+            </a:pPr>
+            <a:r>
+              <a:rPr lang="zh-CN" altLang="en-US" sz="2000" b="1" dirty="0" smtClean="0">
+                <a:solidFill>
+                  <a:srgbClr val="474747"/>
+                </a:solidFill>
+                <a:latin typeface="微软雅黑" pitchFamily="34" charset="-122"/>
+                <a:ea typeface="微软雅黑" pitchFamily="34" charset="-122"/>
+              </a:rPr>
+              <a:t>加载不支持</a:t>
+            </a:r>
+            <a:r>
+              <a:rPr lang="en-US" altLang="zh-CN" sz="2000" b="1" dirty="0" smtClean="0">
+                <a:solidFill>
+                  <a:srgbClr val="474747"/>
+                </a:solidFill>
+                <a:latin typeface="微软雅黑" pitchFamily="34" charset="-122"/>
+                <a:ea typeface="微软雅黑" pitchFamily="34" charset="-122"/>
+              </a:rPr>
+              <a:t>AMD</a:t>
+            </a:r>
+            <a:r>
+              <a:rPr lang="zh-CN" altLang="en-US" sz="2000" b="1" dirty="0" smtClean="0">
+                <a:solidFill>
+                  <a:srgbClr val="474747"/>
+                </a:solidFill>
+                <a:latin typeface="微软雅黑" pitchFamily="34" charset="-122"/>
+                <a:ea typeface="微软雅黑" pitchFamily="34" charset="-122"/>
+              </a:rPr>
+              <a:t>的库，如</a:t>
+            </a:r>
+            <a:r>
+              <a:rPr lang="en-US" altLang="zh-CN" sz="2000" b="1" dirty="0" err="1" smtClean="0">
+                <a:solidFill>
+                  <a:srgbClr val="C9394A"/>
+                </a:solidFill>
+                <a:latin typeface="微软雅黑" pitchFamily="34" charset="-122"/>
+                <a:ea typeface="微软雅黑" pitchFamily="34" charset="-122"/>
+              </a:rPr>
+              <a:t>Modernizr.js</a:t>
+            </a:r>
+            <a:endParaRPr lang="en-US" altLang="zh-CN" sz="2000" b="1" dirty="0">
+              <a:solidFill>
+                <a:srgbClr val="C9394A"/>
+              </a:solidFill>
+              <a:latin typeface="微软雅黑" pitchFamily="34" charset="-122"/>
+              <a:ea typeface="微软雅黑" pitchFamily="34" charset="-122"/>
+            </a:endParaRPr>
+          </a:p>
+        </p:txBody>
+      </p:sp>
+      <p:sp>
+        <p:nvSpPr>
+          <p:cNvPr id="5" name="圆角矩形 4"/>
+          <p:cNvSpPr/>
+          <p:nvPr/>
+        </p:nvSpPr>
+        <p:spPr>
+          <a:xfrm>
+            <a:off x="1475656" y="4509120"/>
+            <a:ext cx="4680520" cy="958304"/>
+          </a:xfrm>
+          <a:prstGeom prst="roundRect">
+            <a:avLst/>
+          </a:prstGeom>
+          <a:solidFill>
+            <a:srgbClr val="C9394A"/>
+          </a:solidFill>
+          <a:ln/>
+        </p:spPr>
+        <p:style>
+          <a:lnRef idx="3">
+            <a:schemeClr val="lt1"/>
+          </a:lnRef>
+          <a:fillRef idx="1">
+            <a:schemeClr val="accent4"/>
+          </a:fillRef>
+          <a:effectRef idx="1">
+            <a:schemeClr val="accent4"/>
+          </a:effectRef>
+          <a:fontRef idx="minor">
+            <a:schemeClr val="lt1"/>
+          </a:fontRef>
+        </p:style>
+        <p:txBody>
+          <a:bodyPr anchor="ctr"/>
+          <a:lstStyle/>
+          <a:p>
+            <a:pPr algn="ctr">
+              <a:buFont typeface="Arial" charset="0"/>
+              <a:buNone/>
+              <a:defRPr/>
+            </a:pPr>
+            <a:r>
+              <a:rPr lang="zh-CN" altLang="en-US" sz="2000" b="1" dirty="0" smtClean="0">
+                <a:solidFill>
+                  <a:schemeClr val="bg1"/>
+                </a:solidFill>
+                <a:latin typeface="微软雅黑" pitchFamily="34" charset="-122"/>
+                <a:ea typeface="微软雅黑" pitchFamily="34" charset="-122"/>
+              </a:rPr>
+              <a:t>把全局变量</a:t>
+            </a:r>
+            <a:r>
+              <a:rPr lang="en-US" altLang="zh-CN" sz="2000" b="1" dirty="0" err="1" smtClean="0">
+                <a:solidFill>
+                  <a:schemeClr val="bg1"/>
+                </a:solidFill>
+                <a:latin typeface="微软雅黑" pitchFamily="34" charset="-122"/>
+                <a:ea typeface="微软雅黑" pitchFamily="34" charset="-122"/>
+              </a:rPr>
+              <a:t>Modernizr</a:t>
+            </a:r>
+            <a:r>
+              <a:rPr lang="zh-CN" altLang="en-US" sz="2000" b="1" dirty="0" smtClean="0">
+                <a:solidFill>
+                  <a:schemeClr val="bg1"/>
+                </a:solidFill>
+                <a:latin typeface="微软雅黑" pitchFamily="34" charset="-122"/>
+                <a:ea typeface="微软雅黑" pitchFamily="34" charset="-122"/>
+              </a:rPr>
+              <a:t>导入为模块</a:t>
+            </a:r>
+            <a:endParaRPr lang="en-US" altLang="zh-CN" sz="2000" b="1" dirty="0" smtClean="0">
+              <a:solidFill>
+                <a:schemeClr val="bg1"/>
+              </a:solidFill>
+              <a:latin typeface="微软雅黑" pitchFamily="34" charset="-122"/>
+              <a:ea typeface="微软雅黑" pitchFamily="34" charset="-122"/>
+            </a:endParaRPr>
+          </a:p>
+        </p:txBody>
+      </p:sp>
+      <p:cxnSp>
+        <p:nvCxnSpPr>
+          <p:cNvPr id="6" name="直接箭头连接符 5"/>
+          <p:cNvCxnSpPr/>
+          <p:nvPr/>
+        </p:nvCxnSpPr>
+        <p:spPr>
+          <a:xfrm flipH="1">
+            <a:off x="3563888" y="3429000"/>
+            <a:ext cx="1" cy="1080120"/>
+          </a:xfrm>
+          <a:prstGeom prst="straightConnector1">
+            <a:avLst/>
+          </a:prstGeom>
+          <a:ln w="38100">
+            <a:solidFill>
+              <a:srgbClr val="C9394A"/>
+            </a:solidFill>
+            <a:tailEnd type="arrow"/>
+          </a:ln>
+        </p:spPr>
+        <p:style>
+          <a:lnRef idx="1">
+            <a:schemeClr val="accent1"/>
+          </a:lnRef>
+          <a:fillRef idx="0">
+            <a:schemeClr val="accent1"/>
+          </a:fillRef>
+          <a:effectRef idx="0">
+            <a:schemeClr val="accent1"/>
+          </a:effectRef>
+          <a:fontRef idx="minor">
+            <a:schemeClr val="tx1"/>
+          </a:fontRef>
+        </p:style>
+      </p:cxnSp>
+    </p:spTree>
+  </p:cSld>
+  <p:clrMapOvr>
+    <a:masterClrMapping/>
+  </p:clrMapOvr>
+  <p:timing>
+    <p:tnLst>
+      <p:par>
+        <p:cTn id="1" dur="indefinite" restart="never" nodeType="tmRoot">
+          <p:childTnLst>
+            <p:seq concurrent="1" nextAc="seek">
+              <p:cTn id="2" dur="indefinite" nodeType="mainSeq">
+                <p:childTnLst>
+                  <p:par>
+                    <p:cTn id="3" fill="hold">
+                      <p:stCondLst>
+                        <p:cond delay="indefinite"/>
+                      </p:stCondLst>
+                      <p:childTnLst>
+                        <p:par>
+                          <p:cTn id="4" fill="hold">
+                            <p:stCondLst>
+                              <p:cond delay="0"/>
+                            </p:stCondLst>
+                            <p:childTnLst>
+                              <p:par>
+                                <p:cTn id="5" presetID="2" presetClass="entr" presetSubtype="4" fill="hold" grpId="0" nodeType="clickEffect">
+                                  <p:stCondLst>
+                                    <p:cond delay="0"/>
+                                  </p:stCondLst>
+                                  <p:childTnLst>
+                                    <p:set>
+                                      <p:cBhvr>
+                                        <p:cTn id="6" dur="1" fill="hold">
+                                          <p:stCondLst>
+                                            <p:cond delay="0"/>
+                                          </p:stCondLst>
+                                        </p:cTn>
+                                        <p:tgtEl>
+                                          <p:spTgt spid="4"/>
+                                        </p:tgtEl>
+                                        <p:attrNameLst>
+                                          <p:attrName>style.visibility</p:attrName>
+                                        </p:attrNameLst>
+                                      </p:cBhvr>
+                                      <p:to>
+                                        <p:strVal val="visible"/>
+                                      </p:to>
+                                    </p:set>
+                                    <p:anim calcmode="lin" valueType="num">
+                                      <p:cBhvr additive="base">
+                                        <p:cTn id="7" dur="300" fill="hold"/>
+                                        <p:tgtEl>
+                                          <p:spTgt spid="4"/>
+                                        </p:tgtEl>
+                                        <p:attrNameLst>
+                                          <p:attrName>ppt_x</p:attrName>
+                                        </p:attrNameLst>
+                                      </p:cBhvr>
+                                      <p:tavLst>
+                                        <p:tav tm="0">
+                                          <p:val>
+                                            <p:strVal val="#ppt_x"/>
+                                          </p:val>
+                                        </p:tav>
+                                        <p:tav tm="100000">
+                                          <p:val>
+                                            <p:strVal val="#ppt_x"/>
+                                          </p:val>
+                                        </p:tav>
+                                      </p:tavLst>
+                                    </p:anim>
+                                    <p:anim calcmode="lin" valueType="num">
+                                      <p:cBhvr additive="base">
+                                        <p:cTn id="8" dur="300" fill="hold"/>
+                                        <p:tgtEl>
+                                          <p:spTgt spid="4"/>
+                                        </p:tgtEl>
+                                        <p:attrNameLst>
+                                          <p:attrName>ppt_y</p:attrName>
+                                        </p:attrNameLst>
+                                      </p:cBhvr>
+                                      <p:tavLst>
+                                        <p:tav tm="0">
+                                          <p:val>
+                                            <p:strVal val="1+#ppt_h/2"/>
+                                          </p:val>
+                                        </p:tav>
+                                        <p:tav tm="100000">
+                                          <p:val>
+                                            <p:strVal val="#ppt_y"/>
+                                          </p:val>
+                                        </p:tav>
+                                      </p:tavLst>
+                                    </p:anim>
+                                  </p:childTnLst>
+                                </p:cTn>
+                              </p:par>
+                            </p:childTnLst>
+                          </p:cTn>
+                        </p:par>
+                      </p:childTnLst>
+                    </p:cTn>
+                  </p:par>
+                  <p:par>
+                    <p:cTn id="9" fill="hold">
+                      <p:stCondLst>
+                        <p:cond delay="indefinite"/>
+                      </p:stCondLst>
+                      <p:childTnLst>
+                        <p:par>
+                          <p:cTn id="10" fill="hold">
+                            <p:stCondLst>
+                              <p:cond delay="0"/>
+                            </p:stCondLst>
+                            <p:childTnLst>
+                              <p:par>
+                                <p:cTn id="11" presetID="2" presetClass="entr" presetSubtype="4" fill="hold" nodeType="clickEffect">
+                                  <p:stCondLst>
+                                    <p:cond delay="0"/>
+                                  </p:stCondLst>
+                                  <p:childTnLst>
+                                    <p:set>
+                                      <p:cBhvr>
+                                        <p:cTn id="12" dur="1" fill="hold">
+                                          <p:stCondLst>
+                                            <p:cond delay="0"/>
+                                          </p:stCondLst>
+                                        </p:cTn>
+                                        <p:tgtEl>
+                                          <p:spTgt spid="1026"/>
+                                        </p:tgtEl>
+                                        <p:attrNameLst>
+                                          <p:attrName>style.visibility</p:attrName>
+                                        </p:attrNameLst>
+                                      </p:cBhvr>
+                                      <p:to>
+                                        <p:strVal val="visible"/>
+                                      </p:to>
+                                    </p:set>
+                                    <p:anim calcmode="lin" valueType="num">
+                                      <p:cBhvr additive="base">
+                                        <p:cTn id="13" dur="300" fill="hold"/>
+                                        <p:tgtEl>
+                                          <p:spTgt spid="1026"/>
+                                        </p:tgtEl>
+                                        <p:attrNameLst>
+                                          <p:attrName>ppt_x</p:attrName>
+                                        </p:attrNameLst>
+                                      </p:cBhvr>
+                                      <p:tavLst>
+                                        <p:tav tm="0">
+                                          <p:val>
+                                            <p:strVal val="#ppt_x"/>
+                                          </p:val>
+                                        </p:tav>
+                                        <p:tav tm="100000">
+                                          <p:val>
+                                            <p:strVal val="#ppt_x"/>
+                                          </p:val>
+                                        </p:tav>
+                                      </p:tavLst>
+                                    </p:anim>
+                                    <p:anim calcmode="lin" valueType="num">
+                                      <p:cBhvr additive="base">
+                                        <p:cTn id="14" dur="300" fill="hold"/>
+                                        <p:tgtEl>
+                                          <p:spTgt spid="1026"/>
+                                        </p:tgtEl>
+                                        <p:attrNameLst>
+                                          <p:attrName>ppt_y</p:attrName>
+                                        </p:attrNameLst>
+                                      </p:cBhvr>
+                                      <p:tavLst>
+                                        <p:tav tm="0">
+                                          <p:val>
+                                            <p:strVal val="1+#ppt_h/2"/>
+                                          </p:val>
+                                        </p:tav>
+                                        <p:tav tm="100000">
+                                          <p:val>
+                                            <p:strVal val="#ppt_y"/>
+                                          </p:val>
+                                        </p:tav>
+                                      </p:tavLst>
+                                    </p:anim>
+                                  </p:childTnLst>
+                                </p:cTn>
+                              </p:par>
+                            </p:childTnLst>
+                          </p:cTn>
+                        </p:par>
+                      </p:childTnLst>
+                    </p:cTn>
+                  </p:par>
+                  <p:par>
+                    <p:cTn id="15" fill="hold">
+                      <p:stCondLst>
+                        <p:cond delay="indefinite"/>
+                      </p:stCondLst>
+                      <p:childTnLst>
+                        <p:par>
+                          <p:cTn id="16" fill="hold">
+                            <p:stCondLst>
+                              <p:cond delay="0"/>
+                            </p:stCondLst>
+                            <p:childTnLst>
+                              <p:par>
+                                <p:cTn id="17" presetID="2" presetClass="entr" presetSubtype="4" fill="hold" grpId="0" nodeType="clickEffect">
+                                  <p:stCondLst>
+                                    <p:cond delay="0"/>
+                                  </p:stCondLst>
+                                  <p:childTnLst>
+                                    <p:set>
+                                      <p:cBhvr>
+                                        <p:cTn id="18" dur="1" fill="hold">
+                                          <p:stCondLst>
+                                            <p:cond delay="0"/>
+                                          </p:stCondLst>
+                                        </p:cTn>
+                                        <p:tgtEl>
+                                          <p:spTgt spid="5"/>
+                                        </p:tgtEl>
+                                        <p:attrNameLst>
+                                          <p:attrName>style.visibility</p:attrName>
+                                        </p:attrNameLst>
+                                      </p:cBhvr>
+                                      <p:to>
+                                        <p:strVal val="visible"/>
+                                      </p:to>
+                                    </p:set>
+                                    <p:anim calcmode="lin" valueType="num">
+                                      <p:cBhvr additive="base">
+                                        <p:cTn id="19" dur="300" fill="hold"/>
+                                        <p:tgtEl>
+                                          <p:spTgt spid="5"/>
+                                        </p:tgtEl>
+                                        <p:attrNameLst>
+                                          <p:attrName>ppt_x</p:attrName>
+                                        </p:attrNameLst>
+                                      </p:cBhvr>
+                                      <p:tavLst>
+                                        <p:tav tm="0">
+                                          <p:val>
+                                            <p:strVal val="#ppt_x"/>
+                                          </p:val>
+                                        </p:tav>
+                                        <p:tav tm="100000">
+                                          <p:val>
+                                            <p:strVal val="#ppt_x"/>
+                                          </p:val>
+                                        </p:tav>
+                                      </p:tavLst>
+                                    </p:anim>
+                                    <p:anim calcmode="lin" valueType="num">
+                                      <p:cBhvr additive="base">
+                                        <p:cTn id="20" dur="300" fill="hold"/>
+                                        <p:tgtEl>
+                                          <p:spTgt spid="5"/>
+                                        </p:tgtEl>
+                                        <p:attrNameLst>
+                                          <p:attrName>ppt_y</p:attrName>
+                                        </p:attrNameLst>
+                                      </p:cBhvr>
+                                      <p:tavLst>
+                                        <p:tav tm="0">
+                                          <p:val>
+                                            <p:strVal val="1+#ppt_h/2"/>
+                                          </p:val>
+                                        </p:tav>
+                                        <p:tav tm="100000">
+                                          <p:val>
+                                            <p:strVal val="#ppt_y"/>
+                                          </p:val>
+                                        </p:tav>
+                                      </p:tavLst>
+                                    </p:anim>
+                                  </p:childTnLst>
+                                </p:cTn>
+                              </p:par>
+                              <p:par>
+                                <p:cTn id="21" presetID="2" presetClass="entr" presetSubtype="4" fill="hold" nodeType="withEffect">
+                                  <p:stCondLst>
+                                    <p:cond delay="0"/>
+                                  </p:stCondLst>
+                                  <p:childTnLst>
+                                    <p:set>
+                                      <p:cBhvr>
+                                        <p:cTn id="22" dur="1" fill="hold">
+                                          <p:stCondLst>
+                                            <p:cond delay="0"/>
+                                          </p:stCondLst>
+                                        </p:cTn>
+                                        <p:tgtEl>
+                                          <p:spTgt spid="6"/>
+                                        </p:tgtEl>
+                                        <p:attrNameLst>
+                                          <p:attrName>style.visibility</p:attrName>
+                                        </p:attrNameLst>
+                                      </p:cBhvr>
+                                      <p:to>
+                                        <p:strVal val="visible"/>
+                                      </p:to>
+                                    </p:set>
+                                    <p:anim calcmode="lin" valueType="num">
+                                      <p:cBhvr additive="base">
+                                        <p:cTn id="23" dur="300" fill="hold"/>
+                                        <p:tgtEl>
+                                          <p:spTgt spid="6"/>
+                                        </p:tgtEl>
+                                        <p:attrNameLst>
+                                          <p:attrName>ppt_x</p:attrName>
+                                        </p:attrNameLst>
+                                      </p:cBhvr>
+                                      <p:tavLst>
+                                        <p:tav tm="0">
+                                          <p:val>
+                                            <p:strVal val="#ppt_x"/>
+                                          </p:val>
+                                        </p:tav>
+                                        <p:tav tm="100000">
+                                          <p:val>
+                                            <p:strVal val="#ppt_x"/>
+                                          </p:val>
+                                        </p:tav>
+                                      </p:tavLst>
+                                    </p:anim>
+                                    <p:anim calcmode="lin" valueType="num">
+                                      <p:cBhvr additive="base">
+                                        <p:cTn id="24" dur="300" fill="hold"/>
+                                        <p:tgtEl>
+                                          <p:spTgt spid="6"/>
+                                        </p:tgtEl>
+                                        <p:attrNameLst>
+                                          <p:attrName>ppt_y</p:attrName>
+                                        </p:attrNameLst>
+                                      </p:cBhvr>
+                                      <p:tavLst>
+                                        <p:tav tm="0">
+                                          <p:val>
+                                            <p:strVal val="1+#ppt_h/2"/>
+                                          </p:val>
+                                        </p:tav>
+                                        <p:tav tm="100000">
+                                          <p:val>
+                                            <p:strVal val="#ppt_y"/>
+                                          </p:val>
+                                        </p:tav>
+                                      </p:tavLst>
+                                    </p:anim>
+                                  </p:childTnLst>
+                                </p:cTn>
+                              </p:par>
+                            </p:childTnLst>
+                          </p:cTn>
+                        </p:par>
+                      </p:childTnLst>
+                    </p:cTn>
+                  </p:par>
+                </p:childTnLst>
+              </p:cTn>
+              <p:prevCondLst>
+                <p:cond evt="onPrev" delay="0">
+                  <p:tgtEl>
+                    <p:sldTgt/>
+                  </p:tgtEl>
+                </p:cond>
+              </p:prevCondLst>
+              <p:nextCondLst>
+                <p:cond evt="onNext" delay="0">
+                  <p:tgtEl>
+                    <p:sldTgt/>
+                  </p:tgtEl>
+                </p:cond>
+              </p:nextCondLst>
+            </p:seq>
+          </p:childTnLst>
+        </p:cTn>
+      </p:par>
+    </p:tnLst>
+    <p:bldLst>
+      <p:bldP spid="4" grpId="0"/>
+      <p:bldP spid="5" grpId="0" animBg="1"/>
+    </p:bldLst>
+  </p:timing>
+</p:sld>
+</file>
+
+<file path=ppt/slides/slide32.xml><?xml version="1.0" encoding="utf-8"?>
+<p:sld xmlns:a="http://schemas.openxmlformats.org/drawingml/2006/main" xmlns:r="http://schemas.openxmlformats.org/officeDocument/2006/relationships" xmlns:p="http://schemas.openxmlformats.org/presentationml/2006/main">
+  <p:cSld>
+    <p:spTree>
+      <p:nvGrpSpPr>
+        <p:cNvPr id="1" name=""/>
+        <p:cNvGrpSpPr/>
+        <p:nvPr/>
+      </p:nvGrpSpPr>
+      <p:grpSpPr>
+        <a:xfrm>
+          <a:off x="0" y="0"/>
+          <a:ext cx="0" cy="0"/>
+          <a:chOff x="0" y="0"/>
+          <a:chExt cx="0" cy="0"/>
+        </a:xfrm>
+      </p:grpSpPr>
+      <p:pic>
+        <p:nvPicPr>
+          <p:cNvPr id="2050" name="Picture 2"/>
+          <p:cNvPicPr>
+            <a:picLocks noChangeAspect="1" noChangeArrowheads="1"/>
+          </p:cNvPicPr>
+          <p:nvPr/>
+        </p:nvPicPr>
+        <p:blipFill>
+          <a:blip r:embed="rId2" cstate="print"/>
+          <a:srcRect/>
+          <a:stretch>
+            <a:fillRect/>
+          </a:stretch>
+        </p:blipFill>
+        <p:spPr bwMode="auto">
+          <a:xfrm>
+            <a:off x="1403648" y="2852936"/>
+            <a:ext cx="4800600" cy="1085850"/>
+          </a:xfrm>
+          <a:prstGeom prst="rect">
+            <a:avLst/>
+          </a:prstGeom>
+          <a:noFill/>
+          <a:ln w="9525">
+            <a:noFill/>
+            <a:miter lim="800000"/>
+            <a:headEnd/>
+            <a:tailEnd/>
+          </a:ln>
+        </p:spPr>
+      </p:pic>
+      <p:sp>
+        <p:nvSpPr>
+          <p:cNvPr id="3" name="文本框 2"/>
+          <p:cNvSpPr txBox="1"/>
+          <p:nvPr/>
+        </p:nvSpPr>
+        <p:spPr>
+          <a:xfrm>
+            <a:off x="611560" y="1412776"/>
+            <a:ext cx="8229600" cy="400050"/>
+          </a:xfrm>
+          <a:prstGeom prst="rect">
+            <a:avLst/>
+          </a:prstGeom>
+          <a:noFill/>
+        </p:spPr>
+        <p:txBody>
+          <a:bodyPr>
+            <a:spAutoFit/>
+          </a:bodyPr>
+          <a:lstStyle/>
+          <a:p>
+            <a:pPr lvl="1">
+              <a:buFont typeface="Arial" panose="020B0604020202020204" pitchFamily="34" charset="0"/>
+              <a:buNone/>
+              <a:defRPr/>
+            </a:pPr>
+            <a:r>
+              <a:rPr lang="zh-CN" altLang="en-US" sz="2000" b="1" dirty="0" smtClean="0">
+                <a:solidFill>
+                  <a:srgbClr val="474747"/>
+                </a:solidFill>
+                <a:latin typeface="微软雅黑" pitchFamily="34" charset="-122"/>
+                <a:ea typeface="微软雅黑" pitchFamily="34" charset="-122"/>
+              </a:rPr>
+              <a:t>加载不支持</a:t>
+            </a:r>
+            <a:r>
+              <a:rPr lang="en-US" altLang="zh-CN" sz="2000" b="1" dirty="0" smtClean="0">
+                <a:solidFill>
+                  <a:srgbClr val="474747"/>
+                </a:solidFill>
+                <a:latin typeface="微软雅黑" pitchFamily="34" charset="-122"/>
+                <a:ea typeface="微软雅黑" pitchFamily="34" charset="-122"/>
+              </a:rPr>
+              <a:t>AMD</a:t>
+            </a:r>
+            <a:r>
+              <a:rPr lang="zh-CN" altLang="en-US" sz="2000" b="1" dirty="0" smtClean="0">
+                <a:solidFill>
+                  <a:srgbClr val="474747"/>
+                </a:solidFill>
+                <a:latin typeface="微软雅黑" pitchFamily="34" charset="-122"/>
+                <a:ea typeface="微软雅黑" pitchFamily="34" charset="-122"/>
+              </a:rPr>
+              <a:t>的框架，如</a:t>
+            </a:r>
+            <a:r>
+              <a:rPr lang="en-US" altLang="zh-CN" sz="2000" b="1" dirty="0" smtClean="0">
+                <a:solidFill>
+                  <a:srgbClr val="C9394A"/>
+                </a:solidFill>
+                <a:latin typeface="微软雅黑" pitchFamily="34" charset="-122"/>
+                <a:ea typeface="微软雅黑" pitchFamily="34" charset="-122"/>
+              </a:rPr>
+              <a:t>bootstrap</a:t>
+            </a:r>
+            <a:endParaRPr lang="en-US" altLang="zh-CN" sz="2000" b="1" dirty="0">
+              <a:solidFill>
+                <a:srgbClr val="C9394A"/>
+              </a:solidFill>
+              <a:latin typeface="微软雅黑" pitchFamily="34" charset="-122"/>
+              <a:ea typeface="微软雅黑" pitchFamily="34" charset="-122"/>
+            </a:endParaRPr>
+          </a:p>
+        </p:txBody>
+      </p:sp>
+      <p:sp>
+        <p:nvSpPr>
+          <p:cNvPr id="4" name="圆角矩形 3"/>
+          <p:cNvSpPr/>
+          <p:nvPr/>
+        </p:nvSpPr>
+        <p:spPr>
+          <a:xfrm>
+            <a:off x="1475656" y="4509120"/>
+            <a:ext cx="4680520" cy="958304"/>
+          </a:xfrm>
+          <a:prstGeom prst="roundRect">
+            <a:avLst/>
+          </a:prstGeom>
+          <a:solidFill>
+            <a:srgbClr val="C9394A"/>
+          </a:solidFill>
+          <a:ln/>
+        </p:spPr>
+        <p:style>
+          <a:lnRef idx="3">
+            <a:schemeClr val="lt1"/>
+          </a:lnRef>
+          <a:fillRef idx="1">
+            <a:schemeClr val="accent4"/>
+          </a:fillRef>
+          <a:effectRef idx="1">
+            <a:schemeClr val="accent4"/>
+          </a:effectRef>
+          <a:fontRef idx="minor">
+            <a:schemeClr val="lt1"/>
+          </a:fontRef>
+        </p:style>
+        <p:txBody>
+          <a:bodyPr anchor="ctr"/>
+          <a:lstStyle/>
+          <a:p>
+            <a:pPr algn="ctr">
+              <a:buFont typeface="Arial" charset="0"/>
+              <a:buNone/>
+              <a:defRPr/>
+            </a:pPr>
+            <a:r>
+              <a:rPr lang="en-US" altLang="zh-CN" sz="2000" b="1" dirty="0" smtClean="0">
+                <a:solidFill>
+                  <a:schemeClr val="bg1"/>
+                </a:solidFill>
+                <a:latin typeface="微软雅黑" pitchFamily="34" charset="-122"/>
+                <a:ea typeface="微软雅黑" pitchFamily="34" charset="-122"/>
+              </a:rPr>
+              <a:t>Bootstrap</a:t>
+            </a:r>
+            <a:r>
+              <a:rPr lang="zh-CN" altLang="en-US" sz="2000" b="1" dirty="0" smtClean="0">
+                <a:solidFill>
+                  <a:schemeClr val="bg1"/>
+                </a:solidFill>
+                <a:latin typeface="微软雅黑" pitchFamily="34" charset="-122"/>
+                <a:ea typeface="微软雅黑" pitchFamily="34" charset="-122"/>
+              </a:rPr>
+              <a:t>依赖的模块</a:t>
+            </a:r>
+            <a:r>
+              <a:rPr lang="en-US" altLang="zh-CN" sz="2000" b="1" dirty="0" err="1" smtClean="0">
+                <a:solidFill>
+                  <a:schemeClr val="bg1"/>
+                </a:solidFill>
+                <a:latin typeface="微软雅黑" pitchFamily="34" charset="-122"/>
+                <a:ea typeface="微软雅黑" pitchFamily="34" charset="-122"/>
+              </a:rPr>
+              <a:t>jquery</a:t>
+            </a:r>
+            <a:endParaRPr lang="en-US" altLang="zh-CN" sz="2000" b="1" dirty="0" smtClean="0">
+              <a:solidFill>
+                <a:schemeClr val="bg1"/>
+              </a:solidFill>
+              <a:latin typeface="微软雅黑" pitchFamily="34" charset="-122"/>
+              <a:ea typeface="微软雅黑" pitchFamily="34" charset="-122"/>
+            </a:endParaRPr>
+          </a:p>
+        </p:txBody>
+      </p:sp>
+      <p:cxnSp>
+        <p:nvCxnSpPr>
+          <p:cNvPr id="5" name="直接箭头连接符 4"/>
+          <p:cNvCxnSpPr/>
+          <p:nvPr/>
+        </p:nvCxnSpPr>
+        <p:spPr>
+          <a:xfrm flipH="1">
+            <a:off x="3563889" y="3501008"/>
+            <a:ext cx="1152127" cy="1008112"/>
+          </a:xfrm>
+          <a:prstGeom prst="straightConnector1">
+            <a:avLst/>
+          </a:prstGeom>
+          <a:ln w="38100">
+            <a:solidFill>
+              <a:srgbClr val="C9394A"/>
+            </a:solidFill>
+            <a:tailEnd type="arrow"/>
+          </a:ln>
+        </p:spPr>
+        <p:style>
+          <a:lnRef idx="1">
+            <a:schemeClr val="accent1"/>
+          </a:lnRef>
+          <a:fillRef idx="0">
+            <a:schemeClr val="accent1"/>
+          </a:fillRef>
+          <a:effectRef idx="0">
+            <a:schemeClr val="accent1"/>
+          </a:effectRef>
+          <a:fontRef idx="minor">
+            <a:schemeClr val="tx1"/>
+          </a:fontRef>
+        </p:style>
+      </p:cxnSp>
+    </p:spTree>
+  </p:cSld>
+  <p:clrMapOvr>
+    <a:masterClrMapping/>
+  </p:clrMapOvr>
+  <p:timing>
+    <p:tnLst>
+      <p:par>
+        <p:cTn id="1" dur="indefinite" restart="never" nodeType="tmRoot">
+          <p:childTnLst>
+            <p:seq concurrent="1" nextAc="seek">
+              <p:cTn id="2" dur="indefinite" nodeType="mainSeq">
+                <p:childTnLst>
+                  <p:par>
+                    <p:cTn id="3" fill="hold">
+                      <p:stCondLst>
+                        <p:cond delay="indefinite"/>
+                      </p:stCondLst>
+                      <p:childTnLst>
+                        <p:par>
+                          <p:cTn id="4" fill="hold">
+                            <p:stCondLst>
+                              <p:cond delay="0"/>
+                            </p:stCondLst>
+                            <p:childTnLst>
+                              <p:par>
+                                <p:cTn id="5" presetID="2" presetClass="entr" presetSubtype="4" fill="hold" grpId="0" nodeType="clickEffect">
+                                  <p:stCondLst>
+                                    <p:cond delay="0"/>
+                                  </p:stCondLst>
+                                  <p:childTnLst>
+                                    <p:set>
+                                      <p:cBhvr>
+                                        <p:cTn id="6" dur="1" fill="hold">
+                                          <p:stCondLst>
+                                            <p:cond delay="0"/>
+                                          </p:stCondLst>
+                                        </p:cTn>
+                                        <p:tgtEl>
+                                          <p:spTgt spid="3"/>
+                                        </p:tgtEl>
+                                        <p:attrNameLst>
+                                          <p:attrName>style.visibility</p:attrName>
+                                        </p:attrNameLst>
+                                      </p:cBhvr>
+                                      <p:to>
+                                        <p:strVal val="visible"/>
+                                      </p:to>
+                                    </p:set>
+                                    <p:anim calcmode="lin" valueType="num">
+                                      <p:cBhvr additive="base">
+                                        <p:cTn id="7" dur="300" fill="hold"/>
+                                        <p:tgtEl>
+                                          <p:spTgt spid="3"/>
+                                        </p:tgtEl>
+                                        <p:attrNameLst>
+                                          <p:attrName>ppt_x</p:attrName>
+                                        </p:attrNameLst>
+                                      </p:cBhvr>
+                                      <p:tavLst>
+                                        <p:tav tm="0">
+                                          <p:val>
+                                            <p:strVal val="#ppt_x"/>
+                                          </p:val>
+                                        </p:tav>
+                                        <p:tav tm="100000">
+                                          <p:val>
+                                            <p:strVal val="#ppt_x"/>
+                                          </p:val>
+                                        </p:tav>
+                                      </p:tavLst>
+                                    </p:anim>
+                                    <p:anim calcmode="lin" valueType="num">
+                                      <p:cBhvr additive="base">
+                                        <p:cTn id="8" dur="300" fill="hold"/>
+                                        <p:tgtEl>
+                                          <p:spTgt spid="3"/>
+                                        </p:tgtEl>
+                                        <p:attrNameLst>
+                                          <p:attrName>ppt_y</p:attrName>
+                                        </p:attrNameLst>
+                                      </p:cBhvr>
+                                      <p:tavLst>
+                                        <p:tav tm="0">
+                                          <p:val>
+                                            <p:strVal val="1+#ppt_h/2"/>
+                                          </p:val>
+                                        </p:tav>
+                                        <p:tav tm="100000">
+                                          <p:val>
+                                            <p:strVal val="#ppt_y"/>
+                                          </p:val>
+                                        </p:tav>
+                                      </p:tavLst>
+                                    </p:anim>
+                                  </p:childTnLst>
+                                </p:cTn>
+                              </p:par>
+                            </p:childTnLst>
+                          </p:cTn>
+                        </p:par>
+                      </p:childTnLst>
+                    </p:cTn>
+                  </p:par>
+                  <p:par>
+                    <p:cTn id="9" fill="hold">
+                      <p:stCondLst>
+                        <p:cond delay="indefinite"/>
+                      </p:stCondLst>
+                      <p:childTnLst>
+                        <p:par>
+                          <p:cTn id="10" fill="hold">
+                            <p:stCondLst>
+                              <p:cond delay="0"/>
+                            </p:stCondLst>
+                            <p:childTnLst>
+                              <p:par>
+                                <p:cTn id="11" presetID="2" presetClass="entr" presetSubtype="4" fill="hold" nodeType="clickEffect">
+                                  <p:stCondLst>
+                                    <p:cond delay="0"/>
+                                  </p:stCondLst>
+                                  <p:childTnLst>
+                                    <p:set>
+                                      <p:cBhvr>
+                                        <p:cTn id="12" dur="1" fill="hold">
+                                          <p:stCondLst>
+                                            <p:cond delay="0"/>
+                                          </p:stCondLst>
+                                        </p:cTn>
+                                        <p:tgtEl>
+                                          <p:spTgt spid="2050"/>
+                                        </p:tgtEl>
+                                        <p:attrNameLst>
+                                          <p:attrName>style.visibility</p:attrName>
+                                        </p:attrNameLst>
+                                      </p:cBhvr>
+                                      <p:to>
+                                        <p:strVal val="visible"/>
+                                      </p:to>
+                                    </p:set>
+                                    <p:anim calcmode="lin" valueType="num">
+                                      <p:cBhvr additive="base">
+                                        <p:cTn id="13" dur="300" fill="hold"/>
+                                        <p:tgtEl>
+                                          <p:spTgt spid="2050"/>
+                                        </p:tgtEl>
+                                        <p:attrNameLst>
+                                          <p:attrName>ppt_x</p:attrName>
+                                        </p:attrNameLst>
+                                      </p:cBhvr>
+                                      <p:tavLst>
+                                        <p:tav tm="0">
+                                          <p:val>
+                                            <p:strVal val="#ppt_x"/>
+                                          </p:val>
+                                        </p:tav>
+                                        <p:tav tm="100000">
+                                          <p:val>
+                                            <p:strVal val="#ppt_x"/>
+                                          </p:val>
+                                        </p:tav>
+                                      </p:tavLst>
+                                    </p:anim>
+                                    <p:anim calcmode="lin" valueType="num">
+                                      <p:cBhvr additive="base">
+                                        <p:cTn id="14" dur="300" fill="hold"/>
+                                        <p:tgtEl>
+                                          <p:spTgt spid="2050"/>
+                                        </p:tgtEl>
+                                        <p:attrNameLst>
+                                          <p:attrName>ppt_y</p:attrName>
+                                        </p:attrNameLst>
+                                      </p:cBhvr>
+                                      <p:tavLst>
+                                        <p:tav tm="0">
+                                          <p:val>
+                                            <p:strVal val="1+#ppt_h/2"/>
+                                          </p:val>
+                                        </p:tav>
+                                        <p:tav tm="100000">
+                                          <p:val>
+                                            <p:strVal val="#ppt_y"/>
+                                          </p:val>
+                                        </p:tav>
+                                      </p:tavLst>
+                                    </p:anim>
+                                  </p:childTnLst>
+                                </p:cTn>
+                              </p:par>
+                            </p:childTnLst>
+                          </p:cTn>
+                        </p:par>
+                      </p:childTnLst>
+                    </p:cTn>
+                  </p:par>
+                  <p:par>
+                    <p:cTn id="15" fill="hold">
+                      <p:stCondLst>
+                        <p:cond delay="indefinite"/>
+                      </p:stCondLst>
+                      <p:childTnLst>
+                        <p:par>
+                          <p:cTn id="16" fill="hold">
+                            <p:stCondLst>
+                              <p:cond delay="0"/>
+                            </p:stCondLst>
+                            <p:childTnLst>
+                              <p:par>
+                                <p:cTn id="17" presetID="2" presetClass="entr" presetSubtype="4" fill="hold" grpId="0" nodeType="clickEffect">
+                                  <p:stCondLst>
+                                    <p:cond delay="0"/>
+                                  </p:stCondLst>
+                                  <p:childTnLst>
+                                    <p:set>
+                                      <p:cBhvr>
+                                        <p:cTn id="18" dur="1" fill="hold">
+                                          <p:stCondLst>
+                                            <p:cond delay="0"/>
+                                          </p:stCondLst>
+                                        </p:cTn>
+                                        <p:tgtEl>
+                                          <p:spTgt spid="4"/>
+                                        </p:tgtEl>
+                                        <p:attrNameLst>
+                                          <p:attrName>style.visibility</p:attrName>
+                                        </p:attrNameLst>
+                                      </p:cBhvr>
+                                      <p:to>
+                                        <p:strVal val="visible"/>
+                                      </p:to>
+                                    </p:set>
+                                    <p:anim calcmode="lin" valueType="num">
+                                      <p:cBhvr additive="base">
+                                        <p:cTn id="19" dur="300" fill="hold"/>
+                                        <p:tgtEl>
+                                          <p:spTgt spid="4"/>
+                                        </p:tgtEl>
+                                        <p:attrNameLst>
+                                          <p:attrName>ppt_x</p:attrName>
+                                        </p:attrNameLst>
+                                      </p:cBhvr>
+                                      <p:tavLst>
+                                        <p:tav tm="0">
+                                          <p:val>
+                                            <p:strVal val="#ppt_x"/>
+                                          </p:val>
+                                        </p:tav>
+                                        <p:tav tm="100000">
+                                          <p:val>
+                                            <p:strVal val="#ppt_x"/>
+                                          </p:val>
+                                        </p:tav>
+                                      </p:tavLst>
+                                    </p:anim>
+                                    <p:anim calcmode="lin" valueType="num">
+                                      <p:cBhvr additive="base">
+                                        <p:cTn id="20" dur="300" fill="hold"/>
+                                        <p:tgtEl>
+                                          <p:spTgt spid="4"/>
+                                        </p:tgtEl>
+                                        <p:attrNameLst>
+                                          <p:attrName>ppt_y</p:attrName>
+                                        </p:attrNameLst>
+                                      </p:cBhvr>
+                                      <p:tavLst>
+                                        <p:tav tm="0">
+                                          <p:val>
+                                            <p:strVal val="1+#ppt_h/2"/>
+                                          </p:val>
+                                        </p:tav>
+                                        <p:tav tm="100000">
+                                          <p:val>
+                                            <p:strVal val="#ppt_y"/>
+                                          </p:val>
+                                        </p:tav>
+                                      </p:tavLst>
+                                    </p:anim>
+                                  </p:childTnLst>
+                                </p:cTn>
+                              </p:par>
+                              <p:par>
+                                <p:cTn id="21" presetID="2" presetClass="entr" presetSubtype="4" fill="hold" nodeType="withEffect">
+                                  <p:stCondLst>
+                                    <p:cond delay="0"/>
+                                  </p:stCondLst>
+                                  <p:childTnLst>
+                                    <p:set>
+                                      <p:cBhvr>
+                                        <p:cTn id="22" dur="1" fill="hold">
+                                          <p:stCondLst>
+                                            <p:cond delay="0"/>
+                                          </p:stCondLst>
+                                        </p:cTn>
+                                        <p:tgtEl>
+                                          <p:spTgt spid="5"/>
+                                        </p:tgtEl>
+                                        <p:attrNameLst>
+                                          <p:attrName>style.visibility</p:attrName>
+                                        </p:attrNameLst>
+                                      </p:cBhvr>
+                                      <p:to>
+                                        <p:strVal val="visible"/>
+                                      </p:to>
+                                    </p:set>
+                                    <p:anim calcmode="lin" valueType="num">
+                                      <p:cBhvr additive="base">
+                                        <p:cTn id="23" dur="300" fill="hold"/>
+                                        <p:tgtEl>
+                                          <p:spTgt spid="5"/>
+                                        </p:tgtEl>
+                                        <p:attrNameLst>
+                                          <p:attrName>ppt_x</p:attrName>
+                                        </p:attrNameLst>
+                                      </p:cBhvr>
+                                      <p:tavLst>
+                                        <p:tav tm="0">
+                                          <p:val>
+                                            <p:strVal val="#ppt_x"/>
+                                          </p:val>
+                                        </p:tav>
+                                        <p:tav tm="100000">
+                                          <p:val>
+                                            <p:strVal val="#ppt_x"/>
+                                          </p:val>
+                                        </p:tav>
+                                      </p:tavLst>
+                                    </p:anim>
+                                    <p:anim calcmode="lin" valueType="num">
+                                      <p:cBhvr additive="base">
+                                        <p:cTn id="24" dur="300" fill="hold"/>
+                                        <p:tgtEl>
+                                          <p:spTgt spid="5"/>
+                                        </p:tgtEl>
+                                        <p:attrNameLst>
+                                          <p:attrName>ppt_y</p:attrName>
+                                        </p:attrNameLst>
+                                      </p:cBhvr>
+                                      <p:tavLst>
+                                        <p:tav tm="0">
+                                          <p:val>
+                                            <p:strVal val="1+#ppt_h/2"/>
+                                          </p:val>
+                                        </p:tav>
+                                        <p:tav tm="100000">
+                                          <p:val>
+                                            <p:strVal val="#ppt_y"/>
+                                          </p:val>
+                                        </p:tav>
+                                      </p:tavLst>
+                                    </p:anim>
+                                  </p:childTnLst>
+                                </p:cTn>
+                              </p:par>
+                            </p:childTnLst>
+                          </p:cTn>
+                        </p:par>
+                      </p:childTnLst>
+                    </p:cTn>
+                  </p:par>
+                </p:childTnLst>
+              </p:cTn>
+              <p:prevCondLst>
+                <p:cond evt="onPrev" delay="0">
+                  <p:tgtEl>
+                    <p:sldTgt/>
+                  </p:tgtEl>
+                </p:cond>
+              </p:prevCondLst>
+              <p:nextCondLst>
+                <p:cond evt="onNext" delay="0">
+                  <p:tgtEl>
+                    <p:sldTgt/>
+                  </p:tgtEl>
+                </p:cond>
+              </p:nextCondLst>
+            </p:seq>
+          </p:childTnLst>
+        </p:cTn>
+      </p:par>
+    </p:tnLst>
+    <p:bldLst>
+      <p:bldP spid="3" grpId="0"/>
+      <p:bldP spid="4" grpId="0" animBg="1"/>
+    </p:bldLst>
+  </p:timing>
 </p:sld>
 </file>
 

--- a/requirejs/doc/requirejs.pptx
+++ b/requirejs/doc/requirejs.pptx
@@ -5,7 +5,7 @@
     <p:sldMasterId id="2147483648" r:id="rId1"/>
   </p:sldMasterIdLst>
   <p:notesMasterIdLst>
-    <p:notesMasterId r:id="rId34"/>
+    <p:notesMasterId r:id="rId41"/>
   </p:notesMasterIdLst>
   <p:sldIdLst>
     <p:sldId id="258" r:id="rId2"/>
@@ -40,6 +40,13 @@
     <p:sldId id="290" r:id="rId31"/>
     <p:sldId id="287" r:id="rId32"/>
     <p:sldId id="288" r:id="rId33"/>
+    <p:sldId id="291" r:id="rId34"/>
+    <p:sldId id="292" r:id="rId35"/>
+    <p:sldId id="293" r:id="rId36"/>
+    <p:sldId id="294" r:id="rId37"/>
+    <p:sldId id="295" r:id="rId38"/>
+    <p:sldId id="296" r:id="rId39"/>
+    <p:sldId id="297" r:id="rId40"/>
   </p:sldIdLst>
   <p:sldSz cx="9144000" cy="6858000" type="screen4x3"/>
   <p:notesSz cx="6858000" cy="9144000"/>
@@ -224,7 +231,7 @@
             <a:fld id="{B2C916C8-812D-4B64-92A8-238699F8A54D}" type="datetimeFigureOut">
               <a:rPr lang="zh-CN" altLang="en-US" smtClean="0"/>
               <a:pPr/>
-              <a:t>2016/5/17</a:t>
+              <a:t>2016/5/23</a:t>
             </a:fld>
             <a:endParaRPr lang="zh-CN" altLang="en-US"/>
           </a:p>
@@ -754,7 +761,7 @@
             <a:fld id="{530820CF-B880-4189-942D-D702A7CBA730}" type="datetimeFigureOut">
               <a:rPr lang="zh-CN" altLang="en-US" smtClean="0"/>
               <a:pPr/>
-              <a:t>2016/5/17</a:t>
+              <a:t>2016/5/23</a:t>
             </a:fld>
             <a:endParaRPr lang="zh-CN" altLang="en-US"/>
           </a:p>
@@ -921,7 +928,7 @@
             <a:fld id="{530820CF-B880-4189-942D-D702A7CBA730}" type="datetimeFigureOut">
               <a:rPr lang="zh-CN" altLang="en-US" smtClean="0"/>
               <a:pPr/>
-              <a:t>2016/5/17</a:t>
+              <a:t>2016/5/23</a:t>
             </a:fld>
             <a:endParaRPr lang="zh-CN" altLang="en-US"/>
           </a:p>
@@ -1098,7 +1105,7 @@
             <a:fld id="{530820CF-B880-4189-942D-D702A7CBA730}" type="datetimeFigureOut">
               <a:rPr lang="zh-CN" altLang="en-US" smtClean="0"/>
               <a:pPr/>
-              <a:t>2016/5/17</a:t>
+              <a:t>2016/5/23</a:t>
             </a:fld>
             <a:endParaRPr lang="zh-CN" altLang="en-US"/>
           </a:p>
@@ -1265,7 +1272,7 @@
             <a:fld id="{530820CF-B880-4189-942D-D702A7CBA730}" type="datetimeFigureOut">
               <a:rPr lang="zh-CN" altLang="en-US" smtClean="0"/>
               <a:pPr/>
-              <a:t>2016/5/17</a:t>
+              <a:t>2016/5/23</a:t>
             </a:fld>
             <a:endParaRPr lang="zh-CN" altLang="en-US"/>
           </a:p>
@@ -1508,7 +1515,7 @@
             <a:fld id="{530820CF-B880-4189-942D-D702A7CBA730}" type="datetimeFigureOut">
               <a:rPr lang="zh-CN" altLang="en-US" smtClean="0"/>
               <a:pPr/>
-              <a:t>2016/5/17</a:t>
+              <a:t>2016/5/23</a:t>
             </a:fld>
             <a:endParaRPr lang="zh-CN" altLang="en-US"/>
           </a:p>
@@ -1793,7 +1800,7 @@
             <a:fld id="{530820CF-B880-4189-942D-D702A7CBA730}" type="datetimeFigureOut">
               <a:rPr lang="zh-CN" altLang="en-US" smtClean="0"/>
               <a:pPr/>
-              <a:t>2016/5/17</a:t>
+              <a:t>2016/5/23</a:t>
             </a:fld>
             <a:endParaRPr lang="zh-CN" altLang="en-US"/>
           </a:p>
@@ -2212,7 +2219,7 @@
             <a:fld id="{530820CF-B880-4189-942D-D702A7CBA730}" type="datetimeFigureOut">
               <a:rPr lang="zh-CN" altLang="en-US" smtClean="0"/>
               <a:pPr/>
-              <a:t>2016/5/17</a:t>
+              <a:t>2016/5/23</a:t>
             </a:fld>
             <a:endParaRPr lang="zh-CN" altLang="en-US"/>
           </a:p>
@@ -2327,7 +2334,7 @@
             <a:fld id="{530820CF-B880-4189-942D-D702A7CBA730}" type="datetimeFigureOut">
               <a:rPr lang="zh-CN" altLang="en-US" smtClean="0"/>
               <a:pPr/>
-              <a:t>2016/5/17</a:t>
+              <a:t>2016/5/23</a:t>
             </a:fld>
             <a:endParaRPr lang="zh-CN" altLang="en-US"/>
           </a:p>
@@ -2419,7 +2426,7 @@
             <a:fld id="{530820CF-B880-4189-942D-D702A7CBA730}" type="datetimeFigureOut">
               <a:rPr lang="zh-CN" altLang="en-US" smtClean="0"/>
               <a:pPr/>
-              <a:t>2016/5/17</a:t>
+              <a:t>2016/5/23</a:t>
             </a:fld>
             <a:endParaRPr lang="zh-CN" altLang="en-US"/>
           </a:p>
@@ -2693,7 +2700,7 @@
             <a:fld id="{530820CF-B880-4189-942D-D702A7CBA730}" type="datetimeFigureOut">
               <a:rPr lang="zh-CN" altLang="en-US" smtClean="0"/>
               <a:pPr/>
-              <a:t>2016/5/17</a:t>
+              <a:t>2016/5/23</a:t>
             </a:fld>
             <a:endParaRPr lang="zh-CN" altLang="en-US"/>
           </a:p>
@@ -2943,7 +2950,7 @@
             <a:fld id="{530820CF-B880-4189-942D-D702A7CBA730}" type="datetimeFigureOut">
               <a:rPr lang="zh-CN" altLang="en-US" smtClean="0"/>
               <a:pPr/>
-              <a:t>2016/5/17</a:t>
+              <a:t>2016/5/23</a:t>
             </a:fld>
             <a:endParaRPr lang="zh-CN" altLang="en-US"/>
           </a:p>
@@ -3153,7 +3160,7 @@
             <a:fld id="{530820CF-B880-4189-942D-D702A7CBA730}" type="datetimeFigureOut">
               <a:rPr lang="zh-CN" altLang="en-US" smtClean="0"/>
               <a:pPr/>
-              <a:t>2016/5/17</a:t>
+              <a:t>2016/5/23</a:t>
             </a:fld>
             <a:endParaRPr lang="zh-CN" altLang="en-US"/>
           </a:p>
@@ -14601,13 +14608,6 @@
               </a:rPr>
               <a:t>require/define</a:t>
             </a:r>
-            <a:endParaRPr lang="en-US" altLang="zh-CN" sz="2000" b="1" dirty="0" smtClean="0">
-              <a:solidFill>
-                <a:schemeClr val="bg1"/>
-              </a:solidFill>
-              <a:latin typeface="微软雅黑" pitchFamily="34" charset="-122"/>
-              <a:ea typeface="微软雅黑" pitchFamily="34" charset="-122"/>
-            </a:endParaRPr>
           </a:p>
         </p:txBody>
       </p:sp>
@@ -15513,17 +15513,7 @@
                 <a:latin typeface="微软雅黑" pitchFamily="34" charset="-122"/>
                 <a:ea typeface="微软雅黑" pitchFamily="34" charset="-122"/>
               </a:rPr>
-              <a:t>作</a:t>
-            </a:r>
-            <a:r>
-              <a:rPr lang="zh-CN" altLang="en-US" sz="2000" b="1" dirty="0" smtClean="0">
-                <a:solidFill>
-                  <a:schemeClr val="bg1"/>
-                </a:solidFill>
-                <a:latin typeface="微软雅黑" pitchFamily="34" charset="-122"/>
-                <a:ea typeface="微软雅黑" pitchFamily="34" charset="-122"/>
-              </a:rPr>
-              <a:t>为模块对象</a:t>
+              <a:t>作为模块对象</a:t>
             </a:r>
             <a:endParaRPr lang="en-US" altLang="zh-CN" sz="2000" b="1" dirty="0" smtClean="0">
               <a:solidFill>
@@ -15723,17 +15713,7 @@
                 <a:latin typeface="微软雅黑" pitchFamily="34" charset="-122"/>
                 <a:ea typeface="微软雅黑" pitchFamily="34" charset="-122"/>
               </a:rPr>
-              <a:t>依</a:t>
-            </a:r>
-            <a:r>
-              <a:rPr lang="zh-CN" altLang="en-US" sz="2000" b="1" dirty="0" smtClean="0">
-                <a:solidFill>
-                  <a:schemeClr val="bg1"/>
-                </a:solidFill>
-                <a:latin typeface="微软雅黑" pitchFamily="34" charset="-122"/>
-                <a:ea typeface="微软雅黑" pitchFamily="34" charset="-122"/>
-              </a:rPr>
-              <a:t>赖的模块</a:t>
+              <a:t>依赖的模块</a:t>
             </a:r>
             <a:endParaRPr lang="en-US" altLang="zh-CN" sz="2000" b="1" dirty="0" smtClean="0">
               <a:solidFill>
@@ -16149,7 +16129,7 @@
                             </p:stCondLst>
                             <p:childTnLst>
                               <p:par>
-                                <p:cTn id="17" presetID="2" presetClass="entr" presetSubtype="4" fill="hold" grpId="0" nodeType="clickEffect">
+                                <p:cTn id="17" presetID="2" presetClass="entr" presetSubtype="4" fill="hold" nodeType="clickEffect">
                                   <p:stCondLst>
                                     <p:cond delay="0"/>
                                   </p:stCondLst>
@@ -16295,7 +16275,7 @@
                                 </p:cTn>
                               </p:par>
                               <p:par>
-                                <p:cTn id="25" presetID="2" presetClass="entr" presetSubtype="4" fill="hold" grpId="0" nodeType="withEffect">
+                                <p:cTn id="25" presetID="2" presetClass="entr" presetSubtype="4" fill="hold" nodeType="withEffect">
                                   <p:stCondLst>
                                     <p:cond delay="0"/>
                                   </p:stCondLst>
@@ -16459,7 +16439,7 @@
                                 </p:cTn>
                               </p:par>
                               <p:par>
-                                <p:cTn id="35" presetID="2" presetClass="entr" presetSubtype="4" fill="hold" grpId="1" nodeType="withEffect">
+                                <p:cTn id="35" presetID="2" presetClass="entr" presetSubtype="4" fill="hold" nodeType="withEffect">
                                   <p:stCondLst>
                                     <p:cond delay="0"/>
                                   </p:stCondLst>
@@ -18155,6 +18135,3036 @@
       <p:bldP spid="3" grpId="0"/>
       <p:bldP spid="4" grpId="0" animBg="1"/>
     </p:bldLst>
+  </p:timing>
+</p:sld>
+</file>
+
+<file path=ppt/slides/slide33.xml><?xml version="1.0" encoding="utf-8"?>
+<p:sld xmlns:a="http://schemas.openxmlformats.org/drawingml/2006/main" xmlns:r="http://schemas.openxmlformats.org/officeDocument/2006/relationships" xmlns:p="http://schemas.openxmlformats.org/presentationml/2006/main">
+  <p:cSld>
+    <p:spTree>
+      <p:nvGrpSpPr>
+        <p:cNvPr id="1" name=""/>
+        <p:cNvGrpSpPr/>
+        <p:nvPr/>
+      </p:nvGrpSpPr>
+      <p:grpSpPr>
+        <a:xfrm>
+          <a:off x="0" y="0"/>
+          <a:ext cx="0" cy="0"/>
+          <a:chOff x="0" y="0"/>
+          <a:chExt cx="0" cy="0"/>
+        </a:xfrm>
+      </p:grpSpPr>
+      <p:sp>
+        <p:nvSpPr>
+          <p:cNvPr id="2" name="标题 1"/>
+          <p:cNvSpPr>
+            <a:spLocks noGrp="1"/>
+          </p:cNvSpPr>
+          <p:nvPr>
+            <p:ph type="title"/>
+          </p:nvPr>
+        </p:nvSpPr>
+        <p:spPr>
+          <a:xfrm>
+            <a:off x="467544" y="1268760"/>
+            <a:ext cx="8229600" cy="1143000"/>
+          </a:xfrm>
+        </p:spPr>
+        <p:txBody>
+          <a:bodyPr>
+            <a:normAutofit/>
+          </a:bodyPr>
+          <a:lstStyle/>
+          <a:p>
+            <a:r>
+              <a:rPr lang="en-US" altLang="zh-CN" sz="3000" b="1" dirty="0" err="1" smtClean="0">
+                <a:solidFill>
+                  <a:srgbClr val="C9394A"/>
+                </a:solidFill>
+                <a:latin typeface="微软雅黑" pitchFamily="34" charset="-122"/>
+                <a:ea typeface="微软雅黑" pitchFamily="34" charset="-122"/>
+              </a:rPr>
+              <a:t>Requirejs</a:t>
+            </a:r>
+            <a:r>
+              <a:rPr lang="zh-CN" altLang="en-US" sz="3000" b="1" dirty="0" smtClean="0">
+                <a:solidFill>
+                  <a:srgbClr val="C9394A"/>
+                </a:solidFill>
+                <a:latin typeface="微软雅黑" pitchFamily="34" charset="-122"/>
+                <a:ea typeface="微软雅黑" pitchFamily="34" charset="-122"/>
+              </a:rPr>
+              <a:t>和自动打包</a:t>
+            </a:r>
+            <a:endParaRPr lang="zh-CN" altLang="en-US" sz="3000" b="1" dirty="0">
+              <a:solidFill>
+                <a:srgbClr val="C9394A"/>
+              </a:solidFill>
+              <a:latin typeface="微软雅黑" pitchFamily="34" charset="-122"/>
+              <a:ea typeface="微软雅黑" pitchFamily="34" charset="-122"/>
+            </a:endParaRPr>
+          </a:p>
+        </p:txBody>
+      </p:sp>
+      <p:sp>
+        <p:nvSpPr>
+          <p:cNvPr id="3" name="内容占位符 2"/>
+          <p:cNvSpPr>
+            <a:spLocks noGrp="1"/>
+          </p:cNvSpPr>
+          <p:nvPr>
+            <p:ph idx="1"/>
+          </p:nvPr>
+        </p:nvSpPr>
+        <p:spPr>
+          <a:xfrm>
+            <a:off x="467544" y="2852936"/>
+            <a:ext cx="8229600" cy="2697163"/>
+          </a:xfrm>
+        </p:spPr>
+        <p:txBody>
+          <a:bodyPr>
+            <a:normAutofit/>
+          </a:bodyPr>
+          <a:lstStyle/>
+          <a:p>
+            <a:pPr algn="ctr">
+              <a:buNone/>
+            </a:pPr>
+            <a:r>
+              <a:rPr lang="zh-CN" altLang="en-US" sz="2200" b="1" dirty="0" smtClean="0">
+                <a:solidFill>
+                  <a:srgbClr val="474747"/>
+                </a:solidFill>
+                <a:latin typeface="微软雅黑" pitchFamily="34" charset="-122"/>
+                <a:ea typeface="微软雅黑" pitchFamily="34" charset="-122"/>
+              </a:rPr>
+              <a:t>其他常用配置</a:t>
+            </a:r>
+            <a:endParaRPr lang="zh-CN" altLang="en-US" sz="2200" b="1" dirty="0">
+              <a:solidFill>
+                <a:srgbClr val="474747"/>
+              </a:solidFill>
+              <a:latin typeface="微软雅黑" pitchFamily="34" charset="-122"/>
+              <a:ea typeface="微软雅黑" pitchFamily="34" charset="-122"/>
+            </a:endParaRPr>
+          </a:p>
+        </p:txBody>
+      </p:sp>
+    </p:spTree>
+  </p:cSld>
+  <p:clrMapOvr>
+    <a:masterClrMapping/>
+  </p:clrMapOvr>
+  <p:timing>
+    <p:tnLst>
+      <p:par>
+        <p:cTn id="1" dur="indefinite" restart="never" nodeType="tmRoot"/>
+      </p:par>
+    </p:tnLst>
+  </p:timing>
+</p:sld>
+</file>
+
+<file path=ppt/slides/slide34.xml><?xml version="1.0" encoding="utf-8"?>
+<p:sld xmlns:a="http://schemas.openxmlformats.org/drawingml/2006/main" xmlns:r="http://schemas.openxmlformats.org/officeDocument/2006/relationships" xmlns:p="http://schemas.openxmlformats.org/presentationml/2006/main">
+  <p:cSld>
+    <p:spTree>
+      <p:nvGrpSpPr>
+        <p:cNvPr id="1" name=""/>
+        <p:cNvGrpSpPr/>
+        <p:nvPr/>
+      </p:nvGrpSpPr>
+      <p:grpSpPr>
+        <a:xfrm>
+          <a:off x="0" y="0"/>
+          <a:ext cx="0" cy="0"/>
+          <a:chOff x="0" y="0"/>
+          <a:chExt cx="0" cy="0"/>
+        </a:xfrm>
+      </p:grpSpPr>
+      <p:sp>
+        <p:nvSpPr>
+          <p:cNvPr id="3" name="内容占位符 2"/>
+          <p:cNvSpPr txBox="1">
+            <a:spLocks/>
+          </p:cNvSpPr>
+          <p:nvPr/>
+        </p:nvSpPr>
+        <p:spPr>
+          <a:xfrm>
+            <a:off x="914400" y="1340768"/>
+            <a:ext cx="8229600" cy="508000"/>
+          </a:xfrm>
+          <a:prstGeom prst="rect">
+            <a:avLst/>
+          </a:prstGeom>
+        </p:spPr>
+        <p:txBody>
+          <a:bodyPr/>
+          <a:lstStyle/>
+          <a:p>
+            <a:pPr marL="0" marR="0" lvl="0" indent="0" algn="l" defTabSz="914400" rtl="0" eaLnBrk="1" fontAlgn="auto" latinLnBrk="0" hangingPunct="1">
+              <a:lnSpc>
+                <a:spcPct val="100000"/>
+              </a:lnSpc>
+              <a:spcBef>
+                <a:spcPct val="20000"/>
+              </a:spcBef>
+              <a:spcAft>
+                <a:spcPts val="0"/>
+              </a:spcAft>
+              <a:buClrTx/>
+              <a:buSzTx/>
+              <a:buFont typeface="Arial" panose="020B0604020202020204" pitchFamily="34" charset="0"/>
+              <a:buNone/>
+              <a:tabLst/>
+              <a:defRPr/>
+            </a:pPr>
+            <a:r>
+              <a:rPr kumimoji="0" lang="en-US" altLang="zh-CN" sz="2400" b="1" i="0" u="none" strike="noStrike" kern="1200" cap="none" spc="0" normalizeH="0" baseline="0" noProof="0" dirty="0" err="1" smtClean="0">
+                <a:ln>
+                  <a:noFill/>
+                </a:ln>
+                <a:solidFill>
+                  <a:srgbClr val="474747"/>
+                </a:solidFill>
+                <a:effectLst/>
+                <a:uLnTx/>
+                <a:uFillTx/>
+                <a:latin typeface="微软雅黑" pitchFamily="34" charset="-122"/>
+                <a:ea typeface="微软雅黑" pitchFamily="34" charset="-122"/>
+              </a:rPr>
+              <a:t>baseUrl</a:t>
+            </a:r>
+            <a:endParaRPr kumimoji="0" lang="en-US" altLang="zh-CN" sz="2400" b="1" i="0" u="none" strike="noStrike" kern="1200" cap="none" spc="0" normalizeH="0" baseline="0" noProof="0" dirty="0" smtClean="0">
+              <a:ln>
+                <a:noFill/>
+              </a:ln>
+              <a:solidFill>
+                <a:srgbClr val="474747"/>
+              </a:solidFill>
+              <a:effectLst/>
+              <a:uLnTx/>
+              <a:uFillTx/>
+              <a:latin typeface="微软雅黑" pitchFamily="34" charset="-122"/>
+              <a:ea typeface="微软雅黑" pitchFamily="34" charset="-122"/>
+            </a:endParaRPr>
+          </a:p>
+        </p:txBody>
+      </p:sp>
+      <p:sp>
+        <p:nvSpPr>
+          <p:cNvPr id="4" name="内容占位符 2"/>
+          <p:cNvSpPr txBox="1">
+            <a:spLocks/>
+          </p:cNvSpPr>
+          <p:nvPr/>
+        </p:nvSpPr>
+        <p:spPr>
+          <a:xfrm>
+            <a:off x="914400" y="2348880"/>
+            <a:ext cx="8229600" cy="508000"/>
+          </a:xfrm>
+          <a:prstGeom prst="rect">
+            <a:avLst/>
+          </a:prstGeom>
+        </p:spPr>
+        <p:txBody>
+          <a:bodyPr/>
+          <a:lstStyle/>
+          <a:p>
+            <a:pPr marL="0" marR="0" lvl="0" indent="0" algn="l" defTabSz="914400" rtl="0" eaLnBrk="1" fontAlgn="auto" latinLnBrk="0" hangingPunct="1">
+              <a:lnSpc>
+                <a:spcPct val="100000"/>
+              </a:lnSpc>
+              <a:spcBef>
+                <a:spcPct val="20000"/>
+              </a:spcBef>
+              <a:spcAft>
+                <a:spcPts val="0"/>
+              </a:spcAft>
+              <a:buClrTx/>
+              <a:buSzTx/>
+              <a:buFont typeface="Arial" panose="020B0604020202020204" pitchFamily="34" charset="0"/>
+              <a:buNone/>
+              <a:tabLst/>
+              <a:defRPr/>
+            </a:pPr>
+            <a:r>
+              <a:rPr lang="en-US" altLang="zh-CN" sz="2400" b="1" noProof="0" dirty="0" smtClean="0">
+                <a:solidFill>
+                  <a:srgbClr val="474747"/>
+                </a:solidFill>
+                <a:latin typeface="微软雅黑" pitchFamily="34" charset="-122"/>
+                <a:ea typeface="微软雅黑" pitchFamily="34" charset="-122"/>
+              </a:rPr>
+              <a:t>paths</a:t>
+            </a:r>
+            <a:endParaRPr kumimoji="0" lang="en-US" altLang="zh-CN" sz="2400" b="1" i="0" u="none" strike="noStrike" kern="1200" cap="none" spc="0" normalizeH="0" baseline="0" noProof="0" dirty="0" smtClean="0">
+              <a:ln>
+                <a:noFill/>
+              </a:ln>
+              <a:solidFill>
+                <a:srgbClr val="474747"/>
+              </a:solidFill>
+              <a:effectLst/>
+              <a:uLnTx/>
+              <a:uFillTx/>
+              <a:latin typeface="微软雅黑" pitchFamily="34" charset="-122"/>
+              <a:ea typeface="微软雅黑" pitchFamily="34" charset="-122"/>
+            </a:endParaRPr>
+          </a:p>
+        </p:txBody>
+      </p:sp>
+      <p:sp>
+        <p:nvSpPr>
+          <p:cNvPr id="5" name="内容占位符 2"/>
+          <p:cNvSpPr txBox="1">
+            <a:spLocks/>
+          </p:cNvSpPr>
+          <p:nvPr/>
+        </p:nvSpPr>
+        <p:spPr>
+          <a:xfrm>
+            <a:off x="914400" y="3497064"/>
+            <a:ext cx="8229600" cy="508000"/>
+          </a:xfrm>
+          <a:prstGeom prst="rect">
+            <a:avLst/>
+          </a:prstGeom>
+        </p:spPr>
+        <p:txBody>
+          <a:bodyPr/>
+          <a:lstStyle/>
+          <a:p>
+            <a:pPr marL="0" marR="0" lvl="0" indent="0" algn="l" defTabSz="914400" rtl="0" eaLnBrk="1" fontAlgn="auto" latinLnBrk="0" hangingPunct="1">
+              <a:lnSpc>
+                <a:spcPct val="100000"/>
+              </a:lnSpc>
+              <a:spcBef>
+                <a:spcPct val="20000"/>
+              </a:spcBef>
+              <a:spcAft>
+                <a:spcPts val="0"/>
+              </a:spcAft>
+              <a:buClrTx/>
+              <a:buSzTx/>
+              <a:buFont typeface="Arial" panose="020B0604020202020204" pitchFamily="34" charset="0"/>
+              <a:buNone/>
+              <a:tabLst/>
+              <a:defRPr/>
+            </a:pPr>
+            <a:r>
+              <a:rPr kumimoji="0" lang="en-US" altLang="zh-CN" sz="2400" b="1" i="0" u="none" strike="noStrike" kern="1200" cap="none" spc="0" normalizeH="0" baseline="0" noProof="0" dirty="0" smtClean="0">
+                <a:ln>
+                  <a:noFill/>
+                </a:ln>
+                <a:solidFill>
+                  <a:srgbClr val="474747"/>
+                </a:solidFill>
+                <a:effectLst/>
+                <a:uLnTx/>
+                <a:uFillTx/>
+                <a:latin typeface="微软雅黑" pitchFamily="34" charset="-122"/>
+                <a:ea typeface="微软雅黑" pitchFamily="34" charset="-122"/>
+              </a:rPr>
+              <a:t>shim</a:t>
+            </a:r>
+          </a:p>
+        </p:txBody>
+      </p:sp>
+    </p:spTree>
+  </p:cSld>
+  <p:clrMapOvr>
+    <a:masterClrMapping/>
+  </p:clrMapOvr>
+  <p:timing>
+    <p:tnLst>
+      <p:par>
+        <p:cTn id="1" dur="indefinite" restart="never" nodeType="tmRoot">
+          <p:childTnLst>
+            <p:seq concurrent="1" nextAc="seek">
+              <p:cTn id="2" dur="indefinite" nodeType="mainSeq">
+                <p:childTnLst>
+                  <p:par>
+                    <p:cTn id="3" fill="hold">
+                      <p:stCondLst>
+                        <p:cond delay="indefinite"/>
+                      </p:stCondLst>
+                      <p:childTnLst>
+                        <p:par>
+                          <p:cTn id="4" fill="hold">
+                            <p:stCondLst>
+                              <p:cond delay="0"/>
+                            </p:stCondLst>
+                            <p:childTnLst>
+                              <p:par>
+                                <p:cTn id="5" presetID="2" presetClass="entr" presetSubtype="4" fill="hold" grpId="0" nodeType="clickEffect">
+                                  <p:stCondLst>
+                                    <p:cond delay="0"/>
+                                  </p:stCondLst>
+                                  <p:childTnLst>
+                                    <p:set>
+                                      <p:cBhvr>
+                                        <p:cTn id="6" dur="1" fill="hold">
+                                          <p:stCondLst>
+                                            <p:cond delay="0"/>
+                                          </p:stCondLst>
+                                        </p:cTn>
+                                        <p:tgtEl>
+                                          <p:spTgt spid="3">
+                                            <p:txEl>
+                                              <p:pRg st="0" end="0"/>
+                                            </p:txEl>
+                                          </p:spTgt>
+                                        </p:tgtEl>
+                                        <p:attrNameLst>
+                                          <p:attrName>style.visibility</p:attrName>
+                                        </p:attrNameLst>
+                                      </p:cBhvr>
+                                      <p:to>
+                                        <p:strVal val="visible"/>
+                                      </p:to>
+                                    </p:set>
+                                    <p:anim calcmode="lin" valueType="num">
+                                      <p:cBhvr additive="base">
+                                        <p:cTn id="7" dur="300" fill="hold"/>
+                                        <p:tgtEl>
+                                          <p:spTgt spid="3">
+                                            <p:txEl>
+                                              <p:pRg st="0" end="0"/>
+                                            </p:txEl>
+                                          </p:spTgt>
+                                        </p:tgtEl>
+                                        <p:attrNameLst>
+                                          <p:attrName>ppt_x</p:attrName>
+                                        </p:attrNameLst>
+                                      </p:cBhvr>
+                                      <p:tavLst>
+                                        <p:tav tm="0">
+                                          <p:val>
+                                            <p:strVal val="#ppt_x"/>
+                                          </p:val>
+                                        </p:tav>
+                                        <p:tav tm="100000">
+                                          <p:val>
+                                            <p:strVal val="#ppt_x"/>
+                                          </p:val>
+                                        </p:tav>
+                                      </p:tavLst>
+                                    </p:anim>
+                                    <p:anim calcmode="lin" valueType="num">
+                                      <p:cBhvr additive="base">
+                                        <p:cTn id="8" dur="300" fill="hold"/>
+                                        <p:tgtEl>
+                                          <p:spTgt spid="3">
+                                            <p:txEl>
+                                              <p:pRg st="0" end="0"/>
+                                            </p:txEl>
+                                          </p:spTgt>
+                                        </p:tgtEl>
+                                        <p:attrNameLst>
+                                          <p:attrName>ppt_y</p:attrName>
+                                        </p:attrNameLst>
+                                      </p:cBhvr>
+                                      <p:tavLst>
+                                        <p:tav tm="0">
+                                          <p:val>
+                                            <p:strVal val="1+#ppt_h/2"/>
+                                          </p:val>
+                                        </p:tav>
+                                        <p:tav tm="100000">
+                                          <p:val>
+                                            <p:strVal val="#ppt_y"/>
+                                          </p:val>
+                                        </p:tav>
+                                      </p:tavLst>
+                                    </p:anim>
+                                  </p:childTnLst>
+                                </p:cTn>
+                              </p:par>
+                            </p:childTnLst>
+                          </p:cTn>
+                        </p:par>
+                      </p:childTnLst>
+                    </p:cTn>
+                  </p:par>
+                  <p:par>
+                    <p:cTn id="9" fill="hold">
+                      <p:stCondLst>
+                        <p:cond delay="indefinite"/>
+                      </p:stCondLst>
+                      <p:childTnLst>
+                        <p:par>
+                          <p:cTn id="10" fill="hold">
+                            <p:stCondLst>
+                              <p:cond delay="0"/>
+                            </p:stCondLst>
+                            <p:childTnLst>
+                              <p:par>
+                                <p:cTn id="11" presetID="2" presetClass="entr" presetSubtype="4" fill="hold" grpId="0" nodeType="clickEffect">
+                                  <p:stCondLst>
+                                    <p:cond delay="0"/>
+                                  </p:stCondLst>
+                                  <p:childTnLst>
+                                    <p:set>
+                                      <p:cBhvr>
+                                        <p:cTn id="12" dur="1" fill="hold">
+                                          <p:stCondLst>
+                                            <p:cond delay="0"/>
+                                          </p:stCondLst>
+                                        </p:cTn>
+                                        <p:tgtEl>
+                                          <p:spTgt spid="4">
+                                            <p:txEl>
+                                              <p:pRg st="0" end="0"/>
+                                            </p:txEl>
+                                          </p:spTgt>
+                                        </p:tgtEl>
+                                        <p:attrNameLst>
+                                          <p:attrName>style.visibility</p:attrName>
+                                        </p:attrNameLst>
+                                      </p:cBhvr>
+                                      <p:to>
+                                        <p:strVal val="visible"/>
+                                      </p:to>
+                                    </p:set>
+                                    <p:anim calcmode="lin" valueType="num">
+                                      <p:cBhvr additive="base">
+                                        <p:cTn id="13" dur="300" fill="hold"/>
+                                        <p:tgtEl>
+                                          <p:spTgt spid="4">
+                                            <p:txEl>
+                                              <p:pRg st="0" end="0"/>
+                                            </p:txEl>
+                                          </p:spTgt>
+                                        </p:tgtEl>
+                                        <p:attrNameLst>
+                                          <p:attrName>ppt_x</p:attrName>
+                                        </p:attrNameLst>
+                                      </p:cBhvr>
+                                      <p:tavLst>
+                                        <p:tav tm="0">
+                                          <p:val>
+                                            <p:strVal val="#ppt_x"/>
+                                          </p:val>
+                                        </p:tav>
+                                        <p:tav tm="100000">
+                                          <p:val>
+                                            <p:strVal val="#ppt_x"/>
+                                          </p:val>
+                                        </p:tav>
+                                      </p:tavLst>
+                                    </p:anim>
+                                    <p:anim calcmode="lin" valueType="num">
+                                      <p:cBhvr additive="base">
+                                        <p:cTn id="14" dur="300" fill="hold"/>
+                                        <p:tgtEl>
+                                          <p:spTgt spid="4">
+                                            <p:txEl>
+                                              <p:pRg st="0" end="0"/>
+                                            </p:txEl>
+                                          </p:spTgt>
+                                        </p:tgtEl>
+                                        <p:attrNameLst>
+                                          <p:attrName>ppt_y</p:attrName>
+                                        </p:attrNameLst>
+                                      </p:cBhvr>
+                                      <p:tavLst>
+                                        <p:tav tm="0">
+                                          <p:val>
+                                            <p:strVal val="1+#ppt_h/2"/>
+                                          </p:val>
+                                        </p:tav>
+                                        <p:tav tm="100000">
+                                          <p:val>
+                                            <p:strVal val="#ppt_y"/>
+                                          </p:val>
+                                        </p:tav>
+                                      </p:tavLst>
+                                    </p:anim>
+                                  </p:childTnLst>
+                                </p:cTn>
+                              </p:par>
+                            </p:childTnLst>
+                          </p:cTn>
+                        </p:par>
+                      </p:childTnLst>
+                    </p:cTn>
+                  </p:par>
+                  <p:par>
+                    <p:cTn id="15" fill="hold">
+                      <p:stCondLst>
+                        <p:cond delay="indefinite"/>
+                      </p:stCondLst>
+                      <p:childTnLst>
+                        <p:par>
+                          <p:cTn id="16" fill="hold">
+                            <p:stCondLst>
+                              <p:cond delay="0"/>
+                            </p:stCondLst>
+                            <p:childTnLst>
+                              <p:par>
+                                <p:cTn id="17" presetID="2" presetClass="entr" presetSubtype="4" fill="hold" grpId="0" nodeType="clickEffect">
+                                  <p:stCondLst>
+                                    <p:cond delay="0"/>
+                                  </p:stCondLst>
+                                  <p:childTnLst>
+                                    <p:set>
+                                      <p:cBhvr>
+                                        <p:cTn id="18" dur="1" fill="hold">
+                                          <p:stCondLst>
+                                            <p:cond delay="0"/>
+                                          </p:stCondLst>
+                                        </p:cTn>
+                                        <p:tgtEl>
+                                          <p:spTgt spid="5">
+                                            <p:txEl>
+                                              <p:pRg st="0" end="0"/>
+                                            </p:txEl>
+                                          </p:spTgt>
+                                        </p:tgtEl>
+                                        <p:attrNameLst>
+                                          <p:attrName>style.visibility</p:attrName>
+                                        </p:attrNameLst>
+                                      </p:cBhvr>
+                                      <p:to>
+                                        <p:strVal val="visible"/>
+                                      </p:to>
+                                    </p:set>
+                                    <p:anim calcmode="lin" valueType="num">
+                                      <p:cBhvr additive="base">
+                                        <p:cTn id="19" dur="300" fill="hold"/>
+                                        <p:tgtEl>
+                                          <p:spTgt spid="5">
+                                            <p:txEl>
+                                              <p:pRg st="0" end="0"/>
+                                            </p:txEl>
+                                          </p:spTgt>
+                                        </p:tgtEl>
+                                        <p:attrNameLst>
+                                          <p:attrName>ppt_x</p:attrName>
+                                        </p:attrNameLst>
+                                      </p:cBhvr>
+                                      <p:tavLst>
+                                        <p:tav tm="0">
+                                          <p:val>
+                                            <p:strVal val="#ppt_x"/>
+                                          </p:val>
+                                        </p:tav>
+                                        <p:tav tm="100000">
+                                          <p:val>
+                                            <p:strVal val="#ppt_x"/>
+                                          </p:val>
+                                        </p:tav>
+                                      </p:tavLst>
+                                    </p:anim>
+                                    <p:anim calcmode="lin" valueType="num">
+                                      <p:cBhvr additive="base">
+                                        <p:cTn id="20" dur="300" fill="hold"/>
+                                        <p:tgtEl>
+                                          <p:spTgt spid="5">
+                                            <p:txEl>
+                                              <p:pRg st="0" end="0"/>
+                                            </p:txEl>
+                                          </p:spTgt>
+                                        </p:tgtEl>
+                                        <p:attrNameLst>
+                                          <p:attrName>ppt_y</p:attrName>
+                                        </p:attrNameLst>
+                                      </p:cBhvr>
+                                      <p:tavLst>
+                                        <p:tav tm="0">
+                                          <p:val>
+                                            <p:strVal val="1+#ppt_h/2"/>
+                                          </p:val>
+                                        </p:tav>
+                                        <p:tav tm="100000">
+                                          <p:val>
+                                            <p:strVal val="#ppt_y"/>
+                                          </p:val>
+                                        </p:tav>
+                                      </p:tavLst>
+                                    </p:anim>
+                                  </p:childTnLst>
+                                </p:cTn>
+                              </p:par>
+                            </p:childTnLst>
+                          </p:cTn>
+                        </p:par>
+                      </p:childTnLst>
+                    </p:cTn>
+                  </p:par>
+                </p:childTnLst>
+              </p:cTn>
+              <p:prevCondLst>
+                <p:cond evt="onPrev" delay="0">
+                  <p:tgtEl>
+                    <p:sldTgt/>
+                  </p:tgtEl>
+                </p:cond>
+              </p:prevCondLst>
+              <p:nextCondLst>
+                <p:cond evt="onNext" delay="0">
+                  <p:tgtEl>
+                    <p:sldTgt/>
+                  </p:tgtEl>
+                </p:cond>
+              </p:nextCondLst>
+            </p:seq>
+          </p:childTnLst>
+        </p:cTn>
+      </p:par>
+    </p:tnLst>
+    <p:bldLst>
+      <p:bldP spid="3" grpId="0" build="p"/>
+      <p:bldP spid="4" grpId="0" build="p"/>
+      <p:bldP spid="5" grpId="0" build="p"/>
+    </p:bldLst>
+  </p:timing>
+</p:sld>
+</file>
+
+<file path=ppt/slides/slide35.xml><?xml version="1.0" encoding="utf-8"?>
+<p:sld xmlns:a="http://schemas.openxmlformats.org/drawingml/2006/main" xmlns:r="http://schemas.openxmlformats.org/officeDocument/2006/relationships" xmlns:p="http://schemas.openxmlformats.org/presentationml/2006/main">
+  <p:cSld>
+    <p:spTree>
+      <p:nvGrpSpPr>
+        <p:cNvPr id="1" name=""/>
+        <p:cNvGrpSpPr/>
+        <p:nvPr/>
+      </p:nvGrpSpPr>
+      <p:grpSpPr>
+        <a:xfrm>
+          <a:off x="0" y="0"/>
+          <a:ext cx="0" cy="0"/>
+          <a:chOff x="0" y="0"/>
+          <a:chExt cx="0" cy="0"/>
+        </a:xfrm>
+      </p:grpSpPr>
+      <p:sp>
+        <p:nvSpPr>
+          <p:cNvPr id="3" name="文本框 2"/>
+          <p:cNvSpPr txBox="1"/>
+          <p:nvPr/>
+        </p:nvSpPr>
+        <p:spPr>
+          <a:xfrm>
+            <a:off x="763960" y="2492896"/>
+            <a:ext cx="8229600" cy="1015663"/>
+          </a:xfrm>
+          <a:prstGeom prst="rect">
+            <a:avLst/>
+          </a:prstGeom>
+          <a:noFill/>
+        </p:spPr>
+        <p:txBody>
+          <a:bodyPr>
+            <a:spAutoFit/>
+          </a:bodyPr>
+          <a:lstStyle/>
+          <a:p>
+            <a:pPr lvl="1">
+              <a:buFont typeface="Arial" panose="020B0604020202020204" pitchFamily="34" charset="0"/>
+              <a:buNone/>
+              <a:defRPr/>
+            </a:pPr>
+            <a:r>
+              <a:rPr lang="zh-CN" altLang="en-US" sz="2000" b="1" dirty="0" smtClean="0">
+                <a:solidFill>
+                  <a:srgbClr val="474747"/>
+                </a:solidFill>
+                <a:latin typeface="微软雅黑" pitchFamily="34" charset="-122"/>
+                <a:ea typeface="微软雅黑" pitchFamily="34" charset="-122"/>
+              </a:rPr>
+              <a:t>项目开发初期使用</a:t>
+            </a:r>
+            <a:r>
+              <a:rPr lang="en-US" altLang="zh-CN" sz="2000" b="1" dirty="0" smtClean="0">
+                <a:solidFill>
+                  <a:srgbClr val="474747"/>
+                </a:solidFill>
+                <a:latin typeface="微软雅黑" pitchFamily="34" charset="-122"/>
+                <a:ea typeface="微软雅黑" pitchFamily="34" charset="-122"/>
+              </a:rPr>
+              <a:t>jquery1.12.3</a:t>
+            </a:r>
+            <a:r>
+              <a:rPr lang="zh-CN" altLang="en-US" sz="2000" b="1" dirty="0" smtClean="0">
+                <a:solidFill>
+                  <a:srgbClr val="474747"/>
+                </a:solidFill>
+                <a:latin typeface="微软雅黑" pitchFamily="34" charset="-122"/>
+                <a:ea typeface="微软雅黑" pitchFamily="34" charset="-122"/>
+              </a:rPr>
+              <a:t>，后期以为需要支持移动开发，升级到</a:t>
+            </a:r>
+            <a:r>
+              <a:rPr lang="en-US" altLang="zh-CN" sz="2000" b="1" dirty="0" smtClean="0">
+                <a:solidFill>
+                  <a:srgbClr val="474747"/>
+                </a:solidFill>
+                <a:latin typeface="微软雅黑" pitchFamily="34" charset="-122"/>
+                <a:ea typeface="微软雅黑" pitchFamily="34" charset="-122"/>
+              </a:rPr>
+              <a:t>jquery2.2.3</a:t>
+            </a:r>
+            <a:r>
+              <a:rPr lang="zh-CN" altLang="en-US" sz="2000" b="1" dirty="0" smtClean="0">
+                <a:solidFill>
+                  <a:srgbClr val="474747"/>
+                </a:solidFill>
+                <a:latin typeface="微软雅黑" pitchFamily="34" charset="-122"/>
+                <a:ea typeface="微软雅黑" pitchFamily="34" charset="-122"/>
+              </a:rPr>
+              <a:t>。</a:t>
+            </a:r>
+            <a:endParaRPr lang="en-US" altLang="zh-CN" sz="2000" b="1" dirty="0" smtClean="0">
+              <a:solidFill>
+                <a:srgbClr val="474747"/>
+              </a:solidFill>
+              <a:latin typeface="微软雅黑" pitchFamily="34" charset="-122"/>
+              <a:ea typeface="微软雅黑" pitchFamily="34" charset="-122"/>
+            </a:endParaRPr>
+          </a:p>
+          <a:p>
+            <a:pPr lvl="1">
+              <a:buFont typeface="Arial" panose="020B0604020202020204" pitchFamily="34" charset="0"/>
+              <a:buNone/>
+              <a:defRPr/>
+            </a:pPr>
+            <a:endParaRPr lang="en-US" altLang="zh-CN" sz="2000" b="1" dirty="0" smtClean="0">
+              <a:solidFill>
+                <a:srgbClr val="474747"/>
+              </a:solidFill>
+              <a:latin typeface="微软雅黑" pitchFamily="34" charset="-122"/>
+              <a:ea typeface="微软雅黑" pitchFamily="34" charset="-122"/>
+            </a:endParaRPr>
+          </a:p>
+        </p:txBody>
+      </p:sp>
+      <p:sp>
+        <p:nvSpPr>
+          <p:cNvPr id="4" name="内容占位符 2"/>
+          <p:cNvSpPr txBox="1">
+            <a:spLocks/>
+          </p:cNvSpPr>
+          <p:nvPr/>
+        </p:nvSpPr>
+        <p:spPr>
+          <a:xfrm>
+            <a:off x="457200" y="1200150"/>
+            <a:ext cx="8229600" cy="508000"/>
+          </a:xfrm>
+          <a:prstGeom prst="rect">
+            <a:avLst/>
+          </a:prstGeom>
+        </p:spPr>
+        <p:txBody>
+          <a:bodyPr/>
+          <a:lstStyle/>
+          <a:p>
+            <a:pPr marL="0" marR="0" lvl="0" indent="0" algn="l" defTabSz="914400" rtl="0" eaLnBrk="1" fontAlgn="auto" latinLnBrk="0" hangingPunct="1">
+              <a:lnSpc>
+                <a:spcPct val="100000"/>
+              </a:lnSpc>
+              <a:spcBef>
+                <a:spcPct val="20000"/>
+              </a:spcBef>
+              <a:spcAft>
+                <a:spcPts val="0"/>
+              </a:spcAft>
+              <a:buClrTx/>
+              <a:buSzTx/>
+              <a:buFont typeface="Arial" panose="020B0604020202020204" pitchFamily="34" charset="0"/>
+              <a:buNone/>
+              <a:tabLst/>
+              <a:defRPr/>
+            </a:pPr>
+            <a:r>
+              <a:rPr lang="en-US" altLang="zh-CN" sz="3200" b="1" dirty="0" smtClean="0">
+                <a:solidFill>
+                  <a:srgbClr val="212121"/>
+                </a:solidFill>
+                <a:latin typeface="微软雅黑" pitchFamily="34" charset="-122"/>
+                <a:ea typeface="微软雅黑" pitchFamily="34" charset="-122"/>
+              </a:rPr>
+              <a:t>map</a:t>
+            </a:r>
+            <a:endParaRPr kumimoji="0" lang="en-US" altLang="zh-CN" sz="3200" b="1" i="0" u="none" strike="noStrike" kern="1200" cap="none" spc="0" normalizeH="0" baseline="0" noProof="0" dirty="0" smtClean="0">
+              <a:ln>
+                <a:noFill/>
+              </a:ln>
+              <a:solidFill>
+                <a:srgbClr val="212121"/>
+              </a:solidFill>
+              <a:effectLst/>
+              <a:uLnTx/>
+              <a:uFillTx/>
+              <a:latin typeface="微软雅黑" pitchFamily="34" charset="-122"/>
+              <a:ea typeface="微软雅黑" pitchFamily="34" charset="-122"/>
+            </a:endParaRPr>
+          </a:p>
+        </p:txBody>
+      </p:sp>
+      <p:sp>
+        <p:nvSpPr>
+          <p:cNvPr id="5" name="文本框 2"/>
+          <p:cNvSpPr txBox="1"/>
+          <p:nvPr/>
+        </p:nvSpPr>
+        <p:spPr>
+          <a:xfrm>
+            <a:off x="755576" y="3814008"/>
+            <a:ext cx="8229600" cy="707886"/>
+          </a:xfrm>
+          <a:prstGeom prst="rect">
+            <a:avLst/>
+          </a:prstGeom>
+          <a:noFill/>
+        </p:spPr>
+        <p:txBody>
+          <a:bodyPr>
+            <a:spAutoFit/>
+          </a:bodyPr>
+          <a:lstStyle/>
+          <a:p>
+            <a:pPr lvl="1">
+              <a:buFont typeface="Arial" panose="020B0604020202020204" pitchFamily="34" charset="0"/>
+              <a:buNone/>
+              <a:defRPr/>
+            </a:pPr>
+            <a:r>
+              <a:rPr lang="zh-CN" altLang="en-US" sz="2000" b="1" dirty="0" smtClean="0">
+                <a:solidFill>
+                  <a:srgbClr val="474747"/>
+                </a:solidFill>
+                <a:latin typeface="微软雅黑" pitchFamily="34" charset="-122"/>
+                <a:ea typeface="微软雅黑" pitchFamily="34" charset="-122"/>
+              </a:rPr>
+              <a:t>但是又担心之前依赖</a:t>
+            </a:r>
+            <a:r>
+              <a:rPr lang="en-US" altLang="zh-CN" sz="2000" b="1" dirty="0" smtClean="0">
+                <a:solidFill>
+                  <a:srgbClr val="474747"/>
+                </a:solidFill>
+                <a:latin typeface="微软雅黑" pitchFamily="34" charset="-122"/>
+                <a:ea typeface="微软雅黑" pitchFamily="34" charset="-122"/>
+              </a:rPr>
+              <a:t>jquery1.12.3</a:t>
+            </a:r>
+            <a:r>
+              <a:rPr lang="zh-CN" altLang="en-US" sz="2000" b="1" dirty="0" smtClean="0">
+                <a:solidFill>
+                  <a:srgbClr val="474747"/>
+                </a:solidFill>
+                <a:latin typeface="微软雅黑" pitchFamily="34" charset="-122"/>
+                <a:ea typeface="微软雅黑" pitchFamily="34" charset="-122"/>
+              </a:rPr>
+              <a:t>的代码升级到</a:t>
+            </a:r>
+            <a:r>
+              <a:rPr lang="en-US" altLang="zh-CN" sz="2000" b="1" dirty="0" smtClean="0">
+                <a:solidFill>
+                  <a:srgbClr val="474747"/>
+                </a:solidFill>
+                <a:latin typeface="微软雅黑" pitchFamily="34" charset="-122"/>
+                <a:ea typeface="微软雅黑" pitchFamily="34" charset="-122"/>
+              </a:rPr>
+              <a:t>2.2.3</a:t>
+            </a:r>
+            <a:r>
+              <a:rPr lang="zh-CN" altLang="en-US" sz="2000" b="1" dirty="0" smtClean="0">
+                <a:solidFill>
+                  <a:srgbClr val="474747"/>
+                </a:solidFill>
+                <a:latin typeface="微软雅黑" pitchFamily="34" charset="-122"/>
+                <a:ea typeface="微软雅黑" pitchFamily="34" charset="-122"/>
+              </a:rPr>
+              <a:t>后可能会有问题，就保守的让这部分代码继续使用</a:t>
+            </a:r>
+            <a:r>
+              <a:rPr lang="en-US" altLang="zh-CN" sz="2000" b="1" dirty="0" smtClean="0">
+                <a:solidFill>
+                  <a:srgbClr val="474747"/>
+                </a:solidFill>
+                <a:latin typeface="微软雅黑" pitchFamily="34" charset="-122"/>
+                <a:ea typeface="微软雅黑" pitchFamily="34" charset="-122"/>
+              </a:rPr>
+              <a:t>1.12.3</a:t>
+            </a:r>
+            <a:r>
+              <a:rPr lang="zh-CN" altLang="en-US" sz="2000" b="1" dirty="0" smtClean="0">
+                <a:solidFill>
+                  <a:srgbClr val="474747"/>
+                </a:solidFill>
+                <a:latin typeface="微软雅黑" pitchFamily="34" charset="-122"/>
+                <a:ea typeface="微软雅黑" pitchFamily="34" charset="-122"/>
+              </a:rPr>
+              <a:t>版本</a:t>
+            </a:r>
+            <a:endParaRPr lang="en-US" altLang="zh-CN" sz="2000" b="1" dirty="0">
+              <a:solidFill>
+                <a:srgbClr val="474747"/>
+              </a:solidFill>
+              <a:latin typeface="微软雅黑" pitchFamily="34" charset="-122"/>
+              <a:ea typeface="微软雅黑" pitchFamily="34" charset="-122"/>
+            </a:endParaRPr>
+          </a:p>
+        </p:txBody>
+      </p:sp>
+    </p:spTree>
+  </p:cSld>
+  <p:clrMapOvr>
+    <a:masterClrMapping/>
+  </p:clrMapOvr>
+  <p:timing>
+    <p:tnLst>
+      <p:par>
+        <p:cTn id="1" dur="indefinite" restart="never" nodeType="tmRoot">
+          <p:childTnLst>
+            <p:seq concurrent="1" nextAc="seek">
+              <p:cTn id="2" dur="indefinite" nodeType="mainSeq">
+                <p:childTnLst>
+                  <p:par>
+                    <p:cTn id="3" fill="hold">
+                      <p:stCondLst>
+                        <p:cond delay="indefinite"/>
+                      </p:stCondLst>
+                      <p:childTnLst>
+                        <p:par>
+                          <p:cTn id="4" fill="hold">
+                            <p:stCondLst>
+                              <p:cond delay="0"/>
+                            </p:stCondLst>
+                            <p:childTnLst>
+                              <p:par>
+                                <p:cTn id="5" presetID="2" presetClass="entr" presetSubtype="4" fill="hold" grpId="0" nodeType="clickEffect">
+                                  <p:stCondLst>
+                                    <p:cond delay="0"/>
+                                  </p:stCondLst>
+                                  <p:childTnLst>
+                                    <p:set>
+                                      <p:cBhvr>
+                                        <p:cTn id="6" dur="1" fill="hold">
+                                          <p:stCondLst>
+                                            <p:cond delay="0"/>
+                                          </p:stCondLst>
+                                        </p:cTn>
+                                        <p:tgtEl>
+                                          <p:spTgt spid="4">
+                                            <p:txEl>
+                                              <p:pRg st="0" end="0"/>
+                                            </p:txEl>
+                                          </p:spTgt>
+                                        </p:tgtEl>
+                                        <p:attrNameLst>
+                                          <p:attrName>style.visibility</p:attrName>
+                                        </p:attrNameLst>
+                                      </p:cBhvr>
+                                      <p:to>
+                                        <p:strVal val="visible"/>
+                                      </p:to>
+                                    </p:set>
+                                    <p:anim calcmode="lin" valueType="num">
+                                      <p:cBhvr additive="base">
+                                        <p:cTn id="7" dur="300" fill="hold"/>
+                                        <p:tgtEl>
+                                          <p:spTgt spid="4">
+                                            <p:txEl>
+                                              <p:pRg st="0" end="0"/>
+                                            </p:txEl>
+                                          </p:spTgt>
+                                        </p:tgtEl>
+                                        <p:attrNameLst>
+                                          <p:attrName>ppt_x</p:attrName>
+                                        </p:attrNameLst>
+                                      </p:cBhvr>
+                                      <p:tavLst>
+                                        <p:tav tm="0">
+                                          <p:val>
+                                            <p:strVal val="#ppt_x"/>
+                                          </p:val>
+                                        </p:tav>
+                                        <p:tav tm="100000">
+                                          <p:val>
+                                            <p:strVal val="#ppt_x"/>
+                                          </p:val>
+                                        </p:tav>
+                                      </p:tavLst>
+                                    </p:anim>
+                                    <p:anim calcmode="lin" valueType="num">
+                                      <p:cBhvr additive="base">
+                                        <p:cTn id="8" dur="300" fill="hold"/>
+                                        <p:tgtEl>
+                                          <p:spTgt spid="4">
+                                            <p:txEl>
+                                              <p:pRg st="0" end="0"/>
+                                            </p:txEl>
+                                          </p:spTgt>
+                                        </p:tgtEl>
+                                        <p:attrNameLst>
+                                          <p:attrName>ppt_y</p:attrName>
+                                        </p:attrNameLst>
+                                      </p:cBhvr>
+                                      <p:tavLst>
+                                        <p:tav tm="0">
+                                          <p:val>
+                                            <p:strVal val="1+#ppt_h/2"/>
+                                          </p:val>
+                                        </p:tav>
+                                        <p:tav tm="100000">
+                                          <p:val>
+                                            <p:strVal val="#ppt_y"/>
+                                          </p:val>
+                                        </p:tav>
+                                      </p:tavLst>
+                                    </p:anim>
+                                  </p:childTnLst>
+                                </p:cTn>
+                              </p:par>
+                            </p:childTnLst>
+                          </p:cTn>
+                        </p:par>
+                      </p:childTnLst>
+                    </p:cTn>
+                  </p:par>
+                  <p:par>
+                    <p:cTn id="9" fill="hold">
+                      <p:stCondLst>
+                        <p:cond delay="indefinite"/>
+                      </p:stCondLst>
+                      <p:childTnLst>
+                        <p:par>
+                          <p:cTn id="10" fill="hold">
+                            <p:stCondLst>
+                              <p:cond delay="0"/>
+                            </p:stCondLst>
+                            <p:childTnLst>
+                              <p:par>
+                                <p:cTn id="11" presetID="2" presetClass="entr" presetSubtype="4" fill="hold" grpId="0" nodeType="clickEffect">
+                                  <p:stCondLst>
+                                    <p:cond delay="0"/>
+                                  </p:stCondLst>
+                                  <p:childTnLst>
+                                    <p:set>
+                                      <p:cBhvr>
+                                        <p:cTn id="12" dur="1" fill="hold">
+                                          <p:stCondLst>
+                                            <p:cond delay="0"/>
+                                          </p:stCondLst>
+                                        </p:cTn>
+                                        <p:tgtEl>
+                                          <p:spTgt spid="3"/>
+                                        </p:tgtEl>
+                                        <p:attrNameLst>
+                                          <p:attrName>style.visibility</p:attrName>
+                                        </p:attrNameLst>
+                                      </p:cBhvr>
+                                      <p:to>
+                                        <p:strVal val="visible"/>
+                                      </p:to>
+                                    </p:set>
+                                    <p:anim calcmode="lin" valueType="num">
+                                      <p:cBhvr additive="base">
+                                        <p:cTn id="13" dur="300" fill="hold"/>
+                                        <p:tgtEl>
+                                          <p:spTgt spid="3"/>
+                                        </p:tgtEl>
+                                        <p:attrNameLst>
+                                          <p:attrName>ppt_x</p:attrName>
+                                        </p:attrNameLst>
+                                      </p:cBhvr>
+                                      <p:tavLst>
+                                        <p:tav tm="0">
+                                          <p:val>
+                                            <p:strVal val="#ppt_x"/>
+                                          </p:val>
+                                        </p:tav>
+                                        <p:tav tm="100000">
+                                          <p:val>
+                                            <p:strVal val="#ppt_x"/>
+                                          </p:val>
+                                        </p:tav>
+                                      </p:tavLst>
+                                    </p:anim>
+                                    <p:anim calcmode="lin" valueType="num">
+                                      <p:cBhvr additive="base">
+                                        <p:cTn id="14" dur="300" fill="hold"/>
+                                        <p:tgtEl>
+                                          <p:spTgt spid="3"/>
+                                        </p:tgtEl>
+                                        <p:attrNameLst>
+                                          <p:attrName>ppt_y</p:attrName>
+                                        </p:attrNameLst>
+                                      </p:cBhvr>
+                                      <p:tavLst>
+                                        <p:tav tm="0">
+                                          <p:val>
+                                            <p:strVal val="1+#ppt_h/2"/>
+                                          </p:val>
+                                        </p:tav>
+                                        <p:tav tm="100000">
+                                          <p:val>
+                                            <p:strVal val="#ppt_y"/>
+                                          </p:val>
+                                        </p:tav>
+                                      </p:tavLst>
+                                    </p:anim>
+                                  </p:childTnLst>
+                                </p:cTn>
+                              </p:par>
+                            </p:childTnLst>
+                          </p:cTn>
+                        </p:par>
+                      </p:childTnLst>
+                    </p:cTn>
+                  </p:par>
+                  <p:par>
+                    <p:cTn id="15" fill="hold">
+                      <p:stCondLst>
+                        <p:cond delay="indefinite"/>
+                      </p:stCondLst>
+                      <p:childTnLst>
+                        <p:par>
+                          <p:cTn id="16" fill="hold">
+                            <p:stCondLst>
+                              <p:cond delay="0"/>
+                            </p:stCondLst>
+                            <p:childTnLst>
+                              <p:par>
+                                <p:cTn id="17" presetID="2" presetClass="entr" presetSubtype="4" fill="hold" grpId="0" nodeType="clickEffect">
+                                  <p:stCondLst>
+                                    <p:cond delay="0"/>
+                                  </p:stCondLst>
+                                  <p:childTnLst>
+                                    <p:set>
+                                      <p:cBhvr>
+                                        <p:cTn id="18" dur="1" fill="hold">
+                                          <p:stCondLst>
+                                            <p:cond delay="0"/>
+                                          </p:stCondLst>
+                                        </p:cTn>
+                                        <p:tgtEl>
+                                          <p:spTgt spid="5"/>
+                                        </p:tgtEl>
+                                        <p:attrNameLst>
+                                          <p:attrName>style.visibility</p:attrName>
+                                        </p:attrNameLst>
+                                      </p:cBhvr>
+                                      <p:to>
+                                        <p:strVal val="visible"/>
+                                      </p:to>
+                                    </p:set>
+                                    <p:anim calcmode="lin" valueType="num">
+                                      <p:cBhvr additive="base">
+                                        <p:cTn id="19" dur="300" fill="hold"/>
+                                        <p:tgtEl>
+                                          <p:spTgt spid="5"/>
+                                        </p:tgtEl>
+                                        <p:attrNameLst>
+                                          <p:attrName>ppt_x</p:attrName>
+                                        </p:attrNameLst>
+                                      </p:cBhvr>
+                                      <p:tavLst>
+                                        <p:tav tm="0">
+                                          <p:val>
+                                            <p:strVal val="#ppt_x"/>
+                                          </p:val>
+                                        </p:tav>
+                                        <p:tav tm="100000">
+                                          <p:val>
+                                            <p:strVal val="#ppt_x"/>
+                                          </p:val>
+                                        </p:tav>
+                                      </p:tavLst>
+                                    </p:anim>
+                                    <p:anim calcmode="lin" valueType="num">
+                                      <p:cBhvr additive="base">
+                                        <p:cTn id="20" dur="300" fill="hold"/>
+                                        <p:tgtEl>
+                                          <p:spTgt spid="5"/>
+                                        </p:tgtEl>
+                                        <p:attrNameLst>
+                                          <p:attrName>ppt_y</p:attrName>
+                                        </p:attrNameLst>
+                                      </p:cBhvr>
+                                      <p:tavLst>
+                                        <p:tav tm="0">
+                                          <p:val>
+                                            <p:strVal val="1+#ppt_h/2"/>
+                                          </p:val>
+                                        </p:tav>
+                                        <p:tav tm="100000">
+                                          <p:val>
+                                            <p:strVal val="#ppt_y"/>
+                                          </p:val>
+                                        </p:tav>
+                                      </p:tavLst>
+                                    </p:anim>
+                                  </p:childTnLst>
+                                </p:cTn>
+                              </p:par>
+                            </p:childTnLst>
+                          </p:cTn>
+                        </p:par>
+                      </p:childTnLst>
+                    </p:cTn>
+                  </p:par>
+                </p:childTnLst>
+              </p:cTn>
+              <p:prevCondLst>
+                <p:cond evt="onPrev" delay="0">
+                  <p:tgtEl>
+                    <p:sldTgt/>
+                  </p:tgtEl>
+                </p:cond>
+              </p:prevCondLst>
+              <p:nextCondLst>
+                <p:cond evt="onNext" delay="0">
+                  <p:tgtEl>
+                    <p:sldTgt/>
+                  </p:tgtEl>
+                </p:cond>
+              </p:nextCondLst>
+            </p:seq>
+          </p:childTnLst>
+        </p:cTn>
+      </p:par>
+    </p:tnLst>
+    <p:bldLst>
+      <p:bldP spid="3" grpId="0"/>
+      <p:bldP spid="4" grpId="0" build="p"/>
+      <p:bldP spid="5" grpId="0"/>
+    </p:bldLst>
+  </p:timing>
+</p:sld>
+</file>
+
+<file path=ppt/slides/slide36.xml><?xml version="1.0" encoding="utf-8"?>
+<p:sld xmlns:a="http://schemas.openxmlformats.org/drawingml/2006/main" xmlns:r="http://schemas.openxmlformats.org/officeDocument/2006/relationships" xmlns:p="http://schemas.openxmlformats.org/presentationml/2006/main">
+  <p:cSld>
+    <p:spTree>
+      <p:nvGrpSpPr>
+        <p:cNvPr id="1" name=""/>
+        <p:cNvGrpSpPr/>
+        <p:nvPr/>
+      </p:nvGrpSpPr>
+      <p:grpSpPr>
+        <a:xfrm>
+          <a:off x="0" y="0"/>
+          <a:ext cx="0" cy="0"/>
+          <a:chOff x="0" y="0"/>
+          <a:chExt cx="0" cy="0"/>
+        </a:xfrm>
+      </p:grpSpPr>
+      <p:pic>
+        <p:nvPicPr>
+          <p:cNvPr id="1026" name="Picture 2"/>
+          <p:cNvPicPr>
+            <a:picLocks noChangeAspect="1" noChangeArrowheads="1"/>
+          </p:cNvPicPr>
+          <p:nvPr/>
+        </p:nvPicPr>
+        <p:blipFill>
+          <a:blip r:embed="rId2" cstate="print"/>
+          <a:srcRect/>
+          <a:stretch>
+            <a:fillRect/>
+          </a:stretch>
+        </p:blipFill>
+        <p:spPr bwMode="auto">
+          <a:xfrm>
+            <a:off x="1547664" y="908720"/>
+            <a:ext cx="5353050" cy="2286000"/>
+          </a:xfrm>
+          <a:prstGeom prst="rect">
+            <a:avLst/>
+          </a:prstGeom>
+          <a:noFill/>
+          <a:ln w="9525">
+            <a:noFill/>
+            <a:miter lim="800000"/>
+            <a:headEnd/>
+            <a:tailEnd/>
+          </a:ln>
+        </p:spPr>
+      </p:pic>
+      <p:sp>
+        <p:nvSpPr>
+          <p:cNvPr id="3" name="文本框 2"/>
+          <p:cNvSpPr txBox="1"/>
+          <p:nvPr/>
+        </p:nvSpPr>
+        <p:spPr>
+          <a:xfrm>
+            <a:off x="683568" y="3645024"/>
+            <a:ext cx="8229600" cy="400110"/>
+          </a:xfrm>
+          <a:prstGeom prst="rect">
+            <a:avLst/>
+          </a:prstGeom>
+          <a:noFill/>
+        </p:spPr>
+        <p:txBody>
+          <a:bodyPr>
+            <a:spAutoFit/>
+          </a:bodyPr>
+          <a:lstStyle/>
+          <a:p>
+            <a:pPr lvl="1">
+              <a:buFont typeface="Arial" panose="020B0604020202020204" pitchFamily="34" charset="0"/>
+              <a:buNone/>
+              <a:defRPr/>
+            </a:pPr>
+            <a:r>
+              <a:rPr lang="zh-CN" altLang="en-US" sz="2000" b="1" dirty="0" smtClean="0">
+                <a:solidFill>
+                  <a:srgbClr val="474747"/>
+                </a:solidFill>
+                <a:latin typeface="微软雅黑" pitchFamily="34" charset="-122"/>
+                <a:ea typeface="微软雅黑" pitchFamily="34" charset="-122"/>
+              </a:rPr>
+              <a:t>当</a:t>
+            </a:r>
+            <a:r>
+              <a:rPr lang="en-US" altLang="zh-CN" sz="2000" b="1" dirty="0" smtClean="0">
+                <a:solidFill>
+                  <a:srgbClr val="474747"/>
+                </a:solidFill>
+                <a:latin typeface="微软雅黑" pitchFamily="34" charset="-122"/>
+                <a:ea typeface="微软雅黑" pitchFamily="34" charset="-122"/>
+              </a:rPr>
+              <a:t>app/</a:t>
+            </a:r>
+            <a:r>
+              <a:rPr lang="en-US" altLang="zh-CN" sz="2000" b="1" dirty="0" err="1" smtClean="0">
+                <a:solidFill>
+                  <a:srgbClr val="474747"/>
+                </a:solidFill>
+                <a:latin typeface="微软雅黑" pitchFamily="34" charset="-122"/>
+                <a:ea typeface="微软雅黑" pitchFamily="34" charset="-122"/>
+              </a:rPr>
+              <a:t>api</a:t>
+            </a:r>
+            <a:r>
+              <a:rPr lang="zh-CN" altLang="en-US" sz="2000" b="1" dirty="0" smtClean="0">
+                <a:solidFill>
+                  <a:srgbClr val="474747"/>
+                </a:solidFill>
+                <a:latin typeface="微软雅黑" pitchFamily="34" charset="-122"/>
+                <a:ea typeface="微软雅黑" pitchFamily="34" charset="-122"/>
+              </a:rPr>
+              <a:t>模块里加载</a:t>
+            </a:r>
+            <a:r>
+              <a:rPr lang="en-US" altLang="zh-CN" sz="2000" b="1" dirty="0" err="1" smtClean="0">
+                <a:solidFill>
+                  <a:srgbClr val="474747"/>
+                </a:solidFill>
+                <a:latin typeface="微软雅黑" pitchFamily="34" charset="-122"/>
+                <a:ea typeface="微软雅黑" pitchFamily="34" charset="-122"/>
+              </a:rPr>
+              <a:t>jquery</a:t>
+            </a:r>
+            <a:r>
+              <a:rPr lang="zh-CN" altLang="en-US" sz="2000" b="1" dirty="0" smtClean="0">
+                <a:solidFill>
+                  <a:srgbClr val="474747"/>
+                </a:solidFill>
+                <a:latin typeface="微软雅黑" pitchFamily="34" charset="-122"/>
+                <a:ea typeface="微软雅黑" pitchFamily="34" charset="-122"/>
+              </a:rPr>
+              <a:t>模块时，将加载</a:t>
+            </a:r>
+            <a:r>
+              <a:rPr lang="en-US" altLang="zh-CN" sz="2000" b="1" dirty="0" err="1" smtClean="0">
+                <a:solidFill>
+                  <a:srgbClr val="474747"/>
+                </a:solidFill>
+                <a:latin typeface="微软雅黑" pitchFamily="34" charset="-122"/>
+                <a:ea typeface="微软雅黑" pitchFamily="34" charset="-122"/>
+              </a:rPr>
+              <a:t>jquery.js</a:t>
+            </a:r>
+            <a:endParaRPr lang="en-US" altLang="zh-CN" sz="2000" b="1" dirty="0" smtClean="0">
+              <a:solidFill>
+                <a:srgbClr val="474747"/>
+              </a:solidFill>
+              <a:latin typeface="微软雅黑" pitchFamily="34" charset="-122"/>
+              <a:ea typeface="微软雅黑" pitchFamily="34" charset="-122"/>
+            </a:endParaRPr>
+          </a:p>
+        </p:txBody>
+      </p:sp>
+      <p:sp>
+        <p:nvSpPr>
+          <p:cNvPr id="4" name="文本框 2"/>
+          <p:cNvSpPr txBox="1"/>
+          <p:nvPr/>
+        </p:nvSpPr>
+        <p:spPr>
+          <a:xfrm>
+            <a:off x="662880" y="4469050"/>
+            <a:ext cx="8229600" cy="400110"/>
+          </a:xfrm>
+          <a:prstGeom prst="rect">
+            <a:avLst/>
+          </a:prstGeom>
+          <a:noFill/>
+        </p:spPr>
+        <p:txBody>
+          <a:bodyPr>
+            <a:spAutoFit/>
+          </a:bodyPr>
+          <a:lstStyle/>
+          <a:p>
+            <a:pPr lvl="1">
+              <a:buFont typeface="Arial" panose="020B0604020202020204" pitchFamily="34" charset="0"/>
+              <a:buNone/>
+              <a:defRPr/>
+            </a:pPr>
+            <a:r>
+              <a:rPr lang="zh-CN" altLang="en-US" sz="2000" b="1" dirty="0" smtClean="0">
+                <a:solidFill>
+                  <a:srgbClr val="474747"/>
+                </a:solidFill>
+                <a:latin typeface="微软雅黑" pitchFamily="34" charset="-122"/>
+                <a:ea typeface="微软雅黑" pitchFamily="34" charset="-122"/>
+              </a:rPr>
+              <a:t>当</a:t>
+            </a:r>
+            <a:r>
+              <a:rPr lang="en-US" altLang="zh-CN" sz="2000" b="1" dirty="0" smtClean="0">
+                <a:solidFill>
+                  <a:srgbClr val="474747"/>
+                </a:solidFill>
+                <a:latin typeface="微软雅黑" pitchFamily="34" charset="-122"/>
+                <a:ea typeface="微软雅黑" pitchFamily="34" charset="-122"/>
+              </a:rPr>
+              <a:t>app/api2</a:t>
+            </a:r>
+            <a:r>
+              <a:rPr lang="zh-CN" altLang="en-US" sz="2000" b="1" dirty="0" smtClean="0">
+                <a:solidFill>
+                  <a:srgbClr val="474747"/>
+                </a:solidFill>
+                <a:latin typeface="微软雅黑" pitchFamily="34" charset="-122"/>
+                <a:ea typeface="微软雅黑" pitchFamily="34" charset="-122"/>
+              </a:rPr>
+              <a:t>模块里加载</a:t>
+            </a:r>
+            <a:r>
+              <a:rPr lang="en-US" altLang="zh-CN" sz="2000" b="1" dirty="0" err="1" smtClean="0">
+                <a:solidFill>
+                  <a:srgbClr val="474747"/>
+                </a:solidFill>
+                <a:latin typeface="微软雅黑" pitchFamily="34" charset="-122"/>
+                <a:ea typeface="微软雅黑" pitchFamily="34" charset="-122"/>
+              </a:rPr>
+              <a:t>jquery</a:t>
+            </a:r>
+            <a:r>
+              <a:rPr lang="zh-CN" altLang="en-US" sz="2000" b="1" dirty="0" smtClean="0">
+                <a:solidFill>
+                  <a:srgbClr val="474747"/>
+                </a:solidFill>
+                <a:latin typeface="微软雅黑" pitchFamily="34" charset="-122"/>
+                <a:ea typeface="微软雅黑" pitchFamily="34" charset="-122"/>
+              </a:rPr>
+              <a:t>模块时，将加载</a:t>
+            </a:r>
+            <a:r>
+              <a:rPr lang="en-US" altLang="zh-CN" sz="2000" b="1" dirty="0" smtClean="0">
+                <a:solidFill>
+                  <a:srgbClr val="474747"/>
+                </a:solidFill>
+                <a:latin typeface="微软雅黑" pitchFamily="34" charset="-122"/>
+                <a:ea typeface="微软雅黑" pitchFamily="34" charset="-122"/>
+              </a:rPr>
+              <a:t>jquery2.js</a:t>
+            </a:r>
+          </a:p>
+        </p:txBody>
+      </p:sp>
+    </p:spTree>
+  </p:cSld>
+  <p:clrMapOvr>
+    <a:masterClrMapping/>
+  </p:clrMapOvr>
+  <p:timing>
+    <p:tnLst>
+      <p:par>
+        <p:cTn id="1" dur="indefinite" restart="never" nodeType="tmRoot">
+          <p:childTnLst>
+            <p:seq concurrent="1" nextAc="seek">
+              <p:cTn id="2" dur="indefinite" nodeType="mainSeq">
+                <p:childTnLst>
+                  <p:par>
+                    <p:cTn id="3" fill="hold">
+                      <p:stCondLst>
+                        <p:cond delay="indefinite"/>
+                      </p:stCondLst>
+                      <p:childTnLst>
+                        <p:par>
+                          <p:cTn id="4" fill="hold">
+                            <p:stCondLst>
+                              <p:cond delay="0"/>
+                            </p:stCondLst>
+                            <p:childTnLst>
+                              <p:par>
+                                <p:cTn id="5" presetID="2" presetClass="entr" presetSubtype="4" fill="hold" nodeType="clickEffect">
+                                  <p:stCondLst>
+                                    <p:cond delay="0"/>
+                                  </p:stCondLst>
+                                  <p:childTnLst>
+                                    <p:set>
+                                      <p:cBhvr>
+                                        <p:cTn id="6" dur="1" fill="hold">
+                                          <p:stCondLst>
+                                            <p:cond delay="0"/>
+                                          </p:stCondLst>
+                                        </p:cTn>
+                                        <p:tgtEl>
+                                          <p:spTgt spid="1026"/>
+                                        </p:tgtEl>
+                                        <p:attrNameLst>
+                                          <p:attrName>style.visibility</p:attrName>
+                                        </p:attrNameLst>
+                                      </p:cBhvr>
+                                      <p:to>
+                                        <p:strVal val="visible"/>
+                                      </p:to>
+                                    </p:set>
+                                    <p:anim calcmode="lin" valueType="num">
+                                      <p:cBhvr additive="base">
+                                        <p:cTn id="7" dur="300" fill="hold"/>
+                                        <p:tgtEl>
+                                          <p:spTgt spid="1026"/>
+                                        </p:tgtEl>
+                                        <p:attrNameLst>
+                                          <p:attrName>ppt_x</p:attrName>
+                                        </p:attrNameLst>
+                                      </p:cBhvr>
+                                      <p:tavLst>
+                                        <p:tav tm="0">
+                                          <p:val>
+                                            <p:strVal val="#ppt_x"/>
+                                          </p:val>
+                                        </p:tav>
+                                        <p:tav tm="100000">
+                                          <p:val>
+                                            <p:strVal val="#ppt_x"/>
+                                          </p:val>
+                                        </p:tav>
+                                      </p:tavLst>
+                                    </p:anim>
+                                    <p:anim calcmode="lin" valueType="num">
+                                      <p:cBhvr additive="base">
+                                        <p:cTn id="8" dur="300" fill="hold"/>
+                                        <p:tgtEl>
+                                          <p:spTgt spid="1026"/>
+                                        </p:tgtEl>
+                                        <p:attrNameLst>
+                                          <p:attrName>ppt_y</p:attrName>
+                                        </p:attrNameLst>
+                                      </p:cBhvr>
+                                      <p:tavLst>
+                                        <p:tav tm="0">
+                                          <p:val>
+                                            <p:strVal val="1+#ppt_h/2"/>
+                                          </p:val>
+                                        </p:tav>
+                                        <p:tav tm="100000">
+                                          <p:val>
+                                            <p:strVal val="#ppt_y"/>
+                                          </p:val>
+                                        </p:tav>
+                                      </p:tavLst>
+                                    </p:anim>
+                                  </p:childTnLst>
+                                </p:cTn>
+                              </p:par>
+                            </p:childTnLst>
+                          </p:cTn>
+                        </p:par>
+                      </p:childTnLst>
+                    </p:cTn>
+                  </p:par>
+                  <p:par>
+                    <p:cTn id="9" fill="hold">
+                      <p:stCondLst>
+                        <p:cond delay="indefinite"/>
+                      </p:stCondLst>
+                      <p:childTnLst>
+                        <p:par>
+                          <p:cTn id="10" fill="hold">
+                            <p:stCondLst>
+                              <p:cond delay="0"/>
+                            </p:stCondLst>
+                            <p:childTnLst>
+                              <p:par>
+                                <p:cTn id="11" presetID="2" presetClass="entr" presetSubtype="4" fill="hold" grpId="0" nodeType="clickEffect">
+                                  <p:stCondLst>
+                                    <p:cond delay="0"/>
+                                  </p:stCondLst>
+                                  <p:childTnLst>
+                                    <p:set>
+                                      <p:cBhvr>
+                                        <p:cTn id="12" dur="1" fill="hold">
+                                          <p:stCondLst>
+                                            <p:cond delay="0"/>
+                                          </p:stCondLst>
+                                        </p:cTn>
+                                        <p:tgtEl>
+                                          <p:spTgt spid="3"/>
+                                        </p:tgtEl>
+                                        <p:attrNameLst>
+                                          <p:attrName>style.visibility</p:attrName>
+                                        </p:attrNameLst>
+                                      </p:cBhvr>
+                                      <p:to>
+                                        <p:strVal val="visible"/>
+                                      </p:to>
+                                    </p:set>
+                                    <p:anim calcmode="lin" valueType="num">
+                                      <p:cBhvr additive="base">
+                                        <p:cTn id="13" dur="300" fill="hold"/>
+                                        <p:tgtEl>
+                                          <p:spTgt spid="3"/>
+                                        </p:tgtEl>
+                                        <p:attrNameLst>
+                                          <p:attrName>ppt_x</p:attrName>
+                                        </p:attrNameLst>
+                                      </p:cBhvr>
+                                      <p:tavLst>
+                                        <p:tav tm="0">
+                                          <p:val>
+                                            <p:strVal val="#ppt_x"/>
+                                          </p:val>
+                                        </p:tav>
+                                        <p:tav tm="100000">
+                                          <p:val>
+                                            <p:strVal val="#ppt_x"/>
+                                          </p:val>
+                                        </p:tav>
+                                      </p:tavLst>
+                                    </p:anim>
+                                    <p:anim calcmode="lin" valueType="num">
+                                      <p:cBhvr additive="base">
+                                        <p:cTn id="14" dur="300" fill="hold"/>
+                                        <p:tgtEl>
+                                          <p:spTgt spid="3"/>
+                                        </p:tgtEl>
+                                        <p:attrNameLst>
+                                          <p:attrName>ppt_y</p:attrName>
+                                        </p:attrNameLst>
+                                      </p:cBhvr>
+                                      <p:tavLst>
+                                        <p:tav tm="0">
+                                          <p:val>
+                                            <p:strVal val="1+#ppt_h/2"/>
+                                          </p:val>
+                                        </p:tav>
+                                        <p:tav tm="100000">
+                                          <p:val>
+                                            <p:strVal val="#ppt_y"/>
+                                          </p:val>
+                                        </p:tav>
+                                      </p:tavLst>
+                                    </p:anim>
+                                  </p:childTnLst>
+                                </p:cTn>
+                              </p:par>
+                            </p:childTnLst>
+                          </p:cTn>
+                        </p:par>
+                      </p:childTnLst>
+                    </p:cTn>
+                  </p:par>
+                  <p:par>
+                    <p:cTn id="15" fill="hold">
+                      <p:stCondLst>
+                        <p:cond delay="indefinite"/>
+                      </p:stCondLst>
+                      <p:childTnLst>
+                        <p:par>
+                          <p:cTn id="16" fill="hold">
+                            <p:stCondLst>
+                              <p:cond delay="0"/>
+                            </p:stCondLst>
+                            <p:childTnLst>
+                              <p:par>
+                                <p:cTn id="17" presetID="2" presetClass="entr" presetSubtype="4" fill="hold" grpId="0" nodeType="clickEffect">
+                                  <p:stCondLst>
+                                    <p:cond delay="0"/>
+                                  </p:stCondLst>
+                                  <p:childTnLst>
+                                    <p:set>
+                                      <p:cBhvr>
+                                        <p:cTn id="18" dur="1" fill="hold">
+                                          <p:stCondLst>
+                                            <p:cond delay="0"/>
+                                          </p:stCondLst>
+                                        </p:cTn>
+                                        <p:tgtEl>
+                                          <p:spTgt spid="4"/>
+                                        </p:tgtEl>
+                                        <p:attrNameLst>
+                                          <p:attrName>style.visibility</p:attrName>
+                                        </p:attrNameLst>
+                                      </p:cBhvr>
+                                      <p:to>
+                                        <p:strVal val="visible"/>
+                                      </p:to>
+                                    </p:set>
+                                    <p:anim calcmode="lin" valueType="num">
+                                      <p:cBhvr additive="base">
+                                        <p:cTn id="19" dur="300" fill="hold"/>
+                                        <p:tgtEl>
+                                          <p:spTgt spid="4"/>
+                                        </p:tgtEl>
+                                        <p:attrNameLst>
+                                          <p:attrName>ppt_x</p:attrName>
+                                        </p:attrNameLst>
+                                      </p:cBhvr>
+                                      <p:tavLst>
+                                        <p:tav tm="0">
+                                          <p:val>
+                                            <p:strVal val="#ppt_x"/>
+                                          </p:val>
+                                        </p:tav>
+                                        <p:tav tm="100000">
+                                          <p:val>
+                                            <p:strVal val="#ppt_x"/>
+                                          </p:val>
+                                        </p:tav>
+                                      </p:tavLst>
+                                    </p:anim>
+                                    <p:anim calcmode="lin" valueType="num">
+                                      <p:cBhvr additive="base">
+                                        <p:cTn id="20" dur="300" fill="hold"/>
+                                        <p:tgtEl>
+                                          <p:spTgt spid="4"/>
+                                        </p:tgtEl>
+                                        <p:attrNameLst>
+                                          <p:attrName>ppt_y</p:attrName>
+                                        </p:attrNameLst>
+                                      </p:cBhvr>
+                                      <p:tavLst>
+                                        <p:tav tm="0">
+                                          <p:val>
+                                            <p:strVal val="1+#ppt_h/2"/>
+                                          </p:val>
+                                        </p:tav>
+                                        <p:tav tm="100000">
+                                          <p:val>
+                                            <p:strVal val="#ppt_y"/>
+                                          </p:val>
+                                        </p:tav>
+                                      </p:tavLst>
+                                    </p:anim>
+                                  </p:childTnLst>
+                                </p:cTn>
+                              </p:par>
+                            </p:childTnLst>
+                          </p:cTn>
+                        </p:par>
+                      </p:childTnLst>
+                    </p:cTn>
+                  </p:par>
+                </p:childTnLst>
+              </p:cTn>
+              <p:prevCondLst>
+                <p:cond evt="onPrev" delay="0">
+                  <p:tgtEl>
+                    <p:sldTgt/>
+                  </p:tgtEl>
+                </p:cond>
+              </p:prevCondLst>
+              <p:nextCondLst>
+                <p:cond evt="onNext" delay="0">
+                  <p:tgtEl>
+                    <p:sldTgt/>
+                  </p:tgtEl>
+                </p:cond>
+              </p:nextCondLst>
+            </p:seq>
+          </p:childTnLst>
+        </p:cTn>
+      </p:par>
+    </p:tnLst>
+    <p:bldLst>
+      <p:bldP spid="3" grpId="0"/>
+      <p:bldP spid="4" grpId="0"/>
+    </p:bldLst>
+  </p:timing>
+</p:sld>
+</file>
+
+<file path=ppt/slides/slide37.xml><?xml version="1.0" encoding="utf-8"?>
+<p:sld xmlns:a="http://schemas.openxmlformats.org/drawingml/2006/main" xmlns:r="http://schemas.openxmlformats.org/officeDocument/2006/relationships" xmlns:p="http://schemas.openxmlformats.org/presentationml/2006/main">
+  <p:cSld>
+    <p:spTree>
+      <p:nvGrpSpPr>
+        <p:cNvPr id="1" name=""/>
+        <p:cNvGrpSpPr/>
+        <p:nvPr/>
+      </p:nvGrpSpPr>
+      <p:grpSpPr>
+        <a:xfrm>
+          <a:off x="0" y="0"/>
+          <a:ext cx="0" cy="0"/>
+          <a:chOff x="0" y="0"/>
+          <a:chExt cx="0" cy="0"/>
+        </a:xfrm>
+      </p:grpSpPr>
+      <p:sp>
+        <p:nvSpPr>
+          <p:cNvPr id="2" name="内容占位符 2"/>
+          <p:cNvSpPr txBox="1">
+            <a:spLocks/>
+          </p:cNvSpPr>
+          <p:nvPr/>
+        </p:nvSpPr>
+        <p:spPr>
+          <a:xfrm>
+            <a:off x="457200" y="1200150"/>
+            <a:ext cx="8229600" cy="508000"/>
+          </a:xfrm>
+          <a:prstGeom prst="rect">
+            <a:avLst/>
+          </a:prstGeom>
+        </p:spPr>
+        <p:txBody>
+          <a:bodyPr/>
+          <a:lstStyle/>
+          <a:p>
+            <a:pPr marL="0" marR="0" lvl="0" indent="0" algn="l" defTabSz="914400" rtl="0" eaLnBrk="1" fontAlgn="auto" latinLnBrk="0" hangingPunct="1">
+              <a:lnSpc>
+                <a:spcPct val="100000"/>
+              </a:lnSpc>
+              <a:spcBef>
+                <a:spcPct val="20000"/>
+              </a:spcBef>
+              <a:spcAft>
+                <a:spcPts val="0"/>
+              </a:spcAft>
+              <a:buClrTx/>
+              <a:buSzTx/>
+              <a:buFont typeface="Arial" panose="020B0604020202020204" pitchFamily="34" charset="0"/>
+              <a:buNone/>
+              <a:tabLst/>
+              <a:defRPr/>
+            </a:pPr>
+            <a:r>
+              <a:rPr lang="en-US" altLang="zh-CN" sz="3200" b="1" noProof="0" dirty="0" err="1" smtClean="0">
+                <a:solidFill>
+                  <a:srgbClr val="212121"/>
+                </a:solidFill>
+                <a:latin typeface="微软雅黑" pitchFamily="34" charset="-122"/>
+                <a:ea typeface="微软雅黑" pitchFamily="34" charset="-122"/>
+              </a:rPr>
+              <a:t>waitSeconds</a:t>
+            </a:r>
+            <a:endParaRPr kumimoji="0" lang="en-US" altLang="zh-CN" sz="3200" b="1" i="0" u="none" strike="noStrike" kern="1200" cap="none" spc="0" normalizeH="0" baseline="0" noProof="0" dirty="0" smtClean="0">
+              <a:ln>
+                <a:noFill/>
+              </a:ln>
+              <a:solidFill>
+                <a:srgbClr val="212121"/>
+              </a:solidFill>
+              <a:effectLst/>
+              <a:uLnTx/>
+              <a:uFillTx/>
+              <a:latin typeface="微软雅黑" pitchFamily="34" charset="-122"/>
+              <a:ea typeface="微软雅黑" pitchFamily="34" charset="-122"/>
+            </a:endParaRPr>
+          </a:p>
+        </p:txBody>
+      </p:sp>
+      <p:sp>
+        <p:nvSpPr>
+          <p:cNvPr id="3" name="文本框 2"/>
+          <p:cNvSpPr txBox="1"/>
+          <p:nvPr/>
+        </p:nvSpPr>
+        <p:spPr>
+          <a:xfrm>
+            <a:off x="763960" y="2492896"/>
+            <a:ext cx="8229600" cy="1015663"/>
+          </a:xfrm>
+          <a:prstGeom prst="rect">
+            <a:avLst/>
+          </a:prstGeom>
+          <a:noFill/>
+        </p:spPr>
+        <p:txBody>
+          <a:bodyPr>
+            <a:spAutoFit/>
+          </a:bodyPr>
+          <a:lstStyle/>
+          <a:p>
+            <a:pPr lvl="1">
+              <a:buFont typeface="Arial" panose="020B0604020202020204" pitchFamily="34" charset="0"/>
+              <a:buNone/>
+              <a:defRPr/>
+            </a:pPr>
+            <a:r>
+              <a:rPr lang="zh-CN" altLang="en-US" sz="2000" b="1" dirty="0" smtClean="0">
+                <a:solidFill>
+                  <a:srgbClr val="474747"/>
+                </a:solidFill>
+                <a:latin typeface="微软雅黑" pitchFamily="34" charset="-122"/>
+                <a:ea typeface="微软雅黑" pitchFamily="34" charset="-122"/>
+              </a:rPr>
+              <a:t>下载</a:t>
+            </a:r>
+            <a:r>
+              <a:rPr lang="en-US" altLang="zh-CN" sz="2000" b="1" dirty="0" err="1" smtClean="0">
+                <a:solidFill>
+                  <a:srgbClr val="474747"/>
+                </a:solidFill>
+                <a:latin typeface="微软雅黑" pitchFamily="34" charset="-122"/>
+                <a:ea typeface="微软雅黑" pitchFamily="34" charset="-122"/>
+              </a:rPr>
+              <a:t>js</a:t>
+            </a:r>
+            <a:r>
+              <a:rPr lang="zh-CN" altLang="en-US" sz="2000" b="1" dirty="0" smtClean="0">
+                <a:solidFill>
+                  <a:srgbClr val="474747"/>
+                </a:solidFill>
+                <a:latin typeface="微软雅黑" pitchFamily="34" charset="-122"/>
+                <a:ea typeface="微软雅黑" pitchFamily="34" charset="-122"/>
+              </a:rPr>
+              <a:t>等待的时间，默认</a:t>
+            </a:r>
+            <a:r>
+              <a:rPr lang="en-US" altLang="zh-CN" sz="2000" b="1" dirty="0" smtClean="0">
+                <a:solidFill>
+                  <a:srgbClr val="474747"/>
+                </a:solidFill>
+                <a:latin typeface="微软雅黑" pitchFamily="34" charset="-122"/>
+                <a:ea typeface="微软雅黑" pitchFamily="34" charset="-122"/>
+              </a:rPr>
+              <a:t>7</a:t>
+            </a:r>
+            <a:r>
+              <a:rPr lang="zh-CN" altLang="en-US" sz="2000" b="1" dirty="0" smtClean="0">
+                <a:solidFill>
+                  <a:srgbClr val="474747"/>
+                </a:solidFill>
+                <a:latin typeface="微软雅黑" pitchFamily="34" charset="-122"/>
+                <a:ea typeface="微软雅黑" pitchFamily="34" charset="-122"/>
+              </a:rPr>
+              <a:t>秒。</a:t>
+            </a:r>
+            <a:endParaRPr lang="en-US" altLang="zh-CN" sz="2000" b="1" dirty="0" smtClean="0">
+              <a:solidFill>
+                <a:srgbClr val="474747"/>
+              </a:solidFill>
+              <a:latin typeface="微软雅黑" pitchFamily="34" charset="-122"/>
+              <a:ea typeface="微软雅黑" pitchFamily="34" charset="-122"/>
+            </a:endParaRPr>
+          </a:p>
+          <a:p>
+            <a:pPr lvl="1">
+              <a:buFont typeface="Arial" panose="020B0604020202020204" pitchFamily="34" charset="0"/>
+              <a:buNone/>
+              <a:defRPr/>
+            </a:pPr>
+            <a:endParaRPr lang="en-US" altLang="zh-CN" sz="2000" b="1" dirty="0" smtClean="0">
+              <a:solidFill>
+                <a:srgbClr val="474747"/>
+              </a:solidFill>
+              <a:latin typeface="微软雅黑" pitchFamily="34" charset="-122"/>
+              <a:ea typeface="微软雅黑" pitchFamily="34" charset="-122"/>
+            </a:endParaRPr>
+          </a:p>
+          <a:p>
+            <a:pPr lvl="1">
+              <a:buFont typeface="Arial" panose="020B0604020202020204" pitchFamily="34" charset="0"/>
+              <a:buNone/>
+              <a:defRPr/>
+            </a:pPr>
+            <a:r>
+              <a:rPr lang="zh-CN" altLang="en-US" sz="2000" b="1" dirty="0" smtClean="0">
+                <a:solidFill>
+                  <a:srgbClr val="474747"/>
+                </a:solidFill>
+                <a:latin typeface="微软雅黑" pitchFamily="34" charset="-122"/>
+                <a:ea typeface="微软雅黑" pitchFamily="34" charset="-122"/>
+              </a:rPr>
+              <a:t>如果设为</a:t>
+            </a:r>
+            <a:r>
+              <a:rPr lang="en-US" altLang="zh-CN" sz="2000" b="1" dirty="0" smtClean="0">
+                <a:solidFill>
+                  <a:srgbClr val="474747"/>
+                </a:solidFill>
+                <a:latin typeface="微软雅黑" pitchFamily="34" charset="-122"/>
+                <a:ea typeface="微软雅黑" pitchFamily="34" charset="-122"/>
+              </a:rPr>
+              <a:t>0</a:t>
+            </a:r>
+            <a:r>
+              <a:rPr lang="zh-CN" altLang="en-US" sz="2000" b="1" dirty="0" smtClean="0">
+                <a:solidFill>
+                  <a:srgbClr val="474747"/>
+                </a:solidFill>
+                <a:latin typeface="微软雅黑" pitchFamily="34" charset="-122"/>
+                <a:ea typeface="微软雅黑" pitchFamily="34" charset="-122"/>
+              </a:rPr>
+              <a:t>，则禁用等待超时。</a:t>
+            </a:r>
+            <a:endParaRPr lang="en-US" altLang="zh-CN" sz="2000" b="1" dirty="0" smtClean="0">
+              <a:solidFill>
+                <a:srgbClr val="474747"/>
+              </a:solidFill>
+              <a:latin typeface="微软雅黑" pitchFamily="34" charset="-122"/>
+              <a:ea typeface="微软雅黑" pitchFamily="34" charset="-122"/>
+            </a:endParaRPr>
+          </a:p>
+        </p:txBody>
+      </p:sp>
+    </p:spTree>
+  </p:cSld>
+  <p:clrMapOvr>
+    <a:masterClrMapping/>
+  </p:clrMapOvr>
+  <p:timing>
+    <p:tnLst>
+      <p:par>
+        <p:cTn id="1" dur="indefinite" restart="never" nodeType="tmRoot">
+          <p:childTnLst>
+            <p:seq concurrent="1" nextAc="seek">
+              <p:cTn id="2" dur="indefinite" nodeType="mainSeq">
+                <p:childTnLst>
+                  <p:par>
+                    <p:cTn id="3" fill="hold">
+                      <p:stCondLst>
+                        <p:cond delay="indefinite"/>
+                      </p:stCondLst>
+                      <p:childTnLst>
+                        <p:par>
+                          <p:cTn id="4" fill="hold">
+                            <p:stCondLst>
+                              <p:cond delay="0"/>
+                            </p:stCondLst>
+                            <p:childTnLst>
+                              <p:par>
+                                <p:cTn id="5" presetID="2" presetClass="entr" presetSubtype="4" fill="hold" grpId="0" nodeType="clickEffect">
+                                  <p:stCondLst>
+                                    <p:cond delay="0"/>
+                                  </p:stCondLst>
+                                  <p:childTnLst>
+                                    <p:set>
+                                      <p:cBhvr>
+                                        <p:cTn id="6" dur="1" fill="hold">
+                                          <p:stCondLst>
+                                            <p:cond delay="0"/>
+                                          </p:stCondLst>
+                                        </p:cTn>
+                                        <p:tgtEl>
+                                          <p:spTgt spid="2">
+                                            <p:txEl>
+                                              <p:pRg st="0" end="0"/>
+                                            </p:txEl>
+                                          </p:spTgt>
+                                        </p:tgtEl>
+                                        <p:attrNameLst>
+                                          <p:attrName>style.visibility</p:attrName>
+                                        </p:attrNameLst>
+                                      </p:cBhvr>
+                                      <p:to>
+                                        <p:strVal val="visible"/>
+                                      </p:to>
+                                    </p:set>
+                                    <p:anim calcmode="lin" valueType="num">
+                                      <p:cBhvr additive="base">
+                                        <p:cTn id="7" dur="300" fill="hold"/>
+                                        <p:tgtEl>
+                                          <p:spTgt spid="2">
+                                            <p:txEl>
+                                              <p:pRg st="0" end="0"/>
+                                            </p:txEl>
+                                          </p:spTgt>
+                                        </p:tgtEl>
+                                        <p:attrNameLst>
+                                          <p:attrName>ppt_x</p:attrName>
+                                        </p:attrNameLst>
+                                      </p:cBhvr>
+                                      <p:tavLst>
+                                        <p:tav tm="0">
+                                          <p:val>
+                                            <p:strVal val="#ppt_x"/>
+                                          </p:val>
+                                        </p:tav>
+                                        <p:tav tm="100000">
+                                          <p:val>
+                                            <p:strVal val="#ppt_x"/>
+                                          </p:val>
+                                        </p:tav>
+                                      </p:tavLst>
+                                    </p:anim>
+                                    <p:anim calcmode="lin" valueType="num">
+                                      <p:cBhvr additive="base">
+                                        <p:cTn id="8" dur="300" fill="hold"/>
+                                        <p:tgtEl>
+                                          <p:spTgt spid="2">
+                                            <p:txEl>
+                                              <p:pRg st="0" end="0"/>
+                                            </p:txEl>
+                                          </p:spTgt>
+                                        </p:tgtEl>
+                                        <p:attrNameLst>
+                                          <p:attrName>ppt_y</p:attrName>
+                                        </p:attrNameLst>
+                                      </p:cBhvr>
+                                      <p:tavLst>
+                                        <p:tav tm="0">
+                                          <p:val>
+                                            <p:strVal val="1+#ppt_h/2"/>
+                                          </p:val>
+                                        </p:tav>
+                                        <p:tav tm="100000">
+                                          <p:val>
+                                            <p:strVal val="#ppt_y"/>
+                                          </p:val>
+                                        </p:tav>
+                                      </p:tavLst>
+                                    </p:anim>
+                                  </p:childTnLst>
+                                </p:cTn>
+                              </p:par>
+                            </p:childTnLst>
+                          </p:cTn>
+                        </p:par>
+                      </p:childTnLst>
+                    </p:cTn>
+                  </p:par>
+                  <p:par>
+                    <p:cTn id="9" fill="hold">
+                      <p:stCondLst>
+                        <p:cond delay="indefinite"/>
+                      </p:stCondLst>
+                      <p:childTnLst>
+                        <p:par>
+                          <p:cTn id="10" fill="hold">
+                            <p:stCondLst>
+                              <p:cond delay="0"/>
+                            </p:stCondLst>
+                            <p:childTnLst>
+                              <p:par>
+                                <p:cTn id="11" presetID="2" presetClass="entr" presetSubtype="4" fill="hold" grpId="0" nodeType="clickEffect">
+                                  <p:stCondLst>
+                                    <p:cond delay="0"/>
+                                  </p:stCondLst>
+                                  <p:childTnLst>
+                                    <p:set>
+                                      <p:cBhvr>
+                                        <p:cTn id="12" dur="1" fill="hold">
+                                          <p:stCondLst>
+                                            <p:cond delay="0"/>
+                                          </p:stCondLst>
+                                        </p:cTn>
+                                        <p:tgtEl>
+                                          <p:spTgt spid="3"/>
+                                        </p:tgtEl>
+                                        <p:attrNameLst>
+                                          <p:attrName>style.visibility</p:attrName>
+                                        </p:attrNameLst>
+                                      </p:cBhvr>
+                                      <p:to>
+                                        <p:strVal val="visible"/>
+                                      </p:to>
+                                    </p:set>
+                                    <p:anim calcmode="lin" valueType="num">
+                                      <p:cBhvr additive="base">
+                                        <p:cTn id="13" dur="300" fill="hold"/>
+                                        <p:tgtEl>
+                                          <p:spTgt spid="3"/>
+                                        </p:tgtEl>
+                                        <p:attrNameLst>
+                                          <p:attrName>ppt_x</p:attrName>
+                                        </p:attrNameLst>
+                                      </p:cBhvr>
+                                      <p:tavLst>
+                                        <p:tav tm="0">
+                                          <p:val>
+                                            <p:strVal val="#ppt_x"/>
+                                          </p:val>
+                                        </p:tav>
+                                        <p:tav tm="100000">
+                                          <p:val>
+                                            <p:strVal val="#ppt_x"/>
+                                          </p:val>
+                                        </p:tav>
+                                      </p:tavLst>
+                                    </p:anim>
+                                    <p:anim calcmode="lin" valueType="num">
+                                      <p:cBhvr additive="base">
+                                        <p:cTn id="14" dur="300" fill="hold"/>
+                                        <p:tgtEl>
+                                          <p:spTgt spid="3"/>
+                                        </p:tgtEl>
+                                        <p:attrNameLst>
+                                          <p:attrName>ppt_y</p:attrName>
+                                        </p:attrNameLst>
+                                      </p:cBhvr>
+                                      <p:tavLst>
+                                        <p:tav tm="0">
+                                          <p:val>
+                                            <p:strVal val="1+#ppt_h/2"/>
+                                          </p:val>
+                                        </p:tav>
+                                        <p:tav tm="100000">
+                                          <p:val>
+                                            <p:strVal val="#ppt_y"/>
+                                          </p:val>
+                                        </p:tav>
+                                      </p:tavLst>
+                                    </p:anim>
+                                  </p:childTnLst>
+                                </p:cTn>
+                              </p:par>
+                            </p:childTnLst>
+                          </p:cTn>
+                        </p:par>
+                      </p:childTnLst>
+                    </p:cTn>
+                  </p:par>
+                </p:childTnLst>
+              </p:cTn>
+              <p:prevCondLst>
+                <p:cond evt="onPrev" delay="0">
+                  <p:tgtEl>
+                    <p:sldTgt/>
+                  </p:tgtEl>
+                </p:cond>
+              </p:prevCondLst>
+              <p:nextCondLst>
+                <p:cond evt="onNext" delay="0">
+                  <p:tgtEl>
+                    <p:sldTgt/>
+                  </p:tgtEl>
+                </p:cond>
+              </p:nextCondLst>
+            </p:seq>
+          </p:childTnLst>
+        </p:cTn>
+      </p:par>
+    </p:tnLst>
+    <p:bldLst>
+      <p:bldP spid="2" grpId="0" build="p"/>
+      <p:bldP spid="3" grpId="0"/>
+    </p:bldLst>
+  </p:timing>
+</p:sld>
+</file>
+
+<file path=ppt/slides/slide38.xml><?xml version="1.0" encoding="utf-8"?>
+<p:sld xmlns:a="http://schemas.openxmlformats.org/drawingml/2006/main" xmlns:r="http://schemas.openxmlformats.org/officeDocument/2006/relationships" xmlns:p="http://schemas.openxmlformats.org/presentationml/2006/main">
+  <p:cSld>
+    <p:spTree>
+      <p:nvGrpSpPr>
+        <p:cNvPr id="1" name=""/>
+        <p:cNvGrpSpPr/>
+        <p:nvPr/>
+      </p:nvGrpSpPr>
+      <p:grpSpPr>
+        <a:xfrm>
+          <a:off x="0" y="0"/>
+          <a:ext cx="0" cy="0"/>
+          <a:chOff x="0" y="0"/>
+          <a:chExt cx="0" cy="0"/>
+        </a:xfrm>
+      </p:grpSpPr>
+      <p:sp>
+        <p:nvSpPr>
+          <p:cNvPr id="2" name="内容占位符 2"/>
+          <p:cNvSpPr txBox="1">
+            <a:spLocks/>
+          </p:cNvSpPr>
+          <p:nvPr/>
+        </p:nvSpPr>
+        <p:spPr>
+          <a:xfrm>
+            <a:off x="457200" y="1200150"/>
+            <a:ext cx="8229600" cy="508000"/>
+          </a:xfrm>
+          <a:prstGeom prst="rect">
+            <a:avLst/>
+          </a:prstGeom>
+        </p:spPr>
+        <p:txBody>
+          <a:bodyPr/>
+          <a:lstStyle/>
+          <a:p>
+            <a:pPr marL="0" marR="0" lvl="0" indent="0" algn="l" defTabSz="914400" rtl="0" eaLnBrk="1" fontAlgn="auto" latinLnBrk="0" hangingPunct="1">
+              <a:lnSpc>
+                <a:spcPct val="100000"/>
+              </a:lnSpc>
+              <a:spcBef>
+                <a:spcPct val="20000"/>
+              </a:spcBef>
+              <a:spcAft>
+                <a:spcPts val="0"/>
+              </a:spcAft>
+              <a:buClrTx/>
+              <a:buSzTx/>
+              <a:buFont typeface="Arial" panose="020B0604020202020204" pitchFamily="34" charset="0"/>
+              <a:buNone/>
+              <a:tabLst/>
+              <a:defRPr/>
+            </a:pPr>
+            <a:r>
+              <a:rPr kumimoji="0" lang="en-US" altLang="zh-CN" sz="3200" b="1" i="0" u="none" strike="noStrike" kern="1200" cap="none" spc="0" normalizeH="0" baseline="0" noProof="0" dirty="0" err="1" smtClean="0">
+                <a:ln>
+                  <a:noFill/>
+                </a:ln>
+                <a:solidFill>
+                  <a:srgbClr val="212121"/>
+                </a:solidFill>
+                <a:effectLst/>
+                <a:uLnTx/>
+                <a:uFillTx/>
+                <a:latin typeface="微软雅黑" pitchFamily="34" charset="-122"/>
+                <a:ea typeface="微软雅黑" pitchFamily="34" charset="-122"/>
+              </a:rPr>
+              <a:t>urlArgs</a:t>
+            </a:r>
+            <a:endParaRPr kumimoji="0" lang="en-US" altLang="zh-CN" sz="3200" b="1" i="0" u="none" strike="noStrike" kern="1200" cap="none" spc="0" normalizeH="0" baseline="0" noProof="0" dirty="0" smtClean="0">
+              <a:ln>
+                <a:noFill/>
+              </a:ln>
+              <a:solidFill>
+                <a:srgbClr val="212121"/>
+              </a:solidFill>
+              <a:effectLst/>
+              <a:uLnTx/>
+              <a:uFillTx/>
+              <a:latin typeface="微软雅黑" pitchFamily="34" charset="-122"/>
+              <a:ea typeface="微软雅黑" pitchFamily="34" charset="-122"/>
+            </a:endParaRPr>
+          </a:p>
+        </p:txBody>
+      </p:sp>
+      <p:sp>
+        <p:nvSpPr>
+          <p:cNvPr id="3" name="文本框 2"/>
+          <p:cNvSpPr txBox="1"/>
+          <p:nvPr/>
+        </p:nvSpPr>
+        <p:spPr>
+          <a:xfrm>
+            <a:off x="763960" y="2492896"/>
+            <a:ext cx="8229600" cy="400110"/>
+          </a:xfrm>
+          <a:prstGeom prst="rect">
+            <a:avLst/>
+          </a:prstGeom>
+          <a:noFill/>
+        </p:spPr>
+        <p:txBody>
+          <a:bodyPr>
+            <a:spAutoFit/>
+          </a:bodyPr>
+          <a:lstStyle/>
+          <a:p>
+            <a:pPr lvl="1">
+              <a:buFont typeface="Arial" panose="020B0604020202020204" pitchFamily="34" charset="0"/>
+              <a:buNone/>
+              <a:defRPr/>
+            </a:pPr>
+            <a:r>
+              <a:rPr lang="zh-CN" altLang="en-US" sz="2000" b="1" dirty="0" smtClean="0">
+                <a:solidFill>
+                  <a:srgbClr val="474747"/>
+                </a:solidFill>
+                <a:latin typeface="微软雅黑" pitchFamily="34" charset="-122"/>
+                <a:ea typeface="微软雅黑" pitchFamily="34" charset="-122"/>
+              </a:rPr>
+              <a:t>下载文件时，在</a:t>
+            </a:r>
+            <a:r>
+              <a:rPr lang="en-US" altLang="zh-CN" sz="2000" b="1" dirty="0" err="1" smtClean="0">
+                <a:solidFill>
+                  <a:srgbClr val="474747"/>
+                </a:solidFill>
+                <a:latin typeface="微软雅黑" pitchFamily="34" charset="-122"/>
+                <a:ea typeface="微软雅黑" pitchFamily="34" charset="-122"/>
+              </a:rPr>
+              <a:t>url</a:t>
+            </a:r>
+            <a:r>
+              <a:rPr lang="zh-CN" altLang="en-US" sz="2000" b="1" dirty="0" smtClean="0">
+                <a:solidFill>
+                  <a:srgbClr val="474747"/>
+                </a:solidFill>
+                <a:latin typeface="微软雅黑" pitchFamily="34" charset="-122"/>
+                <a:ea typeface="微软雅黑" pitchFamily="34" charset="-122"/>
+              </a:rPr>
+              <a:t>后面增加额外的</a:t>
+            </a:r>
+            <a:r>
+              <a:rPr lang="en-US" altLang="zh-CN" sz="2000" b="1" dirty="0" smtClean="0">
+                <a:solidFill>
+                  <a:srgbClr val="474747"/>
+                </a:solidFill>
+                <a:latin typeface="微软雅黑" pitchFamily="34" charset="-122"/>
+                <a:ea typeface="微软雅黑" pitchFamily="34" charset="-122"/>
+              </a:rPr>
+              <a:t>query</a:t>
+            </a:r>
+            <a:r>
+              <a:rPr lang="zh-CN" altLang="en-US" sz="2000" b="1" dirty="0" smtClean="0">
+                <a:solidFill>
+                  <a:srgbClr val="474747"/>
+                </a:solidFill>
+                <a:latin typeface="微软雅黑" pitchFamily="34" charset="-122"/>
+                <a:ea typeface="微软雅黑" pitchFamily="34" charset="-122"/>
+              </a:rPr>
+              <a:t>参数</a:t>
+            </a:r>
+            <a:endParaRPr lang="en-US" altLang="zh-CN" sz="2000" b="1" dirty="0" smtClean="0">
+              <a:solidFill>
+                <a:srgbClr val="474747"/>
+              </a:solidFill>
+              <a:latin typeface="微软雅黑" pitchFamily="34" charset="-122"/>
+              <a:ea typeface="微软雅黑" pitchFamily="34" charset="-122"/>
+            </a:endParaRPr>
+          </a:p>
+        </p:txBody>
+      </p:sp>
+      <p:sp>
+        <p:nvSpPr>
+          <p:cNvPr id="4" name="文本框 2"/>
+          <p:cNvSpPr txBox="1"/>
+          <p:nvPr/>
+        </p:nvSpPr>
+        <p:spPr>
+          <a:xfrm>
+            <a:off x="734888" y="3748970"/>
+            <a:ext cx="8229600" cy="400110"/>
+          </a:xfrm>
+          <a:prstGeom prst="rect">
+            <a:avLst/>
+          </a:prstGeom>
+          <a:noFill/>
+        </p:spPr>
+        <p:txBody>
+          <a:bodyPr>
+            <a:spAutoFit/>
+          </a:bodyPr>
+          <a:lstStyle/>
+          <a:p>
+            <a:pPr lvl="1">
+              <a:buFont typeface="Arial" panose="020B0604020202020204" pitchFamily="34" charset="0"/>
+              <a:buNone/>
+              <a:defRPr/>
+            </a:pPr>
+            <a:r>
+              <a:rPr lang="en-US" altLang="zh-CN" sz="2000" b="1" dirty="0" err="1" smtClean="0">
+                <a:solidFill>
+                  <a:srgbClr val="474747"/>
+                </a:solidFill>
+                <a:latin typeface="微软雅黑" pitchFamily="34" charset="-122"/>
+                <a:ea typeface="微软雅黑" pitchFamily="34" charset="-122"/>
+              </a:rPr>
+              <a:t>urlArgs</a:t>
+            </a:r>
+            <a:r>
+              <a:rPr lang="en-US" altLang="zh-CN" sz="2000" b="1" dirty="0" smtClean="0">
+                <a:solidFill>
+                  <a:srgbClr val="474747"/>
+                </a:solidFill>
+                <a:latin typeface="微软雅黑" pitchFamily="34" charset="-122"/>
+                <a:ea typeface="微软雅黑" pitchFamily="34" charset="-122"/>
+              </a:rPr>
+              <a:t>: “_=" + (new Date()).</a:t>
+            </a:r>
+            <a:r>
+              <a:rPr lang="en-US" altLang="zh-CN" sz="2000" b="1" dirty="0" err="1" smtClean="0">
+                <a:solidFill>
+                  <a:srgbClr val="474747"/>
+                </a:solidFill>
+                <a:latin typeface="微软雅黑" pitchFamily="34" charset="-122"/>
+                <a:ea typeface="微软雅黑" pitchFamily="34" charset="-122"/>
+              </a:rPr>
+              <a:t>getTime</a:t>
+            </a:r>
+            <a:r>
+              <a:rPr lang="en-US" altLang="zh-CN" sz="2000" b="1" dirty="0" smtClean="0">
+                <a:solidFill>
+                  <a:srgbClr val="474747"/>
+                </a:solidFill>
+                <a:latin typeface="微软雅黑" pitchFamily="34" charset="-122"/>
+                <a:ea typeface="微软雅黑" pitchFamily="34" charset="-122"/>
+              </a:rPr>
+              <a:t>()</a:t>
+            </a:r>
+          </a:p>
+        </p:txBody>
+      </p:sp>
+    </p:spTree>
+  </p:cSld>
+  <p:clrMapOvr>
+    <a:masterClrMapping/>
+  </p:clrMapOvr>
+  <p:timing>
+    <p:tnLst>
+      <p:par>
+        <p:cTn id="1" dur="indefinite" restart="never" nodeType="tmRoot">
+          <p:childTnLst>
+            <p:seq concurrent="1" nextAc="seek">
+              <p:cTn id="2" dur="indefinite" nodeType="mainSeq">
+                <p:childTnLst>
+                  <p:par>
+                    <p:cTn id="3" fill="hold">
+                      <p:stCondLst>
+                        <p:cond delay="indefinite"/>
+                      </p:stCondLst>
+                      <p:childTnLst>
+                        <p:par>
+                          <p:cTn id="4" fill="hold">
+                            <p:stCondLst>
+                              <p:cond delay="0"/>
+                            </p:stCondLst>
+                            <p:childTnLst>
+                              <p:par>
+                                <p:cTn id="5" presetID="2" presetClass="entr" presetSubtype="4" fill="hold" grpId="0" nodeType="clickEffect">
+                                  <p:stCondLst>
+                                    <p:cond delay="0"/>
+                                  </p:stCondLst>
+                                  <p:childTnLst>
+                                    <p:set>
+                                      <p:cBhvr>
+                                        <p:cTn id="6" dur="1" fill="hold">
+                                          <p:stCondLst>
+                                            <p:cond delay="0"/>
+                                          </p:stCondLst>
+                                        </p:cTn>
+                                        <p:tgtEl>
+                                          <p:spTgt spid="2">
+                                            <p:txEl>
+                                              <p:pRg st="0" end="0"/>
+                                            </p:txEl>
+                                          </p:spTgt>
+                                        </p:tgtEl>
+                                        <p:attrNameLst>
+                                          <p:attrName>style.visibility</p:attrName>
+                                        </p:attrNameLst>
+                                      </p:cBhvr>
+                                      <p:to>
+                                        <p:strVal val="visible"/>
+                                      </p:to>
+                                    </p:set>
+                                    <p:anim calcmode="lin" valueType="num">
+                                      <p:cBhvr additive="base">
+                                        <p:cTn id="7" dur="300" fill="hold"/>
+                                        <p:tgtEl>
+                                          <p:spTgt spid="2">
+                                            <p:txEl>
+                                              <p:pRg st="0" end="0"/>
+                                            </p:txEl>
+                                          </p:spTgt>
+                                        </p:tgtEl>
+                                        <p:attrNameLst>
+                                          <p:attrName>ppt_x</p:attrName>
+                                        </p:attrNameLst>
+                                      </p:cBhvr>
+                                      <p:tavLst>
+                                        <p:tav tm="0">
+                                          <p:val>
+                                            <p:strVal val="#ppt_x"/>
+                                          </p:val>
+                                        </p:tav>
+                                        <p:tav tm="100000">
+                                          <p:val>
+                                            <p:strVal val="#ppt_x"/>
+                                          </p:val>
+                                        </p:tav>
+                                      </p:tavLst>
+                                    </p:anim>
+                                    <p:anim calcmode="lin" valueType="num">
+                                      <p:cBhvr additive="base">
+                                        <p:cTn id="8" dur="300" fill="hold"/>
+                                        <p:tgtEl>
+                                          <p:spTgt spid="2">
+                                            <p:txEl>
+                                              <p:pRg st="0" end="0"/>
+                                            </p:txEl>
+                                          </p:spTgt>
+                                        </p:tgtEl>
+                                        <p:attrNameLst>
+                                          <p:attrName>ppt_y</p:attrName>
+                                        </p:attrNameLst>
+                                      </p:cBhvr>
+                                      <p:tavLst>
+                                        <p:tav tm="0">
+                                          <p:val>
+                                            <p:strVal val="1+#ppt_h/2"/>
+                                          </p:val>
+                                        </p:tav>
+                                        <p:tav tm="100000">
+                                          <p:val>
+                                            <p:strVal val="#ppt_y"/>
+                                          </p:val>
+                                        </p:tav>
+                                      </p:tavLst>
+                                    </p:anim>
+                                  </p:childTnLst>
+                                </p:cTn>
+                              </p:par>
+                            </p:childTnLst>
+                          </p:cTn>
+                        </p:par>
+                      </p:childTnLst>
+                    </p:cTn>
+                  </p:par>
+                  <p:par>
+                    <p:cTn id="9" fill="hold">
+                      <p:stCondLst>
+                        <p:cond delay="indefinite"/>
+                      </p:stCondLst>
+                      <p:childTnLst>
+                        <p:par>
+                          <p:cTn id="10" fill="hold">
+                            <p:stCondLst>
+                              <p:cond delay="0"/>
+                            </p:stCondLst>
+                            <p:childTnLst>
+                              <p:par>
+                                <p:cTn id="11" presetID="2" presetClass="entr" presetSubtype="4" fill="hold" grpId="0" nodeType="clickEffect">
+                                  <p:stCondLst>
+                                    <p:cond delay="0"/>
+                                  </p:stCondLst>
+                                  <p:childTnLst>
+                                    <p:set>
+                                      <p:cBhvr>
+                                        <p:cTn id="12" dur="1" fill="hold">
+                                          <p:stCondLst>
+                                            <p:cond delay="0"/>
+                                          </p:stCondLst>
+                                        </p:cTn>
+                                        <p:tgtEl>
+                                          <p:spTgt spid="3"/>
+                                        </p:tgtEl>
+                                        <p:attrNameLst>
+                                          <p:attrName>style.visibility</p:attrName>
+                                        </p:attrNameLst>
+                                      </p:cBhvr>
+                                      <p:to>
+                                        <p:strVal val="visible"/>
+                                      </p:to>
+                                    </p:set>
+                                    <p:anim calcmode="lin" valueType="num">
+                                      <p:cBhvr additive="base">
+                                        <p:cTn id="13" dur="300" fill="hold"/>
+                                        <p:tgtEl>
+                                          <p:spTgt spid="3"/>
+                                        </p:tgtEl>
+                                        <p:attrNameLst>
+                                          <p:attrName>ppt_x</p:attrName>
+                                        </p:attrNameLst>
+                                      </p:cBhvr>
+                                      <p:tavLst>
+                                        <p:tav tm="0">
+                                          <p:val>
+                                            <p:strVal val="#ppt_x"/>
+                                          </p:val>
+                                        </p:tav>
+                                        <p:tav tm="100000">
+                                          <p:val>
+                                            <p:strVal val="#ppt_x"/>
+                                          </p:val>
+                                        </p:tav>
+                                      </p:tavLst>
+                                    </p:anim>
+                                    <p:anim calcmode="lin" valueType="num">
+                                      <p:cBhvr additive="base">
+                                        <p:cTn id="14" dur="300" fill="hold"/>
+                                        <p:tgtEl>
+                                          <p:spTgt spid="3"/>
+                                        </p:tgtEl>
+                                        <p:attrNameLst>
+                                          <p:attrName>ppt_y</p:attrName>
+                                        </p:attrNameLst>
+                                      </p:cBhvr>
+                                      <p:tavLst>
+                                        <p:tav tm="0">
+                                          <p:val>
+                                            <p:strVal val="1+#ppt_h/2"/>
+                                          </p:val>
+                                        </p:tav>
+                                        <p:tav tm="100000">
+                                          <p:val>
+                                            <p:strVal val="#ppt_y"/>
+                                          </p:val>
+                                        </p:tav>
+                                      </p:tavLst>
+                                    </p:anim>
+                                  </p:childTnLst>
+                                </p:cTn>
+                              </p:par>
+                            </p:childTnLst>
+                          </p:cTn>
+                        </p:par>
+                      </p:childTnLst>
+                    </p:cTn>
+                  </p:par>
+                  <p:par>
+                    <p:cTn id="15" fill="hold">
+                      <p:stCondLst>
+                        <p:cond delay="indefinite"/>
+                      </p:stCondLst>
+                      <p:childTnLst>
+                        <p:par>
+                          <p:cTn id="16" fill="hold">
+                            <p:stCondLst>
+                              <p:cond delay="0"/>
+                            </p:stCondLst>
+                            <p:childTnLst>
+                              <p:par>
+                                <p:cTn id="17" presetID="2" presetClass="entr" presetSubtype="4" fill="hold" grpId="0" nodeType="clickEffect">
+                                  <p:stCondLst>
+                                    <p:cond delay="0"/>
+                                  </p:stCondLst>
+                                  <p:childTnLst>
+                                    <p:set>
+                                      <p:cBhvr>
+                                        <p:cTn id="18" dur="1" fill="hold">
+                                          <p:stCondLst>
+                                            <p:cond delay="0"/>
+                                          </p:stCondLst>
+                                        </p:cTn>
+                                        <p:tgtEl>
+                                          <p:spTgt spid="4"/>
+                                        </p:tgtEl>
+                                        <p:attrNameLst>
+                                          <p:attrName>style.visibility</p:attrName>
+                                        </p:attrNameLst>
+                                      </p:cBhvr>
+                                      <p:to>
+                                        <p:strVal val="visible"/>
+                                      </p:to>
+                                    </p:set>
+                                    <p:anim calcmode="lin" valueType="num">
+                                      <p:cBhvr additive="base">
+                                        <p:cTn id="19" dur="300" fill="hold"/>
+                                        <p:tgtEl>
+                                          <p:spTgt spid="4"/>
+                                        </p:tgtEl>
+                                        <p:attrNameLst>
+                                          <p:attrName>ppt_x</p:attrName>
+                                        </p:attrNameLst>
+                                      </p:cBhvr>
+                                      <p:tavLst>
+                                        <p:tav tm="0">
+                                          <p:val>
+                                            <p:strVal val="#ppt_x"/>
+                                          </p:val>
+                                        </p:tav>
+                                        <p:tav tm="100000">
+                                          <p:val>
+                                            <p:strVal val="#ppt_x"/>
+                                          </p:val>
+                                        </p:tav>
+                                      </p:tavLst>
+                                    </p:anim>
+                                    <p:anim calcmode="lin" valueType="num">
+                                      <p:cBhvr additive="base">
+                                        <p:cTn id="20" dur="300" fill="hold"/>
+                                        <p:tgtEl>
+                                          <p:spTgt spid="4"/>
+                                        </p:tgtEl>
+                                        <p:attrNameLst>
+                                          <p:attrName>ppt_y</p:attrName>
+                                        </p:attrNameLst>
+                                      </p:cBhvr>
+                                      <p:tavLst>
+                                        <p:tav tm="0">
+                                          <p:val>
+                                            <p:strVal val="1+#ppt_h/2"/>
+                                          </p:val>
+                                        </p:tav>
+                                        <p:tav tm="100000">
+                                          <p:val>
+                                            <p:strVal val="#ppt_y"/>
+                                          </p:val>
+                                        </p:tav>
+                                      </p:tavLst>
+                                    </p:anim>
+                                  </p:childTnLst>
+                                </p:cTn>
+                              </p:par>
+                            </p:childTnLst>
+                          </p:cTn>
+                        </p:par>
+                      </p:childTnLst>
+                    </p:cTn>
+                  </p:par>
+                </p:childTnLst>
+              </p:cTn>
+              <p:prevCondLst>
+                <p:cond evt="onPrev" delay="0">
+                  <p:tgtEl>
+                    <p:sldTgt/>
+                  </p:tgtEl>
+                </p:cond>
+              </p:prevCondLst>
+              <p:nextCondLst>
+                <p:cond evt="onNext" delay="0">
+                  <p:tgtEl>
+                    <p:sldTgt/>
+                  </p:tgtEl>
+                </p:cond>
+              </p:nextCondLst>
+            </p:seq>
+          </p:childTnLst>
+        </p:cTn>
+      </p:par>
+    </p:tnLst>
+    <p:bldLst>
+      <p:bldP spid="2" grpId="0" build="p"/>
+      <p:bldP spid="3" grpId="0"/>
+      <p:bldP spid="4" grpId="0"/>
+    </p:bldLst>
+  </p:timing>
+</p:sld>
+</file>
+
+<file path=ppt/slides/slide39.xml><?xml version="1.0" encoding="utf-8"?>
+<p:sld xmlns:a="http://schemas.openxmlformats.org/drawingml/2006/main" xmlns:r="http://schemas.openxmlformats.org/officeDocument/2006/relationships" xmlns:p="http://schemas.openxmlformats.org/presentationml/2006/main">
+  <p:cSld>
+    <p:spTree>
+      <p:nvGrpSpPr>
+        <p:cNvPr id="1" name=""/>
+        <p:cNvGrpSpPr/>
+        <p:nvPr/>
+      </p:nvGrpSpPr>
+      <p:grpSpPr>
+        <a:xfrm>
+          <a:off x="0" y="0"/>
+          <a:ext cx="0" cy="0"/>
+          <a:chOff x="0" y="0"/>
+          <a:chExt cx="0" cy="0"/>
+        </a:xfrm>
+      </p:grpSpPr>
+      <p:sp>
+        <p:nvSpPr>
+          <p:cNvPr id="2" name="标题 1"/>
+          <p:cNvSpPr>
+            <a:spLocks noGrp="1"/>
+          </p:cNvSpPr>
+          <p:nvPr>
+            <p:ph type="title"/>
+          </p:nvPr>
+        </p:nvSpPr>
+        <p:spPr>
+          <a:xfrm>
+            <a:off x="467544" y="1268760"/>
+            <a:ext cx="8229600" cy="1143000"/>
+          </a:xfrm>
+        </p:spPr>
+        <p:txBody>
+          <a:bodyPr>
+            <a:normAutofit/>
+          </a:bodyPr>
+          <a:lstStyle/>
+          <a:p>
+            <a:r>
+              <a:rPr lang="en-US" altLang="zh-CN" sz="3000" b="1" dirty="0" err="1" smtClean="0">
+                <a:solidFill>
+                  <a:srgbClr val="C9394A"/>
+                </a:solidFill>
+                <a:latin typeface="微软雅黑" pitchFamily="34" charset="-122"/>
+                <a:ea typeface="微软雅黑" pitchFamily="34" charset="-122"/>
+              </a:rPr>
+              <a:t>Requirejs</a:t>
+            </a:r>
+            <a:r>
+              <a:rPr lang="zh-CN" altLang="en-US" sz="3000" b="1" dirty="0" smtClean="0">
+                <a:solidFill>
+                  <a:srgbClr val="C9394A"/>
+                </a:solidFill>
+                <a:latin typeface="微软雅黑" pitchFamily="34" charset="-122"/>
+                <a:ea typeface="微软雅黑" pitchFamily="34" charset="-122"/>
+              </a:rPr>
+              <a:t>和自动打包</a:t>
+            </a:r>
+            <a:endParaRPr lang="zh-CN" altLang="en-US" sz="3000" b="1" dirty="0">
+              <a:solidFill>
+                <a:srgbClr val="C9394A"/>
+              </a:solidFill>
+              <a:latin typeface="微软雅黑" pitchFamily="34" charset="-122"/>
+              <a:ea typeface="微软雅黑" pitchFamily="34" charset="-122"/>
+            </a:endParaRPr>
+          </a:p>
+        </p:txBody>
+      </p:sp>
+      <p:sp>
+        <p:nvSpPr>
+          <p:cNvPr id="3" name="内容占位符 2"/>
+          <p:cNvSpPr>
+            <a:spLocks noGrp="1"/>
+          </p:cNvSpPr>
+          <p:nvPr>
+            <p:ph idx="1"/>
+          </p:nvPr>
+        </p:nvSpPr>
+        <p:spPr>
+          <a:xfrm>
+            <a:off x="467544" y="2852936"/>
+            <a:ext cx="8229600" cy="2697163"/>
+          </a:xfrm>
+        </p:spPr>
+        <p:txBody>
+          <a:bodyPr>
+            <a:normAutofit/>
+          </a:bodyPr>
+          <a:lstStyle/>
+          <a:p>
+            <a:pPr algn="ctr">
+              <a:buNone/>
+            </a:pPr>
+            <a:r>
+              <a:rPr lang="en-US" altLang="zh-CN" sz="2200" b="1" dirty="0" err="1" smtClean="0">
+                <a:solidFill>
+                  <a:srgbClr val="474747"/>
+                </a:solidFill>
+                <a:latin typeface="微软雅黑" pitchFamily="34" charset="-122"/>
+                <a:ea typeface="微软雅黑" pitchFamily="34" charset="-122"/>
+              </a:rPr>
+              <a:t>jsonp</a:t>
+            </a:r>
+            <a:endParaRPr lang="zh-CN" altLang="en-US" sz="2200" b="1" dirty="0">
+              <a:solidFill>
+                <a:srgbClr val="474747"/>
+              </a:solidFill>
+              <a:latin typeface="微软雅黑" pitchFamily="34" charset="-122"/>
+              <a:ea typeface="微软雅黑" pitchFamily="34" charset="-122"/>
+            </a:endParaRPr>
+          </a:p>
+        </p:txBody>
+      </p:sp>
+    </p:spTree>
+  </p:cSld>
+  <p:clrMapOvr>
+    <a:masterClrMapping/>
+  </p:clrMapOvr>
+  <p:timing>
+    <p:tnLst>
+      <p:par>
+        <p:cTn id="1" dur="indefinite" restart="never" nodeType="tmRoot"/>
+      </p:par>
+    </p:tnLst>
   </p:timing>
 </p:sld>
 </file>

--- a/requirejs/doc/requirejs.pptx
+++ b/requirejs/doc/requirejs.pptx
@@ -5,7 +5,7 @@
     <p:sldMasterId id="2147483648" r:id="rId1"/>
   </p:sldMasterIdLst>
   <p:notesMasterIdLst>
-    <p:notesMasterId r:id="rId41"/>
+    <p:notesMasterId r:id="rId45"/>
   </p:notesMasterIdLst>
   <p:sldIdLst>
     <p:sldId id="258" r:id="rId2"/>
@@ -47,6 +47,10 @@
     <p:sldId id="295" r:id="rId38"/>
     <p:sldId id="296" r:id="rId39"/>
     <p:sldId id="297" r:id="rId40"/>
+    <p:sldId id="301" r:id="rId41"/>
+    <p:sldId id="298" r:id="rId42"/>
+    <p:sldId id="299" r:id="rId43"/>
+    <p:sldId id="300" r:id="rId44"/>
   </p:sldIdLst>
   <p:sldSz cx="9144000" cy="6858000" type="screen4x3"/>
   <p:notesSz cx="6858000" cy="9144000"/>
@@ -21144,6 +21148,16 @@
               </a:rPr>
               <a:t>jsonp</a:t>
             </a:r>
+            <a:r>
+              <a:rPr lang="zh-CN" altLang="en-US" sz="2200" b="1" dirty="0" smtClean="0">
+                <a:solidFill>
+                  <a:srgbClr val="474747"/>
+                </a:solidFill>
+                <a:latin typeface="微软雅黑" pitchFamily="34" charset="-122"/>
+                <a:ea typeface="微软雅黑" pitchFamily="34" charset="-122"/>
+              </a:rPr>
+              <a:t>服务</a:t>
+            </a:r>
             <a:endParaRPr lang="zh-CN" altLang="en-US" sz="2200" b="1" dirty="0">
               <a:solidFill>
                 <a:srgbClr val="474747"/>
@@ -22790,6 +22804,3067 @@
       <p:bldP spid="8" grpId="0" animBg="1"/>
       <p:bldP spid="9" grpId="0" animBg="1"/>
       <p:bldP spid="24" grpId="0" animBg="1"/>
+    </p:bldLst>
+  </p:timing>
+</p:sld>
+</file>
+
+<file path=ppt/slides/slide40.xml><?xml version="1.0" encoding="utf-8"?>
+<p:sld xmlns:a="http://schemas.openxmlformats.org/drawingml/2006/main" xmlns:r="http://schemas.openxmlformats.org/officeDocument/2006/relationships" xmlns:p="http://schemas.openxmlformats.org/presentationml/2006/main">
+  <p:cSld>
+    <p:spTree>
+      <p:nvGrpSpPr>
+        <p:cNvPr id="1" name=""/>
+        <p:cNvGrpSpPr/>
+        <p:nvPr/>
+      </p:nvGrpSpPr>
+      <p:grpSpPr>
+        <a:xfrm>
+          <a:off x="0" y="0"/>
+          <a:ext cx="0" cy="0"/>
+          <a:chOff x="0" y="0"/>
+          <a:chExt cx="0" cy="0"/>
+        </a:xfrm>
+      </p:grpSpPr>
+      <p:sp>
+        <p:nvSpPr>
+          <p:cNvPr id="2" name="文本框 2"/>
+          <p:cNvSpPr txBox="1"/>
+          <p:nvPr/>
+        </p:nvSpPr>
+        <p:spPr>
+          <a:xfrm>
+            <a:off x="763960" y="1916832"/>
+            <a:ext cx="8229600" cy="400110"/>
+          </a:xfrm>
+          <a:prstGeom prst="rect">
+            <a:avLst/>
+          </a:prstGeom>
+          <a:noFill/>
+        </p:spPr>
+        <p:txBody>
+          <a:bodyPr>
+            <a:spAutoFit/>
+          </a:bodyPr>
+          <a:lstStyle/>
+          <a:p>
+            <a:pPr lvl="1">
+              <a:buFont typeface="Arial" panose="020B0604020202020204" pitchFamily="34" charset="0"/>
+              <a:buNone/>
+              <a:defRPr/>
+            </a:pPr>
+            <a:r>
+              <a:rPr lang="zh-CN" altLang="en-US" sz="2000" b="1" dirty="0" smtClean="0">
+                <a:solidFill>
+                  <a:srgbClr val="474747"/>
+                </a:solidFill>
+                <a:latin typeface="微软雅黑" pitchFamily="34" charset="-122"/>
+                <a:ea typeface="微软雅黑" pitchFamily="34" charset="-122"/>
+              </a:rPr>
+              <a:t>什么是</a:t>
+            </a:r>
+            <a:r>
+              <a:rPr lang="en-US" altLang="zh-CN" sz="2000" b="1" dirty="0" err="1" smtClean="0">
+                <a:solidFill>
+                  <a:srgbClr val="474747"/>
+                </a:solidFill>
+                <a:latin typeface="微软雅黑" pitchFamily="34" charset="-122"/>
+                <a:ea typeface="微软雅黑" pitchFamily="34" charset="-122"/>
+              </a:rPr>
+              <a:t>jsonp</a:t>
+            </a:r>
+            <a:endParaRPr lang="en-US" altLang="zh-CN" sz="2000" b="1" dirty="0" smtClean="0">
+              <a:solidFill>
+                <a:srgbClr val="474747"/>
+              </a:solidFill>
+              <a:latin typeface="微软雅黑" pitchFamily="34" charset="-122"/>
+              <a:ea typeface="微软雅黑" pitchFamily="34" charset="-122"/>
+            </a:endParaRPr>
+          </a:p>
+        </p:txBody>
+      </p:sp>
+      <p:sp>
+        <p:nvSpPr>
+          <p:cNvPr id="3" name="文本框 2"/>
+          <p:cNvSpPr txBox="1"/>
+          <p:nvPr/>
+        </p:nvSpPr>
+        <p:spPr>
+          <a:xfrm>
+            <a:off x="734888" y="2996952"/>
+            <a:ext cx="8229600" cy="400110"/>
+          </a:xfrm>
+          <a:prstGeom prst="rect">
+            <a:avLst/>
+          </a:prstGeom>
+          <a:noFill/>
+        </p:spPr>
+        <p:txBody>
+          <a:bodyPr>
+            <a:spAutoFit/>
+          </a:bodyPr>
+          <a:lstStyle/>
+          <a:p>
+            <a:pPr lvl="1">
+              <a:buFont typeface="Arial" panose="020B0604020202020204" pitchFamily="34" charset="0"/>
+              <a:buNone/>
+              <a:defRPr/>
+            </a:pPr>
+            <a:r>
+              <a:rPr lang="zh-CN" altLang="en-US" sz="2000" b="1" dirty="0" smtClean="0">
+                <a:solidFill>
+                  <a:srgbClr val="474747"/>
+                </a:solidFill>
+                <a:latin typeface="微软雅黑" pitchFamily="34" charset="-122"/>
+                <a:ea typeface="微软雅黑" pitchFamily="34" charset="-122"/>
+              </a:rPr>
+              <a:t>传统的</a:t>
+            </a:r>
+            <a:r>
+              <a:rPr lang="en-US" altLang="zh-CN" sz="2000" b="1" dirty="0" err="1" smtClean="0">
+                <a:solidFill>
+                  <a:srgbClr val="474747"/>
+                </a:solidFill>
+                <a:latin typeface="微软雅黑" pitchFamily="34" charset="-122"/>
+                <a:ea typeface="微软雅黑" pitchFamily="34" charset="-122"/>
+              </a:rPr>
+              <a:t>jsonp</a:t>
+            </a:r>
+            <a:r>
+              <a:rPr lang="zh-CN" altLang="en-US" sz="2000" b="1" dirty="0" smtClean="0">
+                <a:solidFill>
+                  <a:srgbClr val="474747"/>
+                </a:solidFill>
+                <a:latin typeface="微软雅黑" pitchFamily="34" charset="-122"/>
+                <a:ea typeface="微软雅黑" pitchFamily="34" charset="-122"/>
+              </a:rPr>
+              <a:t>实现</a:t>
+            </a:r>
+            <a:endParaRPr lang="en-US" altLang="zh-CN" sz="2000" b="1" dirty="0" smtClean="0">
+              <a:solidFill>
+                <a:srgbClr val="474747"/>
+              </a:solidFill>
+              <a:latin typeface="微软雅黑" pitchFamily="34" charset="-122"/>
+              <a:ea typeface="微软雅黑" pitchFamily="34" charset="-122"/>
+            </a:endParaRPr>
+          </a:p>
+        </p:txBody>
+      </p:sp>
+      <p:sp>
+        <p:nvSpPr>
+          <p:cNvPr id="4" name="文本框 2"/>
+          <p:cNvSpPr txBox="1"/>
+          <p:nvPr/>
+        </p:nvSpPr>
+        <p:spPr>
+          <a:xfrm>
+            <a:off x="755576" y="4037002"/>
+            <a:ext cx="8229600" cy="400110"/>
+          </a:xfrm>
+          <a:prstGeom prst="rect">
+            <a:avLst/>
+          </a:prstGeom>
+          <a:noFill/>
+        </p:spPr>
+        <p:txBody>
+          <a:bodyPr>
+            <a:spAutoFit/>
+          </a:bodyPr>
+          <a:lstStyle/>
+          <a:p>
+            <a:pPr lvl="1">
+              <a:buFont typeface="Arial" panose="020B0604020202020204" pitchFamily="34" charset="0"/>
+              <a:buNone/>
+              <a:defRPr/>
+            </a:pPr>
+            <a:r>
+              <a:rPr lang="en-US" altLang="zh-CN" sz="2000" b="1" dirty="0" err="1" smtClean="0">
+                <a:solidFill>
+                  <a:srgbClr val="474747"/>
+                </a:solidFill>
+                <a:latin typeface="微软雅黑" pitchFamily="34" charset="-122"/>
+                <a:ea typeface="微软雅黑" pitchFamily="34" charset="-122"/>
+              </a:rPr>
+              <a:t>requirejs</a:t>
+            </a:r>
+            <a:r>
+              <a:rPr lang="zh-CN" altLang="en-US" sz="2000" b="1" dirty="0" smtClean="0">
+                <a:solidFill>
+                  <a:srgbClr val="474747"/>
+                </a:solidFill>
+                <a:latin typeface="微软雅黑" pitchFamily="34" charset="-122"/>
+                <a:ea typeface="微软雅黑" pitchFamily="34" charset="-122"/>
+              </a:rPr>
+              <a:t>的</a:t>
+            </a:r>
+            <a:r>
+              <a:rPr lang="en-US" altLang="zh-CN" sz="2000" b="1" dirty="0" err="1" smtClean="0">
+                <a:solidFill>
+                  <a:srgbClr val="474747"/>
+                </a:solidFill>
+                <a:latin typeface="微软雅黑" pitchFamily="34" charset="-122"/>
+                <a:ea typeface="微软雅黑" pitchFamily="34" charset="-122"/>
+              </a:rPr>
+              <a:t>jsonp</a:t>
+            </a:r>
+            <a:r>
+              <a:rPr lang="zh-CN" altLang="en-US" sz="2000" b="1" dirty="0" smtClean="0">
+                <a:solidFill>
+                  <a:srgbClr val="474747"/>
+                </a:solidFill>
+                <a:latin typeface="微软雅黑" pitchFamily="34" charset="-122"/>
+                <a:ea typeface="微软雅黑" pitchFamily="34" charset="-122"/>
+              </a:rPr>
+              <a:t>实现</a:t>
+            </a:r>
+            <a:endParaRPr lang="en-US" altLang="zh-CN" sz="2000" b="1" dirty="0" smtClean="0">
+              <a:solidFill>
+                <a:srgbClr val="474747"/>
+              </a:solidFill>
+              <a:latin typeface="微软雅黑" pitchFamily="34" charset="-122"/>
+              <a:ea typeface="微软雅黑" pitchFamily="34" charset="-122"/>
+            </a:endParaRPr>
+          </a:p>
+        </p:txBody>
+      </p:sp>
+    </p:spTree>
+  </p:cSld>
+  <p:clrMapOvr>
+    <a:masterClrMapping/>
+  </p:clrMapOvr>
+  <p:timing>
+    <p:tnLst>
+      <p:par>
+        <p:cTn id="1" dur="indefinite" restart="never" nodeType="tmRoot">
+          <p:childTnLst>
+            <p:seq concurrent="1" nextAc="seek">
+              <p:cTn id="2" dur="indefinite" nodeType="mainSeq">
+                <p:childTnLst>
+                  <p:par>
+                    <p:cTn id="3" fill="hold">
+                      <p:stCondLst>
+                        <p:cond delay="indefinite"/>
+                      </p:stCondLst>
+                      <p:childTnLst>
+                        <p:par>
+                          <p:cTn id="4" fill="hold">
+                            <p:stCondLst>
+                              <p:cond delay="0"/>
+                            </p:stCondLst>
+                            <p:childTnLst>
+                              <p:par>
+                                <p:cTn id="5" presetID="2" presetClass="entr" presetSubtype="4" fill="hold" grpId="0" nodeType="clickEffect">
+                                  <p:stCondLst>
+                                    <p:cond delay="0"/>
+                                  </p:stCondLst>
+                                  <p:childTnLst>
+                                    <p:set>
+                                      <p:cBhvr>
+                                        <p:cTn id="6" dur="1" fill="hold">
+                                          <p:stCondLst>
+                                            <p:cond delay="0"/>
+                                          </p:stCondLst>
+                                        </p:cTn>
+                                        <p:tgtEl>
+                                          <p:spTgt spid="2"/>
+                                        </p:tgtEl>
+                                        <p:attrNameLst>
+                                          <p:attrName>style.visibility</p:attrName>
+                                        </p:attrNameLst>
+                                      </p:cBhvr>
+                                      <p:to>
+                                        <p:strVal val="visible"/>
+                                      </p:to>
+                                    </p:set>
+                                    <p:anim calcmode="lin" valueType="num">
+                                      <p:cBhvr additive="base">
+                                        <p:cTn id="7" dur="300" fill="hold"/>
+                                        <p:tgtEl>
+                                          <p:spTgt spid="2"/>
+                                        </p:tgtEl>
+                                        <p:attrNameLst>
+                                          <p:attrName>ppt_x</p:attrName>
+                                        </p:attrNameLst>
+                                      </p:cBhvr>
+                                      <p:tavLst>
+                                        <p:tav tm="0">
+                                          <p:val>
+                                            <p:strVal val="#ppt_x"/>
+                                          </p:val>
+                                        </p:tav>
+                                        <p:tav tm="100000">
+                                          <p:val>
+                                            <p:strVal val="#ppt_x"/>
+                                          </p:val>
+                                        </p:tav>
+                                      </p:tavLst>
+                                    </p:anim>
+                                    <p:anim calcmode="lin" valueType="num">
+                                      <p:cBhvr additive="base">
+                                        <p:cTn id="8" dur="300" fill="hold"/>
+                                        <p:tgtEl>
+                                          <p:spTgt spid="2"/>
+                                        </p:tgtEl>
+                                        <p:attrNameLst>
+                                          <p:attrName>ppt_y</p:attrName>
+                                        </p:attrNameLst>
+                                      </p:cBhvr>
+                                      <p:tavLst>
+                                        <p:tav tm="0">
+                                          <p:val>
+                                            <p:strVal val="1+#ppt_h/2"/>
+                                          </p:val>
+                                        </p:tav>
+                                        <p:tav tm="100000">
+                                          <p:val>
+                                            <p:strVal val="#ppt_y"/>
+                                          </p:val>
+                                        </p:tav>
+                                      </p:tavLst>
+                                    </p:anim>
+                                  </p:childTnLst>
+                                </p:cTn>
+                              </p:par>
+                            </p:childTnLst>
+                          </p:cTn>
+                        </p:par>
+                      </p:childTnLst>
+                    </p:cTn>
+                  </p:par>
+                  <p:par>
+                    <p:cTn id="9" fill="hold">
+                      <p:stCondLst>
+                        <p:cond delay="indefinite"/>
+                      </p:stCondLst>
+                      <p:childTnLst>
+                        <p:par>
+                          <p:cTn id="10" fill="hold">
+                            <p:stCondLst>
+                              <p:cond delay="0"/>
+                            </p:stCondLst>
+                            <p:childTnLst>
+                              <p:par>
+                                <p:cTn id="11" presetID="2" presetClass="entr" presetSubtype="4" fill="hold" grpId="0" nodeType="clickEffect">
+                                  <p:stCondLst>
+                                    <p:cond delay="0"/>
+                                  </p:stCondLst>
+                                  <p:childTnLst>
+                                    <p:set>
+                                      <p:cBhvr>
+                                        <p:cTn id="12" dur="1" fill="hold">
+                                          <p:stCondLst>
+                                            <p:cond delay="0"/>
+                                          </p:stCondLst>
+                                        </p:cTn>
+                                        <p:tgtEl>
+                                          <p:spTgt spid="3"/>
+                                        </p:tgtEl>
+                                        <p:attrNameLst>
+                                          <p:attrName>style.visibility</p:attrName>
+                                        </p:attrNameLst>
+                                      </p:cBhvr>
+                                      <p:to>
+                                        <p:strVal val="visible"/>
+                                      </p:to>
+                                    </p:set>
+                                    <p:anim calcmode="lin" valueType="num">
+                                      <p:cBhvr additive="base">
+                                        <p:cTn id="13" dur="300" fill="hold"/>
+                                        <p:tgtEl>
+                                          <p:spTgt spid="3"/>
+                                        </p:tgtEl>
+                                        <p:attrNameLst>
+                                          <p:attrName>ppt_x</p:attrName>
+                                        </p:attrNameLst>
+                                      </p:cBhvr>
+                                      <p:tavLst>
+                                        <p:tav tm="0">
+                                          <p:val>
+                                            <p:strVal val="#ppt_x"/>
+                                          </p:val>
+                                        </p:tav>
+                                        <p:tav tm="100000">
+                                          <p:val>
+                                            <p:strVal val="#ppt_x"/>
+                                          </p:val>
+                                        </p:tav>
+                                      </p:tavLst>
+                                    </p:anim>
+                                    <p:anim calcmode="lin" valueType="num">
+                                      <p:cBhvr additive="base">
+                                        <p:cTn id="14" dur="300" fill="hold"/>
+                                        <p:tgtEl>
+                                          <p:spTgt spid="3"/>
+                                        </p:tgtEl>
+                                        <p:attrNameLst>
+                                          <p:attrName>ppt_y</p:attrName>
+                                        </p:attrNameLst>
+                                      </p:cBhvr>
+                                      <p:tavLst>
+                                        <p:tav tm="0">
+                                          <p:val>
+                                            <p:strVal val="1+#ppt_h/2"/>
+                                          </p:val>
+                                        </p:tav>
+                                        <p:tav tm="100000">
+                                          <p:val>
+                                            <p:strVal val="#ppt_y"/>
+                                          </p:val>
+                                        </p:tav>
+                                      </p:tavLst>
+                                    </p:anim>
+                                  </p:childTnLst>
+                                </p:cTn>
+                              </p:par>
+                            </p:childTnLst>
+                          </p:cTn>
+                        </p:par>
+                      </p:childTnLst>
+                    </p:cTn>
+                  </p:par>
+                  <p:par>
+                    <p:cTn id="15" fill="hold">
+                      <p:stCondLst>
+                        <p:cond delay="indefinite"/>
+                      </p:stCondLst>
+                      <p:childTnLst>
+                        <p:par>
+                          <p:cTn id="16" fill="hold">
+                            <p:stCondLst>
+                              <p:cond delay="0"/>
+                            </p:stCondLst>
+                            <p:childTnLst>
+                              <p:par>
+                                <p:cTn id="17" presetID="2" presetClass="entr" presetSubtype="4" fill="hold" grpId="0" nodeType="clickEffect">
+                                  <p:stCondLst>
+                                    <p:cond delay="0"/>
+                                  </p:stCondLst>
+                                  <p:childTnLst>
+                                    <p:set>
+                                      <p:cBhvr>
+                                        <p:cTn id="18" dur="1" fill="hold">
+                                          <p:stCondLst>
+                                            <p:cond delay="0"/>
+                                          </p:stCondLst>
+                                        </p:cTn>
+                                        <p:tgtEl>
+                                          <p:spTgt spid="4"/>
+                                        </p:tgtEl>
+                                        <p:attrNameLst>
+                                          <p:attrName>style.visibility</p:attrName>
+                                        </p:attrNameLst>
+                                      </p:cBhvr>
+                                      <p:to>
+                                        <p:strVal val="visible"/>
+                                      </p:to>
+                                    </p:set>
+                                    <p:anim calcmode="lin" valueType="num">
+                                      <p:cBhvr additive="base">
+                                        <p:cTn id="19" dur="300" fill="hold"/>
+                                        <p:tgtEl>
+                                          <p:spTgt spid="4"/>
+                                        </p:tgtEl>
+                                        <p:attrNameLst>
+                                          <p:attrName>ppt_x</p:attrName>
+                                        </p:attrNameLst>
+                                      </p:cBhvr>
+                                      <p:tavLst>
+                                        <p:tav tm="0">
+                                          <p:val>
+                                            <p:strVal val="#ppt_x"/>
+                                          </p:val>
+                                        </p:tav>
+                                        <p:tav tm="100000">
+                                          <p:val>
+                                            <p:strVal val="#ppt_x"/>
+                                          </p:val>
+                                        </p:tav>
+                                      </p:tavLst>
+                                    </p:anim>
+                                    <p:anim calcmode="lin" valueType="num">
+                                      <p:cBhvr additive="base">
+                                        <p:cTn id="20" dur="300" fill="hold"/>
+                                        <p:tgtEl>
+                                          <p:spTgt spid="4"/>
+                                        </p:tgtEl>
+                                        <p:attrNameLst>
+                                          <p:attrName>ppt_y</p:attrName>
+                                        </p:attrNameLst>
+                                      </p:cBhvr>
+                                      <p:tavLst>
+                                        <p:tav tm="0">
+                                          <p:val>
+                                            <p:strVal val="1+#ppt_h/2"/>
+                                          </p:val>
+                                        </p:tav>
+                                        <p:tav tm="100000">
+                                          <p:val>
+                                            <p:strVal val="#ppt_y"/>
+                                          </p:val>
+                                        </p:tav>
+                                      </p:tavLst>
+                                    </p:anim>
+                                  </p:childTnLst>
+                                </p:cTn>
+                              </p:par>
+                            </p:childTnLst>
+                          </p:cTn>
+                        </p:par>
+                      </p:childTnLst>
+                    </p:cTn>
+                  </p:par>
+                </p:childTnLst>
+              </p:cTn>
+              <p:prevCondLst>
+                <p:cond evt="onPrev" delay="0">
+                  <p:tgtEl>
+                    <p:sldTgt/>
+                  </p:tgtEl>
+                </p:cond>
+              </p:prevCondLst>
+              <p:nextCondLst>
+                <p:cond evt="onNext" delay="0">
+                  <p:tgtEl>
+                    <p:sldTgt/>
+                  </p:tgtEl>
+                </p:cond>
+              </p:nextCondLst>
+            </p:seq>
+          </p:childTnLst>
+        </p:cTn>
+      </p:par>
+    </p:tnLst>
+    <p:bldLst>
+      <p:bldP spid="2" grpId="0"/>
+      <p:bldP spid="3" grpId="0"/>
+      <p:bldP spid="4" grpId="0"/>
+    </p:bldLst>
+  </p:timing>
+</p:sld>
+</file>
+
+<file path=ppt/slides/slide41.xml><?xml version="1.0" encoding="utf-8"?>
+<p:sld xmlns:a="http://schemas.openxmlformats.org/drawingml/2006/main" xmlns:r="http://schemas.openxmlformats.org/officeDocument/2006/relationships" xmlns:p="http://schemas.openxmlformats.org/presentationml/2006/main">
+  <p:cSld>
+    <p:spTree>
+      <p:nvGrpSpPr>
+        <p:cNvPr id="1" name=""/>
+        <p:cNvGrpSpPr/>
+        <p:nvPr/>
+      </p:nvGrpSpPr>
+      <p:grpSpPr>
+        <a:xfrm>
+          <a:off x="0" y="0"/>
+          <a:ext cx="0" cy="0"/>
+          <a:chOff x="0" y="0"/>
+          <a:chExt cx="0" cy="0"/>
+        </a:xfrm>
+      </p:grpSpPr>
+      <p:sp>
+        <p:nvSpPr>
+          <p:cNvPr id="2" name="内容占位符 2"/>
+          <p:cNvSpPr txBox="1">
+            <a:spLocks/>
+          </p:cNvSpPr>
+          <p:nvPr/>
+        </p:nvSpPr>
+        <p:spPr>
+          <a:xfrm>
+            <a:off x="457200" y="1200150"/>
+            <a:ext cx="8229600" cy="508000"/>
+          </a:xfrm>
+          <a:prstGeom prst="rect">
+            <a:avLst/>
+          </a:prstGeom>
+        </p:spPr>
+        <p:txBody>
+          <a:bodyPr/>
+          <a:lstStyle/>
+          <a:p>
+            <a:pPr marL="0" marR="0" lvl="0" indent="0" algn="l" defTabSz="914400" rtl="0" eaLnBrk="1" fontAlgn="auto" latinLnBrk="0" hangingPunct="1">
+              <a:lnSpc>
+                <a:spcPct val="100000"/>
+              </a:lnSpc>
+              <a:spcBef>
+                <a:spcPct val="20000"/>
+              </a:spcBef>
+              <a:spcAft>
+                <a:spcPts val="0"/>
+              </a:spcAft>
+              <a:buClrTx/>
+              <a:buSzTx/>
+              <a:buFont typeface="Arial" panose="020B0604020202020204" pitchFamily="34" charset="0"/>
+              <a:buNone/>
+              <a:tabLst/>
+              <a:defRPr/>
+            </a:pPr>
+            <a:r>
+              <a:rPr kumimoji="0" lang="en-US" altLang="zh-CN" sz="3200" b="1" i="0" u="none" strike="noStrike" kern="1200" cap="none" spc="0" normalizeH="0" baseline="0" noProof="0" dirty="0" err="1" smtClean="0">
+                <a:ln>
+                  <a:noFill/>
+                </a:ln>
+                <a:solidFill>
+                  <a:srgbClr val="212121"/>
+                </a:solidFill>
+                <a:effectLst/>
+                <a:uLnTx/>
+                <a:uFillTx/>
+                <a:latin typeface="微软雅黑" pitchFamily="34" charset="-122"/>
+                <a:ea typeface="微软雅黑" pitchFamily="34" charset="-122"/>
+              </a:rPr>
+              <a:t>jsonp</a:t>
+            </a:r>
+            <a:endParaRPr kumimoji="0" lang="en-US" altLang="zh-CN" sz="3200" b="1" i="0" u="none" strike="noStrike" kern="1200" cap="none" spc="0" normalizeH="0" baseline="0" noProof="0" dirty="0" smtClean="0">
+              <a:ln>
+                <a:noFill/>
+              </a:ln>
+              <a:solidFill>
+                <a:srgbClr val="212121"/>
+              </a:solidFill>
+              <a:effectLst/>
+              <a:uLnTx/>
+              <a:uFillTx/>
+              <a:latin typeface="微软雅黑" pitchFamily="34" charset="-122"/>
+              <a:ea typeface="微软雅黑" pitchFamily="34" charset="-122"/>
+            </a:endParaRPr>
+          </a:p>
+        </p:txBody>
+      </p:sp>
+      <p:sp>
+        <p:nvSpPr>
+          <p:cNvPr id="3" name="文本框 2"/>
+          <p:cNvSpPr txBox="1"/>
+          <p:nvPr/>
+        </p:nvSpPr>
+        <p:spPr>
+          <a:xfrm>
+            <a:off x="763960" y="2492896"/>
+            <a:ext cx="8229600" cy="400110"/>
+          </a:xfrm>
+          <a:prstGeom prst="rect">
+            <a:avLst/>
+          </a:prstGeom>
+          <a:noFill/>
+        </p:spPr>
+        <p:txBody>
+          <a:bodyPr>
+            <a:spAutoFit/>
+          </a:bodyPr>
+          <a:lstStyle/>
+          <a:p>
+            <a:pPr lvl="1">
+              <a:buFont typeface="Arial" panose="020B0604020202020204" pitchFamily="34" charset="0"/>
+              <a:buNone/>
+              <a:defRPr/>
+            </a:pPr>
+            <a:r>
+              <a:rPr lang="zh-CN" altLang="en-US" sz="2000" b="1" dirty="0" smtClean="0">
+                <a:solidFill>
+                  <a:srgbClr val="474747"/>
+                </a:solidFill>
+                <a:latin typeface="微软雅黑" pitchFamily="34" charset="-122"/>
+                <a:ea typeface="微软雅黑" pitchFamily="34" charset="-122"/>
+              </a:rPr>
+              <a:t>是</a:t>
+            </a:r>
+            <a:r>
+              <a:rPr lang="en-US" altLang="zh-CN" sz="2000" b="1" dirty="0" err="1" smtClean="0">
+                <a:solidFill>
+                  <a:srgbClr val="474747"/>
+                </a:solidFill>
+                <a:latin typeface="微软雅黑" pitchFamily="34" charset="-122"/>
+                <a:ea typeface="微软雅黑" pitchFamily="34" charset="-122"/>
+              </a:rPr>
+              <a:t>json</a:t>
+            </a:r>
+            <a:r>
+              <a:rPr lang="zh-CN" altLang="en-US" sz="2000" b="1" dirty="0" smtClean="0">
+                <a:solidFill>
+                  <a:srgbClr val="474747"/>
+                </a:solidFill>
+                <a:latin typeface="微软雅黑" pitchFamily="34" charset="-122"/>
+                <a:ea typeface="微软雅黑" pitchFamily="34" charset="-122"/>
+              </a:rPr>
+              <a:t>的一种使用模式，可以跨域获取数据，如</a:t>
+            </a:r>
+            <a:r>
+              <a:rPr lang="en-US" altLang="zh-CN" sz="2000" b="1" dirty="0" err="1" smtClean="0">
+                <a:solidFill>
+                  <a:srgbClr val="474747"/>
+                </a:solidFill>
+                <a:latin typeface="微软雅黑" pitchFamily="34" charset="-122"/>
+                <a:ea typeface="微软雅黑" pitchFamily="34" charset="-122"/>
+              </a:rPr>
+              <a:t>json</a:t>
+            </a:r>
+            <a:endParaRPr lang="en-US" altLang="zh-CN" sz="2000" b="1" dirty="0" smtClean="0">
+              <a:solidFill>
+                <a:srgbClr val="474747"/>
+              </a:solidFill>
+              <a:latin typeface="微软雅黑" pitchFamily="34" charset="-122"/>
+              <a:ea typeface="微软雅黑" pitchFamily="34" charset="-122"/>
+            </a:endParaRPr>
+          </a:p>
+        </p:txBody>
+      </p:sp>
+      <p:sp>
+        <p:nvSpPr>
+          <p:cNvPr id="5" name="文本框 2"/>
+          <p:cNvSpPr txBox="1"/>
+          <p:nvPr/>
+        </p:nvSpPr>
+        <p:spPr>
+          <a:xfrm>
+            <a:off x="763960" y="3657218"/>
+            <a:ext cx="8229600" cy="707886"/>
+          </a:xfrm>
+          <a:prstGeom prst="rect">
+            <a:avLst/>
+          </a:prstGeom>
+          <a:noFill/>
+        </p:spPr>
+        <p:txBody>
+          <a:bodyPr>
+            <a:spAutoFit/>
+          </a:bodyPr>
+          <a:lstStyle/>
+          <a:p>
+            <a:pPr lvl="1">
+              <a:buFont typeface="Arial" panose="020B0604020202020204" pitchFamily="34" charset="0"/>
+              <a:buNone/>
+              <a:defRPr/>
+            </a:pPr>
+            <a:r>
+              <a:rPr lang="zh-CN" altLang="en-US" sz="2000" b="1" dirty="0" smtClean="0">
+                <a:solidFill>
+                  <a:srgbClr val="474747"/>
+                </a:solidFill>
+                <a:latin typeface="微软雅黑" pitchFamily="34" charset="-122"/>
+                <a:ea typeface="微软雅黑" pitchFamily="34" charset="-122"/>
+              </a:rPr>
+              <a:t>同源策略</a:t>
+            </a:r>
+            <a:r>
+              <a:rPr lang="zh-CN" altLang="en-US" sz="2000" b="1" dirty="0" smtClean="0">
+                <a:solidFill>
+                  <a:srgbClr val="474747"/>
+                </a:solidFill>
+                <a:latin typeface="微软雅黑" pitchFamily="34" charset="-122"/>
+                <a:ea typeface="微软雅黑" pitchFamily="34" charset="-122"/>
+              </a:rPr>
+              <a:t>：</a:t>
+            </a:r>
+            <a:r>
+              <a:rPr lang="en-US" altLang="zh-CN" sz="2000" b="1" dirty="0" err="1" smtClean="0">
+                <a:solidFill>
+                  <a:srgbClr val="474747"/>
+                </a:solidFill>
+                <a:latin typeface="微软雅黑" pitchFamily="34" charset="-122"/>
+                <a:ea typeface="微软雅黑" pitchFamily="34" charset="-122"/>
+              </a:rPr>
+              <a:t>www.baidu.com</a:t>
+            </a:r>
+            <a:r>
+              <a:rPr lang="zh-CN" altLang="en-US" sz="2000" b="1" dirty="0" smtClean="0">
+                <a:solidFill>
+                  <a:srgbClr val="474747"/>
+                </a:solidFill>
+                <a:latin typeface="微软雅黑" pitchFamily="34" charset="-122"/>
+                <a:ea typeface="微软雅黑" pitchFamily="34" charset="-122"/>
+              </a:rPr>
+              <a:t>通过</a:t>
+            </a:r>
+            <a:r>
+              <a:rPr lang="en-US" altLang="zh-CN" sz="2000" b="1" dirty="0" err="1" smtClean="0">
+                <a:solidFill>
+                  <a:srgbClr val="474747"/>
+                </a:solidFill>
+                <a:latin typeface="微软雅黑" pitchFamily="34" charset="-122"/>
+                <a:ea typeface="微软雅黑" pitchFamily="34" charset="-122"/>
+              </a:rPr>
+              <a:t>ajax</a:t>
+            </a:r>
+            <a:r>
+              <a:rPr lang="zh-CN" altLang="en-US" sz="2000" b="1" dirty="0" smtClean="0">
+                <a:solidFill>
+                  <a:srgbClr val="474747"/>
+                </a:solidFill>
+                <a:latin typeface="微软雅黑" pitchFamily="34" charset="-122"/>
+                <a:ea typeface="微软雅黑" pitchFamily="34" charset="-122"/>
+              </a:rPr>
+              <a:t>不能获取</a:t>
+            </a:r>
+            <a:r>
+              <a:rPr lang="en-US" altLang="zh-CN" sz="2000" b="1" dirty="0" err="1" smtClean="0">
+                <a:solidFill>
+                  <a:srgbClr val="474747"/>
+                </a:solidFill>
+                <a:latin typeface="微软雅黑" pitchFamily="34" charset="-122"/>
+                <a:ea typeface="微软雅黑" pitchFamily="34" charset="-122"/>
+              </a:rPr>
+              <a:t>www.qq.com</a:t>
+            </a:r>
+            <a:r>
+              <a:rPr lang="zh-CN" altLang="en-US" sz="2000" b="1" dirty="0" smtClean="0">
+                <a:solidFill>
+                  <a:srgbClr val="474747"/>
+                </a:solidFill>
+                <a:latin typeface="微软雅黑" pitchFamily="34" charset="-122"/>
+                <a:ea typeface="微软雅黑" pitchFamily="34" charset="-122"/>
+              </a:rPr>
+              <a:t>的数据</a:t>
+            </a:r>
+            <a:endParaRPr lang="en-US" altLang="zh-CN" sz="2000" b="1" dirty="0" smtClean="0">
+              <a:solidFill>
+                <a:srgbClr val="474747"/>
+              </a:solidFill>
+              <a:latin typeface="微软雅黑" pitchFamily="34" charset="-122"/>
+              <a:ea typeface="微软雅黑" pitchFamily="34" charset="-122"/>
+            </a:endParaRPr>
+          </a:p>
+        </p:txBody>
+      </p:sp>
+    </p:spTree>
+  </p:cSld>
+  <p:clrMapOvr>
+    <a:masterClrMapping/>
+  </p:clrMapOvr>
+  <p:timing>
+    <p:tnLst>
+      <p:par>
+        <p:cTn id="1" dur="indefinite" restart="never" nodeType="tmRoot">
+          <p:childTnLst>
+            <p:seq concurrent="1" nextAc="seek">
+              <p:cTn id="2" dur="indefinite" nodeType="mainSeq">
+                <p:childTnLst>
+                  <p:par>
+                    <p:cTn id="3" fill="hold">
+                      <p:stCondLst>
+                        <p:cond delay="indefinite"/>
+                      </p:stCondLst>
+                      <p:childTnLst>
+                        <p:par>
+                          <p:cTn id="4" fill="hold">
+                            <p:stCondLst>
+                              <p:cond delay="0"/>
+                            </p:stCondLst>
+                            <p:childTnLst>
+                              <p:par>
+                                <p:cTn id="5" presetID="2" presetClass="entr" presetSubtype="4" fill="hold" grpId="0" nodeType="clickEffect">
+                                  <p:stCondLst>
+                                    <p:cond delay="0"/>
+                                  </p:stCondLst>
+                                  <p:childTnLst>
+                                    <p:set>
+                                      <p:cBhvr>
+                                        <p:cTn id="6" dur="1" fill="hold">
+                                          <p:stCondLst>
+                                            <p:cond delay="0"/>
+                                          </p:stCondLst>
+                                        </p:cTn>
+                                        <p:tgtEl>
+                                          <p:spTgt spid="2">
+                                            <p:txEl>
+                                              <p:pRg st="0" end="0"/>
+                                            </p:txEl>
+                                          </p:spTgt>
+                                        </p:tgtEl>
+                                        <p:attrNameLst>
+                                          <p:attrName>style.visibility</p:attrName>
+                                        </p:attrNameLst>
+                                      </p:cBhvr>
+                                      <p:to>
+                                        <p:strVal val="visible"/>
+                                      </p:to>
+                                    </p:set>
+                                    <p:anim calcmode="lin" valueType="num">
+                                      <p:cBhvr additive="base">
+                                        <p:cTn id="7" dur="300" fill="hold"/>
+                                        <p:tgtEl>
+                                          <p:spTgt spid="2">
+                                            <p:txEl>
+                                              <p:pRg st="0" end="0"/>
+                                            </p:txEl>
+                                          </p:spTgt>
+                                        </p:tgtEl>
+                                        <p:attrNameLst>
+                                          <p:attrName>ppt_x</p:attrName>
+                                        </p:attrNameLst>
+                                      </p:cBhvr>
+                                      <p:tavLst>
+                                        <p:tav tm="0">
+                                          <p:val>
+                                            <p:strVal val="#ppt_x"/>
+                                          </p:val>
+                                        </p:tav>
+                                        <p:tav tm="100000">
+                                          <p:val>
+                                            <p:strVal val="#ppt_x"/>
+                                          </p:val>
+                                        </p:tav>
+                                      </p:tavLst>
+                                    </p:anim>
+                                    <p:anim calcmode="lin" valueType="num">
+                                      <p:cBhvr additive="base">
+                                        <p:cTn id="8" dur="300" fill="hold"/>
+                                        <p:tgtEl>
+                                          <p:spTgt spid="2">
+                                            <p:txEl>
+                                              <p:pRg st="0" end="0"/>
+                                            </p:txEl>
+                                          </p:spTgt>
+                                        </p:tgtEl>
+                                        <p:attrNameLst>
+                                          <p:attrName>ppt_y</p:attrName>
+                                        </p:attrNameLst>
+                                      </p:cBhvr>
+                                      <p:tavLst>
+                                        <p:tav tm="0">
+                                          <p:val>
+                                            <p:strVal val="1+#ppt_h/2"/>
+                                          </p:val>
+                                        </p:tav>
+                                        <p:tav tm="100000">
+                                          <p:val>
+                                            <p:strVal val="#ppt_y"/>
+                                          </p:val>
+                                        </p:tav>
+                                      </p:tavLst>
+                                    </p:anim>
+                                  </p:childTnLst>
+                                </p:cTn>
+                              </p:par>
+                            </p:childTnLst>
+                          </p:cTn>
+                        </p:par>
+                      </p:childTnLst>
+                    </p:cTn>
+                  </p:par>
+                  <p:par>
+                    <p:cTn id="9" fill="hold">
+                      <p:stCondLst>
+                        <p:cond delay="indefinite"/>
+                      </p:stCondLst>
+                      <p:childTnLst>
+                        <p:par>
+                          <p:cTn id="10" fill="hold">
+                            <p:stCondLst>
+                              <p:cond delay="0"/>
+                            </p:stCondLst>
+                            <p:childTnLst>
+                              <p:par>
+                                <p:cTn id="11" presetID="2" presetClass="entr" presetSubtype="4" fill="hold" grpId="0" nodeType="clickEffect">
+                                  <p:stCondLst>
+                                    <p:cond delay="0"/>
+                                  </p:stCondLst>
+                                  <p:childTnLst>
+                                    <p:set>
+                                      <p:cBhvr>
+                                        <p:cTn id="12" dur="1" fill="hold">
+                                          <p:stCondLst>
+                                            <p:cond delay="0"/>
+                                          </p:stCondLst>
+                                        </p:cTn>
+                                        <p:tgtEl>
+                                          <p:spTgt spid="3"/>
+                                        </p:tgtEl>
+                                        <p:attrNameLst>
+                                          <p:attrName>style.visibility</p:attrName>
+                                        </p:attrNameLst>
+                                      </p:cBhvr>
+                                      <p:to>
+                                        <p:strVal val="visible"/>
+                                      </p:to>
+                                    </p:set>
+                                    <p:anim calcmode="lin" valueType="num">
+                                      <p:cBhvr additive="base">
+                                        <p:cTn id="13" dur="300" fill="hold"/>
+                                        <p:tgtEl>
+                                          <p:spTgt spid="3"/>
+                                        </p:tgtEl>
+                                        <p:attrNameLst>
+                                          <p:attrName>ppt_x</p:attrName>
+                                        </p:attrNameLst>
+                                      </p:cBhvr>
+                                      <p:tavLst>
+                                        <p:tav tm="0">
+                                          <p:val>
+                                            <p:strVal val="#ppt_x"/>
+                                          </p:val>
+                                        </p:tav>
+                                        <p:tav tm="100000">
+                                          <p:val>
+                                            <p:strVal val="#ppt_x"/>
+                                          </p:val>
+                                        </p:tav>
+                                      </p:tavLst>
+                                    </p:anim>
+                                    <p:anim calcmode="lin" valueType="num">
+                                      <p:cBhvr additive="base">
+                                        <p:cTn id="14" dur="300" fill="hold"/>
+                                        <p:tgtEl>
+                                          <p:spTgt spid="3"/>
+                                        </p:tgtEl>
+                                        <p:attrNameLst>
+                                          <p:attrName>ppt_y</p:attrName>
+                                        </p:attrNameLst>
+                                      </p:cBhvr>
+                                      <p:tavLst>
+                                        <p:tav tm="0">
+                                          <p:val>
+                                            <p:strVal val="1+#ppt_h/2"/>
+                                          </p:val>
+                                        </p:tav>
+                                        <p:tav tm="100000">
+                                          <p:val>
+                                            <p:strVal val="#ppt_y"/>
+                                          </p:val>
+                                        </p:tav>
+                                      </p:tavLst>
+                                    </p:anim>
+                                  </p:childTnLst>
+                                </p:cTn>
+                              </p:par>
+                            </p:childTnLst>
+                          </p:cTn>
+                        </p:par>
+                      </p:childTnLst>
+                    </p:cTn>
+                  </p:par>
+                  <p:par>
+                    <p:cTn id="15" fill="hold">
+                      <p:stCondLst>
+                        <p:cond delay="indefinite"/>
+                      </p:stCondLst>
+                      <p:childTnLst>
+                        <p:par>
+                          <p:cTn id="16" fill="hold">
+                            <p:stCondLst>
+                              <p:cond delay="0"/>
+                            </p:stCondLst>
+                            <p:childTnLst>
+                              <p:par>
+                                <p:cTn id="17" presetID="2" presetClass="entr" presetSubtype="4" fill="hold" grpId="0" nodeType="clickEffect">
+                                  <p:stCondLst>
+                                    <p:cond delay="0"/>
+                                  </p:stCondLst>
+                                  <p:childTnLst>
+                                    <p:set>
+                                      <p:cBhvr>
+                                        <p:cTn id="18" dur="1" fill="hold">
+                                          <p:stCondLst>
+                                            <p:cond delay="0"/>
+                                          </p:stCondLst>
+                                        </p:cTn>
+                                        <p:tgtEl>
+                                          <p:spTgt spid="5"/>
+                                        </p:tgtEl>
+                                        <p:attrNameLst>
+                                          <p:attrName>style.visibility</p:attrName>
+                                        </p:attrNameLst>
+                                      </p:cBhvr>
+                                      <p:to>
+                                        <p:strVal val="visible"/>
+                                      </p:to>
+                                    </p:set>
+                                    <p:anim calcmode="lin" valueType="num">
+                                      <p:cBhvr additive="base">
+                                        <p:cTn id="19" dur="300" fill="hold"/>
+                                        <p:tgtEl>
+                                          <p:spTgt spid="5"/>
+                                        </p:tgtEl>
+                                        <p:attrNameLst>
+                                          <p:attrName>ppt_x</p:attrName>
+                                        </p:attrNameLst>
+                                      </p:cBhvr>
+                                      <p:tavLst>
+                                        <p:tav tm="0">
+                                          <p:val>
+                                            <p:strVal val="#ppt_x"/>
+                                          </p:val>
+                                        </p:tav>
+                                        <p:tav tm="100000">
+                                          <p:val>
+                                            <p:strVal val="#ppt_x"/>
+                                          </p:val>
+                                        </p:tav>
+                                      </p:tavLst>
+                                    </p:anim>
+                                    <p:anim calcmode="lin" valueType="num">
+                                      <p:cBhvr additive="base">
+                                        <p:cTn id="20" dur="300" fill="hold"/>
+                                        <p:tgtEl>
+                                          <p:spTgt spid="5"/>
+                                        </p:tgtEl>
+                                        <p:attrNameLst>
+                                          <p:attrName>ppt_y</p:attrName>
+                                        </p:attrNameLst>
+                                      </p:cBhvr>
+                                      <p:tavLst>
+                                        <p:tav tm="0">
+                                          <p:val>
+                                            <p:strVal val="1+#ppt_h/2"/>
+                                          </p:val>
+                                        </p:tav>
+                                        <p:tav tm="100000">
+                                          <p:val>
+                                            <p:strVal val="#ppt_y"/>
+                                          </p:val>
+                                        </p:tav>
+                                      </p:tavLst>
+                                    </p:anim>
+                                  </p:childTnLst>
+                                </p:cTn>
+                              </p:par>
+                            </p:childTnLst>
+                          </p:cTn>
+                        </p:par>
+                      </p:childTnLst>
+                    </p:cTn>
+                  </p:par>
+                </p:childTnLst>
+              </p:cTn>
+              <p:prevCondLst>
+                <p:cond evt="onPrev" delay="0">
+                  <p:tgtEl>
+                    <p:sldTgt/>
+                  </p:tgtEl>
+                </p:cond>
+              </p:prevCondLst>
+              <p:nextCondLst>
+                <p:cond evt="onNext" delay="0">
+                  <p:tgtEl>
+                    <p:sldTgt/>
+                  </p:tgtEl>
+                </p:cond>
+              </p:nextCondLst>
+            </p:seq>
+          </p:childTnLst>
+        </p:cTn>
+      </p:par>
+    </p:tnLst>
+    <p:bldLst>
+      <p:bldP spid="2" grpId="0" build="p"/>
+      <p:bldP spid="3" grpId="0"/>
+      <p:bldP spid="5" grpId="0"/>
+    </p:bldLst>
+  </p:timing>
+</p:sld>
+</file>
+
+<file path=ppt/slides/slide42.xml><?xml version="1.0" encoding="utf-8"?>
+<p:sld xmlns:a="http://schemas.openxmlformats.org/drawingml/2006/main" xmlns:r="http://schemas.openxmlformats.org/officeDocument/2006/relationships" xmlns:p="http://schemas.openxmlformats.org/presentationml/2006/main">
+  <p:cSld>
+    <p:spTree>
+      <p:nvGrpSpPr>
+        <p:cNvPr id="1" name=""/>
+        <p:cNvGrpSpPr/>
+        <p:nvPr/>
+      </p:nvGrpSpPr>
+      <p:grpSpPr>
+        <a:xfrm>
+          <a:off x="0" y="0"/>
+          <a:ext cx="0" cy="0"/>
+          <a:chOff x="0" y="0"/>
+          <a:chExt cx="0" cy="0"/>
+        </a:xfrm>
+      </p:grpSpPr>
+      <p:sp>
+        <p:nvSpPr>
+          <p:cNvPr id="2" name="内容占位符 2"/>
+          <p:cNvSpPr txBox="1">
+            <a:spLocks/>
+          </p:cNvSpPr>
+          <p:nvPr/>
+        </p:nvSpPr>
+        <p:spPr>
+          <a:xfrm>
+            <a:off x="457200" y="1200150"/>
+            <a:ext cx="8229600" cy="508000"/>
+          </a:xfrm>
+          <a:prstGeom prst="rect">
+            <a:avLst/>
+          </a:prstGeom>
+        </p:spPr>
+        <p:txBody>
+          <a:bodyPr/>
+          <a:lstStyle/>
+          <a:p>
+            <a:pPr marL="0" marR="0" lvl="0" indent="0" algn="l" defTabSz="914400" rtl="0" eaLnBrk="1" fontAlgn="auto" latinLnBrk="0" hangingPunct="1">
+              <a:lnSpc>
+                <a:spcPct val="100000"/>
+              </a:lnSpc>
+              <a:spcBef>
+                <a:spcPct val="20000"/>
+              </a:spcBef>
+              <a:spcAft>
+                <a:spcPts val="0"/>
+              </a:spcAft>
+              <a:buClrTx/>
+              <a:buSzTx/>
+              <a:buFont typeface="Arial" panose="020B0604020202020204" pitchFamily="34" charset="0"/>
+              <a:buNone/>
+              <a:tabLst/>
+              <a:defRPr/>
+            </a:pPr>
+            <a:r>
+              <a:rPr kumimoji="0" lang="en-US" altLang="zh-CN" sz="3200" b="1" i="0" u="none" strike="noStrike" kern="1200" cap="none" spc="0" normalizeH="0" baseline="0" noProof="0" dirty="0" err="1" smtClean="0">
+                <a:ln>
+                  <a:noFill/>
+                </a:ln>
+                <a:solidFill>
+                  <a:srgbClr val="212121"/>
+                </a:solidFill>
+                <a:effectLst/>
+                <a:uLnTx/>
+                <a:uFillTx/>
+                <a:latin typeface="微软雅黑" pitchFamily="34" charset="-122"/>
+                <a:ea typeface="微软雅黑" pitchFamily="34" charset="-122"/>
+              </a:rPr>
+              <a:t>jsonp</a:t>
+            </a:r>
+            <a:r>
+              <a:rPr kumimoji="0" lang="zh-CN" altLang="en-US" sz="3200" b="1" i="0" u="none" strike="noStrike" kern="1200" cap="none" spc="0" normalizeH="0" baseline="0" noProof="0" dirty="0" smtClean="0">
+                <a:ln>
+                  <a:noFill/>
+                </a:ln>
+                <a:solidFill>
+                  <a:srgbClr val="212121"/>
+                </a:solidFill>
+                <a:effectLst/>
+                <a:uLnTx/>
+                <a:uFillTx/>
+                <a:latin typeface="微软雅黑" pitchFamily="34" charset="-122"/>
+                <a:ea typeface="微软雅黑" pitchFamily="34" charset="-122"/>
+              </a:rPr>
+              <a:t>的实现</a:t>
+            </a:r>
+            <a:endParaRPr kumimoji="0" lang="en-US" altLang="zh-CN" sz="3200" b="1" i="0" u="none" strike="noStrike" kern="1200" cap="none" spc="0" normalizeH="0" baseline="0" noProof="0" dirty="0" smtClean="0">
+              <a:ln>
+                <a:noFill/>
+              </a:ln>
+              <a:solidFill>
+                <a:srgbClr val="212121"/>
+              </a:solidFill>
+              <a:effectLst/>
+              <a:uLnTx/>
+              <a:uFillTx/>
+              <a:latin typeface="微软雅黑" pitchFamily="34" charset="-122"/>
+              <a:ea typeface="微软雅黑" pitchFamily="34" charset="-122"/>
+            </a:endParaRPr>
+          </a:p>
+        </p:txBody>
+      </p:sp>
+      <p:sp>
+        <p:nvSpPr>
+          <p:cNvPr id="3" name="文本框 2"/>
+          <p:cNvSpPr txBox="1"/>
+          <p:nvPr/>
+        </p:nvSpPr>
+        <p:spPr>
+          <a:xfrm>
+            <a:off x="683568" y="2492896"/>
+            <a:ext cx="8309992" cy="323165"/>
+          </a:xfrm>
+          <a:prstGeom prst="rect">
+            <a:avLst/>
+          </a:prstGeom>
+          <a:noFill/>
+        </p:spPr>
+        <p:txBody>
+          <a:bodyPr wrap="square">
+            <a:spAutoFit/>
+          </a:bodyPr>
+          <a:lstStyle/>
+          <a:p>
+            <a:pPr lvl="1">
+              <a:buFont typeface="Arial" panose="020B0604020202020204" pitchFamily="34" charset="0"/>
+              <a:buNone/>
+              <a:defRPr/>
+            </a:pPr>
+            <a:r>
+              <a:rPr lang="en-US" altLang="zh-CN" sz="1500" b="1" dirty="0" smtClean="0">
+                <a:solidFill>
+                  <a:srgbClr val="474747"/>
+                </a:solidFill>
+                <a:latin typeface="微软雅黑" pitchFamily="34" charset="-122"/>
+                <a:ea typeface="微软雅黑" pitchFamily="34" charset="-122"/>
+              </a:rPr>
+              <a:t>&lt;script </a:t>
+            </a:r>
+            <a:r>
+              <a:rPr lang="en-US" altLang="zh-CN" sz="1500" b="1" dirty="0" err="1" smtClean="0">
+                <a:solidFill>
+                  <a:srgbClr val="474747"/>
+                </a:solidFill>
+                <a:latin typeface="微软雅黑" pitchFamily="34" charset="-122"/>
+                <a:ea typeface="微软雅黑" pitchFamily="34" charset="-122"/>
+              </a:rPr>
+              <a:t>src</a:t>
+            </a:r>
+            <a:r>
+              <a:rPr lang="en-US" altLang="zh-CN" sz="1500" b="1" dirty="0" smtClean="0">
+                <a:solidFill>
+                  <a:srgbClr val="474747"/>
+                </a:solidFill>
+                <a:latin typeface="微软雅黑" pitchFamily="34" charset="-122"/>
+                <a:ea typeface="微软雅黑" pitchFamily="34" charset="-122"/>
+              </a:rPr>
+              <a:t>=“http://www.baidu.com/user?callback=onloaded”&gt;&lt;/script&gt;</a:t>
+            </a:r>
+          </a:p>
+        </p:txBody>
+      </p:sp>
+      <p:pic>
+        <p:nvPicPr>
+          <p:cNvPr id="1026" name="Picture 2"/>
+          <p:cNvPicPr>
+            <a:picLocks noChangeAspect="1" noChangeArrowheads="1"/>
+          </p:cNvPicPr>
+          <p:nvPr/>
+        </p:nvPicPr>
+        <p:blipFill>
+          <a:blip r:embed="rId2" cstate="print"/>
+          <a:srcRect/>
+          <a:stretch>
+            <a:fillRect/>
+          </a:stretch>
+        </p:blipFill>
+        <p:spPr bwMode="auto">
+          <a:xfrm>
+            <a:off x="1331640" y="3717032"/>
+            <a:ext cx="4886325" cy="1876425"/>
+          </a:xfrm>
+          <a:prstGeom prst="rect">
+            <a:avLst/>
+          </a:prstGeom>
+          <a:noFill/>
+          <a:ln w="9525">
+            <a:noFill/>
+            <a:miter lim="800000"/>
+            <a:headEnd/>
+            <a:tailEnd/>
+          </a:ln>
+        </p:spPr>
+      </p:pic>
+      <p:sp>
+        <p:nvSpPr>
+          <p:cNvPr id="5" name="文本框 2"/>
+          <p:cNvSpPr txBox="1"/>
+          <p:nvPr/>
+        </p:nvSpPr>
+        <p:spPr>
+          <a:xfrm>
+            <a:off x="734888" y="3249851"/>
+            <a:ext cx="8229600" cy="323165"/>
+          </a:xfrm>
+          <a:prstGeom prst="rect">
+            <a:avLst/>
+          </a:prstGeom>
+          <a:noFill/>
+        </p:spPr>
+        <p:txBody>
+          <a:bodyPr>
+            <a:spAutoFit/>
+          </a:bodyPr>
+          <a:lstStyle/>
+          <a:p>
+            <a:pPr lvl="1">
+              <a:buFont typeface="Arial" panose="020B0604020202020204" pitchFamily="34" charset="0"/>
+              <a:buNone/>
+              <a:defRPr/>
+            </a:pPr>
+            <a:r>
+              <a:rPr lang="en-US" altLang="zh-CN" sz="1500" b="1" dirty="0" smtClean="0">
+                <a:solidFill>
+                  <a:srgbClr val="474747"/>
+                </a:solidFill>
+                <a:latin typeface="微软雅黑" pitchFamily="34" charset="-122"/>
+                <a:ea typeface="微软雅黑" pitchFamily="34" charset="-122"/>
+              </a:rPr>
+              <a:t>http://www.baidu.com/user</a:t>
+            </a:r>
+          </a:p>
+        </p:txBody>
+      </p:sp>
+      <p:sp>
+        <p:nvSpPr>
+          <p:cNvPr id="6" name="圆角矩形 5"/>
+          <p:cNvSpPr/>
+          <p:nvPr/>
+        </p:nvSpPr>
+        <p:spPr>
+          <a:xfrm>
+            <a:off x="6660232" y="4077072"/>
+            <a:ext cx="2232248" cy="864096"/>
+          </a:xfrm>
+          <a:prstGeom prst="roundRect">
+            <a:avLst/>
+          </a:prstGeom>
+          <a:solidFill>
+            <a:srgbClr val="C9394A"/>
+          </a:solidFill>
+          <a:ln/>
+        </p:spPr>
+        <p:style>
+          <a:lnRef idx="3">
+            <a:schemeClr val="lt1"/>
+          </a:lnRef>
+          <a:fillRef idx="1">
+            <a:schemeClr val="accent4"/>
+          </a:fillRef>
+          <a:effectRef idx="1">
+            <a:schemeClr val="accent4"/>
+          </a:effectRef>
+          <a:fontRef idx="minor">
+            <a:schemeClr val="lt1"/>
+          </a:fontRef>
+        </p:style>
+        <p:txBody>
+          <a:bodyPr anchor="ctr"/>
+          <a:lstStyle/>
+          <a:p>
+            <a:pPr algn="ctr">
+              <a:buFont typeface="Arial" charset="0"/>
+              <a:buNone/>
+              <a:defRPr/>
+            </a:pPr>
+            <a:r>
+              <a:rPr lang="zh-CN" altLang="en-US" sz="1500" b="1" dirty="0" smtClean="0">
+                <a:solidFill>
+                  <a:schemeClr val="bg1"/>
+                </a:solidFill>
+                <a:latin typeface="微软雅黑" pitchFamily="34" charset="-122"/>
+                <a:ea typeface="微软雅黑" pitchFamily="34" charset="-122"/>
+              </a:rPr>
+              <a:t>需要定义一个全局的</a:t>
+            </a:r>
+            <a:r>
+              <a:rPr lang="en-US" altLang="zh-CN" sz="1500" b="1" dirty="0" err="1" smtClean="0">
+                <a:solidFill>
+                  <a:schemeClr val="bg1"/>
+                </a:solidFill>
+                <a:latin typeface="微软雅黑" pitchFamily="34" charset="-122"/>
+                <a:ea typeface="微软雅黑" pitchFamily="34" charset="-122"/>
+              </a:rPr>
+              <a:t>onloaded</a:t>
+            </a:r>
+            <a:r>
+              <a:rPr lang="zh-CN" altLang="en-US" sz="1500" b="1" dirty="0" smtClean="0">
+                <a:solidFill>
+                  <a:schemeClr val="bg1"/>
+                </a:solidFill>
+                <a:latin typeface="微软雅黑" pitchFamily="34" charset="-122"/>
+                <a:ea typeface="微软雅黑" pitchFamily="34" charset="-122"/>
+              </a:rPr>
+              <a:t>函数</a:t>
+            </a:r>
+            <a:endParaRPr lang="en-US" altLang="zh-CN" sz="1500" b="1" dirty="0" smtClean="0">
+              <a:solidFill>
+                <a:schemeClr val="bg1"/>
+              </a:solidFill>
+              <a:latin typeface="微软雅黑" pitchFamily="34" charset="-122"/>
+              <a:ea typeface="微软雅黑" pitchFamily="34" charset="-122"/>
+            </a:endParaRPr>
+          </a:p>
+        </p:txBody>
+      </p:sp>
+      <p:cxnSp>
+        <p:nvCxnSpPr>
+          <p:cNvPr id="7" name="直接箭头连接符 6"/>
+          <p:cNvCxnSpPr/>
+          <p:nvPr/>
+        </p:nvCxnSpPr>
+        <p:spPr>
+          <a:xfrm>
+            <a:off x="2699792" y="4005064"/>
+            <a:ext cx="3960441" cy="504056"/>
+          </a:xfrm>
+          <a:prstGeom prst="straightConnector1">
+            <a:avLst/>
+          </a:prstGeom>
+          <a:ln w="38100">
+            <a:solidFill>
+              <a:srgbClr val="C9394A"/>
+            </a:solidFill>
+            <a:tailEnd type="arrow"/>
+          </a:ln>
+        </p:spPr>
+        <p:style>
+          <a:lnRef idx="1">
+            <a:schemeClr val="accent1"/>
+          </a:lnRef>
+          <a:fillRef idx="0">
+            <a:schemeClr val="accent1"/>
+          </a:fillRef>
+          <a:effectRef idx="0">
+            <a:schemeClr val="accent1"/>
+          </a:effectRef>
+          <a:fontRef idx="minor">
+            <a:schemeClr val="tx1"/>
+          </a:fontRef>
+        </p:style>
+      </p:cxnSp>
+      <p:sp>
+        <p:nvSpPr>
+          <p:cNvPr id="10" name="圆角矩形 9"/>
+          <p:cNvSpPr/>
+          <p:nvPr/>
+        </p:nvSpPr>
+        <p:spPr>
+          <a:xfrm>
+            <a:off x="5292080" y="836712"/>
+            <a:ext cx="2232248" cy="864096"/>
+          </a:xfrm>
+          <a:prstGeom prst="roundRect">
+            <a:avLst/>
+          </a:prstGeom>
+          <a:solidFill>
+            <a:srgbClr val="C9394A"/>
+          </a:solidFill>
+          <a:ln/>
+        </p:spPr>
+        <p:style>
+          <a:lnRef idx="3">
+            <a:schemeClr val="lt1"/>
+          </a:lnRef>
+          <a:fillRef idx="1">
+            <a:schemeClr val="accent4"/>
+          </a:fillRef>
+          <a:effectRef idx="1">
+            <a:schemeClr val="accent4"/>
+          </a:effectRef>
+          <a:fontRef idx="minor">
+            <a:schemeClr val="lt1"/>
+          </a:fontRef>
+        </p:style>
+        <p:txBody>
+          <a:bodyPr anchor="ctr"/>
+          <a:lstStyle/>
+          <a:p>
+            <a:pPr algn="ctr">
+              <a:buFont typeface="Arial" charset="0"/>
+              <a:buNone/>
+              <a:defRPr/>
+            </a:pPr>
+            <a:r>
+              <a:rPr lang="zh-CN" altLang="en-US" sz="1500" b="1" dirty="0" smtClean="0">
+                <a:solidFill>
+                  <a:schemeClr val="bg1"/>
+                </a:solidFill>
+                <a:latin typeface="微软雅黑" pitchFamily="34" charset="-122"/>
+                <a:ea typeface="微软雅黑" pitchFamily="34" charset="-122"/>
+              </a:rPr>
+              <a:t>后端通过</a:t>
+            </a:r>
+            <a:r>
+              <a:rPr lang="en-US" altLang="zh-CN" sz="1500" b="1" dirty="0" smtClean="0">
+                <a:solidFill>
+                  <a:schemeClr val="bg1"/>
+                </a:solidFill>
+                <a:latin typeface="微软雅黑" pitchFamily="34" charset="-122"/>
+                <a:ea typeface="微软雅黑" pitchFamily="34" charset="-122"/>
+              </a:rPr>
+              <a:t>callback</a:t>
+            </a:r>
+            <a:r>
+              <a:rPr lang="zh-CN" altLang="en-US" sz="1500" b="1" dirty="0" smtClean="0">
+                <a:solidFill>
+                  <a:schemeClr val="bg1"/>
+                </a:solidFill>
+                <a:latin typeface="微软雅黑" pitchFamily="34" charset="-122"/>
+                <a:ea typeface="微软雅黑" pitchFamily="34" charset="-122"/>
+              </a:rPr>
+              <a:t>获取参数值</a:t>
+            </a:r>
+            <a:r>
+              <a:rPr lang="en-US" altLang="zh-CN" sz="1500" b="1" dirty="0" err="1" smtClean="0">
+                <a:solidFill>
+                  <a:schemeClr val="bg1"/>
+                </a:solidFill>
+                <a:latin typeface="微软雅黑" pitchFamily="34" charset="-122"/>
+                <a:ea typeface="微软雅黑" pitchFamily="34" charset="-122"/>
+              </a:rPr>
+              <a:t>onloaded</a:t>
+            </a:r>
+            <a:endParaRPr lang="en-US" altLang="zh-CN" sz="1500" b="1" dirty="0" smtClean="0">
+              <a:solidFill>
+                <a:schemeClr val="bg1"/>
+              </a:solidFill>
+              <a:latin typeface="微软雅黑" pitchFamily="34" charset="-122"/>
+              <a:ea typeface="微软雅黑" pitchFamily="34" charset="-122"/>
+            </a:endParaRPr>
+          </a:p>
+        </p:txBody>
+      </p:sp>
+      <p:cxnSp>
+        <p:nvCxnSpPr>
+          <p:cNvPr id="11" name="直接箭头连接符 10"/>
+          <p:cNvCxnSpPr/>
+          <p:nvPr/>
+        </p:nvCxnSpPr>
+        <p:spPr>
+          <a:xfrm flipH="1" flipV="1">
+            <a:off x="6372200" y="1772816"/>
+            <a:ext cx="432048" cy="720080"/>
+          </a:xfrm>
+          <a:prstGeom prst="straightConnector1">
+            <a:avLst/>
+          </a:prstGeom>
+          <a:ln w="38100">
+            <a:solidFill>
+              <a:srgbClr val="C9394A"/>
+            </a:solidFill>
+            <a:tailEnd type="arrow"/>
+          </a:ln>
+        </p:spPr>
+        <p:style>
+          <a:lnRef idx="1">
+            <a:schemeClr val="accent1"/>
+          </a:lnRef>
+          <a:fillRef idx="0">
+            <a:schemeClr val="accent1"/>
+          </a:fillRef>
+          <a:effectRef idx="0">
+            <a:schemeClr val="accent1"/>
+          </a:effectRef>
+          <a:fontRef idx="minor">
+            <a:schemeClr val="tx1"/>
+          </a:fontRef>
+        </p:style>
+      </p:cxnSp>
+    </p:spTree>
+  </p:cSld>
+  <p:clrMapOvr>
+    <a:masterClrMapping/>
+  </p:clrMapOvr>
+  <p:timing>
+    <p:tnLst>
+      <p:par>
+        <p:cTn id="1" dur="indefinite" restart="never" nodeType="tmRoot">
+          <p:childTnLst>
+            <p:seq concurrent="1" nextAc="seek">
+              <p:cTn id="2" dur="indefinite" nodeType="mainSeq">
+                <p:childTnLst>
+                  <p:par>
+                    <p:cTn id="3" fill="hold">
+                      <p:stCondLst>
+                        <p:cond delay="indefinite"/>
+                      </p:stCondLst>
+                      <p:childTnLst>
+                        <p:par>
+                          <p:cTn id="4" fill="hold">
+                            <p:stCondLst>
+                              <p:cond delay="0"/>
+                            </p:stCondLst>
+                            <p:childTnLst>
+                              <p:par>
+                                <p:cTn id="5" presetID="2" presetClass="entr" presetSubtype="4" fill="hold" grpId="0" nodeType="clickEffect">
+                                  <p:stCondLst>
+                                    <p:cond delay="0"/>
+                                  </p:stCondLst>
+                                  <p:childTnLst>
+                                    <p:set>
+                                      <p:cBhvr>
+                                        <p:cTn id="6" dur="1" fill="hold">
+                                          <p:stCondLst>
+                                            <p:cond delay="0"/>
+                                          </p:stCondLst>
+                                        </p:cTn>
+                                        <p:tgtEl>
+                                          <p:spTgt spid="2">
+                                            <p:txEl>
+                                              <p:pRg st="0" end="0"/>
+                                            </p:txEl>
+                                          </p:spTgt>
+                                        </p:tgtEl>
+                                        <p:attrNameLst>
+                                          <p:attrName>style.visibility</p:attrName>
+                                        </p:attrNameLst>
+                                      </p:cBhvr>
+                                      <p:to>
+                                        <p:strVal val="visible"/>
+                                      </p:to>
+                                    </p:set>
+                                    <p:anim calcmode="lin" valueType="num">
+                                      <p:cBhvr additive="base">
+                                        <p:cTn id="7" dur="300" fill="hold"/>
+                                        <p:tgtEl>
+                                          <p:spTgt spid="2">
+                                            <p:txEl>
+                                              <p:pRg st="0" end="0"/>
+                                            </p:txEl>
+                                          </p:spTgt>
+                                        </p:tgtEl>
+                                        <p:attrNameLst>
+                                          <p:attrName>ppt_x</p:attrName>
+                                        </p:attrNameLst>
+                                      </p:cBhvr>
+                                      <p:tavLst>
+                                        <p:tav tm="0">
+                                          <p:val>
+                                            <p:strVal val="#ppt_x"/>
+                                          </p:val>
+                                        </p:tav>
+                                        <p:tav tm="100000">
+                                          <p:val>
+                                            <p:strVal val="#ppt_x"/>
+                                          </p:val>
+                                        </p:tav>
+                                      </p:tavLst>
+                                    </p:anim>
+                                    <p:anim calcmode="lin" valueType="num">
+                                      <p:cBhvr additive="base">
+                                        <p:cTn id="8" dur="300" fill="hold"/>
+                                        <p:tgtEl>
+                                          <p:spTgt spid="2">
+                                            <p:txEl>
+                                              <p:pRg st="0" end="0"/>
+                                            </p:txEl>
+                                          </p:spTgt>
+                                        </p:tgtEl>
+                                        <p:attrNameLst>
+                                          <p:attrName>ppt_y</p:attrName>
+                                        </p:attrNameLst>
+                                      </p:cBhvr>
+                                      <p:tavLst>
+                                        <p:tav tm="0">
+                                          <p:val>
+                                            <p:strVal val="1+#ppt_h/2"/>
+                                          </p:val>
+                                        </p:tav>
+                                        <p:tav tm="100000">
+                                          <p:val>
+                                            <p:strVal val="#ppt_y"/>
+                                          </p:val>
+                                        </p:tav>
+                                      </p:tavLst>
+                                    </p:anim>
+                                  </p:childTnLst>
+                                </p:cTn>
+                              </p:par>
+                            </p:childTnLst>
+                          </p:cTn>
+                        </p:par>
+                      </p:childTnLst>
+                    </p:cTn>
+                  </p:par>
+                  <p:par>
+                    <p:cTn id="9" fill="hold">
+                      <p:stCondLst>
+                        <p:cond delay="indefinite"/>
+                      </p:stCondLst>
+                      <p:childTnLst>
+                        <p:par>
+                          <p:cTn id="10" fill="hold">
+                            <p:stCondLst>
+                              <p:cond delay="0"/>
+                            </p:stCondLst>
+                            <p:childTnLst>
+                              <p:par>
+                                <p:cTn id="11" presetID="2" presetClass="entr" presetSubtype="4" fill="hold" grpId="0" nodeType="clickEffect">
+                                  <p:stCondLst>
+                                    <p:cond delay="0"/>
+                                  </p:stCondLst>
+                                  <p:childTnLst>
+                                    <p:set>
+                                      <p:cBhvr>
+                                        <p:cTn id="12" dur="1" fill="hold">
+                                          <p:stCondLst>
+                                            <p:cond delay="0"/>
+                                          </p:stCondLst>
+                                        </p:cTn>
+                                        <p:tgtEl>
+                                          <p:spTgt spid="3"/>
+                                        </p:tgtEl>
+                                        <p:attrNameLst>
+                                          <p:attrName>style.visibility</p:attrName>
+                                        </p:attrNameLst>
+                                      </p:cBhvr>
+                                      <p:to>
+                                        <p:strVal val="visible"/>
+                                      </p:to>
+                                    </p:set>
+                                    <p:anim calcmode="lin" valueType="num">
+                                      <p:cBhvr additive="base">
+                                        <p:cTn id="13" dur="300" fill="hold"/>
+                                        <p:tgtEl>
+                                          <p:spTgt spid="3"/>
+                                        </p:tgtEl>
+                                        <p:attrNameLst>
+                                          <p:attrName>ppt_x</p:attrName>
+                                        </p:attrNameLst>
+                                      </p:cBhvr>
+                                      <p:tavLst>
+                                        <p:tav tm="0">
+                                          <p:val>
+                                            <p:strVal val="#ppt_x"/>
+                                          </p:val>
+                                        </p:tav>
+                                        <p:tav tm="100000">
+                                          <p:val>
+                                            <p:strVal val="#ppt_x"/>
+                                          </p:val>
+                                        </p:tav>
+                                      </p:tavLst>
+                                    </p:anim>
+                                    <p:anim calcmode="lin" valueType="num">
+                                      <p:cBhvr additive="base">
+                                        <p:cTn id="14" dur="300" fill="hold"/>
+                                        <p:tgtEl>
+                                          <p:spTgt spid="3"/>
+                                        </p:tgtEl>
+                                        <p:attrNameLst>
+                                          <p:attrName>ppt_y</p:attrName>
+                                        </p:attrNameLst>
+                                      </p:cBhvr>
+                                      <p:tavLst>
+                                        <p:tav tm="0">
+                                          <p:val>
+                                            <p:strVal val="1+#ppt_h/2"/>
+                                          </p:val>
+                                        </p:tav>
+                                        <p:tav tm="100000">
+                                          <p:val>
+                                            <p:strVal val="#ppt_y"/>
+                                          </p:val>
+                                        </p:tav>
+                                      </p:tavLst>
+                                    </p:anim>
+                                  </p:childTnLst>
+                                </p:cTn>
+                              </p:par>
+                            </p:childTnLst>
+                          </p:cTn>
+                        </p:par>
+                      </p:childTnLst>
+                    </p:cTn>
+                  </p:par>
+                  <p:par>
+                    <p:cTn id="15" fill="hold">
+                      <p:stCondLst>
+                        <p:cond delay="indefinite"/>
+                      </p:stCondLst>
+                      <p:childTnLst>
+                        <p:par>
+                          <p:cTn id="16" fill="hold">
+                            <p:stCondLst>
+                              <p:cond delay="0"/>
+                            </p:stCondLst>
+                            <p:childTnLst>
+                              <p:par>
+                                <p:cTn id="17" presetID="2" presetClass="entr" presetSubtype="4" fill="hold" grpId="0" nodeType="clickEffect">
+                                  <p:stCondLst>
+                                    <p:cond delay="0"/>
+                                  </p:stCondLst>
+                                  <p:childTnLst>
+                                    <p:set>
+                                      <p:cBhvr>
+                                        <p:cTn id="18" dur="1" fill="hold">
+                                          <p:stCondLst>
+                                            <p:cond delay="0"/>
+                                          </p:stCondLst>
+                                        </p:cTn>
+                                        <p:tgtEl>
+                                          <p:spTgt spid="10"/>
+                                        </p:tgtEl>
+                                        <p:attrNameLst>
+                                          <p:attrName>style.visibility</p:attrName>
+                                        </p:attrNameLst>
+                                      </p:cBhvr>
+                                      <p:to>
+                                        <p:strVal val="visible"/>
+                                      </p:to>
+                                    </p:set>
+                                    <p:anim calcmode="lin" valueType="num">
+                                      <p:cBhvr additive="base">
+                                        <p:cTn id="19" dur="300" fill="hold"/>
+                                        <p:tgtEl>
+                                          <p:spTgt spid="10"/>
+                                        </p:tgtEl>
+                                        <p:attrNameLst>
+                                          <p:attrName>ppt_x</p:attrName>
+                                        </p:attrNameLst>
+                                      </p:cBhvr>
+                                      <p:tavLst>
+                                        <p:tav tm="0">
+                                          <p:val>
+                                            <p:strVal val="#ppt_x"/>
+                                          </p:val>
+                                        </p:tav>
+                                        <p:tav tm="100000">
+                                          <p:val>
+                                            <p:strVal val="#ppt_x"/>
+                                          </p:val>
+                                        </p:tav>
+                                      </p:tavLst>
+                                    </p:anim>
+                                    <p:anim calcmode="lin" valueType="num">
+                                      <p:cBhvr additive="base">
+                                        <p:cTn id="20" dur="300" fill="hold"/>
+                                        <p:tgtEl>
+                                          <p:spTgt spid="10"/>
+                                        </p:tgtEl>
+                                        <p:attrNameLst>
+                                          <p:attrName>ppt_y</p:attrName>
+                                        </p:attrNameLst>
+                                      </p:cBhvr>
+                                      <p:tavLst>
+                                        <p:tav tm="0">
+                                          <p:val>
+                                            <p:strVal val="1+#ppt_h/2"/>
+                                          </p:val>
+                                        </p:tav>
+                                        <p:tav tm="100000">
+                                          <p:val>
+                                            <p:strVal val="#ppt_y"/>
+                                          </p:val>
+                                        </p:tav>
+                                      </p:tavLst>
+                                    </p:anim>
+                                  </p:childTnLst>
+                                </p:cTn>
+                              </p:par>
+                              <p:par>
+                                <p:cTn id="21" presetID="2" presetClass="entr" presetSubtype="4" fill="hold" nodeType="withEffect">
+                                  <p:stCondLst>
+                                    <p:cond delay="0"/>
+                                  </p:stCondLst>
+                                  <p:childTnLst>
+                                    <p:set>
+                                      <p:cBhvr>
+                                        <p:cTn id="22" dur="1" fill="hold">
+                                          <p:stCondLst>
+                                            <p:cond delay="0"/>
+                                          </p:stCondLst>
+                                        </p:cTn>
+                                        <p:tgtEl>
+                                          <p:spTgt spid="11"/>
+                                        </p:tgtEl>
+                                        <p:attrNameLst>
+                                          <p:attrName>style.visibility</p:attrName>
+                                        </p:attrNameLst>
+                                      </p:cBhvr>
+                                      <p:to>
+                                        <p:strVal val="visible"/>
+                                      </p:to>
+                                    </p:set>
+                                    <p:anim calcmode="lin" valueType="num">
+                                      <p:cBhvr additive="base">
+                                        <p:cTn id="23" dur="300" fill="hold"/>
+                                        <p:tgtEl>
+                                          <p:spTgt spid="11"/>
+                                        </p:tgtEl>
+                                        <p:attrNameLst>
+                                          <p:attrName>ppt_x</p:attrName>
+                                        </p:attrNameLst>
+                                      </p:cBhvr>
+                                      <p:tavLst>
+                                        <p:tav tm="0">
+                                          <p:val>
+                                            <p:strVal val="#ppt_x"/>
+                                          </p:val>
+                                        </p:tav>
+                                        <p:tav tm="100000">
+                                          <p:val>
+                                            <p:strVal val="#ppt_x"/>
+                                          </p:val>
+                                        </p:tav>
+                                      </p:tavLst>
+                                    </p:anim>
+                                    <p:anim calcmode="lin" valueType="num">
+                                      <p:cBhvr additive="base">
+                                        <p:cTn id="24" dur="300" fill="hold"/>
+                                        <p:tgtEl>
+                                          <p:spTgt spid="11"/>
+                                        </p:tgtEl>
+                                        <p:attrNameLst>
+                                          <p:attrName>ppt_y</p:attrName>
+                                        </p:attrNameLst>
+                                      </p:cBhvr>
+                                      <p:tavLst>
+                                        <p:tav tm="0">
+                                          <p:val>
+                                            <p:strVal val="1+#ppt_h/2"/>
+                                          </p:val>
+                                        </p:tav>
+                                        <p:tav tm="100000">
+                                          <p:val>
+                                            <p:strVal val="#ppt_y"/>
+                                          </p:val>
+                                        </p:tav>
+                                      </p:tavLst>
+                                    </p:anim>
+                                  </p:childTnLst>
+                                </p:cTn>
+                              </p:par>
+                            </p:childTnLst>
+                          </p:cTn>
+                        </p:par>
+                      </p:childTnLst>
+                    </p:cTn>
+                  </p:par>
+                  <p:par>
+                    <p:cTn id="25" fill="hold">
+                      <p:stCondLst>
+                        <p:cond delay="indefinite"/>
+                      </p:stCondLst>
+                      <p:childTnLst>
+                        <p:par>
+                          <p:cTn id="26" fill="hold">
+                            <p:stCondLst>
+                              <p:cond delay="0"/>
+                            </p:stCondLst>
+                            <p:childTnLst>
+                              <p:par>
+                                <p:cTn id="27" presetID="2" presetClass="entr" presetSubtype="4" fill="hold" grpId="0" nodeType="clickEffect">
+                                  <p:stCondLst>
+                                    <p:cond delay="0"/>
+                                  </p:stCondLst>
+                                  <p:childTnLst>
+                                    <p:set>
+                                      <p:cBhvr>
+                                        <p:cTn id="28" dur="1" fill="hold">
+                                          <p:stCondLst>
+                                            <p:cond delay="0"/>
+                                          </p:stCondLst>
+                                        </p:cTn>
+                                        <p:tgtEl>
+                                          <p:spTgt spid="5"/>
+                                        </p:tgtEl>
+                                        <p:attrNameLst>
+                                          <p:attrName>style.visibility</p:attrName>
+                                        </p:attrNameLst>
+                                      </p:cBhvr>
+                                      <p:to>
+                                        <p:strVal val="visible"/>
+                                      </p:to>
+                                    </p:set>
+                                    <p:anim calcmode="lin" valueType="num">
+                                      <p:cBhvr additive="base">
+                                        <p:cTn id="29" dur="300" fill="hold"/>
+                                        <p:tgtEl>
+                                          <p:spTgt spid="5"/>
+                                        </p:tgtEl>
+                                        <p:attrNameLst>
+                                          <p:attrName>ppt_x</p:attrName>
+                                        </p:attrNameLst>
+                                      </p:cBhvr>
+                                      <p:tavLst>
+                                        <p:tav tm="0">
+                                          <p:val>
+                                            <p:strVal val="#ppt_x"/>
+                                          </p:val>
+                                        </p:tav>
+                                        <p:tav tm="100000">
+                                          <p:val>
+                                            <p:strVal val="#ppt_x"/>
+                                          </p:val>
+                                        </p:tav>
+                                      </p:tavLst>
+                                    </p:anim>
+                                    <p:anim calcmode="lin" valueType="num">
+                                      <p:cBhvr additive="base">
+                                        <p:cTn id="30" dur="300" fill="hold"/>
+                                        <p:tgtEl>
+                                          <p:spTgt spid="5"/>
+                                        </p:tgtEl>
+                                        <p:attrNameLst>
+                                          <p:attrName>ppt_y</p:attrName>
+                                        </p:attrNameLst>
+                                      </p:cBhvr>
+                                      <p:tavLst>
+                                        <p:tav tm="0">
+                                          <p:val>
+                                            <p:strVal val="1+#ppt_h/2"/>
+                                          </p:val>
+                                        </p:tav>
+                                        <p:tav tm="100000">
+                                          <p:val>
+                                            <p:strVal val="#ppt_y"/>
+                                          </p:val>
+                                        </p:tav>
+                                      </p:tavLst>
+                                    </p:anim>
+                                  </p:childTnLst>
+                                </p:cTn>
+                              </p:par>
+                            </p:childTnLst>
+                          </p:cTn>
+                        </p:par>
+                      </p:childTnLst>
+                    </p:cTn>
+                  </p:par>
+                  <p:par>
+                    <p:cTn id="31" fill="hold">
+                      <p:stCondLst>
+                        <p:cond delay="indefinite"/>
+                      </p:stCondLst>
+                      <p:childTnLst>
+                        <p:par>
+                          <p:cTn id="32" fill="hold">
+                            <p:stCondLst>
+                              <p:cond delay="0"/>
+                            </p:stCondLst>
+                            <p:childTnLst>
+                              <p:par>
+                                <p:cTn id="33" presetID="2" presetClass="entr" presetSubtype="4" fill="hold" nodeType="clickEffect">
+                                  <p:stCondLst>
+                                    <p:cond delay="0"/>
+                                  </p:stCondLst>
+                                  <p:childTnLst>
+                                    <p:set>
+                                      <p:cBhvr>
+                                        <p:cTn id="34" dur="1" fill="hold">
+                                          <p:stCondLst>
+                                            <p:cond delay="0"/>
+                                          </p:stCondLst>
+                                        </p:cTn>
+                                        <p:tgtEl>
+                                          <p:spTgt spid="1026"/>
+                                        </p:tgtEl>
+                                        <p:attrNameLst>
+                                          <p:attrName>style.visibility</p:attrName>
+                                        </p:attrNameLst>
+                                      </p:cBhvr>
+                                      <p:to>
+                                        <p:strVal val="visible"/>
+                                      </p:to>
+                                    </p:set>
+                                    <p:anim calcmode="lin" valueType="num">
+                                      <p:cBhvr additive="base">
+                                        <p:cTn id="35" dur="300" fill="hold"/>
+                                        <p:tgtEl>
+                                          <p:spTgt spid="1026"/>
+                                        </p:tgtEl>
+                                        <p:attrNameLst>
+                                          <p:attrName>ppt_x</p:attrName>
+                                        </p:attrNameLst>
+                                      </p:cBhvr>
+                                      <p:tavLst>
+                                        <p:tav tm="0">
+                                          <p:val>
+                                            <p:strVal val="#ppt_x"/>
+                                          </p:val>
+                                        </p:tav>
+                                        <p:tav tm="100000">
+                                          <p:val>
+                                            <p:strVal val="#ppt_x"/>
+                                          </p:val>
+                                        </p:tav>
+                                      </p:tavLst>
+                                    </p:anim>
+                                    <p:anim calcmode="lin" valueType="num">
+                                      <p:cBhvr additive="base">
+                                        <p:cTn id="36" dur="300" fill="hold"/>
+                                        <p:tgtEl>
+                                          <p:spTgt spid="1026"/>
+                                        </p:tgtEl>
+                                        <p:attrNameLst>
+                                          <p:attrName>ppt_y</p:attrName>
+                                        </p:attrNameLst>
+                                      </p:cBhvr>
+                                      <p:tavLst>
+                                        <p:tav tm="0">
+                                          <p:val>
+                                            <p:strVal val="1+#ppt_h/2"/>
+                                          </p:val>
+                                        </p:tav>
+                                        <p:tav tm="100000">
+                                          <p:val>
+                                            <p:strVal val="#ppt_y"/>
+                                          </p:val>
+                                        </p:tav>
+                                      </p:tavLst>
+                                    </p:anim>
+                                  </p:childTnLst>
+                                </p:cTn>
+                              </p:par>
+                            </p:childTnLst>
+                          </p:cTn>
+                        </p:par>
+                      </p:childTnLst>
+                    </p:cTn>
+                  </p:par>
+                  <p:par>
+                    <p:cTn id="37" fill="hold">
+                      <p:stCondLst>
+                        <p:cond delay="indefinite"/>
+                      </p:stCondLst>
+                      <p:childTnLst>
+                        <p:par>
+                          <p:cTn id="38" fill="hold">
+                            <p:stCondLst>
+                              <p:cond delay="0"/>
+                            </p:stCondLst>
+                            <p:childTnLst>
+                              <p:par>
+                                <p:cTn id="39" presetID="2" presetClass="entr" presetSubtype="4" fill="hold" grpId="0" nodeType="clickEffect">
+                                  <p:stCondLst>
+                                    <p:cond delay="0"/>
+                                  </p:stCondLst>
+                                  <p:childTnLst>
+                                    <p:set>
+                                      <p:cBhvr>
+                                        <p:cTn id="40" dur="1" fill="hold">
+                                          <p:stCondLst>
+                                            <p:cond delay="0"/>
+                                          </p:stCondLst>
+                                        </p:cTn>
+                                        <p:tgtEl>
+                                          <p:spTgt spid="6"/>
+                                        </p:tgtEl>
+                                        <p:attrNameLst>
+                                          <p:attrName>style.visibility</p:attrName>
+                                        </p:attrNameLst>
+                                      </p:cBhvr>
+                                      <p:to>
+                                        <p:strVal val="visible"/>
+                                      </p:to>
+                                    </p:set>
+                                    <p:anim calcmode="lin" valueType="num">
+                                      <p:cBhvr additive="base">
+                                        <p:cTn id="41" dur="300" fill="hold"/>
+                                        <p:tgtEl>
+                                          <p:spTgt spid="6"/>
+                                        </p:tgtEl>
+                                        <p:attrNameLst>
+                                          <p:attrName>ppt_x</p:attrName>
+                                        </p:attrNameLst>
+                                      </p:cBhvr>
+                                      <p:tavLst>
+                                        <p:tav tm="0">
+                                          <p:val>
+                                            <p:strVal val="#ppt_x"/>
+                                          </p:val>
+                                        </p:tav>
+                                        <p:tav tm="100000">
+                                          <p:val>
+                                            <p:strVal val="#ppt_x"/>
+                                          </p:val>
+                                        </p:tav>
+                                      </p:tavLst>
+                                    </p:anim>
+                                    <p:anim calcmode="lin" valueType="num">
+                                      <p:cBhvr additive="base">
+                                        <p:cTn id="42" dur="300" fill="hold"/>
+                                        <p:tgtEl>
+                                          <p:spTgt spid="6"/>
+                                        </p:tgtEl>
+                                        <p:attrNameLst>
+                                          <p:attrName>ppt_y</p:attrName>
+                                        </p:attrNameLst>
+                                      </p:cBhvr>
+                                      <p:tavLst>
+                                        <p:tav tm="0">
+                                          <p:val>
+                                            <p:strVal val="1+#ppt_h/2"/>
+                                          </p:val>
+                                        </p:tav>
+                                        <p:tav tm="100000">
+                                          <p:val>
+                                            <p:strVal val="#ppt_y"/>
+                                          </p:val>
+                                        </p:tav>
+                                      </p:tavLst>
+                                    </p:anim>
+                                  </p:childTnLst>
+                                </p:cTn>
+                              </p:par>
+                              <p:par>
+                                <p:cTn id="43" presetID="2" presetClass="entr" presetSubtype="4" fill="hold" nodeType="withEffect">
+                                  <p:stCondLst>
+                                    <p:cond delay="0"/>
+                                  </p:stCondLst>
+                                  <p:childTnLst>
+                                    <p:set>
+                                      <p:cBhvr>
+                                        <p:cTn id="44" dur="1" fill="hold">
+                                          <p:stCondLst>
+                                            <p:cond delay="0"/>
+                                          </p:stCondLst>
+                                        </p:cTn>
+                                        <p:tgtEl>
+                                          <p:spTgt spid="7"/>
+                                        </p:tgtEl>
+                                        <p:attrNameLst>
+                                          <p:attrName>style.visibility</p:attrName>
+                                        </p:attrNameLst>
+                                      </p:cBhvr>
+                                      <p:to>
+                                        <p:strVal val="visible"/>
+                                      </p:to>
+                                    </p:set>
+                                    <p:anim calcmode="lin" valueType="num">
+                                      <p:cBhvr additive="base">
+                                        <p:cTn id="45" dur="300" fill="hold"/>
+                                        <p:tgtEl>
+                                          <p:spTgt spid="7"/>
+                                        </p:tgtEl>
+                                        <p:attrNameLst>
+                                          <p:attrName>ppt_x</p:attrName>
+                                        </p:attrNameLst>
+                                      </p:cBhvr>
+                                      <p:tavLst>
+                                        <p:tav tm="0">
+                                          <p:val>
+                                            <p:strVal val="#ppt_x"/>
+                                          </p:val>
+                                        </p:tav>
+                                        <p:tav tm="100000">
+                                          <p:val>
+                                            <p:strVal val="#ppt_x"/>
+                                          </p:val>
+                                        </p:tav>
+                                      </p:tavLst>
+                                    </p:anim>
+                                    <p:anim calcmode="lin" valueType="num">
+                                      <p:cBhvr additive="base">
+                                        <p:cTn id="46" dur="300" fill="hold"/>
+                                        <p:tgtEl>
+                                          <p:spTgt spid="7"/>
+                                        </p:tgtEl>
+                                        <p:attrNameLst>
+                                          <p:attrName>ppt_y</p:attrName>
+                                        </p:attrNameLst>
+                                      </p:cBhvr>
+                                      <p:tavLst>
+                                        <p:tav tm="0">
+                                          <p:val>
+                                            <p:strVal val="1+#ppt_h/2"/>
+                                          </p:val>
+                                        </p:tav>
+                                        <p:tav tm="100000">
+                                          <p:val>
+                                            <p:strVal val="#ppt_y"/>
+                                          </p:val>
+                                        </p:tav>
+                                      </p:tavLst>
+                                    </p:anim>
+                                  </p:childTnLst>
+                                </p:cTn>
+                              </p:par>
+                            </p:childTnLst>
+                          </p:cTn>
+                        </p:par>
+                      </p:childTnLst>
+                    </p:cTn>
+                  </p:par>
+                </p:childTnLst>
+              </p:cTn>
+              <p:prevCondLst>
+                <p:cond evt="onPrev" delay="0">
+                  <p:tgtEl>
+                    <p:sldTgt/>
+                  </p:tgtEl>
+                </p:cond>
+              </p:prevCondLst>
+              <p:nextCondLst>
+                <p:cond evt="onNext" delay="0">
+                  <p:tgtEl>
+                    <p:sldTgt/>
+                  </p:tgtEl>
+                </p:cond>
+              </p:nextCondLst>
+            </p:seq>
+          </p:childTnLst>
+        </p:cTn>
+      </p:par>
+    </p:tnLst>
+    <p:bldLst>
+      <p:bldP spid="2" grpId="0" build="p"/>
+      <p:bldP spid="3" grpId="0"/>
+      <p:bldP spid="5" grpId="0"/>
+      <p:bldP spid="6" grpId="0" animBg="1"/>
+      <p:bldP spid="10" grpId="0" animBg="1"/>
+    </p:bldLst>
+  </p:timing>
+</p:sld>
+</file>
+
+<file path=ppt/slides/slide43.xml><?xml version="1.0" encoding="utf-8"?>
+<p:sld xmlns:a="http://schemas.openxmlformats.org/drawingml/2006/main" xmlns:r="http://schemas.openxmlformats.org/officeDocument/2006/relationships" xmlns:p="http://schemas.openxmlformats.org/presentationml/2006/main">
+  <p:cSld>
+    <p:spTree>
+      <p:nvGrpSpPr>
+        <p:cNvPr id="1" name=""/>
+        <p:cNvGrpSpPr/>
+        <p:nvPr/>
+      </p:nvGrpSpPr>
+      <p:grpSpPr>
+        <a:xfrm>
+          <a:off x="0" y="0"/>
+          <a:ext cx="0" cy="0"/>
+          <a:chOff x="0" y="0"/>
+          <a:chExt cx="0" cy="0"/>
+        </a:xfrm>
+      </p:grpSpPr>
+      <p:sp>
+        <p:nvSpPr>
+          <p:cNvPr id="2" name="内容占位符 2"/>
+          <p:cNvSpPr txBox="1">
+            <a:spLocks/>
+          </p:cNvSpPr>
+          <p:nvPr/>
+        </p:nvSpPr>
+        <p:spPr>
+          <a:xfrm>
+            <a:off x="457200" y="1200150"/>
+            <a:ext cx="8229600" cy="508000"/>
+          </a:xfrm>
+          <a:prstGeom prst="rect">
+            <a:avLst/>
+          </a:prstGeom>
+        </p:spPr>
+        <p:txBody>
+          <a:bodyPr/>
+          <a:lstStyle/>
+          <a:p>
+            <a:pPr marL="0" marR="0" lvl="0" indent="0" algn="l" defTabSz="914400" rtl="0" eaLnBrk="1" fontAlgn="auto" latinLnBrk="0" hangingPunct="1">
+              <a:lnSpc>
+                <a:spcPct val="100000"/>
+              </a:lnSpc>
+              <a:spcBef>
+                <a:spcPct val="20000"/>
+              </a:spcBef>
+              <a:spcAft>
+                <a:spcPts val="0"/>
+              </a:spcAft>
+              <a:buClrTx/>
+              <a:buSzTx/>
+              <a:buFont typeface="Arial" panose="020B0604020202020204" pitchFamily="34" charset="0"/>
+              <a:buNone/>
+              <a:tabLst/>
+              <a:defRPr/>
+            </a:pPr>
+            <a:r>
+              <a:rPr lang="en-US" altLang="zh-CN" sz="3200" b="1" dirty="0" err="1" smtClean="0">
+                <a:solidFill>
+                  <a:srgbClr val="212121"/>
+                </a:solidFill>
+                <a:latin typeface="微软雅黑" pitchFamily="34" charset="-122"/>
+                <a:ea typeface="微软雅黑" pitchFamily="34" charset="-122"/>
+              </a:rPr>
+              <a:t>r</a:t>
+            </a:r>
+            <a:r>
+              <a:rPr kumimoji="0" lang="en-US" altLang="zh-CN" sz="3200" b="1" i="0" u="none" strike="noStrike" kern="1200" cap="none" spc="0" normalizeH="0" baseline="0" noProof="0" dirty="0" err="1" smtClean="0">
+                <a:ln>
+                  <a:noFill/>
+                </a:ln>
+                <a:solidFill>
+                  <a:srgbClr val="212121"/>
+                </a:solidFill>
+                <a:effectLst/>
+                <a:uLnTx/>
+                <a:uFillTx/>
+                <a:latin typeface="微软雅黑" pitchFamily="34" charset="-122"/>
+                <a:ea typeface="微软雅黑" pitchFamily="34" charset="-122"/>
+              </a:rPr>
+              <a:t>equirejs</a:t>
+            </a:r>
+            <a:r>
+              <a:rPr kumimoji="0" lang="zh-CN" altLang="en-US" sz="3200" b="1" i="0" u="none" strike="noStrike" kern="1200" cap="none" spc="0" normalizeH="0" baseline="0" noProof="0" dirty="0" smtClean="0">
+                <a:ln>
+                  <a:noFill/>
+                </a:ln>
+                <a:solidFill>
+                  <a:srgbClr val="212121"/>
+                </a:solidFill>
+                <a:effectLst/>
+                <a:uLnTx/>
+                <a:uFillTx/>
+                <a:latin typeface="微软雅黑" pitchFamily="34" charset="-122"/>
+                <a:ea typeface="微软雅黑" pitchFamily="34" charset="-122"/>
+              </a:rPr>
+              <a:t>实现</a:t>
+            </a:r>
+            <a:r>
+              <a:rPr kumimoji="0" lang="en-US" altLang="zh-CN" sz="3200" b="1" i="0" u="none" strike="noStrike" kern="1200" cap="none" spc="0" normalizeH="0" baseline="0" noProof="0" dirty="0" err="1" smtClean="0">
+                <a:ln>
+                  <a:noFill/>
+                </a:ln>
+                <a:solidFill>
+                  <a:srgbClr val="212121"/>
+                </a:solidFill>
+                <a:effectLst/>
+                <a:uLnTx/>
+                <a:uFillTx/>
+                <a:latin typeface="微软雅黑" pitchFamily="34" charset="-122"/>
+                <a:ea typeface="微软雅黑" pitchFamily="34" charset="-122"/>
+              </a:rPr>
+              <a:t>jsonp</a:t>
+            </a:r>
+            <a:endParaRPr kumimoji="0" lang="en-US" altLang="zh-CN" sz="3200" b="1" i="0" u="none" strike="noStrike" kern="1200" cap="none" spc="0" normalizeH="0" baseline="0" noProof="0" dirty="0" smtClean="0">
+              <a:ln>
+                <a:noFill/>
+              </a:ln>
+              <a:solidFill>
+                <a:srgbClr val="212121"/>
+              </a:solidFill>
+              <a:effectLst/>
+              <a:uLnTx/>
+              <a:uFillTx/>
+              <a:latin typeface="微软雅黑" pitchFamily="34" charset="-122"/>
+              <a:ea typeface="微软雅黑" pitchFamily="34" charset="-122"/>
+            </a:endParaRPr>
+          </a:p>
+        </p:txBody>
+      </p:sp>
+      <p:pic>
+        <p:nvPicPr>
+          <p:cNvPr id="2050" name="Picture 2"/>
+          <p:cNvPicPr>
+            <a:picLocks noChangeAspect="1" noChangeArrowheads="1"/>
+          </p:cNvPicPr>
+          <p:nvPr/>
+        </p:nvPicPr>
+        <p:blipFill>
+          <a:blip r:embed="rId2" cstate="print"/>
+          <a:srcRect/>
+          <a:stretch>
+            <a:fillRect/>
+          </a:stretch>
+        </p:blipFill>
+        <p:spPr bwMode="auto">
+          <a:xfrm>
+            <a:off x="971600" y="2722240"/>
+            <a:ext cx="7153275" cy="1066800"/>
+          </a:xfrm>
+          <a:prstGeom prst="rect">
+            <a:avLst/>
+          </a:prstGeom>
+          <a:noFill/>
+          <a:ln w="9525">
+            <a:noFill/>
+            <a:miter lim="800000"/>
+            <a:headEnd/>
+            <a:tailEnd/>
+          </a:ln>
+        </p:spPr>
+      </p:pic>
+      <p:pic>
+        <p:nvPicPr>
+          <p:cNvPr id="2051" name="Picture 3"/>
+          <p:cNvPicPr>
+            <a:picLocks noChangeAspect="1" noChangeArrowheads="1"/>
+          </p:cNvPicPr>
+          <p:nvPr/>
+        </p:nvPicPr>
+        <p:blipFill>
+          <a:blip r:embed="rId3" cstate="print"/>
+          <a:srcRect/>
+          <a:stretch>
+            <a:fillRect/>
+          </a:stretch>
+        </p:blipFill>
+        <p:spPr bwMode="auto">
+          <a:xfrm>
+            <a:off x="971600" y="4077072"/>
+            <a:ext cx="4991100" cy="1714500"/>
+          </a:xfrm>
+          <a:prstGeom prst="rect">
+            <a:avLst/>
+          </a:prstGeom>
+          <a:noFill/>
+          <a:ln w="9525">
+            <a:noFill/>
+            <a:miter lim="800000"/>
+            <a:headEnd/>
+            <a:tailEnd/>
+          </a:ln>
+        </p:spPr>
+      </p:pic>
+      <p:sp>
+        <p:nvSpPr>
+          <p:cNvPr id="5" name="文本框 2"/>
+          <p:cNvSpPr txBox="1"/>
+          <p:nvPr/>
+        </p:nvSpPr>
+        <p:spPr>
+          <a:xfrm>
+            <a:off x="467544" y="1988840"/>
+            <a:ext cx="8526016" cy="400110"/>
+          </a:xfrm>
+          <a:prstGeom prst="rect">
+            <a:avLst/>
+          </a:prstGeom>
+          <a:noFill/>
+        </p:spPr>
+        <p:txBody>
+          <a:bodyPr wrap="square">
+            <a:spAutoFit/>
+          </a:bodyPr>
+          <a:lstStyle/>
+          <a:p>
+            <a:pPr lvl="1">
+              <a:buFont typeface="Arial" panose="020B0604020202020204" pitchFamily="34" charset="0"/>
+              <a:buNone/>
+              <a:defRPr/>
+            </a:pPr>
+            <a:r>
+              <a:rPr lang="en-US" altLang="zh-CN" sz="2000" b="1" dirty="0" err="1" smtClean="0">
+                <a:solidFill>
+                  <a:srgbClr val="474747"/>
+                </a:solidFill>
+                <a:latin typeface="微软雅黑" pitchFamily="34" charset="-122"/>
+                <a:ea typeface="微软雅黑" pitchFamily="34" charset="-122"/>
+              </a:rPr>
+              <a:t>requirejs</a:t>
+            </a:r>
+            <a:r>
+              <a:rPr lang="zh-CN" altLang="en-US" sz="2000" b="1" dirty="0" smtClean="0">
+                <a:solidFill>
+                  <a:srgbClr val="474747"/>
+                </a:solidFill>
+                <a:latin typeface="微软雅黑" pitchFamily="34" charset="-122"/>
+                <a:ea typeface="微软雅黑" pitchFamily="34" charset="-122"/>
+              </a:rPr>
+              <a:t>是通过</a:t>
+            </a:r>
+            <a:r>
+              <a:rPr lang="en-US" altLang="zh-CN" sz="2000" b="1" dirty="0" smtClean="0">
+                <a:solidFill>
+                  <a:srgbClr val="474747"/>
+                </a:solidFill>
+                <a:latin typeface="微软雅黑" pitchFamily="34" charset="-122"/>
+                <a:ea typeface="微软雅黑" pitchFamily="34" charset="-122"/>
+              </a:rPr>
+              <a:t>script</a:t>
+            </a:r>
+            <a:r>
+              <a:rPr lang="zh-CN" altLang="en-US" sz="2000" b="1" dirty="0" smtClean="0">
+                <a:solidFill>
+                  <a:srgbClr val="474747"/>
+                </a:solidFill>
+                <a:latin typeface="微软雅黑" pitchFamily="34" charset="-122"/>
+                <a:ea typeface="微软雅黑" pitchFamily="34" charset="-122"/>
+              </a:rPr>
+              <a:t>标签来加载模块</a:t>
+            </a:r>
+            <a:endParaRPr lang="en-US" altLang="zh-CN" sz="2000" b="1" dirty="0" smtClean="0">
+              <a:solidFill>
+                <a:srgbClr val="474747"/>
+              </a:solidFill>
+              <a:latin typeface="微软雅黑" pitchFamily="34" charset="-122"/>
+              <a:ea typeface="微软雅黑" pitchFamily="34" charset="-122"/>
+            </a:endParaRPr>
+          </a:p>
+        </p:txBody>
+      </p:sp>
+    </p:spTree>
+  </p:cSld>
+  <p:clrMapOvr>
+    <a:masterClrMapping/>
+  </p:clrMapOvr>
+  <p:timing>
+    <p:tnLst>
+      <p:par>
+        <p:cTn id="1" dur="indefinite" restart="never" nodeType="tmRoot">
+          <p:childTnLst>
+            <p:seq concurrent="1" nextAc="seek">
+              <p:cTn id="2" dur="indefinite" nodeType="mainSeq">
+                <p:childTnLst>
+                  <p:par>
+                    <p:cTn id="3" fill="hold">
+                      <p:stCondLst>
+                        <p:cond delay="indefinite"/>
+                      </p:stCondLst>
+                      <p:childTnLst>
+                        <p:par>
+                          <p:cTn id="4" fill="hold">
+                            <p:stCondLst>
+                              <p:cond delay="0"/>
+                            </p:stCondLst>
+                            <p:childTnLst>
+                              <p:par>
+                                <p:cTn id="5" presetID="2" presetClass="entr" presetSubtype="4" fill="hold" grpId="0" nodeType="clickEffect">
+                                  <p:stCondLst>
+                                    <p:cond delay="0"/>
+                                  </p:stCondLst>
+                                  <p:childTnLst>
+                                    <p:set>
+                                      <p:cBhvr>
+                                        <p:cTn id="6" dur="1" fill="hold">
+                                          <p:stCondLst>
+                                            <p:cond delay="0"/>
+                                          </p:stCondLst>
+                                        </p:cTn>
+                                        <p:tgtEl>
+                                          <p:spTgt spid="2">
+                                            <p:txEl>
+                                              <p:pRg st="0" end="0"/>
+                                            </p:txEl>
+                                          </p:spTgt>
+                                        </p:tgtEl>
+                                        <p:attrNameLst>
+                                          <p:attrName>style.visibility</p:attrName>
+                                        </p:attrNameLst>
+                                      </p:cBhvr>
+                                      <p:to>
+                                        <p:strVal val="visible"/>
+                                      </p:to>
+                                    </p:set>
+                                    <p:anim calcmode="lin" valueType="num">
+                                      <p:cBhvr additive="base">
+                                        <p:cTn id="7" dur="300" fill="hold"/>
+                                        <p:tgtEl>
+                                          <p:spTgt spid="2">
+                                            <p:txEl>
+                                              <p:pRg st="0" end="0"/>
+                                            </p:txEl>
+                                          </p:spTgt>
+                                        </p:tgtEl>
+                                        <p:attrNameLst>
+                                          <p:attrName>ppt_x</p:attrName>
+                                        </p:attrNameLst>
+                                      </p:cBhvr>
+                                      <p:tavLst>
+                                        <p:tav tm="0">
+                                          <p:val>
+                                            <p:strVal val="#ppt_x"/>
+                                          </p:val>
+                                        </p:tav>
+                                        <p:tav tm="100000">
+                                          <p:val>
+                                            <p:strVal val="#ppt_x"/>
+                                          </p:val>
+                                        </p:tav>
+                                      </p:tavLst>
+                                    </p:anim>
+                                    <p:anim calcmode="lin" valueType="num">
+                                      <p:cBhvr additive="base">
+                                        <p:cTn id="8" dur="300" fill="hold"/>
+                                        <p:tgtEl>
+                                          <p:spTgt spid="2">
+                                            <p:txEl>
+                                              <p:pRg st="0" end="0"/>
+                                            </p:txEl>
+                                          </p:spTgt>
+                                        </p:tgtEl>
+                                        <p:attrNameLst>
+                                          <p:attrName>ppt_y</p:attrName>
+                                        </p:attrNameLst>
+                                      </p:cBhvr>
+                                      <p:tavLst>
+                                        <p:tav tm="0">
+                                          <p:val>
+                                            <p:strVal val="1+#ppt_h/2"/>
+                                          </p:val>
+                                        </p:tav>
+                                        <p:tav tm="100000">
+                                          <p:val>
+                                            <p:strVal val="#ppt_y"/>
+                                          </p:val>
+                                        </p:tav>
+                                      </p:tavLst>
+                                    </p:anim>
+                                  </p:childTnLst>
+                                </p:cTn>
+                              </p:par>
+                            </p:childTnLst>
+                          </p:cTn>
+                        </p:par>
+                      </p:childTnLst>
+                    </p:cTn>
+                  </p:par>
+                  <p:par>
+                    <p:cTn id="9" fill="hold">
+                      <p:stCondLst>
+                        <p:cond delay="indefinite"/>
+                      </p:stCondLst>
+                      <p:childTnLst>
+                        <p:par>
+                          <p:cTn id="10" fill="hold">
+                            <p:stCondLst>
+                              <p:cond delay="0"/>
+                            </p:stCondLst>
+                            <p:childTnLst>
+                              <p:par>
+                                <p:cTn id="11" presetID="2" presetClass="entr" presetSubtype="4" fill="hold" grpId="0" nodeType="clickEffect">
+                                  <p:stCondLst>
+                                    <p:cond delay="0"/>
+                                  </p:stCondLst>
+                                  <p:childTnLst>
+                                    <p:set>
+                                      <p:cBhvr>
+                                        <p:cTn id="12" dur="1" fill="hold">
+                                          <p:stCondLst>
+                                            <p:cond delay="0"/>
+                                          </p:stCondLst>
+                                        </p:cTn>
+                                        <p:tgtEl>
+                                          <p:spTgt spid="5"/>
+                                        </p:tgtEl>
+                                        <p:attrNameLst>
+                                          <p:attrName>style.visibility</p:attrName>
+                                        </p:attrNameLst>
+                                      </p:cBhvr>
+                                      <p:to>
+                                        <p:strVal val="visible"/>
+                                      </p:to>
+                                    </p:set>
+                                    <p:anim calcmode="lin" valueType="num">
+                                      <p:cBhvr additive="base">
+                                        <p:cTn id="13" dur="300" fill="hold"/>
+                                        <p:tgtEl>
+                                          <p:spTgt spid="5"/>
+                                        </p:tgtEl>
+                                        <p:attrNameLst>
+                                          <p:attrName>ppt_x</p:attrName>
+                                        </p:attrNameLst>
+                                      </p:cBhvr>
+                                      <p:tavLst>
+                                        <p:tav tm="0">
+                                          <p:val>
+                                            <p:strVal val="#ppt_x"/>
+                                          </p:val>
+                                        </p:tav>
+                                        <p:tav tm="100000">
+                                          <p:val>
+                                            <p:strVal val="#ppt_x"/>
+                                          </p:val>
+                                        </p:tav>
+                                      </p:tavLst>
+                                    </p:anim>
+                                    <p:anim calcmode="lin" valueType="num">
+                                      <p:cBhvr additive="base">
+                                        <p:cTn id="14" dur="300" fill="hold"/>
+                                        <p:tgtEl>
+                                          <p:spTgt spid="5"/>
+                                        </p:tgtEl>
+                                        <p:attrNameLst>
+                                          <p:attrName>ppt_y</p:attrName>
+                                        </p:attrNameLst>
+                                      </p:cBhvr>
+                                      <p:tavLst>
+                                        <p:tav tm="0">
+                                          <p:val>
+                                            <p:strVal val="1+#ppt_h/2"/>
+                                          </p:val>
+                                        </p:tav>
+                                        <p:tav tm="100000">
+                                          <p:val>
+                                            <p:strVal val="#ppt_y"/>
+                                          </p:val>
+                                        </p:tav>
+                                      </p:tavLst>
+                                    </p:anim>
+                                  </p:childTnLst>
+                                </p:cTn>
+                              </p:par>
+                            </p:childTnLst>
+                          </p:cTn>
+                        </p:par>
+                      </p:childTnLst>
+                    </p:cTn>
+                  </p:par>
+                  <p:par>
+                    <p:cTn id="15" fill="hold">
+                      <p:stCondLst>
+                        <p:cond delay="indefinite"/>
+                      </p:stCondLst>
+                      <p:childTnLst>
+                        <p:par>
+                          <p:cTn id="16" fill="hold">
+                            <p:stCondLst>
+                              <p:cond delay="0"/>
+                            </p:stCondLst>
+                            <p:childTnLst>
+                              <p:par>
+                                <p:cTn id="17" presetID="2" presetClass="entr" presetSubtype="4" fill="hold" nodeType="clickEffect">
+                                  <p:stCondLst>
+                                    <p:cond delay="0"/>
+                                  </p:stCondLst>
+                                  <p:childTnLst>
+                                    <p:set>
+                                      <p:cBhvr>
+                                        <p:cTn id="18" dur="1" fill="hold">
+                                          <p:stCondLst>
+                                            <p:cond delay="0"/>
+                                          </p:stCondLst>
+                                        </p:cTn>
+                                        <p:tgtEl>
+                                          <p:spTgt spid="2050"/>
+                                        </p:tgtEl>
+                                        <p:attrNameLst>
+                                          <p:attrName>style.visibility</p:attrName>
+                                        </p:attrNameLst>
+                                      </p:cBhvr>
+                                      <p:to>
+                                        <p:strVal val="visible"/>
+                                      </p:to>
+                                    </p:set>
+                                    <p:anim calcmode="lin" valueType="num">
+                                      <p:cBhvr additive="base">
+                                        <p:cTn id="19" dur="300" fill="hold"/>
+                                        <p:tgtEl>
+                                          <p:spTgt spid="2050"/>
+                                        </p:tgtEl>
+                                        <p:attrNameLst>
+                                          <p:attrName>ppt_x</p:attrName>
+                                        </p:attrNameLst>
+                                      </p:cBhvr>
+                                      <p:tavLst>
+                                        <p:tav tm="0">
+                                          <p:val>
+                                            <p:strVal val="#ppt_x"/>
+                                          </p:val>
+                                        </p:tav>
+                                        <p:tav tm="100000">
+                                          <p:val>
+                                            <p:strVal val="#ppt_x"/>
+                                          </p:val>
+                                        </p:tav>
+                                      </p:tavLst>
+                                    </p:anim>
+                                    <p:anim calcmode="lin" valueType="num">
+                                      <p:cBhvr additive="base">
+                                        <p:cTn id="20" dur="300" fill="hold"/>
+                                        <p:tgtEl>
+                                          <p:spTgt spid="2050"/>
+                                        </p:tgtEl>
+                                        <p:attrNameLst>
+                                          <p:attrName>ppt_y</p:attrName>
+                                        </p:attrNameLst>
+                                      </p:cBhvr>
+                                      <p:tavLst>
+                                        <p:tav tm="0">
+                                          <p:val>
+                                            <p:strVal val="1+#ppt_h/2"/>
+                                          </p:val>
+                                        </p:tav>
+                                        <p:tav tm="100000">
+                                          <p:val>
+                                            <p:strVal val="#ppt_y"/>
+                                          </p:val>
+                                        </p:tav>
+                                      </p:tavLst>
+                                    </p:anim>
+                                  </p:childTnLst>
+                                </p:cTn>
+                              </p:par>
+                            </p:childTnLst>
+                          </p:cTn>
+                        </p:par>
+                      </p:childTnLst>
+                    </p:cTn>
+                  </p:par>
+                  <p:par>
+                    <p:cTn id="21" fill="hold">
+                      <p:stCondLst>
+                        <p:cond delay="indefinite"/>
+                      </p:stCondLst>
+                      <p:childTnLst>
+                        <p:par>
+                          <p:cTn id="22" fill="hold">
+                            <p:stCondLst>
+                              <p:cond delay="0"/>
+                            </p:stCondLst>
+                            <p:childTnLst>
+                              <p:par>
+                                <p:cTn id="23" presetID="2" presetClass="entr" presetSubtype="4" fill="hold" nodeType="clickEffect">
+                                  <p:stCondLst>
+                                    <p:cond delay="0"/>
+                                  </p:stCondLst>
+                                  <p:childTnLst>
+                                    <p:set>
+                                      <p:cBhvr>
+                                        <p:cTn id="24" dur="1" fill="hold">
+                                          <p:stCondLst>
+                                            <p:cond delay="0"/>
+                                          </p:stCondLst>
+                                        </p:cTn>
+                                        <p:tgtEl>
+                                          <p:spTgt spid="2051"/>
+                                        </p:tgtEl>
+                                        <p:attrNameLst>
+                                          <p:attrName>style.visibility</p:attrName>
+                                        </p:attrNameLst>
+                                      </p:cBhvr>
+                                      <p:to>
+                                        <p:strVal val="visible"/>
+                                      </p:to>
+                                    </p:set>
+                                    <p:anim calcmode="lin" valueType="num">
+                                      <p:cBhvr additive="base">
+                                        <p:cTn id="25" dur="300" fill="hold"/>
+                                        <p:tgtEl>
+                                          <p:spTgt spid="2051"/>
+                                        </p:tgtEl>
+                                        <p:attrNameLst>
+                                          <p:attrName>ppt_x</p:attrName>
+                                        </p:attrNameLst>
+                                      </p:cBhvr>
+                                      <p:tavLst>
+                                        <p:tav tm="0">
+                                          <p:val>
+                                            <p:strVal val="#ppt_x"/>
+                                          </p:val>
+                                        </p:tav>
+                                        <p:tav tm="100000">
+                                          <p:val>
+                                            <p:strVal val="#ppt_x"/>
+                                          </p:val>
+                                        </p:tav>
+                                      </p:tavLst>
+                                    </p:anim>
+                                    <p:anim calcmode="lin" valueType="num">
+                                      <p:cBhvr additive="base">
+                                        <p:cTn id="26" dur="300" fill="hold"/>
+                                        <p:tgtEl>
+                                          <p:spTgt spid="2051"/>
+                                        </p:tgtEl>
+                                        <p:attrNameLst>
+                                          <p:attrName>ppt_y</p:attrName>
+                                        </p:attrNameLst>
+                                      </p:cBhvr>
+                                      <p:tavLst>
+                                        <p:tav tm="0">
+                                          <p:val>
+                                            <p:strVal val="1+#ppt_h/2"/>
+                                          </p:val>
+                                        </p:tav>
+                                        <p:tav tm="100000">
+                                          <p:val>
+                                            <p:strVal val="#ppt_y"/>
+                                          </p:val>
+                                        </p:tav>
+                                      </p:tavLst>
+                                    </p:anim>
+                                  </p:childTnLst>
+                                </p:cTn>
+                              </p:par>
+                            </p:childTnLst>
+                          </p:cTn>
+                        </p:par>
+                      </p:childTnLst>
+                    </p:cTn>
+                  </p:par>
+                </p:childTnLst>
+              </p:cTn>
+              <p:prevCondLst>
+                <p:cond evt="onPrev" delay="0">
+                  <p:tgtEl>
+                    <p:sldTgt/>
+                  </p:tgtEl>
+                </p:cond>
+              </p:prevCondLst>
+              <p:nextCondLst>
+                <p:cond evt="onNext" delay="0">
+                  <p:tgtEl>
+                    <p:sldTgt/>
+                  </p:tgtEl>
+                </p:cond>
+              </p:nextCondLst>
+            </p:seq>
+          </p:childTnLst>
+        </p:cTn>
+      </p:par>
+    </p:tnLst>
+    <p:bldLst>
+      <p:bldP spid="2" grpId="0" build="p"/>
+      <p:bldP spid="5" grpId="0"/>
     </p:bldLst>
   </p:timing>
 </p:sld>

--- a/requirejs/doc/requirejs.pptx
+++ b/requirejs/doc/requirejs.pptx
@@ -5,7 +5,7 @@
     <p:sldMasterId id="2147483648" r:id="rId1"/>
   </p:sldMasterIdLst>
   <p:notesMasterIdLst>
-    <p:notesMasterId r:id="rId45"/>
+    <p:notesMasterId r:id="rId48"/>
   </p:notesMasterIdLst>
   <p:sldIdLst>
     <p:sldId id="258" r:id="rId2"/>
@@ -51,6 +51,9 @@
     <p:sldId id="298" r:id="rId42"/>
     <p:sldId id="299" r:id="rId43"/>
     <p:sldId id="300" r:id="rId44"/>
+    <p:sldId id="302" r:id="rId45"/>
+    <p:sldId id="303" r:id="rId46"/>
+    <p:sldId id="304" r:id="rId47"/>
   </p:sldIdLst>
   <p:sldSz cx="9144000" cy="6858000" type="screen4x3"/>
   <p:notesSz cx="6858000" cy="9144000"/>
@@ -235,7 +238,7 @@
             <a:fld id="{B2C916C8-812D-4B64-92A8-238699F8A54D}" type="datetimeFigureOut">
               <a:rPr lang="zh-CN" altLang="en-US" smtClean="0"/>
               <a:pPr/>
-              <a:t>2016/5/23</a:t>
+              <a:t>2016/5/26</a:t>
             </a:fld>
             <a:endParaRPr lang="zh-CN" altLang="en-US"/>
           </a:p>
@@ -765,7 +768,7 @@
             <a:fld id="{530820CF-B880-4189-942D-D702A7CBA730}" type="datetimeFigureOut">
               <a:rPr lang="zh-CN" altLang="en-US" smtClean="0"/>
               <a:pPr/>
-              <a:t>2016/5/23</a:t>
+              <a:t>2016/5/26</a:t>
             </a:fld>
             <a:endParaRPr lang="zh-CN" altLang="en-US"/>
           </a:p>
@@ -932,7 +935,7 @@
             <a:fld id="{530820CF-B880-4189-942D-D702A7CBA730}" type="datetimeFigureOut">
               <a:rPr lang="zh-CN" altLang="en-US" smtClean="0"/>
               <a:pPr/>
-              <a:t>2016/5/23</a:t>
+              <a:t>2016/5/26</a:t>
             </a:fld>
             <a:endParaRPr lang="zh-CN" altLang="en-US"/>
           </a:p>
@@ -1109,7 +1112,7 @@
             <a:fld id="{530820CF-B880-4189-942D-D702A7CBA730}" type="datetimeFigureOut">
               <a:rPr lang="zh-CN" altLang="en-US" smtClean="0"/>
               <a:pPr/>
-              <a:t>2016/5/23</a:t>
+              <a:t>2016/5/26</a:t>
             </a:fld>
             <a:endParaRPr lang="zh-CN" altLang="en-US"/>
           </a:p>
@@ -1276,7 +1279,7 @@
             <a:fld id="{530820CF-B880-4189-942D-D702A7CBA730}" type="datetimeFigureOut">
               <a:rPr lang="zh-CN" altLang="en-US" smtClean="0"/>
               <a:pPr/>
-              <a:t>2016/5/23</a:t>
+              <a:t>2016/5/26</a:t>
             </a:fld>
             <a:endParaRPr lang="zh-CN" altLang="en-US"/>
           </a:p>
@@ -1519,7 +1522,7 @@
             <a:fld id="{530820CF-B880-4189-942D-D702A7CBA730}" type="datetimeFigureOut">
               <a:rPr lang="zh-CN" altLang="en-US" smtClean="0"/>
               <a:pPr/>
-              <a:t>2016/5/23</a:t>
+              <a:t>2016/5/26</a:t>
             </a:fld>
             <a:endParaRPr lang="zh-CN" altLang="en-US"/>
           </a:p>
@@ -1804,7 +1807,7 @@
             <a:fld id="{530820CF-B880-4189-942D-D702A7CBA730}" type="datetimeFigureOut">
               <a:rPr lang="zh-CN" altLang="en-US" smtClean="0"/>
               <a:pPr/>
-              <a:t>2016/5/23</a:t>
+              <a:t>2016/5/26</a:t>
             </a:fld>
             <a:endParaRPr lang="zh-CN" altLang="en-US"/>
           </a:p>
@@ -2223,7 +2226,7 @@
             <a:fld id="{530820CF-B880-4189-942D-D702A7CBA730}" type="datetimeFigureOut">
               <a:rPr lang="zh-CN" altLang="en-US" smtClean="0"/>
               <a:pPr/>
-              <a:t>2016/5/23</a:t>
+              <a:t>2016/5/26</a:t>
             </a:fld>
             <a:endParaRPr lang="zh-CN" altLang="en-US"/>
           </a:p>
@@ -2338,7 +2341,7 @@
             <a:fld id="{530820CF-B880-4189-942D-D702A7CBA730}" type="datetimeFigureOut">
               <a:rPr lang="zh-CN" altLang="en-US" smtClean="0"/>
               <a:pPr/>
-              <a:t>2016/5/23</a:t>
+              <a:t>2016/5/26</a:t>
             </a:fld>
             <a:endParaRPr lang="zh-CN" altLang="en-US"/>
           </a:p>
@@ -2430,7 +2433,7 @@
             <a:fld id="{530820CF-B880-4189-942D-D702A7CBA730}" type="datetimeFigureOut">
               <a:rPr lang="zh-CN" altLang="en-US" smtClean="0"/>
               <a:pPr/>
-              <a:t>2016/5/23</a:t>
+              <a:t>2016/5/26</a:t>
             </a:fld>
             <a:endParaRPr lang="zh-CN" altLang="en-US"/>
           </a:p>
@@ -2704,7 +2707,7 @@
             <a:fld id="{530820CF-B880-4189-942D-D702A7CBA730}" type="datetimeFigureOut">
               <a:rPr lang="zh-CN" altLang="en-US" smtClean="0"/>
               <a:pPr/>
-              <a:t>2016/5/23</a:t>
+              <a:t>2016/5/26</a:t>
             </a:fld>
             <a:endParaRPr lang="zh-CN" altLang="en-US"/>
           </a:p>
@@ -2954,7 +2957,7 @@
             <a:fld id="{530820CF-B880-4189-942D-D702A7CBA730}" type="datetimeFigureOut">
               <a:rPr lang="zh-CN" altLang="en-US" smtClean="0"/>
               <a:pPr/>
-              <a:t>2016/5/23</a:t>
+              <a:t>2016/5/26</a:t>
             </a:fld>
             <a:endParaRPr lang="zh-CN" altLang="en-US"/>
           </a:p>
@@ -3164,7 +3167,7 @@
             <a:fld id="{530820CF-B880-4189-942D-D702A7CBA730}" type="datetimeFigureOut">
               <a:rPr lang="zh-CN" altLang="en-US" smtClean="0"/>
               <a:pPr/>
-              <a:t>2016/5/23</a:t>
+              <a:t>2016/5/26</a:t>
             </a:fld>
             <a:endParaRPr lang="zh-CN" altLang="en-US"/>
           </a:p>
@@ -23542,17 +23545,7 @@
                 <a:latin typeface="微软雅黑" pitchFamily="34" charset="-122"/>
                 <a:ea typeface="微软雅黑" pitchFamily="34" charset="-122"/>
               </a:rPr>
-              <a:t>同源策略</a:t>
-            </a:r>
-            <a:r>
-              <a:rPr lang="zh-CN" altLang="en-US" sz="2000" b="1" dirty="0" smtClean="0">
-                <a:solidFill>
-                  <a:srgbClr val="474747"/>
-                </a:solidFill>
-                <a:latin typeface="微软雅黑" pitchFamily="34" charset="-122"/>
-                <a:ea typeface="微软雅黑" pitchFamily="34" charset="-122"/>
-              </a:rPr>
-              <a:t>：</a:t>
+              <a:t>同源策略：</a:t>
             </a:r>
             <a:r>
               <a:rPr lang="en-US" altLang="zh-CN" sz="2000" b="1" dirty="0" err="1" smtClean="0">
@@ -25865,6 +25858,2072 @@
     <p:bldLst>
       <p:bldP spid="2" grpId="0" build="p"/>
       <p:bldP spid="5" grpId="0"/>
+    </p:bldLst>
+  </p:timing>
+</p:sld>
+</file>
+
+<file path=ppt/slides/slide44.xml><?xml version="1.0" encoding="utf-8"?>
+<p:sld xmlns:a="http://schemas.openxmlformats.org/drawingml/2006/main" xmlns:r="http://schemas.openxmlformats.org/officeDocument/2006/relationships" xmlns:p="http://schemas.openxmlformats.org/presentationml/2006/main">
+  <p:cSld>
+    <p:spTree>
+      <p:nvGrpSpPr>
+        <p:cNvPr id="1" name=""/>
+        <p:cNvGrpSpPr/>
+        <p:nvPr/>
+      </p:nvGrpSpPr>
+      <p:grpSpPr>
+        <a:xfrm>
+          <a:off x="0" y="0"/>
+          <a:ext cx="0" cy="0"/>
+          <a:chOff x="0" y="0"/>
+          <a:chExt cx="0" cy="0"/>
+        </a:xfrm>
+      </p:grpSpPr>
+      <p:sp>
+        <p:nvSpPr>
+          <p:cNvPr id="2" name="标题 1"/>
+          <p:cNvSpPr>
+            <a:spLocks noGrp="1"/>
+          </p:cNvSpPr>
+          <p:nvPr>
+            <p:ph type="title"/>
+          </p:nvPr>
+        </p:nvSpPr>
+        <p:spPr>
+          <a:xfrm>
+            <a:off x="467544" y="1268760"/>
+            <a:ext cx="8229600" cy="1143000"/>
+          </a:xfrm>
+        </p:spPr>
+        <p:txBody>
+          <a:bodyPr>
+            <a:normAutofit/>
+          </a:bodyPr>
+          <a:lstStyle/>
+          <a:p>
+            <a:r>
+              <a:rPr lang="en-US" altLang="zh-CN" sz="3000" b="1" dirty="0" err="1" smtClean="0">
+                <a:solidFill>
+                  <a:srgbClr val="C9394A"/>
+                </a:solidFill>
+                <a:latin typeface="微软雅黑" pitchFamily="34" charset="-122"/>
+                <a:ea typeface="微软雅黑" pitchFamily="34" charset="-122"/>
+              </a:rPr>
+              <a:t>Requirejs</a:t>
+            </a:r>
+            <a:r>
+              <a:rPr lang="zh-CN" altLang="en-US" sz="3000" b="1" dirty="0" smtClean="0">
+                <a:solidFill>
+                  <a:srgbClr val="C9394A"/>
+                </a:solidFill>
+                <a:latin typeface="微软雅黑" pitchFamily="34" charset="-122"/>
+                <a:ea typeface="微软雅黑" pitchFamily="34" charset="-122"/>
+              </a:rPr>
+              <a:t>和自动打包</a:t>
+            </a:r>
+            <a:endParaRPr lang="zh-CN" altLang="en-US" sz="3000" b="1" dirty="0">
+              <a:solidFill>
+                <a:srgbClr val="C9394A"/>
+              </a:solidFill>
+              <a:latin typeface="微软雅黑" pitchFamily="34" charset="-122"/>
+              <a:ea typeface="微软雅黑" pitchFamily="34" charset="-122"/>
+            </a:endParaRPr>
+          </a:p>
+        </p:txBody>
+      </p:sp>
+      <p:sp>
+        <p:nvSpPr>
+          <p:cNvPr id="3" name="内容占位符 2"/>
+          <p:cNvSpPr>
+            <a:spLocks noGrp="1"/>
+          </p:cNvSpPr>
+          <p:nvPr>
+            <p:ph idx="1"/>
+          </p:nvPr>
+        </p:nvSpPr>
+        <p:spPr>
+          <a:xfrm>
+            <a:off x="467544" y="2852937"/>
+            <a:ext cx="8229600" cy="648071"/>
+          </a:xfrm>
+        </p:spPr>
+        <p:txBody>
+          <a:bodyPr>
+            <a:normAutofit/>
+          </a:bodyPr>
+          <a:lstStyle/>
+          <a:p>
+            <a:pPr algn="ctr">
+              <a:buNone/>
+            </a:pPr>
+            <a:r>
+              <a:rPr lang="zh-CN" altLang="en-US" sz="2200" b="1" dirty="0" smtClean="0">
+                <a:solidFill>
+                  <a:srgbClr val="474747"/>
+                </a:solidFill>
+                <a:latin typeface="微软雅黑" pitchFamily="34" charset="-122"/>
+                <a:ea typeface="微软雅黑" pitchFamily="34" charset="-122"/>
+              </a:rPr>
+              <a:t>使</a:t>
+            </a:r>
+            <a:r>
+              <a:rPr lang="zh-CN" altLang="en-US" sz="2200" b="1" dirty="0" smtClean="0">
+                <a:solidFill>
+                  <a:srgbClr val="474747"/>
+                </a:solidFill>
+                <a:latin typeface="微软雅黑" pitchFamily="34" charset="-122"/>
+                <a:ea typeface="微软雅黑" pitchFamily="34" charset="-122"/>
+              </a:rPr>
+              <a:t>用</a:t>
+            </a:r>
+            <a:r>
+              <a:rPr lang="en-US" altLang="zh-CN" sz="2200" b="1" dirty="0" smtClean="0">
+                <a:solidFill>
+                  <a:srgbClr val="474747"/>
+                </a:solidFill>
+                <a:latin typeface="微软雅黑" pitchFamily="34" charset="-122"/>
+                <a:ea typeface="微软雅黑" pitchFamily="34" charset="-122"/>
+              </a:rPr>
+              <a:t>text</a:t>
+            </a:r>
+            <a:r>
+              <a:rPr lang="zh-CN" altLang="en-US" sz="2200" b="1" dirty="0" smtClean="0">
+                <a:solidFill>
+                  <a:srgbClr val="474747"/>
+                </a:solidFill>
+                <a:latin typeface="微软雅黑" pitchFamily="34" charset="-122"/>
+                <a:ea typeface="微软雅黑" pitchFamily="34" charset="-122"/>
+              </a:rPr>
+              <a:t>插件加载</a:t>
+            </a:r>
+            <a:r>
+              <a:rPr lang="en-US" altLang="zh-CN" sz="2200" b="1" dirty="0" smtClean="0">
+                <a:solidFill>
+                  <a:srgbClr val="474747"/>
+                </a:solidFill>
+                <a:latin typeface="微软雅黑" pitchFamily="34" charset="-122"/>
+                <a:ea typeface="微软雅黑" pitchFamily="34" charset="-122"/>
+              </a:rPr>
+              <a:t>html</a:t>
+            </a:r>
+          </a:p>
+          <a:p>
+            <a:pPr algn="ctr">
+              <a:buNone/>
+            </a:pPr>
+            <a:endParaRPr lang="en-US" altLang="zh-CN" sz="2200" b="1" dirty="0" smtClean="0">
+              <a:solidFill>
+                <a:srgbClr val="474747"/>
+              </a:solidFill>
+              <a:latin typeface="微软雅黑" pitchFamily="34" charset="-122"/>
+              <a:ea typeface="微软雅黑" pitchFamily="34" charset="-122"/>
+            </a:endParaRPr>
+          </a:p>
+          <a:p>
+            <a:pPr algn="ctr">
+              <a:buNone/>
+            </a:pPr>
+            <a:endParaRPr lang="en-US" altLang="zh-CN" sz="2200" b="1" dirty="0" smtClean="0">
+              <a:solidFill>
+                <a:srgbClr val="474747"/>
+              </a:solidFill>
+              <a:latin typeface="微软雅黑" pitchFamily="34" charset="-122"/>
+              <a:ea typeface="微软雅黑" pitchFamily="34" charset="-122"/>
+            </a:endParaRPr>
+          </a:p>
+        </p:txBody>
+      </p:sp>
+      <p:sp>
+        <p:nvSpPr>
+          <p:cNvPr id="4" name="TextBox 3"/>
+          <p:cNvSpPr txBox="1"/>
+          <p:nvPr/>
+        </p:nvSpPr>
+        <p:spPr>
+          <a:xfrm>
+            <a:off x="2123728" y="4077072"/>
+            <a:ext cx="4968552" cy="646331"/>
+          </a:xfrm>
+          <a:prstGeom prst="rect">
+            <a:avLst/>
+          </a:prstGeom>
+          <a:noFill/>
+        </p:spPr>
+        <p:txBody>
+          <a:bodyPr wrap="square" rtlCol="0">
+            <a:spAutoFit/>
+          </a:bodyPr>
+          <a:lstStyle/>
+          <a:p>
+            <a:pPr algn="ctr"/>
+            <a:r>
+              <a:rPr lang="en-US" altLang="zh-CN" b="1" dirty="0" smtClean="0">
+                <a:solidFill>
+                  <a:srgbClr val="474747"/>
+                </a:solidFill>
+                <a:latin typeface="微软雅黑" pitchFamily="34" charset="-122"/>
+                <a:ea typeface="微软雅黑" pitchFamily="34" charset="-122"/>
+                <a:hlinkClick r:id="rId2"/>
+              </a:rPr>
+              <a:t>https://github.com/requirejs/text</a:t>
+            </a:r>
+            <a:endParaRPr lang="zh-CN" altLang="en-US" b="1" dirty="0" smtClean="0">
+              <a:solidFill>
+                <a:srgbClr val="474747"/>
+              </a:solidFill>
+              <a:latin typeface="微软雅黑" pitchFamily="34" charset="-122"/>
+              <a:ea typeface="微软雅黑" pitchFamily="34" charset="-122"/>
+            </a:endParaRPr>
+          </a:p>
+          <a:p>
+            <a:pPr algn="ctr"/>
+            <a:endParaRPr lang="zh-CN" altLang="en-US" dirty="0"/>
+          </a:p>
+        </p:txBody>
+      </p:sp>
+    </p:spTree>
+  </p:cSld>
+  <p:clrMapOvr>
+    <a:masterClrMapping/>
+  </p:clrMapOvr>
+  <p:timing>
+    <p:tnLst>
+      <p:par>
+        <p:cTn id="1" dur="indefinite" restart="never" nodeType="tmRoot">
+          <p:childTnLst>
+            <p:seq concurrent="1" nextAc="seek">
+              <p:cTn id="2" dur="indefinite" nodeType="mainSeq">
+                <p:childTnLst>
+                  <p:par>
+                    <p:cTn id="3" fill="hold">
+                      <p:stCondLst>
+                        <p:cond delay="indefinite"/>
+                      </p:stCondLst>
+                      <p:childTnLst>
+                        <p:par>
+                          <p:cTn id="4" fill="hold">
+                            <p:stCondLst>
+                              <p:cond delay="0"/>
+                            </p:stCondLst>
+                            <p:childTnLst>
+                              <p:par>
+                                <p:cTn id="5" presetID="2" presetClass="entr" presetSubtype="4" fill="hold" grpId="0" nodeType="clickEffect">
+                                  <p:stCondLst>
+                                    <p:cond delay="0"/>
+                                  </p:stCondLst>
+                                  <p:childTnLst>
+                                    <p:set>
+                                      <p:cBhvr>
+                                        <p:cTn id="6" dur="1" fill="hold">
+                                          <p:stCondLst>
+                                            <p:cond delay="0"/>
+                                          </p:stCondLst>
+                                        </p:cTn>
+                                        <p:tgtEl>
+                                          <p:spTgt spid="4"/>
+                                        </p:tgtEl>
+                                        <p:attrNameLst>
+                                          <p:attrName>style.visibility</p:attrName>
+                                        </p:attrNameLst>
+                                      </p:cBhvr>
+                                      <p:to>
+                                        <p:strVal val="visible"/>
+                                      </p:to>
+                                    </p:set>
+                                    <p:anim calcmode="lin" valueType="num">
+                                      <p:cBhvr additive="base">
+                                        <p:cTn id="7" dur="300" fill="hold"/>
+                                        <p:tgtEl>
+                                          <p:spTgt spid="4"/>
+                                        </p:tgtEl>
+                                        <p:attrNameLst>
+                                          <p:attrName>ppt_x</p:attrName>
+                                        </p:attrNameLst>
+                                      </p:cBhvr>
+                                      <p:tavLst>
+                                        <p:tav tm="0">
+                                          <p:val>
+                                            <p:strVal val="#ppt_x"/>
+                                          </p:val>
+                                        </p:tav>
+                                        <p:tav tm="100000">
+                                          <p:val>
+                                            <p:strVal val="#ppt_x"/>
+                                          </p:val>
+                                        </p:tav>
+                                      </p:tavLst>
+                                    </p:anim>
+                                    <p:anim calcmode="lin" valueType="num">
+                                      <p:cBhvr additive="base">
+                                        <p:cTn id="8" dur="300" fill="hold"/>
+                                        <p:tgtEl>
+                                          <p:spTgt spid="4"/>
+                                        </p:tgtEl>
+                                        <p:attrNameLst>
+                                          <p:attrName>ppt_y</p:attrName>
+                                        </p:attrNameLst>
+                                      </p:cBhvr>
+                                      <p:tavLst>
+                                        <p:tav tm="0">
+                                          <p:val>
+                                            <p:strVal val="1+#ppt_h/2"/>
+                                          </p:val>
+                                        </p:tav>
+                                        <p:tav tm="100000">
+                                          <p:val>
+                                            <p:strVal val="#ppt_y"/>
+                                          </p:val>
+                                        </p:tav>
+                                      </p:tavLst>
+                                    </p:anim>
+                                  </p:childTnLst>
+                                </p:cTn>
+                              </p:par>
+                            </p:childTnLst>
+                          </p:cTn>
+                        </p:par>
+                      </p:childTnLst>
+                    </p:cTn>
+                  </p:par>
+                </p:childTnLst>
+              </p:cTn>
+              <p:prevCondLst>
+                <p:cond evt="onPrev" delay="0">
+                  <p:tgtEl>
+                    <p:sldTgt/>
+                  </p:tgtEl>
+                </p:cond>
+              </p:prevCondLst>
+              <p:nextCondLst>
+                <p:cond evt="onNext" delay="0">
+                  <p:tgtEl>
+                    <p:sldTgt/>
+                  </p:tgtEl>
+                </p:cond>
+              </p:nextCondLst>
+            </p:seq>
+          </p:childTnLst>
+        </p:cTn>
+      </p:par>
+    </p:tnLst>
+    <p:bldLst>
+      <p:bldP spid="4" grpId="0"/>
+    </p:bldLst>
+  </p:timing>
+</p:sld>
+</file>
+
+<file path=ppt/slides/slide45.xml><?xml version="1.0" encoding="utf-8"?>
+<p:sld xmlns:a="http://schemas.openxmlformats.org/drawingml/2006/main" xmlns:r="http://schemas.openxmlformats.org/officeDocument/2006/relationships" xmlns:p="http://schemas.openxmlformats.org/presentationml/2006/main">
+  <p:cSld>
+    <p:spTree>
+      <p:nvGrpSpPr>
+        <p:cNvPr id="1" name=""/>
+        <p:cNvGrpSpPr/>
+        <p:nvPr/>
+      </p:nvGrpSpPr>
+      <p:grpSpPr>
+        <a:xfrm>
+          <a:off x="0" y="0"/>
+          <a:ext cx="0" cy="0"/>
+          <a:chOff x="0" y="0"/>
+          <a:chExt cx="0" cy="0"/>
+        </a:xfrm>
+      </p:grpSpPr>
+      <p:sp>
+        <p:nvSpPr>
+          <p:cNvPr id="2" name="内容占位符 2"/>
+          <p:cNvSpPr txBox="1">
+            <a:spLocks/>
+          </p:cNvSpPr>
+          <p:nvPr/>
+        </p:nvSpPr>
+        <p:spPr>
+          <a:xfrm>
+            <a:off x="457200" y="1200150"/>
+            <a:ext cx="8229600" cy="508000"/>
+          </a:xfrm>
+          <a:prstGeom prst="rect">
+            <a:avLst/>
+          </a:prstGeom>
+        </p:spPr>
+        <p:txBody>
+          <a:bodyPr/>
+          <a:lstStyle/>
+          <a:p>
+            <a:pPr marL="0" marR="0" lvl="0" indent="0" algn="l" defTabSz="914400" rtl="0" eaLnBrk="1" fontAlgn="auto" latinLnBrk="0" hangingPunct="1">
+              <a:lnSpc>
+                <a:spcPct val="100000"/>
+              </a:lnSpc>
+              <a:spcBef>
+                <a:spcPct val="20000"/>
+              </a:spcBef>
+              <a:spcAft>
+                <a:spcPts val="0"/>
+              </a:spcAft>
+              <a:buClrTx/>
+              <a:buSzTx/>
+              <a:buFont typeface="Arial" panose="020B0604020202020204" pitchFamily="34" charset="0"/>
+              <a:buNone/>
+              <a:tabLst/>
+              <a:defRPr/>
+            </a:pPr>
+            <a:r>
+              <a:rPr kumimoji="0" lang="zh-CN" altLang="en-US" sz="3200" b="1" i="0" u="none" strike="noStrike" kern="1200" cap="none" spc="0" normalizeH="0" baseline="0" noProof="0" dirty="0" smtClean="0">
+                <a:ln>
+                  <a:noFill/>
+                </a:ln>
+                <a:solidFill>
+                  <a:srgbClr val="212121"/>
+                </a:solidFill>
+                <a:effectLst/>
+                <a:uLnTx/>
+                <a:uFillTx/>
+                <a:latin typeface="微软雅黑" pitchFamily="34" charset="-122"/>
+                <a:ea typeface="微软雅黑" pitchFamily="34" charset="-122"/>
+              </a:rPr>
+              <a:t>插件</a:t>
+            </a:r>
+            <a:r>
+              <a:rPr kumimoji="0" lang="en-US" altLang="zh-CN" sz="3200" b="1" i="0" u="none" strike="noStrike" kern="1200" cap="none" spc="0" normalizeH="0" baseline="0" noProof="0" dirty="0" err="1" smtClean="0">
+                <a:ln>
+                  <a:noFill/>
+                </a:ln>
+                <a:solidFill>
+                  <a:srgbClr val="212121"/>
+                </a:solidFill>
+                <a:effectLst/>
+                <a:uLnTx/>
+                <a:uFillTx/>
+                <a:latin typeface="微软雅黑" pitchFamily="34" charset="-122"/>
+                <a:ea typeface="微软雅黑" pitchFamily="34" charset="-122"/>
+              </a:rPr>
+              <a:t>text.js</a:t>
+            </a:r>
+            <a:endParaRPr kumimoji="0" lang="en-US" altLang="zh-CN" sz="3200" b="1" i="0" u="none" strike="noStrike" kern="1200" cap="none" spc="0" normalizeH="0" baseline="0" noProof="0" dirty="0" smtClean="0">
+              <a:ln>
+                <a:noFill/>
+              </a:ln>
+              <a:solidFill>
+                <a:srgbClr val="212121"/>
+              </a:solidFill>
+              <a:effectLst/>
+              <a:uLnTx/>
+              <a:uFillTx/>
+              <a:latin typeface="微软雅黑" pitchFamily="34" charset="-122"/>
+              <a:ea typeface="微软雅黑" pitchFamily="34" charset="-122"/>
+            </a:endParaRPr>
+          </a:p>
+        </p:txBody>
+      </p:sp>
+      <p:sp>
+        <p:nvSpPr>
+          <p:cNvPr id="3" name="文本框 2"/>
+          <p:cNvSpPr txBox="1"/>
+          <p:nvPr/>
+        </p:nvSpPr>
+        <p:spPr>
+          <a:xfrm>
+            <a:off x="611560" y="2276872"/>
+            <a:ext cx="8229600" cy="400110"/>
+          </a:xfrm>
+          <a:prstGeom prst="rect">
+            <a:avLst/>
+          </a:prstGeom>
+          <a:noFill/>
+        </p:spPr>
+        <p:txBody>
+          <a:bodyPr>
+            <a:spAutoFit/>
+          </a:bodyPr>
+          <a:lstStyle/>
+          <a:p>
+            <a:pPr lvl="1">
+              <a:buFont typeface="Arial" panose="020B0604020202020204" pitchFamily="34" charset="0"/>
+              <a:buNone/>
+              <a:defRPr/>
+            </a:pPr>
+            <a:r>
+              <a:rPr lang="zh-CN" altLang="en-US" sz="2000" b="1" dirty="0" smtClean="0">
+                <a:solidFill>
+                  <a:srgbClr val="474747"/>
+                </a:solidFill>
+                <a:latin typeface="微软雅黑" pitchFamily="34" charset="-122"/>
+                <a:ea typeface="微软雅黑" pitchFamily="34" charset="-122"/>
+              </a:rPr>
+              <a:t>用</a:t>
+            </a:r>
+            <a:r>
+              <a:rPr lang="zh-CN" altLang="en-US" sz="2000" b="1" dirty="0" smtClean="0">
+                <a:solidFill>
+                  <a:srgbClr val="474747"/>
+                </a:solidFill>
+                <a:latin typeface="微软雅黑" pitchFamily="34" charset="-122"/>
+                <a:ea typeface="微软雅黑" pitchFamily="34" charset="-122"/>
+              </a:rPr>
+              <a:t>于加载文本文件的</a:t>
+            </a:r>
+            <a:r>
+              <a:rPr lang="en-US" altLang="zh-CN" sz="2000" b="1" dirty="0" err="1" smtClean="0">
+                <a:solidFill>
+                  <a:srgbClr val="474747"/>
+                </a:solidFill>
+                <a:latin typeface="微软雅黑" pitchFamily="34" charset="-122"/>
+                <a:ea typeface="微软雅黑" pitchFamily="34" charset="-122"/>
+              </a:rPr>
+              <a:t>requirejs</a:t>
+            </a:r>
+            <a:r>
+              <a:rPr lang="zh-CN" altLang="en-US" sz="2000" b="1" dirty="0" smtClean="0">
+                <a:solidFill>
+                  <a:srgbClr val="474747"/>
+                </a:solidFill>
+                <a:latin typeface="微软雅黑" pitchFamily="34" charset="-122"/>
+                <a:ea typeface="微软雅黑" pitchFamily="34" charset="-122"/>
+              </a:rPr>
+              <a:t>插件</a:t>
+            </a:r>
+            <a:endParaRPr lang="en-US" altLang="zh-CN" sz="2000" b="1" dirty="0" smtClean="0">
+              <a:solidFill>
+                <a:srgbClr val="474747"/>
+              </a:solidFill>
+              <a:latin typeface="微软雅黑" pitchFamily="34" charset="-122"/>
+              <a:ea typeface="微软雅黑" pitchFamily="34" charset="-122"/>
+            </a:endParaRPr>
+          </a:p>
+        </p:txBody>
+      </p:sp>
+      <p:pic>
+        <p:nvPicPr>
+          <p:cNvPr id="1026" name="Picture 2"/>
+          <p:cNvPicPr>
+            <a:picLocks noChangeAspect="1" noChangeArrowheads="1"/>
+          </p:cNvPicPr>
+          <p:nvPr/>
+        </p:nvPicPr>
+        <p:blipFill>
+          <a:blip r:embed="rId2" cstate="print"/>
+          <a:srcRect/>
+          <a:stretch>
+            <a:fillRect/>
+          </a:stretch>
+        </p:blipFill>
+        <p:spPr bwMode="auto">
+          <a:xfrm>
+            <a:off x="1171575" y="4162400"/>
+            <a:ext cx="6800850" cy="1066800"/>
+          </a:xfrm>
+          <a:prstGeom prst="rect">
+            <a:avLst/>
+          </a:prstGeom>
+          <a:noFill/>
+          <a:ln w="9525">
+            <a:noFill/>
+            <a:miter lim="800000"/>
+            <a:headEnd/>
+            <a:tailEnd/>
+          </a:ln>
+        </p:spPr>
+      </p:pic>
+      <p:sp>
+        <p:nvSpPr>
+          <p:cNvPr id="5" name="圆角矩形 4"/>
+          <p:cNvSpPr/>
+          <p:nvPr/>
+        </p:nvSpPr>
+        <p:spPr>
+          <a:xfrm>
+            <a:off x="6228184" y="2780928"/>
+            <a:ext cx="2232248" cy="864096"/>
+          </a:xfrm>
+          <a:prstGeom prst="roundRect">
+            <a:avLst/>
+          </a:prstGeom>
+          <a:solidFill>
+            <a:srgbClr val="C9394A"/>
+          </a:solidFill>
+          <a:ln/>
+        </p:spPr>
+        <p:style>
+          <a:lnRef idx="3">
+            <a:schemeClr val="lt1"/>
+          </a:lnRef>
+          <a:fillRef idx="1">
+            <a:schemeClr val="accent4"/>
+          </a:fillRef>
+          <a:effectRef idx="1">
+            <a:schemeClr val="accent4"/>
+          </a:effectRef>
+          <a:fontRef idx="minor">
+            <a:schemeClr val="lt1"/>
+          </a:fontRef>
+        </p:style>
+        <p:txBody>
+          <a:bodyPr anchor="ctr"/>
+          <a:lstStyle/>
+          <a:p>
+            <a:pPr algn="ctr">
+              <a:buFont typeface="Arial" charset="0"/>
+              <a:buNone/>
+              <a:defRPr/>
+            </a:pPr>
+            <a:r>
+              <a:rPr lang="zh-CN" altLang="en-US" sz="1500" b="1" dirty="0" smtClean="0">
+                <a:solidFill>
+                  <a:schemeClr val="bg1"/>
+                </a:solidFill>
+                <a:latin typeface="微软雅黑" pitchFamily="34" charset="-122"/>
+                <a:ea typeface="微软雅黑" pitchFamily="34" charset="-122"/>
+              </a:rPr>
+              <a:t>前缀 </a:t>
+            </a:r>
+            <a:r>
+              <a:rPr lang="en-US" altLang="zh-CN" sz="1500" b="1" dirty="0" smtClean="0">
+                <a:solidFill>
+                  <a:schemeClr val="bg1"/>
+                </a:solidFill>
+                <a:latin typeface="微软雅黑" pitchFamily="34" charset="-122"/>
+                <a:ea typeface="微软雅黑" pitchFamily="34" charset="-122"/>
+              </a:rPr>
+              <a:t>text!</a:t>
+            </a:r>
+            <a:endParaRPr lang="en-US" altLang="zh-CN" sz="1500" b="1" dirty="0" smtClean="0">
+              <a:solidFill>
+                <a:schemeClr val="bg1"/>
+              </a:solidFill>
+              <a:latin typeface="微软雅黑" pitchFamily="34" charset="-122"/>
+              <a:ea typeface="微软雅黑" pitchFamily="34" charset="-122"/>
+            </a:endParaRPr>
+          </a:p>
+        </p:txBody>
+      </p:sp>
+      <p:cxnSp>
+        <p:nvCxnSpPr>
+          <p:cNvPr id="6" name="直接箭头连接符 5"/>
+          <p:cNvCxnSpPr>
+            <a:endCxn id="5" idx="1"/>
+          </p:cNvCxnSpPr>
+          <p:nvPr/>
+        </p:nvCxnSpPr>
+        <p:spPr>
+          <a:xfrm flipV="1">
+            <a:off x="3275856" y="3212976"/>
+            <a:ext cx="2952328" cy="1080120"/>
+          </a:xfrm>
+          <a:prstGeom prst="straightConnector1">
+            <a:avLst/>
+          </a:prstGeom>
+          <a:ln w="38100">
+            <a:solidFill>
+              <a:srgbClr val="C9394A"/>
+            </a:solidFill>
+            <a:tailEnd type="arrow"/>
+          </a:ln>
+        </p:spPr>
+        <p:style>
+          <a:lnRef idx="1">
+            <a:schemeClr val="accent1"/>
+          </a:lnRef>
+          <a:fillRef idx="0">
+            <a:schemeClr val="accent1"/>
+          </a:fillRef>
+          <a:effectRef idx="0">
+            <a:schemeClr val="accent1"/>
+          </a:effectRef>
+          <a:fontRef idx="minor">
+            <a:schemeClr val="tx1"/>
+          </a:fontRef>
+        </p:style>
+      </p:cxnSp>
+      <p:sp>
+        <p:nvSpPr>
+          <p:cNvPr id="9" name="文本框 2"/>
+          <p:cNvSpPr txBox="1"/>
+          <p:nvPr/>
+        </p:nvSpPr>
+        <p:spPr>
+          <a:xfrm>
+            <a:off x="611560" y="3172906"/>
+            <a:ext cx="8229600" cy="400110"/>
+          </a:xfrm>
+          <a:prstGeom prst="rect">
+            <a:avLst/>
+          </a:prstGeom>
+          <a:noFill/>
+        </p:spPr>
+        <p:txBody>
+          <a:bodyPr>
+            <a:spAutoFit/>
+          </a:bodyPr>
+          <a:lstStyle/>
+          <a:p>
+            <a:pPr lvl="1">
+              <a:buFont typeface="Arial" panose="020B0604020202020204" pitchFamily="34" charset="0"/>
+              <a:buNone/>
+              <a:defRPr/>
+            </a:pPr>
+            <a:r>
+              <a:rPr lang="zh-CN" altLang="en-US" sz="2000" b="1" dirty="0" smtClean="0">
+                <a:solidFill>
+                  <a:srgbClr val="474747"/>
+                </a:solidFill>
+                <a:latin typeface="微软雅黑" pitchFamily="34" charset="-122"/>
+                <a:ea typeface="微软雅黑" pitchFamily="34" charset="-122"/>
+              </a:rPr>
+              <a:t>通</a:t>
+            </a:r>
+            <a:r>
+              <a:rPr lang="zh-CN" altLang="en-US" sz="2000" b="1" dirty="0" smtClean="0">
+                <a:solidFill>
+                  <a:srgbClr val="474747"/>
+                </a:solidFill>
+                <a:latin typeface="微软雅黑" pitchFamily="34" charset="-122"/>
+                <a:ea typeface="微软雅黑" pitchFamily="34" charset="-122"/>
+              </a:rPr>
+              <a:t>过</a:t>
+            </a:r>
+            <a:r>
+              <a:rPr lang="en-US" altLang="zh-CN" sz="2000" b="1" dirty="0" err="1" smtClean="0">
+                <a:solidFill>
+                  <a:srgbClr val="474747"/>
+                </a:solidFill>
+                <a:latin typeface="微软雅黑" pitchFamily="34" charset="-122"/>
+                <a:ea typeface="微软雅黑" pitchFamily="34" charset="-122"/>
+              </a:rPr>
+              <a:t>ajax</a:t>
+            </a:r>
+            <a:r>
+              <a:rPr lang="zh-CN" altLang="en-US" sz="2000" b="1" dirty="0" smtClean="0">
+                <a:solidFill>
+                  <a:srgbClr val="474747"/>
+                </a:solidFill>
+                <a:latin typeface="微软雅黑" pitchFamily="34" charset="-122"/>
+                <a:ea typeface="微软雅黑" pitchFamily="34" charset="-122"/>
+              </a:rPr>
+              <a:t>请求来加载文本</a:t>
+            </a:r>
+            <a:endParaRPr lang="en-US" altLang="zh-CN" sz="2000" b="1" dirty="0" smtClean="0">
+              <a:solidFill>
+                <a:srgbClr val="474747"/>
+              </a:solidFill>
+              <a:latin typeface="微软雅黑" pitchFamily="34" charset="-122"/>
+              <a:ea typeface="微软雅黑" pitchFamily="34" charset="-122"/>
+            </a:endParaRPr>
+          </a:p>
+        </p:txBody>
+      </p:sp>
+    </p:spTree>
+  </p:cSld>
+  <p:clrMapOvr>
+    <a:masterClrMapping/>
+  </p:clrMapOvr>
+  <p:timing>
+    <p:tnLst>
+      <p:par>
+        <p:cTn id="1" dur="indefinite" restart="never" nodeType="tmRoot">
+          <p:childTnLst>
+            <p:seq concurrent="1" nextAc="seek">
+              <p:cTn id="2" dur="indefinite" nodeType="mainSeq">
+                <p:childTnLst>
+                  <p:par>
+                    <p:cTn id="3" fill="hold">
+                      <p:stCondLst>
+                        <p:cond delay="indefinite"/>
+                      </p:stCondLst>
+                      <p:childTnLst>
+                        <p:par>
+                          <p:cTn id="4" fill="hold">
+                            <p:stCondLst>
+                              <p:cond delay="0"/>
+                            </p:stCondLst>
+                            <p:childTnLst>
+                              <p:par>
+                                <p:cTn id="5" presetID="2" presetClass="entr" presetSubtype="4" fill="hold" grpId="0" nodeType="clickEffect">
+                                  <p:stCondLst>
+                                    <p:cond delay="0"/>
+                                  </p:stCondLst>
+                                  <p:childTnLst>
+                                    <p:set>
+                                      <p:cBhvr>
+                                        <p:cTn id="6" dur="1" fill="hold">
+                                          <p:stCondLst>
+                                            <p:cond delay="0"/>
+                                          </p:stCondLst>
+                                        </p:cTn>
+                                        <p:tgtEl>
+                                          <p:spTgt spid="2">
+                                            <p:txEl>
+                                              <p:pRg st="0" end="0"/>
+                                            </p:txEl>
+                                          </p:spTgt>
+                                        </p:tgtEl>
+                                        <p:attrNameLst>
+                                          <p:attrName>style.visibility</p:attrName>
+                                        </p:attrNameLst>
+                                      </p:cBhvr>
+                                      <p:to>
+                                        <p:strVal val="visible"/>
+                                      </p:to>
+                                    </p:set>
+                                    <p:anim calcmode="lin" valueType="num">
+                                      <p:cBhvr additive="base">
+                                        <p:cTn id="7" dur="300" fill="hold"/>
+                                        <p:tgtEl>
+                                          <p:spTgt spid="2">
+                                            <p:txEl>
+                                              <p:pRg st="0" end="0"/>
+                                            </p:txEl>
+                                          </p:spTgt>
+                                        </p:tgtEl>
+                                        <p:attrNameLst>
+                                          <p:attrName>ppt_x</p:attrName>
+                                        </p:attrNameLst>
+                                      </p:cBhvr>
+                                      <p:tavLst>
+                                        <p:tav tm="0">
+                                          <p:val>
+                                            <p:strVal val="#ppt_x"/>
+                                          </p:val>
+                                        </p:tav>
+                                        <p:tav tm="100000">
+                                          <p:val>
+                                            <p:strVal val="#ppt_x"/>
+                                          </p:val>
+                                        </p:tav>
+                                      </p:tavLst>
+                                    </p:anim>
+                                    <p:anim calcmode="lin" valueType="num">
+                                      <p:cBhvr additive="base">
+                                        <p:cTn id="8" dur="300" fill="hold"/>
+                                        <p:tgtEl>
+                                          <p:spTgt spid="2">
+                                            <p:txEl>
+                                              <p:pRg st="0" end="0"/>
+                                            </p:txEl>
+                                          </p:spTgt>
+                                        </p:tgtEl>
+                                        <p:attrNameLst>
+                                          <p:attrName>ppt_y</p:attrName>
+                                        </p:attrNameLst>
+                                      </p:cBhvr>
+                                      <p:tavLst>
+                                        <p:tav tm="0">
+                                          <p:val>
+                                            <p:strVal val="1+#ppt_h/2"/>
+                                          </p:val>
+                                        </p:tav>
+                                        <p:tav tm="100000">
+                                          <p:val>
+                                            <p:strVal val="#ppt_y"/>
+                                          </p:val>
+                                        </p:tav>
+                                      </p:tavLst>
+                                    </p:anim>
+                                  </p:childTnLst>
+                                </p:cTn>
+                              </p:par>
+                            </p:childTnLst>
+                          </p:cTn>
+                        </p:par>
+                      </p:childTnLst>
+                    </p:cTn>
+                  </p:par>
+                  <p:par>
+                    <p:cTn id="9" fill="hold">
+                      <p:stCondLst>
+                        <p:cond delay="indefinite"/>
+                      </p:stCondLst>
+                      <p:childTnLst>
+                        <p:par>
+                          <p:cTn id="10" fill="hold">
+                            <p:stCondLst>
+                              <p:cond delay="0"/>
+                            </p:stCondLst>
+                            <p:childTnLst>
+                              <p:par>
+                                <p:cTn id="11" presetID="2" presetClass="entr" presetSubtype="4" fill="hold" grpId="0" nodeType="clickEffect">
+                                  <p:stCondLst>
+                                    <p:cond delay="0"/>
+                                  </p:stCondLst>
+                                  <p:childTnLst>
+                                    <p:set>
+                                      <p:cBhvr>
+                                        <p:cTn id="12" dur="1" fill="hold">
+                                          <p:stCondLst>
+                                            <p:cond delay="0"/>
+                                          </p:stCondLst>
+                                        </p:cTn>
+                                        <p:tgtEl>
+                                          <p:spTgt spid="3"/>
+                                        </p:tgtEl>
+                                        <p:attrNameLst>
+                                          <p:attrName>style.visibility</p:attrName>
+                                        </p:attrNameLst>
+                                      </p:cBhvr>
+                                      <p:to>
+                                        <p:strVal val="visible"/>
+                                      </p:to>
+                                    </p:set>
+                                    <p:anim calcmode="lin" valueType="num">
+                                      <p:cBhvr additive="base">
+                                        <p:cTn id="13" dur="300" fill="hold"/>
+                                        <p:tgtEl>
+                                          <p:spTgt spid="3"/>
+                                        </p:tgtEl>
+                                        <p:attrNameLst>
+                                          <p:attrName>ppt_x</p:attrName>
+                                        </p:attrNameLst>
+                                      </p:cBhvr>
+                                      <p:tavLst>
+                                        <p:tav tm="0">
+                                          <p:val>
+                                            <p:strVal val="#ppt_x"/>
+                                          </p:val>
+                                        </p:tav>
+                                        <p:tav tm="100000">
+                                          <p:val>
+                                            <p:strVal val="#ppt_x"/>
+                                          </p:val>
+                                        </p:tav>
+                                      </p:tavLst>
+                                    </p:anim>
+                                    <p:anim calcmode="lin" valueType="num">
+                                      <p:cBhvr additive="base">
+                                        <p:cTn id="14" dur="300" fill="hold"/>
+                                        <p:tgtEl>
+                                          <p:spTgt spid="3"/>
+                                        </p:tgtEl>
+                                        <p:attrNameLst>
+                                          <p:attrName>ppt_y</p:attrName>
+                                        </p:attrNameLst>
+                                      </p:cBhvr>
+                                      <p:tavLst>
+                                        <p:tav tm="0">
+                                          <p:val>
+                                            <p:strVal val="1+#ppt_h/2"/>
+                                          </p:val>
+                                        </p:tav>
+                                        <p:tav tm="100000">
+                                          <p:val>
+                                            <p:strVal val="#ppt_y"/>
+                                          </p:val>
+                                        </p:tav>
+                                      </p:tavLst>
+                                    </p:anim>
+                                  </p:childTnLst>
+                                </p:cTn>
+                              </p:par>
+                            </p:childTnLst>
+                          </p:cTn>
+                        </p:par>
+                      </p:childTnLst>
+                    </p:cTn>
+                  </p:par>
+                  <p:par>
+                    <p:cTn id="15" fill="hold">
+                      <p:stCondLst>
+                        <p:cond delay="indefinite"/>
+                      </p:stCondLst>
+                      <p:childTnLst>
+                        <p:par>
+                          <p:cTn id="16" fill="hold">
+                            <p:stCondLst>
+                              <p:cond delay="0"/>
+                            </p:stCondLst>
+                            <p:childTnLst>
+                              <p:par>
+                                <p:cTn id="17" presetID="2" presetClass="entr" presetSubtype="4" fill="hold" grpId="0" nodeType="clickEffect">
+                                  <p:stCondLst>
+                                    <p:cond delay="0"/>
+                                  </p:stCondLst>
+                                  <p:childTnLst>
+                                    <p:set>
+                                      <p:cBhvr>
+                                        <p:cTn id="18" dur="1" fill="hold">
+                                          <p:stCondLst>
+                                            <p:cond delay="0"/>
+                                          </p:stCondLst>
+                                        </p:cTn>
+                                        <p:tgtEl>
+                                          <p:spTgt spid="9"/>
+                                        </p:tgtEl>
+                                        <p:attrNameLst>
+                                          <p:attrName>style.visibility</p:attrName>
+                                        </p:attrNameLst>
+                                      </p:cBhvr>
+                                      <p:to>
+                                        <p:strVal val="visible"/>
+                                      </p:to>
+                                    </p:set>
+                                    <p:anim calcmode="lin" valueType="num">
+                                      <p:cBhvr additive="base">
+                                        <p:cTn id="19" dur="300" fill="hold"/>
+                                        <p:tgtEl>
+                                          <p:spTgt spid="9"/>
+                                        </p:tgtEl>
+                                        <p:attrNameLst>
+                                          <p:attrName>ppt_x</p:attrName>
+                                        </p:attrNameLst>
+                                      </p:cBhvr>
+                                      <p:tavLst>
+                                        <p:tav tm="0">
+                                          <p:val>
+                                            <p:strVal val="#ppt_x"/>
+                                          </p:val>
+                                        </p:tav>
+                                        <p:tav tm="100000">
+                                          <p:val>
+                                            <p:strVal val="#ppt_x"/>
+                                          </p:val>
+                                        </p:tav>
+                                      </p:tavLst>
+                                    </p:anim>
+                                    <p:anim calcmode="lin" valueType="num">
+                                      <p:cBhvr additive="base">
+                                        <p:cTn id="20" dur="300" fill="hold"/>
+                                        <p:tgtEl>
+                                          <p:spTgt spid="9"/>
+                                        </p:tgtEl>
+                                        <p:attrNameLst>
+                                          <p:attrName>ppt_y</p:attrName>
+                                        </p:attrNameLst>
+                                      </p:cBhvr>
+                                      <p:tavLst>
+                                        <p:tav tm="0">
+                                          <p:val>
+                                            <p:strVal val="1+#ppt_h/2"/>
+                                          </p:val>
+                                        </p:tav>
+                                        <p:tav tm="100000">
+                                          <p:val>
+                                            <p:strVal val="#ppt_y"/>
+                                          </p:val>
+                                        </p:tav>
+                                      </p:tavLst>
+                                    </p:anim>
+                                  </p:childTnLst>
+                                </p:cTn>
+                              </p:par>
+                            </p:childTnLst>
+                          </p:cTn>
+                        </p:par>
+                      </p:childTnLst>
+                    </p:cTn>
+                  </p:par>
+                  <p:par>
+                    <p:cTn id="21" fill="hold">
+                      <p:stCondLst>
+                        <p:cond delay="indefinite"/>
+                      </p:stCondLst>
+                      <p:childTnLst>
+                        <p:par>
+                          <p:cTn id="22" fill="hold">
+                            <p:stCondLst>
+                              <p:cond delay="0"/>
+                            </p:stCondLst>
+                            <p:childTnLst>
+                              <p:par>
+                                <p:cTn id="23" presetID="2" presetClass="entr" presetSubtype="4" fill="hold" nodeType="clickEffect">
+                                  <p:stCondLst>
+                                    <p:cond delay="0"/>
+                                  </p:stCondLst>
+                                  <p:childTnLst>
+                                    <p:set>
+                                      <p:cBhvr>
+                                        <p:cTn id="24" dur="1" fill="hold">
+                                          <p:stCondLst>
+                                            <p:cond delay="0"/>
+                                          </p:stCondLst>
+                                        </p:cTn>
+                                        <p:tgtEl>
+                                          <p:spTgt spid="1026"/>
+                                        </p:tgtEl>
+                                        <p:attrNameLst>
+                                          <p:attrName>style.visibility</p:attrName>
+                                        </p:attrNameLst>
+                                      </p:cBhvr>
+                                      <p:to>
+                                        <p:strVal val="visible"/>
+                                      </p:to>
+                                    </p:set>
+                                    <p:anim calcmode="lin" valueType="num">
+                                      <p:cBhvr additive="base">
+                                        <p:cTn id="25" dur="300" fill="hold"/>
+                                        <p:tgtEl>
+                                          <p:spTgt spid="1026"/>
+                                        </p:tgtEl>
+                                        <p:attrNameLst>
+                                          <p:attrName>ppt_x</p:attrName>
+                                        </p:attrNameLst>
+                                      </p:cBhvr>
+                                      <p:tavLst>
+                                        <p:tav tm="0">
+                                          <p:val>
+                                            <p:strVal val="#ppt_x"/>
+                                          </p:val>
+                                        </p:tav>
+                                        <p:tav tm="100000">
+                                          <p:val>
+                                            <p:strVal val="#ppt_x"/>
+                                          </p:val>
+                                        </p:tav>
+                                      </p:tavLst>
+                                    </p:anim>
+                                    <p:anim calcmode="lin" valueType="num">
+                                      <p:cBhvr additive="base">
+                                        <p:cTn id="26" dur="300" fill="hold"/>
+                                        <p:tgtEl>
+                                          <p:spTgt spid="1026"/>
+                                        </p:tgtEl>
+                                        <p:attrNameLst>
+                                          <p:attrName>ppt_y</p:attrName>
+                                        </p:attrNameLst>
+                                      </p:cBhvr>
+                                      <p:tavLst>
+                                        <p:tav tm="0">
+                                          <p:val>
+                                            <p:strVal val="1+#ppt_h/2"/>
+                                          </p:val>
+                                        </p:tav>
+                                        <p:tav tm="100000">
+                                          <p:val>
+                                            <p:strVal val="#ppt_y"/>
+                                          </p:val>
+                                        </p:tav>
+                                      </p:tavLst>
+                                    </p:anim>
+                                  </p:childTnLst>
+                                </p:cTn>
+                              </p:par>
+                            </p:childTnLst>
+                          </p:cTn>
+                        </p:par>
+                      </p:childTnLst>
+                    </p:cTn>
+                  </p:par>
+                  <p:par>
+                    <p:cTn id="27" fill="hold">
+                      <p:stCondLst>
+                        <p:cond delay="indefinite"/>
+                      </p:stCondLst>
+                      <p:childTnLst>
+                        <p:par>
+                          <p:cTn id="28" fill="hold">
+                            <p:stCondLst>
+                              <p:cond delay="0"/>
+                            </p:stCondLst>
+                            <p:childTnLst>
+                              <p:par>
+                                <p:cTn id="29" presetID="2" presetClass="entr" presetSubtype="4" fill="hold" grpId="0" nodeType="clickEffect">
+                                  <p:stCondLst>
+                                    <p:cond delay="0"/>
+                                  </p:stCondLst>
+                                  <p:childTnLst>
+                                    <p:set>
+                                      <p:cBhvr>
+                                        <p:cTn id="30" dur="1" fill="hold">
+                                          <p:stCondLst>
+                                            <p:cond delay="0"/>
+                                          </p:stCondLst>
+                                        </p:cTn>
+                                        <p:tgtEl>
+                                          <p:spTgt spid="5"/>
+                                        </p:tgtEl>
+                                        <p:attrNameLst>
+                                          <p:attrName>style.visibility</p:attrName>
+                                        </p:attrNameLst>
+                                      </p:cBhvr>
+                                      <p:to>
+                                        <p:strVal val="visible"/>
+                                      </p:to>
+                                    </p:set>
+                                    <p:anim calcmode="lin" valueType="num">
+                                      <p:cBhvr additive="base">
+                                        <p:cTn id="31" dur="300" fill="hold"/>
+                                        <p:tgtEl>
+                                          <p:spTgt spid="5"/>
+                                        </p:tgtEl>
+                                        <p:attrNameLst>
+                                          <p:attrName>ppt_x</p:attrName>
+                                        </p:attrNameLst>
+                                      </p:cBhvr>
+                                      <p:tavLst>
+                                        <p:tav tm="0">
+                                          <p:val>
+                                            <p:strVal val="#ppt_x"/>
+                                          </p:val>
+                                        </p:tav>
+                                        <p:tav tm="100000">
+                                          <p:val>
+                                            <p:strVal val="#ppt_x"/>
+                                          </p:val>
+                                        </p:tav>
+                                      </p:tavLst>
+                                    </p:anim>
+                                    <p:anim calcmode="lin" valueType="num">
+                                      <p:cBhvr additive="base">
+                                        <p:cTn id="32" dur="300" fill="hold"/>
+                                        <p:tgtEl>
+                                          <p:spTgt spid="5"/>
+                                        </p:tgtEl>
+                                        <p:attrNameLst>
+                                          <p:attrName>ppt_y</p:attrName>
+                                        </p:attrNameLst>
+                                      </p:cBhvr>
+                                      <p:tavLst>
+                                        <p:tav tm="0">
+                                          <p:val>
+                                            <p:strVal val="1+#ppt_h/2"/>
+                                          </p:val>
+                                        </p:tav>
+                                        <p:tav tm="100000">
+                                          <p:val>
+                                            <p:strVal val="#ppt_y"/>
+                                          </p:val>
+                                        </p:tav>
+                                      </p:tavLst>
+                                    </p:anim>
+                                  </p:childTnLst>
+                                </p:cTn>
+                              </p:par>
+                              <p:par>
+                                <p:cTn id="33" presetID="2" presetClass="entr" presetSubtype="4" fill="hold" nodeType="withEffect">
+                                  <p:stCondLst>
+                                    <p:cond delay="0"/>
+                                  </p:stCondLst>
+                                  <p:childTnLst>
+                                    <p:set>
+                                      <p:cBhvr>
+                                        <p:cTn id="34" dur="1" fill="hold">
+                                          <p:stCondLst>
+                                            <p:cond delay="0"/>
+                                          </p:stCondLst>
+                                        </p:cTn>
+                                        <p:tgtEl>
+                                          <p:spTgt spid="6"/>
+                                        </p:tgtEl>
+                                        <p:attrNameLst>
+                                          <p:attrName>style.visibility</p:attrName>
+                                        </p:attrNameLst>
+                                      </p:cBhvr>
+                                      <p:to>
+                                        <p:strVal val="visible"/>
+                                      </p:to>
+                                    </p:set>
+                                    <p:anim calcmode="lin" valueType="num">
+                                      <p:cBhvr additive="base">
+                                        <p:cTn id="35" dur="300" fill="hold"/>
+                                        <p:tgtEl>
+                                          <p:spTgt spid="6"/>
+                                        </p:tgtEl>
+                                        <p:attrNameLst>
+                                          <p:attrName>ppt_x</p:attrName>
+                                        </p:attrNameLst>
+                                      </p:cBhvr>
+                                      <p:tavLst>
+                                        <p:tav tm="0">
+                                          <p:val>
+                                            <p:strVal val="#ppt_x"/>
+                                          </p:val>
+                                        </p:tav>
+                                        <p:tav tm="100000">
+                                          <p:val>
+                                            <p:strVal val="#ppt_x"/>
+                                          </p:val>
+                                        </p:tav>
+                                      </p:tavLst>
+                                    </p:anim>
+                                    <p:anim calcmode="lin" valueType="num">
+                                      <p:cBhvr additive="base">
+                                        <p:cTn id="36" dur="300" fill="hold"/>
+                                        <p:tgtEl>
+                                          <p:spTgt spid="6"/>
+                                        </p:tgtEl>
+                                        <p:attrNameLst>
+                                          <p:attrName>ppt_y</p:attrName>
+                                        </p:attrNameLst>
+                                      </p:cBhvr>
+                                      <p:tavLst>
+                                        <p:tav tm="0">
+                                          <p:val>
+                                            <p:strVal val="1+#ppt_h/2"/>
+                                          </p:val>
+                                        </p:tav>
+                                        <p:tav tm="100000">
+                                          <p:val>
+                                            <p:strVal val="#ppt_y"/>
+                                          </p:val>
+                                        </p:tav>
+                                      </p:tavLst>
+                                    </p:anim>
+                                  </p:childTnLst>
+                                </p:cTn>
+                              </p:par>
+                            </p:childTnLst>
+                          </p:cTn>
+                        </p:par>
+                      </p:childTnLst>
+                    </p:cTn>
+                  </p:par>
+                </p:childTnLst>
+              </p:cTn>
+              <p:prevCondLst>
+                <p:cond evt="onPrev" delay="0">
+                  <p:tgtEl>
+                    <p:sldTgt/>
+                  </p:tgtEl>
+                </p:cond>
+              </p:prevCondLst>
+              <p:nextCondLst>
+                <p:cond evt="onNext" delay="0">
+                  <p:tgtEl>
+                    <p:sldTgt/>
+                  </p:tgtEl>
+                </p:cond>
+              </p:nextCondLst>
+            </p:seq>
+          </p:childTnLst>
+        </p:cTn>
+      </p:par>
+    </p:tnLst>
+    <p:bldLst>
+      <p:bldP spid="2" grpId="0" build="p"/>
+      <p:bldP spid="3" grpId="0"/>
+      <p:bldP spid="5" grpId="0" animBg="1"/>
+      <p:bldP spid="9" grpId="0"/>
+    </p:bldLst>
+  </p:timing>
+</p:sld>
+</file>
+
+<file path=ppt/slides/slide46.xml><?xml version="1.0" encoding="utf-8"?>
+<p:sld xmlns:a="http://schemas.openxmlformats.org/drawingml/2006/main" xmlns:r="http://schemas.openxmlformats.org/officeDocument/2006/relationships" xmlns:p="http://schemas.openxmlformats.org/presentationml/2006/main">
+  <p:cSld>
+    <p:spTree>
+      <p:nvGrpSpPr>
+        <p:cNvPr id="1" name=""/>
+        <p:cNvGrpSpPr/>
+        <p:nvPr/>
+      </p:nvGrpSpPr>
+      <p:grpSpPr>
+        <a:xfrm>
+          <a:off x="0" y="0"/>
+          <a:ext cx="0" cy="0"/>
+          <a:chOff x="0" y="0"/>
+          <a:chExt cx="0" cy="0"/>
+        </a:xfrm>
+      </p:grpSpPr>
+      <p:pic>
+        <p:nvPicPr>
+          <p:cNvPr id="2050" name="Picture 2"/>
+          <p:cNvPicPr>
+            <a:picLocks noChangeAspect="1" noChangeArrowheads="1"/>
+          </p:cNvPicPr>
+          <p:nvPr/>
+        </p:nvPicPr>
+        <p:blipFill>
+          <a:blip r:embed="rId2" cstate="print"/>
+          <a:srcRect/>
+          <a:stretch>
+            <a:fillRect/>
+          </a:stretch>
+        </p:blipFill>
+        <p:spPr bwMode="auto">
+          <a:xfrm>
+            <a:off x="0" y="238125"/>
+            <a:ext cx="9420225" cy="6381750"/>
+          </a:xfrm>
+          <a:prstGeom prst="rect">
+            <a:avLst/>
+          </a:prstGeom>
+          <a:noFill/>
+          <a:ln w="9525">
+            <a:noFill/>
+            <a:miter lim="800000"/>
+            <a:headEnd/>
+            <a:tailEnd/>
+          </a:ln>
+        </p:spPr>
+      </p:pic>
+      <p:sp>
+        <p:nvSpPr>
+          <p:cNvPr id="8" name="矩形 7"/>
+          <p:cNvSpPr/>
+          <p:nvPr/>
+        </p:nvSpPr>
+        <p:spPr>
+          <a:xfrm>
+            <a:off x="1331640" y="3068960"/>
+            <a:ext cx="1080120" cy="432048"/>
+          </a:xfrm>
+          <a:prstGeom prst="rect">
+            <a:avLst/>
+          </a:prstGeom>
+          <a:noFill/>
+          <a:ln w="28575">
+            <a:solidFill>
+              <a:srgbClr val="C9394A"/>
+            </a:solidFill>
+          </a:ln>
+        </p:spPr>
+        <p:style>
+          <a:lnRef idx="2">
+            <a:schemeClr val="accent1">
+              <a:shade val="50000"/>
+            </a:schemeClr>
+          </a:lnRef>
+          <a:fillRef idx="1">
+            <a:schemeClr val="accent1"/>
+          </a:fillRef>
+          <a:effectRef idx="0">
+            <a:schemeClr val="accent1"/>
+          </a:effectRef>
+          <a:fontRef idx="minor">
+            <a:schemeClr val="lt1"/>
+          </a:fontRef>
+        </p:style>
+        <p:txBody>
+          <a:bodyPr rtlCol="0" anchor="ctr"/>
+          <a:lstStyle/>
+          <a:p>
+            <a:pPr algn="ctr"/>
+            <a:endParaRPr lang="zh-CN" altLang="en-US"/>
+          </a:p>
+        </p:txBody>
+      </p:sp>
+      <p:sp>
+        <p:nvSpPr>
+          <p:cNvPr id="9" name="矩形 8"/>
+          <p:cNvSpPr/>
+          <p:nvPr/>
+        </p:nvSpPr>
+        <p:spPr>
+          <a:xfrm>
+            <a:off x="755576" y="908720"/>
+            <a:ext cx="936104" cy="288032"/>
+          </a:xfrm>
+          <a:prstGeom prst="rect">
+            <a:avLst/>
+          </a:prstGeom>
+          <a:noFill/>
+          <a:ln w="28575">
+            <a:solidFill>
+              <a:srgbClr val="C9394A"/>
+            </a:solidFill>
+          </a:ln>
+        </p:spPr>
+        <p:style>
+          <a:lnRef idx="2">
+            <a:schemeClr val="accent1">
+              <a:shade val="50000"/>
+            </a:schemeClr>
+          </a:lnRef>
+          <a:fillRef idx="1">
+            <a:schemeClr val="accent1"/>
+          </a:fillRef>
+          <a:effectRef idx="0">
+            <a:schemeClr val="accent1"/>
+          </a:effectRef>
+          <a:fontRef idx="minor">
+            <a:schemeClr val="lt1"/>
+          </a:fontRef>
+        </p:style>
+        <p:txBody>
+          <a:bodyPr rtlCol="0" anchor="ctr"/>
+          <a:lstStyle/>
+          <a:p>
+            <a:pPr algn="ctr"/>
+            <a:endParaRPr lang="zh-CN" altLang="en-US"/>
+          </a:p>
+        </p:txBody>
+      </p:sp>
+      <p:sp>
+        <p:nvSpPr>
+          <p:cNvPr id="10" name="矩形 9"/>
+          <p:cNvSpPr/>
+          <p:nvPr/>
+        </p:nvSpPr>
+        <p:spPr>
+          <a:xfrm>
+            <a:off x="1331640" y="4437112"/>
+            <a:ext cx="1584176" cy="432048"/>
+          </a:xfrm>
+          <a:prstGeom prst="rect">
+            <a:avLst/>
+          </a:prstGeom>
+          <a:noFill/>
+          <a:ln w="28575">
+            <a:solidFill>
+              <a:srgbClr val="C9394A"/>
+            </a:solidFill>
+          </a:ln>
+        </p:spPr>
+        <p:style>
+          <a:lnRef idx="2">
+            <a:schemeClr val="accent1">
+              <a:shade val="50000"/>
+            </a:schemeClr>
+          </a:lnRef>
+          <a:fillRef idx="1">
+            <a:schemeClr val="accent1"/>
+          </a:fillRef>
+          <a:effectRef idx="0">
+            <a:schemeClr val="accent1"/>
+          </a:effectRef>
+          <a:fontRef idx="minor">
+            <a:schemeClr val="lt1"/>
+          </a:fontRef>
+        </p:style>
+        <p:txBody>
+          <a:bodyPr rtlCol="0" anchor="ctr"/>
+          <a:lstStyle/>
+          <a:p>
+            <a:pPr algn="ctr"/>
+            <a:endParaRPr lang="zh-CN" altLang="en-US"/>
+          </a:p>
+        </p:txBody>
+      </p:sp>
+      <p:sp>
+        <p:nvSpPr>
+          <p:cNvPr id="11" name="矩形 10"/>
+          <p:cNvSpPr/>
+          <p:nvPr/>
+        </p:nvSpPr>
+        <p:spPr>
+          <a:xfrm>
+            <a:off x="1187624" y="1196752"/>
+            <a:ext cx="1080120" cy="288032"/>
+          </a:xfrm>
+          <a:prstGeom prst="rect">
+            <a:avLst/>
+          </a:prstGeom>
+          <a:noFill/>
+          <a:ln w="28575">
+            <a:solidFill>
+              <a:srgbClr val="C9394A"/>
+            </a:solidFill>
+          </a:ln>
+        </p:spPr>
+        <p:style>
+          <a:lnRef idx="2">
+            <a:schemeClr val="accent1">
+              <a:shade val="50000"/>
+            </a:schemeClr>
+          </a:lnRef>
+          <a:fillRef idx="1">
+            <a:schemeClr val="accent1"/>
+          </a:fillRef>
+          <a:effectRef idx="0">
+            <a:schemeClr val="accent1"/>
+          </a:effectRef>
+          <a:fontRef idx="minor">
+            <a:schemeClr val="lt1"/>
+          </a:fontRef>
+        </p:style>
+        <p:txBody>
+          <a:bodyPr rtlCol="0" anchor="ctr"/>
+          <a:lstStyle/>
+          <a:p>
+            <a:pPr algn="ctr"/>
+            <a:endParaRPr lang="zh-CN" altLang="en-US"/>
+          </a:p>
+        </p:txBody>
+      </p:sp>
+    </p:spTree>
+  </p:cSld>
+  <p:clrMapOvr>
+    <a:masterClrMapping/>
+  </p:clrMapOvr>
+  <p:timing>
+    <p:tnLst>
+      <p:par>
+        <p:cTn id="1" dur="indefinite" restart="never" nodeType="tmRoot">
+          <p:childTnLst>
+            <p:seq concurrent="1" nextAc="seek">
+              <p:cTn id="2" dur="indefinite" nodeType="mainSeq">
+                <p:childTnLst>
+                  <p:par>
+                    <p:cTn id="3" fill="hold">
+                      <p:stCondLst>
+                        <p:cond delay="indefinite"/>
+                      </p:stCondLst>
+                      <p:childTnLst>
+                        <p:par>
+                          <p:cTn id="4" fill="hold">
+                            <p:stCondLst>
+                              <p:cond delay="0"/>
+                            </p:stCondLst>
+                            <p:childTnLst>
+                              <p:par>
+                                <p:cTn id="5" presetID="2" presetClass="entr" presetSubtype="4" fill="hold" nodeType="clickEffect">
+                                  <p:stCondLst>
+                                    <p:cond delay="0"/>
+                                  </p:stCondLst>
+                                  <p:childTnLst>
+                                    <p:set>
+                                      <p:cBhvr>
+                                        <p:cTn id="6" dur="1" fill="hold">
+                                          <p:stCondLst>
+                                            <p:cond delay="0"/>
+                                          </p:stCondLst>
+                                        </p:cTn>
+                                        <p:tgtEl>
+                                          <p:spTgt spid="2050"/>
+                                        </p:tgtEl>
+                                        <p:attrNameLst>
+                                          <p:attrName>style.visibility</p:attrName>
+                                        </p:attrNameLst>
+                                      </p:cBhvr>
+                                      <p:to>
+                                        <p:strVal val="visible"/>
+                                      </p:to>
+                                    </p:set>
+                                    <p:anim calcmode="lin" valueType="num">
+                                      <p:cBhvr additive="base">
+                                        <p:cTn id="7" dur="300" fill="hold"/>
+                                        <p:tgtEl>
+                                          <p:spTgt spid="2050"/>
+                                        </p:tgtEl>
+                                        <p:attrNameLst>
+                                          <p:attrName>ppt_x</p:attrName>
+                                        </p:attrNameLst>
+                                      </p:cBhvr>
+                                      <p:tavLst>
+                                        <p:tav tm="0">
+                                          <p:val>
+                                            <p:strVal val="#ppt_x"/>
+                                          </p:val>
+                                        </p:tav>
+                                        <p:tav tm="100000">
+                                          <p:val>
+                                            <p:strVal val="#ppt_x"/>
+                                          </p:val>
+                                        </p:tav>
+                                      </p:tavLst>
+                                    </p:anim>
+                                    <p:anim calcmode="lin" valueType="num">
+                                      <p:cBhvr additive="base">
+                                        <p:cTn id="8" dur="300" fill="hold"/>
+                                        <p:tgtEl>
+                                          <p:spTgt spid="2050"/>
+                                        </p:tgtEl>
+                                        <p:attrNameLst>
+                                          <p:attrName>ppt_y</p:attrName>
+                                        </p:attrNameLst>
+                                      </p:cBhvr>
+                                      <p:tavLst>
+                                        <p:tav tm="0">
+                                          <p:val>
+                                            <p:strVal val="1+#ppt_h/2"/>
+                                          </p:val>
+                                        </p:tav>
+                                        <p:tav tm="100000">
+                                          <p:val>
+                                            <p:strVal val="#ppt_y"/>
+                                          </p:val>
+                                        </p:tav>
+                                      </p:tavLst>
+                                    </p:anim>
+                                  </p:childTnLst>
+                                </p:cTn>
+                              </p:par>
+                            </p:childTnLst>
+                          </p:cTn>
+                        </p:par>
+                      </p:childTnLst>
+                    </p:cTn>
+                  </p:par>
+                  <p:par>
+                    <p:cTn id="9" fill="hold">
+                      <p:stCondLst>
+                        <p:cond delay="indefinite"/>
+                      </p:stCondLst>
+                      <p:childTnLst>
+                        <p:par>
+                          <p:cTn id="10" fill="hold">
+                            <p:stCondLst>
+                              <p:cond delay="0"/>
+                            </p:stCondLst>
+                            <p:childTnLst>
+                              <p:par>
+                                <p:cTn id="11" presetID="2" presetClass="entr" presetSubtype="4" fill="hold" grpId="0" nodeType="clickEffect">
+                                  <p:stCondLst>
+                                    <p:cond delay="0"/>
+                                  </p:stCondLst>
+                                  <p:childTnLst>
+                                    <p:set>
+                                      <p:cBhvr>
+                                        <p:cTn id="12" dur="1" fill="hold">
+                                          <p:stCondLst>
+                                            <p:cond delay="0"/>
+                                          </p:stCondLst>
+                                        </p:cTn>
+                                        <p:tgtEl>
+                                          <p:spTgt spid="9"/>
+                                        </p:tgtEl>
+                                        <p:attrNameLst>
+                                          <p:attrName>style.visibility</p:attrName>
+                                        </p:attrNameLst>
+                                      </p:cBhvr>
+                                      <p:to>
+                                        <p:strVal val="visible"/>
+                                      </p:to>
+                                    </p:set>
+                                    <p:anim calcmode="lin" valueType="num">
+                                      <p:cBhvr additive="base">
+                                        <p:cTn id="13" dur="300" fill="hold"/>
+                                        <p:tgtEl>
+                                          <p:spTgt spid="9"/>
+                                        </p:tgtEl>
+                                        <p:attrNameLst>
+                                          <p:attrName>ppt_x</p:attrName>
+                                        </p:attrNameLst>
+                                      </p:cBhvr>
+                                      <p:tavLst>
+                                        <p:tav tm="0">
+                                          <p:val>
+                                            <p:strVal val="#ppt_x"/>
+                                          </p:val>
+                                        </p:tav>
+                                        <p:tav tm="100000">
+                                          <p:val>
+                                            <p:strVal val="#ppt_x"/>
+                                          </p:val>
+                                        </p:tav>
+                                      </p:tavLst>
+                                    </p:anim>
+                                    <p:anim calcmode="lin" valueType="num">
+                                      <p:cBhvr additive="base">
+                                        <p:cTn id="14" dur="300" fill="hold"/>
+                                        <p:tgtEl>
+                                          <p:spTgt spid="9"/>
+                                        </p:tgtEl>
+                                        <p:attrNameLst>
+                                          <p:attrName>ppt_y</p:attrName>
+                                        </p:attrNameLst>
+                                      </p:cBhvr>
+                                      <p:tavLst>
+                                        <p:tav tm="0">
+                                          <p:val>
+                                            <p:strVal val="1+#ppt_h/2"/>
+                                          </p:val>
+                                        </p:tav>
+                                        <p:tav tm="100000">
+                                          <p:val>
+                                            <p:strVal val="#ppt_y"/>
+                                          </p:val>
+                                        </p:tav>
+                                      </p:tavLst>
+                                    </p:anim>
+                                  </p:childTnLst>
+                                </p:cTn>
+                              </p:par>
+                            </p:childTnLst>
+                          </p:cTn>
+                        </p:par>
+                      </p:childTnLst>
+                    </p:cTn>
+                  </p:par>
+                  <p:par>
+                    <p:cTn id="15" fill="hold">
+                      <p:stCondLst>
+                        <p:cond delay="indefinite"/>
+                      </p:stCondLst>
+                      <p:childTnLst>
+                        <p:par>
+                          <p:cTn id="16" fill="hold">
+                            <p:stCondLst>
+                              <p:cond delay="0"/>
+                            </p:stCondLst>
+                            <p:childTnLst>
+                              <p:par>
+                                <p:cTn id="17" presetID="2" presetClass="entr" presetSubtype="4" fill="hold" grpId="0" nodeType="clickEffect">
+                                  <p:stCondLst>
+                                    <p:cond delay="0"/>
+                                  </p:stCondLst>
+                                  <p:childTnLst>
+                                    <p:set>
+                                      <p:cBhvr>
+                                        <p:cTn id="18" dur="1" fill="hold">
+                                          <p:stCondLst>
+                                            <p:cond delay="0"/>
+                                          </p:stCondLst>
+                                        </p:cTn>
+                                        <p:tgtEl>
+                                          <p:spTgt spid="11"/>
+                                        </p:tgtEl>
+                                        <p:attrNameLst>
+                                          <p:attrName>style.visibility</p:attrName>
+                                        </p:attrNameLst>
+                                      </p:cBhvr>
+                                      <p:to>
+                                        <p:strVal val="visible"/>
+                                      </p:to>
+                                    </p:set>
+                                    <p:anim calcmode="lin" valueType="num">
+                                      <p:cBhvr additive="base">
+                                        <p:cTn id="19" dur="300" fill="hold"/>
+                                        <p:tgtEl>
+                                          <p:spTgt spid="11"/>
+                                        </p:tgtEl>
+                                        <p:attrNameLst>
+                                          <p:attrName>ppt_x</p:attrName>
+                                        </p:attrNameLst>
+                                      </p:cBhvr>
+                                      <p:tavLst>
+                                        <p:tav tm="0">
+                                          <p:val>
+                                            <p:strVal val="#ppt_x"/>
+                                          </p:val>
+                                        </p:tav>
+                                        <p:tav tm="100000">
+                                          <p:val>
+                                            <p:strVal val="#ppt_x"/>
+                                          </p:val>
+                                        </p:tav>
+                                      </p:tavLst>
+                                    </p:anim>
+                                    <p:anim calcmode="lin" valueType="num">
+                                      <p:cBhvr additive="base">
+                                        <p:cTn id="20" dur="300" fill="hold"/>
+                                        <p:tgtEl>
+                                          <p:spTgt spid="11"/>
+                                        </p:tgtEl>
+                                        <p:attrNameLst>
+                                          <p:attrName>ppt_y</p:attrName>
+                                        </p:attrNameLst>
+                                      </p:cBhvr>
+                                      <p:tavLst>
+                                        <p:tav tm="0">
+                                          <p:val>
+                                            <p:strVal val="1+#ppt_h/2"/>
+                                          </p:val>
+                                        </p:tav>
+                                        <p:tav tm="100000">
+                                          <p:val>
+                                            <p:strVal val="#ppt_y"/>
+                                          </p:val>
+                                        </p:tav>
+                                      </p:tavLst>
+                                    </p:anim>
+                                  </p:childTnLst>
+                                </p:cTn>
+                              </p:par>
+                            </p:childTnLst>
+                          </p:cTn>
+                        </p:par>
+                      </p:childTnLst>
+                    </p:cTn>
+                  </p:par>
+                  <p:par>
+                    <p:cTn id="21" fill="hold">
+                      <p:stCondLst>
+                        <p:cond delay="indefinite"/>
+                      </p:stCondLst>
+                      <p:childTnLst>
+                        <p:par>
+                          <p:cTn id="22" fill="hold">
+                            <p:stCondLst>
+                              <p:cond delay="0"/>
+                            </p:stCondLst>
+                            <p:childTnLst>
+                              <p:par>
+                                <p:cTn id="23" presetID="2" presetClass="entr" presetSubtype="4" fill="hold" grpId="0" nodeType="clickEffect">
+                                  <p:stCondLst>
+                                    <p:cond delay="0"/>
+                                  </p:stCondLst>
+                                  <p:childTnLst>
+                                    <p:set>
+                                      <p:cBhvr>
+                                        <p:cTn id="24" dur="1" fill="hold">
+                                          <p:stCondLst>
+                                            <p:cond delay="0"/>
+                                          </p:stCondLst>
+                                        </p:cTn>
+                                        <p:tgtEl>
+                                          <p:spTgt spid="8"/>
+                                        </p:tgtEl>
+                                        <p:attrNameLst>
+                                          <p:attrName>style.visibility</p:attrName>
+                                        </p:attrNameLst>
+                                      </p:cBhvr>
+                                      <p:to>
+                                        <p:strVal val="visible"/>
+                                      </p:to>
+                                    </p:set>
+                                    <p:anim calcmode="lin" valueType="num">
+                                      <p:cBhvr additive="base">
+                                        <p:cTn id="25" dur="300" fill="hold"/>
+                                        <p:tgtEl>
+                                          <p:spTgt spid="8"/>
+                                        </p:tgtEl>
+                                        <p:attrNameLst>
+                                          <p:attrName>ppt_x</p:attrName>
+                                        </p:attrNameLst>
+                                      </p:cBhvr>
+                                      <p:tavLst>
+                                        <p:tav tm="0">
+                                          <p:val>
+                                            <p:strVal val="#ppt_x"/>
+                                          </p:val>
+                                        </p:tav>
+                                        <p:tav tm="100000">
+                                          <p:val>
+                                            <p:strVal val="#ppt_x"/>
+                                          </p:val>
+                                        </p:tav>
+                                      </p:tavLst>
+                                    </p:anim>
+                                    <p:anim calcmode="lin" valueType="num">
+                                      <p:cBhvr additive="base">
+                                        <p:cTn id="26" dur="300" fill="hold"/>
+                                        <p:tgtEl>
+                                          <p:spTgt spid="8"/>
+                                        </p:tgtEl>
+                                        <p:attrNameLst>
+                                          <p:attrName>ppt_y</p:attrName>
+                                        </p:attrNameLst>
+                                      </p:cBhvr>
+                                      <p:tavLst>
+                                        <p:tav tm="0">
+                                          <p:val>
+                                            <p:strVal val="1+#ppt_h/2"/>
+                                          </p:val>
+                                        </p:tav>
+                                        <p:tav tm="100000">
+                                          <p:val>
+                                            <p:strVal val="#ppt_y"/>
+                                          </p:val>
+                                        </p:tav>
+                                      </p:tavLst>
+                                    </p:anim>
+                                  </p:childTnLst>
+                                </p:cTn>
+                              </p:par>
+                            </p:childTnLst>
+                          </p:cTn>
+                        </p:par>
+                      </p:childTnLst>
+                    </p:cTn>
+                  </p:par>
+                  <p:par>
+                    <p:cTn id="27" fill="hold">
+                      <p:stCondLst>
+                        <p:cond delay="indefinite"/>
+                      </p:stCondLst>
+                      <p:childTnLst>
+                        <p:par>
+                          <p:cTn id="28" fill="hold">
+                            <p:stCondLst>
+                              <p:cond delay="0"/>
+                            </p:stCondLst>
+                            <p:childTnLst>
+                              <p:par>
+                                <p:cTn id="29" presetID="2" presetClass="entr" presetSubtype="4" fill="hold" grpId="0" nodeType="clickEffect">
+                                  <p:stCondLst>
+                                    <p:cond delay="0"/>
+                                  </p:stCondLst>
+                                  <p:childTnLst>
+                                    <p:set>
+                                      <p:cBhvr>
+                                        <p:cTn id="30" dur="1" fill="hold">
+                                          <p:stCondLst>
+                                            <p:cond delay="0"/>
+                                          </p:stCondLst>
+                                        </p:cTn>
+                                        <p:tgtEl>
+                                          <p:spTgt spid="10"/>
+                                        </p:tgtEl>
+                                        <p:attrNameLst>
+                                          <p:attrName>style.visibility</p:attrName>
+                                        </p:attrNameLst>
+                                      </p:cBhvr>
+                                      <p:to>
+                                        <p:strVal val="visible"/>
+                                      </p:to>
+                                    </p:set>
+                                    <p:anim calcmode="lin" valueType="num">
+                                      <p:cBhvr additive="base">
+                                        <p:cTn id="31" dur="300" fill="hold"/>
+                                        <p:tgtEl>
+                                          <p:spTgt spid="10"/>
+                                        </p:tgtEl>
+                                        <p:attrNameLst>
+                                          <p:attrName>ppt_x</p:attrName>
+                                        </p:attrNameLst>
+                                      </p:cBhvr>
+                                      <p:tavLst>
+                                        <p:tav tm="0">
+                                          <p:val>
+                                            <p:strVal val="#ppt_x"/>
+                                          </p:val>
+                                        </p:tav>
+                                        <p:tav tm="100000">
+                                          <p:val>
+                                            <p:strVal val="#ppt_x"/>
+                                          </p:val>
+                                        </p:tav>
+                                      </p:tavLst>
+                                    </p:anim>
+                                    <p:anim calcmode="lin" valueType="num">
+                                      <p:cBhvr additive="base">
+                                        <p:cTn id="32" dur="300" fill="hold"/>
+                                        <p:tgtEl>
+                                          <p:spTgt spid="10"/>
+                                        </p:tgtEl>
+                                        <p:attrNameLst>
+                                          <p:attrName>ppt_y</p:attrName>
+                                        </p:attrNameLst>
+                                      </p:cBhvr>
+                                      <p:tavLst>
+                                        <p:tav tm="0">
+                                          <p:val>
+                                            <p:strVal val="1+#ppt_h/2"/>
+                                          </p:val>
+                                        </p:tav>
+                                        <p:tav tm="100000">
+                                          <p:val>
+                                            <p:strVal val="#ppt_y"/>
+                                          </p:val>
+                                        </p:tav>
+                                      </p:tavLst>
+                                    </p:anim>
+                                  </p:childTnLst>
+                                </p:cTn>
+                              </p:par>
+                            </p:childTnLst>
+                          </p:cTn>
+                        </p:par>
+                      </p:childTnLst>
+                    </p:cTn>
+                  </p:par>
+                </p:childTnLst>
+              </p:cTn>
+              <p:prevCondLst>
+                <p:cond evt="onPrev" delay="0">
+                  <p:tgtEl>
+                    <p:sldTgt/>
+                  </p:tgtEl>
+                </p:cond>
+              </p:prevCondLst>
+              <p:nextCondLst>
+                <p:cond evt="onNext" delay="0">
+                  <p:tgtEl>
+                    <p:sldTgt/>
+                  </p:tgtEl>
+                </p:cond>
+              </p:nextCondLst>
+            </p:seq>
+          </p:childTnLst>
+        </p:cTn>
+      </p:par>
+    </p:tnLst>
+    <p:bldLst>
+      <p:bldP spid="8" grpId="0" animBg="1"/>
+      <p:bldP spid="9" grpId="0" animBg="1"/>
+      <p:bldP spid="10" grpId="0" animBg="1"/>
+      <p:bldP spid="11" grpId="0" animBg="1"/>
     </p:bldLst>
   </p:timing>
 </p:sld>

--- a/requirejs/doc/requirejs.pptx
+++ b/requirejs/doc/requirejs.pptx
@@ -5,7 +5,7 @@
     <p:sldMasterId id="2147483648" r:id="rId1"/>
   </p:sldMasterIdLst>
   <p:notesMasterIdLst>
-    <p:notesMasterId r:id="rId48"/>
+    <p:notesMasterId r:id="rId51"/>
   </p:notesMasterIdLst>
   <p:sldIdLst>
     <p:sldId id="258" r:id="rId2"/>
@@ -54,6 +54,9 @@
     <p:sldId id="302" r:id="rId45"/>
     <p:sldId id="303" r:id="rId46"/>
     <p:sldId id="304" r:id="rId47"/>
+    <p:sldId id="305" r:id="rId48"/>
+    <p:sldId id="306" r:id="rId49"/>
+    <p:sldId id="307" r:id="rId50"/>
   </p:sldIdLst>
   <p:sldSz cx="9144000" cy="6858000" type="screen4x3"/>
   <p:notesSz cx="6858000" cy="9144000"/>
@@ -238,7 +241,7 @@
             <a:fld id="{B2C916C8-812D-4B64-92A8-238699F8A54D}" type="datetimeFigureOut">
               <a:rPr lang="zh-CN" altLang="en-US" smtClean="0"/>
               <a:pPr/>
-              <a:t>2016/5/26</a:t>
+              <a:t>2016/5/30</a:t>
             </a:fld>
             <a:endParaRPr lang="zh-CN" altLang="en-US"/>
           </a:p>
@@ -768,7 +771,7 @@
             <a:fld id="{530820CF-B880-4189-942D-D702A7CBA730}" type="datetimeFigureOut">
               <a:rPr lang="zh-CN" altLang="en-US" smtClean="0"/>
               <a:pPr/>
-              <a:t>2016/5/26</a:t>
+              <a:t>2016/5/30</a:t>
             </a:fld>
             <a:endParaRPr lang="zh-CN" altLang="en-US"/>
           </a:p>
@@ -935,7 +938,7 @@
             <a:fld id="{530820CF-B880-4189-942D-D702A7CBA730}" type="datetimeFigureOut">
               <a:rPr lang="zh-CN" altLang="en-US" smtClean="0"/>
               <a:pPr/>
-              <a:t>2016/5/26</a:t>
+              <a:t>2016/5/30</a:t>
             </a:fld>
             <a:endParaRPr lang="zh-CN" altLang="en-US"/>
           </a:p>
@@ -1112,7 +1115,7 @@
             <a:fld id="{530820CF-B880-4189-942D-D702A7CBA730}" type="datetimeFigureOut">
               <a:rPr lang="zh-CN" altLang="en-US" smtClean="0"/>
               <a:pPr/>
-              <a:t>2016/5/26</a:t>
+              <a:t>2016/5/30</a:t>
             </a:fld>
             <a:endParaRPr lang="zh-CN" altLang="en-US"/>
           </a:p>
@@ -1279,7 +1282,7 @@
             <a:fld id="{530820CF-B880-4189-942D-D702A7CBA730}" type="datetimeFigureOut">
               <a:rPr lang="zh-CN" altLang="en-US" smtClean="0"/>
               <a:pPr/>
-              <a:t>2016/5/26</a:t>
+              <a:t>2016/5/30</a:t>
             </a:fld>
             <a:endParaRPr lang="zh-CN" altLang="en-US"/>
           </a:p>
@@ -1522,7 +1525,7 @@
             <a:fld id="{530820CF-B880-4189-942D-D702A7CBA730}" type="datetimeFigureOut">
               <a:rPr lang="zh-CN" altLang="en-US" smtClean="0"/>
               <a:pPr/>
-              <a:t>2016/5/26</a:t>
+              <a:t>2016/5/30</a:t>
             </a:fld>
             <a:endParaRPr lang="zh-CN" altLang="en-US"/>
           </a:p>
@@ -1807,7 +1810,7 @@
             <a:fld id="{530820CF-B880-4189-942D-D702A7CBA730}" type="datetimeFigureOut">
               <a:rPr lang="zh-CN" altLang="en-US" smtClean="0"/>
               <a:pPr/>
-              <a:t>2016/5/26</a:t>
+              <a:t>2016/5/30</a:t>
             </a:fld>
             <a:endParaRPr lang="zh-CN" altLang="en-US"/>
           </a:p>
@@ -2226,7 +2229,7 @@
             <a:fld id="{530820CF-B880-4189-942D-D702A7CBA730}" type="datetimeFigureOut">
               <a:rPr lang="zh-CN" altLang="en-US" smtClean="0"/>
               <a:pPr/>
-              <a:t>2016/5/26</a:t>
+              <a:t>2016/5/30</a:t>
             </a:fld>
             <a:endParaRPr lang="zh-CN" altLang="en-US"/>
           </a:p>
@@ -2341,7 +2344,7 @@
             <a:fld id="{530820CF-B880-4189-942D-D702A7CBA730}" type="datetimeFigureOut">
               <a:rPr lang="zh-CN" altLang="en-US" smtClean="0"/>
               <a:pPr/>
-              <a:t>2016/5/26</a:t>
+              <a:t>2016/5/30</a:t>
             </a:fld>
             <a:endParaRPr lang="zh-CN" altLang="en-US"/>
           </a:p>
@@ -2433,7 +2436,7 @@
             <a:fld id="{530820CF-B880-4189-942D-D702A7CBA730}" type="datetimeFigureOut">
               <a:rPr lang="zh-CN" altLang="en-US" smtClean="0"/>
               <a:pPr/>
-              <a:t>2016/5/26</a:t>
+              <a:t>2016/5/30</a:t>
             </a:fld>
             <a:endParaRPr lang="zh-CN" altLang="en-US"/>
           </a:p>
@@ -2707,7 +2710,7 @@
             <a:fld id="{530820CF-B880-4189-942D-D702A7CBA730}" type="datetimeFigureOut">
               <a:rPr lang="zh-CN" altLang="en-US" smtClean="0"/>
               <a:pPr/>
-              <a:t>2016/5/26</a:t>
+              <a:t>2016/5/30</a:t>
             </a:fld>
             <a:endParaRPr lang="zh-CN" altLang="en-US"/>
           </a:p>
@@ -2957,7 +2960,7 @@
             <a:fld id="{530820CF-B880-4189-942D-D702A7CBA730}" type="datetimeFigureOut">
               <a:rPr lang="zh-CN" altLang="en-US" smtClean="0"/>
               <a:pPr/>
-              <a:t>2016/5/26</a:t>
+              <a:t>2016/5/30</a:t>
             </a:fld>
             <a:endParaRPr lang="zh-CN" altLang="en-US"/>
           </a:p>
@@ -3167,7 +3170,7 @@
             <a:fld id="{530820CF-B880-4189-942D-D702A7CBA730}" type="datetimeFigureOut">
               <a:rPr lang="zh-CN" altLang="en-US" smtClean="0"/>
               <a:pPr/>
-              <a:t>2016/5/26</a:t>
+              <a:t>2016/5/30</a:t>
             </a:fld>
             <a:endParaRPr lang="zh-CN" altLang="en-US"/>
           </a:p>
@@ -25965,17 +25968,7 @@
                 <a:latin typeface="微软雅黑" pitchFamily="34" charset="-122"/>
                 <a:ea typeface="微软雅黑" pitchFamily="34" charset="-122"/>
               </a:rPr>
-              <a:t>使</a:t>
-            </a:r>
-            <a:r>
-              <a:rPr lang="zh-CN" altLang="en-US" sz="2200" b="1" dirty="0" smtClean="0">
-                <a:solidFill>
-                  <a:srgbClr val="474747"/>
-                </a:solidFill>
-                <a:latin typeface="微软雅黑" pitchFamily="34" charset="-122"/>
-                <a:ea typeface="微软雅黑" pitchFamily="34" charset="-122"/>
-              </a:rPr>
-              <a:t>用</a:t>
+              <a:t>使用</a:t>
             </a:r>
             <a:r>
               <a:rPr lang="en-US" altLang="zh-CN" sz="2200" b="1" dirty="0" smtClean="0">
@@ -26352,17 +26345,7 @@
                 <a:latin typeface="微软雅黑" pitchFamily="34" charset="-122"/>
                 <a:ea typeface="微软雅黑" pitchFamily="34" charset="-122"/>
               </a:rPr>
-              <a:t>用</a:t>
-            </a:r>
-            <a:r>
-              <a:rPr lang="zh-CN" altLang="en-US" sz="2000" b="1" dirty="0" smtClean="0">
-                <a:solidFill>
-                  <a:srgbClr val="474747"/>
-                </a:solidFill>
-                <a:latin typeface="微软雅黑" pitchFamily="34" charset="-122"/>
-                <a:ea typeface="微软雅黑" pitchFamily="34" charset="-122"/>
-              </a:rPr>
-              <a:t>于加载文本文件的</a:t>
+              <a:t>用于加载文本文件的</a:t>
             </a:r>
             <a:r>
               <a:rPr lang="en-US" altLang="zh-CN" sz="2000" b="1" dirty="0" err="1" smtClean="0">
@@ -26488,13 +26471,6 @@
               </a:rPr>
               <a:t>text!</a:t>
             </a:r>
-            <a:endParaRPr lang="en-US" altLang="zh-CN" sz="1500" b="1" dirty="0" smtClean="0">
-              <a:solidFill>
-                <a:schemeClr val="bg1"/>
-              </a:solidFill>
-              <a:latin typeface="微软雅黑" pitchFamily="34" charset="-122"/>
-              <a:ea typeface="微软雅黑" pitchFamily="34" charset="-122"/>
-            </a:endParaRPr>
           </a:p>
         </p:txBody>
       </p:sp>
@@ -26571,17 +26547,7 @@
                 <a:latin typeface="微软雅黑" pitchFamily="34" charset="-122"/>
                 <a:ea typeface="微软雅黑" pitchFamily="34" charset="-122"/>
               </a:rPr>
-              <a:t>通</a:t>
-            </a:r>
-            <a:r>
-              <a:rPr lang="zh-CN" altLang="en-US" sz="2000" b="1" dirty="0" smtClean="0">
-                <a:solidFill>
-                  <a:srgbClr val="474747"/>
-                </a:solidFill>
-                <a:latin typeface="微软雅黑" pitchFamily="34" charset="-122"/>
-                <a:ea typeface="微软雅黑" pitchFamily="34" charset="-122"/>
-              </a:rPr>
-              <a:t>过</a:t>
+              <a:t>通过</a:t>
             </a:r>
             <a:r>
               <a:rPr lang="en-US" altLang="zh-CN" sz="2000" b="1" dirty="0" err="1" smtClean="0">
@@ -27924,6 +27890,1611 @@
       <p:bldP spid="9" grpId="0" animBg="1"/>
       <p:bldP spid="10" grpId="0" animBg="1"/>
       <p:bldP spid="11" grpId="0" animBg="1"/>
+    </p:bldLst>
+  </p:timing>
+</p:sld>
+</file>
+
+<file path=ppt/slides/slide47.xml><?xml version="1.0" encoding="utf-8"?>
+<p:sld xmlns:a="http://schemas.openxmlformats.org/drawingml/2006/main" xmlns:r="http://schemas.openxmlformats.org/officeDocument/2006/relationships" xmlns:p="http://schemas.openxmlformats.org/presentationml/2006/main">
+  <p:cSld>
+    <p:spTree>
+      <p:nvGrpSpPr>
+        <p:cNvPr id="1" name=""/>
+        <p:cNvGrpSpPr/>
+        <p:nvPr/>
+      </p:nvGrpSpPr>
+      <p:grpSpPr>
+        <a:xfrm>
+          <a:off x="0" y="0"/>
+          <a:ext cx="0" cy="0"/>
+          <a:chOff x="0" y="0"/>
+          <a:chExt cx="0" cy="0"/>
+        </a:xfrm>
+      </p:grpSpPr>
+      <p:sp>
+        <p:nvSpPr>
+          <p:cNvPr id="2" name="标题 1"/>
+          <p:cNvSpPr>
+            <a:spLocks noGrp="1"/>
+          </p:cNvSpPr>
+          <p:nvPr>
+            <p:ph type="title"/>
+          </p:nvPr>
+        </p:nvSpPr>
+        <p:spPr>
+          <a:xfrm>
+            <a:off x="467544" y="1268760"/>
+            <a:ext cx="8229600" cy="1143000"/>
+          </a:xfrm>
+        </p:spPr>
+        <p:txBody>
+          <a:bodyPr>
+            <a:normAutofit/>
+          </a:bodyPr>
+          <a:lstStyle/>
+          <a:p>
+            <a:r>
+              <a:rPr lang="en-US" altLang="zh-CN" sz="3000" b="1" dirty="0" err="1" smtClean="0">
+                <a:solidFill>
+                  <a:srgbClr val="C9394A"/>
+                </a:solidFill>
+                <a:latin typeface="微软雅黑" pitchFamily="34" charset="-122"/>
+                <a:ea typeface="微软雅黑" pitchFamily="34" charset="-122"/>
+              </a:rPr>
+              <a:t>Requirejs</a:t>
+            </a:r>
+            <a:r>
+              <a:rPr lang="zh-CN" altLang="en-US" sz="3000" b="1" dirty="0" smtClean="0">
+                <a:solidFill>
+                  <a:srgbClr val="C9394A"/>
+                </a:solidFill>
+                <a:latin typeface="微软雅黑" pitchFamily="34" charset="-122"/>
+                <a:ea typeface="微软雅黑" pitchFamily="34" charset="-122"/>
+              </a:rPr>
+              <a:t>和自动打包</a:t>
+            </a:r>
+            <a:endParaRPr lang="zh-CN" altLang="en-US" sz="3000" b="1" dirty="0">
+              <a:solidFill>
+                <a:srgbClr val="C9394A"/>
+              </a:solidFill>
+              <a:latin typeface="微软雅黑" pitchFamily="34" charset="-122"/>
+              <a:ea typeface="微软雅黑" pitchFamily="34" charset="-122"/>
+            </a:endParaRPr>
+          </a:p>
+        </p:txBody>
+      </p:sp>
+      <p:sp>
+        <p:nvSpPr>
+          <p:cNvPr id="3" name="内容占位符 2"/>
+          <p:cNvSpPr>
+            <a:spLocks noGrp="1"/>
+          </p:cNvSpPr>
+          <p:nvPr>
+            <p:ph idx="1"/>
+          </p:nvPr>
+        </p:nvSpPr>
+        <p:spPr>
+          <a:xfrm>
+            <a:off x="467544" y="2852937"/>
+            <a:ext cx="8229600" cy="648071"/>
+          </a:xfrm>
+        </p:spPr>
+        <p:txBody>
+          <a:bodyPr>
+            <a:normAutofit/>
+          </a:bodyPr>
+          <a:lstStyle/>
+          <a:p>
+            <a:pPr algn="ctr">
+              <a:buNone/>
+            </a:pPr>
+            <a:r>
+              <a:rPr lang="zh-CN" altLang="en-US" sz="2200" b="1" dirty="0" smtClean="0">
+                <a:solidFill>
+                  <a:srgbClr val="474747"/>
+                </a:solidFill>
+                <a:latin typeface="微软雅黑" pitchFamily="34" charset="-122"/>
+                <a:ea typeface="微软雅黑" pitchFamily="34" charset="-122"/>
+              </a:rPr>
+              <a:t>使</a:t>
+            </a:r>
+            <a:r>
+              <a:rPr lang="zh-CN" altLang="en-US" sz="2200" b="1" dirty="0" smtClean="0">
+                <a:solidFill>
+                  <a:srgbClr val="474747"/>
+                </a:solidFill>
+                <a:latin typeface="微软雅黑" pitchFamily="34" charset="-122"/>
+                <a:ea typeface="微软雅黑" pitchFamily="34" charset="-122"/>
+              </a:rPr>
+              <a:t>用</a:t>
+            </a:r>
+            <a:r>
+              <a:rPr lang="en-US" altLang="zh-CN" sz="2200" b="1" dirty="0" err="1" smtClean="0">
+                <a:solidFill>
+                  <a:srgbClr val="474747"/>
+                </a:solidFill>
+                <a:latin typeface="微软雅黑" pitchFamily="34" charset="-122"/>
+                <a:ea typeface="微软雅黑" pitchFamily="34" charset="-122"/>
+              </a:rPr>
+              <a:t>css</a:t>
+            </a:r>
+            <a:r>
+              <a:rPr lang="zh-CN" altLang="en-US" sz="2200" b="1" dirty="0" smtClean="0">
+                <a:solidFill>
+                  <a:srgbClr val="474747"/>
+                </a:solidFill>
+                <a:latin typeface="微软雅黑" pitchFamily="34" charset="-122"/>
+                <a:ea typeface="微软雅黑" pitchFamily="34" charset="-122"/>
+              </a:rPr>
+              <a:t>插</a:t>
+            </a:r>
+            <a:r>
+              <a:rPr lang="zh-CN" altLang="en-US" sz="2200" b="1" dirty="0" smtClean="0">
+                <a:solidFill>
+                  <a:srgbClr val="474747"/>
+                </a:solidFill>
+                <a:latin typeface="微软雅黑" pitchFamily="34" charset="-122"/>
+                <a:ea typeface="微软雅黑" pitchFamily="34" charset="-122"/>
+              </a:rPr>
+              <a:t>件加</a:t>
+            </a:r>
+            <a:r>
+              <a:rPr lang="zh-CN" altLang="en-US" sz="2200" b="1" dirty="0" smtClean="0">
+                <a:solidFill>
+                  <a:srgbClr val="474747"/>
+                </a:solidFill>
+                <a:latin typeface="微软雅黑" pitchFamily="34" charset="-122"/>
+                <a:ea typeface="微软雅黑" pitchFamily="34" charset="-122"/>
+              </a:rPr>
+              <a:t>载样式</a:t>
+            </a:r>
+            <a:endParaRPr lang="en-US" altLang="zh-CN" sz="2200" b="1" dirty="0" smtClean="0">
+              <a:solidFill>
+                <a:srgbClr val="474747"/>
+              </a:solidFill>
+              <a:latin typeface="微软雅黑" pitchFamily="34" charset="-122"/>
+              <a:ea typeface="微软雅黑" pitchFamily="34" charset="-122"/>
+            </a:endParaRPr>
+          </a:p>
+          <a:p>
+            <a:pPr algn="ctr">
+              <a:buNone/>
+            </a:pPr>
+            <a:endParaRPr lang="en-US" altLang="zh-CN" sz="2200" b="1" dirty="0" smtClean="0">
+              <a:solidFill>
+                <a:srgbClr val="474747"/>
+              </a:solidFill>
+              <a:latin typeface="微软雅黑" pitchFamily="34" charset="-122"/>
+              <a:ea typeface="微软雅黑" pitchFamily="34" charset="-122"/>
+            </a:endParaRPr>
+          </a:p>
+          <a:p>
+            <a:pPr algn="ctr">
+              <a:buNone/>
+            </a:pPr>
+            <a:endParaRPr lang="en-US" altLang="zh-CN" sz="2200" b="1" dirty="0" smtClean="0">
+              <a:solidFill>
+                <a:srgbClr val="474747"/>
+              </a:solidFill>
+              <a:latin typeface="微软雅黑" pitchFamily="34" charset="-122"/>
+              <a:ea typeface="微软雅黑" pitchFamily="34" charset="-122"/>
+            </a:endParaRPr>
+          </a:p>
+        </p:txBody>
+      </p:sp>
+      <p:sp>
+        <p:nvSpPr>
+          <p:cNvPr id="4" name="TextBox 3"/>
+          <p:cNvSpPr txBox="1"/>
+          <p:nvPr/>
+        </p:nvSpPr>
+        <p:spPr>
+          <a:xfrm>
+            <a:off x="2123728" y="4077072"/>
+            <a:ext cx="5472608" cy="646331"/>
+          </a:xfrm>
+          <a:prstGeom prst="rect">
+            <a:avLst/>
+          </a:prstGeom>
+          <a:noFill/>
+        </p:spPr>
+        <p:txBody>
+          <a:bodyPr wrap="square" rtlCol="0">
+            <a:spAutoFit/>
+          </a:bodyPr>
+          <a:lstStyle/>
+          <a:p>
+            <a:pPr algn="ctr"/>
+            <a:r>
+              <a:rPr lang="en-US" altLang="zh-CN" b="1" dirty="0" smtClean="0">
+                <a:solidFill>
+                  <a:srgbClr val="474747"/>
+                </a:solidFill>
+                <a:latin typeface="微软雅黑" pitchFamily="34" charset="-122"/>
+                <a:ea typeface="微软雅黑" pitchFamily="34" charset="-122"/>
+                <a:hlinkClick r:id="rId2"/>
+              </a:rPr>
+              <a:t>https://github.com/guybedford/require-css</a:t>
+            </a:r>
+            <a:endParaRPr lang="zh-CN" altLang="en-US" b="1" dirty="0" smtClean="0">
+              <a:solidFill>
+                <a:srgbClr val="474747"/>
+              </a:solidFill>
+              <a:latin typeface="微软雅黑" pitchFamily="34" charset="-122"/>
+              <a:ea typeface="微软雅黑" pitchFamily="34" charset="-122"/>
+            </a:endParaRPr>
+          </a:p>
+          <a:p>
+            <a:pPr algn="ctr"/>
+            <a:endParaRPr lang="zh-CN" altLang="en-US" dirty="0"/>
+          </a:p>
+        </p:txBody>
+      </p:sp>
+    </p:spTree>
+  </p:cSld>
+  <p:clrMapOvr>
+    <a:masterClrMapping/>
+  </p:clrMapOvr>
+  <p:timing>
+    <p:tnLst>
+      <p:par>
+        <p:cTn id="1" dur="indefinite" restart="never" nodeType="tmRoot">
+          <p:childTnLst>
+            <p:seq concurrent="1" nextAc="seek">
+              <p:cTn id="2" dur="indefinite" nodeType="mainSeq">
+                <p:childTnLst>
+                  <p:par>
+                    <p:cTn id="3" fill="hold">
+                      <p:stCondLst>
+                        <p:cond delay="indefinite"/>
+                      </p:stCondLst>
+                      <p:childTnLst>
+                        <p:par>
+                          <p:cTn id="4" fill="hold">
+                            <p:stCondLst>
+                              <p:cond delay="0"/>
+                            </p:stCondLst>
+                            <p:childTnLst>
+                              <p:par>
+                                <p:cTn id="5" presetID="2" presetClass="entr" presetSubtype="4" fill="hold" grpId="0" nodeType="clickEffect">
+                                  <p:stCondLst>
+                                    <p:cond delay="0"/>
+                                  </p:stCondLst>
+                                  <p:childTnLst>
+                                    <p:set>
+                                      <p:cBhvr>
+                                        <p:cTn id="6" dur="1" fill="hold">
+                                          <p:stCondLst>
+                                            <p:cond delay="0"/>
+                                          </p:stCondLst>
+                                        </p:cTn>
+                                        <p:tgtEl>
+                                          <p:spTgt spid="4"/>
+                                        </p:tgtEl>
+                                        <p:attrNameLst>
+                                          <p:attrName>style.visibility</p:attrName>
+                                        </p:attrNameLst>
+                                      </p:cBhvr>
+                                      <p:to>
+                                        <p:strVal val="visible"/>
+                                      </p:to>
+                                    </p:set>
+                                    <p:anim calcmode="lin" valueType="num">
+                                      <p:cBhvr additive="base">
+                                        <p:cTn id="7" dur="300" fill="hold"/>
+                                        <p:tgtEl>
+                                          <p:spTgt spid="4"/>
+                                        </p:tgtEl>
+                                        <p:attrNameLst>
+                                          <p:attrName>ppt_x</p:attrName>
+                                        </p:attrNameLst>
+                                      </p:cBhvr>
+                                      <p:tavLst>
+                                        <p:tav tm="0">
+                                          <p:val>
+                                            <p:strVal val="#ppt_x"/>
+                                          </p:val>
+                                        </p:tav>
+                                        <p:tav tm="100000">
+                                          <p:val>
+                                            <p:strVal val="#ppt_x"/>
+                                          </p:val>
+                                        </p:tav>
+                                      </p:tavLst>
+                                    </p:anim>
+                                    <p:anim calcmode="lin" valueType="num">
+                                      <p:cBhvr additive="base">
+                                        <p:cTn id="8" dur="300" fill="hold"/>
+                                        <p:tgtEl>
+                                          <p:spTgt spid="4"/>
+                                        </p:tgtEl>
+                                        <p:attrNameLst>
+                                          <p:attrName>ppt_y</p:attrName>
+                                        </p:attrNameLst>
+                                      </p:cBhvr>
+                                      <p:tavLst>
+                                        <p:tav tm="0">
+                                          <p:val>
+                                            <p:strVal val="1+#ppt_h/2"/>
+                                          </p:val>
+                                        </p:tav>
+                                        <p:tav tm="100000">
+                                          <p:val>
+                                            <p:strVal val="#ppt_y"/>
+                                          </p:val>
+                                        </p:tav>
+                                      </p:tavLst>
+                                    </p:anim>
+                                  </p:childTnLst>
+                                </p:cTn>
+                              </p:par>
+                            </p:childTnLst>
+                          </p:cTn>
+                        </p:par>
+                      </p:childTnLst>
+                    </p:cTn>
+                  </p:par>
+                </p:childTnLst>
+              </p:cTn>
+              <p:prevCondLst>
+                <p:cond evt="onPrev" delay="0">
+                  <p:tgtEl>
+                    <p:sldTgt/>
+                  </p:tgtEl>
+                </p:cond>
+              </p:prevCondLst>
+              <p:nextCondLst>
+                <p:cond evt="onNext" delay="0">
+                  <p:tgtEl>
+                    <p:sldTgt/>
+                  </p:tgtEl>
+                </p:cond>
+              </p:nextCondLst>
+            </p:seq>
+          </p:childTnLst>
+        </p:cTn>
+      </p:par>
+    </p:tnLst>
+    <p:bldLst>
+      <p:bldP spid="4" grpId="0"/>
+    </p:bldLst>
+  </p:timing>
+</p:sld>
+</file>
+
+<file path=ppt/slides/slide48.xml><?xml version="1.0" encoding="utf-8"?>
+<p:sld xmlns:a="http://schemas.openxmlformats.org/drawingml/2006/main" xmlns:r="http://schemas.openxmlformats.org/officeDocument/2006/relationships" xmlns:p="http://schemas.openxmlformats.org/presentationml/2006/main">
+  <p:cSld>
+    <p:spTree>
+      <p:nvGrpSpPr>
+        <p:cNvPr id="1" name=""/>
+        <p:cNvGrpSpPr/>
+        <p:nvPr/>
+      </p:nvGrpSpPr>
+      <p:grpSpPr>
+        <a:xfrm>
+          <a:off x="0" y="0"/>
+          <a:ext cx="0" cy="0"/>
+          <a:chOff x="0" y="0"/>
+          <a:chExt cx="0" cy="0"/>
+        </a:xfrm>
+      </p:grpSpPr>
+      <p:sp>
+        <p:nvSpPr>
+          <p:cNvPr id="2" name="内容占位符 2"/>
+          <p:cNvSpPr txBox="1">
+            <a:spLocks/>
+          </p:cNvSpPr>
+          <p:nvPr/>
+        </p:nvSpPr>
+        <p:spPr>
+          <a:xfrm>
+            <a:off x="457200" y="1200150"/>
+            <a:ext cx="8229600" cy="508000"/>
+          </a:xfrm>
+          <a:prstGeom prst="rect">
+            <a:avLst/>
+          </a:prstGeom>
+        </p:spPr>
+        <p:txBody>
+          <a:bodyPr/>
+          <a:lstStyle/>
+          <a:p>
+            <a:pPr marL="0" marR="0" lvl="0" indent="0" algn="l" defTabSz="914400" rtl="0" eaLnBrk="1" fontAlgn="auto" latinLnBrk="0" hangingPunct="1">
+              <a:lnSpc>
+                <a:spcPct val="100000"/>
+              </a:lnSpc>
+              <a:spcBef>
+                <a:spcPct val="20000"/>
+              </a:spcBef>
+              <a:spcAft>
+                <a:spcPts val="0"/>
+              </a:spcAft>
+              <a:buClrTx/>
+              <a:buSzTx/>
+              <a:buFont typeface="Arial" panose="020B0604020202020204" pitchFamily="34" charset="0"/>
+              <a:buNone/>
+              <a:tabLst/>
+              <a:defRPr/>
+            </a:pPr>
+            <a:r>
+              <a:rPr kumimoji="0" lang="zh-CN" altLang="en-US" sz="3200" b="1" i="0" u="none" strike="noStrike" kern="1200" cap="none" spc="0" normalizeH="0" baseline="0" noProof="0" dirty="0" smtClean="0">
+                <a:ln>
+                  <a:noFill/>
+                </a:ln>
+                <a:solidFill>
+                  <a:srgbClr val="212121"/>
+                </a:solidFill>
+                <a:effectLst/>
+                <a:uLnTx/>
+                <a:uFillTx/>
+                <a:latin typeface="微软雅黑" pitchFamily="34" charset="-122"/>
+                <a:ea typeface="微软雅黑" pitchFamily="34" charset="-122"/>
+              </a:rPr>
+              <a:t>插</a:t>
+            </a:r>
+            <a:r>
+              <a:rPr kumimoji="0" lang="zh-CN" altLang="en-US" sz="3200" b="1" i="0" u="none" strike="noStrike" kern="1200" cap="none" spc="0" normalizeH="0" baseline="0" noProof="0" dirty="0" smtClean="0">
+                <a:ln>
+                  <a:noFill/>
+                </a:ln>
+                <a:solidFill>
+                  <a:srgbClr val="212121"/>
+                </a:solidFill>
+                <a:effectLst/>
+                <a:uLnTx/>
+                <a:uFillTx/>
+                <a:latin typeface="微软雅黑" pitchFamily="34" charset="-122"/>
+                <a:ea typeface="微软雅黑" pitchFamily="34" charset="-122"/>
+              </a:rPr>
+              <a:t>件</a:t>
+            </a:r>
+            <a:r>
+              <a:rPr kumimoji="0" lang="en-US" altLang="zh-CN" sz="3200" b="1" i="0" u="none" strike="noStrike" kern="1200" cap="none" spc="0" normalizeH="0" baseline="0" noProof="0" dirty="0" err="1" smtClean="0">
+                <a:ln>
+                  <a:noFill/>
+                </a:ln>
+                <a:solidFill>
+                  <a:srgbClr val="212121"/>
+                </a:solidFill>
+                <a:effectLst/>
+                <a:uLnTx/>
+                <a:uFillTx/>
+                <a:latin typeface="微软雅黑" pitchFamily="34" charset="-122"/>
+                <a:ea typeface="微软雅黑" pitchFamily="34" charset="-122"/>
+              </a:rPr>
+              <a:t>css.js</a:t>
+            </a:r>
+            <a:endParaRPr kumimoji="0" lang="en-US" altLang="zh-CN" sz="3200" b="1" i="0" u="none" strike="noStrike" kern="1200" cap="none" spc="0" normalizeH="0" baseline="0" noProof="0" dirty="0" smtClean="0">
+              <a:ln>
+                <a:noFill/>
+              </a:ln>
+              <a:solidFill>
+                <a:srgbClr val="212121"/>
+              </a:solidFill>
+              <a:effectLst/>
+              <a:uLnTx/>
+              <a:uFillTx/>
+              <a:latin typeface="微软雅黑" pitchFamily="34" charset="-122"/>
+              <a:ea typeface="微软雅黑" pitchFamily="34" charset="-122"/>
+            </a:endParaRPr>
+          </a:p>
+        </p:txBody>
+      </p:sp>
+      <p:sp>
+        <p:nvSpPr>
+          <p:cNvPr id="3" name="文本框 2"/>
+          <p:cNvSpPr txBox="1"/>
+          <p:nvPr/>
+        </p:nvSpPr>
+        <p:spPr>
+          <a:xfrm>
+            <a:off x="611560" y="2276872"/>
+            <a:ext cx="8229600" cy="400110"/>
+          </a:xfrm>
+          <a:prstGeom prst="rect">
+            <a:avLst/>
+          </a:prstGeom>
+          <a:noFill/>
+        </p:spPr>
+        <p:txBody>
+          <a:bodyPr>
+            <a:spAutoFit/>
+          </a:bodyPr>
+          <a:lstStyle/>
+          <a:p>
+            <a:pPr lvl="1">
+              <a:buFont typeface="Arial" panose="020B0604020202020204" pitchFamily="34" charset="0"/>
+              <a:buNone/>
+              <a:defRPr/>
+            </a:pPr>
+            <a:r>
+              <a:rPr lang="zh-CN" altLang="en-US" sz="2000" b="1" dirty="0" smtClean="0">
+                <a:solidFill>
+                  <a:srgbClr val="474747"/>
+                </a:solidFill>
+                <a:latin typeface="微软雅黑" pitchFamily="34" charset="-122"/>
+                <a:ea typeface="微软雅黑" pitchFamily="34" charset="-122"/>
+              </a:rPr>
+              <a:t>用</a:t>
+            </a:r>
+            <a:r>
+              <a:rPr lang="zh-CN" altLang="en-US" sz="2000" b="1" dirty="0" smtClean="0">
+                <a:solidFill>
+                  <a:srgbClr val="474747"/>
+                </a:solidFill>
+                <a:latin typeface="微软雅黑" pitchFamily="34" charset="-122"/>
+                <a:ea typeface="微软雅黑" pitchFamily="34" charset="-122"/>
+              </a:rPr>
+              <a:t>于</a:t>
+            </a:r>
+            <a:r>
+              <a:rPr lang="zh-CN" altLang="en-US" sz="2000" b="1" dirty="0" smtClean="0">
+                <a:solidFill>
+                  <a:srgbClr val="474747"/>
+                </a:solidFill>
+                <a:latin typeface="微软雅黑" pitchFamily="34" charset="-122"/>
+                <a:ea typeface="微软雅黑" pitchFamily="34" charset="-122"/>
+              </a:rPr>
+              <a:t>加</a:t>
+            </a:r>
+            <a:r>
+              <a:rPr lang="zh-CN" altLang="en-US" sz="2000" b="1" dirty="0" smtClean="0">
+                <a:solidFill>
+                  <a:srgbClr val="474747"/>
+                </a:solidFill>
+                <a:latin typeface="微软雅黑" pitchFamily="34" charset="-122"/>
+                <a:ea typeface="微软雅黑" pitchFamily="34" charset="-122"/>
+              </a:rPr>
+              <a:t>载样式文件</a:t>
+            </a:r>
+            <a:r>
+              <a:rPr lang="zh-CN" altLang="en-US" sz="2000" b="1" dirty="0" smtClean="0">
+                <a:solidFill>
+                  <a:srgbClr val="474747"/>
+                </a:solidFill>
+                <a:latin typeface="微软雅黑" pitchFamily="34" charset="-122"/>
+                <a:ea typeface="微软雅黑" pitchFamily="34" charset="-122"/>
+              </a:rPr>
+              <a:t>的</a:t>
+            </a:r>
+            <a:r>
+              <a:rPr lang="en-US" altLang="zh-CN" sz="2000" b="1" dirty="0" err="1" smtClean="0">
+                <a:solidFill>
+                  <a:srgbClr val="474747"/>
+                </a:solidFill>
+                <a:latin typeface="微软雅黑" pitchFamily="34" charset="-122"/>
+                <a:ea typeface="微软雅黑" pitchFamily="34" charset="-122"/>
+              </a:rPr>
+              <a:t>requirejs</a:t>
+            </a:r>
+            <a:r>
+              <a:rPr lang="zh-CN" altLang="en-US" sz="2000" b="1" dirty="0" smtClean="0">
+                <a:solidFill>
+                  <a:srgbClr val="474747"/>
+                </a:solidFill>
+                <a:latin typeface="微软雅黑" pitchFamily="34" charset="-122"/>
+                <a:ea typeface="微软雅黑" pitchFamily="34" charset="-122"/>
+              </a:rPr>
+              <a:t>插件</a:t>
+            </a:r>
+            <a:endParaRPr lang="en-US" altLang="zh-CN" sz="2000" b="1" dirty="0" smtClean="0">
+              <a:solidFill>
+                <a:srgbClr val="474747"/>
+              </a:solidFill>
+              <a:latin typeface="微软雅黑" pitchFamily="34" charset="-122"/>
+              <a:ea typeface="微软雅黑" pitchFamily="34" charset="-122"/>
+            </a:endParaRPr>
+          </a:p>
+        </p:txBody>
+      </p:sp>
+      <p:sp>
+        <p:nvSpPr>
+          <p:cNvPr id="14" name="圆角矩形 13"/>
+          <p:cNvSpPr/>
+          <p:nvPr/>
+        </p:nvSpPr>
+        <p:spPr>
+          <a:xfrm>
+            <a:off x="5724128" y="2204864"/>
+            <a:ext cx="2232248" cy="864096"/>
+          </a:xfrm>
+          <a:prstGeom prst="roundRect">
+            <a:avLst/>
+          </a:prstGeom>
+          <a:solidFill>
+            <a:srgbClr val="C9394A"/>
+          </a:solidFill>
+          <a:ln/>
+        </p:spPr>
+        <p:style>
+          <a:lnRef idx="3">
+            <a:schemeClr val="lt1"/>
+          </a:lnRef>
+          <a:fillRef idx="1">
+            <a:schemeClr val="accent4"/>
+          </a:fillRef>
+          <a:effectRef idx="1">
+            <a:schemeClr val="accent4"/>
+          </a:effectRef>
+          <a:fontRef idx="minor">
+            <a:schemeClr val="lt1"/>
+          </a:fontRef>
+        </p:style>
+        <p:txBody>
+          <a:bodyPr anchor="ctr"/>
+          <a:lstStyle/>
+          <a:p>
+            <a:pPr algn="ctr">
+              <a:buFont typeface="Arial" charset="0"/>
+              <a:buNone/>
+              <a:defRPr/>
+            </a:pPr>
+            <a:r>
+              <a:rPr lang="zh-CN" altLang="en-US" sz="1500" b="1" dirty="0" smtClean="0">
+                <a:solidFill>
+                  <a:schemeClr val="bg1"/>
+                </a:solidFill>
+                <a:latin typeface="微软雅黑" pitchFamily="34" charset="-122"/>
+                <a:ea typeface="微软雅黑" pitchFamily="34" charset="-122"/>
+              </a:rPr>
+              <a:t>前缀 </a:t>
+            </a:r>
+            <a:r>
+              <a:rPr lang="en-US" altLang="zh-CN" sz="1500" b="1" dirty="0" err="1" smtClean="0">
+                <a:solidFill>
+                  <a:schemeClr val="bg1"/>
+                </a:solidFill>
+                <a:latin typeface="微软雅黑" pitchFamily="34" charset="-122"/>
+                <a:ea typeface="微软雅黑" pitchFamily="34" charset="-122"/>
+              </a:rPr>
+              <a:t>css</a:t>
+            </a:r>
+            <a:r>
+              <a:rPr lang="en-US" altLang="zh-CN" sz="1500" b="1" dirty="0" smtClean="0">
+                <a:solidFill>
+                  <a:schemeClr val="bg1"/>
+                </a:solidFill>
+                <a:latin typeface="微软雅黑" pitchFamily="34" charset="-122"/>
+                <a:ea typeface="微软雅黑" pitchFamily="34" charset="-122"/>
+              </a:rPr>
+              <a:t>!</a:t>
+            </a:r>
+            <a:endParaRPr lang="en-US" altLang="zh-CN" sz="1500" b="1" dirty="0" smtClean="0">
+              <a:solidFill>
+                <a:schemeClr val="bg1"/>
+              </a:solidFill>
+              <a:latin typeface="微软雅黑" pitchFamily="34" charset="-122"/>
+              <a:ea typeface="微软雅黑" pitchFamily="34" charset="-122"/>
+            </a:endParaRPr>
+          </a:p>
+        </p:txBody>
+      </p:sp>
+      <p:pic>
+        <p:nvPicPr>
+          <p:cNvPr id="15" name="Picture 2"/>
+          <p:cNvPicPr>
+            <a:picLocks noChangeAspect="1" noChangeArrowheads="1"/>
+          </p:cNvPicPr>
+          <p:nvPr/>
+        </p:nvPicPr>
+        <p:blipFill>
+          <a:blip r:embed="rId2" cstate="print"/>
+          <a:srcRect/>
+          <a:stretch>
+            <a:fillRect/>
+          </a:stretch>
+        </p:blipFill>
+        <p:spPr bwMode="auto">
+          <a:xfrm>
+            <a:off x="1259632" y="3429000"/>
+            <a:ext cx="6162675" cy="2114550"/>
+          </a:xfrm>
+          <a:prstGeom prst="rect">
+            <a:avLst/>
+          </a:prstGeom>
+          <a:noFill/>
+          <a:ln w="9525">
+            <a:noFill/>
+            <a:miter lim="800000"/>
+            <a:headEnd/>
+            <a:tailEnd/>
+          </a:ln>
+        </p:spPr>
+      </p:pic>
+      <p:cxnSp>
+        <p:nvCxnSpPr>
+          <p:cNvPr id="16" name="直接箭头连接符 15"/>
+          <p:cNvCxnSpPr/>
+          <p:nvPr/>
+        </p:nvCxnSpPr>
+        <p:spPr>
+          <a:xfrm flipV="1">
+            <a:off x="2627784" y="2780928"/>
+            <a:ext cx="3024336" cy="1800200"/>
+          </a:xfrm>
+          <a:prstGeom prst="straightConnector1">
+            <a:avLst/>
+          </a:prstGeom>
+          <a:ln w="38100">
+            <a:solidFill>
+              <a:srgbClr val="C9394A"/>
+            </a:solidFill>
+            <a:tailEnd type="arrow"/>
+          </a:ln>
+        </p:spPr>
+        <p:style>
+          <a:lnRef idx="1">
+            <a:schemeClr val="accent1"/>
+          </a:lnRef>
+          <a:fillRef idx="0">
+            <a:schemeClr val="accent1"/>
+          </a:fillRef>
+          <a:effectRef idx="0">
+            <a:schemeClr val="accent1"/>
+          </a:effectRef>
+          <a:fontRef idx="minor">
+            <a:schemeClr val="tx1"/>
+          </a:fontRef>
+        </p:style>
+      </p:cxnSp>
+    </p:spTree>
+  </p:cSld>
+  <p:clrMapOvr>
+    <a:masterClrMapping/>
+  </p:clrMapOvr>
+  <p:timing>
+    <p:tnLst>
+      <p:par>
+        <p:cTn id="1" dur="indefinite" restart="never" nodeType="tmRoot">
+          <p:childTnLst>
+            <p:seq concurrent="1" nextAc="seek">
+              <p:cTn id="2" dur="indefinite" nodeType="mainSeq">
+                <p:childTnLst>
+                  <p:par>
+                    <p:cTn id="3" fill="hold">
+                      <p:stCondLst>
+                        <p:cond delay="indefinite"/>
+                      </p:stCondLst>
+                      <p:childTnLst>
+                        <p:par>
+                          <p:cTn id="4" fill="hold">
+                            <p:stCondLst>
+                              <p:cond delay="0"/>
+                            </p:stCondLst>
+                            <p:childTnLst>
+                              <p:par>
+                                <p:cTn id="5" presetID="2" presetClass="entr" presetSubtype="4" fill="hold" grpId="0" nodeType="clickEffect">
+                                  <p:stCondLst>
+                                    <p:cond delay="0"/>
+                                  </p:stCondLst>
+                                  <p:childTnLst>
+                                    <p:set>
+                                      <p:cBhvr>
+                                        <p:cTn id="6" dur="1" fill="hold">
+                                          <p:stCondLst>
+                                            <p:cond delay="0"/>
+                                          </p:stCondLst>
+                                        </p:cTn>
+                                        <p:tgtEl>
+                                          <p:spTgt spid="2">
+                                            <p:txEl>
+                                              <p:pRg st="0" end="0"/>
+                                            </p:txEl>
+                                          </p:spTgt>
+                                        </p:tgtEl>
+                                        <p:attrNameLst>
+                                          <p:attrName>style.visibility</p:attrName>
+                                        </p:attrNameLst>
+                                      </p:cBhvr>
+                                      <p:to>
+                                        <p:strVal val="visible"/>
+                                      </p:to>
+                                    </p:set>
+                                    <p:anim calcmode="lin" valueType="num">
+                                      <p:cBhvr additive="base">
+                                        <p:cTn id="7" dur="300" fill="hold"/>
+                                        <p:tgtEl>
+                                          <p:spTgt spid="2">
+                                            <p:txEl>
+                                              <p:pRg st="0" end="0"/>
+                                            </p:txEl>
+                                          </p:spTgt>
+                                        </p:tgtEl>
+                                        <p:attrNameLst>
+                                          <p:attrName>ppt_x</p:attrName>
+                                        </p:attrNameLst>
+                                      </p:cBhvr>
+                                      <p:tavLst>
+                                        <p:tav tm="0">
+                                          <p:val>
+                                            <p:strVal val="#ppt_x"/>
+                                          </p:val>
+                                        </p:tav>
+                                        <p:tav tm="100000">
+                                          <p:val>
+                                            <p:strVal val="#ppt_x"/>
+                                          </p:val>
+                                        </p:tav>
+                                      </p:tavLst>
+                                    </p:anim>
+                                    <p:anim calcmode="lin" valueType="num">
+                                      <p:cBhvr additive="base">
+                                        <p:cTn id="8" dur="300" fill="hold"/>
+                                        <p:tgtEl>
+                                          <p:spTgt spid="2">
+                                            <p:txEl>
+                                              <p:pRg st="0" end="0"/>
+                                            </p:txEl>
+                                          </p:spTgt>
+                                        </p:tgtEl>
+                                        <p:attrNameLst>
+                                          <p:attrName>ppt_y</p:attrName>
+                                        </p:attrNameLst>
+                                      </p:cBhvr>
+                                      <p:tavLst>
+                                        <p:tav tm="0">
+                                          <p:val>
+                                            <p:strVal val="1+#ppt_h/2"/>
+                                          </p:val>
+                                        </p:tav>
+                                        <p:tav tm="100000">
+                                          <p:val>
+                                            <p:strVal val="#ppt_y"/>
+                                          </p:val>
+                                        </p:tav>
+                                      </p:tavLst>
+                                    </p:anim>
+                                  </p:childTnLst>
+                                </p:cTn>
+                              </p:par>
+                            </p:childTnLst>
+                          </p:cTn>
+                        </p:par>
+                      </p:childTnLst>
+                    </p:cTn>
+                  </p:par>
+                  <p:par>
+                    <p:cTn id="9" fill="hold">
+                      <p:stCondLst>
+                        <p:cond delay="indefinite"/>
+                      </p:stCondLst>
+                      <p:childTnLst>
+                        <p:par>
+                          <p:cTn id="10" fill="hold">
+                            <p:stCondLst>
+                              <p:cond delay="0"/>
+                            </p:stCondLst>
+                            <p:childTnLst>
+                              <p:par>
+                                <p:cTn id="11" presetID="2" presetClass="entr" presetSubtype="4" fill="hold" grpId="0" nodeType="clickEffect">
+                                  <p:stCondLst>
+                                    <p:cond delay="0"/>
+                                  </p:stCondLst>
+                                  <p:childTnLst>
+                                    <p:set>
+                                      <p:cBhvr>
+                                        <p:cTn id="12" dur="1" fill="hold">
+                                          <p:stCondLst>
+                                            <p:cond delay="0"/>
+                                          </p:stCondLst>
+                                        </p:cTn>
+                                        <p:tgtEl>
+                                          <p:spTgt spid="3"/>
+                                        </p:tgtEl>
+                                        <p:attrNameLst>
+                                          <p:attrName>style.visibility</p:attrName>
+                                        </p:attrNameLst>
+                                      </p:cBhvr>
+                                      <p:to>
+                                        <p:strVal val="visible"/>
+                                      </p:to>
+                                    </p:set>
+                                    <p:anim calcmode="lin" valueType="num">
+                                      <p:cBhvr additive="base">
+                                        <p:cTn id="13" dur="300" fill="hold"/>
+                                        <p:tgtEl>
+                                          <p:spTgt spid="3"/>
+                                        </p:tgtEl>
+                                        <p:attrNameLst>
+                                          <p:attrName>ppt_x</p:attrName>
+                                        </p:attrNameLst>
+                                      </p:cBhvr>
+                                      <p:tavLst>
+                                        <p:tav tm="0">
+                                          <p:val>
+                                            <p:strVal val="#ppt_x"/>
+                                          </p:val>
+                                        </p:tav>
+                                        <p:tav tm="100000">
+                                          <p:val>
+                                            <p:strVal val="#ppt_x"/>
+                                          </p:val>
+                                        </p:tav>
+                                      </p:tavLst>
+                                    </p:anim>
+                                    <p:anim calcmode="lin" valueType="num">
+                                      <p:cBhvr additive="base">
+                                        <p:cTn id="14" dur="300" fill="hold"/>
+                                        <p:tgtEl>
+                                          <p:spTgt spid="3"/>
+                                        </p:tgtEl>
+                                        <p:attrNameLst>
+                                          <p:attrName>ppt_y</p:attrName>
+                                        </p:attrNameLst>
+                                      </p:cBhvr>
+                                      <p:tavLst>
+                                        <p:tav tm="0">
+                                          <p:val>
+                                            <p:strVal val="1+#ppt_h/2"/>
+                                          </p:val>
+                                        </p:tav>
+                                        <p:tav tm="100000">
+                                          <p:val>
+                                            <p:strVal val="#ppt_y"/>
+                                          </p:val>
+                                        </p:tav>
+                                      </p:tavLst>
+                                    </p:anim>
+                                  </p:childTnLst>
+                                </p:cTn>
+                              </p:par>
+                            </p:childTnLst>
+                          </p:cTn>
+                        </p:par>
+                      </p:childTnLst>
+                    </p:cTn>
+                  </p:par>
+                  <p:par>
+                    <p:cTn id="15" fill="hold">
+                      <p:stCondLst>
+                        <p:cond delay="indefinite"/>
+                      </p:stCondLst>
+                      <p:childTnLst>
+                        <p:par>
+                          <p:cTn id="16" fill="hold">
+                            <p:stCondLst>
+                              <p:cond delay="0"/>
+                            </p:stCondLst>
+                            <p:childTnLst>
+                              <p:par>
+                                <p:cTn id="17" presetID="2" presetClass="entr" presetSubtype="4" fill="hold" nodeType="clickEffect">
+                                  <p:stCondLst>
+                                    <p:cond delay="0"/>
+                                  </p:stCondLst>
+                                  <p:childTnLst>
+                                    <p:set>
+                                      <p:cBhvr>
+                                        <p:cTn id="18" dur="1" fill="hold">
+                                          <p:stCondLst>
+                                            <p:cond delay="0"/>
+                                          </p:stCondLst>
+                                        </p:cTn>
+                                        <p:tgtEl>
+                                          <p:spTgt spid="15"/>
+                                        </p:tgtEl>
+                                        <p:attrNameLst>
+                                          <p:attrName>style.visibility</p:attrName>
+                                        </p:attrNameLst>
+                                      </p:cBhvr>
+                                      <p:to>
+                                        <p:strVal val="visible"/>
+                                      </p:to>
+                                    </p:set>
+                                    <p:anim calcmode="lin" valueType="num">
+                                      <p:cBhvr additive="base">
+                                        <p:cTn id="19" dur="300" fill="hold"/>
+                                        <p:tgtEl>
+                                          <p:spTgt spid="15"/>
+                                        </p:tgtEl>
+                                        <p:attrNameLst>
+                                          <p:attrName>ppt_x</p:attrName>
+                                        </p:attrNameLst>
+                                      </p:cBhvr>
+                                      <p:tavLst>
+                                        <p:tav tm="0">
+                                          <p:val>
+                                            <p:strVal val="#ppt_x"/>
+                                          </p:val>
+                                        </p:tav>
+                                        <p:tav tm="100000">
+                                          <p:val>
+                                            <p:strVal val="#ppt_x"/>
+                                          </p:val>
+                                        </p:tav>
+                                      </p:tavLst>
+                                    </p:anim>
+                                    <p:anim calcmode="lin" valueType="num">
+                                      <p:cBhvr additive="base">
+                                        <p:cTn id="20" dur="300" fill="hold"/>
+                                        <p:tgtEl>
+                                          <p:spTgt spid="15"/>
+                                        </p:tgtEl>
+                                        <p:attrNameLst>
+                                          <p:attrName>ppt_y</p:attrName>
+                                        </p:attrNameLst>
+                                      </p:cBhvr>
+                                      <p:tavLst>
+                                        <p:tav tm="0">
+                                          <p:val>
+                                            <p:strVal val="1+#ppt_h/2"/>
+                                          </p:val>
+                                        </p:tav>
+                                        <p:tav tm="100000">
+                                          <p:val>
+                                            <p:strVal val="#ppt_y"/>
+                                          </p:val>
+                                        </p:tav>
+                                      </p:tavLst>
+                                    </p:anim>
+                                  </p:childTnLst>
+                                </p:cTn>
+                              </p:par>
+                            </p:childTnLst>
+                          </p:cTn>
+                        </p:par>
+                      </p:childTnLst>
+                    </p:cTn>
+                  </p:par>
+                  <p:par>
+                    <p:cTn id="21" fill="hold">
+                      <p:stCondLst>
+                        <p:cond delay="indefinite"/>
+                      </p:stCondLst>
+                      <p:childTnLst>
+                        <p:par>
+                          <p:cTn id="22" fill="hold">
+                            <p:stCondLst>
+                              <p:cond delay="0"/>
+                            </p:stCondLst>
+                            <p:childTnLst>
+                              <p:par>
+                                <p:cTn id="23" presetID="2" presetClass="entr" presetSubtype="4" fill="hold" grpId="0" nodeType="clickEffect">
+                                  <p:stCondLst>
+                                    <p:cond delay="0"/>
+                                  </p:stCondLst>
+                                  <p:childTnLst>
+                                    <p:set>
+                                      <p:cBhvr>
+                                        <p:cTn id="24" dur="1" fill="hold">
+                                          <p:stCondLst>
+                                            <p:cond delay="0"/>
+                                          </p:stCondLst>
+                                        </p:cTn>
+                                        <p:tgtEl>
+                                          <p:spTgt spid="14"/>
+                                        </p:tgtEl>
+                                        <p:attrNameLst>
+                                          <p:attrName>style.visibility</p:attrName>
+                                        </p:attrNameLst>
+                                      </p:cBhvr>
+                                      <p:to>
+                                        <p:strVal val="visible"/>
+                                      </p:to>
+                                    </p:set>
+                                    <p:anim calcmode="lin" valueType="num">
+                                      <p:cBhvr additive="base">
+                                        <p:cTn id="25" dur="300" fill="hold"/>
+                                        <p:tgtEl>
+                                          <p:spTgt spid="14"/>
+                                        </p:tgtEl>
+                                        <p:attrNameLst>
+                                          <p:attrName>ppt_x</p:attrName>
+                                        </p:attrNameLst>
+                                      </p:cBhvr>
+                                      <p:tavLst>
+                                        <p:tav tm="0">
+                                          <p:val>
+                                            <p:strVal val="#ppt_x"/>
+                                          </p:val>
+                                        </p:tav>
+                                        <p:tav tm="100000">
+                                          <p:val>
+                                            <p:strVal val="#ppt_x"/>
+                                          </p:val>
+                                        </p:tav>
+                                      </p:tavLst>
+                                    </p:anim>
+                                    <p:anim calcmode="lin" valueType="num">
+                                      <p:cBhvr additive="base">
+                                        <p:cTn id="26" dur="300" fill="hold"/>
+                                        <p:tgtEl>
+                                          <p:spTgt spid="14"/>
+                                        </p:tgtEl>
+                                        <p:attrNameLst>
+                                          <p:attrName>ppt_y</p:attrName>
+                                        </p:attrNameLst>
+                                      </p:cBhvr>
+                                      <p:tavLst>
+                                        <p:tav tm="0">
+                                          <p:val>
+                                            <p:strVal val="1+#ppt_h/2"/>
+                                          </p:val>
+                                        </p:tav>
+                                        <p:tav tm="100000">
+                                          <p:val>
+                                            <p:strVal val="#ppt_y"/>
+                                          </p:val>
+                                        </p:tav>
+                                      </p:tavLst>
+                                    </p:anim>
+                                  </p:childTnLst>
+                                </p:cTn>
+                              </p:par>
+                              <p:par>
+                                <p:cTn id="27" presetID="2" presetClass="entr" presetSubtype="4" fill="hold" nodeType="withEffect">
+                                  <p:stCondLst>
+                                    <p:cond delay="0"/>
+                                  </p:stCondLst>
+                                  <p:childTnLst>
+                                    <p:set>
+                                      <p:cBhvr>
+                                        <p:cTn id="28" dur="1" fill="hold">
+                                          <p:stCondLst>
+                                            <p:cond delay="0"/>
+                                          </p:stCondLst>
+                                        </p:cTn>
+                                        <p:tgtEl>
+                                          <p:spTgt spid="16"/>
+                                        </p:tgtEl>
+                                        <p:attrNameLst>
+                                          <p:attrName>style.visibility</p:attrName>
+                                        </p:attrNameLst>
+                                      </p:cBhvr>
+                                      <p:to>
+                                        <p:strVal val="visible"/>
+                                      </p:to>
+                                    </p:set>
+                                    <p:anim calcmode="lin" valueType="num">
+                                      <p:cBhvr additive="base">
+                                        <p:cTn id="29" dur="300" fill="hold"/>
+                                        <p:tgtEl>
+                                          <p:spTgt spid="16"/>
+                                        </p:tgtEl>
+                                        <p:attrNameLst>
+                                          <p:attrName>ppt_x</p:attrName>
+                                        </p:attrNameLst>
+                                      </p:cBhvr>
+                                      <p:tavLst>
+                                        <p:tav tm="0">
+                                          <p:val>
+                                            <p:strVal val="#ppt_x"/>
+                                          </p:val>
+                                        </p:tav>
+                                        <p:tav tm="100000">
+                                          <p:val>
+                                            <p:strVal val="#ppt_x"/>
+                                          </p:val>
+                                        </p:tav>
+                                      </p:tavLst>
+                                    </p:anim>
+                                    <p:anim calcmode="lin" valueType="num">
+                                      <p:cBhvr additive="base">
+                                        <p:cTn id="30" dur="300" fill="hold"/>
+                                        <p:tgtEl>
+                                          <p:spTgt spid="16"/>
+                                        </p:tgtEl>
+                                        <p:attrNameLst>
+                                          <p:attrName>ppt_y</p:attrName>
+                                        </p:attrNameLst>
+                                      </p:cBhvr>
+                                      <p:tavLst>
+                                        <p:tav tm="0">
+                                          <p:val>
+                                            <p:strVal val="1+#ppt_h/2"/>
+                                          </p:val>
+                                        </p:tav>
+                                        <p:tav tm="100000">
+                                          <p:val>
+                                            <p:strVal val="#ppt_y"/>
+                                          </p:val>
+                                        </p:tav>
+                                      </p:tavLst>
+                                    </p:anim>
+                                  </p:childTnLst>
+                                </p:cTn>
+                              </p:par>
+                            </p:childTnLst>
+                          </p:cTn>
+                        </p:par>
+                      </p:childTnLst>
+                    </p:cTn>
+                  </p:par>
+                </p:childTnLst>
+              </p:cTn>
+              <p:prevCondLst>
+                <p:cond evt="onPrev" delay="0">
+                  <p:tgtEl>
+                    <p:sldTgt/>
+                  </p:tgtEl>
+                </p:cond>
+              </p:prevCondLst>
+              <p:nextCondLst>
+                <p:cond evt="onNext" delay="0">
+                  <p:tgtEl>
+                    <p:sldTgt/>
+                  </p:tgtEl>
+                </p:cond>
+              </p:nextCondLst>
+            </p:seq>
+          </p:childTnLst>
+        </p:cTn>
+      </p:par>
+    </p:tnLst>
+    <p:bldLst>
+      <p:bldP spid="2" grpId="0" build="p"/>
+      <p:bldP spid="3" grpId="0"/>
+      <p:bldP spid="14" grpId="0" animBg="1"/>
+    </p:bldLst>
+  </p:timing>
+</p:sld>
+</file>
+
+<file path=ppt/slides/slide49.xml><?xml version="1.0" encoding="utf-8"?>
+<p:sld xmlns:a="http://schemas.openxmlformats.org/drawingml/2006/main" xmlns:r="http://schemas.openxmlformats.org/officeDocument/2006/relationships" xmlns:p="http://schemas.openxmlformats.org/presentationml/2006/main">
+  <p:cSld>
+    <p:spTree>
+      <p:nvGrpSpPr>
+        <p:cNvPr id="1" name=""/>
+        <p:cNvGrpSpPr/>
+        <p:nvPr/>
+      </p:nvGrpSpPr>
+      <p:grpSpPr>
+        <a:xfrm>
+          <a:off x="0" y="0"/>
+          <a:ext cx="0" cy="0"/>
+          <a:chOff x="0" y="0"/>
+          <a:chExt cx="0" cy="0"/>
+        </a:xfrm>
+      </p:grpSpPr>
+      <p:sp>
+        <p:nvSpPr>
+          <p:cNvPr id="5" name="文本框 2"/>
+          <p:cNvSpPr txBox="1"/>
+          <p:nvPr/>
+        </p:nvSpPr>
+        <p:spPr>
+          <a:xfrm>
+            <a:off x="611560" y="1700808"/>
+            <a:ext cx="8229600" cy="400110"/>
+          </a:xfrm>
+          <a:prstGeom prst="rect">
+            <a:avLst/>
+          </a:prstGeom>
+          <a:noFill/>
+        </p:spPr>
+        <p:txBody>
+          <a:bodyPr>
+            <a:spAutoFit/>
+          </a:bodyPr>
+          <a:lstStyle/>
+          <a:p>
+            <a:pPr lvl="1">
+              <a:buFont typeface="Arial" panose="020B0604020202020204" pitchFamily="34" charset="0"/>
+              <a:buNone/>
+              <a:defRPr/>
+            </a:pPr>
+            <a:r>
+              <a:rPr lang="zh-CN" altLang="en-US" sz="2000" b="1" dirty="0" smtClean="0">
+                <a:solidFill>
+                  <a:srgbClr val="474747"/>
+                </a:solidFill>
+                <a:latin typeface="微软雅黑" pitchFamily="34" charset="-122"/>
+                <a:ea typeface="微软雅黑" pitchFamily="34" charset="-122"/>
+              </a:rPr>
+              <a:t>为了让</a:t>
+            </a:r>
+            <a:r>
+              <a:rPr lang="en-US" altLang="zh-CN" sz="2000" b="1" dirty="0" err="1" smtClean="0">
+                <a:solidFill>
+                  <a:srgbClr val="474747"/>
+                </a:solidFill>
+                <a:latin typeface="微软雅黑" pitchFamily="34" charset="-122"/>
+                <a:ea typeface="微软雅黑" pitchFamily="34" charset="-122"/>
+              </a:rPr>
+              <a:t>css</a:t>
+            </a:r>
+            <a:r>
+              <a:rPr lang="en-US" altLang="zh-CN" sz="2000" b="1" dirty="0" smtClean="0">
+                <a:solidFill>
+                  <a:srgbClr val="474747"/>
+                </a:solidFill>
+                <a:latin typeface="微软雅黑" pitchFamily="34" charset="-122"/>
+                <a:ea typeface="微软雅黑" pitchFamily="34" charset="-122"/>
+              </a:rPr>
+              <a:t>!</a:t>
+            </a:r>
+            <a:r>
+              <a:rPr lang="zh-CN" altLang="en-US" sz="2000" b="1" dirty="0" smtClean="0">
+                <a:solidFill>
+                  <a:srgbClr val="474747"/>
+                </a:solidFill>
+                <a:latin typeface="微软雅黑" pitchFamily="34" charset="-122"/>
+                <a:ea typeface="微软雅黑" pitchFamily="34" charset="-122"/>
+              </a:rPr>
+              <a:t>生效，在</a:t>
+            </a:r>
+            <a:r>
+              <a:rPr lang="en-US" altLang="zh-CN" sz="2000" b="1" dirty="0" err="1" smtClean="0">
+                <a:solidFill>
+                  <a:srgbClr val="474747"/>
+                </a:solidFill>
+                <a:latin typeface="微软雅黑" pitchFamily="34" charset="-122"/>
+                <a:ea typeface="微软雅黑" pitchFamily="34" charset="-122"/>
+              </a:rPr>
+              <a:t>requirejs</a:t>
+            </a:r>
+            <a:r>
+              <a:rPr lang="zh-CN" altLang="en-US" sz="2000" b="1" dirty="0" smtClean="0">
+                <a:solidFill>
+                  <a:srgbClr val="474747"/>
+                </a:solidFill>
+                <a:latin typeface="微软雅黑" pitchFamily="34" charset="-122"/>
+                <a:ea typeface="微软雅黑" pitchFamily="34" charset="-122"/>
+              </a:rPr>
+              <a:t>里设置：</a:t>
+            </a:r>
+            <a:endParaRPr lang="en-US" altLang="zh-CN" sz="2000" b="1" dirty="0" smtClean="0">
+              <a:solidFill>
+                <a:srgbClr val="474747"/>
+              </a:solidFill>
+              <a:latin typeface="微软雅黑" pitchFamily="34" charset="-122"/>
+              <a:ea typeface="微软雅黑" pitchFamily="34" charset="-122"/>
+            </a:endParaRPr>
+          </a:p>
+        </p:txBody>
+      </p:sp>
+      <p:pic>
+        <p:nvPicPr>
+          <p:cNvPr id="2050" name="Picture 2"/>
+          <p:cNvPicPr>
+            <a:picLocks noChangeAspect="1" noChangeArrowheads="1"/>
+          </p:cNvPicPr>
+          <p:nvPr/>
+        </p:nvPicPr>
+        <p:blipFill>
+          <a:blip r:embed="rId2" cstate="print"/>
+          <a:srcRect/>
+          <a:stretch>
+            <a:fillRect/>
+          </a:stretch>
+        </p:blipFill>
+        <p:spPr bwMode="auto">
+          <a:xfrm>
+            <a:off x="1187624" y="2708920"/>
+            <a:ext cx="5324475" cy="1552575"/>
+          </a:xfrm>
+          <a:prstGeom prst="rect">
+            <a:avLst/>
+          </a:prstGeom>
+          <a:noFill/>
+          <a:ln w="9525">
+            <a:noFill/>
+            <a:miter lim="800000"/>
+            <a:headEnd/>
+            <a:tailEnd/>
+          </a:ln>
+        </p:spPr>
+      </p:pic>
+    </p:spTree>
+  </p:cSld>
+  <p:clrMapOvr>
+    <a:masterClrMapping/>
+  </p:clrMapOvr>
+  <p:timing>
+    <p:tnLst>
+      <p:par>
+        <p:cTn id="1" dur="indefinite" restart="never" nodeType="tmRoot">
+          <p:childTnLst>
+            <p:seq concurrent="1" nextAc="seek">
+              <p:cTn id="2" dur="indefinite" nodeType="mainSeq">
+                <p:childTnLst>
+                  <p:par>
+                    <p:cTn id="3" fill="hold">
+                      <p:stCondLst>
+                        <p:cond delay="indefinite"/>
+                      </p:stCondLst>
+                      <p:childTnLst>
+                        <p:par>
+                          <p:cTn id="4" fill="hold">
+                            <p:stCondLst>
+                              <p:cond delay="0"/>
+                            </p:stCondLst>
+                            <p:childTnLst>
+                              <p:par>
+                                <p:cTn id="5" presetID="2" presetClass="entr" presetSubtype="4" fill="hold" grpId="0" nodeType="clickEffect">
+                                  <p:stCondLst>
+                                    <p:cond delay="0"/>
+                                  </p:stCondLst>
+                                  <p:childTnLst>
+                                    <p:set>
+                                      <p:cBhvr>
+                                        <p:cTn id="6" dur="1" fill="hold">
+                                          <p:stCondLst>
+                                            <p:cond delay="0"/>
+                                          </p:stCondLst>
+                                        </p:cTn>
+                                        <p:tgtEl>
+                                          <p:spTgt spid="5"/>
+                                        </p:tgtEl>
+                                        <p:attrNameLst>
+                                          <p:attrName>style.visibility</p:attrName>
+                                        </p:attrNameLst>
+                                      </p:cBhvr>
+                                      <p:to>
+                                        <p:strVal val="visible"/>
+                                      </p:to>
+                                    </p:set>
+                                    <p:anim calcmode="lin" valueType="num">
+                                      <p:cBhvr additive="base">
+                                        <p:cTn id="7" dur="300" fill="hold"/>
+                                        <p:tgtEl>
+                                          <p:spTgt spid="5"/>
+                                        </p:tgtEl>
+                                        <p:attrNameLst>
+                                          <p:attrName>ppt_x</p:attrName>
+                                        </p:attrNameLst>
+                                      </p:cBhvr>
+                                      <p:tavLst>
+                                        <p:tav tm="0">
+                                          <p:val>
+                                            <p:strVal val="#ppt_x"/>
+                                          </p:val>
+                                        </p:tav>
+                                        <p:tav tm="100000">
+                                          <p:val>
+                                            <p:strVal val="#ppt_x"/>
+                                          </p:val>
+                                        </p:tav>
+                                      </p:tavLst>
+                                    </p:anim>
+                                    <p:anim calcmode="lin" valueType="num">
+                                      <p:cBhvr additive="base">
+                                        <p:cTn id="8" dur="300" fill="hold"/>
+                                        <p:tgtEl>
+                                          <p:spTgt spid="5"/>
+                                        </p:tgtEl>
+                                        <p:attrNameLst>
+                                          <p:attrName>ppt_y</p:attrName>
+                                        </p:attrNameLst>
+                                      </p:cBhvr>
+                                      <p:tavLst>
+                                        <p:tav tm="0">
+                                          <p:val>
+                                            <p:strVal val="1+#ppt_h/2"/>
+                                          </p:val>
+                                        </p:tav>
+                                        <p:tav tm="100000">
+                                          <p:val>
+                                            <p:strVal val="#ppt_y"/>
+                                          </p:val>
+                                        </p:tav>
+                                      </p:tavLst>
+                                    </p:anim>
+                                  </p:childTnLst>
+                                </p:cTn>
+                              </p:par>
+                            </p:childTnLst>
+                          </p:cTn>
+                        </p:par>
+                      </p:childTnLst>
+                    </p:cTn>
+                  </p:par>
+                  <p:par>
+                    <p:cTn id="9" fill="hold">
+                      <p:stCondLst>
+                        <p:cond delay="indefinite"/>
+                      </p:stCondLst>
+                      <p:childTnLst>
+                        <p:par>
+                          <p:cTn id="10" fill="hold">
+                            <p:stCondLst>
+                              <p:cond delay="0"/>
+                            </p:stCondLst>
+                            <p:childTnLst>
+                              <p:par>
+                                <p:cTn id="11" presetID="2" presetClass="entr" presetSubtype="4" fill="hold" nodeType="clickEffect">
+                                  <p:stCondLst>
+                                    <p:cond delay="0"/>
+                                  </p:stCondLst>
+                                  <p:childTnLst>
+                                    <p:set>
+                                      <p:cBhvr>
+                                        <p:cTn id="12" dur="1" fill="hold">
+                                          <p:stCondLst>
+                                            <p:cond delay="0"/>
+                                          </p:stCondLst>
+                                        </p:cTn>
+                                        <p:tgtEl>
+                                          <p:spTgt spid="2050"/>
+                                        </p:tgtEl>
+                                        <p:attrNameLst>
+                                          <p:attrName>style.visibility</p:attrName>
+                                        </p:attrNameLst>
+                                      </p:cBhvr>
+                                      <p:to>
+                                        <p:strVal val="visible"/>
+                                      </p:to>
+                                    </p:set>
+                                    <p:anim calcmode="lin" valueType="num">
+                                      <p:cBhvr additive="base">
+                                        <p:cTn id="13" dur="300" fill="hold"/>
+                                        <p:tgtEl>
+                                          <p:spTgt spid="2050"/>
+                                        </p:tgtEl>
+                                        <p:attrNameLst>
+                                          <p:attrName>ppt_x</p:attrName>
+                                        </p:attrNameLst>
+                                      </p:cBhvr>
+                                      <p:tavLst>
+                                        <p:tav tm="0">
+                                          <p:val>
+                                            <p:strVal val="#ppt_x"/>
+                                          </p:val>
+                                        </p:tav>
+                                        <p:tav tm="100000">
+                                          <p:val>
+                                            <p:strVal val="#ppt_x"/>
+                                          </p:val>
+                                        </p:tav>
+                                      </p:tavLst>
+                                    </p:anim>
+                                    <p:anim calcmode="lin" valueType="num">
+                                      <p:cBhvr additive="base">
+                                        <p:cTn id="14" dur="300" fill="hold"/>
+                                        <p:tgtEl>
+                                          <p:spTgt spid="2050"/>
+                                        </p:tgtEl>
+                                        <p:attrNameLst>
+                                          <p:attrName>ppt_y</p:attrName>
+                                        </p:attrNameLst>
+                                      </p:cBhvr>
+                                      <p:tavLst>
+                                        <p:tav tm="0">
+                                          <p:val>
+                                            <p:strVal val="1+#ppt_h/2"/>
+                                          </p:val>
+                                        </p:tav>
+                                        <p:tav tm="100000">
+                                          <p:val>
+                                            <p:strVal val="#ppt_y"/>
+                                          </p:val>
+                                        </p:tav>
+                                      </p:tavLst>
+                                    </p:anim>
+                                  </p:childTnLst>
+                                </p:cTn>
+                              </p:par>
+                            </p:childTnLst>
+                          </p:cTn>
+                        </p:par>
+                      </p:childTnLst>
+                    </p:cTn>
+                  </p:par>
+                </p:childTnLst>
+              </p:cTn>
+              <p:prevCondLst>
+                <p:cond evt="onPrev" delay="0">
+                  <p:tgtEl>
+                    <p:sldTgt/>
+                  </p:tgtEl>
+                </p:cond>
+              </p:prevCondLst>
+              <p:nextCondLst>
+                <p:cond evt="onNext" delay="0">
+                  <p:tgtEl>
+                    <p:sldTgt/>
+                  </p:tgtEl>
+                </p:cond>
+              </p:nextCondLst>
+            </p:seq>
+          </p:childTnLst>
+        </p:cTn>
+      </p:par>
+    </p:tnLst>
+    <p:bldLst>
+      <p:bldP spid="5" grpId="0"/>
     </p:bldLst>
   </p:timing>
 </p:sld>

--- a/requirejs/doc/requirejs.pptx
+++ b/requirejs/doc/requirejs.pptx
@@ -5,7 +5,7 @@
     <p:sldMasterId id="2147483648" r:id="rId1"/>
   </p:sldMasterIdLst>
   <p:notesMasterIdLst>
-    <p:notesMasterId r:id="rId51"/>
+    <p:notesMasterId r:id="rId55"/>
   </p:notesMasterIdLst>
   <p:sldIdLst>
     <p:sldId id="258" r:id="rId2"/>
@@ -57,6 +57,10 @@
     <p:sldId id="305" r:id="rId48"/>
     <p:sldId id="306" r:id="rId49"/>
     <p:sldId id="307" r:id="rId50"/>
+    <p:sldId id="308" r:id="rId51"/>
+    <p:sldId id="309" r:id="rId52"/>
+    <p:sldId id="310" r:id="rId53"/>
+    <p:sldId id="311" r:id="rId54"/>
   </p:sldIdLst>
   <p:sldSz cx="9144000" cy="6858000" type="screen4x3"/>
   <p:notesSz cx="6858000" cy="9144000"/>
@@ -241,7 +245,7 @@
             <a:fld id="{B2C916C8-812D-4B64-92A8-238699F8A54D}" type="datetimeFigureOut">
               <a:rPr lang="zh-CN" altLang="en-US" smtClean="0"/>
               <a:pPr/>
-              <a:t>2016/5/30</a:t>
+              <a:t>2016/5/31</a:t>
             </a:fld>
             <a:endParaRPr lang="zh-CN" altLang="en-US"/>
           </a:p>
@@ -771,7 +775,7 @@
             <a:fld id="{530820CF-B880-4189-942D-D702A7CBA730}" type="datetimeFigureOut">
               <a:rPr lang="zh-CN" altLang="en-US" smtClean="0"/>
               <a:pPr/>
-              <a:t>2016/5/30</a:t>
+              <a:t>2016/5/31</a:t>
             </a:fld>
             <a:endParaRPr lang="zh-CN" altLang="en-US"/>
           </a:p>
@@ -938,7 +942,7 @@
             <a:fld id="{530820CF-B880-4189-942D-D702A7CBA730}" type="datetimeFigureOut">
               <a:rPr lang="zh-CN" altLang="en-US" smtClean="0"/>
               <a:pPr/>
-              <a:t>2016/5/30</a:t>
+              <a:t>2016/5/31</a:t>
             </a:fld>
             <a:endParaRPr lang="zh-CN" altLang="en-US"/>
           </a:p>
@@ -1115,7 +1119,7 @@
             <a:fld id="{530820CF-B880-4189-942D-D702A7CBA730}" type="datetimeFigureOut">
               <a:rPr lang="zh-CN" altLang="en-US" smtClean="0"/>
               <a:pPr/>
-              <a:t>2016/5/30</a:t>
+              <a:t>2016/5/31</a:t>
             </a:fld>
             <a:endParaRPr lang="zh-CN" altLang="en-US"/>
           </a:p>
@@ -1282,7 +1286,7 @@
             <a:fld id="{530820CF-B880-4189-942D-D702A7CBA730}" type="datetimeFigureOut">
               <a:rPr lang="zh-CN" altLang="en-US" smtClean="0"/>
               <a:pPr/>
-              <a:t>2016/5/30</a:t>
+              <a:t>2016/5/31</a:t>
             </a:fld>
             <a:endParaRPr lang="zh-CN" altLang="en-US"/>
           </a:p>
@@ -1525,7 +1529,7 @@
             <a:fld id="{530820CF-B880-4189-942D-D702A7CBA730}" type="datetimeFigureOut">
               <a:rPr lang="zh-CN" altLang="en-US" smtClean="0"/>
               <a:pPr/>
-              <a:t>2016/5/30</a:t>
+              <a:t>2016/5/31</a:t>
             </a:fld>
             <a:endParaRPr lang="zh-CN" altLang="en-US"/>
           </a:p>
@@ -1810,7 +1814,7 @@
             <a:fld id="{530820CF-B880-4189-942D-D702A7CBA730}" type="datetimeFigureOut">
               <a:rPr lang="zh-CN" altLang="en-US" smtClean="0"/>
               <a:pPr/>
-              <a:t>2016/5/30</a:t>
+              <a:t>2016/5/31</a:t>
             </a:fld>
             <a:endParaRPr lang="zh-CN" altLang="en-US"/>
           </a:p>
@@ -2229,7 +2233,7 @@
             <a:fld id="{530820CF-B880-4189-942D-D702A7CBA730}" type="datetimeFigureOut">
               <a:rPr lang="zh-CN" altLang="en-US" smtClean="0"/>
               <a:pPr/>
-              <a:t>2016/5/30</a:t>
+              <a:t>2016/5/31</a:t>
             </a:fld>
             <a:endParaRPr lang="zh-CN" altLang="en-US"/>
           </a:p>
@@ -2344,7 +2348,7 @@
             <a:fld id="{530820CF-B880-4189-942D-D702A7CBA730}" type="datetimeFigureOut">
               <a:rPr lang="zh-CN" altLang="en-US" smtClean="0"/>
               <a:pPr/>
-              <a:t>2016/5/30</a:t>
+              <a:t>2016/5/31</a:t>
             </a:fld>
             <a:endParaRPr lang="zh-CN" altLang="en-US"/>
           </a:p>
@@ -2436,7 +2440,7 @@
             <a:fld id="{530820CF-B880-4189-942D-D702A7CBA730}" type="datetimeFigureOut">
               <a:rPr lang="zh-CN" altLang="en-US" smtClean="0"/>
               <a:pPr/>
-              <a:t>2016/5/30</a:t>
+              <a:t>2016/5/31</a:t>
             </a:fld>
             <a:endParaRPr lang="zh-CN" altLang="en-US"/>
           </a:p>
@@ -2710,7 +2714,7 @@
             <a:fld id="{530820CF-B880-4189-942D-D702A7CBA730}" type="datetimeFigureOut">
               <a:rPr lang="zh-CN" altLang="en-US" smtClean="0"/>
               <a:pPr/>
-              <a:t>2016/5/30</a:t>
+              <a:t>2016/5/31</a:t>
             </a:fld>
             <a:endParaRPr lang="zh-CN" altLang="en-US"/>
           </a:p>
@@ -2960,7 +2964,7 @@
             <a:fld id="{530820CF-B880-4189-942D-D702A7CBA730}" type="datetimeFigureOut">
               <a:rPr lang="zh-CN" altLang="en-US" smtClean="0"/>
               <a:pPr/>
-              <a:t>2016/5/30</a:t>
+              <a:t>2016/5/31</a:t>
             </a:fld>
             <a:endParaRPr lang="zh-CN" altLang="en-US"/>
           </a:p>
@@ -3170,7 +3174,7 @@
             <a:fld id="{530820CF-B880-4189-942D-D702A7CBA730}" type="datetimeFigureOut">
               <a:rPr lang="zh-CN" altLang="en-US" smtClean="0"/>
               <a:pPr/>
-              <a:t>2016/5/30</a:t>
+              <a:t>2016/5/31</a:t>
             </a:fld>
             <a:endParaRPr lang="zh-CN" altLang="en-US"/>
           </a:p>
@@ -27997,17 +28001,7 @@
                 <a:latin typeface="微软雅黑" pitchFamily="34" charset="-122"/>
                 <a:ea typeface="微软雅黑" pitchFamily="34" charset="-122"/>
               </a:rPr>
-              <a:t>使</a:t>
-            </a:r>
-            <a:r>
-              <a:rPr lang="zh-CN" altLang="en-US" sz="2200" b="1" dirty="0" smtClean="0">
-                <a:solidFill>
-                  <a:srgbClr val="474747"/>
-                </a:solidFill>
-                <a:latin typeface="微软雅黑" pitchFamily="34" charset="-122"/>
-                <a:ea typeface="微软雅黑" pitchFamily="34" charset="-122"/>
-              </a:rPr>
-              <a:t>用</a:t>
+              <a:t>使用</a:t>
             </a:r>
             <a:r>
               <a:rPr lang="en-US" altLang="zh-CN" sz="2200" b="1" dirty="0" err="1" smtClean="0">
@@ -28027,27 +28021,7 @@
                 <a:latin typeface="微软雅黑" pitchFamily="34" charset="-122"/>
                 <a:ea typeface="微软雅黑" pitchFamily="34" charset="-122"/>
               </a:rPr>
-              <a:t>插</a:t>
-            </a:r>
-            <a:r>
-              <a:rPr lang="zh-CN" altLang="en-US" sz="2200" b="1" dirty="0" smtClean="0">
-                <a:solidFill>
-                  <a:srgbClr val="474747"/>
-                </a:solidFill>
-                <a:latin typeface="微软雅黑" pitchFamily="34" charset="-122"/>
-                <a:ea typeface="微软雅黑" pitchFamily="34" charset="-122"/>
-              </a:rPr>
-              <a:t>件加</a:t>
-            </a:r>
-            <a:r>
-              <a:rPr lang="zh-CN" altLang="en-US" sz="2200" b="1" dirty="0" smtClean="0">
-                <a:solidFill>
-                  <a:srgbClr val="474747"/>
-                </a:solidFill>
-                <a:latin typeface="微软雅黑" pitchFamily="34" charset="-122"/>
-                <a:ea typeface="微软雅黑" pitchFamily="34" charset="-122"/>
-              </a:rPr>
-              <a:t>载样式</a:t>
+              <a:t>插件加载样式</a:t>
             </a:r>
             <a:endParaRPr lang="en-US" altLang="zh-CN" sz="2200" b="1" dirty="0" smtClean="0">
               <a:solidFill>
@@ -28332,23 +28306,7 @@
                 <a:latin typeface="微软雅黑" pitchFamily="34" charset="-122"/>
                 <a:ea typeface="微软雅黑" pitchFamily="34" charset="-122"/>
               </a:rPr>
-              <a:t>插</a:t>
-            </a:r>
-            <a:r>
-              <a:rPr kumimoji="0" lang="zh-CN" altLang="en-US" sz="3200" b="1" i="0" u="none" strike="noStrike" kern="1200" cap="none" spc="0" normalizeH="0" baseline="0" noProof="0" dirty="0" smtClean="0">
-                <a:ln>
-                  <a:noFill/>
-                </a:ln>
-                <a:solidFill>
-                  <a:srgbClr val="212121"/>
-                </a:solidFill>
-                <a:effectLst/>
-                <a:uLnTx/>
-                <a:uFillTx/>
-                <a:latin typeface="微软雅黑" pitchFamily="34" charset="-122"/>
-                <a:ea typeface="微软雅黑" pitchFamily="34" charset="-122"/>
-              </a:rPr>
-              <a:t>件</a:t>
+              <a:t>插件</a:t>
             </a:r>
             <a:r>
               <a:rPr kumimoji="0" lang="en-US" altLang="zh-CN" sz="3200" b="1" i="0" u="none" strike="noStrike" kern="1200" cap="none" spc="0" normalizeH="0" baseline="0" noProof="0" dirty="0" err="1" smtClean="0">
@@ -28417,47 +28375,7 @@
                 <a:latin typeface="微软雅黑" pitchFamily="34" charset="-122"/>
                 <a:ea typeface="微软雅黑" pitchFamily="34" charset="-122"/>
               </a:rPr>
-              <a:t>用</a:t>
-            </a:r>
-            <a:r>
-              <a:rPr lang="zh-CN" altLang="en-US" sz="2000" b="1" dirty="0" smtClean="0">
-                <a:solidFill>
-                  <a:srgbClr val="474747"/>
-                </a:solidFill>
-                <a:latin typeface="微软雅黑" pitchFamily="34" charset="-122"/>
-                <a:ea typeface="微软雅黑" pitchFamily="34" charset="-122"/>
-              </a:rPr>
-              <a:t>于</a:t>
-            </a:r>
-            <a:r>
-              <a:rPr lang="zh-CN" altLang="en-US" sz="2000" b="1" dirty="0" smtClean="0">
-                <a:solidFill>
-                  <a:srgbClr val="474747"/>
-                </a:solidFill>
-                <a:latin typeface="微软雅黑" pitchFamily="34" charset="-122"/>
-                <a:ea typeface="微软雅黑" pitchFamily="34" charset="-122"/>
-              </a:rPr>
-              <a:t>加</a:t>
-            </a:r>
-            <a:r>
-              <a:rPr lang="zh-CN" altLang="en-US" sz="2000" b="1" dirty="0" smtClean="0">
-                <a:solidFill>
-                  <a:srgbClr val="474747"/>
-                </a:solidFill>
-                <a:latin typeface="微软雅黑" pitchFamily="34" charset="-122"/>
-                <a:ea typeface="微软雅黑" pitchFamily="34" charset="-122"/>
-              </a:rPr>
-              <a:t>载样式文件</a:t>
-            </a:r>
-            <a:r>
-              <a:rPr lang="zh-CN" altLang="en-US" sz="2000" b="1" dirty="0" smtClean="0">
-                <a:solidFill>
-                  <a:srgbClr val="474747"/>
-                </a:solidFill>
-                <a:latin typeface="微软雅黑" pitchFamily="34" charset="-122"/>
-                <a:ea typeface="微软雅黑" pitchFamily="34" charset="-122"/>
-              </a:rPr>
-              <a:t>的</a:t>
+              <a:t>用于加载样式文件的</a:t>
             </a:r>
             <a:r>
               <a:rPr lang="en-US" altLang="zh-CN" sz="2000" b="1" dirty="0" err="1" smtClean="0">
@@ -28561,13 +28479,6 @@
               </a:rPr>
               <a:t>!</a:t>
             </a:r>
-            <a:endParaRPr lang="en-US" altLang="zh-CN" sz="1500" b="1" dirty="0" smtClean="0">
-              <a:solidFill>
-                <a:schemeClr val="bg1"/>
-              </a:solidFill>
-              <a:latin typeface="微软雅黑" pitchFamily="34" charset="-122"/>
-              <a:ea typeface="微软雅黑" pitchFamily="34" charset="-122"/>
-            </a:endParaRPr>
           </a:p>
         </p:txBody>
       </p:sp>
@@ -29655,6 +29566,3652 @@
         <p:cTn id="1" dur="indefinite" restart="never" nodeType="tmRoot"/>
       </p:par>
     </p:tnLst>
+  </p:timing>
+</p:sld>
+</file>
+
+<file path=ppt/slides/slide50.xml><?xml version="1.0" encoding="utf-8"?>
+<p:sld xmlns:a="http://schemas.openxmlformats.org/drawingml/2006/main" xmlns:r="http://schemas.openxmlformats.org/officeDocument/2006/relationships" xmlns:p="http://schemas.openxmlformats.org/presentationml/2006/main">
+  <p:cSld>
+    <p:spTree>
+      <p:nvGrpSpPr>
+        <p:cNvPr id="1" name=""/>
+        <p:cNvGrpSpPr/>
+        <p:nvPr/>
+      </p:nvGrpSpPr>
+      <p:grpSpPr>
+        <a:xfrm>
+          <a:off x="0" y="0"/>
+          <a:ext cx="0" cy="0"/>
+          <a:chOff x="0" y="0"/>
+          <a:chExt cx="0" cy="0"/>
+        </a:xfrm>
+      </p:grpSpPr>
+      <p:sp>
+        <p:nvSpPr>
+          <p:cNvPr id="2" name="标题 1"/>
+          <p:cNvSpPr>
+            <a:spLocks noGrp="1"/>
+          </p:cNvSpPr>
+          <p:nvPr>
+            <p:ph type="title"/>
+          </p:nvPr>
+        </p:nvSpPr>
+        <p:spPr>
+          <a:xfrm>
+            <a:off x="467544" y="1268760"/>
+            <a:ext cx="8229600" cy="1143000"/>
+          </a:xfrm>
+        </p:spPr>
+        <p:txBody>
+          <a:bodyPr>
+            <a:normAutofit/>
+          </a:bodyPr>
+          <a:lstStyle/>
+          <a:p>
+            <a:r>
+              <a:rPr lang="en-US" altLang="zh-CN" sz="3000" b="1" dirty="0" err="1" smtClean="0">
+                <a:solidFill>
+                  <a:srgbClr val="C9394A"/>
+                </a:solidFill>
+                <a:latin typeface="微软雅黑" pitchFamily="34" charset="-122"/>
+                <a:ea typeface="微软雅黑" pitchFamily="34" charset="-122"/>
+              </a:rPr>
+              <a:t>Requirejs</a:t>
+            </a:r>
+            <a:r>
+              <a:rPr lang="zh-CN" altLang="en-US" sz="3000" b="1" dirty="0" smtClean="0">
+                <a:solidFill>
+                  <a:srgbClr val="C9394A"/>
+                </a:solidFill>
+                <a:latin typeface="微软雅黑" pitchFamily="34" charset="-122"/>
+                <a:ea typeface="微软雅黑" pitchFamily="34" charset="-122"/>
+              </a:rPr>
+              <a:t>和自动打包</a:t>
+            </a:r>
+            <a:endParaRPr lang="zh-CN" altLang="en-US" sz="3000" b="1" dirty="0">
+              <a:solidFill>
+                <a:srgbClr val="C9394A"/>
+              </a:solidFill>
+              <a:latin typeface="微软雅黑" pitchFamily="34" charset="-122"/>
+              <a:ea typeface="微软雅黑" pitchFamily="34" charset="-122"/>
+            </a:endParaRPr>
+          </a:p>
+        </p:txBody>
+      </p:sp>
+      <p:sp>
+        <p:nvSpPr>
+          <p:cNvPr id="3" name="内容占位符 2"/>
+          <p:cNvSpPr>
+            <a:spLocks noGrp="1"/>
+          </p:cNvSpPr>
+          <p:nvPr>
+            <p:ph idx="1"/>
+          </p:nvPr>
+        </p:nvSpPr>
+        <p:spPr>
+          <a:xfrm>
+            <a:off x="467544" y="2852937"/>
+            <a:ext cx="8229600" cy="648071"/>
+          </a:xfrm>
+        </p:spPr>
+        <p:txBody>
+          <a:bodyPr>
+            <a:normAutofit/>
+          </a:bodyPr>
+          <a:lstStyle/>
+          <a:p>
+            <a:pPr algn="ctr">
+              <a:buNone/>
+            </a:pPr>
+            <a:r>
+              <a:rPr lang="zh-CN" altLang="en-US" sz="2200" b="1" dirty="0" smtClean="0">
+                <a:solidFill>
+                  <a:srgbClr val="474747"/>
+                </a:solidFill>
+                <a:latin typeface="微软雅黑" pitchFamily="34" charset="-122"/>
+                <a:ea typeface="微软雅黑" pitchFamily="34" charset="-122"/>
+              </a:rPr>
+              <a:t>使用</a:t>
+            </a:r>
+            <a:r>
+              <a:rPr lang="en-US" altLang="zh-CN" sz="2200" b="1" dirty="0" smtClean="0">
+                <a:solidFill>
+                  <a:srgbClr val="474747"/>
+                </a:solidFill>
+                <a:latin typeface="微软雅黑" pitchFamily="34" charset="-122"/>
+                <a:ea typeface="微软雅黑" pitchFamily="34" charset="-122"/>
+              </a:rPr>
+              <a:t>i18n</a:t>
+            </a:r>
+            <a:r>
+              <a:rPr lang="zh-CN" altLang="en-US" sz="2200" b="1" dirty="0" smtClean="0">
+                <a:solidFill>
+                  <a:srgbClr val="474747"/>
+                </a:solidFill>
+                <a:latin typeface="微软雅黑" pitchFamily="34" charset="-122"/>
+                <a:ea typeface="微软雅黑" pitchFamily="34" charset="-122"/>
+              </a:rPr>
+              <a:t>插件支持国际化</a:t>
+            </a:r>
+            <a:endParaRPr lang="en-US" altLang="zh-CN" sz="2200" b="1" dirty="0" smtClean="0">
+              <a:solidFill>
+                <a:srgbClr val="474747"/>
+              </a:solidFill>
+              <a:latin typeface="微软雅黑" pitchFamily="34" charset="-122"/>
+              <a:ea typeface="微软雅黑" pitchFamily="34" charset="-122"/>
+            </a:endParaRPr>
+          </a:p>
+          <a:p>
+            <a:pPr algn="ctr">
+              <a:buNone/>
+            </a:pPr>
+            <a:endParaRPr lang="en-US" altLang="zh-CN" sz="2200" b="1" dirty="0" smtClean="0">
+              <a:solidFill>
+                <a:srgbClr val="474747"/>
+              </a:solidFill>
+              <a:latin typeface="微软雅黑" pitchFamily="34" charset="-122"/>
+              <a:ea typeface="微软雅黑" pitchFamily="34" charset="-122"/>
+            </a:endParaRPr>
+          </a:p>
+          <a:p>
+            <a:pPr algn="ctr">
+              <a:buNone/>
+            </a:pPr>
+            <a:endParaRPr lang="en-US" altLang="zh-CN" sz="2200" b="1" dirty="0" smtClean="0">
+              <a:solidFill>
+                <a:srgbClr val="474747"/>
+              </a:solidFill>
+              <a:latin typeface="微软雅黑" pitchFamily="34" charset="-122"/>
+              <a:ea typeface="微软雅黑" pitchFamily="34" charset="-122"/>
+            </a:endParaRPr>
+          </a:p>
+        </p:txBody>
+      </p:sp>
+      <p:sp>
+        <p:nvSpPr>
+          <p:cNvPr id="4" name="TextBox 3"/>
+          <p:cNvSpPr txBox="1"/>
+          <p:nvPr/>
+        </p:nvSpPr>
+        <p:spPr>
+          <a:xfrm>
+            <a:off x="2123728" y="4077072"/>
+            <a:ext cx="5472608" cy="646331"/>
+          </a:xfrm>
+          <a:prstGeom prst="rect">
+            <a:avLst/>
+          </a:prstGeom>
+          <a:noFill/>
+        </p:spPr>
+        <p:txBody>
+          <a:bodyPr wrap="square" rtlCol="0">
+            <a:spAutoFit/>
+          </a:bodyPr>
+          <a:lstStyle/>
+          <a:p>
+            <a:pPr algn="ctr"/>
+            <a:r>
+              <a:rPr lang="en-US" altLang="zh-CN" b="1" dirty="0" smtClean="0">
+                <a:solidFill>
+                  <a:srgbClr val="474747"/>
+                </a:solidFill>
+                <a:latin typeface="微软雅黑" pitchFamily="34" charset="-122"/>
+                <a:ea typeface="微软雅黑" pitchFamily="34" charset="-122"/>
+                <a:hlinkClick r:id="rId2"/>
+              </a:rPr>
+              <a:t>https://github.com/requirejs/i18n</a:t>
+            </a:r>
+            <a:endParaRPr lang="zh-CN" altLang="en-US" b="1" dirty="0" smtClean="0">
+              <a:solidFill>
+                <a:srgbClr val="474747"/>
+              </a:solidFill>
+              <a:latin typeface="微软雅黑" pitchFamily="34" charset="-122"/>
+              <a:ea typeface="微软雅黑" pitchFamily="34" charset="-122"/>
+            </a:endParaRPr>
+          </a:p>
+          <a:p>
+            <a:pPr algn="ctr"/>
+            <a:endParaRPr lang="zh-CN" altLang="en-US" dirty="0"/>
+          </a:p>
+        </p:txBody>
+      </p:sp>
+    </p:spTree>
+  </p:cSld>
+  <p:clrMapOvr>
+    <a:masterClrMapping/>
+  </p:clrMapOvr>
+  <p:timing>
+    <p:tnLst>
+      <p:par>
+        <p:cTn id="1" dur="indefinite" restart="never" nodeType="tmRoot">
+          <p:childTnLst>
+            <p:seq concurrent="1" nextAc="seek">
+              <p:cTn id="2" dur="indefinite" nodeType="mainSeq">
+                <p:childTnLst>
+                  <p:par>
+                    <p:cTn id="3" fill="hold">
+                      <p:stCondLst>
+                        <p:cond delay="indefinite"/>
+                      </p:stCondLst>
+                      <p:childTnLst>
+                        <p:par>
+                          <p:cTn id="4" fill="hold">
+                            <p:stCondLst>
+                              <p:cond delay="0"/>
+                            </p:stCondLst>
+                            <p:childTnLst>
+                              <p:par>
+                                <p:cTn id="5" presetID="2" presetClass="entr" presetSubtype="4" fill="hold" grpId="0" nodeType="clickEffect">
+                                  <p:stCondLst>
+                                    <p:cond delay="0"/>
+                                  </p:stCondLst>
+                                  <p:childTnLst>
+                                    <p:set>
+                                      <p:cBhvr>
+                                        <p:cTn id="6" dur="1" fill="hold">
+                                          <p:stCondLst>
+                                            <p:cond delay="0"/>
+                                          </p:stCondLst>
+                                        </p:cTn>
+                                        <p:tgtEl>
+                                          <p:spTgt spid="4"/>
+                                        </p:tgtEl>
+                                        <p:attrNameLst>
+                                          <p:attrName>style.visibility</p:attrName>
+                                        </p:attrNameLst>
+                                      </p:cBhvr>
+                                      <p:to>
+                                        <p:strVal val="visible"/>
+                                      </p:to>
+                                    </p:set>
+                                    <p:anim calcmode="lin" valueType="num">
+                                      <p:cBhvr additive="base">
+                                        <p:cTn id="7" dur="300" fill="hold"/>
+                                        <p:tgtEl>
+                                          <p:spTgt spid="4"/>
+                                        </p:tgtEl>
+                                        <p:attrNameLst>
+                                          <p:attrName>ppt_x</p:attrName>
+                                        </p:attrNameLst>
+                                      </p:cBhvr>
+                                      <p:tavLst>
+                                        <p:tav tm="0">
+                                          <p:val>
+                                            <p:strVal val="#ppt_x"/>
+                                          </p:val>
+                                        </p:tav>
+                                        <p:tav tm="100000">
+                                          <p:val>
+                                            <p:strVal val="#ppt_x"/>
+                                          </p:val>
+                                        </p:tav>
+                                      </p:tavLst>
+                                    </p:anim>
+                                    <p:anim calcmode="lin" valueType="num">
+                                      <p:cBhvr additive="base">
+                                        <p:cTn id="8" dur="300" fill="hold"/>
+                                        <p:tgtEl>
+                                          <p:spTgt spid="4"/>
+                                        </p:tgtEl>
+                                        <p:attrNameLst>
+                                          <p:attrName>ppt_y</p:attrName>
+                                        </p:attrNameLst>
+                                      </p:cBhvr>
+                                      <p:tavLst>
+                                        <p:tav tm="0">
+                                          <p:val>
+                                            <p:strVal val="1+#ppt_h/2"/>
+                                          </p:val>
+                                        </p:tav>
+                                        <p:tav tm="100000">
+                                          <p:val>
+                                            <p:strVal val="#ppt_y"/>
+                                          </p:val>
+                                        </p:tav>
+                                      </p:tavLst>
+                                    </p:anim>
+                                  </p:childTnLst>
+                                </p:cTn>
+                              </p:par>
+                            </p:childTnLst>
+                          </p:cTn>
+                        </p:par>
+                      </p:childTnLst>
+                    </p:cTn>
+                  </p:par>
+                </p:childTnLst>
+              </p:cTn>
+              <p:prevCondLst>
+                <p:cond evt="onPrev" delay="0">
+                  <p:tgtEl>
+                    <p:sldTgt/>
+                  </p:tgtEl>
+                </p:cond>
+              </p:prevCondLst>
+              <p:nextCondLst>
+                <p:cond evt="onNext" delay="0">
+                  <p:tgtEl>
+                    <p:sldTgt/>
+                  </p:tgtEl>
+                </p:cond>
+              </p:nextCondLst>
+            </p:seq>
+          </p:childTnLst>
+        </p:cTn>
+      </p:par>
+    </p:tnLst>
+    <p:bldLst>
+      <p:bldP spid="4" grpId="0"/>
+    </p:bldLst>
+  </p:timing>
+</p:sld>
+</file>
+
+<file path=ppt/slides/slide51.xml><?xml version="1.0" encoding="utf-8"?>
+<p:sld xmlns:a="http://schemas.openxmlformats.org/drawingml/2006/main" xmlns:r="http://schemas.openxmlformats.org/officeDocument/2006/relationships" xmlns:p="http://schemas.openxmlformats.org/presentationml/2006/main">
+  <p:cSld>
+    <p:spTree>
+      <p:nvGrpSpPr>
+        <p:cNvPr id="1" name=""/>
+        <p:cNvGrpSpPr/>
+        <p:nvPr/>
+      </p:nvGrpSpPr>
+      <p:grpSpPr>
+        <a:xfrm>
+          <a:off x="0" y="0"/>
+          <a:ext cx="0" cy="0"/>
+          <a:chOff x="0" y="0"/>
+          <a:chExt cx="0" cy="0"/>
+        </a:xfrm>
+      </p:grpSpPr>
+      <p:sp>
+        <p:nvSpPr>
+          <p:cNvPr id="2" name="内容占位符 2"/>
+          <p:cNvSpPr txBox="1">
+            <a:spLocks/>
+          </p:cNvSpPr>
+          <p:nvPr/>
+        </p:nvSpPr>
+        <p:spPr>
+          <a:xfrm>
+            <a:off x="457200" y="1200150"/>
+            <a:ext cx="8229600" cy="508000"/>
+          </a:xfrm>
+          <a:prstGeom prst="rect">
+            <a:avLst/>
+          </a:prstGeom>
+        </p:spPr>
+        <p:txBody>
+          <a:bodyPr/>
+          <a:lstStyle/>
+          <a:p>
+            <a:pPr marL="0" marR="0" lvl="0" indent="0" algn="l" defTabSz="914400" rtl="0" eaLnBrk="1" fontAlgn="auto" latinLnBrk="0" hangingPunct="1">
+              <a:lnSpc>
+                <a:spcPct val="100000"/>
+              </a:lnSpc>
+              <a:spcBef>
+                <a:spcPct val="20000"/>
+              </a:spcBef>
+              <a:spcAft>
+                <a:spcPts val="0"/>
+              </a:spcAft>
+              <a:buClrTx/>
+              <a:buSzTx/>
+              <a:buFont typeface="Arial" panose="020B0604020202020204" pitchFamily="34" charset="0"/>
+              <a:buNone/>
+              <a:tabLst/>
+              <a:defRPr/>
+            </a:pPr>
+            <a:r>
+              <a:rPr kumimoji="0" lang="zh-CN" altLang="en-US" sz="3200" b="1" i="0" u="none" strike="noStrike" kern="1200" cap="none" spc="0" normalizeH="0" baseline="0" noProof="0" dirty="0" smtClean="0">
+                <a:ln>
+                  <a:noFill/>
+                </a:ln>
+                <a:solidFill>
+                  <a:srgbClr val="212121"/>
+                </a:solidFill>
+                <a:effectLst/>
+                <a:uLnTx/>
+                <a:uFillTx/>
+                <a:latin typeface="微软雅黑" pitchFamily="34" charset="-122"/>
+                <a:ea typeface="微软雅黑" pitchFamily="34" charset="-122"/>
+              </a:rPr>
+              <a:t>插</a:t>
+            </a:r>
+            <a:r>
+              <a:rPr kumimoji="0" lang="zh-CN" altLang="en-US" sz="3200" b="1" i="0" u="none" strike="noStrike" kern="1200" cap="none" spc="0" normalizeH="0" baseline="0" noProof="0" dirty="0" smtClean="0">
+                <a:ln>
+                  <a:noFill/>
+                </a:ln>
+                <a:solidFill>
+                  <a:srgbClr val="212121"/>
+                </a:solidFill>
+                <a:effectLst/>
+                <a:uLnTx/>
+                <a:uFillTx/>
+                <a:latin typeface="微软雅黑" pitchFamily="34" charset="-122"/>
+                <a:ea typeface="微软雅黑" pitchFamily="34" charset="-122"/>
+              </a:rPr>
+              <a:t>件</a:t>
+            </a:r>
+            <a:r>
+              <a:rPr kumimoji="0" lang="en-US" altLang="zh-CN" sz="3200" b="1" i="0" u="none" strike="noStrike" kern="1200" cap="none" spc="0" normalizeH="0" baseline="0" noProof="0" dirty="0" smtClean="0">
+                <a:ln>
+                  <a:noFill/>
+                </a:ln>
+                <a:solidFill>
+                  <a:srgbClr val="212121"/>
+                </a:solidFill>
+                <a:effectLst/>
+                <a:uLnTx/>
+                <a:uFillTx/>
+                <a:latin typeface="微软雅黑" pitchFamily="34" charset="-122"/>
+                <a:ea typeface="微软雅黑" pitchFamily="34" charset="-122"/>
+              </a:rPr>
+              <a:t>i18n.js</a:t>
+            </a:r>
+            <a:endParaRPr kumimoji="0" lang="en-US" altLang="zh-CN" sz="3200" b="1" i="0" u="none" strike="noStrike" kern="1200" cap="none" spc="0" normalizeH="0" baseline="0" noProof="0" dirty="0" smtClean="0">
+              <a:ln>
+                <a:noFill/>
+              </a:ln>
+              <a:solidFill>
+                <a:srgbClr val="212121"/>
+              </a:solidFill>
+              <a:effectLst/>
+              <a:uLnTx/>
+              <a:uFillTx/>
+              <a:latin typeface="微软雅黑" pitchFamily="34" charset="-122"/>
+              <a:ea typeface="微软雅黑" pitchFamily="34" charset="-122"/>
+            </a:endParaRPr>
+          </a:p>
+        </p:txBody>
+      </p:sp>
+      <p:sp>
+        <p:nvSpPr>
+          <p:cNvPr id="3" name="文本框 2"/>
+          <p:cNvSpPr txBox="1"/>
+          <p:nvPr/>
+        </p:nvSpPr>
+        <p:spPr>
+          <a:xfrm>
+            <a:off x="611560" y="2276872"/>
+            <a:ext cx="8229600" cy="400110"/>
+          </a:xfrm>
+          <a:prstGeom prst="rect">
+            <a:avLst/>
+          </a:prstGeom>
+          <a:noFill/>
+        </p:spPr>
+        <p:txBody>
+          <a:bodyPr>
+            <a:spAutoFit/>
+          </a:bodyPr>
+          <a:lstStyle/>
+          <a:p>
+            <a:pPr lvl="1">
+              <a:buFont typeface="Arial" panose="020B0604020202020204" pitchFamily="34" charset="0"/>
+              <a:buNone/>
+              <a:defRPr/>
+            </a:pPr>
+            <a:r>
+              <a:rPr lang="en-US" altLang="zh-CN" sz="2000" b="1" dirty="0" smtClean="0">
+                <a:solidFill>
+                  <a:srgbClr val="474747"/>
+                </a:solidFill>
+                <a:latin typeface="微软雅黑" pitchFamily="34" charset="-122"/>
+                <a:ea typeface="微软雅黑" pitchFamily="34" charset="-122"/>
+              </a:rPr>
+              <a:t>i18n</a:t>
+            </a:r>
+            <a:r>
+              <a:rPr lang="zh-CN" altLang="en-US" sz="2000" b="1" dirty="0" smtClean="0">
+                <a:solidFill>
+                  <a:srgbClr val="474747"/>
+                </a:solidFill>
+                <a:latin typeface="微软雅黑" pitchFamily="34" charset="-122"/>
+                <a:ea typeface="微软雅黑" pitchFamily="34" charset="-122"/>
+              </a:rPr>
+              <a:t>，支持国际化多语言，比如同时支持英语和中文</a:t>
+            </a:r>
+            <a:endParaRPr lang="en-US" altLang="zh-CN" sz="2000" b="1" dirty="0" smtClean="0">
+              <a:solidFill>
+                <a:srgbClr val="474747"/>
+              </a:solidFill>
+              <a:latin typeface="微软雅黑" pitchFamily="34" charset="-122"/>
+              <a:ea typeface="微软雅黑" pitchFamily="34" charset="-122"/>
+            </a:endParaRPr>
+          </a:p>
+        </p:txBody>
+      </p:sp>
+      <p:pic>
+        <p:nvPicPr>
+          <p:cNvPr id="2050" name="Picture 2"/>
+          <p:cNvPicPr>
+            <a:picLocks noChangeAspect="1" noChangeArrowheads="1"/>
+          </p:cNvPicPr>
+          <p:nvPr/>
+        </p:nvPicPr>
+        <p:blipFill>
+          <a:blip r:embed="rId2" cstate="print"/>
+          <a:srcRect/>
+          <a:stretch>
+            <a:fillRect/>
+          </a:stretch>
+        </p:blipFill>
+        <p:spPr bwMode="auto">
+          <a:xfrm>
+            <a:off x="1187624" y="3356992"/>
+            <a:ext cx="5267325" cy="1952625"/>
+          </a:xfrm>
+          <a:prstGeom prst="rect">
+            <a:avLst/>
+          </a:prstGeom>
+          <a:noFill/>
+          <a:ln w="9525">
+            <a:noFill/>
+            <a:miter lim="800000"/>
+            <a:headEnd/>
+            <a:tailEnd/>
+          </a:ln>
+        </p:spPr>
+      </p:pic>
+      <p:sp>
+        <p:nvSpPr>
+          <p:cNvPr id="5" name="圆角矩形 4"/>
+          <p:cNvSpPr/>
+          <p:nvPr/>
+        </p:nvSpPr>
+        <p:spPr>
+          <a:xfrm>
+            <a:off x="4139952" y="980728"/>
+            <a:ext cx="2232248" cy="864096"/>
+          </a:xfrm>
+          <a:prstGeom prst="roundRect">
+            <a:avLst/>
+          </a:prstGeom>
+          <a:solidFill>
+            <a:srgbClr val="C9394A"/>
+          </a:solidFill>
+          <a:ln/>
+        </p:spPr>
+        <p:style>
+          <a:lnRef idx="3">
+            <a:schemeClr val="lt1"/>
+          </a:lnRef>
+          <a:fillRef idx="1">
+            <a:schemeClr val="accent4"/>
+          </a:fillRef>
+          <a:effectRef idx="1">
+            <a:schemeClr val="accent4"/>
+          </a:effectRef>
+          <a:fontRef idx="minor">
+            <a:schemeClr val="lt1"/>
+          </a:fontRef>
+        </p:style>
+        <p:txBody>
+          <a:bodyPr anchor="ctr"/>
+          <a:lstStyle/>
+          <a:p>
+            <a:pPr algn="ctr">
+              <a:buFont typeface="Arial" charset="0"/>
+              <a:buNone/>
+              <a:defRPr/>
+            </a:pPr>
+            <a:r>
+              <a:rPr lang="zh-CN" altLang="en-US" sz="1500" b="1" dirty="0" smtClean="0">
+                <a:solidFill>
+                  <a:schemeClr val="bg1"/>
+                </a:solidFill>
+                <a:latin typeface="微软雅黑" pitchFamily="34" charset="-122"/>
+                <a:ea typeface="微软雅黑" pitchFamily="34" charset="-122"/>
+              </a:rPr>
+              <a:t>前缀 </a:t>
+            </a:r>
+            <a:r>
+              <a:rPr lang="en-US" altLang="zh-CN" sz="1500" b="1" dirty="0" smtClean="0">
+                <a:solidFill>
+                  <a:schemeClr val="bg1"/>
+                </a:solidFill>
+                <a:latin typeface="微软雅黑" pitchFamily="34" charset="-122"/>
+                <a:ea typeface="微软雅黑" pitchFamily="34" charset="-122"/>
+              </a:rPr>
+              <a:t>i18n!</a:t>
+            </a:r>
+            <a:endParaRPr lang="en-US" altLang="zh-CN" sz="1500" b="1" dirty="0" smtClean="0">
+              <a:solidFill>
+                <a:schemeClr val="bg1"/>
+              </a:solidFill>
+              <a:latin typeface="微软雅黑" pitchFamily="34" charset="-122"/>
+              <a:ea typeface="微软雅黑" pitchFamily="34" charset="-122"/>
+            </a:endParaRPr>
+          </a:p>
+        </p:txBody>
+      </p:sp>
+      <p:cxnSp>
+        <p:nvCxnSpPr>
+          <p:cNvPr id="6" name="直接箭头连接符 5"/>
+          <p:cNvCxnSpPr/>
+          <p:nvPr/>
+        </p:nvCxnSpPr>
+        <p:spPr>
+          <a:xfrm flipV="1">
+            <a:off x="2411760" y="1844824"/>
+            <a:ext cx="2664296" cy="2448272"/>
+          </a:xfrm>
+          <a:prstGeom prst="straightConnector1">
+            <a:avLst/>
+          </a:prstGeom>
+          <a:ln w="38100">
+            <a:solidFill>
+              <a:srgbClr val="C9394A"/>
+            </a:solidFill>
+            <a:tailEnd type="arrow"/>
+          </a:ln>
+        </p:spPr>
+        <p:style>
+          <a:lnRef idx="1">
+            <a:schemeClr val="accent1"/>
+          </a:lnRef>
+          <a:fillRef idx="0">
+            <a:schemeClr val="accent1"/>
+          </a:fillRef>
+          <a:effectRef idx="0">
+            <a:schemeClr val="accent1"/>
+          </a:effectRef>
+          <a:fontRef idx="minor">
+            <a:schemeClr val="tx1"/>
+          </a:fontRef>
+        </p:style>
+      </p:cxnSp>
+      <p:sp>
+        <p:nvSpPr>
+          <p:cNvPr id="9" name="矩形 8"/>
+          <p:cNvSpPr/>
+          <p:nvPr/>
+        </p:nvSpPr>
+        <p:spPr>
+          <a:xfrm>
+            <a:off x="2771800" y="4149080"/>
+            <a:ext cx="576064" cy="432048"/>
+          </a:xfrm>
+          <a:prstGeom prst="rect">
+            <a:avLst/>
+          </a:prstGeom>
+          <a:noFill/>
+          <a:ln w="28575">
+            <a:solidFill>
+              <a:srgbClr val="C9394A"/>
+            </a:solidFill>
+          </a:ln>
+        </p:spPr>
+        <p:style>
+          <a:lnRef idx="2">
+            <a:schemeClr val="accent1">
+              <a:shade val="50000"/>
+            </a:schemeClr>
+          </a:lnRef>
+          <a:fillRef idx="1">
+            <a:schemeClr val="accent1"/>
+          </a:fillRef>
+          <a:effectRef idx="0">
+            <a:schemeClr val="accent1"/>
+          </a:effectRef>
+          <a:fontRef idx="minor">
+            <a:schemeClr val="lt1"/>
+          </a:fontRef>
+        </p:style>
+        <p:txBody>
+          <a:bodyPr rtlCol="0" anchor="ctr"/>
+          <a:lstStyle/>
+          <a:p>
+            <a:pPr algn="ctr"/>
+            <a:endParaRPr lang="zh-CN" altLang="en-US"/>
+          </a:p>
+        </p:txBody>
+      </p:sp>
+      <p:sp>
+        <p:nvSpPr>
+          <p:cNvPr id="10" name="圆角矩形 9"/>
+          <p:cNvSpPr/>
+          <p:nvPr/>
+        </p:nvSpPr>
+        <p:spPr>
+          <a:xfrm>
+            <a:off x="6588224" y="3140968"/>
+            <a:ext cx="2232248" cy="864096"/>
+          </a:xfrm>
+          <a:prstGeom prst="roundRect">
+            <a:avLst/>
+          </a:prstGeom>
+          <a:solidFill>
+            <a:srgbClr val="C9394A"/>
+          </a:solidFill>
+          <a:ln/>
+        </p:spPr>
+        <p:style>
+          <a:lnRef idx="3">
+            <a:schemeClr val="lt1"/>
+          </a:lnRef>
+          <a:fillRef idx="1">
+            <a:schemeClr val="accent4"/>
+          </a:fillRef>
+          <a:effectRef idx="1">
+            <a:schemeClr val="accent4"/>
+          </a:effectRef>
+          <a:fontRef idx="minor">
+            <a:schemeClr val="lt1"/>
+          </a:fontRef>
+        </p:style>
+        <p:txBody>
+          <a:bodyPr anchor="ctr"/>
+          <a:lstStyle/>
+          <a:p>
+            <a:pPr algn="ctr">
+              <a:buFont typeface="Arial" charset="0"/>
+              <a:buNone/>
+              <a:defRPr/>
+            </a:pPr>
+            <a:r>
+              <a:rPr lang="zh-CN" altLang="en-US" sz="1500" b="1" dirty="0" smtClean="0">
+                <a:solidFill>
+                  <a:schemeClr val="bg1"/>
+                </a:solidFill>
+                <a:latin typeface="微软雅黑" pitchFamily="34" charset="-122"/>
+                <a:ea typeface="微软雅黑" pitchFamily="34" charset="-122"/>
+              </a:rPr>
+              <a:t>模块名必须包含</a:t>
+            </a:r>
+            <a:r>
+              <a:rPr lang="en-US" altLang="zh-CN" sz="1500" b="1" dirty="0" err="1" smtClean="0">
+                <a:solidFill>
+                  <a:schemeClr val="bg1"/>
+                </a:solidFill>
+                <a:latin typeface="微软雅黑" pitchFamily="34" charset="-122"/>
+                <a:ea typeface="微软雅黑" pitchFamily="34" charset="-122"/>
+              </a:rPr>
+              <a:t>nls</a:t>
+            </a:r>
+            <a:endParaRPr lang="en-US" altLang="zh-CN" sz="1500" b="1" dirty="0" smtClean="0">
+              <a:solidFill>
+                <a:schemeClr val="bg1"/>
+              </a:solidFill>
+              <a:latin typeface="微软雅黑" pitchFamily="34" charset="-122"/>
+              <a:ea typeface="微软雅黑" pitchFamily="34" charset="-122"/>
+            </a:endParaRPr>
+          </a:p>
+        </p:txBody>
+      </p:sp>
+      <p:cxnSp>
+        <p:nvCxnSpPr>
+          <p:cNvPr id="11" name="直接箭头连接符 10"/>
+          <p:cNvCxnSpPr>
+            <a:endCxn id="10" idx="1"/>
+          </p:cNvCxnSpPr>
+          <p:nvPr/>
+        </p:nvCxnSpPr>
+        <p:spPr>
+          <a:xfrm flipV="1">
+            <a:off x="3347864" y="3573016"/>
+            <a:ext cx="3240360" cy="792088"/>
+          </a:xfrm>
+          <a:prstGeom prst="straightConnector1">
+            <a:avLst/>
+          </a:prstGeom>
+          <a:ln w="38100">
+            <a:solidFill>
+              <a:srgbClr val="C9394A"/>
+            </a:solidFill>
+            <a:tailEnd type="arrow"/>
+          </a:ln>
+        </p:spPr>
+        <p:style>
+          <a:lnRef idx="1">
+            <a:schemeClr val="accent1"/>
+          </a:lnRef>
+          <a:fillRef idx="0">
+            <a:schemeClr val="accent1"/>
+          </a:fillRef>
+          <a:effectRef idx="0">
+            <a:schemeClr val="accent1"/>
+          </a:effectRef>
+          <a:fontRef idx="minor">
+            <a:schemeClr val="tx1"/>
+          </a:fontRef>
+        </p:style>
+      </p:cxnSp>
+    </p:spTree>
+  </p:cSld>
+  <p:clrMapOvr>
+    <a:masterClrMapping/>
+  </p:clrMapOvr>
+  <p:timing>
+    <p:tnLst>
+      <p:par>
+        <p:cTn id="1" dur="indefinite" restart="never" nodeType="tmRoot">
+          <p:childTnLst>
+            <p:seq concurrent="1" nextAc="seek">
+              <p:cTn id="2" dur="indefinite" nodeType="mainSeq">
+                <p:childTnLst>
+                  <p:par>
+                    <p:cTn id="3" fill="hold">
+                      <p:stCondLst>
+                        <p:cond delay="indefinite"/>
+                      </p:stCondLst>
+                      <p:childTnLst>
+                        <p:par>
+                          <p:cTn id="4" fill="hold">
+                            <p:stCondLst>
+                              <p:cond delay="0"/>
+                            </p:stCondLst>
+                            <p:childTnLst>
+                              <p:par>
+                                <p:cTn id="5" presetID="2" presetClass="entr" presetSubtype="4" fill="hold" grpId="0" nodeType="clickEffect">
+                                  <p:stCondLst>
+                                    <p:cond delay="0"/>
+                                  </p:stCondLst>
+                                  <p:childTnLst>
+                                    <p:set>
+                                      <p:cBhvr>
+                                        <p:cTn id="6" dur="1" fill="hold">
+                                          <p:stCondLst>
+                                            <p:cond delay="0"/>
+                                          </p:stCondLst>
+                                        </p:cTn>
+                                        <p:tgtEl>
+                                          <p:spTgt spid="2">
+                                            <p:txEl>
+                                              <p:pRg st="0" end="0"/>
+                                            </p:txEl>
+                                          </p:spTgt>
+                                        </p:tgtEl>
+                                        <p:attrNameLst>
+                                          <p:attrName>style.visibility</p:attrName>
+                                        </p:attrNameLst>
+                                      </p:cBhvr>
+                                      <p:to>
+                                        <p:strVal val="visible"/>
+                                      </p:to>
+                                    </p:set>
+                                    <p:anim calcmode="lin" valueType="num">
+                                      <p:cBhvr additive="base">
+                                        <p:cTn id="7" dur="300" fill="hold"/>
+                                        <p:tgtEl>
+                                          <p:spTgt spid="2">
+                                            <p:txEl>
+                                              <p:pRg st="0" end="0"/>
+                                            </p:txEl>
+                                          </p:spTgt>
+                                        </p:tgtEl>
+                                        <p:attrNameLst>
+                                          <p:attrName>ppt_x</p:attrName>
+                                        </p:attrNameLst>
+                                      </p:cBhvr>
+                                      <p:tavLst>
+                                        <p:tav tm="0">
+                                          <p:val>
+                                            <p:strVal val="#ppt_x"/>
+                                          </p:val>
+                                        </p:tav>
+                                        <p:tav tm="100000">
+                                          <p:val>
+                                            <p:strVal val="#ppt_x"/>
+                                          </p:val>
+                                        </p:tav>
+                                      </p:tavLst>
+                                    </p:anim>
+                                    <p:anim calcmode="lin" valueType="num">
+                                      <p:cBhvr additive="base">
+                                        <p:cTn id="8" dur="300" fill="hold"/>
+                                        <p:tgtEl>
+                                          <p:spTgt spid="2">
+                                            <p:txEl>
+                                              <p:pRg st="0" end="0"/>
+                                            </p:txEl>
+                                          </p:spTgt>
+                                        </p:tgtEl>
+                                        <p:attrNameLst>
+                                          <p:attrName>ppt_y</p:attrName>
+                                        </p:attrNameLst>
+                                      </p:cBhvr>
+                                      <p:tavLst>
+                                        <p:tav tm="0">
+                                          <p:val>
+                                            <p:strVal val="1+#ppt_h/2"/>
+                                          </p:val>
+                                        </p:tav>
+                                        <p:tav tm="100000">
+                                          <p:val>
+                                            <p:strVal val="#ppt_y"/>
+                                          </p:val>
+                                        </p:tav>
+                                      </p:tavLst>
+                                    </p:anim>
+                                  </p:childTnLst>
+                                </p:cTn>
+                              </p:par>
+                            </p:childTnLst>
+                          </p:cTn>
+                        </p:par>
+                      </p:childTnLst>
+                    </p:cTn>
+                  </p:par>
+                  <p:par>
+                    <p:cTn id="9" fill="hold">
+                      <p:stCondLst>
+                        <p:cond delay="indefinite"/>
+                      </p:stCondLst>
+                      <p:childTnLst>
+                        <p:par>
+                          <p:cTn id="10" fill="hold">
+                            <p:stCondLst>
+                              <p:cond delay="0"/>
+                            </p:stCondLst>
+                            <p:childTnLst>
+                              <p:par>
+                                <p:cTn id="11" presetID="2" presetClass="entr" presetSubtype="4" fill="hold" grpId="0" nodeType="clickEffect">
+                                  <p:stCondLst>
+                                    <p:cond delay="0"/>
+                                  </p:stCondLst>
+                                  <p:childTnLst>
+                                    <p:set>
+                                      <p:cBhvr>
+                                        <p:cTn id="12" dur="1" fill="hold">
+                                          <p:stCondLst>
+                                            <p:cond delay="0"/>
+                                          </p:stCondLst>
+                                        </p:cTn>
+                                        <p:tgtEl>
+                                          <p:spTgt spid="3"/>
+                                        </p:tgtEl>
+                                        <p:attrNameLst>
+                                          <p:attrName>style.visibility</p:attrName>
+                                        </p:attrNameLst>
+                                      </p:cBhvr>
+                                      <p:to>
+                                        <p:strVal val="visible"/>
+                                      </p:to>
+                                    </p:set>
+                                    <p:anim calcmode="lin" valueType="num">
+                                      <p:cBhvr additive="base">
+                                        <p:cTn id="13" dur="300" fill="hold"/>
+                                        <p:tgtEl>
+                                          <p:spTgt spid="3"/>
+                                        </p:tgtEl>
+                                        <p:attrNameLst>
+                                          <p:attrName>ppt_x</p:attrName>
+                                        </p:attrNameLst>
+                                      </p:cBhvr>
+                                      <p:tavLst>
+                                        <p:tav tm="0">
+                                          <p:val>
+                                            <p:strVal val="#ppt_x"/>
+                                          </p:val>
+                                        </p:tav>
+                                        <p:tav tm="100000">
+                                          <p:val>
+                                            <p:strVal val="#ppt_x"/>
+                                          </p:val>
+                                        </p:tav>
+                                      </p:tavLst>
+                                    </p:anim>
+                                    <p:anim calcmode="lin" valueType="num">
+                                      <p:cBhvr additive="base">
+                                        <p:cTn id="14" dur="300" fill="hold"/>
+                                        <p:tgtEl>
+                                          <p:spTgt spid="3"/>
+                                        </p:tgtEl>
+                                        <p:attrNameLst>
+                                          <p:attrName>ppt_y</p:attrName>
+                                        </p:attrNameLst>
+                                      </p:cBhvr>
+                                      <p:tavLst>
+                                        <p:tav tm="0">
+                                          <p:val>
+                                            <p:strVal val="1+#ppt_h/2"/>
+                                          </p:val>
+                                        </p:tav>
+                                        <p:tav tm="100000">
+                                          <p:val>
+                                            <p:strVal val="#ppt_y"/>
+                                          </p:val>
+                                        </p:tav>
+                                      </p:tavLst>
+                                    </p:anim>
+                                  </p:childTnLst>
+                                </p:cTn>
+                              </p:par>
+                            </p:childTnLst>
+                          </p:cTn>
+                        </p:par>
+                      </p:childTnLst>
+                    </p:cTn>
+                  </p:par>
+                  <p:par>
+                    <p:cTn id="15" fill="hold">
+                      <p:stCondLst>
+                        <p:cond delay="indefinite"/>
+                      </p:stCondLst>
+                      <p:childTnLst>
+                        <p:par>
+                          <p:cTn id="16" fill="hold">
+                            <p:stCondLst>
+                              <p:cond delay="0"/>
+                            </p:stCondLst>
+                            <p:childTnLst>
+                              <p:par>
+                                <p:cTn id="17" presetID="2" presetClass="entr" presetSubtype="4" fill="hold" nodeType="clickEffect">
+                                  <p:stCondLst>
+                                    <p:cond delay="0"/>
+                                  </p:stCondLst>
+                                  <p:childTnLst>
+                                    <p:set>
+                                      <p:cBhvr>
+                                        <p:cTn id="18" dur="1" fill="hold">
+                                          <p:stCondLst>
+                                            <p:cond delay="0"/>
+                                          </p:stCondLst>
+                                        </p:cTn>
+                                        <p:tgtEl>
+                                          <p:spTgt spid="2050"/>
+                                        </p:tgtEl>
+                                        <p:attrNameLst>
+                                          <p:attrName>style.visibility</p:attrName>
+                                        </p:attrNameLst>
+                                      </p:cBhvr>
+                                      <p:to>
+                                        <p:strVal val="visible"/>
+                                      </p:to>
+                                    </p:set>
+                                    <p:anim calcmode="lin" valueType="num">
+                                      <p:cBhvr additive="base">
+                                        <p:cTn id="19" dur="300" fill="hold"/>
+                                        <p:tgtEl>
+                                          <p:spTgt spid="2050"/>
+                                        </p:tgtEl>
+                                        <p:attrNameLst>
+                                          <p:attrName>ppt_x</p:attrName>
+                                        </p:attrNameLst>
+                                      </p:cBhvr>
+                                      <p:tavLst>
+                                        <p:tav tm="0">
+                                          <p:val>
+                                            <p:strVal val="#ppt_x"/>
+                                          </p:val>
+                                        </p:tav>
+                                        <p:tav tm="100000">
+                                          <p:val>
+                                            <p:strVal val="#ppt_x"/>
+                                          </p:val>
+                                        </p:tav>
+                                      </p:tavLst>
+                                    </p:anim>
+                                    <p:anim calcmode="lin" valueType="num">
+                                      <p:cBhvr additive="base">
+                                        <p:cTn id="20" dur="300" fill="hold"/>
+                                        <p:tgtEl>
+                                          <p:spTgt spid="2050"/>
+                                        </p:tgtEl>
+                                        <p:attrNameLst>
+                                          <p:attrName>ppt_y</p:attrName>
+                                        </p:attrNameLst>
+                                      </p:cBhvr>
+                                      <p:tavLst>
+                                        <p:tav tm="0">
+                                          <p:val>
+                                            <p:strVal val="1+#ppt_h/2"/>
+                                          </p:val>
+                                        </p:tav>
+                                        <p:tav tm="100000">
+                                          <p:val>
+                                            <p:strVal val="#ppt_y"/>
+                                          </p:val>
+                                        </p:tav>
+                                      </p:tavLst>
+                                    </p:anim>
+                                  </p:childTnLst>
+                                </p:cTn>
+                              </p:par>
+                            </p:childTnLst>
+                          </p:cTn>
+                        </p:par>
+                      </p:childTnLst>
+                    </p:cTn>
+                  </p:par>
+                  <p:par>
+                    <p:cTn id="21" fill="hold">
+                      <p:stCondLst>
+                        <p:cond delay="indefinite"/>
+                      </p:stCondLst>
+                      <p:childTnLst>
+                        <p:par>
+                          <p:cTn id="22" fill="hold">
+                            <p:stCondLst>
+                              <p:cond delay="0"/>
+                            </p:stCondLst>
+                            <p:childTnLst>
+                              <p:par>
+                                <p:cTn id="23" presetID="2" presetClass="entr" presetSubtype="4" fill="hold" grpId="0" nodeType="clickEffect">
+                                  <p:stCondLst>
+                                    <p:cond delay="0"/>
+                                  </p:stCondLst>
+                                  <p:childTnLst>
+                                    <p:set>
+                                      <p:cBhvr>
+                                        <p:cTn id="24" dur="1" fill="hold">
+                                          <p:stCondLst>
+                                            <p:cond delay="0"/>
+                                          </p:stCondLst>
+                                        </p:cTn>
+                                        <p:tgtEl>
+                                          <p:spTgt spid="5"/>
+                                        </p:tgtEl>
+                                        <p:attrNameLst>
+                                          <p:attrName>style.visibility</p:attrName>
+                                        </p:attrNameLst>
+                                      </p:cBhvr>
+                                      <p:to>
+                                        <p:strVal val="visible"/>
+                                      </p:to>
+                                    </p:set>
+                                    <p:anim calcmode="lin" valueType="num">
+                                      <p:cBhvr additive="base">
+                                        <p:cTn id="25" dur="300" fill="hold"/>
+                                        <p:tgtEl>
+                                          <p:spTgt spid="5"/>
+                                        </p:tgtEl>
+                                        <p:attrNameLst>
+                                          <p:attrName>ppt_x</p:attrName>
+                                        </p:attrNameLst>
+                                      </p:cBhvr>
+                                      <p:tavLst>
+                                        <p:tav tm="0">
+                                          <p:val>
+                                            <p:strVal val="#ppt_x"/>
+                                          </p:val>
+                                        </p:tav>
+                                        <p:tav tm="100000">
+                                          <p:val>
+                                            <p:strVal val="#ppt_x"/>
+                                          </p:val>
+                                        </p:tav>
+                                      </p:tavLst>
+                                    </p:anim>
+                                    <p:anim calcmode="lin" valueType="num">
+                                      <p:cBhvr additive="base">
+                                        <p:cTn id="26" dur="300" fill="hold"/>
+                                        <p:tgtEl>
+                                          <p:spTgt spid="5"/>
+                                        </p:tgtEl>
+                                        <p:attrNameLst>
+                                          <p:attrName>ppt_y</p:attrName>
+                                        </p:attrNameLst>
+                                      </p:cBhvr>
+                                      <p:tavLst>
+                                        <p:tav tm="0">
+                                          <p:val>
+                                            <p:strVal val="1+#ppt_h/2"/>
+                                          </p:val>
+                                        </p:tav>
+                                        <p:tav tm="100000">
+                                          <p:val>
+                                            <p:strVal val="#ppt_y"/>
+                                          </p:val>
+                                        </p:tav>
+                                      </p:tavLst>
+                                    </p:anim>
+                                  </p:childTnLst>
+                                </p:cTn>
+                              </p:par>
+                              <p:par>
+                                <p:cTn id="27" presetID="2" presetClass="entr" presetSubtype="4" fill="hold" nodeType="withEffect">
+                                  <p:stCondLst>
+                                    <p:cond delay="0"/>
+                                  </p:stCondLst>
+                                  <p:childTnLst>
+                                    <p:set>
+                                      <p:cBhvr>
+                                        <p:cTn id="28" dur="1" fill="hold">
+                                          <p:stCondLst>
+                                            <p:cond delay="0"/>
+                                          </p:stCondLst>
+                                        </p:cTn>
+                                        <p:tgtEl>
+                                          <p:spTgt spid="6"/>
+                                        </p:tgtEl>
+                                        <p:attrNameLst>
+                                          <p:attrName>style.visibility</p:attrName>
+                                        </p:attrNameLst>
+                                      </p:cBhvr>
+                                      <p:to>
+                                        <p:strVal val="visible"/>
+                                      </p:to>
+                                    </p:set>
+                                    <p:anim calcmode="lin" valueType="num">
+                                      <p:cBhvr additive="base">
+                                        <p:cTn id="29" dur="300" fill="hold"/>
+                                        <p:tgtEl>
+                                          <p:spTgt spid="6"/>
+                                        </p:tgtEl>
+                                        <p:attrNameLst>
+                                          <p:attrName>ppt_x</p:attrName>
+                                        </p:attrNameLst>
+                                      </p:cBhvr>
+                                      <p:tavLst>
+                                        <p:tav tm="0">
+                                          <p:val>
+                                            <p:strVal val="#ppt_x"/>
+                                          </p:val>
+                                        </p:tav>
+                                        <p:tav tm="100000">
+                                          <p:val>
+                                            <p:strVal val="#ppt_x"/>
+                                          </p:val>
+                                        </p:tav>
+                                      </p:tavLst>
+                                    </p:anim>
+                                    <p:anim calcmode="lin" valueType="num">
+                                      <p:cBhvr additive="base">
+                                        <p:cTn id="30" dur="300" fill="hold"/>
+                                        <p:tgtEl>
+                                          <p:spTgt spid="6"/>
+                                        </p:tgtEl>
+                                        <p:attrNameLst>
+                                          <p:attrName>ppt_y</p:attrName>
+                                        </p:attrNameLst>
+                                      </p:cBhvr>
+                                      <p:tavLst>
+                                        <p:tav tm="0">
+                                          <p:val>
+                                            <p:strVal val="1+#ppt_h/2"/>
+                                          </p:val>
+                                        </p:tav>
+                                        <p:tav tm="100000">
+                                          <p:val>
+                                            <p:strVal val="#ppt_y"/>
+                                          </p:val>
+                                        </p:tav>
+                                      </p:tavLst>
+                                    </p:anim>
+                                  </p:childTnLst>
+                                </p:cTn>
+                              </p:par>
+                            </p:childTnLst>
+                          </p:cTn>
+                        </p:par>
+                      </p:childTnLst>
+                    </p:cTn>
+                  </p:par>
+                  <p:par>
+                    <p:cTn id="31" fill="hold">
+                      <p:stCondLst>
+                        <p:cond delay="indefinite"/>
+                      </p:stCondLst>
+                      <p:childTnLst>
+                        <p:par>
+                          <p:cTn id="32" fill="hold">
+                            <p:stCondLst>
+                              <p:cond delay="0"/>
+                            </p:stCondLst>
+                            <p:childTnLst>
+                              <p:par>
+                                <p:cTn id="33" presetID="2" presetClass="entr" presetSubtype="4" fill="hold" grpId="0" nodeType="clickEffect">
+                                  <p:stCondLst>
+                                    <p:cond delay="0"/>
+                                  </p:stCondLst>
+                                  <p:childTnLst>
+                                    <p:set>
+                                      <p:cBhvr>
+                                        <p:cTn id="34" dur="1" fill="hold">
+                                          <p:stCondLst>
+                                            <p:cond delay="0"/>
+                                          </p:stCondLst>
+                                        </p:cTn>
+                                        <p:tgtEl>
+                                          <p:spTgt spid="10"/>
+                                        </p:tgtEl>
+                                        <p:attrNameLst>
+                                          <p:attrName>style.visibility</p:attrName>
+                                        </p:attrNameLst>
+                                      </p:cBhvr>
+                                      <p:to>
+                                        <p:strVal val="visible"/>
+                                      </p:to>
+                                    </p:set>
+                                    <p:anim calcmode="lin" valueType="num">
+                                      <p:cBhvr additive="base">
+                                        <p:cTn id="35" dur="300" fill="hold"/>
+                                        <p:tgtEl>
+                                          <p:spTgt spid="10"/>
+                                        </p:tgtEl>
+                                        <p:attrNameLst>
+                                          <p:attrName>ppt_x</p:attrName>
+                                        </p:attrNameLst>
+                                      </p:cBhvr>
+                                      <p:tavLst>
+                                        <p:tav tm="0">
+                                          <p:val>
+                                            <p:strVal val="#ppt_x"/>
+                                          </p:val>
+                                        </p:tav>
+                                        <p:tav tm="100000">
+                                          <p:val>
+                                            <p:strVal val="#ppt_x"/>
+                                          </p:val>
+                                        </p:tav>
+                                      </p:tavLst>
+                                    </p:anim>
+                                    <p:anim calcmode="lin" valueType="num">
+                                      <p:cBhvr additive="base">
+                                        <p:cTn id="36" dur="300" fill="hold"/>
+                                        <p:tgtEl>
+                                          <p:spTgt spid="10"/>
+                                        </p:tgtEl>
+                                        <p:attrNameLst>
+                                          <p:attrName>ppt_y</p:attrName>
+                                        </p:attrNameLst>
+                                      </p:cBhvr>
+                                      <p:tavLst>
+                                        <p:tav tm="0">
+                                          <p:val>
+                                            <p:strVal val="1+#ppt_h/2"/>
+                                          </p:val>
+                                        </p:tav>
+                                        <p:tav tm="100000">
+                                          <p:val>
+                                            <p:strVal val="#ppt_y"/>
+                                          </p:val>
+                                        </p:tav>
+                                      </p:tavLst>
+                                    </p:anim>
+                                  </p:childTnLst>
+                                </p:cTn>
+                              </p:par>
+                              <p:par>
+                                <p:cTn id="37" presetID="2" presetClass="entr" presetSubtype="4" fill="hold" nodeType="withEffect">
+                                  <p:stCondLst>
+                                    <p:cond delay="0"/>
+                                  </p:stCondLst>
+                                  <p:childTnLst>
+                                    <p:set>
+                                      <p:cBhvr>
+                                        <p:cTn id="38" dur="1" fill="hold">
+                                          <p:stCondLst>
+                                            <p:cond delay="0"/>
+                                          </p:stCondLst>
+                                        </p:cTn>
+                                        <p:tgtEl>
+                                          <p:spTgt spid="11"/>
+                                        </p:tgtEl>
+                                        <p:attrNameLst>
+                                          <p:attrName>style.visibility</p:attrName>
+                                        </p:attrNameLst>
+                                      </p:cBhvr>
+                                      <p:to>
+                                        <p:strVal val="visible"/>
+                                      </p:to>
+                                    </p:set>
+                                    <p:anim calcmode="lin" valueType="num">
+                                      <p:cBhvr additive="base">
+                                        <p:cTn id="39" dur="300" fill="hold"/>
+                                        <p:tgtEl>
+                                          <p:spTgt spid="11"/>
+                                        </p:tgtEl>
+                                        <p:attrNameLst>
+                                          <p:attrName>ppt_x</p:attrName>
+                                        </p:attrNameLst>
+                                      </p:cBhvr>
+                                      <p:tavLst>
+                                        <p:tav tm="0">
+                                          <p:val>
+                                            <p:strVal val="#ppt_x"/>
+                                          </p:val>
+                                        </p:tav>
+                                        <p:tav tm="100000">
+                                          <p:val>
+                                            <p:strVal val="#ppt_x"/>
+                                          </p:val>
+                                        </p:tav>
+                                      </p:tavLst>
+                                    </p:anim>
+                                    <p:anim calcmode="lin" valueType="num">
+                                      <p:cBhvr additive="base">
+                                        <p:cTn id="40" dur="300" fill="hold"/>
+                                        <p:tgtEl>
+                                          <p:spTgt spid="11"/>
+                                        </p:tgtEl>
+                                        <p:attrNameLst>
+                                          <p:attrName>ppt_y</p:attrName>
+                                        </p:attrNameLst>
+                                      </p:cBhvr>
+                                      <p:tavLst>
+                                        <p:tav tm="0">
+                                          <p:val>
+                                            <p:strVal val="1+#ppt_h/2"/>
+                                          </p:val>
+                                        </p:tav>
+                                        <p:tav tm="100000">
+                                          <p:val>
+                                            <p:strVal val="#ppt_y"/>
+                                          </p:val>
+                                        </p:tav>
+                                      </p:tavLst>
+                                    </p:anim>
+                                  </p:childTnLst>
+                                </p:cTn>
+                              </p:par>
+                              <p:par>
+                                <p:cTn id="41" presetID="2" presetClass="entr" presetSubtype="4" fill="hold" nodeType="withEffect">
+                                  <p:stCondLst>
+                                    <p:cond delay="0"/>
+                                  </p:stCondLst>
+                                  <p:childTnLst>
+                                    <p:set>
+                                      <p:cBhvr>
+                                        <p:cTn id="42" dur="1" fill="hold">
+                                          <p:stCondLst>
+                                            <p:cond delay="0"/>
+                                          </p:stCondLst>
+                                        </p:cTn>
+                                        <p:tgtEl>
+                                          <p:spTgt spid="9"/>
+                                        </p:tgtEl>
+                                        <p:attrNameLst>
+                                          <p:attrName>style.visibility</p:attrName>
+                                        </p:attrNameLst>
+                                      </p:cBhvr>
+                                      <p:to>
+                                        <p:strVal val="visible"/>
+                                      </p:to>
+                                    </p:set>
+                                    <p:anim calcmode="lin" valueType="num">
+                                      <p:cBhvr additive="base">
+                                        <p:cTn id="43" dur="300" fill="hold"/>
+                                        <p:tgtEl>
+                                          <p:spTgt spid="9"/>
+                                        </p:tgtEl>
+                                        <p:attrNameLst>
+                                          <p:attrName>ppt_x</p:attrName>
+                                        </p:attrNameLst>
+                                      </p:cBhvr>
+                                      <p:tavLst>
+                                        <p:tav tm="0">
+                                          <p:val>
+                                            <p:strVal val="#ppt_x"/>
+                                          </p:val>
+                                        </p:tav>
+                                        <p:tav tm="100000">
+                                          <p:val>
+                                            <p:strVal val="#ppt_x"/>
+                                          </p:val>
+                                        </p:tav>
+                                      </p:tavLst>
+                                    </p:anim>
+                                    <p:anim calcmode="lin" valueType="num">
+                                      <p:cBhvr additive="base">
+                                        <p:cTn id="44" dur="300" fill="hold"/>
+                                        <p:tgtEl>
+                                          <p:spTgt spid="9"/>
+                                        </p:tgtEl>
+                                        <p:attrNameLst>
+                                          <p:attrName>ppt_y</p:attrName>
+                                        </p:attrNameLst>
+                                      </p:cBhvr>
+                                      <p:tavLst>
+                                        <p:tav tm="0">
+                                          <p:val>
+                                            <p:strVal val="1+#ppt_h/2"/>
+                                          </p:val>
+                                        </p:tav>
+                                        <p:tav tm="100000">
+                                          <p:val>
+                                            <p:strVal val="#ppt_y"/>
+                                          </p:val>
+                                        </p:tav>
+                                      </p:tavLst>
+                                    </p:anim>
+                                  </p:childTnLst>
+                                </p:cTn>
+                              </p:par>
+                            </p:childTnLst>
+                          </p:cTn>
+                        </p:par>
+                      </p:childTnLst>
+                    </p:cTn>
+                  </p:par>
+                </p:childTnLst>
+              </p:cTn>
+              <p:prevCondLst>
+                <p:cond evt="onPrev" delay="0">
+                  <p:tgtEl>
+                    <p:sldTgt/>
+                  </p:tgtEl>
+                </p:cond>
+              </p:prevCondLst>
+              <p:nextCondLst>
+                <p:cond evt="onNext" delay="0">
+                  <p:tgtEl>
+                    <p:sldTgt/>
+                  </p:tgtEl>
+                </p:cond>
+              </p:nextCondLst>
+            </p:seq>
+          </p:childTnLst>
+        </p:cTn>
+      </p:par>
+    </p:tnLst>
+    <p:bldLst>
+      <p:bldP spid="2" grpId="0" build="p"/>
+      <p:bldP spid="3" grpId="0"/>
+      <p:bldP spid="5" grpId="0" animBg="1"/>
+      <p:bldP spid="10" grpId="0" animBg="1"/>
+    </p:bldLst>
+  </p:timing>
+</p:sld>
+</file>
+
+<file path=ppt/slides/slide52.xml><?xml version="1.0" encoding="utf-8"?>
+<p:sld xmlns:a="http://schemas.openxmlformats.org/drawingml/2006/main" xmlns:r="http://schemas.openxmlformats.org/officeDocument/2006/relationships" xmlns:p="http://schemas.openxmlformats.org/presentationml/2006/main">
+  <p:cSld>
+    <p:spTree>
+      <p:nvGrpSpPr>
+        <p:cNvPr id="1" name=""/>
+        <p:cNvGrpSpPr/>
+        <p:nvPr/>
+      </p:nvGrpSpPr>
+      <p:grpSpPr>
+        <a:xfrm>
+          <a:off x="0" y="0"/>
+          <a:ext cx="0" cy="0"/>
+          <a:chOff x="0" y="0"/>
+          <a:chExt cx="0" cy="0"/>
+        </a:xfrm>
+      </p:grpSpPr>
+      <p:pic>
+        <p:nvPicPr>
+          <p:cNvPr id="1026" name="Picture 2"/>
+          <p:cNvPicPr>
+            <a:picLocks noChangeAspect="1" noChangeArrowheads="1"/>
+          </p:cNvPicPr>
+          <p:nvPr/>
+        </p:nvPicPr>
+        <p:blipFill>
+          <a:blip r:embed="rId2" cstate="print"/>
+          <a:srcRect/>
+          <a:stretch>
+            <a:fillRect/>
+          </a:stretch>
+        </p:blipFill>
+        <p:spPr bwMode="auto">
+          <a:xfrm>
+            <a:off x="1403648" y="1268760"/>
+            <a:ext cx="4095750" cy="4352925"/>
+          </a:xfrm>
+          <a:prstGeom prst="rect">
+            <a:avLst/>
+          </a:prstGeom>
+          <a:noFill/>
+          <a:ln w="9525">
+            <a:noFill/>
+            <a:miter lim="800000"/>
+            <a:headEnd/>
+            <a:tailEnd/>
+          </a:ln>
+        </p:spPr>
+      </p:pic>
+      <p:sp>
+        <p:nvSpPr>
+          <p:cNvPr id="3" name="矩形 2"/>
+          <p:cNvSpPr/>
+          <p:nvPr/>
+        </p:nvSpPr>
+        <p:spPr>
+          <a:xfrm>
+            <a:off x="1835696" y="2636912"/>
+            <a:ext cx="3456384" cy="2520280"/>
+          </a:xfrm>
+          <a:prstGeom prst="rect">
+            <a:avLst/>
+          </a:prstGeom>
+          <a:noFill/>
+          <a:ln w="28575">
+            <a:solidFill>
+              <a:schemeClr val="bg1"/>
+            </a:solidFill>
+          </a:ln>
+        </p:spPr>
+        <p:style>
+          <a:lnRef idx="2">
+            <a:schemeClr val="accent1">
+              <a:shade val="50000"/>
+            </a:schemeClr>
+          </a:lnRef>
+          <a:fillRef idx="1">
+            <a:schemeClr val="accent1"/>
+          </a:fillRef>
+          <a:effectRef idx="0">
+            <a:schemeClr val="accent1"/>
+          </a:effectRef>
+          <a:fontRef idx="minor">
+            <a:schemeClr val="lt1"/>
+          </a:fontRef>
+        </p:style>
+        <p:txBody>
+          <a:bodyPr rtlCol="0" anchor="ctr"/>
+          <a:lstStyle/>
+          <a:p>
+            <a:pPr algn="ctr"/>
+            <a:endParaRPr lang="zh-CN" altLang="en-US"/>
+          </a:p>
+        </p:txBody>
+      </p:sp>
+      <p:pic>
+        <p:nvPicPr>
+          <p:cNvPr id="1028" name="Picture 4"/>
+          <p:cNvPicPr>
+            <a:picLocks noChangeAspect="1" noChangeArrowheads="1"/>
+          </p:cNvPicPr>
+          <p:nvPr/>
+        </p:nvPicPr>
+        <p:blipFill>
+          <a:blip r:embed="rId3" cstate="print"/>
+          <a:srcRect/>
+          <a:stretch>
+            <a:fillRect/>
+          </a:stretch>
+        </p:blipFill>
+        <p:spPr bwMode="auto">
+          <a:xfrm>
+            <a:off x="5940152" y="3429000"/>
+            <a:ext cx="2752725" cy="962025"/>
+          </a:xfrm>
+          <a:prstGeom prst="rect">
+            <a:avLst/>
+          </a:prstGeom>
+          <a:noFill/>
+          <a:ln w="9525">
+            <a:noFill/>
+            <a:miter lim="800000"/>
+            <a:headEnd/>
+            <a:tailEnd/>
+          </a:ln>
+        </p:spPr>
+      </p:pic>
+      <p:pic>
+        <p:nvPicPr>
+          <p:cNvPr id="1029" name="Picture 5"/>
+          <p:cNvPicPr>
+            <a:picLocks noChangeAspect="1" noChangeArrowheads="1"/>
+          </p:cNvPicPr>
+          <p:nvPr/>
+        </p:nvPicPr>
+        <p:blipFill>
+          <a:blip r:embed="rId4" cstate="print"/>
+          <a:srcRect/>
+          <a:stretch>
+            <a:fillRect/>
+          </a:stretch>
+        </p:blipFill>
+        <p:spPr bwMode="auto">
+          <a:xfrm>
+            <a:off x="5940152" y="2132856"/>
+            <a:ext cx="2886075" cy="962025"/>
+          </a:xfrm>
+          <a:prstGeom prst="rect">
+            <a:avLst/>
+          </a:prstGeom>
+          <a:noFill/>
+          <a:ln w="9525">
+            <a:noFill/>
+            <a:miter lim="800000"/>
+            <a:headEnd/>
+            <a:tailEnd/>
+          </a:ln>
+        </p:spPr>
+      </p:pic>
+      <p:sp>
+        <p:nvSpPr>
+          <p:cNvPr id="7" name="矩形 6"/>
+          <p:cNvSpPr/>
+          <p:nvPr/>
+        </p:nvSpPr>
+        <p:spPr>
+          <a:xfrm>
+            <a:off x="2627784" y="3501008"/>
+            <a:ext cx="1296144" cy="360040"/>
+          </a:xfrm>
+          <a:prstGeom prst="rect">
+            <a:avLst/>
+          </a:prstGeom>
+          <a:noFill/>
+          <a:ln w="28575">
+            <a:solidFill>
+              <a:srgbClr val="C9394A"/>
+            </a:solidFill>
+          </a:ln>
+        </p:spPr>
+        <p:style>
+          <a:lnRef idx="2">
+            <a:schemeClr val="accent1">
+              <a:shade val="50000"/>
+            </a:schemeClr>
+          </a:lnRef>
+          <a:fillRef idx="1">
+            <a:schemeClr val="accent1"/>
+          </a:fillRef>
+          <a:effectRef idx="0">
+            <a:schemeClr val="accent1"/>
+          </a:effectRef>
+          <a:fontRef idx="minor">
+            <a:schemeClr val="lt1"/>
+          </a:fontRef>
+        </p:style>
+        <p:txBody>
+          <a:bodyPr rtlCol="0" anchor="ctr"/>
+          <a:lstStyle/>
+          <a:p>
+            <a:pPr algn="ctr"/>
+            <a:endParaRPr lang="zh-CN" altLang="en-US"/>
+          </a:p>
+        </p:txBody>
+      </p:sp>
+      <p:cxnSp>
+        <p:nvCxnSpPr>
+          <p:cNvPr id="8" name="直接箭头连接符 7"/>
+          <p:cNvCxnSpPr>
+            <a:endCxn id="1029" idx="1"/>
+          </p:cNvCxnSpPr>
+          <p:nvPr/>
+        </p:nvCxnSpPr>
+        <p:spPr>
+          <a:xfrm flipV="1">
+            <a:off x="3923928" y="2613869"/>
+            <a:ext cx="2016224" cy="1103163"/>
+          </a:xfrm>
+          <a:prstGeom prst="straightConnector1">
+            <a:avLst/>
+          </a:prstGeom>
+          <a:ln w="38100">
+            <a:solidFill>
+              <a:srgbClr val="C9394A"/>
+            </a:solidFill>
+            <a:tailEnd type="arrow"/>
+          </a:ln>
+        </p:spPr>
+        <p:style>
+          <a:lnRef idx="1">
+            <a:schemeClr val="accent1"/>
+          </a:lnRef>
+          <a:fillRef idx="0">
+            <a:schemeClr val="accent1"/>
+          </a:fillRef>
+          <a:effectRef idx="0">
+            <a:schemeClr val="accent1"/>
+          </a:effectRef>
+          <a:fontRef idx="minor">
+            <a:schemeClr val="tx1"/>
+          </a:fontRef>
+        </p:style>
+      </p:cxnSp>
+      <p:sp>
+        <p:nvSpPr>
+          <p:cNvPr id="10" name="矩形 9"/>
+          <p:cNvSpPr/>
+          <p:nvPr/>
+        </p:nvSpPr>
+        <p:spPr>
+          <a:xfrm>
+            <a:off x="2627784" y="4365104"/>
+            <a:ext cx="1296144" cy="360040"/>
+          </a:xfrm>
+          <a:prstGeom prst="rect">
+            <a:avLst/>
+          </a:prstGeom>
+          <a:noFill/>
+          <a:ln w="28575">
+            <a:solidFill>
+              <a:srgbClr val="C9394A"/>
+            </a:solidFill>
+          </a:ln>
+        </p:spPr>
+        <p:style>
+          <a:lnRef idx="2">
+            <a:schemeClr val="accent1">
+              <a:shade val="50000"/>
+            </a:schemeClr>
+          </a:lnRef>
+          <a:fillRef idx="1">
+            <a:schemeClr val="accent1"/>
+          </a:fillRef>
+          <a:effectRef idx="0">
+            <a:schemeClr val="accent1"/>
+          </a:effectRef>
+          <a:fontRef idx="minor">
+            <a:schemeClr val="lt1"/>
+          </a:fontRef>
+        </p:style>
+        <p:txBody>
+          <a:bodyPr rtlCol="0" anchor="ctr"/>
+          <a:lstStyle/>
+          <a:p>
+            <a:pPr algn="ctr"/>
+            <a:endParaRPr lang="zh-CN" altLang="en-US"/>
+          </a:p>
+        </p:txBody>
+      </p:sp>
+      <p:cxnSp>
+        <p:nvCxnSpPr>
+          <p:cNvPr id="11" name="直接箭头连接符 10"/>
+          <p:cNvCxnSpPr>
+            <a:endCxn id="1028" idx="1"/>
+          </p:cNvCxnSpPr>
+          <p:nvPr/>
+        </p:nvCxnSpPr>
+        <p:spPr>
+          <a:xfrm flipV="1">
+            <a:off x="3923928" y="3910013"/>
+            <a:ext cx="2016224" cy="622151"/>
+          </a:xfrm>
+          <a:prstGeom prst="straightConnector1">
+            <a:avLst/>
+          </a:prstGeom>
+          <a:ln w="38100">
+            <a:solidFill>
+              <a:srgbClr val="C9394A"/>
+            </a:solidFill>
+            <a:tailEnd type="arrow"/>
+          </a:ln>
+        </p:spPr>
+        <p:style>
+          <a:lnRef idx="1">
+            <a:schemeClr val="accent1"/>
+          </a:lnRef>
+          <a:fillRef idx="0">
+            <a:schemeClr val="accent1"/>
+          </a:fillRef>
+          <a:effectRef idx="0">
+            <a:schemeClr val="accent1"/>
+          </a:effectRef>
+          <a:fontRef idx="minor">
+            <a:schemeClr val="tx1"/>
+          </a:fontRef>
+        </p:style>
+      </p:cxnSp>
+      <p:pic>
+        <p:nvPicPr>
+          <p:cNvPr id="1032" name="Picture 8"/>
+          <p:cNvPicPr>
+            <a:picLocks noChangeAspect="1" noChangeArrowheads="1"/>
+          </p:cNvPicPr>
+          <p:nvPr/>
+        </p:nvPicPr>
+        <p:blipFill>
+          <a:blip r:embed="rId5" cstate="print"/>
+          <a:srcRect/>
+          <a:stretch>
+            <a:fillRect/>
+          </a:stretch>
+        </p:blipFill>
+        <p:spPr bwMode="auto">
+          <a:xfrm>
+            <a:off x="5940152" y="4653136"/>
+            <a:ext cx="2800350" cy="1209675"/>
+          </a:xfrm>
+          <a:prstGeom prst="rect">
+            <a:avLst/>
+          </a:prstGeom>
+          <a:noFill/>
+          <a:ln w="9525">
+            <a:noFill/>
+            <a:miter lim="800000"/>
+            <a:headEnd/>
+            <a:tailEnd/>
+          </a:ln>
+        </p:spPr>
+      </p:pic>
+      <p:sp>
+        <p:nvSpPr>
+          <p:cNvPr id="16" name="矩形 15"/>
+          <p:cNvSpPr/>
+          <p:nvPr/>
+        </p:nvSpPr>
+        <p:spPr>
+          <a:xfrm>
+            <a:off x="2483768" y="4797152"/>
+            <a:ext cx="1296144" cy="288032"/>
+          </a:xfrm>
+          <a:prstGeom prst="rect">
+            <a:avLst/>
+          </a:prstGeom>
+          <a:noFill/>
+          <a:ln w="28575">
+            <a:solidFill>
+              <a:srgbClr val="C9394A"/>
+            </a:solidFill>
+          </a:ln>
+        </p:spPr>
+        <p:style>
+          <a:lnRef idx="2">
+            <a:schemeClr val="accent1">
+              <a:shade val="50000"/>
+            </a:schemeClr>
+          </a:lnRef>
+          <a:fillRef idx="1">
+            <a:schemeClr val="accent1"/>
+          </a:fillRef>
+          <a:effectRef idx="0">
+            <a:schemeClr val="accent1"/>
+          </a:effectRef>
+          <a:fontRef idx="minor">
+            <a:schemeClr val="lt1"/>
+          </a:fontRef>
+        </p:style>
+        <p:txBody>
+          <a:bodyPr rtlCol="0" anchor="ctr"/>
+          <a:lstStyle/>
+          <a:p>
+            <a:pPr algn="ctr"/>
+            <a:endParaRPr lang="zh-CN" altLang="en-US"/>
+          </a:p>
+        </p:txBody>
+      </p:sp>
+      <p:cxnSp>
+        <p:nvCxnSpPr>
+          <p:cNvPr id="17" name="直接箭头连接符 16"/>
+          <p:cNvCxnSpPr>
+            <a:endCxn id="1032" idx="1"/>
+          </p:cNvCxnSpPr>
+          <p:nvPr/>
+        </p:nvCxnSpPr>
+        <p:spPr>
+          <a:xfrm>
+            <a:off x="3779912" y="5059264"/>
+            <a:ext cx="2160240" cy="198710"/>
+          </a:xfrm>
+          <a:prstGeom prst="straightConnector1">
+            <a:avLst/>
+          </a:prstGeom>
+          <a:ln w="38100">
+            <a:solidFill>
+              <a:srgbClr val="C9394A"/>
+            </a:solidFill>
+            <a:tailEnd type="arrow"/>
+          </a:ln>
+        </p:spPr>
+        <p:style>
+          <a:lnRef idx="1">
+            <a:schemeClr val="accent1"/>
+          </a:lnRef>
+          <a:fillRef idx="0">
+            <a:schemeClr val="accent1"/>
+          </a:fillRef>
+          <a:effectRef idx="0">
+            <a:schemeClr val="accent1"/>
+          </a:effectRef>
+          <a:fontRef idx="minor">
+            <a:schemeClr val="tx1"/>
+          </a:fontRef>
+        </p:style>
+      </p:cxnSp>
+    </p:spTree>
+  </p:cSld>
+  <p:clrMapOvr>
+    <a:masterClrMapping/>
+  </p:clrMapOvr>
+  <p:timing>
+    <p:tnLst>
+      <p:par>
+        <p:cTn id="1" dur="indefinite" restart="never" nodeType="tmRoot">
+          <p:childTnLst>
+            <p:seq concurrent="1" nextAc="seek">
+              <p:cTn id="2" dur="indefinite" nodeType="mainSeq">
+                <p:childTnLst>
+                  <p:par>
+                    <p:cTn id="3" fill="hold">
+                      <p:stCondLst>
+                        <p:cond delay="indefinite"/>
+                      </p:stCondLst>
+                      <p:childTnLst>
+                        <p:par>
+                          <p:cTn id="4" fill="hold">
+                            <p:stCondLst>
+                              <p:cond delay="0"/>
+                            </p:stCondLst>
+                            <p:childTnLst>
+                              <p:par>
+                                <p:cTn id="5" presetID="2" presetClass="entr" presetSubtype="4" fill="hold" nodeType="clickEffect">
+                                  <p:stCondLst>
+                                    <p:cond delay="0"/>
+                                  </p:stCondLst>
+                                  <p:childTnLst>
+                                    <p:set>
+                                      <p:cBhvr>
+                                        <p:cTn id="6" dur="1" fill="hold">
+                                          <p:stCondLst>
+                                            <p:cond delay="0"/>
+                                          </p:stCondLst>
+                                        </p:cTn>
+                                        <p:tgtEl>
+                                          <p:spTgt spid="1026"/>
+                                        </p:tgtEl>
+                                        <p:attrNameLst>
+                                          <p:attrName>style.visibility</p:attrName>
+                                        </p:attrNameLst>
+                                      </p:cBhvr>
+                                      <p:to>
+                                        <p:strVal val="visible"/>
+                                      </p:to>
+                                    </p:set>
+                                    <p:anim calcmode="lin" valueType="num">
+                                      <p:cBhvr additive="base">
+                                        <p:cTn id="7" dur="300" fill="hold"/>
+                                        <p:tgtEl>
+                                          <p:spTgt spid="1026"/>
+                                        </p:tgtEl>
+                                        <p:attrNameLst>
+                                          <p:attrName>ppt_x</p:attrName>
+                                        </p:attrNameLst>
+                                      </p:cBhvr>
+                                      <p:tavLst>
+                                        <p:tav tm="0">
+                                          <p:val>
+                                            <p:strVal val="#ppt_x"/>
+                                          </p:val>
+                                        </p:tav>
+                                        <p:tav tm="100000">
+                                          <p:val>
+                                            <p:strVal val="#ppt_x"/>
+                                          </p:val>
+                                        </p:tav>
+                                      </p:tavLst>
+                                    </p:anim>
+                                    <p:anim calcmode="lin" valueType="num">
+                                      <p:cBhvr additive="base">
+                                        <p:cTn id="8" dur="300" fill="hold"/>
+                                        <p:tgtEl>
+                                          <p:spTgt spid="1026"/>
+                                        </p:tgtEl>
+                                        <p:attrNameLst>
+                                          <p:attrName>ppt_y</p:attrName>
+                                        </p:attrNameLst>
+                                      </p:cBhvr>
+                                      <p:tavLst>
+                                        <p:tav tm="0">
+                                          <p:val>
+                                            <p:strVal val="1+#ppt_h/2"/>
+                                          </p:val>
+                                        </p:tav>
+                                        <p:tav tm="100000">
+                                          <p:val>
+                                            <p:strVal val="#ppt_y"/>
+                                          </p:val>
+                                        </p:tav>
+                                      </p:tavLst>
+                                    </p:anim>
+                                  </p:childTnLst>
+                                </p:cTn>
+                              </p:par>
+                            </p:childTnLst>
+                          </p:cTn>
+                        </p:par>
+                      </p:childTnLst>
+                    </p:cTn>
+                  </p:par>
+                  <p:par>
+                    <p:cTn id="9" fill="hold">
+                      <p:stCondLst>
+                        <p:cond delay="indefinite"/>
+                      </p:stCondLst>
+                      <p:childTnLst>
+                        <p:par>
+                          <p:cTn id="10" fill="hold">
+                            <p:stCondLst>
+                              <p:cond delay="0"/>
+                            </p:stCondLst>
+                            <p:childTnLst>
+                              <p:par>
+                                <p:cTn id="11" presetID="2" presetClass="entr" presetSubtype="4" fill="hold" grpId="0" nodeType="clickEffect">
+                                  <p:stCondLst>
+                                    <p:cond delay="0"/>
+                                  </p:stCondLst>
+                                  <p:childTnLst>
+                                    <p:set>
+                                      <p:cBhvr>
+                                        <p:cTn id="12" dur="1" fill="hold">
+                                          <p:stCondLst>
+                                            <p:cond delay="0"/>
+                                          </p:stCondLst>
+                                        </p:cTn>
+                                        <p:tgtEl>
+                                          <p:spTgt spid="3"/>
+                                        </p:tgtEl>
+                                        <p:attrNameLst>
+                                          <p:attrName>style.visibility</p:attrName>
+                                        </p:attrNameLst>
+                                      </p:cBhvr>
+                                      <p:to>
+                                        <p:strVal val="visible"/>
+                                      </p:to>
+                                    </p:set>
+                                    <p:anim calcmode="lin" valueType="num">
+                                      <p:cBhvr additive="base">
+                                        <p:cTn id="13" dur="300" fill="hold"/>
+                                        <p:tgtEl>
+                                          <p:spTgt spid="3"/>
+                                        </p:tgtEl>
+                                        <p:attrNameLst>
+                                          <p:attrName>ppt_x</p:attrName>
+                                        </p:attrNameLst>
+                                      </p:cBhvr>
+                                      <p:tavLst>
+                                        <p:tav tm="0">
+                                          <p:val>
+                                            <p:strVal val="#ppt_x"/>
+                                          </p:val>
+                                        </p:tav>
+                                        <p:tav tm="100000">
+                                          <p:val>
+                                            <p:strVal val="#ppt_x"/>
+                                          </p:val>
+                                        </p:tav>
+                                      </p:tavLst>
+                                    </p:anim>
+                                    <p:anim calcmode="lin" valueType="num">
+                                      <p:cBhvr additive="base">
+                                        <p:cTn id="14" dur="300" fill="hold"/>
+                                        <p:tgtEl>
+                                          <p:spTgt spid="3"/>
+                                        </p:tgtEl>
+                                        <p:attrNameLst>
+                                          <p:attrName>ppt_y</p:attrName>
+                                        </p:attrNameLst>
+                                      </p:cBhvr>
+                                      <p:tavLst>
+                                        <p:tav tm="0">
+                                          <p:val>
+                                            <p:strVal val="1+#ppt_h/2"/>
+                                          </p:val>
+                                        </p:tav>
+                                        <p:tav tm="100000">
+                                          <p:val>
+                                            <p:strVal val="#ppt_y"/>
+                                          </p:val>
+                                        </p:tav>
+                                      </p:tavLst>
+                                    </p:anim>
+                                  </p:childTnLst>
+                                </p:cTn>
+                              </p:par>
+                            </p:childTnLst>
+                          </p:cTn>
+                        </p:par>
+                      </p:childTnLst>
+                    </p:cTn>
+                  </p:par>
+                  <p:par>
+                    <p:cTn id="15" fill="hold">
+                      <p:stCondLst>
+                        <p:cond delay="indefinite"/>
+                      </p:stCondLst>
+                      <p:childTnLst>
+                        <p:par>
+                          <p:cTn id="16" fill="hold">
+                            <p:stCondLst>
+                              <p:cond delay="0"/>
+                            </p:stCondLst>
+                            <p:childTnLst>
+                              <p:par>
+                                <p:cTn id="17" presetID="2" presetClass="entr" presetSubtype="4" fill="hold" grpId="0" nodeType="clickEffect">
+                                  <p:stCondLst>
+                                    <p:cond delay="0"/>
+                                  </p:stCondLst>
+                                  <p:childTnLst>
+                                    <p:set>
+                                      <p:cBhvr>
+                                        <p:cTn id="18" dur="1" fill="hold">
+                                          <p:stCondLst>
+                                            <p:cond delay="0"/>
+                                          </p:stCondLst>
+                                        </p:cTn>
+                                        <p:tgtEl>
+                                          <p:spTgt spid="7"/>
+                                        </p:tgtEl>
+                                        <p:attrNameLst>
+                                          <p:attrName>style.visibility</p:attrName>
+                                        </p:attrNameLst>
+                                      </p:cBhvr>
+                                      <p:to>
+                                        <p:strVal val="visible"/>
+                                      </p:to>
+                                    </p:set>
+                                    <p:anim calcmode="lin" valueType="num">
+                                      <p:cBhvr additive="base">
+                                        <p:cTn id="19" dur="300" fill="hold"/>
+                                        <p:tgtEl>
+                                          <p:spTgt spid="7"/>
+                                        </p:tgtEl>
+                                        <p:attrNameLst>
+                                          <p:attrName>ppt_x</p:attrName>
+                                        </p:attrNameLst>
+                                      </p:cBhvr>
+                                      <p:tavLst>
+                                        <p:tav tm="0">
+                                          <p:val>
+                                            <p:strVal val="#ppt_x"/>
+                                          </p:val>
+                                        </p:tav>
+                                        <p:tav tm="100000">
+                                          <p:val>
+                                            <p:strVal val="#ppt_x"/>
+                                          </p:val>
+                                        </p:tav>
+                                      </p:tavLst>
+                                    </p:anim>
+                                    <p:anim calcmode="lin" valueType="num">
+                                      <p:cBhvr additive="base">
+                                        <p:cTn id="20" dur="300" fill="hold"/>
+                                        <p:tgtEl>
+                                          <p:spTgt spid="7"/>
+                                        </p:tgtEl>
+                                        <p:attrNameLst>
+                                          <p:attrName>ppt_y</p:attrName>
+                                        </p:attrNameLst>
+                                      </p:cBhvr>
+                                      <p:tavLst>
+                                        <p:tav tm="0">
+                                          <p:val>
+                                            <p:strVal val="1+#ppt_h/2"/>
+                                          </p:val>
+                                        </p:tav>
+                                        <p:tav tm="100000">
+                                          <p:val>
+                                            <p:strVal val="#ppt_y"/>
+                                          </p:val>
+                                        </p:tav>
+                                      </p:tavLst>
+                                    </p:anim>
+                                  </p:childTnLst>
+                                </p:cTn>
+                              </p:par>
+                            </p:childTnLst>
+                          </p:cTn>
+                        </p:par>
+                      </p:childTnLst>
+                    </p:cTn>
+                  </p:par>
+                  <p:par>
+                    <p:cTn id="21" fill="hold">
+                      <p:stCondLst>
+                        <p:cond delay="indefinite"/>
+                      </p:stCondLst>
+                      <p:childTnLst>
+                        <p:par>
+                          <p:cTn id="22" fill="hold">
+                            <p:stCondLst>
+                              <p:cond delay="0"/>
+                            </p:stCondLst>
+                            <p:childTnLst>
+                              <p:par>
+                                <p:cTn id="23" presetID="2" presetClass="entr" presetSubtype="4" fill="hold" grpId="0" nodeType="clickEffect">
+                                  <p:stCondLst>
+                                    <p:cond delay="0"/>
+                                  </p:stCondLst>
+                                  <p:childTnLst>
+                                    <p:set>
+                                      <p:cBhvr>
+                                        <p:cTn id="24" dur="1" fill="hold">
+                                          <p:stCondLst>
+                                            <p:cond delay="0"/>
+                                          </p:stCondLst>
+                                        </p:cTn>
+                                        <p:tgtEl>
+                                          <p:spTgt spid="10"/>
+                                        </p:tgtEl>
+                                        <p:attrNameLst>
+                                          <p:attrName>style.visibility</p:attrName>
+                                        </p:attrNameLst>
+                                      </p:cBhvr>
+                                      <p:to>
+                                        <p:strVal val="visible"/>
+                                      </p:to>
+                                    </p:set>
+                                    <p:anim calcmode="lin" valueType="num">
+                                      <p:cBhvr additive="base">
+                                        <p:cTn id="25" dur="300" fill="hold"/>
+                                        <p:tgtEl>
+                                          <p:spTgt spid="10"/>
+                                        </p:tgtEl>
+                                        <p:attrNameLst>
+                                          <p:attrName>ppt_x</p:attrName>
+                                        </p:attrNameLst>
+                                      </p:cBhvr>
+                                      <p:tavLst>
+                                        <p:tav tm="0">
+                                          <p:val>
+                                            <p:strVal val="#ppt_x"/>
+                                          </p:val>
+                                        </p:tav>
+                                        <p:tav tm="100000">
+                                          <p:val>
+                                            <p:strVal val="#ppt_x"/>
+                                          </p:val>
+                                        </p:tav>
+                                      </p:tavLst>
+                                    </p:anim>
+                                    <p:anim calcmode="lin" valueType="num">
+                                      <p:cBhvr additive="base">
+                                        <p:cTn id="26" dur="300" fill="hold"/>
+                                        <p:tgtEl>
+                                          <p:spTgt spid="10"/>
+                                        </p:tgtEl>
+                                        <p:attrNameLst>
+                                          <p:attrName>ppt_y</p:attrName>
+                                        </p:attrNameLst>
+                                      </p:cBhvr>
+                                      <p:tavLst>
+                                        <p:tav tm="0">
+                                          <p:val>
+                                            <p:strVal val="1+#ppt_h/2"/>
+                                          </p:val>
+                                        </p:tav>
+                                        <p:tav tm="100000">
+                                          <p:val>
+                                            <p:strVal val="#ppt_y"/>
+                                          </p:val>
+                                        </p:tav>
+                                      </p:tavLst>
+                                    </p:anim>
+                                  </p:childTnLst>
+                                </p:cTn>
+                              </p:par>
+                            </p:childTnLst>
+                          </p:cTn>
+                        </p:par>
+                      </p:childTnLst>
+                    </p:cTn>
+                  </p:par>
+                  <p:par>
+                    <p:cTn id="27" fill="hold">
+                      <p:stCondLst>
+                        <p:cond delay="indefinite"/>
+                      </p:stCondLst>
+                      <p:childTnLst>
+                        <p:par>
+                          <p:cTn id="28" fill="hold">
+                            <p:stCondLst>
+                              <p:cond delay="0"/>
+                            </p:stCondLst>
+                            <p:childTnLst>
+                              <p:par>
+                                <p:cTn id="29" presetID="2" presetClass="entr" presetSubtype="4" fill="hold" grpId="0" nodeType="clickEffect">
+                                  <p:stCondLst>
+                                    <p:cond delay="0"/>
+                                  </p:stCondLst>
+                                  <p:childTnLst>
+                                    <p:set>
+                                      <p:cBhvr>
+                                        <p:cTn id="30" dur="1" fill="hold">
+                                          <p:stCondLst>
+                                            <p:cond delay="0"/>
+                                          </p:stCondLst>
+                                        </p:cTn>
+                                        <p:tgtEl>
+                                          <p:spTgt spid="16"/>
+                                        </p:tgtEl>
+                                        <p:attrNameLst>
+                                          <p:attrName>style.visibility</p:attrName>
+                                        </p:attrNameLst>
+                                      </p:cBhvr>
+                                      <p:to>
+                                        <p:strVal val="visible"/>
+                                      </p:to>
+                                    </p:set>
+                                    <p:anim calcmode="lin" valueType="num">
+                                      <p:cBhvr additive="base">
+                                        <p:cTn id="31" dur="300" fill="hold"/>
+                                        <p:tgtEl>
+                                          <p:spTgt spid="16"/>
+                                        </p:tgtEl>
+                                        <p:attrNameLst>
+                                          <p:attrName>ppt_x</p:attrName>
+                                        </p:attrNameLst>
+                                      </p:cBhvr>
+                                      <p:tavLst>
+                                        <p:tav tm="0">
+                                          <p:val>
+                                            <p:strVal val="#ppt_x"/>
+                                          </p:val>
+                                        </p:tav>
+                                        <p:tav tm="100000">
+                                          <p:val>
+                                            <p:strVal val="#ppt_x"/>
+                                          </p:val>
+                                        </p:tav>
+                                      </p:tavLst>
+                                    </p:anim>
+                                    <p:anim calcmode="lin" valueType="num">
+                                      <p:cBhvr additive="base">
+                                        <p:cTn id="32" dur="300" fill="hold"/>
+                                        <p:tgtEl>
+                                          <p:spTgt spid="16"/>
+                                        </p:tgtEl>
+                                        <p:attrNameLst>
+                                          <p:attrName>ppt_y</p:attrName>
+                                        </p:attrNameLst>
+                                      </p:cBhvr>
+                                      <p:tavLst>
+                                        <p:tav tm="0">
+                                          <p:val>
+                                            <p:strVal val="1+#ppt_h/2"/>
+                                          </p:val>
+                                        </p:tav>
+                                        <p:tav tm="100000">
+                                          <p:val>
+                                            <p:strVal val="#ppt_y"/>
+                                          </p:val>
+                                        </p:tav>
+                                      </p:tavLst>
+                                    </p:anim>
+                                  </p:childTnLst>
+                                </p:cTn>
+                              </p:par>
+                            </p:childTnLst>
+                          </p:cTn>
+                        </p:par>
+                      </p:childTnLst>
+                    </p:cTn>
+                  </p:par>
+                  <p:par>
+                    <p:cTn id="33" fill="hold">
+                      <p:stCondLst>
+                        <p:cond delay="indefinite"/>
+                      </p:stCondLst>
+                      <p:childTnLst>
+                        <p:par>
+                          <p:cTn id="34" fill="hold">
+                            <p:stCondLst>
+                              <p:cond delay="0"/>
+                            </p:stCondLst>
+                            <p:childTnLst>
+                              <p:par>
+                                <p:cTn id="35" presetID="2" presetClass="entr" presetSubtype="4" fill="hold" nodeType="clickEffect">
+                                  <p:stCondLst>
+                                    <p:cond delay="0"/>
+                                  </p:stCondLst>
+                                  <p:childTnLst>
+                                    <p:set>
+                                      <p:cBhvr>
+                                        <p:cTn id="36" dur="1" fill="hold">
+                                          <p:stCondLst>
+                                            <p:cond delay="0"/>
+                                          </p:stCondLst>
+                                        </p:cTn>
+                                        <p:tgtEl>
+                                          <p:spTgt spid="8"/>
+                                        </p:tgtEl>
+                                        <p:attrNameLst>
+                                          <p:attrName>style.visibility</p:attrName>
+                                        </p:attrNameLst>
+                                      </p:cBhvr>
+                                      <p:to>
+                                        <p:strVal val="visible"/>
+                                      </p:to>
+                                    </p:set>
+                                    <p:anim calcmode="lin" valueType="num">
+                                      <p:cBhvr additive="base">
+                                        <p:cTn id="37" dur="300" fill="hold"/>
+                                        <p:tgtEl>
+                                          <p:spTgt spid="8"/>
+                                        </p:tgtEl>
+                                        <p:attrNameLst>
+                                          <p:attrName>ppt_x</p:attrName>
+                                        </p:attrNameLst>
+                                      </p:cBhvr>
+                                      <p:tavLst>
+                                        <p:tav tm="0">
+                                          <p:val>
+                                            <p:strVal val="#ppt_x"/>
+                                          </p:val>
+                                        </p:tav>
+                                        <p:tav tm="100000">
+                                          <p:val>
+                                            <p:strVal val="#ppt_x"/>
+                                          </p:val>
+                                        </p:tav>
+                                      </p:tavLst>
+                                    </p:anim>
+                                    <p:anim calcmode="lin" valueType="num">
+                                      <p:cBhvr additive="base">
+                                        <p:cTn id="38" dur="300" fill="hold"/>
+                                        <p:tgtEl>
+                                          <p:spTgt spid="8"/>
+                                        </p:tgtEl>
+                                        <p:attrNameLst>
+                                          <p:attrName>ppt_y</p:attrName>
+                                        </p:attrNameLst>
+                                      </p:cBhvr>
+                                      <p:tavLst>
+                                        <p:tav tm="0">
+                                          <p:val>
+                                            <p:strVal val="1+#ppt_h/2"/>
+                                          </p:val>
+                                        </p:tav>
+                                        <p:tav tm="100000">
+                                          <p:val>
+                                            <p:strVal val="#ppt_y"/>
+                                          </p:val>
+                                        </p:tav>
+                                      </p:tavLst>
+                                    </p:anim>
+                                  </p:childTnLst>
+                                </p:cTn>
+                              </p:par>
+                              <p:par>
+                                <p:cTn id="39" presetID="2" presetClass="entr" presetSubtype="4" fill="hold" nodeType="withEffect">
+                                  <p:stCondLst>
+                                    <p:cond delay="0"/>
+                                  </p:stCondLst>
+                                  <p:childTnLst>
+                                    <p:set>
+                                      <p:cBhvr>
+                                        <p:cTn id="40" dur="1" fill="hold">
+                                          <p:stCondLst>
+                                            <p:cond delay="0"/>
+                                          </p:stCondLst>
+                                        </p:cTn>
+                                        <p:tgtEl>
+                                          <p:spTgt spid="1029"/>
+                                        </p:tgtEl>
+                                        <p:attrNameLst>
+                                          <p:attrName>style.visibility</p:attrName>
+                                        </p:attrNameLst>
+                                      </p:cBhvr>
+                                      <p:to>
+                                        <p:strVal val="visible"/>
+                                      </p:to>
+                                    </p:set>
+                                    <p:anim calcmode="lin" valueType="num">
+                                      <p:cBhvr additive="base">
+                                        <p:cTn id="41" dur="300" fill="hold"/>
+                                        <p:tgtEl>
+                                          <p:spTgt spid="1029"/>
+                                        </p:tgtEl>
+                                        <p:attrNameLst>
+                                          <p:attrName>ppt_x</p:attrName>
+                                        </p:attrNameLst>
+                                      </p:cBhvr>
+                                      <p:tavLst>
+                                        <p:tav tm="0">
+                                          <p:val>
+                                            <p:strVal val="#ppt_x"/>
+                                          </p:val>
+                                        </p:tav>
+                                        <p:tav tm="100000">
+                                          <p:val>
+                                            <p:strVal val="#ppt_x"/>
+                                          </p:val>
+                                        </p:tav>
+                                      </p:tavLst>
+                                    </p:anim>
+                                    <p:anim calcmode="lin" valueType="num">
+                                      <p:cBhvr additive="base">
+                                        <p:cTn id="42" dur="300" fill="hold"/>
+                                        <p:tgtEl>
+                                          <p:spTgt spid="1029"/>
+                                        </p:tgtEl>
+                                        <p:attrNameLst>
+                                          <p:attrName>ppt_y</p:attrName>
+                                        </p:attrNameLst>
+                                      </p:cBhvr>
+                                      <p:tavLst>
+                                        <p:tav tm="0">
+                                          <p:val>
+                                            <p:strVal val="1+#ppt_h/2"/>
+                                          </p:val>
+                                        </p:tav>
+                                        <p:tav tm="100000">
+                                          <p:val>
+                                            <p:strVal val="#ppt_y"/>
+                                          </p:val>
+                                        </p:tav>
+                                      </p:tavLst>
+                                    </p:anim>
+                                  </p:childTnLst>
+                                </p:cTn>
+                              </p:par>
+                            </p:childTnLst>
+                          </p:cTn>
+                        </p:par>
+                      </p:childTnLst>
+                    </p:cTn>
+                  </p:par>
+                  <p:par>
+                    <p:cTn id="43" fill="hold">
+                      <p:stCondLst>
+                        <p:cond delay="indefinite"/>
+                      </p:stCondLst>
+                      <p:childTnLst>
+                        <p:par>
+                          <p:cTn id="44" fill="hold">
+                            <p:stCondLst>
+                              <p:cond delay="0"/>
+                            </p:stCondLst>
+                            <p:childTnLst>
+                              <p:par>
+                                <p:cTn id="45" presetID="2" presetClass="entr" presetSubtype="4" fill="hold" nodeType="clickEffect">
+                                  <p:stCondLst>
+                                    <p:cond delay="0"/>
+                                  </p:stCondLst>
+                                  <p:childTnLst>
+                                    <p:set>
+                                      <p:cBhvr>
+                                        <p:cTn id="46" dur="1" fill="hold">
+                                          <p:stCondLst>
+                                            <p:cond delay="0"/>
+                                          </p:stCondLst>
+                                        </p:cTn>
+                                        <p:tgtEl>
+                                          <p:spTgt spid="11"/>
+                                        </p:tgtEl>
+                                        <p:attrNameLst>
+                                          <p:attrName>style.visibility</p:attrName>
+                                        </p:attrNameLst>
+                                      </p:cBhvr>
+                                      <p:to>
+                                        <p:strVal val="visible"/>
+                                      </p:to>
+                                    </p:set>
+                                    <p:anim calcmode="lin" valueType="num">
+                                      <p:cBhvr additive="base">
+                                        <p:cTn id="47" dur="300" fill="hold"/>
+                                        <p:tgtEl>
+                                          <p:spTgt spid="11"/>
+                                        </p:tgtEl>
+                                        <p:attrNameLst>
+                                          <p:attrName>ppt_x</p:attrName>
+                                        </p:attrNameLst>
+                                      </p:cBhvr>
+                                      <p:tavLst>
+                                        <p:tav tm="0">
+                                          <p:val>
+                                            <p:strVal val="#ppt_x"/>
+                                          </p:val>
+                                        </p:tav>
+                                        <p:tav tm="100000">
+                                          <p:val>
+                                            <p:strVal val="#ppt_x"/>
+                                          </p:val>
+                                        </p:tav>
+                                      </p:tavLst>
+                                    </p:anim>
+                                    <p:anim calcmode="lin" valueType="num">
+                                      <p:cBhvr additive="base">
+                                        <p:cTn id="48" dur="300" fill="hold"/>
+                                        <p:tgtEl>
+                                          <p:spTgt spid="11"/>
+                                        </p:tgtEl>
+                                        <p:attrNameLst>
+                                          <p:attrName>ppt_y</p:attrName>
+                                        </p:attrNameLst>
+                                      </p:cBhvr>
+                                      <p:tavLst>
+                                        <p:tav tm="0">
+                                          <p:val>
+                                            <p:strVal val="1+#ppt_h/2"/>
+                                          </p:val>
+                                        </p:tav>
+                                        <p:tav tm="100000">
+                                          <p:val>
+                                            <p:strVal val="#ppt_y"/>
+                                          </p:val>
+                                        </p:tav>
+                                      </p:tavLst>
+                                    </p:anim>
+                                  </p:childTnLst>
+                                </p:cTn>
+                              </p:par>
+                              <p:par>
+                                <p:cTn id="49" presetID="2" presetClass="entr" presetSubtype="4" fill="hold" nodeType="withEffect">
+                                  <p:stCondLst>
+                                    <p:cond delay="0"/>
+                                  </p:stCondLst>
+                                  <p:childTnLst>
+                                    <p:set>
+                                      <p:cBhvr>
+                                        <p:cTn id="50" dur="1" fill="hold">
+                                          <p:stCondLst>
+                                            <p:cond delay="0"/>
+                                          </p:stCondLst>
+                                        </p:cTn>
+                                        <p:tgtEl>
+                                          <p:spTgt spid="1028"/>
+                                        </p:tgtEl>
+                                        <p:attrNameLst>
+                                          <p:attrName>style.visibility</p:attrName>
+                                        </p:attrNameLst>
+                                      </p:cBhvr>
+                                      <p:to>
+                                        <p:strVal val="visible"/>
+                                      </p:to>
+                                    </p:set>
+                                    <p:anim calcmode="lin" valueType="num">
+                                      <p:cBhvr additive="base">
+                                        <p:cTn id="51" dur="300" fill="hold"/>
+                                        <p:tgtEl>
+                                          <p:spTgt spid="1028"/>
+                                        </p:tgtEl>
+                                        <p:attrNameLst>
+                                          <p:attrName>ppt_x</p:attrName>
+                                        </p:attrNameLst>
+                                      </p:cBhvr>
+                                      <p:tavLst>
+                                        <p:tav tm="0">
+                                          <p:val>
+                                            <p:strVal val="#ppt_x"/>
+                                          </p:val>
+                                        </p:tav>
+                                        <p:tav tm="100000">
+                                          <p:val>
+                                            <p:strVal val="#ppt_x"/>
+                                          </p:val>
+                                        </p:tav>
+                                      </p:tavLst>
+                                    </p:anim>
+                                    <p:anim calcmode="lin" valueType="num">
+                                      <p:cBhvr additive="base">
+                                        <p:cTn id="52" dur="300" fill="hold"/>
+                                        <p:tgtEl>
+                                          <p:spTgt spid="1028"/>
+                                        </p:tgtEl>
+                                        <p:attrNameLst>
+                                          <p:attrName>ppt_y</p:attrName>
+                                        </p:attrNameLst>
+                                      </p:cBhvr>
+                                      <p:tavLst>
+                                        <p:tav tm="0">
+                                          <p:val>
+                                            <p:strVal val="1+#ppt_h/2"/>
+                                          </p:val>
+                                        </p:tav>
+                                        <p:tav tm="100000">
+                                          <p:val>
+                                            <p:strVal val="#ppt_y"/>
+                                          </p:val>
+                                        </p:tav>
+                                      </p:tavLst>
+                                    </p:anim>
+                                  </p:childTnLst>
+                                </p:cTn>
+                              </p:par>
+                            </p:childTnLst>
+                          </p:cTn>
+                        </p:par>
+                      </p:childTnLst>
+                    </p:cTn>
+                  </p:par>
+                  <p:par>
+                    <p:cTn id="53" fill="hold">
+                      <p:stCondLst>
+                        <p:cond delay="indefinite"/>
+                      </p:stCondLst>
+                      <p:childTnLst>
+                        <p:par>
+                          <p:cTn id="54" fill="hold">
+                            <p:stCondLst>
+                              <p:cond delay="0"/>
+                            </p:stCondLst>
+                            <p:childTnLst>
+                              <p:par>
+                                <p:cTn id="55" presetID="2" presetClass="entr" presetSubtype="4" fill="hold" nodeType="clickEffect">
+                                  <p:stCondLst>
+                                    <p:cond delay="0"/>
+                                  </p:stCondLst>
+                                  <p:childTnLst>
+                                    <p:set>
+                                      <p:cBhvr>
+                                        <p:cTn id="56" dur="1" fill="hold">
+                                          <p:stCondLst>
+                                            <p:cond delay="0"/>
+                                          </p:stCondLst>
+                                        </p:cTn>
+                                        <p:tgtEl>
+                                          <p:spTgt spid="17"/>
+                                        </p:tgtEl>
+                                        <p:attrNameLst>
+                                          <p:attrName>style.visibility</p:attrName>
+                                        </p:attrNameLst>
+                                      </p:cBhvr>
+                                      <p:to>
+                                        <p:strVal val="visible"/>
+                                      </p:to>
+                                    </p:set>
+                                    <p:anim calcmode="lin" valueType="num">
+                                      <p:cBhvr additive="base">
+                                        <p:cTn id="57" dur="300" fill="hold"/>
+                                        <p:tgtEl>
+                                          <p:spTgt spid="17"/>
+                                        </p:tgtEl>
+                                        <p:attrNameLst>
+                                          <p:attrName>ppt_x</p:attrName>
+                                        </p:attrNameLst>
+                                      </p:cBhvr>
+                                      <p:tavLst>
+                                        <p:tav tm="0">
+                                          <p:val>
+                                            <p:strVal val="#ppt_x"/>
+                                          </p:val>
+                                        </p:tav>
+                                        <p:tav tm="100000">
+                                          <p:val>
+                                            <p:strVal val="#ppt_x"/>
+                                          </p:val>
+                                        </p:tav>
+                                      </p:tavLst>
+                                    </p:anim>
+                                    <p:anim calcmode="lin" valueType="num">
+                                      <p:cBhvr additive="base">
+                                        <p:cTn id="58" dur="300" fill="hold"/>
+                                        <p:tgtEl>
+                                          <p:spTgt spid="17"/>
+                                        </p:tgtEl>
+                                        <p:attrNameLst>
+                                          <p:attrName>ppt_y</p:attrName>
+                                        </p:attrNameLst>
+                                      </p:cBhvr>
+                                      <p:tavLst>
+                                        <p:tav tm="0">
+                                          <p:val>
+                                            <p:strVal val="1+#ppt_h/2"/>
+                                          </p:val>
+                                        </p:tav>
+                                        <p:tav tm="100000">
+                                          <p:val>
+                                            <p:strVal val="#ppt_y"/>
+                                          </p:val>
+                                        </p:tav>
+                                      </p:tavLst>
+                                    </p:anim>
+                                  </p:childTnLst>
+                                </p:cTn>
+                              </p:par>
+                              <p:par>
+                                <p:cTn id="59" presetID="2" presetClass="entr" presetSubtype="4" fill="hold" nodeType="withEffect">
+                                  <p:stCondLst>
+                                    <p:cond delay="0"/>
+                                  </p:stCondLst>
+                                  <p:childTnLst>
+                                    <p:set>
+                                      <p:cBhvr>
+                                        <p:cTn id="60" dur="1" fill="hold">
+                                          <p:stCondLst>
+                                            <p:cond delay="0"/>
+                                          </p:stCondLst>
+                                        </p:cTn>
+                                        <p:tgtEl>
+                                          <p:spTgt spid="1032"/>
+                                        </p:tgtEl>
+                                        <p:attrNameLst>
+                                          <p:attrName>style.visibility</p:attrName>
+                                        </p:attrNameLst>
+                                      </p:cBhvr>
+                                      <p:to>
+                                        <p:strVal val="visible"/>
+                                      </p:to>
+                                    </p:set>
+                                    <p:anim calcmode="lin" valueType="num">
+                                      <p:cBhvr additive="base">
+                                        <p:cTn id="61" dur="300" fill="hold"/>
+                                        <p:tgtEl>
+                                          <p:spTgt spid="1032"/>
+                                        </p:tgtEl>
+                                        <p:attrNameLst>
+                                          <p:attrName>ppt_x</p:attrName>
+                                        </p:attrNameLst>
+                                      </p:cBhvr>
+                                      <p:tavLst>
+                                        <p:tav tm="0">
+                                          <p:val>
+                                            <p:strVal val="#ppt_x"/>
+                                          </p:val>
+                                        </p:tav>
+                                        <p:tav tm="100000">
+                                          <p:val>
+                                            <p:strVal val="#ppt_x"/>
+                                          </p:val>
+                                        </p:tav>
+                                      </p:tavLst>
+                                    </p:anim>
+                                    <p:anim calcmode="lin" valueType="num">
+                                      <p:cBhvr additive="base">
+                                        <p:cTn id="62" dur="300" fill="hold"/>
+                                        <p:tgtEl>
+                                          <p:spTgt spid="1032"/>
+                                        </p:tgtEl>
+                                        <p:attrNameLst>
+                                          <p:attrName>ppt_y</p:attrName>
+                                        </p:attrNameLst>
+                                      </p:cBhvr>
+                                      <p:tavLst>
+                                        <p:tav tm="0">
+                                          <p:val>
+                                            <p:strVal val="1+#ppt_h/2"/>
+                                          </p:val>
+                                        </p:tav>
+                                        <p:tav tm="100000">
+                                          <p:val>
+                                            <p:strVal val="#ppt_y"/>
+                                          </p:val>
+                                        </p:tav>
+                                      </p:tavLst>
+                                    </p:anim>
+                                  </p:childTnLst>
+                                </p:cTn>
+                              </p:par>
+                            </p:childTnLst>
+                          </p:cTn>
+                        </p:par>
+                      </p:childTnLst>
+                    </p:cTn>
+                  </p:par>
+                </p:childTnLst>
+              </p:cTn>
+              <p:prevCondLst>
+                <p:cond evt="onPrev" delay="0">
+                  <p:tgtEl>
+                    <p:sldTgt/>
+                  </p:tgtEl>
+                </p:cond>
+              </p:prevCondLst>
+              <p:nextCondLst>
+                <p:cond evt="onNext" delay="0">
+                  <p:tgtEl>
+                    <p:sldTgt/>
+                  </p:tgtEl>
+                </p:cond>
+              </p:nextCondLst>
+            </p:seq>
+          </p:childTnLst>
+        </p:cTn>
+      </p:par>
+    </p:tnLst>
+    <p:bldLst>
+      <p:bldP spid="3" grpId="0" animBg="1"/>
+      <p:bldP spid="7" grpId="0" animBg="1"/>
+      <p:bldP spid="10" grpId="0" animBg="1"/>
+      <p:bldP spid="16" grpId="0" animBg="1"/>
+    </p:bldLst>
+  </p:timing>
+</p:sld>
+</file>
+
+<file path=ppt/slides/slide53.xml><?xml version="1.0" encoding="utf-8"?>
+<p:sld xmlns:a="http://schemas.openxmlformats.org/drawingml/2006/main" xmlns:r="http://schemas.openxmlformats.org/officeDocument/2006/relationships" xmlns:p="http://schemas.openxmlformats.org/presentationml/2006/main">
+  <p:cSld>
+    <p:spTree>
+      <p:nvGrpSpPr>
+        <p:cNvPr id="1" name=""/>
+        <p:cNvGrpSpPr/>
+        <p:nvPr/>
+      </p:nvGrpSpPr>
+      <p:grpSpPr>
+        <a:xfrm>
+          <a:off x="0" y="0"/>
+          <a:ext cx="0" cy="0"/>
+          <a:chOff x="0" y="0"/>
+          <a:chExt cx="0" cy="0"/>
+        </a:xfrm>
+      </p:grpSpPr>
+      <p:sp>
+        <p:nvSpPr>
+          <p:cNvPr id="2" name="文本框 2"/>
+          <p:cNvSpPr txBox="1"/>
+          <p:nvPr/>
+        </p:nvSpPr>
+        <p:spPr>
+          <a:xfrm>
+            <a:off x="611560" y="2236802"/>
+            <a:ext cx="8229600" cy="369332"/>
+          </a:xfrm>
+          <a:prstGeom prst="rect">
+            <a:avLst/>
+          </a:prstGeom>
+          <a:noFill/>
+        </p:spPr>
+        <p:txBody>
+          <a:bodyPr>
+            <a:spAutoFit/>
+          </a:bodyPr>
+          <a:lstStyle/>
+          <a:p>
+            <a:pPr lvl="1">
+              <a:buFont typeface="Arial" panose="020B0604020202020204" pitchFamily="34" charset="0"/>
+              <a:buNone/>
+              <a:defRPr/>
+            </a:pPr>
+            <a:r>
+              <a:rPr lang="zh-CN" altLang="en-US" b="1" dirty="0" smtClean="0">
+                <a:solidFill>
+                  <a:srgbClr val="474747"/>
+                </a:solidFill>
+                <a:latin typeface="微软雅黑" pitchFamily="34" charset="-122"/>
+                <a:ea typeface="微软雅黑" pitchFamily="34" charset="-122"/>
+              </a:rPr>
+              <a:t>浏览器的</a:t>
+            </a:r>
+            <a:r>
+              <a:rPr lang="en-US" altLang="zh-CN" b="1" dirty="0" err="1" smtClean="0">
+                <a:solidFill>
+                  <a:srgbClr val="474747"/>
+                </a:solidFill>
+                <a:latin typeface="微软雅黑" pitchFamily="34" charset="-122"/>
+                <a:ea typeface="微软雅黑" pitchFamily="34" charset="-122"/>
+              </a:rPr>
+              <a:t>navigator.language</a:t>
+            </a:r>
+            <a:r>
+              <a:rPr lang="zh-CN" altLang="en-US" b="1" dirty="0" smtClean="0">
+                <a:solidFill>
+                  <a:srgbClr val="474747"/>
+                </a:solidFill>
+                <a:latin typeface="微软雅黑" pitchFamily="34" charset="-122"/>
+                <a:ea typeface="微软雅黑" pitchFamily="34" charset="-122"/>
+              </a:rPr>
+              <a:t>或</a:t>
+            </a:r>
+            <a:r>
+              <a:rPr lang="en-US" altLang="zh-CN" b="1" dirty="0" err="1" smtClean="0">
+                <a:solidFill>
+                  <a:srgbClr val="474747"/>
+                </a:solidFill>
+                <a:latin typeface="微软雅黑" pitchFamily="34" charset="-122"/>
+                <a:ea typeface="微软雅黑" pitchFamily="34" charset="-122"/>
+              </a:rPr>
+              <a:t>navigator.userLanguage</a:t>
+            </a:r>
+            <a:r>
+              <a:rPr lang="zh-CN" altLang="en-US" b="1" dirty="0" smtClean="0">
+                <a:solidFill>
+                  <a:srgbClr val="474747"/>
+                </a:solidFill>
+                <a:latin typeface="微软雅黑" pitchFamily="34" charset="-122"/>
+                <a:ea typeface="微软雅黑" pitchFamily="34" charset="-122"/>
+              </a:rPr>
+              <a:t>属性</a:t>
+            </a:r>
+            <a:endParaRPr lang="en-US" altLang="zh-CN" b="1" dirty="0" smtClean="0">
+              <a:solidFill>
+                <a:srgbClr val="474747"/>
+              </a:solidFill>
+              <a:latin typeface="微软雅黑" pitchFamily="34" charset="-122"/>
+              <a:ea typeface="微软雅黑" pitchFamily="34" charset="-122"/>
+            </a:endParaRPr>
+          </a:p>
+        </p:txBody>
+      </p:sp>
+      <p:sp>
+        <p:nvSpPr>
+          <p:cNvPr id="3" name="内容占位符 2"/>
+          <p:cNvSpPr txBox="1">
+            <a:spLocks/>
+          </p:cNvSpPr>
+          <p:nvPr/>
+        </p:nvSpPr>
+        <p:spPr>
+          <a:xfrm>
+            <a:off x="457200" y="1200150"/>
+            <a:ext cx="8229600" cy="508000"/>
+          </a:xfrm>
+          <a:prstGeom prst="rect">
+            <a:avLst/>
+          </a:prstGeom>
+        </p:spPr>
+        <p:txBody>
+          <a:bodyPr/>
+          <a:lstStyle/>
+          <a:p>
+            <a:pPr marL="0" marR="0" lvl="0" indent="0" algn="l" defTabSz="914400" rtl="0" eaLnBrk="1" fontAlgn="auto" latinLnBrk="0" hangingPunct="1">
+              <a:lnSpc>
+                <a:spcPct val="100000"/>
+              </a:lnSpc>
+              <a:spcBef>
+                <a:spcPct val="20000"/>
+              </a:spcBef>
+              <a:spcAft>
+                <a:spcPts val="0"/>
+              </a:spcAft>
+              <a:buClrTx/>
+              <a:buSzTx/>
+              <a:buFont typeface="Arial" panose="020B0604020202020204" pitchFamily="34" charset="0"/>
+              <a:buNone/>
+              <a:tabLst/>
+              <a:defRPr/>
+            </a:pPr>
+            <a:r>
+              <a:rPr kumimoji="0" lang="zh-CN" altLang="en-US" sz="3200" b="1" i="0" u="none" strike="noStrike" kern="1200" cap="none" spc="0" normalizeH="0" baseline="0" noProof="0" dirty="0" smtClean="0">
+                <a:ln>
+                  <a:noFill/>
+                </a:ln>
+                <a:solidFill>
+                  <a:srgbClr val="212121"/>
+                </a:solidFill>
+                <a:effectLst/>
+                <a:uLnTx/>
+                <a:uFillTx/>
+                <a:latin typeface="微软雅黑" pitchFamily="34" charset="-122"/>
+                <a:ea typeface="微软雅黑" pitchFamily="34" charset="-122"/>
+              </a:rPr>
+              <a:t>如何指定使用哪种语言？</a:t>
+            </a:r>
+            <a:endParaRPr kumimoji="0" lang="en-US" altLang="zh-CN" sz="3200" b="1" i="0" u="none" strike="noStrike" kern="1200" cap="none" spc="0" normalizeH="0" baseline="0" noProof="0" dirty="0" smtClean="0">
+              <a:ln>
+                <a:noFill/>
+              </a:ln>
+              <a:solidFill>
+                <a:srgbClr val="212121"/>
+              </a:solidFill>
+              <a:effectLst/>
+              <a:uLnTx/>
+              <a:uFillTx/>
+              <a:latin typeface="微软雅黑" pitchFamily="34" charset="-122"/>
+              <a:ea typeface="微软雅黑" pitchFamily="34" charset="-122"/>
+            </a:endParaRPr>
+          </a:p>
+        </p:txBody>
+      </p:sp>
+      <p:pic>
+        <p:nvPicPr>
+          <p:cNvPr id="3074" name="Picture 2"/>
+          <p:cNvPicPr>
+            <a:picLocks noChangeAspect="1" noChangeArrowheads="1"/>
+          </p:cNvPicPr>
+          <p:nvPr/>
+        </p:nvPicPr>
+        <p:blipFill>
+          <a:blip r:embed="rId2" cstate="print"/>
+          <a:srcRect/>
+          <a:stretch>
+            <a:fillRect/>
+          </a:stretch>
+        </p:blipFill>
+        <p:spPr bwMode="auto">
+          <a:xfrm>
+            <a:off x="1115616" y="3573016"/>
+            <a:ext cx="3810000" cy="1666875"/>
+          </a:xfrm>
+          <a:prstGeom prst="rect">
+            <a:avLst/>
+          </a:prstGeom>
+          <a:noFill/>
+          <a:ln w="9525">
+            <a:noFill/>
+            <a:miter lim="800000"/>
+            <a:headEnd/>
+            <a:tailEnd/>
+          </a:ln>
+        </p:spPr>
+      </p:pic>
+      <p:sp>
+        <p:nvSpPr>
+          <p:cNvPr id="6" name="文本框 2"/>
+          <p:cNvSpPr txBox="1"/>
+          <p:nvPr/>
+        </p:nvSpPr>
+        <p:spPr>
+          <a:xfrm>
+            <a:off x="611560" y="3059668"/>
+            <a:ext cx="8229600" cy="369332"/>
+          </a:xfrm>
+          <a:prstGeom prst="rect">
+            <a:avLst/>
+          </a:prstGeom>
+          <a:noFill/>
+        </p:spPr>
+        <p:txBody>
+          <a:bodyPr>
+            <a:spAutoFit/>
+          </a:bodyPr>
+          <a:lstStyle/>
+          <a:p>
+            <a:pPr lvl="1">
+              <a:buFont typeface="Arial" panose="020B0604020202020204" pitchFamily="34" charset="0"/>
+              <a:buNone/>
+              <a:defRPr/>
+            </a:pPr>
+            <a:r>
+              <a:rPr lang="zh-CN" altLang="en-US" b="1" dirty="0" smtClean="0">
+                <a:solidFill>
+                  <a:srgbClr val="474747"/>
+                </a:solidFill>
+                <a:latin typeface="微软雅黑" pitchFamily="34" charset="-122"/>
+                <a:ea typeface="微软雅黑" pitchFamily="34" charset="-122"/>
+              </a:rPr>
+              <a:t>配置语言：</a:t>
+            </a:r>
+            <a:endParaRPr lang="en-US" altLang="zh-CN" b="1" dirty="0" smtClean="0">
+              <a:solidFill>
+                <a:srgbClr val="474747"/>
+              </a:solidFill>
+              <a:latin typeface="微软雅黑" pitchFamily="34" charset="-122"/>
+              <a:ea typeface="微软雅黑" pitchFamily="34" charset="-122"/>
+            </a:endParaRPr>
+          </a:p>
+        </p:txBody>
+      </p:sp>
+    </p:spTree>
+  </p:cSld>
+  <p:clrMapOvr>
+    <a:masterClrMapping/>
+  </p:clrMapOvr>
+  <p:timing>
+    <p:tnLst>
+      <p:par>
+        <p:cTn id="1" dur="indefinite" restart="never" nodeType="tmRoot">
+          <p:childTnLst>
+            <p:seq concurrent="1" nextAc="seek">
+              <p:cTn id="2" dur="indefinite" nodeType="mainSeq">
+                <p:childTnLst>
+                  <p:par>
+                    <p:cTn id="3" fill="hold">
+                      <p:stCondLst>
+                        <p:cond delay="indefinite"/>
+                      </p:stCondLst>
+                      <p:childTnLst>
+                        <p:par>
+                          <p:cTn id="4" fill="hold">
+                            <p:stCondLst>
+                              <p:cond delay="0"/>
+                            </p:stCondLst>
+                            <p:childTnLst>
+                              <p:par>
+                                <p:cTn id="5" presetID="2" presetClass="entr" presetSubtype="4" fill="hold" grpId="0" nodeType="clickEffect">
+                                  <p:stCondLst>
+                                    <p:cond delay="0"/>
+                                  </p:stCondLst>
+                                  <p:childTnLst>
+                                    <p:set>
+                                      <p:cBhvr>
+                                        <p:cTn id="6" dur="1" fill="hold">
+                                          <p:stCondLst>
+                                            <p:cond delay="0"/>
+                                          </p:stCondLst>
+                                        </p:cTn>
+                                        <p:tgtEl>
+                                          <p:spTgt spid="3">
+                                            <p:txEl>
+                                              <p:pRg st="0" end="0"/>
+                                            </p:txEl>
+                                          </p:spTgt>
+                                        </p:tgtEl>
+                                        <p:attrNameLst>
+                                          <p:attrName>style.visibility</p:attrName>
+                                        </p:attrNameLst>
+                                      </p:cBhvr>
+                                      <p:to>
+                                        <p:strVal val="visible"/>
+                                      </p:to>
+                                    </p:set>
+                                    <p:anim calcmode="lin" valueType="num">
+                                      <p:cBhvr additive="base">
+                                        <p:cTn id="7" dur="300" fill="hold"/>
+                                        <p:tgtEl>
+                                          <p:spTgt spid="3">
+                                            <p:txEl>
+                                              <p:pRg st="0" end="0"/>
+                                            </p:txEl>
+                                          </p:spTgt>
+                                        </p:tgtEl>
+                                        <p:attrNameLst>
+                                          <p:attrName>ppt_x</p:attrName>
+                                        </p:attrNameLst>
+                                      </p:cBhvr>
+                                      <p:tavLst>
+                                        <p:tav tm="0">
+                                          <p:val>
+                                            <p:strVal val="#ppt_x"/>
+                                          </p:val>
+                                        </p:tav>
+                                        <p:tav tm="100000">
+                                          <p:val>
+                                            <p:strVal val="#ppt_x"/>
+                                          </p:val>
+                                        </p:tav>
+                                      </p:tavLst>
+                                    </p:anim>
+                                    <p:anim calcmode="lin" valueType="num">
+                                      <p:cBhvr additive="base">
+                                        <p:cTn id="8" dur="300" fill="hold"/>
+                                        <p:tgtEl>
+                                          <p:spTgt spid="3">
+                                            <p:txEl>
+                                              <p:pRg st="0" end="0"/>
+                                            </p:txEl>
+                                          </p:spTgt>
+                                        </p:tgtEl>
+                                        <p:attrNameLst>
+                                          <p:attrName>ppt_y</p:attrName>
+                                        </p:attrNameLst>
+                                      </p:cBhvr>
+                                      <p:tavLst>
+                                        <p:tav tm="0">
+                                          <p:val>
+                                            <p:strVal val="1+#ppt_h/2"/>
+                                          </p:val>
+                                        </p:tav>
+                                        <p:tav tm="100000">
+                                          <p:val>
+                                            <p:strVal val="#ppt_y"/>
+                                          </p:val>
+                                        </p:tav>
+                                      </p:tavLst>
+                                    </p:anim>
+                                  </p:childTnLst>
+                                </p:cTn>
+                              </p:par>
+                            </p:childTnLst>
+                          </p:cTn>
+                        </p:par>
+                      </p:childTnLst>
+                    </p:cTn>
+                  </p:par>
+                  <p:par>
+                    <p:cTn id="9" fill="hold">
+                      <p:stCondLst>
+                        <p:cond delay="indefinite"/>
+                      </p:stCondLst>
+                      <p:childTnLst>
+                        <p:par>
+                          <p:cTn id="10" fill="hold">
+                            <p:stCondLst>
+                              <p:cond delay="0"/>
+                            </p:stCondLst>
+                            <p:childTnLst>
+                              <p:par>
+                                <p:cTn id="11" presetID="2" presetClass="entr" presetSubtype="4" fill="hold" grpId="0" nodeType="clickEffect">
+                                  <p:stCondLst>
+                                    <p:cond delay="0"/>
+                                  </p:stCondLst>
+                                  <p:childTnLst>
+                                    <p:set>
+                                      <p:cBhvr>
+                                        <p:cTn id="12" dur="1" fill="hold">
+                                          <p:stCondLst>
+                                            <p:cond delay="0"/>
+                                          </p:stCondLst>
+                                        </p:cTn>
+                                        <p:tgtEl>
+                                          <p:spTgt spid="2"/>
+                                        </p:tgtEl>
+                                        <p:attrNameLst>
+                                          <p:attrName>style.visibility</p:attrName>
+                                        </p:attrNameLst>
+                                      </p:cBhvr>
+                                      <p:to>
+                                        <p:strVal val="visible"/>
+                                      </p:to>
+                                    </p:set>
+                                    <p:anim calcmode="lin" valueType="num">
+                                      <p:cBhvr additive="base">
+                                        <p:cTn id="13" dur="300" fill="hold"/>
+                                        <p:tgtEl>
+                                          <p:spTgt spid="2"/>
+                                        </p:tgtEl>
+                                        <p:attrNameLst>
+                                          <p:attrName>ppt_x</p:attrName>
+                                        </p:attrNameLst>
+                                      </p:cBhvr>
+                                      <p:tavLst>
+                                        <p:tav tm="0">
+                                          <p:val>
+                                            <p:strVal val="#ppt_x"/>
+                                          </p:val>
+                                        </p:tav>
+                                        <p:tav tm="100000">
+                                          <p:val>
+                                            <p:strVal val="#ppt_x"/>
+                                          </p:val>
+                                        </p:tav>
+                                      </p:tavLst>
+                                    </p:anim>
+                                    <p:anim calcmode="lin" valueType="num">
+                                      <p:cBhvr additive="base">
+                                        <p:cTn id="14" dur="300" fill="hold"/>
+                                        <p:tgtEl>
+                                          <p:spTgt spid="2"/>
+                                        </p:tgtEl>
+                                        <p:attrNameLst>
+                                          <p:attrName>ppt_y</p:attrName>
+                                        </p:attrNameLst>
+                                      </p:cBhvr>
+                                      <p:tavLst>
+                                        <p:tav tm="0">
+                                          <p:val>
+                                            <p:strVal val="1+#ppt_h/2"/>
+                                          </p:val>
+                                        </p:tav>
+                                        <p:tav tm="100000">
+                                          <p:val>
+                                            <p:strVal val="#ppt_y"/>
+                                          </p:val>
+                                        </p:tav>
+                                      </p:tavLst>
+                                    </p:anim>
+                                  </p:childTnLst>
+                                </p:cTn>
+                              </p:par>
+                            </p:childTnLst>
+                          </p:cTn>
+                        </p:par>
+                      </p:childTnLst>
+                    </p:cTn>
+                  </p:par>
+                  <p:par>
+                    <p:cTn id="15" fill="hold">
+                      <p:stCondLst>
+                        <p:cond delay="indefinite"/>
+                      </p:stCondLst>
+                      <p:childTnLst>
+                        <p:par>
+                          <p:cTn id="16" fill="hold">
+                            <p:stCondLst>
+                              <p:cond delay="0"/>
+                            </p:stCondLst>
+                            <p:childTnLst>
+                              <p:par>
+                                <p:cTn id="17" presetID="2" presetClass="entr" presetSubtype="4" fill="hold" grpId="0" nodeType="clickEffect">
+                                  <p:stCondLst>
+                                    <p:cond delay="0"/>
+                                  </p:stCondLst>
+                                  <p:childTnLst>
+                                    <p:set>
+                                      <p:cBhvr>
+                                        <p:cTn id="18" dur="1" fill="hold">
+                                          <p:stCondLst>
+                                            <p:cond delay="0"/>
+                                          </p:stCondLst>
+                                        </p:cTn>
+                                        <p:tgtEl>
+                                          <p:spTgt spid="6"/>
+                                        </p:tgtEl>
+                                        <p:attrNameLst>
+                                          <p:attrName>style.visibility</p:attrName>
+                                        </p:attrNameLst>
+                                      </p:cBhvr>
+                                      <p:to>
+                                        <p:strVal val="visible"/>
+                                      </p:to>
+                                    </p:set>
+                                    <p:anim calcmode="lin" valueType="num">
+                                      <p:cBhvr additive="base">
+                                        <p:cTn id="19" dur="300" fill="hold"/>
+                                        <p:tgtEl>
+                                          <p:spTgt spid="6"/>
+                                        </p:tgtEl>
+                                        <p:attrNameLst>
+                                          <p:attrName>ppt_x</p:attrName>
+                                        </p:attrNameLst>
+                                      </p:cBhvr>
+                                      <p:tavLst>
+                                        <p:tav tm="0">
+                                          <p:val>
+                                            <p:strVal val="#ppt_x"/>
+                                          </p:val>
+                                        </p:tav>
+                                        <p:tav tm="100000">
+                                          <p:val>
+                                            <p:strVal val="#ppt_x"/>
+                                          </p:val>
+                                        </p:tav>
+                                      </p:tavLst>
+                                    </p:anim>
+                                    <p:anim calcmode="lin" valueType="num">
+                                      <p:cBhvr additive="base">
+                                        <p:cTn id="20" dur="300" fill="hold"/>
+                                        <p:tgtEl>
+                                          <p:spTgt spid="6"/>
+                                        </p:tgtEl>
+                                        <p:attrNameLst>
+                                          <p:attrName>ppt_y</p:attrName>
+                                        </p:attrNameLst>
+                                      </p:cBhvr>
+                                      <p:tavLst>
+                                        <p:tav tm="0">
+                                          <p:val>
+                                            <p:strVal val="1+#ppt_h/2"/>
+                                          </p:val>
+                                        </p:tav>
+                                        <p:tav tm="100000">
+                                          <p:val>
+                                            <p:strVal val="#ppt_y"/>
+                                          </p:val>
+                                        </p:tav>
+                                      </p:tavLst>
+                                    </p:anim>
+                                  </p:childTnLst>
+                                </p:cTn>
+                              </p:par>
+                            </p:childTnLst>
+                          </p:cTn>
+                        </p:par>
+                      </p:childTnLst>
+                    </p:cTn>
+                  </p:par>
+                  <p:par>
+                    <p:cTn id="21" fill="hold">
+                      <p:stCondLst>
+                        <p:cond delay="indefinite"/>
+                      </p:stCondLst>
+                      <p:childTnLst>
+                        <p:par>
+                          <p:cTn id="22" fill="hold">
+                            <p:stCondLst>
+                              <p:cond delay="0"/>
+                            </p:stCondLst>
+                            <p:childTnLst>
+                              <p:par>
+                                <p:cTn id="23" presetID="2" presetClass="entr" presetSubtype="4" fill="hold" nodeType="clickEffect">
+                                  <p:stCondLst>
+                                    <p:cond delay="0"/>
+                                  </p:stCondLst>
+                                  <p:childTnLst>
+                                    <p:set>
+                                      <p:cBhvr>
+                                        <p:cTn id="24" dur="1" fill="hold">
+                                          <p:stCondLst>
+                                            <p:cond delay="0"/>
+                                          </p:stCondLst>
+                                        </p:cTn>
+                                        <p:tgtEl>
+                                          <p:spTgt spid="3074"/>
+                                        </p:tgtEl>
+                                        <p:attrNameLst>
+                                          <p:attrName>style.visibility</p:attrName>
+                                        </p:attrNameLst>
+                                      </p:cBhvr>
+                                      <p:to>
+                                        <p:strVal val="visible"/>
+                                      </p:to>
+                                    </p:set>
+                                    <p:anim calcmode="lin" valueType="num">
+                                      <p:cBhvr additive="base">
+                                        <p:cTn id="25" dur="300" fill="hold"/>
+                                        <p:tgtEl>
+                                          <p:spTgt spid="3074"/>
+                                        </p:tgtEl>
+                                        <p:attrNameLst>
+                                          <p:attrName>ppt_x</p:attrName>
+                                        </p:attrNameLst>
+                                      </p:cBhvr>
+                                      <p:tavLst>
+                                        <p:tav tm="0">
+                                          <p:val>
+                                            <p:strVal val="#ppt_x"/>
+                                          </p:val>
+                                        </p:tav>
+                                        <p:tav tm="100000">
+                                          <p:val>
+                                            <p:strVal val="#ppt_x"/>
+                                          </p:val>
+                                        </p:tav>
+                                      </p:tavLst>
+                                    </p:anim>
+                                    <p:anim calcmode="lin" valueType="num">
+                                      <p:cBhvr additive="base">
+                                        <p:cTn id="26" dur="300" fill="hold"/>
+                                        <p:tgtEl>
+                                          <p:spTgt spid="3074"/>
+                                        </p:tgtEl>
+                                        <p:attrNameLst>
+                                          <p:attrName>ppt_y</p:attrName>
+                                        </p:attrNameLst>
+                                      </p:cBhvr>
+                                      <p:tavLst>
+                                        <p:tav tm="0">
+                                          <p:val>
+                                            <p:strVal val="1+#ppt_h/2"/>
+                                          </p:val>
+                                        </p:tav>
+                                        <p:tav tm="100000">
+                                          <p:val>
+                                            <p:strVal val="#ppt_y"/>
+                                          </p:val>
+                                        </p:tav>
+                                      </p:tavLst>
+                                    </p:anim>
+                                  </p:childTnLst>
+                                </p:cTn>
+                              </p:par>
+                            </p:childTnLst>
+                          </p:cTn>
+                        </p:par>
+                      </p:childTnLst>
+                    </p:cTn>
+                  </p:par>
+                </p:childTnLst>
+              </p:cTn>
+              <p:prevCondLst>
+                <p:cond evt="onPrev" delay="0">
+                  <p:tgtEl>
+                    <p:sldTgt/>
+                  </p:tgtEl>
+                </p:cond>
+              </p:prevCondLst>
+              <p:nextCondLst>
+                <p:cond evt="onNext" delay="0">
+                  <p:tgtEl>
+                    <p:sldTgt/>
+                  </p:tgtEl>
+                </p:cond>
+              </p:nextCondLst>
+            </p:seq>
+          </p:childTnLst>
+        </p:cTn>
+      </p:par>
+    </p:tnLst>
+    <p:bldLst>
+      <p:bldP spid="2" grpId="0"/>
+      <p:bldP spid="3" grpId="0" build="p"/>
+      <p:bldP spid="6" grpId="0"/>
+    </p:bldLst>
   </p:timing>
 </p:sld>
 </file>

--- a/requirejs/doc/requirejs.pptx
+++ b/requirejs/doc/requirejs.pptx
@@ -5,7 +5,7 @@
     <p:sldMasterId id="2147483648" r:id="rId1"/>
   </p:sldMasterIdLst>
   <p:notesMasterIdLst>
-    <p:notesMasterId r:id="rId55"/>
+    <p:notesMasterId r:id="rId62"/>
   </p:notesMasterIdLst>
   <p:sldIdLst>
     <p:sldId id="258" r:id="rId2"/>
@@ -61,6 +61,13 @@
     <p:sldId id="309" r:id="rId52"/>
     <p:sldId id="310" r:id="rId53"/>
     <p:sldId id="311" r:id="rId54"/>
+    <p:sldId id="312" r:id="rId55"/>
+    <p:sldId id="313" r:id="rId56"/>
+    <p:sldId id="315" r:id="rId57"/>
+    <p:sldId id="314" r:id="rId58"/>
+    <p:sldId id="316" r:id="rId59"/>
+    <p:sldId id="317" r:id="rId60"/>
+    <p:sldId id="318" r:id="rId61"/>
   </p:sldIdLst>
   <p:sldSz cx="9144000" cy="6858000" type="screen4x3"/>
   <p:notesSz cx="6858000" cy="9144000"/>
@@ -245,7 +252,7 @@
             <a:fld id="{B2C916C8-812D-4B64-92A8-238699F8A54D}" type="datetimeFigureOut">
               <a:rPr lang="zh-CN" altLang="en-US" smtClean="0"/>
               <a:pPr/>
-              <a:t>2016/5/31</a:t>
+              <a:t>2016/6/1</a:t>
             </a:fld>
             <a:endParaRPr lang="zh-CN" altLang="en-US"/>
           </a:p>
@@ -775,7 +782,7 @@
             <a:fld id="{530820CF-B880-4189-942D-D702A7CBA730}" type="datetimeFigureOut">
               <a:rPr lang="zh-CN" altLang="en-US" smtClean="0"/>
               <a:pPr/>
-              <a:t>2016/5/31</a:t>
+              <a:t>2016/6/1</a:t>
             </a:fld>
             <a:endParaRPr lang="zh-CN" altLang="en-US"/>
           </a:p>
@@ -942,7 +949,7 @@
             <a:fld id="{530820CF-B880-4189-942D-D702A7CBA730}" type="datetimeFigureOut">
               <a:rPr lang="zh-CN" altLang="en-US" smtClean="0"/>
               <a:pPr/>
-              <a:t>2016/5/31</a:t>
+              <a:t>2016/6/1</a:t>
             </a:fld>
             <a:endParaRPr lang="zh-CN" altLang="en-US"/>
           </a:p>
@@ -1119,7 +1126,7 @@
             <a:fld id="{530820CF-B880-4189-942D-D702A7CBA730}" type="datetimeFigureOut">
               <a:rPr lang="zh-CN" altLang="en-US" smtClean="0"/>
               <a:pPr/>
-              <a:t>2016/5/31</a:t>
+              <a:t>2016/6/1</a:t>
             </a:fld>
             <a:endParaRPr lang="zh-CN" altLang="en-US"/>
           </a:p>
@@ -1286,7 +1293,7 @@
             <a:fld id="{530820CF-B880-4189-942D-D702A7CBA730}" type="datetimeFigureOut">
               <a:rPr lang="zh-CN" altLang="en-US" smtClean="0"/>
               <a:pPr/>
-              <a:t>2016/5/31</a:t>
+              <a:t>2016/6/1</a:t>
             </a:fld>
             <a:endParaRPr lang="zh-CN" altLang="en-US"/>
           </a:p>
@@ -1529,7 +1536,7 @@
             <a:fld id="{530820CF-B880-4189-942D-D702A7CBA730}" type="datetimeFigureOut">
               <a:rPr lang="zh-CN" altLang="en-US" smtClean="0"/>
               <a:pPr/>
-              <a:t>2016/5/31</a:t>
+              <a:t>2016/6/1</a:t>
             </a:fld>
             <a:endParaRPr lang="zh-CN" altLang="en-US"/>
           </a:p>
@@ -1814,7 +1821,7 @@
             <a:fld id="{530820CF-B880-4189-942D-D702A7CBA730}" type="datetimeFigureOut">
               <a:rPr lang="zh-CN" altLang="en-US" smtClean="0"/>
               <a:pPr/>
-              <a:t>2016/5/31</a:t>
+              <a:t>2016/6/1</a:t>
             </a:fld>
             <a:endParaRPr lang="zh-CN" altLang="en-US"/>
           </a:p>
@@ -2233,7 +2240,7 @@
             <a:fld id="{530820CF-B880-4189-942D-D702A7CBA730}" type="datetimeFigureOut">
               <a:rPr lang="zh-CN" altLang="en-US" smtClean="0"/>
               <a:pPr/>
-              <a:t>2016/5/31</a:t>
+              <a:t>2016/6/1</a:t>
             </a:fld>
             <a:endParaRPr lang="zh-CN" altLang="en-US"/>
           </a:p>
@@ -2348,7 +2355,7 @@
             <a:fld id="{530820CF-B880-4189-942D-D702A7CBA730}" type="datetimeFigureOut">
               <a:rPr lang="zh-CN" altLang="en-US" smtClean="0"/>
               <a:pPr/>
-              <a:t>2016/5/31</a:t>
+              <a:t>2016/6/1</a:t>
             </a:fld>
             <a:endParaRPr lang="zh-CN" altLang="en-US"/>
           </a:p>
@@ -2440,7 +2447,7 @@
             <a:fld id="{530820CF-B880-4189-942D-D702A7CBA730}" type="datetimeFigureOut">
               <a:rPr lang="zh-CN" altLang="en-US" smtClean="0"/>
               <a:pPr/>
-              <a:t>2016/5/31</a:t>
+              <a:t>2016/6/1</a:t>
             </a:fld>
             <a:endParaRPr lang="zh-CN" altLang="en-US"/>
           </a:p>
@@ -2714,7 +2721,7 @@
             <a:fld id="{530820CF-B880-4189-942D-D702A7CBA730}" type="datetimeFigureOut">
               <a:rPr lang="zh-CN" altLang="en-US" smtClean="0"/>
               <a:pPr/>
-              <a:t>2016/5/31</a:t>
+              <a:t>2016/6/1</a:t>
             </a:fld>
             <a:endParaRPr lang="zh-CN" altLang="en-US"/>
           </a:p>
@@ -2964,7 +2971,7 @@
             <a:fld id="{530820CF-B880-4189-942D-D702A7CBA730}" type="datetimeFigureOut">
               <a:rPr lang="zh-CN" altLang="en-US" smtClean="0"/>
               <a:pPr/>
-              <a:t>2016/5/31</a:t>
+              <a:t>2016/6/1</a:t>
             </a:fld>
             <a:endParaRPr lang="zh-CN" altLang="en-US"/>
           </a:p>
@@ -3174,7 +3181,7 @@
             <a:fld id="{530820CF-B880-4189-942D-D702A7CBA730}" type="datetimeFigureOut">
               <a:rPr lang="zh-CN" altLang="en-US" smtClean="0"/>
               <a:pPr/>
-              <a:t>2016/5/31</a:t>
+              <a:t>2016/6/1</a:t>
             </a:fld>
             <a:endParaRPr lang="zh-CN" altLang="en-US"/>
           </a:p>
@@ -29977,23 +29984,7 @@
                 <a:latin typeface="微软雅黑" pitchFamily="34" charset="-122"/>
                 <a:ea typeface="微软雅黑" pitchFamily="34" charset="-122"/>
               </a:rPr>
-              <a:t>插</a:t>
-            </a:r>
-            <a:r>
-              <a:rPr kumimoji="0" lang="zh-CN" altLang="en-US" sz="3200" b="1" i="0" u="none" strike="noStrike" kern="1200" cap="none" spc="0" normalizeH="0" baseline="0" noProof="0" dirty="0" smtClean="0">
-                <a:ln>
-                  <a:noFill/>
-                </a:ln>
-                <a:solidFill>
-                  <a:srgbClr val="212121"/>
-                </a:solidFill>
-                <a:effectLst/>
-                <a:uLnTx/>
-                <a:uFillTx/>
-                <a:latin typeface="微软雅黑" pitchFamily="34" charset="-122"/>
-                <a:ea typeface="微软雅黑" pitchFamily="34" charset="-122"/>
-              </a:rPr>
-              <a:t>件</a:t>
+              <a:t>插件</a:t>
             </a:r>
             <a:r>
               <a:rPr kumimoji="0" lang="en-US" altLang="zh-CN" sz="3200" b="1" i="0" u="none" strike="noStrike" kern="1200" cap="none" spc="0" normalizeH="0" baseline="0" noProof="0" dirty="0" smtClean="0">
@@ -30011,19 +30002,6 @@
               </a:rPr>
               <a:t>i18n.js</a:t>
             </a:r>
-            <a:endParaRPr kumimoji="0" lang="en-US" altLang="zh-CN" sz="3200" b="1" i="0" u="none" strike="noStrike" kern="1200" cap="none" spc="0" normalizeH="0" baseline="0" noProof="0" dirty="0" smtClean="0">
-              <a:ln>
-                <a:noFill/>
-              </a:ln>
-              <a:solidFill>
-                <a:srgbClr val="212121"/>
-              </a:solidFill>
-              <a:effectLst/>
-              <a:uLnTx/>
-              <a:uFillTx/>
-              <a:latin typeface="微软雅黑" pitchFamily="34" charset="-122"/>
-              <a:ea typeface="微软雅黑" pitchFamily="34" charset="-122"/>
-            </a:endParaRPr>
           </a:p>
         </p:txBody>
       </p:sp>
@@ -30178,13 +30156,6 @@
               </a:rPr>
               <a:t>i18n!</a:t>
             </a:r>
-            <a:endParaRPr lang="en-US" altLang="zh-CN" sz="1500" b="1" dirty="0" smtClean="0">
-              <a:solidFill>
-                <a:schemeClr val="bg1"/>
-              </a:solidFill>
-              <a:latin typeface="微软雅黑" pitchFamily="34" charset="-122"/>
-              <a:ea typeface="微软雅黑" pitchFamily="34" charset="-122"/>
-            </a:endParaRPr>
           </a:p>
         </p:txBody>
       </p:sp>
@@ -33216,6 +33187,4574 @@
 </p:sld>
 </file>
 
+<file path=ppt/slides/slide54.xml><?xml version="1.0" encoding="utf-8"?>
+<p:sld xmlns:a="http://schemas.openxmlformats.org/drawingml/2006/main" xmlns:r="http://schemas.openxmlformats.org/officeDocument/2006/relationships" xmlns:p="http://schemas.openxmlformats.org/presentationml/2006/main">
+  <p:cSld>
+    <p:spTree>
+      <p:nvGrpSpPr>
+        <p:cNvPr id="1" name=""/>
+        <p:cNvGrpSpPr/>
+        <p:nvPr/>
+      </p:nvGrpSpPr>
+      <p:grpSpPr>
+        <a:xfrm>
+          <a:off x="0" y="0"/>
+          <a:ext cx="0" cy="0"/>
+          <a:chOff x="0" y="0"/>
+          <a:chExt cx="0" cy="0"/>
+        </a:xfrm>
+      </p:grpSpPr>
+      <p:sp>
+        <p:nvSpPr>
+          <p:cNvPr id="2" name="标题 1"/>
+          <p:cNvSpPr>
+            <a:spLocks noGrp="1"/>
+          </p:cNvSpPr>
+          <p:nvPr>
+            <p:ph type="title"/>
+          </p:nvPr>
+        </p:nvSpPr>
+        <p:spPr>
+          <a:xfrm>
+            <a:off x="467544" y="1268760"/>
+            <a:ext cx="8229600" cy="1143000"/>
+          </a:xfrm>
+        </p:spPr>
+        <p:txBody>
+          <a:bodyPr>
+            <a:normAutofit/>
+          </a:bodyPr>
+          <a:lstStyle/>
+          <a:p>
+            <a:r>
+              <a:rPr lang="en-US" altLang="zh-CN" sz="3000" b="1" dirty="0" err="1" smtClean="0">
+                <a:solidFill>
+                  <a:srgbClr val="C9394A"/>
+                </a:solidFill>
+                <a:latin typeface="微软雅黑" pitchFamily="34" charset="-122"/>
+                <a:ea typeface="微软雅黑" pitchFamily="34" charset="-122"/>
+              </a:rPr>
+              <a:t>Requirejs</a:t>
+            </a:r>
+            <a:r>
+              <a:rPr lang="zh-CN" altLang="en-US" sz="3000" b="1" dirty="0" smtClean="0">
+                <a:solidFill>
+                  <a:srgbClr val="C9394A"/>
+                </a:solidFill>
+                <a:latin typeface="微软雅黑" pitchFamily="34" charset="-122"/>
+                <a:ea typeface="微软雅黑" pitchFamily="34" charset="-122"/>
+              </a:rPr>
+              <a:t>和自动打包</a:t>
+            </a:r>
+            <a:endParaRPr lang="zh-CN" altLang="en-US" sz="3000" b="1" dirty="0">
+              <a:solidFill>
+                <a:srgbClr val="C9394A"/>
+              </a:solidFill>
+              <a:latin typeface="微软雅黑" pitchFamily="34" charset="-122"/>
+              <a:ea typeface="微软雅黑" pitchFamily="34" charset="-122"/>
+            </a:endParaRPr>
+          </a:p>
+        </p:txBody>
+      </p:sp>
+      <p:sp>
+        <p:nvSpPr>
+          <p:cNvPr id="3" name="内容占位符 2"/>
+          <p:cNvSpPr>
+            <a:spLocks noGrp="1"/>
+          </p:cNvSpPr>
+          <p:nvPr>
+            <p:ph idx="1"/>
+          </p:nvPr>
+        </p:nvSpPr>
+        <p:spPr>
+          <a:xfrm>
+            <a:off x="467544" y="2852937"/>
+            <a:ext cx="8229600" cy="648071"/>
+          </a:xfrm>
+        </p:spPr>
+        <p:txBody>
+          <a:bodyPr>
+            <a:normAutofit/>
+          </a:bodyPr>
+          <a:lstStyle/>
+          <a:p>
+            <a:pPr algn="ctr">
+              <a:buNone/>
+            </a:pPr>
+            <a:r>
+              <a:rPr lang="zh-CN" altLang="en-US" sz="2200" b="1" dirty="0" smtClean="0">
+                <a:solidFill>
+                  <a:srgbClr val="474747"/>
+                </a:solidFill>
+                <a:latin typeface="微软雅黑" pitchFamily="34" charset="-122"/>
+                <a:ea typeface="微软雅黑" pitchFamily="34" charset="-122"/>
+              </a:rPr>
+              <a:t>使用</a:t>
+            </a:r>
+            <a:r>
+              <a:rPr lang="en-US" altLang="zh-CN" sz="2200" b="1" dirty="0" err="1" smtClean="0">
+                <a:solidFill>
+                  <a:srgbClr val="474747"/>
+                </a:solidFill>
+                <a:latin typeface="微软雅黑" pitchFamily="34" charset="-122"/>
+                <a:ea typeface="微软雅黑" pitchFamily="34" charset="-122"/>
+              </a:rPr>
+              <a:t>r.js</a:t>
+            </a:r>
+            <a:r>
+              <a:rPr lang="zh-CN" altLang="en-US" sz="2200" b="1" dirty="0" smtClean="0">
+                <a:solidFill>
+                  <a:srgbClr val="474747"/>
+                </a:solidFill>
+                <a:latin typeface="微软雅黑" pitchFamily="34" charset="-122"/>
+                <a:ea typeface="微软雅黑" pitchFamily="34" charset="-122"/>
+              </a:rPr>
+              <a:t>工具打包</a:t>
+            </a:r>
+            <a:endParaRPr lang="en-US" altLang="zh-CN" sz="2200" b="1" dirty="0" smtClean="0">
+              <a:solidFill>
+                <a:srgbClr val="474747"/>
+              </a:solidFill>
+              <a:latin typeface="微软雅黑" pitchFamily="34" charset="-122"/>
+              <a:ea typeface="微软雅黑" pitchFamily="34" charset="-122"/>
+            </a:endParaRPr>
+          </a:p>
+          <a:p>
+            <a:pPr algn="ctr">
+              <a:buNone/>
+            </a:pPr>
+            <a:endParaRPr lang="en-US" altLang="zh-CN" sz="2200" b="1" dirty="0" smtClean="0">
+              <a:solidFill>
+                <a:srgbClr val="474747"/>
+              </a:solidFill>
+              <a:latin typeface="微软雅黑" pitchFamily="34" charset="-122"/>
+              <a:ea typeface="微软雅黑" pitchFamily="34" charset="-122"/>
+            </a:endParaRPr>
+          </a:p>
+        </p:txBody>
+      </p:sp>
+    </p:spTree>
+  </p:cSld>
+  <p:clrMapOvr>
+    <a:masterClrMapping/>
+  </p:clrMapOvr>
+  <p:timing>
+    <p:tnLst>
+      <p:par>
+        <p:cTn id="1" dur="indefinite" restart="never" nodeType="tmRoot"/>
+      </p:par>
+    </p:tnLst>
+  </p:timing>
+</p:sld>
+</file>
+
+<file path=ppt/slides/slide55.xml><?xml version="1.0" encoding="utf-8"?>
+<p:sld xmlns:a="http://schemas.openxmlformats.org/drawingml/2006/main" xmlns:r="http://schemas.openxmlformats.org/officeDocument/2006/relationships" xmlns:p="http://schemas.openxmlformats.org/presentationml/2006/main">
+  <p:cSld>
+    <p:spTree>
+      <p:nvGrpSpPr>
+        <p:cNvPr id="1" name=""/>
+        <p:cNvGrpSpPr/>
+        <p:nvPr/>
+      </p:nvGrpSpPr>
+      <p:grpSpPr>
+        <a:xfrm>
+          <a:off x="0" y="0"/>
+          <a:ext cx="0" cy="0"/>
+          <a:chOff x="0" y="0"/>
+          <a:chExt cx="0" cy="0"/>
+        </a:xfrm>
+      </p:grpSpPr>
+      <p:sp>
+        <p:nvSpPr>
+          <p:cNvPr id="3" name="文本框 2"/>
+          <p:cNvSpPr txBox="1"/>
+          <p:nvPr/>
+        </p:nvSpPr>
+        <p:spPr>
+          <a:xfrm>
+            <a:off x="611560" y="2164794"/>
+            <a:ext cx="8229600" cy="400110"/>
+          </a:xfrm>
+          <a:prstGeom prst="rect">
+            <a:avLst/>
+          </a:prstGeom>
+          <a:noFill/>
+        </p:spPr>
+        <p:txBody>
+          <a:bodyPr>
+            <a:spAutoFit/>
+          </a:bodyPr>
+          <a:lstStyle/>
+          <a:p>
+            <a:pPr lvl="1">
+              <a:buFont typeface="Arial" panose="020B0604020202020204" pitchFamily="34" charset="0"/>
+              <a:buNone/>
+              <a:defRPr/>
+            </a:pPr>
+            <a:r>
+              <a:rPr lang="zh-CN" altLang="en-US" sz="2000" b="1" dirty="0" smtClean="0">
+                <a:solidFill>
+                  <a:srgbClr val="474747"/>
+                </a:solidFill>
+                <a:latin typeface="微软雅黑" pitchFamily="34" charset="-122"/>
+                <a:ea typeface="微软雅黑" pitchFamily="34" charset="-122"/>
+              </a:rPr>
+              <a:t>使用</a:t>
+            </a:r>
+            <a:r>
+              <a:rPr lang="en-US" altLang="zh-CN" sz="2000" b="1" dirty="0" err="1" smtClean="0">
+                <a:solidFill>
+                  <a:srgbClr val="474747"/>
+                </a:solidFill>
+                <a:latin typeface="微软雅黑" pitchFamily="34" charset="-122"/>
+                <a:ea typeface="微软雅黑" pitchFamily="34" charset="-122"/>
+              </a:rPr>
+              <a:t>requirejs</a:t>
+            </a:r>
+            <a:r>
+              <a:rPr lang="zh-CN" altLang="en-US" sz="2000" b="1" dirty="0" smtClean="0">
+                <a:solidFill>
+                  <a:srgbClr val="474747"/>
+                </a:solidFill>
+                <a:latin typeface="微软雅黑" pitchFamily="34" charset="-122"/>
+                <a:ea typeface="微软雅黑" pitchFamily="34" charset="-122"/>
+              </a:rPr>
+              <a:t>模块化开发</a:t>
+            </a:r>
+            <a:endParaRPr lang="en-US" altLang="zh-CN" sz="2000" b="1" dirty="0" smtClean="0">
+              <a:solidFill>
+                <a:srgbClr val="474747"/>
+              </a:solidFill>
+              <a:latin typeface="微软雅黑" pitchFamily="34" charset="-122"/>
+              <a:ea typeface="微软雅黑" pitchFamily="34" charset="-122"/>
+            </a:endParaRPr>
+          </a:p>
+        </p:txBody>
+      </p:sp>
+      <p:sp>
+        <p:nvSpPr>
+          <p:cNvPr id="4" name="文本框 2"/>
+          <p:cNvSpPr txBox="1"/>
+          <p:nvPr/>
+        </p:nvSpPr>
+        <p:spPr>
+          <a:xfrm>
+            <a:off x="611560" y="3100898"/>
+            <a:ext cx="8229600" cy="400110"/>
+          </a:xfrm>
+          <a:prstGeom prst="rect">
+            <a:avLst/>
+          </a:prstGeom>
+          <a:noFill/>
+        </p:spPr>
+        <p:txBody>
+          <a:bodyPr>
+            <a:spAutoFit/>
+          </a:bodyPr>
+          <a:lstStyle/>
+          <a:p>
+            <a:pPr lvl="1">
+              <a:buFont typeface="Arial" panose="020B0604020202020204" pitchFamily="34" charset="0"/>
+              <a:buNone/>
+              <a:defRPr/>
+            </a:pPr>
+            <a:r>
+              <a:rPr lang="en-US" altLang="zh-CN" sz="2000" b="1" dirty="0" err="1" smtClean="0">
+                <a:solidFill>
+                  <a:srgbClr val="474747"/>
+                </a:solidFill>
+                <a:latin typeface="微软雅黑" pitchFamily="34" charset="-122"/>
+                <a:ea typeface="微软雅黑" pitchFamily="34" charset="-122"/>
+              </a:rPr>
+              <a:t>requirejs</a:t>
+            </a:r>
+            <a:r>
+              <a:rPr lang="zh-CN" altLang="en-US" sz="2000" b="1" dirty="0" smtClean="0">
+                <a:solidFill>
+                  <a:srgbClr val="474747"/>
+                </a:solidFill>
+                <a:latin typeface="微软雅黑" pitchFamily="34" charset="-122"/>
+                <a:ea typeface="微软雅黑" pitchFamily="34" charset="-122"/>
+              </a:rPr>
+              <a:t>的配置</a:t>
+            </a:r>
+            <a:endParaRPr lang="en-US" altLang="zh-CN" sz="2000" b="1" dirty="0" smtClean="0">
+              <a:solidFill>
+                <a:srgbClr val="474747"/>
+              </a:solidFill>
+              <a:latin typeface="微软雅黑" pitchFamily="34" charset="-122"/>
+              <a:ea typeface="微软雅黑" pitchFamily="34" charset="-122"/>
+            </a:endParaRPr>
+          </a:p>
+        </p:txBody>
+      </p:sp>
+      <p:sp>
+        <p:nvSpPr>
+          <p:cNvPr id="5" name="文本框 2"/>
+          <p:cNvSpPr txBox="1"/>
+          <p:nvPr/>
+        </p:nvSpPr>
+        <p:spPr>
+          <a:xfrm>
+            <a:off x="611560" y="4109010"/>
+            <a:ext cx="8229600" cy="400110"/>
+          </a:xfrm>
+          <a:prstGeom prst="rect">
+            <a:avLst/>
+          </a:prstGeom>
+          <a:noFill/>
+        </p:spPr>
+        <p:txBody>
+          <a:bodyPr>
+            <a:spAutoFit/>
+          </a:bodyPr>
+          <a:lstStyle/>
+          <a:p>
+            <a:pPr lvl="1">
+              <a:buFont typeface="Arial" panose="020B0604020202020204" pitchFamily="34" charset="0"/>
+              <a:buNone/>
+              <a:defRPr/>
+            </a:pPr>
+            <a:r>
+              <a:rPr lang="en-US" altLang="zh-CN" sz="2000" b="1" dirty="0" err="1" smtClean="0">
+                <a:solidFill>
+                  <a:srgbClr val="474747"/>
+                </a:solidFill>
+                <a:latin typeface="微软雅黑" pitchFamily="34" charset="-122"/>
+                <a:ea typeface="微软雅黑" pitchFamily="34" charset="-122"/>
+              </a:rPr>
+              <a:t>requirejs</a:t>
+            </a:r>
+            <a:r>
+              <a:rPr lang="zh-CN" altLang="en-US" sz="2000" b="1" dirty="0" smtClean="0">
+                <a:solidFill>
+                  <a:srgbClr val="474747"/>
+                </a:solidFill>
+                <a:latin typeface="微软雅黑" pitchFamily="34" charset="-122"/>
+                <a:ea typeface="微软雅黑" pitchFamily="34" charset="-122"/>
+              </a:rPr>
+              <a:t>的插件</a:t>
+            </a:r>
+            <a:endParaRPr lang="en-US" altLang="zh-CN" sz="2000" b="1" dirty="0" smtClean="0">
+              <a:solidFill>
+                <a:srgbClr val="474747"/>
+              </a:solidFill>
+              <a:latin typeface="微软雅黑" pitchFamily="34" charset="-122"/>
+              <a:ea typeface="微软雅黑" pitchFamily="34" charset="-122"/>
+            </a:endParaRPr>
+          </a:p>
+        </p:txBody>
+      </p:sp>
+      <p:sp>
+        <p:nvSpPr>
+          <p:cNvPr id="6" name="内容占位符 2"/>
+          <p:cNvSpPr txBox="1">
+            <a:spLocks/>
+          </p:cNvSpPr>
+          <p:nvPr/>
+        </p:nvSpPr>
+        <p:spPr>
+          <a:xfrm>
+            <a:off x="457200" y="1200150"/>
+            <a:ext cx="8229600" cy="508000"/>
+          </a:xfrm>
+          <a:prstGeom prst="rect">
+            <a:avLst/>
+          </a:prstGeom>
+        </p:spPr>
+        <p:txBody>
+          <a:bodyPr/>
+          <a:lstStyle/>
+          <a:p>
+            <a:pPr marL="0" marR="0" lvl="0" indent="0" algn="l" defTabSz="914400" rtl="0" eaLnBrk="1" fontAlgn="auto" latinLnBrk="0" hangingPunct="1">
+              <a:lnSpc>
+                <a:spcPct val="100000"/>
+              </a:lnSpc>
+              <a:spcBef>
+                <a:spcPct val="20000"/>
+              </a:spcBef>
+              <a:spcAft>
+                <a:spcPts val="0"/>
+              </a:spcAft>
+              <a:buClrTx/>
+              <a:buSzTx/>
+              <a:buFont typeface="Arial" panose="020B0604020202020204" pitchFamily="34" charset="0"/>
+              <a:buNone/>
+              <a:tabLst/>
+              <a:defRPr/>
+            </a:pPr>
+            <a:r>
+              <a:rPr lang="zh-CN" altLang="en-US" sz="3200" b="1" dirty="0" smtClean="0">
+                <a:solidFill>
+                  <a:srgbClr val="212121"/>
+                </a:solidFill>
+                <a:latin typeface="微软雅黑" pitchFamily="34" charset="-122"/>
+                <a:ea typeface="微软雅黑" pitchFamily="34" charset="-122"/>
+              </a:rPr>
+              <a:t>已学习</a:t>
+            </a:r>
+            <a:endParaRPr kumimoji="0" lang="en-US" altLang="zh-CN" sz="3200" b="1" i="0" u="none" strike="noStrike" kern="1200" cap="none" spc="0" normalizeH="0" baseline="0" noProof="0" dirty="0" smtClean="0">
+              <a:ln>
+                <a:noFill/>
+              </a:ln>
+              <a:solidFill>
+                <a:srgbClr val="212121"/>
+              </a:solidFill>
+              <a:effectLst/>
+              <a:uLnTx/>
+              <a:uFillTx/>
+              <a:latin typeface="微软雅黑" pitchFamily="34" charset="-122"/>
+              <a:ea typeface="微软雅黑" pitchFamily="34" charset="-122"/>
+            </a:endParaRPr>
+          </a:p>
+        </p:txBody>
+      </p:sp>
+    </p:spTree>
+  </p:cSld>
+  <p:clrMapOvr>
+    <a:masterClrMapping/>
+  </p:clrMapOvr>
+  <p:timing>
+    <p:tnLst>
+      <p:par>
+        <p:cTn id="1" dur="indefinite" restart="never" nodeType="tmRoot">
+          <p:childTnLst>
+            <p:seq concurrent="1" nextAc="seek">
+              <p:cTn id="2" dur="indefinite" nodeType="mainSeq">
+                <p:childTnLst>
+                  <p:par>
+                    <p:cTn id="3" fill="hold">
+                      <p:stCondLst>
+                        <p:cond delay="indefinite"/>
+                      </p:stCondLst>
+                      <p:childTnLst>
+                        <p:par>
+                          <p:cTn id="4" fill="hold">
+                            <p:stCondLst>
+                              <p:cond delay="0"/>
+                            </p:stCondLst>
+                            <p:childTnLst>
+                              <p:par>
+                                <p:cTn id="5" presetID="2" presetClass="entr" presetSubtype="4" fill="hold" grpId="0" nodeType="clickEffect">
+                                  <p:stCondLst>
+                                    <p:cond delay="0"/>
+                                  </p:stCondLst>
+                                  <p:childTnLst>
+                                    <p:set>
+                                      <p:cBhvr>
+                                        <p:cTn id="6" dur="1" fill="hold">
+                                          <p:stCondLst>
+                                            <p:cond delay="0"/>
+                                          </p:stCondLst>
+                                        </p:cTn>
+                                        <p:tgtEl>
+                                          <p:spTgt spid="3"/>
+                                        </p:tgtEl>
+                                        <p:attrNameLst>
+                                          <p:attrName>style.visibility</p:attrName>
+                                        </p:attrNameLst>
+                                      </p:cBhvr>
+                                      <p:to>
+                                        <p:strVal val="visible"/>
+                                      </p:to>
+                                    </p:set>
+                                    <p:anim calcmode="lin" valueType="num">
+                                      <p:cBhvr additive="base">
+                                        <p:cTn id="7" dur="300" fill="hold"/>
+                                        <p:tgtEl>
+                                          <p:spTgt spid="3"/>
+                                        </p:tgtEl>
+                                        <p:attrNameLst>
+                                          <p:attrName>ppt_x</p:attrName>
+                                        </p:attrNameLst>
+                                      </p:cBhvr>
+                                      <p:tavLst>
+                                        <p:tav tm="0">
+                                          <p:val>
+                                            <p:strVal val="#ppt_x"/>
+                                          </p:val>
+                                        </p:tav>
+                                        <p:tav tm="100000">
+                                          <p:val>
+                                            <p:strVal val="#ppt_x"/>
+                                          </p:val>
+                                        </p:tav>
+                                      </p:tavLst>
+                                    </p:anim>
+                                    <p:anim calcmode="lin" valueType="num">
+                                      <p:cBhvr additive="base">
+                                        <p:cTn id="8" dur="300" fill="hold"/>
+                                        <p:tgtEl>
+                                          <p:spTgt spid="3"/>
+                                        </p:tgtEl>
+                                        <p:attrNameLst>
+                                          <p:attrName>ppt_y</p:attrName>
+                                        </p:attrNameLst>
+                                      </p:cBhvr>
+                                      <p:tavLst>
+                                        <p:tav tm="0">
+                                          <p:val>
+                                            <p:strVal val="1+#ppt_h/2"/>
+                                          </p:val>
+                                        </p:tav>
+                                        <p:tav tm="100000">
+                                          <p:val>
+                                            <p:strVal val="#ppt_y"/>
+                                          </p:val>
+                                        </p:tav>
+                                      </p:tavLst>
+                                    </p:anim>
+                                  </p:childTnLst>
+                                </p:cTn>
+                              </p:par>
+                            </p:childTnLst>
+                          </p:cTn>
+                        </p:par>
+                      </p:childTnLst>
+                    </p:cTn>
+                  </p:par>
+                  <p:par>
+                    <p:cTn id="9" fill="hold">
+                      <p:stCondLst>
+                        <p:cond delay="indefinite"/>
+                      </p:stCondLst>
+                      <p:childTnLst>
+                        <p:par>
+                          <p:cTn id="10" fill="hold">
+                            <p:stCondLst>
+                              <p:cond delay="0"/>
+                            </p:stCondLst>
+                            <p:childTnLst>
+                              <p:par>
+                                <p:cTn id="11" presetID="2" presetClass="entr" presetSubtype="4" fill="hold" grpId="0" nodeType="clickEffect">
+                                  <p:stCondLst>
+                                    <p:cond delay="0"/>
+                                  </p:stCondLst>
+                                  <p:childTnLst>
+                                    <p:set>
+                                      <p:cBhvr>
+                                        <p:cTn id="12" dur="1" fill="hold">
+                                          <p:stCondLst>
+                                            <p:cond delay="0"/>
+                                          </p:stCondLst>
+                                        </p:cTn>
+                                        <p:tgtEl>
+                                          <p:spTgt spid="4"/>
+                                        </p:tgtEl>
+                                        <p:attrNameLst>
+                                          <p:attrName>style.visibility</p:attrName>
+                                        </p:attrNameLst>
+                                      </p:cBhvr>
+                                      <p:to>
+                                        <p:strVal val="visible"/>
+                                      </p:to>
+                                    </p:set>
+                                    <p:anim calcmode="lin" valueType="num">
+                                      <p:cBhvr additive="base">
+                                        <p:cTn id="13" dur="300" fill="hold"/>
+                                        <p:tgtEl>
+                                          <p:spTgt spid="4"/>
+                                        </p:tgtEl>
+                                        <p:attrNameLst>
+                                          <p:attrName>ppt_x</p:attrName>
+                                        </p:attrNameLst>
+                                      </p:cBhvr>
+                                      <p:tavLst>
+                                        <p:tav tm="0">
+                                          <p:val>
+                                            <p:strVal val="#ppt_x"/>
+                                          </p:val>
+                                        </p:tav>
+                                        <p:tav tm="100000">
+                                          <p:val>
+                                            <p:strVal val="#ppt_x"/>
+                                          </p:val>
+                                        </p:tav>
+                                      </p:tavLst>
+                                    </p:anim>
+                                    <p:anim calcmode="lin" valueType="num">
+                                      <p:cBhvr additive="base">
+                                        <p:cTn id="14" dur="300" fill="hold"/>
+                                        <p:tgtEl>
+                                          <p:spTgt spid="4"/>
+                                        </p:tgtEl>
+                                        <p:attrNameLst>
+                                          <p:attrName>ppt_y</p:attrName>
+                                        </p:attrNameLst>
+                                      </p:cBhvr>
+                                      <p:tavLst>
+                                        <p:tav tm="0">
+                                          <p:val>
+                                            <p:strVal val="1+#ppt_h/2"/>
+                                          </p:val>
+                                        </p:tav>
+                                        <p:tav tm="100000">
+                                          <p:val>
+                                            <p:strVal val="#ppt_y"/>
+                                          </p:val>
+                                        </p:tav>
+                                      </p:tavLst>
+                                    </p:anim>
+                                  </p:childTnLst>
+                                </p:cTn>
+                              </p:par>
+                            </p:childTnLst>
+                          </p:cTn>
+                        </p:par>
+                      </p:childTnLst>
+                    </p:cTn>
+                  </p:par>
+                  <p:par>
+                    <p:cTn id="15" fill="hold">
+                      <p:stCondLst>
+                        <p:cond delay="indefinite"/>
+                      </p:stCondLst>
+                      <p:childTnLst>
+                        <p:par>
+                          <p:cTn id="16" fill="hold">
+                            <p:stCondLst>
+                              <p:cond delay="0"/>
+                            </p:stCondLst>
+                            <p:childTnLst>
+                              <p:par>
+                                <p:cTn id="17" presetID="2" presetClass="entr" presetSubtype="4" fill="hold" grpId="0" nodeType="clickEffect">
+                                  <p:stCondLst>
+                                    <p:cond delay="0"/>
+                                  </p:stCondLst>
+                                  <p:childTnLst>
+                                    <p:set>
+                                      <p:cBhvr>
+                                        <p:cTn id="18" dur="1" fill="hold">
+                                          <p:stCondLst>
+                                            <p:cond delay="0"/>
+                                          </p:stCondLst>
+                                        </p:cTn>
+                                        <p:tgtEl>
+                                          <p:spTgt spid="5"/>
+                                        </p:tgtEl>
+                                        <p:attrNameLst>
+                                          <p:attrName>style.visibility</p:attrName>
+                                        </p:attrNameLst>
+                                      </p:cBhvr>
+                                      <p:to>
+                                        <p:strVal val="visible"/>
+                                      </p:to>
+                                    </p:set>
+                                    <p:anim calcmode="lin" valueType="num">
+                                      <p:cBhvr additive="base">
+                                        <p:cTn id="19" dur="300" fill="hold"/>
+                                        <p:tgtEl>
+                                          <p:spTgt spid="5"/>
+                                        </p:tgtEl>
+                                        <p:attrNameLst>
+                                          <p:attrName>ppt_x</p:attrName>
+                                        </p:attrNameLst>
+                                      </p:cBhvr>
+                                      <p:tavLst>
+                                        <p:tav tm="0">
+                                          <p:val>
+                                            <p:strVal val="#ppt_x"/>
+                                          </p:val>
+                                        </p:tav>
+                                        <p:tav tm="100000">
+                                          <p:val>
+                                            <p:strVal val="#ppt_x"/>
+                                          </p:val>
+                                        </p:tav>
+                                      </p:tavLst>
+                                    </p:anim>
+                                    <p:anim calcmode="lin" valueType="num">
+                                      <p:cBhvr additive="base">
+                                        <p:cTn id="20" dur="300" fill="hold"/>
+                                        <p:tgtEl>
+                                          <p:spTgt spid="5"/>
+                                        </p:tgtEl>
+                                        <p:attrNameLst>
+                                          <p:attrName>ppt_y</p:attrName>
+                                        </p:attrNameLst>
+                                      </p:cBhvr>
+                                      <p:tavLst>
+                                        <p:tav tm="0">
+                                          <p:val>
+                                            <p:strVal val="1+#ppt_h/2"/>
+                                          </p:val>
+                                        </p:tav>
+                                        <p:tav tm="100000">
+                                          <p:val>
+                                            <p:strVal val="#ppt_y"/>
+                                          </p:val>
+                                        </p:tav>
+                                      </p:tavLst>
+                                    </p:anim>
+                                  </p:childTnLst>
+                                </p:cTn>
+                              </p:par>
+                            </p:childTnLst>
+                          </p:cTn>
+                        </p:par>
+                      </p:childTnLst>
+                    </p:cTn>
+                  </p:par>
+                </p:childTnLst>
+              </p:cTn>
+              <p:prevCondLst>
+                <p:cond evt="onPrev" delay="0">
+                  <p:tgtEl>
+                    <p:sldTgt/>
+                  </p:tgtEl>
+                </p:cond>
+              </p:prevCondLst>
+              <p:nextCondLst>
+                <p:cond evt="onNext" delay="0">
+                  <p:tgtEl>
+                    <p:sldTgt/>
+                  </p:tgtEl>
+                </p:cond>
+              </p:nextCondLst>
+            </p:seq>
+          </p:childTnLst>
+        </p:cTn>
+      </p:par>
+    </p:tnLst>
+    <p:bldLst>
+      <p:bldP spid="3" grpId="0"/>
+      <p:bldP spid="4" grpId="0"/>
+      <p:bldP spid="5" grpId="0"/>
+    </p:bldLst>
+  </p:timing>
+</p:sld>
+</file>
+
+<file path=ppt/slides/slide56.xml><?xml version="1.0" encoding="utf-8"?>
+<p:sld xmlns:a="http://schemas.openxmlformats.org/drawingml/2006/main" xmlns:r="http://schemas.openxmlformats.org/officeDocument/2006/relationships" xmlns:p="http://schemas.openxmlformats.org/presentationml/2006/main">
+  <p:cSld>
+    <p:spTree>
+      <p:nvGrpSpPr>
+        <p:cNvPr id="1" name=""/>
+        <p:cNvGrpSpPr/>
+        <p:nvPr/>
+      </p:nvGrpSpPr>
+      <p:grpSpPr>
+        <a:xfrm>
+          <a:off x="0" y="0"/>
+          <a:ext cx="0" cy="0"/>
+          <a:chOff x="0" y="0"/>
+          <a:chExt cx="0" cy="0"/>
+        </a:xfrm>
+      </p:grpSpPr>
+      <p:sp>
+        <p:nvSpPr>
+          <p:cNvPr id="2" name="内容占位符 2"/>
+          <p:cNvSpPr txBox="1">
+            <a:spLocks/>
+          </p:cNvSpPr>
+          <p:nvPr/>
+        </p:nvSpPr>
+        <p:spPr>
+          <a:xfrm>
+            <a:off x="457200" y="1200150"/>
+            <a:ext cx="8229600" cy="508000"/>
+          </a:xfrm>
+          <a:prstGeom prst="rect">
+            <a:avLst/>
+          </a:prstGeom>
+        </p:spPr>
+        <p:txBody>
+          <a:bodyPr/>
+          <a:lstStyle/>
+          <a:p>
+            <a:pPr marL="0" marR="0" lvl="0" indent="0" algn="l" defTabSz="914400" rtl="0" eaLnBrk="1" fontAlgn="auto" latinLnBrk="0" hangingPunct="1">
+              <a:lnSpc>
+                <a:spcPct val="100000"/>
+              </a:lnSpc>
+              <a:spcBef>
+                <a:spcPct val="20000"/>
+              </a:spcBef>
+              <a:spcAft>
+                <a:spcPts val="0"/>
+              </a:spcAft>
+              <a:buClrTx/>
+              <a:buSzTx/>
+              <a:buFont typeface="Arial" panose="020B0604020202020204" pitchFamily="34" charset="0"/>
+              <a:buNone/>
+              <a:tabLst/>
+              <a:defRPr/>
+            </a:pPr>
+            <a:r>
+              <a:rPr kumimoji="0" lang="zh-CN" altLang="en-US" sz="3200" b="1" i="0" u="none" strike="noStrike" kern="1200" cap="none" spc="0" normalizeH="0" baseline="0" noProof="0" dirty="0" smtClean="0">
+                <a:ln>
+                  <a:noFill/>
+                </a:ln>
+                <a:solidFill>
+                  <a:srgbClr val="212121"/>
+                </a:solidFill>
+                <a:effectLst/>
+                <a:uLnTx/>
+                <a:uFillTx/>
+                <a:latin typeface="微软雅黑" pitchFamily="34" charset="-122"/>
+                <a:ea typeface="微软雅黑" pitchFamily="34" charset="-122"/>
+              </a:rPr>
+              <a:t>场景</a:t>
+            </a:r>
+            <a:endParaRPr kumimoji="0" lang="en-US" altLang="zh-CN" sz="3200" b="1" i="0" u="none" strike="noStrike" kern="1200" cap="none" spc="0" normalizeH="0" baseline="0" noProof="0" dirty="0" smtClean="0">
+              <a:ln>
+                <a:noFill/>
+              </a:ln>
+              <a:solidFill>
+                <a:srgbClr val="212121"/>
+              </a:solidFill>
+              <a:effectLst/>
+              <a:uLnTx/>
+              <a:uFillTx/>
+              <a:latin typeface="微软雅黑" pitchFamily="34" charset="-122"/>
+              <a:ea typeface="微软雅黑" pitchFamily="34" charset="-122"/>
+            </a:endParaRPr>
+          </a:p>
+        </p:txBody>
+      </p:sp>
+      <p:sp>
+        <p:nvSpPr>
+          <p:cNvPr id="4" name="文本框 2"/>
+          <p:cNvSpPr txBox="1"/>
+          <p:nvPr/>
+        </p:nvSpPr>
+        <p:spPr>
+          <a:xfrm>
+            <a:off x="611560" y="2380818"/>
+            <a:ext cx="8229600" cy="707886"/>
+          </a:xfrm>
+          <a:prstGeom prst="rect">
+            <a:avLst/>
+          </a:prstGeom>
+          <a:noFill/>
+        </p:spPr>
+        <p:txBody>
+          <a:bodyPr>
+            <a:spAutoFit/>
+          </a:bodyPr>
+          <a:lstStyle/>
+          <a:p>
+            <a:pPr lvl="1">
+              <a:buFont typeface="Arial" panose="020B0604020202020204" pitchFamily="34" charset="0"/>
+              <a:buNone/>
+              <a:defRPr/>
+            </a:pPr>
+            <a:r>
+              <a:rPr lang="zh-CN" altLang="en-US" sz="2000" b="1" dirty="0" smtClean="0">
+                <a:solidFill>
+                  <a:srgbClr val="474747"/>
+                </a:solidFill>
+                <a:latin typeface="微软雅黑" pitchFamily="34" charset="-122"/>
+                <a:ea typeface="微软雅黑" pitchFamily="34" charset="-122"/>
+              </a:rPr>
+              <a:t>在开发阶段，随着</a:t>
+            </a:r>
+            <a:r>
+              <a:rPr lang="en-US" altLang="zh-CN" sz="2000" b="1" dirty="0" err="1" smtClean="0">
+                <a:solidFill>
+                  <a:srgbClr val="474747"/>
+                </a:solidFill>
+                <a:latin typeface="微软雅黑" pitchFamily="34" charset="-122"/>
+                <a:ea typeface="微软雅黑" pitchFamily="34" charset="-122"/>
+              </a:rPr>
+              <a:t>js</a:t>
+            </a:r>
+            <a:r>
+              <a:rPr lang="zh-CN" altLang="en-US" sz="2000" b="1" dirty="0" smtClean="0">
+                <a:solidFill>
+                  <a:srgbClr val="474747"/>
+                </a:solidFill>
+                <a:latin typeface="微软雅黑" pitchFamily="34" charset="-122"/>
+                <a:ea typeface="微软雅黑" pitchFamily="34" charset="-122"/>
+              </a:rPr>
+              <a:t>框架和库的引入，</a:t>
+            </a:r>
+            <a:r>
+              <a:rPr lang="zh-CN" altLang="en-US" sz="2000" b="1" dirty="0" smtClean="0">
+                <a:solidFill>
+                  <a:srgbClr val="474747"/>
+                </a:solidFill>
+                <a:latin typeface="微软雅黑" pitchFamily="34" charset="-122"/>
+                <a:ea typeface="微软雅黑" pitchFamily="34" charset="-122"/>
+              </a:rPr>
+              <a:t>页</a:t>
+            </a:r>
+            <a:r>
+              <a:rPr lang="zh-CN" altLang="en-US" sz="2000" b="1" dirty="0" smtClean="0">
+                <a:solidFill>
+                  <a:srgbClr val="474747"/>
+                </a:solidFill>
+                <a:latin typeface="微软雅黑" pitchFamily="34" charset="-122"/>
+                <a:ea typeface="微软雅黑" pitchFamily="34" charset="-122"/>
+              </a:rPr>
+              <a:t>面</a:t>
+            </a:r>
+            <a:r>
+              <a:rPr lang="en-US" altLang="zh-CN" sz="2000" b="1" dirty="0" err="1" smtClean="0">
+                <a:solidFill>
+                  <a:srgbClr val="474747"/>
+                </a:solidFill>
+                <a:latin typeface="微软雅黑" pitchFamily="34" charset="-122"/>
+                <a:ea typeface="微软雅黑" pitchFamily="34" charset="-122"/>
+              </a:rPr>
+              <a:t>js</a:t>
+            </a:r>
+            <a:r>
+              <a:rPr lang="zh-CN" altLang="en-US" sz="2000" b="1" dirty="0" smtClean="0">
+                <a:solidFill>
+                  <a:srgbClr val="474747"/>
+                </a:solidFill>
+                <a:latin typeface="微软雅黑" pitchFamily="34" charset="-122"/>
+                <a:ea typeface="微软雅黑" pitchFamily="34" charset="-122"/>
+              </a:rPr>
+              <a:t>的加载个数就越来越</a:t>
+            </a:r>
+            <a:endParaRPr lang="en-US" altLang="zh-CN" sz="2000" b="1" dirty="0" smtClean="0">
+              <a:solidFill>
+                <a:srgbClr val="474747"/>
+              </a:solidFill>
+              <a:latin typeface="微软雅黑" pitchFamily="34" charset="-122"/>
+              <a:ea typeface="微软雅黑" pitchFamily="34" charset="-122"/>
+            </a:endParaRPr>
+          </a:p>
+          <a:p>
+            <a:pPr lvl="1">
+              <a:buFont typeface="Arial" panose="020B0604020202020204" pitchFamily="34" charset="0"/>
+              <a:buNone/>
+              <a:defRPr/>
+            </a:pPr>
+            <a:r>
+              <a:rPr lang="zh-CN" altLang="en-US" sz="2000" b="1" dirty="0" smtClean="0">
+                <a:solidFill>
+                  <a:srgbClr val="474747"/>
+                </a:solidFill>
+                <a:latin typeface="微软雅黑" pitchFamily="34" charset="-122"/>
+                <a:ea typeface="微软雅黑" pitchFamily="34" charset="-122"/>
+              </a:rPr>
+              <a:t>多，严重影响页面的相应速度。</a:t>
+            </a:r>
+            <a:r>
+              <a:rPr lang="zh-CN" altLang="en-US" sz="2000" b="1" dirty="0" smtClean="0">
+                <a:solidFill>
+                  <a:srgbClr val="FF0000"/>
+                </a:solidFill>
+                <a:latin typeface="微软雅黑" pitchFamily="34" charset="-122"/>
+                <a:ea typeface="微软雅黑" pitchFamily="34" charset="-122"/>
+              </a:rPr>
+              <a:t>于是我们就需要对</a:t>
+            </a:r>
+            <a:r>
+              <a:rPr lang="en-US" altLang="zh-CN" sz="2000" b="1" dirty="0" err="1" smtClean="0">
+                <a:solidFill>
+                  <a:srgbClr val="FF0000"/>
+                </a:solidFill>
+                <a:latin typeface="微软雅黑" pitchFamily="34" charset="-122"/>
+                <a:ea typeface="微软雅黑" pitchFamily="34" charset="-122"/>
+              </a:rPr>
+              <a:t>js</a:t>
+            </a:r>
+            <a:r>
+              <a:rPr lang="zh-CN" altLang="en-US" sz="2000" b="1" dirty="0" smtClean="0">
+                <a:solidFill>
+                  <a:srgbClr val="FF0000"/>
+                </a:solidFill>
+                <a:latin typeface="微软雅黑" pitchFamily="34" charset="-122"/>
+                <a:ea typeface="微软雅黑" pitchFamily="34" charset="-122"/>
+              </a:rPr>
+              <a:t>和</a:t>
+            </a:r>
+            <a:r>
+              <a:rPr lang="en-US" altLang="zh-CN" sz="2000" b="1" dirty="0" err="1" smtClean="0">
+                <a:solidFill>
+                  <a:srgbClr val="FF0000"/>
+                </a:solidFill>
+                <a:latin typeface="微软雅黑" pitchFamily="34" charset="-122"/>
+                <a:ea typeface="微软雅黑" pitchFamily="34" charset="-122"/>
+              </a:rPr>
+              <a:t>css</a:t>
+            </a:r>
+            <a:r>
+              <a:rPr lang="zh-CN" altLang="en-US" sz="2000" b="1" dirty="0" smtClean="0">
+                <a:solidFill>
+                  <a:srgbClr val="FF0000"/>
+                </a:solidFill>
+                <a:latin typeface="微软雅黑" pitchFamily="34" charset="-122"/>
+                <a:ea typeface="微软雅黑" pitchFamily="34" charset="-122"/>
+              </a:rPr>
+              <a:t>打包。</a:t>
+            </a:r>
+            <a:endParaRPr lang="en-US" altLang="zh-CN" sz="2000" b="1" dirty="0" smtClean="0">
+              <a:solidFill>
+                <a:srgbClr val="FF0000"/>
+              </a:solidFill>
+              <a:latin typeface="微软雅黑" pitchFamily="34" charset="-122"/>
+              <a:ea typeface="微软雅黑" pitchFamily="34" charset="-122"/>
+            </a:endParaRPr>
+          </a:p>
+        </p:txBody>
+      </p:sp>
+    </p:spTree>
+  </p:cSld>
+  <p:clrMapOvr>
+    <a:masterClrMapping/>
+  </p:clrMapOvr>
+  <p:timing>
+    <p:tnLst>
+      <p:par>
+        <p:cTn id="1" dur="indefinite" restart="never" nodeType="tmRoot">
+          <p:childTnLst>
+            <p:seq concurrent="1" nextAc="seek">
+              <p:cTn id="2" dur="indefinite" nodeType="mainSeq">
+                <p:childTnLst>
+                  <p:par>
+                    <p:cTn id="3" fill="hold">
+                      <p:stCondLst>
+                        <p:cond delay="indefinite"/>
+                      </p:stCondLst>
+                      <p:childTnLst>
+                        <p:par>
+                          <p:cTn id="4" fill="hold">
+                            <p:stCondLst>
+                              <p:cond delay="0"/>
+                            </p:stCondLst>
+                            <p:childTnLst>
+                              <p:par>
+                                <p:cTn id="5" presetID="2" presetClass="entr" presetSubtype="4" fill="hold" grpId="0" nodeType="clickEffect">
+                                  <p:stCondLst>
+                                    <p:cond delay="0"/>
+                                  </p:stCondLst>
+                                  <p:childTnLst>
+                                    <p:set>
+                                      <p:cBhvr>
+                                        <p:cTn id="6" dur="1" fill="hold">
+                                          <p:stCondLst>
+                                            <p:cond delay="0"/>
+                                          </p:stCondLst>
+                                        </p:cTn>
+                                        <p:tgtEl>
+                                          <p:spTgt spid="4"/>
+                                        </p:tgtEl>
+                                        <p:attrNameLst>
+                                          <p:attrName>style.visibility</p:attrName>
+                                        </p:attrNameLst>
+                                      </p:cBhvr>
+                                      <p:to>
+                                        <p:strVal val="visible"/>
+                                      </p:to>
+                                    </p:set>
+                                    <p:anim calcmode="lin" valueType="num">
+                                      <p:cBhvr additive="base">
+                                        <p:cTn id="7" dur="300" fill="hold"/>
+                                        <p:tgtEl>
+                                          <p:spTgt spid="4"/>
+                                        </p:tgtEl>
+                                        <p:attrNameLst>
+                                          <p:attrName>ppt_x</p:attrName>
+                                        </p:attrNameLst>
+                                      </p:cBhvr>
+                                      <p:tavLst>
+                                        <p:tav tm="0">
+                                          <p:val>
+                                            <p:strVal val="#ppt_x"/>
+                                          </p:val>
+                                        </p:tav>
+                                        <p:tav tm="100000">
+                                          <p:val>
+                                            <p:strVal val="#ppt_x"/>
+                                          </p:val>
+                                        </p:tav>
+                                      </p:tavLst>
+                                    </p:anim>
+                                    <p:anim calcmode="lin" valueType="num">
+                                      <p:cBhvr additive="base">
+                                        <p:cTn id="8" dur="300" fill="hold"/>
+                                        <p:tgtEl>
+                                          <p:spTgt spid="4"/>
+                                        </p:tgtEl>
+                                        <p:attrNameLst>
+                                          <p:attrName>ppt_y</p:attrName>
+                                        </p:attrNameLst>
+                                      </p:cBhvr>
+                                      <p:tavLst>
+                                        <p:tav tm="0">
+                                          <p:val>
+                                            <p:strVal val="1+#ppt_h/2"/>
+                                          </p:val>
+                                        </p:tav>
+                                        <p:tav tm="100000">
+                                          <p:val>
+                                            <p:strVal val="#ppt_y"/>
+                                          </p:val>
+                                        </p:tav>
+                                      </p:tavLst>
+                                    </p:anim>
+                                  </p:childTnLst>
+                                </p:cTn>
+                              </p:par>
+                            </p:childTnLst>
+                          </p:cTn>
+                        </p:par>
+                      </p:childTnLst>
+                    </p:cTn>
+                  </p:par>
+                </p:childTnLst>
+              </p:cTn>
+              <p:prevCondLst>
+                <p:cond evt="onPrev" delay="0">
+                  <p:tgtEl>
+                    <p:sldTgt/>
+                  </p:tgtEl>
+                </p:cond>
+              </p:prevCondLst>
+              <p:nextCondLst>
+                <p:cond evt="onNext" delay="0">
+                  <p:tgtEl>
+                    <p:sldTgt/>
+                  </p:tgtEl>
+                </p:cond>
+              </p:nextCondLst>
+            </p:seq>
+          </p:childTnLst>
+        </p:cTn>
+      </p:par>
+    </p:tnLst>
+    <p:bldLst>
+      <p:bldP spid="4" grpId="0"/>
+    </p:bldLst>
+  </p:timing>
+</p:sld>
+</file>
+
+<file path=ppt/slides/slide57.xml><?xml version="1.0" encoding="utf-8"?>
+<p:sld xmlns:a="http://schemas.openxmlformats.org/drawingml/2006/main" xmlns:r="http://schemas.openxmlformats.org/officeDocument/2006/relationships" xmlns:p="http://schemas.openxmlformats.org/presentationml/2006/main">
+  <p:cSld>
+    <p:spTree>
+      <p:nvGrpSpPr>
+        <p:cNvPr id="1" name=""/>
+        <p:cNvGrpSpPr/>
+        <p:nvPr/>
+      </p:nvGrpSpPr>
+      <p:grpSpPr>
+        <a:xfrm>
+          <a:off x="0" y="0"/>
+          <a:ext cx="0" cy="0"/>
+          <a:chOff x="0" y="0"/>
+          <a:chExt cx="0" cy="0"/>
+        </a:xfrm>
+      </p:grpSpPr>
+      <p:sp>
+        <p:nvSpPr>
+          <p:cNvPr id="2" name="内容占位符 2"/>
+          <p:cNvSpPr txBox="1">
+            <a:spLocks/>
+          </p:cNvSpPr>
+          <p:nvPr/>
+        </p:nvSpPr>
+        <p:spPr>
+          <a:xfrm>
+            <a:off x="457200" y="1200150"/>
+            <a:ext cx="8229600" cy="508000"/>
+          </a:xfrm>
+          <a:prstGeom prst="rect">
+            <a:avLst/>
+          </a:prstGeom>
+        </p:spPr>
+        <p:txBody>
+          <a:bodyPr/>
+          <a:lstStyle/>
+          <a:p>
+            <a:pPr marL="0" marR="0" lvl="0" indent="0" algn="l" defTabSz="914400" rtl="0" eaLnBrk="1" fontAlgn="auto" latinLnBrk="0" hangingPunct="1">
+              <a:lnSpc>
+                <a:spcPct val="100000"/>
+              </a:lnSpc>
+              <a:spcBef>
+                <a:spcPct val="20000"/>
+              </a:spcBef>
+              <a:spcAft>
+                <a:spcPts val="0"/>
+              </a:spcAft>
+              <a:buClrTx/>
+              <a:buSzTx/>
+              <a:buFont typeface="Arial" panose="020B0604020202020204" pitchFamily="34" charset="0"/>
+              <a:buNone/>
+              <a:tabLst/>
+              <a:defRPr/>
+            </a:pPr>
+            <a:r>
+              <a:rPr kumimoji="0" lang="zh-CN" altLang="en-US" sz="3200" b="1" i="0" u="none" strike="noStrike" kern="1200" cap="none" spc="0" normalizeH="0" baseline="0" noProof="0" dirty="0" smtClean="0">
+                <a:ln>
+                  <a:noFill/>
+                </a:ln>
+                <a:solidFill>
+                  <a:srgbClr val="212121"/>
+                </a:solidFill>
+                <a:effectLst/>
+                <a:uLnTx/>
+                <a:uFillTx/>
+                <a:latin typeface="微软雅黑" pitchFamily="34" charset="-122"/>
+                <a:ea typeface="微软雅黑" pitchFamily="34" charset="-122"/>
+              </a:rPr>
+              <a:t>打包工具</a:t>
+            </a:r>
+            <a:r>
+              <a:rPr kumimoji="0" lang="en-US" altLang="zh-CN" sz="3200" b="1" i="0" u="none" strike="noStrike" kern="1200" cap="none" spc="0" normalizeH="0" baseline="0" noProof="0" dirty="0" err="1" smtClean="0">
+                <a:ln>
+                  <a:noFill/>
+                </a:ln>
+                <a:solidFill>
+                  <a:srgbClr val="212121"/>
+                </a:solidFill>
+                <a:effectLst/>
+                <a:uLnTx/>
+                <a:uFillTx/>
+                <a:latin typeface="微软雅黑" pitchFamily="34" charset="-122"/>
+                <a:ea typeface="微软雅黑" pitchFamily="34" charset="-122"/>
+              </a:rPr>
+              <a:t>r.js</a:t>
+            </a:r>
+            <a:endParaRPr kumimoji="0" lang="en-US" altLang="zh-CN" sz="3200" b="1" i="0" u="none" strike="noStrike" kern="1200" cap="none" spc="0" normalizeH="0" baseline="0" noProof="0" dirty="0" smtClean="0">
+              <a:ln>
+                <a:noFill/>
+              </a:ln>
+              <a:solidFill>
+                <a:srgbClr val="212121"/>
+              </a:solidFill>
+              <a:effectLst/>
+              <a:uLnTx/>
+              <a:uFillTx/>
+              <a:latin typeface="微软雅黑" pitchFamily="34" charset="-122"/>
+              <a:ea typeface="微软雅黑" pitchFamily="34" charset="-122"/>
+            </a:endParaRPr>
+          </a:p>
+        </p:txBody>
+      </p:sp>
+      <p:sp>
+        <p:nvSpPr>
+          <p:cNvPr id="3" name="文本框 2"/>
+          <p:cNvSpPr txBox="1"/>
+          <p:nvPr/>
+        </p:nvSpPr>
+        <p:spPr>
+          <a:xfrm>
+            <a:off x="611560" y="2420888"/>
+            <a:ext cx="8229600" cy="400110"/>
+          </a:xfrm>
+          <a:prstGeom prst="rect">
+            <a:avLst/>
+          </a:prstGeom>
+          <a:noFill/>
+        </p:spPr>
+        <p:txBody>
+          <a:bodyPr>
+            <a:spAutoFit/>
+          </a:bodyPr>
+          <a:lstStyle/>
+          <a:p>
+            <a:pPr lvl="1">
+              <a:buFont typeface="Arial" panose="020B0604020202020204" pitchFamily="34" charset="0"/>
+              <a:buNone/>
+              <a:defRPr/>
+            </a:pPr>
+            <a:r>
+              <a:rPr lang="zh-CN" altLang="en-US" sz="2000" b="1" dirty="0" smtClean="0">
+                <a:solidFill>
+                  <a:srgbClr val="474747"/>
+                </a:solidFill>
+                <a:latin typeface="微软雅黑" pitchFamily="34" charset="-122"/>
+                <a:ea typeface="微软雅黑" pitchFamily="34" charset="-122"/>
+              </a:rPr>
+              <a:t>安装</a:t>
+            </a:r>
+            <a:endParaRPr lang="en-US" altLang="zh-CN" sz="2000" b="1" dirty="0" smtClean="0">
+              <a:solidFill>
+                <a:srgbClr val="474747"/>
+              </a:solidFill>
+              <a:latin typeface="微软雅黑" pitchFamily="34" charset="-122"/>
+              <a:ea typeface="微软雅黑" pitchFamily="34" charset="-122"/>
+            </a:endParaRPr>
+          </a:p>
+        </p:txBody>
+      </p:sp>
+      <p:sp>
+        <p:nvSpPr>
+          <p:cNvPr id="5" name="文本框 2"/>
+          <p:cNvSpPr txBox="1"/>
+          <p:nvPr/>
+        </p:nvSpPr>
+        <p:spPr>
+          <a:xfrm>
+            <a:off x="611560" y="3203684"/>
+            <a:ext cx="8229600" cy="369332"/>
+          </a:xfrm>
+          <a:prstGeom prst="rect">
+            <a:avLst/>
+          </a:prstGeom>
+          <a:noFill/>
+        </p:spPr>
+        <p:txBody>
+          <a:bodyPr>
+            <a:spAutoFit/>
+          </a:bodyPr>
+          <a:lstStyle/>
+          <a:p>
+            <a:pPr lvl="2">
+              <a:buFont typeface="Arial" pitchFamily="34" charset="0"/>
+              <a:buChar char="•"/>
+              <a:defRPr/>
+            </a:pPr>
+            <a:r>
+              <a:rPr lang="en-US" altLang="zh-CN" b="1" dirty="0" smtClean="0">
+                <a:solidFill>
+                  <a:srgbClr val="474747"/>
+                </a:solidFill>
+                <a:latin typeface="微软雅黑" pitchFamily="34" charset="-122"/>
+                <a:ea typeface="微软雅黑" pitchFamily="34" charset="-122"/>
+              </a:rPr>
+              <a:t> </a:t>
+            </a:r>
+            <a:r>
+              <a:rPr lang="en-US" altLang="zh-CN" b="1" dirty="0" err="1" smtClean="0">
+                <a:solidFill>
+                  <a:srgbClr val="474747"/>
+                </a:solidFill>
+                <a:latin typeface="微软雅黑" pitchFamily="34" charset="-122"/>
+                <a:ea typeface="微软雅黑" pitchFamily="34" charset="-122"/>
+              </a:rPr>
+              <a:t>npm</a:t>
+            </a:r>
+            <a:r>
+              <a:rPr lang="en-US" altLang="zh-CN" b="1" dirty="0" smtClean="0">
+                <a:solidFill>
+                  <a:srgbClr val="474747"/>
+                </a:solidFill>
+                <a:latin typeface="微软雅黑" pitchFamily="34" charset="-122"/>
+                <a:ea typeface="微软雅黑" pitchFamily="34" charset="-122"/>
+              </a:rPr>
+              <a:t> install –g </a:t>
+            </a:r>
+            <a:r>
+              <a:rPr lang="en-US" altLang="zh-CN" b="1" dirty="0" err="1" smtClean="0">
+                <a:solidFill>
+                  <a:srgbClr val="474747"/>
+                </a:solidFill>
+                <a:latin typeface="微软雅黑" pitchFamily="34" charset="-122"/>
+                <a:ea typeface="微软雅黑" pitchFamily="34" charset="-122"/>
+              </a:rPr>
+              <a:t>requirejs</a:t>
+            </a:r>
+            <a:endParaRPr lang="en-US" altLang="zh-CN" b="1" dirty="0" smtClean="0">
+              <a:solidFill>
+                <a:srgbClr val="474747"/>
+              </a:solidFill>
+              <a:latin typeface="微软雅黑" pitchFamily="34" charset="-122"/>
+              <a:ea typeface="微软雅黑" pitchFamily="34" charset="-122"/>
+            </a:endParaRPr>
+          </a:p>
+        </p:txBody>
+      </p:sp>
+      <p:sp>
+        <p:nvSpPr>
+          <p:cNvPr id="6" name="文本框 2"/>
+          <p:cNvSpPr txBox="1"/>
+          <p:nvPr/>
+        </p:nvSpPr>
+        <p:spPr>
+          <a:xfrm>
+            <a:off x="611560" y="4067780"/>
+            <a:ext cx="8229600" cy="646331"/>
+          </a:xfrm>
+          <a:prstGeom prst="rect">
+            <a:avLst/>
+          </a:prstGeom>
+          <a:noFill/>
+        </p:spPr>
+        <p:txBody>
+          <a:bodyPr>
+            <a:spAutoFit/>
+          </a:bodyPr>
+          <a:lstStyle/>
+          <a:p>
+            <a:pPr lvl="2">
+              <a:buFont typeface="Arial" pitchFamily="34" charset="0"/>
+              <a:buChar char="•"/>
+              <a:defRPr/>
+            </a:pPr>
+            <a:r>
+              <a:rPr lang="en-US" altLang="zh-CN" b="1" dirty="0" smtClean="0">
+                <a:solidFill>
+                  <a:srgbClr val="474747"/>
+                </a:solidFill>
+                <a:latin typeface="微软雅黑" pitchFamily="34" charset="-122"/>
+                <a:ea typeface="微软雅黑" pitchFamily="34" charset="-122"/>
+              </a:rPr>
+              <a:t> </a:t>
+            </a:r>
+            <a:r>
+              <a:rPr lang="zh-CN" altLang="en-US" b="1" dirty="0" smtClean="0">
+                <a:solidFill>
+                  <a:srgbClr val="474747"/>
+                </a:solidFill>
+                <a:latin typeface="微软雅黑" pitchFamily="34" charset="-122"/>
+                <a:ea typeface="微软雅黑" pitchFamily="34" charset="-122"/>
+              </a:rPr>
+              <a:t>下载</a:t>
+            </a:r>
+            <a:r>
+              <a:rPr lang="en-US" altLang="zh-CN" b="1" dirty="0" err="1" smtClean="0">
+                <a:solidFill>
+                  <a:srgbClr val="474747"/>
+                </a:solidFill>
+                <a:latin typeface="微软雅黑" pitchFamily="34" charset="-122"/>
+                <a:ea typeface="微软雅黑" pitchFamily="34" charset="-122"/>
+              </a:rPr>
+              <a:t>r.js</a:t>
+            </a:r>
+            <a:r>
+              <a:rPr lang="zh-CN" altLang="en-US" b="1" dirty="0" smtClean="0">
+                <a:solidFill>
+                  <a:srgbClr val="474747"/>
+                </a:solidFill>
+                <a:latin typeface="微软雅黑" pitchFamily="34" charset="-122"/>
+                <a:ea typeface="微软雅黑" pitchFamily="34" charset="-122"/>
+              </a:rPr>
+              <a:t>文件： </a:t>
+            </a:r>
+            <a:r>
+              <a:rPr lang="en-US" altLang="zh-CN" b="1" dirty="0" smtClean="0">
+                <a:solidFill>
+                  <a:srgbClr val="474747"/>
+                </a:solidFill>
+                <a:latin typeface="微软雅黑" pitchFamily="34" charset="-122"/>
+                <a:ea typeface="微软雅黑" pitchFamily="34" charset="-122"/>
+                <a:hlinkClick r:id="rId2"/>
+              </a:rPr>
+              <a:t>https://github.com/requirejs/r.js</a:t>
+            </a:r>
+            <a:endParaRPr lang="en-US" altLang="zh-CN" b="1" dirty="0" smtClean="0">
+              <a:solidFill>
+                <a:srgbClr val="474747"/>
+              </a:solidFill>
+              <a:latin typeface="微软雅黑" pitchFamily="34" charset="-122"/>
+              <a:ea typeface="微软雅黑" pitchFamily="34" charset="-122"/>
+            </a:endParaRPr>
+          </a:p>
+          <a:p>
+            <a:pPr lvl="2">
+              <a:defRPr/>
+            </a:pPr>
+            <a:endParaRPr lang="en-US" altLang="zh-CN" b="1" dirty="0" smtClean="0">
+              <a:solidFill>
+                <a:srgbClr val="474747"/>
+              </a:solidFill>
+              <a:latin typeface="微软雅黑" pitchFamily="34" charset="-122"/>
+              <a:ea typeface="微软雅黑" pitchFamily="34" charset="-122"/>
+            </a:endParaRPr>
+          </a:p>
+        </p:txBody>
+      </p:sp>
+    </p:spTree>
+  </p:cSld>
+  <p:clrMapOvr>
+    <a:masterClrMapping/>
+  </p:clrMapOvr>
+  <p:timing>
+    <p:tnLst>
+      <p:par>
+        <p:cTn id="1" dur="indefinite" restart="never" nodeType="tmRoot">
+          <p:childTnLst>
+            <p:seq concurrent="1" nextAc="seek">
+              <p:cTn id="2" dur="indefinite" nodeType="mainSeq">
+                <p:childTnLst>
+                  <p:par>
+                    <p:cTn id="3" fill="hold">
+                      <p:stCondLst>
+                        <p:cond delay="indefinite"/>
+                      </p:stCondLst>
+                      <p:childTnLst>
+                        <p:par>
+                          <p:cTn id="4" fill="hold">
+                            <p:stCondLst>
+                              <p:cond delay="0"/>
+                            </p:stCondLst>
+                            <p:childTnLst>
+                              <p:par>
+                                <p:cTn id="5" presetID="2" presetClass="entr" presetSubtype="4" fill="hold" grpId="0" nodeType="clickEffect">
+                                  <p:stCondLst>
+                                    <p:cond delay="0"/>
+                                  </p:stCondLst>
+                                  <p:childTnLst>
+                                    <p:set>
+                                      <p:cBhvr>
+                                        <p:cTn id="6" dur="1" fill="hold">
+                                          <p:stCondLst>
+                                            <p:cond delay="0"/>
+                                          </p:stCondLst>
+                                        </p:cTn>
+                                        <p:tgtEl>
+                                          <p:spTgt spid="2">
+                                            <p:txEl>
+                                              <p:pRg st="0" end="0"/>
+                                            </p:txEl>
+                                          </p:spTgt>
+                                        </p:tgtEl>
+                                        <p:attrNameLst>
+                                          <p:attrName>style.visibility</p:attrName>
+                                        </p:attrNameLst>
+                                      </p:cBhvr>
+                                      <p:to>
+                                        <p:strVal val="visible"/>
+                                      </p:to>
+                                    </p:set>
+                                    <p:anim calcmode="lin" valueType="num">
+                                      <p:cBhvr additive="base">
+                                        <p:cTn id="7" dur="300" fill="hold"/>
+                                        <p:tgtEl>
+                                          <p:spTgt spid="2">
+                                            <p:txEl>
+                                              <p:pRg st="0" end="0"/>
+                                            </p:txEl>
+                                          </p:spTgt>
+                                        </p:tgtEl>
+                                        <p:attrNameLst>
+                                          <p:attrName>ppt_x</p:attrName>
+                                        </p:attrNameLst>
+                                      </p:cBhvr>
+                                      <p:tavLst>
+                                        <p:tav tm="0">
+                                          <p:val>
+                                            <p:strVal val="#ppt_x"/>
+                                          </p:val>
+                                        </p:tav>
+                                        <p:tav tm="100000">
+                                          <p:val>
+                                            <p:strVal val="#ppt_x"/>
+                                          </p:val>
+                                        </p:tav>
+                                      </p:tavLst>
+                                    </p:anim>
+                                    <p:anim calcmode="lin" valueType="num">
+                                      <p:cBhvr additive="base">
+                                        <p:cTn id="8" dur="300" fill="hold"/>
+                                        <p:tgtEl>
+                                          <p:spTgt spid="2">
+                                            <p:txEl>
+                                              <p:pRg st="0" end="0"/>
+                                            </p:txEl>
+                                          </p:spTgt>
+                                        </p:tgtEl>
+                                        <p:attrNameLst>
+                                          <p:attrName>ppt_y</p:attrName>
+                                        </p:attrNameLst>
+                                      </p:cBhvr>
+                                      <p:tavLst>
+                                        <p:tav tm="0">
+                                          <p:val>
+                                            <p:strVal val="1+#ppt_h/2"/>
+                                          </p:val>
+                                        </p:tav>
+                                        <p:tav tm="100000">
+                                          <p:val>
+                                            <p:strVal val="#ppt_y"/>
+                                          </p:val>
+                                        </p:tav>
+                                      </p:tavLst>
+                                    </p:anim>
+                                  </p:childTnLst>
+                                </p:cTn>
+                              </p:par>
+                            </p:childTnLst>
+                          </p:cTn>
+                        </p:par>
+                      </p:childTnLst>
+                    </p:cTn>
+                  </p:par>
+                  <p:par>
+                    <p:cTn id="9" fill="hold">
+                      <p:stCondLst>
+                        <p:cond delay="indefinite"/>
+                      </p:stCondLst>
+                      <p:childTnLst>
+                        <p:par>
+                          <p:cTn id="10" fill="hold">
+                            <p:stCondLst>
+                              <p:cond delay="0"/>
+                            </p:stCondLst>
+                            <p:childTnLst>
+                              <p:par>
+                                <p:cTn id="11" presetID="2" presetClass="entr" presetSubtype="4" fill="hold" grpId="0" nodeType="clickEffect">
+                                  <p:stCondLst>
+                                    <p:cond delay="0"/>
+                                  </p:stCondLst>
+                                  <p:childTnLst>
+                                    <p:set>
+                                      <p:cBhvr>
+                                        <p:cTn id="12" dur="1" fill="hold">
+                                          <p:stCondLst>
+                                            <p:cond delay="0"/>
+                                          </p:stCondLst>
+                                        </p:cTn>
+                                        <p:tgtEl>
+                                          <p:spTgt spid="3"/>
+                                        </p:tgtEl>
+                                        <p:attrNameLst>
+                                          <p:attrName>style.visibility</p:attrName>
+                                        </p:attrNameLst>
+                                      </p:cBhvr>
+                                      <p:to>
+                                        <p:strVal val="visible"/>
+                                      </p:to>
+                                    </p:set>
+                                    <p:anim calcmode="lin" valueType="num">
+                                      <p:cBhvr additive="base">
+                                        <p:cTn id="13" dur="300" fill="hold"/>
+                                        <p:tgtEl>
+                                          <p:spTgt spid="3"/>
+                                        </p:tgtEl>
+                                        <p:attrNameLst>
+                                          <p:attrName>ppt_x</p:attrName>
+                                        </p:attrNameLst>
+                                      </p:cBhvr>
+                                      <p:tavLst>
+                                        <p:tav tm="0">
+                                          <p:val>
+                                            <p:strVal val="#ppt_x"/>
+                                          </p:val>
+                                        </p:tav>
+                                        <p:tav tm="100000">
+                                          <p:val>
+                                            <p:strVal val="#ppt_x"/>
+                                          </p:val>
+                                        </p:tav>
+                                      </p:tavLst>
+                                    </p:anim>
+                                    <p:anim calcmode="lin" valueType="num">
+                                      <p:cBhvr additive="base">
+                                        <p:cTn id="14" dur="300" fill="hold"/>
+                                        <p:tgtEl>
+                                          <p:spTgt spid="3"/>
+                                        </p:tgtEl>
+                                        <p:attrNameLst>
+                                          <p:attrName>ppt_y</p:attrName>
+                                        </p:attrNameLst>
+                                      </p:cBhvr>
+                                      <p:tavLst>
+                                        <p:tav tm="0">
+                                          <p:val>
+                                            <p:strVal val="1+#ppt_h/2"/>
+                                          </p:val>
+                                        </p:tav>
+                                        <p:tav tm="100000">
+                                          <p:val>
+                                            <p:strVal val="#ppt_y"/>
+                                          </p:val>
+                                        </p:tav>
+                                      </p:tavLst>
+                                    </p:anim>
+                                  </p:childTnLst>
+                                </p:cTn>
+                              </p:par>
+                            </p:childTnLst>
+                          </p:cTn>
+                        </p:par>
+                      </p:childTnLst>
+                    </p:cTn>
+                  </p:par>
+                  <p:par>
+                    <p:cTn id="15" fill="hold">
+                      <p:stCondLst>
+                        <p:cond delay="indefinite"/>
+                      </p:stCondLst>
+                      <p:childTnLst>
+                        <p:par>
+                          <p:cTn id="16" fill="hold">
+                            <p:stCondLst>
+                              <p:cond delay="0"/>
+                            </p:stCondLst>
+                            <p:childTnLst>
+                              <p:par>
+                                <p:cTn id="17" presetID="2" presetClass="entr" presetSubtype="4" fill="hold" grpId="0" nodeType="clickEffect">
+                                  <p:stCondLst>
+                                    <p:cond delay="0"/>
+                                  </p:stCondLst>
+                                  <p:childTnLst>
+                                    <p:set>
+                                      <p:cBhvr>
+                                        <p:cTn id="18" dur="1" fill="hold">
+                                          <p:stCondLst>
+                                            <p:cond delay="0"/>
+                                          </p:stCondLst>
+                                        </p:cTn>
+                                        <p:tgtEl>
+                                          <p:spTgt spid="5"/>
+                                        </p:tgtEl>
+                                        <p:attrNameLst>
+                                          <p:attrName>style.visibility</p:attrName>
+                                        </p:attrNameLst>
+                                      </p:cBhvr>
+                                      <p:to>
+                                        <p:strVal val="visible"/>
+                                      </p:to>
+                                    </p:set>
+                                    <p:anim calcmode="lin" valueType="num">
+                                      <p:cBhvr additive="base">
+                                        <p:cTn id="19" dur="300" fill="hold"/>
+                                        <p:tgtEl>
+                                          <p:spTgt spid="5"/>
+                                        </p:tgtEl>
+                                        <p:attrNameLst>
+                                          <p:attrName>ppt_x</p:attrName>
+                                        </p:attrNameLst>
+                                      </p:cBhvr>
+                                      <p:tavLst>
+                                        <p:tav tm="0">
+                                          <p:val>
+                                            <p:strVal val="#ppt_x"/>
+                                          </p:val>
+                                        </p:tav>
+                                        <p:tav tm="100000">
+                                          <p:val>
+                                            <p:strVal val="#ppt_x"/>
+                                          </p:val>
+                                        </p:tav>
+                                      </p:tavLst>
+                                    </p:anim>
+                                    <p:anim calcmode="lin" valueType="num">
+                                      <p:cBhvr additive="base">
+                                        <p:cTn id="20" dur="300" fill="hold"/>
+                                        <p:tgtEl>
+                                          <p:spTgt spid="5"/>
+                                        </p:tgtEl>
+                                        <p:attrNameLst>
+                                          <p:attrName>ppt_y</p:attrName>
+                                        </p:attrNameLst>
+                                      </p:cBhvr>
+                                      <p:tavLst>
+                                        <p:tav tm="0">
+                                          <p:val>
+                                            <p:strVal val="1+#ppt_h/2"/>
+                                          </p:val>
+                                        </p:tav>
+                                        <p:tav tm="100000">
+                                          <p:val>
+                                            <p:strVal val="#ppt_y"/>
+                                          </p:val>
+                                        </p:tav>
+                                      </p:tavLst>
+                                    </p:anim>
+                                  </p:childTnLst>
+                                </p:cTn>
+                              </p:par>
+                            </p:childTnLst>
+                          </p:cTn>
+                        </p:par>
+                      </p:childTnLst>
+                    </p:cTn>
+                  </p:par>
+                  <p:par>
+                    <p:cTn id="21" fill="hold">
+                      <p:stCondLst>
+                        <p:cond delay="indefinite"/>
+                      </p:stCondLst>
+                      <p:childTnLst>
+                        <p:par>
+                          <p:cTn id="22" fill="hold">
+                            <p:stCondLst>
+                              <p:cond delay="0"/>
+                            </p:stCondLst>
+                            <p:childTnLst>
+                              <p:par>
+                                <p:cTn id="23" presetID="2" presetClass="entr" presetSubtype="4" fill="hold" grpId="0" nodeType="clickEffect">
+                                  <p:stCondLst>
+                                    <p:cond delay="0"/>
+                                  </p:stCondLst>
+                                  <p:childTnLst>
+                                    <p:set>
+                                      <p:cBhvr>
+                                        <p:cTn id="24" dur="1" fill="hold">
+                                          <p:stCondLst>
+                                            <p:cond delay="0"/>
+                                          </p:stCondLst>
+                                        </p:cTn>
+                                        <p:tgtEl>
+                                          <p:spTgt spid="6"/>
+                                        </p:tgtEl>
+                                        <p:attrNameLst>
+                                          <p:attrName>style.visibility</p:attrName>
+                                        </p:attrNameLst>
+                                      </p:cBhvr>
+                                      <p:to>
+                                        <p:strVal val="visible"/>
+                                      </p:to>
+                                    </p:set>
+                                    <p:anim calcmode="lin" valueType="num">
+                                      <p:cBhvr additive="base">
+                                        <p:cTn id="25" dur="300" fill="hold"/>
+                                        <p:tgtEl>
+                                          <p:spTgt spid="6"/>
+                                        </p:tgtEl>
+                                        <p:attrNameLst>
+                                          <p:attrName>ppt_x</p:attrName>
+                                        </p:attrNameLst>
+                                      </p:cBhvr>
+                                      <p:tavLst>
+                                        <p:tav tm="0">
+                                          <p:val>
+                                            <p:strVal val="#ppt_x"/>
+                                          </p:val>
+                                        </p:tav>
+                                        <p:tav tm="100000">
+                                          <p:val>
+                                            <p:strVal val="#ppt_x"/>
+                                          </p:val>
+                                        </p:tav>
+                                      </p:tavLst>
+                                    </p:anim>
+                                    <p:anim calcmode="lin" valueType="num">
+                                      <p:cBhvr additive="base">
+                                        <p:cTn id="26" dur="300" fill="hold"/>
+                                        <p:tgtEl>
+                                          <p:spTgt spid="6"/>
+                                        </p:tgtEl>
+                                        <p:attrNameLst>
+                                          <p:attrName>ppt_y</p:attrName>
+                                        </p:attrNameLst>
+                                      </p:cBhvr>
+                                      <p:tavLst>
+                                        <p:tav tm="0">
+                                          <p:val>
+                                            <p:strVal val="1+#ppt_h/2"/>
+                                          </p:val>
+                                        </p:tav>
+                                        <p:tav tm="100000">
+                                          <p:val>
+                                            <p:strVal val="#ppt_y"/>
+                                          </p:val>
+                                        </p:tav>
+                                      </p:tavLst>
+                                    </p:anim>
+                                  </p:childTnLst>
+                                </p:cTn>
+                              </p:par>
+                            </p:childTnLst>
+                          </p:cTn>
+                        </p:par>
+                      </p:childTnLst>
+                    </p:cTn>
+                  </p:par>
+                </p:childTnLst>
+              </p:cTn>
+              <p:prevCondLst>
+                <p:cond evt="onPrev" delay="0">
+                  <p:tgtEl>
+                    <p:sldTgt/>
+                  </p:tgtEl>
+                </p:cond>
+              </p:prevCondLst>
+              <p:nextCondLst>
+                <p:cond evt="onNext" delay="0">
+                  <p:tgtEl>
+                    <p:sldTgt/>
+                  </p:tgtEl>
+                </p:cond>
+              </p:nextCondLst>
+            </p:seq>
+          </p:childTnLst>
+        </p:cTn>
+      </p:par>
+    </p:tnLst>
+    <p:bldLst>
+      <p:bldP spid="2" grpId="0" build="p"/>
+      <p:bldP spid="3" grpId="0"/>
+      <p:bldP spid="5" grpId="0"/>
+      <p:bldP spid="6" grpId="0"/>
+    </p:bldLst>
+  </p:timing>
+</p:sld>
+</file>
+
+<file path=ppt/slides/slide58.xml><?xml version="1.0" encoding="utf-8"?>
+<p:sld xmlns:a="http://schemas.openxmlformats.org/drawingml/2006/main" xmlns:r="http://schemas.openxmlformats.org/officeDocument/2006/relationships" xmlns:p="http://schemas.openxmlformats.org/presentationml/2006/main">
+  <p:cSld>
+    <p:spTree>
+      <p:nvGrpSpPr>
+        <p:cNvPr id="1" name=""/>
+        <p:cNvGrpSpPr/>
+        <p:nvPr/>
+      </p:nvGrpSpPr>
+      <p:grpSpPr>
+        <a:xfrm>
+          <a:off x="0" y="0"/>
+          <a:ext cx="0" cy="0"/>
+          <a:chOff x="0" y="0"/>
+          <a:chExt cx="0" cy="0"/>
+        </a:xfrm>
+      </p:grpSpPr>
+      <p:sp>
+        <p:nvSpPr>
+          <p:cNvPr id="2" name="内容占位符 2"/>
+          <p:cNvSpPr txBox="1">
+            <a:spLocks/>
+          </p:cNvSpPr>
+          <p:nvPr/>
+        </p:nvSpPr>
+        <p:spPr>
+          <a:xfrm>
+            <a:off x="457200" y="1200150"/>
+            <a:ext cx="8229600" cy="508000"/>
+          </a:xfrm>
+          <a:prstGeom prst="rect">
+            <a:avLst/>
+          </a:prstGeom>
+        </p:spPr>
+        <p:txBody>
+          <a:bodyPr/>
+          <a:lstStyle/>
+          <a:p>
+            <a:pPr marL="0" marR="0" lvl="0" indent="0" algn="l" defTabSz="914400" rtl="0" eaLnBrk="1" fontAlgn="auto" latinLnBrk="0" hangingPunct="1">
+              <a:lnSpc>
+                <a:spcPct val="100000"/>
+              </a:lnSpc>
+              <a:spcBef>
+                <a:spcPct val="20000"/>
+              </a:spcBef>
+              <a:spcAft>
+                <a:spcPts val="0"/>
+              </a:spcAft>
+              <a:buClrTx/>
+              <a:buSzTx/>
+              <a:buFont typeface="Arial" panose="020B0604020202020204" pitchFamily="34" charset="0"/>
+              <a:buNone/>
+              <a:tabLst/>
+              <a:defRPr/>
+            </a:pPr>
+            <a:r>
+              <a:rPr lang="zh-CN" altLang="en-US" sz="3200" b="1" dirty="0" smtClean="0">
+                <a:solidFill>
+                  <a:srgbClr val="212121"/>
+                </a:solidFill>
+                <a:latin typeface="微软雅黑" pitchFamily="34" charset="-122"/>
+                <a:ea typeface="微软雅黑" pitchFamily="34" charset="-122"/>
+              </a:rPr>
+              <a:t>初</a:t>
+            </a:r>
+            <a:r>
+              <a:rPr lang="zh-CN" altLang="en-US" sz="3200" b="1" dirty="0" smtClean="0">
+                <a:solidFill>
+                  <a:srgbClr val="212121"/>
+                </a:solidFill>
+                <a:latin typeface="微软雅黑" pitchFamily="34" charset="-122"/>
+                <a:ea typeface="微软雅黑" pitchFamily="34" charset="-122"/>
+              </a:rPr>
+              <a:t>步认识</a:t>
+            </a:r>
+            <a:r>
+              <a:rPr kumimoji="0" lang="en-US" altLang="zh-CN" sz="3200" b="1" i="0" u="none" strike="noStrike" kern="1200" cap="none" spc="0" normalizeH="0" baseline="0" noProof="0" dirty="0" err="1" smtClean="0">
+                <a:ln>
+                  <a:noFill/>
+                </a:ln>
+                <a:solidFill>
+                  <a:srgbClr val="212121"/>
+                </a:solidFill>
+                <a:effectLst/>
+                <a:uLnTx/>
+                <a:uFillTx/>
+                <a:latin typeface="微软雅黑" pitchFamily="34" charset="-122"/>
+                <a:ea typeface="微软雅黑" pitchFamily="34" charset="-122"/>
+              </a:rPr>
+              <a:t>r.js</a:t>
+            </a:r>
+            <a:endParaRPr kumimoji="0" lang="en-US" altLang="zh-CN" sz="3200" b="1" i="0" u="none" strike="noStrike" kern="1200" cap="none" spc="0" normalizeH="0" baseline="0" noProof="0" dirty="0" smtClean="0">
+              <a:ln>
+                <a:noFill/>
+              </a:ln>
+              <a:solidFill>
+                <a:srgbClr val="212121"/>
+              </a:solidFill>
+              <a:effectLst/>
+              <a:uLnTx/>
+              <a:uFillTx/>
+              <a:latin typeface="微软雅黑" pitchFamily="34" charset="-122"/>
+              <a:ea typeface="微软雅黑" pitchFamily="34" charset="-122"/>
+            </a:endParaRPr>
+          </a:p>
+        </p:txBody>
+      </p:sp>
+      <p:sp>
+        <p:nvSpPr>
+          <p:cNvPr id="3" name="文本框 2"/>
+          <p:cNvSpPr txBox="1"/>
+          <p:nvPr/>
+        </p:nvSpPr>
+        <p:spPr>
+          <a:xfrm>
+            <a:off x="467544" y="4581128"/>
+            <a:ext cx="8229600" cy="400110"/>
+          </a:xfrm>
+          <a:prstGeom prst="rect">
+            <a:avLst/>
+          </a:prstGeom>
+          <a:noFill/>
+        </p:spPr>
+        <p:txBody>
+          <a:bodyPr>
+            <a:spAutoFit/>
+          </a:bodyPr>
+          <a:lstStyle/>
+          <a:p>
+            <a:pPr lvl="1">
+              <a:buFont typeface="Arial" panose="020B0604020202020204" pitchFamily="34" charset="0"/>
+              <a:buNone/>
+              <a:defRPr/>
+            </a:pPr>
+            <a:r>
+              <a:rPr lang="en-US" altLang="zh-CN" sz="2000" b="1" dirty="0" err="1" smtClean="0">
+                <a:solidFill>
+                  <a:srgbClr val="474747"/>
+                </a:solidFill>
+                <a:latin typeface="微软雅黑" pitchFamily="34" charset="-122"/>
+                <a:ea typeface="微软雅黑" pitchFamily="34" charset="-122"/>
+              </a:rPr>
+              <a:t>r.js</a:t>
+            </a:r>
+            <a:r>
+              <a:rPr lang="en-US" altLang="zh-CN" sz="2000" b="1" dirty="0" smtClean="0">
+                <a:solidFill>
+                  <a:srgbClr val="474747"/>
+                </a:solidFill>
+                <a:latin typeface="微软雅黑" pitchFamily="34" charset="-122"/>
+                <a:ea typeface="微软雅黑" pitchFamily="34" charset="-122"/>
+              </a:rPr>
+              <a:t> –o </a:t>
+            </a:r>
+            <a:r>
+              <a:rPr lang="en-US" altLang="zh-CN" sz="2000" b="1" dirty="0" err="1" smtClean="0">
+                <a:solidFill>
+                  <a:srgbClr val="474747"/>
+                </a:solidFill>
+                <a:latin typeface="微软雅黑" pitchFamily="34" charset="-122"/>
+                <a:ea typeface="微软雅黑" pitchFamily="34" charset="-122"/>
+              </a:rPr>
+              <a:t>baseUrl</a:t>
+            </a:r>
+            <a:r>
+              <a:rPr lang="en-US" altLang="zh-CN" sz="2000" b="1" dirty="0" smtClean="0">
+                <a:solidFill>
+                  <a:srgbClr val="474747"/>
+                </a:solidFill>
+                <a:latin typeface="微软雅黑" pitchFamily="34" charset="-122"/>
+                <a:ea typeface="微软雅黑" pitchFamily="34" charset="-122"/>
+              </a:rPr>
+              <a:t>=</a:t>
+            </a:r>
+            <a:r>
+              <a:rPr lang="en-US" altLang="zh-CN" sz="2000" b="1" dirty="0" err="1" smtClean="0">
+                <a:solidFill>
+                  <a:srgbClr val="474747"/>
+                </a:solidFill>
+                <a:latin typeface="微软雅黑" pitchFamily="34" charset="-122"/>
+                <a:ea typeface="微软雅黑" pitchFamily="34" charset="-122"/>
+              </a:rPr>
+              <a:t>js</a:t>
+            </a:r>
+            <a:r>
+              <a:rPr lang="en-US" altLang="zh-CN" sz="2000" b="1" dirty="0" smtClean="0">
+                <a:solidFill>
+                  <a:srgbClr val="474747"/>
+                </a:solidFill>
+                <a:latin typeface="微软雅黑" pitchFamily="34" charset="-122"/>
+                <a:ea typeface="微软雅黑" pitchFamily="34" charset="-122"/>
+              </a:rPr>
+              <a:t> name=app out=</a:t>
+            </a:r>
+            <a:r>
+              <a:rPr lang="en-US" altLang="zh-CN" sz="2000" b="1" dirty="0" err="1" smtClean="0">
+                <a:solidFill>
+                  <a:srgbClr val="474747"/>
+                </a:solidFill>
+                <a:latin typeface="微软雅黑" pitchFamily="34" charset="-122"/>
+                <a:ea typeface="微软雅黑" pitchFamily="34" charset="-122"/>
+              </a:rPr>
+              <a:t>built.js</a:t>
+            </a:r>
+            <a:endParaRPr lang="en-US" altLang="zh-CN" sz="2000" b="1" dirty="0" smtClean="0">
+              <a:solidFill>
+                <a:srgbClr val="474747"/>
+              </a:solidFill>
+              <a:latin typeface="微软雅黑" pitchFamily="34" charset="-122"/>
+              <a:ea typeface="微软雅黑" pitchFamily="34" charset="-122"/>
+            </a:endParaRPr>
+          </a:p>
+        </p:txBody>
+      </p:sp>
+      <p:pic>
+        <p:nvPicPr>
+          <p:cNvPr id="1026" name="Picture 2"/>
+          <p:cNvPicPr>
+            <a:picLocks noChangeAspect="1" noChangeArrowheads="1"/>
+          </p:cNvPicPr>
+          <p:nvPr/>
+        </p:nvPicPr>
+        <p:blipFill>
+          <a:blip r:embed="rId2" cstate="print"/>
+          <a:srcRect/>
+          <a:stretch>
+            <a:fillRect/>
+          </a:stretch>
+        </p:blipFill>
+        <p:spPr bwMode="auto">
+          <a:xfrm>
+            <a:off x="5076056" y="260648"/>
+            <a:ext cx="3181350" cy="3848100"/>
+          </a:xfrm>
+          <a:prstGeom prst="rect">
+            <a:avLst/>
+          </a:prstGeom>
+          <a:noFill/>
+          <a:ln w="9525">
+            <a:noFill/>
+            <a:miter lim="800000"/>
+            <a:headEnd/>
+            <a:tailEnd/>
+          </a:ln>
+        </p:spPr>
+      </p:pic>
+      <p:sp>
+        <p:nvSpPr>
+          <p:cNvPr id="5" name="矩形 4"/>
+          <p:cNvSpPr/>
+          <p:nvPr/>
+        </p:nvSpPr>
+        <p:spPr>
+          <a:xfrm>
+            <a:off x="5652120" y="2996952"/>
+            <a:ext cx="1296144" cy="360040"/>
+          </a:xfrm>
+          <a:prstGeom prst="rect">
+            <a:avLst/>
+          </a:prstGeom>
+          <a:noFill/>
+          <a:ln w="28575">
+            <a:solidFill>
+              <a:srgbClr val="C9394A"/>
+            </a:solidFill>
+          </a:ln>
+        </p:spPr>
+        <p:style>
+          <a:lnRef idx="2">
+            <a:schemeClr val="accent1">
+              <a:shade val="50000"/>
+            </a:schemeClr>
+          </a:lnRef>
+          <a:fillRef idx="1">
+            <a:schemeClr val="accent1"/>
+          </a:fillRef>
+          <a:effectRef idx="0">
+            <a:schemeClr val="accent1"/>
+          </a:effectRef>
+          <a:fontRef idx="minor">
+            <a:schemeClr val="lt1"/>
+          </a:fontRef>
+        </p:style>
+        <p:txBody>
+          <a:bodyPr rtlCol="0" anchor="ctr"/>
+          <a:lstStyle/>
+          <a:p>
+            <a:pPr algn="ctr"/>
+            <a:endParaRPr lang="zh-CN" altLang="en-US"/>
+          </a:p>
+        </p:txBody>
+      </p:sp>
+      <p:sp>
+        <p:nvSpPr>
+          <p:cNvPr id="6" name="文本框 2"/>
+          <p:cNvSpPr txBox="1"/>
+          <p:nvPr/>
+        </p:nvSpPr>
+        <p:spPr>
+          <a:xfrm>
+            <a:off x="446856" y="5189130"/>
+            <a:ext cx="8229600" cy="400110"/>
+          </a:xfrm>
+          <a:prstGeom prst="rect">
+            <a:avLst/>
+          </a:prstGeom>
+          <a:noFill/>
+        </p:spPr>
+        <p:txBody>
+          <a:bodyPr>
+            <a:spAutoFit/>
+          </a:bodyPr>
+          <a:lstStyle/>
+          <a:p>
+            <a:pPr lvl="1">
+              <a:buFont typeface="Arial" panose="020B0604020202020204" pitchFamily="34" charset="0"/>
+              <a:buNone/>
+              <a:defRPr/>
+            </a:pPr>
+            <a:r>
+              <a:rPr lang="en-US" altLang="zh-CN" sz="2000" b="1" dirty="0" smtClean="0">
+                <a:solidFill>
+                  <a:srgbClr val="474747"/>
+                </a:solidFill>
+                <a:latin typeface="微软雅黑" pitchFamily="34" charset="-122"/>
+                <a:ea typeface="微软雅黑" pitchFamily="34" charset="-122"/>
+              </a:rPr>
+              <a:t>n</a:t>
+            </a:r>
+            <a:r>
+              <a:rPr lang="en-US" altLang="zh-CN" sz="2000" b="1" dirty="0" smtClean="0">
+                <a:solidFill>
+                  <a:srgbClr val="474747"/>
+                </a:solidFill>
+                <a:latin typeface="微软雅黑" pitchFamily="34" charset="-122"/>
+                <a:ea typeface="微软雅黑" pitchFamily="34" charset="-122"/>
+              </a:rPr>
+              <a:t>ode </a:t>
+            </a:r>
+            <a:r>
+              <a:rPr lang="en-US" altLang="zh-CN" sz="2000" b="1" dirty="0" err="1" smtClean="0">
+                <a:solidFill>
+                  <a:srgbClr val="474747"/>
+                </a:solidFill>
+                <a:latin typeface="微软雅黑" pitchFamily="34" charset="-122"/>
+                <a:ea typeface="微软雅黑" pitchFamily="34" charset="-122"/>
+              </a:rPr>
+              <a:t>r.js</a:t>
+            </a:r>
+            <a:r>
+              <a:rPr lang="en-US" altLang="zh-CN" sz="2000" b="1" dirty="0" smtClean="0">
+                <a:solidFill>
+                  <a:srgbClr val="474747"/>
+                </a:solidFill>
+                <a:latin typeface="微软雅黑" pitchFamily="34" charset="-122"/>
+                <a:ea typeface="微软雅黑" pitchFamily="34" charset="-122"/>
+              </a:rPr>
+              <a:t> –o </a:t>
+            </a:r>
+            <a:r>
+              <a:rPr lang="en-US" altLang="zh-CN" sz="2000" b="1" dirty="0" err="1" smtClean="0">
+                <a:solidFill>
+                  <a:srgbClr val="474747"/>
+                </a:solidFill>
+                <a:latin typeface="微软雅黑" pitchFamily="34" charset="-122"/>
+                <a:ea typeface="微软雅黑" pitchFamily="34" charset="-122"/>
+              </a:rPr>
+              <a:t>baseUrl</a:t>
+            </a:r>
+            <a:r>
+              <a:rPr lang="en-US" altLang="zh-CN" sz="2000" b="1" dirty="0" smtClean="0">
+                <a:solidFill>
+                  <a:srgbClr val="474747"/>
+                </a:solidFill>
+                <a:latin typeface="微软雅黑" pitchFamily="34" charset="-122"/>
+                <a:ea typeface="微软雅黑" pitchFamily="34" charset="-122"/>
+              </a:rPr>
+              <a:t>=</a:t>
+            </a:r>
+            <a:r>
+              <a:rPr lang="en-US" altLang="zh-CN" sz="2000" b="1" dirty="0" err="1" smtClean="0">
+                <a:solidFill>
+                  <a:srgbClr val="474747"/>
+                </a:solidFill>
+                <a:latin typeface="微软雅黑" pitchFamily="34" charset="-122"/>
+                <a:ea typeface="微软雅黑" pitchFamily="34" charset="-122"/>
+              </a:rPr>
+              <a:t>js</a:t>
+            </a:r>
+            <a:r>
+              <a:rPr lang="en-US" altLang="zh-CN" sz="2000" b="1" dirty="0" smtClean="0">
+                <a:solidFill>
+                  <a:srgbClr val="474747"/>
+                </a:solidFill>
+                <a:latin typeface="微软雅黑" pitchFamily="34" charset="-122"/>
+                <a:ea typeface="微软雅黑" pitchFamily="34" charset="-122"/>
+              </a:rPr>
+              <a:t> name=app out=</a:t>
+            </a:r>
+            <a:r>
+              <a:rPr lang="en-US" altLang="zh-CN" sz="2000" b="1" dirty="0" err="1" smtClean="0">
+                <a:solidFill>
+                  <a:srgbClr val="474747"/>
+                </a:solidFill>
+                <a:latin typeface="微软雅黑" pitchFamily="34" charset="-122"/>
+                <a:ea typeface="微软雅黑" pitchFamily="34" charset="-122"/>
+              </a:rPr>
+              <a:t>built.js</a:t>
+            </a:r>
+            <a:endParaRPr lang="en-US" altLang="zh-CN" sz="2000" b="1" dirty="0" smtClean="0">
+              <a:solidFill>
+                <a:srgbClr val="474747"/>
+              </a:solidFill>
+              <a:latin typeface="微软雅黑" pitchFamily="34" charset="-122"/>
+              <a:ea typeface="微软雅黑" pitchFamily="34" charset="-122"/>
+            </a:endParaRPr>
+          </a:p>
+        </p:txBody>
+      </p:sp>
+    </p:spTree>
+  </p:cSld>
+  <p:clrMapOvr>
+    <a:masterClrMapping/>
+  </p:clrMapOvr>
+  <p:timing>
+    <p:tnLst>
+      <p:par>
+        <p:cTn id="1" dur="indefinite" restart="never" nodeType="tmRoot">
+          <p:childTnLst>
+            <p:seq concurrent="1" nextAc="seek">
+              <p:cTn id="2" dur="indefinite" nodeType="mainSeq">
+                <p:childTnLst>
+                  <p:par>
+                    <p:cTn id="3" fill="hold">
+                      <p:stCondLst>
+                        <p:cond delay="indefinite"/>
+                      </p:stCondLst>
+                      <p:childTnLst>
+                        <p:par>
+                          <p:cTn id="4" fill="hold">
+                            <p:stCondLst>
+                              <p:cond delay="0"/>
+                            </p:stCondLst>
+                            <p:childTnLst>
+                              <p:par>
+                                <p:cTn id="5" presetID="2" presetClass="entr" presetSubtype="4" fill="hold" grpId="0" nodeType="clickEffect">
+                                  <p:stCondLst>
+                                    <p:cond delay="0"/>
+                                  </p:stCondLst>
+                                  <p:childTnLst>
+                                    <p:set>
+                                      <p:cBhvr>
+                                        <p:cTn id="6" dur="1" fill="hold">
+                                          <p:stCondLst>
+                                            <p:cond delay="0"/>
+                                          </p:stCondLst>
+                                        </p:cTn>
+                                        <p:tgtEl>
+                                          <p:spTgt spid="2">
+                                            <p:txEl>
+                                              <p:pRg st="0" end="0"/>
+                                            </p:txEl>
+                                          </p:spTgt>
+                                        </p:tgtEl>
+                                        <p:attrNameLst>
+                                          <p:attrName>style.visibility</p:attrName>
+                                        </p:attrNameLst>
+                                      </p:cBhvr>
+                                      <p:to>
+                                        <p:strVal val="visible"/>
+                                      </p:to>
+                                    </p:set>
+                                    <p:anim calcmode="lin" valueType="num">
+                                      <p:cBhvr additive="base">
+                                        <p:cTn id="7" dur="300" fill="hold"/>
+                                        <p:tgtEl>
+                                          <p:spTgt spid="2">
+                                            <p:txEl>
+                                              <p:pRg st="0" end="0"/>
+                                            </p:txEl>
+                                          </p:spTgt>
+                                        </p:tgtEl>
+                                        <p:attrNameLst>
+                                          <p:attrName>ppt_x</p:attrName>
+                                        </p:attrNameLst>
+                                      </p:cBhvr>
+                                      <p:tavLst>
+                                        <p:tav tm="0">
+                                          <p:val>
+                                            <p:strVal val="#ppt_x"/>
+                                          </p:val>
+                                        </p:tav>
+                                        <p:tav tm="100000">
+                                          <p:val>
+                                            <p:strVal val="#ppt_x"/>
+                                          </p:val>
+                                        </p:tav>
+                                      </p:tavLst>
+                                    </p:anim>
+                                    <p:anim calcmode="lin" valueType="num">
+                                      <p:cBhvr additive="base">
+                                        <p:cTn id="8" dur="300" fill="hold"/>
+                                        <p:tgtEl>
+                                          <p:spTgt spid="2">
+                                            <p:txEl>
+                                              <p:pRg st="0" end="0"/>
+                                            </p:txEl>
+                                          </p:spTgt>
+                                        </p:tgtEl>
+                                        <p:attrNameLst>
+                                          <p:attrName>ppt_y</p:attrName>
+                                        </p:attrNameLst>
+                                      </p:cBhvr>
+                                      <p:tavLst>
+                                        <p:tav tm="0">
+                                          <p:val>
+                                            <p:strVal val="1+#ppt_h/2"/>
+                                          </p:val>
+                                        </p:tav>
+                                        <p:tav tm="100000">
+                                          <p:val>
+                                            <p:strVal val="#ppt_y"/>
+                                          </p:val>
+                                        </p:tav>
+                                      </p:tavLst>
+                                    </p:anim>
+                                  </p:childTnLst>
+                                </p:cTn>
+                              </p:par>
+                            </p:childTnLst>
+                          </p:cTn>
+                        </p:par>
+                      </p:childTnLst>
+                    </p:cTn>
+                  </p:par>
+                  <p:par>
+                    <p:cTn id="9" fill="hold">
+                      <p:stCondLst>
+                        <p:cond delay="indefinite"/>
+                      </p:stCondLst>
+                      <p:childTnLst>
+                        <p:par>
+                          <p:cTn id="10" fill="hold">
+                            <p:stCondLst>
+                              <p:cond delay="0"/>
+                            </p:stCondLst>
+                            <p:childTnLst>
+                              <p:par>
+                                <p:cTn id="11" presetID="2" presetClass="entr" presetSubtype="4" fill="hold" nodeType="clickEffect">
+                                  <p:stCondLst>
+                                    <p:cond delay="0"/>
+                                  </p:stCondLst>
+                                  <p:childTnLst>
+                                    <p:set>
+                                      <p:cBhvr>
+                                        <p:cTn id="12" dur="1" fill="hold">
+                                          <p:stCondLst>
+                                            <p:cond delay="0"/>
+                                          </p:stCondLst>
+                                        </p:cTn>
+                                        <p:tgtEl>
+                                          <p:spTgt spid="1026"/>
+                                        </p:tgtEl>
+                                        <p:attrNameLst>
+                                          <p:attrName>style.visibility</p:attrName>
+                                        </p:attrNameLst>
+                                      </p:cBhvr>
+                                      <p:to>
+                                        <p:strVal val="visible"/>
+                                      </p:to>
+                                    </p:set>
+                                    <p:anim calcmode="lin" valueType="num">
+                                      <p:cBhvr additive="base">
+                                        <p:cTn id="13" dur="300" fill="hold"/>
+                                        <p:tgtEl>
+                                          <p:spTgt spid="1026"/>
+                                        </p:tgtEl>
+                                        <p:attrNameLst>
+                                          <p:attrName>ppt_x</p:attrName>
+                                        </p:attrNameLst>
+                                      </p:cBhvr>
+                                      <p:tavLst>
+                                        <p:tav tm="0">
+                                          <p:val>
+                                            <p:strVal val="#ppt_x"/>
+                                          </p:val>
+                                        </p:tav>
+                                        <p:tav tm="100000">
+                                          <p:val>
+                                            <p:strVal val="#ppt_x"/>
+                                          </p:val>
+                                        </p:tav>
+                                      </p:tavLst>
+                                    </p:anim>
+                                    <p:anim calcmode="lin" valueType="num">
+                                      <p:cBhvr additive="base">
+                                        <p:cTn id="14" dur="300" fill="hold"/>
+                                        <p:tgtEl>
+                                          <p:spTgt spid="1026"/>
+                                        </p:tgtEl>
+                                        <p:attrNameLst>
+                                          <p:attrName>ppt_y</p:attrName>
+                                        </p:attrNameLst>
+                                      </p:cBhvr>
+                                      <p:tavLst>
+                                        <p:tav tm="0">
+                                          <p:val>
+                                            <p:strVal val="1+#ppt_h/2"/>
+                                          </p:val>
+                                        </p:tav>
+                                        <p:tav tm="100000">
+                                          <p:val>
+                                            <p:strVal val="#ppt_y"/>
+                                          </p:val>
+                                        </p:tav>
+                                      </p:tavLst>
+                                    </p:anim>
+                                  </p:childTnLst>
+                                </p:cTn>
+                              </p:par>
+                            </p:childTnLst>
+                          </p:cTn>
+                        </p:par>
+                      </p:childTnLst>
+                    </p:cTn>
+                  </p:par>
+                  <p:par>
+                    <p:cTn id="15" fill="hold">
+                      <p:stCondLst>
+                        <p:cond delay="indefinite"/>
+                      </p:stCondLst>
+                      <p:childTnLst>
+                        <p:par>
+                          <p:cTn id="16" fill="hold">
+                            <p:stCondLst>
+                              <p:cond delay="0"/>
+                            </p:stCondLst>
+                            <p:childTnLst>
+                              <p:par>
+                                <p:cTn id="17" presetID="2" presetClass="entr" presetSubtype="4" fill="hold" grpId="0" nodeType="clickEffect">
+                                  <p:stCondLst>
+                                    <p:cond delay="0"/>
+                                  </p:stCondLst>
+                                  <p:childTnLst>
+                                    <p:set>
+                                      <p:cBhvr>
+                                        <p:cTn id="18" dur="1" fill="hold">
+                                          <p:stCondLst>
+                                            <p:cond delay="0"/>
+                                          </p:stCondLst>
+                                        </p:cTn>
+                                        <p:tgtEl>
+                                          <p:spTgt spid="5"/>
+                                        </p:tgtEl>
+                                        <p:attrNameLst>
+                                          <p:attrName>style.visibility</p:attrName>
+                                        </p:attrNameLst>
+                                      </p:cBhvr>
+                                      <p:to>
+                                        <p:strVal val="visible"/>
+                                      </p:to>
+                                    </p:set>
+                                    <p:anim calcmode="lin" valueType="num">
+                                      <p:cBhvr additive="base">
+                                        <p:cTn id="19" dur="300" fill="hold"/>
+                                        <p:tgtEl>
+                                          <p:spTgt spid="5"/>
+                                        </p:tgtEl>
+                                        <p:attrNameLst>
+                                          <p:attrName>ppt_x</p:attrName>
+                                        </p:attrNameLst>
+                                      </p:cBhvr>
+                                      <p:tavLst>
+                                        <p:tav tm="0">
+                                          <p:val>
+                                            <p:strVal val="#ppt_x"/>
+                                          </p:val>
+                                        </p:tav>
+                                        <p:tav tm="100000">
+                                          <p:val>
+                                            <p:strVal val="#ppt_x"/>
+                                          </p:val>
+                                        </p:tav>
+                                      </p:tavLst>
+                                    </p:anim>
+                                    <p:anim calcmode="lin" valueType="num">
+                                      <p:cBhvr additive="base">
+                                        <p:cTn id="20" dur="300" fill="hold"/>
+                                        <p:tgtEl>
+                                          <p:spTgt spid="5"/>
+                                        </p:tgtEl>
+                                        <p:attrNameLst>
+                                          <p:attrName>ppt_y</p:attrName>
+                                        </p:attrNameLst>
+                                      </p:cBhvr>
+                                      <p:tavLst>
+                                        <p:tav tm="0">
+                                          <p:val>
+                                            <p:strVal val="1+#ppt_h/2"/>
+                                          </p:val>
+                                        </p:tav>
+                                        <p:tav tm="100000">
+                                          <p:val>
+                                            <p:strVal val="#ppt_y"/>
+                                          </p:val>
+                                        </p:tav>
+                                      </p:tavLst>
+                                    </p:anim>
+                                  </p:childTnLst>
+                                </p:cTn>
+                              </p:par>
+                            </p:childTnLst>
+                          </p:cTn>
+                        </p:par>
+                      </p:childTnLst>
+                    </p:cTn>
+                  </p:par>
+                  <p:par>
+                    <p:cTn id="21" fill="hold">
+                      <p:stCondLst>
+                        <p:cond delay="indefinite"/>
+                      </p:stCondLst>
+                      <p:childTnLst>
+                        <p:par>
+                          <p:cTn id="22" fill="hold">
+                            <p:stCondLst>
+                              <p:cond delay="0"/>
+                            </p:stCondLst>
+                            <p:childTnLst>
+                              <p:par>
+                                <p:cTn id="23" presetID="2" presetClass="entr" presetSubtype="4" fill="hold" grpId="0" nodeType="clickEffect">
+                                  <p:stCondLst>
+                                    <p:cond delay="0"/>
+                                  </p:stCondLst>
+                                  <p:childTnLst>
+                                    <p:set>
+                                      <p:cBhvr>
+                                        <p:cTn id="24" dur="1" fill="hold">
+                                          <p:stCondLst>
+                                            <p:cond delay="0"/>
+                                          </p:stCondLst>
+                                        </p:cTn>
+                                        <p:tgtEl>
+                                          <p:spTgt spid="3"/>
+                                        </p:tgtEl>
+                                        <p:attrNameLst>
+                                          <p:attrName>style.visibility</p:attrName>
+                                        </p:attrNameLst>
+                                      </p:cBhvr>
+                                      <p:to>
+                                        <p:strVal val="visible"/>
+                                      </p:to>
+                                    </p:set>
+                                    <p:anim calcmode="lin" valueType="num">
+                                      <p:cBhvr additive="base">
+                                        <p:cTn id="25" dur="300" fill="hold"/>
+                                        <p:tgtEl>
+                                          <p:spTgt spid="3"/>
+                                        </p:tgtEl>
+                                        <p:attrNameLst>
+                                          <p:attrName>ppt_x</p:attrName>
+                                        </p:attrNameLst>
+                                      </p:cBhvr>
+                                      <p:tavLst>
+                                        <p:tav tm="0">
+                                          <p:val>
+                                            <p:strVal val="#ppt_x"/>
+                                          </p:val>
+                                        </p:tav>
+                                        <p:tav tm="100000">
+                                          <p:val>
+                                            <p:strVal val="#ppt_x"/>
+                                          </p:val>
+                                        </p:tav>
+                                      </p:tavLst>
+                                    </p:anim>
+                                    <p:anim calcmode="lin" valueType="num">
+                                      <p:cBhvr additive="base">
+                                        <p:cTn id="26" dur="300" fill="hold"/>
+                                        <p:tgtEl>
+                                          <p:spTgt spid="3"/>
+                                        </p:tgtEl>
+                                        <p:attrNameLst>
+                                          <p:attrName>ppt_y</p:attrName>
+                                        </p:attrNameLst>
+                                      </p:cBhvr>
+                                      <p:tavLst>
+                                        <p:tav tm="0">
+                                          <p:val>
+                                            <p:strVal val="1+#ppt_h/2"/>
+                                          </p:val>
+                                        </p:tav>
+                                        <p:tav tm="100000">
+                                          <p:val>
+                                            <p:strVal val="#ppt_y"/>
+                                          </p:val>
+                                        </p:tav>
+                                      </p:tavLst>
+                                    </p:anim>
+                                  </p:childTnLst>
+                                </p:cTn>
+                              </p:par>
+                            </p:childTnLst>
+                          </p:cTn>
+                        </p:par>
+                      </p:childTnLst>
+                    </p:cTn>
+                  </p:par>
+                  <p:par>
+                    <p:cTn id="27" fill="hold">
+                      <p:stCondLst>
+                        <p:cond delay="indefinite"/>
+                      </p:stCondLst>
+                      <p:childTnLst>
+                        <p:par>
+                          <p:cTn id="28" fill="hold">
+                            <p:stCondLst>
+                              <p:cond delay="0"/>
+                            </p:stCondLst>
+                            <p:childTnLst>
+                              <p:par>
+                                <p:cTn id="29" presetID="2" presetClass="entr" presetSubtype="4" fill="hold" grpId="0" nodeType="clickEffect">
+                                  <p:stCondLst>
+                                    <p:cond delay="0"/>
+                                  </p:stCondLst>
+                                  <p:childTnLst>
+                                    <p:set>
+                                      <p:cBhvr>
+                                        <p:cTn id="30" dur="1" fill="hold">
+                                          <p:stCondLst>
+                                            <p:cond delay="0"/>
+                                          </p:stCondLst>
+                                        </p:cTn>
+                                        <p:tgtEl>
+                                          <p:spTgt spid="6"/>
+                                        </p:tgtEl>
+                                        <p:attrNameLst>
+                                          <p:attrName>style.visibility</p:attrName>
+                                        </p:attrNameLst>
+                                      </p:cBhvr>
+                                      <p:to>
+                                        <p:strVal val="visible"/>
+                                      </p:to>
+                                    </p:set>
+                                    <p:anim calcmode="lin" valueType="num">
+                                      <p:cBhvr additive="base">
+                                        <p:cTn id="31" dur="300" fill="hold"/>
+                                        <p:tgtEl>
+                                          <p:spTgt spid="6"/>
+                                        </p:tgtEl>
+                                        <p:attrNameLst>
+                                          <p:attrName>ppt_x</p:attrName>
+                                        </p:attrNameLst>
+                                      </p:cBhvr>
+                                      <p:tavLst>
+                                        <p:tav tm="0">
+                                          <p:val>
+                                            <p:strVal val="#ppt_x"/>
+                                          </p:val>
+                                        </p:tav>
+                                        <p:tav tm="100000">
+                                          <p:val>
+                                            <p:strVal val="#ppt_x"/>
+                                          </p:val>
+                                        </p:tav>
+                                      </p:tavLst>
+                                    </p:anim>
+                                    <p:anim calcmode="lin" valueType="num">
+                                      <p:cBhvr additive="base">
+                                        <p:cTn id="32" dur="300" fill="hold"/>
+                                        <p:tgtEl>
+                                          <p:spTgt spid="6"/>
+                                        </p:tgtEl>
+                                        <p:attrNameLst>
+                                          <p:attrName>ppt_y</p:attrName>
+                                        </p:attrNameLst>
+                                      </p:cBhvr>
+                                      <p:tavLst>
+                                        <p:tav tm="0">
+                                          <p:val>
+                                            <p:strVal val="1+#ppt_h/2"/>
+                                          </p:val>
+                                        </p:tav>
+                                        <p:tav tm="100000">
+                                          <p:val>
+                                            <p:strVal val="#ppt_y"/>
+                                          </p:val>
+                                        </p:tav>
+                                      </p:tavLst>
+                                    </p:anim>
+                                  </p:childTnLst>
+                                </p:cTn>
+                              </p:par>
+                            </p:childTnLst>
+                          </p:cTn>
+                        </p:par>
+                      </p:childTnLst>
+                    </p:cTn>
+                  </p:par>
+                </p:childTnLst>
+              </p:cTn>
+              <p:prevCondLst>
+                <p:cond evt="onPrev" delay="0">
+                  <p:tgtEl>
+                    <p:sldTgt/>
+                  </p:tgtEl>
+                </p:cond>
+              </p:prevCondLst>
+              <p:nextCondLst>
+                <p:cond evt="onNext" delay="0">
+                  <p:tgtEl>
+                    <p:sldTgt/>
+                  </p:tgtEl>
+                </p:cond>
+              </p:nextCondLst>
+            </p:seq>
+          </p:childTnLst>
+        </p:cTn>
+      </p:par>
+    </p:tnLst>
+    <p:bldLst>
+      <p:bldP spid="2" grpId="0" build="p"/>
+      <p:bldP spid="3" grpId="0"/>
+      <p:bldP spid="5" grpId="0" animBg="1"/>
+      <p:bldP spid="6" grpId="0"/>
+    </p:bldLst>
+  </p:timing>
+</p:sld>
+</file>
+
+<file path=ppt/slides/slide59.xml><?xml version="1.0" encoding="utf-8"?>
+<p:sld xmlns:a="http://schemas.openxmlformats.org/drawingml/2006/main" xmlns:r="http://schemas.openxmlformats.org/officeDocument/2006/relationships" xmlns:p="http://schemas.openxmlformats.org/presentationml/2006/main">
+  <p:cSld>
+    <p:spTree>
+      <p:nvGrpSpPr>
+        <p:cNvPr id="1" name=""/>
+        <p:cNvGrpSpPr/>
+        <p:nvPr/>
+      </p:nvGrpSpPr>
+      <p:grpSpPr>
+        <a:xfrm>
+          <a:off x="0" y="0"/>
+          <a:ext cx="0" cy="0"/>
+          <a:chOff x="0" y="0"/>
+          <a:chExt cx="0" cy="0"/>
+        </a:xfrm>
+      </p:grpSpPr>
+      <p:sp>
+        <p:nvSpPr>
+          <p:cNvPr id="2" name="内容占位符 2"/>
+          <p:cNvSpPr txBox="1">
+            <a:spLocks/>
+          </p:cNvSpPr>
+          <p:nvPr/>
+        </p:nvSpPr>
+        <p:spPr>
+          <a:xfrm>
+            <a:off x="457200" y="1200150"/>
+            <a:ext cx="8229600" cy="508000"/>
+          </a:xfrm>
+          <a:prstGeom prst="rect">
+            <a:avLst/>
+          </a:prstGeom>
+        </p:spPr>
+        <p:txBody>
+          <a:bodyPr/>
+          <a:lstStyle/>
+          <a:p>
+            <a:pPr marL="0" marR="0" lvl="0" indent="0" algn="l" defTabSz="914400" rtl="0" eaLnBrk="1" fontAlgn="auto" latinLnBrk="0" hangingPunct="1">
+              <a:lnSpc>
+                <a:spcPct val="100000"/>
+              </a:lnSpc>
+              <a:spcBef>
+                <a:spcPct val="20000"/>
+              </a:spcBef>
+              <a:spcAft>
+                <a:spcPts val="0"/>
+              </a:spcAft>
+              <a:buClrTx/>
+              <a:buSzTx/>
+              <a:buFont typeface="Arial" panose="020B0604020202020204" pitchFamily="34" charset="0"/>
+              <a:buNone/>
+              <a:tabLst/>
+              <a:defRPr/>
+            </a:pPr>
+            <a:r>
+              <a:rPr lang="zh-CN" altLang="en-US" sz="3200" b="1" noProof="0" dirty="0" smtClean="0">
+                <a:solidFill>
+                  <a:srgbClr val="212121"/>
+                </a:solidFill>
+                <a:latin typeface="微软雅黑" pitchFamily="34" charset="-122"/>
+                <a:ea typeface="微软雅黑" pitchFamily="34" charset="-122"/>
+              </a:rPr>
+              <a:t>使</a:t>
+            </a:r>
+            <a:r>
+              <a:rPr lang="zh-CN" altLang="en-US" sz="3200" b="1" noProof="0" dirty="0" smtClean="0">
+                <a:solidFill>
+                  <a:srgbClr val="212121"/>
+                </a:solidFill>
+                <a:latin typeface="微软雅黑" pitchFamily="34" charset="-122"/>
+                <a:ea typeface="微软雅黑" pitchFamily="34" charset="-122"/>
+              </a:rPr>
+              <a:t>用配置文件来打包</a:t>
+            </a:r>
+            <a:endParaRPr kumimoji="0" lang="en-US" altLang="zh-CN" sz="3200" b="1" i="0" u="none" strike="noStrike" kern="1200" cap="none" spc="0" normalizeH="0" baseline="0" noProof="0" dirty="0" smtClean="0">
+              <a:ln>
+                <a:noFill/>
+              </a:ln>
+              <a:solidFill>
+                <a:srgbClr val="212121"/>
+              </a:solidFill>
+              <a:effectLst/>
+              <a:uLnTx/>
+              <a:uFillTx/>
+              <a:latin typeface="微软雅黑" pitchFamily="34" charset="-122"/>
+              <a:ea typeface="微软雅黑" pitchFamily="34" charset="-122"/>
+            </a:endParaRPr>
+          </a:p>
+        </p:txBody>
+      </p:sp>
+      <p:sp>
+        <p:nvSpPr>
+          <p:cNvPr id="3" name="文本框 2"/>
+          <p:cNvSpPr txBox="1"/>
+          <p:nvPr/>
+        </p:nvSpPr>
+        <p:spPr>
+          <a:xfrm>
+            <a:off x="611560" y="2132856"/>
+            <a:ext cx="8229600" cy="400110"/>
+          </a:xfrm>
+          <a:prstGeom prst="rect">
+            <a:avLst/>
+          </a:prstGeom>
+          <a:noFill/>
+        </p:spPr>
+        <p:txBody>
+          <a:bodyPr>
+            <a:spAutoFit/>
+          </a:bodyPr>
+          <a:lstStyle/>
+          <a:p>
+            <a:pPr lvl="1">
+              <a:buFont typeface="Arial" panose="020B0604020202020204" pitchFamily="34" charset="0"/>
+              <a:buNone/>
+              <a:defRPr/>
+            </a:pPr>
+            <a:r>
+              <a:rPr lang="en-US" altLang="zh-CN" sz="2000" b="1" dirty="0" smtClean="0">
+                <a:solidFill>
+                  <a:srgbClr val="474747"/>
+                </a:solidFill>
+                <a:latin typeface="微软雅黑" pitchFamily="34" charset="-122"/>
+                <a:ea typeface="微软雅黑" pitchFamily="34" charset="-122"/>
+              </a:rPr>
+              <a:t>node </a:t>
+            </a:r>
+            <a:r>
+              <a:rPr lang="en-US" altLang="zh-CN" sz="2000" b="1" dirty="0" err="1" smtClean="0">
+                <a:solidFill>
+                  <a:srgbClr val="474747"/>
+                </a:solidFill>
+                <a:latin typeface="微软雅黑" pitchFamily="34" charset="-122"/>
+                <a:ea typeface="微软雅黑" pitchFamily="34" charset="-122"/>
+              </a:rPr>
+              <a:t>r.js</a:t>
+            </a:r>
+            <a:r>
+              <a:rPr lang="en-US" altLang="zh-CN" sz="2000" b="1" dirty="0" smtClean="0">
+                <a:solidFill>
+                  <a:srgbClr val="474747"/>
+                </a:solidFill>
+                <a:latin typeface="微软雅黑" pitchFamily="34" charset="-122"/>
+                <a:ea typeface="微软雅黑" pitchFamily="34" charset="-122"/>
+              </a:rPr>
+              <a:t> –o </a:t>
+            </a:r>
+            <a:r>
+              <a:rPr lang="en-US" altLang="zh-CN" sz="2000" b="1" dirty="0" err="1" smtClean="0">
+                <a:solidFill>
+                  <a:srgbClr val="474747"/>
+                </a:solidFill>
+                <a:latin typeface="微软雅黑" pitchFamily="34" charset="-122"/>
+                <a:ea typeface="微软雅黑" pitchFamily="34" charset="-122"/>
+              </a:rPr>
+              <a:t>app.build.js</a:t>
+            </a:r>
+            <a:endParaRPr lang="en-US" altLang="zh-CN" sz="2000" b="1" dirty="0" smtClean="0">
+              <a:solidFill>
+                <a:srgbClr val="474747"/>
+              </a:solidFill>
+              <a:latin typeface="微软雅黑" pitchFamily="34" charset="-122"/>
+              <a:ea typeface="微软雅黑" pitchFamily="34" charset="-122"/>
+            </a:endParaRPr>
+          </a:p>
+        </p:txBody>
+      </p:sp>
+      <p:pic>
+        <p:nvPicPr>
+          <p:cNvPr id="2050" name="Picture 2"/>
+          <p:cNvPicPr>
+            <a:picLocks noChangeAspect="1" noChangeArrowheads="1"/>
+          </p:cNvPicPr>
+          <p:nvPr/>
+        </p:nvPicPr>
+        <p:blipFill>
+          <a:blip r:embed="rId2" cstate="print"/>
+          <a:srcRect/>
+          <a:stretch>
+            <a:fillRect/>
+          </a:stretch>
+        </p:blipFill>
+        <p:spPr bwMode="auto">
+          <a:xfrm>
+            <a:off x="1115616" y="3356992"/>
+            <a:ext cx="6581775" cy="2114550"/>
+          </a:xfrm>
+          <a:prstGeom prst="rect">
+            <a:avLst/>
+          </a:prstGeom>
+          <a:noFill/>
+          <a:ln w="9525">
+            <a:noFill/>
+            <a:miter lim="800000"/>
+            <a:headEnd/>
+            <a:tailEnd/>
+          </a:ln>
+        </p:spPr>
+      </p:pic>
+      <p:sp>
+        <p:nvSpPr>
+          <p:cNvPr id="5" name="矩形 4"/>
+          <p:cNvSpPr/>
+          <p:nvPr/>
+        </p:nvSpPr>
+        <p:spPr>
+          <a:xfrm>
+            <a:off x="1115616" y="2924944"/>
+            <a:ext cx="1534394" cy="369332"/>
+          </a:xfrm>
+          <a:prstGeom prst="rect">
+            <a:avLst/>
+          </a:prstGeom>
+        </p:spPr>
+        <p:txBody>
+          <a:bodyPr wrap="none">
+            <a:spAutoFit/>
+          </a:bodyPr>
+          <a:lstStyle/>
+          <a:p>
+            <a:r>
+              <a:rPr lang="en-US" altLang="zh-CN" b="1" dirty="0" err="1" smtClean="0">
+                <a:solidFill>
+                  <a:srgbClr val="474747"/>
+                </a:solidFill>
+                <a:latin typeface="微软雅黑" pitchFamily="34" charset="-122"/>
+                <a:ea typeface="微软雅黑" pitchFamily="34" charset="-122"/>
+              </a:rPr>
+              <a:t>app.build.js</a:t>
+            </a:r>
+            <a:endParaRPr lang="zh-CN" altLang="en-US" dirty="0"/>
+          </a:p>
+        </p:txBody>
+      </p:sp>
+      <p:sp>
+        <p:nvSpPr>
+          <p:cNvPr id="6" name="圆角矩形 5"/>
+          <p:cNvSpPr/>
+          <p:nvPr/>
+        </p:nvSpPr>
+        <p:spPr>
+          <a:xfrm>
+            <a:off x="4572000" y="1628800"/>
+            <a:ext cx="2232248" cy="864096"/>
+          </a:xfrm>
+          <a:prstGeom prst="roundRect">
+            <a:avLst/>
+          </a:prstGeom>
+          <a:solidFill>
+            <a:srgbClr val="C9394A"/>
+          </a:solidFill>
+          <a:ln/>
+        </p:spPr>
+        <p:style>
+          <a:lnRef idx="3">
+            <a:schemeClr val="lt1"/>
+          </a:lnRef>
+          <a:fillRef idx="1">
+            <a:schemeClr val="accent4"/>
+          </a:fillRef>
+          <a:effectRef idx="1">
+            <a:schemeClr val="accent4"/>
+          </a:effectRef>
+          <a:fontRef idx="minor">
+            <a:schemeClr val="lt1"/>
+          </a:fontRef>
+        </p:style>
+        <p:txBody>
+          <a:bodyPr anchor="ctr"/>
+          <a:lstStyle/>
+          <a:p>
+            <a:pPr algn="ctr">
+              <a:buFont typeface="Arial" charset="0"/>
+              <a:buNone/>
+              <a:defRPr/>
+            </a:pPr>
+            <a:r>
+              <a:rPr lang="zh-CN" altLang="en-US" sz="1500" b="1" dirty="0" smtClean="0">
+                <a:solidFill>
+                  <a:schemeClr val="bg1"/>
+                </a:solidFill>
+                <a:latin typeface="微软雅黑" pitchFamily="34" charset="-122"/>
+                <a:ea typeface="微软雅黑" pitchFamily="34" charset="-122"/>
+              </a:rPr>
+              <a:t>要打包的根目录</a:t>
+            </a:r>
+            <a:endParaRPr lang="en-US" altLang="zh-CN" sz="1500" b="1" dirty="0" smtClean="0">
+              <a:solidFill>
+                <a:schemeClr val="bg1"/>
+              </a:solidFill>
+              <a:latin typeface="微软雅黑" pitchFamily="34" charset="-122"/>
+              <a:ea typeface="微软雅黑" pitchFamily="34" charset="-122"/>
+            </a:endParaRPr>
+          </a:p>
+        </p:txBody>
+      </p:sp>
+      <p:cxnSp>
+        <p:nvCxnSpPr>
+          <p:cNvPr id="7" name="直接箭头连接符 6"/>
+          <p:cNvCxnSpPr/>
+          <p:nvPr/>
+        </p:nvCxnSpPr>
+        <p:spPr>
+          <a:xfrm flipV="1">
+            <a:off x="2411760" y="2492896"/>
+            <a:ext cx="3096344" cy="1152128"/>
+          </a:xfrm>
+          <a:prstGeom prst="straightConnector1">
+            <a:avLst/>
+          </a:prstGeom>
+          <a:ln w="38100">
+            <a:solidFill>
+              <a:srgbClr val="C9394A"/>
+            </a:solidFill>
+            <a:tailEnd type="arrow"/>
+          </a:ln>
+        </p:spPr>
+        <p:style>
+          <a:lnRef idx="1">
+            <a:schemeClr val="accent1"/>
+          </a:lnRef>
+          <a:fillRef idx="0">
+            <a:schemeClr val="accent1"/>
+          </a:fillRef>
+          <a:effectRef idx="0">
+            <a:schemeClr val="accent1"/>
+          </a:effectRef>
+          <a:fontRef idx="minor">
+            <a:schemeClr val="tx1"/>
+          </a:fontRef>
+        </p:style>
+      </p:cxnSp>
+      <p:sp>
+        <p:nvSpPr>
+          <p:cNvPr id="10" name="圆角矩形 9"/>
+          <p:cNvSpPr/>
+          <p:nvPr/>
+        </p:nvSpPr>
+        <p:spPr>
+          <a:xfrm>
+            <a:off x="5436096" y="2564904"/>
+            <a:ext cx="2376264" cy="864096"/>
+          </a:xfrm>
+          <a:prstGeom prst="roundRect">
+            <a:avLst/>
+          </a:prstGeom>
+          <a:solidFill>
+            <a:srgbClr val="C9394A"/>
+          </a:solidFill>
+          <a:ln/>
+        </p:spPr>
+        <p:style>
+          <a:lnRef idx="3">
+            <a:schemeClr val="lt1"/>
+          </a:lnRef>
+          <a:fillRef idx="1">
+            <a:schemeClr val="accent4"/>
+          </a:fillRef>
+          <a:effectRef idx="1">
+            <a:schemeClr val="accent4"/>
+          </a:effectRef>
+          <a:fontRef idx="minor">
+            <a:schemeClr val="lt1"/>
+          </a:fontRef>
+        </p:style>
+        <p:txBody>
+          <a:bodyPr anchor="ctr"/>
+          <a:lstStyle/>
+          <a:p>
+            <a:pPr algn="ctr">
+              <a:buFont typeface="Arial" charset="0"/>
+              <a:buNone/>
+              <a:defRPr/>
+            </a:pPr>
+            <a:r>
+              <a:rPr lang="en-US" altLang="zh-CN" sz="1500" b="1" dirty="0" err="1" smtClean="0">
+                <a:solidFill>
+                  <a:schemeClr val="bg1"/>
+                </a:solidFill>
+                <a:latin typeface="微软雅黑" pitchFamily="34" charset="-122"/>
+                <a:ea typeface="微软雅黑" pitchFamily="34" charset="-122"/>
+              </a:rPr>
+              <a:t>j</a:t>
+            </a:r>
+            <a:r>
+              <a:rPr lang="en-US" altLang="zh-CN" sz="1500" b="1" dirty="0" err="1" smtClean="0">
+                <a:solidFill>
+                  <a:schemeClr val="bg1"/>
+                </a:solidFill>
+                <a:latin typeface="微软雅黑" pitchFamily="34" charset="-122"/>
+                <a:ea typeface="微软雅黑" pitchFamily="34" charset="-122"/>
+              </a:rPr>
+              <a:t>s</a:t>
+            </a:r>
+            <a:r>
+              <a:rPr lang="zh-CN" altLang="en-US" sz="1500" b="1" dirty="0" smtClean="0">
+                <a:solidFill>
+                  <a:schemeClr val="bg1"/>
+                </a:solidFill>
+                <a:latin typeface="微软雅黑" pitchFamily="34" charset="-122"/>
+                <a:ea typeface="微软雅黑" pitchFamily="34" charset="-122"/>
+              </a:rPr>
+              <a:t>文件在这个</a:t>
+            </a:r>
+            <a:r>
+              <a:rPr lang="en-US" altLang="zh-CN" sz="1500" b="1" dirty="0" err="1" smtClean="0">
+                <a:solidFill>
+                  <a:schemeClr val="bg1"/>
+                </a:solidFill>
+                <a:latin typeface="微软雅黑" pitchFamily="34" charset="-122"/>
+                <a:ea typeface="微软雅黑" pitchFamily="34" charset="-122"/>
+              </a:rPr>
+              <a:t>baseUrl</a:t>
+            </a:r>
+            <a:r>
+              <a:rPr lang="zh-CN" altLang="en-US" sz="1500" b="1" dirty="0" smtClean="0">
+                <a:solidFill>
+                  <a:schemeClr val="bg1"/>
+                </a:solidFill>
+                <a:latin typeface="微软雅黑" pitchFamily="34" charset="-122"/>
+                <a:ea typeface="微软雅黑" pitchFamily="34" charset="-122"/>
+              </a:rPr>
+              <a:t>下</a:t>
+            </a:r>
+            <a:endParaRPr lang="en-US" altLang="zh-CN" sz="1500" b="1" dirty="0" smtClean="0">
+              <a:solidFill>
+                <a:schemeClr val="bg1"/>
+              </a:solidFill>
+              <a:latin typeface="微软雅黑" pitchFamily="34" charset="-122"/>
+              <a:ea typeface="微软雅黑" pitchFamily="34" charset="-122"/>
+            </a:endParaRPr>
+          </a:p>
+        </p:txBody>
+      </p:sp>
+      <p:cxnSp>
+        <p:nvCxnSpPr>
+          <p:cNvPr id="11" name="直接箭头连接符 10"/>
+          <p:cNvCxnSpPr/>
+          <p:nvPr/>
+        </p:nvCxnSpPr>
+        <p:spPr>
+          <a:xfrm flipV="1">
+            <a:off x="2699792" y="2996952"/>
+            <a:ext cx="2664296" cy="1008112"/>
+          </a:xfrm>
+          <a:prstGeom prst="straightConnector1">
+            <a:avLst/>
+          </a:prstGeom>
+          <a:ln w="38100">
+            <a:solidFill>
+              <a:srgbClr val="C9394A"/>
+            </a:solidFill>
+            <a:tailEnd type="arrow"/>
+          </a:ln>
+        </p:spPr>
+        <p:style>
+          <a:lnRef idx="1">
+            <a:schemeClr val="accent1"/>
+          </a:lnRef>
+          <a:fillRef idx="0">
+            <a:schemeClr val="accent1"/>
+          </a:fillRef>
+          <a:effectRef idx="0">
+            <a:schemeClr val="accent1"/>
+          </a:effectRef>
+          <a:fontRef idx="minor">
+            <a:schemeClr val="tx1"/>
+          </a:fontRef>
+        </p:style>
+      </p:cxnSp>
+      <p:sp>
+        <p:nvSpPr>
+          <p:cNvPr id="13" name="圆角矩形 12"/>
+          <p:cNvSpPr/>
+          <p:nvPr/>
+        </p:nvSpPr>
+        <p:spPr>
+          <a:xfrm>
+            <a:off x="5436096" y="3501008"/>
+            <a:ext cx="2232248" cy="864096"/>
+          </a:xfrm>
+          <a:prstGeom prst="roundRect">
+            <a:avLst/>
+          </a:prstGeom>
+          <a:solidFill>
+            <a:srgbClr val="C9394A"/>
+          </a:solidFill>
+          <a:ln/>
+        </p:spPr>
+        <p:style>
+          <a:lnRef idx="3">
+            <a:schemeClr val="lt1"/>
+          </a:lnRef>
+          <a:fillRef idx="1">
+            <a:schemeClr val="accent4"/>
+          </a:fillRef>
+          <a:effectRef idx="1">
+            <a:schemeClr val="accent4"/>
+          </a:effectRef>
+          <a:fontRef idx="minor">
+            <a:schemeClr val="lt1"/>
+          </a:fontRef>
+        </p:style>
+        <p:txBody>
+          <a:bodyPr anchor="ctr"/>
+          <a:lstStyle/>
+          <a:p>
+            <a:pPr algn="ctr">
+              <a:buFont typeface="Arial" charset="0"/>
+              <a:buNone/>
+              <a:defRPr/>
+            </a:pPr>
+            <a:r>
+              <a:rPr lang="zh-CN" altLang="en-US" sz="1500" b="1" dirty="0" smtClean="0">
+                <a:solidFill>
+                  <a:schemeClr val="bg1"/>
+                </a:solidFill>
+                <a:latin typeface="微软雅黑" pitchFamily="34" charset="-122"/>
+                <a:ea typeface="微软雅黑" pitchFamily="34" charset="-122"/>
+              </a:rPr>
+              <a:t>打</a:t>
+            </a:r>
+            <a:r>
+              <a:rPr lang="zh-CN" altLang="en-US" sz="1500" b="1" dirty="0" smtClean="0">
+                <a:solidFill>
+                  <a:schemeClr val="bg1"/>
+                </a:solidFill>
+                <a:latin typeface="微软雅黑" pitchFamily="34" charset="-122"/>
+                <a:ea typeface="微软雅黑" pitchFamily="34" charset="-122"/>
+              </a:rPr>
+              <a:t>包后的输出目录</a:t>
+            </a:r>
+            <a:endParaRPr lang="en-US" altLang="zh-CN" sz="1500" b="1" dirty="0" smtClean="0">
+              <a:solidFill>
+                <a:schemeClr val="bg1"/>
+              </a:solidFill>
+              <a:latin typeface="微软雅黑" pitchFamily="34" charset="-122"/>
+              <a:ea typeface="微软雅黑" pitchFamily="34" charset="-122"/>
+            </a:endParaRPr>
+          </a:p>
+        </p:txBody>
+      </p:sp>
+      <p:cxnSp>
+        <p:nvCxnSpPr>
+          <p:cNvPr id="14" name="直接箭头连接符 13"/>
+          <p:cNvCxnSpPr>
+            <a:endCxn id="13" idx="1"/>
+          </p:cNvCxnSpPr>
+          <p:nvPr/>
+        </p:nvCxnSpPr>
+        <p:spPr>
+          <a:xfrm flipV="1">
+            <a:off x="2195736" y="3933056"/>
+            <a:ext cx="3240360" cy="432048"/>
+          </a:xfrm>
+          <a:prstGeom prst="straightConnector1">
+            <a:avLst/>
+          </a:prstGeom>
+          <a:ln w="38100">
+            <a:solidFill>
+              <a:srgbClr val="C9394A"/>
+            </a:solidFill>
+            <a:tailEnd type="arrow"/>
+          </a:ln>
+        </p:spPr>
+        <p:style>
+          <a:lnRef idx="1">
+            <a:schemeClr val="accent1"/>
+          </a:lnRef>
+          <a:fillRef idx="0">
+            <a:schemeClr val="accent1"/>
+          </a:fillRef>
+          <a:effectRef idx="0">
+            <a:schemeClr val="accent1"/>
+          </a:effectRef>
+          <a:fontRef idx="minor">
+            <a:schemeClr val="tx1"/>
+          </a:fontRef>
+        </p:style>
+      </p:cxnSp>
+      <p:sp>
+        <p:nvSpPr>
+          <p:cNvPr id="16" name="圆角矩形 15"/>
+          <p:cNvSpPr/>
+          <p:nvPr/>
+        </p:nvSpPr>
+        <p:spPr>
+          <a:xfrm>
+            <a:off x="5508104" y="5157192"/>
+            <a:ext cx="2232248" cy="864096"/>
+          </a:xfrm>
+          <a:prstGeom prst="roundRect">
+            <a:avLst/>
+          </a:prstGeom>
+          <a:solidFill>
+            <a:srgbClr val="C9394A"/>
+          </a:solidFill>
+          <a:ln/>
+        </p:spPr>
+        <p:style>
+          <a:lnRef idx="3">
+            <a:schemeClr val="lt1"/>
+          </a:lnRef>
+          <a:fillRef idx="1">
+            <a:schemeClr val="accent4"/>
+          </a:fillRef>
+          <a:effectRef idx="1">
+            <a:schemeClr val="accent4"/>
+          </a:effectRef>
+          <a:fontRef idx="minor">
+            <a:schemeClr val="lt1"/>
+          </a:fontRef>
+        </p:style>
+        <p:txBody>
+          <a:bodyPr anchor="ctr"/>
+          <a:lstStyle/>
+          <a:p>
+            <a:pPr algn="ctr">
+              <a:buFont typeface="Arial" charset="0"/>
+              <a:buNone/>
+              <a:defRPr/>
+            </a:pPr>
+            <a:r>
+              <a:rPr lang="en-US" altLang="zh-CN" sz="1500" b="1" dirty="0" err="1" smtClean="0">
+                <a:solidFill>
+                  <a:schemeClr val="bg1"/>
+                </a:solidFill>
+                <a:latin typeface="微软雅黑" pitchFamily="34" charset="-122"/>
+                <a:ea typeface="微软雅黑" pitchFamily="34" charset="-122"/>
+              </a:rPr>
+              <a:t>requirejs</a:t>
+            </a:r>
+            <a:r>
+              <a:rPr lang="zh-CN" altLang="en-US" sz="1500" b="1" dirty="0" smtClean="0">
+                <a:solidFill>
+                  <a:schemeClr val="bg1"/>
+                </a:solidFill>
+                <a:latin typeface="微软雅黑" pitchFamily="34" charset="-122"/>
+                <a:ea typeface="微软雅黑" pitchFamily="34" charset="-122"/>
+              </a:rPr>
+              <a:t>的配置文件</a:t>
+            </a:r>
+            <a:endParaRPr lang="en-US" altLang="zh-CN" sz="1500" b="1" dirty="0" smtClean="0">
+              <a:solidFill>
+                <a:schemeClr val="bg1"/>
+              </a:solidFill>
+              <a:latin typeface="微软雅黑" pitchFamily="34" charset="-122"/>
+              <a:ea typeface="微软雅黑" pitchFamily="34" charset="-122"/>
+            </a:endParaRPr>
+          </a:p>
+        </p:txBody>
+      </p:sp>
+      <p:cxnSp>
+        <p:nvCxnSpPr>
+          <p:cNvPr id="17" name="直接箭头连接符 16"/>
+          <p:cNvCxnSpPr>
+            <a:endCxn id="16" idx="1"/>
+          </p:cNvCxnSpPr>
+          <p:nvPr/>
+        </p:nvCxnSpPr>
+        <p:spPr>
+          <a:xfrm>
+            <a:off x="3419872" y="4725144"/>
+            <a:ext cx="2088232" cy="864096"/>
+          </a:xfrm>
+          <a:prstGeom prst="straightConnector1">
+            <a:avLst/>
+          </a:prstGeom>
+          <a:ln w="38100">
+            <a:solidFill>
+              <a:srgbClr val="C9394A"/>
+            </a:solidFill>
+            <a:tailEnd type="arrow"/>
+          </a:ln>
+        </p:spPr>
+        <p:style>
+          <a:lnRef idx="1">
+            <a:schemeClr val="accent1"/>
+          </a:lnRef>
+          <a:fillRef idx="0">
+            <a:schemeClr val="accent1"/>
+          </a:fillRef>
+          <a:effectRef idx="0">
+            <a:schemeClr val="accent1"/>
+          </a:effectRef>
+          <a:fontRef idx="minor">
+            <a:schemeClr val="tx1"/>
+          </a:fontRef>
+        </p:style>
+      </p:cxnSp>
+    </p:spTree>
+  </p:cSld>
+  <p:clrMapOvr>
+    <a:masterClrMapping/>
+  </p:clrMapOvr>
+  <p:timing>
+    <p:tnLst>
+      <p:par>
+        <p:cTn id="1" dur="indefinite" restart="never" nodeType="tmRoot">
+          <p:childTnLst>
+            <p:seq concurrent="1" nextAc="seek">
+              <p:cTn id="2" dur="indefinite" nodeType="mainSeq">
+                <p:childTnLst>
+                  <p:par>
+                    <p:cTn id="3" fill="hold">
+                      <p:stCondLst>
+                        <p:cond delay="indefinite"/>
+                      </p:stCondLst>
+                      <p:childTnLst>
+                        <p:par>
+                          <p:cTn id="4" fill="hold">
+                            <p:stCondLst>
+                              <p:cond delay="0"/>
+                            </p:stCondLst>
+                            <p:childTnLst>
+                              <p:par>
+                                <p:cTn id="5" presetID="2" presetClass="entr" presetSubtype="4" fill="hold" grpId="0" nodeType="clickEffect">
+                                  <p:stCondLst>
+                                    <p:cond delay="0"/>
+                                  </p:stCondLst>
+                                  <p:childTnLst>
+                                    <p:set>
+                                      <p:cBhvr>
+                                        <p:cTn id="6" dur="1" fill="hold">
+                                          <p:stCondLst>
+                                            <p:cond delay="0"/>
+                                          </p:stCondLst>
+                                        </p:cTn>
+                                        <p:tgtEl>
+                                          <p:spTgt spid="2">
+                                            <p:txEl>
+                                              <p:pRg st="0" end="0"/>
+                                            </p:txEl>
+                                          </p:spTgt>
+                                        </p:tgtEl>
+                                        <p:attrNameLst>
+                                          <p:attrName>style.visibility</p:attrName>
+                                        </p:attrNameLst>
+                                      </p:cBhvr>
+                                      <p:to>
+                                        <p:strVal val="visible"/>
+                                      </p:to>
+                                    </p:set>
+                                    <p:anim calcmode="lin" valueType="num">
+                                      <p:cBhvr additive="base">
+                                        <p:cTn id="7" dur="300" fill="hold"/>
+                                        <p:tgtEl>
+                                          <p:spTgt spid="2">
+                                            <p:txEl>
+                                              <p:pRg st="0" end="0"/>
+                                            </p:txEl>
+                                          </p:spTgt>
+                                        </p:tgtEl>
+                                        <p:attrNameLst>
+                                          <p:attrName>ppt_x</p:attrName>
+                                        </p:attrNameLst>
+                                      </p:cBhvr>
+                                      <p:tavLst>
+                                        <p:tav tm="0">
+                                          <p:val>
+                                            <p:strVal val="#ppt_x"/>
+                                          </p:val>
+                                        </p:tav>
+                                        <p:tav tm="100000">
+                                          <p:val>
+                                            <p:strVal val="#ppt_x"/>
+                                          </p:val>
+                                        </p:tav>
+                                      </p:tavLst>
+                                    </p:anim>
+                                    <p:anim calcmode="lin" valueType="num">
+                                      <p:cBhvr additive="base">
+                                        <p:cTn id="8" dur="300" fill="hold"/>
+                                        <p:tgtEl>
+                                          <p:spTgt spid="2">
+                                            <p:txEl>
+                                              <p:pRg st="0" end="0"/>
+                                            </p:txEl>
+                                          </p:spTgt>
+                                        </p:tgtEl>
+                                        <p:attrNameLst>
+                                          <p:attrName>ppt_y</p:attrName>
+                                        </p:attrNameLst>
+                                      </p:cBhvr>
+                                      <p:tavLst>
+                                        <p:tav tm="0">
+                                          <p:val>
+                                            <p:strVal val="1+#ppt_h/2"/>
+                                          </p:val>
+                                        </p:tav>
+                                        <p:tav tm="100000">
+                                          <p:val>
+                                            <p:strVal val="#ppt_y"/>
+                                          </p:val>
+                                        </p:tav>
+                                      </p:tavLst>
+                                    </p:anim>
+                                  </p:childTnLst>
+                                </p:cTn>
+                              </p:par>
+                            </p:childTnLst>
+                          </p:cTn>
+                        </p:par>
+                      </p:childTnLst>
+                    </p:cTn>
+                  </p:par>
+                  <p:par>
+                    <p:cTn id="9" fill="hold">
+                      <p:stCondLst>
+                        <p:cond delay="indefinite"/>
+                      </p:stCondLst>
+                      <p:childTnLst>
+                        <p:par>
+                          <p:cTn id="10" fill="hold">
+                            <p:stCondLst>
+                              <p:cond delay="0"/>
+                            </p:stCondLst>
+                            <p:childTnLst>
+                              <p:par>
+                                <p:cTn id="11" presetID="2" presetClass="entr" presetSubtype="4" fill="hold" grpId="0" nodeType="clickEffect">
+                                  <p:stCondLst>
+                                    <p:cond delay="0"/>
+                                  </p:stCondLst>
+                                  <p:childTnLst>
+                                    <p:set>
+                                      <p:cBhvr>
+                                        <p:cTn id="12" dur="1" fill="hold">
+                                          <p:stCondLst>
+                                            <p:cond delay="0"/>
+                                          </p:stCondLst>
+                                        </p:cTn>
+                                        <p:tgtEl>
+                                          <p:spTgt spid="3"/>
+                                        </p:tgtEl>
+                                        <p:attrNameLst>
+                                          <p:attrName>style.visibility</p:attrName>
+                                        </p:attrNameLst>
+                                      </p:cBhvr>
+                                      <p:to>
+                                        <p:strVal val="visible"/>
+                                      </p:to>
+                                    </p:set>
+                                    <p:anim calcmode="lin" valueType="num">
+                                      <p:cBhvr additive="base">
+                                        <p:cTn id="13" dur="300" fill="hold"/>
+                                        <p:tgtEl>
+                                          <p:spTgt spid="3"/>
+                                        </p:tgtEl>
+                                        <p:attrNameLst>
+                                          <p:attrName>ppt_x</p:attrName>
+                                        </p:attrNameLst>
+                                      </p:cBhvr>
+                                      <p:tavLst>
+                                        <p:tav tm="0">
+                                          <p:val>
+                                            <p:strVal val="#ppt_x"/>
+                                          </p:val>
+                                        </p:tav>
+                                        <p:tav tm="100000">
+                                          <p:val>
+                                            <p:strVal val="#ppt_x"/>
+                                          </p:val>
+                                        </p:tav>
+                                      </p:tavLst>
+                                    </p:anim>
+                                    <p:anim calcmode="lin" valueType="num">
+                                      <p:cBhvr additive="base">
+                                        <p:cTn id="14" dur="300" fill="hold"/>
+                                        <p:tgtEl>
+                                          <p:spTgt spid="3"/>
+                                        </p:tgtEl>
+                                        <p:attrNameLst>
+                                          <p:attrName>ppt_y</p:attrName>
+                                        </p:attrNameLst>
+                                      </p:cBhvr>
+                                      <p:tavLst>
+                                        <p:tav tm="0">
+                                          <p:val>
+                                            <p:strVal val="1+#ppt_h/2"/>
+                                          </p:val>
+                                        </p:tav>
+                                        <p:tav tm="100000">
+                                          <p:val>
+                                            <p:strVal val="#ppt_y"/>
+                                          </p:val>
+                                        </p:tav>
+                                      </p:tavLst>
+                                    </p:anim>
+                                  </p:childTnLst>
+                                </p:cTn>
+                              </p:par>
+                            </p:childTnLst>
+                          </p:cTn>
+                        </p:par>
+                      </p:childTnLst>
+                    </p:cTn>
+                  </p:par>
+                  <p:par>
+                    <p:cTn id="15" fill="hold">
+                      <p:stCondLst>
+                        <p:cond delay="indefinite"/>
+                      </p:stCondLst>
+                      <p:childTnLst>
+                        <p:par>
+                          <p:cTn id="16" fill="hold">
+                            <p:stCondLst>
+                              <p:cond delay="0"/>
+                            </p:stCondLst>
+                            <p:childTnLst>
+                              <p:par>
+                                <p:cTn id="17" presetID="2" presetClass="entr" presetSubtype="4" fill="hold" grpId="0" nodeType="clickEffect">
+                                  <p:stCondLst>
+                                    <p:cond delay="0"/>
+                                  </p:stCondLst>
+                                  <p:childTnLst>
+                                    <p:set>
+                                      <p:cBhvr>
+                                        <p:cTn id="18" dur="1" fill="hold">
+                                          <p:stCondLst>
+                                            <p:cond delay="0"/>
+                                          </p:stCondLst>
+                                        </p:cTn>
+                                        <p:tgtEl>
+                                          <p:spTgt spid="5"/>
+                                        </p:tgtEl>
+                                        <p:attrNameLst>
+                                          <p:attrName>style.visibility</p:attrName>
+                                        </p:attrNameLst>
+                                      </p:cBhvr>
+                                      <p:to>
+                                        <p:strVal val="visible"/>
+                                      </p:to>
+                                    </p:set>
+                                    <p:anim calcmode="lin" valueType="num">
+                                      <p:cBhvr additive="base">
+                                        <p:cTn id="19" dur="300" fill="hold"/>
+                                        <p:tgtEl>
+                                          <p:spTgt spid="5"/>
+                                        </p:tgtEl>
+                                        <p:attrNameLst>
+                                          <p:attrName>ppt_x</p:attrName>
+                                        </p:attrNameLst>
+                                      </p:cBhvr>
+                                      <p:tavLst>
+                                        <p:tav tm="0">
+                                          <p:val>
+                                            <p:strVal val="#ppt_x"/>
+                                          </p:val>
+                                        </p:tav>
+                                        <p:tav tm="100000">
+                                          <p:val>
+                                            <p:strVal val="#ppt_x"/>
+                                          </p:val>
+                                        </p:tav>
+                                      </p:tavLst>
+                                    </p:anim>
+                                    <p:anim calcmode="lin" valueType="num">
+                                      <p:cBhvr additive="base">
+                                        <p:cTn id="20" dur="300" fill="hold"/>
+                                        <p:tgtEl>
+                                          <p:spTgt spid="5"/>
+                                        </p:tgtEl>
+                                        <p:attrNameLst>
+                                          <p:attrName>ppt_y</p:attrName>
+                                        </p:attrNameLst>
+                                      </p:cBhvr>
+                                      <p:tavLst>
+                                        <p:tav tm="0">
+                                          <p:val>
+                                            <p:strVal val="1+#ppt_h/2"/>
+                                          </p:val>
+                                        </p:tav>
+                                        <p:tav tm="100000">
+                                          <p:val>
+                                            <p:strVal val="#ppt_y"/>
+                                          </p:val>
+                                        </p:tav>
+                                      </p:tavLst>
+                                    </p:anim>
+                                  </p:childTnLst>
+                                </p:cTn>
+                              </p:par>
+                              <p:par>
+                                <p:cTn id="21" presetID="2" presetClass="entr" presetSubtype="4" fill="hold" nodeType="withEffect">
+                                  <p:stCondLst>
+                                    <p:cond delay="0"/>
+                                  </p:stCondLst>
+                                  <p:childTnLst>
+                                    <p:set>
+                                      <p:cBhvr>
+                                        <p:cTn id="22" dur="1" fill="hold">
+                                          <p:stCondLst>
+                                            <p:cond delay="0"/>
+                                          </p:stCondLst>
+                                        </p:cTn>
+                                        <p:tgtEl>
+                                          <p:spTgt spid="2050"/>
+                                        </p:tgtEl>
+                                        <p:attrNameLst>
+                                          <p:attrName>style.visibility</p:attrName>
+                                        </p:attrNameLst>
+                                      </p:cBhvr>
+                                      <p:to>
+                                        <p:strVal val="visible"/>
+                                      </p:to>
+                                    </p:set>
+                                    <p:anim calcmode="lin" valueType="num">
+                                      <p:cBhvr additive="base">
+                                        <p:cTn id="23" dur="300" fill="hold"/>
+                                        <p:tgtEl>
+                                          <p:spTgt spid="2050"/>
+                                        </p:tgtEl>
+                                        <p:attrNameLst>
+                                          <p:attrName>ppt_x</p:attrName>
+                                        </p:attrNameLst>
+                                      </p:cBhvr>
+                                      <p:tavLst>
+                                        <p:tav tm="0">
+                                          <p:val>
+                                            <p:strVal val="#ppt_x"/>
+                                          </p:val>
+                                        </p:tav>
+                                        <p:tav tm="100000">
+                                          <p:val>
+                                            <p:strVal val="#ppt_x"/>
+                                          </p:val>
+                                        </p:tav>
+                                      </p:tavLst>
+                                    </p:anim>
+                                    <p:anim calcmode="lin" valueType="num">
+                                      <p:cBhvr additive="base">
+                                        <p:cTn id="24" dur="300" fill="hold"/>
+                                        <p:tgtEl>
+                                          <p:spTgt spid="2050"/>
+                                        </p:tgtEl>
+                                        <p:attrNameLst>
+                                          <p:attrName>ppt_y</p:attrName>
+                                        </p:attrNameLst>
+                                      </p:cBhvr>
+                                      <p:tavLst>
+                                        <p:tav tm="0">
+                                          <p:val>
+                                            <p:strVal val="1+#ppt_h/2"/>
+                                          </p:val>
+                                        </p:tav>
+                                        <p:tav tm="100000">
+                                          <p:val>
+                                            <p:strVal val="#ppt_y"/>
+                                          </p:val>
+                                        </p:tav>
+                                      </p:tavLst>
+                                    </p:anim>
+                                  </p:childTnLst>
+                                </p:cTn>
+                              </p:par>
+                            </p:childTnLst>
+                          </p:cTn>
+                        </p:par>
+                      </p:childTnLst>
+                    </p:cTn>
+                  </p:par>
+                  <p:par>
+                    <p:cTn id="25" fill="hold">
+                      <p:stCondLst>
+                        <p:cond delay="indefinite"/>
+                      </p:stCondLst>
+                      <p:childTnLst>
+                        <p:par>
+                          <p:cTn id="26" fill="hold">
+                            <p:stCondLst>
+                              <p:cond delay="0"/>
+                            </p:stCondLst>
+                            <p:childTnLst>
+                              <p:par>
+                                <p:cTn id="27" presetID="2" presetClass="entr" presetSubtype="4" fill="hold" grpId="0" nodeType="clickEffect">
+                                  <p:stCondLst>
+                                    <p:cond delay="0"/>
+                                  </p:stCondLst>
+                                  <p:childTnLst>
+                                    <p:set>
+                                      <p:cBhvr>
+                                        <p:cTn id="28" dur="1" fill="hold">
+                                          <p:stCondLst>
+                                            <p:cond delay="0"/>
+                                          </p:stCondLst>
+                                        </p:cTn>
+                                        <p:tgtEl>
+                                          <p:spTgt spid="6"/>
+                                        </p:tgtEl>
+                                        <p:attrNameLst>
+                                          <p:attrName>style.visibility</p:attrName>
+                                        </p:attrNameLst>
+                                      </p:cBhvr>
+                                      <p:to>
+                                        <p:strVal val="visible"/>
+                                      </p:to>
+                                    </p:set>
+                                    <p:anim calcmode="lin" valueType="num">
+                                      <p:cBhvr additive="base">
+                                        <p:cTn id="29" dur="300" fill="hold"/>
+                                        <p:tgtEl>
+                                          <p:spTgt spid="6"/>
+                                        </p:tgtEl>
+                                        <p:attrNameLst>
+                                          <p:attrName>ppt_x</p:attrName>
+                                        </p:attrNameLst>
+                                      </p:cBhvr>
+                                      <p:tavLst>
+                                        <p:tav tm="0">
+                                          <p:val>
+                                            <p:strVal val="#ppt_x"/>
+                                          </p:val>
+                                        </p:tav>
+                                        <p:tav tm="100000">
+                                          <p:val>
+                                            <p:strVal val="#ppt_x"/>
+                                          </p:val>
+                                        </p:tav>
+                                      </p:tavLst>
+                                    </p:anim>
+                                    <p:anim calcmode="lin" valueType="num">
+                                      <p:cBhvr additive="base">
+                                        <p:cTn id="30" dur="300" fill="hold"/>
+                                        <p:tgtEl>
+                                          <p:spTgt spid="6"/>
+                                        </p:tgtEl>
+                                        <p:attrNameLst>
+                                          <p:attrName>ppt_y</p:attrName>
+                                        </p:attrNameLst>
+                                      </p:cBhvr>
+                                      <p:tavLst>
+                                        <p:tav tm="0">
+                                          <p:val>
+                                            <p:strVal val="1+#ppt_h/2"/>
+                                          </p:val>
+                                        </p:tav>
+                                        <p:tav tm="100000">
+                                          <p:val>
+                                            <p:strVal val="#ppt_y"/>
+                                          </p:val>
+                                        </p:tav>
+                                      </p:tavLst>
+                                    </p:anim>
+                                  </p:childTnLst>
+                                </p:cTn>
+                              </p:par>
+                              <p:par>
+                                <p:cTn id="31" presetID="2" presetClass="entr" presetSubtype="4" fill="hold" nodeType="withEffect">
+                                  <p:stCondLst>
+                                    <p:cond delay="0"/>
+                                  </p:stCondLst>
+                                  <p:childTnLst>
+                                    <p:set>
+                                      <p:cBhvr>
+                                        <p:cTn id="32" dur="1" fill="hold">
+                                          <p:stCondLst>
+                                            <p:cond delay="0"/>
+                                          </p:stCondLst>
+                                        </p:cTn>
+                                        <p:tgtEl>
+                                          <p:spTgt spid="7"/>
+                                        </p:tgtEl>
+                                        <p:attrNameLst>
+                                          <p:attrName>style.visibility</p:attrName>
+                                        </p:attrNameLst>
+                                      </p:cBhvr>
+                                      <p:to>
+                                        <p:strVal val="visible"/>
+                                      </p:to>
+                                    </p:set>
+                                    <p:anim calcmode="lin" valueType="num">
+                                      <p:cBhvr additive="base">
+                                        <p:cTn id="33" dur="300" fill="hold"/>
+                                        <p:tgtEl>
+                                          <p:spTgt spid="7"/>
+                                        </p:tgtEl>
+                                        <p:attrNameLst>
+                                          <p:attrName>ppt_x</p:attrName>
+                                        </p:attrNameLst>
+                                      </p:cBhvr>
+                                      <p:tavLst>
+                                        <p:tav tm="0">
+                                          <p:val>
+                                            <p:strVal val="#ppt_x"/>
+                                          </p:val>
+                                        </p:tav>
+                                        <p:tav tm="100000">
+                                          <p:val>
+                                            <p:strVal val="#ppt_x"/>
+                                          </p:val>
+                                        </p:tav>
+                                      </p:tavLst>
+                                    </p:anim>
+                                    <p:anim calcmode="lin" valueType="num">
+                                      <p:cBhvr additive="base">
+                                        <p:cTn id="34" dur="300" fill="hold"/>
+                                        <p:tgtEl>
+                                          <p:spTgt spid="7"/>
+                                        </p:tgtEl>
+                                        <p:attrNameLst>
+                                          <p:attrName>ppt_y</p:attrName>
+                                        </p:attrNameLst>
+                                      </p:cBhvr>
+                                      <p:tavLst>
+                                        <p:tav tm="0">
+                                          <p:val>
+                                            <p:strVal val="1+#ppt_h/2"/>
+                                          </p:val>
+                                        </p:tav>
+                                        <p:tav tm="100000">
+                                          <p:val>
+                                            <p:strVal val="#ppt_y"/>
+                                          </p:val>
+                                        </p:tav>
+                                      </p:tavLst>
+                                    </p:anim>
+                                  </p:childTnLst>
+                                </p:cTn>
+                              </p:par>
+                            </p:childTnLst>
+                          </p:cTn>
+                        </p:par>
+                      </p:childTnLst>
+                    </p:cTn>
+                  </p:par>
+                  <p:par>
+                    <p:cTn id="35" fill="hold">
+                      <p:stCondLst>
+                        <p:cond delay="indefinite"/>
+                      </p:stCondLst>
+                      <p:childTnLst>
+                        <p:par>
+                          <p:cTn id="36" fill="hold">
+                            <p:stCondLst>
+                              <p:cond delay="0"/>
+                            </p:stCondLst>
+                            <p:childTnLst>
+                              <p:par>
+                                <p:cTn id="37" presetID="2" presetClass="entr" presetSubtype="4" fill="hold" grpId="0" nodeType="clickEffect">
+                                  <p:stCondLst>
+                                    <p:cond delay="0"/>
+                                  </p:stCondLst>
+                                  <p:childTnLst>
+                                    <p:set>
+                                      <p:cBhvr>
+                                        <p:cTn id="38" dur="1" fill="hold">
+                                          <p:stCondLst>
+                                            <p:cond delay="0"/>
+                                          </p:stCondLst>
+                                        </p:cTn>
+                                        <p:tgtEl>
+                                          <p:spTgt spid="10"/>
+                                        </p:tgtEl>
+                                        <p:attrNameLst>
+                                          <p:attrName>style.visibility</p:attrName>
+                                        </p:attrNameLst>
+                                      </p:cBhvr>
+                                      <p:to>
+                                        <p:strVal val="visible"/>
+                                      </p:to>
+                                    </p:set>
+                                    <p:anim calcmode="lin" valueType="num">
+                                      <p:cBhvr additive="base">
+                                        <p:cTn id="39" dur="300" fill="hold"/>
+                                        <p:tgtEl>
+                                          <p:spTgt spid="10"/>
+                                        </p:tgtEl>
+                                        <p:attrNameLst>
+                                          <p:attrName>ppt_x</p:attrName>
+                                        </p:attrNameLst>
+                                      </p:cBhvr>
+                                      <p:tavLst>
+                                        <p:tav tm="0">
+                                          <p:val>
+                                            <p:strVal val="#ppt_x"/>
+                                          </p:val>
+                                        </p:tav>
+                                        <p:tav tm="100000">
+                                          <p:val>
+                                            <p:strVal val="#ppt_x"/>
+                                          </p:val>
+                                        </p:tav>
+                                      </p:tavLst>
+                                    </p:anim>
+                                    <p:anim calcmode="lin" valueType="num">
+                                      <p:cBhvr additive="base">
+                                        <p:cTn id="40" dur="300" fill="hold"/>
+                                        <p:tgtEl>
+                                          <p:spTgt spid="10"/>
+                                        </p:tgtEl>
+                                        <p:attrNameLst>
+                                          <p:attrName>ppt_y</p:attrName>
+                                        </p:attrNameLst>
+                                      </p:cBhvr>
+                                      <p:tavLst>
+                                        <p:tav tm="0">
+                                          <p:val>
+                                            <p:strVal val="1+#ppt_h/2"/>
+                                          </p:val>
+                                        </p:tav>
+                                        <p:tav tm="100000">
+                                          <p:val>
+                                            <p:strVal val="#ppt_y"/>
+                                          </p:val>
+                                        </p:tav>
+                                      </p:tavLst>
+                                    </p:anim>
+                                  </p:childTnLst>
+                                </p:cTn>
+                              </p:par>
+                              <p:par>
+                                <p:cTn id="41" presetID="2" presetClass="entr" presetSubtype="4" fill="hold" nodeType="withEffect">
+                                  <p:stCondLst>
+                                    <p:cond delay="0"/>
+                                  </p:stCondLst>
+                                  <p:childTnLst>
+                                    <p:set>
+                                      <p:cBhvr>
+                                        <p:cTn id="42" dur="1" fill="hold">
+                                          <p:stCondLst>
+                                            <p:cond delay="0"/>
+                                          </p:stCondLst>
+                                        </p:cTn>
+                                        <p:tgtEl>
+                                          <p:spTgt spid="11"/>
+                                        </p:tgtEl>
+                                        <p:attrNameLst>
+                                          <p:attrName>style.visibility</p:attrName>
+                                        </p:attrNameLst>
+                                      </p:cBhvr>
+                                      <p:to>
+                                        <p:strVal val="visible"/>
+                                      </p:to>
+                                    </p:set>
+                                    <p:anim calcmode="lin" valueType="num">
+                                      <p:cBhvr additive="base">
+                                        <p:cTn id="43" dur="300" fill="hold"/>
+                                        <p:tgtEl>
+                                          <p:spTgt spid="11"/>
+                                        </p:tgtEl>
+                                        <p:attrNameLst>
+                                          <p:attrName>ppt_x</p:attrName>
+                                        </p:attrNameLst>
+                                      </p:cBhvr>
+                                      <p:tavLst>
+                                        <p:tav tm="0">
+                                          <p:val>
+                                            <p:strVal val="#ppt_x"/>
+                                          </p:val>
+                                        </p:tav>
+                                        <p:tav tm="100000">
+                                          <p:val>
+                                            <p:strVal val="#ppt_x"/>
+                                          </p:val>
+                                        </p:tav>
+                                      </p:tavLst>
+                                    </p:anim>
+                                    <p:anim calcmode="lin" valueType="num">
+                                      <p:cBhvr additive="base">
+                                        <p:cTn id="44" dur="300" fill="hold"/>
+                                        <p:tgtEl>
+                                          <p:spTgt spid="11"/>
+                                        </p:tgtEl>
+                                        <p:attrNameLst>
+                                          <p:attrName>ppt_y</p:attrName>
+                                        </p:attrNameLst>
+                                      </p:cBhvr>
+                                      <p:tavLst>
+                                        <p:tav tm="0">
+                                          <p:val>
+                                            <p:strVal val="1+#ppt_h/2"/>
+                                          </p:val>
+                                        </p:tav>
+                                        <p:tav tm="100000">
+                                          <p:val>
+                                            <p:strVal val="#ppt_y"/>
+                                          </p:val>
+                                        </p:tav>
+                                      </p:tavLst>
+                                    </p:anim>
+                                  </p:childTnLst>
+                                </p:cTn>
+                              </p:par>
+                            </p:childTnLst>
+                          </p:cTn>
+                        </p:par>
+                      </p:childTnLst>
+                    </p:cTn>
+                  </p:par>
+                  <p:par>
+                    <p:cTn id="45" fill="hold">
+                      <p:stCondLst>
+                        <p:cond delay="indefinite"/>
+                      </p:stCondLst>
+                      <p:childTnLst>
+                        <p:par>
+                          <p:cTn id="46" fill="hold">
+                            <p:stCondLst>
+                              <p:cond delay="0"/>
+                            </p:stCondLst>
+                            <p:childTnLst>
+                              <p:par>
+                                <p:cTn id="47" presetID="2" presetClass="entr" presetSubtype="4" fill="hold" grpId="0" nodeType="clickEffect">
+                                  <p:stCondLst>
+                                    <p:cond delay="0"/>
+                                  </p:stCondLst>
+                                  <p:childTnLst>
+                                    <p:set>
+                                      <p:cBhvr>
+                                        <p:cTn id="48" dur="1" fill="hold">
+                                          <p:stCondLst>
+                                            <p:cond delay="0"/>
+                                          </p:stCondLst>
+                                        </p:cTn>
+                                        <p:tgtEl>
+                                          <p:spTgt spid="13"/>
+                                        </p:tgtEl>
+                                        <p:attrNameLst>
+                                          <p:attrName>style.visibility</p:attrName>
+                                        </p:attrNameLst>
+                                      </p:cBhvr>
+                                      <p:to>
+                                        <p:strVal val="visible"/>
+                                      </p:to>
+                                    </p:set>
+                                    <p:anim calcmode="lin" valueType="num">
+                                      <p:cBhvr additive="base">
+                                        <p:cTn id="49" dur="300" fill="hold"/>
+                                        <p:tgtEl>
+                                          <p:spTgt spid="13"/>
+                                        </p:tgtEl>
+                                        <p:attrNameLst>
+                                          <p:attrName>ppt_x</p:attrName>
+                                        </p:attrNameLst>
+                                      </p:cBhvr>
+                                      <p:tavLst>
+                                        <p:tav tm="0">
+                                          <p:val>
+                                            <p:strVal val="#ppt_x"/>
+                                          </p:val>
+                                        </p:tav>
+                                        <p:tav tm="100000">
+                                          <p:val>
+                                            <p:strVal val="#ppt_x"/>
+                                          </p:val>
+                                        </p:tav>
+                                      </p:tavLst>
+                                    </p:anim>
+                                    <p:anim calcmode="lin" valueType="num">
+                                      <p:cBhvr additive="base">
+                                        <p:cTn id="50" dur="300" fill="hold"/>
+                                        <p:tgtEl>
+                                          <p:spTgt spid="13"/>
+                                        </p:tgtEl>
+                                        <p:attrNameLst>
+                                          <p:attrName>ppt_y</p:attrName>
+                                        </p:attrNameLst>
+                                      </p:cBhvr>
+                                      <p:tavLst>
+                                        <p:tav tm="0">
+                                          <p:val>
+                                            <p:strVal val="1+#ppt_h/2"/>
+                                          </p:val>
+                                        </p:tav>
+                                        <p:tav tm="100000">
+                                          <p:val>
+                                            <p:strVal val="#ppt_y"/>
+                                          </p:val>
+                                        </p:tav>
+                                      </p:tavLst>
+                                    </p:anim>
+                                  </p:childTnLst>
+                                </p:cTn>
+                              </p:par>
+                              <p:par>
+                                <p:cTn id="51" presetID="2" presetClass="entr" presetSubtype="4" fill="hold" nodeType="withEffect">
+                                  <p:stCondLst>
+                                    <p:cond delay="0"/>
+                                  </p:stCondLst>
+                                  <p:childTnLst>
+                                    <p:set>
+                                      <p:cBhvr>
+                                        <p:cTn id="52" dur="1" fill="hold">
+                                          <p:stCondLst>
+                                            <p:cond delay="0"/>
+                                          </p:stCondLst>
+                                        </p:cTn>
+                                        <p:tgtEl>
+                                          <p:spTgt spid="14"/>
+                                        </p:tgtEl>
+                                        <p:attrNameLst>
+                                          <p:attrName>style.visibility</p:attrName>
+                                        </p:attrNameLst>
+                                      </p:cBhvr>
+                                      <p:to>
+                                        <p:strVal val="visible"/>
+                                      </p:to>
+                                    </p:set>
+                                    <p:anim calcmode="lin" valueType="num">
+                                      <p:cBhvr additive="base">
+                                        <p:cTn id="53" dur="300" fill="hold"/>
+                                        <p:tgtEl>
+                                          <p:spTgt spid="14"/>
+                                        </p:tgtEl>
+                                        <p:attrNameLst>
+                                          <p:attrName>ppt_x</p:attrName>
+                                        </p:attrNameLst>
+                                      </p:cBhvr>
+                                      <p:tavLst>
+                                        <p:tav tm="0">
+                                          <p:val>
+                                            <p:strVal val="#ppt_x"/>
+                                          </p:val>
+                                        </p:tav>
+                                        <p:tav tm="100000">
+                                          <p:val>
+                                            <p:strVal val="#ppt_x"/>
+                                          </p:val>
+                                        </p:tav>
+                                      </p:tavLst>
+                                    </p:anim>
+                                    <p:anim calcmode="lin" valueType="num">
+                                      <p:cBhvr additive="base">
+                                        <p:cTn id="54" dur="300" fill="hold"/>
+                                        <p:tgtEl>
+                                          <p:spTgt spid="14"/>
+                                        </p:tgtEl>
+                                        <p:attrNameLst>
+                                          <p:attrName>ppt_y</p:attrName>
+                                        </p:attrNameLst>
+                                      </p:cBhvr>
+                                      <p:tavLst>
+                                        <p:tav tm="0">
+                                          <p:val>
+                                            <p:strVal val="1+#ppt_h/2"/>
+                                          </p:val>
+                                        </p:tav>
+                                        <p:tav tm="100000">
+                                          <p:val>
+                                            <p:strVal val="#ppt_y"/>
+                                          </p:val>
+                                        </p:tav>
+                                      </p:tavLst>
+                                    </p:anim>
+                                  </p:childTnLst>
+                                </p:cTn>
+                              </p:par>
+                            </p:childTnLst>
+                          </p:cTn>
+                        </p:par>
+                      </p:childTnLst>
+                    </p:cTn>
+                  </p:par>
+                  <p:par>
+                    <p:cTn id="55" fill="hold">
+                      <p:stCondLst>
+                        <p:cond delay="indefinite"/>
+                      </p:stCondLst>
+                      <p:childTnLst>
+                        <p:par>
+                          <p:cTn id="56" fill="hold">
+                            <p:stCondLst>
+                              <p:cond delay="0"/>
+                            </p:stCondLst>
+                            <p:childTnLst>
+                              <p:par>
+                                <p:cTn id="57" presetID="2" presetClass="entr" presetSubtype="4" fill="hold" grpId="0" nodeType="clickEffect">
+                                  <p:stCondLst>
+                                    <p:cond delay="0"/>
+                                  </p:stCondLst>
+                                  <p:childTnLst>
+                                    <p:set>
+                                      <p:cBhvr>
+                                        <p:cTn id="58" dur="1" fill="hold">
+                                          <p:stCondLst>
+                                            <p:cond delay="0"/>
+                                          </p:stCondLst>
+                                        </p:cTn>
+                                        <p:tgtEl>
+                                          <p:spTgt spid="16"/>
+                                        </p:tgtEl>
+                                        <p:attrNameLst>
+                                          <p:attrName>style.visibility</p:attrName>
+                                        </p:attrNameLst>
+                                      </p:cBhvr>
+                                      <p:to>
+                                        <p:strVal val="visible"/>
+                                      </p:to>
+                                    </p:set>
+                                    <p:anim calcmode="lin" valueType="num">
+                                      <p:cBhvr additive="base">
+                                        <p:cTn id="59" dur="300" fill="hold"/>
+                                        <p:tgtEl>
+                                          <p:spTgt spid="16"/>
+                                        </p:tgtEl>
+                                        <p:attrNameLst>
+                                          <p:attrName>ppt_x</p:attrName>
+                                        </p:attrNameLst>
+                                      </p:cBhvr>
+                                      <p:tavLst>
+                                        <p:tav tm="0">
+                                          <p:val>
+                                            <p:strVal val="#ppt_x"/>
+                                          </p:val>
+                                        </p:tav>
+                                        <p:tav tm="100000">
+                                          <p:val>
+                                            <p:strVal val="#ppt_x"/>
+                                          </p:val>
+                                        </p:tav>
+                                      </p:tavLst>
+                                    </p:anim>
+                                    <p:anim calcmode="lin" valueType="num">
+                                      <p:cBhvr additive="base">
+                                        <p:cTn id="60" dur="300" fill="hold"/>
+                                        <p:tgtEl>
+                                          <p:spTgt spid="16"/>
+                                        </p:tgtEl>
+                                        <p:attrNameLst>
+                                          <p:attrName>ppt_y</p:attrName>
+                                        </p:attrNameLst>
+                                      </p:cBhvr>
+                                      <p:tavLst>
+                                        <p:tav tm="0">
+                                          <p:val>
+                                            <p:strVal val="1+#ppt_h/2"/>
+                                          </p:val>
+                                        </p:tav>
+                                        <p:tav tm="100000">
+                                          <p:val>
+                                            <p:strVal val="#ppt_y"/>
+                                          </p:val>
+                                        </p:tav>
+                                      </p:tavLst>
+                                    </p:anim>
+                                  </p:childTnLst>
+                                </p:cTn>
+                              </p:par>
+                              <p:par>
+                                <p:cTn id="61" presetID="2" presetClass="entr" presetSubtype="4" fill="hold" nodeType="withEffect">
+                                  <p:stCondLst>
+                                    <p:cond delay="0"/>
+                                  </p:stCondLst>
+                                  <p:childTnLst>
+                                    <p:set>
+                                      <p:cBhvr>
+                                        <p:cTn id="62" dur="1" fill="hold">
+                                          <p:stCondLst>
+                                            <p:cond delay="0"/>
+                                          </p:stCondLst>
+                                        </p:cTn>
+                                        <p:tgtEl>
+                                          <p:spTgt spid="17"/>
+                                        </p:tgtEl>
+                                        <p:attrNameLst>
+                                          <p:attrName>style.visibility</p:attrName>
+                                        </p:attrNameLst>
+                                      </p:cBhvr>
+                                      <p:to>
+                                        <p:strVal val="visible"/>
+                                      </p:to>
+                                    </p:set>
+                                    <p:anim calcmode="lin" valueType="num">
+                                      <p:cBhvr additive="base">
+                                        <p:cTn id="63" dur="300" fill="hold"/>
+                                        <p:tgtEl>
+                                          <p:spTgt spid="17"/>
+                                        </p:tgtEl>
+                                        <p:attrNameLst>
+                                          <p:attrName>ppt_x</p:attrName>
+                                        </p:attrNameLst>
+                                      </p:cBhvr>
+                                      <p:tavLst>
+                                        <p:tav tm="0">
+                                          <p:val>
+                                            <p:strVal val="#ppt_x"/>
+                                          </p:val>
+                                        </p:tav>
+                                        <p:tav tm="100000">
+                                          <p:val>
+                                            <p:strVal val="#ppt_x"/>
+                                          </p:val>
+                                        </p:tav>
+                                      </p:tavLst>
+                                    </p:anim>
+                                    <p:anim calcmode="lin" valueType="num">
+                                      <p:cBhvr additive="base">
+                                        <p:cTn id="64" dur="300" fill="hold"/>
+                                        <p:tgtEl>
+                                          <p:spTgt spid="17"/>
+                                        </p:tgtEl>
+                                        <p:attrNameLst>
+                                          <p:attrName>ppt_y</p:attrName>
+                                        </p:attrNameLst>
+                                      </p:cBhvr>
+                                      <p:tavLst>
+                                        <p:tav tm="0">
+                                          <p:val>
+                                            <p:strVal val="1+#ppt_h/2"/>
+                                          </p:val>
+                                        </p:tav>
+                                        <p:tav tm="100000">
+                                          <p:val>
+                                            <p:strVal val="#ppt_y"/>
+                                          </p:val>
+                                        </p:tav>
+                                      </p:tavLst>
+                                    </p:anim>
+                                  </p:childTnLst>
+                                </p:cTn>
+                              </p:par>
+                            </p:childTnLst>
+                          </p:cTn>
+                        </p:par>
+                      </p:childTnLst>
+                    </p:cTn>
+                  </p:par>
+                </p:childTnLst>
+              </p:cTn>
+              <p:prevCondLst>
+                <p:cond evt="onPrev" delay="0">
+                  <p:tgtEl>
+                    <p:sldTgt/>
+                  </p:tgtEl>
+                </p:cond>
+              </p:prevCondLst>
+              <p:nextCondLst>
+                <p:cond evt="onNext" delay="0">
+                  <p:tgtEl>
+                    <p:sldTgt/>
+                  </p:tgtEl>
+                </p:cond>
+              </p:nextCondLst>
+            </p:seq>
+          </p:childTnLst>
+        </p:cTn>
+      </p:par>
+    </p:tnLst>
+    <p:bldLst>
+      <p:bldP spid="2" grpId="0" build="p"/>
+      <p:bldP spid="3" grpId="0"/>
+      <p:bldP spid="5" grpId="0"/>
+      <p:bldP spid="6" grpId="0" animBg="1"/>
+      <p:bldP spid="10" grpId="0" animBg="1"/>
+      <p:bldP spid="13" grpId="0" animBg="1"/>
+      <p:bldP spid="16" grpId="0" animBg="1"/>
+    </p:bldLst>
+  </p:timing>
+</p:sld>
+</file>
+
 <file path=ppt/slides/slide6.xml><?xml version="1.0" encoding="utf-8"?>
 <p:sld xmlns:a="http://schemas.openxmlformats.org/drawingml/2006/main" xmlns:r="http://schemas.openxmlformats.org/officeDocument/2006/relationships" xmlns:p="http://schemas.openxmlformats.org/presentationml/2006/main">
   <p:cSld>
@@ -33343,6 +37882,723 @@
         <p:cTn id="1" dur="indefinite" restart="never" nodeType="tmRoot"/>
       </p:par>
     </p:tnLst>
+  </p:timing>
+</p:sld>
+</file>
+
+<file path=ppt/slides/slide60.xml><?xml version="1.0" encoding="utf-8"?>
+<p:sld xmlns:a="http://schemas.openxmlformats.org/drawingml/2006/main" xmlns:r="http://schemas.openxmlformats.org/officeDocument/2006/relationships" xmlns:p="http://schemas.openxmlformats.org/presentationml/2006/main">
+  <p:cSld>
+    <p:spTree>
+      <p:nvGrpSpPr>
+        <p:cNvPr id="1" name=""/>
+        <p:cNvGrpSpPr/>
+        <p:nvPr/>
+      </p:nvGrpSpPr>
+      <p:grpSpPr>
+        <a:xfrm>
+          <a:off x="0" y="0"/>
+          <a:ext cx="0" cy="0"/>
+          <a:chOff x="0" y="0"/>
+          <a:chExt cx="0" cy="0"/>
+        </a:xfrm>
+      </p:grpSpPr>
+      <p:sp>
+        <p:nvSpPr>
+          <p:cNvPr id="2" name="内容占位符 2"/>
+          <p:cNvSpPr txBox="1">
+            <a:spLocks/>
+          </p:cNvSpPr>
+          <p:nvPr/>
+        </p:nvSpPr>
+        <p:spPr>
+          <a:xfrm>
+            <a:off x="457200" y="1200150"/>
+            <a:ext cx="8229600" cy="508000"/>
+          </a:xfrm>
+          <a:prstGeom prst="rect">
+            <a:avLst/>
+          </a:prstGeom>
+        </p:spPr>
+        <p:txBody>
+          <a:bodyPr/>
+          <a:lstStyle/>
+          <a:p>
+            <a:pPr marL="0" marR="0" lvl="0" indent="0" algn="l" defTabSz="914400" rtl="0" eaLnBrk="1" fontAlgn="auto" latinLnBrk="0" hangingPunct="1">
+              <a:lnSpc>
+                <a:spcPct val="100000"/>
+              </a:lnSpc>
+              <a:spcBef>
+                <a:spcPct val="20000"/>
+              </a:spcBef>
+              <a:spcAft>
+                <a:spcPts val="0"/>
+              </a:spcAft>
+              <a:buClrTx/>
+              <a:buSzTx/>
+              <a:buFont typeface="Arial" panose="020B0604020202020204" pitchFamily="34" charset="0"/>
+              <a:buNone/>
+              <a:tabLst/>
+              <a:defRPr/>
+            </a:pPr>
+            <a:r>
+              <a:rPr lang="zh-CN" altLang="en-US" sz="3200" b="1" dirty="0" smtClean="0">
+                <a:solidFill>
+                  <a:srgbClr val="212121"/>
+                </a:solidFill>
+                <a:latin typeface="微软雅黑" pitchFamily="34" charset="-122"/>
+                <a:ea typeface="微软雅黑" pitchFamily="34" charset="-122"/>
+              </a:rPr>
+              <a:t>待解决的打包问题？</a:t>
+            </a:r>
+            <a:endParaRPr kumimoji="0" lang="en-US" altLang="zh-CN" sz="3200" b="1" i="0" u="none" strike="noStrike" kern="1200" cap="none" spc="0" normalizeH="0" baseline="0" noProof="0" dirty="0" smtClean="0">
+              <a:ln>
+                <a:noFill/>
+              </a:ln>
+              <a:solidFill>
+                <a:srgbClr val="212121"/>
+              </a:solidFill>
+              <a:effectLst/>
+              <a:uLnTx/>
+              <a:uFillTx/>
+              <a:latin typeface="微软雅黑" pitchFamily="34" charset="-122"/>
+              <a:ea typeface="微软雅黑" pitchFamily="34" charset="-122"/>
+            </a:endParaRPr>
+          </a:p>
+        </p:txBody>
+      </p:sp>
+      <p:sp>
+        <p:nvSpPr>
+          <p:cNvPr id="3" name="文本框 2"/>
+          <p:cNvSpPr txBox="1"/>
+          <p:nvPr/>
+        </p:nvSpPr>
+        <p:spPr>
+          <a:xfrm>
+            <a:off x="467544" y="2492896"/>
+            <a:ext cx="8229600" cy="400110"/>
+          </a:xfrm>
+          <a:prstGeom prst="rect">
+            <a:avLst/>
+          </a:prstGeom>
+          <a:noFill/>
+        </p:spPr>
+        <p:txBody>
+          <a:bodyPr>
+            <a:spAutoFit/>
+          </a:bodyPr>
+          <a:lstStyle/>
+          <a:p>
+            <a:pPr lvl="1">
+              <a:buFont typeface="Arial" panose="020B0604020202020204" pitchFamily="34" charset="0"/>
+              <a:buNone/>
+              <a:defRPr/>
+            </a:pPr>
+            <a:r>
+              <a:rPr lang="zh-CN" altLang="en-US" sz="2000" b="1" dirty="0" smtClean="0">
+                <a:solidFill>
+                  <a:srgbClr val="474747"/>
+                </a:solidFill>
+                <a:latin typeface="微软雅黑" pitchFamily="34" charset="-122"/>
+                <a:ea typeface="微软雅黑" pitchFamily="34" charset="-122"/>
+              </a:rPr>
+              <a:t>多模块怎么打包</a:t>
+            </a:r>
+            <a:endParaRPr lang="en-US" altLang="zh-CN" sz="2000" b="1" dirty="0" smtClean="0">
+              <a:solidFill>
+                <a:srgbClr val="474747"/>
+              </a:solidFill>
+              <a:latin typeface="微软雅黑" pitchFamily="34" charset="-122"/>
+              <a:ea typeface="微软雅黑" pitchFamily="34" charset="-122"/>
+            </a:endParaRPr>
+          </a:p>
+        </p:txBody>
+      </p:sp>
+      <p:sp>
+        <p:nvSpPr>
+          <p:cNvPr id="4" name="文本框 2"/>
+          <p:cNvSpPr txBox="1"/>
+          <p:nvPr/>
+        </p:nvSpPr>
+        <p:spPr>
+          <a:xfrm>
+            <a:off x="467544" y="3460938"/>
+            <a:ext cx="8229600" cy="400110"/>
+          </a:xfrm>
+          <a:prstGeom prst="rect">
+            <a:avLst/>
+          </a:prstGeom>
+          <a:noFill/>
+        </p:spPr>
+        <p:txBody>
+          <a:bodyPr>
+            <a:spAutoFit/>
+          </a:bodyPr>
+          <a:lstStyle/>
+          <a:p>
+            <a:pPr lvl="1">
+              <a:buFont typeface="Arial" panose="020B0604020202020204" pitchFamily="34" charset="0"/>
+              <a:buNone/>
+              <a:defRPr/>
+            </a:pPr>
+            <a:r>
+              <a:rPr lang="zh-CN" altLang="en-US" sz="2000" b="1" dirty="0" smtClean="0">
+                <a:solidFill>
+                  <a:srgbClr val="474747"/>
+                </a:solidFill>
+                <a:latin typeface="微软雅黑" pitchFamily="34" charset="-122"/>
+                <a:ea typeface="微软雅黑" pitchFamily="34" charset="-122"/>
+              </a:rPr>
+              <a:t>使用了</a:t>
+            </a:r>
+            <a:r>
+              <a:rPr lang="en-US" altLang="zh-CN" sz="2000" b="1" dirty="0" smtClean="0">
+                <a:solidFill>
+                  <a:srgbClr val="474747"/>
+                </a:solidFill>
+                <a:latin typeface="微软雅黑" pitchFamily="34" charset="-122"/>
+                <a:ea typeface="微软雅黑" pitchFamily="34" charset="-122"/>
+              </a:rPr>
+              <a:t>text</a:t>
+            </a:r>
+            <a:r>
+              <a:rPr lang="zh-CN" altLang="en-US" sz="2000" b="1" dirty="0" smtClean="0">
+                <a:solidFill>
+                  <a:srgbClr val="474747"/>
+                </a:solidFill>
+                <a:latin typeface="微软雅黑" pitchFamily="34" charset="-122"/>
+                <a:ea typeface="微软雅黑" pitchFamily="34" charset="-122"/>
+              </a:rPr>
+              <a:t>插件怎么打包</a:t>
+            </a:r>
+            <a:endParaRPr lang="en-US" altLang="zh-CN" sz="2000" b="1" dirty="0" smtClean="0">
+              <a:solidFill>
+                <a:srgbClr val="474747"/>
+              </a:solidFill>
+              <a:latin typeface="微软雅黑" pitchFamily="34" charset="-122"/>
+              <a:ea typeface="微软雅黑" pitchFamily="34" charset="-122"/>
+            </a:endParaRPr>
+          </a:p>
+        </p:txBody>
+      </p:sp>
+      <p:sp>
+        <p:nvSpPr>
+          <p:cNvPr id="5" name="文本框 2"/>
+          <p:cNvSpPr txBox="1"/>
+          <p:nvPr/>
+        </p:nvSpPr>
+        <p:spPr>
+          <a:xfrm>
+            <a:off x="467544" y="4437112"/>
+            <a:ext cx="8229600" cy="400110"/>
+          </a:xfrm>
+          <a:prstGeom prst="rect">
+            <a:avLst/>
+          </a:prstGeom>
+          <a:noFill/>
+        </p:spPr>
+        <p:txBody>
+          <a:bodyPr>
+            <a:spAutoFit/>
+          </a:bodyPr>
+          <a:lstStyle/>
+          <a:p>
+            <a:pPr lvl="1">
+              <a:buFont typeface="Arial" panose="020B0604020202020204" pitchFamily="34" charset="0"/>
+              <a:buNone/>
+              <a:defRPr/>
+            </a:pPr>
+            <a:r>
+              <a:rPr lang="zh-CN" altLang="en-US" sz="2000" b="1" dirty="0" smtClean="0">
+                <a:solidFill>
+                  <a:srgbClr val="474747"/>
+                </a:solidFill>
+                <a:latin typeface="微软雅黑" pitchFamily="34" charset="-122"/>
+                <a:ea typeface="微软雅黑" pitchFamily="34" charset="-122"/>
+              </a:rPr>
+              <a:t>使用了</a:t>
+            </a:r>
+            <a:r>
+              <a:rPr lang="en-US" altLang="zh-CN" sz="2000" b="1" dirty="0" err="1" smtClean="0">
+                <a:solidFill>
+                  <a:srgbClr val="474747"/>
+                </a:solidFill>
+                <a:latin typeface="微软雅黑" pitchFamily="34" charset="-122"/>
+                <a:ea typeface="微软雅黑" pitchFamily="34" charset="-122"/>
+              </a:rPr>
+              <a:t>css</a:t>
+            </a:r>
+            <a:r>
+              <a:rPr lang="zh-CN" altLang="en-US" sz="2000" b="1" dirty="0" smtClean="0">
+                <a:solidFill>
+                  <a:srgbClr val="474747"/>
+                </a:solidFill>
+                <a:latin typeface="微软雅黑" pitchFamily="34" charset="-122"/>
+                <a:ea typeface="微软雅黑" pitchFamily="34" charset="-122"/>
+              </a:rPr>
+              <a:t>插件怎么打包</a:t>
+            </a:r>
+            <a:endParaRPr lang="en-US" altLang="zh-CN" sz="2000" b="1" dirty="0" smtClean="0">
+              <a:solidFill>
+                <a:srgbClr val="474747"/>
+              </a:solidFill>
+              <a:latin typeface="微软雅黑" pitchFamily="34" charset="-122"/>
+              <a:ea typeface="微软雅黑" pitchFamily="34" charset="-122"/>
+            </a:endParaRPr>
+          </a:p>
+        </p:txBody>
+      </p:sp>
+      <p:sp>
+        <p:nvSpPr>
+          <p:cNvPr id="6" name="文本框 2"/>
+          <p:cNvSpPr txBox="1"/>
+          <p:nvPr/>
+        </p:nvSpPr>
+        <p:spPr>
+          <a:xfrm>
+            <a:off x="467544" y="5261138"/>
+            <a:ext cx="8229600" cy="400110"/>
+          </a:xfrm>
+          <a:prstGeom prst="rect">
+            <a:avLst/>
+          </a:prstGeom>
+          <a:noFill/>
+        </p:spPr>
+        <p:txBody>
+          <a:bodyPr>
+            <a:spAutoFit/>
+          </a:bodyPr>
+          <a:lstStyle/>
+          <a:p>
+            <a:pPr lvl="1">
+              <a:buFont typeface="Arial" panose="020B0604020202020204" pitchFamily="34" charset="0"/>
+              <a:buNone/>
+              <a:defRPr/>
+            </a:pPr>
+            <a:r>
+              <a:rPr lang="zh-CN" altLang="en-US" sz="2000" b="1" dirty="0" smtClean="0">
+                <a:solidFill>
+                  <a:srgbClr val="474747"/>
+                </a:solidFill>
+                <a:latin typeface="微软雅黑" pitchFamily="34" charset="-122"/>
+                <a:ea typeface="微软雅黑" pitchFamily="34" charset="-122"/>
+              </a:rPr>
+              <a:t>如何解决打包的依赖问题</a:t>
+            </a:r>
+            <a:endParaRPr lang="en-US" altLang="zh-CN" sz="2000" b="1" dirty="0" smtClean="0">
+              <a:solidFill>
+                <a:srgbClr val="474747"/>
+              </a:solidFill>
+              <a:latin typeface="微软雅黑" pitchFamily="34" charset="-122"/>
+              <a:ea typeface="微软雅黑" pitchFamily="34" charset="-122"/>
+            </a:endParaRPr>
+          </a:p>
+        </p:txBody>
+      </p:sp>
+    </p:spTree>
+  </p:cSld>
+  <p:clrMapOvr>
+    <a:masterClrMapping/>
+  </p:clrMapOvr>
+  <p:timing>
+    <p:tnLst>
+      <p:par>
+        <p:cTn id="1" dur="indefinite" restart="never" nodeType="tmRoot">
+          <p:childTnLst>
+            <p:seq concurrent="1" nextAc="seek">
+              <p:cTn id="2" dur="indefinite" nodeType="mainSeq">
+                <p:childTnLst>
+                  <p:par>
+                    <p:cTn id="3" fill="hold">
+                      <p:stCondLst>
+                        <p:cond delay="indefinite"/>
+                      </p:stCondLst>
+                      <p:childTnLst>
+                        <p:par>
+                          <p:cTn id="4" fill="hold">
+                            <p:stCondLst>
+                              <p:cond delay="0"/>
+                            </p:stCondLst>
+                            <p:childTnLst>
+                              <p:par>
+                                <p:cTn id="5" presetID="2" presetClass="entr" presetSubtype="4" fill="hold" grpId="0" nodeType="clickEffect">
+                                  <p:stCondLst>
+                                    <p:cond delay="0"/>
+                                  </p:stCondLst>
+                                  <p:childTnLst>
+                                    <p:set>
+                                      <p:cBhvr>
+                                        <p:cTn id="6" dur="1" fill="hold">
+                                          <p:stCondLst>
+                                            <p:cond delay="0"/>
+                                          </p:stCondLst>
+                                        </p:cTn>
+                                        <p:tgtEl>
+                                          <p:spTgt spid="3"/>
+                                        </p:tgtEl>
+                                        <p:attrNameLst>
+                                          <p:attrName>style.visibility</p:attrName>
+                                        </p:attrNameLst>
+                                      </p:cBhvr>
+                                      <p:to>
+                                        <p:strVal val="visible"/>
+                                      </p:to>
+                                    </p:set>
+                                    <p:anim calcmode="lin" valueType="num">
+                                      <p:cBhvr additive="base">
+                                        <p:cTn id="7" dur="300" fill="hold"/>
+                                        <p:tgtEl>
+                                          <p:spTgt spid="3"/>
+                                        </p:tgtEl>
+                                        <p:attrNameLst>
+                                          <p:attrName>ppt_x</p:attrName>
+                                        </p:attrNameLst>
+                                      </p:cBhvr>
+                                      <p:tavLst>
+                                        <p:tav tm="0">
+                                          <p:val>
+                                            <p:strVal val="#ppt_x"/>
+                                          </p:val>
+                                        </p:tav>
+                                        <p:tav tm="100000">
+                                          <p:val>
+                                            <p:strVal val="#ppt_x"/>
+                                          </p:val>
+                                        </p:tav>
+                                      </p:tavLst>
+                                    </p:anim>
+                                    <p:anim calcmode="lin" valueType="num">
+                                      <p:cBhvr additive="base">
+                                        <p:cTn id="8" dur="300" fill="hold"/>
+                                        <p:tgtEl>
+                                          <p:spTgt spid="3"/>
+                                        </p:tgtEl>
+                                        <p:attrNameLst>
+                                          <p:attrName>ppt_y</p:attrName>
+                                        </p:attrNameLst>
+                                      </p:cBhvr>
+                                      <p:tavLst>
+                                        <p:tav tm="0">
+                                          <p:val>
+                                            <p:strVal val="1+#ppt_h/2"/>
+                                          </p:val>
+                                        </p:tav>
+                                        <p:tav tm="100000">
+                                          <p:val>
+                                            <p:strVal val="#ppt_y"/>
+                                          </p:val>
+                                        </p:tav>
+                                      </p:tavLst>
+                                    </p:anim>
+                                  </p:childTnLst>
+                                </p:cTn>
+                              </p:par>
+                            </p:childTnLst>
+                          </p:cTn>
+                        </p:par>
+                      </p:childTnLst>
+                    </p:cTn>
+                  </p:par>
+                  <p:par>
+                    <p:cTn id="9" fill="hold">
+                      <p:stCondLst>
+                        <p:cond delay="indefinite"/>
+                      </p:stCondLst>
+                      <p:childTnLst>
+                        <p:par>
+                          <p:cTn id="10" fill="hold">
+                            <p:stCondLst>
+                              <p:cond delay="0"/>
+                            </p:stCondLst>
+                            <p:childTnLst>
+                              <p:par>
+                                <p:cTn id="11" presetID="2" presetClass="entr" presetSubtype="4" fill="hold" grpId="0" nodeType="clickEffect">
+                                  <p:stCondLst>
+                                    <p:cond delay="0"/>
+                                  </p:stCondLst>
+                                  <p:childTnLst>
+                                    <p:set>
+                                      <p:cBhvr>
+                                        <p:cTn id="12" dur="1" fill="hold">
+                                          <p:stCondLst>
+                                            <p:cond delay="0"/>
+                                          </p:stCondLst>
+                                        </p:cTn>
+                                        <p:tgtEl>
+                                          <p:spTgt spid="4"/>
+                                        </p:tgtEl>
+                                        <p:attrNameLst>
+                                          <p:attrName>style.visibility</p:attrName>
+                                        </p:attrNameLst>
+                                      </p:cBhvr>
+                                      <p:to>
+                                        <p:strVal val="visible"/>
+                                      </p:to>
+                                    </p:set>
+                                    <p:anim calcmode="lin" valueType="num">
+                                      <p:cBhvr additive="base">
+                                        <p:cTn id="13" dur="300" fill="hold"/>
+                                        <p:tgtEl>
+                                          <p:spTgt spid="4"/>
+                                        </p:tgtEl>
+                                        <p:attrNameLst>
+                                          <p:attrName>ppt_x</p:attrName>
+                                        </p:attrNameLst>
+                                      </p:cBhvr>
+                                      <p:tavLst>
+                                        <p:tav tm="0">
+                                          <p:val>
+                                            <p:strVal val="#ppt_x"/>
+                                          </p:val>
+                                        </p:tav>
+                                        <p:tav tm="100000">
+                                          <p:val>
+                                            <p:strVal val="#ppt_x"/>
+                                          </p:val>
+                                        </p:tav>
+                                      </p:tavLst>
+                                    </p:anim>
+                                    <p:anim calcmode="lin" valueType="num">
+                                      <p:cBhvr additive="base">
+                                        <p:cTn id="14" dur="300" fill="hold"/>
+                                        <p:tgtEl>
+                                          <p:spTgt spid="4"/>
+                                        </p:tgtEl>
+                                        <p:attrNameLst>
+                                          <p:attrName>ppt_y</p:attrName>
+                                        </p:attrNameLst>
+                                      </p:cBhvr>
+                                      <p:tavLst>
+                                        <p:tav tm="0">
+                                          <p:val>
+                                            <p:strVal val="1+#ppt_h/2"/>
+                                          </p:val>
+                                        </p:tav>
+                                        <p:tav tm="100000">
+                                          <p:val>
+                                            <p:strVal val="#ppt_y"/>
+                                          </p:val>
+                                        </p:tav>
+                                      </p:tavLst>
+                                    </p:anim>
+                                  </p:childTnLst>
+                                </p:cTn>
+                              </p:par>
+                            </p:childTnLst>
+                          </p:cTn>
+                        </p:par>
+                      </p:childTnLst>
+                    </p:cTn>
+                  </p:par>
+                  <p:par>
+                    <p:cTn id="15" fill="hold">
+                      <p:stCondLst>
+                        <p:cond delay="indefinite"/>
+                      </p:stCondLst>
+                      <p:childTnLst>
+                        <p:par>
+                          <p:cTn id="16" fill="hold">
+                            <p:stCondLst>
+                              <p:cond delay="0"/>
+                            </p:stCondLst>
+                            <p:childTnLst>
+                              <p:par>
+                                <p:cTn id="17" presetID="2" presetClass="entr" presetSubtype="4" fill="hold" grpId="0" nodeType="clickEffect">
+                                  <p:stCondLst>
+                                    <p:cond delay="0"/>
+                                  </p:stCondLst>
+                                  <p:childTnLst>
+                                    <p:set>
+                                      <p:cBhvr>
+                                        <p:cTn id="18" dur="1" fill="hold">
+                                          <p:stCondLst>
+                                            <p:cond delay="0"/>
+                                          </p:stCondLst>
+                                        </p:cTn>
+                                        <p:tgtEl>
+                                          <p:spTgt spid="5"/>
+                                        </p:tgtEl>
+                                        <p:attrNameLst>
+                                          <p:attrName>style.visibility</p:attrName>
+                                        </p:attrNameLst>
+                                      </p:cBhvr>
+                                      <p:to>
+                                        <p:strVal val="visible"/>
+                                      </p:to>
+                                    </p:set>
+                                    <p:anim calcmode="lin" valueType="num">
+                                      <p:cBhvr additive="base">
+                                        <p:cTn id="19" dur="300" fill="hold"/>
+                                        <p:tgtEl>
+                                          <p:spTgt spid="5"/>
+                                        </p:tgtEl>
+                                        <p:attrNameLst>
+                                          <p:attrName>ppt_x</p:attrName>
+                                        </p:attrNameLst>
+                                      </p:cBhvr>
+                                      <p:tavLst>
+                                        <p:tav tm="0">
+                                          <p:val>
+                                            <p:strVal val="#ppt_x"/>
+                                          </p:val>
+                                        </p:tav>
+                                        <p:tav tm="100000">
+                                          <p:val>
+                                            <p:strVal val="#ppt_x"/>
+                                          </p:val>
+                                        </p:tav>
+                                      </p:tavLst>
+                                    </p:anim>
+                                    <p:anim calcmode="lin" valueType="num">
+                                      <p:cBhvr additive="base">
+                                        <p:cTn id="20" dur="300" fill="hold"/>
+                                        <p:tgtEl>
+                                          <p:spTgt spid="5"/>
+                                        </p:tgtEl>
+                                        <p:attrNameLst>
+                                          <p:attrName>ppt_y</p:attrName>
+                                        </p:attrNameLst>
+                                      </p:cBhvr>
+                                      <p:tavLst>
+                                        <p:tav tm="0">
+                                          <p:val>
+                                            <p:strVal val="1+#ppt_h/2"/>
+                                          </p:val>
+                                        </p:tav>
+                                        <p:tav tm="100000">
+                                          <p:val>
+                                            <p:strVal val="#ppt_y"/>
+                                          </p:val>
+                                        </p:tav>
+                                      </p:tavLst>
+                                    </p:anim>
+                                  </p:childTnLst>
+                                </p:cTn>
+                              </p:par>
+                            </p:childTnLst>
+                          </p:cTn>
+                        </p:par>
+                      </p:childTnLst>
+                    </p:cTn>
+                  </p:par>
+                  <p:par>
+                    <p:cTn id="21" fill="hold">
+                      <p:stCondLst>
+                        <p:cond delay="indefinite"/>
+                      </p:stCondLst>
+                      <p:childTnLst>
+                        <p:par>
+                          <p:cTn id="22" fill="hold">
+                            <p:stCondLst>
+                              <p:cond delay="0"/>
+                            </p:stCondLst>
+                            <p:childTnLst>
+                              <p:par>
+                                <p:cTn id="23" presetID="2" presetClass="entr" presetSubtype="4" fill="hold" grpId="0" nodeType="clickEffect">
+                                  <p:stCondLst>
+                                    <p:cond delay="0"/>
+                                  </p:stCondLst>
+                                  <p:childTnLst>
+                                    <p:set>
+                                      <p:cBhvr>
+                                        <p:cTn id="24" dur="1" fill="hold">
+                                          <p:stCondLst>
+                                            <p:cond delay="0"/>
+                                          </p:stCondLst>
+                                        </p:cTn>
+                                        <p:tgtEl>
+                                          <p:spTgt spid="6"/>
+                                        </p:tgtEl>
+                                        <p:attrNameLst>
+                                          <p:attrName>style.visibility</p:attrName>
+                                        </p:attrNameLst>
+                                      </p:cBhvr>
+                                      <p:to>
+                                        <p:strVal val="visible"/>
+                                      </p:to>
+                                    </p:set>
+                                    <p:anim calcmode="lin" valueType="num">
+                                      <p:cBhvr additive="base">
+                                        <p:cTn id="25" dur="300" fill="hold"/>
+                                        <p:tgtEl>
+                                          <p:spTgt spid="6"/>
+                                        </p:tgtEl>
+                                        <p:attrNameLst>
+                                          <p:attrName>ppt_x</p:attrName>
+                                        </p:attrNameLst>
+                                      </p:cBhvr>
+                                      <p:tavLst>
+                                        <p:tav tm="0">
+                                          <p:val>
+                                            <p:strVal val="#ppt_x"/>
+                                          </p:val>
+                                        </p:tav>
+                                        <p:tav tm="100000">
+                                          <p:val>
+                                            <p:strVal val="#ppt_x"/>
+                                          </p:val>
+                                        </p:tav>
+                                      </p:tavLst>
+                                    </p:anim>
+                                    <p:anim calcmode="lin" valueType="num">
+                                      <p:cBhvr additive="base">
+                                        <p:cTn id="26" dur="300" fill="hold"/>
+                                        <p:tgtEl>
+                                          <p:spTgt spid="6"/>
+                                        </p:tgtEl>
+                                        <p:attrNameLst>
+                                          <p:attrName>ppt_y</p:attrName>
+                                        </p:attrNameLst>
+                                      </p:cBhvr>
+                                      <p:tavLst>
+                                        <p:tav tm="0">
+                                          <p:val>
+                                            <p:strVal val="1+#ppt_h/2"/>
+                                          </p:val>
+                                        </p:tav>
+                                        <p:tav tm="100000">
+                                          <p:val>
+                                            <p:strVal val="#ppt_y"/>
+                                          </p:val>
+                                        </p:tav>
+                                      </p:tavLst>
+                                    </p:anim>
+                                  </p:childTnLst>
+                                </p:cTn>
+                              </p:par>
+                            </p:childTnLst>
+                          </p:cTn>
+                        </p:par>
+                      </p:childTnLst>
+                    </p:cTn>
+                  </p:par>
+                </p:childTnLst>
+              </p:cTn>
+              <p:prevCondLst>
+                <p:cond evt="onPrev" delay="0">
+                  <p:tgtEl>
+                    <p:sldTgt/>
+                  </p:tgtEl>
+                </p:cond>
+              </p:prevCondLst>
+              <p:nextCondLst>
+                <p:cond evt="onNext" delay="0">
+                  <p:tgtEl>
+                    <p:sldTgt/>
+                  </p:tgtEl>
+                </p:cond>
+              </p:nextCondLst>
+            </p:seq>
+          </p:childTnLst>
+        </p:cTn>
+      </p:par>
+    </p:tnLst>
+    <p:bldLst>
+      <p:bldP spid="3" grpId="0"/>
+      <p:bldP spid="4" grpId="0"/>
+      <p:bldP spid="5" grpId="0"/>
+      <p:bldP spid="6" grpId="0"/>
+    </p:bldLst>
   </p:timing>
 </p:sld>
 </file>

--- a/requirejs/doc/requirejs.pptx
+++ b/requirejs/doc/requirejs.pptx
@@ -5,7 +5,7 @@
     <p:sldMasterId id="2147483648" r:id="rId1"/>
   </p:sldMasterIdLst>
   <p:notesMasterIdLst>
-    <p:notesMasterId r:id="rId62"/>
+    <p:notesMasterId r:id="rId66"/>
   </p:notesMasterIdLst>
   <p:sldIdLst>
     <p:sldId id="258" r:id="rId2"/>
@@ -68,8 +68,12 @@
     <p:sldId id="316" r:id="rId59"/>
     <p:sldId id="317" r:id="rId60"/>
     <p:sldId id="318" r:id="rId61"/>
+    <p:sldId id="319" r:id="rId62"/>
+    <p:sldId id="320" r:id="rId63"/>
+    <p:sldId id="321" r:id="rId64"/>
+    <p:sldId id="322" r:id="rId65"/>
   </p:sldIdLst>
-  <p:sldSz cx="9144000" cy="6858000" type="screen4x3"/>
+  <p:sldSz cx="9144000" cy="5143500" type="screen16x9"/>
   <p:notesSz cx="6858000" cy="9144000"/>
   <p:defaultTextStyle>
     <a:defPPr>
@@ -252,7 +256,7 @@
             <a:fld id="{B2C916C8-812D-4B64-92A8-238699F8A54D}" type="datetimeFigureOut">
               <a:rPr lang="zh-CN" altLang="en-US" smtClean="0"/>
               <a:pPr/>
-              <a:t>2016/6/1</a:t>
+              <a:t>2016/6/2</a:t>
             </a:fld>
             <a:endParaRPr lang="zh-CN" altLang="en-US"/>
           </a:p>
@@ -270,8 +274,8 @@
         </p:nvSpPr>
         <p:spPr>
           <a:xfrm>
-            <a:off x="1143000" y="685800"/>
-            <a:ext cx="4572000" cy="3429000"/>
+            <a:off x="381000" y="685800"/>
+            <a:ext cx="6096000" cy="3429000"/>
           </a:xfrm>
           <a:prstGeom prst="rect">
             <a:avLst/>
@@ -545,7 +549,12 @@
             <p:ph type="sldImg"/>
           </p:nvPr>
         </p:nvSpPr>
-        <p:spPr/>
+        <p:spPr>
+          <a:xfrm>
+            <a:off x="381000" y="685800"/>
+            <a:ext cx="6096000" cy="3429000"/>
+          </a:xfrm>
+        </p:spPr>
       </p:sp>
       <p:sp>
         <p:nvSpPr>
@@ -629,8 +638,8 @@
         </p:nvSpPr>
         <p:spPr>
           <a:xfrm>
-            <a:off x="685800" y="2130425"/>
-            <a:ext cx="7772400" cy="1470025"/>
+            <a:off x="685800" y="1597819"/>
+            <a:ext cx="7772400" cy="1102519"/>
           </a:xfrm>
         </p:spPr>
         <p:txBody>
@@ -657,8 +666,8 @@
         </p:nvSpPr>
         <p:spPr>
           <a:xfrm>
-            <a:off x="1371600" y="3886200"/>
-            <a:ext cx="6400800" cy="1752600"/>
+            <a:off x="1371600" y="2914650"/>
+            <a:ext cx="6400800" cy="1314450"/>
           </a:xfrm>
         </p:spPr>
         <p:txBody>
@@ -782,7 +791,7 @@
             <a:fld id="{530820CF-B880-4189-942D-D702A7CBA730}" type="datetimeFigureOut">
               <a:rPr lang="zh-CN" altLang="en-US" smtClean="0"/>
               <a:pPr/>
-              <a:t>2016/6/1</a:t>
+              <a:t>2016/6/2</a:t>
             </a:fld>
             <a:endParaRPr lang="zh-CN" altLang="en-US"/>
           </a:p>
@@ -949,7 +958,7 @@
             <a:fld id="{530820CF-B880-4189-942D-D702A7CBA730}" type="datetimeFigureOut">
               <a:rPr lang="zh-CN" altLang="en-US" smtClean="0"/>
               <a:pPr/>
-              <a:t>2016/6/1</a:t>
+              <a:t>2016/6/2</a:t>
             </a:fld>
             <a:endParaRPr lang="zh-CN" altLang="en-US"/>
           </a:p>
@@ -1035,8 +1044,8 @@
         </p:nvSpPr>
         <p:spPr>
           <a:xfrm>
-            <a:off x="6629400" y="274638"/>
-            <a:ext cx="2057400" cy="5851525"/>
+            <a:off x="6629400" y="205979"/>
+            <a:ext cx="2057400" cy="4388644"/>
           </a:xfrm>
         </p:spPr>
         <p:txBody>
@@ -1063,8 +1072,8 @@
         </p:nvSpPr>
         <p:spPr>
           <a:xfrm>
-            <a:off x="457200" y="274638"/>
-            <a:ext cx="6019800" cy="5851525"/>
+            <a:off x="457200" y="205979"/>
+            <a:ext cx="6019800" cy="4388644"/>
           </a:xfrm>
         </p:spPr>
         <p:txBody>
@@ -1126,7 +1135,7 @@
             <a:fld id="{530820CF-B880-4189-942D-D702A7CBA730}" type="datetimeFigureOut">
               <a:rPr lang="zh-CN" altLang="en-US" smtClean="0"/>
               <a:pPr/>
-              <a:t>2016/6/1</a:t>
+              <a:t>2016/6/2</a:t>
             </a:fld>
             <a:endParaRPr lang="zh-CN" altLang="en-US"/>
           </a:p>
@@ -1293,7 +1302,7 @@
             <a:fld id="{530820CF-B880-4189-942D-D702A7CBA730}" type="datetimeFigureOut">
               <a:rPr lang="zh-CN" altLang="en-US" smtClean="0"/>
               <a:pPr/>
-              <a:t>2016/6/1</a:t>
+              <a:t>2016/6/2</a:t>
             </a:fld>
             <a:endParaRPr lang="zh-CN" altLang="en-US"/>
           </a:p>
@@ -1379,8 +1388,8 @@
         </p:nvSpPr>
         <p:spPr>
           <a:xfrm>
-            <a:off x="722313" y="4406900"/>
-            <a:ext cx="7772400" cy="1362075"/>
+            <a:off x="722313" y="3305176"/>
+            <a:ext cx="7772400" cy="1021556"/>
           </a:xfrm>
         </p:spPr>
         <p:txBody>
@@ -1411,8 +1420,8 @@
         </p:nvSpPr>
         <p:spPr>
           <a:xfrm>
-            <a:off x="722313" y="2906713"/>
-            <a:ext cx="7772400" cy="1500187"/>
+            <a:off x="722313" y="2180035"/>
+            <a:ext cx="7772400" cy="1125140"/>
           </a:xfrm>
         </p:spPr>
         <p:txBody>
@@ -1536,7 +1545,7 @@
             <a:fld id="{530820CF-B880-4189-942D-D702A7CBA730}" type="datetimeFigureOut">
               <a:rPr lang="zh-CN" altLang="en-US" smtClean="0"/>
               <a:pPr/>
-              <a:t>2016/6/1</a:t>
+              <a:t>2016/6/2</a:t>
             </a:fld>
             <a:endParaRPr lang="zh-CN" altLang="en-US"/>
           </a:p>
@@ -1645,8 +1654,8 @@
         </p:nvSpPr>
         <p:spPr>
           <a:xfrm>
-            <a:off x="457200" y="1600200"/>
-            <a:ext cx="4038600" cy="4525963"/>
+            <a:off x="457200" y="1200151"/>
+            <a:ext cx="4038600" cy="3394472"/>
           </a:xfrm>
         </p:spPr>
         <p:txBody>
@@ -1730,8 +1739,8 @@
         </p:nvSpPr>
         <p:spPr>
           <a:xfrm>
-            <a:off x="4648200" y="1600200"/>
-            <a:ext cx="4038600" cy="4525963"/>
+            <a:off x="4648200" y="1200151"/>
+            <a:ext cx="4038600" cy="3394472"/>
           </a:xfrm>
         </p:spPr>
         <p:txBody>
@@ -1821,7 +1830,7 @@
             <a:fld id="{530820CF-B880-4189-942D-D702A7CBA730}" type="datetimeFigureOut">
               <a:rPr lang="zh-CN" altLang="en-US" smtClean="0"/>
               <a:pPr/>
-              <a:t>2016/6/1</a:t>
+              <a:t>2016/6/2</a:t>
             </a:fld>
             <a:endParaRPr lang="zh-CN" altLang="en-US"/>
           </a:p>
@@ -1934,8 +1943,8 @@
         </p:nvSpPr>
         <p:spPr>
           <a:xfrm>
-            <a:off x="457200" y="1535113"/>
-            <a:ext cx="4040188" cy="639762"/>
+            <a:off x="457200" y="1151335"/>
+            <a:ext cx="4040188" cy="479822"/>
           </a:xfrm>
         </p:spPr>
         <p:txBody>
@@ -1999,8 +2008,8 @@
         </p:nvSpPr>
         <p:spPr>
           <a:xfrm>
-            <a:off x="457200" y="2174875"/>
-            <a:ext cx="4040188" cy="3951288"/>
+            <a:off x="457200" y="1631156"/>
+            <a:ext cx="4040188" cy="2963466"/>
           </a:xfrm>
         </p:spPr>
         <p:txBody>
@@ -2084,8 +2093,8 @@
         </p:nvSpPr>
         <p:spPr>
           <a:xfrm>
-            <a:off x="4645025" y="1535113"/>
-            <a:ext cx="4041775" cy="639762"/>
+            <a:off x="4645026" y="1151335"/>
+            <a:ext cx="4041775" cy="479822"/>
           </a:xfrm>
         </p:spPr>
         <p:txBody>
@@ -2149,8 +2158,8 @@
         </p:nvSpPr>
         <p:spPr>
           <a:xfrm>
-            <a:off x="4645025" y="2174875"/>
-            <a:ext cx="4041775" cy="3951288"/>
+            <a:off x="4645026" y="1631156"/>
+            <a:ext cx="4041775" cy="2963466"/>
           </a:xfrm>
         </p:spPr>
         <p:txBody>
@@ -2240,7 +2249,7 @@
             <a:fld id="{530820CF-B880-4189-942D-D702A7CBA730}" type="datetimeFigureOut">
               <a:rPr lang="zh-CN" altLang="en-US" smtClean="0"/>
               <a:pPr/>
-              <a:t>2016/6/1</a:t>
+              <a:t>2016/6/2</a:t>
             </a:fld>
             <a:endParaRPr lang="zh-CN" altLang="en-US"/>
           </a:p>
@@ -2355,7 +2364,7 @@
             <a:fld id="{530820CF-B880-4189-942D-D702A7CBA730}" type="datetimeFigureOut">
               <a:rPr lang="zh-CN" altLang="en-US" smtClean="0"/>
               <a:pPr/>
-              <a:t>2016/6/1</a:t>
+              <a:t>2016/6/2</a:t>
             </a:fld>
             <a:endParaRPr lang="zh-CN" altLang="en-US"/>
           </a:p>
@@ -2447,7 +2456,7 @@
             <a:fld id="{530820CF-B880-4189-942D-D702A7CBA730}" type="datetimeFigureOut">
               <a:rPr lang="zh-CN" altLang="en-US" smtClean="0"/>
               <a:pPr/>
-              <a:t>2016/6/1</a:t>
+              <a:t>2016/6/2</a:t>
             </a:fld>
             <a:endParaRPr lang="zh-CN" altLang="en-US"/>
           </a:p>
@@ -2533,8 +2542,8 @@
         </p:nvSpPr>
         <p:spPr>
           <a:xfrm>
-            <a:off x="457200" y="273050"/>
-            <a:ext cx="3008313" cy="1162050"/>
+            <a:off x="457201" y="204787"/>
+            <a:ext cx="3008313" cy="871538"/>
           </a:xfrm>
         </p:spPr>
         <p:txBody>
@@ -2565,8 +2574,8 @@
         </p:nvSpPr>
         <p:spPr>
           <a:xfrm>
-            <a:off x="3575050" y="273050"/>
-            <a:ext cx="5111750" cy="5853113"/>
+            <a:off x="3575050" y="204788"/>
+            <a:ext cx="5111750" cy="4389835"/>
           </a:xfrm>
         </p:spPr>
         <p:txBody>
@@ -2650,8 +2659,8 @@
         </p:nvSpPr>
         <p:spPr>
           <a:xfrm>
-            <a:off x="457200" y="1435100"/>
-            <a:ext cx="3008313" cy="4691063"/>
+            <a:off x="457201" y="1076326"/>
+            <a:ext cx="3008313" cy="3518297"/>
           </a:xfrm>
         </p:spPr>
         <p:txBody>
@@ -2721,7 +2730,7 @@
             <a:fld id="{530820CF-B880-4189-942D-D702A7CBA730}" type="datetimeFigureOut">
               <a:rPr lang="zh-CN" altLang="en-US" smtClean="0"/>
               <a:pPr/>
-              <a:t>2016/6/1</a:t>
+              <a:t>2016/6/2</a:t>
             </a:fld>
             <a:endParaRPr lang="zh-CN" altLang="en-US"/>
           </a:p>
@@ -2807,8 +2816,8 @@
         </p:nvSpPr>
         <p:spPr>
           <a:xfrm>
-            <a:off x="1792288" y="4800600"/>
-            <a:ext cx="5486400" cy="566738"/>
+            <a:off x="1792288" y="3600450"/>
+            <a:ext cx="5486400" cy="425054"/>
           </a:xfrm>
         </p:spPr>
         <p:txBody>
@@ -2839,8 +2848,8 @@
         </p:nvSpPr>
         <p:spPr>
           <a:xfrm>
-            <a:off x="1792288" y="612775"/>
-            <a:ext cx="5486400" cy="4114800"/>
+            <a:off x="1792288" y="459581"/>
+            <a:ext cx="5486400" cy="3086100"/>
           </a:xfrm>
         </p:spPr>
         <p:txBody>
@@ -2900,8 +2909,8 @@
         </p:nvSpPr>
         <p:spPr>
           <a:xfrm>
-            <a:off x="1792288" y="5367338"/>
-            <a:ext cx="5486400" cy="804862"/>
+            <a:off x="1792288" y="4025503"/>
+            <a:ext cx="5486400" cy="603647"/>
           </a:xfrm>
         </p:spPr>
         <p:txBody>
@@ -2971,7 +2980,7 @@
             <a:fld id="{530820CF-B880-4189-942D-D702A7CBA730}" type="datetimeFigureOut">
               <a:rPr lang="zh-CN" altLang="en-US" smtClean="0"/>
               <a:pPr/>
-              <a:t>2016/6/1</a:t>
+              <a:t>2016/6/2</a:t>
             </a:fld>
             <a:endParaRPr lang="zh-CN" altLang="en-US"/>
           </a:p>
@@ -3062,8 +3071,8 @@
         </p:nvSpPr>
         <p:spPr>
           <a:xfrm>
-            <a:off x="457200" y="274638"/>
-            <a:ext cx="8229600" cy="1143000"/>
+            <a:off x="457200" y="205978"/>
+            <a:ext cx="8229600" cy="857250"/>
           </a:xfrm>
           <a:prstGeom prst="rect">
             <a:avLst/>
@@ -3095,8 +3104,8 @@
         </p:nvSpPr>
         <p:spPr>
           <a:xfrm>
-            <a:off x="457200" y="1600200"/>
-            <a:ext cx="8229600" cy="4525963"/>
+            <a:off x="457200" y="1200151"/>
+            <a:ext cx="8229600" cy="3394472"/>
           </a:xfrm>
           <a:prstGeom prst="rect">
             <a:avLst/>
@@ -3157,8 +3166,8 @@
         </p:nvSpPr>
         <p:spPr>
           <a:xfrm>
-            <a:off x="457200" y="6356350"/>
-            <a:ext cx="2133600" cy="365125"/>
+            <a:off x="457200" y="4767263"/>
+            <a:ext cx="2133600" cy="273844"/>
           </a:xfrm>
           <a:prstGeom prst="rect">
             <a:avLst/>
@@ -3181,7 +3190,7 @@
             <a:fld id="{530820CF-B880-4189-942D-D702A7CBA730}" type="datetimeFigureOut">
               <a:rPr lang="zh-CN" altLang="en-US" smtClean="0"/>
               <a:pPr/>
-              <a:t>2016/6/1</a:t>
+              <a:t>2016/6/2</a:t>
             </a:fld>
             <a:endParaRPr lang="zh-CN" altLang="en-US"/>
           </a:p>
@@ -3199,8 +3208,8 @@
         </p:nvSpPr>
         <p:spPr>
           <a:xfrm>
-            <a:off x="3124200" y="6356350"/>
-            <a:ext cx="2895600" cy="365125"/>
+            <a:off x="3124200" y="4767263"/>
+            <a:ext cx="2895600" cy="273844"/>
           </a:xfrm>
           <a:prstGeom prst="rect">
             <a:avLst/>
@@ -3236,8 +3245,8 @@
         </p:nvSpPr>
         <p:spPr>
           <a:xfrm>
-            <a:off x="6553200" y="6356350"/>
-            <a:ext cx="2133600" cy="365125"/>
+            <a:off x="6553200" y="4767263"/>
+            <a:ext cx="2133600" cy="273844"/>
           </a:xfrm>
           <a:prstGeom prst="rect">
             <a:avLst/>
@@ -3607,8 +3616,8 @@
         </p:blipFill>
         <p:spPr bwMode="auto">
           <a:xfrm>
-            <a:off x="1907704" y="836712"/>
-            <a:ext cx="4762500" cy="4762500"/>
+            <a:off x="1907704" y="627534"/>
+            <a:ext cx="4762500" cy="3571875"/>
           </a:xfrm>
           <a:prstGeom prst="rect">
             <a:avLst/>
@@ -3703,8 +3712,8 @@
         </p:blipFill>
         <p:spPr bwMode="auto">
           <a:xfrm>
-            <a:off x="1907704" y="836712"/>
-            <a:ext cx="4762500" cy="4762500"/>
+            <a:off x="1907704" y="627534"/>
+            <a:ext cx="4762500" cy="3571875"/>
           </a:xfrm>
           <a:prstGeom prst="rect">
             <a:avLst/>
@@ -3918,8 +3927,8 @@
         </p:blipFill>
         <p:spPr bwMode="auto">
           <a:xfrm>
-            <a:off x="1259632" y="2780928"/>
-            <a:ext cx="6172200" cy="1704975"/>
+            <a:off x="1259632" y="2085697"/>
+            <a:ext cx="6172200" cy="1278731"/>
           </a:xfrm>
           <a:prstGeom prst="rect">
             <a:avLst/>
@@ -3941,8 +3950,8 @@
         </p:nvSpPr>
         <p:spPr>
           <a:xfrm>
-            <a:off x="1691680" y="3429000"/>
-            <a:ext cx="5328592" cy="360040"/>
+            <a:off x="1691680" y="2571750"/>
+            <a:ext cx="5328592" cy="270030"/>
           </a:xfrm>
           <a:prstGeom prst="rect">
             <a:avLst/>
@@ -4976,8 +4985,8 @@
         </p:blipFill>
         <p:spPr bwMode="auto">
           <a:xfrm>
-            <a:off x="1187624" y="2924944"/>
-            <a:ext cx="6772275" cy="2333625"/>
+            <a:off x="1187624" y="2193708"/>
+            <a:ext cx="6772275" cy="1750219"/>
           </a:xfrm>
           <a:prstGeom prst="rect">
             <a:avLst/>
@@ -4999,8 +5008,8 @@
         </p:nvSpPr>
         <p:spPr>
           <a:xfrm>
-            <a:off x="611560" y="1556792"/>
-            <a:ext cx="2016125" cy="886296"/>
+            <a:off x="611560" y="1167594"/>
+            <a:ext cx="2016125" cy="664722"/>
           </a:xfrm>
           <a:prstGeom prst="roundRect">
             <a:avLst/>
@@ -5057,8 +5066,8 @@
         </p:nvSpPr>
         <p:spPr>
           <a:xfrm>
-            <a:off x="3419872" y="1556792"/>
-            <a:ext cx="2016125" cy="886296"/>
+            <a:off x="3419873" y="1167594"/>
+            <a:ext cx="2016125" cy="664722"/>
           </a:xfrm>
           <a:prstGeom prst="roundRect">
             <a:avLst/>
@@ -5115,8 +5124,8 @@
         </p:nvSpPr>
         <p:spPr>
           <a:xfrm>
-            <a:off x="6300192" y="1556792"/>
-            <a:ext cx="2016125" cy="886296"/>
+            <a:off x="6300193" y="1167594"/>
+            <a:ext cx="2016125" cy="664722"/>
           </a:xfrm>
           <a:prstGeom prst="roundRect">
             <a:avLst/>
@@ -5188,8 +5197,8 @@
         </p:nvCxnSpPr>
         <p:spPr>
           <a:xfrm flipH="1" flipV="1">
-            <a:off x="1979712" y="2492896"/>
-            <a:ext cx="864096" cy="720080"/>
+            <a:off x="1979712" y="1869672"/>
+            <a:ext cx="864096" cy="540060"/>
           </a:xfrm>
           <a:prstGeom prst="straightConnector1">
             <a:avLst/>
@@ -5224,8 +5233,8 @@
         </p:nvCxnSpPr>
         <p:spPr>
           <a:xfrm flipV="1">
-            <a:off x="4499992" y="2492896"/>
-            <a:ext cx="0" cy="720080"/>
+            <a:off x="4499992" y="1869672"/>
+            <a:ext cx="0" cy="540060"/>
           </a:xfrm>
           <a:prstGeom prst="straightConnector1">
             <a:avLst/>
@@ -5262,8 +5271,8 @@
         </p:nvCxnSpPr>
         <p:spPr>
           <a:xfrm flipV="1">
-            <a:off x="6444208" y="2443088"/>
-            <a:ext cx="864047" cy="769888"/>
+            <a:off x="6444209" y="1832316"/>
+            <a:ext cx="864047" cy="577416"/>
           </a:xfrm>
           <a:prstGeom prst="straightConnector1">
             <a:avLst/>
@@ -5298,8 +5307,8 @@
         </p:nvSpPr>
         <p:spPr>
           <a:xfrm>
-            <a:off x="3203848" y="5157192"/>
-            <a:ext cx="2016125" cy="886296"/>
+            <a:off x="3203849" y="3867894"/>
+            <a:ext cx="2016125" cy="664722"/>
           </a:xfrm>
           <a:prstGeom prst="roundRect">
             <a:avLst/>
@@ -5358,8 +5367,8 @@
         </p:nvCxnSpPr>
         <p:spPr>
           <a:xfrm>
-            <a:off x="3347864" y="4365104"/>
-            <a:ext cx="864047" cy="792088"/>
+            <a:off x="3347865" y="3273828"/>
+            <a:ext cx="864047" cy="594066"/>
           </a:xfrm>
           <a:prstGeom prst="straightConnector1">
             <a:avLst/>
@@ -6462,8 +6471,8 @@
         </p:blipFill>
         <p:spPr bwMode="auto">
           <a:xfrm>
-            <a:off x="1547664" y="3068960"/>
-            <a:ext cx="5800725" cy="1352550"/>
+            <a:off x="1547665" y="2301720"/>
+            <a:ext cx="5800725" cy="1014413"/>
           </a:xfrm>
           <a:prstGeom prst="rect">
             <a:avLst/>
@@ -6485,8 +6494,8 @@
         </p:nvSpPr>
         <p:spPr>
           <a:xfrm>
-            <a:off x="1259632" y="1556792"/>
-            <a:ext cx="2016125" cy="886296"/>
+            <a:off x="1259633" y="1167594"/>
+            <a:ext cx="2016125" cy="664722"/>
           </a:xfrm>
           <a:prstGeom prst="roundRect">
             <a:avLst/>
@@ -6543,8 +6552,8 @@
         </p:nvCxnSpPr>
         <p:spPr>
           <a:xfrm flipH="1" flipV="1">
-            <a:off x="2339752" y="2492896"/>
-            <a:ext cx="864096" cy="720080"/>
+            <a:off x="2339752" y="1869672"/>
+            <a:ext cx="864096" cy="540060"/>
           </a:xfrm>
           <a:prstGeom prst="straightConnector1">
             <a:avLst/>
@@ -6579,8 +6588,8 @@
         </p:nvSpPr>
         <p:spPr>
           <a:xfrm>
-            <a:off x="5652120" y="1484784"/>
-            <a:ext cx="2016125" cy="886296"/>
+            <a:off x="5652121" y="1113588"/>
+            <a:ext cx="2016125" cy="664722"/>
           </a:xfrm>
           <a:prstGeom prst="roundRect">
             <a:avLst/>
@@ -6652,8 +6661,8 @@
         </p:nvCxnSpPr>
         <p:spPr>
           <a:xfrm flipV="1">
-            <a:off x="5796136" y="2420888"/>
-            <a:ext cx="864047" cy="769888"/>
+            <a:off x="5796137" y="1815666"/>
+            <a:ext cx="864047" cy="577416"/>
           </a:xfrm>
           <a:prstGeom prst="straightConnector1">
             <a:avLst/>
@@ -7269,8 +7278,8 @@
         </p:nvSpPr>
         <p:spPr>
           <a:xfrm>
-            <a:off x="611560" y="4077072"/>
-            <a:ext cx="2016125" cy="886296"/>
+            <a:off x="611560" y="3057804"/>
+            <a:ext cx="2016125" cy="664722"/>
           </a:xfrm>
           <a:prstGeom prst="roundRect">
             <a:avLst/>
@@ -7322,8 +7331,8 @@
         </p:nvSpPr>
         <p:spPr>
           <a:xfrm>
-            <a:off x="3347864" y="4077072"/>
-            <a:ext cx="2016125" cy="886296"/>
+            <a:off x="3347865" y="3057804"/>
+            <a:ext cx="2016125" cy="664722"/>
           </a:xfrm>
           <a:prstGeom prst="roundRect">
             <a:avLst/>
@@ -7375,8 +7384,8 @@
         </p:nvSpPr>
         <p:spPr>
           <a:xfrm>
-            <a:off x="6300192" y="4054872"/>
-            <a:ext cx="2016125" cy="886296"/>
+            <a:off x="6300193" y="3041154"/>
+            <a:ext cx="2016125" cy="664722"/>
           </a:xfrm>
           <a:prstGeom prst="roundRect">
             <a:avLst/>
@@ -8276,8 +8285,8 @@
         </p:nvSpPr>
         <p:spPr>
           <a:xfrm>
-            <a:off x="479425" y="1550988"/>
-            <a:ext cx="8229600" cy="857250"/>
+            <a:off x="479425" y="1163241"/>
+            <a:ext cx="8229600" cy="642938"/>
           </a:xfrm>
           <a:prstGeom prst="rect">
             <a:avLst/>
@@ -8285,7 +8294,7 @@
         </p:spPr>
         <p:txBody>
           <a:bodyPr vert="horz" lIns="91440" tIns="45720" rIns="91440" bIns="45720" rtlCol="0" anchor="ctr">
-            <a:normAutofit/>
+            <a:normAutofit fontScale="92500" lnSpcReduction="20000"/>
           </a:bodyPr>
           <a:lstStyle/>
           <a:p>
@@ -8334,7 +8343,7 @@
         </p:nvSpPr>
         <p:spPr>
           <a:xfrm>
-            <a:off x="611560" y="3140968"/>
+            <a:off x="611560" y="2355726"/>
             <a:ext cx="7200800" cy="400110"/>
           </a:xfrm>
           <a:prstGeom prst="rect">
@@ -8649,8 +8658,8 @@
         </p:blipFill>
         <p:spPr bwMode="auto">
           <a:xfrm>
-            <a:off x="971600" y="1556792"/>
-            <a:ext cx="7210425" cy="2085975"/>
+            <a:off x="971600" y="1167594"/>
+            <a:ext cx="7210425" cy="1564481"/>
           </a:xfrm>
           <a:prstGeom prst="rect">
             <a:avLst/>
@@ -8681,8 +8690,8 @@
         </p:blipFill>
         <p:spPr bwMode="auto">
           <a:xfrm>
-            <a:off x="971600" y="4077072"/>
-            <a:ext cx="7181850" cy="1771650"/>
+            <a:off x="971600" y="3057804"/>
+            <a:ext cx="7181850" cy="1328738"/>
           </a:xfrm>
           <a:prstGeom prst="rect">
             <a:avLst/>
@@ -8704,8 +8713,8 @@
         </p:nvSpPr>
         <p:spPr>
           <a:xfrm>
-            <a:off x="3347864" y="1556792"/>
-            <a:ext cx="2160240" cy="432048"/>
+            <a:off x="3347864" y="1167594"/>
+            <a:ext cx="2160240" cy="324036"/>
           </a:xfrm>
           <a:prstGeom prst="rect">
             <a:avLst/>
@@ -8750,8 +8759,8 @@
         </p:nvSpPr>
         <p:spPr>
           <a:xfrm>
-            <a:off x="1259632" y="332656"/>
-            <a:ext cx="2016125" cy="886296"/>
+            <a:off x="1259633" y="249492"/>
+            <a:ext cx="2016125" cy="664722"/>
           </a:xfrm>
           <a:prstGeom prst="roundRect">
             <a:avLst/>
@@ -8816,8 +8825,8 @@
         </p:nvCxnSpPr>
         <p:spPr>
           <a:xfrm flipH="1" flipV="1">
-            <a:off x="3347864" y="980728"/>
-            <a:ext cx="1008112" cy="576064"/>
+            <a:off x="3347864" y="735546"/>
+            <a:ext cx="1008112" cy="432048"/>
           </a:xfrm>
           <a:prstGeom prst="straightConnector1">
             <a:avLst/>
@@ -8852,8 +8861,8 @@
         </p:nvSpPr>
         <p:spPr>
           <a:xfrm>
-            <a:off x="1187624" y="2780928"/>
-            <a:ext cx="2016125" cy="886296"/>
+            <a:off x="1187625" y="2085696"/>
+            <a:ext cx="2016125" cy="664722"/>
           </a:xfrm>
           <a:prstGeom prst="roundRect">
             <a:avLst/>
@@ -8910,8 +8919,8 @@
         </p:nvCxnSpPr>
         <p:spPr>
           <a:xfrm flipH="1" flipV="1">
-            <a:off x="2555776" y="3717032"/>
-            <a:ext cx="576064" cy="792088"/>
+            <a:off x="2555776" y="2787774"/>
+            <a:ext cx="576064" cy="594066"/>
           </a:xfrm>
           <a:prstGeom prst="straightConnector1">
             <a:avLst/>
@@ -8946,8 +8955,8 @@
         </p:nvSpPr>
         <p:spPr>
           <a:xfrm>
-            <a:off x="2555776" y="4509120"/>
-            <a:ext cx="1440160" cy="360040"/>
+            <a:off x="2555776" y="3381840"/>
+            <a:ext cx="1440160" cy="270030"/>
           </a:xfrm>
           <a:prstGeom prst="rect">
             <a:avLst/>
@@ -8992,8 +9001,8 @@
         </p:nvSpPr>
         <p:spPr>
           <a:xfrm>
-            <a:off x="6588224" y="1556792"/>
-            <a:ext cx="792088" cy="432048"/>
+            <a:off x="6588224" y="1167594"/>
+            <a:ext cx="792088" cy="324036"/>
           </a:xfrm>
           <a:prstGeom prst="rect">
             <a:avLst/>
@@ -9038,8 +9047,8 @@
         </p:nvSpPr>
         <p:spPr>
           <a:xfrm>
-            <a:off x="5364088" y="260648"/>
-            <a:ext cx="2016125" cy="886296"/>
+            <a:off x="5364089" y="195486"/>
+            <a:ext cx="2016125" cy="664722"/>
           </a:xfrm>
           <a:prstGeom prst="roundRect">
             <a:avLst/>
@@ -9106,8 +9115,8 @@
         </p:nvCxnSpPr>
         <p:spPr>
           <a:xfrm flipH="1" flipV="1">
-            <a:off x="6516216" y="1124744"/>
-            <a:ext cx="468052" cy="432048"/>
+            <a:off x="6516216" y="843558"/>
+            <a:ext cx="468052" cy="324036"/>
           </a:xfrm>
           <a:prstGeom prst="straightConnector1">
             <a:avLst/>
@@ -10156,12 +10165,14 @@
         </p:nvSpPr>
         <p:spPr>
           <a:xfrm>
-            <a:off x="457200" y="1600200"/>
-            <a:ext cx="8229600" cy="677333"/>
+            <a:off x="457200" y="1200150"/>
+            <a:ext cx="8229600" cy="508000"/>
           </a:xfrm>
         </p:spPr>
         <p:txBody>
-          <a:bodyPr/>
+          <a:bodyPr>
+            <a:normAutofit fontScale="92500" lnSpcReduction="10000"/>
+          </a:bodyPr>
           <a:lstStyle/>
           <a:p>
             <a:pPr marL="0" indent="0">
@@ -10199,7 +10210,7 @@
         </p:nvSpPr>
         <p:spPr>
           <a:xfrm>
-            <a:off x="457200" y="2372784"/>
+            <a:off x="457200" y="1779588"/>
             <a:ext cx="8229600" cy="400110"/>
           </a:xfrm>
           <a:prstGeom prst="rect">
@@ -10297,8 +10308,8 @@
         </p:blipFill>
         <p:spPr bwMode="auto">
           <a:xfrm>
-            <a:off x="1043608" y="3212976"/>
-            <a:ext cx="4467225" cy="1743075"/>
+            <a:off x="1043609" y="2409733"/>
+            <a:ext cx="4467225" cy="1307306"/>
           </a:xfrm>
           <a:prstGeom prst="rect">
             <a:avLst/>
@@ -10320,8 +10331,8 @@
         </p:nvSpPr>
         <p:spPr>
           <a:xfrm>
-            <a:off x="2267744" y="4005064"/>
-            <a:ext cx="1080120" cy="432048"/>
+            <a:off x="2267744" y="3003798"/>
+            <a:ext cx="1080120" cy="324036"/>
           </a:xfrm>
           <a:prstGeom prst="rect">
             <a:avLst/>
@@ -10366,8 +10377,8 @@
         </p:nvSpPr>
         <p:spPr>
           <a:xfrm>
-            <a:off x="3635896" y="4005064"/>
-            <a:ext cx="1656184" cy="432048"/>
+            <a:off x="3635896" y="3003798"/>
+            <a:ext cx="1656184" cy="324036"/>
           </a:xfrm>
           <a:prstGeom prst="rect">
             <a:avLst/>
@@ -10412,8 +10423,8 @@
         </p:nvSpPr>
         <p:spPr>
           <a:xfrm>
-            <a:off x="1475656" y="5085184"/>
-            <a:ext cx="2016125" cy="886296"/>
+            <a:off x="1475657" y="3813888"/>
+            <a:ext cx="2016125" cy="664722"/>
           </a:xfrm>
           <a:prstGeom prst="roundRect">
             <a:avLst/>
@@ -10472,8 +10483,8 @@
         </p:nvCxnSpPr>
         <p:spPr>
           <a:xfrm flipH="1">
-            <a:off x="2483719" y="4437112"/>
-            <a:ext cx="288081" cy="648072"/>
+            <a:off x="2483720" y="3327834"/>
+            <a:ext cx="288081" cy="486054"/>
           </a:xfrm>
           <a:prstGeom prst="straightConnector1">
             <a:avLst/>
@@ -10508,8 +10519,8 @@
         </p:nvSpPr>
         <p:spPr>
           <a:xfrm>
-            <a:off x="3779912" y="5085184"/>
-            <a:ext cx="2016125" cy="886296"/>
+            <a:off x="3779913" y="3813888"/>
+            <a:ext cx="2016125" cy="664722"/>
           </a:xfrm>
           <a:prstGeom prst="roundRect">
             <a:avLst/>
@@ -10568,8 +10579,8 @@
         </p:nvCxnSpPr>
         <p:spPr>
           <a:xfrm>
-            <a:off x="4500042" y="4437112"/>
-            <a:ext cx="287933" cy="648072"/>
+            <a:off x="4500043" y="3327834"/>
+            <a:ext cx="287933" cy="486054"/>
           </a:xfrm>
           <a:prstGeom prst="straightConnector1">
             <a:avLst/>
@@ -11405,8 +11416,8 @@
         </p:blipFill>
         <p:spPr bwMode="auto">
           <a:xfrm>
-            <a:off x="928688" y="2133600"/>
-            <a:ext cx="7286625" cy="2590800"/>
+            <a:off x="928689" y="1600200"/>
+            <a:ext cx="7286625" cy="1943100"/>
           </a:xfrm>
           <a:prstGeom prst="rect">
             <a:avLst/>
@@ -11428,8 +11439,8 @@
         </p:nvSpPr>
         <p:spPr>
           <a:xfrm>
-            <a:off x="2627784" y="3140968"/>
-            <a:ext cx="5544616" cy="360040"/>
+            <a:off x="2627784" y="2355726"/>
+            <a:ext cx="5544616" cy="270030"/>
           </a:xfrm>
           <a:prstGeom prst="rect">
             <a:avLst/>
@@ -11474,8 +11485,8 @@
         </p:nvSpPr>
         <p:spPr>
           <a:xfrm>
-            <a:off x="3995936" y="1196752"/>
-            <a:ext cx="2520280" cy="886296"/>
+            <a:off x="3995936" y="897564"/>
+            <a:ext cx="2520280" cy="664722"/>
           </a:xfrm>
           <a:prstGeom prst="roundRect">
             <a:avLst/>
@@ -11532,8 +11543,8 @@
         </p:nvCxnSpPr>
         <p:spPr>
           <a:xfrm flipH="1" flipV="1">
-            <a:off x="5292080" y="2060848"/>
-            <a:ext cx="50" cy="1080120"/>
+            <a:off x="5292080" y="1545636"/>
+            <a:ext cx="50" cy="810090"/>
           </a:xfrm>
           <a:prstGeom prst="straightConnector1">
             <a:avLst/>
@@ -11568,8 +11579,8 @@
         </p:nvSpPr>
         <p:spPr>
           <a:xfrm>
-            <a:off x="2627784" y="3501008"/>
-            <a:ext cx="1728192" cy="360040"/>
+            <a:off x="2627784" y="2625756"/>
+            <a:ext cx="1728192" cy="270030"/>
           </a:xfrm>
           <a:prstGeom prst="rect">
             <a:avLst/>
@@ -11614,8 +11625,8 @@
         </p:nvCxnSpPr>
         <p:spPr>
           <a:xfrm flipH="1">
-            <a:off x="3491880" y="3861048"/>
-            <a:ext cx="50" cy="864096"/>
+            <a:off x="3491880" y="2895786"/>
+            <a:ext cx="50" cy="648072"/>
           </a:xfrm>
           <a:prstGeom prst="straightConnector1">
             <a:avLst/>
@@ -11650,8 +11661,8 @@
         </p:nvSpPr>
         <p:spPr>
           <a:xfrm>
-            <a:off x="2267744" y="4725144"/>
-            <a:ext cx="2520280" cy="886296"/>
+            <a:off x="2267744" y="3543858"/>
+            <a:ext cx="2520280" cy="664722"/>
           </a:xfrm>
           <a:prstGeom prst="roundRect">
             <a:avLst/>
@@ -12283,8 +12294,8 @@
         </p:nvSpPr>
         <p:spPr>
           <a:xfrm>
-            <a:off x="467544" y="1268760"/>
-            <a:ext cx="8229600" cy="1143000"/>
+            <a:off x="467544" y="951570"/>
+            <a:ext cx="8229600" cy="857250"/>
           </a:xfrm>
         </p:spPr>
         <p:txBody>
@@ -12335,8 +12346,8 @@
         </p:nvSpPr>
         <p:spPr>
           <a:xfrm>
-            <a:off x="467544" y="2852936"/>
-            <a:ext cx="8229600" cy="2697163"/>
+            <a:off x="467544" y="2139703"/>
+            <a:ext cx="8229600" cy="2022872"/>
           </a:xfrm>
         </p:spPr>
         <p:txBody>
@@ -12410,8 +12421,8 @@
         </p:nvSpPr>
         <p:spPr>
           <a:xfrm>
-            <a:off x="611560" y="1196752"/>
-            <a:ext cx="8229600" cy="508000"/>
+            <a:off x="611560" y="897564"/>
+            <a:ext cx="8229600" cy="381000"/>
           </a:xfrm>
           <a:prstGeom prst="rect">
             <a:avLst/>
@@ -12469,8 +12480,8 @@
         </p:nvSpPr>
         <p:spPr>
           <a:xfrm>
-            <a:off x="609600" y="2776984"/>
-            <a:ext cx="8229600" cy="508000"/>
+            <a:off x="609600" y="2082738"/>
+            <a:ext cx="8229600" cy="381000"/>
           </a:xfrm>
           <a:prstGeom prst="rect">
             <a:avLst/>
@@ -12806,8 +12817,8 @@
         </p:nvSpPr>
         <p:spPr>
           <a:xfrm>
-            <a:off x="457200" y="1200150"/>
-            <a:ext cx="8229600" cy="508000"/>
+            <a:off x="457200" y="900112"/>
+            <a:ext cx="8229600" cy="381000"/>
           </a:xfrm>
           <a:prstGeom prst="rect">
             <a:avLst/>
@@ -12885,8 +12896,8 @@
         </p:blipFill>
         <p:spPr bwMode="auto">
           <a:xfrm>
-            <a:off x="827584" y="2204864"/>
-            <a:ext cx="6772275" cy="2333625"/>
+            <a:off x="827584" y="1653648"/>
+            <a:ext cx="6772275" cy="1750219"/>
           </a:xfrm>
           <a:prstGeom prst="rect">
             <a:avLst/>
@@ -12908,8 +12919,8 @@
         </p:nvSpPr>
         <p:spPr>
           <a:xfrm>
-            <a:off x="3491880" y="908720"/>
-            <a:ext cx="3384376" cy="886296"/>
+            <a:off x="3491880" y="681540"/>
+            <a:ext cx="3384376" cy="664722"/>
           </a:xfrm>
           <a:prstGeom prst="roundRect">
             <a:avLst/>
@@ -12966,8 +12977,8 @@
         </p:nvCxnSpPr>
         <p:spPr>
           <a:xfrm flipV="1">
-            <a:off x="2627784" y="1844824"/>
-            <a:ext cx="2304256" cy="648072"/>
+            <a:off x="2627784" y="1383618"/>
+            <a:ext cx="2304256" cy="486054"/>
           </a:xfrm>
           <a:prstGeom prst="straightConnector1">
             <a:avLst/>
@@ -13002,8 +13013,8 @@
         </p:nvSpPr>
         <p:spPr>
           <a:xfrm>
-            <a:off x="2915816" y="4797152"/>
-            <a:ext cx="2952328" cy="886296"/>
+            <a:off x="2915816" y="3597864"/>
+            <a:ext cx="2952328" cy="664722"/>
           </a:xfrm>
           <a:prstGeom prst="roundRect">
             <a:avLst/>
@@ -13062,8 +13073,8 @@
         </p:nvCxnSpPr>
         <p:spPr>
           <a:xfrm>
-            <a:off x="4355976" y="2780928"/>
-            <a:ext cx="36004" cy="2016224"/>
+            <a:off x="4355976" y="2085696"/>
+            <a:ext cx="36004" cy="1512168"/>
           </a:xfrm>
           <a:prstGeom prst="straightConnector1">
             <a:avLst/>
@@ -13887,8 +13898,8 @@
         </p:nvSpPr>
         <p:spPr>
           <a:xfrm>
-            <a:off x="457200" y="1200150"/>
-            <a:ext cx="8229600" cy="508000"/>
+            <a:off x="457200" y="900112"/>
+            <a:ext cx="8229600" cy="381000"/>
           </a:xfrm>
           <a:prstGeom prst="rect">
             <a:avLst/>
@@ -13966,8 +13977,8 @@
         </p:blipFill>
         <p:spPr bwMode="auto">
           <a:xfrm>
-            <a:off x="1043608" y="2348880"/>
-            <a:ext cx="5181600" cy="1885950"/>
+            <a:off x="1043608" y="1761660"/>
+            <a:ext cx="5181600" cy="1414463"/>
           </a:xfrm>
           <a:prstGeom prst="rect">
             <a:avLst/>
@@ -14250,8 +14261,8 @@
         </p:blipFill>
         <p:spPr bwMode="auto">
           <a:xfrm>
-            <a:off x="2339752" y="968499"/>
-            <a:ext cx="4200525" cy="2676525"/>
+            <a:off x="2339753" y="72